--- a/it.unibo.issLabStart/userDocs/ISSM2020.pptx
+++ b/it.unibo.issLabStart/userDocs/ISSM2020.pptx
@@ -213,7 +213,7 @@
           <a:p>
             <a:fld id="{87B1E067-8CD6-47D2-8022-8E53E4BB7437}" type="datetimeFigureOut">
               <a:rPr lang="en-GB" smtClean="0"/>
-              <a:t>20/02/2020</a:t>
+              <a:t>02/03/2020</a:t>
             </a:fld>
             <a:endParaRPr lang="en-GB"/>
           </a:p>
@@ -379,7 +379,7 @@
           <a:p>
             <a:fld id="{71BD2418-2684-45EC-AEF4-BE55BBAB5B4F}" type="datetimeFigureOut">
               <a:rPr lang="en-GB" smtClean="0"/>
-              <a:t>20/02/2020</a:t>
+              <a:t>02/03/2020</a:t>
             </a:fld>
             <a:endParaRPr lang="en-GB"/>
           </a:p>
@@ -943,9 +943,9 @@
           <a:bodyPr/>
           <a:lstStyle/>
           <a:p>
-            <a:fld id="{D9595F98-1933-441C-BA50-18B72012DF14}" type="datetime1">
+            <a:fld id="{69EC26FC-4149-4381-B200-0ACC926D0C10}" type="datetime1">
               <a:rPr lang="en-GB" smtClean="0"/>
-              <a:t>20/02/2020</a:t>
+              <a:t>02/03/2020</a:t>
             </a:fld>
             <a:endParaRPr lang="en-GB"/>
           </a:p>
@@ -1300,9 +1300,9 @@
           <a:bodyPr/>
           <a:lstStyle/>
           <a:p>
-            <a:fld id="{B41D6856-A74F-4D12-A7EA-FBF4BC606A01}" type="datetime1">
+            <a:fld id="{77675063-8333-41A8-A131-A42E0F0649C6}" type="datetime1">
               <a:rPr lang="en-GB" smtClean="0"/>
-              <a:t>20/02/2020</a:t>
+              <a:t>02/03/2020</a:t>
             </a:fld>
             <a:endParaRPr lang="en-GB"/>
           </a:p>
@@ -1479,9 +1479,9 @@
           <a:bodyPr/>
           <a:lstStyle/>
           <a:p>
-            <a:fld id="{44D436FB-4B5D-4552-9CD8-6019062A31FE}" type="datetime1">
+            <a:fld id="{99167A15-39CA-42AA-A3F4-D4AAF34DD1E5}" type="datetime1">
               <a:rPr lang="en-GB" smtClean="0"/>
-              <a:t>20/02/2020</a:t>
+              <a:t>02/03/2020</a:t>
             </a:fld>
             <a:endParaRPr lang="en-GB"/>
           </a:p>
@@ -1538,7 +1538,6 @@
   <p:clrMapOvr>
     <a:masterClrMapping/>
   </p:clrMapOvr>
-  <p:hf sldNum="0" hdr="0" dt="0"/>
 </p:sldLayout>
 </file>
 
@@ -1597,9 +1596,9 @@
           <a:bodyPr/>
           <a:lstStyle/>
           <a:p>
-            <a:fld id="{D78247FD-A7E5-42CE-B5D4-75F88E18B71D}" type="datetime1">
+            <a:fld id="{1A87AFF6-4C91-482D-BDF5-223514DB0B0D}" type="datetime1">
               <a:rPr lang="en-GB" smtClean="0"/>
-              <a:t>20/02/2020</a:t>
+              <a:t>02/03/2020</a:t>
             </a:fld>
             <a:endParaRPr lang="en-GB"/>
           </a:p>
@@ -1959,9 +1958,9 @@
           <a:bodyPr/>
           <a:lstStyle/>
           <a:p>
-            <a:fld id="{C798E7CD-67FF-40C9-9514-5EA158E600F3}" type="datetime1">
+            <a:fld id="{A945ADE7-28FF-42C7-B167-7DC7A77ED2F3}" type="datetime1">
               <a:rPr lang="en-GB" smtClean="0"/>
-              <a:t>20/02/2020</a:t>
+              <a:t>02/03/2020</a:t>
             </a:fld>
             <a:endParaRPr lang="en-GB"/>
           </a:p>
@@ -2228,9 +2227,9 @@
           <a:bodyPr/>
           <a:lstStyle/>
           <a:p>
-            <a:fld id="{16782984-0E9D-4C84-9349-62E6E7E1D65A}" type="datetime1">
+            <a:fld id="{092EA350-1E2E-41EE-BD8A-FB0D72F078C3}" type="datetime1">
               <a:rPr lang="en-GB" smtClean="0"/>
-              <a:t>20/02/2020</a:t>
+              <a:t>02/03/2020</a:t>
             </a:fld>
             <a:endParaRPr lang="en-GB"/>
           </a:p>
@@ -2594,9 +2593,9 @@
           <a:bodyPr/>
           <a:lstStyle/>
           <a:p>
-            <a:fld id="{BEA79AA6-8369-45F7-92AD-D9B5F8DE796A}" type="datetime1">
+            <a:fld id="{F8F1314B-6929-4AD1-B5B4-312DAFF8489C}" type="datetime1">
               <a:rPr lang="en-GB" smtClean="0"/>
-              <a:t>20/02/2020</a:t>
+              <a:t>02/03/2020</a:t>
             </a:fld>
             <a:endParaRPr lang="en-GB"/>
           </a:p>
@@ -2825,9 +2824,9 @@
           <a:bodyPr/>
           <a:lstStyle/>
           <a:p>
-            <a:fld id="{FADAC49E-75AC-4A50-8B17-87FF733727B5}" type="datetime1">
+            <a:fld id="{CF5B218E-BA98-4F08-AFAD-55E0F9C51274}" type="datetime1">
               <a:rPr lang="en-GB" smtClean="0"/>
-              <a:t>20/02/2020</a:t>
+              <a:t>02/03/2020</a:t>
             </a:fld>
             <a:endParaRPr lang="en-GB"/>
           </a:p>
@@ -2919,9 +2918,9 @@
           <a:bodyPr/>
           <a:lstStyle/>
           <a:p>
-            <a:fld id="{D9156658-CFA9-4EB4-9E8F-F5D385A50BB2}" type="datetime1">
+            <a:fld id="{8AF6CE76-28A1-4CD7-9645-E1D020974391}" type="datetime1">
               <a:rPr lang="en-GB" smtClean="0"/>
-              <a:t>20/02/2020</a:t>
+              <a:t>02/03/2020</a:t>
             </a:fld>
             <a:endParaRPr lang="en-GB"/>
           </a:p>
@@ -3190,9 +3189,9 @@
           <a:bodyPr/>
           <a:lstStyle/>
           <a:p>
-            <a:fld id="{61FEA345-6865-4C53-BF50-A165451CD848}" type="datetime1">
+            <a:fld id="{BADBD3C4-D885-44D5-BC36-8CDC16C4E35A}" type="datetime1">
               <a:rPr lang="en-GB" smtClean="0"/>
-              <a:t>20/02/2020</a:t>
+              <a:t>02/03/2020</a:t>
             </a:fld>
             <a:endParaRPr lang="en-GB"/>
           </a:p>
@@ -3422,9 +3421,9 @@
           <a:bodyPr/>
           <a:lstStyle/>
           <a:p>
-            <a:fld id="{9BC7D793-C1DB-4EB1-8AB7-9BEB23AE5DB9}" type="datetime1">
+            <a:fld id="{D0C37988-22DC-4746-8A43-E6C6BF5D65EE}" type="datetime1">
               <a:rPr lang="en-GB" smtClean="0"/>
-              <a:t>20/02/2020</a:t>
+              <a:t>02/03/2020</a:t>
             </a:fld>
             <a:endParaRPr lang="en-GB"/>
           </a:p>
@@ -3925,9 +3924,9 @@
             </a:lvl1pPr>
           </a:lstStyle>
           <a:p>
-            <a:fld id="{44D436FB-4B5D-4552-9CD8-6019062A31FE}" type="datetime1">
+            <a:fld id="{5A18A74E-3BE8-4B6E-81A4-95A392C53EA5}" type="datetime1">
               <a:rPr lang="en-GB" smtClean="0"/>
-              <a:t>20/02/2020</a:t>
+              <a:t>02/03/2020</a:t>
             </a:fld>
             <a:endParaRPr lang="en-GB"/>
           </a:p>
@@ -4035,7 +4034,7 @@
     <p:sldLayoutId id="2147483814" r:id="rId10"/>
     <p:sldLayoutId id="2147483815" r:id="rId11"/>
   </p:sldLayoutIdLst>
-  <p:hf sldNum="0" hdr="0" dt="0"/>
+  <p:hf hdr="0" dt="0"/>
   <p:txStyles>
     <p:titleStyle>
       <a:lvl1pPr algn="l" rtl="0" eaLnBrk="1" latinLnBrk="0" hangingPunct="1">
@@ -4396,8 +4395,20 @@
           <a:lstStyle/>
           <a:p>
             <a:r>
-              <a:rPr lang="it-IT" smtClean="0"/>
-              <a:t>ANatali  - DISI - ISSM2020  Univeristy of Bologna</a:t>
+              <a:rPr lang="it-IT" dirty="0" err="1" smtClean="0"/>
+              <a:t>ANatali</a:t>
+            </a:r>
+            <a:r>
+              <a:rPr lang="it-IT" dirty="0" smtClean="0"/>
+              <a:t>  - DISI - ISSM2020  </a:t>
+            </a:r>
+            <a:r>
+              <a:rPr lang="it-IT" dirty="0" err="1" smtClean="0"/>
+              <a:t>Univeristy</a:t>
+            </a:r>
+            <a:r>
+              <a:rPr lang="it-IT" dirty="0" smtClean="0"/>
+              <a:t> of Bologna</a:t>
             </a:r>
             <a:endParaRPr lang="en-GB" dirty="0"/>
           </a:p>
@@ -4423,6 +4434,89 @@
               <a:t> INGEGNERIA DEI SISTEMI SOFTWARE M - 72939</a:t>
             </a:r>
             <a:endParaRPr lang="en-GB" dirty="0"/>
+          </a:p>
+        </p:txBody>
+      </p:sp>
+      <p:sp>
+        <p:nvSpPr>
+          <p:cNvPr id="5" name="Rettangolo 4"/>
+          <p:cNvSpPr/>
+          <p:nvPr/>
+        </p:nvSpPr>
+        <p:spPr>
+          <a:xfrm>
+            <a:off x="2286000" y="2828836"/>
+            <a:ext cx="4572000" cy="1200329"/>
+          </a:xfrm>
+          <a:prstGeom prst="rect">
+            <a:avLst/>
+          </a:prstGeom>
+        </p:spPr>
+        <p:txBody>
+          <a:bodyPr>
+            <a:spAutoFit/>
+          </a:bodyPr>
+          <a:lstStyle/>
+          <a:p>
+            <a:r>
+              <a:rPr lang="en-GB" dirty="0"/>
+              <a:t>&lt;a </a:t>
+            </a:r>
+            <a:r>
+              <a:rPr lang="en-GB" dirty="0" err="1"/>
+              <a:t>href</a:t>
+            </a:r>
+            <a:r>
+              <a:rPr lang="en-GB" dirty="0"/>
+              <a:t>="https://github.com/</a:t>
+            </a:r>
+            <a:r>
+              <a:rPr lang="en-GB" dirty="0" err="1"/>
+              <a:t>anatali</a:t>
+            </a:r>
+            <a:r>
+              <a:rPr lang="en-GB" dirty="0"/>
+              <a:t>/iss2020LabBo/blob/master/</a:t>
+            </a:r>
+            <a:r>
+              <a:rPr lang="en-GB" dirty="0" err="1"/>
+              <a:t>it.unibo.issLabStart</a:t>
+            </a:r>
+            <a:r>
+              <a:rPr lang="en-GB" dirty="0"/>
+              <a:t>/</a:t>
+            </a:r>
+            <a:r>
+              <a:rPr lang="en-GB" dirty="0" err="1"/>
+              <a:t>userDocs</a:t>
+            </a:r>
+            <a:r>
+              <a:rPr lang="en-GB" dirty="0"/>
+              <a:t>/ISSM2020.pdf" target="web"&gt;</a:t>
+            </a:r>
+          </a:p>
+        </p:txBody>
+      </p:sp>
+      <p:sp>
+        <p:nvSpPr>
+          <p:cNvPr id="6" name="Segnaposto numero diapositiva 5"/>
+          <p:cNvSpPr>
+            <a:spLocks noGrp="1"/>
+          </p:cNvSpPr>
+          <p:nvPr>
+            <p:ph type="sldNum" sz="quarter" idx="12"/>
+          </p:nvPr>
+        </p:nvSpPr>
+        <p:spPr/>
+        <p:txBody>
+          <a:bodyPr/>
+          <a:lstStyle/>
+          <a:p>
+            <a:fld id="{6F6A5AB3-AF76-4EC9-853D-D4C335162C13}" type="slidenum">
+              <a:rPr lang="en-GB" smtClean="0"/>
+              <a:t>1</a:t>
+            </a:fld>
+            <a:endParaRPr lang="en-GB"/>
           </a:p>
         </p:txBody>
       </p:sp>
@@ -4565,13 +4659,8 @@
             </a:r>
             <a:r>
               <a:rPr lang="it-IT" dirty="0" smtClean="0"/>
-              <a:t> … </a:t>
-            </a:r>
-            <a:r>
-              <a:rPr lang="it-IT" dirty="0" smtClean="0"/>
-              <a:t>:</a:t>
-            </a:r>
-            <a:endParaRPr lang="it-IT" dirty="0" smtClean="0"/>
+              <a:t> … :</a:t>
+            </a:r>
           </a:p>
           <a:p>
             <a:pPr lvl="1"/>
@@ -4758,6 +4847,29 @@
               <a:t>	</a:t>
             </a:r>
             <a:endParaRPr lang="en-GB" dirty="0"/>
+          </a:p>
+        </p:txBody>
+      </p:sp>
+      <p:sp>
+        <p:nvSpPr>
+          <p:cNvPr id="5" name="Segnaposto numero diapositiva 4"/>
+          <p:cNvSpPr>
+            <a:spLocks noGrp="1"/>
+          </p:cNvSpPr>
+          <p:nvPr>
+            <p:ph type="sldNum" sz="quarter" idx="12"/>
+          </p:nvPr>
+        </p:nvSpPr>
+        <p:spPr/>
+        <p:txBody>
+          <a:bodyPr/>
+          <a:lstStyle/>
+          <a:p>
+            <a:fld id="{6F6A5AB3-AF76-4EC9-853D-D4C335162C13}" type="slidenum">
+              <a:rPr lang="en-GB" smtClean="0"/>
+              <a:t>10</a:t>
+            </a:fld>
+            <a:endParaRPr lang="en-GB"/>
           </a:p>
         </p:txBody>
       </p:sp>
@@ -4923,6 +5035,29 @@
           </a:p>
         </p:txBody>
       </p:sp>
+      <p:sp>
+        <p:nvSpPr>
+          <p:cNvPr id="5" name="Segnaposto numero diapositiva 4"/>
+          <p:cNvSpPr>
+            <a:spLocks noGrp="1"/>
+          </p:cNvSpPr>
+          <p:nvPr>
+            <p:ph type="sldNum" sz="quarter" idx="12"/>
+          </p:nvPr>
+        </p:nvSpPr>
+        <p:spPr/>
+        <p:txBody>
+          <a:bodyPr/>
+          <a:lstStyle/>
+          <a:p>
+            <a:fld id="{6F6A5AB3-AF76-4EC9-853D-D4C335162C13}" type="slidenum">
+              <a:rPr lang="en-GB" smtClean="0"/>
+              <a:t>11</a:t>
+            </a:fld>
+            <a:endParaRPr lang="en-GB"/>
+          </a:p>
+        </p:txBody>
+      </p:sp>
     </p:spTree>
     <p:extLst>
       <p:ext uri="{BB962C8B-B14F-4D97-AF65-F5344CB8AC3E}">
@@ -5072,6 +5207,29 @@
           </a:p>
         </p:txBody>
       </p:sp>
+      <p:sp>
+        <p:nvSpPr>
+          <p:cNvPr id="5" name="Segnaposto numero diapositiva 4"/>
+          <p:cNvSpPr>
+            <a:spLocks noGrp="1"/>
+          </p:cNvSpPr>
+          <p:nvPr>
+            <p:ph type="sldNum" sz="quarter" idx="12"/>
+          </p:nvPr>
+        </p:nvSpPr>
+        <p:spPr/>
+        <p:txBody>
+          <a:bodyPr/>
+          <a:lstStyle/>
+          <a:p>
+            <a:fld id="{6F6A5AB3-AF76-4EC9-853D-D4C335162C13}" type="slidenum">
+              <a:rPr lang="en-GB" smtClean="0"/>
+              <a:t>12</a:t>
+            </a:fld>
+            <a:endParaRPr lang="en-GB"/>
+          </a:p>
+        </p:txBody>
+      </p:sp>
     </p:spTree>
     <p:extLst>
       <p:ext uri="{BB962C8B-B14F-4D97-AF65-F5344CB8AC3E}">
@@ -5217,13 +5375,7 @@
               <a:rPr lang="en-GB" u="sng" dirty="0" smtClean="0">
                 <a:hlinkClick r:id="rId5"/>
               </a:rPr>
-              <a:t>end user(s</a:t>
-            </a:r>
-            <a:r>
-              <a:rPr lang="en-GB" u="sng" dirty="0" smtClean="0">
-                <a:hlinkClick r:id="rId5"/>
-              </a:rPr>
-              <a:t>)</a:t>
+              <a:t>end user(s)</a:t>
             </a:r>
             <a:r>
               <a:rPr lang="en-GB" dirty="0" smtClean="0"/>
@@ -5297,6 +5449,29 @@
           </a:p>
           <a:p>
             <a:endParaRPr lang="en-GB" dirty="0"/>
+          </a:p>
+        </p:txBody>
+      </p:sp>
+      <p:sp>
+        <p:nvSpPr>
+          <p:cNvPr id="5" name="Segnaposto numero diapositiva 4"/>
+          <p:cNvSpPr>
+            <a:spLocks noGrp="1"/>
+          </p:cNvSpPr>
+          <p:nvPr>
+            <p:ph type="sldNum" sz="quarter" idx="12"/>
+          </p:nvPr>
+        </p:nvSpPr>
+        <p:spPr/>
+        <p:txBody>
+          <a:bodyPr/>
+          <a:lstStyle/>
+          <a:p>
+            <a:fld id="{6F6A5AB3-AF76-4EC9-853D-D4C335162C13}" type="slidenum">
+              <a:rPr lang="en-GB" smtClean="0"/>
+              <a:t>13</a:t>
+            </a:fld>
+            <a:endParaRPr lang="en-GB"/>
           </a:p>
         </p:txBody>
       </p:sp>
@@ -5547,13 +5722,7 @@
               <a:rPr lang="en-GB" sz="2800" dirty="0" smtClean="0">
                 <a:hlinkClick r:id="rId2"/>
               </a:rPr>
-              <a:t>https</a:t>
-            </a:r>
-            <a:r>
-              <a:rPr lang="en-GB" sz="2800" dirty="0" smtClean="0">
-                <a:hlinkClick r:id="rId2"/>
-              </a:rPr>
-              <a:t>://www.martinfowler.com/bliki/ModelDrivenSoftwareDevelopment.html </a:t>
+              <a:t>https://www.martinfowler.com/bliki/ModelDrivenSoftwareDevelopment.html </a:t>
             </a:r>
             <a:endParaRPr lang="en-GB" sz="2800" dirty="0" smtClean="0"/>
           </a:p>
@@ -5565,6 +5734,29 @@
               <a:t>https://en.wikipedia.org/wiki/Model-driven_engineering</a:t>
             </a:r>
             <a:endParaRPr lang="en-GB" sz="2800" dirty="0"/>
+          </a:p>
+        </p:txBody>
+      </p:sp>
+      <p:sp>
+        <p:nvSpPr>
+          <p:cNvPr id="5" name="Segnaposto numero diapositiva 4"/>
+          <p:cNvSpPr>
+            <a:spLocks noGrp="1"/>
+          </p:cNvSpPr>
+          <p:nvPr>
+            <p:ph type="sldNum" sz="quarter" idx="12"/>
+          </p:nvPr>
+        </p:nvSpPr>
+        <p:spPr/>
+        <p:txBody>
+          <a:bodyPr/>
+          <a:lstStyle/>
+          <a:p>
+            <a:fld id="{6F6A5AB3-AF76-4EC9-853D-D4C335162C13}" type="slidenum">
+              <a:rPr lang="en-GB" smtClean="0"/>
+              <a:t>14</a:t>
+            </a:fld>
+            <a:endParaRPr lang="en-GB"/>
           </a:p>
         </p:txBody>
       </p:sp>
@@ -5797,6 +5989,29 @@
           </a:p>
         </p:txBody>
       </p:sp>
+      <p:sp>
+        <p:nvSpPr>
+          <p:cNvPr id="5" name="Segnaposto numero diapositiva 4"/>
+          <p:cNvSpPr>
+            <a:spLocks noGrp="1"/>
+          </p:cNvSpPr>
+          <p:nvPr>
+            <p:ph type="sldNum" sz="quarter" idx="12"/>
+          </p:nvPr>
+        </p:nvSpPr>
+        <p:spPr/>
+        <p:txBody>
+          <a:bodyPr/>
+          <a:lstStyle/>
+          <a:p>
+            <a:fld id="{6F6A5AB3-AF76-4EC9-853D-D4C335162C13}" type="slidenum">
+              <a:rPr lang="en-GB" smtClean="0"/>
+              <a:t>15</a:t>
+            </a:fld>
+            <a:endParaRPr lang="en-GB"/>
+          </a:p>
+        </p:txBody>
+      </p:sp>
     </p:spTree>
     <p:extLst>
       <p:ext uri="{BB962C8B-B14F-4D97-AF65-F5344CB8AC3E}">
@@ -5916,11 +6131,7 @@
             </a:r>
             <a:r>
               <a:rPr lang="it-IT" dirty="0" smtClean="0"/>
-              <a:t> to control a </a:t>
-            </a:r>
-            <a:r>
-              <a:rPr lang="it-IT" dirty="0" smtClean="0"/>
-              <a:t>DDR (</a:t>
+              <a:t> to control a DDR (</a:t>
             </a:r>
             <a:r>
               <a:rPr lang="it-IT" dirty="0" err="1" smtClean="0"/>
@@ -5928,19 +6139,7 @@
             </a:r>
             <a:r>
               <a:rPr lang="it-IT" dirty="0" smtClean="0"/>
-              <a:t> </a:t>
-            </a:r>
-            <a:r>
-              <a:rPr lang="it-IT" dirty="0" smtClean="0"/>
-              <a:t>drive </a:t>
-            </a:r>
-            <a:r>
-              <a:rPr lang="it-IT" dirty="0" smtClean="0"/>
-              <a:t>robot) </a:t>
-            </a:r>
-            <a:r>
-              <a:rPr lang="it-IT" dirty="0" smtClean="0"/>
-              <a:t>so </a:t>
+              <a:t> drive robot) so </a:t>
             </a:r>
             <a:r>
               <a:rPr lang="it-IT" dirty="0" err="1" smtClean="0"/>
@@ -5950,7 +6149,6 @@
               <a:rPr lang="it-IT" dirty="0" smtClean="0"/>
               <a:t>:</a:t>
             </a:r>
-            <a:endParaRPr lang="it-IT" dirty="0" smtClean="0"/>
           </a:p>
           <a:p>
             <a:pPr lvl="1"/>
@@ -6027,11 +6225,7 @@
             </a:r>
             <a:r>
               <a:rPr lang="it-IT" dirty="0" smtClean="0"/>
-              <a:t> of </a:t>
-            </a:r>
-            <a:r>
-              <a:rPr lang="it-IT" dirty="0" smtClean="0"/>
-              <a:t>the </a:t>
+              <a:t> of the </a:t>
             </a:r>
             <a:r>
               <a:rPr lang="it-IT" dirty="0" err="1" smtClean="0"/>
@@ -6046,6 +6240,29 @@
               <a:t>space</a:t>
             </a:r>
             <a:endParaRPr lang="it-IT" dirty="0" smtClean="0"/>
+          </a:p>
+        </p:txBody>
+      </p:sp>
+      <p:sp>
+        <p:nvSpPr>
+          <p:cNvPr id="5" name="Segnaposto numero diapositiva 4"/>
+          <p:cNvSpPr>
+            <a:spLocks noGrp="1"/>
+          </p:cNvSpPr>
+          <p:nvPr>
+            <p:ph type="sldNum" sz="quarter" idx="12"/>
+          </p:nvPr>
+        </p:nvSpPr>
+        <p:spPr/>
+        <p:txBody>
+          <a:bodyPr/>
+          <a:lstStyle/>
+          <a:p>
+            <a:fld id="{6F6A5AB3-AF76-4EC9-853D-D4C335162C13}" type="slidenum">
+              <a:rPr lang="en-GB" smtClean="0"/>
+              <a:t>16</a:t>
+            </a:fld>
+            <a:endParaRPr lang="en-GB"/>
           </a:p>
         </p:txBody>
       </p:sp>
@@ -6205,11 +6422,7 @@
             </a:r>
             <a:r>
               <a:rPr lang="en-GB" dirty="0" smtClean="0"/>
-              <a:t>course</a:t>
-            </a:r>
-            <a:r>
-              <a:rPr lang="en-GB" dirty="0" smtClean="0"/>
-              <a:t>.</a:t>
+              <a:t>course.</a:t>
             </a:r>
           </a:p>
           <a:p>
@@ -6271,6 +6484,29 @@
           <a:p>
             <a:pPr marL="457200" indent="-457200"/>
             <a:endParaRPr lang="en-GB" dirty="0"/>
+          </a:p>
+        </p:txBody>
+      </p:sp>
+      <p:sp>
+        <p:nvSpPr>
+          <p:cNvPr id="5" name="Segnaposto numero diapositiva 4"/>
+          <p:cNvSpPr>
+            <a:spLocks noGrp="1"/>
+          </p:cNvSpPr>
+          <p:nvPr>
+            <p:ph type="sldNum" sz="quarter" idx="12"/>
+          </p:nvPr>
+        </p:nvSpPr>
+        <p:spPr/>
+        <p:txBody>
+          <a:bodyPr/>
+          <a:lstStyle/>
+          <a:p>
+            <a:fld id="{6F6A5AB3-AF76-4EC9-853D-D4C335162C13}" type="slidenum">
+              <a:rPr lang="en-GB" smtClean="0"/>
+              <a:t>17</a:t>
+            </a:fld>
+            <a:endParaRPr lang="en-GB"/>
           </a:p>
         </p:txBody>
       </p:sp>
@@ -6392,7 +6628,7 @@
         </p:spPr>
         <p:txBody>
           <a:bodyPr>
-            <a:normAutofit fontScale="85000" lnSpcReduction="10000"/>
+            <a:normAutofit fontScale="85000" lnSpcReduction="20000"/>
           </a:bodyPr>
           <a:lstStyle/>
           <a:p>
@@ -6659,7 +6895,11 @@
           <a:p>
             <a:r>
               <a:rPr lang="it-IT" sz="2400" dirty="0" smtClean="0"/>
-              <a:t>Form ‘</a:t>
+              <a:t>From </a:t>
+            </a:r>
+            <a:r>
+              <a:rPr lang="it-IT" sz="2400" dirty="0" smtClean="0"/>
+              <a:t>‘</a:t>
             </a:r>
             <a:r>
               <a:rPr lang="it-IT" sz="2400" dirty="0" err="1" smtClean="0"/>
@@ -6730,8 +6970,20 @@
               <a:t>UDP,TCP,HTTP,CoAP</a:t>
             </a:r>
             <a:r>
-              <a:rPr lang="it-IT" sz="2400" dirty="0"/>
+              <a:rPr lang="it-IT" sz="2400" dirty="0" smtClean="0"/>
               <a:t>, </a:t>
+            </a:r>
+            <a:r>
+              <a:rPr lang="it-IT" sz="2400" dirty="0" err="1" smtClean="0"/>
+              <a:t>framerworks</a:t>
+            </a:r>
+            <a:r>
+              <a:rPr lang="it-IT" sz="2400" dirty="0" smtClean="0"/>
+              <a:t>, etc.</a:t>
+            </a:r>
+            <a:r>
+              <a:rPr lang="it-IT" sz="2400" dirty="0" smtClean="0"/>
+              <a:t> </a:t>
             </a:r>
             <a:r>
               <a:rPr lang="it-IT" sz="2400" dirty="0" smtClean="0"/>
@@ -6831,6 +7083,29 @@
               <a:t>factories</a:t>
             </a:r>
             <a:endParaRPr lang="en-GB" sz="2400" dirty="0"/>
+          </a:p>
+        </p:txBody>
+      </p:sp>
+      <p:sp>
+        <p:nvSpPr>
+          <p:cNvPr id="5" name="Segnaposto numero diapositiva 4"/>
+          <p:cNvSpPr>
+            <a:spLocks noGrp="1"/>
+          </p:cNvSpPr>
+          <p:nvPr>
+            <p:ph type="sldNum" sz="quarter" idx="12"/>
+          </p:nvPr>
+        </p:nvSpPr>
+        <p:spPr/>
+        <p:txBody>
+          <a:bodyPr/>
+          <a:lstStyle/>
+          <a:p>
+            <a:fld id="{6F6A5AB3-AF76-4EC9-853D-D4C335162C13}" type="slidenum">
+              <a:rPr lang="en-GB" smtClean="0"/>
+              <a:t>18</a:t>
+            </a:fld>
+            <a:endParaRPr lang="en-GB"/>
           </a:p>
         </p:txBody>
       </p:sp>
@@ -7211,6 +7486,29 @@
           </a:p>
         </p:txBody>
       </p:sp>
+      <p:sp>
+        <p:nvSpPr>
+          <p:cNvPr id="5" name="Segnaposto numero diapositiva 4"/>
+          <p:cNvSpPr>
+            <a:spLocks noGrp="1"/>
+          </p:cNvSpPr>
+          <p:nvPr>
+            <p:ph type="sldNum" sz="quarter" idx="12"/>
+          </p:nvPr>
+        </p:nvSpPr>
+        <p:spPr/>
+        <p:txBody>
+          <a:bodyPr/>
+          <a:lstStyle/>
+          <a:p>
+            <a:fld id="{6F6A5AB3-AF76-4EC9-853D-D4C335162C13}" type="slidenum">
+              <a:rPr lang="en-GB" smtClean="0"/>
+              <a:t>19</a:t>
+            </a:fld>
+            <a:endParaRPr lang="en-GB"/>
+          </a:p>
+        </p:txBody>
+      </p:sp>
     </p:spTree>
     <p:extLst>
       <p:ext uri="{BB962C8B-B14F-4D97-AF65-F5344CB8AC3E}">
@@ -7469,6 +7767,29 @@
           </a:p>
         </p:txBody>
       </p:sp>
+      <p:sp>
+        <p:nvSpPr>
+          <p:cNvPr id="5" name="Segnaposto numero diapositiva 4"/>
+          <p:cNvSpPr>
+            <a:spLocks noGrp="1"/>
+          </p:cNvSpPr>
+          <p:nvPr>
+            <p:ph type="sldNum" sz="quarter" idx="12"/>
+          </p:nvPr>
+        </p:nvSpPr>
+        <p:spPr/>
+        <p:txBody>
+          <a:bodyPr/>
+          <a:lstStyle/>
+          <a:p>
+            <a:fld id="{6F6A5AB3-AF76-4EC9-853D-D4C335162C13}" type="slidenum">
+              <a:rPr lang="en-GB" smtClean="0"/>
+              <a:t>2</a:t>
+            </a:fld>
+            <a:endParaRPr lang="en-GB"/>
+          </a:p>
+        </p:txBody>
+      </p:sp>
     </p:spTree>
     <p:extLst>
       <p:ext uri="{BB962C8B-B14F-4D97-AF65-F5344CB8AC3E}">
@@ -7674,6 +7995,29 @@
           </a:p>
         </p:txBody>
       </p:sp>
+      <p:sp>
+        <p:nvSpPr>
+          <p:cNvPr id="5" name="Segnaposto numero diapositiva 4"/>
+          <p:cNvSpPr>
+            <a:spLocks noGrp="1"/>
+          </p:cNvSpPr>
+          <p:nvPr>
+            <p:ph type="sldNum" sz="quarter" idx="12"/>
+          </p:nvPr>
+        </p:nvSpPr>
+        <p:spPr/>
+        <p:txBody>
+          <a:bodyPr/>
+          <a:lstStyle/>
+          <a:p>
+            <a:fld id="{6F6A5AB3-AF76-4EC9-853D-D4C335162C13}" type="slidenum">
+              <a:rPr lang="en-GB" smtClean="0"/>
+              <a:t>3</a:t>
+            </a:fld>
+            <a:endParaRPr lang="en-GB"/>
+          </a:p>
+        </p:txBody>
+      </p:sp>
     </p:spTree>
     <p:extLst>
       <p:ext uri="{BB962C8B-B14F-4D97-AF65-F5344CB8AC3E}">
@@ -7881,6 +8225,29 @@
           </a:p>
         </p:txBody>
       </p:sp>
+      <p:sp>
+        <p:nvSpPr>
+          <p:cNvPr id="5" name="Segnaposto numero diapositiva 4"/>
+          <p:cNvSpPr>
+            <a:spLocks noGrp="1"/>
+          </p:cNvSpPr>
+          <p:nvPr>
+            <p:ph type="sldNum" sz="quarter" idx="12"/>
+          </p:nvPr>
+        </p:nvSpPr>
+        <p:spPr/>
+        <p:txBody>
+          <a:bodyPr/>
+          <a:lstStyle/>
+          <a:p>
+            <a:fld id="{6F6A5AB3-AF76-4EC9-853D-D4C335162C13}" type="slidenum">
+              <a:rPr lang="en-GB" smtClean="0"/>
+              <a:t>4</a:t>
+            </a:fld>
+            <a:endParaRPr lang="en-GB"/>
+          </a:p>
+        </p:txBody>
+      </p:sp>
     </p:spTree>
     <p:extLst>
       <p:ext uri="{BB962C8B-B14F-4D97-AF65-F5344CB8AC3E}">
@@ -8130,6 +8497,29 @@
           </a:p>
         </p:txBody>
       </p:sp>
+      <p:sp>
+        <p:nvSpPr>
+          <p:cNvPr id="5" name="Segnaposto numero diapositiva 4"/>
+          <p:cNvSpPr>
+            <a:spLocks noGrp="1"/>
+          </p:cNvSpPr>
+          <p:nvPr>
+            <p:ph type="sldNum" sz="quarter" idx="12"/>
+          </p:nvPr>
+        </p:nvSpPr>
+        <p:spPr/>
+        <p:txBody>
+          <a:bodyPr/>
+          <a:lstStyle/>
+          <a:p>
+            <a:fld id="{6F6A5AB3-AF76-4EC9-853D-D4C335162C13}" type="slidenum">
+              <a:rPr lang="en-GB" smtClean="0"/>
+              <a:t>5</a:t>
+            </a:fld>
+            <a:endParaRPr lang="en-GB"/>
+          </a:p>
+        </p:txBody>
+      </p:sp>
     </p:spTree>
     <p:extLst>
       <p:ext uri="{BB962C8B-B14F-4D97-AF65-F5344CB8AC3E}">
@@ -8246,11 +8636,7 @@
             </a:r>
             <a:r>
               <a:rPr lang="it-IT" sz="2000" dirty="0" smtClean="0"/>
-              <a:t> </a:t>
-            </a:r>
-            <a:r>
-              <a:rPr lang="it-IT" sz="2000" dirty="0" smtClean="0"/>
-              <a:t>(</a:t>
+              <a:t> (</a:t>
             </a:r>
             <a:r>
               <a:rPr lang="it-IT" sz="2000" dirty="0" err="1" smtClean="0"/>
@@ -8292,11 +8678,6 @@
               </a:rPr>
               <a:t> …</a:t>
             </a:r>
-            <a:endParaRPr lang="it-IT" sz="2000" b="1" dirty="0" smtClean="0">
-              <a:solidFill>
-                <a:srgbClr val="0070C0"/>
-              </a:solidFill>
-            </a:endParaRPr>
           </a:p>
           <a:p>
             <a:r>
@@ -8305,11 +8686,7 @@
             </a:r>
             <a:r>
               <a:rPr lang="it-IT" sz="2000" dirty="0" smtClean="0"/>
-              <a:t>ade </a:t>
-            </a:r>
-            <a:r>
-              <a:rPr lang="it-IT" sz="2000" dirty="0" smtClean="0"/>
-              <a:t>of software </a:t>
+              <a:t>ade of software </a:t>
             </a:r>
             <a:r>
               <a:rPr lang="it-IT" sz="2000" b="1" dirty="0" err="1">
@@ -8321,13 +8698,8 @@
             </a:r>
             <a:r>
               <a:rPr lang="it-IT" sz="2000" dirty="0" smtClean="0"/>
-              <a:t> </a:t>
-            </a:r>
-            <a:r>
-              <a:rPr lang="it-IT" sz="2000" dirty="0" smtClean="0"/>
-              <a:t>  …</a:t>
-            </a:r>
-            <a:endParaRPr lang="it-IT" sz="2000" dirty="0" smtClean="0"/>
+              <a:t>   …</a:t>
+            </a:r>
           </a:p>
           <a:p>
             <a:r>
@@ -8368,21 +8740,13 @@
             </a:r>
             <a:r>
               <a:rPr lang="it-IT" sz="2000" dirty="0" smtClean="0"/>
-              <a:t> and/or via </a:t>
-            </a:r>
-            <a:r>
-              <a:rPr lang="it-IT" sz="2000" dirty="0" smtClean="0"/>
-              <a:t>Internet …</a:t>
+              <a:t> and/or via Internet …</a:t>
             </a:r>
           </a:p>
           <a:p>
             <a:r>
               <a:rPr lang="it-IT" sz="2000" dirty="0" err="1" smtClean="0"/>
-              <a:t>w</a:t>
-            </a:r>
-            <a:r>
-              <a:rPr lang="it-IT" sz="2000" dirty="0" err="1" smtClean="0"/>
-              <a:t>hose</a:t>
+              <a:t>whose</a:t>
             </a:r>
             <a:r>
               <a:rPr lang="it-IT" sz="2000" dirty="0" smtClean="0"/>
@@ -8639,19 +9003,11 @@
             </a:r>
             <a:r>
               <a:rPr lang="it-IT" sz="2000" dirty="0" err="1" smtClean="0"/>
-              <a:t>f</a:t>
-            </a:r>
-            <a:r>
-              <a:rPr lang="it-IT" sz="2000" dirty="0" err="1" smtClean="0"/>
-              <a:t>ollowing</a:t>
+              <a:t>following</a:t>
             </a:r>
             <a:r>
               <a:rPr lang="it-IT" sz="2000" dirty="0" smtClean="0"/>
-              <a:t> </a:t>
-            </a:r>
-            <a:r>
-              <a:rPr lang="it-IT" sz="2000" dirty="0" smtClean="0"/>
-              <a:t>a ‘</a:t>
+              <a:t> a ‘</a:t>
             </a:r>
             <a:r>
               <a:rPr lang="it-IT" sz="2000" b="1" dirty="0" err="1">
@@ -8679,23 +9035,11 @@
             </a:r>
             <a:r>
               <a:rPr lang="it-IT" sz="2000" dirty="0" smtClean="0"/>
-              <a:t> </a:t>
-            </a:r>
-            <a:r>
-              <a:rPr lang="it-IT" sz="2000" dirty="0" smtClean="0"/>
-              <a:t>(</a:t>
+              <a:t> (</a:t>
             </a:r>
             <a:r>
               <a:rPr lang="en-GB" sz="1800" dirty="0" smtClean="0"/>
-              <a:t>learning </a:t>
-            </a:r>
-            <a:r>
-              <a:rPr lang="en-GB" sz="1800" dirty="0" smtClean="0"/>
-              <a:t>by </a:t>
-            </a:r>
-            <a:r>
-              <a:rPr lang="en-GB" sz="1800" dirty="0" smtClean="0"/>
-              <a:t>doing/by example</a:t>
+              <a:t>learning by doing/by example</a:t>
             </a:r>
             <a:r>
               <a:rPr lang="en-GB" sz="2000" dirty="0"/>
@@ -8706,11 +9050,7 @@
           <a:p>
             <a:r>
               <a:rPr lang="it-IT" sz="2000" dirty="0" err="1"/>
-              <a:t>w</a:t>
-            </a:r>
-            <a:r>
-              <a:rPr lang="it-IT" sz="2000" dirty="0" err="1"/>
-              <a:t>orking</a:t>
+              <a:t>working</a:t>
             </a:r>
             <a:r>
               <a:rPr lang="it-IT" sz="2000" b="1" dirty="0" smtClean="0">
@@ -8748,7 +9088,6 @@
               <a:rPr lang="it-IT" sz="2000" dirty="0" smtClean="0"/>
               <a:t>)  </a:t>
             </a:r>
-            <a:endParaRPr lang="it-IT" sz="2000" dirty="0" smtClean="0"/>
           </a:p>
           <a:p>
             <a:r>
@@ -8761,11 +9100,7 @@
             </a:r>
             <a:r>
               <a:rPr lang="it-IT" sz="2000" dirty="0" smtClean="0"/>
-              <a:t> </a:t>
-            </a:r>
-            <a:r>
-              <a:rPr lang="it-IT" sz="2000" dirty="0" smtClean="0"/>
-              <a:t>to </a:t>
+              <a:t> to </a:t>
             </a:r>
             <a:r>
               <a:rPr lang="it-IT" sz="2000" b="1" dirty="0" smtClean="0">
@@ -8789,11 +9124,7 @@
             </a:r>
             <a:r>
               <a:rPr lang="it-IT" sz="2000" dirty="0" smtClean="0"/>
-              <a:t> </a:t>
-            </a:r>
-            <a:r>
-              <a:rPr lang="it-IT" sz="2000" dirty="0" smtClean="0"/>
-              <a:t>and </a:t>
+              <a:t> and </a:t>
             </a:r>
             <a:r>
               <a:rPr lang="it-IT" sz="2000" b="1" dirty="0" smtClean="0">
@@ -8820,6 +9151,29 @@
               <a:t>development</a:t>
             </a:r>
             <a:endParaRPr lang="it-IT" sz="2000" dirty="0" smtClean="0"/>
+          </a:p>
+        </p:txBody>
+      </p:sp>
+      <p:sp>
+        <p:nvSpPr>
+          <p:cNvPr id="5" name="Segnaposto numero diapositiva 4"/>
+          <p:cNvSpPr>
+            <a:spLocks noGrp="1"/>
+          </p:cNvSpPr>
+          <p:nvPr>
+            <p:ph type="sldNum" sz="quarter" idx="12"/>
+          </p:nvPr>
+        </p:nvSpPr>
+        <p:spPr/>
+        <p:txBody>
+          <a:bodyPr/>
+          <a:lstStyle/>
+          <a:p>
+            <a:fld id="{6F6A5AB3-AF76-4EC9-853D-D4C335162C13}" type="slidenum">
+              <a:rPr lang="en-GB" smtClean="0"/>
+              <a:t>6</a:t>
+            </a:fld>
+            <a:endParaRPr lang="en-GB"/>
           </a:p>
         </p:txBody>
       </p:sp>
@@ -8950,13 +9304,8 @@
             </a:r>
             <a:r>
               <a:rPr lang="it-IT" dirty="0" smtClean="0"/>
-              <a:t> </a:t>
-            </a:r>
-            <a:r>
-              <a:rPr lang="it-IT" dirty="0" smtClean="0"/>
-              <a:t>… ???</a:t>
-            </a:r>
-            <a:endParaRPr lang="it-IT" dirty="0" smtClean="0"/>
+              <a:t> … ???</a:t>
+            </a:r>
           </a:p>
           <a:p>
             <a:endParaRPr lang="it-IT" dirty="0"/>
@@ -8999,6 +9348,29 @@
               <a:t>’</a:t>
             </a:r>
             <a:endParaRPr lang="en-GB" dirty="0"/>
+          </a:p>
+        </p:txBody>
+      </p:sp>
+      <p:sp>
+        <p:nvSpPr>
+          <p:cNvPr id="5" name="Segnaposto numero diapositiva 4"/>
+          <p:cNvSpPr>
+            <a:spLocks noGrp="1"/>
+          </p:cNvSpPr>
+          <p:nvPr>
+            <p:ph type="sldNum" sz="quarter" idx="12"/>
+          </p:nvPr>
+        </p:nvSpPr>
+        <p:spPr/>
+        <p:txBody>
+          <a:bodyPr/>
+          <a:lstStyle/>
+          <a:p>
+            <a:fld id="{6F6A5AB3-AF76-4EC9-853D-D4C335162C13}" type="slidenum">
+              <a:rPr lang="en-GB" smtClean="0"/>
+              <a:t>7</a:t>
+            </a:fld>
+            <a:endParaRPr lang="en-GB"/>
           </a:p>
         </p:txBody>
       </p:sp>
@@ -9159,7 +9531,6 @@
               <a:rPr lang="it-IT" dirty="0" smtClean="0"/>
               <a:t>…</a:t>
             </a:r>
-            <a:endParaRPr lang="it-IT" dirty="0" smtClean="0"/>
           </a:p>
           <a:p>
             <a:r>
@@ -9172,11 +9543,7 @@
             </a:r>
             <a:r>
               <a:rPr lang="it-IT" dirty="0" smtClean="0"/>
-              <a:t> </a:t>
-            </a:r>
-            <a:r>
-              <a:rPr lang="it-IT" dirty="0" smtClean="0"/>
-              <a:t>(</a:t>
+              <a:t> (</a:t>
             </a:r>
             <a:r>
               <a:rPr lang="it-IT" sz="3100" dirty="0" err="1" smtClean="0">
@@ -9264,11 +9631,7 @@
             </a:r>
             <a:r>
               <a:rPr lang="it-IT" dirty="0" smtClean="0"/>
-              <a:t>  / </a:t>
-            </a:r>
-            <a:r>
-              <a:rPr lang="it-IT" dirty="0" smtClean="0"/>
-              <a:t>DAO( </a:t>
+              <a:t>  / DAO( </a:t>
             </a:r>
             <a:r>
               <a:rPr lang="it-IT" dirty="0" err="1" smtClean="0"/>
@@ -9278,7 +9641,6 @@
               <a:rPr lang="it-IT" dirty="0" smtClean="0"/>
               <a:t>) </a:t>
             </a:r>
-            <a:endParaRPr lang="it-IT" dirty="0" smtClean="0"/>
           </a:p>
           <a:p>
             <a:pPr lvl="1"/>
@@ -9312,6 +9674,29 @@
               <a:t>…</a:t>
             </a:r>
             <a:endParaRPr lang="en-GB" dirty="0"/>
+          </a:p>
+        </p:txBody>
+      </p:sp>
+      <p:sp>
+        <p:nvSpPr>
+          <p:cNvPr id="5" name="Segnaposto numero diapositiva 4"/>
+          <p:cNvSpPr>
+            <a:spLocks noGrp="1"/>
+          </p:cNvSpPr>
+          <p:nvPr>
+            <p:ph type="sldNum" sz="quarter" idx="12"/>
+          </p:nvPr>
+        </p:nvSpPr>
+        <p:spPr/>
+        <p:txBody>
+          <a:bodyPr/>
+          <a:lstStyle/>
+          <a:p>
+            <a:fld id="{6F6A5AB3-AF76-4EC9-853D-D4C335162C13}" type="slidenum">
+              <a:rPr lang="en-GB" smtClean="0"/>
+              <a:t>8</a:t>
+            </a:fld>
+            <a:endParaRPr lang="en-GB"/>
           </a:p>
         </p:txBody>
       </p:sp>
@@ -9469,7 +9854,6 @@
               <a:rPr lang="it-IT" dirty="0" smtClean="0"/>
               <a:t>…</a:t>
             </a:r>
-            <a:endParaRPr lang="it-IT" dirty="0" smtClean="0"/>
           </a:p>
           <a:p>
             <a:endParaRPr lang="it-IT" dirty="0" smtClean="0"/>
@@ -9494,19 +9878,38 @@
           <a:p>
             <a:r>
               <a:rPr lang="it-IT" dirty="0" smtClean="0"/>
-              <a:t>TCP / UDP / </a:t>
-            </a:r>
+              <a:t>TCP / UDP / …</a:t>
+            </a:r>
+          </a:p>
+          <a:p>
             <a:r>
               <a:rPr lang="it-IT" dirty="0" smtClean="0"/>
               <a:t>…</a:t>
             </a:r>
-          </a:p>
-          <a:p>
-            <a:r>
-              <a:rPr lang="it-IT" dirty="0" smtClean="0"/>
-              <a:t>…</a:t>
-            </a:r>
             <a:endParaRPr lang="en-GB" dirty="0"/>
+          </a:p>
+        </p:txBody>
+      </p:sp>
+      <p:sp>
+        <p:nvSpPr>
+          <p:cNvPr id="5" name="Segnaposto numero diapositiva 4"/>
+          <p:cNvSpPr>
+            <a:spLocks noGrp="1"/>
+          </p:cNvSpPr>
+          <p:nvPr>
+            <p:ph type="sldNum" sz="quarter" idx="12"/>
+          </p:nvPr>
+        </p:nvSpPr>
+        <p:spPr/>
+        <p:txBody>
+          <a:bodyPr/>
+          <a:lstStyle/>
+          <a:p>
+            <a:fld id="{6F6A5AB3-AF76-4EC9-853D-D4C335162C13}" type="slidenum">
+              <a:rPr lang="en-GB" smtClean="0"/>
+              <a:t>9</a:t>
+            </a:fld>
+            <a:endParaRPr lang="en-GB"/>
           </a:p>
         </p:txBody>
       </p:sp>

--- a/it.unibo.issLabStart/userDocs/ISSM2020.pptx
+++ b/it.unibo.issLabStart/userDocs/ISSM2020.pptx
@@ -5,10 +5,10 @@
     <p:sldMasterId id="2147483804" r:id="rId1"/>
   </p:sldMasterIdLst>
   <p:notesMasterIdLst>
-    <p:notesMasterId r:id="rId21"/>
+    <p:notesMasterId r:id="rId27"/>
   </p:notesMasterIdLst>
   <p:handoutMasterIdLst>
-    <p:handoutMasterId r:id="rId22"/>
+    <p:handoutMasterId r:id="rId28"/>
   </p:handoutMasterIdLst>
   <p:sldIdLst>
     <p:sldId id="256" r:id="rId2"/>
@@ -30,6 +30,12 @@
     <p:sldId id="265" r:id="rId18"/>
     <p:sldId id="271" r:id="rId19"/>
     <p:sldId id="270" r:id="rId20"/>
+    <p:sldId id="276" r:id="rId21"/>
+    <p:sldId id="277" r:id="rId22"/>
+    <p:sldId id="278" r:id="rId23"/>
+    <p:sldId id="279" r:id="rId24"/>
+    <p:sldId id="280" r:id="rId25"/>
+    <p:sldId id="275" r:id="rId26"/>
   </p:sldIdLst>
   <p:sldSz cx="9144000" cy="6858000" type="screen4x3"/>
   <p:notesSz cx="6858000" cy="9144000"/>
@@ -213,7 +219,7 @@
           <a:p>
             <a:fld id="{87B1E067-8CD6-47D2-8022-8E53E4BB7437}" type="datetimeFigureOut">
               <a:rPr lang="en-GB" smtClean="0"/>
-              <a:t>02/03/2020</a:t>
+              <a:t>03/03/2020</a:t>
             </a:fld>
             <a:endParaRPr lang="en-GB"/>
           </a:p>
@@ -379,7 +385,7 @@
           <a:p>
             <a:fld id="{71BD2418-2684-45EC-AEF4-BE55BBAB5B4F}" type="datetimeFigureOut">
               <a:rPr lang="en-GB" smtClean="0"/>
-              <a:t>02/03/2020</a:t>
+              <a:t>03/03/2020</a:t>
             </a:fld>
             <a:endParaRPr lang="en-GB"/>
           </a:p>
@@ -945,7 +951,7 @@
           <a:p>
             <a:fld id="{69EC26FC-4149-4381-B200-0ACC926D0C10}" type="datetime1">
               <a:rPr lang="en-GB" smtClean="0"/>
-              <a:t>02/03/2020</a:t>
+              <a:t>03/03/2020</a:t>
             </a:fld>
             <a:endParaRPr lang="en-GB"/>
           </a:p>
@@ -1302,7 +1308,7 @@
           <a:p>
             <a:fld id="{77675063-8333-41A8-A131-A42E0F0649C6}" type="datetime1">
               <a:rPr lang="en-GB" smtClean="0"/>
-              <a:t>02/03/2020</a:t>
+              <a:t>03/03/2020</a:t>
             </a:fld>
             <a:endParaRPr lang="en-GB"/>
           </a:p>
@@ -1481,7 +1487,7 @@
           <a:p>
             <a:fld id="{99167A15-39CA-42AA-A3F4-D4AAF34DD1E5}" type="datetime1">
               <a:rPr lang="en-GB" smtClean="0"/>
-              <a:t>02/03/2020</a:t>
+              <a:t>03/03/2020</a:t>
             </a:fld>
             <a:endParaRPr lang="en-GB"/>
           </a:p>
@@ -1598,7 +1604,7 @@
           <a:p>
             <a:fld id="{1A87AFF6-4C91-482D-BDF5-223514DB0B0D}" type="datetime1">
               <a:rPr lang="en-GB" smtClean="0"/>
-              <a:t>02/03/2020</a:t>
+              <a:t>03/03/2020</a:t>
             </a:fld>
             <a:endParaRPr lang="en-GB"/>
           </a:p>
@@ -1960,7 +1966,7 @@
           <a:p>
             <a:fld id="{A945ADE7-28FF-42C7-B167-7DC7A77ED2F3}" type="datetime1">
               <a:rPr lang="en-GB" smtClean="0"/>
-              <a:t>02/03/2020</a:t>
+              <a:t>03/03/2020</a:t>
             </a:fld>
             <a:endParaRPr lang="en-GB"/>
           </a:p>
@@ -2229,7 +2235,7 @@
           <a:p>
             <a:fld id="{092EA350-1E2E-41EE-BD8A-FB0D72F078C3}" type="datetime1">
               <a:rPr lang="en-GB" smtClean="0"/>
-              <a:t>02/03/2020</a:t>
+              <a:t>03/03/2020</a:t>
             </a:fld>
             <a:endParaRPr lang="en-GB"/>
           </a:p>
@@ -2595,7 +2601,7 @@
           <a:p>
             <a:fld id="{F8F1314B-6929-4AD1-B5B4-312DAFF8489C}" type="datetime1">
               <a:rPr lang="en-GB" smtClean="0"/>
-              <a:t>02/03/2020</a:t>
+              <a:t>03/03/2020</a:t>
             </a:fld>
             <a:endParaRPr lang="en-GB"/>
           </a:p>
@@ -2826,7 +2832,7 @@
           <a:p>
             <a:fld id="{CF5B218E-BA98-4F08-AFAD-55E0F9C51274}" type="datetime1">
               <a:rPr lang="en-GB" smtClean="0"/>
-              <a:t>02/03/2020</a:t>
+              <a:t>03/03/2020</a:t>
             </a:fld>
             <a:endParaRPr lang="en-GB"/>
           </a:p>
@@ -2920,7 +2926,7 @@
           <a:p>
             <a:fld id="{8AF6CE76-28A1-4CD7-9645-E1D020974391}" type="datetime1">
               <a:rPr lang="en-GB" smtClean="0"/>
-              <a:t>02/03/2020</a:t>
+              <a:t>03/03/2020</a:t>
             </a:fld>
             <a:endParaRPr lang="en-GB"/>
           </a:p>
@@ -3191,7 +3197,7 @@
           <a:p>
             <a:fld id="{BADBD3C4-D885-44D5-BC36-8CDC16C4E35A}" type="datetime1">
               <a:rPr lang="en-GB" smtClean="0"/>
-              <a:t>02/03/2020</a:t>
+              <a:t>03/03/2020</a:t>
             </a:fld>
             <a:endParaRPr lang="en-GB"/>
           </a:p>
@@ -3423,7 +3429,7 @@
           <a:p>
             <a:fld id="{D0C37988-22DC-4746-8A43-E6C6BF5D65EE}" type="datetime1">
               <a:rPr lang="en-GB" smtClean="0"/>
-              <a:t>02/03/2020</a:t>
+              <a:t>03/03/2020</a:t>
             </a:fld>
             <a:endParaRPr lang="en-GB"/>
           </a:p>
@@ -3926,7 +3932,7 @@
           <a:p>
             <a:fld id="{5A18A74E-3BE8-4B6E-81A4-95A392C53EA5}" type="datetime1">
               <a:rPr lang="en-GB" smtClean="0"/>
-              <a:t>02/03/2020</a:t>
+              <a:t>03/03/2020</a:t>
             </a:fld>
             <a:endParaRPr lang="en-GB"/>
           </a:p>
@@ -6895,11 +6901,7 @@
           <a:p>
             <a:r>
               <a:rPr lang="it-IT" sz="2400" dirty="0" smtClean="0"/>
-              <a:t>From </a:t>
-            </a:r>
-            <a:r>
-              <a:rPr lang="it-IT" sz="2400" dirty="0" smtClean="0"/>
-              <a:t>‘</a:t>
+              <a:t>From ‘</a:t>
             </a:r>
             <a:r>
               <a:rPr lang="it-IT" sz="2400" dirty="0" err="1" smtClean="0"/>
@@ -6979,15 +6981,7 @@
             </a:r>
             <a:r>
               <a:rPr lang="it-IT" sz="2400" dirty="0" smtClean="0"/>
-              <a:t>, etc.</a:t>
-            </a:r>
-            <a:r>
-              <a:rPr lang="it-IT" sz="2400" dirty="0" smtClean="0"/>
-              <a:t> </a:t>
-            </a:r>
-            <a:r>
-              <a:rPr lang="it-IT" sz="2400" dirty="0" smtClean="0"/>
-              <a:t>…)</a:t>
+              <a:t>, etc. …)</a:t>
             </a:r>
           </a:p>
           <a:p>
@@ -7794,6 +7788,3086 @@
     <p:extLst>
       <p:ext uri="{BB962C8B-B14F-4D97-AF65-F5344CB8AC3E}">
         <p14:creationId xmlns:p14="http://schemas.microsoft.com/office/powerpoint/2010/main" val="1562481626"/>
+      </p:ext>
+    </p:extLst>
+  </p:cSld>
+  <p:clrMapOvr>
+    <a:masterClrMapping/>
+  </p:clrMapOvr>
+</p:sld>
+</file>
+
+<file path=ppt/slides/slide20.xml><?xml version="1.0" encoding="utf-8"?>
+<p:sld xmlns:a="http://schemas.openxmlformats.org/drawingml/2006/main" xmlns:r="http://schemas.openxmlformats.org/officeDocument/2006/relationships" xmlns:p="http://schemas.openxmlformats.org/presentationml/2006/main">
+  <p:cSld>
+    <p:spTree>
+      <p:nvGrpSpPr>
+        <p:cNvPr id="1" name=""/>
+        <p:cNvGrpSpPr/>
+        <p:nvPr/>
+      </p:nvGrpSpPr>
+      <p:grpSpPr>
+        <a:xfrm>
+          <a:off x="0" y="0"/>
+          <a:ext cx="0" cy="0"/>
+          <a:chOff x="0" y="0"/>
+          <a:chExt cx="0" cy="0"/>
+        </a:xfrm>
+      </p:grpSpPr>
+      <p:sp>
+        <p:nvSpPr>
+          <p:cNvPr id="2" name="Title 1"/>
+          <p:cNvSpPr>
+            <a:spLocks noGrp="1"/>
+          </p:cNvSpPr>
+          <p:nvPr>
+            <p:ph type="title"/>
+          </p:nvPr>
+        </p:nvSpPr>
+        <p:spPr/>
+        <p:txBody>
+          <a:bodyPr/>
+          <a:lstStyle/>
+          <a:p>
+            <a:r>
+              <a:rPr lang="it-IT" dirty="0" smtClean="0"/>
+              <a:t>Domande </a:t>
+            </a:r>
+            <a:r>
+              <a:rPr lang="it-IT" sz="4000" dirty="0" smtClean="0"/>
+              <a:t>(su un sistema)</a:t>
+            </a:r>
+            <a:endParaRPr lang="it-IT" sz="4000" dirty="0"/>
+          </a:p>
+        </p:txBody>
+      </p:sp>
+      <p:sp>
+        <p:nvSpPr>
+          <p:cNvPr id="3" name="Content Placeholder 2"/>
+          <p:cNvSpPr>
+            <a:spLocks noGrp="1"/>
+          </p:cNvSpPr>
+          <p:nvPr>
+            <p:ph idx="1"/>
+          </p:nvPr>
+        </p:nvSpPr>
+        <p:spPr>
+          <a:xfrm>
+            <a:off x="428596" y="1357298"/>
+            <a:ext cx="8229600" cy="4389120"/>
+          </a:xfrm>
+        </p:spPr>
+        <p:txBody>
+          <a:bodyPr>
+            <a:normAutofit/>
+          </a:bodyPr>
+          <a:lstStyle/>
+          <a:p>
+            <a:r>
+              <a:rPr lang="it-IT" dirty="0" smtClean="0"/>
+              <a:t>Cosa </a:t>
+            </a:r>
+            <a:r>
+              <a:rPr lang="it-IT" dirty="0" smtClean="0">
+                <a:solidFill>
+                  <a:srgbClr val="C00000"/>
+                </a:solidFill>
+              </a:rPr>
+              <a:t>deve fare</a:t>
+            </a:r>
+            <a:r>
+              <a:rPr lang="it-IT" dirty="0" smtClean="0"/>
+              <a:t>	 </a:t>
+            </a:r>
+            <a:r>
+              <a:rPr lang="it-IT" dirty="0" smtClean="0">
+                <a:sym typeface="Wingdings" pitchFamily="2" charset="2"/>
+              </a:rPr>
+              <a:t></a:t>
+            </a:r>
+            <a:r>
+              <a:rPr lang="it-IT" dirty="0" smtClean="0"/>
+              <a:t>		 </a:t>
+            </a:r>
+            <a:r>
+              <a:rPr lang="it-IT" i="1" dirty="0" smtClean="0"/>
+              <a:t>committente</a:t>
+            </a:r>
+          </a:p>
+          <a:p>
+            <a:r>
+              <a:rPr lang="it-IT" dirty="0" smtClean="0"/>
+              <a:t>Cosa </a:t>
+            </a:r>
+            <a:r>
+              <a:rPr lang="it-IT" dirty="0" smtClean="0">
+                <a:solidFill>
+                  <a:srgbClr val="C00000"/>
+                </a:solidFill>
+              </a:rPr>
+              <a:t>deve</a:t>
+            </a:r>
+            <a:r>
+              <a:rPr lang="it-IT" dirty="0" smtClean="0"/>
+              <a:t> </a:t>
+            </a:r>
+            <a:r>
+              <a:rPr lang="it-IT" dirty="0" smtClean="0">
+                <a:solidFill>
+                  <a:srgbClr val="C00000"/>
+                </a:solidFill>
+              </a:rPr>
+              <a:t>essere</a:t>
+            </a:r>
+            <a:r>
+              <a:rPr lang="it-IT" dirty="0" smtClean="0"/>
+              <a:t>	</a:t>
+            </a:r>
+            <a:r>
+              <a:rPr lang="it-IT" dirty="0" smtClean="0">
+                <a:sym typeface="Wingdings" pitchFamily="2" charset="2"/>
+              </a:rPr>
+              <a:t>  </a:t>
+            </a:r>
+            <a:r>
+              <a:rPr lang="it-IT" dirty="0" smtClean="0"/>
+              <a:t>		 </a:t>
+            </a:r>
+            <a:r>
+              <a:rPr lang="it-IT" i="1" dirty="0" smtClean="0"/>
+              <a:t>analista</a:t>
+            </a:r>
+          </a:p>
+          <a:p>
+            <a:pPr lvl="1"/>
+            <a:r>
+              <a:rPr lang="it-IT" sz="2000" dirty="0" smtClean="0"/>
+              <a:t>Quale </a:t>
+            </a:r>
+            <a:r>
+              <a:rPr lang="it-IT" sz="2000" b="1" i="1" dirty="0" smtClean="0">
+                <a:solidFill>
+                  <a:srgbClr val="00B050"/>
+                </a:solidFill>
+              </a:rPr>
+              <a:t>struttura-interazione-comportamento</a:t>
+            </a:r>
+            <a:r>
+              <a:rPr lang="it-IT" sz="2000" dirty="0" smtClean="0"/>
+              <a:t> </a:t>
+            </a:r>
+            <a:r>
+              <a:rPr lang="it-IT" sz="2000" b="1" dirty="0" smtClean="0">
+                <a:solidFill>
+                  <a:srgbClr val="C00000"/>
+                </a:solidFill>
+              </a:rPr>
+              <a:t>sono necessari </a:t>
+            </a:r>
+            <a:r>
+              <a:rPr lang="it-IT" sz="2000" dirty="0" smtClean="0"/>
+              <a:t>tenendo conto dei </a:t>
+            </a:r>
+            <a:r>
+              <a:rPr lang="it-IT" sz="2000" b="1" i="1" dirty="0" smtClean="0">
+                <a:solidFill>
+                  <a:srgbClr val="7030A0"/>
+                </a:solidFill>
+              </a:rPr>
+              <a:t>vincoli che sorgono dai requisiti e dal problema in sè</a:t>
+            </a:r>
+          </a:p>
+          <a:p>
+            <a:r>
+              <a:rPr lang="it-IT" dirty="0" smtClean="0"/>
+              <a:t>Cosa </a:t>
+            </a:r>
+            <a:r>
+              <a:rPr lang="it-IT" dirty="0" smtClean="0">
+                <a:solidFill>
+                  <a:srgbClr val="C00000"/>
+                </a:solidFill>
+              </a:rPr>
+              <a:t>è opportuno </a:t>
+            </a:r>
+            <a:r>
+              <a:rPr lang="it-IT" dirty="0" smtClean="0"/>
+              <a:t>che sia	</a:t>
+            </a:r>
+            <a:r>
+              <a:rPr lang="it-IT" dirty="0" smtClean="0">
+                <a:sym typeface="Wingdings" pitchFamily="2" charset="2"/>
+              </a:rPr>
+              <a:t> </a:t>
+            </a:r>
+            <a:r>
+              <a:rPr lang="it-IT" dirty="0" smtClean="0"/>
+              <a:t>	</a:t>
+            </a:r>
+            <a:r>
+              <a:rPr lang="it-IT" i="1" dirty="0" smtClean="0"/>
+              <a:t>analista</a:t>
+            </a:r>
+          </a:p>
+          <a:p>
+            <a:pPr marL="742950" lvl="2" indent="-342900"/>
+            <a:r>
+              <a:rPr lang="it-IT" dirty="0" smtClean="0"/>
+              <a:t>Tenendo conto delle tecnologie, dell’andamento del mercato, delle risorse umane, economiche, temporali, etc.</a:t>
+            </a:r>
+          </a:p>
+          <a:p>
+            <a:r>
+              <a:rPr lang="it-IT" i="1" dirty="0" smtClean="0">
+                <a:solidFill>
+                  <a:srgbClr val="C00000"/>
+                </a:solidFill>
+              </a:rPr>
+              <a:t>Come è fatto</a:t>
+            </a:r>
+            <a:r>
+              <a:rPr lang="it-IT" dirty="0" smtClean="0"/>
+              <a:t>	</a:t>
+            </a:r>
+            <a:r>
+              <a:rPr lang="it-IT" dirty="0" smtClean="0">
+                <a:sym typeface="Wingdings" pitchFamily="2" charset="2"/>
+              </a:rPr>
+              <a:t> 		 	</a:t>
+            </a:r>
+            <a:r>
+              <a:rPr lang="it-IT" i="1" dirty="0" smtClean="0"/>
+              <a:t>progettista</a:t>
+            </a:r>
+          </a:p>
+          <a:p>
+            <a:pPr marL="548640" lvl="2" indent="-274320">
+              <a:buClr>
+                <a:schemeClr val="accent3"/>
+              </a:buClr>
+              <a:buSzPct val="95000"/>
+            </a:pPr>
+            <a:r>
+              <a:rPr lang="it-IT" sz="2000" dirty="0" smtClean="0"/>
+              <a:t>Quale </a:t>
+            </a:r>
+            <a:r>
+              <a:rPr lang="it-IT" sz="2000" b="1" i="1" dirty="0" smtClean="0">
+                <a:solidFill>
+                  <a:srgbClr val="00B050"/>
+                </a:solidFill>
+              </a:rPr>
+              <a:t> struttura-interazione-comportamento </a:t>
+            </a:r>
+            <a:r>
+              <a:rPr lang="it-IT" sz="2000" dirty="0" smtClean="0"/>
+              <a:t>ha il sistema finale tenendo conto dei vincoli dall’analisi e dei criteri (</a:t>
+            </a:r>
+            <a:r>
+              <a:rPr lang="it-IT" sz="2000" i="1" dirty="0" smtClean="0">
+                <a:solidFill>
+                  <a:srgbClr val="C00000"/>
+                </a:solidFill>
+              </a:rPr>
+              <a:t>pattern</a:t>
+            </a:r>
+            <a:r>
+              <a:rPr lang="it-IT" sz="2000" dirty="0" smtClean="0"/>
+              <a:t>) usati per risolvere le forze (anche contrastanti)  in gioco</a:t>
+            </a:r>
+            <a:endParaRPr lang="it-IT" sz="2000" b="1" i="1" dirty="0" smtClean="0">
+              <a:solidFill>
+                <a:srgbClr val="7030A0"/>
+              </a:solidFill>
+            </a:endParaRPr>
+          </a:p>
+          <a:p>
+            <a:endParaRPr lang="it-IT" i="1" dirty="0"/>
+          </a:p>
+        </p:txBody>
+      </p:sp>
+      <p:sp>
+        <p:nvSpPr>
+          <p:cNvPr id="4" name="Footer Placeholder 3"/>
+          <p:cNvSpPr>
+            <a:spLocks noGrp="1"/>
+          </p:cNvSpPr>
+          <p:nvPr>
+            <p:ph type="ftr" sz="quarter" idx="11"/>
+          </p:nvPr>
+        </p:nvSpPr>
+        <p:spPr/>
+        <p:txBody>
+          <a:bodyPr/>
+          <a:lstStyle/>
+          <a:p>
+            <a:r>
+              <a:rPr lang="it-IT" smtClean="0"/>
+              <a:t>AN - Univwersity of Bologna</a:t>
+            </a:r>
+            <a:endParaRPr lang="it-IT"/>
+          </a:p>
+        </p:txBody>
+      </p:sp>
+    </p:spTree>
+    <p:extLst>
+      <p:ext uri="{BB962C8B-B14F-4D97-AF65-F5344CB8AC3E}">
+        <p14:creationId xmlns:p14="http://schemas.microsoft.com/office/powerpoint/2010/main" val="1134098266"/>
+      </p:ext>
+    </p:extLst>
+  </p:cSld>
+  <p:clrMapOvr>
+    <a:masterClrMapping/>
+  </p:clrMapOvr>
+  <p:timing>
+    <p:tnLst>
+      <p:par>
+        <p:cTn id="1" dur="indefinite" restart="never" nodeType="tmRoot"/>
+      </p:par>
+    </p:tnLst>
+  </p:timing>
+</p:sld>
+</file>
+
+<file path=ppt/slides/slide21.xml><?xml version="1.0" encoding="utf-8"?>
+<p:sld xmlns:a="http://schemas.openxmlformats.org/drawingml/2006/main" xmlns:r="http://schemas.openxmlformats.org/officeDocument/2006/relationships" xmlns:p="http://schemas.openxmlformats.org/presentationml/2006/main">
+  <p:cSld>
+    <p:spTree>
+      <p:nvGrpSpPr>
+        <p:cNvPr id="1" name=""/>
+        <p:cNvGrpSpPr/>
+        <p:nvPr/>
+      </p:nvGrpSpPr>
+      <p:grpSpPr>
+        <a:xfrm>
+          <a:off x="0" y="0"/>
+          <a:ext cx="0" cy="0"/>
+          <a:chOff x="0" y="0"/>
+          <a:chExt cx="0" cy="0"/>
+        </a:xfrm>
+      </p:grpSpPr>
+      <p:sp>
+        <p:nvSpPr>
+          <p:cNvPr id="2" name="Titolo 1"/>
+          <p:cNvSpPr>
+            <a:spLocks noGrp="1"/>
+          </p:cNvSpPr>
+          <p:nvPr>
+            <p:ph type="title"/>
+          </p:nvPr>
+        </p:nvSpPr>
+        <p:spPr/>
+        <p:txBody>
+          <a:bodyPr/>
+          <a:lstStyle/>
+          <a:p>
+            <a:r>
+              <a:rPr lang="it-IT" dirty="0" err="1" smtClean="0"/>
+              <a:t>Workflow</a:t>
+            </a:r>
+            <a:endParaRPr lang="it-IT" dirty="0"/>
+          </a:p>
+        </p:txBody>
+      </p:sp>
+      <p:sp>
+        <p:nvSpPr>
+          <p:cNvPr id="3" name="Segnaposto contenuto 2"/>
+          <p:cNvSpPr>
+            <a:spLocks noGrp="1"/>
+          </p:cNvSpPr>
+          <p:nvPr>
+            <p:ph idx="1"/>
+          </p:nvPr>
+        </p:nvSpPr>
+        <p:spPr>
+          <a:xfrm>
+            <a:off x="500034" y="1357298"/>
+            <a:ext cx="8229600" cy="4389120"/>
+          </a:xfrm>
+        </p:spPr>
+        <p:txBody>
+          <a:bodyPr>
+            <a:noAutofit/>
+          </a:bodyPr>
+          <a:lstStyle/>
+          <a:p>
+            <a:r>
+              <a:rPr lang="it-IT" sz="2800" dirty="0" smtClean="0"/>
+              <a:t>Sviluppiamo l’analisi dei requisiti e l’analisi del problema</a:t>
+            </a:r>
+          </a:p>
+          <a:p>
+            <a:pPr lvl="1"/>
+            <a:r>
+              <a:rPr lang="it-IT" i="1" dirty="0" smtClean="0">
+                <a:solidFill>
+                  <a:srgbClr val="C00000"/>
+                </a:solidFill>
+              </a:rPr>
+              <a:t>Esprimendo fatti rilevanti attraverso modelli essenziali</a:t>
+            </a:r>
+          </a:p>
+          <a:p>
+            <a:r>
+              <a:rPr lang="it-IT" sz="2800" dirty="0" smtClean="0"/>
+              <a:t>Discutiamo in modo sistematico avvalendoci di modelli basati su meta-modelli custom</a:t>
+            </a:r>
+          </a:p>
+          <a:p>
+            <a:pPr lvl="1"/>
+            <a:r>
+              <a:rPr lang="it-IT" sz="1800" i="1" dirty="0" smtClean="0">
+                <a:solidFill>
+                  <a:srgbClr val="C00000"/>
+                </a:solidFill>
+              </a:rPr>
+              <a:t>Usiamo i modelli come se fossero il nuovo codice sorgente </a:t>
+            </a:r>
+            <a:r>
+              <a:rPr lang="it-IT" sz="1800" dirty="0" smtClean="0"/>
+              <a:t>costruendo generatori di codice usando </a:t>
+            </a:r>
+            <a:r>
+              <a:rPr lang="it-IT" sz="1800" dirty="0" err="1" smtClean="0"/>
+              <a:t>Xtext</a:t>
+            </a:r>
+            <a:r>
+              <a:rPr lang="it-IT" sz="1800" dirty="0" smtClean="0"/>
+              <a:t>  (pg. 206)</a:t>
+            </a:r>
+          </a:p>
+          <a:p>
+            <a:pPr lvl="1"/>
+            <a:r>
+              <a:rPr lang="it-IT" sz="1800" dirty="0" smtClean="0"/>
+              <a:t>Realizziamo in modo automatico la </a:t>
+            </a:r>
+            <a:r>
+              <a:rPr lang="it-IT" sz="1800" dirty="0" err="1" smtClean="0"/>
+              <a:t>schematic</a:t>
+            </a:r>
+            <a:r>
+              <a:rPr lang="it-IT" sz="1800" dirty="0" smtClean="0"/>
+              <a:t> part </a:t>
+            </a:r>
+            <a:r>
+              <a:rPr lang="it-IT" sz="1800" dirty="0" err="1" smtClean="0"/>
+              <a:t>avvelendoci</a:t>
+            </a:r>
+            <a:r>
+              <a:rPr lang="it-IT" sz="1800" dirty="0" smtClean="0"/>
+              <a:t> dei design pattern per sistemi distribuiti</a:t>
+            </a:r>
+          </a:p>
+          <a:p>
+            <a:r>
+              <a:rPr lang="it-IT" sz="2800" i="1" dirty="0" smtClean="0">
+                <a:solidFill>
+                  <a:srgbClr val="C00000"/>
+                </a:solidFill>
+              </a:rPr>
+              <a:t>Impostiamo piani di collaudo ancor prima di avere iniziato la fase di progettazione</a:t>
+            </a:r>
+          </a:p>
+          <a:p>
+            <a:r>
+              <a:rPr lang="it-IT" sz="2800" dirty="0" smtClean="0"/>
+              <a:t>Realizziamo un primo prototipo di prodotto e interagiamo con il committente</a:t>
+            </a:r>
+          </a:p>
+        </p:txBody>
+      </p:sp>
+      <p:sp>
+        <p:nvSpPr>
+          <p:cNvPr id="4" name="Segnaposto piè di pagina 3"/>
+          <p:cNvSpPr>
+            <a:spLocks noGrp="1"/>
+          </p:cNvSpPr>
+          <p:nvPr>
+            <p:ph type="ftr" sz="quarter" idx="11"/>
+          </p:nvPr>
+        </p:nvSpPr>
+        <p:spPr/>
+        <p:txBody>
+          <a:bodyPr/>
+          <a:lstStyle/>
+          <a:p>
+            <a:r>
+              <a:rPr lang="it-IT" smtClean="0"/>
+              <a:t>Ingegneria del software AN Università di Bologna </a:t>
+            </a:r>
+            <a:endParaRPr lang="it-IT"/>
+          </a:p>
+        </p:txBody>
+      </p:sp>
+      <p:pic>
+        <p:nvPicPr>
+          <p:cNvPr id="5" name="Immagine 4" descr="logoBologna.gif"/>
+          <p:cNvPicPr>
+            <a:picLocks noChangeAspect="1"/>
+          </p:cNvPicPr>
+          <p:nvPr/>
+        </p:nvPicPr>
+        <p:blipFill>
+          <a:blip r:embed="rId2" cstate="print"/>
+          <a:stretch>
+            <a:fillRect/>
+          </a:stretch>
+        </p:blipFill>
+        <p:spPr>
+          <a:xfrm>
+            <a:off x="7572396" y="214290"/>
+            <a:ext cx="1195392" cy="1195392"/>
+          </a:xfrm>
+          <a:prstGeom prst="rect">
+            <a:avLst/>
+          </a:prstGeom>
+        </p:spPr>
+      </p:pic>
+    </p:spTree>
+    <p:extLst>
+      <p:ext uri="{BB962C8B-B14F-4D97-AF65-F5344CB8AC3E}">
+        <p14:creationId xmlns:p14="http://schemas.microsoft.com/office/powerpoint/2010/main" val="2425407147"/>
+      </p:ext>
+    </p:extLst>
+  </p:cSld>
+  <p:clrMapOvr>
+    <a:masterClrMapping/>
+  </p:clrMapOvr>
+  <p:timing>
+    <p:tnLst>
+      <p:par>
+        <p:cTn id="1" dur="indefinite" restart="never" nodeType="tmRoot"/>
+      </p:par>
+    </p:tnLst>
+  </p:timing>
+</p:sld>
+</file>
+
+<file path=ppt/slides/slide22.xml><?xml version="1.0" encoding="utf-8"?>
+<p:sld xmlns:a="http://schemas.openxmlformats.org/drawingml/2006/main" xmlns:r="http://schemas.openxmlformats.org/officeDocument/2006/relationships" xmlns:p="http://schemas.openxmlformats.org/presentationml/2006/main">
+  <p:cSld>
+    <p:spTree>
+      <p:nvGrpSpPr>
+        <p:cNvPr id="1" name=""/>
+        <p:cNvGrpSpPr/>
+        <p:nvPr/>
+      </p:nvGrpSpPr>
+      <p:grpSpPr>
+        <a:xfrm>
+          <a:off x="0" y="0"/>
+          <a:ext cx="0" cy="0"/>
+          <a:chOff x="0" y="0"/>
+          <a:chExt cx="0" cy="0"/>
+        </a:xfrm>
+      </p:grpSpPr>
+      <p:sp>
+        <p:nvSpPr>
+          <p:cNvPr id="2" name="Title 1"/>
+          <p:cNvSpPr>
+            <a:spLocks noGrp="1"/>
+          </p:cNvSpPr>
+          <p:nvPr>
+            <p:ph type="title"/>
+          </p:nvPr>
+        </p:nvSpPr>
+        <p:spPr/>
+        <p:txBody>
+          <a:bodyPr/>
+          <a:lstStyle/>
+          <a:p>
+            <a:r>
+              <a:rPr lang="it-IT" dirty="0" smtClean="0"/>
+              <a:t>Non c’è … senza analisi</a:t>
+            </a:r>
+            <a:endParaRPr lang="it-IT" dirty="0"/>
+          </a:p>
+        </p:txBody>
+      </p:sp>
+      <p:sp>
+        <p:nvSpPr>
+          <p:cNvPr id="3" name="Content Placeholder 2"/>
+          <p:cNvSpPr>
+            <a:spLocks noGrp="1"/>
+          </p:cNvSpPr>
+          <p:nvPr>
+            <p:ph idx="1"/>
+          </p:nvPr>
+        </p:nvSpPr>
+        <p:spPr/>
+        <p:txBody>
+          <a:bodyPr/>
+          <a:lstStyle/>
+          <a:p>
+            <a:r>
+              <a:rPr lang="it-IT" dirty="0" smtClean="0"/>
+              <a:t>NON iniziamo la fase di progetto prima di avere assestato la fase di </a:t>
+            </a:r>
+            <a:r>
+              <a:rPr lang="it-IT" i="1" dirty="0" smtClean="0">
+                <a:solidFill>
+                  <a:srgbClr val="C00000"/>
+                </a:solidFill>
+              </a:rPr>
+              <a:t>analisi dei requisiti e l’analisi del problema</a:t>
+            </a:r>
+            <a:r>
+              <a:rPr lang="it-IT" dirty="0" smtClean="0"/>
+              <a:t>, con relativa peer-review, al fine di</a:t>
+            </a:r>
+          </a:p>
+          <a:p>
+            <a:pPr lvl="1"/>
+            <a:r>
+              <a:rPr lang="it-IT" dirty="0" smtClean="0"/>
+              <a:t>Individuare i principali sottosistemi</a:t>
+            </a:r>
+          </a:p>
+          <a:p>
+            <a:pPr lvl="1"/>
+            <a:r>
+              <a:rPr lang="it-IT" dirty="0" smtClean="0"/>
+              <a:t>Capire quali tecnologie sono necessarie</a:t>
+            </a:r>
+          </a:p>
+          <a:p>
+            <a:pPr lvl="1"/>
+            <a:r>
+              <a:rPr lang="it-IT" dirty="0" smtClean="0"/>
+              <a:t>Valutare i punti critici, i rischi e i costi</a:t>
+            </a:r>
+          </a:p>
+          <a:p>
+            <a:pPr lvl="1"/>
+            <a:r>
+              <a:rPr lang="it-IT" dirty="0" smtClean="0"/>
+              <a:t>Pianificare l’uso delle risorse e i tempi </a:t>
+            </a:r>
+          </a:p>
+          <a:p>
+            <a:pPr lvl="1"/>
+            <a:r>
+              <a:rPr lang="it-IT" dirty="0" smtClean="0"/>
+              <a:t>Distribuire il lavoro tra le persone</a:t>
+            </a:r>
+          </a:p>
+          <a:p>
+            <a:endParaRPr lang="it-IT" dirty="0" smtClean="0"/>
+          </a:p>
+          <a:p>
+            <a:endParaRPr lang="it-IT" dirty="0"/>
+          </a:p>
+        </p:txBody>
+      </p:sp>
+      <p:sp>
+        <p:nvSpPr>
+          <p:cNvPr id="4" name="Footer Placeholder 3"/>
+          <p:cNvSpPr>
+            <a:spLocks noGrp="1"/>
+          </p:cNvSpPr>
+          <p:nvPr>
+            <p:ph type="ftr" sz="quarter" idx="11"/>
+          </p:nvPr>
+        </p:nvSpPr>
+        <p:spPr/>
+        <p:txBody>
+          <a:bodyPr/>
+          <a:lstStyle/>
+          <a:p>
+            <a:r>
+              <a:rPr lang="it-IT" smtClean="0"/>
+              <a:t>AN - University of Bologna</a:t>
+            </a:r>
+            <a:endParaRPr lang="it-IT"/>
+          </a:p>
+        </p:txBody>
+      </p:sp>
+    </p:spTree>
+    <p:extLst>
+      <p:ext uri="{BB962C8B-B14F-4D97-AF65-F5344CB8AC3E}">
+        <p14:creationId xmlns:p14="http://schemas.microsoft.com/office/powerpoint/2010/main" val="1852103517"/>
+      </p:ext>
+    </p:extLst>
+  </p:cSld>
+  <p:clrMapOvr>
+    <a:masterClrMapping/>
+  </p:clrMapOvr>
+</p:sld>
+</file>
+
+<file path=ppt/slides/slide23.xml><?xml version="1.0" encoding="utf-8"?>
+<p:sld xmlns:a="http://schemas.openxmlformats.org/drawingml/2006/main" xmlns:r="http://schemas.openxmlformats.org/officeDocument/2006/relationships" xmlns:p="http://schemas.openxmlformats.org/presentationml/2006/main">
+  <p:cSld>
+    <p:spTree>
+      <p:nvGrpSpPr>
+        <p:cNvPr id="1" name=""/>
+        <p:cNvGrpSpPr/>
+        <p:nvPr/>
+      </p:nvGrpSpPr>
+      <p:grpSpPr>
+        <a:xfrm>
+          <a:off x="0" y="0"/>
+          <a:ext cx="0" cy="0"/>
+          <a:chOff x="0" y="0"/>
+          <a:chExt cx="0" cy="0"/>
+        </a:xfrm>
+      </p:grpSpPr>
+      <p:sp>
+        <p:nvSpPr>
+          <p:cNvPr id="2" name="Segnaposto piè di pagina 1"/>
+          <p:cNvSpPr>
+            <a:spLocks noGrp="1"/>
+          </p:cNvSpPr>
+          <p:nvPr>
+            <p:ph type="ftr" sz="quarter" idx="11"/>
+          </p:nvPr>
+        </p:nvSpPr>
+        <p:spPr/>
+        <p:txBody>
+          <a:bodyPr/>
+          <a:lstStyle/>
+          <a:p>
+            <a:r>
+              <a:rPr lang="it-IT" smtClean="0"/>
+              <a:t>ANatali  - DISI - IOT - Univeristy of Bologna</a:t>
+            </a:r>
+            <a:endParaRPr lang="it-IT" dirty="0"/>
+          </a:p>
+        </p:txBody>
+      </p:sp>
+      <p:sp>
+        <p:nvSpPr>
+          <p:cNvPr id="3" name="Segnaposto numero diapositiva 2"/>
+          <p:cNvSpPr>
+            <a:spLocks noGrp="1"/>
+          </p:cNvSpPr>
+          <p:nvPr>
+            <p:ph type="sldNum" sz="quarter" idx="12"/>
+          </p:nvPr>
+        </p:nvSpPr>
+        <p:spPr/>
+        <p:txBody>
+          <a:bodyPr/>
+          <a:lstStyle/>
+          <a:p>
+            <a:fld id="{03E3EE0D-7662-4732-93DA-E3593AA869E4}" type="slidenum">
+              <a:rPr lang="it-IT" smtClean="0"/>
+              <a:t>23</a:t>
+            </a:fld>
+            <a:endParaRPr lang="it-IT"/>
+          </a:p>
+        </p:txBody>
+      </p:sp>
+      <p:sp>
+        <p:nvSpPr>
+          <p:cNvPr id="4" name="Rettangolo arrotondato 3"/>
+          <p:cNvSpPr/>
+          <p:nvPr/>
+        </p:nvSpPr>
+        <p:spPr>
+          <a:xfrm>
+            <a:off x="1187624" y="194519"/>
+            <a:ext cx="6051794" cy="4890665"/>
+          </a:xfrm>
+          <a:prstGeom prst="roundRect">
+            <a:avLst/>
+          </a:prstGeom>
+        </p:spPr>
+        <p:style>
+          <a:lnRef idx="2">
+            <a:schemeClr val="accent4"/>
+          </a:lnRef>
+          <a:fillRef idx="1">
+            <a:schemeClr val="lt1"/>
+          </a:fillRef>
+          <a:effectRef idx="0">
+            <a:schemeClr val="accent4"/>
+          </a:effectRef>
+          <a:fontRef idx="minor">
+            <a:schemeClr val="dk1"/>
+          </a:fontRef>
+        </p:style>
+        <p:txBody>
+          <a:bodyPr rtlCol="0" anchor="ctr"/>
+          <a:lstStyle/>
+          <a:p>
+            <a:pPr algn="ctr"/>
+            <a:endParaRPr lang="en-GB"/>
+          </a:p>
+        </p:txBody>
+      </p:sp>
+      <p:sp>
+        <p:nvSpPr>
+          <p:cNvPr id="34" name="Ovale 33"/>
+          <p:cNvSpPr/>
+          <p:nvPr/>
+        </p:nvSpPr>
+        <p:spPr>
+          <a:xfrm>
+            <a:off x="1456796" y="2904877"/>
+            <a:ext cx="749721" cy="720080"/>
+          </a:xfrm>
+          <a:prstGeom prst="ellipse">
+            <a:avLst/>
+          </a:prstGeom>
+          <a:ln/>
+        </p:spPr>
+        <p:style>
+          <a:lnRef idx="1">
+            <a:schemeClr val="accent5"/>
+          </a:lnRef>
+          <a:fillRef idx="2">
+            <a:schemeClr val="accent5"/>
+          </a:fillRef>
+          <a:effectRef idx="1">
+            <a:schemeClr val="accent5"/>
+          </a:effectRef>
+          <a:fontRef idx="minor">
+            <a:schemeClr val="dk1"/>
+          </a:fontRef>
+        </p:style>
+        <p:txBody>
+          <a:bodyPr rtlCol="0" anchor="ctr"/>
+          <a:lstStyle/>
+          <a:p>
+            <a:pPr algn="ctr"/>
+            <a:r>
+              <a:rPr lang="en-GB" sz="1200" dirty="0" smtClean="0"/>
+              <a:t> </a:t>
+            </a:r>
+            <a:endParaRPr lang="en-GB" sz="1200" dirty="0"/>
+          </a:p>
+        </p:txBody>
+      </p:sp>
+      <p:sp>
+        <p:nvSpPr>
+          <p:cNvPr id="44" name="Ovale 43"/>
+          <p:cNvSpPr/>
+          <p:nvPr/>
+        </p:nvSpPr>
+        <p:spPr>
+          <a:xfrm>
+            <a:off x="1457417" y="3784077"/>
+            <a:ext cx="749721" cy="720080"/>
+          </a:xfrm>
+          <a:prstGeom prst="ellipse">
+            <a:avLst/>
+          </a:prstGeom>
+          <a:ln/>
+        </p:spPr>
+        <p:style>
+          <a:lnRef idx="1">
+            <a:schemeClr val="accent5"/>
+          </a:lnRef>
+          <a:fillRef idx="2">
+            <a:schemeClr val="accent5"/>
+          </a:fillRef>
+          <a:effectRef idx="1">
+            <a:schemeClr val="accent5"/>
+          </a:effectRef>
+          <a:fontRef idx="minor">
+            <a:schemeClr val="dk1"/>
+          </a:fontRef>
+        </p:style>
+        <p:txBody>
+          <a:bodyPr rtlCol="0" anchor="ctr"/>
+          <a:lstStyle/>
+          <a:p>
+            <a:pPr algn="ctr"/>
+            <a:r>
+              <a:rPr lang="en-GB" sz="1200" dirty="0" smtClean="0"/>
+              <a:t> </a:t>
+            </a:r>
+            <a:endParaRPr lang="en-GB" sz="1200" dirty="0"/>
+          </a:p>
+        </p:txBody>
+      </p:sp>
+      <p:sp>
+        <p:nvSpPr>
+          <p:cNvPr id="54" name="CasellaDiTesto 53"/>
+          <p:cNvSpPr txBox="1"/>
+          <p:nvPr/>
+        </p:nvSpPr>
+        <p:spPr>
+          <a:xfrm>
+            <a:off x="2432535" y="3081455"/>
+            <a:ext cx="873957" cy="400110"/>
+          </a:xfrm>
+          <a:prstGeom prst="rect">
+            <a:avLst/>
+          </a:prstGeom>
+          <a:noFill/>
+        </p:spPr>
+        <p:txBody>
+          <a:bodyPr wrap="none" rtlCol="0">
+            <a:spAutoFit/>
+          </a:bodyPr>
+          <a:lstStyle/>
+          <a:p>
+            <a:r>
+              <a:rPr lang="it-IT" sz="2000" dirty="0">
+                <a:latin typeface="Calibri" panose="020F0502020204030204" pitchFamily="34" charset="0"/>
+                <a:cs typeface="Calibri" panose="020F0502020204030204" pitchFamily="34" charset="0"/>
+              </a:rPr>
+              <a:t>Object</a:t>
+            </a:r>
+            <a:endParaRPr lang="en-GB" sz="2000" dirty="0">
+              <a:latin typeface="Calibri" panose="020F0502020204030204" pitchFamily="34" charset="0"/>
+              <a:cs typeface="Calibri" panose="020F0502020204030204" pitchFamily="34" charset="0"/>
+            </a:endParaRPr>
+          </a:p>
+        </p:txBody>
+      </p:sp>
+      <p:sp>
+        <p:nvSpPr>
+          <p:cNvPr id="55" name="CasellaDiTesto 54"/>
+          <p:cNvSpPr txBox="1"/>
+          <p:nvPr/>
+        </p:nvSpPr>
+        <p:spPr>
+          <a:xfrm>
+            <a:off x="2480681" y="3946006"/>
+            <a:ext cx="1284006" cy="707886"/>
+          </a:xfrm>
+          <a:prstGeom prst="rect">
+            <a:avLst/>
+          </a:prstGeom>
+          <a:noFill/>
+        </p:spPr>
+        <p:txBody>
+          <a:bodyPr wrap="none" rtlCol="0">
+            <a:spAutoFit/>
+          </a:bodyPr>
+          <a:lstStyle/>
+          <a:p>
+            <a:r>
+              <a:rPr lang="it-IT" sz="2000" dirty="0">
+                <a:latin typeface="Calibri" panose="020F0502020204030204" pitchFamily="34" charset="0"/>
+                <a:cs typeface="Calibri" panose="020F0502020204030204" pitchFamily="34" charset="0"/>
+              </a:rPr>
+              <a:t>Object</a:t>
+            </a:r>
+            <a:r>
+              <a:rPr lang="it-IT" sz="1600" dirty="0"/>
+              <a:t> </a:t>
+            </a:r>
+            <a:r>
+              <a:rPr lang="it-IT" sz="1200" dirty="0"/>
+              <a:t>w</a:t>
+            </a:r>
+            <a:r>
+              <a:rPr lang="it-IT" sz="1200" dirty="0" smtClean="0"/>
+              <a:t>ith</a:t>
+            </a:r>
+            <a:r>
+              <a:rPr lang="it-IT" sz="1600" dirty="0" smtClean="0"/>
+              <a:t> </a:t>
+            </a:r>
+          </a:p>
+          <a:p>
+            <a:r>
+              <a:rPr lang="it-IT" sz="1200" dirty="0" err="1" smtClean="0"/>
+              <a:t>internal</a:t>
+            </a:r>
+            <a:r>
+              <a:rPr lang="it-IT" sz="1200" dirty="0" smtClean="0"/>
+              <a:t> </a:t>
+            </a:r>
+            <a:r>
+              <a:rPr lang="it-IT" sz="2000" dirty="0" err="1" smtClean="0">
+                <a:latin typeface="Calibri" panose="020F0502020204030204" pitchFamily="34" charset="0"/>
+                <a:cs typeface="Calibri" panose="020F0502020204030204" pitchFamily="34" charset="0"/>
+              </a:rPr>
+              <a:t>Tread</a:t>
+            </a:r>
+            <a:r>
+              <a:rPr lang="it-IT" sz="1200" dirty="0" smtClean="0"/>
+              <a:t>)</a:t>
+            </a:r>
+            <a:endParaRPr lang="en-GB" sz="1200" dirty="0"/>
+          </a:p>
+        </p:txBody>
+      </p:sp>
+      <p:sp>
+        <p:nvSpPr>
+          <p:cNvPr id="66" name="CasellaDiTesto 65"/>
+          <p:cNvSpPr txBox="1"/>
+          <p:nvPr/>
+        </p:nvSpPr>
+        <p:spPr>
+          <a:xfrm>
+            <a:off x="5355017" y="2904877"/>
+            <a:ext cx="1561453" cy="400110"/>
+          </a:xfrm>
+          <a:prstGeom prst="rect">
+            <a:avLst/>
+          </a:prstGeom>
+          <a:noFill/>
+        </p:spPr>
+        <p:txBody>
+          <a:bodyPr wrap="none" rtlCol="0">
+            <a:spAutoFit/>
+          </a:bodyPr>
+          <a:lstStyle/>
+          <a:p>
+            <a:r>
+              <a:rPr lang="it-IT" sz="2000" dirty="0"/>
+              <a:t>Procedure</a:t>
+            </a:r>
+            <a:r>
+              <a:rPr lang="it-IT" sz="1600" dirty="0" smtClean="0"/>
+              <a:t> </a:t>
+            </a:r>
+            <a:r>
+              <a:rPr lang="it-IT" sz="2000" dirty="0"/>
+              <a:t>Call</a:t>
+            </a:r>
+            <a:endParaRPr lang="en-GB" sz="2000" dirty="0"/>
+          </a:p>
+        </p:txBody>
+      </p:sp>
+      <p:sp>
+        <p:nvSpPr>
+          <p:cNvPr id="87" name="CasellaDiTesto 86"/>
+          <p:cNvSpPr txBox="1"/>
+          <p:nvPr/>
+        </p:nvSpPr>
+        <p:spPr>
+          <a:xfrm>
+            <a:off x="2480681" y="590480"/>
+            <a:ext cx="1619354" cy="400110"/>
+          </a:xfrm>
+          <a:prstGeom prst="rect">
+            <a:avLst/>
+          </a:prstGeom>
+          <a:noFill/>
+        </p:spPr>
+        <p:txBody>
+          <a:bodyPr wrap="none" rtlCol="0">
+            <a:spAutoFit/>
+          </a:bodyPr>
+          <a:lstStyle/>
+          <a:p>
+            <a:r>
+              <a:rPr lang="it-IT" sz="2000" dirty="0" err="1" smtClean="0">
+                <a:latin typeface="Calibri" panose="020F0502020204030204" pitchFamily="34" charset="0"/>
+                <a:cs typeface="Calibri" panose="020F0502020204030204" pitchFamily="34" charset="0"/>
+              </a:rPr>
+              <a:t>Generic</a:t>
+            </a:r>
+            <a:r>
+              <a:rPr lang="it-IT" sz="2000" dirty="0" smtClean="0"/>
+              <a:t> </a:t>
+            </a:r>
+            <a:r>
+              <a:rPr lang="it-IT" sz="2000" dirty="0" err="1"/>
+              <a:t>E</a:t>
+            </a:r>
+            <a:r>
+              <a:rPr lang="it-IT" sz="2000" dirty="0" err="1" smtClean="0"/>
+              <a:t>ntity</a:t>
+            </a:r>
+            <a:endParaRPr lang="en-GB" sz="2000" dirty="0"/>
+          </a:p>
+        </p:txBody>
+      </p:sp>
+      <p:cxnSp>
+        <p:nvCxnSpPr>
+          <p:cNvPr id="89" name="Connettore 1 88"/>
+          <p:cNvCxnSpPr>
+            <a:stCxn id="4" idx="0"/>
+            <a:endCxn id="4" idx="2"/>
+          </p:cNvCxnSpPr>
+          <p:nvPr/>
+        </p:nvCxnSpPr>
+        <p:spPr>
+          <a:xfrm>
+            <a:off x="4213521" y="194519"/>
+            <a:ext cx="0" cy="4890665"/>
+          </a:xfrm>
+          <a:prstGeom prst="line">
+            <a:avLst/>
+          </a:prstGeom>
+        </p:spPr>
+        <p:style>
+          <a:lnRef idx="1">
+            <a:schemeClr val="accent1"/>
+          </a:lnRef>
+          <a:fillRef idx="0">
+            <a:schemeClr val="accent1"/>
+          </a:fillRef>
+          <a:effectRef idx="0">
+            <a:schemeClr val="accent1"/>
+          </a:effectRef>
+          <a:fontRef idx="minor">
+            <a:schemeClr val="tx1"/>
+          </a:fontRef>
+        </p:style>
+      </p:cxnSp>
+      <p:grpSp>
+        <p:nvGrpSpPr>
+          <p:cNvPr id="114" name="Gruppo 113"/>
+          <p:cNvGrpSpPr/>
+          <p:nvPr/>
+        </p:nvGrpSpPr>
+        <p:grpSpPr>
+          <a:xfrm>
+            <a:off x="1534890" y="1148028"/>
+            <a:ext cx="662314" cy="599831"/>
+            <a:chOff x="1536244" y="1255416"/>
+            <a:chExt cx="662314" cy="599831"/>
+          </a:xfrm>
+          <a:solidFill>
+            <a:srgbClr val="FFCC99"/>
+          </a:solidFill>
+        </p:grpSpPr>
+        <p:sp>
+          <p:nvSpPr>
+            <p:cNvPr id="95" name="Ovale 94"/>
+            <p:cNvSpPr/>
+            <p:nvPr/>
+          </p:nvSpPr>
+          <p:spPr>
+            <a:xfrm>
+              <a:off x="1544982" y="1595795"/>
+              <a:ext cx="653576" cy="259452"/>
+            </a:xfrm>
+            <a:prstGeom prst="ellipse">
+              <a:avLst/>
+            </a:prstGeom>
+            <a:grpFill/>
+          </p:spPr>
+          <p:style>
+            <a:lnRef idx="2">
+              <a:schemeClr val="accent1">
+                <a:shade val="50000"/>
+              </a:schemeClr>
+            </a:lnRef>
+            <a:fillRef idx="1">
+              <a:schemeClr val="accent1"/>
+            </a:fillRef>
+            <a:effectRef idx="0">
+              <a:schemeClr val="accent1"/>
+            </a:effectRef>
+            <a:fontRef idx="minor">
+              <a:schemeClr val="lt1"/>
+            </a:fontRef>
+          </p:style>
+          <p:txBody>
+            <a:bodyPr rtlCol="0" anchor="ctr"/>
+            <a:lstStyle/>
+            <a:p>
+              <a:pPr algn="ctr"/>
+              <a:endParaRPr lang="en-GB"/>
+            </a:p>
+          </p:txBody>
+        </p:sp>
+        <p:sp>
+          <p:nvSpPr>
+            <p:cNvPr id="94" name="Rettangolo 93"/>
+            <p:cNvSpPr/>
+            <p:nvPr/>
+          </p:nvSpPr>
+          <p:spPr>
+            <a:xfrm>
+              <a:off x="1536244" y="1380737"/>
+              <a:ext cx="662314" cy="327035"/>
+            </a:xfrm>
+            <a:prstGeom prst="rect">
+              <a:avLst/>
+            </a:prstGeom>
+            <a:grpFill/>
+            <a:ln>
+              <a:solidFill>
+                <a:schemeClr val="bg1"/>
+              </a:solidFill>
+            </a:ln>
+          </p:spPr>
+          <p:style>
+            <a:lnRef idx="2">
+              <a:schemeClr val="accent1">
+                <a:shade val="50000"/>
+              </a:schemeClr>
+            </a:lnRef>
+            <a:fillRef idx="1">
+              <a:schemeClr val="accent1"/>
+            </a:fillRef>
+            <a:effectRef idx="0">
+              <a:schemeClr val="accent1"/>
+            </a:effectRef>
+            <a:fontRef idx="minor">
+              <a:schemeClr val="lt1"/>
+            </a:fontRef>
+          </p:style>
+          <p:txBody>
+            <a:bodyPr rtlCol="0" anchor="ctr"/>
+            <a:lstStyle/>
+            <a:p>
+              <a:pPr algn="ctr"/>
+              <a:endParaRPr lang="en-GB"/>
+            </a:p>
+          </p:txBody>
+        </p:sp>
+        <p:sp>
+          <p:nvSpPr>
+            <p:cNvPr id="97" name="Ovale 96"/>
+            <p:cNvSpPr/>
+            <p:nvPr/>
+          </p:nvSpPr>
+          <p:spPr>
+            <a:xfrm>
+              <a:off x="1536244" y="1255416"/>
+              <a:ext cx="659348" cy="259452"/>
+            </a:xfrm>
+            <a:prstGeom prst="ellipse">
+              <a:avLst/>
+            </a:prstGeom>
+            <a:grpFill/>
+          </p:spPr>
+          <p:style>
+            <a:lnRef idx="2">
+              <a:schemeClr val="accent1">
+                <a:shade val="50000"/>
+              </a:schemeClr>
+            </a:lnRef>
+            <a:fillRef idx="1">
+              <a:schemeClr val="accent1"/>
+            </a:fillRef>
+            <a:effectRef idx="0">
+              <a:schemeClr val="accent1"/>
+            </a:effectRef>
+            <a:fontRef idx="minor">
+              <a:schemeClr val="lt1"/>
+            </a:fontRef>
+          </p:style>
+          <p:txBody>
+            <a:bodyPr rtlCol="0" anchor="ctr"/>
+            <a:lstStyle/>
+            <a:p>
+              <a:pPr algn="ctr"/>
+              <a:endParaRPr lang="en-GB"/>
+            </a:p>
+          </p:txBody>
+        </p:sp>
+        <p:cxnSp>
+          <p:nvCxnSpPr>
+            <p:cNvPr id="98" name="Connettore 1 97"/>
+            <p:cNvCxnSpPr>
+              <a:endCxn id="95" idx="2"/>
+            </p:cNvCxnSpPr>
+            <p:nvPr/>
+          </p:nvCxnSpPr>
+          <p:spPr>
+            <a:xfrm>
+              <a:off x="1536244" y="1385142"/>
+              <a:ext cx="8738" cy="340379"/>
+            </a:xfrm>
+            <a:prstGeom prst="line">
+              <a:avLst/>
+            </a:prstGeom>
+            <a:grpFill/>
+          </p:spPr>
+          <p:style>
+            <a:lnRef idx="2">
+              <a:schemeClr val="accent1">
+                <a:shade val="50000"/>
+              </a:schemeClr>
+            </a:lnRef>
+            <a:fillRef idx="1">
+              <a:schemeClr val="accent1"/>
+            </a:fillRef>
+            <a:effectRef idx="0">
+              <a:schemeClr val="accent1"/>
+            </a:effectRef>
+            <a:fontRef idx="minor">
+              <a:schemeClr val="lt1"/>
+            </a:fontRef>
+          </p:style>
+        </p:cxnSp>
+        <p:cxnSp>
+          <p:nvCxnSpPr>
+            <p:cNvPr id="102" name="Connettore 1 101"/>
+            <p:cNvCxnSpPr>
+              <a:endCxn id="95" idx="6"/>
+            </p:cNvCxnSpPr>
+            <p:nvPr/>
+          </p:nvCxnSpPr>
+          <p:spPr>
+            <a:xfrm>
+              <a:off x="2198558" y="1385142"/>
+              <a:ext cx="0" cy="340379"/>
+            </a:xfrm>
+            <a:prstGeom prst="line">
+              <a:avLst/>
+            </a:prstGeom>
+            <a:grpFill/>
+          </p:spPr>
+          <p:style>
+            <a:lnRef idx="2">
+              <a:schemeClr val="accent1">
+                <a:shade val="50000"/>
+              </a:schemeClr>
+            </a:lnRef>
+            <a:fillRef idx="1">
+              <a:schemeClr val="accent1"/>
+            </a:fillRef>
+            <a:effectRef idx="0">
+              <a:schemeClr val="accent1"/>
+            </a:effectRef>
+            <a:fontRef idx="minor">
+              <a:schemeClr val="lt1"/>
+            </a:fontRef>
+          </p:style>
+        </p:cxnSp>
+        <p:cxnSp>
+          <p:nvCxnSpPr>
+            <p:cNvPr id="104" name="Connettore 1 103"/>
+            <p:cNvCxnSpPr/>
+            <p:nvPr/>
+          </p:nvCxnSpPr>
+          <p:spPr>
+            <a:xfrm>
+              <a:off x="1566510" y="1707772"/>
+              <a:ext cx="629082" cy="0"/>
+            </a:xfrm>
+            <a:prstGeom prst="line">
+              <a:avLst/>
+            </a:prstGeom>
+            <a:grpFill/>
+            <a:ln w="28575">
+              <a:solidFill>
+                <a:srgbClr val="FFCC99"/>
+              </a:solidFill>
+            </a:ln>
+          </p:spPr>
+          <p:style>
+            <a:lnRef idx="1">
+              <a:schemeClr val="accent1"/>
+            </a:lnRef>
+            <a:fillRef idx="0">
+              <a:schemeClr val="accent1"/>
+            </a:fillRef>
+            <a:effectRef idx="0">
+              <a:schemeClr val="accent1"/>
+            </a:effectRef>
+            <a:fontRef idx="minor">
+              <a:schemeClr val="tx1"/>
+            </a:fontRef>
+          </p:style>
+        </p:cxnSp>
+      </p:grpSp>
+      <p:sp>
+        <p:nvSpPr>
+          <p:cNvPr id="108" name="CasellaDiTesto 107"/>
+          <p:cNvSpPr txBox="1"/>
+          <p:nvPr/>
+        </p:nvSpPr>
+        <p:spPr>
+          <a:xfrm>
+            <a:off x="2518130" y="1238203"/>
+            <a:ext cx="1214692" cy="400110"/>
+          </a:xfrm>
+          <a:prstGeom prst="rect">
+            <a:avLst/>
+          </a:prstGeom>
+          <a:noFill/>
+        </p:spPr>
+        <p:txBody>
+          <a:bodyPr wrap="none" rtlCol="0">
+            <a:spAutoFit/>
+          </a:bodyPr>
+          <a:lstStyle>
+            <a:defPPr>
+              <a:defRPr lang="en-US"/>
+            </a:defPPr>
+            <a:lvl1pPr>
+              <a:defRPr sz="2000">
+                <a:latin typeface="Calibri" panose="020F0502020204030204" pitchFamily="34" charset="0"/>
+                <a:cs typeface="Calibri" panose="020F0502020204030204" pitchFamily="34" charset="0"/>
+              </a:defRPr>
+            </a:lvl1pPr>
+          </a:lstStyle>
+          <a:p>
+            <a:r>
+              <a:rPr lang="it-IT" dirty="0"/>
+              <a:t>Data base</a:t>
+            </a:r>
+            <a:endParaRPr lang="en-GB" dirty="0"/>
+          </a:p>
+        </p:txBody>
+      </p:sp>
+      <p:sp>
+        <p:nvSpPr>
+          <p:cNvPr id="119" name="Rettangolo 118"/>
+          <p:cNvSpPr/>
+          <p:nvPr/>
+        </p:nvSpPr>
+        <p:spPr>
+          <a:xfrm>
+            <a:off x="1565156" y="2236895"/>
+            <a:ext cx="582549" cy="351703"/>
+          </a:xfrm>
+          <a:prstGeom prst="rect">
+            <a:avLst/>
+          </a:prstGeom>
+          <a:solidFill>
+            <a:srgbClr val="FFFFCC"/>
+          </a:solidFill>
+        </p:spPr>
+        <p:style>
+          <a:lnRef idx="2">
+            <a:schemeClr val="accent1">
+              <a:shade val="50000"/>
+            </a:schemeClr>
+          </a:lnRef>
+          <a:fillRef idx="1">
+            <a:schemeClr val="accent1"/>
+          </a:fillRef>
+          <a:effectRef idx="0">
+            <a:schemeClr val="accent1"/>
+          </a:effectRef>
+          <a:fontRef idx="minor">
+            <a:schemeClr val="lt1"/>
+          </a:fontRef>
+        </p:style>
+        <p:txBody>
+          <a:bodyPr rtlCol="0" anchor="ctr"/>
+          <a:lstStyle/>
+          <a:p>
+            <a:pPr algn="ctr"/>
+            <a:endParaRPr lang="en-GB"/>
+          </a:p>
+        </p:txBody>
+      </p:sp>
+      <p:sp>
+        <p:nvSpPr>
+          <p:cNvPr id="123" name="CasellaDiTesto 122"/>
+          <p:cNvSpPr txBox="1"/>
+          <p:nvPr/>
+        </p:nvSpPr>
+        <p:spPr>
+          <a:xfrm>
+            <a:off x="2528349" y="2208829"/>
+            <a:ext cx="1096775" cy="400110"/>
+          </a:xfrm>
+          <a:prstGeom prst="rect">
+            <a:avLst/>
+          </a:prstGeom>
+          <a:noFill/>
+        </p:spPr>
+        <p:txBody>
+          <a:bodyPr wrap="none" rtlCol="0">
+            <a:spAutoFit/>
+          </a:bodyPr>
+          <a:lstStyle/>
+          <a:p>
+            <a:r>
+              <a:rPr lang="it-IT" sz="2000" dirty="0" err="1">
+                <a:latin typeface="Calibri" panose="020F0502020204030204" pitchFamily="34" charset="0"/>
+                <a:cs typeface="Calibri" panose="020F0502020204030204" pitchFamily="34" charset="0"/>
+              </a:rPr>
+              <a:t>Function</a:t>
+            </a:r>
+            <a:endParaRPr lang="en-GB" sz="2000" dirty="0">
+              <a:latin typeface="Calibri" panose="020F0502020204030204" pitchFamily="34" charset="0"/>
+              <a:cs typeface="Calibri" panose="020F0502020204030204" pitchFamily="34" charset="0"/>
+            </a:endParaRPr>
+          </a:p>
+        </p:txBody>
+      </p:sp>
+      <p:cxnSp>
+        <p:nvCxnSpPr>
+          <p:cNvPr id="127" name="Connettore 2 126"/>
+          <p:cNvCxnSpPr/>
+          <p:nvPr/>
+        </p:nvCxnSpPr>
+        <p:spPr>
+          <a:xfrm flipH="1">
+            <a:off x="1832277" y="3946006"/>
+            <a:ext cx="13466" cy="393101"/>
+          </a:xfrm>
+          <a:prstGeom prst="straightConnector1">
+            <a:avLst/>
+          </a:prstGeom>
+          <a:ln>
+            <a:solidFill>
+              <a:srgbClr val="C00000"/>
+            </a:solidFill>
+            <a:tailEnd type="arrow"/>
+          </a:ln>
+        </p:spPr>
+        <p:style>
+          <a:lnRef idx="1">
+            <a:schemeClr val="accent1"/>
+          </a:lnRef>
+          <a:fillRef idx="0">
+            <a:schemeClr val="accent1"/>
+          </a:fillRef>
+          <a:effectRef idx="0">
+            <a:schemeClr val="accent1"/>
+          </a:effectRef>
+          <a:fontRef idx="minor">
+            <a:schemeClr val="tx1"/>
+          </a:fontRef>
+        </p:style>
+      </p:cxnSp>
+      <p:cxnSp>
+        <p:nvCxnSpPr>
+          <p:cNvPr id="10" name="Connettore 2 9"/>
+          <p:cNvCxnSpPr/>
+          <p:nvPr/>
+        </p:nvCxnSpPr>
+        <p:spPr>
+          <a:xfrm>
+            <a:off x="4540369" y="3104932"/>
+            <a:ext cx="699082" cy="0"/>
+          </a:xfrm>
+          <a:prstGeom prst="straightConnector1">
+            <a:avLst/>
+          </a:prstGeom>
+          <a:ln>
+            <a:tailEnd type="arrow"/>
+          </a:ln>
+        </p:spPr>
+        <p:style>
+          <a:lnRef idx="1">
+            <a:schemeClr val="accent1"/>
+          </a:lnRef>
+          <a:fillRef idx="0">
+            <a:schemeClr val="accent1"/>
+          </a:fillRef>
+          <a:effectRef idx="0">
+            <a:schemeClr val="accent1"/>
+          </a:effectRef>
+          <a:fontRef idx="minor">
+            <a:schemeClr val="tx1"/>
+          </a:fontRef>
+        </p:style>
+      </p:cxnSp>
+      <p:sp>
+        <p:nvSpPr>
+          <p:cNvPr id="13" name="Figura a mano libera 12"/>
+          <p:cNvSpPr/>
+          <p:nvPr/>
+        </p:nvSpPr>
+        <p:spPr>
+          <a:xfrm>
+            <a:off x="1600118" y="547914"/>
+            <a:ext cx="573277" cy="400110"/>
+          </a:xfrm>
+          <a:custGeom>
+            <a:avLst/>
+            <a:gdLst>
+              <a:gd name="connsiteX0" fmla="*/ 168812 w 773723"/>
+              <a:gd name="connsiteY0" fmla="*/ 0 h 604911"/>
+              <a:gd name="connsiteX1" fmla="*/ 168812 w 773723"/>
+              <a:gd name="connsiteY1" fmla="*/ 0 h 604911"/>
+              <a:gd name="connsiteX2" fmla="*/ 28135 w 773723"/>
+              <a:gd name="connsiteY2" fmla="*/ 70339 h 604911"/>
+              <a:gd name="connsiteX3" fmla="*/ 0 w 773723"/>
+              <a:gd name="connsiteY3" fmla="*/ 112542 h 604911"/>
+              <a:gd name="connsiteX4" fmla="*/ 14068 w 773723"/>
+              <a:gd name="connsiteY4" fmla="*/ 492369 h 604911"/>
+              <a:gd name="connsiteX5" fmla="*/ 42203 w 773723"/>
+              <a:gd name="connsiteY5" fmla="*/ 520505 h 604911"/>
+              <a:gd name="connsiteX6" fmla="*/ 168812 w 773723"/>
+              <a:gd name="connsiteY6" fmla="*/ 576776 h 604911"/>
+              <a:gd name="connsiteX7" fmla="*/ 225083 w 773723"/>
+              <a:gd name="connsiteY7" fmla="*/ 604911 h 604911"/>
+              <a:gd name="connsiteX8" fmla="*/ 576775 w 773723"/>
+              <a:gd name="connsiteY8" fmla="*/ 590843 h 604911"/>
+              <a:gd name="connsiteX9" fmla="*/ 633046 w 773723"/>
+              <a:gd name="connsiteY9" fmla="*/ 393896 h 604911"/>
+              <a:gd name="connsiteX10" fmla="*/ 661181 w 773723"/>
+              <a:gd name="connsiteY10" fmla="*/ 365760 h 604911"/>
+              <a:gd name="connsiteX11" fmla="*/ 703385 w 773723"/>
+              <a:gd name="connsiteY11" fmla="*/ 337625 h 604911"/>
+              <a:gd name="connsiteX12" fmla="*/ 759655 w 773723"/>
+              <a:gd name="connsiteY12" fmla="*/ 295422 h 604911"/>
+              <a:gd name="connsiteX13" fmla="*/ 773723 w 773723"/>
+              <a:gd name="connsiteY13" fmla="*/ 253219 h 604911"/>
+              <a:gd name="connsiteX14" fmla="*/ 731520 w 773723"/>
+              <a:gd name="connsiteY14" fmla="*/ 154745 h 604911"/>
+              <a:gd name="connsiteX15" fmla="*/ 661181 w 773723"/>
+              <a:gd name="connsiteY15" fmla="*/ 84406 h 604911"/>
+              <a:gd name="connsiteX16" fmla="*/ 576775 w 773723"/>
+              <a:gd name="connsiteY16" fmla="*/ 28136 h 604911"/>
+              <a:gd name="connsiteX17" fmla="*/ 464234 w 773723"/>
+              <a:gd name="connsiteY17" fmla="*/ 42203 h 604911"/>
+              <a:gd name="connsiteX18" fmla="*/ 436098 w 773723"/>
+              <a:gd name="connsiteY18" fmla="*/ 70339 h 604911"/>
+              <a:gd name="connsiteX19" fmla="*/ 393895 w 773723"/>
+              <a:gd name="connsiteY19" fmla="*/ 84406 h 604911"/>
+              <a:gd name="connsiteX20" fmla="*/ 351692 w 773723"/>
+              <a:gd name="connsiteY20" fmla="*/ 70339 h 604911"/>
+              <a:gd name="connsiteX21" fmla="*/ 267286 w 773723"/>
+              <a:gd name="connsiteY21" fmla="*/ 56271 h 604911"/>
+              <a:gd name="connsiteX22" fmla="*/ 168812 w 773723"/>
+              <a:gd name="connsiteY22" fmla="*/ 0 h 604911"/>
+            </a:gdLst>
+            <a:ahLst/>
+            <a:cxnLst>
+              <a:cxn ang="0">
+                <a:pos x="connsiteX0" y="connsiteY0"/>
+              </a:cxn>
+              <a:cxn ang="0">
+                <a:pos x="connsiteX1" y="connsiteY1"/>
+              </a:cxn>
+              <a:cxn ang="0">
+                <a:pos x="connsiteX2" y="connsiteY2"/>
+              </a:cxn>
+              <a:cxn ang="0">
+                <a:pos x="connsiteX3" y="connsiteY3"/>
+              </a:cxn>
+              <a:cxn ang="0">
+                <a:pos x="connsiteX4" y="connsiteY4"/>
+              </a:cxn>
+              <a:cxn ang="0">
+                <a:pos x="connsiteX5" y="connsiteY5"/>
+              </a:cxn>
+              <a:cxn ang="0">
+                <a:pos x="connsiteX6" y="connsiteY6"/>
+              </a:cxn>
+              <a:cxn ang="0">
+                <a:pos x="connsiteX7" y="connsiteY7"/>
+              </a:cxn>
+              <a:cxn ang="0">
+                <a:pos x="connsiteX8" y="connsiteY8"/>
+              </a:cxn>
+              <a:cxn ang="0">
+                <a:pos x="connsiteX9" y="connsiteY9"/>
+              </a:cxn>
+              <a:cxn ang="0">
+                <a:pos x="connsiteX10" y="connsiteY10"/>
+              </a:cxn>
+              <a:cxn ang="0">
+                <a:pos x="connsiteX11" y="connsiteY11"/>
+              </a:cxn>
+              <a:cxn ang="0">
+                <a:pos x="connsiteX12" y="connsiteY12"/>
+              </a:cxn>
+              <a:cxn ang="0">
+                <a:pos x="connsiteX13" y="connsiteY13"/>
+              </a:cxn>
+              <a:cxn ang="0">
+                <a:pos x="connsiteX14" y="connsiteY14"/>
+              </a:cxn>
+              <a:cxn ang="0">
+                <a:pos x="connsiteX15" y="connsiteY15"/>
+              </a:cxn>
+              <a:cxn ang="0">
+                <a:pos x="connsiteX16" y="connsiteY16"/>
+              </a:cxn>
+              <a:cxn ang="0">
+                <a:pos x="connsiteX17" y="connsiteY17"/>
+              </a:cxn>
+              <a:cxn ang="0">
+                <a:pos x="connsiteX18" y="connsiteY18"/>
+              </a:cxn>
+              <a:cxn ang="0">
+                <a:pos x="connsiteX19" y="connsiteY19"/>
+              </a:cxn>
+              <a:cxn ang="0">
+                <a:pos x="connsiteX20" y="connsiteY20"/>
+              </a:cxn>
+              <a:cxn ang="0">
+                <a:pos x="connsiteX21" y="connsiteY21"/>
+              </a:cxn>
+              <a:cxn ang="0">
+                <a:pos x="connsiteX22" y="connsiteY22"/>
+              </a:cxn>
+            </a:cxnLst>
+            <a:rect l="l" t="t" r="r" b="b"/>
+            <a:pathLst>
+              <a:path w="773723" h="604911">
+                <a:moveTo>
+                  <a:pt x="168812" y="0"/>
+                </a:moveTo>
+                <a:lnTo>
+                  <a:pt x="168812" y="0"/>
+                </a:lnTo>
+                <a:cubicBezTo>
+                  <a:pt x="92586" y="28585"/>
+                  <a:pt x="68468" y="19923"/>
+                  <a:pt x="28135" y="70339"/>
+                </a:cubicBezTo>
+                <a:cubicBezTo>
+                  <a:pt x="17573" y="83541"/>
+                  <a:pt x="9378" y="98474"/>
+                  <a:pt x="0" y="112542"/>
+                </a:cubicBezTo>
+                <a:cubicBezTo>
+                  <a:pt x="4689" y="239151"/>
+                  <a:pt x="1031" y="366346"/>
+                  <a:pt x="14068" y="492369"/>
+                </a:cubicBezTo>
+                <a:cubicBezTo>
+                  <a:pt x="15433" y="505562"/>
+                  <a:pt x="31846" y="512219"/>
+                  <a:pt x="42203" y="520505"/>
+                </a:cubicBezTo>
+                <a:cubicBezTo>
+                  <a:pt x="111164" y="575674"/>
+                  <a:pt x="64716" y="524729"/>
+                  <a:pt x="168812" y="576776"/>
+                </a:cubicBezTo>
+                <a:lnTo>
+                  <a:pt x="225083" y="604911"/>
+                </a:lnTo>
+                <a:cubicBezTo>
+                  <a:pt x="342314" y="600222"/>
+                  <a:pt x="460118" y="603342"/>
+                  <a:pt x="576775" y="590843"/>
+                </a:cubicBezTo>
+                <a:cubicBezTo>
+                  <a:pt x="662467" y="581662"/>
+                  <a:pt x="629241" y="411651"/>
+                  <a:pt x="633046" y="393896"/>
+                </a:cubicBezTo>
+                <a:cubicBezTo>
+                  <a:pt x="635825" y="380927"/>
+                  <a:pt x="650824" y="374045"/>
+                  <a:pt x="661181" y="365760"/>
+                </a:cubicBezTo>
+                <a:cubicBezTo>
+                  <a:pt x="674384" y="355198"/>
+                  <a:pt x="689627" y="347452"/>
+                  <a:pt x="703385" y="337625"/>
+                </a:cubicBezTo>
+                <a:cubicBezTo>
+                  <a:pt x="722464" y="323997"/>
+                  <a:pt x="740898" y="309490"/>
+                  <a:pt x="759655" y="295422"/>
+                </a:cubicBezTo>
+                <a:cubicBezTo>
+                  <a:pt x="764344" y="281354"/>
+                  <a:pt x="773723" y="268048"/>
+                  <a:pt x="773723" y="253219"/>
+                </a:cubicBezTo>
+                <a:cubicBezTo>
+                  <a:pt x="773723" y="217181"/>
+                  <a:pt x="754492" y="180999"/>
+                  <a:pt x="731520" y="154745"/>
+                </a:cubicBezTo>
+                <a:cubicBezTo>
+                  <a:pt x="709685" y="129791"/>
+                  <a:pt x="688770" y="102799"/>
+                  <a:pt x="661181" y="84406"/>
+                </a:cubicBezTo>
+                <a:lnTo>
+                  <a:pt x="576775" y="28136"/>
+                </a:lnTo>
+                <a:cubicBezTo>
+                  <a:pt x="539261" y="32825"/>
+                  <a:pt x="500445" y="31340"/>
+                  <a:pt x="464234" y="42203"/>
+                </a:cubicBezTo>
+                <a:cubicBezTo>
+                  <a:pt x="451530" y="46014"/>
+                  <a:pt x="447471" y="63515"/>
+                  <a:pt x="436098" y="70339"/>
+                </a:cubicBezTo>
+                <a:cubicBezTo>
+                  <a:pt x="423383" y="77968"/>
+                  <a:pt x="407963" y="79717"/>
+                  <a:pt x="393895" y="84406"/>
+                </a:cubicBezTo>
+                <a:cubicBezTo>
+                  <a:pt x="379827" y="79717"/>
+                  <a:pt x="366167" y="73556"/>
+                  <a:pt x="351692" y="70339"/>
+                </a:cubicBezTo>
+                <a:cubicBezTo>
+                  <a:pt x="323848" y="64151"/>
+                  <a:pt x="294346" y="65291"/>
+                  <a:pt x="267286" y="56271"/>
+                </a:cubicBezTo>
+                <a:cubicBezTo>
+                  <a:pt x="167275" y="22934"/>
+                  <a:pt x="185224" y="9378"/>
+                  <a:pt x="168812" y="0"/>
+                </a:cubicBezTo>
+                <a:close/>
+              </a:path>
+            </a:pathLst>
+          </a:custGeom>
+          <a:solidFill>
+            <a:schemeClr val="bg1"/>
+          </a:solidFill>
+        </p:spPr>
+        <p:style>
+          <a:lnRef idx="2">
+            <a:schemeClr val="accent1">
+              <a:shade val="50000"/>
+            </a:schemeClr>
+          </a:lnRef>
+          <a:fillRef idx="1">
+            <a:schemeClr val="accent1"/>
+          </a:fillRef>
+          <a:effectRef idx="0">
+            <a:schemeClr val="accent1"/>
+          </a:effectRef>
+          <a:fontRef idx="minor">
+            <a:schemeClr val="lt1"/>
+          </a:fontRef>
+        </p:style>
+        <p:txBody>
+          <a:bodyPr rtlCol="0" anchor="ctr"/>
+          <a:lstStyle/>
+          <a:p>
+            <a:pPr algn="ctr"/>
+            <a:endParaRPr lang="en-GB"/>
+          </a:p>
+        </p:txBody>
+      </p:sp>
+    </p:spTree>
+    <p:extLst>
+      <p:ext uri="{BB962C8B-B14F-4D97-AF65-F5344CB8AC3E}">
+        <p14:creationId xmlns:p14="http://schemas.microsoft.com/office/powerpoint/2010/main" val="1748919445"/>
+      </p:ext>
+    </p:extLst>
+  </p:cSld>
+  <p:clrMapOvr>
+    <a:masterClrMapping/>
+  </p:clrMapOvr>
+</p:sld>
+</file>
+
+<file path=ppt/slides/slide24.xml><?xml version="1.0" encoding="utf-8"?>
+<p:sld xmlns:a="http://schemas.openxmlformats.org/drawingml/2006/main" xmlns:r="http://schemas.openxmlformats.org/officeDocument/2006/relationships" xmlns:p="http://schemas.openxmlformats.org/presentationml/2006/main">
+  <p:cSld>
+    <p:spTree>
+      <p:nvGrpSpPr>
+        <p:cNvPr id="1" name=""/>
+        <p:cNvGrpSpPr/>
+        <p:nvPr/>
+      </p:nvGrpSpPr>
+      <p:grpSpPr>
+        <a:xfrm>
+          <a:off x="0" y="0"/>
+          <a:ext cx="0" cy="0"/>
+          <a:chOff x="0" y="0"/>
+          <a:chExt cx="0" cy="0"/>
+        </a:xfrm>
+      </p:grpSpPr>
+      <p:sp>
+        <p:nvSpPr>
+          <p:cNvPr id="2" name="Segnaposto piè di pagina 1"/>
+          <p:cNvSpPr>
+            <a:spLocks noGrp="1"/>
+          </p:cNvSpPr>
+          <p:nvPr>
+            <p:ph type="ftr" sz="quarter" idx="11"/>
+          </p:nvPr>
+        </p:nvSpPr>
+        <p:spPr/>
+        <p:txBody>
+          <a:bodyPr/>
+          <a:lstStyle/>
+          <a:p>
+            <a:r>
+              <a:rPr lang="it-IT" smtClean="0"/>
+              <a:t>ANatali  - DISI - IOT - Univeristy of Bologna</a:t>
+            </a:r>
+            <a:endParaRPr lang="it-IT" dirty="0"/>
+          </a:p>
+        </p:txBody>
+      </p:sp>
+      <p:sp>
+        <p:nvSpPr>
+          <p:cNvPr id="3" name="Segnaposto numero diapositiva 2"/>
+          <p:cNvSpPr>
+            <a:spLocks noGrp="1"/>
+          </p:cNvSpPr>
+          <p:nvPr>
+            <p:ph type="sldNum" sz="quarter" idx="12"/>
+          </p:nvPr>
+        </p:nvSpPr>
+        <p:spPr/>
+        <p:txBody>
+          <a:bodyPr/>
+          <a:lstStyle/>
+          <a:p>
+            <a:fld id="{03E3EE0D-7662-4732-93DA-E3593AA869E4}" type="slidenum">
+              <a:rPr lang="it-IT" smtClean="0"/>
+              <a:t>24</a:t>
+            </a:fld>
+            <a:endParaRPr lang="it-IT"/>
+          </a:p>
+        </p:txBody>
+      </p:sp>
+      <p:sp>
+        <p:nvSpPr>
+          <p:cNvPr id="4" name="Rettangolo arrotondato 3"/>
+          <p:cNvSpPr/>
+          <p:nvPr/>
+        </p:nvSpPr>
+        <p:spPr>
+          <a:xfrm>
+            <a:off x="896470" y="836712"/>
+            <a:ext cx="6051794" cy="3096344"/>
+          </a:xfrm>
+          <a:prstGeom prst="roundRect">
+            <a:avLst/>
+          </a:prstGeom>
+        </p:spPr>
+        <p:style>
+          <a:lnRef idx="2">
+            <a:schemeClr val="accent4"/>
+          </a:lnRef>
+          <a:fillRef idx="1">
+            <a:schemeClr val="lt1"/>
+          </a:fillRef>
+          <a:effectRef idx="0">
+            <a:schemeClr val="accent4"/>
+          </a:effectRef>
+          <a:fontRef idx="minor">
+            <a:schemeClr val="dk1"/>
+          </a:fontRef>
+        </p:style>
+        <p:txBody>
+          <a:bodyPr rtlCol="0" anchor="ctr"/>
+          <a:lstStyle/>
+          <a:p>
+            <a:pPr algn="ctr"/>
+            <a:endParaRPr lang="en-GB"/>
+          </a:p>
+        </p:txBody>
+      </p:sp>
+      <p:grpSp>
+        <p:nvGrpSpPr>
+          <p:cNvPr id="83" name="Gruppo 82"/>
+          <p:cNvGrpSpPr/>
+          <p:nvPr/>
+        </p:nvGrpSpPr>
+        <p:grpSpPr>
+          <a:xfrm>
+            <a:off x="1351671" y="1377769"/>
+            <a:ext cx="866156" cy="763297"/>
+            <a:chOff x="1194666" y="2417771"/>
+            <a:chExt cx="866156" cy="763297"/>
+          </a:xfrm>
+        </p:grpSpPr>
+        <p:sp>
+          <p:nvSpPr>
+            <p:cNvPr id="39" name="Ovale 38"/>
+            <p:cNvSpPr/>
+            <p:nvPr/>
+          </p:nvSpPr>
+          <p:spPr>
+            <a:xfrm>
+              <a:off x="1311101" y="2460988"/>
+              <a:ext cx="749721" cy="720080"/>
+            </a:xfrm>
+            <a:prstGeom prst="ellipse">
+              <a:avLst/>
+            </a:prstGeom>
+            <a:solidFill>
+              <a:srgbClr val="FFCCFF"/>
+            </a:solidFill>
+            <a:ln/>
+          </p:spPr>
+          <p:style>
+            <a:lnRef idx="1">
+              <a:schemeClr val="accent5"/>
+            </a:lnRef>
+            <a:fillRef idx="2">
+              <a:schemeClr val="accent5"/>
+            </a:fillRef>
+            <a:effectRef idx="1">
+              <a:schemeClr val="accent5"/>
+            </a:effectRef>
+            <a:fontRef idx="minor">
+              <a:schemeClr val="dk1"/>
+            </a:fontRef>
+          </p:style>
+          <p:txBody>
+            <a:bodyPr rtlCol="0" anchor="ctr"/>
+            <a:lstStyle/>
+            <a:p>
+              <a:pPr algn="ctr"/>
+              <a:r>
+                <a:rPr lang="en-GB" sz="1200" dirty="0" smtClean="0"/>
+                <a:t> </a:t>
+              </a:r>
+              <a:endParaRPr lang="en-GB" sz="1200" dirty="0"/>
+            </a:p>
+          </p:txBody>
+        </p:sp>
+        <p:sp>
+          <p:nvSpPr>
+            <p:cNvPr id="40" name="Rettangolo 39"/>
+            <p:cNvSpPr/>
+            <p:nvPr/>
+          </p:nvSpPr>
+          <p:spPr>
+            <a:xfrm>
+              <a:off x="1194666" y="2699711"/>
+              <a:ext cx="281433" cy="211952"/>
+            </a:xfrm>
+            <a:prstGeom prst="rect">
+              <a:avLst/>
+            </a:prstGeom>
+            <a:solidFill>
+              <a:srgbClr val="FFCCFF"/>
+            </a:solidFill>
+            <a:ln/>
+          </p:spPr>
+          <p:style>
+            <a:lnRef idx="1">
+              <a:schemeClr val="accent5"/>
+            </a:lnRef>
+            <a:fillRef idx="2">
+              <a:schemeClr val="accent5"/>
+            </a:fillRef>
+            <a:effectRef idx="1">
+              <a:schemeClr val="accent5"/>
+            </a:effectRef>
+            <a:fontRef idx="minor">
+              <a:schemeClr val="dk1"/>
+            </a:fontRef>
+          </p:style>
+          <p:txBody>
+            <a:bodyPr rtlCol="0" anchor="ctr"/>
+            <a:lstStyle/>
+            <a:p>
+              <a:pPr algn="ctr"/>
+              <a:endParaRPr lang="en-GB" sz="1200"/>
+            </a:p>
+          </p:txBody>
+        </p:sp>
+        <p:sp>
+          <p:nvSpPr>
+            <p:cNvPr id="43" name="Triangolo isoscele 42"/>
+            <p:cNvSpPr/>
+            <p:nvPr/>
+          </p:nvSpPr>
+          <p:spPr>
+            <a:xfrm rot="16200000">
+              <a:off x="1618539" y="2391356"/>
+              <a:ext cx="86434" cy="139263"/>
+            </a:xfrm>
+            <a:prstGeom prst="triangle">
+              <a:avLst/>
+            </a:prstGeom>
+            <a:solidFill>
+              <a:srgbClr val="FF0000"/>
+            </a:solidFill>
+            <a:ln/>
+          </p:spPr>
+          <p:style>
+            <a:lnRef idx="1">
+              <a:schemeClr val="accent5"/>
+            </a:lnRef>
+            <a:fillRef idx="2">
+              <a:schemeClr val="accent5"/>
+            </a:fillRef>
+            <a:effectRef idx="1">
+              <a:schemeClr val="accent5"/>
+            </a:effectRef>
+            <a:fontRef idx="minor">
+              <a:schemeClr val="dk1"/>
+            </a:fontRef>
+          </p:style>
+          <p:txBody>
+            <a:bodyPr rtlCol="0" anchor="ctr"/>
+            <a:lstStyle/>
+            <a:p>
+              <a:pPr algn="ctr"/>
+              <a:endParaRPr lang="en-GB" sz="1200">
+                <a:solidFill>
+                  <a:schemeClr val="dk1"/>
+                </a:solidFill>
+              </a:endParaRPr>
+            </a:p>
+          </p:txBody>
+        </p:sp>
+      </p:grpSp>
+      <p:sp>
+        <p:nvSpPr>
+          <p:cNvPr id="56" name="CasellaDiTesto 55"/>
+          <p:cNvSpPr txBox="1"/>
+          <p:nvPr/>
+        </p:nvSpPr>
+        <p:spPr>
+          <a:xfrm>
+            <a:off x="2513324" y="1553994"/>
+            <a:ext cx="716863" cy="400110"/>
+          </a:xfrm>
+          <a:prstGeom prst="rect">
+            <a:avLst/>
+          </a:prstGeom>
+          <a:noFill/>
+        </p:spPr>
+        <p:txBody>
+          <a:bodyPr wrap="none" rtlCol="0">
+            <a:spAutoFit/>
+          </a:bodyPr>
+          <a:lstStyle/>
+          <a:p>
+            <a:r>
+              <a:rPr lang="it-IT" sz="2000" dirty="0" err="1"/>
+              <a:t>Actor</a:t>
+            </a:r>
+            <a:endParaRPr lang="en-GB" sz="2000" dirty="0"/>
+          </a:p>
+        </p:txBody>
+      </p:sp>
+      <p:grpSp>
+        <p:nvGrpSpPr>
+          <p:cNvPr id="73" name="Gruppo 72"/>
+          <p:cNvGrpSpPr/>
+          <p:nvPr/>
+        </p:nvGrpSpPr>
+        <p:grpSpPr>
+          <a:xfrm>
+            <a:off x="4326762" y="3327325"/>
+            <a:ext cx="592487" cy="258092"/>
+            <a:chOff x="5133975" y="5295900"/>
+            <a:chExt cx="342900" cy="238125"/>
+          </a:xfrm>
+        </p:grpSpPr>
+        <p:sp>
+          <p:nvSpPr>
+            <p:cNvPr id="74" name="Figura a mano libera 73"/>
+            <p:cNvSpPr/>
+            <p:nvPr/>
+          </p:nvSpPr>
+          <p:spPr>
+            <a:xfrm>
+              <a:off x="5133975" y="5295900"/>
+              <a:ext cx="342900" cy="238125"/>
+            </a:xfrm>
+            <a:custGeom>
+              <a:avLst/>
+              <a:gdLst>
+                <a:gd name="connsiteX0" fmla="*/ 0 w 342900"/>
+                <a:gd name="connsiteY0" fmla="*/ 142875 h 238125"/>
+                <a:gd name="connsiteX1" fmla="*/ 28575 w 342900"/>
+                <a:gd name="connsiteY1" fmla="*/ 38100 h 238125"/>
+                <a:gd name="connsiteX2" fmla="*/ 47625 w 342900"/>
+                <a:gd name="connsiteY2" fmla="*/ 9525 h 238125"/>
+                <a:gd name="connsiteX3" fmla="*/ 76200 w 342900"/>
+                <a:gd name="connsiteY3" fmla="*/ 0 h 238125"/>
+                <a:gd name="connsiteX4" fmla="*/ 104775 w 342900"/>
+                <a:gd name="connsiteY4" fmla="*/ 9525 h 238125"/>
+                <a:gd name="connsiteX5" fmla="*/ 142875 w 342900"/>
+                <a:gd name="connsiteY5" fmla="*/ 95250 h 238125"/>
+                <a:gd name="connsiteX6" fmla="*/ 161925 w 342900"/>
+                <a:gd name="connsiteY6" fmla="*/ 152400 h 238125"/>
+                <a:gd name="connsiteX7" fmla="*/ 171450 w 342900"/>
+                <a:gd name="connsiteY7" fmla="*/ 180975 h 238125"/>
+                <a:gd name="connsiteX8" fmla="*/ 209550 w 342900"/>
+                <a:gd name="connsiteY8" fmla="*/ 238125 h 238125"/>
+                <a:gd name="connsiteX9" fmla="*/ 238125 w 342900"/>
+                <a:gd name="connsiteY9" fmla="*/ 180975 h 238125"/>
+                <a:gd name="connsiteX10" fmla="*/ 266700 w 342900"/>
+                <a:gd name="connsiteY10" fmla="*/ 104775 h 238125"/>
+                <a:gd name="connsiteX11" fmla="*/ 342900 w 342900"/>
+                <a:gd name="connsiteY11" fmla="*/ 85725 h 238125"/>
+              </a:gdLst>
+              <a:ahLst/>
+              <a:cxnLst>
+                <a:cxn ang="0">
+                  <a:pos x="connsiteX0" y="connsiteY0"/>
+                </a:cxn>
+                <a:cxn ang="0">
+                  <a:pos x="connsiteX1" y="connsiteY1"/>
+                </a:cxn>
+                <a:cxn ang="0">
+                  <a:pos x="connsiteX2" y="connsiteY2"/>
+                </a:cxn>
+                <a:cxn ang="0">
+                  <a:pos x="connsiteX3" y="connsiteY3"/>
+                </a:cxn>
+                <a:cxn ang="0">
+                  <a:pos x="connsiteX4" y="connsiteY4"/>
+                </a:cxn>
+                <a:cxn ang="0">
+                  <a:pos x="connsiteX5" y="connsiteY5"/>
+                </a:cxn>
+                <a:cxn ang="0">
+                  <a:pos x="connsiteX6" y="connsiteY6"/>
+                </a:cxn>
+                <a:cxn ang="0">
+                  <a:pos x="connsiteX7" y="connsiteY7"/>
+                </a:cxn>
+                <a:cxn ang="0">
+                  <a:pos x="connsiteX8" y="connsiteY8"/>
+                </a:cxn>
+                <a:cxn ang="0">
+                  <a:pos x="connsiteX9" y="connsiteY9"/>
+                </a:cxn>
+                <a:cxn ang="0">
+                  <a:pos x="connsiteX10" y="connsiteY10"/>
+                </a:cxn>
+                <a:cxn ang="0">
+                  <a:pos x="connsiteX11" y="connsiteY11"/>
+                </a:cxn>
+              </a:cxnLst>
+              <a:rect l="l" t="t" r="r" b="b"/>
+              <a:pathLst>
+                <a:path w="342900" h="238125">
+                  <a:moveTo>
+                    <a:pt x="0" y="142875"/>
+                  </a:moveTo>
+                  <a:cubicBezTo>
+                    <a:pt x="5112" y="117315"/>
+                    <a:pt x="14764" y="58817"/>
+                    <a:pt x="28575" y="38100"/>
+                  </a:cubicBezTo>
+                  <a:cubicBezTo>
+                    <a:pt x="34925" y="28575"/>
+                    <a:pt x="38686" y="16676"/>
+                    <a:pt x="47625" y="9525"/>
+                  </a:cubicBezTo>
+                  <a:cubicBezTo>
+                    <a:pt x="55465" y="3253"/>
+                    <a:pt x="66675" y="3175"/>
+                    <a:pt x="76200" y="0"/>
+                  </a:cubicBezTo>
+                  <a:cubicBezTo>
+                    <a:pt x="85725" y="3175"/>
+                    <a:pt x="96935" y="3253"/>
+                    <a:pt x="104775" y="9525"/>
+                  </a:cubicBezTo>
+                  <a:cubicBezTo>
+                    <a:pt x="125358" y="25992"/>
+                    <a:pt x="137054" y="77787"/>
+                    <a:pt x="142875" y="95250"/>
+                  </a:cubicBezTo>
+                  <a:lnTo>
+                    <a:pt x="161925" y="152400"/>
+                  </a:lnTo>
+                  <a:cubicBezTo>
+                    <a:pt x="165100" y="161925"/>
+                    <a:pt x="169481" y="171130"/>
+                    <a:pt x="171450" y="180975"/>
+                  </a:cubicBezTo>
+                  <a:cubicBezTo>
+                    <a:pt x="182944" y="238445"/>
+                    <a:pt x="165616" y="223480"/>
+                    <a:pt x="209550" y="238125"/>
+                  </a:cubicBezTo>
+                  <a:cubicBezTo>
+                    <a:pt x="228174" y="210189"/>
+                    <a:pt x="230238" y="212523"/>
+                    <a:pt x="238125" y="180975"/>
+                  </a:cubicBezTo>
+                  <a:cubicBezTo>
+                    <a:pt x="243105" y="161054"/>
+                    <a:pt x="243471" y="119293"/>
+                    <a:pt x="266700" y="104775"/>
+                  </a:cubicBezTo>
+                  <a:cubicBezTo>
+                    <a:pt x="300393" y="83717"/>
+                    <a:pt x="313092" y="85725"/>
+                    <a:pt x="342900" y="85725"/>
+                  </a:cubicBezTo>
+                </a:path>
+              </a:pathLst>
+            </a:custGeom>
+            <a:noFill/>
+            <a:ln>
+              <a:solidFill>
+                <a:srgbClr val="C00000"/>
+              </a:solidFill>
+            </a:ln>
+          </p:spPr>
+          <p:style>
+            <a:lnRef idx="2">
+              <a:schemeClr val="accent1">
+                <a:shade val="50000"/>
+              </a:schemeClr>
+            </a:lnRef>
+            <a:fillRef idx="1">
+              <a:schemeClr val="accent1"/>
+            </a:fillRef>
+            <a:effectRef idx="0">
+              <a:schemeClr val="accent1"/>
+            </a:effectRef>
+            <a:fontRef idx="minor">
+              <a:schemeClr val="lt1"/>
+            </a:fontRef>
+          </p:style>
+          <p:txBody>
+            <a:bodyPr rtlCol="0" anchor="ctr"/>
+            <a:lstStyle/>
+            <a:p>
+              <a:pPr algn="ctr"/>
+              <a:endParaRPr lang="it-IT"/>
+            </a:p>
+          </p:txBody>
+        </p:sp>
+        <p:sp>
+          <p:nvSpPr>
+            <p:cNvPr id="75" name="Figura a mano libera 74"/>
+            <p:cNvSpPr/>
+            <p:nvPr/>
+          </p:nvSpPr>
+          <p:spPr>
+            <a:xfrm>
+              <a:off x="5400675" y="5353050"/>
+              <a:ext cx="66675" cy="38100"/>
+            </a:xfrm>
+            <a:custGeom>
+              <a:avLst/>
+              <a:gdLst>
+                <a:gd name="connsiteX0" fmla="*/ 66675 w 66675"/>
+                <a:gd name="connsiteY0" fmla="*/ 38100 h 38100"/>
+                <a:gd name="connsiteX1" fmla="*/ 0 w 66675"/>
+                <a:gd name="connsiteY1" fmla="*/ 0 h 38100"/>
+              </a:gdLst>
+              <a:ahLst/>
+              <a:cxnLst>
+                <a:cxn ang="0">
+                  <a:pos x="connsiteX0" y="connsiteY0"/>
+                </a:cxn>
+                <a:cxn ang="0">
+                  <a:pos x="connsiteX1" y="connsiteY1"/>
+                </a:cxn>
+              </a:cxnLst>
+              <a:rect l="l" t="t" r="r" b="b"/>
+              <a:pathLst>
+                <a:path w="66675" h="38100">
+                  <a:moveTo>
+                    <a:pt x="66675" y="38100"/>
+                  </a:moveTo>
+                  <a:cubicBezTo>
+                    <a:pt x="12962" y="5872"/>
+                    <a:pt x="35609" y="17804"/>
+                    <a:pt x="0" y="0"/>
+                  </a:cubicBezTo>
+                </a:path>
+              </a:pathLst>
+            </a:custGeom>
+            <a:noFill/>
+            <a:ln>
+              <a:solidFill>
+                <a:srgbClr val="C00000"/>
+              </a:solidFill>
+            </a:ln>
+          </p:spPr>
+          <p:style>
+            <a:lnRef idx="2">
+              <a:schemeClr val="accent1">
+                <a:shade val="50000"/>
+              </a:schemeClr>
+            </a:lnRef>
+            <a:fillRef idx="1">
+              <a:schemeClr val="accent1"/>
+            </a:fillRef>
+            <a:effectRef idx="0">
+              <a:schemeClr val="accent1"/>
+            </a:effectRef>
+            <a:fontRef idx="minor">
+              <a:schemeClr val="lt1"/>
+            </a:fontRef>
+          </p:style>
+          <p:txBody>
+            <a:bodyPr rtlCol="0" anchor="ctr"/>
+            <a:lstStyle/>
+            <a:p>
+              <a:pPr algn="ctr"/>
+              <a:endParaRPr lang="it-IT"/>
+            </a:p>
+          </p:txBody>
+        </p:sp>
+        <p:sp>
+          <p:nvSpPr>
+            <p:cNvPr id="76" name="Figura a mano libera 75"/>
+            <p:cNvSpPr/>
+            <p:nvPr/>
+          </p:nvSpPr>
+          <p:spPr>
+            <a:xfrm>
+              <a:off x="5419725" y="5381625"/>
+              <a:ext cx="47625" cy="57150"/>
+            </a:xfrm>
+            <a:custGeom>
+              <a:avLst/>
+              <a:gdLst>
+                <a:gd name="connsiteX0" fmla="*/ 47625 w 47625"/>
+                <a:gd name="connsiteY0" fmla="*/ 0 h 57150"/>
+                <a:gd name="connsiteX1" fmla="*/ 0 w 47625"/>
+                <a:gd name="connsiteY1" fmla="*/ 57150 h 57150"/>
+              </a:gdLst>
+              <a:ahLst/>
+              <a:cxnLst>
+                <a:cxn ang="0">
+                  <a:pos x="connsiteX0" y="connsiteY0"/>
+                </a:cxn>
+                <a:cxn ang="0">
+                  <a:pos x="connsiteX1" y="connsiteY1"/>
+                </a:cxn>
+              </a:cxnLst>
+              <a:rect l="l" t="t" r="r" b="b"/>
+              <a:pathLst>
+                <a:path w="47625" h="57150">
+                  <a:moveTo>
+                    <a:pt x="47625" y="0"/>
+                  </a:moveTo>
+                  <a:cubicBezTo>
+                    <a:pt x="15397" y="53713"/>
+                    <a:pt x="35609" y="39346"/>
+                    <a:pt x="0" y="57150"/>
+                  </a:cubicBezTo>
+                </a:path>
+              </a:pathLst>
+            </a:custGeom>
+            <a:noFill/>
+            <a:ln>
+              <a:solidFill>
+                <a:srgbClr val="C00000"/>
+              </a:solidFill>
+            </a:ln>
+          </p:spPr>
+          <p:style>
+            <a:lnRef idx="2">
+              <a:schemeClr val="accent1">
+                <a:shade val="50000"/>
+              </a:schemeClr>
+            </a:lnRef>
+            <a:fillRef idx="1">
+              <a:schemeClr val="accent1"/>
+            </a:fillRef>
+            <a:effectRef idx="0">
+              <a:schemeClr val="accent1"/>
+            </a:effectRef>
+            <a:fontRef idx="minor">
+              <a:schemeClr val="lt1"/>
+            </a:fontRef>
+          </p:style>
+          <p:txBody>
+            <a:bodyPr rtlCol="0" anchor="ctr"/>
+            <a:lstStyle/>
+            <a:p>
+              <a:pPr algn="ctr"/>
+              <a:endParaRPr lang="it-IT"/>
+            </a:p>
+          </p:txBody>
+        </p:sp>
+      </p:grpSp>
+      <p:sp>
+        <p:nvSpPr>
+          <p:cNvPr id="78" name="CasellaDiTesto 77"/>
+          <p:cNvSpPr txBox="1"/>
+          <p:nvPr/>
+        </p:nvSpPr>
+        <p:spPr>
+          <a:xfrm>
+            <a:off x="5408239" y="3301517"/>
+            <a:ext cx="714939" cy="400110"/>
+          </a:xfrm>
+          <a:prstGeom prst="rect">
+            <a:avLst/>
+          </a:prstGeom>
+          <a:noFill/>
+        </p:spPr>
+        <p:txBody>
+          <a:bodyPr wrap="none" rtlCol="0">
+            <a:spAutoFit/>
+          </a:bodyPr>
+          <a:lstStyle/>
+          <a:p>
+            <a:r>
+              <a:rPr lang="it-IT" sz="2000" dirty="0" err="1"/>
+              <a:t>Event</a:t>
+            </a:r>
+            <a:endParaRPr lang="en-GB" sz="2000" dirty="0"/>
+          </a:p>
+        </p:txBody>
+      </p:sp>
+      <p:sp>
+        <p:nvSpPr>
+          <p:cNvPr id="79" name="Ovale 78"/>
+          <p:cNvSpPr/>
+          <p:nvPr/>
+        </p:nvSpPr>
+        <p:spPr>
+          <a:xfrm>
+            <a:off x="1439988" y="2572285"/>
+            <a:ext cx="805955" cy="729231"/>
+          </a:xfrm>
+          <a:prstGeom prst="ellipse">
+            <a:avLst/>
+          </a:prstGeom>
+          <a:solidFill>
+            <a:srgbClr val="FFCCFF"/>
+          </a:solidFill>
+          <a:ln/>
+        </p:spPr>
+        <p:style>
+          <a:lnRef idx="1">
+            <a:schemeClr val="accent5"/>
+          </a:lnRef>
+          <a:fillRef idx="2">
+            <a:schemeClr val="accent5"/>
+          </a:fillRef>
+          <a:effectRef idx="1">
+            <a:schemeClr val="accent5"/>
+          </a:effectRef>
+          <a:fontRef idx="minor">
+            <a:schemeClr val="dk1"/>
+          </a:fontRef>
+        </p:style>
+        <p:txBody>
+          <a:bodyPr rtlCol="0" anchor="ctr"/>
+          <a:lstStyle/>
+          <a:p>
+            <a:pPr algn="ctr"/>
+            <a:r>
+              <a:rPr lang="en-GB" sz="1200" dirty="0" smtClean="0"/>
+              <a:t> </a:t>
+            </a:r>
+            <a:endParaRPr lang="en-GB" sz="1200" dirty="0"/>
+          </a:p>
+        </p:txBody>
+      </p:sp>
+      <p:sp>
+        <p:nvSpPr>
+          <p:cNvPr id="84" name="CasellaDiTesto 83"/>
+          <p:cNvSpPr txBox="1"/>
+          <p:nvPr/>
+        </p:nvSpPr>
+        <p:spPr>
+          <a:xfrm>
+            <a:off x="2555776" y="2691041"/>
+            <a:ext cx="864980" cy="400110"/>
+          </a:xfrm>
+          <a:prstGeom prst="rect">
+            <a:avLst/>
+          </a:prstGeom>
+          <a:noFill/>
+        </p:spPr>
+        <p:txBody>
+          <a:bodyPr wrap="none" rtlCol="0">
+            <a:spAutoFit/>
+          </a:bodyPr>
+          <a:lstStyle/>
+          <a:p>
+            <a:r>
+              <a:rPr lang="it-IT" sz="2000" dirty="0"/>
+              <a:t>Service</a:t>
+            </a:r>
+            <a:endParaRPr lang="en-GB" sz="2000" dirty="0"/>
+          </a:p>
+        </p:txBody>
+      </p:sp>
+      <p:sp>
+        <p:nvSpPr>
+          <p:cNvPr id="85" name="Triangolo isoscele 84"/>
+          <p:cNvSpPr/>
+          <p:nvPr/>
+        </p:nvSpPr>
+        <p:spPr>
+          <a:xfrm rot="16200000">
+            <a:off x="1779587" y="2502654"/>
+            <a:ext cx="86434" cy="139263"/>
+          </a:xfrm>
+          <a:prstGeom prst="triangle">
+            <a:avLst/>
+          </a:prstGeom>
+          <a:solidFill>
+            <a:srgbClr val="FF0000"/>
+          </a:solidFill>
+          <a:ln/>
+        </p:spPr>
+        <p:style>
+          <a:lnRef idx="1">
+            <a:schemeClr val="accent5"/>
+          </a:lnRef>
+          <a:fillRef idx="2">
+            <a:schemeClr val="accent5"/>
+          </a:fillRef>
+          <a:effectRef idx="1">
+            <a:schemeClr val="accent5"/>
+          </a:effectRef>
+          <a:fontRef idx="minor">
+            <a:schemeClr val="dk1"/>
+          </a:fontRef>
+        </p:style>
+        <p:txBody>
+          <a:bodyPr rtlCol="0" anchor="ctr"/>
+          <a:lstStyle/>
+          <a:p>
+            <a:pPr algn="ctr"/>
+            <a:endParaRPr lang="en-GB" sz="1200">
+              <a:solidFill>
+                <a:schemeClr val="dk1"/>
+              </a:solidFill>
+            </a:endParaRPr>
+          </a:p>
+        </p:txBody>
+      </p:sp>
+      <p:cxnSp>
+        <p:nvCxnSpPr>
+          <p:cNvPr id="89" name="Connettore 1 88"/>
+          <p:cNvCxnSpPr>
+            <a:stCxn id="4" idx="0"/>
+            <a:endCxn id="4" idx="2"/>
+          </p:cNvCxnSpPr>
+          <p:nvPr/>
+        </p:nvCxnSpPr>
+        <p:spPr>
+          <a:xfrm>
+            <a:off x="3922367" y="836712"/>
+            <a:ext cx="0" cy="3096344"/>
+          </a:xfrm>
+          <a:prstGeom prst="line">
+            <a:avLst/>
+          </a:prstGeom>
+        </p:spPr>
+        <p:style>
+          <a:lnRef idx="1">
+            <a:schemeClr val="accent1"/>
+          </a:lnRef>
+          <a:fillRef idx="0">
+            <a:schemeClr val="accent1"/>
+          </a:fillRef>
+          <a:effectRef idx="0">
+            <a:schemeClr val="accent1"/>
+          </a:effectRef>
+          <a:fontRef idx="minor">
+            <a:schemeClr val="tx1"/>
+          </a:fontRef>
+        </p:style>
+      </p:cxnSp>
+      <p:grpSp>
+        <p:nvGrpSpPr>
+          <p:cNvPr id="57" name="Gruppo 56"/>
+          <p:cNvGrpSpPr/>
+          <p:nvPr/>
+        </p:nvGrpSpPr>
+        <p:grpSpPr>
+          <a:xfrm>
+            <a:off x="4308003" y="1891645"/>
+            <a:ext cx="667405" cy="86434"/>
+            <a:chOff x="4586473" y="4245346"/>
+            <a:chExt cx="667405" cy="86434"/>
+          </a:xfrm>
+        </p:grpSpPr>
+        <p:sp>
+          <p:nvSpPr>
+            <p:cNvPr id="59" name="Freccia a destra 58"/>
+            <p:cNvSpPr/>
+            <p:nvPr/>
+          </p:nvSpPr>
+          <p:spPr>
+            <a:xfrm>
+              <a:off x="4586473" y="4251518"/>
+              <a:ext cx="577147" cy="80262"/>
+            </a:xfrm>
+            <a:prstGeom prst="rightArrow">
+              <a:avLst/>
+            </a:prstGeom>
+          </p:spPr>
+          <p:style>
+            <a:lnRef idx="1">
+              <a:schemeClr val="accent1"/>
+            </a:lnRef>
+            <a:fillRef idx="2">
+              <a:schemeClr val="accent1"/>
+            </a:fillRef>
+            <a:effectRef idx="1">
+              <a:schemeClr val="accent1"/>
+            </a:effectRef>
+            <a:fontRef idx="minor">
+              <a:schemeClr val="dk1"/>
+            </a:fontRef>
+          </p:style>
+          <p:txBody>
+            <a:bodyPr rtlCol="0" anchor="ctr"/>
+            <a:lstStyle/>
+            <a:p>
+              <a:pPr algn="ctr"/>
+              <a:endParaRPr lang="en-GB"/>
+            </a:p>
+          </p:txBody>
+        </p:sp>
+        <p:sp>
+          <p:nvSpPr>
+            <p:cNvPr id="77" name="Triangolo isoscele 76"/>
+            <p:cNvSpPr/>
+            <p:nvPr/>
+          </p:nvSpPr>
+          <p:spPr>
+            <a:xfrm rot="5400000" flipH="1">
+              <a:off x="5141030" y="4218931"/>
+              <a:ext cx="86434" cy="139263"/>
+            </a:xfrm>
+            <a:prstGeom prst="triangle">
+              <a:avLst/>
+            </a:prstGeom>
+            <a:solidFill>
+              <a:schemeClr val="bg1"/>
+            </a:solidFill>
+            <a:ln/>
+          </p:spPr>
+          <p:style>
+            <a:lnRef idx="1">
+              <a:schemeClr val="accent5"/>
+            </a:lnRef>
+            <a:fillRef idx="2">
+              <a:schemeClr val="accent5"/>
+            </a:fillRef>
+            <a:effectRef idx="1">
+              <a:schemeClr val="accent5"/>
+            </a:effectRef>
+            <a:fontRef idx="minor">
+              <a:schemeClr val="dk1"/>
+            </a:fontRef>
+          </p:style>
+          <p:txBody>
+            <a:bodyPr rtlCol="0" anchor="ctr"/>
+            <a:lstStyle/>
+            <a:p>
+              <a:pPr algn="ctr"/>
+              <a:endParaRPr lang="en-GB" sz="1200">
+                <a:solidFill>
+                  <a:schemeClr val="dk1"/>
+                </a:solidFill>
+              </a:endParaRPr>
+            </a:p>
+          </p:txBody>
+        </p:sp>
+      </p:grpSp>
+      <p:sp>
+        <p:nvSpPr>
+          <p:cNvPr id="81" name="CasellaDiTesto 80"/>
+          <p:cNvSpPr txBox="1"/>
+          <p:nvPr/>
+        </p:nvSpPr>
+        <p:spPr>
+          <a:xfrm>
+            <a:off x="5205388" y="896293"/>
+            <a:ext cx="995209" cy="400110"/>
+          </a:xfrm>
+          <a:prstGeom prst="rect">
+            <a:avLst/>
+          </a:prstGeom>
+          <a:noFill/>
+        </p:spPr>
+        <p:txBody>
+          <a:bodyPr wrap="none" rtlCol="0">
+            <a:spAutoFit/>
+          </a:bodyPr>
+          <a:lstStyle/>
+          <a:p>
+            <a:r>
+              <a:rPr lang="it-IT" sz="2000" dirty="0" err="1"/>
+              <a:t>Dispatch</a:t>
+            </a:r>
+            <a:endParaRPr lang="en-GB" sz="2000" dirty="0"/>
+          </a:p>
+        </p:txBody>
+      </p:sp>
+      <p:sp>
+        <p:nvSpPr>
+          <p:cNvPr id="82" name="CasellaDiTesto 81"/>
+          <p:cNvSpPr txBox="1"/>
+          <p:nvPr/>
+        </p:nvSpPr>
+        <p:spPr>
+          <a:xfrm>
+            <a:off x="5188564" y="1754255"/>
+            <a:ext cx="933269" cy="400110"/>
+          </a:xfrm>
+          <a:prstGeom prst="rect">
+            <a:avLst/>
+          </a:prstGeom>
+          <a:noFill/>
+        </p:spPr>
+        <p:txBody>
+          <a:bodyPr wrap="none" rtlCol="0">
+            <a:spAutoFit/>
+          </a:bodyPr>
+          <a:lstStyle/>
+          <a:p>
+            <a:r>
+              <a:rPr lang="it-IT" sz="2000" dirty="0" err="1"/>
+              <a:t>R</a:t>
+            </a:r>
+            <a:r>
+              <a:rPr lang="it-IT" sz="2000" dirty="0" err="1"/>
+              <a:t>equest</a:t>
+            </a:r>
+            <a:endParaRPr lang="en-GB" sz="2000" dirty="0"/>
+          </a:p>
+        </p:txBody>
+      </p:sp>
+      <p:grpSp>
+        <p:nvGrpSpPr>
+          <p:cNvPr id="88" name="Gruppo 87"/>
+          <p:cNvGrpSpPr/>
+          <p:nvPr/>
+        </p:nvGrpSpPr>
+        <p:grpSpPr>
+          <a:xfrm>
+            <a:off x="4340190" y="2442634"/>
+            <a:ext cx="666895" cy="86434"/>
+            <a:chOff x="4592177" y="4419530"/>
+            <a:chExt cx="666895" cy="86434"/>
+          </a:xfrm>
+        </p:grpSpPr>
+        <p:cxnSp>
+          <p:nvCxnSpPr>
+            <p:cNvPr id="90" name="Connettore 1 89"/>
+            <p:cNvCxnSpPr/>
+            <p:nvPr/>
+          </p:nvCxnSpPr>
+          <p:spPr>
+            <a:xfrm>
+              <a:off x="4611000" y="4462747"/>
+              <a:ext cx="648072" cy="0"/>
+            </a:xfrm>
+            <a:prstGeom prst="line">
+              <a:avLst/>
+            </a:prstGeom>
+            <a:ln>
+              <a:prstDash val="dash"/>
+            </a:ln>
+          </p:spPr>
+          <p:style>
+            <a:lnRef idx="1">
+              <a:schemeClr val="accent1"/>
+            </a:lnRef>
+            <a:fillRef idx="0">
+              <a:schemeClr val="accent1"/>
+            </a:fillRef>
+            <a:effectRef idx="0">
+              <a:schemeClr val="accent1"/>
+            </a:effectRef>
+            <a:fontRef idx="minor">
+              <a:schemeClr val="tx1"/>
+            </a:fontRef>
+          </p:style>
+        </p:cxnSp>
+        <p:sp>
+          <p:nvSpPr>
+            <p:cNvPr id="91" name="Triangolo isoscele 90"/>
+            <p:cNvSpPr/>
+            <p:nvPr/>
+          </p:nvSpPr>
+          <p:spPr>
+            <a:xfrm rot="16200000">
+              <a:off x="4618592" y="4393115"/>
+              <a:ext cx="86434" cy="139263"/>
+            </a:xfrm>
+            <a:prstGeom prst="triangle">
+              <a:avLst/>
+            </a:prstGeom>
+            <a:solidFill>
+              <a:schemeClr val="bg1"/>
+            </a:solidFill>
+            <a:ln/>
+          </p:spPr>
+          <p:style>
+            <a:lnRef idx="1">
+              <a:schemeClr val="accent5"/>
+            </a:lnRef>
+            <a:fillRef idx="2">
+              <a:schemeClr val="accent5"/>
+            </a:fillRef>
+            <a:effectRef idx="1">
+              <a:schemeClr val="accent5"/>
+            </a:effectRef>
+            <a:fontRef idx="minor">
+              <a:schemeClr val="dk1"/>
+            </a:fontRef>
+          </p:style>
+          <p:txBody>
+            <a:bodyPr rtlCol="0" anchor="ctr"/>
+            <a:lstStyle/>
+            <a:p>
+              <a:pPr algn="ctr"/>
+              <a:endParaRPr lang="en-GB" sz="1200"/>
+            </a:p>
+          </p:txBody>
+        </p:sp>
+      </p:grpSp>
+      <p:sp>
+        <p:nvSpPr>
+          <p:cNvPr id="92" name="CasellaDiTesto 91"/>
+          <p:cNvSpPr txBox="1"/>
+          <p:nvPr/>
+        </p:nvSpPr>
+        <p:spPr>
+          <a:xfrm>
+            <a:off x="5219023" y="2291693"/>
+            <a:ext cx="721351" cy="400110"/>
+          </a:xfrm>
+          <a:prstGeom prst="rect">
+            <a:avLst/>
+          </a:prstGeom>
+          <a:noFill/>
+        </p:spPr>
+        <p:txBody>
+          <a:bodyPr wrap="none" rtlCol="0">
+            <a:spAutoFit/>
+          </a:bodyPr>
+          <a:lstStyle/>
+          <a:p>
+            <a:r>
+              <a:rPr lang="it-IT" sz="2000" dirty="0" err="1"/>
+              <a:t>Reply</a:t>
+            </a:r>
+            <a:endParaRPr lang="en-GB" sz="2000" dirty="0"/>
+          </a:p>
+        </p:txBody>
+      </p:sp>
+      <p:cxnSp>
+        <p:nvCxnSpPr>
+          <p:cNvPr id="93" name="Connettore 2 92"/>
+          <p:cNvCxnSpPr/>
+          <p:nvPr/>
+        </p:nvCxnSpPr>
+        <p:spPr>
+          <a:xfrm>
+            <a:off x="4308003" y="1102384"/>
+            <a:ext cx="783259" cy="0"/>
+          </a:xfrm>
+          <a:prstGeom prst="straightConnector1">
+            <a:avLst/>
+          </a:prstGeom>
+          <a:ln>
+            <a:prstDash val="lgDash"/>
+            <a:tailEnd type="arrow"/>
+          </a:ln>
+        </p:spPr>
+        <p:style>
+          <a:lnRef idx="1">
+            <a:schemeClr val="accent1"/>
+          </a:lnRef>
+          <a:fillRef idx="0">
+            <a:schemeClr val="accent1"/>
+          </a:fillRef>
+          <a:effectRef idx="0">
+            <a:schemeClr val="accent1"/>
+          </a:effectRef>
+          <a:fontRef idx="minor">
+            <a:schemeClr val="tx1"/>
+          </a:fontRef>
+        </p:style>
+      </p:cxnSp>
+    </p:spTree>
+    <p:extLst>
+      <p:ext uri="{BB962C8B-B14F-4D97-AF65-F5344CB8AC3E}">
+        <p14:creationId xmlns:p14="http://schemas.microsoft.com/office/powerpoint/2010/main" val="1748919445"/>
+      </p:ext>
+    </p:extLst>
+  </p:cSld>
+  <p:clrMapOvr>
+    <a:masterClrMapping/>
+  </p:clrMapOvr>
+</p:sld>
+</file>
+
+<file path=ppt/slides/slide25.xml><?xml version="1.0" encoding="utf-8"?>
+<p:sld xmlns:a="http://schemas.openxmlformats.org/drawingml/2006/main" xmlns:r="http://schemas.openxmlformats.org/officeDocument/2006/relationships" xmlns:p="http://schemas.openxmlformats.org/presentationml/2006/main">
+  <p:cSld>
+    <p:spTree>
+      <p:nvGrpSpPr>
+        <p:cNvPr id="1" name=""/>
+        <p:cNvGrpSpPr/>
+        <p:nvPr/>
+      </p:nvGrpSpPr>
+      <p:grpSpPr>
+        <a:xfrm>
+          <a:off x="0" y="0"/>
+          <a:ext cx="0" cy="0"/>
+          <a:chOff x="0" y="0"/>
+          <a:chExt cx="0" cy="0"/>
+        </a:xfrm>
+      </p:grpSpPr>
+      <p:sp>
+        <p:nvSpPr>
+          <p:cNvPr id="2" name="Titolo 1"/>
+          <p:cNvSpPr>
+            <a:spLocks noGrp="1"/>
+          </p:cNvSpPr>
+          <p:nvPr>
+            <p:ph type="title"/>
+          </p:nvPr>
+        </p:nvSpPr>
+        <p:spPr/>
+        <p:txBody>
+          <a:bodyPr/>
+          <a:lstStyle/>
+          <a:p>
+            <a:endParaRPr lang="en-GB"/>
+          </a:p>
+        </p:txBody>
+      </p:sp>
+      <p:sp>
+        <p:nvSpPr>
+          <p:cNvPr id="3" name="Segnaposto piè di pagina 2"/>
+          <p:cNvSpPr>
+            <a:spLocks noGrp="1"/>
+          </p:cNvSpPr>
+          <p:nvPr>
+            <p:ph type="ftr" sz="quarter" idx="11"/>
+          </p:nvPr>
+        </p:nvSpPr>
+        <p:spPr/>
+        <p:txBody>
+          <a:bodyPr/>
+          <a:lstStyle/>
+          <a:p>
+            <a:r>
+              <a:rPr lang="it-IT" smtClean="0"/>
+              <a:t>ANatali  - DISI - ISSM2020  Univeristy of Bologna</a:t>
+            </a:r>
+            <a:endParaRPr lang="en-GB"/>
+          </a:p>
+        </p:txBody>
+      </p:sp>
+      <p:sp>
+        <p:nvSpPr>
+          <p:cNvPr id="4" name="Segnaposto numero diapositiva 3"/>
+          <p:cNvSpPr>
+            <a:spLocks noGrp="1"/>
+          </p:cNvSpPr>
+          <p:nvPr>
+            <p:ph type="sldNum" sz="quarter" idx="12"/>
+          </p:nvPr>
+        </p:nvSpPr>
+        <p:spPr/>
+        <p:txBody>
+          <a:bodyPr/>
+          <a:lstStyle/>
+          <a:p>
+            <a:fld id="{6F6A5AB3-AF76-4EC9-853D-D4C335162C13}" type="slidenum">
+              <a:rPr lang="en-GB" smtClean="0"/>
+              <a:t>25</a:t>
+            </a:fld>
+            <a:endParaRPr lang="en-GB"/>
+          </a:p>
+        </p:txBody>
+      </p:sp>
+      <p:sp>
+        <p:nvSpPr>
+          <p:cNvPr id="5" name="Segnaposto contenuto 4"/>
+          <p:cNvSpPr>
+            <a:spLocks noGrp="1"/>
+          </p:cNvSpPr>
+          <p:nvPr>
+            <p:ph sz="quarter" idx="1"/>
+          </p:nvPr>
+        </p:nvSpPr>
+        <p:spPr/>
+        <p:txBody>
+          <a:bodyPr/>
+          <a:lstStyle/>
+          <a:p>
+            <a:endParaRPr lang="en-GB"/>
+          </a:p>
+        </p:txBody>
+      </p:sp>
+    </p:spTree>
+    <p:extLst>
+      <p:ext uri="{BB962C8B-B14F-4D97-AF65-F5344CB8AC3E}">
+        <p14:creationId xmlns:p14="http://schemas.microsoft.com/office/powerpoint/2010/main" val="3710220850"/>
       </p:ext>
     </p:extLst>
   </p:cSld>

--- a/it.unibo.issLabStart/userDocs/ISSM2020.pptx
+++ b/it.unibo.issLabStart/userDocs/ISSM2020.pptx
@@ -5,10 +5,10 @@
     <p:sldMasterId id="2147483804" r:id="rId1"/>
   </p:sldMasterIdLst>
   <p:notesMasterIdLst>
-    <p:notesMasterId r:id="rId27"/>
+    <p:notesMasterId r:id="rId26"/>
   </p:notesMasterIdLst>
   <p:handoutMasterIdLst>
-    <p:handoutMasterId r:id="rId28"/>
+    <p:handoutMasterId r:id="rId27"/>
   </p:handoutMasterIdLst>
   <p:sldIdLst>
     <p:sldId id="256" r:id="rId2"/>
@@ -35,7 +35,6 @@
     <p:sldId id="278" r:id="rId23"/>
     <p:sldId id="279" r:id="rId24"/>
     <p:sldId id="280" r:id="rId25"/>
-    <p:sldId id="275" r:id="rId26"/>
   </p:sldIdLst>
   <p:sldSz cx="9144000" cy="6858000" type="screen4x3"/>
   <p:notesSz cx="6858000" cy="9144000"/>
@@ -4353,33 +4352,54 @@
         </p:nvSpPr>
         <p:spPr/>
         <p:txBody>
-          <a:bodyPr/>
-          <a:lstStyle/>
-          <a:p>
-            <a:r>
-              <a:rPr lang="it-IT" smtClean="0"/>
-              <a:t>a.a. 2019-2020</a:t>
-            </a:r>
-          </a:p>
-          <a:p>
-            <a:r>
-              <a:rPr lang="it-IT" smtClean="0"/>
+          <a:bodyPr>
+            <a:normAutofit fontScale="92500" lnSpcReduction="20000"/>
+          </a:bodyPr>
+          <a:lstStyle/>
+          <a:p>
+            <a:r>
+              <a:rPr lang="it-IT" dirty="0" err="1" smtClean="0"/>
+              <a:t>a.a</a:t>
+            </a:r>
+            <a:r>
+              <a:rPr lang="it-IT" dirty="0" smtClean="0"/>
+              <a:t>. 2019-2020</a:t>
+            </a:r>
+          </a:p>
+          <a:p>
+            <a:r>
+              <a:rPr lang="it-IT" dirty="0" smtClean="0"/>
               <a:t>Antonio Natali - </a:t>
             </a:r>
             <a:r>
-              <a:rPr lang="it-IT" smtClean="0">
+              <a:rPr lang="it-IT" dirty="0" smtClean="0">
                 <a:hlinkClick r:id="rId2"/>
               </a:rPr>
               <a:t>antonio.natali@unibo.it</a:t>
             </a:r>
-            <a:endParaRPr lang="it-IT" smtClean="0"/>
-          </a:p>
-          <a:p>
-            <a:r>
-              <a:rPr lang="en-GB" smtClean="0">
+            <a:endParaRPr lang="it-IT" dirty="0" smtClean="0"/>
+          </a:p>
+          <a:p>
+            <a:r>
+              <a:rPr lang="en-GB" dirty="0" smtClean="0">
                 <a:hlinkClick r:id="rId3"/>
               </a:rPr>
-              <a:t>https://github.com/anatali/iss2020LabBo</a:t>
+              <a:t>https://</a:t>
+            </a:r>
+            <a:r>
+              <a:rPr lang="en-GB" dirty="0" smtClean="0">
+                <a:hlinkClick r:id="rId3"/>
+              </a:rPr>
+              <a:t>github.com/anatali/iss2020LabBo</a:t>
+            </a:r>
+            <a:endParaRPr lang="en-GB" dirty="0" smtClean="0"/>
+          </a:p>
+          <a:p>
+            <a:r>
+              <a:rPr lang="it-IT" dirty="0" smtClean="0">
+                <a:hlinkClick r:id="rId4"/>
+              </a:rPr>
+              <a:t>Link a lezioni</a:t>
             </a:r>
             <a:endParaRPr lang="en-GB" dirty="0"/>
           </a:p>
@@ -4440,66 +4460,6 @@
               <a:t> INGEGNERIA DEI SISTEMI SOFTWARE M - 72939</a:t>
             </a:r>
             <a:endParaRPr lang="en-GB" dirty="0"/>
-          </a:p>
-        </p:txBody>
-      </p:sp>
-      <p:sp>
-        <p:nvSpPr>
-          <p:cNvPr id="5" name="Rettangolo 4"/>
-          <p:cNvSpPr/>
-          <p:nvPr/>
-        </p:nvSpPr>
-        <p:spPr>
-          <a:xfrm>
-            <a:off x="2286000" y="2828836"/>
-            <a:ext cx="4572000" cy="1200329"/>
-          </a:xfrm>
-          <a:prstGeom prst="rect">
-            <a:avLst/>
-          </a:prstGeom>
-        </p:spPr>
-        <p:txBody>
-          <a:bodyPr>
-            <a:spAutoFit/>
-          </a:bodyPr>
-          <a:lstStyle/>
-          <a:p>
-            <a:r>
-              <a:rPr lang="en-GB" dirty="0"/>
-              <a:t>&lt;a </a:t>
-            </a:r>
-            <a:r>
-              <a:rPr lang="en-GB" dirty="0" err="1"/>
-              <a:t>href</a:t>
-            </a:r>
-            <a:r>
-              <a:rPr lang="en-GB" dirty="0"/>
-              <a:t>="https://github.com/</a:t>
-            </a:r>
-            <a:r>
-              <a:rPr lang="en-GB" dirty="0" err="1"/>
-              <a:t>anatali</a:t>
-            </a:r>
-            <a:r>
-              <a:rPr lang="en-GB" dirty="0"/>
-              <a:t>/iss2020LabBo/blob/master/</a:t>
-            </a:r>
-            <a:r>
-              <a:rPr lang="en-GB" dirty="0" err="1"/>
-              <a:t>it.unibo.issLabStart</a:t>
-            </a:r>
-            <a:r>
-              <a:rPr lang="en-GB" dirty="0"/>
-              <a:t>/</a:t>
-            </a:r>
-            <a:r>
-              <a:rPr lang="en-GB" dirty="0" err="1"/>
-              <a:t>userDocs</a:t>
-            </a:r>
-            <a:r>
-              <a:rPr lang="en-GB" dirty="0"/>
-              <a:t>/ISSM2020.pdf" target="web"&gt;</a:t>
-            </a:r>
           </a:p>
         </p:txBody>
       </p:sp>
@@ -4536,6 +4496,13 @@
   <p:clrMapOvr>
     <a:masterClrMapping/>
   </p:clrMapOvr>
+  <p:timing>
+    <p:tnLst>
+      <p:par>
+        <p:cTn id="1" dur="indefinite" restart="never" nodeType="tmRoot"/>
+      </p:par>
+    </p:tnLst>
+  </p:timing>
 </p:sld>
 </file>
 
@@ -7794,6 +7761,13 @@
   <p:clrMapOvr>
     <a:masterClrMapping/>
   </p:clrMapOvr>
+  <p:timing>
+    <p:tnLst>
+      <p:par>
+        <p:cTn id="1" dur="indefinite" restart="never" nodeType="tmRoot"/>
+      </p:par>
+    </p:tnLst>
+  </p:timing>
 </p:sld>
 </file>
 
@@ -10586,11 +10560,7 @@
           <a:p>
             <a:r>
               <a:rPr lang="it-IT" sz="2000" dirty="0" err="1"/>
-              <a:t>R</a:t>
-            </a:r>
-            <a:r>
-              <a:rPr lang="it-IT" sz="2000" dirty="0" err="1"/>
-              <a:t>equest</a:t>
+              <a:t>Request</a:t>
             </a:r>
             <a:endParaRPr lang="en-GB" sz="2000" dirty="0"/>
           </a:p>
@@ -10763,120 +10733,6 @@
 </p:sld>
 </file>
 
-<file path=ppt/slides/slide25.xml><?xml version="1.0" encoding="utf-8"?>
-<p:sld xmlns:a="http://schemas.openxmlformats.org/drawingml/2006/main" xmlns:r="http://schemas.openxmlformats.org/officeDocument/2006/relationships" xmlns:p="http://schemas.openxmlformats.org/presentationml/2006/main">
-  <p:cSld>
-    <p:spTree>
-      <p:nvGrpSpPr>
-        <p:cNvPr id="1" name=""/>
-        <p:cNvGrpSpPr/>
-        <p:nvPr/>
-      </p:nvGrpSpPr>
-      <p:grpSpPr>
-        <a:xfrm>
-          <a:off x="0" y="0"/>
-          <a:ext cx="0" cy="0"/>
-          <a:chOff x="0" y="0"/>
-          <a:chExt cx="0" cy="0"/>
-        </a:xfrm>
-      </p:grpSpPr>
-      <p:sp>
-        <p:nvSpPr>
-          <p:cNvPr id="2" name="Titolo 1"/>
-          <p:cNvSpPr>
-            <a:spLocks noGrp="1"/>
-          </p:cNvSpPr>
-          <p:nvPr>
-            <p:ph type="title"/>
-          </p:nvPr>
-        </p:nvSpPr>
-        <p:spPr/>
-        <p:txBody>
-          <a:bodyPr/>
-          <a:lstStyle/>
-          <a:p>
-            <a:endParaRPr lang="en-GB"/>
-          </a:p>
-        </p:txBody>
-      </p:sp>
-      <p:sp>
-        <p:nvSpPr>
-          <p:cNvPr id="3" name="Segnaposto piè di pagina 2"/>
-          <p:cNvSpPr>
-            <a:spLocks noGrp="1"/>
-          </p:cNvSpPr>
-          <p:nvPr>
-            <p:ph type="ftr" sz="quarter" idx="11"/>
-          </p:nvPr>
-        </p:nvSpPr>
-        <p:spPr/>
-        <p:txBody>
-          <a:bodyPr/>
-          <a:lstStyle/>
-          <a:p>
-            <a:r>
-              <a:rPr lang="it-IT" smtClean="0"/>
-              <a:t>ANatali  - DISI - ISSM2020  Univeristy of Bologna</a:t>
-            </a:r>
-            <a:endParaRPr lang="en-GB"/>
-          </a:p>
-        </p:txBody>
-      </p:sp>
-      <p:sp>
-        <p:nvSpPr>
-          <p:cNvPr id="4" name="Segnaposto numero diapositiva 3"/>
-          <p:cNvSpPr>
-            <a:spLocks noGrp="1"/>
-          </p:cNvSpPr>
-          <p:nvPr>
-            <p:ph type="sldNum" sz="quarter" idx="12"/>
-          </p:nvPr>
-        </p:nvSpPr>
-        <p:spPr/>
-        <p:txBody>
-          <a:bodyPr/>
-          <a:lstStyle/>
-          <a:p>
-            <a:fld id="{6F6A5AB3-AF76-4EC9-853D-D4C335162C13}" type="slidenum">
-              <a:rPr lang="en-GB" smtClean="0"/>
-              <a:t>25</a:t>
-            </a:fld>
-            <a:endParaRPr lang="en-GB"/>
-          </a:p>
-        </p:txBody>
-      </p:sp>
-      <p:sp>
-        <p:nvSpPr>
-          <p:cNvPr id="5" name="Segnaposto contenuto 4"/>
-          <p:cNvSpPr>
-            <a:spLocks noGrp="1"/>
-          </p:cNvSpPr>
-          <p:nvPr>
-            <p:ph sz="quarter" idx="1"/>
-          </p:nvPr>
-        </p:nvSpPr>
-        <p:spPr/>
-        <p:txBody>
-          <a:bodyPr/>
-          <a:lstStyle/>
-          <a:p>
-            <a:endParaRPr lang="en-GB"/>
-          </a:p>
-        </p:txBody>
-      </p:sp>
-    </p:spTree>
-    <p:extLst>
-      <p:ext uri="{BB962C8B-B14F-4D97-AF65-F5344CB8AC3E}">
-        <p14:creationId xmlns:p14="http://schemas.microsoft.com/office/powerpoint/2010/main" val="3710220850"/>
-      </p:ext>
-    </p:extLst>
-  </p:cSld>
-  <p:clrMapOvr>
-    <a:masterClrMapping/>
-  </p:clrMapOvr>
-</p:sld>
-</file>
-
 <file path=ppt/slides/slide3.xml><?xml version="1.0" encoding="utf-8"?>
 <p:sld xmlns:a="http://schemas.openxmlformats.org/drawingml/2006/main" xmlns:r="http://schemas.openxmlformats.org/officeDocument/2006/relationships" xmlns:p="http://schemas.openxmlformats.org/presentationml/2006/main">
   <p:cSld>
@@ -11102,6 +10958,13 @@
   <p:clrMapOvr>
     <a:masterClrMapping/>
   </p:clrMapOvr>
+  <p:timing>
+    <p:tnLst>
+      <p:par>
+        <p:cTn id="1" dur="indefinite" restart="never" nodeType="tmRoot"/>
+      </p:par>
+    </p:tnLst>
+  </p:timing>
 </p:sld>
 </file>
 

--- a/it.unibo.issLabStart/userDocs/ISSM2020.pptx
+++ b/it.unibo.issLabStart/userDocs/ISSM2020.pptx
@@ -5,10 +5,10 @@
     <p:sldMasterId id="2147483804" r:id="rId1"/>
   </p:sldMasterIdLst>
   <p:notesMasterIdLst>
-    <p:notesMasterId r:id="rId26"/>
+    <p:notesMasterId r:id="rId27"/>
   </p:notesMasterIdLst>
   <p:handoutMasterIdLst>
-    <p:handoutMasterId r:id="rId27"/>
+    <p:handoutMasterId r:id="rId28"/>
   </p:handoutMasterIdLst>
   <p:sldIdLst>
     <p:sldId id="256" r:id="rId2"/>
@@ -35,6 +35,7 @@
     <p:sldId id="278" r:id="rId23"/>
     <p:sldId id="279" r:id="rId24"/>
     <p:sldId id="280" r:id="rId25"/>
+    <p:sldId id="281" r:id="rId26"/>
   </p:sldIdLst>
   <p:sldSz cx="9144000" cy="6858000" type="screen4x3"/>
   <p:notesSz cx="6858000" cy="9144000"/>
@@ -218,7 +219,7 @@
           <a:p>
             <a:fld id="{87B1E067-8CD6-47D2-8022-8E53E4BB7437}" type="datetimeFigureOut">
               <a:rPr lang="en-GB" smtClean="0"/>
-              <a:t>03/03/2020</a:t>
+              <a:t>07/03/2020</a:t>
             </a:fld>
             <a:endParaRPr lang="en-GB"/>
           </a:p>
@@ -384,7 +385,7 @@
           <a:p>
             <a:fld id="{71BD2418-2684-45EC-AEF4-BE55BBAB5B4F}" type="datetimeFigureOut">
               <a:rPr lang="en-GB" smtClean="0"/>
-              <a:t>03/03/2020</a:t>
+              <a:t>07/03/2020</a:t>
             </a:fld>
             <a:endParaRPr lang="en-GB"/>
           </a:p>
@@ -950,7 +951,7 @@
           <a:p>
             <a:fld id="{69EC26FC-4149-4381-B200-0ACC926D0C10}" type="datetime1">
               <a:rPr lang="en-GB" smtClean="0"/>
-              <a:t>03/03/2020</a:t>
+              <a:t>07/03/2020</a:t>
             </a:fld>
             <a:endParaRPr lang="en-GB"/>
           </a:p>
@@ -1307,7 +1308,7 @@
           <a:p>
             <a:fld id="{77675063-8333-41A8-A131-A42E0F0649C6}" type="datetime1">
               <a:rPr lang="en-GB" smtClean="0"/>
-              <a:t>03/03/2020</a:t>
+              <a:t>07/03/2020</a:t>
             </a:fld>
             <a:endParaRPr lang="en-GB"/>
           </a:p>
@@ -1486,7 +1487,7 @@
           <a:p>
             <a:fld id="{99167A15-39CA-42AA-A3F4-D4AAF34DD1E5}" type="datetime1">
               <a:rPr lang="en-GB" smtClean="0"/>
-              <a:t>03/03/2020</a:t>
+              <a:t>07/03/2020</a:t>
             </a:fld>
             <a:endParaRPr lang="en-GB"/>
           </a:p>
@@ -1603,7 +1604,7 @@
           <a:p>
             <a:fld id="{1A87AFF6-4C91-482D-BDF5-223514DB0B0D}" type="datetime1">
               <a:rPr lang="en-GB" smtClean="0"/>
-              <a:t>03/03/2020</a:t>
+              <a:t>07/03/2020</a:t>
             </a:fld>
             <a:endParaRPr lang="en-GB"/>
           </a:p>
@@ -1965,7 +1966,7 @@
           <a:p>
             <a:fld id="{A945ADE7-28FF-42C7-B167-7DC7A77ED2F3}" type="datetime1">
               <a:rPr lang="en-GB" smtClean="0"/>
-              <a:t>03/03/2020</a:t>
+              <a:t>07/03/2020</a:t>
             </a:fld>
             <a:endParaRPr lang="en-GB"/>
           </a:p>
@@ -2234,7 +2235,7 @@
           <a:p>
             <a:fld id="{092EA350-1E2E-41EE-BD8A-FB0D72F078C3}" type="datetime1">
               <a:rPr lang="en-GB" smtClean="0"/>
-              <a:t>03/03/2020</a:t>
+              <a:t>07/03/2020</a:t>
             </a:fld>
             <a:endParaRPr lang="en-GB"/>
           </a:p>
@@ -2600,7 +2601,7 @@
           <a:p>
             <a:fld id="{F8F1314B-6929-4AD1-B5B4-312DAFF8489C}" type="datetime1">
               <a:rPr lang="en-GB" smtClean="0"/>
-              <a:t>03/03/2020</a:t>
+              <a:t>07/03/2020</a:t>
             </a:fld>
             <a:endParaRPr lang="en-GB"/>
           </a:p>
@@ -2831,7 +2832,7 @@
           <a:p>
             <a:fld id="{CF5B218E-BA98-4F08-AFAD-55E0F9C51274}" type="datetime1">
               <a:rPr lang="en-GB" smtClean="0"/>
-              <a:t>03/03/2020</a:t>
+              <a:t>07/03/2020</a:t>
             </a:fld>
             <a:endParaRPr lang="en-GB"/>
           </a:p>
@@ -2925,7 +2926,7 @@
           <a:p>
             <a:fld id="{8AF6CE76-28A1-4CD7-9645-E1D020974391}" type="datetime1">
               <a:rPr lang="en-GB" smtClean="0"/>
-              <a:t>03/03/2020</a:t>
+              <a:t>07/03/2020</a:t>
             </a:fld>
             <a:endParaRPr lang="en-GB"/>
           </a:p>
@@ -3196,7 +3197,7 @@
           <a:p>
             <a:fld id="{BADBD3C4-D885-44D5-BC36-8CDC16C4E35A}" type="datetime1">
               <a:rPr lang="en-GB" smtClean="0"/>
-              <a:t>03/03/2020</a:t>
+              <a:t>07/03/2020</a:t>
             </a:fld>
             <a:endParaRPr lang="en-GB"/>
           </a:p>
@@ -3428,7 +3429,7 @@
           <a:p>
             <a:fld id="{D0C37988-22DC-4746-8A43-E6C6BF5D65EE}" type="datetime1">
               <a:rPr lang="en-GB" smtClean="0"/>
-              <a:t>03/03/2020</a:t>
+              <a:t>07/03/2020</a:t>
             </a:fld>
             <a:endParaRPr lang="en-GB"/>
           </a:p>
@@ -3931,7 +3932,7 @@
           <a:p>
             <a:fld id="{5A18A74E-3BE8-4B6E-81A4-95A392C53EA5}" type="datetime1">
               <a:rPr lang="en-GB" smtClean="0"/>
-              <a:t>03/03/2020</a:t>
+              <a:t>07/03/2020</a:t>
             </a:fld>
             <a:endParaRPr lang="en-GB"/>
           </a:p>
@@ -4384,13 +4385,7 @@
               <a:rPr lang="en-GB" dirty="0" smtClean="0">
                 <a:hlinkClick r:id="rId3"/>
               </a:rPr>
-              <a:t>https://</a:t>
-            </a:r>
-            <a:r>
-              <a:rPr lang="en-GB" dirty="0" smtClean="0">
-                <a:hlinkClick r:id="rId3"/>
-              </a:rPr>
-              <a:t>github.com/anatali/iss2020LabBo</a:t>
+              <a:t>https://github.com/anatali/iss2020LabBo</a:t>
             </a:r>
             <a:endParaRPr lang="en-GB" dirty="0" smtClean="0"/>
           </a:p>
@@ -10724,6 +10719,1084 @@
     <p:extLst>
       <p:ext uri="{BB962C8B-B14F-4D97-AF65-F5344CB8AC3E}">
         <p14:creationId xmlns:p14="http://schemas.microsoft.com/office/powerpoint/2010/main" val="1748919445"/>
+      </p:ext>
+    </p:extLst>
+  </p:cSld>
+  <p:clrMapOvr>
+    <a:masterClrMapping/>
+  </p:clrMapOvr>
+</p:sld>
+</file>
+
+<file path=ppt/slides/slide25.xml><?xml version="1.0" encoding="utf-8"?>
+<p:sld xmlns:a="http://schemas.openxmlformats.org/drawingml/2006/main" xmlns:r="http://schemas.openxmlformats.org/officeDocument/2006/relationships" xmlns:p="http://schemas.openxmlformats.org/presentationml/2006/main">
+  <p:cSld>
+    <p:spTree>
+      <p:nvGrpSpPr>
+        <p:cNvPr id="1" name=""/>
+        <p:cNvGrpSpPr/>
+        <p:nvPr/>
+      </p:nvGrpSpPr>
+      <p:grpSpPr>
+        <a:xfrm>
+          <a:off x="0" y="0"/>
+          <a:ext cx="0" cy="0"/>
+          <a:chOff x="0" y="0"/>
+          <a:chExt cx="0" cy="0"/>
+        </a:xfrm>
+      </p:grpSpPr>
+      <p:sp>
+        <p:nvSpPr>
+          <p:cNvPr id="12" name="Ovale 11"/>
+          <p:cNvSpPr/>
+          <p:nvPr/>
+        </p:nvSpPr>
+        <p:spPr>
+          <a:xfrm>
+            <a:off x="1043608" y="836712"/>
+            <a:ext cx="4104456" cy="4104456"/>
+          </a:xfrm>
+          <a:prstGeom prst="ellipse">
+            <a:avLst/>
+          </a:prstGeom>
+          <a:solidFill>
+            <a:srgbClr val="FFCCFF"/>
+          </a:solidFill>
+          <a:ln/>
+        </p:spPr>
+        <p:style>
+          <a:lnRef idx="1">
+            <a:schemeClr val="accent5"/>
+          </a:lnRef>
+          <a:fillRef idx="2">
+            <a:schemeClr val="accent5"/>
+          </a:fillRef>
+          <a:effectRef idx="1">
+            <a:schemeClr val="accent5"/>
+          </a:effectRef>
+          <a:fontRef idx="minor">
+            <a:schemeClr val="dk1"/>
+          </a:fontRef>
+        </p:style>
+        <p:txBody>
+          <a:bodyPr rtlCol="0" anchor="ctr"/>
+          <a:lstStyle/>
+          <a:p>
+            <a:pPr algn="ctr"/>
+            <a:r>
+              <a:rPr lang="en-GB" sz="1200" dirty="0" smtClean="0"/>
+              <a:t> </a:t>
+            </a:r>
+            <a:endParaRPr lang="en-GB" sz="1200" dirty="0"/>
+          </a:p>
+        </p:txBody>
+      </p:sp>
+      <p:sp>
+        <p:nvSpPr>
+          <p:cNvPr id="18" name="Figura a mano libera 17"/>
+          <p:cNvSpPr/>
+          <p:nvPr/>
+        </p:nvSpPr>
+        <p:spPr>
+          <a:xfrm>
+            <a:off x="2293030" y="1813429"/>
+            <a:ext cx="2710415" cy="2857676"/>
+          </a:xfrm>
+          <a:custGeom>
+            <a:avLst/>
+            <a:gdLst>
+              <a:gd name="connsiteX0" fmla="*/ 4 w 2710415"/>
+              <a:gd name="connsiteY0" fmla="*/ 2392811 h 2857676"/>
+              <a:gd name="connsiteX1" fmla="*/ 1434908 w 2710415"/>
+              <a:gd name="connsiteY1" fmla="*/ 2702300 h 2857676"/>
+              <a:gd name="connsiteX2" fmla="*/ 2630662 w 2710415"/>
+              <a:gd name="connsiteY2" fmla="*/ 521808 h 2857676"/>
+              <a:gd name="connsiteX3" fmla="*/ 2602527 w 2710415"/>
+              <a:gd name="connsiteY3" fmla="*/ 507740 h 2857676"/>
+              <a:gd name="connsiteX4" fmla="*/ 1448976 w 2710415"/>
+              <a:gd name="connsiteY4" fmla="*/ 85709 h 2857676"/>
+              <a:gd name="connsiteX5" fmla="*/ 4 w 2710415"/>
+              <a:gd name="connsiteY5" fmla="*/ 2392811 h 2857676"/>
+            </a:gdLst>
+            <a:ahLst/>
+            <a:cxnLst>
+              <a:cxn ang="0">
+                <a:pos x="connsiteX0" y="connsiteY0"/>
+              </a:cxn>
+              <a:cxn ang="0">
+                <a:pos x="connsiteX1" y="connsiteY1"/>
+              </a:cxn>
+              <a:cxn ang="0">
+                <a:pos x="connsiteX2" y="connsiteY2"/>
+              </a:cxn>
+              <a:cxn ang="0">
+                <a:pos x="connsiteX3" y="connsiteY3"/>
+              </a:cxn>
+              <a:cxn ang="0">
+                <a:pos x="connsiteX4" y="connsiteY4"/>
+              </a:cxn>
+              <a:cxn ang="0">
+                <a:pos x="connsiteX5" y="connsiteY5"/>
+              </a:cxn>
+            </a:cxnLst>
+            <a:rect l="l" t="t" r="r" b="b"/>
+            <a:pathLst>
+              <a:path w="2710415" h="2857676">
+                <a:moveTo>
+                  <a:pt x="4" y="2392811"/>
+                </a:moveTo>
+                <a:cubicBezTo>
+                  <a:pt x="-2341" y="2828910"/>
+                  <a:pt x="996465" y="3014134"/>
+                  <a:pt x="1434908" y="2702300"/>
+                </a:cubicBezTo>
+                <a:cubicBezTo>
+                  <a:pt x="1873351" y="2390466"/>
+                  <a:pt x="2436059" y="887568"/>
+                  <a:pt x="2630662" y="521808"/>
+                </a:cubicBezTo>
+                <a:cubicBezTo>
+                  <a:pt x="2825265" y="156048"/>
+                  <a:pt x="2602527" y="507740"/>
+                  <a:pt x="2602527" y="507740"/>
+                </a:cubicBezTo>
+                <a:cubicBezTo>
+                  <a:pt x="2405579" y="435057"/>
+                  <a:pt x="1887419" y="-233159"/>
+                  <a:pt x="1448976" y="85709"/>
+                </a:cubicBezTo>
+                <a:cubicBezTo>
+                  <a:pt x="1010533" y="404577"/>
+                  <a:pt x="2349" y="1956712"/>
+                  <a:pt x="4" y="2392811"/>
+                </a:cubicBezTo>
+                <a:close/>
+              </a:path>
+            </a:pathLst>
+          </a:custGeom>
+          <a:solidFill>
+            <a:schemeClr val="bg1"/>
+          </a:solidFill>
+        </p:spPr>
+        <p:style>
+          <a:lnRef idx="2">
+            <a:schemeClr val="accent1">
+              <a:shade val="50000"/>
+            </a:schemeClr>
+          </a:lnRef>
+          <a:fillRef idx="1">
+            <a:schemeClr val="accent1"/>
+          </a:fillRef>
+          <a:effectRef idx="0">
+            <a:schemeClr val="accent1"/>
+          </a:effectRef>
+          <a:fontRef idx="minor">
+            <a:schemeClr val="lt1"/>
+          </a:fontRef>
+        </p:style>
+        <p:txBody>
+          <a:bodyPr rtlCol="0" anchor="ctr"/>
+          <a:lstStyle/>
+          <a:p>
+            <a:pPr algn="ctr"/>
+            <a:endParaRPr lang="en-GB"/>
+          </a:p>
+        </p:txBody>
+      </p:sp>
+      <p:sp>
+        <p:nvSpPr>
+          <p:cNvPr id="2" name="Segnaposto piè di pagina 1"/>
+          <p:cNvSpPr>
+            <a:spLocks noGrp="1"/>
+          </p:cNvSpPr>
+          <p:nvPr>
+            <p:ph type="ftr" sz="quarter" idx="11"/>
+          </p:nvPr>
+        </p:nvSpPr>
+        <p:spPr/>
+        <p:txBody>
+          <a:bodyPr/>
+          <a:lstStyle/>
+          <a:p>
+            <a:r>
+              <a:rPr lang="it-IT" smtClean="0"/>
+              <a:t>ANatali  - DISI - ISSM2020  Univeristy of Bologna</a:t>
+            </a:r>
+            <a:endParaRPr lang="en-GB"/>
+          </a:p>
+        </p:txBody>
+      </p:sp>
+      <p:sp>
+        <p:nvSpPr>
+          <p:cNvPr id="3" name="Segnaposto numero diapositiva 2"/>
+          <p:cNvSpPr>
+            <a:spLocks noGrp="1"/>
+          </p:cNvSpPr>
+          <p:nvPr>
+            <p:ph type="sldNum" sz="quarter" idx="12"/>
+          </p:nvPr>
+        </p:nvSpPr>
+        <p:spPr/>
+        <p:txBody>
+          <a:bodyPr/>
+          <a:lstStyle/>
+          <a:p>
+            <a:fld id="{6F6A5AB3-AF76-4EC9-853D-D4C335162C13}" type="slidenum">
+              <a:rPr lang="en-GB" smtClean="0"/>
+              <a:t>25</a:t>
+            </a:fld>
+            <a:endParaRPr lang="en-GB"/>
+          </a:p>
+        </p:txBody>
+      </p:sp>
+      <p:grpSp>
+        <p:nvGrpSpPr>
+          <p:cNvPr id="4" name="Gruppo 3"/>
+          <p:cNvGrpSpPr/>
+          <p:nvPr/>
+        </p:nvGrpSpPr>
+        <p:grpSpPr>
+          <a:xfrm>
+            <a:off x="1492485" y="1659709"/>
+            <a:ext cx="866156" cy="763297"/>
+            <a:chOff x="1194666" y="2417771"/>
+            <a:chExt cx="866156" cy="763297"/>
+          </a:xfrm>
+        </p:grpSpPr>
+        <p:sp>
+          <p:nvSpPr>
+            <p:cNvPr id="5" name="Ovale 4"/>
+            <p:cNvSpPr/>
+            <p:nvPr/>
+          </p:nvSpPr>
+          <p:spPr>
+            <a:xfrm>
+              <a:off x="1311101" y="2460988"/>
+              <a:ext cx="749721" cy="720080"/>
+            </a:xfrm>
+            <a:prstGeom prst="ellipse">
+              <a:avLst/>
+            </a:prstGeom>
+            <a:solidFill>
+              <a:srgbClr val="FFCCFF"/>
+            </a:solidFill>
+            <a:ln/>
+          </p:spPr>
+          <p:style>
+            <a:lnRef idx="1">
+              <a:schemeClr val="accent5"/>
+            </a:lnRef>
+            <a:fillRef idx="2">
+              <a:schemeClr val="accent5"/>
+            </a:fillRef>
+            <a:effectRef idx="1">
+              <a:schemeClr val="accent5"/>
+            </a:effectRef>
+            <a:fontRef idx="minor">
+              <a:schemeClr val="dk1"/>
+            </a:fontRef>
+          </p:style>
+          <p:txBody>
+            <a:bodyPr rtlCol="0" anchor="ctr"/>
+            <a:lstStyle/>
+            <a:p>
+              <a:pPr algn="ctr"/>
+              <a:r>
+                <a:rPr lang="en-GB" sz="1200" dirty="0" smtClean="0"/>
+                <a:t> </a:t>
+              </a:r>
+              <a:endParaRPr lang="en-GB" sz="1200" dirty="0"/>
+            </a:p>
+          </p:txBody>
+        </p:sp>
+        <p:sp>
+          <p:nvSpPr>
+            <p:cNvPr id="6" name="Rettangolo 5"/>
+            <p:cNvSpPr/>
+            <p:nvPr/>
+          </p:nvSpPr>
+          <p:spPr>
+            <a:xfrm>
+              <a:off x="1194666" y="2699711"/>
+              <a:ext cx="281433" cy="211952"/>
+            </a:xfrm>
+            <a:prstGeom prst="rect">
+              <a:avLst/>
+            </a:prstGeom>
+            <a:solidFill>
+              <a:srgbClr val="FFCCFF"/>
+            </a:solidFill>
+            <a:ln/>
+          </p:spPr>
+          <p:style>
+            <a:lnRef idx="1">
+              <a:schemeClr val="accent5"/>
+            </a:lnRef>
+            <a:fillRef idx="2">
+              <a:schemeClr val="accent5"/>
+            </a:fillRef>
+            <a:effectRef idx="1">
+              <a:schemeClr val="accent5"/>
+            </a:effectRef>
+            <a:fontRef idx="minor">
+              <a:schemeClr val="dk1"/>
+            </a:fontRef>
+          </p:style>
+          <p:txBody>
+            <a:bodyPr rtlCol="0" anchor="ctr"/>
+            <a:lstStyle/>
+            <a:p>
+              <a:pPr algn="ctr"/>
+              <a:endParaRPr lang="en-GB" sz="1200"/>
+            </a:p>
+          </p:txBody>
+        </p:sp>
+        <p:sp>
+          <p:nvSpPr>
+            <p:cNvPr id="7" name="Triangolo isoscele 6"/>
+            <p:cNvSpPr/>
+            <p:nvPr/>
+          </p:nvSpPr>
+          <p:spPr>
+            <a:xfrm rot="16200000">
+              <a:off x="1618539" y="2391356"/>
+              <a:ext cx="86434" cy="139263"/>
+            </a:xfrm>
+            <a:prstGeom prst="triangle">
+              <a:avLst/>
+            </a:prstGeom>
+            <a:solidFill>
+              <a:srgbClr val="FF0000"/>
+            </a:solidFill>
+            <a:ln/>
+          </p:spPr>
+          <p:style>
+            <a:lnRef idx="1">
+              <a:schemeClr val="accent5"/>
+            </a:lnRef>
+            <a:fillRef idx="2">
+              <a:schemeClr val="accent5"/>
+            </a:fillRef>
+            <a:effectRef idx="1">
+              <a:schemeClr val="accent5"/>
+            </a:effectRef>
+            <a:fontRef idx="minor">
+              <a:schemeClr val="dk1"/>
+            </a:fontRef>
+          </p:style>
+          <p:txBody>
+            <a:bodyPr rtlCol="0" anchor="ctr"/>
+            <a:lstStyle/>
+            <a:p>
+              <a:pPr algn="ctr"/>
+              <a:endParaRPr lang="en-GB" sz="1200">
+                <a:solidFill>
+                  <a:schemeClr val="dk1"/>
+                </a:solidFill>
+              </a:endParaRPr>
+            </a:p>
+          </p:txBody>
+        </p:sp>
+      </p:grpSp>
+      <p:grpSp>
+        <p:nvGrpSpPr>
+          <p:cNvPr id="8" name="Gruppo 7"/>
+          <p:cNvGrpSpPr/>
+          <p:nvPr/>
+        </p:nvGrpSpPr>
+        <p:grpSpPr>
+          <a:xfrm>
+            <a:off x="3674388" y="2141600"/>
+            <a:ext cx="866156" cy="763297"/>
+            <a:chOff x="1194666" y="2417771"/>
+            <a:chExt cx="866156" cy="763297"/>
+          </a:xfrm>
+        </p:grpSpPr>
+        <p:sp>
+          <p:nvSpPr>
+            <p:cNvPr id="9" name="Ovale 8"/>
+            <p:cNvSpPr/>
+            <p:nvPr/>
+          </p:nvSpPr>
+          <p:spPr>
+            <a:xfrm>
+              <a:off x="1311101" y="2460988"/>
+              <a:ext cx="749721" cy="720080"/>
+            </a:xfrm>
+            <a:prstGeom prst="ellipse">
+              <a:avLst/>
+            </a:prstGeom>
+            <a:solidFill>
+              <a:srgbClr val="FFCCFF"/>
+            </a:solidFill>
+            <a:ln/>
+          </p:spPr>
+          <p:style>
+            <a:lnRef idx="1">
+              <a:schemeClr val="accent5"/>
+            </a:lnRef>
+            <a:fillRef idx="2">
+              <a:schemeClr val="accent5"/>
+            </a:fillRef>
+            <a:effectRef idx="1">
+              <a:schemeClr val="accent5"/>
+            </a:effectRef>
+            <a:fontRef idx="minor">
+              <a:schemeClr val="dk1"/>
+            </a:fontRef>
+          </p:style>
+          <p:txBody>
+            <a:bodyPr rtlCol="0" anchor="ctr"/>
+            <a:lstStyle/>
+            <a:p>
+              <a:pPr algn="ctr"/>
+              <a:r>
+                <a:rPr lang="en-GB" sz="1200" dirty="0" smtClean="0"/>
+                <a:t> </a:t>
+              </a:r>
+              <a:endParaRPr lang="en-GB" sz="1200" dirty="0"/>
+            </a:p>
+          </p:txBody>
+        </p:sp>
+        <p:sp>
+          <p:nvSpPr>
+            <p:cNvPr id="10" name="Rettangolo 9"/>
+            <p:cNvSpPr/>
+            <p:nvPr/>
+          </p:nvSpPr>
+          <p:spPr>
+            <a:xfrm>
+              <a:off x="1194666" y="2699711"/>
+              <a:ext cx="281433" cy="211952"/>
+            </a:xfrm>
+            <a:prstGeom prst="rect">
+              <a:avLst/>
+            </a:prstGeom>
+            <a:solidFill>
+              <a:srgbClr val="FFCCFF"/>
+            </a:solidFill>
+            <a:ln/>
+          </p:spPr>
+          <p:style>
+            <a:lnRef idx="1">
+              <a:schemeClr val="accent5"/>
+            </a:lnRef>
+            <a:fillRef idx="2">
+              <a:schemeClr val="accent5"/>
+            </a:fillRef>
+            <a:effectRef idx="1">
+              <a:schemeClr val="accent5"/>
+            </a:effectRef>
+            <a:fontRef idx="minor">
+              <a:schemeClr val="dk1"/>
+            </a:fontRef>
+          </p:style>
+          <p:txBody>
+            <a:bodyPr rtlCol="0" anchor="ctr"/>
+            <a:lstStyle/>
+            <a:p>
+              <a:pPr algn="ctr"/>
+              <a:endParaRPr lang="en-GB" sz="1200"/>
+            </a:p>
+          </p:txBody>
+        </p:sp>
+        <p:sp>
+          <p:nvSpPr>
+            <p:cNvPr id="11" name="Triangolo isoscele 10"/>
+            <p:cNvSpPr/>
+            <p:nvPr/>
+          </p:nvSpPr>
+          <p:spPr>
+            <a:xfrm rot="16200000">
+              <a:off x="1618539" y="2391356"/>
+              <a:ext cx="86434" cy="139263"/>
+            </a:xfrm>
+            <a:prstGeom prst="triangle">
+              <a:avLst/>
+            </a:prstGeom>
+            <a:solidFill>
+              <a:srgbClr val="FF0000"/>
+            </a:solidFill>
+            <a:ln/>
+          </p:spPr>
+          <p:style>
+            <a:lnRef idx="1">
+              <a:schemeClr val="accent5"/>
+            </a:lnRef>
+            <a:fillRef idx="2">
+              <a:schemeClr val="accent5"/>
+            </a:fillRef>
+            <a:effectRef idx="1">
+              <a:schemeClr val="accent5"/>
+            </a:effectRef>
+            <a:fontRef idx="minor">
+              <a:schemeClr val="dk1"/>
+            </a:fontRef>
+          </p:style>
+          <p:txBody>
+            <a:bodyPr rtlCol="0" anchor="ctr"/>
+            <a:lstStyle/>
+            <a:p>
+              <a:pPr algn="ctr"/>
+              <a:endParaRPr lang="en-GB" sz="1200">
+                <a:solidFill>
+                  <a:schemeClr val="dk1"/>
+                </a:solidFill>
+              </a:endParaRPr>
+            </a:p>
+          </p:txBody>
+        </p:sp>
+      </p:grpSp>
+      <p:grpSp>
+        <p:nvGrpSpPr>
+          <p:cNvPr id="13" name="Gruppo 12"/>
+          <p:cNvGrpSpPr/>
+          <p:nvPr/>
+        </p:nvGrpSpPr>
+        <p:grpSpPr>
+          <a:xfrm>
+            <a:off x="2662758" y="3586764"/>
+            <a:ext cx="866156" cy="763297"/>
+            <a:chOff x="1194666" y="2417771"/>
+            <a:chExt cx="866156" cy="763297"/>
+          </a:xfrm>
+        </p:grpSpPr>
+        <p:sp>
+          <p:nvSpPr>
+            <p:cNvPr id="14" name="Ovale 13"/>
+            <p:cNvSpPr/>
+            <p:nvPr/>
+          </p:nvSpPr>
+          <p:spPr>
+            <a:xfrm>
+              <a:off x="1311101" y="2460988"/>
+              <a:ext cx="749721" cy="720080"/>
+            </a:xfrm>
+            <a:prstGeom prst="ellipse">
+              <a:avLst/>
+            </a:prstGeom>
+            <a:solidFill>
+              <a:srgbClr val="FFCCFF"/>
+            </a:solidFill>
+            <a:ln/>
+          </p:spPr>
+          <p:style>
+            <a:lnRef idx="1">
+              <a:schemeClr val="accent5"/>
+            </a:lnRef>
+            <a:fillRef idx="2">
+              <a:schemeClr val="accent5"/>
+            </a:fillRef>
+            <a:effectRef idx="1">
+              <a:schemeClr val="accent5"/>
+            </a:effectRef>
+            <a:fontRef idx="minor">
+              <a:schemeClr val="dk1"/>
+            </a:fontRef>
+          </p:style>
+          <p:txBody>
+            <a:bodyPr rtlCol="0" anchor="ctr"/>
+            <a:lstStyle/>
+            <a:p>
+              <a:pPr algn="ctr"/>
+              <a:r>
+                <a:rPr lang="en-GB" sz="1200" dirty="0" smtClean="0"/>
+                <a:t> </a:t>
+              </a:r>
+              <a:endParaRPr lang="en-GB" sz="1200" dirty="0"/>
+            </a:p>
+          </p:txBody>
+        </p:sp>
+        <p:sp>
+          <p:nvSpPr>
+            <p:cNvPr id="15" name="Rettangolo 14"/>
+            <p:cNvSpPr/>
+            <p:nvPr/>
+          </p:nvSpPr>
+          <p:spPr>
+            <a:xfrm>
+              <a:off x="1194666" y="2699711"/>
+              <a:ext cx="281433" cy="211952"/>
+            </a:xfrm>
+            <a:prstGeom prst="rect">
+              <a:avLst/>
+            </a:prstGeom>
+            <a:solidFill>
+              <a:srgbClr val="FFCCFF"/>
+            </a:solidFill>
+            <a:ln/>
+          </p:spPr>
+          <p:style>
+            <a:lnRef idx="1">
+              <a:schemeClr val="accent5"/>
+            </a:lnRef>
+            <a:fillRef idx="2">
+              <a:schemeClr val="accent5"/>
+            </a:fillRef>
+            <a:effectRef idx="1">
+              <a:schemeClr val="accent5"/>
+            </a:effectRef>
+            <a:fontRef idx="minor">
+              <a:schemeClr val="dk1"/>
+            </a:fontRef>
+          </p:style>
+          <p:txBody>
+            <a:bodyPr rtlCol="0" anchor="ctr"/>
+            <a:lstStyle/>
+            <a:p>
+              <a:pPr algn="ctr"/>
+              <a:endParaRPr lang="en-GB" sz="1200"/>
+            </a:p>
+          </p:txBody>
+        </p:sp>
+        <p:sp>
+          <p:nvSpPr>
+            <p:cNvPr id="16" name="Triangolo isoscele 15"/>
+            <p:cNvSpPr/>
+            <p:nvPr/>
+          </p:nvSpPr>
+          <p:spPr>
+            <a:xfrm rot="16200000">
+              <a:off x="1618539" y="2391356"/>
+              <a:ext cx="86434" cy="139263"/>
+            </a:xfrm>
+            <a:prstGeom prst="triangle">
+              <a:avLst/>
+            </a:prstGeom>
+            <a:solidFill>
+              <a:srgbClr val="FF0000"/>
+            </a:solidFill>
+            <a:ln/>
+          </p:spPr>
+          <p:style>
+            <a:lnRef idx="1">
+              <a:schemeClr val="accent5"/>
+            </a:lnRef>
+            <a:fillRef idx="2">
+              <a:schemeClr val="accent5"/>
+            </a:fillRef>
+            <a:effectRef idx="1">
+              <a:schemeClr val="accent5"/>
+            </a:effectRef>
+            <a:fontRef idx="minor">
+              <a:schemeClr val="dk1"/>
+            </a:fontRef>
+          </p:style>
+          <p:txBody>
+            <a:bodyPr rtlCol="0" anchor="ctr"/>
+            <a:lstStyle/>
+            <a:p>
+              <a:pPr algn="ctr"/>
+              <a:endParaRPr lang="en-GB" sz="1200">
+                <a:solidFill>
+                  <a:schemeClr val="dk1"/>
+                </a:solidFill>
+              </a:endParaRPr>
+            </a:p>
+          </p:txBody>
+        </p:sp>
+      </p:grpSp>
+      <p:cxnSp>
+        <p:nvCxnSpPr>
+          <p:cNvPr id="20" name="Connettore 2 19"/>
+          <p:cNvCxnSpPr>
+            <a:endCxn id="16" idx="1"/>
+          </p:cNvCxnSpPr>
+          <p:nvPr/>
+        </p:nvCxnSpPr>
+        <p:spPr>
+          <a:xfrm>
+            <a:off x="2029207" y="2141599"/>
+            <a:ext cx="1100642" cy="1509990"/>
+          </a:xfrm>
+          <a:prstGeom prst="straightConnector1">
+            <a:avLst/>
+          </a:prstGeom>
+          <a:ln>
+            <a:tailEnd type="arrow"/>
+          </a:ln>
+        </p:spPr>
+        <p:style>
+          <a:lnRef idx="1">
+            <a:schemeClr val="accent1"/>
+          </a:lnRef>
+          <a:fillRef idx="0">
+            <a:schemeClr val="accent1"/>
+          </a:fillRef>
+          <a:effectRef idx="0">
+            <a:schemeClr val="accent1"/>
+          </a:effectRef>
+          <a:fontRef idx="minor">
+            <a:schemeClr val="tx1"/>
+          </a:fontRef>
+        </p:style>
+      </p:cxnSp>
+      <p:cxnSp>
+        <p:nvCxnSpPr>
+          <p:cNvPr id="22" name="Connettore 2 21"/>
+          <p:cNvCxnSpPr/>
+          <p:nvPr/>
+        </p:nvCxnSpPr>
+        <p:spPr>
+          <a:xfrm flipV="1">
+            <a:off x="755576" y="4509120"/>
+            <a:ext cx="1018342" cy="1008112"/>
+          </a:xfrm>
+          <a:prstGeom prst="straightConnector1">
+            <a:avLst/>
+          </a:prstGeom>
+          <a:ln>
+            <a:tailEnd type="arrow"/>
+          </a:ln>
+        </p:spPr>
+        <p:style>
+          <a:lnRef idx="3">
+            <a:schemeClr val="accent2"/>
+          </a:lnRef>
+          <a:fillRef idx="0">
+            <a:schemeClr val="accent2"/>
+          </a:fillRef>
+          <a:effectRef idx="2">
+            <a:schemeClr val="accent2"/>
+          </a:effectRef>
+          <a:fontRef idx="minor">
+            <a:schemeClr val="tx1"/>
+          </a:fontRef>
+        </p:style>
+      </p:cxnSp>
+      <p:sp>
+        <p:nvSpPr>
+          <p:cNvPr id="23" name="Ovale 22"/>
+          <p:cNvSpPr/>
+          <p:nvPr/>
+        </p:nvSpPr>
+        <p:spPr>
+          <a:xfrm>
+            <a:off x="6084168" y="512984"/>
+            <a:ext cx="2151856" cy="1910556"/>
+          </a:xfrm>
+          <a:prstGeom prst="ellipse">
+            <a:avLst/>
+          </a:prstGeom>
+          <a:solidFill>
+            <a:srgbClr val="FFCCFF"/>
+          </a:solidFill>
+          <a:ln/>
+        </p:spPr>
+        <p:style>
+          <a:lnRef idx="1">
+            <a:schemeClr val="accent5"/>
+          </a:lnRef>
+          <a:fillRef idx="2">
+            <a:schemeClr val="accent5"/>
+          </a:fillRef>
+          <a:effectRef idx="1">
+            <a:schemeClr val="accent5"/>
+          </a:effectRef>
+          <a:fontRef idx="minor">
+            <a:schemeClr val="dk1"/>
+          </a:fontRef>
+        </p:style>
+        <p:txBody>
+          <a:bodyPr rtlCol="0" anchor="ctr"/>
+          <a:lstStyle/>
+          <a:p>
+            <a:pPr algn="ctr"/>
+            <a:r>
+              <a:rPr lang="en-GB" sz="1200" dirty="0" smtClean="0"/>
+              <a:t> </a:t>
+            </a:r>
+            <a:endParaRPr lang="en-GB" sz="1200" dirty="0"/>
+          </a:p>
+        </p:txBody>
+      </p:sp>
+      <p:cxnSp>
+        <p:nvCxnSpPr>
+          <p:cNvPr id="25" name="Connettore 2 24"/>
+          <p:cNvCxnSpPr>
+            <a:stCxn id="12" idx="6"/>
+            <a:endCxn id="23" idx="3"/>
+          </p:cNvCxnSpPr>
+          <p:nvPr/>
+        </p:nvCxnSpPr>
+        <p:spPr>
+          <a:xfrm flipV="1">
+            <a:off x="5148064" y="2143746"/>
+            <a:ext cx="1251236" cy="745194"/>
+          </a:xfrm>
+          <a:prstGeom prst="straightConnector1">
+            <a:avLst/>
+          </a:prstGeom>
+          <a:ln>
+            <a:tailEnd type="arrow"/>
+          </a:ln>
+        </p:spPr>
+        <p:style>
+          <a:lnRef idx="3">
+            <a:schemeClr val="accent2"/>
+          </a:lnRef>
+          <a:fillRef idx="0">
+            <a:schemeClr val="accent2"/>
+          </a:fillRef>
+          <a:effectRef idx="2">
+            <a:schemeClr val="accent2"/>
+          </a:effectRef>
+          <a:fontRef idx="minor">
+            <a:schemeClr val="tx1"/>
+          </a:fontRef>
+        </p:style>
+      </p:cxnSp>
+      <p:grpSp>
+        <p:nvGrpSpPr>
+          <p:cNvPr id="26" name="Gruppo 25"/>
+          <p:cNvGrpSpPr/>
+          <p:nvPr/>
+        </p:nvGrpSpPr>
+        <p:grpSpPr>
+          <a:xfrm>
+            <a:off x="6588224" y="706209"/>
+            <a:ext cx="866156" cy="763297"/>
+            <a:chOff x="1194666" y="2417771"/>
+            <a:chExt cx="866156" cy="763297"/>
+          </a:xfrm>
+        </p:grpSpPr>
+        <p:sp>
+          <p:nvSpPr>
+            <p:cNvPr id="27" name="Ovale 26"/>
+            <p:cNvSpPr/>
+            <p:nvPr/>
+          </p:nvSpPr>
+          <p:spPr>
+            <a:xfrm>
+              <a:off x="1311101" y="2460988"/>
+              <a:ext cx="749721" cy="720080"/>
+            </a:xfrm>
+            <a:prstGeom prst="ellipse">
+              <a:avLst/>
+            </a:prstGeom>
+            <a:solidFill>
+              <a:srgbClr val="FFCCFF"/>
+            </a:solidFill>
+            <a:ln/>
+          </p:spPr>
+          <p:style>
+            <a:lnRef idx="1">
+              <a:schemeClr val="accent5"/>
+            </a:lnRef>
+            <a:fillRef idx="2">
+              <a:schemeClr val="accent5"/>
+            </a:fillRef>
+            <a:effectRef idx="1">
+              <a:schemeClr val="accent5"/>
+            </a:effectRef>
+            <a:fontRef idx="minor">
+              <a:schemeClr val="dk1"/>
+            </a:fontRef>
+          </p:style>
+          <p:txBody>
+            <a:bodyPr rtlCol="0" anchor="ctr"/>
+            <a:lstStyle/>
+            <a:p>
+              <a:pPr algn="ctr"/>
+              <a:r>
+                <a:rPr lang="en-GB" sz="1200" dirty="0" smtClean="0"/>
+                <a:t> </a:t>
+              </a:r>
+              <a:endParaRPr lang="en-GB" sz="1200" dirty="0"/>
+            </a:p>
+          </p:txBody>
+        </p:sp>
+        <p:sp>
+          <p:nvSpPr>
+            <p:cNvPr id="28" name="Rettangolo 27"/>
+            <p:cNvSpPr/>
+            <p:nvPr/>
+          </p:nvSpPr>
+          <p:spPr>
+            <a:xfrm>
+              <a:off x="1194666" y="2699711"/>
+              <a:ext cx="281433" cy="211952"/>
+            </a:xfrm>
+            <a:prstGeom prst="rect">
+              <a:avLst/>
+            </a:prstGeom>
+            <a:solidFill>
+              <a:srgbClr val="FFCCFF"/>
+            </a:solidFill>
+            <a:ln/>
+          </p:spPr>
+          <p:style>
+            <a:lnRef idx="1">
+              <a:schemeClr val="accent5"/>
+            </a:lnRef>
+            <a:fillRef idx="2">
+              <a:schemeClr val="accent5"/>
+            </a:fillRef>
+            <a:effectRef idx="1">
+              <a:schemeClr val="accent5"/>
+            </a:effectRef>
+            <a:fontRef idx="minor">
+              <a:schemeClr val="dk1"/>
+            </a:fontRef>
+          </p:style>
+          <p:txBody>
+            <a:bodyPr rtlCol="0" anchor="ctr"/>
+            <a:lstStyle/>
+            <a:p>
+              <a:pPr algn="ctr"/>
+              <a:endParaRPr lang="en-GB" sz="1200"/>
+            </a:p>
+          </p:txBody>
+        </p:sp>
+        <p:sp>
+          <p:nvSpPr>
+            <p:cNvPr id="29" name="Triangolo isoscele 28"/>
+            <p:cNvSpPr/>
+            <p:nvPr/>
+          </p:nvSpPr>
+          <p:spPr>
+            <a:xfrm rot="16200000">
+              <a:off x="1618539" y="2391356"/>
+              <a:ext cx="86434" cy="139263"/>
+            </a:xfrm>
+            <a:prstGeom prst="triangle">
+              <a:avLst/>
+            </a:prstGeom>
+            <a:solidFill>
+              <a:srgbClr val="FF0000"/>
+            </a:solidFill>
+            <a:ln/>
+          </p:spPr>
+          <p:style>
+            <a:lnRef idx="1">
+              <a:schemeClr val="accent5"/>
+            </a:lnRef>
+            <a:fillRef idx="2">
+              <a:schemeClr val="accent5"/>
+            </a:fillRef>
+            <a:effectRef idx="1">
+              <a:schemeClr val="accent5"/>
+            </a:effectRef>
+            <a:fontRef idx="minor">
+              <a:schemeClr val="dk1"/>
+            </a:fontRef>
+          </p:style>
+          <p:txBody>
+            <a:bodyPr rtlCol="0" anchor="ctr"/>
+            <a:lstStyle/>
+            <a:p>
+              <a:pPr algn="ctr"/>
+              <a:endParaRPr lang="en-GB" sz="1200">
+                <a:solidFill>
+                  <a:schemeClr val="dk1"/>
+                </a:solidFill>
+              </a:endParaRPr>
+            </a:p>
+          </p:txBody>
+        </p:sp>
+      </p:grpSp>
+      <p:cxnSp>
+        <p:nvCxnSpPr>
+          <p:cNvPr id="30" name="Connettore 2 29"/>
+          <p:cNvCxnSpPr>
+            <a:endCxn id="27" idx="3"/>
+          </p:cNvCxnSpPr>
+          <p:nvPr/>
+        </p:nvCxnSpPr>
+        <p:spPr>
+          <a:xfrm flipV="1">
+            <a:off x="2358641" y="1364053"/>
+            <a:ext cx="4455812" cy="577597"/>
+          </a:xfrm>
+          <a:prstGeom prst="straightConnector1">
+            <a:avLst/>
+          </a:prstGeom>
+          <a:ln>
+            <a:solidFill>
+              <a:srgbClr val="00B0F0"/>
+            </a:solidFill>
+            <a:tailEnd type="arrow"/>
+          </a:ln>
+        </p:spPr>
+        <p:style>
+          <a:lnRef idx="1">
+            <a:schemeClr val="accent1"/>
+          </a:lnRef>
+          <a:fillRef idx="0">
+            <a:schemeClr val="accent1"/>
+          </a:fillRef>
+          <a:effectRef idx="0">
+            <a:schemeClr val="accent1"/>
+          </a:effectRef>
+          <a:fontRef idx="minor">
+            <a:schemeClr val="tx1"/>
+          </a:fontRef>
+        </p:style>
+      </p:cxnSp>
+      <p:cxnSp>
+        <p:nvCxnSpPr>
+          <p:cNvPr id="35" name="Connettore 1 34"/>
+          <p:cNvCxnSpPr/>
+          <p:nvPr/>
+        </p:nvCxnSpPr>
+        <p:spPr>
+          <a:xfrm>
+            <a:off x="5003445" y="1364053"/>
+            <a:ext cx="648675" cy="449376"/>
+          </a:xfrm>
+          <a:prstGeom prst="line">
+            <a:avLst/>
+          </a:prstGeom>
+        </p:spPr>
+        <p:style>
+          <a:lnRef idx="1">
+            <a:schemeClr val="accent1"/>
+          </a:lnRef>
+          <a:fillRef idx="0">
+            <a:schemeClr val="accent1"/>
+          </a:fillRef>
+          <a:effectRef idx="0">
+            <a:schemeClr val="accent1"/>
+          </a:effectRef>
+          <a:fontRef idx="minor">
+            <a:schemeClr val="tx1"/>
+          </a:fontRef>
+        </p:style>
+      </p:cxnSp>
+      <p:cxnSp>
+        <p:nvCxnSpPr>
+          <p:cNvPr id="37" name="Connettore 1 36"/>
+          <p:cNvCxnSpPr/>
+          <p:nvPr/>
+        </p:nvCxnSpPr>
+        <p:spPr>
+          <a:xfrm flipH="1">
+            <a:off x="5148064" y="1364053"/>
+            <a:ext cx="288032" cy="449376"/>
+          </a:xfrm>
+          <a:prstGeom prst="line">
+            <a:avLst/>
+          </a:prstGeom>
+        </p:spPr>
+        <p:style>
+          <a:lnRef idx="1">
+            <a:schemeClr val="accent1"/>
+          </a:lnRef>
+          <a:fillRef idx="0">
+            <a:schemeClr val="accent1"/>
+          </a:fillRef>
+          <a:effectRef idx="0">
+            <a:schemeClr val="accent1"/>
+          </a:effectRef>
+          <a:fontRef idx="minor">
+            <a:schemeClr val="tx1"/>
+          </a:fontRef>
+        </p:style>
+      </p:cxnSp>
+    </p:spTree>
+    <p:extLst>
+      <p:ext uri="{BB962C8B-B14F-4D97-AF65-F5344CB8AC3E}">
+        <p14:creationId xmlns:p14="http://schemas.microsoft.com/office/powerpoint/2010/main" val="4026174582"/>
       </p:ext>
     </p:extLst>
   </p:cSld>

--- a/it.unibo.issLabStart/userDocs/ISSM2020.pptx
+++ b/it.unibo.issLabStart/userDocs/ISSM2020.pptx
@@ -5,10 +5,10 @@
     <p:sldMasterId id="2147483804" r:id="rId1"/>
   </p:sldMasterIdLst>
   <p:notesMasterIdLst>
-    <p:notesMasterId r:id="rId27"/>
+    <p:notesMasterId r:id="rId28"/>
   </p:notesMasterIdLst>
   <p:handoutMasterIdLst>
-    <p:handoutMasterId r:id="rId28"/>
+    <p:handoutMasterId r:id="rId29"/>
   </p:handoutMasterIdLst>
   <p:sldIdLst>
     <p:sldId id="256" r:id="rId2"/>
@@ -35,7 +35,8 @@
     <p:sldId id="278" r:id="rId23"/>
     <p:sldId id="279" r:id="rId24"/>
     <p:sldId id="280" r:id="rId25"/>
-    <p:sldId id="281" r:id="rId26"/>
+    <p:sldId id="282" r:id="rId26"/>
+    <p:sldId id="281" r:id="rId27"/>
   </p:sldIdLst>
   <p:sldSz cx="9144000" cy="6858000" type="screen4x3"/>
   <p:notesSz cx="6858000" cy="9144000"/>
@@ -219,7 +220,7 @@
           <a:p>
             <a:fld id="{87B1E067-8CD6-47D2-8022-8E53E4BB7437}" type="datetimeFigureOut">
               <a:rPr lang="en-GB" smtClean="0"/>
-              <a:t>07/03/2020</a:t>
+              <a:t>10/03/2020</a:t>
             </a:fld>
             <a:endParaRPr lang="en-GB"/>
           </a:p>
@@ -385,7 +386,7 @@
           <a:p>
             <a:fld id="{71BD2418-2684-45EC-AEF4-BE55BBAB5B4F}" type="datetimeFigureOut">
               <a:rPr lang="en-GB" smtClean="0"/>
-              <a:t>07/03/2020</a:t>
+              <a:t>10/03/2020</a:t>
             </a:fld>
             <a:endParaRPr lang="en-GB"/>
           </a:p>
@@ -951,7 +952,7 @@
           <a:p>
             <a:fld id="{69EC26FC-4149-4381-B200-0ACC926D0C10}" type="datetime1">
               <a:rPr lang="en-GB" smtClean="0"/>
-              <a:t>07/03/2020</a:t>
+              <a:t>10/03/2020</a:t>
             </a:fld>
             <a:endParaRPr lang="en-GB"/>
           </a:p>
@@ -1308,7 +1309,7 @@
           <a:p>
             <a:fld id="{77675063-8333-41A8-A131-A42E0F0649C6}" type="datetime1">
               <a:rPr lang="en-GB" smtClean="0"/>
-              <a:t>07/03/2020</a:t>
+              <a:t>10/03/2020</a:t>
             </a:fld>
             <a:endParaRPr lang="en-GB"/>
           </a:p>
@@ -1487,7 +1488,7 @@
           <a:p>
             <a:fld id="{99167A15-39CA-42AA-A3F4-D4AAF34DD1E5}" type="datetime1">
               <a:rPr lang="en-GB" smtClean="0"/>
-              <a:t>07/03/2020</a:t>
+              <a:t>10/03/2020</a:t>
             </a:fld>
             <a:endParaRPr lang="en-GB"/>
           </a:p>
@@ -1604,7 +1605,7 @@
           <a:p>
             <a:fld id="{1A87AFF6-4C91-482D-BDF5-223514DB0B0D}" type="datetime1">
               <a:rPr lang="en-GB" smtClean="0"/>
-              <a:t>07/03/2020</a:t>
+              <a:t>10/03/2020</a:t>
             </a:fld>
             <a:endParaRPr lang="en-GB"/>
           </a:p>
@@ -1966,7 +1967,7 @@
           <a:p>
             <a:fld id="{A945ADE7-28FF-42C7-B167-7DC7A77ED2F3}" type="datetime1">
               <a:rPr lang="en-GB" smtClean="0"/>
-              <a:t>07/03/2020</a:t>
+              <a:t>10/03/2020</a:t>
             </a:fld>
             <a:endParaRPr lang="en-GB"/>
           </a:p>
@@ -2235,7 +2236,7 @@
           <a:p>
             <a:fld id="{092EA350-1E2E-41EE-BD8A-FB0D72F078C3}" type="datetime1">
               <a:rPr lang="en-GB" smtClean="0"/>
-              <a:t>07/03/2020</a:t>
+              <a:t>10/03/2020</a:t>
             </a:fld>
             <a:endParaRPr lang="en-GB"/>
           </a:p>
@@ -2601,7 +2602,7 @@
           <a:p>
             <a:fld id="{F8F1314B-6929-4AD1-B5B4-312DAFF8489C}" type="datetime1">
               <a:rPr lang="en-GB" smtClean="0"/>
-              <a:t>07/03/2020</a:t>
+              <a:t>10/03/2020</a:t>
             </a:fld>
             <a:endParaRPr lang="en-GB"/>
           </a:p>
@@ -2832,7 +2833,7 @@
           <a:p>
             <a:fld id="{CF5B218E-BA98-4F08-AFAD-55E0F9C51274}" type="datetime1">
               <a:rPr lang="en-GB" smtClean="0"/>
-              <a:t>07/03/2020</a:t>
+              <a:t>10/03/2020</a:t>
             </a:fld>
             <a:endParaRPr lang="en-GB"/>
           </a:p>
@@ -2926,7 +2927,7 @@
           <a:p>
             <a:fld id="{8AF6CE76-28A1-4CD7-9645-E1D020974391}" type="datetime1">
               <a:rPr lang="en-GB" smtClean="0"/>
-              <a:t>07/03/2020</a:t>
+              <a:t>10/03/2020</a:t>
             </a:fld>
             <a:endParaRPr lang="en-GB"/>
           </a:p>
@@ -3197,7 +3198,7 @@
           <a:p>
             <a:fld id="{BADBD3C4-D885-44D5-BC36-8CDC16C4E35A}" type="datetime1">
               <a:rPr lang="en-GB" smtClean="0"/>
-              <a:t>07/03/2020</a:t>
+              <a:t>10/03/2020</a:t>
             </a:fld>
             <a:endParaRPr lang="en-GB"/>
           </a:p>
@@ -3429,7 +3430,7 @@
           <a:p>
             <a:fld id="{D0C37988-22DC-4746-8A43-E6C6BF5D65EE}" type="datetime1">
               <a:rPr lang="en-GB" smtClean="0"/>
-              <a:t>07/03/2020</a:t>
+              <a:t>10/03/2020</a:t>
             </a:fld>
             <a:endParaRPr lang="en-GB"/>
           </a:p>
@@ -3932,7 +3933,7 @@
           <a:p>
             <a:fld id="{5A18A74E-3BE8-4B6E-81A4-95A392C53EA5}" type="datetime1">
               <a:rPr lang="en-GB" smtClean="0"/>
-              <a:t>07/03/2020</a:t>
+              <a:t>10/03/2020</a:t>
             </a:fld>
             <a:endParaRPr lang="en-GB"/>
           </a:p>
@@ -10715,6 +10716,643 @@
           </a:fontRef>
         </p:style>
       </p:cxnSp>
+      <p:grpSp>
+        <p:nvGrpSpPr>
+          <p:cNvPr id="29" name="Gruppo 28"/>
+          <p:cNvGrpSpPr/>
+          <p:nvPr/>
+        </p:nvGrpSpPr>
+        <p:grpSpPr>
+          <a:xfrm>
+            <a:off x="1504071" y="4509120"/>
+            <a:ext cx="866156" cy="763297"/>
+            <a:chOff x="1194666" y="2417771"/>
+            <a:chExt cx="866156" cy="763297"/>
+          </a:xfrm>
+        </p:grpSpPr>
+        <p:sp>
+          <p:nvSpPr>
+            <p:cNvPr id="30" name="Ovale 29"/>
+            <p:cNvSpPr/>
+            <p:nvPr/>
+          </p:nvSpPr>
+          <p:spPr>
+            <a:xfrm>
+              <a:off x="1311101" y="2460988"/>
+              <a:ext cx="749721" cy="720080"/>
+            </a:xfrm>
+            <a:prstGeom prst="ellipse">
+              <a:avLst/>
+            </a:prstGeom>
+            <a:solidFill>
+              <a:srgbClr val="FFCCFF"/>
+            </a:solidFill>
+            <a:ln/>
+          </p:spPr>
+          <p:style>
+            <a:lnRef idx="1">
+              <a:schemeClr val="accent5"/>
+            </a:lnRef>
+            <a:fillRef idx="2">
+              <a:schemeClr val="accent5"/>
+            </a:fillRef>
+            <a:effectRef idx="1">
+              <a:schemeClr val="accent5"/>
+            </a:effectRef>
+            <a:fontRef idx="minor">
+              <a:schemeClr val="dk1"/>
+            </a:fontRef>
+          </p:style>
+          <p:txBody>
+            <a:bodyPr rtlCol="0" anchor="ctr"/>
+            <a:lstStyle/>
+            <a:p>
+              <a:pPr algn="ctr"/>
+              <a:r>
+                <a:rPr lang="en-GB" sz="1200" dirty="0" smtClean="0"/>
+                <a:t> </a:t>
+              </a:r>
+              <a:endParaRPr lang="en-GB" sz="1200" dirty="0"/>
+            </a:p>
+          </p:txBody>
+        </p:sp>
+        <p:sp>
+          <p:nvSpPr>
+            <p:cNvPr id="31" name="Rettangolo 30"/>
+            <p:cNvSpPr/>
+            <p:nvPr/>
+          </p:nvSpPr>
+          <p:spPr>
+            <a:xfrm>
+              <a:off x="1194666" y="2699711"/>
+              <a:ext cx="281433" cy="211952"/>
+            </a:xfrm>
+            <a:prstGeom prst="rect">
+              <a:avLst/>
+            </a:prstGeom>
+            <a:solidFill>
+              <a:srgbClr val="FFCCFF"/>
+            </a:solidFill>
+            <a:ln/>
+          </p:spPr>
+          <p:style>
+            <a:lnRef idx="1">
+              <a:schemeClr val="accent5"/>
+            </a:lnRef>
+            <a:fillRef idx="2">
+              <a:schemeClr val="accent5"/>
+            </a:fillRef>
+            <a:effectRef idx="1">
+              <a:schemeClr val="accent5"/>
+            </a:effectRef>
+            <a:fontRef idx="minor">
+              <a:schemeClr val="dk1"/>
+            </a:fontRef>
+          </p:style>
+          <p:txBody>
+            <a:bodyPr rtlCol="0" anchor="ctr"/>
+            <a:lstStyle/>
+            <a:p>
+              <a:pPr algn="ctr"/>
+              <a:endParaRPr lang="en-GB" sz="1200"/>
+            </a:p>
+          </p:txBody>
+        </p:sp>
+        <p:sp>
+          <p:nvSpPr>
+            <p:cNvPr id="32" name="Triangolo isoscele 31"/>
+            <p:cNvSpPr/>
+            <p:nvPr/>
+          </p:nvSpPr>
+          <p:spPr>
+            <a:xfrm rot="16200000">
+              <a:off x="1618539" y="2391356"/>
+              <a:ext cx="86434" cy="139263"/>
+            </a:xfrm>
+            <a:prstGeom prst="triangle">
+              <a:avLst/>
+            </a:prstGeom>
+            <a:solidFill>
+              <a:srgbClr val="FF0000"/>
+            </a:solidFill>
+            <a:ln/>
+          </p:spPr>
+          <p:style>
+            <a:lnRef idx="1">
+              <a:schemeClr val="accent5"/>
+            </a:lnRef>
+            <a:fillRef idx="2">
+              <a:schemeClr val="accent5"/>
+            </a:fillRef>
+            <a:effectRef idx="1">
+              <a:schemeClr val="accent5"/>
+            </a:effectRef>
+            <a:fontRef idx="minor">
+              <a:schemeClr val="dk1"/>
+            </a:fontRef>
+          </p:style>
+          <p:txBody>
+            <a:bodyPr rtlCol="0" anchor="ctr"/>
+            <a:lstStyle/>
+            <a:p>
+              <a:pPr algn="ctr"/>
+              <a:endParaRPr lang="en-GB" sz="1200">
+                <a:solidFill>
+                  <a:schemeClr val="dk1"/>
+                </a:solidFill>
+              </a:endParaRPr>
+            </a:p>
+          </p:txBody>
+        </p:sp>
+      </p:grpSp>
+      <p:grpSp>
+        <p:nvGrpSpPr>
+          <p:cNvPr id="33" name="Gruppo 32"/>
+          <p:cNvGrpSpPr/>
+          <p:nvPr/>
+        </p:nvGrpSpPr>
+        <p:grpSpPr>
+          <a:xfrm>
+            <a:off x="3735148" y="4509119"/>
+            <a:ext cx="866156" cy="763297"/>
+            <a:chOff x="1194666" y="2417771"/>
+            <a:chExt cx="866156" cy="763297"/>
+          </a:xfrm>
+        </p:grpSpPr>
+        <p:sp>
+          <p:nvSpPr>
+            <p:cNvPr id="34" name="Ovale 33"/>
+            <p:cNvSpPr/>
+            <p:nvPr/>
+          </p:nvSpPr>
+          <p:spPr>
+            <a:xfrm>
+              <a:off x="1311101" y="2460988"/>
+              <a:ext cx="749721" cy="720080"/>
+            </a:xfrm>
+            <a:prstGeom prst="ellipse">
+              <a:avLst/>
+            </a:prstGeom>
+            <a:solidFill>
+              <a:srgbClr val="FFCCFF"/>
+            </a:solidFill>
+            <a:ln/>
+          </p:spPr>
+          <p:style>
+            <a:lnRef idx="1">
+              <a:schemeClr val="accent5"/>
+            </a:lnRef>
+            <a:fillRef idx="2">
+              <a:schemeClr val="accent5"/>
+            </a:fillRef>
+            <a:effectRef idx="1">
+              <a:schemeClr val="accent5"/>
+            </a:effectRef>
+            <a:fontRef idx="minor">
+              <a:schemeClr val="dk1"/>
+            </a:fontRef>
+          </p:style>
+          <p:txBody>
+            <a:bodyPr rtlCol="0" anchor="ctr"/>
+            <a:lstStyle/>
+            <a:p>
+              <a:pPr algn="ctr"/>
+              <a:r>
+                <a:rPr lang="en-GB" sz="1200" dirty="0" smtClean="0"/>
+                <a:t> </a:t>
+              </a:r>
+              <a:endParaRPr lang="en-GB" sz="1200" dirty="0"/>
+            </a:p>
+          </p:txBody>
+        </p:sp>
+        <p:sp>
+          <p:nvSpPr>
+            <p:cNvPr id="35" name="Rettangolo 34"/>
+            <p:cNvSpPr/>
+            <p:nvPr/>
+          </p:nvSpPr>
+          <p:spPr>
+            <a:xfrm>
+              <a:off x="1194666" y="2699711"/>
+              <a:ext cx="281433" cy="211952"/>
+            </a:xfrm>
+            <a:prstGeom prst="rect">
+              <a:avLst/>
+            </a:prstGeom>
+            <a:solidFill>
+              <a:srgbClr val="FFCCFF"/>
+            </a:solidFill>
+            <a:ln/>
+          </p:spPr>
+          <p:style>
+            <a:lnRef idx="1">
+              <a:schemeClr val="accent5"/>
+            </a:lnRef>
+            <a:fillRef idx="2">
+              <a:schemeClr val="accent5"/>
+            </a:fillRef>
+            <a:effectRef idx="1">
+              <a:schemeClr val="accent5"/>
+            </a:effectRef>
+            <a:fontRef idx="minor">
+              <a:schemeClr val="dk1"/>
+            </a:fontRef>
+          </p:style>
+          <p:txBody>
+            <a:bodyPr rtlCol="0" anchor="ctr"/>
+            <a:lstStyle/>
+            <a:p>
+              <a:pPr algn="ctr"/>
+              <a:endParaRPr lang="en-GB" sz="1200"/>
+            </a:p>
+          </p:txBody>
+        </p:sp>
+        <p:sp>
+          <p:nvSpPr>
+            <p:cNvPr id="36" name="Triangolo isoscele 35"/>
+            <p:cNvSpPr/>
+            <p:nvPr/>
+          </p:nvSpPr>
+          <p:spPr>
+            <a:xfrm rot="16200000">
+              <a:off x="1618539" y="2391356"/>
+              <a:ext cx="86434" cy="139263"/>
+            </a:xfrm>
+            <a:prstGeom prst="triangle">
+              <a:avLst/>
+            </a:prstGeom>
+            <a:solidFill>
+              <a:srgbClr val="FF0000"/>
+            </a:solidFill>
+            <a:ln/>
+          </p:spPr>
+          <p:style>
+            <a:lnRef idx="1">
+              <a:schemeClr val="accent5"/>
+            </a:lnRef>
+            <a:fillRef idx="2">
+              <a:schemeClr val="accent5"/>
+            </a:fillRef>
+            <a:effectRef idx="1">
+              <a:schemeClr val="accent5"/>
+            </a:effectRef>
+            <a:fontRef idx="minor">
+              <a:schemeClr val="dk1"/>
+            </a:fontRef>
+          </p:style>
+          <p:txBody>
+            <a:bodyPr rtlCol="0" anchor="ctr"/>
+            <a:lstStyle/>
+            <a:p>
+              <a:pPr algn="ctr"/>
+              <a:endParaRPr lang="en-GB" sz="1200">
+                <a:solidFill>
+                  <a:schemeClr val="dk1"/>
+                </a:solidFill>
+              </a:endParaRPr>
+            </a:p>
+          </p:txBody>
+        </p:sp>
+      </p:grpSp>
+      <p:sp>
+        <p:nvSpPr>
+          <p:cNvPr id="37" name="CasellaDiTesto 36"/>
+          <p:cNvSpPr txBox="1"/>
+          <p:nvPr/>
+        </p:nvSpPr>
+        <p:spPr>
+          <a:xfrm>
+            <a:off x="1351671" y="5292057"/>
+            <a:ext cx="1327608" cy="400110"/>
+          </a:xfrm>
+          <a:prstGeom prst="rect">
+            <a:avLst/>
+          </a:prstGeom>
+          <a:noFill/>
+        </p:spPr>
+        <p:txBody>
+          <a:bodyPr wrap="none" rtlCol="0">
+            <a:spAutoFit/>
+          </a:bodyPr>
+          <a:lstStyle/>
+          <a:p>
+            <a:r>
+              <a:rPr lang="it-IT" sz="2000" dirty="0" err="1" smtClean="0"/>
+              <a:t>senderActor</a:t>
+            </a:r>
+            <a:endParaRPr lang="en-GB" sz="2000" dirty="0"/>
+          </a:p>
+        </p:txBody>
+      </p:sp>
+      <p:sp>
+        <p:nvSpPr>
+          <p:cNvPr id="38" name="CasellaDiTesto 37"/>
+          <p:cNvSpPr txBox="1"/>
+          <p:nvPr/>
+        </p:nvSpPr>
+        <p:spPr>
+          <a:xfrm>
+            <a:off x="3608066" y="5292057"/>
+            <a:ext cx="1464247" cy="400110"/>
+          </a:xfrm>
+          <a:prstGeom prst="rect">
+            <a:avLst/>
+          </a:prstGeom>
+          <a:noFill/>
+        </p:spPr>
+        <p:txBody>
+          <a:bodyPr wrap="none" rtlCol="0">
+            <a:spAutoFit/>
+          </a:bodyPr>
+          <a:lstStyle/>
+          <a:p>
+            <a:r>
+              <a:rPr lang="it-IT" sz="2000" dirty="0" err="1" smtClean="0"/>
+              <a:t>receiverActor</a:t>
+            </a:r>
+            <a:endParaRPr lang="en-GB" sz="2000" dirty="0"/>
+          </a:p>
+        </p:txBody>
+      </p:sp>
+      <p:cxnSp>
+        <p:nvCxnSpPr>
+          <p:cNvPr id="41" name="Connettore 2 40"/>
+          <p:cNvCxnSpPr>
+            <a:stCxn id="30" idx="6"/>
+            <a:endCxn id="35" idx="1"/>
+          </p:cNvCxnSpPr>
+          <p:nvPr/>
+        </p:nvCxnSpPr>
+        <p:spPr>
+          <a:xfrm flipV="1">
+            <a:off x="2370227" y="4897035"/>
+            <a:ext cx="1364921" cy="15342"/>
+          </a:xfrm>
+          <a:prstGeom prst="straightConnector1">
+            <a:avLst/>
+          </a:prstGeom>
+          <a:ln>
+            <a:prstDash val="lgDash"/>
+            <a:tailEnd type="arrow"/>
+          </a:ln>
+        </p:spPr>
+        <p:style>
+          <a:lnRef idx="1">
+            <a:schemeClr val="accent1"/>
+          </a:lnRef>
+          <a:fillRef idx="0">
+            <a:schemeClr val="accent1"/>
+          </a:fillRef>
+          <a:effectRef idx="0">
+            <a:schemeClr val="accent1"/>
+          </a:effectRef>
+          <a:fontRef idx="minor">
+            <a:schemeClr val="tx1"/>
+          </a:fontRef>
+        </p:style>
+      </p:cxnSp>
+      <p:grpSp>
+        <p:nvGrpSpPr>
+          <p:cNvPr id="42" name="Gruppo 41"/>
+          <p:cNvGrpSpPr/>
+          <p:nvPr/>
+        </p:nvGrpSpPr>
+        <p:grpSpPr>
+          <a:xfrm>
+            <a:off x="6732240" y="4409410"/>
+            <a:ext cx="866156" cy="763297"/>
+            <a:chOff x="1194666" y="2417771"/>
+            <a:chExt cx="866156" cy="763297"/>
+          </a:xfrm>
+        </p:grpSpPr>
+        <p:sp>
+          <p:nvSpPr>
+            <p:cNvPr id="44" name="Ovale 43"/>
+            <p:cNvSpPr/>
+            <p:nvPr/>
+          </p:nvSpPr>
+          <p:spPr>
+            <a:xfrm>
+              <a:off x="1311101" y="2460988"/>
+              <a:ext cx="749721" cy="720080"/>
+            </a:xfrm>
+            <a:prstGeom prst="ellipse">
+              <a:avLst/>
+            </a:prstGeom>
+            <a:solidFill>
+              <a:srgbClr val="FFCCFF"/>
+            </a:solidFill>
+            <a:ln/>
+          </p:spPr>
+          <p:style>
+            <a:lnRef idx="1">
+              <a:schemeClr val="accent5"/>
+            </a:lnRef>
+            <a:fillRef idx="2">
+              <a:schemeClr val="accent5"/>
+            </a:fillRef>
+            <a:effectRef idx="1">
+              <a:schemeClr val="accent5"/>
+            </a:effectRef>
+            <a:fontRef idx="minor">
+              <a:schemeClr val="dk1"/>
+            </a:fontRef>
+          </p:style>
+          <p:txBody>
+            <a:bodyPr rtlCol="0" anchor="ctr"/>
+            <a:lstStyle/>
+            <a:p>
+              <a:pPr algn="ctr"/>
+              <a:r>
+                <a:rPr lang="en-GB" sz="1200" dirty="0" smtClean="0"/>
+                <a:t> </a:t>
+              </a:r>
+              <a:endParaRPr lang="en-GB" sz="1200" dirty="0"/>
+            </a:p>
+          </p:txBody>
+        </p:sp>
+        <p:sp>
+          <p:nvSpPr>
+            <p:cNvPr id="45" name="Rettangolo 44"/>
+            <p:cNvSpPr/>
+            <p:nvPr/>
+          </p:nvSpPr>
+          <p:spPr>
+            <a:xfrm>
+              <a:off x="1194666" y="2699711"/>
+              <a:ext cx="281433" cy="211952"/>
+            </a:xfrm>
+            <a:prstGeom prst="rect">
+              <a:avLst/>
+            </a:prstGeom>
+            <a:solidFill>
+              <a:srgbClr val="FFCCFF"/>
+            </a:solidFill>
+            <a:ln/>
+          </p:spPr>
+          <p:style>
+            <a:lnRef idx="1">
+              <a:schemeClr val="accent5"/>
+            </a:lnRef>
+            <a:fillRef idx="2">
+              <a:schemeClr val="accent5"/>
+            </a:fillRef>
+            <a:effectRef idx="1">
+              <a:schemeClr val="accent5"/>
+            </a:effectRef>
+            <a:fontRef idx="minor">
+              <a:schemeClr val="dk1"/>
+            </a:fontRef>
+          </p:style>
+          <p:txBody>
+            <a:bodyPr rtlCol="0" anchor="ctr"/>
+            <a:lstStyle/>
+            <a:p>
+              <a:pPr algn="ctr"/>
+              <a:endParaRPr lang="en-GB" sz="1200"/>
+            </a:p>
+          </p:txBody>
+        </p:sp>
+        <p:sp>
+          <p:nvSpPr>
+            <p:cNvPr id="46" name="Triangolo isoscele 45"/>
+            <p:cNvSpPr/>
+            <p:nvPr/>
+          </p:nvSpPr>
+          <p:spPr>
+            <a:xfrm rot="16200000">
+              <a:off x="1618539" y="2391356"/>
+              <a:ext cx="86434" cy="139263"/>
+            </a:xfrm>
+            <a:prstGeom prst="triangle">
+              <a:avLst/>
+            </a:prstGeom>
+            <a:solidFill>
+              <a:srgbClr val="FF0000"/>
+            </a:solidFill>
+            <a:ln/>
+          </p:spPr>
+          <p:style>
+            <a:lnRef idx="1">
+              <a:schemeClr val="accent5"/>
+            </a:lnRef>
+            <a:fillRef idx="2">
+              <a:schemeClr val="accent5"/>
+            </a:fillRef>
+            <a:effectRef idx="1">
+              <a:schemeClr val="accent5"/>
+            </a:effectRef>
+            <a:fontRef idx="minor">
+              <a:schemeClr val="dk1"/>
+            </a:fontRef>
+          </p:style>
+          <p:txBody>
+            <a:bodyPr rtlCol="0" anchor="ctr"/>
+            <a:lstStyle/>
+            <a:p>
+              <a:pPr algn="ctr"/>
+              <a:endParaRPr lang="en-GB" sz="1200">
+                <a:solidFill>
+                  <a:schemeClr val="dk1"/>
+                </a:solidFill>
+              </a:endParaRPr>
+            </a:p>
+          </p:txBody>
+        </p:sp>
+      </p:grpSp>
+      <p:sp>
+        <p:nvSpPr>
+          <p:cNvPr id="47" name="CasellaDiTesto 46"/>
+          <p:cNvSpPr txBox="1"/>
+          <p:nvPr/>
+        </p:nvSpPr>
+        <p:spPr>
+          <a:xfrm>
+            <a:off x="6536838" y="5272416"/>
+            <a:ext cx="1470274" cy="400110"/>
+          </a:xfrm>
+          <a:prstGeom prst="rect">
+            <a:avLst/>
+          </a:prstGeom>
+          <a:noFill/>
+        </p:spPr>
+        <p:txBody>
+          <a:bodyPr wrap="none" rtlCol="0">
+            <a:spAutoFit/>
+          </a:bodyPr>
+          <a:lstStyle/>
+          <a:p>
+            <a:r>
+              <a:rPr lang="en-GB" sz="2000" dirty="0" err="1"/>
+              <a:t>counterActor</a:t>
+            </a:r>
+            <a:endParaRPr lang="en-GB" sz="2000" dirty="0"/>
+          </a:p>
+        </p:txBody>
+      </p:sp>
+      <p:cxnSp>
+        <p:nvCxnSpPr>
+          <p:cNvPr id="48" name="Connettore 2 47"/>
+          <p:cNvCxnSpPr/>
+          <p:nvPr/>
+        </p:nvCxnSpPr>
+        <p:spPr>
+          <a:xfrm>
+            <a:off x="5940374" y="4812667"/>
+            <a:ext cx="783259" cy="0"/>
+          </a:xfrm>
+          <a:prstGeom prst="straightConnector1">
+            <a:avLst/>
+          </a:prstGeom>
+          <a:ln>
+            <a:prstDash val="lgDash"/>
+            <a:tailEnd type="arrow"/>
+          </a:ln>
+        </p:spPr>
+        <p:style>
+          <a:lnRef idx="1">
+            <a:schemeClr val="accent1"/>
+          </a:lnRef>
+          <a:fillRef idx="0">
+            <a:schemeClr val="accent1"/>
+          </a:fillRef>
+          <a:effectRef idx="0">
+            <a:schemeClr val="accent1"/>
+          </a:effectRef>
+          <a:fontRef idx="minor">
+            <a:schemeClr val="tx1"/>
+          </a:fontRef>
+        </p:style>
+      </p:cxnSp>
+      <p:sp>
+        <p:nvSpPr>
+          <p:cNvPr id="7" name="Rettangolo 6"/>
+          <p:cNvSpPr/>
+          <p:nvPr/>
+        </p:nvSpPr>
+        <p:spPr>
+          <a:xfrm>
+            <a:off x="5506119" y="4324453"/>
+            <a:ext cx="1231427" cy="369332"/>
+          </a:xfrm>
+          <a:prstGeom prst="rect">
+            <a:avLst/>
+          </a:prstGeom>
+        </p:spPr>
+        <p:txBody>
+          <a:bodyPr wrap="none">
+            <a:spAutoFit/>
+          </a:bodyPr>
+          <a:lstStyle/>
+          <a:p>
+            <a:r>
+              <a:rPr lang="en-GB" dirty="0" err="1"/>
+              <a:t>CounterMsg</a:t>
+            </a:r>
+            <a:endParaRPr lang="en-GB" dirty="0"/>
+          </a:p>
+        </p:txBody>
+      </p:sp>
     </p:spTree>
     <p:extLst>
       <p:ext uri="{BB962C8B-B14F-4D97-AF65-F5344CB8AC3E}">
@@ -10729,6 +11367,222 @@
 </file>
 
 <file path=ppt/slides/slide25.xml><?xml version="1.0" encoding="utf-8"?>
+<p:sld xmlns:a="http://schemas.openxmlformats.org/drawingml/2006/main" xmlns:r="http://schemas.openxmlformats.org/officeDocument/2006/relationships" xmlns:p="http://schemas.openxmlformats.org/presentationml/2006/main">
+  <p:cSld>
+    <p:spTree>
+      <p:nvGrpSpPr>
+        <p:cNvPr id="1" name=""/>
+        <p:cNvGrpSpPr/>
+        <p:nvPr/>
+      </p:nvGrpSpPr>
+      <p:grpSpPr>
+        <a:xfrm>
+          <a:off x="0" y="0"/>
+          <a:ext cx="0" cy="0"/>
+          <a:chOff x="0" y="0"/>
+          <a:chExt cx="0" cy="0"/>
+        </a:xfrm>
+      </p:grpSpPr>
+      <p:sp>
+        <p:nvSpPr>
+          <p:cNvPr id="2" name="Segnaposto piè di pagina 1"/>
+          <p:cNvSpPr>
+            <a:spLocks noGrp="1"/>
+          </p:cNvSpPr>
+          <p:nvPr>
+            <p:ph type="ftr" sz="quarter" idx="11"/>
+          </p:nvPr>
+        </p:nvSpPr>
+        <p:spPr/>
+        <p:txBody>
+          <a:bodyPr/>
+          <a:lstStyle/>
+          <a:p>
+            <a:r>
+              <a:rPr lang="it-IT" smtClean="0"/>
+              <a:t>ANatali  - DISI - ISSM2020  Univeristy of Bologna</a:t>
+            </a:r>
+            <a:endParaRPr lang="en-GB"/>
+          </a:p>
+        </p:txBody>
+      </p:sp>
+      <p:sp>
+        <p:nvSpPr>
+          <p:cNvPr id="3" name="Segnaposto numero diapositiva 2"/>
+          <p:cNvSpPr>
+            <a:spLocks noGrp="1"/>
+          </p:cNvSpPr>
+          <p:nvPr>
+            <p:ph type="sldNum" sz="quarter" idx="12"/>
+          </p:nvPr>
+        </p:nvSpPr>
+        <p:spPr/>
+        <p:txBody>
+          <a:bodyPr/>
+          <a:lstStyle/>
+          <a:p>
+            <a:fld id="{6F6A5AB3-AF76-4EC9-853D-D4C335162C13}" type="slidenum">
+              <a:rPr lang="en-GB" smtClean="0"/>
+              <a:t>25</a:t>
+            </a:fld>
+            <a:endParaRPr lang="en-GB"/>
+          </a:p>
+        </p:txBody>
+      </p:sp>
+      <p:sp>
+        <p:nvSpPr>
+          <p:cNvPr id="4" name="Rettangolo 3"/>
+          <p:cNvSpPr/>
+          <p:nvPr/>
+        </p:nvSpPr>
+        <p:spPr>
+          <a:xfrm>
+            <a:off x="3851920" y="764704"/>
+            <a:ext cx="720080" cy="576064"/>
+          </a:xfrm>
+          <a:prstGeom prst="rect">
+            <a:avLst/>
+          </a:prstGeom>
+          <a:solidFill>
+            <a:srgbClr val="FFFFCC"/>
+          </a:solidFill>
+        </p:spPr>
+        <p:style>
+          <a:lnRef idx="2">
+            <a:schemeClr val="accent1">
+              <a:shade val="50000"/>
+            </a:schemeClr>
+          </a:lnRef>
+          <a:fillRef idx="1">
+            <a:schemeClr val="accent1"/>
+          </a:fillRef>
+          <a:effectRef idx="0">
+            <a:schemeClr val="accent1"/>
+          </a:effectRef>
+          <a:fontRef idx="minor">
+            <a:schemeClr val="lt1"/>
+          </a:fontRef>
+        </p:style>
+        <p:txBody>
+          <a:bodyPr rtlCol="0" anchor="ctr"/>
+          <a:lstStyle/>
+          <a:p>
+            <a:pPr algn="ctr"/>
+            <a:endParaRPr lang="en-GB"/>
+          </a:p>
+        </p:txBody>
+      </p:sp>
+      <p:cxnSp>
+        <p:nvCxnSpPr>
+          <p:cNvPr id="6" name="Connettore 2 5"/>
+          <p:cNvCxnSpPr/>
+          <p:nvPr/>
+        </p:nvCxnSpPr>
+        <p:spPr>
+          <a:xfrm>
+            <a:off x="2339752" y="1039985"/>
+            <a:ext cx="1520269" cy="0"/>
+          </a:xfrm>
+          <a:prstGeom prst="straightConnector1">
+            <a:avLst/>
+          </a:prstGeom>
+          <a:ln>
+            <a:tailEnd type="arrow"/>
+          </a:ln>
+        </p:spPr>
+        <p:style>
+          <a:lnRef idx="1">
+            <a:schemeClr val="accent1"/>
+          </a:lnRef>
+          <a:fillRef idx="0">
+            <a:schemeClr val="accent1"/>
+          </a:fillRef>
+          <a:effectRef idx="0">
+            <a:schemeClr val="accent1"/>
+          </a:effectRef>
+          <a:fontRef idx="minor">
+            <a:schemeClr val="tx1"/>
+          </a:fontRef>
+        </p:style>
+      </p:cxnSp>
+      <p:sp>
+        <p:nvSpPr>
+          <p:cNvPr id="9" name="CasellaDiTesto 8"/>
+          <p:cNvSpPr txBox="1"/>
+          <p:nvPr/>
+        </p:nvSpPr>
+        <p:spPr>
+          <a:xfrm>
+            <a:off x="2408574" y="533871"/>
+            <a:ext cx="1382623" cy="461665"/>
+          </a:xfrm>
+          <a:prstGeom prst="rect">
+            <a:avLst/>
+          </a:prstGeom>
+          <a:noFill/>
+        </p:spPr>
+        <p:txBody>
+          <a:bodyPr wrap="none" rtlCol="0">
+            <a:spAutoFit/>
+          </a:bodyPr>
+          <a:lstStyle/>
+          <a:p>
+            <a:r>
+              <a:rPr lang="it-IT" sz="2400" dirty="0" smtClean="0"/>
+              <a:t>a:Int, b:Int</a:t>
+            </a:r>
+            <a:endParaRPr lang="en-GB" sz="2400" dirty="0"/>
+          </a:p>
+        </p:txBody>
+      </p:sp>
+      <p:sp>
+        <p:nvSpPr>
+          <p:cNvPr id="12" name="CasellaDiTesto 11"/>
+          <p:cNvSpPr txBox="1"/>
+          <p:nvPr/>
+        </p:nvSpPr>
+        <p:spPr>
+          <a:xfrm>
+            <a:off x="4572000" y="821903"/>
+            <a:ext cx="564578" cy="461665"/>
+          </a:xfrm>
+          <a:prstGeom prst="rect">
+            <a:avLst/>
+          </a:prstGeom>
+          <a:noFill/>
+        </p:spPr>
+        <p:txBody>
+          <a:bodyPr wrap="none" rtlCol="0">
+            <a:spAutoFit/>
+          </a:bodyPr>
+          <a:lstStyle/>
+          <a:p>
+            <a:r>
+              <a:rPr lang="it-IT" sz="2400" dirty="0" smtClean="0"/>
+              <a:t> </a:t>
+            </a:r>
+            <a:r>
+              <a:rPr lang="it-IT" sz="2400" dirty="0" err="1" smtClean="0"/>
+              <a:t>Int</a:t>
+            </a:r>
+            <a:endParaRPr lang="en-GB" sz="2400" dirty="0"/>
+          </a:p>
+        </p:txBody>
+      </p:sp>
+    </p:spTree>
+    <p:extLst>
+      <p:ext uri="{BB962C8B-B14F-4D97-AF65-F5344CB8AC3E}">
+        <p14:creationId xmlns:p14="http://schemas.microsoft.com/office/powerpoint/2010/main" val="3049927451"/>
+      </p:ext>
+    </p:extLst>
+  </p:cSld>
+  <p:clrMapOvr>
+    <a:masterClrMapping/>
+  </p:clrMapOvr>
+</p:sld>
+</file>
+
+<file path=ppt/slides/slide26.xml><?xml version="1.0" encoding="utf-8"?>
 <p:sld xmlns:a="http://schemas.openxmlformats.org/drawingml/2006/main" xmlns:r="http://schemas.openxmlformats.org/officeDocument/2006/relationships" xmlns:p="http://schemas.openxmlformats.org/presentationml/2006/main">
   <p:cSld>
     <p:spTree>
@@ -10943,7 +11797,7 @@
           <a:p>
             <a:fld id="{6F6A5AB3-AF76-4EC9-853D-D4C335162C13}" type="slidenum">
               <a:rPr lang="en-GB" smtClean="0"/>
-              <a:t>25</a:t>
+              <a:t>26</a:t>
             </a:fld>
             <a:endParaRPr lang="en-GB"/>
           </a:p>

--- a/it.unibo.issLabStart/userDocs/ISSM2020.pptx
+++ b/it.unibo.issLabStart/userDocs/ISSM2020.pptx
@@ -11566,6 +11566,112 @@
               <a:t>Int</a:t>
             </a:r>
             <a:endParaRPr lang="en-GB" sz="2400" dirty="0"/>
+          </a:p>
+        </p:txBody>
+      </p:sp>
+      <p:sp>
+        <p:nvSpPr>
+          <p:cNvPr id="17" name="Rettangolo 16"/>
+          <p:cNvSpPr/>
+          <p:nvPr/>
+        </p:nvSpPr>
+        <p:spPr>
+          <a:xfrm>
+            <a:off x="3936326" y="2420888"/>
+            <a:ext cx="720080" cy="576064"/>
+          </a:xfrm>
+          <a:prstGeom prst="rect">
+            <a:avLst/>
+          </a:prstGeom>
+          <a:solidFill>
+            <a:srgbClr val="FFFFCC"/>
+          </a:solidFill>
+        </p:spPr>
+        <p:style>
+          <a:lnRef idx="2">
+            <a:schemeClr val="accent1">
+              <a:shade val="50000"/>
+            </a:schemeClr>
+          </a:lnRef>
+          <a:fillRef idx="1">
+            <a:schemeClr val="accent1"/>
+          </a:fillRef>
+          <a:effectRef idx="0">
+            <a:schemeClr val="accent1"/>
+          </a:effectRef>
+          <a:fontRef idx="minor">
+            <a:schemeClr val="lt1"/>
+          </a:fontRef>
+        </p:style>
+        <p:txBody>
+          <a:bodyPr rtlCol="0" anchor="ctr"/>
+          <a:lstStyle/>
+          <a:p>
+            <a:pPr algn="ctr"/>
+            <a:endParaRPr lang="en-GB" u="sng"/>
+          </a:p>
+        </p:txBody>
+      </p:sp>
+      <p:cxnSp>
+        <p:nvCxnSpPr>
+          <p:cNvPr id="18" name="Connettore 2 17"/>
+          <p:cNvCxnSpPr/>
+          <p:nvPr/>
+        </p:nvCxnSpPr>
+        <p:spPr>
+          <a:xfrm>
+            <a:off x="3184292" y="2696169"/>
+            <a:ext cx="760135" cy="0"/>
+          </a:xfrm>
+          <a:prstGeom prst="straightConnector1">
+            <a:avLst/>
+          </a:prstGeom>
+          <a:ln>
+            <a:tailEnd type="arrow"/>
+          </a:ln>
+        </p:spPr>
+        <p:style>
+          <a:lnRef idx="1">
+            <a:schemeClr val="accent1"/>
+          </a:lnRef>
+          <a:fillRef idx="0">
+            <a:schemeClr val="accent1"/>
+          </a:fillRef>
+          <a:effectRef idx="0">
+            <a:schemeClr val="accent1"/>
+          </a:effectRef>
+          <a:fontRef idx="minor">
+            <a:schemeClr val="tx1"/>
+          </a:fontRef>
+        </p:style>
+      </p:cxnSp>
+      <p:sp>
+        <p:nvSpPr>
+          <p:cNvPr id="20" name="CasellaDiTesto 19"/>
+          <p:cNvSpPr txBox="1"/>
+          <p:nvPr/>
+        </p:nvSpPr>
+        <p:spPr>
+          <a:xfrm>
+            <a:off x="4615138" y="2478087"/>
+            <a:ext cx="760144" cy="461665"/>
+          </a:xfrm>
+          <a:prstGeom prst="rect">
+            <a:avLst/>
+          </a:prstGeom>
+          <a:noFill/>
+        </p:spPr>
+        <p:txBody>
+          <a:bodyPr wrap="none" rtlCol="0">
+            <a:spAutoFit/>
+          </a:bodyPr>
+          <a:lstStyle/>
+          <a:p>
+            <a:r>
+              <a:rPr lang="it-IT" sz="2400" u="sng" dirty="0" smtClean="0"/>
+              <a:t> Unit</a:t>
+            </a:r>
+            <a:endParaRPr lang="en-GB" sz="2400" u="sng" dirty="0"/>
           </a:p>
         </p:txBody>
       </p:sp>

--- a/it.unibo.issLabStart/userDocs/ISSM2020.pptx
+++ b/it.unibo.issLabStart/userDocs/ISSM2020.pptx
@@ -220,7 +220,7 @@
           <a:p>
             <a:fld id="{87B1E067-8CD6-47D2-8022-8E53E4BB7437}" type="datetimeFigureOut">
               <a:rPr lang="en-GB" smtClean="0"/>
-              <a:t>10/03/2020</a:t>
+              <a:t>11/03/2020</a:t>
             </a:fld>
             <a:endParaRPr lang="en-GB"/>
           </a:p>
@@ -386,7 +386,7 @@
           <a:p>
             <a:fld id="{71BD2418-2684-45EC-AEF4-BE55BBAB5B4F}" type="datetimeFigureOut">
               <a:rPr lang="en-GB" smtClean="0"/>
-              <a:t>10/03/2020</a:t>
+              <a:t>11/03/2020</a:t>
             </a:fld>
             <a:endParaRPr lang="en-GB"/>
           </a:p>
@@ -952,7 +952,7 @@
           <a:p>
             <a:fld id="{69EC26FC-4149-4381-B200-0ACC926D0C10}" type="datetime1">
               <a:rPr lang="en-GB" smtClean="0"/>
-              <a:t>10/03/2020</a:t>
+              <a:t>11/03/2020</a:t>
             </a:fld>
             <a:endParaRPr lang="en-GB"/>
           </a:p>
@@ -1309,7 +1309,7 @@
           <a:p>
             <a:fld id="{77675063-8333-41A8-A131-A42E0F0649C6}" type="datetime1">
               <a:rPr lang="en-GB" smtClean="0"/>
-              <a:t>10/03/2020</a:t>
+              <a:t>11/03/2020</a:t>
             </a:fld>
             <a:endParaRPr lang="en-GB"/>
           </a:p>
@@ -1488,7 +1488,7 @@
           <a:p>
             <a:fld id="{99167A15-39CA-42AA-A3F4-D4AAF34DD1E5}" type="datetime1">
               <a:rPr lang="en-GB" smtClean="0"/>
-              <a:t>10/03/2020</a:t>
+              <a:t>11/03/2020</a:t>
             </a:fld>
             <a:endParaRPr lang="en-GB"/>
           </a:p>
@@ -1605,7 +1605,7 @@
           <a:p>
             <a:fld id="{1A87AFF6-4C91-482D-BDF5-223514DB0B0D}" type="datetime1">
               <a:rPr lang="en-GB" smtClean="0"/>
-              <a:t>10/03/2020</a:t>
+              <a:t>11/03/2020</a:t>
             </a:fld>
             <a:endParaRPr lang="en-GB"/>
           </a:p>
@@ -1967,7 +1967,7 @@
           <a:p>
             <a:fld id="{A945ADE7-28FF-42C7-B167-7DC7A77ED2F3}" type="datetime1">
               <a:rPr lang="en-GB" smtClean="0"/>
-              <a:t>10/03/2020</a:t>
+              <a:t>11/03/2020</a:t>
             </a:fld>
             <a:endParaRPr lang="en-GB"/>
           </a:p>
@@ -2236,7 +2236,7 @@
           <a:p>
             <a:fld id="{092EA350-1E2E-41EE-BD8A-FB0D72F078C3}" type="datetime1">
               <a:rPr lang="en-GB" smtClean="0"/>
-              <a:t>10/03/2020</a:t>
+              <a:t>11/03/2020</a:t>
             </a:fld>
             <a:endParaRPr lang="en-GB"/>
           </a:p>
@@ -2602,7 +2602,7 @@
           <a:p>
             <a:fld id="{F8F1314B-6929-4AD1-B5B4-312DAFF8489C}" type="datetime1">
               <a:rPr lang="en-GB" smtClean="0"/>
-              <a:t>10/03/2020</a:t>
+              <a:t>11/03/2020</a:t>
             </a:fld>
             <a:endParaRPr lang="en-GB"/>
           </a:p>
@@ -2833,7 +2833,7 @@
           <a:p>
             <a:fld id="{CF5B218E-BA98-4F08-AFAD-55E0F9C51274}" type="datetime1">
               <a:rPr lang="en-GB" smtClean="0"/>
-              <a:t>10/03/2020</a:t>
+              <a:t>11/03/2020</a:t>
             </a:fld>
             <a:endParaRPr lang="en-GB"/>
           </a:p>
@@ -2927,7 +2927,7 @@
           <a:p>
             <a:fld id="{8AF6CE76-28A1-4CD7-9645-E1D020974391}" type="datetime1">
               <a:rPr lang="en-GB" smtClean="0"/>
-              <a:t>10/03/2020</a:t>
+              <a:t>11/03/2020</a:t>
             </a:fld>
             <a:endParaRPr lang="en-GB"/>
           </a:p>
@@ -3198,7 +3198,7 @@
           <a:p>
             <a:fld id="{BADBD3C4-D885-44D5-BC36-8CDC16C4E35A}" type="datetime1">
               <a:rPr lang="en-GB" smtClean="0"/>
-              <a:t>10/03/2020</a:t>
+              <a:t>11/03/2020</a:t>
             </a:fld>
             <a:endParaRPr lang="en-GB"/>
           </a:p>
@@ -3430,7 +3430,7 @@
           <a:p>
             <a:fld id="{D0C37988-22DC-4746-8A43-E6C6BF5D65EE}" type="datetime1">
               <a:rPr lang="en-GB" smtClean="0"/>
-              <a:t>10/03/2020</a:t>
+              <a:t>11/03/2020</a:t>
             </a:fld>
             <a:endParaRPr lang="en-GB"/>
           </a:p>
@@ -3933,7 +3933,7 @@
           <a:p>
             <a:fld id="{5A18A74E-3BE8-4B6E-81A4-95A392C53EA5}" type="datetime1">
               <a:rPr lang="en-GB" smtClean="0"/>
-              <a:t>10/03/2020</a:t>
+              <a:t>11/03/2020</a:t>
             </a:fld>
             <a:endParaRPr lang="en-GB"/>
           </a:p>
@@ -11437,7 +11437,7 @@
         </p:nvSpPr>
         <p:spPr>
           <a:xfrm>
-            <a:off x="3851920" y="764704"/>
+            <a:off x="1877218" y="821903"/>
             <a:ext cx="720080" cy="576064"/>
           </a:xfrm>
           <a:prstGeom prst="rect">
@@ -11480,7 +11480,7 @@
         </p:nvCxnSpPr>
         <p:spPr>
           <a:xfrm>
-            <a:off x="2339752" y="1039985"/>
+            <a:off x="365050" y="1097184"/>
             <a:ext cx="1520269" cy="0"/>
           </a:xfrm>
           <a:prstGeom prst="straightConnector1">
@@ -11513,7 +11513,7 @@
         </p:nvSpPr>
         <p:spPr>
           <a:xfrm>
-            <a:off x="2408574" y="533871"/>
+            <a:off x="433872" y="591070"/>
             <a:ext cx="1382623" cy="461665"/>
           </a:xfrm>
           <a:prstGeom prst="rect">
@@ -11543,7 +11543,7 @@
         </p:nvSpPr>
         <p:spPr>
           <a:xfrm>
-            <a:off x="4572000" y="821903"/>
+            <a:off x="2597298" y="879102"/>
             <a:ext cx="564578" cy="461665"/>
           </a:xfrm>
           <a:prstGeom prst="rect">
@@ -11577,7 +11577,7 @@
         </p:nvSpPr>
         <p:spPr>
           <a:xfrm>
-            <a:off x="3936326" y="2420888"/>
+            <a:off x="4615138" y="809152"/>
             <a:ext cx="720080" cy="576064"/>
           </a:xfrm>
           <a:prstGeom prst="rect">
@@ -11620,7 +11620,7 @@
         </p:nvCxnSpPr>
         <p:spPr>
           <a:xfrm>
-            <a:off x="3184292" y="2696169"/>
+            <a:off x="3863104" y="1084433"/>
             <a:ext cx="760135" cy="0"/>
           </a:xfrm>
           <a:prstGeom prst="straightConnector1">
@@ -11653,7 +11653,7 @@
         </p:nvSpPr>
         <p:spPr>
           <a:xfrm>
-            <a:off x="4615138" y="2478087"/>
+            <a:off x="5293950" y="866351"/>
             <a:ext cx="760144" cy="461665"/>
           </a:xfrm>
           <a:prstGeom prst="rect">
@@ -11668,10 +11668,312 @@
           <a:lstStyle/>
           <a:p>
             <a:r>
-              <a:rPr lang="it-IT" sz="2400" u="sng" dirty="0" smtClean="0"/>
+              <a:rPr lang="it-IT" sz="2400" dirty="0" smtClean="0"/>
               <a:t> Unit</a:t>
             </a:r>
-            <a:endParaRPr lang="en-GB" sz="2400" u="sng" dirty="0"/>
+            <a:endParaRPr lang="en-GB" sz="2400" dirty="0"/>
+          </a:p>
+        </p:txBody>
+      </p:sp>
+      <p:sp>
+        <p:nvSpPr>
+          <p:cNvPr id="11" name="Rettangolo 10"/>
+          <p:cNvSpPr/>
+          <p:nvPr/>
+        </p:nvSpPr>
+        <p:spPr>
+          <a:xfrm>
+            <a:off x="1877218" y="1988840"/>
+            <a:ext cx="720080" cy="576064"/>
+          </a:xfrm>
+          <a:prstGeom prst="rect">
+            <a:avLst/>
+          </a:prstGeom>
+          <a:solidFill>
+            <a:srgbClr val="FFFFCC"/>
+          </a:solidFill>
+        </p:spPr>
+        <p:style>
+          <a:lnRef idx="2">
+            <a:schemeClr val="accent1">
+              <a:shade val="50000"/>
+            </a:schemeClr>
+          </a:lnRef>
+          <a:fillRef idx="1">
+            <a:schemeClr val="accent1"/>
+          </a:fillRef>
+          <a:effectRef idx="0">
+            <a:schemeClr val="accent1"/>
+          </a:effectRef>
+          <a:fontRef idx="minor">
+            <a:schemeClr val="lt1"/>
+          </a:fontRef>
+        </p:style>
+        <p:txBody>
+          <a:bodyPr rtlCol="0" anchor="ctr"/>
+          <a:lstStyle/>
+          <a:p>
+            <a:pPr algn="ctr"/>
+            <a:endParaRPr lang="en-GB" u="sng"/>
+          </a:p>
+        </p:txBody>
+      </p:sp>
+      <p:cxnSp>
+        <p:nvCxnSpPr>
+          <p:cNvPr id="13" name="Connettore 2 12"/>
+          <p:cNvCxnSpPr/>
+          <p:nvPr/>
+        </p:nvCxnSpPr>
+        <p:spPr>
+          <a:xfrm>
+            <a:off x="1125184" y="2264121"/>
+            <a:ext cx="760135" cy="0"/>
+          </a:xfrm>
+          <a:prstGeom prst="straightConnector1">
+            <a:avLst/>
+          </a:prstGeom>
+          <a:ln>
+            <a:tailEnd type="arrow"/>
+          </a:ln>
+        </p:spPr>
+        <p:style>
+          <a:lnRef idx="1">
+            <a:schemeClr val="accent1"/>
+          </a:lnRef>
+          <a:fillRef idx="0">
+            <a:schemeClr val="accent1"/>
+          </a:fillRef>
+          <a:effectRef idx="0">
+            <a:schemeClr val="accent1"/>
+          </a:effectRef>
+          <a:fontRef idx="minor">
+            <a:schemeClr val="tx1"/>
+          </a:fontRef>
+        </p:style>
+      </p:cxnSp>
+      <p:sp>
+        <p:nvSpPr>
+          <p:cNvPr id="14" name="Rettangolo 13"/>
+          <p:cNvSpPr/>
+          <p:nvPr/>
+        </p:nvSpPr>
+        <p:spPr>
+          <a:xfrm>
+            <a:off x="1325231" y="1876905"/>
+            <a:ext cx="360040" cy="288032"/>
+          </a:xfrm>
+          <a:prstGeom prst="rect">
+            <a:avLst/>
+          </a:prstGeom>
+          <a:solidFill>
+            <a:srgbClr val="FFFFCC"/>
+          </a:solidFill>
+        </p:spPr>
+        <p:style>
+          <a:lnRef idx="2">
+            <a:schemeClr val="accent1">
+              <a:shade val="50000"/>
+            </a:schemeClr>
+          </a:lnRef>
+          <a:fillRef idx="1">
+            <a:schemeClr val="accent1"/>
+          </a:fillRef>
+          <a:effectRef idx="0">
+            <a:schemeClr val="accent1"/>
+          </a:effectRef>
+          <a:fontRef idx="minor">
+            <a:schemeClr val="lt1"/>
+          </a:fontRef>
+        </p:style>
+        <p:txBody>
+          <a:bodyPr rtlCol="0" anchor="ctr"/>
+          <a:lstStyle/>
+          <a:p>
+            <a:pPr algn="ctr"/>
+            <a:endParaRPr lang="en-GB" u="sng"/>
+          </a:p>
+        </p:txBody>
+      </p:sp>
+      <p:sp>
+        <p:nvSpPr>
+          <p:cNvPr id="15" name="CasellaDiTesto 14"/>
+          <p:cNvSpPr txBox="1"/>
+          <p:nvPr/>
+        </p:nvSpPr>
+        <p:spPr>
+          <a:xfrm>
+            <a:off x="2675070" y="2033288"/>
+            <a:ext cx="564578" cy="461665"/>
+          </a:xfrm>
+          <a:prstGeom prst="rect">
+            <a:avLst/>
+          </a:prstGeom>
+          <a:noFill/>
+        </p:spPr>
+        <p:txBody>
+          <a:bodyPr wrap="none" rtlCol="0">
+            <a:spAutoFit/>
+          </a:bodyPr>
+          <a:lstStyle/>
+          <a:p>
+            <a:r>
+              <a:rPr lang="it-IT" sz="2400" dirty="0" smtClean="0"/>
+              <a:t> </a:t>
+            </a:r>
+            <a:r>
+              <a:rPr lang="it-IT" sz="2400" dirty="0" err="1" smtClean="0"/>
+              <a:t>Int</a:t>
+            </a:r>
+            <a:endParaRPr lang="en-GB" sz="2400" dirty="0"/>
+          </a:p>
+        </p:txBody>
+      </p:sp>
+      <p:sp>
+        <p:nvSpPr>
+          <p:cNvPr id="16" name="Rettangolo 15"/>
+          <p:cNvSpPr/>
+          <p:nvPr/>
+        </p:nvSpPr>
+        <p:spPr>
+          <a:xfrm>
+            <a:off x="4573870" y="1976088"/>
+            <a:ext cx="720080" cy="576064"/>
+          </a:xfrm>
+          <a:prstGeom prst="rect">
+            <a:avLst/>
+          </a:prstGeom>
+          <a:solidFill>
+            <a:srgbClr val="FFFFCC"/>
+          </a:solidFill>
+        </p:spPr>
+        <p:style>
+          <a:lnRef idx="2">
+            <a:schemeClr val="accent1">
+              <a:shade val="50000"/>
+            </a:schemeClr>
+          </a:lnRef>
+          <a:fillRef idx="1">
+            <a:schemeClr val="accent1"/>
+          </a:fillRef>
+          <a:effectRef idx="0">
+            <a:schemeClr val="accent1"/>
+          </a:effectRef>
+          <a:fontRef idx="minor">
+            <a:schemeClr val="lt1"/>
+          </a:fontRef>
+        </p:style>
+        <p:txBody>
+          <a:bodyPr rtlCol="0" anchor="ctr"/>
+          <a:lstStyle/>
+          <a:p>
+            <a:pPr algn="ctr"/>
+            <a:endParaRPr lang="en-GB" u="sng"/>
+          </a:p>
+        </p:txBody>
+      </p:sp>
+      <p:cxnSp>
+        <p:nvCxnSpPr>
+          <p:cNvPr id="19" name="Connettore 2 18"/>
+          <p:cNvCxnSpPr/>
+          <p:nvPr/>
+        </p:nvCxnSpPr>
+        <p:spPr>
+          <a:xfrm>
+            <a:off x="3821836" y="2251369"/>
+            <a:ext cx="760135" cy="0"/>
+          </a:xfrm>
+          <a:prstGeom prst="straightConnector1">
+            <a:avLst/>
+          </a:prstGeom>
+          <a:ln>
+            <a:tailEnd type="arrow"/>
+          </a:ln>
+        </p:spPr>
+        <p:style>
+          <a:lnRef idx="1">
+            <a:schemeClr val="accent1"/>
+          </a:lnRef>
+          <a:fillRef idx="0">
+            <a:schemeClr val="accent1"/>
+          </a:fillRef>
+          <a:effectRef idx="0">
+            <a:schemeClr val="accent1"/>
+          </a:effectRef>
+          <a:fontRef idx="minor">
+            <a:schemeClr val="tx1"/>
+          </a:fontRef>
+        </p:style>
+      </p:cxnSp>
+      <p:sp>
+        <p:nvSpPr>
+          <p:cNvPr id="21" name="Rettangolo 20"/>
+          <p:cNvSpPr/>
+          <p:nvPr/>
+        </p:nvSpPr>
+        <p:spPr>
+          <a:xfrm>
+            <a:off x="5335218" y="2120105"/>
+            <a:ext cx="360040" cy="288032"/>
+          </a:xfrm>
+          <a:prstGeom prst="rect">
+            <a:avLst/>
+          </a:prstGeom>
+          <a:solidFill>
+            <a:srgbClr val="FFFFCC"/>
+          </a:solidFill>
+        </p:spPr>
+        <p:style>
+          <a:lnRef idx="2">
+            <a:schemeClr val="accent1">
+              <a:shade val="50000"/>
+            </a:schemeClr>
+          </a:lnRef>
+          <a:fillRef idx="1">
+            <a:schemeClr val="accent1"/>
+          </a:fillRef>
+          <a:effectRef idx="0">
+            <a:schemeClr val="accent1"/>
+          </a:effectRef>
+          <a:fontRef idx="minor">
+            <a:schemeClr val="lt1"/>
+          </a:fontRef>
+        </p:style>
+        <p:txBody>
+          <a:bodyPr rtlCol="0" anchor="ctr"/>
+          <a:lstStyle/>
+          <a:p>
+            <a:pPr algn="ctr"/>
+            <a:endParaRPr lang="en-GB" u="sng"/>
+          </a:p>
+        </p:txBody>
+      </p:sp>
+      <p:sp>
+        <p:nvSpPr>
+          <p:cNvPr id="27" name="CasellaDiTesto 26"/>
+          <p:cNvSpPr txBox="1"/>
+          <p:nvPr/>
+        </p:nvSpPr>
+        <p:spPr>
+          <a:xfrm>
+            <a:off x="3821836" y="1715852"/>
+            <a:ext cx="720069" cy="461665"/>
+          </a:xfrm>
+          <a:prstGeom prst="rect">
+            <a:avLst/>
+          </a:prstGeom>
+          <a:noFill/>
+        </p:spPr>
+        <p:txBody>
+          <a:bodyPr wrap="none" rtlCol="0">
+            <a:spAutoFit/>
+          </a:bodyPr>
+          <a:lstStyle/>
+          <a:p>
+            <a:r>
+              <a:rPr lang="it-IT" sz="2400" dirty="0" smtClean="0"/>
+              <a:t>k:Int</a:t>
+            </a:r>
+            <a:endParaRPr lang="en-GB" sz="2400" dirty="0"/>
           </a:p>
         </p:txBody>
       </p:sp>

--- a/it.unibo.issLabStart/userDocs/ISSM2020.pptx
+++ b/it.unibo.issLabStart/userDocs/ISSM2020.pptx
@@ -5,10 +5,10 @@
     <p:sldMasterId id="2147483804" r:id="rId1"/>
   </p:sldMasterIdLst>
   <p:notesMasterIdLst>
-    <p:notesMasterId r:id="rId28"/>
+    <p:notesMasterId r:id="rId29"/>
   </p:notesMasterIdLst>
   <p:handoutMasterIdLst>
-    <p:handoutMasterId r:id="rId29"/>
+    <p:handoutMasterId r:id="rId30"/>
   </p:handoutMasterIdLst>
   <p:sldIdLst>
     <p:sldId id="256" r:id="rId2"/>
@@ -36,7 +36,8 @@
     <p:sldId id="279" r:id="rId24"/>
     <p:sldId id="280" r:id="rId25"/>
     <p:sldId id="282" r:id="rId26"/>
-    <p:sldId id="281" r:id="rId27"/>
+    <p:sldId id="283" r:id="rId27"/>
+    <p:sldId id="281" r:id="rId28"/>
   </p:sldIdLst>
   <p:sldSz cx="9144000" cy="6858000" type="screen4x3"/>
   <p:notesSz cx="6858000" cy="9144000"/>
@@ -11967,13 +11968,20 @@
           <a:bodyPr wrap="none" rtlCol="0">
             <a:spAutoFit/>
           </a:bodyPr>
-          <a:lstStyle/>
-          <a:p>
-            <a:r>
-              <a:rPr lang="it-IT" sz="2400" dirty="0" smtClean="0"/>
+          <a:lstStyle>
+            <a:defPPr>
+              <a:defRPr lang="en-US"/>
+            </a:defPPr>
+            <a:lvl1pPr>
+              <a:defRPr sz="2400"/>
+            </a:lvl1pPr>
+          </a:lstStyle>
+          <a:p>
+            <a:r>
+              <a:rPr lang="it-IT" dirty="0"/>
               <a:t>k:Int</a:t>
             </a:r>
-            <a:endParaRPr lang="en-GB" sz="2400" dirty="0"/>
+            <a:endParaRPr lang="en-GB" dirty="0"/>
           </a:p>
         </p:txBody>
       </p:sp>
@@ -11991,6 +11999,713 @@
 </file>
 
 <file path=ppt/slides/slide26.xml><?xml version="1.0" encoding="utf-8"?>
+<p:sld xmlns:a="http://schemas.openxmlformats.org/drawingml/2006/main" xmlns:r="http://schemas.openxmlformats.org/officeDocument/2006/relationships" xmlns:p="http://schemas.openxmlformats.org/presentationml/2006/main">
+  <p:cSld>
+    <p:spTree>
+      <p:nvGrpSpPr>
+        <p:cNvPr id="1" name=""/>
+        <p:cNvGrpSpPr/>
+        <p:nvPr/>
+      </p:nvGrpSpPr>
+      <p:grpSpPr>
+        <a:xfrm>
+          <a:off x="0" y="0"/>
+          <a:ext cx="0" cy="0"/>
+          <a:chOff x="0" y="0"/>
+          <a:chExt cx="0" cy="0"/>
+        </a:xfrm>
+      </p:grpSpPr>
+      <p:sp>
+        <p:nvSpPr>
+          <p:cNvPr id="2" name="Segnaposto piè di pagina 1"/>
+          <p:cNvSpPr>
+            <a:spLocks noGrp="1"/>
+          </p:cNvSpPr>
+          <p:nvPr>
+            <p:ph type="ftr" sz="quarter" idx="11"/>
+          </p:nvPr>
+        </p:nvSpPr>
+        <p:spPr/>
+        <p:txBody>
+          <a:bodyPr/>
+          <a:lstStyle/>
+          <a:p>
+            <a:r>
+              <a:rPr lang="it-IT" smtClean="0"/>
+              <a:t>ANatali  - DISI - ISSM2020  Univeristy of Bologna</a:t>
+            </a:r>
+            <a:endParaRPr lang="en-GB"/>
+          </a:p>
+        </p:txBody>
+      </p:sp>
+      <p:sp>
+        <p:nvSpPr>
+          <p:cNvPr id="3" name="Segnaposto numero diapositiva 2"/>
+          <p:cNvSpPr>
+            <a:spLocks noGrp="1"/>
+          </p:cNvSpPr>
+          <p:nvPr>
+            <p:ph type="sldNum" sz="quarter" idx="12"/>
+          </p:nvPr>
+        </p:nvSpPr>
+        <p:spPr/>
+        <p:txBody>
+          <a:bodyPr/>
+          <a:lstStyle/>
+          <a:p>
+            <a:fld id="{6F6A5AB3-AF76-4EC9-853D-D4C335162C13}" type="slidenum">
+              <a:rPr lang="en-GB" smtClean="0"/>
+              <a:t>26</a:t>
+            </a:fld>
+            <a:endParaRPr lang="en-GB"/>
+          </a:p>
+        </p:txBody>
+      </p:sp>
+      <p:sp>
+        <p:nvSpPr>
+          <p:cNvPr id="4" name="Ovale 3"/>
+          <p:cNvSpPr/>
+          <p:nvPr/>
+        </p:nvSpPr>
+        <p:spPr>
+          <a:xfrm>
+            <a:off x="1043608" y="836712"/>
+            <a:ext cx="1656184" cy="1656184"/>
+          </a:xfrm>
+          <a:prstGeom prst="ellipse">
+            <a:avLst/>
+          </a:prstGeom>
+          <a:solidFill>
+            <a:srgbClr val="FFCCFF"/>
+          </a:solidFill>
+          <a:ln/>
+        </p:spPr>
+        <p:style>
+          <a:lnRef idx="1">
+            <a:schemeClr val="accent5"/>
+          </a:lnRef>
+          <a:fillRef idx="2">
+            <a:schemeClr val="accent5"/>
+          </a:fillRef>
+          <a:effectRef idx="1">
+            <a:schemeClr val="accent5"/>
+          </a:effectRef>
+          <a:fontRef idx="minor">
+            <a:schemeClr val="dk1"/>
+          </a:fontRef>
+        </p:style>
+        <p:txBody>
+          <a:bodyPr rtlCol="0" anchor="ctr"/>
+          <a:lstStyle/>
+          <a:p>
+            <a:pPr algn="ctr"/>
+            <a:r>
+              <a:rPr lang="en-GB" sz="1200" dirty="0" smtClean="0"/>
+              <a:t> </a:t>
+            </a:r>
+            <a:endParaRPr lang="en-GB" sz="1200" dirty="0"/>
+          </a:p>
+        </p:txBody>
+      </p:sp>
+      <p:sp>
+        <p:nvSpPr>
+          <p:cNvPr id="5" name="Ovale 4"/>
+          <p:cNvSpPr/>
+          <p:nvPr/>
+        </p:nvSpPr>
+        <p:spPr>
+          <a:xfrm>
+            <a:off x="3347864" y="2250353"/>
+            <a:ext cx="3240360" cy="2808312"/>
+          </a:xfrm>
+          <a:prstGeom prst="ellipse">
+            <a:avLst/>
+          </a:prstGeom>
+          <a:solidFill>
+            <a:srgbClr val="FFCCFF"/>
+          </a:solidFill>
+          <a:ln/>
+        </p:spPr>
+        <p:style>
+          <a:lnRef idx="1">
+            <a:schemeClr val="accent5"/>
+          </a:lnRef>
+          <a:fillRef idx="2">
+            <a:schemeClr val="accent5"/>
+          </a:fillRef>
+          <a:effectRef idx="1">
+            <a:schemeClr val="accent5"/>
+          </a:effectRef>
+          <a:fontRef idx="minor">
+            <a:schemeClr val="dk1"/>
+          </a:fontRef>
+        </p:style>
+        <p:txBody>
+          <a:bodyPr rtlCol="0" anchor="ctr"/>
+          <a:lstStyle/>
+          <a:p>
+            <a:pPr algn="ctr"/>
+            <a:r>
+              <a:rPr lang="en-GB" sz="1200" dirty="0" smtClean="0"/>
+              <a:t> </a:t>
+            </a:r>
+            <a:endParaRPr lang="en-GB" sz="1200" dirty="0"/>
+          </a:p>
+        </p:txBody>
+      </p:sp>
+      <p:cxnSp>
+        <p:nvCxnSpPr>
+          <p:cNvPr id="7" name="Connettore 2 6"/>
+          <p:cNvCxnSpPr>
+            <a:stCxn id="4" idx="5"/>
+            <a:endCxn id="5" idx="1"/>
+          </p:cNvCxnSpPr>
+          <p:nvPr/>
+        </p:nvCxnSpPr>
+        <p:spPr>
+          <a:xfrm>
+            <a:off x="2457249" y="2250353"/>
+            <a:ext cx="1365155" cy="411268"/>
+          </a:xfrm>
+          <a:prstGeom prst="straightConnector1">
+            <a:avLst/>
+          </a:prstGeom>
+          <a:ln>
+            <a:tailEnd type="arrow"/>
+          </a:ln>
+        </p:spPr>
+        <p:style>
+          <a:lnRef idx="1">
+            <a:schemeClr val="accent1"/>
+          </a:lnRef>
+          <a:fillRef idx="0">
+            <a:schemeClr val="accent1"/>
+          </a:fillRef>
+          <a:effectRef idx="0">
+            <a:schemeClr val="accent1"/>
+          </a:effectRef>
+          <a:fontRef idx="minor">
+            <a:schemeClr val="tx1"/>
+          </a:fontRef>
+        </p:style>
+      </p:cxnSp>
+      <p:sp>
+        <p:nvSpPr>
+          <p:cNvPr id="11" name="Ovale 10"/>
+          <p:cNvSpPr/>
+          <p:nvPr/>
+        </p:nvSpPr>
+        <p:spPr>
+          <a:xfrm>
+            <a:off x="5411180" y="806018"/>
+            <a:ext cx="749721" cy="720080"/>
+          </a:xfrm>
+          <a:prstGeom prst="ellipse">
+            <a:avLst/>
+          </a:prstGeom>
+          <a:ln/>
+        </p:spPr>
+        <p:style>
+          <a:lnRef idx="1">
+            <a:schemeClr val="accent5"/>
+          </a:lnRef>
+          <a:fillRef idx="2">
+            <a:schemeClr val="accent5"/>
+          </a:fillRef>
+          <a:effectRef idx="1">
+            <a:schemeClr val="accent5"/>
+          </a:effectRef>
+          <a:fontRef idx="minor">
+            <a:schemeClr val="dk1"/>
+          </a:fontRef>
+        </p:style>
+        <p:txBody>
+          <a:bodyPr rtlCol="0" anchor="ctr"/>
+          <a:lstStyle/>
+          <a:p>
+            <a:pPr algn="ctr"/>
+            <a:r>
+              <a:rPr lang="en-GB" sz="1200" dirty="0" smtClean="0"/>
+              <a:t> </a:t>
+            </a:r>
+            <a:endParaRPr lang="en-GB" sz="1200" dirty="0"/>
+          </a:p>
+        </p:txBody>
+      </p:sp>
+      <p:sp>
+        <p:nvSpPr>
+          <p:cNvPr id="12" name="Ovale 11"/>
+          <p:cNvSpPr/>
+          <p:nvPr/>
+        </p:nvSpPr>
+        <p:spPr>
+          <a:xfrm>
+            <a:off x="6653531" y="1699777"/>
+            <a:ext cx="749721" cy="720080"/>
+          </a:xfrm>
+          <a:prstGeom prst="ellipse">
+            <a:avLst/>
+          </a:prstGeom>
+          <a:ln/>
+        </p:spPr>
+        <p:style>
+          <a:lnRef idx="1">
+            <a:schemeClr val="accent5"/>
+          </a:lnRef>
+          <a:fillRef idx="2">
+            <a:schemeClr val="accent5"/>
+          </a:fillRef>
+          <a:effectRef idx="1">
+            <a:schemeClr val="accent5"/>
+          </a:effectRef>
+          <a:fontRef idx="minor">
+            <a:schemeClr val="dk1"/>
+          </a:fontRef>
+        </p:style>
+        <p:txBody>
+          <a:bodyPr rtlCol="0" anchor="ctr"/>
+          <a:lstStyle/>
+          <a:p>
+            <a:pPr algn="ctr"/>
+            <a:r>
+              <a:rPr lang="en-GB" sz="1200" dirty="0" smtClean="0"/>
+              <a:t> </a:t>
+            </a:r>
+            <a:endParaRPr lang="en-GB" sz="1200" dirty="0"/>
+          </a:p>
+        </p:txBody>
+      </p:sp>
+      <p:cxnSp>
+        <p:nvCxnSpPr>
+          <p:cNvPr id="14" name="Connettore 2 13"/>
+          <p:cNvCxnSpPr>
+            <a:stCxn id="11" idx="5"/>
+            <a:endCxn id="12" idx="1"/>
+          </p:cNvCxnSpPr>
+          <p:nvPr/>
+        </p:nvCxnSpPr>
+        <p:spPr>
+          <a:xfrm>
+            <a:off x="6051107" y="1420645"/>
+            <a:ext cx="712218" cy="384585"/>
+          </a:xfrm>
+          <a:prstGeom prst="straightConnector1">
+            <a:avLst/>
+          </a:prstGeom>
+          <a:ln>
+            <a:tailEnd type="arrow"/>
+          </a:ln>
+        </p:spPr>
+        <p:style>
+          <a:lnRef idx="1">
+            <a:schemeClr val="accent1"/>
+          </a:lnRef>
+          <a:fillRef idx="0">
+            <a:schemeClr val="accent1"/>
+          </a:fillRef>
+          <a:effectRef idx="0">
+            <a:schemeClr val="accent1"/>
+          </a:effectRef>
+          <a:fontRef idx="minor">
+            <a:schemeClr val="tx1"/>
+          </a:fontRef>
+        </p:style>
+      </p:cxnSp>
+      <p:grpSp>
+        <p:nvGrpSpPr>
+          <p:cNvPr id="16" name="Gruppo 15"/>
+          <p:cNvGrpSpPr/>
+          <p:nvPr/>
+        </p:nvGrpSpPr>
+        <p:grpSpPr>
+          <a:xfrm>
+            <a:off x="4034872" y="2681623"/>
+            <a:ext cx="866156" cy="763297"/>
+            <a:chOff x="1194666" y="2417771"/>
+            <a:chExt cx="866156" cy="763297"/>
+          </a:xfrm>
+        </p:grpSpPr>
+        <p:sp>
+          <p:nvSpPr>
+            <p:cNvPr id="17" name="Ovale 16"/>
+            <p:cNvSpPr/>
+            <p:nvPr/>
+          </p:nvSpPr>
+          <p:spPr>
+            <a:xfrm>
+              <a:off x="1311101" y="2460988"/>
+              <a:ext cx="749721" cy="720080"/>
+            </a:xfrm>
+            <a:prstGeom prst="ellipse">
+              <a:avLst/>
+            </a:prstGeom>
+            <a:solidFill>
+              <a:srgbClr val="FFCCFF"/>
+            </a:solidFill>
+            <a:ln/>
+          </p:spPr>
+          <p:style>
+            <a:lnRef idx="1">
+              <a:schemeClr val="accent5"/>
+            </a:lnRef>
+            <a:fillRef idx="2">
+              <a:schemeClr val="accent5"/>
+            </a:fillRef>
+            <a:effectRef idx="1">
+              <a:schemeClr val="accent5"/>
+            </a:effectRef>
+            <a:fontRef idx="minor">
+              <a:schemeClr val="dk1"/>
+            </a:fontRef>
+          </p:style>
+          <p:txBody>
+            <a:bodyPr rtlCol="0" anchor="ctr"/>
+            <a:lstStyle/>
+            <a:p>
+              <a:pPr algn="ctr"/>
+              <a:r>
+                <a:rPr lang="en-GB" sz="1200" dirty="0" smtClean="0"/>
+                <a:t> </a:t>
+              </a:r>
+              <a:endParaRPr lang="en-GB" sz="1200" dirty="0"/>
+            </a:p>
+          </p:txBody>
+        </p:sp>
+        <p:sp>
+          <p:nvSpPr>
+            <p:cNvPr id="18" name="Rettangolo 17"/>
+            <p:cNvSpPr/>
+            <p:nvPr/>
+          </p:nvSpPr>
+          <p:spPr>
+            <a:xfrm>
+              <a:off x="1194666" y="2699711"/>
+              <a:ext cx="281433" cy="211952"/>
+            </a:xfrm>
+            <a:prstGeom prst="rect">
+              <a:avLst/>
+            </a:prstGeom>
+            <a:solidFill>
+              <a:srgbClr val="FFCCFF"/>
+            </a:solidFill>
+            <a:ln/>
+          </p:spPr>
+          <p:style>
+            <a:lnRef idx="1">
+              <a:schemeClr val="accent5"/>
+            </a:lnRef>
+            <a:fillRef idx="2">
+              <a:schemeClr val="accent5"/>
+            </a:fillRef>
+            <a:effectRef idx="1">
+              <a:schemeClr val="accent5"/>
+            </a:effectRef>
+            <a:fontRef idx="minor">
+              <a:schemeClr val="dk1"/>
+            </a:fontRef>
+          </p:style>
+          <p:txBody>
+            <a:bodyPr rtlCol="0" anchor="ctr"/>
+            <a:lstStyle/>
+            <a:p>
+              <a:pPr algn="ctr"/>
+              <a:endParaRPr lang="en-GB" sz="1200"/>
+            </a:p>
+          </p:txBody>
+        </p:sp>
+        <p:sp>
+          <p:nvSpPr>
+            <p:cNvPr id="19" name="Triangolo isoscele 18"/>
+            <p:cNvSpPr/>
+            <p:nvPr/>
+          </p:nvSpPr>
+          <p:spPr>
+            <a:xfrm rot="16200000">
+              <a:off x="1618539" y="2391356"/>
+              <a:ext cx="86434" cy="139263"/>
+            </a:xfrm>
+            <a:prstGeom prst="triangle">
+              <a:avLst/>
+            </a:prstGeom>
+            <a:solidFill>
+              <a:srgbClr val="FF0000"/>
+            </a:solidFill>
+            <a:ln/>
+          </p:spPr>
+          <p:style>
+            <a:lnRef idx="1">
+              <a:schemeClr val="accent5"/>
+            </a:lnRef>
+            <a:fillRef idx="2">
+              <a:schemeClr val="accent5"/>
+            </a:fillRef>
+            <a:effectRef idx="1">
+              <a:schemeClr val="accent5"/>
+            </a:effectRef>
+            <a:fontRef idx="minor">
+              <a:schemeClr val="dk1"/>
+            </a:fontRef>
+          </p:style>
+          <p:txBody>
+            <a:bodyPr rtlCol="0" anchor="ctr"/>
+            <a:lstStyle/>
+            <a:p>
+              <a:pPr algn="ctr"/>
+              <a:endParaRPr lang="en-GB" sz="1200">
+                <a:solidFill>
+                  <a:schemeClr val="dk1"/>
+                </a:solidFill>
+              </a:endParaRPr>
+            </a:p>
+          </p:txBody>
+        </p:sp>
+      </p:grpSp>
+      <p:grpSp>
+        <p:nvGrpSpPr>
+          <p:cNvPr id="20" name="Gruppo 19"/>
+          <p:cNvGrpSpPr/>
+          <p:nvPr/>
+        </p:nvGrpSpPr>
+        <p:grpSpPr>
+          <a:xfrm>
+            <a:off x="5053428" y="3654509"/>
+            <a:ext cx="866156" cy="763297"/>
+            <a:chOff x="1194666" y="2417771"/>
+            <a:chExt cx="866156" cy="763297"/>
+          </a:xfrm>
+        </p:grpSpPr>
+        <p:sp>
+          <p:nvSpPr>
+            <p:cNvPr id="21" name="Ovale 20"/>
+            <p:cNvSpPr/>
+            <p:nvPr/>
+          </p:nvSpPr>
+          <p:spPr>
+            <a:xfrm>
+              <a:off x="1311101" y="2460988"/>
+              <a:ext cx="749721" cy="720080"/>
+            </a:xfrm>
+            <a:prstGeom prst="ellipse">
+              <a:avLst/>
+            </a:prstGeom>
+            <a:solidFill>
+              <a:srgbClr val="FFCCFF"/>
+            </a:solidFill>
+            <a:ln/>
+          </p:spPr>
+          <p:style>
+            <a:lnRef idx="1">
+              <a:schemeClr val="accent5"/>
+            </a:lnRef>
+            <a:fillRef idx="2">
+              <a:schemeClr val="accent5"/>
+            </a:fillRef>
+            <a:effectRef idx="1">
+              <a:schemeClr val="accent5"/>
+            </a:effectRef>
+            <a:fontRef idx="minor">
+              <a:schemeClr val="dk1"/>
+            </a:fontRef>
+          </p:style>
+          <p:txBody>
+            <a:bodyPr rtlCol="0" anchor="ctr"/>
+            <a:lstStyle/>
+            <a:p>
+              <a:pPr algn="ctr"/>
+              <a:r>
+                <a:rPr lang="en-GB" sz="1200" dirty="0" smtClean="0"/>
+                <a:t> </a:t>
+              </a:r>
+              <a:endParaRPr lang="en-GB" sz="1200" dirty="0"/>
+            </a:p>
+          </p:txBody>
+        </p:sp>
+        <p:sp>
+          <p:nvSpPr>
+            <p:cNvPr id="22" name="Rettangolo 21"/>
+            <p:cNvSpPr/>
+            <p:nvPr/>
+          </p:nvSpPr>
+          <p:spPr>
+            <a:xfrm>
+              <a:off x="1194666" y="2699711"/>
+              <a:ext cx="281433" cy="211952"/>
+            </a:xfrm>
+            <a:prstGeom prst="rect">
+              <a:avLst/>
+            </a:prstGeom>
+            <a:solidFill>
+              <a:srgbClr val="FFCCFF"/>
+            </a:solidFill>
+            <a:ln/>
+          </p:spPr>
+          <p:style>
+            <a:lnRef idx="1">
+              <a:schemeClr val="accent5"/>
+            </a:lnRef>
+            <a:fillRef idx="2">
+              <a:schemeClr val="accent5"/>
+            </a:fillRef>
+            <a:effectRef idx="1">
+              <a:schemeClr val="accent5"/>
+            </a:effectRef>
+            <a:fontRef idx="minor">
+              <a:schemeClr val="dk1"/>
+            </a:fontRef>
+          </p:style>
+          <p:txBody>
+            <a:bodyPr rtlCol="0" anchor="ctr"/>
+            <a:lstStyle/>
+            <a:p>
+              <a:pPr algn="ctr"/>
+              <a:endParaRPr lang="en-GB" sz="1200"/>
+            </a:p>
+          </p:txBody>
+        </p:sp>
+        <p:sp>
+          <p:nvSpPr>
+            <p:cNvPr id="23" name="Triangolo isoscele 22"/>
+            <p:cNvSpPr/>
+            <p:nvPr/>
+          </p:nvSpPr>
+          <p:spPr>
+            <a:xfrm rot="16200000">
+              <a:off x="1618539" y="2391356"/>
+              <a:ext cx="86434" cy="139263"/>
+            </a:xfrm>
+            <a:prstGeom prst="triangle">
+              <a:avLst/>
+            </a:prstGeom>
+            <a:solidFill>
+              <a:srgbClr val="FF0000"/>
+            </a:solidFill>
+            <a:ln/>
+          </p:spPr>
+          <p:style>
+            <a:lnRef idx="1">
+              <a:schemeClr val="accent5"/>
+            </a:lnRef>
+            <a:fillRef idx="2">
+              <a:schemeClr val="accent5"/>
+            </a:fillRef>
+            <a:effectRef idx="1">
+              <a:schemeClr val="accent5"/>
+            </a:effectRef>
+            <a:fontRef idx="minor">
+              <a:schemeClr val="dk1"/>
+            </a:fontRef>
+          </p:style>
+          <p:txBody>
+            <a:bodyPr rtlCol="0" anchor="ctr"/>
+            <a:lstStyle/>
+            <a:p>
+              <a:pPr algn="ctr"/>
+              <a:endParaRPr lang="en-GB" sz="1200">
+                <a:solidFill>
+                  <a:schemeClr val="dk1"/>
+                </a:solidFill>
+              </a:endParaRPr>
+            </a:p>
+          </p:txBody>
+        </p:sp>
+      </p:grpSp>
+      <p:sp>
+        <p:nvSpPr>
+          <p:cNvPr id="24" name="Figura a mano libera 23"/>
+          <p:cNvSpPr/>
+          <p:nvPr/>
+        </p:nvSpPr>
+        <p:spPr>
+          <a:xfrm>
+            <a:off x="4023360" y="3094892"/>
+            <a:ext cx="1885071" cy="1153551"/>
+          </a:xfrm>
+          <a:custGeom>
+            <a:avLst/>
+            <a:gdLst>
+              <a:gd name="connsiteX0" fmla="*/ 0 w 1885071"/>
+              <a:gd name="connsiteY0" fmla="*/ 1153551 h 1153551"/>
+              <a:gd name="connsiteX1" fmla="*/ 1800665 w 1885071"/>
+              <a:gd name="connsiteY1" fmla="*/ 56271 h 1153551"/>
+              <a:gd name="connsiteX2" fmla="*/ 1800665 w 1885071"/>
+              <a:gd name="connsiteY2" fmla="*/ 56271 h 1153551"/>
+              <a:gd name="connsiteX3" fmla="*/ 1885071 w 1885071"/>
+              <a:gd name="connsiteY3" fmla="*/ 0 h 1153551"/>
+            </a:gdLst>
+            <a:ahLst/>
+            <a:cxnLst>
+              <a:cxn ang="0">
+                <a:pos x="connsiteX0" y="connsiteY0"/>
+              </a:cxn>
+              <a:cxn ang="0">
+                <a:pos x="connsiteX1" y="connsiteY1"/>
+              </a:cxn>
+              <a:cxn ang="0">
+                <a:pos x="connsiteX2" y="connsiteY2"/>
+              </a:cxn>
+              <a:cxn ang="0">
+                <a:pos x="connsiteX3" y="connsiteY3"/>
+              </a:cxn>
+            </a:cxnLst>
+            <a:rect l="l" t="t" r="r" b="b"/>
+            <a:pathLst>
+              <a:path w="1885071" h="1153551">
+                <a:moveTo>
+                  <a:pt x="0" y="1153551"/>
+                </a:moveTo>
+                <a:lnTo>
+                  <a:pt x="1800665" y="56271"/>
+                </a:lnTo>
+                <a:lnTo>
+                  <a:pt x="1800665" y="56271"/>
+                </a:lnTo>
+                <a:lnTo>
+                  <a:pt x="1885071" y="0"/>
+                </a:lnTo>
+              </a:path>
+            </a:pathLst>
+          </a:custGeom>
+          <a:noFill/>
+        </p:spPr>
+        <p:style>
+          <a:lnRef idx="2">
+            <a:schemeClr val="accent1">
+              <a:shade val="50000"/>
+            </a:schemeClr>
+          </a:lnRef>
+          <a:fillRef idx="1">
+            <a:schemeClr val="accent1"/>
+          </a:fillRef>
+          <a:effectRef idx="0">
+            <a:schemeClr val="accent1"/>
+          </a:effectRef>
+          <a:fontRef idx="minor">
+            <a:schemeClr val="lt1"/>
+          </a:fontRef>
+        </p:style>
+        <p:txBody>
+          <a:bodyPr rtlCol="0" anchor="ctr"/>
+          <a:lstStyle/>
+          <a:p>
+            <a:pPr algn="ctr"/>
+            <a:endParaRPr lang="en-GB"/>
+          </a:p>
+        </p:txBody>
+      </p:sp>
+    </p:spTree>
+    <p:extLst>
+      <p:ext uri="{BB962C8B-B14F-4D97-AF65-F5344CB8AC3E}">
+        <p14:creationId xmlns:p14="http://schemas.microsoft.com/office/powerpoint/2010/main" val="1099811"/>
+      </p:ext>
+    </p:extLst>
+  </p:cSld>
+  <p:clrMapOvr>
+    <a:masterClrMapping/>
+  </p:clrMapOvr>
+</p:sld>
+</file>
+
+<file path=ppt/slides/slide27.xml><?xml version="1.0" encoding="utf-8"?>
 <p:sld xmlns:a="http://schemas.openxmlformats.org/drawingml/2006/main" xmlns:r="http://schemas.openxmlformats.org/officeDocument/2006/relationships" xmlns:p="http://schemas.openxmlformats.org/presentationml/2006/main">
   <p:cSld>
     <p:spTree>
@@ -12205,7 +12920,7 @@
           <a:p>
             <a:fld id="{6F6A5AB3-AF76-4EC9-853D-D4C335162C13}" type="slidenum">
               <a:rPr lang="en-GB" smtClean="0"/>
-              <a:t>26</a:t>
+              <a:t>27</a:t>
             </a:fld>
             <a:endParaRPr lang="en-GB"/>
           </a:p>

--- a/it.unibo.issLabStart/userDocs/ISSM2020.pptx
+++ b/it.unibo.issLabStart/userDocs/ISSM2020.pptx
@@ -136,6 +136,22 @@
       </a:defRPr>
     </a:lvl9pPr>
   </p:defaultTextStyle>
+  <p:extLst>
+    <p:ext uri="{EFAFB233-063F-42B5-8137-9DF3F51BA10A}">
+      <p15:sldGuideLst xmlns:p15="http://schemas.microsoft.com/office/powerpoint/2012/main">
+        <p15:guide id="1" orient="horz" pos="2160">
+          <p15:clr>
+            <a:srgbClr val="A4A3A4"/>
+          </p15:clr>
+        </p15:guide>
+        <p15:guide id="2" pos="2880">
+          <p15:clr>
+            <a:srgbClr val="A4A3A4"/>
+          </p15:clr>
+        </p15:guide>
+      </p15:sldGuideLst>
+    </p:ext>
+  </p:extLst>
 </p:presentation>
 </file>
 
@@ -221,7 +237,7 @@
           <a:p>
             <a:fld id="{87B1E067-8CD6-47D2-8022-8E53E4BB7437}" type="datetimeFigureOut">
               <a:rPr lang="en-GB" smtClean="0"/>
-              <a:t>11/03/2020</a:t>
+              <a:t>13/03/2020</a:t>
             </a:fld>
             <a:endParaRPr lang="en-GB"/>
           </a:p>
@@ -287,7 +303,7 @@
           <a:p>
             <a:fld id="{661B1FA1-FFFF-470E-82D0-53E008B5CA59}" type="slidenum">
               <a:rPr lang="en-GB" smtClean="0"/>
-              <a:t>‹N›</a:t>
+              <a:t>‹#›</a:t>
             </a:fld>
             <a:endParaRPr lang="en-GB"/>
           </a:p>
@@ -387,7 +403,7 @@
           <a:p>
             <a:fld id="{71BD2418-2684-45EC-AEF4-BE55BBAB5B4F}" type="datetimeFigureOut">
               <a:rPr lang="en-GB" smtClean="0"/>
-              <a:t>11/03/2020</a:t>
+              <a:t>13/03/2020</a:t>
             </a:fld>
             <a:endParaRPr lang="en-GB"/>
           </a:p>
@@ -451,35 +467,35 @@
           <a:p>
             <a:pPr lvl="0"/>
             <a:r>
-              <a:rPr lang="it-IT" smtClean="0"/>
+              <a:rPr lang="it-IT"/>
               <a:t>Fare clic per modificare stili del testo dello schema</a:t>
             </a:r>
           </a:p>
           <a:p>
             <a:pPr lvl="1"/>
             <a:r>
-              <a:rPr lang="it-IT" smtClean="0"/>
+              <a:rPr lang="it-IT"/>
               <a:t>Secondo livello</a:t>
             </a:r>
           </a:p>
           <a:p>
             <a:pPr lvl="2"/>
             <a:r>
-              <a:rPr lang="it-IT" smtClean="0"/>
+              <a:rPr lang="it-IT"/>
               <a:t>Terzo livello</a:t>
             </a:r>
           </a:p>
           <a:p>
             <a:pPr lvl="3"/>
             <a:r>
-              <a:rPr lang="it-IT" smtClean="0"/>
+              <a:rPr lang="it-IT"/>
               <a:t>Quarto livello</a:t>
             </a:r>
           </a:p>
           <a:p>
             <a:pPr lvl="4"/>
             <a:r>
-              <a:rPr lang="it-IT" smtClean="0"/>
+              <a:rPr lang="it-IT"/>
               <a:t>Quinto livello</a:t>
             </a:r>
             <a:endParaRPr lang="en-GB"/>
@@ -546,7 +562,7 @@
           <a:p>
             <a:fld id="{5D547B64-7F69-451B-8351-3B4EE3E72C48}" type="slidenum">
               <a:rPr lang="en-GB" smtClean="0"/>
-              <a:t>‹N›</a:t>
+              <a:t>‹#›</a:t>
             </a:fld>
             <a:endParaRPr lang="en-GB"/>
           </a:p>
@@ -929,7 +945,7 @@
           </a:lstStyle>
           <a:p>
             <a:r>
-              <a:rPr kumimoji="0" lang="it-IT" smtClean="0"/>
+              <a:rPr kumimoji="0" lang="it-IT"/>
               <a:t>Fare clic per modificare lo stile del sottotitolo dello schema</a:t>
             </a:r>
             <a:endParaRPr kumimoji="0" lang="en-US"/>
@@ -953,7 +969,7 @@
           <a:p>
             <a:fld id="{69EC26FC-4149-4381-B200-0ACC926D0C10}" type="datetime1">
               <a:rPr lang="en-GB" smtClean="0"/>
-              <a:t>11/03/2020</a:t>
+              <a:t>13/03/2020</a:t>
             </a:fld>
             <a:endParaRPr lang="en-GB"/>
           </a:p>
@@ -975,7 +991,7 @@
           <a:lstStyle/>
           <a:p>
             <a:r>
-              <a:rPr lang="it-IT" smtClean="0"/>
+              <a:rPr lang="it-IT"/>
               <a:t>ANatali  - DISI - ISSM2020  Univeristy of Bologna</a:t>
             </a:r>
             <a:endParaRPr lang="en-GB"/>
@@ -1009,7 +1025,7 @@
           <a:p>
             <a:fld id="{6F6A5AB3-AF76-4EC9-853D-D4C335162C13}" type="slidenum">
               <a:rPr lang="en-GB" smtClean="0"/>
-              <a:t>‹N›</a:t>
+              <a:t>‹#›</a:t>
             </a:fld>
             <a:endParaRPr lang="en-GB"/>
           </a:p>
@@ -1186,7 +1202,7 @@
           </a:lstStyle>
           <a:p>
             <a:r>
-              <a:rPr kumimoji="0" lang="it-IT" smtClean="0"/>
+              <a:rPr kumimoji="0" lang="it-IT"/>
               <a:t>Fare clic per modificare lo stile del titolo</a:t>
             </a:r>
             <a:endParaRPr kumimoji="0" lang="en-US"/>
@@ -1234,7 +1250,7 @@
           <a:lstStyle/>
           <a:p>
             <a:r>
-              <a:rPr kumimoji="0" lang="it-IT" smtClean="0"/>
+              <a:rPr kumimoji="0" lang="it-IT"/>
               <a:t>Fare clic per modificare lo stile del titolo</a:t>
             </a:r>
             <a:endParaRPr kumimoji="0" lang="en-US"/>
@@ -1258,35 +1274,35 @@
           <a:p>
             <a:pPr lvl="0" eaLnBrk="1" latinLnBrk="0" hangingPunct="1"/>
             <a:r>
-              <a:rPr lang="it-IT" smtClean="0"/>
+              <a:rPr lang="it-IT"/>
               <a:t>Fare clic per modificare stili del testo dello schema</a:t>
             </a:r>
           </a:p>
           <a:p>
             <a:pPr lvl="1" eaLnBrk="1" latinLnBrk="0" hangingPunct="1"/>
             <a:r>
-              <a:rPr lang="it-IT" smtClean="0"/>
+              <a:rPr lang="it-IT"/>
               <a:t>Secondo livello</a:t>
             </a:r>
           </a:p>
           <a:p>
             <a:pPr lvl="2" eaLnBrk="1" latinLnBrk="0" hangingPunct="1"/>
             <a:r>
-              <a:rPr lang="it-IT" smtClean="0"/>
+              <a:rPr lang="it-IT"/>
               <a:t>Terzo livello</a:t>
             </a:r>
           </a:p>
           <a:p>
             <a:pPr lvl="3" eaLnBrk="1" latinLnBrk="0" hangingPunct="1"/>
             <a:r>
-              <a:rPr lang="it-IT" smtClean="0"/>
+              <a:rPr lang="it-IT"/>
               <a:t>Quarto livello</a:t>
             </a:r>
           </a:p>
           <a:p>
             <a:pPr lvl="4" eaLnBrk="1" latinLnBrk="0" hangingPunct="1"/>
             <a:r>
-              <a:rPr lang="it-IT" smtClean="0"/>
+              <a:rPr lang="it-IT"/>
               <a:t>Quinto livello</a:t>
             </a:r>
             <a:endParaRPr kumimoji="0" lang="en-US"/>
@@ -1310,7 +1326,7 @@
           <a:p>
             <a:fld id="{77675063-8333-41A8-A131-A42E0F0649C6}" type="datetime1">
               <a:rPr lang="en-GB" smtClean="0"/>
-              <a:t>11/03/2020</a:t>
+              <a:t>13/03/2020</a:t>
             </a:fld>
             <a:endParaRPr lang="en-GB"/>
           </a:p>
@@ -1332,7 +1348,7 @@
           <a:lstStyle/>
           <a:p>
             <a:r>
-              <a:rPr lang="it-IT" smtClean="0"/>
+              <a:rPr lang="it-IT"/>
               <a:t>ANatali  - DISI - ISSM2020  Univeristy of Bologna</a:t>
             </a:r>
             <a:endParaRPr lang="en-GB"/>
@@ -1356,7 +1372,7 @@
           <a:p>
             <a:fld id="{6F6A5AB3-AF76-4EC9-853D-D4C335162C13}" type="slidenum">
               <a:rPr lang="en-GB" smtClean="0"/>
-              <a:t>‹N›</a:t>
+              <a:t>‹#›</a:t>
             </a:fld>
             <a:endParaRPr lang="en-GB"/>
           </a:p>
@@ -1408,7 +1424,7 @@
           <a:lstStyle/>
           <a:p>
             <a:r>
-              <a:rPr kumimoji="0" lang="it-IT" smtClean="0"/>
+              <a:rPr kumimoji="0" lang="it-IT"/>
               <a:t>Fare clic per modificare lo stile del titolo</a:t>
             </a:r>
             <a:endParaRPr kumimoji="0" lang="en-US"/>
@@ -1437,35 +1453,35 @@
           <a:p>
             <a:pPr lvl="0" eaLnBrk="1" latinLnBrk="0" hangingPunct="1"/>
             <a:r>
-              <a:rPr lang="it-IT" smtClean="0"/>
+              <a:rPr lang="it-IT"/>
               <a:t>Fare clic per modificare stili del testo dello schema</a:t>
             </a:r>
           </a:p>
           <a:p>
             <a:pPr lvl="1" eaLnBrk="1" latinLnBrk="0" hangingPunct="1"/>
             <a:r>
-              <a:rPr lang="it-IT" smtClean="0"/>
+              <a:rPr lang="it-IT"/>
               <a:t>Secondo livello</a:t>
             </a:r>
           </a:p>
           <a:p>
             <a:pPr lvl="2" eaLnBrk="1" latinLnBrk="0" hangingPunct="1"/>
             <a:r>
-              <a:rPr lang="it-IT" smtClean="0"/>
+              <a:rPr lang="it-IT"/>
               <a:t>Terzo livello</a:t>
             </a:r>
           </a:p>
           <a:p>
             <a:pPr lvl="3" eaLnBrk="1" latinLnBrk="0" hangingPunct="1"/>
             <a:r>
-              <a:rPr lang="it-IT" smtClean="0"/>
+              <a:rPr lang="it-IT"/>
               <a:t>Quarto livello</a:t>
             </a:r>
           </a:p>
           <a:p>
             <a:pPr lvl="4" eaLnBrk="1" latinLnBrk="0" hangingPunct="1"/>
             <a:r>
-              <a:rPr lang="it-IT" smtClean="0"/>
+              <a:rPr lang="it-IT"/>
               <a:t>Quinto livello</a:t>
             </a:r>
             <a:endParaRPr kumimoji="0" lang="en-US"/>
@@ -1489,7 +1505,7 @@
           <a:p>
             <a:fld id="{99167A15-39CA-42AA-A3F4-D4AAF34DD1E5}" type="datetime1">
               <a:rPr lang="en-GB" smtClean="0"/>
-              <a:t>11/03/2020</a:t>
+              <a:t>13/03/2020</a:t>
             </a:fld>
             <a:endParaRPr lang="en-GB"/>
           </a:p>
@@ -1511,7 +1527,7 @@
           <a:lstStyle/>
           <a:p>
             <a:r>
-              <a:rPr lang="it-IT" smtClean="0"/>
+              <a:rPr lang="it-IT"/>
               <a:t>ANatali  - DISI - ISSM2020  Univeristy of Bologna</a:t>
             </a:r>
             <a:endParaRPr lang="en-GB"/>
@@ -1535,7 +1551,7 @@
           <a:p>
             <a:fld id="{6F6A5AB3-AF76-4EC9-853D-D4C335162C13}" type="slidenum">
               <a:rPr lang="en-GB" smtClean="0"/>
-              <a:t>‹N›</a:t>
+              <a:t>‹#›</a:t>
             </a:fld>
             <a:endParaRPr lang="en-GB"/>
           </a:p>
@@ -1582,7 +1598,7 @@
           <a:lstStyle/>
           <a:p>
             <a:r>
-              <a:rPr kumimoji="0" lang="it-IT" smtClean="0"/>
+              <a:rPr kumimoji="0" lang="it-IT"/>
               <a:t>Fare clic per modificare lo stile del titolo</a:t>
             </a:r>
             <a:endParaRPr kumimoji="0" lang="en-US"/>
@@ -1606,7 +1622,7 @@
           <a:p>
             <a:fld id="{1A87AFF6-4C91-482D-BDF5-223514DB0B0D}" type="datetime1">
               <a:rPr lang="en-GB" smtClean="0"/>
-              <a:t>11/03/2020</a:t>
+              <a:t>13/03/2020</a:t>
             </a:fld>
             <a:endParaRPr lang="en-GB"/>
           </a:p>
@@ -1628,7 +1644,7 @@
           <a:lstStyle/>
           <a:p>
             <a:r>
-              <a:rPr lang="it-IT" smtClean="0"/>
+              <a:rPr lang="it-IT"/>
               <a:t>ANatali  - DISI - ISSM2020  Univeristy of Bologna</a:t>
             </a:r>
             <a:endParaRPr lang="en-GB"/>
@@ -1652,7 +1668,7 @@
           <a:p>
             <a:fld id="{6F6A5AB3-AF76-4EC9-853D-D4C335162C13}" type="slidenum">
               <a:rPr lang="en-GB" smtClean="0"/>
-              <a:t>‹N›</a:t>
+              <a:t>‹#›</a:t>
             </a:fld>
             <a:endParaRPr lang="en-GB"/>
           </a:p>
@@ -1680,35 +1696,35 @@
           <a:p>
             <a:pPr lvl="0" eaLnBrk="1" latinLnBrk="0" hangingPunct="1"/>
             <a:r>
-              <a:rPr lang="it-IT" smtClean="0"/>
+              <a:rPr lang="it-IT"/>
               <a:t>Fare clic per modificare stili del testo dello schema</a:t>
             </a:r>
           </a:p>
           <a:p>
             <a:pPr lvl="1" eaLnBrk="1" latinLnBrk="0" hangingPunct="1"/>
             <a:r>
-              <a:rPr lang="it-IT" smtClean="0"/>
+              <a:rPr lang="it-IT"/>
               <a:t>Secondo livello</a:t>
             </a:r>
           </a:p>
           <a:p>
             <a:pPr lvl="2" eaLnBrk="1" latinLnBrk="0" hangingPunct="1"/>
             <a:r>
-              <a:rPr lang="it-IT" smtClean="0"/>
+              <a:rPr lang="it-IT"/>
               <a:t>Terzo livello</a:t>
             </a:r>
           </a:p>
           <a:p>
             <a:pPr lvl="3" eaLnBrk="1" latinLnBrk="0" hangingPunct="1"/>
             <a:r>
-              <a:rPr lang="it-IT" smtClean="0"/>
+              <a:rPr lang="it-IT"/>
               <a:t>Quarto livello</a:t>
             </a:r>
           </a:p>
           <a:p>
             <a:pPr lvl="4" eaLnBrk="1" latinLnBrk="0" hangingPunct="1"/>
             <a:r>
-              <a:rPr lang="it-IT" smtClean="0"/>
+              <a:rPr lang="it-IT"/>
               <a:t>Quinto livello</a:t>
             </a:r>
             <a:endParaRPr kumimoji="0" lang="en-US"/>
@@ -1865,7 +1881,7 @@
           </a:lstStyle>
           <a:p>
             <a:r>
-              <a:rPr kumimoji="0" lang="it-IT" smtClean="0"/>
+              <a:rPr kumimoji="0" lang="it-IT"/>
               <a:t>Fare clic per modificare lo stile del titolo</a:t>
             </a:r>
             <a:endParaRPr kumimoji="0" lang="en-US"/>
@@ -1945,7 +1961,7 @@
           <a:p>
             <a:pPr lvl="0" eaLnBrk="1" latinLnBrk="0" hangingPunct="1"/>
             <a:r>
-              <a:rPr kumimoji="0" lang="it-IT" smtClean="0"/>
+              <a:rPr kumimoji="0" lang="it-IT"/>
               <a:t>Fare clic per modificare stili del testo dello schema</a:t>
             </a:r>
           </a:p>
@@ -1968,7 +1984,7 @@
           <a:p>
             <a:fld id="{A945ADE7-28FF-42C7-B167-7DC7A77ED2F3}" type="datetime1">
               <a:rPr lang="en-GB" smtClean="0"/>
-              <a:t>11/03/2020</a:t>
+              <a:t>13/03/2020</a:t>
             </a:fld>
             <a:endParaRPr lang="en-GB"/>
           </a:p>
@@ -1995,7 +2011,7 @@
           <a:lstStyle/>
           <a:p>
             <a:r>
-              <a:rPr lang="it-IT" smtClean="0"/>
+              <a:rPr lang="it-IT"/>
               <a:t>ANatali  - DISI - ISSM2020  Univeristy of Bologna</a:t>
             </a:r>
             <a:endParaRPr lang="en-GB"/>
@@ -2166,7 +2182,7 @@
           <a:p>
             <a:fld id="{6F6A5AB3-AF76-4EC9-853D-D4C335162C13}" type="slidenum">
               <a:rPr lang="en-GB" smtClean="0"/>
-              <a:t>‹N›</a:t>
+              <a:t>‹#›</a:t>
             </a:fld>
             <a:endParaRPr lang="en-GB"/>
           </a:p>
@@ -2213,7 +2229,7 @@
           <a:lstStyle/>
           <a:p>
             <a:r>
-              <a:rPr kumimoji="0" lang="it-IT" smtClean="0"/>
+              <a:rPr kumimoji="0" lang="it-IT"/>
               <a:t>Fare clic per modificare lo stile del titolo</a:t>
             </a:r>
             <a:endParaRPr kumimoji="0" lang="en-US"/>
@@ -2237,7 +2253,7 @@
           <a:p>
             <a:fld id="{092EA350-1E2E-41EE-BD8A-FB0D72F078C3}" type="datetime1">
               <a:rPr lang="en-GB" smtClean="0"/>
-              <a:t>11/03/2020</a:t>
+              <a:t>13/03/2020</a:t>
             </a:fld>
             <a:endParaRPr lang="en-GB"/>
           </a:p>
@@ -2259,7 +2275,7 @@
           <a:lstStyle/>
           <a:p>
             <a:r>
-              <a:rPr lang="it-IT" smtClean="0"/>
+              <a:rPr lang="it-IT"/>
               <a:t>ANatali  - DISI - ISSM2020  Univeristy of Bologna</a:t>
             </a:r>
             <a:endParaRPr lang="en-GB"/>
@@ -2283,7 +2299,7 @@
           <a:p>
             <a:fld id="{6F6A5AB3-AF76-4EC9-853D-D4C335162C13}" type="slidenum">
               <a:rPr lang="en-GB" smtClean="0"/>
-              <a:t>‹N›</a:t>
+              <a:t>‹#›</a:t>
             </a:fld>
             <a:endParaRPr lang="en-GB"/>
           </a:p>
@@ -2311,35 +2327,35 @@
           <a:p>
             <a:pPr lvl="0" eaLnBrk="1" latinLnBrk="0" hangingPunct="1"/>
             <a:r>
-              <a:rPr lang="it-IT" smtClean="0"/>
+              <a:rPr lang="it-IT"/>
               <a:t>Fare clic per modificare stili del testo dello schema</a:t>
             </a:r>
           </a:p>
           <a:p>
             <a:pPr lvl="1" eaLnBrk="1" latinLnBrk="0" hangingPunct="1"/>
             <a:r>
-              <a:rPr lang="it-IT" smtClean="0"/>
+              <a:rPr lang="it-IT"/>
               <a:t>Secondo livello</a:t>
             </a:r>
           </a:p>
           <a:p>
             <a:pPr lvl="2" eaLnBrk="1" latinLnBrk="0" hangingPunct="1"/>
             <a:r>
-              <a:rPr lang="it-IT" smtClean="0"/>
+              <a:rPr lang="it-IT"/>
               <a:t>Terzo livello</a:t>
             </a:r>
           </a:p>
           <a:p>
             <a:pPr lvl="3" eaLnBrk="1" latinLnBrk="0" hangingPunct="1"/>
             <a:r>
-              <a:rPr lang="it-IT" smtClean="0"/>
+              <a:rPr lang="it-IT"/>
               <a:t>Quarto livello</a:t>
             </a:r>
           </a:p>
           <a:p>
             <a:pPr lvl="4" eaLnBrk="1" latinLnBrk="0" hangingPunct="1"/>
             <a:r>
-              <a:rPr lang="it-IT" smtClean="0"/>
+              <a:rPr lang="it-IT"/>
               <a:t>Quinto livello</a:t>
             </a:r>
             <a:endParaRPr kumimoji="0" lang="en-US"/>
@@ -2368,35 +2384,35 @@
           <a:p>
             <a:pPr lvl="0" eaLnBrk="1" latinLnBrk="0" hangingPunct="1"/>
             <a:r>
-              <a:rPr lang="it-IT" smtClean="0"/>
+              <a:rPr lang="it-IT"/>
               <a:t>Fare clic per modificare stili del testo dello schema</a:t>
             </a:r>
           </a:p>
           <a:p>
             <a:pPr lvl="1" eaLnBrk="1" latinLnBrk="0" hangingPunct="1"/>
             <a:r>
-              <a:rPr lang="it-IT" smtClean="0"/>
+              <a:rPr lang="it-IT"/>
               <a:t>Secondo livello</a:t>
             </a:r>
           </a:p>
           <a:p>
             <a:pPr lvl="2" eaLnBrk="1" latinLnBrk="0" hangingPunct="1"/>
             <a:r>
-              <a:rPr lang="it-IT" smtClean="0"/>
+              <a:rPr lang="it-IT"/>
               <a:t>Terzo livello</a:t>
             </a:r>
           </a:p>
           <a:p>
             <a:pPr lvl="3" eaLnBrk="1" latinLnBrk="0" hangingPunct="1"/>
             <a:r>
-              <a:rPr lang="it-IT" smtClean="0"/>
+              <a:rPr lang="it-IT"/>
               <a:t>Quarto livello</a:t>
             </a:r>
           </a:p>
           <a:p>
             <a:pPr lvl="4" eaLnBrk="1" latinLnBrk="0" hangingPunct="1"/>
             <a:r>
-              <a:rPr lang="it-IT" smtClean="0"/>
+              <a:rPr lang="it-IT"/>
               <a:t>Quinto livello</a:t>
             </a:r>
             <a:endParaRPr kumimoji="0" lang="en-US"/>
@@ -2453,7 +2469,7 @@
           </a:lstStyle>
           <a:p>
             <a:r>
-              <a:rPr kumimoji="0" lang="it-IT" smtClean="0"/>
+              <a:rPr kumimoji="0" lang="it-IT"/>
               <a:t>Fare clic per modificare lo stile del titolo</a:t>
             </a:r>
             <a:endParaRPr kumimoji="0" lang="en-US"/>
@@ -2517,7 +2533,7 @@
           <a:p>
             <a:pPr lvl="0" eaLnBrk="1" latinLnBrk="0" hangingPunct="1"/>
             <a:r>
-              <a:rPr kumimoji="0" lang="it-IT" smtClean="0"/>
+              <a:rPr kumimoji="0" lang="it-IT"/>
               <a:t>Fare clic per modificare stili del testo dello schema</a:t>
             </a:r>
           </a:p>
@@ -2580,7 +2596,7 @@
           <a:p>
             <a:pPr lvl="0" eaLnBrk="1" latinLnBrk="0" hangingPunct="1"/>
             <a:r>
-              <a:rPr kumimoji="0" lang="it-IT" smtClean="0"/>
+              <a:rPr kumimoji="0" lang="it-IT"/>
               <a:t>Fare clic per modificare stili del testo dello schema</a:t>
             </a:r>
           </a:p>
@@ -2603,7 +2619,7 @@
           <a:p>
             <a:fld id="{F8F1314B-6929-4AD1-B5B4-312DAFF8489C}" type="datetime1">
               <a:rPr lang="en-GB" smtClean="0"/>
-              <a:t>11/03/2020</a:t>
+              <a:t>13/03/2020</a:t>
             </a:fld>
             <a:endParaRPr lang="en-GB"/>
           </a:p>
@@ -2625,7 +2641,7 @@
           <a:lstStyle/>
           <a:p>
             <a:r>
-              <a:rPr lang="it-IT" smtClean="0"/>
+              <a:rPr lang="it-IT"/>
               <a:t>ANatali  - DISI - ISSM2020  Univeristy of Bologna</a:t>
             </a:r>
             <a:endParaRPr lang="en-GB"/>
@@ -2649,7 +2665,7 @@
           <a:p>
             <a:fld id="{6F6A5AB3-AF76-4EC9-853D-D4C335162C13}" type="slidenum">
               <a:rPr lang="en-GB" smtClean="0"/>
-              <a:t>‹N›</a:t>
+              <a:t>‹#›</a:t>
             </a:fld>
             <a:endParaRPr lang="en-GB"/>
           </a:p>
@@ -2677,35 +2693,35 @@
           <a:p>
             <a:pPr lvl="0" eaLnBrk="1" latinLnBrk="0" hangingPunct="1"/>
             <a:r>
-              <a:rPr lang="it-IT" smtClean="0"/>
+              <a:rPr lang="it-IT"/>
               <a:t>Fare clic per modificare stili del testo dello schema</a:t>
             </a:r>
           </a:p>
           <a:p>
             <a:pPr lvl="1" eaLnBrk="1" latinLnBrk="0" hangingPunct="1"/>
             <a:r>
-              <a:rPr lang="it-IT" smtClean="0"/>
+              <a:rPr lang="it-IT"/>
               <a:t>Secondo livello</a:t>
             </a:r>
           </a:p>
           <a:p>
             <a:pPr lvl="2" eaLnBrk="1" latinLnBrk="0" hangingPunct="1"/>
             <a:r>
-              <a:rPr lang="it-IT" smtClean="0"/>
+              <a:rPr lang="it-IT"/>
               <a:t>Terzo livello</a:t>
             </a:r>
           </a:p>
           <a:p>
             <a:pPr lvl="3" eaLnBrk="1" latinLnBrk="0" hangingPunct="1"/>
             <a:r>
-              <a:rPr lang="it-IT" smtClean="0"/>
+              <a:rPr lang="it-IT"/>
               <a:t>Quarto livello</a:t>
             </a:r>
           </a:p>
           <a:p>
             <a:pPr lvl="4" eaLnBrk="1" latinLnBrk="0" hangingPunct="1"/>
             <a:r>
-              <a:rPr lang="it-IT" smtClean="0"/>
+              <a:rPr lang="it-IT"/>
               <a:t>Quinto livello</a:t>
             </a:r>
             <a:endParaRPr kumimoji="0" lang="en-US"/>
@@ -2734,35 +2750,35 @@
           <a:p>
             <a:pPr lvl="0" eaLnBrk="1" latinLnBrk="0" hangingPunct="1"/>
             <a:r>
-              <a:rPr lang="it-IT" smtClean="0"/>
+              <a:rPr lang="it-IT"/>
               <a:t>Fare clic per modificare stili del testo dello schema</a:t>
             </a:r>
           </a:p>
           <a:p>
             <a:pPr lvl="1" eaLnBrk="1" latinLnBrk="0" hangingPunct="1"/>
             <a:r>
-              <a:rPr lang="it-IT" smtClean="0"/>
+              <a:rPr lang="it-IT"/>
               <a:t>Secondo livello</a:t>
             </a:r>
           </a:p>
           <a:p>
             <a:pPr lvl="2" eaLnBrk="1" latinLnBrk="0" hangingPunct="1"/>
             <a:r>
-              <a:rPr lang="it-IT" smtClean="0"/>
+              <a:rPr lang="it-IT"/>
               <a:t>Terzo livello</a:t>
             </a:r>
           </a:p>
           <a:p>
             <a:pPr lvl="3" eaLnBrk="1" latinLnBrk="0" hangingPunct="1"/>
             <a:r>
-              <a:rPr lang="it-IT" smtClean="0"/>
+              <a:rPr lang="it-IT"/>
               <a:t>Quarto livello</a:t>
             </a:r>
           </a:p>
           <a:p>
             <a:pPr lvl="4" eaLnBrk="1" latinLnBrk="0" hangingPunct="1"/>
             <a:r>
-              <a:rPr lang="it-IT" smtClean="0"/>
+              <a:rPr lang="it-IT"/>
               <a:t>Quinto livello</a:t>
             </a:r>
             <a:endParaRPr kumimoji="0" lang="en-US"/>
@@ -2810,7 +2826,7 @@
           <a:lstStyle/>
           <a:p>
             <a:r>
-              <a:rPr kumimoji="0" lang="it-IT" smtClean="0"/>
+              <a:rPr kumimoji="0" lang="it-IT"/>
               <a:t>Fare clic per modificare lo stile del titolo</a:t>
             </a:r>
             <a:endParaRPr kumimoji="0" lang="en-US"/>
@@ -2834,7 +2850,7 @@
           <a:p>
             <a:fld id="{CF5B218E-BA98-4F08-AFAD-55E0F9C51274}" type="datetime1">
               <a:rPr lang="en-GB" smtClean="0"/>
-              <a:t>11/03/2020</a:t>
+              <a:t>13/03/2020</a:t>
             </a:fld>
             <a:endParaRPr lang="en-GB"/>
           </a:p>
@@ -2856,7 +2872,7 @@
           <a:lstStyle/>
           <a:p>
             <a:r>
-              <a:rPr lang="it-IT" smtClean="0"/>
+              <a:rPr lang="it-IT"/>
               <a:t>ANatali  - DISI - ISSM2020  Univeristy of Bologna</a:t>
             </a:r>
             <a:endParaRPr lang="en-GB"/>
@@ -2880,7 +2896,7 @@
           <a:p>
             <a:fld id="{6F6A5AB3-AF76-4EC9-853D-D4C335162C13}" type="slidenum">
               <a:rPr lang="en-GB" smtClean="0"/>
-              <a:t>‹N›</a:t>
+              <a:t>‹#›</a:t>
             </a:fld>
             <a:endParaRPr lang="en-GB"/>
           </a:p>
@@ -2928,7 +2944,7 @@
           <a:p>
             <a:fld id="{8AF6CE76-28A1-4CD7-9645-E1D020974391}" type="datetime1">
               <a:rPr lang="en-GB" smtClean="0"/>
-              <a:t>11/03/2020</a:t>
+              <a:t>13/03/2020</a:t>
             </a:fld>
             <a:endParaRPr lang="en-GB"/>
           </a:p>
@@ -2950,7 +2966,7 @@
           <a:lstStyle/>
           <a:p>
             <a:r>
-              <a:rPr lang="it-IT" smtClean="0"/>
+              <a:rPr lang="it-IT"/>
               <a:t>ANatali  - DISI - ISSM2020  Univeristy of Bologna</a:t>
             </a:r>
             <a:endParaRPr lang="en-GB"/>
@@ -2974,7 +2990,7 @@
           <a:p>
             <a:fld id="{6F6A5AB3-AF76-4EC9-853D-D4C335162C13}" type="slidenum">
               <a:rPr lang="en-GB" smtClean="0"/>
-              <a:t>‹N›</a:t>
+              <a:t>‹#›</a:t>
             </a:fld>
             <a:endParaRPr lang="en-GB"/>
           </a:p>
@@ -3126,7 +3142,7 @@
           </a:lstStyle>
           <a:p>
             <a:r>
-              <a:rPr kumimoji="0" lang="it-IT" smtClean="0"/>
+              <a:rPr kumimoji="0" lang="it-IT"/>
               <a:t>Fare clic per modificare lo stile del titolo</a:t>
             </a:r>
             <a:endParaRPr kumimoji="0" lang="en-US"/>
@@ -3176,7 +3192,7 @@
           <a:p>
             <a:pPr lvl="0" eaLnBrk="1" latinLnBrk="0" hangingPunct="1"/>
             <a:r>
-              <a:rPr kumimoji="0" lang="it-IT" smtClean="0"/>
+              <a:rPr kumimoji="0" lang="it-IT"/>
               <a:t>Fare clic per modificare stili del testo dello schema</a:t>
             </a:r>
           </a:p>
@@ -3199,7 +3215,7 @@
           <a:p>
             <a:fld id="{BADBD3C4-D885-44D5-BC36-8CDC16C4E35A}" type="datetime1">
               <a:rPr lang="en-GB" smtClean="0"/>
-              <a:t>11/03/2020</a:t>
+              <a:t>13/03/2020</a:t>
             </a:fld>
             <a:endParaRPr lang="en-GB"/>
           </a:p>
@@ -3221,7 +3237,7 @@
           <a:lstStyle/>
           <a:p>
             <a:r>
-              <a:rPr lang="it-IT" smtClean="0"/>
+              <a:rPr lang="it-IT"/>
               <a:t>ANatali  - DISI - ISSM2020  Univeristy of Bologna</a:t>
             </a:r>
             <a:endParaRPr lang="en-GB"/>
@@ -3245,7 +3261,7 @@
           <a:p>
             <a:fld id="{6F6A5AB3-AF76-4EC9-853D-D4C335162C13}" type="slidenum">
               <a:rPr lang="en-GB" smtClean="0"/>
-              <a:t>‹N›</a:t>
+              <a:t>‹#›</a:t>
             </a:fld>
             <a:endParaRPr lang="en-GB"/>
           </a:p>
@@ -3273,35 +3289,35 @@
           <a:p>
             <a:pPr lvl="0" eaLnBrk="1" latinLnBrk="0" hangingPunct="1"/>
             <a:r>
-              <a:rPr lang="it-IT" smtClean="0"/>
+              <a:rPr lang="it-IT"/>
               <a:t>Fare clic per modificare stili del testo dello schema</a:t>
             </a:r>
           </a:p>
           <a:p>
             <a:pPr lvl="1" eaLnBrk="1" latinLnBrk="0" hangingPunct="1"/>
             <a:r>
-              <a:rPr lang="it-IT" smtClean="0"/>
+              <a:rPr lang="it-IT"/>
               <a:t>Secondo livello</a:t>
             </a:r>
           </a:p>
           <a:p>
             <a:pPr lvl="2" eaLnBrk="1" latinLnBrk="0" hangingPunct="1"/>
             <a:r>
-              <a:rPr lang="it-IT" smtClean="0"/>
+              <a:rPr lang="it-IT"/>
               <a:t>Terzo livello</a:t>
             </a:r>
           </a:p>
           <a:p>
             <a:pPr lvl="3" eaLnBrk="1" latinLnBrk="0" hangingPunct="1"/>
             <a:r>
-              <a:rPr lang="it-IT" smtClean="0"/>
+              <a:rPr lang="it-IT"/>
               <a:t>Quarto livello</a:t>
             </a:r>
           </a:p>
           <a:p>
             <a:pPr lvl="4" eaLnBrk="1" latinLnBrk="0" hangingPunct="1"/>
             <a:r>
-              <a:rPr lang="it-IT" smtClean="0"/>
+              <a:rPr lang="it-IT"/>
               <a:t>Quinto livello</a:t>
             </a:r>
             <a:endParaRPr kumimoji="0" lang="en-US"/>
@@ -3361,7 +3377,7 @@
           </a:lstStyle>
           <a:p>
             <a:r>
-              <a:rPr kumimoji="0" lang="it-IT" smtClean="0"/>
+              <a:rPr kumimoji="0" lang="it-IT"/>
               <a:t>Fare clic per modificare lo stile del titolo</a:t>
             </a:r>
             <a:endParaRPr kumimoji="0" lang="en-US"/>
@@ -3408,7 +3424,7 @@
           <a:p>
             <a:pPr lvl="0" eaLnBrk="1" latinLnBrk="0" hangingPunct="1"/>
             <a:r>
-              <a:rPr kumimoji="0" lang="it-IT" smtClean="0"/>
+              <a:rPr kumimoji="0" lang="it-IT"/>
               <a:t>Fare clic per modificare stili del testo dello schema</a:t>
             </a:r>
           </a:p>
@@ -3431,7 +3447,7 @@
           <a:p>
             <a:fld id="{D0C37988-22DC-4746-8A43-E6C6BF5D65EE}" type="datetime1">
               <a:rPr lang="en-GB" smtClean="0"/>
-              <a:t>11/03/2020</a:t>
+              <a:t>13/03/2020</a:t>
             </a:fld>
             <a:endParaRPr lang="en-GB"/>
           </a:p>
@@ -3458,7 +3474,7 @@
           <a:lstStyle/>
           <a:p>
             <a:r>
-              <a:rPr lang="it-IT" smtClean="0"/>
+              <a:rPr lang="it-IT"/>
               <a:t>ANatali  - DISI - ISSM2020  Univeristy of Bologna</a:t>
             </a:r>
             <a:endParaRPr lang="en-GB"/>
@@ -3487,7 +3503,7 @@
           <a:p>
             <a:fld id="{6F6A5AB3-AF76-4EC9-853D-D4C335162C13}" type="slidenum">
               <a:rPr lang="en-GB" smtClean="0"/>
-              <a:t>‹N›</a:t>
+              <a:t>‹#›</a:t>
             </a:fld>
             <a:endParaRPr lang="en-GB"/>
           </a:p>
@@ -3675,7 +3691,7 @@
           </a:lstStyle>
           <a:p>
             <a:r>
-              <a:rPr kumimoji="0" lang="it-IT" smtClean="0"/>
+              <a:rPr kumimoji="0" lang="it-IT"/>
               <a:t>Fare clic sull'icona per inserire un'immagine</a:t>
             </a:r>
             <a:endParaRPr kumimoji="0" lang="en-US" dirty="0"/>
@@ -3832,7 +3848,7 @@
           <a:lstStyle/>
           <a:p>
             <a:r>
-              <a:rPr kumimoji="0" lang="it-IT" smtClean="0"/>
+              <a:rPr kumimoji="0" lang="it-IT"/>
               <a:t>Fare clic per modificare lo stile del titolo</a:t>
             </a:r>
             <a:endParaRPr kumimoji="0" lang="en-US"/>
@@ -3866,35 +3882,35 @@
           <a:p>
             <a:pPr lvl="0" eaLnBrk="1" latinLnBrk="0" hangingPunct="1"/>
             <a:r>
-              <a:rPr kumimoji="0" lang="it-IT" smtClean="0"/>
+              <a:rPr kumimoji="0" lang="it-IT"/>
               <a:t>Fare clic per modificare stili del testo dello schema</a:t>
             </a:r>
           </a:p>
           <a:p>
             <a:pPr lvl="1" eaLnBrk="1" latinLnBrk="0" hangingPunct="1"/>
             <a:r>
-              <a:rPr kumimoji="0" lang="it-IT" smtClean="0"/>
+              <a:rPr kumimoji="0" lang="it-IT"/>
               <a:t>Secondo livello</a:t>
             </a:r>
           </a:p>
           <a:p>
             <a:pPr lvl="2" eaLnBrk="1" latinLnBrk="0" hangingPunct="1"/>
             <a:r>
-              <a:rPr kumimoji="0" lang="it-IT" smtClean="0"/>
+              <a:rPr kumimoji="0" lang="it-IT"/>
               <a:t>Terzo livello</a:t>
             </a:r>
           </a:p>
           <a:p>
             <a:pPr lvl="3" eaLnBrk="1" latinLnBrk="0" hangingPunct="1"/>
             <a:r>
-              <a:rPr kumimoji="0" lang="it-IT" smtClean="0"/>
+              <a:rPr kumimoji="0" lang="it-IT"/>
               <a:t>Quarto livello</a:t>
             </a:r>
           </a:p>
           <a:p>
             <a:pPr lvl="4" eaLnBrk="1" latinLnBrk="0" hangingPunct="1"/>
             <a:r>
-              <a:rPr kumimoji="0" lang="it-IT" smtClean="0"/>
+              <a:rPr kumimoji="0" lang="it-IT"/>
               <a:t>Quinto livello</a:t>
             </a:r>
             <a:endParaRPr kumimoji="0" lang="en-US"/>
@@ -3934,7 +3950,7 @@
           <a:p>
             <a:fld id="{5A18A74E-3BE8-4B6E-81A4-95A392C53EA5}" type="datetime1">
               <a:rPr lang="en-GB" smtClean="0"/>
-              <a:t>11/03/2020</a:t>
+              <a:t>13/03/2020</a:t>
             </a:fld>
             <a:endParaRPr lang="en-GB"/>
           </a:p>
@@ -3972,7 +3988,7 @@
           </a:lstStyle>
           <a:p>
             <a:r>
-              <a:rPr lang="it-IT" smtClean="0"/>
+              <a:rPr lang="it-IT"/>
               <a:t>ANatali  - DISI - ISSM2020  Univeristy of Bologna</a:t>
             </a:r>
             <a:endParaRPr lang="en-GB"/>
@@ -4020,7 +4036,7 @@
           <a:p>
             <a:fld id="{6F6A5AB3-AF76-4EC9-853D-D4C335162C13}" type="slidenum">
               <a:rPr lang="en-GB" smtClean="0"/>
-              <a:t>‹N›</a:t>
+              <a:t>‹#›</a:t>
             </a:fld>
             <a:endParaRPr lang="en-GB"/>
           </a:p>
@@ -4361,39 +4377,39 @@
           <a:lstStyle/>
           <a:p>
             <a:r>
-              <a:rPr lang="it-IT" dirty="0" err="1" smtClean="0"/>
+              <a:rPr lang="it-IT" dirty="0" err="1"/>
               <a:t>a.a</a:t>
             </a:r>
             <a:r>
-              <a:rPr lang="it-IT" dirty="0" smtClean="0"/>
+              <a:rPr lang="it-IT" dirty="0"/>
               <a:t>. 2019-2020</a:t>
             </a:r>
           </a:p>
           <a:p>
             <a:r>
-              <a:rPr lang="it-IT" dirty="0" smtClean="0"/>
+              <a:rPr lang="it-IT" dirty="0"/>
               <a:t>Antonio Natali - </a:t>
             </a:r>
             <a:r>
-              <a:rPr lang="it-IT" dirty="0" smtClean="0">
+              <a:rPr lang="it-IT" dirty="0">
                 <a:hlinkClick r:id="rId2"/>
               </a:rPr>
               <a:t>antonio.natali@unibo.it</a:t>
             </a:r>
-            <a:endParaRPr lang="it-IT" dirty="0" smtClean="0"/>
-          </a:p>
-          <a:p>
-            <a:r>
-              <a:rPr lang="en-GB" dirty="0" smtClean="0">
+            <a:endParaRPr lang="it-IT" dirty="0"/>
+          </a:p>
+          <a:p>
+            <a:r>
+              <a:rPr lang="en-GB" dirty="0">
                 <a:hlinkClick r:id="rId3"/>
               </a:rPr>
               <a:t>https://github.com/anatali/iss2020LabBo</a:t>
             </a:r>
-            <a:endParaRPr lang="en-GB" dirty="0" smtClean="0"/>
-          </a:p>
-          <a:p>
-            <a:r>
-              <a:rPr lang="it-IT" dirty="0" smtClean="0">
+            <a:endParaRPr lang="en-GB" dirty="0"/>
+          </a:p>
+          <a:p>
+            <a:r>
+              <a:rPr lang="it-IT" dirty="0">
                 <a:hlinkClick r:id="rId4"/>
               </a:rPr>
               <a:t>Link a lezioni</a:t>
@@ -4418,19 +4434,19 @@
           <a:lstStyle/>
           <a:p>
             <a:r>
-              <a:rPr lang="it-IT" dirty="0" err="1" smtClean="0"/>
+              <a:rPr lang="it-IT" dirty="0" err="1"/>
               <a:t>ANatali</a:t>
             </a:r>
             <a:r>
-              <a:rPr lang="it-IT" dirty="0" smtClean="0"/>
+              <a:rPr lang="it-IT" dirty="0"/>
               <a:t>  - DISI - ISSM2020  </a:t>
             </a:r>
             <a:r>
-              <a:rPr lang="it-IT" dirty="0" err="1" smtClean="0"/>
+              <a:rPr lang="it-IT" dirty="0" err="1"/>
               <a:t>Univeristy</a:t>
             </a:r>
             <a:r>
-              <a:rPr lang="it-IT" dirty="0" smtClean="0"/>
+              <a:rPr lang="it-IT" dirty="0"/>
               <a:t> of Bologna</a:t>
             </a:r>
             <a:endParaRPr lang="en-GB" dirty="0"/>
@@ -4453,7 +4469,7 @@
           <a:lstStyle/>
           <a:p>
             <a:r>
-              <a:rPr lang="it-IT" dirty="0" smtClean="0"/>
+              <a:rPr lang="it-IT" dirty="0"/>
               <a:t> INGEGNERIA DEI SISTEMI SOFTWARE M - 72939</a:t>
             </a:r>
             <a:endParaRPr lang="en-GB" dirty="0"/>
@@ -4493,13 +4509,6 @@
   <p:clrMapOvr>
     <a:masterClrMapping/>
   </p:clrMapOvr>
-  <p:timing>
-    <p:tnLst>
-      <p:par>
-        <p:cTn id="1" dur="indefinite" restart="never" nodeType="tmRoot"/>
-      </p:par>
-    </p:tnLst>
-  </p:timing>
 </p:sld>
 </file>
 
@@ -4538,16 +4547,12 @@
           <a:lstStyle/>
           <a:p>
             <a:r>
-              <a:rPr lang="it-IT" dirty="0" smtClean="0"/>
+              <a:rPr lang="it-IT" dirty="0"/>
               <a:t>Programming </a:t>
             </a:r>
             <a:r>
               <a:rPr lang="it-IT" dirty="0" err="1"/>
-              <a:t>l</a:t>
-            </a:r>
-            <a:r>
-              <a:rPr lang="it-IT" dirty="0" err="1" smtClean="0"/>
-              <a:t>anguage</a:t>
+              <a:t>language</a:t>
             </a:r>
             <a:endParaRPr lang="en-GB" dirty="0"/>
           </a:p>
@@ -4574,19 +4579,19 @@
           <a:lstStyle/>
           <a:p>
             <a:r>
-              <a:rPr lang="it-IT" dirty="0" err="1" smtClean="0"/>
+              <a:rPr lang="it-IT" dirty="0" err="1"/>
               <a:t>ANatali</a:t>
             </a:r>
             <a:r>
-              <a:rPr lang="it-IT" dirty="0" smtClean="0"/>
+              <a:rPr lang="it-IT" dirty="0"/>
               <a:t>  - DISI - ISSM2020  </a:t>
             </a:r>
             <a:r>
-              <a:rPr lang="it-IT" dirty="0" err="1" smtClean="0"/>
+              <a:rPr lang="it-IT" dirty="0" err="1"/>
               <a:t>Univeristy</a:t>
             </a:r>
             <a:r>
-              <a:rPr lang="it-IT" dirty="0" smtClean="0"/>
+              <a:rPr lang="it-IT" dirty="0"/>
               <a:t> of Bologna</a:t>
             </a:r>
             <a:endParaRPr lang="en-GB" dirty="0"/>
@@ -4616,102 +4621,102 @@
           <a:lstStyle/>
           <a:p>
             <a:r>
-              <a:rPr lang="it-IT" dirty="0" err="1" smtClean="0"/>
+              <a:rPr lang="it-IT" dirty="0" err="1"/>
               <a:t>Looking</a:t>
             </a:r>
             <a:r>
-              <a:rPr lang="it-IT" dirty="0" smtClean="0"/>
+              <a:rPr lang="it-IT" dirty="0"/>
               <a:t> </a:t>
             </a:r>
             <a:r>
-              <a:rPr lang="it-IT" dirty="0" err="1" smtClean="0"/>
+              <a:rPr lang="it-IT" dirty="0" err="1"/>
               <a:t>at</a:t>
             </a:r>
             <a:r>
-              <a:rPr lang="it-IT" dirty="0" smtClean="0"/>
+              <a:rPr lang="it-IT" dirty="0"/>
               <a:t> … :</a:t>
             </a:r>
           </a:p>
           <a:p>
             <a:pPr lvl="1"/>
             <a:r>
-              <a:rPr lang="en-GB" sz="2000" dirty="0" smtClean="0">
+              <a:rPr lang="en-GB" sz="2000" dirty="0">
                 <a:hlinkClick r:id="rId2"/>
               </a:rPr>
               <a:t>https://en.wikipedia.org/wiki/List_of_programming_languages</a:t>
             </a:r>
-            <a:endParaRPr lang="en-GB" sz="2000" dirty="0" smtClean="0"/>
+            <a:endParaRPr lang="en-GB" sz="2000" dirty="0"/>
           </a:p>
           <a:p>
             <a:pPr lvl="1"/>
             <a:r>
-              <a:rPr lang="en-GB" sz="2000" dirty="0" smtClean="0">
+              <a:rPr lang="en-GB" sz="2000" dirty="0">
                 <a:hlinkClick r:id="rId3"/>
               </a:rPr>
               <a:t>https://en.wikipedia.org/wiki/List_of_programming_languages_by_type</a:t>
             </a:r>
-            <a:endParaRPr lang="en-GB" sz="2000" dirty="0" smtClean="0"/>
+            <a:endParaRPr lang="en-GB" sz="2000" dirty="0"/>
           </a:p>
           <a:p>
             <a:pPr lvl="1"/>
             <a:r>
-              <a:rPr lang="en-GB" sz="2000" dirty="0" smtClean="0">
+              <a:rPr lang="en-GB" sz="2000" dirty="0">
                 <a:hlinkClick r:id="rId4"/>
               </a:rPr>
               <a:t>https://en.wikipedia.org/wiki/Comparison_of_programming_languages</a:t>
             </a:r>
-            <a:endParaRPr lang="en-GB" sz="2000" dirty="0" smtClean="0"/>
+            <a:endParaRPr lang="en-GB" sz="2000" dirty="0"/>
           </a:p>
           <a:p>
             <a:pPr lvl="1"/>
             <a:r>
-              <a:rPr lang="en-GB" sz="2000" dirty="0" smtClean="0">
+              <a:rPr lang="en-GB" sz="2000" dirty="0">
                 <a:hlinkClick r:id="rId5"/>
               </a:rPr>
               <a:t>https://en.wikipedia.org/wiki/History_of_programming_languages</a:t>
             </a:r>
-            <a:endParaRPr lang="en-GB" sz="2000" dirty="0" smtClean="0"/>
-          </a:p>
-          <a:p>
-            <a:r>
-              <a:rPr lang="it-IT" dirty="0" smtClean="0"/>
+            <a:endParaRPr lang="en-GB" sz="2000" dirty="0"/>
+          </a:p>
+          <a:p>
+            <a:r>
+              <a:rPr lang="it-IT" dirty="0"/>
               <a:t>… </a:t>
             </a:r>
             <a:r>
-              <a:rPr lang="it-IT" dirty="0" err="1" smtClean="0"/>
+              <a:rPr lang="it-IT" dirty="0" err="1"/>
               <a:t>we</a:t>
             </a:r>
             <a:r>
-              <a:rPr lang="it-IT" dirty="0" smtClean="0"/>
+              <a:rPr lang="it-IT" dirty="0"/>
               <a:t> </a:t>
             </a:r>
             <a:r>
-              <a:rPr lang="it-IT" dirty="0" err="1" smtClean="0"/>
+              <a:rPr lang="it-IT" dirty="0" err="1"/>
               <a:t>could</a:t>
             </a:r>
             <a:r>
-              <a:rPr lang="it-IT" dirty="0" smtClean="0"/>
+              <a:rPr lang="it-IT" dirty="0"/>
               <a:t> </a:t>
             </a:r>
             <a:r>
-              <a:rPr lang="it-IT" dirty="0" err="1" smtClean="0"/>
+              <a:rPr lang="it-IT" dirty="0" err="1"/>
               <a:t>get</a:t>
             </a:r>
             <a:r>
-              <a:rPr lang="it-IT" dirty="0" smtClean="0"/>
+              <a:rPr lang="it-IT" dirty="0"/>
               <a:t> </a:t>
             </a:r>
             <a:r>
-              <a:rPr lang="it-IT" dirty="0" err="1" smtClean="0"/>
+              <a:rPr lang="it-IT" dirty="0" err="1"/>
               <a:t>lost</a:t>
             </a:r>
-            <a:endParaRPr lang="it-IT" dirty="0" smtClean="0"/>
+            <a:endParaRPr lang="it-IT" dirty="0"/>
           </a:p>
           <a:p>
             <a:pPr marL="0" indent="0">
               <a:buNone/>
             </a:pPr>
-            <a:endParaRPr lang="it-IT" dirty="0" smtClean="0"/>
+            <a:endParaRPr lang="it-IT" dirty="0"/>
           </a:p>
           <a:p>
             <a:pPr marL="0" indent="0">
@@ -4750,19 +4755,19 @@
               <a:t> </a:t>
             </a:r>
             <a:r>
-              <a:rPr lang="it-IT" sz="2800" dirty="0" smtClean="0"/>
+              <a:rPr lang="it-IT" sz="2800" dirty="0"/>
               <a:t>(</a:t>
             </a:r>
             <a:r>
-              <a:rPr lang="it-IT" sz="2800" dirty="0" err="1" smtClean="0"/>
+              <a:rPr lang="it-IT" sz="2800" dirty="0" err="1"/>
               <a:t>being</a:t>
             </a:r>
             <a:r>
-              <a:rPr lang="it-IT" sz="2800" dirty="0" smtClean="0"/>
+              <a:rPr lang="it-IT" sz="2800" dirty="0"/>
               <a:t> </a:t>
             </a:r>
             <a:r>
-              <a:rPr lang="it-IT" sz="2800" dirty="0" smtClean="0">
+              <a:rPr lang="it-IT" sz="2800" dirty="0">
                 <a:solidFill>
                   <a:srgbClr val="FF0000"/>
                 </a:solidFill>
@@ -4770,7 +4775,7 @@
               <a:t>technology-</a:t>
             </a:r>
             <a:r>
-              <a:rPr lang="it-IT" sz="2800" dirty="0" err="1" smtClean="0">
+              <a:rPr lang="it-IT" sz="2800" dirty="0" err="1">
                 <a:solidFill>
                   <a:srgbClr val="FF0000"/>
                 </a:solidFill>
@@ -4778,7 +4783,7 @@
               <a:t>aware</a:t>
             </a:r>
             <a:r>
-              <a:rPr lang="it-IT" sz="2800" dirty="0" smtClean="0"/>
+              <a:rPr lang="it-IT" sz="2800" dirty="0"/>
               <a:t>)</a:t>
             </a:r>
           </a:p>
@@ -4787,11 +4792,10 @@
               <a:rPr lang="en-GB" sz="2800" dirty="0"/>
               <a:t>means not being biased towards any particular platform or software language. </a:t>
             </a:r>
-            <a:endParaRPr lang="en-GB" sz="2800" dirty="0" smtClean="0"/>
-          </a:p>
-          <a:p>
-            <a:r>
-              <a:rPr lang="en-GB" sz="2800" dirty="0" smtClean="0"/>
+          </a:p>
+          <a:p>
+            <a:r>
+              <a:rPr lang="en-GB" sz="2800" dirty="0"/>
               <a:t>It’s </a:t>
             </a:r>
             <a:r>
@@ -4813,7 +4817,7 @@
               <a:buNone/>
             </a:pPr>
             <a:r>
-              <a:rPr lang="it-IT" dirty="0" smtClean="0"/>
+              <a:rPr lang="it-IT" dirty="0"/>
               <a:t>	</a:t>
             </a:r>
             <a:endParaRPr lang="en-GB" dirty="0"/>
@@ -4853,13 +4857,6 @@
   <p:clrMapOvr>
     <a:masterClrMapping/>
   </p:clrMapOvr>
-  <p:timing>
-    <p:tnLst>
-      <p:par>
-        <p:cTn id="1" dur="indefinite" restart="never" nodeType="tmRoot"/>
-      </p:par>
-    </p:tnLst>
-  </p:timing>
 </p:sld>
 </file>
 
@@ -4896,11 +4893,11 @@
           <a:lstStyle/>
           <a:p>
             <a:r>
-              <a:rPr lang="it-IT" dirty="0" smtClean="0"/>
+              <a:rPr lang="it-IT" dirty="0"/>
               <a:t>Distributed </a:t>
             </a:r>
             <a:r>
-              <a:rPr lang="it-IT" dirty="0" err="1" smtClean="0"/>
+              <a:rPr lang="it-IT" dirty="0" err="1"/>
               <a:t>systems</a:t>
             </a:r>
             <a:endParaRPr lang="en-GB" dirty="0"/>
@@ -4923,7 +4920,7 @@
           <a:lstStyle/>
           <a:p>
             <a:r>
-              <a:rPr lang="it-IT" smtClean="0"/>
+              <a:rPr lang="it-IT"/>
               <a:t>ANatali  - DISI - ISSM2020  Univeristy of Bologna</a:t>
             </a:r>
             <a:endParaRPr lang="en-GB"/>
@@ -4977,28 +4974,19 @@
             </a:r>
             <a:r>
               <a:rPr lang="en-GB" dirty="0"/>
-              <a:t> to one </a:t>
-            </a:r>
-            <a:r>
-              <a:rPr lang="en-GB" dirty="0" smtClean="0"/>
-              <a:t>another.</a:t>
+              <a:t> to one another.</a:t>
             </a:r>
             <a:endParaRPr lang="en-GB" baseline="30000" dirty="0"/>
           </a:p>
           <a:p>
             <a:r>
-              <a:rPr lang="en-GB" dirty="0" smtClean="0"/>
-              <a:t>The </a:t>
-            </a:r>
-            <a:r>
               <a:rPr lang="en-GB" dirty="0"/>
-              <a:t>components interact with one another in order to achieve a common goal. </a:t>
-            </a:r>
-            <a:endParaRPr lang="en-GB" dirty="0" smtClean="0"/>
-          </a:p>
-          <a:p>
-            <a:r>
-              <a:rPr lang="it-IT" dirty="0" smtClean="0"/>
+              <a:t>The components interact with one another in order to achieve a common goal. </a:t>
+            </a:r>
+          </a:p>
+          <a:p>
+            <a:r>
+              <a:rPr lang="it-IT" dirty="0"/>
               <a:t>….</a:t>
             </a:r>
             <a:endParaRPr lang="en-GB" dirty="0"/>
@@ -5076,15 +5064,15 @@
           <a:lstStyle/>
           <a:p>
             <a:r>
-              <a:rPr lang="it-IT" dirty="0" smtClean="0"/>
+              <a:rPr lang="it-IT" dirty="0"/>
               <a:t>Domain </a:t>
             </a:r>
             <a:r>
-              <a:rPr lang="it-IT" dirty="0" err="1" smtClean="0"/>
+              <a:rPr lang="it-IT" dirty="0" err="1"/>
               <a:t>Driven</a:t>
             </a:r>
             <a:r>
-              <a:rPr lang="it-IT" dirty="0" smtClean="0"/>
+              <a:rPr lang="it-IT" dirty="0"/>
               <a:t> Design</a:t>
             </a:r>
             <a:endParaRPr lang="en-GB" dirty="0"/>
@@ -5107,7 +5095,7 @@
           <a:lstStyle/>
           <a:p>
             <a:r>
-              <a:rPr lang="it-IT" smtClean="0"/>
+              <a:rPr lang="it-IT"/>
               <a:t>ANatali  - DISI - ISSM2020  Univeristy of Bologna</a:t>
             </a:r>
             <a:endParaRPr lang="en-GB"/>
@@ -5154,7 +5142,7 @@
               <a:t> to an evolving </a:t>
             </a:r>
             <a:r>
-              <a:rPr lang="en-GB" dirty="0" smtClean="0">
+              <a:rPr lang="en-GB" dirty="0">
                 <a:solidFill>
                   <a:srgbClr val="C00000"/>
                 </a:solidFill>
@@ -5162,18 +5150,9 @@
               <a:t>model</a:t>
             </a:r>
             <a:r>
-              <a:rPr lang="en-GB" dirty="0" smtClean="0"/>
-              <a:t> (</a:t>
-            </a:r>
-            <a:r>
               <a:rPr lang="en-GB" dirty="0"/>
-              <a:t>A system of abstractions that describes selected aspects of a domain and can be used to solve problems related to that </a:t>
-            </a:r>
-            <a:r>
-              <a:rPr lang="en-GB" dirty="0" smtClean="0"/>
-              <a:t>domain).</a:t>
-            </a:r>
-            <a:endParaRPr lang="en-GB" dirty="0"/>
+              <a:t> (A system of abstractions that describes selected aspects of a domain and can be used to solve problems related to that domain).</a:t>
+            </a:r>
           </a:p>
         </p:txBody>
       </p:sp>
@@ -5248,18 +5227,13 @@
           <a:lstStyle/>
           <a:p>
             <a:r>
-              <a:rPr lang="it-IT" dirty="0" smtClean="0"/>
+              <a:rPr lang="it-IT" dirty="0"/>
               <a:t>Agile </a:t>
             </a:r>
             <a:r>
               <a:rPr lang="en-GB" dirty="0"/>
-              <a:t>software </a:t>
-            </a:r>
-            <a:r>
-              <a:rPr lang="en-GB" dirty="0" smtClean="0"/>
-              <a:t>development</a:t>
-            </a:r>
-            <a:endParaRPr lang="en-GB" dirty="0"/>
+              <a:t>software development</a:t>
+            </a:r>
           </a:p>
         </p:txBody>
       </p:sp>
@@ -5279,7 +5253,7 @@
           <a:lstStyle/>
           <a:p>
             <a:r>
-              <a:rPr lang="it-IT" smtClean="0"/>
+              <a:rPr lang="it-IT"/>
               <a:t>ANatali  - DISI - ISSM2020  Univeristy of Bologna</a:t>
             </a:r>
             <a:endParaRPr lang="en-GB"/>
@@ -5304,12 +5278,8 @@
           <a:lstStyle/>
           <a:p>
             <a:r>
-              <a:rPr lang="en-GB" dirty="0" smtClean="0"/>
-              <a:t>Requirements </a:t>
-            </a:r>
-            <a:r>
               <a:rPr lang="en-GB" dirty="0"/>
-              <a:t>and solutions evolve through the collaborative effort of </a:t>
+              <a:t>Requirements and solutions evolve through the collaborative effort of </a:t>
             </a:r>
             <a:r>
               <a:rPr lang="en-GB" dirty="0">
@@ -5342,13 +5312,13 @@
               <a:t>/</a:t>
             </a:r>
             <a:r>
-              <a:rPr lang="en-GB" u="sng" dirty="0" smtClean="0">
+              <a:rPr lang="en-GB" u="sng" dirty="0">
                 <a:hlinkClick r:id="rId5"/>
               </a:rPr>
               <a:t>end user(s)</a:t>
             </a:r>
             <a:r>
-              <a:rPr lang="en-GB" dirty="0" smtClean="0"/>
+              <a:rPr lang="en-GB" dirty="0"/>
               <a:t>.</a:t>
             </a:r>
           </a:p>
@@ -5401,11 +5371,7 @@
             </a:r>
             <a:r>
               <a:rPr lang="it-IT" dirty="0"/>
-              <a:t>, iterativo ed incrementale, concepito per gestire progetti e prodotti software o applicazioni di </a:t>
-            </a:r>
-            <a:r>
-              <a:rPr lang="it-IT" dirty="0" smtClean="0"/>
-              <a:t>sviluppo.</a:t>
+              <a:t>, iterativo ed incrementale, concepito per gestire progetti e prodotti software o applicazioni di sviluppo.</a:t>
             </a:r>
           </a:p>
           <a:p>
@@ -5415,7 +5381,7 @@
               </a:rPr>
               <a:t>https://www.scrumguides.org/docs/scrumguide/v2017/2017-Scrum-Guide-Italian.pdf</a:t>
             </a:r>
-            <a:endParaRPr lang="en-GB" sz="2600" baseline="30000" dirty="0" smtClean="0"/>
+            <a:endParaRPr lang="en-GB" sz="2600" baseline="30000" dirty="0"/>
           </a:p>
           <a:p>
             <a:endParaRPr lang="en-GB" dirty="0"/>
@@ -5455,13 +5421,6 @@
   <p:clrMapOvr>
     <a:masterClrMapping/>
   </p:clrMapOvr>
-  <p:timing>
-    <p:tnLst>
-      <p:par>
-        <p:cTn id="1" dur="indefinite" restart="never" nodeType="tmRoot"/>
-      </p:par>
-    </p:tnLst>
-  </p:timing>
 </p:sld>
 </file>
 
@@ -5500,15 +5459,15 @@
           <a:lstStyle/>
           <a:p>
             <a:r>
-              <a:rPr lang="it-IT" dirty="0" smtClean="0"/>
+              <a:rPr lang="it-IT" dirty="0"/>
               <a:t>Model </a:t>
             </a:r>
             <a:r>
-              <a:rPr lang="it-IT" dirty="0" err="1" smtClean="0"/>
+              <a:rPr lang="it-IT" dirty="0" err="1"/>
               <a:t>Driven</a:t>
             </a:r>
             <a:r>
-              <a:rPr lang="it-IT" dirty="0" smtClean="0"/>
+              <a:rPr lang="it-IT" dirty="0"/>
               <a:t> Software Development</a:t>
             </a:r>
             <a:endParaRPr lang="en-GB" dirty="0"/>
@@ -5531,7 +5490,7 @@
           <a:lstStyle/>
           <a:p>
             <a:r>
-              <a:rPr lang="it-IT" smtClean="0"/>
+              <a:rPr lang="it-IT"/>
               <a:t>ANatali  - DISI - ISSM2020  Univeristy of Bologna</a:t>
             </a:r>
             <a:endParaRPr lang="en-GB"/>
@@ -5565,11 +5524,7 @@
             </a:r>
             <a:r>
               <a:rPr lang="en-GB" dirty="0"/>
-              <a:t> itself on building models of a software </a:t>
-            </a:r>
-            <a:r>
-              <a:rPr lang="en-GB" dirty="0" smtClean="0"/>
-              <a:t>system.</a:t>
+              <a:t> itself on building models of a software system.</a:t>
             </a:r>
           </a:p>
           <a:p>
@@ -5594,22 +5549,10 @@
           <a:p>
             <a:r>
               <a:rPr lang="en-GB" dirty="0"/>
-              <a:t>A model is an abstraction of the system being </a:t>
-            </a:r>
-            <a:r>
-              <a:rPr lang="en-GB" dirty="0" smtClean="0"/>
-              <a:t>studied </a:t>
-            </a:r>
-            <a:r>
-              <a:rPr lang="en-GB" dirty="0"/>
-              <a:t>from different </a:t>
-            </a:r>
-            <a:r>
-              <a:rPr lang="en-GB" dirty="0" smtClean="0"/>
-              <a:t>perspectives: </a:t>
-            </a:r>
-            <a:r>
-              <a:rPr lang="it-IT" dirty="0" err="1" smtClean="0">
+              <a:t>A model is an abstraction of the system being studied from different perspectives: </a:t>
+            </a:r>
+            <a:r>
+              <a:rPr lang="it-IT" dirty="0" err="1">
                 <a:solidFill>
                   <a:srgbClr val="C00000"/>
                 </a:solidFill>
@@ -5617,7 +5560,7 @@
               <a:t>Structure</a:t>
             </a:r>
             <a:r>
-              <a:rPr lang="it-IT" dirty="0" smtClean="0">
+              <a:rPr lang="it-IT" dirty="0">
                 <a:solidFill>
                   <a:srgbClr val="C00000"/>
                 </a:solidFill>
@@ -5625,7 +5568,7 @@
               <a:t>, </a:t>
             </a:r>
             <a:r>
-              <a:rPr lang="it-IT" dirty="0" err="1" smtClean="0">
+              <a:rPr lang="it-IT" dirty="0" err="1">
                 <a:solidFill>
                   <a:srgbClr val="C00000"/>
                 </a:solidFill>
@@ -5633,7 +5576,7 @@
               <a:t>Interaction</a:t>
             </a:r>
             <a:r>
-              <a:rPr lang="it-IT" dirty="0" smtClean="0">
+              <a:rPr lang="it-IT" dirty="0">
                 <a:solidFill>
                   <a:srgbClr val="C00000"/>
                 </a:solidFill>
@@ -5641,7 +5584,7 @@
               <a:t>, </a:t>
             </a:r>
             <a:r>
-              <a:rPr lang="it-IT" dirty="0" err="1" smtClean="0">
+              <a:rPr lang="it-IT" dirty="0" err="1">
                 <a:solidFill>
                   <a:srgbClr val="C00000"/>
                 </a:solidFill>
@@ -5649,7 +5592,7 @@
               <a:t>Behavior</a:t>
             </a:r>
             <a:r>
-              <a:rPr lang="it-IT" dirty="0" smtClean="0">
+              <a:rPr lang="it-IT" dirty="0">
                 <a:solidFill>
                   <a:srgbClr val="C00000"/>
                 </a:solidFill>
@@ -5662,25 +5605,17 @@
                   <a:srgbClr val="C00000"/>
                 </a:solidFill>
               </a:rPr>
-              <a:t>E</a:t>
-            </a:r>
-            <a:r>
-              <a:rPr lang="it-IT" dirty="0" err="1" smtClean="0">
-                <a:solidFill>
-                  <a:srgbClr val="C00000"/>
-                </a:solidFill>
-              </a:rPr>
-              <a:t>xternal</a:t>
-            </a:r>
-            <a:r>
-              <a:rPr lang="it-IT" dirty="0" smtClean="0">
+              <a:t>External</a:t>
+            </a:r>
+            <a:r>
+              <a:rPr lang="it-IT" dirty="0">
                 <a:solidFill>
                   <a:srgbClr val="C00000"/>
                 </a:solidFill>
               </a:rPr>
               <a:t>)</a:t>
             </a:r>
-            <a:endParaRPr lang="en-GB" dirty="0" smtClean="0">
+            <a:endParaRPr lang="en-GB" dirty="0">
               <a:solidFill>
                 <a:srgbClr val="C00000"/>
               </a:solidFill>
@@ -5689,16 +5624,16 @@
           </a:p>
           <a:p>
             <a:r>
-              <a:rPr lang="en-GB" sz="2800" dirty="0" smtClean="0">
+              <a:rPr lang="en-GB" sz="2800" dirty="0">
                 <a:hlinkClick r:id="rId2"/>
               </a:rPr>
               <a:t>https://www.martinfowler.com/bliki/ModelDrivenSoftwareDevelopment.html </a:t>
             </a:r>
-            <a:endParaRPr lang="en-GB" sz="2800" dirty="0" smtClean="0"/>
-          </a:p>
-          <a:p>
-            <a:r>
-              <a:rPr lang="en-GB" sz="2800" dirty="0" smtClean="0">
+            <a:endParaRPr lang="en-GB" sz="2800" dirty="0"/>
+          </a:p>
+          <a:p>
+            <a:r>
+              <a:rPr lang="en-GB" sz="2800" dirty="0">
                 <a:hlinkClick r:id="rId3"/>
               </a:rPr>
               <a:t>https://en.wikipedia.org/wiki/Model-driven_engineering</a:t>
@@ -5776,7 +5711,7 @@
           <a:lstStyle/>
           <a:p>
             <a:r>
-              <a:rPr lang="it-IT" dirty="0" err="1" smtClean="0"/>
+              <a:rPr lang="it-IT" dirty="0" err="1"/>
               <a:t>Activities</a:t>
             </a:r>
             <a:endParaRPr lang="en-GB" dirty="0"/>
@@ -5799,7 +5734,7 @@
           <a:lstStyle/>
           <a:p>
             <a:r>
-              <a:rPr lang="it-IT" smtClean="0"/>
+              <a:rPr lang="it-IT"/>
               <a:t>ANatali  - DISI - ISSM2020  Univeristy of Bologna</a:t>
             </a:r>
             <a:endParaRPr lang="en-GB"/>
@@ -5851,47 +5786,15 @@
           <a:p>
             <a:r>
               <a:rPr lang="it-IT" dirty="0"/>
-              <a:t>Gli studenti sono tenuti a progettare e </a:t>
-            </a:r>
-            <a:r>
-              <a:rPr lang="it-IT" dirty="0" smtClean="0"/>
-              <a:t>costruire </a:t>
+              <a:t>Gli studenti sono tenuti a progettare e costruire in modo incrementale sistemi software, che verranno valutati </a:t>
+            </a:r>
+            <a:r>
+              <a:rPr lang="it-IT" dirty="0" err="1"/>
+              <a:t>insi</a:t>
             </a:r>
             <a:r>
               <a:rPr lang="it-IT" dirty="0"/>
-              <a:t>in modo </a:t>
-            </a:r>
-            <a:r>
-              <a:rPr lang="it-IT" dirty="0" smtClean="0"/>
-              <a:t>incrementale </a:t>
-            </a:r>
-            <a:r>
-              <a:rPr lang="it-IT" dirty="0"/>
-              <a:t>sistemi </a:t>
-            </a:r>
-            <a:r>
-              <a:rPr lang="it-IT" dirty="0" smtClean="0"/>
-              <a:t>software</a:t>
-            </a:r>
-            <a:r>
-              <a:rPr lang="it-IT" dirty="0"/>
-              <a:t>, che verranno valutati </a:t>
-            </a:r>
-            <a:r>
-              <a:rPr lang="it-IT" dirty="0" err="1" smtClean="0"/>
-              <a:t>insi</a:t>
-            </a:r>
-            <a:r>
-              <a:rPr lang="it-IT" dirty="0" smtClean="0"/>
-              <a:t> eme al docente</a:t>
-            </a:r>
-            <a:r>
-              <a:rPr lang="it-IT" dirty="0"/>
-              <a:t>, in modo da acquisire una retroazione immediata sul lavoro </a:t>
-            </a:r>
-            <a:r>
-              <a:rPr lang="it-IT" dirty="0" smtClean="0"/>
-              <a:t>svolto (</a:t>
+              <a:t> eme al docente, in modo da acquisire una retroazione immediata sul lavoro svolto (</a:t>
             </a:r>
             <a:r>
               <a:rPr lang="it-IT" sz="3100" b="1" dirty="0">
@@ -5902,12 +5805,8 @@
               <a:t>autovalutazione</a:t>
             </a:r>
             <a:r>
-              <a:rPr lang="it-IT" dirty="0" smtClean="0"/>
-              <a:t>) , </a:t>
-            </a:r>
-            <a:r>
               <a:rPr lang="it-IT" dirty="0"/>
-              <a:t>che potrà essere utilizzata per modificare/migliorare quanto sviluppato.</a:t>
+              <a:t>) , che potrà essere utilizzata per modificare/migliorare quanto sviluppato.</a:t>
             </a:r>
           </a:p>
           <a:p>
@@ -6028,7 +5927,7 @@
           <a:lstStyle/>
           <a:p>
             <a:r>
-              <a:rPr lang="it-IT" dirty="0" smtClean="0">
+              <a:rPr lang="it-IT" dirty="0">
                 <a:solidFill>
                   <a:srgbClr val="C00000"/>
                 </a:solidFill>
@@ -6059,7 +5958,7 @@
           <a:lstStyle/>
           <a:p>
             <a:r>
-              <a:rPr lang="it-IT" smtClean="0"/>
+              <a:rPr lang="it-IT"/>
               <a:t>ANatali  - DISI - ISSM2020  Univeristy of Bologna</a:t>
             </a:r>
             <a:endParaRPr lang="en-GB"/>
@@ -6084,132 +5983,132 @@
           <a:lstStyle/>
           <a:p>
             <a:r>
-              <a:rPr lang="it-IT" dirty="0" smtClean="0"/>
+              <a:rPr lang="it-IT" dirty="0"/>
               <a:t>Design and </a:t>
             </a:r>
             <a:r>
-              <a:rPr lang="it-IT" dirty="0" err="1" smtClean="0"/>
+              <a:rPr lang="it-IT" dirty="0" err="1"/>
               <a:t>build</a:t>
             </a:r>
             <a:r>
-              <a:rPr lang="it-IT" dirty="0" smtClean="0"/>
+              <a:rPr lang="it-IT" dirty="0"/>
               <a:t> a software </a:t>
             </a:r>
             <a:r>
-              <a:rPr lang="it-IT" dirty="0" err="1" smtClean="0"/>
+              <a:rPr lang="it-IT" dirty="0" err="1"/>
               <a:t>system</a:t>
             </a:r>
             <a:r>
-              <a:rPr lang="it-IT" dirty="0" smtClean="0"/>
+              <a:rPr lang="it-IT" dirty="0"/>
               <a:t> to control a DDR (</a:t>
             </a:r>
             <a:r>
-              <a:rPr lang="it-IT" dirty="0" err="1" smtClean="0"/>
+              <a:rPr lang="it-IT" dirty="0" err="1"/>
               <a:t>differential</a:t>
             </a:r>
             <a:r>
-              <a:rPr lang="it-IT" dirty="0" smtClean="0"/>
+              <a:rPr lang="it-IT" dirty="0"/>
               <a:t> drive robot) so </a:t>
             </a:r>
             <a:r>
-              <a:rPr lang="it-IT" dirty="0" err="1" smtClean="0"/>
+              <a:rPr lang="it-IT" dirty="0" err="1"/>
               <a:t>that</a:t>
             </a:r>
             <a:r>
-              <a:rPr lang="it-IT" dirty="0" smtClean="0"/>
+              <a:rPr lang="it-IT" dirty="0"/>
               <a:t>:</a:t>
             </a:r>
           </a:p>
           <a:p>
             <a:pPr lvl="1"/>
             <a:r>
-              <a:rPr lang="it-IT" dirty="0" smtClean="0"/>
+              <a:rPr lang="it-IT" dirty="0"/>
               <a:t>The robot </a:t>
             </a:r>
             <a:r>
-              <a:rPr lang="it-IT" dirty="0" err="1" smtClean="0"/>
+              <a:rPr lang="it-IT" dirty="0" err="1"/>
               <a:t>is</a:t>
             </a:r>
             <a:r>
-              <a:rPr lang="it-IT" dirty="0" smtClean="0"/>
+              <a:rPr lang="it-IT" dirty="0"/>
               <a:t> </a:t>
             </a:r>
             <a:r>
-              <a:rPr lang="it-IT" dirty="0" err="1" smtClean="0"/>
+              <a:rPr lang="it-IT" dirty="0" err="1"/>
               <a:t>able</a:t>
             </a:r>
             <a:r>
-              <a:rPr lang="it-IT" dirty="0" smtClean="0"/>
+              <a:rPr lang="it-IT" dirty="0"/>
               <a:t> to </a:t>
             </a:r>
             <a:r>
-              <a:rPr lang="it-IT" dirty="0" err="1" smtClean="0"/>
+              <a:rPr lang="it-IT" dirty="0" err="1"/>
               <a:t>explore</a:t>
             </a:r>
             <a:r>
-              <a:rPr lang="it-IT" dirty="0" smtClean="0"/>
+              <a:rPr lang="it-IT" dirty="0"/>
               <a:t> in a </a:t>
             </a:r>
             <a:r>
-              <a:rPr lang="it-IT" dirty="0" err="1" smtClean="0"/>
+              <a:rPr lang="it-IT" dirty="0" err="1"/>
               <a:t>sistematic</a:t>
             </a:r>
             <a:r>
-              <a:rPr lang="it-IT" dirty="0" smtClean="0"/>
+              <a:rPr lang="it-IT" dirty="0"/>
               <a:t> and </a:t>
             </a:r>
             <a:r>
-              <a:rPr lang="it-IT" dirty="0" err="1" smtClean="0"/>
+              <a:rPr lang="it-IT" dirty="0" err="1"/>
               <a:t>autonomus</a:t>
             </a:r>
             <a:r>
-              <a:rPr lang="it-IT" dirty="0" smtClean="0"/>
+              <a:rPr lang="it-IT" dirty="0"/>
               <a:t> way a room</a:t>
             </a:r>
           </a:p>
           <a:p>
             <a:pPr lvl="1"/>
             <a:r>
-              <a:rPr lang="it-IT" dirty="0" smtClean="0"/>
+              <a:rPr lang="it-IT" dirty="0"/>
               <a:t>By </a:t>
             </a:r>
             <a:r>
-              <a:rPr lang="it-IT" dirty="0" err="1" smtClean="0"/>
+              <a:rPr lang="it-IT" dirty="0" err="1"/>
               <a:t>showing</a:t>
             </a:r>
             <a:r>
-              <a:rPr lang="it-IT" dirty="0" smtClean="0"/>
+              <a:rPr lang="it-IT" dirty="0"/>
               <a:t> (in </a:t>
             </a:r>
             <a:r>
-              <a:rPr lang="it-IT" dirty="0" err="1" smtClean="0"/>
+              <a:rPr lang="it-IT" dirty="0" err="1"/>
               <a:t>real</a:t>
             </a:r>
             <a:r>
-              <a:rPr lang="it-IT" dirty="0" smtClean="0"/>
+              <a:rPr lang="it-IT" dirty="0"/>
               <a:t> time) a </a:t>
             </a:r>
             <a:r>
-              <a:rPr lang="it-IT" dirty="0" err="1" smtClean="0"/>
+              <a:rPr lang="it-IT" dirty="0" err="1"/>
               <a:t>picture</a:t>
             </a:r>
             <a:r>
-              <a:rPr lang="it-IT" dirty="0" smtClean="0"/>
+              <a:rPr lang="it-IT" dirty="0"/>
               <a:t> of the </a:t>
             </a:r>
             <a:r>
-              <a:rPr lang="it-IT" dirty="0" err="1" smtClean="0"/>
+              <a:rPr lang="it-IT" dirty="0" err="1"/>
               <a:t>explored</a:t>
             </a:r>
             <a:r>
-              <a:rPr lang="it-IT" dirty="0" smtClean="0"/>
+              <a:rPr lang="it-IT" dirty="0"/>
               <a:t> </a:t>
             </a:r>
             <a:r>
-              <a:rPr lang="it-IT" dirty="0" err="1" smtClean="0"/>
+              <a:rPr lang="it-IT" dirty="0" err="1"/>
               <a:t>space</a:t>
             </a:r>
-            <a:endParaRPr lang="it-IT" dirty="0" smtClean="0"/>
+            <a:endParaRPr lang="it-IT" dirty="0"/>
           </a:p>
         </p:txBody>
       </p:sp>
@@ -6285,11 +6184,7 @@
           <a:p>
             <a:r>
               <a:rPr lang="en-GB" b="1" dirty="0"/>
-              <a:t>Teaching and Assessment </a:t>
-            </a:r>
-            <a:r>
-              <a:rPr lang="en-GB" b="1" dirty="0" smtClean="0"/>
-              <a:t>methods</a:t>
+              <a:t>Teaching and Assessment methods</a:t>
             </a:r>
             <a:endParaRPr lang="en-GB" dirty="0"/>
           </a:p>
@@ -6311,7 +6206,7 @@
           <a:lstStyle/>
           <a:p>
             <a:r>
-              <a:rPr lang="it-IT" smtClean="0"/>
+              <a:rPr lang="it-IT"/>
               <a:t>ANatali  - DISI - ISSM2020  Univeristy of Bologna</a:t>
             </a:r>
             <a:endParaRPr lang="en-GB"/>
@@ -6342,17 +6237,12 @@
               <a:rPr lang="en-GB" dirty="0"/>
               <a:t>The examination will performed in two-phases. </a:t>
             </a:r>
-            <a:endParaRPr lang="en-GB" dirty="0" smtClean="0"/>
           </a:p>
           <a:p>
             <a:pPr marL="457200" indent="-457200"/>
             <a:r>
-              <a:rPr lang="en-GB" dirty="0" smtClean="0"/>
-              <a:t>The </a:t>
-            </a:r>
-            <a:r>
               <a:rPr lang="en-GB" dirty="0"/>
-              <a:t>first phase starts by publishing a set of requirements and ends with the production of a prototype  of a software system satisfying the requirements,  </a:t>
+              <a:t>The first phase starts by publishing a set of requirements and ends with the production of a prototype  of a software system satisfying the requirements,  </a:t>
             </a:r>
             <a:r>
               <a:rPr lang="en-GB" dirty="0" err="1"/>
@@ -6370,17 +6260,12 @@
               <a:rPr lang="en-GB" dirty="0"/>
               <a:t> both in individual  way or in a team. </a:t>
             </a:r>
-            <a:endParaRPr lang="en-GB" dirty="0" smtClean="0"/>
           </a:p>
           <a:p>
             <a:pPr marL="457200" indent="-457200"/>
             <a:r>
-              <a:rPr lang="en-GB" dirty="0" smtClean="0"/>
-              <a:t>The </a:t>
-            </a:r>
-            <a:r>
               <a:rPr lang="en-GB" dirty="0"/>
-              <a:t>second phase consists of a individual discussion of the work, in which the student is invited to present the relevant project choices with reference to the </a:t>
+              <a:t>The second phase consists of a individual discussion of the work, in which the student is invited to present the relevant project choices with reference to the </a:t>
             </a:r>
             <a:r>
               <a:rPr lang="en-GB" dirty="0" err="1"/>
@@ -6388,32 +6273,28 @@
             </a:r>
             <a:r>
               <a:rPr lang="en-GB" dirty="0"/>
-              <a:t>/practical concepts learned during the </a:t>
-            </a:r>
-            <a:r>
-              <a:rPr lang="en-GB" dirty="0" smtClean="0"/>
-              <a:t>course.</a:t>
+              <a:t>/practical concepts learned during the course.</a:t>
             </a:r>
           </a:p>
           <a:p>
             <a:pPr marL="0" indent="0">
               <a:buNone/>
             </a:pPr>
-            <a:endParaRPr lang="it-IT" dirty="0" smtClean="0"/>
+            <a:endParaRPr lang="it-IT" dirty="0"/>
           </a:p>
           <a:p>
             <a:pPr marL="0" indent="0">
               <a:buNone/>
             </a:pPr>
             <a:r>
-              <a:rPr lang="it-IT" dirty="0" smtClean="0">
+              <a:rPr lang="it-IT" dirty="0">
                 <a:solidFill>
                   <a:srgbClr val="C00000"/>
                 </a:solidFill>
               </a:rPr>
               <a:t>ESEMPI</a:t>
             </a:r>
-            <a:endParaRPr lang="en-GB" dirty="0" smtClean="0">
+            <a:endParaRPr lang="en-GB" dirty="0">
               <a:solidFill>
                 <a:srgbClr val="C00000"/>
               </a:solidFill>
@@ -6424,27 +6305,27 @@
               <a:buNone/>
             </a:pPr>
             <a:r>
-              <a:rPr lang="it-IT" dirty="0" smtClean="0">
+              <a:rPr lang="it-IT" dirty="0">
                 <a:hlinkClick r:id="rId2"/>
               </a:rPr>
               <a:t>TemaFinale1</a:t>
             </a:r>
             <a:r>
-              <a:rPr lang="it-IT" dirty="0" smtClean="0"/>
+              <a:rPr lang="it-IT" dirty="0"/>
               <a:t> - </a:t>
             </a:r>
             <a:r>
-              <a:rPr lang="it-IT" dirty="0" smtClean="0">
+              <a:rPr lang="it-IT" dirty="0">
                 <a:hlinkClick r:id="rId3"/>
               </a:rPr>
               <a:t>TemaFinale2</a:t>
             </a:r>
             <a:r>
-              <a:rPr lang="it-IT" dirty="0" smtClean="0"/>
+              <a:rPr lang="it-IT" dirty="0"/>
               <a:t> - </a:t>
             </a:r>
             <a:r>
-              <a:rPr lang="it-IT" dirty="0" smtClean="0">
+              <a:rPr lang="it-IT" dirty="0">
                 <a:hlinkClick r:id="rId4"/>
               </a:rPr>
               <a:t>TemaFinale3</a:t>
@@ -6490,13 +6371,6 @@
   <p:clrMapOvr>
     <a:masterClrMapping/>
   </p:clrMapOvr>
-  <p:timing>
-    <p:tnLst>
-      <p:par>
-        <p:cTn id="1" dur="indefinite" restart="never" nodeType="tmRoot"/>
-      </p:par>
-    </p:tnLst>
-  </p:timing>
 </p:sld>
 </file>
 
@@ -6533,7 +6407,7 @@
           <a:lstStyle/>
           <a:p>
             <a:r>
-              <a:rPr lang="it-IT" dirty="0" smtClean="0"/>
+              <a:rPr lang="it-IT" dirty="0"/>
               <a:t>WORFLOW  </a:t>
             </a:r>
             <a:endParaRPr lang="en-GB" dirty="0"/>
@@ -6561,19 +6435,19 @@
           <a:lstStyle/>
           <a:p>
             <a:r>
-              <a:rPr lang="it-IT" dirty="0" err="1" smtClean="0"/>
+              <a:rPr lang="it-IT" dirty="0" err="1"/>
               <a:t>ANatali</a:t>
             </a:r>
             <a:r>
-              <a:rPr lang="it-IT" dirty="0" smtClean="0"/>
+              <a:rPr lang="it-IT" dirty="0"/>
               <a:t>  - DISI - ISSM2020  </a:t>
             </a:r>
             <a:r>
-              <a:rPr lang="it-IT" dirty="0" err="1" smtClean="0"/>
+              <a:rPr lang="it-IT" dirty="0" err="1"/>
               <a:t>Univeristy</a:t>
             </a:r>
             <a:r>
-              <a:rPr lang="it-IT" dirty="0" smtClean="0"/>
+              <a:rPr lang="it-IT" dirty="0"/>
               <a:t> of Bologna</a:t>
             </a:r>
             <a:endParaRPr lang="en-GB" dirty="0"/>
@@ -6603,125 +6477,121 @@
           <a:lstStyle/>
           <a:p>
             <a:r>
-              <a:rPr lang="it-IT" sz="2400" dirty="0" smtClean="0"/>
+              <a:rPr lang="it-IT" sz="2400" dirty="0"/>
               <a:t>Beyond ‘</a:t>
             </a:r>
             <a:r>
-              <a:rPr lang="it-IT" sz="2400" dirty="0" err="1" smtClean="0"/>
+              <a:rPr lang="it-IT" sz="2400" dirty="0" err="1"/>
               <a:t>traditional</a:t>
             </a:r>
             <a:r>
-              <a:rPr lang="it-IT" sz="2400" dirty="0" smtClean="0"/>
+              <a:rPr lang="it-IT" sz="2400" dirty="0"/>
               <a:t>’ </a:t>
             </a:r>
             <a:r>
-              <a:rPr lang="it-IT" sz="2400" dirty="0" err="1" smtClean="0"/>
+              <a:rPr lang="it-IT" sz="2400" dirty="0" err="1"/>
               <a:t>programming</a:t>
             </a:r>
             <a:r>
-              <a:rPr lang="it-IT" sz="2400" dirty="0" smtClean="0"/>
+              <a:rPr lang="it-IT" sz="2400" dirty="0"/>
               <a:t> </a:t>
             </a:r>
             <a:r>
-              <a:rPr lang="it-IT" sz="2400" dirty="0" err="1" smtClean="0"/>
+              <a:rPr lang="it-IT" sz="2400" dirty="0" err="1"/>
               <a:t>models</a:t>
             </a:r>
             <a:r>
-              <a:rPr lang="it-IT" sz="2400" dirty="0" smtClean="0"/>
+              <a:rPr lang="it-IT" sz="2400" dirty="0"/>
               <a:t>: from Java to </a:t>
             </a:r>
             <a:r>
-              <a:rPr lang="it-IT" sz="2400" dirty="0" err="1" smtClean="0"/>
+              <a:rPr lang="it-IT" sz="2400" dirty="0" err="1"/>
               <a:t>Kotlin</a:t>
             </a:r>
             <a:r>
-              <a:rPr lang="it-IT" sz="2400" dirty="0" smtClean="0"/>
+              <a:rPr lang="it-IT" sz="2400" dirty="0"/>
               <a:t> and </a:t>
             </a:r>
             <a:r>
-              <a:rPr lang="it-IT" sz="2400" dirty="0" err="1" smtClean="0"/>
+              <a:rPr lang="it-IT" sz="2400" dirty="0" err="1"/>
               <a:t>Node</a:t>
             </a:r>
-            <a:endParaRPr lang="it-IT" sz="2400" dirty="0" smtClean="0"/>
-          </a:p>
-          <a:p>
-            <a:r>
-              <a:rPr lang="it-IT" sz="2400" dirty="0" err="1" smtClean="0"/>
+            <a:endParaRPr lang="it-IT" sz="2400" dirty="0"/>
+          </a:p>
+          <a:p>
+            <a:r>
+              <a:rPr lang="it-IT" sz="2400" dirty="0" err="1"/>
               <a:t>Towards</a:t>
             </a:r>
             <a:r>
-              <a:rPr lang="it-IT" sz="2400" dirty="0" smtClean="0"/>
+              <a:rPr lang="it-IT" sz="2400" dirty="0"/>
               <a:t> </a:t>
             </a:r>
             <a:r>
               <a:rPr lang="it-IT" sz="2400" dirty="0" err="1"/>
-              <a:t>h</a:t>
-            </a:r>
-            <a:r>
-              <a:rPr lang="it-IT" sz="2400" dirty="0" err="1" smtClean="0"/>
-              <a:t>eterogenous</a:t>
-            </a:r>
-            <a:r>
-              <a:rPr lang="it-IT" sz="2400" dirty="0" smtClean="0"/>
+              <a:t>heterogenous</a:t>
+            </a:r>
+            <a:r>
+              <a:rPr lang="it-IT" sz="2400" dirty="0"/>
               <a:t> </a:t>
             </a:r>
             <a:r>
-              <a:rPr lang="it-IT" sz="2400" dirty="0" err="1" smtClean="0"/>
+              <a:rPr lang="it-IT" sz="2400" dirty="0" err="1"/>
               <a:t>distributed</a:t>
             </a:r>
             <a:r>
-              <a:rPr lang="it-IT" sz="2400" dirty="0" smtClean="0"/>
+              <a:rPr lang="it-IT" sz="2400" dirty="0"/>
               <a:t> </a:t>
             </a:r>
             <a:r>
-              <a:rPr lang="it-IT" sz="2400" dirty="0" err="1" smtClean="0"/>
+              <a:rPr lang="it-IT" sz="2400" dirty="0" err="1"/>
               <a:t>systems</a:t>
             </a:r>
             <a:r>
-              <a:rPr lang="it-IT" sz="2400" dirty="0" smtClean="0"/>
+              <a:rPr lang="it-IT" sz="2400" dirty="0"/>
               <a:t> by </a:t>
             </a:r>
             <a:r>
-              <a:rPr lang="it-IT" sz="2400" dirty="0" err="1" smtClean="0"/>
+              <a:rPr lang="it-IT" sz="2400" dirty="0" err="1"/>
               <a:t>means</a:t>
             </a:r>
             <a:r>
-              <a:rPr lang="it-IT" sz="2400" dirty="0" smtClean="0"/>
+              <a:rPr lang="it-IT" sz="2400" dirty="0"/>
               <a:t> of  DDR </a:t>
             </a:r>
             <a:r>
-              <a:rPr lang="it-IT" sz="2400" dirty="0" err="1" smtClean="0"/>
+              <a:rPr lang="it-IT" sz="2400" dirty="0" err="1"/>
               <a:t>Robots</a:t>
             </a:r>
             <a:r>
-              <a:rPr lang="it-IT" sz="2400" dirty="0" smtClean="0"/>
+              <a:rPr lang="it-IT" sz="2400" dirty="0"/>
               <a:t> </a:t>
             </a:r>
             <a:r>
-              <a:rPr lang="it-IT" sz="2400" dirty="0" err="1" smtClean="0"/>
+              <a:rPr lang="it-IT" sz="2400" dirty="0" err="1"/>
               <a:t>based</a:t>
             </a:r>
             <a:r>
-              <a:rPr lang="it-IT" sz="2400" dirty="0" smtClean="0"/>
+              <a:rPr lang="it-IT" sz="2400" dirty="0"/>
               <a:t> on Arduino and </a:t>
             </a:r>
             <a:r>
-              <a:rPr lang="it-IT" sz="2400" dirty="0" err="1" smtClean="0"/>
+              <a:rPr lang="it-IT" sz="2400" dirty="0" err="1"/>
               <a:t>Raspberry</a:t>
             </a:r>
-            <a:endParaRPr lang="it-IT" sz="2400" dirty="0" smtClean="0"/>
-          </a:p>
-          <a:p>
-            <a:r>
-              <a:rPr lang="it-IT" sz="2400" dirty="0" smtClean="0"/>
+            <a:endParaRPr lang="it-IT" sz="2400" dirty="0"/>
+          </a:p>
+          <a:p>
+            <a:r>
+              <a:rPr lang="it-IT" sz="2400" dirty="0"/>
               <a:t>Software design and </a:t>
             </a:r>
             <a:r>
-              <a:rPr lang="it-IT" sz="2400" dirty="0" err="1" smtClean="0"/>
+              <a:rPr lang="it-IT" sz="2400" dirty="0" err="1"/>
               <a:t>development</a:t>
             </a:r>
             <a:r>
-              <a:rPr lang="it-IT" sz="2400" dirty="0" smtClean="0"/>
+              <a:rPr lang="it-IT" sz="2400" dirty="0"/>
               <a:t> : from bottom-up to top-down</a:t>
             </a:r>
           </a:p>
@@ -6730,79 +6600,79 @@
               <a:buNone/>
             </a:pPr>
             <a:r>
-              <a:rPr lang="it-IT" sz="2400" dirty="0" smtClean="0"/>
+              <a:rPr lang="it-IT" sz="2400" dirty="0"/>
               <a:t>-------------------------------------------------------------------------------------------</a:t>
             </a:r>
           </a:p>
           <a:p>
             <a:r>
-              <a:rPr lang="it-IT" sz="2400" dirty="0" smtClean="0"/>
+              <a:rPr lang="it-IT" sz="2400" dirty="0"/>
               <a:t>From </a:t>
             </a:r>
             <a:r>
-              <a:rPr lang="it-IT" sz="2400" dirty="0" err="1" smtClean="0"/>
+              <a:rPr lang="it-IT" sz="2400" dirty="0" err="1"/>
               <a:t>problems</a:t>
             </a:r>
             <a:r>
-              <a:rPr lang="it-IT" sz="2400" dirty="0" smtClean="0"/>
+              <a:rPr lang="it-IT" sz="2400" dirty="0"/>
               <a:t> to  </a:t>
             </a:r>
             <a:r>
-              <a:rPr lang="it-IT" sz="2400" dirty="0" err="1" smtClean="0"/>
+              <a:rPr lang="it-IT" sz="2400" dirty="0" err="1"/>
               <a:t>projects</a:t>
             </a:r>
             <a:r>
-              <a:rPr lang="it-IT" sz="2400" dirty="0" smtClean="0"/>
+              <a:rPr lang="it-IT" sz="2400" dirty="0"/>
               <a:t>: the </a:t>
             </a:r>
             <a:r>
-              <a:rPr lang="it-IT" sz="2400" dirty="0" err="1" smtClean="0"/>
+              <a:rPr lang="it-IT" sz="2400" dirty="0" err="1"/>
               <a:t>role</a:t>
             </a:r>
             <a:r>
-              <a:rPr lang="it-IT" sz="2400" dirty="0" smtClean="0"/>
+              <a:rPr lang="it-IT" sz="2400" dirty="0"/>
               <a:t> of </a:t>
             </a:r>
             <a:r>
-              <a:rPr lang="it-IT" sz="2400" dirty="0" err="1" smtClean="0"/>
+              <a:rPr lang="it-IT" sz="2400" dirty="0" err="1"/>
               <a:t>requirement</a:t>
             </a:r>
             <a:r>
-              <a:rPr lang="it-IT" sz="2400" dirty="0" smtClean="0"/>
+              <a:rPr lang="it-IT" sz="2400" dirty="0"/>
               <a:t>/problem </a:t>
             </a:r>
             <a:r>
-              <a:rPr lang="it-IT" sz="2400" dirty="0" err="1" smtClean="0"/>
+              <a:rPr lang="it-IT" sz="2400" dirty="0" err="1"/>
               <a:t>analysis</a:t>
             </a:r>
             <a:r>
-              <a:rPr lang="it-IT" sz="2400" dirty="0" smtClean="0"/>
+              <a:rPr lang="it-IT" sz="2400" dirty="0"/>
               <a:t> and of test planning. The </a:t>
             </a:r>
             <a:r>
-              <a:rPr lang="it-IT" sz="2400" dirty="0" err="1" smtClean="0"/>
+              <a:rPr lang="it-IT" sz="2400" dirty="0" err="1"/>
               <a:t>need</a:t>
             </a:r>
             <a:r>
-              <a:rPr lang="it-IT" sz="2400" dirty="0" smtClean="0"/>
+              <a:rPr lang="it-IT" sz="2400" dirty="0"/>
               <a:t> of MDSD.</a:t>
             </a:r>
           </a:p>
           <a:p>
             <a:r>
-              <a:rPr lang="it-IT" sz="2400" dirty="0" smtClean="0"/>
+              <a:rPr lang="it-IT" sz="2400" dirty="0"/>
               <a:t>The </a:t>
             </a:r>
             <a:r>
-              <a:rPr lang="it-IT" sz="2400" dirty="0" err="1" smtClean="0"/>
+              <a:rPr lang="it-IT" sz="2400" dirty="0" err="1"/>
               <a:t>issue</a:t>
             </a:r>
             <a:r>
-              <a:rPr lang="it-IT" sz="2400" dirty="0" smtClean="0"/>
+              <a:rPr lang="it-IT" sz="2400" dirty="0"/>
               <a:t> of </a:t>
             </a:r>
             <a:r>
-              <a:rPr lang="it-IT" sz="2400" dirty="0" err="1" smtClean="0"/>
+              <a:rPr lang="it-IT" sz="2400" dirty="0" err="1"/>
               <a:t>distribution</a:t>
             </a:r>
             <a:r>
@@ -6810,16 +6680,12 @@
               <a:t>: </a:t>
             </a:r>
             <a:r>
-              <a:rPr lang="it-IT" sz="2400" dirty="0" err="1" smtClean="0"/>
+              <a:rPr lang="it-IT" sz="2400" dirty="0" err="1"/>
               <a:t>need</a:t>
             </a:r>
             <a:r>
-              <a:rPr lang="it-IT" sz="2400" dirty="0" smtClean="0"/>
-              <a:t> </a:t>
-            </a:r>
-            <a:r>
               <a:rPr lang="it-IT" sz="2400" dirty="0"/>
-              <a:t>of a </a:t>
+              <a:t> of a </a:t>
             </a:r>
             <a:r>
               <a:rPr lang="it-IT" sz="2400" dirty="0" err="1"/>
@@ -6830,11 +6696,11 @@
               <a:t> (design </a:t>
             </a:r>
             <a:r>
-              <a:rPr lang="it-IT" sz="2400" dirty="0" err="1" smtClean="0"/>
+              <a:rPr lang="it-IT" sz="2400" dirty="0" err="1"/>
               <a:t>patterns</a:t>
             </a:r>
             <a:r>
-              <a:rPr lang="it-IT" sz="2400" dirty="0" smtClean="0"/>
+              <a:rPr lang="it-IT" sz="2400" dirty="0"/>
               <a:t>), of </a:t>
             </a:r>
             <a:r>
@@ -6846,105 +6712,105 @@
               <a:t> </a:t>
             </a:r>
             <a:r>
-              <a:rPr lang="it-IT" sz="2400" dirty="0" err="1" smtClean="0"/>
+              <a:rPr lang="it-IT" sz="2400" dirty="0" err="1"/>
               <a:t>tools</a:t>
             </a:r>
             <a:r>
-              <a:rPr lang="it-IT" sz="2400" dirty="0" smtClean="0"/>
+              <a:rPr lang="it-IT" sz="2400" dirty="0"/>
               <a:t>/</a:t>
             </a:r>
             <a:r>
-              <a:rPr lang="it-IT" sz="2400" dirty="0" err="1" smtClean="0"/>
+              <a:rPr lang="it-IT" sz="2400" dirty="0" err="1"/>
               <a:t>frameworks</a:t>
             </a:r>
             <a:r>
-              <a:rPr lang="it-IT" sz="2400" dirty="0" smtClean="0"/>
+              <a:rPr lang="it-IT" sz="2400" dirty="0"/>
               <a:t> and DDD.</a:t>
             </a:r>
           </a:p>
           <a:p>
             <a:r>
-              <a:rPr lang="it-IT" sz="2400" dirty="0" smtClean="0"/>
+              <a:rPr lang="it-IT" sz="2400" dirty="0"/>
               <a:t>From ‘</a:t>
             </a:r>
             <a:r>
-              <a:rPr lang="it-IT" sz="2400" dirty="0" err="1" smtClean="0"/>
+              <a:rPr lang="it-IT" sz="2400" dirty="0" err="1"/>
               <a:t>programs</a:t>
             </a:r>
             <a:r>
-              <a:rPr lang="it-IT" sz="2400" dirty="0" smtClean="0"/>
+              <a:rPr lang="it-IT" sz="2400" dirty="0"/>
               <a:t>’ to Software </a:t>
             </a:r>
             <a:r>
-              <a:rPr lang="it-IT" sz="2400" dirty="0" err="1" smtClean="0"/>
+              <a:rPr lang="it-IT" sz="2400" dirty="0" err="1"/>
               <a:t>Architectures</a:t>
             </a:r>
             <a:r>
-              <a:rPr lang="it-IT" sz="2400" dirty="0" smtClean="0"/>
+              <a:rPr lang="it-IT" sz="2400" dirty="0"/>
               <a:t> </a:t>
             </a:r>
             <a:r>
-              <a:rPr lang="it-IT" sz="2400" dirty="0" err="1" smtClean="0"/>
+              <a:rPr lang="it-IT" sz="2400" dirty="0" err="1"/>
               <a:t>based</a:t>
             </a:r>
             <a:r>
-              <a:rPr lang="it-IT" sz="2400" dirty="0" smtClean="0"/>
+              <a:rPr lang="it-IT" sz="2400" dirty="0"/>
               <a:t> on (micro)</a:t>
             </a:r>
             <a:r>
-              <a:rPr lang="it-IT" sz="2400" dirty="0" err="1" smtClean="0"/>
+              <a:rPr lang="it-IT" sz="2400" dirty="0" err="1"/>
               <a:t>services</a:t>
             </a:r>
             <a:r>
-              <a:rPr lang="it-IT" sz="2400" dirty="0" smtClean="0"/>
+              <a:rPr lang="it-IT" sz="2400" dirty="0"/>
               <a:t>: the </a:t>
             </a:r>
             <a:r>
-              <a:rPr lang="it-IT" sz="2400" dirty="0" err="1" smtClean="0"/>
+              <a:rPr lang="it-IT" sz="2400" dirty="0" err="1"/>
               <a:t>need</a:t>
             </a:r>
             <a:r>
-              <a:rPr lang="it-IT" sz="2400" dirty="0" smtClean="0"/>
+              <a:rPr lang="it-IT" sz="2400" dirty="0"/>
               <a:t> of ‘</a:t>
             </a:r>
             <a:r>
-              <a:rPr lang="it-IT" sz="2400" dirty="0" err="1" smtClean="0"/>
+              <a:rPr lang="it-IT" sz="2400" dirty="0" err="1"/>
               <a:t>technoloy</a:t>
             </a:r>
             <a:r>
-              <a:rPr lang="it-IT" sz="2400" dirty="0" smtClean="0"/>
+              <a:rPr lang="it-IT" sz="2400" dirty="0"/>
               <a:t> </a:t>
             </a:r>
             <a:r>
-              <a:rPr lang="it-IT" sz="2400" dirty="0" err="1" smtClean="0"/>
+              <a:rPr lang="it-IT" sz="2400" dirty="0" err="1"/>
               <a:t>independence</a:t>
             </a:r>
             <a:r>
-              <a:rPr lang="it-IT" sz="2400" dirty="0" smtClean="0"/>
+              <a:rPr lang="it-IT" sz="2400" dirty="0"/>
               <a:t>’ (e.g. from network </a:t>
             </a:r>
             <a:r>
-              <a:rPr lang="it-IT" sz="2400" dirty="0" err="1" smtClean="0"/>
+              <a:rPr lang="it-IT" sz="2400" dirty="0" err="1"/>
               <a:t>protocols</a:t>
             </a:r>
             <a:r>
-              <a:rPr lang="it-IT" sz="2400" dirty="0" smtClean="0"/>
+              <a:rPr lang="it-IT" sz="2400" dirty="0"/>
               <a:t> </a:t>
             </a:r>
             <a:r>
-              <a:rPr lang="it-IT" sz="2400" dirty="0" err="1" smtClean="0"/>
+              <a:rPr lang="it-IT" sz="2400" dirty="0" err="1"/>
               <a:t>UDP,TCP,HTTP,CoAP</a:t>
             </a:r>
             <a:r>
-              <a:rPr lang="it-IT" sz="2400" dirty="0" smtClean="0"/>
+              <a:rPr lang="it-IT" sz="2400" dirty="0"/>
               <a:t>, </a:t>
             </a:r>
             <a:r>
-              <a:rPr lang="it-IT" sz="2400" dirty="0" err="1" smtClean="0"/>
+              <a:rPr lang="it-IT" sz="2400" dirty="0" err="1"/>
               <a:t>framerworks</a:t>
             </a:r>
             <a:r>
-              <a:rPr lang="it-IT" sz="2400" dirty="0" smtClean="0"/>
+              <a:rPr lang="it-IT" sz="2400" dirty="0"/>
               <a:t>, etc. …)</a:t>
             </a:r>
           </a:p>
@@ -6953,91 +6819,91 @@
               <a:buNone/>
             </a:pPr>
             <a:r>
-              <a:rPr lang="it-IT" sz="2400" dirty="0" smtClean="0"/>
+              <a:rPr lang="it-IT" sz="2400" dirty="0"/>
               <a:t>-----------------------------------------------------------------------------------------</a:t>
             </a:r>
           </a:p>
           <a:p>
             <a:r>
-              <a:rPr lang="it-IT" sz="2400" dirty="0" smtClean="0"/>
+              <a:rPr lang="it-IT" sz="2400" dirty="0"/>
               <a:t>Beyond UML:  </a:t>
             </a:r>
             <a:r>
-              <a:rPr lang="it-IT" sz="2400" dirty="0" err="1" smtClean="0"/>
+              <a:rPr lang="it-IT" sz="2400" dirty="0" err="1"/>
               <a:t>introduction</a:t>
             </a:r>
             <a:r>
-              <a:rPr lang="it-IT" sz="2400" dirty="0" smtClean="0"/>
+              <a:rPr lang="it-IT" sz="2400" dirty="0"/>
               <a:t> of  a custom </a:t>
             </a:r>
             <a:r>
-              <a:rPr lang="it-IT" sz="2400" dirty="0" err="1" smtClean="0"/>
+              <a:rPr lang="it-IT" sz="2400" dirty="0" err="1"/>
               <a:t>metamodel</a:t>
             </a:r>
             <a:r>
-              <a:rPr lang="it-IT" sz="2400" dirty="0" smtClean="0"/>
+              <a:rPr lang="it-IT" sz="2400" dirty="0"/>
               <a:t> / </a:t>
             </a:r>
             <a:r>
-              <a:rPr lang="it-IT" sz="2400" dirty="0" err="1" smtClean="0"/>
+              <a:rPr lang="it-IT" sz="2400" dirty="0" err="1"/>
               <a:t>language</a:t>
             </a:r>
-            <a:endParaRPr lang="it-IT" sz="2400" dirty="0" smtClean="0"/>
-          </a:p>
-          <a:p>
-            <a:r>
-              <a:rPr lang="it-IT" sz="2400" dirty="0" smtClean="0"/>
+            <a:endParaRPr lang="it-IT" sz="2400" dirty="0"/>
+          </a:p>
+          <a:p>
+            <a:r>
+              <a:rPr lang="it-IT" sz="2400" dirty="0"/>
               <a:t>Using </a:t>
             </a:r>
             <a:r>
-              <a:rPr lang="it-IT" sz="2400" dirty="0" err="1" smtClean="0"/>
+              <a:rPr lang="it-IT" sz="2400" dirty="0" err="1"/>
               <a:t>executable</a:t>
             </a:r>
             <a:r>
-              <a:rPr lang="it-IT" sz="2400" dirty="0" smtClean="0"/>
+              <a:rPr lang="it-IT" sz="2400" dirty="0"/>
               <a:t> </a:t>
             </a:r>
             <a:r>
-              <a:rPr lang="it-IT" sz="2400" dirty="0" err="1" smtClean="0"/>
+              <a:rPr lang="it-IT" sz="2400" dirty="0" err="1"/>
               <a:t>models</a:t>
             </a:r>
             <a:r>
-              <a:rPr lang="it-IT" sz="2400" dirty="0" smtClean="0"/>
+              <a:rPr lang="it-IT" sz="2400" dirty="0"/>
               <a:t> for agile, </a:t>
             </a:r>
             <a:r>
-              <a:rPr lang="it-IT" sz="2400" dirty="0" err="1" smtClean="0"/>
+              <a:rPr lang="it-IT" sz="2400" dirty="0" err="1"/>
               <a:t>incremental</a:t>
             </a:r>
             <a:r>
-              <a:rPr lang="it-IT" sz="2400" dirty="0" smtClean="0"/>
+              <a:rPr lang="it-IT" sz="2400" dirty="0"/>
               <a:t> software </a:t>
             </a:r>
             <a:r>
-              <a:rPr lang="it-IT" sz="2400" dirty="0" err="1" smtClean="0"/>
+              <a:rPr lang="it-IT" sz="2400" dirty="0" err="1"/>
               <a:t>development</a:t>
             </a:r>
-            <a:endParaRPr lang="it-IT" sz="2400" dirty="0" smtClean="0"/>
-          </a:p>
-          <a:p>
-            <a:r>
-              <a:rPr lang="it-IT" sz="2400" dirty="0" err="1" smtClean="0"/>
+            <a:endParaRPr lang="it-IT" sz="2400" dirty="0"/>
+          </a:p>
+          <a:p>
+            <a:r>
+              <a:rPr lang="it-IT" sz="2400" dirty="0" err="1"/>
               <a:t>Towards</a:t>
             </a:r>
             <a:r>
-              <a:rPr lang="it-IT" sz="2400" dirty="0" smtClean="0"/>
+              <a:rPr lang="it-IT" sz="2400" dirty="0"/>
               <a:t> </a:t>
             </a:r>
             <a:r>
-              <a:rPr lang="it-IT" sz="2400" dirty="0" err="1" smtClean="0"/>
+              <a:rPr lang="it-IT" sz="2400" dirty="0" err="1"/>
               <a:t>automatic</a:t>
             </a:r>
             <a:r>
-              <a:rPr lang="it-IT" sz="2400" dirty="0" smtClean="0"/>
+              <a:rPr lang="it-IT" sz="2400" dirty="0"/>
               <a:t> code generation: software </a:t>
             </a:r>
             <a:r>
-              <a:rPr lang="it-IT" sz="2400" dirty="0" err="1" smtClean="0"/>
+              <a:rPr lang="it-IT" sz="2400" dirty="0" err="1"/>
               <a:t>factories</a:t>
             </a:r>
             <a:endParaRPr lang="en-GB" sz="2400" dirty="0"/>
@@ -7077,13 +6943,6 @@
   <p:clrMapOvr>
     <a:masterClrMapping/>
   </p:clrMapOvr>
-  <p:timing>
-    <p:tnLst>
-      <p:par>
-        <p:cTn id="1" dur="indefinite" restart="never" nodeType="tmRoot"/>
-      </p:par>
-    </p:tnLst>
-  </p:timing>
 </p:sld>
 </file>
 
@@ -7120,7 +6979,7 @@
           <a:lstStyle/>
           <a:p>
             <a:r>
-              <a:rPr lang="it-IT" dirty="0" smtClean="0"/>
+              <a:rPr lang="it-IT" dirty="0"/>
               <a:t>WORK TO DO</a:t>
             </a:r>
             <a:endParaRPr lang="en-GB" dirty="0"/>
@@ -7143,7 +7002,7 @@
           <a:lstStyle/>
           <a:p>
             <a:r>
-              <a:rPr lang="it-IT" smtClean="0"/>
+              <a:rPr lang="it-IT"/>
               <a:t>ANatali  - DISI - ISSM2020  Univeristy of Bologna</a:t>
             </a:r>
             <a:endParaRPr lang="en-GB"/>
@@ -7176,16 +7035,12 @@
               <a:t> a </a:t>
             </a:r>
             <a:r>
-              <a:rPr lang="it-IT" dirty="0" err="1" smtClean="0"/>
+              <a:rPr lang="it-IT" dirty="0" err="1"/>
               <a:t>paper</a:t>
             </a:r>
             <a:r>
-              <a:rPr lang="it-IT" dirty="0" smtClean="0"/>
-              <a:t>-notebook </a:t>
-            </a:r>
-            <a:r>
               <a:rPr lang="it-IT" dirty="0"/>
-              <a:t>and a </a:t>
+              <a:t>-notebook and a </a:t>
             </a:r>
             <a:r>
               <a:rPr lang="it-IT" dirty="0" err="1"/>
@@ -7195,61 +7050,61 @@
           </a:p>
           <a:p>
             <a:r>
-              <a:rPr lang="it-IT" dirty="0" err="1" smtClean="0"/>
+              <a:rPr lang="it-IT" dirty="0" err="1"/>
               <a:t>Fill</a:t>
             </a:r>
             <a:r>
-              <a:rPr lang="it-IT" dirty="0" smtClean="0"/>
+              <a:rPr lang="it-IT" dirty="0"/>
               <a:t> </a:t>
             </a:r>
             <a:r>
-              <a:rPr lang="it-IT" dirty="0" err="1" smtClean="0"/>
+              <a:rPr lang="it-IT" dirty="0" err="1"/>
               <a:t>our</a:t>
             </a:r>
             <a:r>
-              <a:rPr lang="it-IT" dirty="0" smtClean="0"/>
+              <a:rPr lang="it-IT" dirty="0"/>
               <a:t> </a:t>
             </a:r>
             <a:r>
-              <a:rPr lang="it-IT" dirty="0" err="1" smtClean="0"/>
+              <a:rPr lang="it-IT" dirty="0" err="1"/>
               <a:t>workflow</a:t>
             </a:r>
             <a:r>
-              <a:rPr lang="it-IT" dirty="0" smtClean="0"/>
+              <a:rPr lang="it-IT" dirty="0"/>
               <a:t> </a:t>
             </a:r>
             <a:r>
-              <a:rPr lang="it-IT" dirty="0" err="1" smtClean="0">
+              <a:rPr lang="it-IT" dirty="0" err="1">
                 <a:hlinkClick r:id="rId3"/>
               </a:rPr>
               <a:t>template</a:t>
             </a:r>
             <a:r>
-              <a:rPr lang="it-IT" dirty="0" smtClean="0"/>
+              <a:rPr lang="it-IT" dirty="0"/>
               <a:t> with </a:t>
             </a:r>
             <a:r>
-              <a:rPr lang="it-IT" dirty="0" err="1" smtClean="0"/>
+              <a:rPr lang="it-IT" dirty="0" err="1"/>
               <a:t>your</a:t>
             </a:r>
             <a:r>
-              <a:rPr lang="it-IT" dirty="0" smtClean="0"/>
+              <a:rPr lang="it-IT" dirty="0"/>
               <a:t> data/photo and </a:t>
             </a:r>
             <a:r>
-              <a:rPr lang="it-IT" dirty="0" err="1" smtClean="0"/>
+              <a:rPr lang="it-IT" dirty="0" err="1"/>
               <a:t>print</a:t>
             </a:r>
             <a:r>
-              <a:rPr lang="it-IT" dirty="0" smtClean="0"/>
+              <a:rPr lang="it-IT" dirty="0"/>
               <a:t> </a:t>
             </a:r>
             <a:r>
-              <a:rPr lang="it-IT" dirty="0" err="1" smtClean="0"/>
+              <a:rPr lang="it-IT" dirty="0" err="1"/>
               <a:t>it</a:t>
             </a:r>
             <a:r>
-              <a:rPr lang="it-IT" dirty="0" smtClean="0"/>
+              <a:rPr lang="it-IT" dirty="0"/>
               <a:t> on a SINGLE SHEET</a:t>
             </a:r>
           </a:p>
@@ -7259,7 +7114,7 @@
               <a:t>Download and </a:t>
             </a:r>
             <a:r>
-              <a:rPr lang="it-IT" dirty="0" err="1" smtClean="0"/>
+              <a:rPr lang="it-IT" dirty="0" err="1"/>
               <a:t>install</a:t>
             </a:r>
             <a:r>
@@ -7267,80 +7122,80 @@
               <a:t> </a:t>
             </a:r>
             <a:r>
-              <a:rPr lang="it-IT" dirty="0" err="1" smtClean="0"/>
+              <a:rPr lang="it-IT" dirty="0" err="1"/>
               <a:t>tools</a:t>
             </a:r>
             <a:r>
-              <a:rPr lang="it-IT" dirty="0" smtClean="0"/>
+              <a:rPr lang="it-IT" dirty="0"/>
               <a:t> </a:t>
             </a:r>
             <a:r>
-              <a:rPr lang="it-IT" dirty="0" err="1" smtClean="0"/>
+              <a:rPr lang="it-IT" dirty="0" err="1"/>
               <a:t>reported</a:t>
             </a:r>
             <a:r>
-              <a:rPr lang="it-IT" dirty="0" smtClean="0"/>
+              <a:rPr lang="it-IT" dirty="0"/>
               <a:t> in </a:t>
             </a:r>
             <a:r>
-              <a:rPr lang="it-IT" dirty="0" smtClean="0">
+              <a:rPr lang="it-IT" dirty="0">
                 <a:hlinkClick r:id="rId4"/>
               </a:rPr>
               <a:t>LabBo2020StartUp</a:t>
             </a:r>
-            <a:endParaRPr lang="it-IT" dirty="0" smtClean="0"/>
-          </a:p>
-          <a:p>
-            <a:r>
-              <a:rPr lang="it-IT" dirty="0" err="1" smtClean="0"/>
+            <a:endParaRPr lang="it-IT" dirty="0"/>
+          </a:p>
+          <a:p>
+            <a:r>
+              <a:rPr lang="it-IT" dirty="0" err="1"/>
               <a:t>Attempt</a:t>
             </a:r>
             <a:r>
-              <a:rPr lang="it-IT" dirty="0" smtClean="0"/>
+              <a:rPr lang="it-IT" dirty="0"/>
               <a:t> to </a:t>
             </a:r>
             <a:r>
-              <a:rPr lang="it-IT" dirty="0" err="1" smtClean="0"/>
+              <a:rPr lang="it-IT" dirty="0" err="1"/>
               <a:t>fill</a:t>
             </a:r>
             <a:r>
-              <a:rPr lang="it-IT" dirty="0" smtClean="0"/>
+              <a:rPr lang="it-IT" dirty="0"/>
               <a:t> (</a:t>
             </a:r>
             <a:r>
-              <a:rPr lang="it-IT" dirty="0" err="1" smtClean="0"/>
+              <a:rPr lang="it-IT" dirty="0" err="1"/>
               <a:t>at</a:t>
             </a:r>
             <a:r>
-              <a:rPr lang="it-IT" dirty="0" smtClean="0"/>
+              <a:rPr lang="it-IT" dirty="0"/>
               <a:t> </a:t>
             </a:r>
             <a:r>
-              <a:rPr lang="it-IT" dirty="0" err="1" smtClean="0"/>
+              <a:rPr lang="it-IT" dirty="0" err="1"/>
               <a:t>your</a:t>
             </a:r>
             <a:r>
-              <a:rPr lang="it-IT" dirty="0" smtClean="0"/>
+              <a:rPr lang="it-IT" dirty="0"/>
               <a:t> best) the </a:t>
             </a:r>
             <a:r>
-              <a:rPr lang="it-IT" dirty="0" err="1" smtClean="0"/>
+              <a:rPr lang="it-IT" dirty="0" err="1"/>
               <a:t>template</a:t>
             </a:r>
             <a:r>
-              <a:rPr lang="it-IT" dirty="0" smtClean="0"/>
+              <a:rPr lang="it-IT" dirty="0"/>
               <a:t> with </a:t>
             </a:r>
             <a:r>
-              <a:rPr lang="it-IT" dirty="0" err="1" smtClean="0"/>
+              <a:rPr lang="it-IT" dirty="0" err="1"/>
               <a:t>reference</a:t>
             </a:r>
             <a:r>
-              <a:rPr lang="it-IT" dirty="0" smtClean="0"/>
+              <a:rPr lang="it-IT" dirty="0"/>
               <a:t> to </a:t>
             </a:r>
             <a:r>
-              <a:rPr lang="it-IT" dirty="0" smtClean="0">
+              <a:rPr lang="it-IT" dirty="0">
                 <a:solidFill>
                   <a:srgbClr val="C00000"/>
                 </a:solidFill>
@@ -7365,13 +7220,9 @@
             </a:r>
             <a:r>
               <a:rPr lang="it-IT" dirty="0"/>
-              <a:t> on a SINGLE </a:t>
-            </a:r>
-            <a:r>
-              <a:rPr lang="it-IT" dirty="0" smtClean="0"/>
-              <a:t>SHEET</a:t>
-            </a:r>
-            <a:endParaRPr lang="it-IT" dirty="0" smtClean="0">
+              <a:t> on a SINGLE SHEET</a:t>
+            </a:r>
+            <a:endParaRPr lang="it-IT" dirty="0">
               <a:solidFill>
                 <a:srgbClr val="C00000"/>
               </a:solidFill>
@@ -7382,7 +7233,7 @@
               <a:buNone/>
             </a:pPr>
             <a:r>
-              <a:rPr lang="it-IT" dirty="0" smtClean="0"/>
+              <a:rPr lang="it-IT" dirty="0"/>
               <a:t>--------------------------------------------------------------------------------</a:t>
             </a:r>
           </a:p>
@@ -7419,23 +7270,17 @@
           </a:p>
           <a:p>
             <a:r>
-              <a:rPr lang="en-GB" dirty="0" smtClean="0"/>
+              <a:rPr lang="en-GB" dirty="0"/>
               <a:t>Read  </a:t>
             </a:r>
           </a:p>
           <a:p>
             <a:pPr lvl="1"/>
-            <a:r>
-              <a:rPr lang="en-GB" dirty="0" smtClean="0">
-                <a:hlinkClick r:id="rId6"/>
-              </a:rPr>
-              <a:t>https</a:t>
-            </a:r>
             <a:r>
               <a:rPr lang="en-GB" dirty="0">
                 <a:hlinkClick r:id="rId6"/>
               </a:rPr>
-              <a:t>://www.scrumguides.org/docs/scrumguide/v2017/2017-Scrum-Guide-Italian.pdf</a:t>
+              <a:t>https://www.scrumguides.org/docs/scrumguide/v2017/2017-Scrum-Guide-Italian.pdf</a:t>
             </a:r>
             <a:endParaRPr lang="en-GB" baseline="30000" dirty="0"/>
           </a:p>
@@ -7477,13 +7322,6 @@
   <p:clrMapOvr>
     <a:masterClrMapping/>
   </p:clrMapOvr>
-  <p:timing>
-    <p:tnLst>
-      <p:par>
-        <p:cTn id="1" dur="indefinite" restart="never" nodeType="tmRoot"/>
-      </p:par>
-    </p:tnLst>
-  </p:timing>
 </p:sld>
 </file>
 
@@ -7520,7 +7358,7 @@
           <a:lstStyle/>
           <a:p>
             <a:r>
-              <a:rPr lang="it-IT" dirty="0" smtClean="0"/>
+              <a:rPr lang="it-IT" dirty="0"/>
               <a:t>INGEGNERIA</a:t>
             </a:r>
             <a:endParaRPr lang="en-GB" dirty="0"/>
@@ -7543,7 +7381,7 @@
           <a:lstStyle/>
           <a:p>
             <a:r>
-              <a:rPr lang="it-IT" smtClean="0"/>
+              <a:rPr lang="it-IT"/>
               <a:t>ANatali  - DISI - ISSM2020  Univeristy of Bologna</a:t>
             </a:r>
             <a:endParaRPr lang="en-GB"/>
@@ -7571,44 +7409,32 @@
               <a:buNone/>
             </a:pPr>
             <a:r>
-              <a:rPr lang="it-IT" sz="2600" dirty="0" smtClean="0"/>
+              <a:rPr lang="it-IT" sz="2600" dirty="0"/>
               <a:t>Da</a:t>
             </a:r>
             <a:r>
               <a:rPr lang="en-GB" sz="2600" dirty="0"/>
               <a:t> </a:t>
-            </a:r>
-            <a:r>
-              <a:rPr lang="en-GB" sz="2600" dirty="0" smtClean="0">
-                <a:hlinkClick r:id="rId2"/>
-              </a:rPr>
-              <a:t>https</a:t>
             </a:r>
             <a:r>
               <a:rPr lang="en-GB" sz="2600" dirty="0">
                 <a:hlinkClick r:id="rId2"/>
               </a:rPr>
-              <a:t>://</a:t>
-            </a:r>
-            <a:r>
-              <a:rPr lang="en-GB" sz="2600" dirty="0" smtClean="0">
-                <a:hlinkClick r:id="rId2"/>
-              </a:rPr>
-              <a:t>it.wikipedia.org/wiki/Ingegneria</a:t>
-            </a:r>
-            <a:r>
-              <a:rPr lang="en-GB" sz="2600" dirty="0" smtClean="0"/>
+              <a:t>https://it.wikipedia.org/wiki/Ingegneria</a:t>
+            </a:r>
+            <a:r>
+              <a:rPr lang="en-GB" sz="2600" dirty="0"/>
               <a:t>:</a:t>
             </a:r>
-            <a:endParaRPr lang="it-IT" sz="2600" dirty="0" smtClean="0"/>
-          </a:p>
-          <a:p>
-            <a:r>
-              <a:rPr lang="it-IT" dirty="0" smtClean="0"/>
+            <a:endParaRPr lang="it-IT" sz="2600" dirty="0"/>
+          </a:p>
+          <a:p>
+            <a:r>
+              <a:rPr lang="it-IT" dirty="0"/>
               <a:t>L'</a:t>
             </a:r>
             <a:r>
-              <a:rPr lang="it-IT" b="1" dirty="0" smtClean="0"/>
+              <a:rPr lang="it-IT" b="1" dirty="0"/>
               <a:t>ingegneria</a:t>
             </a:r>
             <a:r>
@@ -7715,7 +7541,6 @@
               <a:rPr lang="it-IT" dirty="0"/>
               <a:t> e gestione degli stessi. </a:t>
             </a:r>
-            <a:endParaRPr lang="it-IT" dirty="0" smtClean="0"/>
           </a:p>
           <a:p>
             <a:pPr marL="0" indent="0">
@@ -7758,13 +7583,6 @@
   <p:clrMapOvr>
     <a:masterClrMapping/>
   </p:clrMapOvr>
-  <p:timing>
-    <p:tnLst>
-      <p:par>
-        <p:cTn id="1" dur="indefinite" restart="never" nodeType="tmRoot"/>
-      </p:par>
-    </p:tnLst>
-  </p:timing>
 </p:sld>
 </file>
 
@@ -7801,14 +7619,13 @@
           <a:lstStyle/>
           <a:p>
             <a:r>
-              <a:rPr lang="it-IT" dirty="0" smtClean="0"/>
+              <a:rPr lang="it-IT" dirty="0"/>
               <a:t>Domande </a:t>
             </a:r>
             <a:r>
-              <a:rPr lang="it-IT" sz="4000" dirty="0" smtClean="0"/>
+              <a:rPr lang="it-IT" sz="4000" dirty="0"/>
               <a:t>(su un sistema)</a:t>
             </a:r>
-            <a:endParaRPr lang="it-IT" sz="4000" dirty="0"/>
           </a:p>
         </p:txBody>
       </p:sp>
@@ -7835,11 +7652,11 @@
           <a:lstStyle/>
           <a:p>
             <a:r>
-              <a:rPr lang="it-IT" dirty="0" smtClean="0"/>
+              <a:rPr lang="it-IT" dirty="0"/>
               <a:t>Cosa </a:t>
             </a:r>
             <a:r>
-              <a:rPr lang="it-IT" dirty="0" smtClean="0">
+              <a:rPr lang="it-IT" dirty="0">
                 <a:solidFill>
                   <a:srgbClr val="C00000"/>
                 </a:solidFill>
@@ -7847,31 +7664,31 @@
               <a:t>deve fare</a:t>
             </a:r>
             <a:r>
-              <a:rPr lang="it-IT" dirty="0" smtClean="0"/>
+              <a:rPr lang="it-IT" dirty="0"/>
               <a:t>	 </a:t>
             </a:r>
             <a:r>
-              <a:rPr lang="it-IT" dirty="0" smtClean="0">
+              <a:rPr lang="it-IT" dirty="0">
                 <a:sym typeface="Wingdings" pitchFamily="2" charset="2"/>
               </a:rPr>
               <a:t></a:t>
             </a:r>
             <a:r>
-              <a:rPr lang="it-IT" dirty="0" smtClean="0"/>
+              <a:rPr lang="it-IT" dirty="0"/>
               <a:t>		 </a:t>
             </a:r>
             <a:r>
-              <a:rPr lang="it-IT" i="1" dirty="0" smtClean="0"/>
+              <a:rPr lang="it-IT" i="1" dirty="0"/>
               <a:t>committente</a:t>
             </a:r>
           </a:p>
           <a:p>
             <a:r>
-              <a:rPr lang="it-IT" dirty="0" smtClean="0"/>
+              <a:rPr lang="it-IT" dirty="0"/>
               <a:t>Cosa </a:t>
             </a:r>
             <a:r>
-              <a:rPr lang="it-IT" dirty="0" smtClean="0">
+              <a:rPr lang="it-IT" dirty="0">
                 <a:solidFill>
                   <a:srgbClr val="C00000"/>
                 </a:solidFill>
@@ -7879,11 +7696,11 @@
               <a:t>deve</a:t>
             </a:r>
             <a:r>
-              <a:rPr lang="it-IT" dirty="0" smtClean="0"/>
+              <a:rPr lang="it-IT" dirty="0"/>
               <a:t> </a:t>
             </a:r>
             <a:r>
-              <a:rPr lang="it-IT" dirty="0" smtClean="0">
+              <a:rPr lang="it-IT" dirty="0">
                 <a:solidFill>
                   <a:srgbClr val="C00000"/>
                 </a:solidFill>
@@ -7891,32 +7708,32 @@
               <a:t>essere</a:t>
             </a:r>
             <a:r>
-              <a:rPr lang="it-IT" dirty="0" smtClean="0"/>
+              <a:rPr lang="it-IT" dirty="0"/>
               <a:t>	</a:t>
             </a:r>
             <a:r>
-              <a:rPr lang="it-IT" dirty="0" smtClean="0">
+              <a:rPr lang="it-IT" dirty="0">
                 <a:sym typeface="Wingdings" pitchFamily="2" charset="2"/>
               </a:rPr>
               <a:t>  </a:t>
             </a:r>
             <a:r>
-              <a:rPr lang="it-IT" dirty="0" smtClean="0"/>
+              <a:rPr lang="it-IT" dirty="0"/>
               <a:t>		 </a:t>
             </a:r>
             <a:r>
-              <a:rPr lang="it-IT" i="1" dirty="0" smtClean="0"/>
+              <a:rPr lang="it-IT" i="1" dirty="0"/>
               <a:t>analista</a:t>
             </a:r>
           </a:p>
           <a:p>
             <a:pPr lvl="1"/>
             <a:r>
-              <a:rPr lang="it-IT" sz="2000" dirty="0" smtClean="0"/>
+              <a:rPr lang="it-IT" sz="2000" dirty="0"/>
               <a:t>Quale </a:t>
             </a:r>
             <a:r>
-              <a:rPr lang="it-IT" sz="2000" b="1" i="1" dirty="0" smtClean="0">
+              <a:rPr lang="it-IT" sz="2000" b="1" i="1" dirty="0">
                 <a:solidFill>
                   <a:srgbClr val="00B050"/>
                 </a:solidFill>
@@ -7924,11 +7741,11 @@
               <a:t>struttura-interazione-comportamento</a:t>
             </a:r>
             <a:r>
-              <a:rPr lang="it-IT" sz="2000" dirty="0" smtClean="0"/>
+              <a:rPr lang="it-IT" sz="2000" dirty="0"/>
               <a:t> </a:t>
             </a:r>
             <a:r>
-              <a:rPr lang="it-IT" sz="2000" b="1" dirty="0" smtClean="0">
+              <a:rPr lang="it-IT" sz="2000" b="1" dirty="0">
                 <a:solidFill>
                   <a:srgbClr val="C00000"/>
                 </a:solidFill>
@@ -7936,11 +7753,11 @@
               <a:t>sono necessari </a:t>
             </a:r>
             <a:r>
-              <a:rPr lang="it-IT" sz="2000" dirty="0" smtClean="0"/>
+              <a:rPr lang="it-IT" sz="2000" dirty="0"/>
               <a:t>tenendo conto dei </a:t>
             </a:r>
             <a:r>
-              <a:rPr lang="it-IT" sz="2000" b="1" i="1" dirty="0" smtClean="0">
+              <a:rPr lang="it-IT" sz="2000" b="1" i="1" dirty="0">
                 <a:solidFill>
                   <a:srgbClr val="7030A0"/>
                 </a:solidFill>
@@ -7950,11 +7767,11 @@
           </a:p>
           <a:p>
             <a:r>
-              <a:rPr lang="it-IT" dirty="0" smtClean="0"/>
+              <a:rPr lang="it-IT" dirty="0"/>
               <a:t>Cosa </a:t>
             </a:r>
             <a:r>
-              <a:rPr lang="it-IT" dirty="0" smtClean="0">
+              <a:rPr lang="it-IT" dirty="0">
                 <a:solidFill>
                   <a:srgbClr val="C00000"/>
                 </a:solidFill>
@@ -7962,34 +7779,34 @@
               <a:t>è opportuno </a:t>
             </a:r>
             <a:r>
-              <a:rPr lang="it-IT" dirty="0" smtClean="0"/>
+              <a:rPr lang="it-IT" dirty="0"/>
               <a:t>che sia	</a:t>
             </a:r>
             <a:r>
-              <a:rPr lang="it-IT" dirty="0" smtClean="0">
+              <a:rPr lang="it-IT" dirty="0">
                 <a:sym typeface="Wingdings" pitchFamily="2" charset="2"/>
               </a:rPr>
               <a:t> </a:t>
             </a:r>
             <a:r>
-              <a:rPr lang="it-IT" dirty="0" smtClean="0"/>
+              <a:rPr lang="it-IT" dirty="0"/>
               <a:t>	</a:t>
             </a:r>
             <a:r>
-              <a:rPr lang="it-IT" i="1" dirty="0" smtClean="0"/>
+              <a:rPr lang="it-IT" i="1" dirty="0"/>
               <a:t>analista</a:t>
             </a:r>
           </a:p>
           <a:p>
             <a:pPr marL="742950" lvl="2" indent="-342900"/>
             <a:r>
-              <a:rPr lang="it-IT" dirty="0" smtClean="0"/>
+              <a:rPr lang="it-IT" dirty="0"/>
               <a:t>Tenendo conto delle tecnologie, dell’andamento del mercato, delle risorse umane, economiche, temporali, etc.</a:t>
             </a:r>
           </a:p>
           <a:p>
             <a:r>
-              <a:rPr lang="it-IT" i="1" dirty="0" smtClean="0">
+              <a:rPr lang="it-IT" i="1" dirty="0">
                 <a:solidFill>
                   <a:srgbClr val="C00000"/>
                 </a:solidFill>
@@ -7997,17 +7814,17 @@
               <a:t>Come è fatto</a:t>
             </a:r>
             <a:r>
-              <a:rPr lang="it-IT" dirty="0" smtClean="0"/>
+              <a:rPr lang="it-IT" dirty="0"/>
               <a:t>	</a:t>
             </a:r>
             <a:r>
-              <a:rPr lang="it-IT" dirty="0" smtClean="0">
+              <a:rPr lang="it-IT" dirty="0">
                 <a:sym typeface="Wingdings" pitchFamily="2" charset="2"/>
               </a:rPr>
               <a:t> 		 	</a:t>
             </a:r>
             <a:r>
-              <a:rPr lang="it-IT" i="1" dirty="0" smtClean="0"/>
+              <a:rPr lang="it-IT" i="1" dirty="0"/>
               <a:t>progettista</a:t>
             </a:r>
           </a:p>
@@ -8019,11 +7836,11 @@
               <a:buSzPct val="95000"/>
             </a:pPr>
             <a:r>
-              <a:rPr lang="it-IT" sz="2000" dirty="0" smtClean="0"/>
+              <a:rPr lang="it-IT" sz="2000" dirty="0"/>
               <a:t>Quale </a:t>
             </a:r>
             <a:r>
-              <a:rPr lang="it-IT" sz="2000" b="1" i="1" dirty="0" smtClean="0">
+              <a:rPr lang="it-IT" sz="2000" b="1" i="1" dirty="0">
                 <a:solidFill>
                   <a:srgbClr val="00B050"/>
                 </a:solidFill>
@@ -8031,11 +7848,11 @@
               <a:t> struttura-interazione-comportamento </a:t>
             </a:r>
             <a:r>
-              <a:rPr lang="it-IT" sz="2000" dirty="0" smtClean="0"/>
+              <a:rPr lang="it-IT" sz="2000" dirty="0"/>
               <a:t>ha il sistema finale tenendo conto dei vincoli dall’analisi e dei criteri (</a:t>
             </a:r>
             <a:r>
-              <a:rPr lang="it-IT" sz="2000" i="1" dirty="0" smtClean="0">
+              <a:rPr lang="it-IT" sz="2000" i="1" dirty="0">
                 <a:solidFill>
                   <a:srgbClr val="C00000"/>
                 </a:solidFill>
@@ -8043,10 +7860,10 @@
               <a:t>pattern</a:t>
             </a:r>
             <a:r>
-              <a:rPr lang="it-IT" sz="2000" dirty="0" smtClean="0"/>
+              <a:rPr lang="it-IT" sz="2000" dirty="0"/>
               <a:t>) usati per risolvere le forze (anche contrastanti)  in gioco</a:t>
             </a:r>
-            <a:endParaRPr lang="it-IT" sz="2000" b="1" i="1" dirty="0" smtClean="0">
+            <a:endParaRPr lang="it-IT" sz="2000" b="1" i="1" dirty="0">
               <a:solidFill>
                 <a:srgbClr val="7030A0"/>
               </a:solidFill>
@@ -8073,10 +7890,9 @@
           <a:lstStyle/>
           <a:p>
             <a:r>
-              <a:rPr lang="it-IT" smtClean="0"/>
+              <a:rPr lang="it-IT"/>
               <a:t>AN - Univwersity of Bologna</a:t>
             </a:r>
-            <a:endParaRPr lang="it-IT"/>
           </a:p>
         </p:txBody>
       </p:sp>
@@ -8090,13 +7906,6 @@
   <p:clrMapOvr>
     <a:masterClrMapping/>
   </p:clrMapOvr>
-  <p:timing>
-    <p:tnLst>
-      <p:par>
-        <p:cTn id="1" dur="indefinite" restart="never" nodeType="tmRoot"/>
-      </p:par>
-    </p:tnLst>
-  </p:timing>
 </p:sld>
 </file>
 
@@ -8133,7 +7942,7 @@
           <a:lstStyle/>
           <a:p>
             <a:r>
-              <a:rPr lang="it-IT" dirty="0" err="1" smtClean="0"/>
+              <a:rPr lang="it-IT" dirty="0" err="1"/>
               <a:t>Workflow</a:t>
             </a:r>
             <a:endParaRPr lang="it-IT" dirty="0"/>
@@ -8163,14 +7972,14 @@
           <a:lstStyle/>
           <a:p>
             <a:r>
-              <a:rPr lang="it-IT" sz="2800" dirty="0" smtClean="0"/>
+              <a:rPr lang="it-IT" sz="2800" dirty="0"/>
               <a:t>Sviluppiamo l’analisi dei requisiti e l’analisi del problema</a:t>
             </a:r>
           </a:p>
           <a:p>
             <a:pPr lvl="1"/>
             <a:r>
-              <a:rPr lang="it-IT" i="1" dirty="0" smtClean="0">
+              <a:rPr lang="it-IT" i="1" dirty="0">
                 <a:solidFill>
                   <a:srgbClr val="C00000"/>
                 </a:solidFill>
@@ -8180,14 +7989,14 @@
           </a:p>
           <a:p>
             <a:r>
-              <a:rPr lang="it-IT" sz="2800" dirty="0" smtClean="0"/>
+              <a:rPr lang="it-IT" sz="2800" dirty="0"/>
               <a:t>Discutiamo in modo sistematico avvalendoci di modelli basati su meta-modelli custom</a:t>
             </a:r>
           </a:p>
           <a:p>
             <a:pPr lvl="1"/>
             <a:r>
-              <a:rPr lang="it-IT" sz="1800" i="1" dirty="0" smtClean="0">
+              <a:rPr lang="it-IT" sz="1800" i="1" dirty="0">
                 <a:solidFill>
                   <a:srgbClr val="C00000"/>
                 </a:solidFill>
@@ -8195,44 +8004,44 @@
               <a:t>Usiamo i modelli come se fossero il nuovo codice sorgente </a:t>
             </a:r>
             <a:r>
-              <a:rPr lang="it-IT" sz="1800" dirty="0" smtClean="0"/>
+              <a:rPr lang="it-IT" sz="1800" dirty="0"/>
               <a:t>costruendo generatori di codice usando </a:t>
             </a:r>
             <a:r>
-              <a:rPr lang="it-IT" sz="1800" dirty="0" err="1" smtClean="0"/>
+              <a:rPr lang="it-IT" sz="1800" dirty="0" err="1"/>
               <a:t>Xtext</a:t>
             </a:r>
             <a:r>
-              <a:rPr lang="it-IT" sz="1800" dirty="0" smtClean="0"/>
+              <a:rPr lang="it-IT" sz="1800" dirty="0"/>
               <a:t>  (pg. 206)</a:t>
             </a:r>
           </a:p>
           <a:p>
             <a:pPr lvl="1"/>
             <a:r>
-              <a:rPr lang="it-IT" sz="1800" dirty="0" smtClean="0"/>
+              <a:rPr lang="it-IT" sz="1800" dirty="0"/>
               <a:t>Realizziamo in modo automatico la </a:t>
             </a:r>
             <a:r>
-              <a:rPr lang="it-IT" sz="1800" dirty="0" err="1" smtClean="0"/>
+              <a:rPr lang="it-IT" sz="1800" dirty="0" err="1"/>
               <a:t>schematic</a:t>
             </a:r>
             <a:r>
-              <a:rPr lang="it-IT" sz="1800" dirty="0" smtClean="0"/>
+              <a:rPr lang="it-IT" sz="1800" dirty="0"/>
               <a:t> part </a:t>
             </a:r>
             <a:r>
-              <a:rPr lang="it-IT" sz="1800" dirty="0" err="1" smtClean="0"/>
+              <a:rPr lang="it-IT" sz="1800" dirty="0" err="1"/>
               <a:t>avvelendoci</a:t>
             </a:r>
             <a:r>
-              <a:rPr lang="it-IT" sz="1800" dirty="0" smtClean="0"/>
+              <a:rPr lang="it-IT" sz="1800" dirty="0"/>
               <a:t> dei design pattern per sistemi distribuiti</a:t>
             </a:r>
           </a:p>
           <a:p>
             <a:r>
-              <a:rPr lang="it-IT" sz="2800" i="1" dirty="0" smtClean="0">
+              <a:rPr lang="it-IT" sz="2800" i="1" dirty="0">
                 <a:solidFill>
                   <a:srgbClr val="C00000"/>
                 </a:solidFill>
@@ -8242,7 +8051,7 @@
           </a:p>
           <a:p>
             <a:r>
-              <a:rPr lang="it-IT" sz="2800" dirty="0" smtClean="0"/>
+              <a:rPr lang="it-IT" sz="2800" dirty="0"/>
               <a:t>Realizziamo un primo prototipo di prodotto e interagiamo con il committente</a:t>
             </a:r>
           </a:p>
@@ -8264,10 +8073,9 @@
           <a:lstStyle/>
           <a:p>
             <a:r>
-              <a:rPr lang="it-IT" smtClean="0"/>
+              <a:rPr lang="it-IT"/>
               <a:t>Ingegneria del software AN Università di Bologna </a:t>
             </a:r>
-            <a:endParaRPr lang="it-IT"/>
           </a:p>
         </p:txBody>
       </p:sp>
@@ -8305,13 +8113,6 @@
   <p:clrMapOvr>
     <a:masterClrMapping/>
   </p:clrMapOvr>
-  <p:timing>
-    <p:tnLst>
-      <p:par>
-        <p:cTn id="1" dur="indefinite" restart="never" nodeType="tmRoot"/>
-      </p:par>
-    </p:tnLst>
-  </p:timing>
 </p:sld>
 </file>
 
@@ -8348,10 +8149,9 @@
           <a:lstStyle/>
           <a:p>
             <a:r>
-              <a:rPr lang="it-IT" dirty="0" smtClean="0"/>
+              <a:rPr lang="it-IT" dirty="0"/>
               <a:t>Non c’è … senza analisi</a:t>
             </a:r>
-            <a:endParaRPr lang="it-IT" dirty="0"/>
           </a:p>
         </p:txBody>
       </p:sp>
@@ -8371,11 +8171,11 @@
           <a:lstStyle/>
           <a:p>
             <a:r>
-              <a:rPr lang="it-IT" dirty="0" smtClean="0"/>
+              <a:rPr lang="it-IT" dirty="0"/>
               <a:t>NON iniziamo la fase di progetto prima di avere assestato la fase di </a:t>
             </a:r>
             <a:r>
-              <a:rPr lang="it-IT" i="1" dirty="0" smtClean="0">
+              <a:rPr lang="it-IT" i="1" dirty="0">
                 <a:solidFill>
                   <a:srgbClr val="C00000"/>
                 </a:solidFill>
@@ -8383,47 +8183,47 @@
               <a:t>analisi dei requisiti e l’analisi del problema</a:t>
             </a:r>
             <a:r>
-              <a:rPr lang="it-IT" dirty="0" smtClean="0"/>
+              <a:rPr lang="it-IT" dirty="0"/>
               <a:t>, con relativa peer-review, al fine di</a:t>
             </a:r>
           </a:p>
           <a:p>
             <a:pPr lvl="1"/>
             <a:r>
-              <a:rPr lang="it-IT" dirty="0" smtClean="0"/>
+              <a:rPr lang="it-IT" dirty="0"/>
               <a:t>Individuare i principali sottosistemi</a:t>
             </a:r>
           </a:p>
           <a:p>
             <a:pPr lvl="1"/>
             <a:r>
-              <a:rPr lang="it-IT" dirty="0" smtClean="0"/>
+              <a:rPr lang="it-IT" dirty="0"/>
               <a:t>Capire quali tecnologie sono necessarie</a:t>
             </a:r>
           </a:p>
           <a:p>
             <a:pPr lvl="1"/>
             <a:r>
-              <a:rPr lang="it-IT" dirty="0" smtClean="0"/>
+              <a:rPr lang="it-IT" dirty="0"/>
               <a:t>Valutare i punti critici, i rischi e i costi</a:t>
             </a:r>
           </a:p>
           <a:p>
             <a:pPr lvl="1"/>
             <a:r>
-              <a:rPr lang="it-IT" dirty="0" smtClean="0"/>
+              <a:rPr lang="it-IT" dirty="0"/>
               <a:t>Pianificare l’uso delle risorse e i tempi </a:t>
             </a:r>
           </a:p>
           <a:p>
             <a:pPr lvl="1"/>
             <a:r>
-              <a:rPr lang="it-IT" dirty="0" smtClean="0"/>
+              <a:rPr lang="it-IT" dirty="0"/>
               <a:t>Distribuire il lavoro tra le persone</a:t>
             </a:r>
           </a:p>
           <a:p>
-            <a:endParaRPr lang="it-IT" dirty="0" smtClean="0"/>
+            <a:endParaRPr lang="it-IT" dirty="0"/>
           </a:p>
           <a:p>
             <a:endParaRPr lang="it-IT" dirty="0"/>
@@ -8446,10 +8246,9 @@
           <a:lstStyle/>
           <a:p>
             <a:r>
-              <a:rPr lang="it-IT" smtClean="0"/>
+              <a:rPr lang="it-IT"/>
               <a:t>AN - University of Bologna</a:t>
             </a:r>
-            <a:endParaRPr lang="it-IT"/>
           </a:p>
         </p:txBody>
       </p:sp>
@@ -8499,7 +8298,7 @@
           <a:lstStyle/>
           <a:p>
             <a:r>
-              <a:rPr lang="it-IT" smtClean="0"/>
+              <a:rPr lang="it-IT"/>
               <a:t>ANatali  - DISI - IOT - Univeristy of Bologna</a:t>
             </a:r>
             <a:endParaRPr lang="it-IT" dirty="0"/>
@@ -8603,10 +8402,9 @@
           <a:p>
             <a:pPr algn="ctr"/>
             <a:r>
-              <a:rPr lang="en-GB" sz="1200" dirty="0" smtClean="0"/>
+              <a:rPr lang="en-GB" sz="1200" dirty="0"/>
               <a:t> </a:t>
             </a:r>
-            <a:endParaRPr lang="en-GB" sz="1200" dirty="0"/>
           </a:p>
         </p:txBody>
       </p:sp>
@@ -8646,10 +8444,9 @@
           <a:p>
             <a:pPr algn="ctr"/>
             <a:r>
-              <a:rPr lang="en-GB" sz="1200" dirty="0" smtClean="0"/>
+              <a:rPr lang="en-GB" sz="1200" dirty="0"/>
               <a:t> </a:t>
             </a:r>
-            <a:endParaRPr lang="en-GB" sz="1200" dirty="0"/>
           </a:p>
         </p:txBody>
       </p:sp>
@@ -8724,35 +8521,31 @@
             </a:r>
             <a:r>
               <a:rPr lang="it-IT" sz="1200" dirty="0"/>
-              <a:t>w</a:t>
-            </a:r>
-            <a:r>
-              <a:rPr lang="it-IT" sz="1200" dirty="0" smtClean="0"/>
-              <a:t>ith</a:t>
-            </a:r>
-            <a:r>
-              <a:rPr lang="it-IT" sz="1600" dirty="0" smtClean="0"/>
+              <a:t>with</a:t>
+            </a:r>
+            <a:r>
+              <a:rPr lang="it-IT" sz="1600" dirty="0"/>
               <a:t> </a:t>
             </a:r>
           </a:p>
           <a:p>
             <a:r>
-              <a:rPr lang="it-IT" sz="1200" dirty="0" err="1" smtClean="0"/>
+              <a:rPr lang="it-IT" sz="1200" dirty="0" err="1"/>
               <a:t>internal</a:t>
             </a:r>
             <a:r>
-              <a:rPr lang="it-IT" sz="1200" dirty="0" smtClean="0"/>
+              <a:rPr lang="it-IT" sz="1200" dirty="0"/>
               <a:t> </a:t>
             </a:r>
             <a:r>
-              <a:rPr lang="it-IT" sz="2000" dirty="0" err="1" smtClean="0">
+              <a:rPr lang="it-IT" sz="2000" dirty="0" err="1">
                 <a:latin typeface="Calibri" panose="020F0502020204030204" pitchFamily="34" charset="0"/>
                 <a:cs typeface="Calibri" panose="020F0502020204030204" pitchFamily="34" charset="0"/>
               </a:rPr>
               <a:t>Tread</a:t>
             </a:r>
             <a:r>
-              <a:rPr lang="it-IT" sz="1200" dirty="0" smtClean="0"/>
+              <a:rPr lang="it-IT" sz="1200" dirty="0"/>
               <a:t>)</a:t>
             </a:r>
             <a:endParaRPr lang="en-GB" sz="1200" dirty="0"/>
@@ -8786,7 +8579,7 @@
               <a:t>Procedure</a:t>
             </a:r>
             <a:r>
-              <a:rPr lang="it-IT" sz="1600" dirty="0" smtClean="0"/>
+              <a:rPr lang="it-IT" sz="1600" dirty="0"/>
               <a:t> </a:t>
             </a:r>
             <a:r>
@@ -8820,23 +8613,19 @@
           <a:lstStyle/>
           <a:p>
             <a:r>
-              <a:rPr lang="it-IT" sz="2000" dirty="0" err="1" smtClean="0">
+              <a:rPr lang="it-IT" sz="2000" dirty="0" err="1">
                 <a:latin typeface="Calibri" panose="020F0502020204030204" pitchFamily="34" charset="0"/>
                 <a:cs typeface="Calibri" panose="020F0502020204030204" pitchFamily="34" charset="0"/>
               </a:rPr>
               <a:t>Generic</a:t>
             </a:r>
             <a:r>
-              <a:rPr lang="it-IT" sz="2000" dirty="0" smtClean="0"/>
+              <a:rPr lang="it-IT" sz="2000" dirty="0"/>
               <a:t> </a:t>
             </a:r>
             <a:r>
               <a:rPr lang="it-IT" sz="2000" dirty="0" err="1"/>
-              <a:t>E</a:t>
-            </a:r>
-            <a:r>
-              <a:rPr lang="it-IT" sz="2000" dirty="0" err="1" smtClean="0"/>
-              <a:t>ntity</a:t>
+              <a:t>Entity</a:t>
             </a:r>
             <a:endParaRPr lang="en-GB" sz="2000" dirty="0"/>
           </a:p>
@@ -9637,7 +9426,7 @@
           <a:lstStyle/>
           <a:p>
             <a:r>
-              <a:rPr lang="it-IT" smtClean="0"/>
+              <a:rPr lang="it-IT"/>
               <a:t>ANatali  - DISI - IOT - Univeristy of Bologna</a:t>
             </a:r>
             <a:endParaRPr lang="it-IT" dirty="0"/>
@@ -9758,10 +9547,9 @@
             <a:p>
               <a:pPr algn="ctr"/>
               <a:r>
-                <a:rPr lang="en-GB" sz="1200" dirty="0" smtClean="0"/>
+                <a:rPr lang="en-GB" sz="1200" dirty="0"/>
                 <a:t> </a:t>
               </a:r>
-              <a:endParaRPr lang="en-GB" sz="1200" dirty="0"/>
             </a:p>
           </p:txBody>
         </p:sp>
@@ -10288,10 +10076,9 @@
           <a:p>
             <a:pPr algn="ctr"/>
             <a:r>
-              <a:rPr lang="en-GB" sz="1200" dirty="0" smtClean="0"/>
+              <a:rPr lang="en-GB" sz="1200" dirty="0"/>
               <a:t> </a:t>
             </a:r>
-            <a:endParaRPr lang="en-GB" sz="1200" dirty="0"/>
           </a:p>
         </p:txBody>
       </p:sp>
@@ -10770,10 +10557,9 @@
             <a:p>
               <a:pPr algn="ctr"/>
               <a:r>
-                <a:rPr lang="en-GB" sz="1200" dirty="0" smtClean="0"/>
+                <a:rPr lang="en-GB" sz="1200" dirty="0"/>
                 <a:t> </a:t>
               </a:r>
-              <a:endParaRPr lang="en-GB" sz="1200" dirty="0"/>
             </a:p>
           </p:txBody>
         </p:sp>
@@ -10919,10 +10705,9 @@
             <a:p>
               <a:pPr algn="ctr"/>
               <a:r>
-                <a:rPr lang="en-GB" sz="1200" dirty="0" smtClean="0"/>
+                <a:rPr lang="en-GB" sz="1200" dirty="0"/>
                 <a:t> </a:t>
               </a:r>
-              <a:endParaRPr lang="en-GB" sz="1200" dirty="0"/>
             </a:p>
           </p:txBody>
         </p:sp>
@@ -11038,7 +10823,7 @@
           <a:lstStyle/>
           <a:p>
             <a:r>
-              <a:rPr lang="it-IT" sz="2000" dirty="0" err="1" smtClean="0"/>
+              <a:rPr lang="it-IT" sz="2000" dirty="0" err="1"/>
               <a:t>senderActor</a:t>
             </a:r>
             <a:endParaRPr lang="en-GB" sz="2000" dirty="0"/>
@@ -11068,7 +10853,7 @@
           <a:lstStyle/>
           <a:p>
             <a:r>
-              <a:rPr lang="it-IT" sz="2000" dirty="0" err="1" smtClean="0"/>
+              <a:rPr lang="it-IT" sz="2000" dirty="0" err="1"/>
               <a:t>receiverActor</a:t>
             </a:r>
             <a:endParaRPr lang="en-GB" sz="2000" dirty="0"/>
@@ -11165,10 +10950,9 @@
             <a:p>
               <a:pPr algn="ctr"/>
               <a:r>
-                <a:rPr lang="en-GB" sz="1200" dirty="0" smtClean="0"/>
+                <a:rPr lang="en-GB" sz="1200" dirty="0"/>
                 <a:t> </a:t>
               </a:r>
-              <a:endParaRPr lang="en-GB" sz="1200" dirty="0"/>
             </a:p>
           </p:txBody>
         </p:sp>
@@ -11400,7 +11184,7 @@
           <a:lstStyle/>
           <a:p>
             <a:r>
-              <a:rPr lang="it-IT" smtClean="0"/>
+              <a:rPr lang="it-IT"/>
               <a:t>ANatali  - DISI - ISSM2020  Univeristy of Bologna</a:t>
             </a:r>
             <a:endParaRPr lang="en-GB"/>
@@ -11438,7 +11222,7 @@
         </p:nvSpPr>
         <p:spPr>
           <a:xfrm>
-            <a:off x="1877218" y="821903"/>
+            <a:off x="1933331" y="356031"/>
             <a:ext cx="720080" cy="576064"/>
           </a:xfrm>
           <a:prstGeom prst="rect">
@@ -11481,7 +11265,7 @@
         </p:nvCxnSpPr>
         <p:spPr>
           <a:xfrm>
-            <a:off x="365050" y="1097184"/>
+            <a:off x="421163" y="631312"/>
             <a:ext cx="1520269" cy="0"/>
           </a:xfrm>
           <a:prstGeom prst="straightConnector1">
@@ -11514,7 +11298,7 @@
         </p:nvSpPr>
         <p:spPr>
           <a:xfrm>
-            <a:off x="433872" y="591070"/>
+            <a:off x="489985" y="125198"/>
             <a:ext cx="1382623" cy="461665"/>
           </a:xfrm>
           <a:prstGeom prst="rect">
@@ -11529,7 +11313,7 @@
           <a:lstStyle/>
           <a:p>
             <a:r>
-              <a:rPr lang="it-IT" sz="2400" dirty="0" smtClean="0"/>
+              <a:rPr lang="it-IT" sz="2400" dirty="0"/>
               <a:t>a:Int, b:Int</a:t>
             </a:r>
             <a:endParaRPr lang="en-GB" sz="2400" dirty="0"/>
@@ -11544,7 +11328,7 @@
         </p:nvSpPr>
         <p:spPr>
           <a:xfrm>
-            <a:off x="2597298" y="879102"/>
+            <a:off x="2653411" y="413230"/>
             <a:ext cx="564578" cy="461665"/>
           </a:xfrm>
           <a:prstGeom prst="rect">
@@ -11559,11 +11343,11 @@
           <a:lstStyle/>
           <a:p>
             <a:r>
-              <a:rPr lang="it-IT" sz="2400" dirty="0" smtClean="0"/>
+              <a:rPr lang="it-IT" sz="2400" dirty="0"/>
               <a:t> </a:t>
             </a:r>
             <a:r>
-              <a:rPr lang="it-IT" sz="2400" dirty="0" err="1" smtClean="0"/>
+              <a:rPr lang="it-IT" sz="2400" dirty="0" err="1"/>
               <a:t>Int</a:t>
             </a:r>
             <a:endParaRPr lang="en-GB" sz="2400" dirty="0"/>
@@ -11578,7 +11362,7 @@
         </p:nvSpPr>
         <p:spPr>
           <a:xfrm>
-            <a:off x="4615138" y="809152"/>
+            <a:off x="4671251" y="343280"/>
             <a:ext cx="720080" cy="576064"/>
           </a:xfrm>
           <a:prstGeom prst="rect">
@@ -11621,7 +11405,7 @@
         </p:nvCxnSpPr>
         <p:spPr>
           <a:xfrm>
-            <a:off x="3863104" y="1084433"/>
+            <a:off x="3919217" y="618561"/>
             <a:ext cx="760135" cy="0"/>
           </a:xfrm>
           <a:prstGeom prst="straightConnector1">
@@ -11654,7 +11438,7 @@
         </p:nvSpPr>
         <p:spPr>
           <a:xfrm>
-            <a:off x="5293950" y="866351"/>
+            <a:off x="5350063" y="400479"/>
             <a:ext cx="760144" cy="461665"/>
           </a:xfrm>
           <a:prstGeom prst="rect">
@@ -11669,7 +11453,7 @@
           <a:lstStyle/>
           <a:p>
             <a:r>
-              <a:rPr lang="it-IT" sz="2400" dirty="0" smtClean="0"/>
+              <a:rPr lang="it-IT" sz="2400" dirty="0"/>
               <a:t> Unit</a:t>
             </a:r>
             <a:endParaRPr lang="en-GB" sz="2400" dirty="0"/>
@@ -11684,7 +11468,7 @@
         </p:nvSpPr>
         <p:spPr>
           <a:xfrm>
-            <a:off x="1877218" y="1988840"/>
+            <a:off x="1933331" y="1522968"/>
             <a:ext cx="720080" cy="576064"/>
           </a:xfrm>
           <a:prstGeom prst="rect">
@@ -11727,7 +11511,7 @@
         </p:nvCxnSpPr>
         <p:spPr>
           <a:xfrm>
-            <a:off x="1125184" y="2264121"/>
+            <a:off x="1181297" y="1798249"/>
             <a:ext cx="760135" cy="0"/>
           </a:xfrm>
           <a:prstGeom prst="straightConnector1">
@@ -11760,7 +11544,7 @@
         </p:nvSpPr>
         <p:spPr>
           <a:xfrm>
-            <a:off x="1325231" y="1876905"/>
+            <a:off x="1381344" y="1411033"/>
             <a:ext cx="360040" cy="288032"/>
           </a:xfrm>
           <a:prstGeom prst="rect">
@@ -11803,7 +11587,7 @@
         </p:nvSpPr>
         <p:spPr>
           <a:xfrm>
-            <a:off x="2675070" y="2033288"/>
+            <a:off x="2731183" y="1567416"/>
             <a:ext cx="564578" cy="461665"/>
           </a:xfrm>
           <a:prstGeom prst="rect">
@@ -11818,11 +11602,11 @@
           <a:lstStyle/>
           <a:p>
             <a:r>
-              <a:rPr lang="it-IT" sz="2400" dirty="0" smtClean="0"/>
+              <a:rPr lang="it-IT" sz="2400" dirty="0"/>
               <a:t> </a:t>
             </a:r>
             <a:r>
-              <a:rPr lang="it-IT" sz="2400" dirty="0" err="1" smtClean="0"/>
+              <a:rPr lang="it-IT" sz="2400" dirty="0" err="1"/>
               <a:t>Int</a:t>
             </a:r>
             <a:endParaRPr lang="en-GB" sz="2400" dirty="0"/>
@@ -11837,7 +11621,7 @@
         </p:nvSpPr>
         <p:spPr>
           <a:xfrm>
-            <a:off x="4573870" y="1976088"/>
+            <a:off x="4629983" y="1510216"/>
             <a:ext cx="720080" cy="576064"/>
           </a:xfrm>
           <a:prstGeom prst="rect">
@@ -11880,7 +11664,7 @@
         </p:nvCxnSpPr>
         <p:spPr>
           <a:xfrm>
-            <a:off x="3821836" y="2251369"/>
+            <a:off x="3877949" y="1785497"/>
             <a:ext cx="760135" cy="0"/>
           </a:xfrm>
           <a:prstGeom prst="straightConnector1">
@@ -11913,7 +11697,7 @@
         </p:nvSpPr>
         <p:spPr>
           <a:xfrm>
-            <a:off x="5335218" y="2120105"/>
+            <a:off x="5391331" y="1654233"/>
             <a:ext cx="360040" cy="288032"/>
           </a:xfrm>
           <a:prstGeom prst="rect">
@@ -11956,7 +11740,7 @@
         </p:nvSpPr>
         <p:spPr>
           <a:xfrm>
-            <a:off x="3821836" y="1715852"/>
+            <a:off x="3877949" y="1249980"/>
             <a:ext cx="720069" cy="461665"/>
           </a:xfrm>
           <a:prstGeom prst="rect">
@@ -11982,6 +11766,1309 @@
               <a:t>k:Int</a:t>
             </a:r>
             <a:endParaRPr lang="en-GB" dirty="0"/>
+          </a:p>
+        </p:txBody>
+      </p:sp>
+      <p:grpSp>
+        <p:nvGrpSpPr>
+          <p:cNvPr id="22" name="Gruppo 82">
+            <a:extLst>
+              <a:ext uri="{FF2B5EF4-FFF2-40B4-BE49-F238E27FC236}">
+                <a16:creationId xmlns:a16="http://schemas.microsoft.com/office/drawing/2014/main" id="{D2ACE5A8-9046-43C9-855F-EC0E0754E6E4}"/>
+              </a:ext>
+            </a:extLst>
+          </p:cNvPr>
+          <p:cNvGrpSpPr/>
+          <p:nvPr/>
+        </p:nvGrpSpPr>
+        <p:grpSpPr>
+          <a:xfrm>
+            <a:off x="1485750" y="4052955"/>
+            <a:ext cx="866156" cy="763297"/>
+            <a:chOff x="1194666" y="2417771"/>
+            <a:chExt cx="866156" cy="763297"/>
+          </a:xfrm>
+        </p:grpSpPr>
+        <p:sp>
+          <p:nvSpPr>
+            <p:cNvPr id="23" name="Ovale 38">
+              <a:extLst>
+                <a:ext uri="{FF2B5EF4-FFF2-40B4-BE49-F238E27FC236}">
+                  <a16:creationId xmlns:a16="http://schemas.microsoft.com/office/drawing/2014/main" id="{A3C33013-DAC5-4DE5-9575-78DF66227DDF}"/>
+                </a:ext>
+              </a:extLst>
+            </p:cNvPr>
+            <p:cNvSpPr/>
+            <p:nvPr/>
+          </p:nvSpPr>
+          <p:spPr>
+            <a:xfrm>
+              <a:off x="1311101" y="2460988"/>
+              <a:ext cx="749721" cy="720080"/>
+            </a:xfrm>
+            <a:prstGeom prst="ellipse">
+              <a:avLst/>
+            </a:prstGeom>
+            <a:solidFill>
+              <a:srgbClr val="FFCCFF"/>
+            </a:solidFill>
+            <a:ln/>
+          </p:spPr>
+          <p:style>
+            <a:lnRef idx="1">
+              <a:schemeClr val="accent5"/>
+            </a:lnRef>
+            <a:fillRef idx="2">
+              <a:schemeClr val="accent5"/>
+            </a:fillRef>
+            <a:effectRef idx="1">
+              <a:schemeClr val="accent5"/>
+            </a:effectRef>
+            <a:fontRef idx="minor">
+              <a:schemeClr val="dk1"/>
+            </a:fontRef>
+          </p:style>
+          <p:txBody>
+            <a:bodyPr rtlCol="0" anchor="ctr"/>
+            <a:lstStyle/>
+            <a:p>
+              <a:pPr algn="ctr"/>
+              <a:r>
+                <a:rPr lang="en-GB" sz="1200" dirty="0"/>
+                <a:t> </a:t>
+              </a:r>
+            </a:p>
+          </p:txBody>
+        </p:sp>
+        <p:sp>
+          <p:nvSpPr>
+            <p:cNvPr id="24" name="Rettangolo 39">
+              <a:extLst>
+                <a:ext uri="{FF2B5EF4-FFF2-40B4-BE49-F238E27FC236}">
+                  <a16:creationId xmlns:a16="http://schemas.microsoft.com/office/drawing/2014/main" id="{94A5922D-9265-4A79-9770-BC1C16A107CA}"/>
+                </a:ext>
+              </a:extLst>
+            </p:cNvPr>
+            <p:cNvSpPr/>
+            <p:nvPr/>
+          </p:nvSpPr>
+          <p:spPr>
+            <a:xfrm>
+              <a:off x="1194666" y="2699711"/>
+              <a:ext cx="281433" cy="211952"/>
+            </a:xfrm>
+            <a:prstGeom prst="rect">
+              <a:avLst/>
+            </a:prstGeom>
+            <a:solidFill>
+              <a:srgbClr val="FFCCFF"/>
+            </a:solidFill>
+            <a:ln/>
+          </p:spPr>
+          <p:style>
+            <a:lnRef idx="1">
+              <a:schemeClr val="accent5"/>
+            </a:lnRef>
+            <a:fillRef idx="2">
+              <a:schemeClr val="accent5"/>
+            </a:fillRef>
+            <a:effectRef idx="1">
+              <a:schemeClr val="accent5"/>
+            </a:effectRef>
+            <a:fontRef idx="minor">
+              <a:schemeClr val="dk1"/>
+            </a:fontRef>
+          </p:style>
+          <p:txBody>
+            <a:bodyPr rtlCol="0" anchor="ctr"/>
+            <a:lstStyle/>
+            <a:p>
+              <a:pPr algn="ctr"/>
+              <a:endParaRPr lang="en-GB" sz="1200"/>
+            </a:p>
+          </p:txBody>
+        </p:sp>
+        <p:sp>
+          <p:nvSpPr>
+            <p:cNvPr id="25" name="Triangolo isoscele 42">
+              <a:extLst>
+                <a:ext uri="{FF2B5EF4-FFF2-40B4-BE49-F238E27FC236}">
+                  <a16:creationId xmlns:a16="http://schemas.microsoft.com/office/drawing/2014/main" id="{A0FD7BD4-A807-4F3B-A3BC-009F1B02A9D4}"/>
+                </a:ext>
+              </a:extLst>
+            </p:cNvPr>
+            <p:cNvSpPr/>
+            <p:nvPr/>
+          </p:nvSpPr>
+          <p:spPr>
+            <a:xfrm rot="16200000">
+              <a:off x="1618539" y="2391356"/>
+              <a:ext cx="86434" cy="139263"/>
+            </a:xfrm>
+            <a:prstGeom prst="triangle">
+              <a:avLst/>
+            </a:prstGeom>
+            <a:solidFill>
+              <a:srgbClr val="FF0000"/>
+            </a:solidFill>
+            <a:ln/>
+          </p:spPr>
+          <p:style>
+            <a:lnRef idx="1">
+              <a:schemeClr val="accent5"/>
+            </a:lnRef>
+            <a:fillRef idx="2">
+              <a:schemeClr val="accent5"/>
+            </a:fillRef>
+            <a:effectRef idx="1">
+              <a:schemeClr val="accent5"/>
+            </a:effectRef>
+            <a:fontRef idx="minor">
+              <a:schemeClr val="dk1"/>
+            </a:fontRef>
+          </p:style>
+          <p:txBody>
+            <a:bodyPr rtlCol="0" anchor="ctr"/>
+            <a:lstStyle/>
+            <a:p>
+              <a:pPr algn="ctr"/>
+              <a:endParaRPr lang="en-GB" sz="1200">
+                <a:solidFill>
+                  <a:schemeClr val="dk1"/>
+                </a:solidFill>
+              </a:endParaRPr>
+            </a:p>
+          </p:txBody>
+        </p:sp>
+      </p:grpSp>
+      <p:sp>
+        <p:nvSpPr>
+          <p:cNvPr id="26" name="Ovale 33">
+            <a:extLst>
+              <a:ext uri="{FF2B5EF4-FFF2-40B4-BE49-F238E27FC236}">
+                <a16:creationId xmlns:a16="http://schemas.microsoft.com/office/drawing/2014/main" id="{EE7E7EAA-6204-4C59-9F31-DF632E43B747}"/>
+              </a:ext>
+            </a:extLst>
+          </p:cNvPr>
+          <p:cNvSpPr/>
+          <p:nvPr/>
+        </p:nvSpPr>
+        <p:spPr>
+          <a:xfrm>
+            <a:off x="4732119" y="2421406"/>
+            <a:ext cx="749721" cy="720080"/>
+          </a:xfrm>
+          <a:prstGeom prst="ellipse">
+            <a:avLst/>
+          </a:prstGeom>
+          <a:ln/>
+        </p:spPr>
+        <p:style>
+          <a:lnRef idx="1">
+            <a:schemeClr val="accent5"/>
+          </a:lnRef>
+          <a:fillRef idx="2">
+            <a:schemeClr val="accent5"/>
+          </a:fillRef>
+          <a:effectRef idx="1">
+            <a:schemeClr val="accent5"/>
+          </a:effectRef>
+          <a:fontRef idx="minor">
+            <a:schemeClr val="dk1"/>
+          </a:fontRef>
+        </p:style>
+        <p:txBody>
+          <a:bodyPr rtlCol="0" anchor="ctr"/>
+          <a:lstStyle/>
+          <a:p>
+            <a:pPr algn="ctr"/>
+            <a:r>
+              <a:rPr lang="en-GB" sz="1200" dirty="0"/>
+              <a:t> </a:t>
+            </a:r>
+          </a:p>
+        </p:txBody>
+      </p:sp>
+      <p:sp>
+        <p:nvSpPr>
+          <p:cNvPr id="28" name="CasellaDiTesto 19">
+            <a:extLst>
+              <a:ext uri="{FF2B5EF4-FFF2-40B4-BE49-F238E27FC236}">
+                <a16:creationId xmlns:a16="http://schemas.microsoft.com/office/drawing/2014/main" id="{7B23BAA7-7D89-43BE-B88E-D25D840BA294}"/>
+              </a:ext>
+            </a:extLst>
+          </p:cNvPr>
+          <p:cNvSpPr txBox="1"/>
+          <p:nvPr/>
+        </p:nvSpPr>
+        <p:spPr>
+          <a:xfrm>
+            <a:off x="4589841" y="3252959"/>
+            <a:ext cx="253596" cy="461665"/>
+          </a:xfrm>
+          <a:prstGeom prst="rect">
+            <a:avLst/>
+          </a:prstGeom>
+          <a:noFill/>
+        </p:spPr>
+        <p:txBody>
+          <a:bodyPr wrap="none" rtlCol="0">
+            <a:spAutoFit/>
+          </a:bodyPr>
+          <a:lstStyle/>
+          <a:p>
+            <a:r>
+              <a:rPr lang="it-IT" sz="2400" dirty="0"/>
+              <a:t> </a:t>
+            </a:r>
+            <a:endParaRPr lang="en-GB" sz="2400" dirty="0"/>
+          </a:p>
+        </p:txBody>
+      </p:sp>
+      <p:sp>
+        <p:nvSpPr>
+          <p:cNvPr id="10" name="Rectangle 4">
+            <a:extLst>
+              <a:ext uri="{FF2B5EF4-FFF2-40B4-BE49-F238E27FC236}">
+                <a16:creationId xmlns:a16="http://schemas.microsoft.com/office/drawing/2014/main" id="{9285CE8F-211F-4A96-BEFB-E42C50887C6A}"/>
+              </a:ext>
+            </a:extLst>
+          </p:cNvPr>
+          <p:cNvSpPr>
+            <a:spLocks noChangeArrowheads="1"/>
+          </p:cNvSpPr>
+          <p:nvPr/>
+        </p:nvSpPr>
+        <p:spPr bwMode="auto">
+          <a:xfrm>
+            <a:off x="4427984" y="3108944"/>
+            <a:ext cx="3225563" cy="523220"/>
+          </a:xfrm>
+          <a:prstGeom prst="rect">
+            <a:avLst/>
+          </a:prstGeom>
+          <a:noFill/>
+        </p:spPr>
+        <p:txBody>
+          <a:bodyPr wrap="none" rtlCol="0">
+            <a:spAutoFit/>
+          </a:bodyPr>
+          <a:lstStyle/>
+          <a:p>
+            <a:r>
+              <a:rPr lang="en-US" altLang="en-US" sz="1400" b="1" dirty="0" err="1">
+                <a:solidFill>
+                  <a:srgbClr val="0070C0"/>
+                </a:solidFill>
+                <a:latin typeface="Arial" panose="020B0604020202020204" pitchFamily="34" charset="0"/>
+                <a:cs typeface="Arial" panose="020B0604020202020204" pitchFamily="34" charset="0"/>
+              </a:rPr>
+              <a:t>clientWenvTcpObj</a:t>
+            </a:r>
+            <a:endParaRPr lang="en-US" altLang="en-US" sz="1400" b="1" dirty="0">
+              <a:solidFill>
+                <a:srgbClr val="0070C0"/>
+              </a:solidFill>
+              <a:latin typeface="Arial" panose="020B0604020202020204" pitchFamily="34" charset="0"/>
+              <a:cs typeface="Arial" panose="020B0604020202020204" pitchFamily="34" charset="0"/>
+            </a:endParaRPr>
+          </a:p>
+          <a:p>
+            <a:r>
+              <a:rPr lang="en-US" altLang="en-US" sz="1400" dirty="0">
+                <a:latin typeface="Arial" panose="020B0604020202020204" pitchFamily="34" charset="0"/>
+                <a:cs typeface="Arial" panose="020B0604020202020204" pitchFamily="34" charset="0"/>
+              </a:rPr>
+              <a:t>(starts a coroutine to read sonar data) </a:t>
+            </a:r>
+          </a:p>
+        </p:txBody>
+      </p:sp>
+      <p:cxnSp>
+        <p:nvCxnSpPr>
+          <p:cNvPr id="29" name="Connettore 2 126">
+            <a:extLst>
+              <a:ext uri="{FF2B5EF4-FFF2-40B4-BE49-F238E27FC236}">
+                <a16:creationId xmlns:a16="http://schemas.microsoft.com/office/drawing/2014/main" id="{0AA0E6A2-F525-4C64-9B41-8AAC54C8346D}"/>
+              </a:ext>
+            </a:extLst>
+          </p:cNvPr>
+          <p:cNvCxnSpPr/>
+          <p:nvPr/>
+        </p:nvCxnSpPr>
+        <p:spPr>
+          <a:xfrm flipH="1">
+            <a:off x="5111951" y="2584895"/>
+            <a:ext cx="13466" cy="393101"/>
+          </a:xfrm>
+          <a:prstGeom prst="straightConnector1">
+            <a:avLst/>
+          </a:prstGeom>
+          <a:ln>
+            <a:solidFill>
+              <a:srgbClr val="C00000"/>
+            </a:solidFill>
+            <a:prstDash val="lgDash"/>
+            <a:tailEnd type="arrow"/>
+          </a:ln>
+        </p:spPr>
+        <p:style>
+          <a:lnRef idx="1">
+            <a:schemeClr val="accent1"/>
+          </a:lnRef>
+          <a:fillRef idx="0">
+            <a:schemeClr val="accent1"/>
+          </a:fillRef>
+          <a:effectRef idx="0">
+            <a:schemeClr val="accent1"/>
+          </a:effectRef>
+          <a:fontRef idx="minor">
+            <a:schemeClr val="tx1"/>
+          </a:fontRef>
+        </p:style>
+      </p:cxnSp>
+      <p:cxnSp>
+        <p:nvCxnSpPr>
+          <p:cNvPr id="30" name="Connettore 2 9">
+            <a:extLst>
+              <a:ext uri="{FF2B5EF4-FFF2-40B4-BE49-F238E27FC236}">
+                <a16:creationId xmlns:a16="http://schemas.microsoft.com/office/drawing/2014/main" id="{01EF4D93-4E7B-4DFB-AE38-808AA1CF2663}"/>
+              </a:ext>
+            </a:extLst>
+          </p:cNvPr>
+          <p:cNvCxnSpPr>
+            <a:cxnSpLocks/>
+          </p:cNvCxnSpPr>
+          <p:nvPr/>
+        </p:nvCxnSpPr>
+        <p:spPr>
+          <a:xfrm>
+            <a:off x="3026434" y="2808162"/>
+            <a:ext cx="1705685" cy="10792"/>
+          </a:xfrm>
+          <a:prstGeom prst="straightConnector1">
+            <a:avLst/>
+          </a:prstGeom>
+          <a:ln>
+            <a:tailEnd type="arrow"/>
+          </a:ln>
+        </p:spPr>
+        <p:style>
+          <a:lnRef idx="1">
+            <a:schemeClr val="accent1"/>
+          </a:lnRef>
+          <a:fillRef idx="0">
+            <a:schemeClr val="accent1"/>
+          </a:fillRef>
+          <a:effectRef idx="0">
+            <a:schemeClr val="accent1"/>
+          </a:effectRef>
+          <a:fontRef idx="minor">
+            <a:schemeClr val="tx1"/>
+          </a:fontRef>
+        </p:style>
+      </p:cxnSp>
+      <p:sp>
+        <p:nvSpPr>
+          <p:cNvPr id="33" name="Rectangle 5">
+            <a:extLst>
+              <a:ext uri="{FF2B5EF4-FFF2-40B4-BE49-F238E27FC236}">
+                <a16:creationId xmlns:a16="http://schemas.microsoft.com/office/drawing/2014/main" id="{663699FD-7F2E-4DD1-B4BF-227A041C24B8}"/>
+              </a:ext>
+            </a:extLst>
+          </p:cNvPr>
+          <p:cNvSpPr>
+            <a:spLocks noChangeArrowheads="1"/>
+          </p:cNvSpPr>
+          <p:nvPr/>
+        </p:nvSpPr>
+        <p:spPr bwMode="auto">
+          <a:xfrm>
+            <a:off x="2916205" y="2298314"/>
+            <a:ext cx="1906291" cy="523220"/>
+          </a:xfrm>
+          <a:prstGeom prst="rect">
+            <a:avLst/>
+          </a:prstGeom>
+          <a:noFill/>
+        </p:spPr>
+        <p:txBody>
+          <a:bodyPr wrap="none" rtlCol="0">
+            <a:spAutoFit/>
+          </a:bodyPr>
+          <a:lstStyle/>
+          <a:p>
+            <a:r>
+              <a:rPr lang="en-US" altLang="en-US" sz="1400" b="1" dirty="0" err="1">
+                <a:solidFill>
+                  <a:srgbClr val="0070C0"/>
+                </a:solidFill>
+                <a:latin typeface="Arial" panose="020B0604020202020204" pitchFamily="34" charset="0"/>
+                <a:cs typeface="Arial" panose="020B0604020202020204" pitchFamily="34" charset="0"/>
+              </a:rPr>
+              <a:t>sendMsg</a:t>
+            </a:r>
+            <a:r>
+              <a:rPr lang="en-US" altLang="en-US" sz="1400" dirty="0">
+                <a:latin typeface="Arial" panose="020B0604020202020204" pitchFamily="34" charset="0"/>
+                <a:cs typeface="Arial" panose="020B0604020202020204" pitchFamily="34" charset="0"/>
+              </a:rPr>
+              <a:t>(</a:t>
+            </a:r>
+          </a:p>
+          <a:p>
+            <a:r>
+              <a:rPr lang="en-US" altLang="en-US" sz="1400" dirty="0">
+                <a:latin typeface="Arial" panose="020B0604020202020204" pitchFamily="34" charset="0"/>
+                <a:cs typeface="Arial" panose="020B0604020202020204" pitchFamily="34" charset="0"/>
+              </a:rPr>
+              <a:t>     </a:t>
+            </a:r>
+            <a:r>
+              <a:rPr lang="en-US" altLang="en-US" sz="1400" dirty="0" err="1">
+                <a:latin typeface="Arial" panose="020B0604020202020204" pitchFamily="34" charset="0"/>
+                <a:cs typeface="Arial" panose="020B0604020202020204" pitchFamily="34" charset="0"/>
+              </a:rPr>
+              <a:t>jsonString</a:t>
+            </a:r>
+            <a:r>
+              <a:rPr lang="en-US" altLang="en-US" sz="1400" dirty="0">
+                <a:latin typeface="Arial" panose="020B0604020202020204" pitchFamily="34" charset="0"/>
+                <a:cs typeface="Arial" panose="020B0604020202020204" pitchFamily="34" charset="0"/>
+              </a:rPr>
+              <a:t>: String) </a:t>
+            </a:r>
+          </a:p>
+        </p:txBody>
+      </p:sp>
+      <p:sp>
+        <p:nvSpPr>
+          <p:cNvPr id="36" name="Rectangle 4">
+            <a:extLst>
+              <a:ext uri="{FF2B5EF4-FFF2-40B4-BE49-F238E27FC236}">
+                <a16:creationId xmlns:a16="http://schemas.microsoft.com/office/drawing/2014/main" id="{751C612F-85E8-46CD-9D97-711C49FABD7D}"/>
+              </a:ext>
+            </a:extLst>
+          </p:cNvPr>
+          <p:cNvSpPr>
+            <a:spLocks noChangeArrowheads="1"/>
+          </p:cNvSpPr>
+          <p:nvPr/>
+        </p:nvSpPr>
+        <p:spPr bwMode="auto">
+          <a:xfrm>
+            <a:off x="1398040" y="4924167"/>
+            <a:ext cx="1109599" cy="307777"/>
+          </a:xfrm>
+          <a:prstGeom prst="rect">
+            <a:avLst/>
+          </a:prstGeom>
+          <a:noFill/>
+        </p:spPr>
+        <p:txBody>
+          <a:bodyPr wrap="none" rtlCol="0">
+            <a:spAutoFit/>
+          </a:bodyPr>
+          <a:lstStyle/>
+          <a:p>
+            <a:r>
+              <a:rPr lang="en-US" altLang="en-US" sz="1400" b="1" dirty="0" err="1">
+                <a:solidFill>
+                  <a:srgbClr val="0070C0"/>
+                </a:solidFill>
+                <a:latin typeface="Arial" panose="020B0604020202020204" pitchFamily="34" charset="0"/>
+                <a:cs typeface="Arial" panose="020B0604020202020204" pitchFamily="34" charset="0"/>
+              </a:rPr>
+              <a:t>robotActor</a:t>
+            </a:r>
+            <a:endParaRPr lang="en-US" altLang="en-US" sz="1400" dirty="0">
+              <a:latin typeface="Arial" panose="020B0604020202020204" pitchFamily="34" charset="0"/>
+              <a:cs typeface="Arial" panose="020B0604020202020204" pitchFamily="34" charset="0"/>
+            </a:endParaRPr>
+          </a:p>
+        </p:txBody>
+      </p:sp>
+      <p:sp>
+        <p:nvSpPr>
+          <p:cNvPr id="38" name="Ovale 33">
+            <a:extLst>
+              <a:ext uri="{FF2B5EF4-FFF2-40B4-BE49-F238E27FC236}">
+                <a16:creationId xmlns:a16="http://schemas.microsoft.com/office/drawing/2014/main" id="{AE821BAD-5AB7-466B-8291-7E14ADF08024}"/>
+              </a:ext>
+            </a:extLst>
+          </p:cNvPr>
+          <p:cNvSpPr/>
+          <p:nvPr/>
+        </p:nvSpPr>
+        <p:spPr>
+          <a:xfrm>
+            <a:off x="4168961" y="4120940"/>
+            <a:ext cx="749721" cy="720080"/>
+          </a:xfrm>
+          <a:prstGeom prst="ellipse">
+            <a:avLst/>
+          </a:prstGeom>
+          <a:ln/>
+        </p:spPr>
+        <p:style>
+          <a:lnRef idx="1">
+            <a:schemeClr val="accent5"/>
+          </a:lnRef>
+          <a:fillRef idx="2">
+            <a:schemeClr val="accent5"/>
+          </a:fillRef>
+          <a:effectRef idx="1">
+            <a:schemeClr val="accent5"/>
+          </a:effectRef>
+          <a:fontRef idx="minor">
+            <a:schemeClr val="dk1"/>
+          </a:fontRef>
+        </p:style>
+        <p:txBody>
+          <a:bodyPr rtlCol="0" anchor="ctr"/>
+          <a:lstStyle/>
+          <a:p>
+            <a:pPr algn="ctr"/>
+            <a:r>
+              <a:rPr lang="en-GB" sz="1200" dirty="0"/>
+              <a:t> </a:t>
+            </a:r>
+          </a:p>
+        </p:txBody>
+      </p:sp>
+      <p:sp>
+        <p:nvSpPr>
+          <p:cNvPr id="39" name="CasellaDiTesto 19">
+            <a:extLst>
+              <a:ext uri="{FF2B5EF4-FFF2-40B4-BE49-F238E27FC236}">
+                <a16:creationId xmlns:a16="http://schemas.microsoft.com/office/drawing/2014/main" id="{EF542A0F-AE9B-4720-A22D-4000E774217C}"/>
+              </a:ext>
+            </a:extLst>
+          </p:cNvPr>
+          <p:cNvSpPr txBox="1"/>
+          <p:nvPr/>
+        </p:nvSpPr>
+        <p:spPr>
+          <a:xfrm>
+            <a:off x="4026683" y="4952493"/>
+            <a:ext cx="253596" cy="461665"/>
+          </a:xfrm>
+          <a:prstGeom prst="rect">
+            <a:avLst/>
+          </a:prstGeom>
+          <a:noFill/>
+        </p:spPr>
+        <p:txBody>
+          <a:bodyPr wrap="none" rtlCol="0">
+            <a:spAutoFit/>
+          </a:bodyPr>
+          <a:lstStyle/>
+          <a:p>
+            <a:r>
+              <a:rPr lang="it-IT" sz="2400" dirty="0"/>
+              <a:t> </a:t>
+            </a:r>
+            <a:endParaRPr lang="en-GB" sz="2400" dirty="0"/>
+          </a:p>
+        </p:txBody>
+      </p:sp>
+      <p:sp>
+        <p:nvSpPr>
+          <p:cNvPr id="40" name="Rectangle 4">
+            <a:extLst>
+              <a:ext uri="{FF2B5EF4-FFF2-40B4-BE49-F238E27FC236}">
+                <a16:creationId xmlns:a16="http://schemas.microsoft.com/office/drawing/2014/main" id="{DC75D623-1BEE-420F-8F7A-642F64C29300}"/>
+              </a:ext>
+            </a:extLst>
+          </p:cNvPr>
+          <p:cNvSpPr>
+            <a:spLocks noChangeArrowheads="1"/>
+          </p:cNvSpPr>
+          <p:nvPr/>
+        </p:nvSpPr>
+        <p:spPr bwMode="auto">
+          <a:xfrm>
+            <a:off x="3864826" y="4808478"/>
+            <a:ext cx="2810385" cy="738664"/>
+          </a:xfrm>
+          <a:prstGeom prst="rect">
+            <a:avLst/>
+          </a:prstGeom>
+          <a:noFill/>
+        </p:spPr>
+        <p:txBody>
+          <a:bodyPr wrap="none" rtlCol="0">
+            <a:spAutoFit/>
+          </a:bodyPr>
+          <a:lstStyle/>
+          <a:p>
+            <a:r>
+              <a:rPr lang="en-US" altLang="en-US" sz="1400" b="1" dirty="0" err="1">
+                <a:solidFill>
+                  <a:srgbClr val="0070C0"/>
+                </a:solidFill>
+                <a:latin typeface="Arial" panose="020B0604020202020204" pitchFamily="34" charset="0"/>
+                <a:cs typeface="Arial" panose="020B0604020202020204" pitchFamily="34" charset="0"/>
+              </a:rPr>
+              <a:t>robotSupport</a:t>
+            </a:r>
+            <a:endParaRPr lang="en-US" altLang="en-US" sz="1400" b="1" dirty="0">
+              <a:solidFill>
+                <a:srgbClr val="0070C0"/>
+              </a:solidFill>
+              <a:latin typeface="Arial" panose="020B0604020202020204" pitchFamily="34" charset="0"/>
+              <a:cs typeface="Arial" panose="020B0604020202020204" pitchFamily="34" charset="0"/>
+            </a:endParaRPr>
+          </a:p>
+          <a:p>
+            <a:r>
+              <a:rPr lang="en-US" altLang="en-US" sz="1400" dirty="0">
+                <a:latin typeface="Arial" panose="020B0604020202020204" pitchFamily="34" charset="0"/>
+                <a:cs typeface="Arial" panose="020B0604020202020204" pitchFamily="34" charset="0"/>
+              </a:rPr>
+              <a:t>(starts a coroutine that </a:t>
+            </a:r>
+          </a:p>
+          <a:p>
+            <a:r>
+              <a:rPr lang="en-US" altLang="en-US" sz="1400" dirty="0">
+                <a:latin typeface="Arial" panose="020B0604020202020204" pitchFamily="34" charset="0"/>
+                <a:cs typeface="Arial" panose="020B0604020202020204" pitchFamily="34" charset="0"/>
+              </a:rPr>
+              <a:t>sends messages to </a:t>
+            </a:r>
+            <a:r>
+              <a:rPr lang="en-US" altLang="en-US" sz="1400" b="1" dirty="0" err="1">
+                <a:solidFill>
+                  <a:srgbClr val="0070C0"/>
+                </a:solidFill>
+                <a:latin typeface="Arial" panose="020B0604020202020204" pitchFamily="34" charset="0"/>
+                <a:cs typeface="Arial" panose="020B0604020202020204" pitchFamily="34" charset="0"/>
+              </a:rPr>
+              <a:t>robotActor</a:t>
+            </a:r>
+            <a:r>
+              <a:rPr lang="en-US" altLang="en-US" sz="1400" dirty="0">
+                <a:latin typeface="Arial" panose="020B0604020202020204" pitchFamily="34" charset="0"/>
+                <a:cs typeface="Arial" panose="020B0604020202020204" pitchFamily="34" charset="0"/>
+              </a:rPr>
+              <a:t>) </a:t>
+            </a:r>
+          </a:p>
+        </p:txBody>
+      </p:sp>
+      <p:cxnSp>
+        <p:nvCxnSpPr>
+          <p:cNvPr id="41" name="Connettore 2 126">
+            <a:extLst>
+              <a:ext uri="{FF2B5EF4-FFF2-40B4-BE49-F238E27FC236}">
+                <a16:creationId xmlns:a16="http://schemas.microsoft.com/office/drawing/2014/main" id="{B9484729-5BBF-42A0-9532-D074E8F64D0C}"/>
+              </a:ext>
+            </a:extLst>
+          </p:cNvPr>
+          <p:cNvCxnSpPr/>
+          <p:nvPr/>
+        </p:nvCxnSpPr>
+        <p:spPr>
+          <a:xfrm flipH="1">
+            <a:off x="4548793" y="4284429"/>
+            <a:ext cx="13466" cy="393101"/>
+          </a:xfrm>
+          <a:prstGeom prst="straightConnector1">
+            <a:avLst/>
+          </a:prstGeom>
+          <a:ln>
+            <a:solidFill>
+              <a:srgbClr val="C00000"/>
+            </a:solidFill>
+            <a:prstDash val="lgDash"/>
+            <a:tailEnd type="arrow"/>
+          </a:ln>
+        </p:spPr>
+        <p:style>
+          <a:lnRef idx="1">
+            <a:schemeClr val="accent1"/>
+          </a:lnRef>
+          <a:fillRef idx="0">
+            <a:schemeClr val="accent1"/>
+          </a:fillRef>
+          <a:effectRef idx="0">
+            <a:schemeClr val="accent1"/>
+          </a:effectRef>
+          <a:fontRef idx="minor">
+            <a:schemeClr val="tx1"/>
+          </a:fontRef>
+        </p:style>
+      </p:cxnSp>
+      <p:cxnSp>
+        <p:nvCxnSpPr>
+          <p:cNvPr id="42" name="Connettore 2 9">
+            <a:extLst>
+              <a:ext uri="{FF2B5EF4-FFF2-40B4-BE49-F238E27FC236}">
+                <a16:creationId xmlns:a16="http://schemas.microsoft.com/office/drawing/2014/main" id="{2227C48D-AA34-4D81-9873-E2E1601CDD36}"/>
+              </a:ext>
+            </a:extLst>
+          </p:cNvPr>
+          <p:cNvCxnSpPr>
+            <a:cxnSpLocks/>
+            <a:stCxn id="23" idx="6"/>
+            <a:endCxn id="38" idx="2"/>
+          </p:cNvCxnSpPr>
+          <p:nvPr/>
+        </p:nvCxnSpPr>
+        <p:spPr>
+          <a:xfrm>
+            <a:off x="2351906" y="4456212"/>
+            <a:ext cx="1817055" cy="24768"/>
+          </a:xfrm>
+          <a:prstGeom prst="straightConnector1">
+            <a:avLst/>
+          </a:prstGeom>
+          <a:ln>
+            <a:tailEnd type="arrow"/>
+          </a:ln>
+        </p:spPr>
+        <p:style>
+          <a:lnRef idx="1">
+            <a:schemeClr val="accent1"/>
+          </a:lnRef>
+          <a:fillRef idx="0">
+            <a:schemeClr val="accent1"/>
+          </a:fillRef>
+          <a:effectRef idx="0">
+            <a:schemeClr val="accent1"/>
+          </a:effectRef>
+          <a:fontRef idx="minor">
+            <a:schemeClr val="tx1"/>
+          </a:fontRef>
+        </p:style>
+      </p:cxnSp>
+      <p:sp>
+        <p:nvSpPr>
+          <p:cNvPr id="43" name="Rectangle 5">
+            <a:extLst>
+              <a:ext uri="{FF2B5EF4-FFF2-40B4-BE49-F238E27FC236}">
+                <a16:creationId xmlns:a16="http://schemas.microsoft.com/office/drawing/2014/main" id="{FDD84F83-30AC-4BF9-B9FF-5314654605F2}"/>
+              </a:ext>
+            </a:extLst>
+          </p:cNvPr>
+          <p:cNvSpPr>
+            <a:spLocks noChangeArrowheads="1"/>
+          </p:cNvSpPr>
+          <p:nvPr/>
+        </p:nvSpPr>
+        <p:spPr bwMode="auto">
+          <a:xfrm>
+            <a:off x="2375780" y="4045961"/>
+            <a:ext cx="1982053" cy="307777"/>
+          </a:xfrm>
+          <a:prstGeom prst="rect">
+            <a:avLst/>
+          </a:prstGeom>
+          <a:noFill/>
+        </p:spPr>
+        <p:txBody>
+          <a:bodyPr wrap="square" rtlCol="0">
+            <a:spAutoFit/>
+          </a:bodyPr>
+          <a:lstStyle/>
+          <a:p>
+            <a:r>
+              <a:rPr lang="en-US" altLang="en-US" sz="1400" b="1" dirty="0" err="1">
+                <a:latin typeface="Arial" panose="020B0604020202020204" pitchFamily="34" charset="0"/>
+                <a:cs typeface="Arial" panose="020B0604020202020204" pitchFamily="34" charset="0"/>
+              </a:rPr>
+              <a:t>domove</a:t>
+            </a:r>
+            <a:r>
+              <a:rPr lang="en-US" altLang="en-US" sz="1400" dirty="0">
+                <a:latin typeface="Arial" panose="020B0604020202020204" pitchFamily="34" charset="0"/>
+                <a:cs typeface="Arial" panose="020B0604020202020204" pitchFamily="34" charset="0"/>
+              </a:rPr>
+              <a:t>( </a:t>
+            </a:r>
+            <a:r>
+              <a:rPr lang="en-US" altLang="en-US" sz="1400" dirty="0" err="1">
+                <a:latin typeface="Arial" panose="020B0604020202020204" pitchFamily="34" charset="0"/>
+                <a:cs typeface="Arial" panose="020B0604020202020204" pitchFamily="34" charset="0"/>
+              </a:rPr>
+              <a:t>cmd</a:t>
+            </a:r>
+            <a:r>
+              <a:rPr lang="en-US" altLang="en-US" sz="1400" dirty="0">
+                <a:latin typeface="Arial" panose="020B0604020202020204" pitchFamily="34" charset="0"/>
+                <a:cs typeface="Arial" panose="020B0604020202020204" pitchFamily="34" charset="0"/>
+              </a:rPr>
+              <a:t>: String ) </a:t>
+            </a:r>
+          </a:p>
+        </p:txBody>
+      </p:sp>
+      <p:sp>
+        <p:nvSpPr>
+          <p:cNvPr id="45" name="Rectangle 5">
+            <a:extLst>
+              <a:ext uri="{FF2B5EF4-FFF2-40B4-BE49-F238E27FC236}">
+                <a16:creationId xmlns:a16="http://schemas.microsoft.com/office/drawing/2014/main" id="{E24D6CA4-2BC9-4AE1-95CB-AED96FDB9560}"/>
+              </a:ext>
+            </a:extLst>
+          </p:cNvPr>
+          <p:cNvSpPr>
+            <a:spLocks noChangeArrowheads="1"/>
+          </p:cNvSpPr>
+          <p:nvPr/>
+        </p:nvSpPr>
+        <p:spPr bwMode="auto">
+          <a:xfrm>
+            <a:off x="5524606" y="2362874"/>
+            <a:ext cx="702436" cy="307777"/>
+          </a:xfrm>
+          <a:prstGeom prst="rect">
+            <a:avLst/>
+          </a:prstGeom>
+          <a:noFill/>
+        </p:spPr>
+        <p:txBody>
+          <a:bodyPr wrap="none" rtlCol="0">
+            <a:spAutoFit/>
+          </a:bodyPr>
+          <a:lstStyle/>
+          <a:p>
+            <a:r>
+              <a:rPr lang="en-US" altLang="en-US" sz="1400" dirty="0">
+                <a:latin typeface="Arial" panose="020B0604020202020204" pitchFamily="34" charset="0"/>
+                <a:cs typeface="Arial" panose="020B0604020202020204" pitchFamily="34" charset="0"/>
+              </a:rPr>
+              <a:t>socket</a:t>
+            </a:r>
+          </a:p>
+        </p:txBody>
+      </p:sp>
+      <p:sp>
+        <p:nvSpPr>
+          <p:cNvPr id="46" name="Ovale 33">
+            <a:extLst>
+              <a:ext uri="{FF2B5EF4-FFF2-40B4-BE49-F238E27FC236}">
+                <a16:creationId xmlns:a16="http://schemas.microsoft.com/office/drawing/2014/main" id="{9DB22A3B-B6A7-4E63-A408-51B043370910}"/>
+              </a:ext>
+            </a:extLst>
+          </p:cNvPr>
+          <p:cNvSpPr/>
+          <p:nvPr/>
+        </p:nvSpPr>
+        <p:spPr>
+          <a:xfrm>
+            <a:off x="5759721" y="2650146"/>
+            <a:ext cx="312930" cy="275021"/>
+          </a:xfrm>
+          <a:prstGeom prst="ellipse">
+            <a:avLst/>
+          </a:prstGeom>
+          <a:ln/>
+        </p:spPr>
+        <p:style>
+          <a:lnRef idx="1">
+            <a:schemeClr val="accent5"/>
+          </a:lnRef>
+          <a:fillRef idx="2">
+            <a:schemeClr val="accent5"/>
+          </a:fillRef>
+          <a:effectRef idx="1">
+            <a:schemeClr val="accent5"/>
+          </a:effectRef>
+          <a:fontRef idx="minor">
+            <a:schemeClr val="dk1"/>
+          </a:fontRef>
+        </p:style>
+        <p:txBody>
+          <a:bodyPr rtlCol="0" anchor="ctr"/>
+          <a:lstStyle/>
+          <a:p>
+            <a:pPr algn="ctr"/>
+            <a:r>
+              <a:rPr lang="en-GB" sz="1200" dirty="0"/>
+              <a:t> </a:t>
+            </a:r>
+          </a:p>
+        </p:txBody>
+      </p:sp>
+      <p:cxnSp>
+        <p:nvCxnSpPr>
+          <p:cNvPr id="48" name="Straight Arrow Connector 47">
+            <a:extLst>
+              <a:ext uri="{FF2B5EF4-FFF2-40B4-BE49-F238E27FC236}">
+                <a16:creationId xmlns:a16="http://schemas.microsoft.com/office/drawing/2014/main" id="{68E3D2D9-1905-4E34-9DAF-86766AC88CC1}"/>
+              </a:ext>
+            </a:extLst>
+          </p:cNvPr>
+          <p:cNvCxnSpPr>
+            <a:stCxn id="26" idx="6"/>
+            <a:endCxn id="46" idx="2"/>
+          </p:cNvCxnSpPr>
+          <p:nvPr/>
+        </p:nvCxnSpPr>
+        <p:spPr>
+          <a:xfrm>
+            <a:off x="5481840" y="2781446"/>
+            <a:ext cx="277881" cy="6211"/>
+          </a:xfrm>
+          <a:prstGeom prst="straightConnector1">
+            <a:avLst/>
+          </a:prstGeom>
+          <a:ln>
+            <a:tailEnd type="triangle"/>
+          </a:ln>
+        </p:spPr>
+        <p:style>
+          <a:lnRef idx="1">
+            <a:schemeClr val="accent1"/>
+          </a:lnRef>
+          <a:fillRef idx="0">
+            <a:schemeClr val="accent1"/>
+          </a:fillRef>
+          <a:effectRef idx="0">
+            <a:schemeClr val="accent1"/>
+          </a:effectRef>
+          <a:fontRef idx="minor">
+            <a:schemeClr val="tx1"/>
+          </a:fontRef>
+        </p:style>
+      </p:cxnSp>
+      <p:sp>
+        <p:nvSpPr>
+          <p:cNvPr id="52" name="Rectangle 5">
+            <a:extLst>
+              <a:ext uri="{FF2B5EF4-FFF2-40B4-BE49-F238E27FC236}">
+                <a16:creationId xmlns:a16="http://schemas.microsoft.com/office/drawing/2014/main" id="{9529310F-209D-4FC3-82E8-EEC7E3A85851}"/>
+              </a:ext>
+            </a:extLst>
+          </p:cNvPr>
+          <p:cNvSpPr>
+            <a:spLocks noChangeArrowheads="1"/>
+          </p:cNvSpPr>
+          <p:nvPr/>
+        </p:nvSpPr>
+        <p:spPr bwMode="auto">
+          <a:xfrm>
+            <a:off x="4942556" y="4066194"/>
+            <a:ext cx="702436" cy="307777"/>
+          </a:xfrm>
+          <a:prstGeom prst="rect">
+            <a:avLst/>
+          </a:prstGeom>
+          <a:noFill/>
+        </p:spPr>
+        <p:txBody>
+          <a:bodyPr wrap="none" rtlCol="0">
+            <a:spAutoFit/>
+          </a:bodyPr>
+          <a:lstStyle/>
+          <a:p>
+            <a:r>
+              <a:rPr lang="en-US" altLang="en-US" sz="1400" dirty="0">
+                <a:latin typeface="Arial" panose="020B0604020202020204" pitchFamily="34" charset="0"/>
+                <a:cs typeface="Arial" panose="020B0604020202020204" pitchFamily="34" charset="0"/>
+              </a:rPr>
+              <a:t>socket</a:t>
+            </a:r>
+          </a:p>
+        </p:txBody>
+      </p:sp>
+      <p:sp>
+        <p:nvSpPr>
+          <p:cNvPr id="53" name="Ovale 33">
+            <a:extLst>
+              <a:ext uri="{FF2B5EF4-FFF2-40B4-BE49-F238E27FC236}">
+                <a16:creationId xmlns:a16="http://schemas.microsoft.com/office/drawing/2014/main" id="{435D5F9E-A655-4DD7-851D-B11A8F169495}"/>
+              </a:ext>
+            </a:extLst>
+          </p:cNvPr>
+          <p:cNvSpPr/>
+          <p:nvPr/>
+        </p:nvSpPr>
+        <p:spPr>
+          <a:xfrm>
+            <a:off x="5177671" y="4353466"/>
+            <a:ext cx="312930" cy="275021"/>
+          </a:xfrm>
+          <a:prstGeom prst="ellipse">
+            <a:avLst/>
+          </a:prstGeom>
+          <a:ln/>
+        </p:spPr>
+        <p:style>
+          <a:lnRef idx="1">
+            <a:schemeClr val="accent5"/>
+          </a:lnRef>
+          <a:fillRef idx="2">
+            <a:schemeClr val="accent5"/>
+          </a:fillRef>
+          <a:effectRef idx="1">
+            <a:schemeClr val="accent5"/>
+          </a:effectRef>
+          <a:fontRef idx="minor">
+            <a:schemeClr val="dk1"/>
+          </a:fontRef>
+        </p:style>
+        <p:txBody>
+          <a:bodyPr rtlCol="0" anchor="ctr"/>
+          <a:lstStyle/>
+          <a:p>
+            <a:pPr algn="ctr"/>
+            <a:r>
+              <a:rPr lang="en-GB" sz="1200" dirty="0"/>
+              <a:t> </a:t>
+            </a:r>
+          </a:p>
+        </p:txBody>
+      </p:sp>
+      <p:cxnSp>
+        <p:nvCxnSpPr>
+          <p:cNvPr id="54" name="Straight Arrow Connector 53">
+            <a:extLst>
+              <a:ext uri="{FF2B5EF4-FFF2-40B4-BE49-F238E27FC236}">
+                <a16:creationId xmlns:a16="http://schemas.microsoft.com/office/drawing/2014/main" id="{5F862CA7-7927-4E0C-A697-C0E183A98073}"/>
+              </a:ext>
+            </a:extLst>
+          </p:cNvPr>
+          <p:cNvCxnSpPr>
+            <a:endCxn id="53" idx="2"/>
+          </p:cNvCxnSpPr>
+          <p:nvPr/>
+        </p:nvCxnSpPr>
+        <p:spPr>
+          <a:xfrm>
+            <a:off x="4899790" y="4484766"/>
+            <a:ext cx="277881" cy="6211"/>
+          </a:xfrm>
+          <a:prstGeom prst="straightConnector1">
+            <a:avLst/>
+          </a:prstGeom>
+          <a:ln>
+            <a:tailEnd type="triangle"/>
+          </a:ln>
+        </p:spPr>
+        <p:style>
+          <a:lnRef idx="1">
+            <a:schemeClr val="accent1"/>
+          </a:lnRef>
+          <a:fillRef idx="0">
+            <a:schemeClr val="accent1"/>
+          </a:fillRef>
+          <a:effectRef idx="0">
+            <a:schemeClr val="accent1"/>
+          </a:effectRef>
+          <a:fontRef idx="minor">
+            <a:schemeClr val="tx1"/>
+          </a:fontRef>
+        </p:style>
+      </p:cxnSp>
+      <p:cxnSp>
+        <p:nvCxnSpPr>
+          <p:cNvPr id="57" name="Connector: Elbow 56">
+            <a:extLst>
+              <a:ext uri="{FF2B5EF4-FFF2-40B4-BE49-F238E27FC236}">
+                <a16:creationId xmlns:a16="http://schemas.microsoft.com/office/drawing/2014/main" id="{CDFFCB79-ECE8-451E-A967-EFE490B3417F}"/>
+              </a:ext>
+            </a:extLst>
+          </p:cNvPr>
+          <p:cNvCxnSpPr>
+            <a:cxnSpLocks/>
+            <a:stCxn id="38" idx="3"/>
+            <a:endCxn id="60" idx="4"/>
+          </p:cNvCxnSpPr>
+          <p:nvPr/>
+        </p:nvCxnSpPr>
+        <p:spPr>
+          <a:xfrm rot="5400000" flipH="1">
+            <a:off x="2564849" y="3021661"/>
+            <a:ext cx="185414" cy="3242398"/>
+          </a:xfrm>
+          <a:prstGeom prst="bentConnector3">
+            <a:avLst>
+              <a:gd name="adj1" fmla="val -394410"/>
+            </a:avLst>
+          </a:prstGeom>
+          <a:ln>
+            <a:prstDash val="lgDash"/>
+            <a:tailEnd type="arrow"/>
+          </a:ln>
+        </p:spPr>
+        <p:style>
+          <a:lnRef idx="1">
+            <a:schemeClr val="accent1"/>
+          </a:lnRef>
+          <a:fillRef idx="0">
+            <a:schemeClr val="accent1"/>
+          </a:fillRef>
+          <a:effectRef idx="0">
+            <a:schemeClr val="accent1"/>
+          </a:effectRef>
+          <a:fontRef idx="minor">
+            <a:schemeClr val="tx1"/>
+          </a:fontRef>
+        </p:style>
+      </p:cxnSp>
+      <p:sp>
+        <p:nvSpPr>
+          <p:cNvPr id="60" name="Oval 59">
+            <a:extLst>
+              <a:ext uri="{FF2B5EF4-FFF2-40B4-BE49-F238E27FC236}">
+                <a16:creationId xmlns:a16="http://schemas.microsoft.com/office/drawing/2014/main" id="{14ACD13F-7496-4B90-AE98-8683062A6B76}"/>
+              </a:ext>
+            </a:extLst>
+          </p:cNvPr>
+          <p:cNvSpPr/>
+          <p:nvPr/>
+        </p:nvSpPr>
+        <p:spPr>
+          <a:xfrm>
+            <a:off x="924494" y="4319055"/>
+            <a:ext cx="223725" cy="231098"/>
+          </a:xfrm>
+          <a:prstGeom prst="ellipse">
+            <a:avLst/>
+          </a:prstGeom>
+          <a:solidFill>
+            <a:schemeClr val="bg1"/>
+          </a:solidFill>
+          <a:ln>
+            <a:solidFill>
+              <a:schemeClr val="bg1"/>
+            </a:solidFill>
+          </a:ln>
+        </p:spPr>
+        <p:style>
+          <a:lnRef idx="2">
+            <a:schemeClr val="accent1">
+              <a:shade val="50000"/>
+            </a:schemeClr>
+          </a:lnRef>
+          <a:fillRef idx="1">
+            <a:schemeClr val="accent1"/>
+          </a:fillRef>
+          <a:effectRef idx="0">
+            <a:schemeClr val="accent1"/>
+          </a:effectRef>
+          <a:fontRef idx="minor">
+            <a:schemeClr val="lt1"/>
+          </a:fontRef>
+        </p:style>
+        <p:txBody>
+          <a:bodyPr rtlCol="0" anchor="ctr"/>
+          <a:lstStyle/>
+          <a:p>
+            <a:pPr algn="ctr"/>
+            <a:endParaRPr lang="en-US"/>
+          </a:p>
+        </p:txBody>
+      </p:sp>
+      <p:cxnSp>
+        <p:nvCxnSpPr>
+          <p:cNvPr id="35" name="Connettore 2 92">
+            <a:extLst>
+              <a:ext uri="{FF2B5EF4-FFF2-40B4-BE49-F238E27FC236}">
+                <a16:creationId xmlns:a16="http://schemas.microsoft.com/office/drawing/2014/main" id="{D129B3F1-E984-4808-8DB5-56CC7FF47729}"/>
+              </a:ext>
+            </a:extLst>
+          </p:cNvPr>
+          <p:cNvCxnSpPr/>
+          <p:nvPr/>
+        </p:nvCxnSpPr>
+        <p:spPr>
+          <a:xfrm>
+            <a:off x="702491" y="4516059"/>
+            <a:ext cx="783259" cy="0"/>
+          </a:xfrm>
+          <a:prstGeom prst="straightConnector1">
+            <a:avLst/>
+          </a:prstGeom>
+          <a:ln>
+            <a:prstDash val="lgDash"/>
+            <a:tailEnd type="arrow"/>
+          </a:ln>
+        </p:spPr>
+        <p:style>
+          <a:lnRef idx="1">
+            <a:schemeClr val="accent1"/>
+          </a:lnRef>
+          <a:fillRef idx="0">
+            <a:schemeClr val="accent1"/>
+          </a:fillRef>
+          <a:effectRef idx="0">
+            <a:schemeClr val="accent1"/>
+          </a:effectRef>
+          <a:fontRef idx="minor">
+            <a:schemeClr val="tx1"/>
+          </a:fontRef>
+        </p:style>
+      </p:cxnSp>
+      <p:sp>
+        <p:nvSpPr>
+          <p:cNvPr id="75" name="Rectangle 5">
+            <a:extLst>
+              <a:ext uri="{FF2B5EF4-FFF2-40B4-BE49-F238E27FC236}">
+                <a16:creationId xmlns:a16="http://schemas.microsoft.com/office/drawing/2014/main" id="{D7416450-7D3D-45F7-A403-375C44C4136F}"/>
+              </a:ext>
+            </a:extLst>
+          </p:cNvPr>
+          <p:cNvSpPr>
+            <a:spLocks noChangeArrowheads="1"/>
+          </p:cNvSpPr>
+          <p:nvPr/>
+        </p:nvSpPr>
+        <p:spPr bwMode="auto">
+          <a:xfrm>
+            <a:off x="1485750" y="5441310"/>
+            <a:ext cx="2582193" cy="523220"/>
+          </a:xfrm>
+          <a:prstGeom prst="rect">
+            <a:avLst/>
+          </a:prstGeom>
+          <a:noFill/>
+        </p:spPr>
+        <p:txBody>
+          <a:bodyPr wrap="square" rtlCol="0">
+            <a:spAutoFit/>
+          </a:bodyPr>
+          <a:lstStyle/>
+          <a:p>
+            <a:r>
+              <a:rPr lang="en-US" altLang="en-US" sz="1400" b="1" dirty="0">
+                <a:solidFill>
+                  <a:srgbClr val="00B050"/>
+                </a:solidFill>
+                <a:latin typeface="Arial" panose="020B0604020202020204" pitchFamily="34" charset="0"/>
+                <a:cs typeface="Arial" panose="020B0604020202020204" pitchFamily="34" charset="0"/>
+              </a:rPr>
+              <a:t>sensor</a:t>
+            </a:r>
+            <a:r>
+              <a:rPr lang="en-US" altLang="en-US" sz="1400" dirty="0">
+                <a:latin typeface="Arial" panose="020B0604020202020204" pitchFamily="34" charset="0"/>
+                <a:cs typeface="Arial" panose="020B0604020202020204" pitchFamily="34" charset="0"/>
+              </a:rPr>
+              <a:t>( NAME, DISTANCE)</a:t>
+            </a:r>
+          </a:p>
+          <a:p>
+            <a:r>
+              <a:rPr lang="en-US" altLang="en-US" sz="1400" b="1" dirty="0">
+                <a:solidFill>
+                  <a:srgbClr val="00B050"/>
+                </a:solidFill>
+                <a:latin typeface="Arial" panose="020B0604020202020204" pitchFamily="34" charset="0"/>
+                <a:cs typeface="Arial" panose="020B0604020202020204" pitchFamily="34" charset="0"/>
+              </a:rPr>
+              <a:t>collision</a:t>
+            </a:r>
+            <a:r>
+              <a:rPr lang="en-US" altLang="en-US" sz="1400" dirty="0">
+                <a:latin typeface="Arial" panose="020B0604020202020204" pitchFamily="34" charset="0"/>
+                <a:cs typeface="Arial" panose="020B0604020202020204" pitchFamily="34" charset="0"/>
+              </a:rPr>
+              <a:t>( NAME ) </a:t>
+            </a:r>
           </a:p>
         </p:txBody>
       </p:sp>
@@ -12031,7 +13118,7 @@
           <a:lstStyle/>
           <a:p>
             <a:r>
-              <a:rPr lang="it-IT" smtClean="0"/>
+              <a:rPr lang="it-IT"/>
               <a:t>ANatali  - DISI - ISSM2020  Univeristy of Bologna</a:t>
             </a:r>
             <a:endParaRPr lang="en-GB"/>
@@ -12100,10 +13187,9 @@
           <a:p>
             <a:pPr algn="ctr"/>
             <a:r>
-              <a:rPr lang="en-GB" sz="1200" dirty="0" smtClean="0"/>
+              <a:rPr lang="en-GB" sz="1200" dirty="0"/>
               <a:t> </a:t>
             </a:r>
-            <a:endParaRPr lang="en-GB" sz="1200" dirty="0"/>
           </a:p>
         </p:txBody>
       </p:sp>
@@ -12146,10 +13232,9 @@
           <a:p>
             <a:pPr algn="ctr"/>
             <a:r>
-              <a:rPr lang="en-GB" sz="1200" dirty="0" smtClean="0"/>
+              <a:rPr lang="en-GB" sz="1200" dirty="0"/>
               <a:t> </a:t>
             </a:r>
-            <a:endParaRPr lang="en-GB" sz="1200" dirty="0"/>
           </a:p>
         </p:txBody>
       </p:sp>
@@ -12225,10 +13310,9 @@
           <a:p>
             <a:pPr algn="ctr"/>
             <a:r>
-              <a:rPr lang="en-GB" sz="1200" dirty="0" smtClean="0"/>
+              <a:rPr lang="en-GB" sz="1200" dirty="0"/>
               <a:t> </a:t>
             </a:r>
-            <a:endParaRPr lang="en-GB" sz="1200" dirty="0"/>
           </a:p>
         </p:txBody>
       </p:sp>
@@ -12268,10 +13352,9 @@
           <a:p>
             <a:pPr algn="ctr"/>
             <a:r>
-              <a:rPr lang="en-GB" sz="1200" dirty="0" smtClean="0"/>
+              <a:rPr lang="en-GB" sz="1200" dirty="0"/>
               <a:t> </a:t>
             </a:r>
-            <a:endParaRPr lang="en-GB" sz="1200" dirty="0"/>
           </a:p>
         </p:txBody>
       </p:sp>
@@ -12364,10 +13447,9 @@
             <a:p>
               <a:pPr algn="ctr"/>
               <a:r>
-                <a:rPr lang="en-GB" sz="1200" dirty="0" smtClean="0"/>
+                <a:rPr lang="en-GB" sz="1200" dirty="0"/>
                 <a:t> </a:t>
               </a:r>
-              <a:endParaRPr lang="en-GB" sz="1200" dirty="0"/>
             </a:p>
           </p:txBody>
         </p:sp>
@@ -12513,10 +13595,9 @@
             <a:p>
               <a:pPr algn="ctr"/>
               <a:r>
-                <a:rPr lang="en-GB" sz="1200" dirty="0" smtClean="0"/>
+                <a:rPr lang="en-GB" sz="1200" dirty="0"/>
                 <a:t> </a:t>
               </a:r>
-              <a:endParaRPr lang="en-GB" sz="1200" dirty="0"/>
             </a:p>
           </p:txBody>
         </p:sp>
@@ -12761,10 +13842,9 @@
           <a:p>
             <a:pPr algn="ctr"/>
             <a:r>
-              <a:rPr lang="en-GB" sz="1200" dirty="0" smtClean="0"/>
+              <a:rPr lang="en-GB" sz="1200" dirty="0"/>
               <a:t> </a:t>
             </a:r>
-            <a:endParaRPr lang="en-GB" sz="1200" dirty="0"/>
           </a:p>
         </p:txBody>
       </p:sp>
@@ -12896,7 +13976,7 @@
           <a:lstStyle/>
           <a:p>
             <a:r>
-              <a:rPr lang="it-IT" smtClean="0"/>
+              <a:rPr lang="it-IT"/>
               <a:t>ANatali  - DISI - ISSM2020  Univeristy of Bologna</a:t>
             </a:r>
             <a:endParaRPr lang="en-GB"/>
@@ -12979,10 +14059,9 @@
             <a:p>
               <a:pPr algn="ctr"/>
               <a:r>
-                <a:rPr lang="en-GB" sz="1200" dirty="0" smtClean="0"/>
+                <a:rPr lang="en-GB" sz="1200" dirty="0"/>
                 <a:t> </a:t>
               </a:r>
-              <a:endParaRPr lang="en-GB" sz="1200" dirty="0"/>
             </a:p>
           </p:txBody>
         </p:sp>
@@ -13128,10 +14207,9 @@
             <a:p>
               <a:pPr algn="ctr"/>
               <a:r>
-                <a:rPr lang="en-GB" sz="1200" dirty="0" smtClean="0"/>
+                <a:rPr lang="en-GB" sz="1200" dirty="0"/>
                 <a:t> </a:t>
               </a:r>
-              <a:endParaRPr lang="en-GB" sz="1200" dirty="0"/>
             </a:p>
           </p:txBody>
         </p:sp>
@@ -13277,10 +14355,9 @@
             <a:p>
               <a:pPr algn="ctr"/>
               <a:r>
-                <a:rPr lang="en-GB" sz="1200" dirty="0" smtClean="0"/>
+                <a:rPr lang="en-GB" sz="1200" dirty="0"/>
                 <a:t> </a:t>
               </a:r>
-              <a:endParaRPr lang="en-GB" sz="1200" dirty="0"/>
             </a:p>
           </p:txBody>
         </p:sp>
@@ -13480,10 +14557,9 @@
           <a:p>
             <a:pPr algn="ctr"/>
             <a:r>
-              <a:rPr lang="en-GB" sz="1200" dirty="0" smtClean="0"/>
+              <a:rPr lang="en-GB" sz="1200" dirty="0"/>
               <a:t> </a:t>
             </a:r>
-            <a:endParaRPr lang="en-GB" sz="1200" dirty="0"/>
           </a:p>
         </p:txBody>
       </p:sp>
@@ -13576,10 +14652,9 @@
             <a:p>
               <a:pPr algn="ctr"/>
               <a:r>
-                <a:rPr lang="en-GB" sz="1200" dirty="0" smtClean="0"/>
+                <a:rPr lang="en-GB" sz="1200" dirty="0"/>
                 <a:t> </a:t>
               </a:r>
-              <a:endParaRPr lang="en-GB" sz="1200" dirty="0"/>
             </a:p>
           </p:txBody>
         </p:sp>
@@ -13819,11 +14894,7 @@
           <a:p>
             <a:r>
               <a:rPr lang="it-IT" dirty="0"/>
-              <a:t>Ingegneria del </a:t>
-            </a:r>
-            <a:r>
-              <a:rPr lang="it-IT" dirty="0" smtClean="0"/>
-              <a:t>software</a:t>
+              <a:t>Ingegneria del software</a:t>
             </a:r>
             <a:endParaRPr lang="en-GB" dirty="0"/>
           </a:p>
@@ -13845,7 +14916,7 @@
           <a:lstStyle/>
           <a:p>
             <a:r>
-              <a:rPr lang="it-IT" smtClean="0"/>
+              <a:rPr lang="it-IT"/>
               <a:t>ANatali  - DISI - ISSM2020  Univeristy of Bologna</a:t>
             </a:r>
             <a:endParaRPr lang="en-GB"/>
@@ -13873,7 +14944,7 @@
               <a:buNone/>
             </a:pPr>
             <a:r>
-              <a:rPr lang="it-IT" sz="2400" dirty="0" smtClean="0"/>
+              <a:rPr lang="it-IT" sz="2400" dirty="0"/>
               <a:t>Da </a:t>
             </a:r>
             <a:r>
@@ -13882,7 +14953,7 @@
               </a:rPr>
               <a:t>https://it.wikipedia.org/wiki/Ingegneria_del_software</a:t>
             </a:r>
-            <a:endParaRPr lang="it-IT" sz="2400" dirty="0" smtClean="0"/>
+            <a:endParaRPr lang="it-IT" sz="2400" dirty="0"/>
           </a:p>
           <a:p>
             <a:r>
@@ -13913,16 +14984,10 @@
               <a:rPr lang="it-IT" dirty="0">
                 <a:hlinkClick r:id="rId5"/>
               </a:rPr>
-              <a:t>sistemi </a:t>
-            </a:r>
-            <a:r>
-              <a:rPr lang="it-IT" dirty="0" smtClean="0">
-                <a:hlinkClick r:id="rId5"/>
-              </a:rPr>
-              <a:t>software</a:t>
-            </a:r>
-            <a:r>
-              <a:rPr lang="it-IT" dirty="0" smtClean="0"/>
+              <a:t>sistemi software</a:t>
+            </a:r>
+            <a:r>
+              <a:rPr lang="it-IT" dirty="0"/>
               <a:t>.</a:t>
             </a:r>
           </a:p>
@@ -14008,13 +15073,6 @@
   <p:clrMapOvr>
     <a:masterClrMapping/>
   </p:clrMapOvr>
-  <p:timing>
-    <p:tnLst>
-      <p:par>
-        <p:cTn id="1" dur="indefinite" restart="never" nodeType="tmRoot"/>
-      </p:par>
-    </p:tnLst>
-  </p:timing>
 </p:sld>
 </file>
 
@@ -14051,7 +15109,7 @@
           <a:lstStyle/>
           <a:p>
             <a:r>
-              <a:rPr lang="it-IT" dirty="0" smtClean="0"/>
+              <a:rPr lang="it-IT" dirty="0"/>
               <a:t>INGEGNERE</a:t>
             </a:r>
             <a:endParaRPr lang="en-GB" dirty="0"/>
@@ -14074,7 +15132,7 @@
           <a:lstStyle/>
           <a:p>
             <a:r>
-              <a:rPr lang="it-IT" smtClean="0"/>
+              <a:rPr lang="it-IT"/>
               <a:t>ANatali  - DISI - ISSM2020  Univeristy of Bologna</a:t>
             </a:r>
             <a:endParaRPr lang="en-GB"/>
@@ -14099,11 +15157,11 @@
           <a:lstStyle/>
           <a:p>
             <a:r>
-              <a:rPr lang="it-IT" sz="4400" dirty="0" smtClean="0"/>
+              <a:rPr lang="it-IT" sz="4400" dirty="0"/>
               <a:t>Realizza </a:t>
             </a:r>
             <a:r>
-              <a:rPr lang="it-IT" sz="4400" dirty="0" smtClean="0">
+              <a:rPr lang="it-IT" sz="4400" dirty="0">
                 <a:solidFill>
                   <a:srgbClr val="C00000"/>
                 </a:solidFill>
@@ -14113,11 +15171,11 @@
           </a:p>
           <a:p>
             <a:r>
-              <a:rPr lang="it-IT" dirty="0" smtClean="0"/>
+              <a:rPr lang="it-IT" dirty="0"/>
               <a:t>Da cui si realizzano </a:t>
             </a:r>
             <a:r>
-              <a:rPr lang="it-IT" dirty="0" smtClean="0">
+              <a:rPr lang="it-IT" dirty="0">
                 <a:solidFill>
                   <a:srgbClr val="0070C0"/>
                 </a:solidFill>
@@ -14127,11 +15185,11 @@
           </a:p>
           <a:p>
             <a:r>
-              <a:rPr lang="it-IT" dirty="0" smtClean="0"/>
+              <a:rPr lang="it-IT" dirty="0"/>
               <a:t>Partendo da una </a:t>
             </a:r>
             <a:r>
-              <a:rPr lang="it-IT" dirty="0" smtClean="0">
+              <a:rPr lang="it-IT" dirty="0">
                 <a:solidFill>
                   <a:srgbClr val="C00000"/>
                 </a:solidFill>
@@ -14139,17 +15197,17 @@
               <a:t>analisi del problema </a:t>
             </a:r>
             <a:r>
-              <a:rPr lang="it-IT" dirty="0" smtClean="0"/>
+              <a:rPr lang="it-IT" dirty="0"/>
               <a:t>dato</a:t>
             </a:r>
           </a:p>
           <a:p>
             <a:r>
-              <a:rPr lang="it-IT" dirty="0" smtClean="0"/>
+              <a:rPr lang="it-IT" dirty="0"/>
               <a:t>Definito da un insieme di </a:t>
             </a:r>
             <a:r>
-              <a:rPr lang="it-IT" dirty="0" smtClean="0">
+              <a:rPr lang="it-IT" dirty="0">
                 <a:solidFill>
                   <a:srgbClr val="C00000"/>
                 </a:solidFill>
@@ -14162,7 +15220,7 @@
               <a:buNone/>
             </a:pPr>
             <a:r>
-              <a:rPr lang="it-IT" dirty="0" smtClean="0">
+              <a:rPr lang="it-IT" dirty="0">
                 <a:solidFill>
                   <a:srgbClr val="0070C0"/>
                 </a:solidFill>
@@ -14176,11 +15234,7 @@
             </a:pPr>
             <a:r>
               <a:rPr lang="it-IT" sz="2400" dirty="0"/>
-              <a:t>Difficoltà che richiede un adattamento o un comportamento particolare, o di cui si impone il </a:t>
-            </a:r>
-            <a:r>
-              <a:rPr lang="it-IT" sz="2400" dirty="0" smtClean="0"/>
-              <a:t>superamento.</a:t>
+              <a:t>Difficoltà che richiede un adattamento o un comportamento particolare, o di cui si impone il superamento.</a:t>
             </a:r>
           </a:p>
           <a:p>
@@ -14202,11 +15256,7 @@
             </a:pPr>
             <a:r>
               <a:rPr lang="it-IT" sz="2400" dirty="0"/>
-              <a:t>Complesso dei temi presi in considerazione in rapporto a determinati rami del sapere o a determinati </a:t>
-            </a:r>
-            <a:r>
-              <a:rPr lang="it-IT" sz="2400" dirty="0" smtClean="0"/>
-              <a:t>interessi.</a:t>
+              <a:t>Complesso dei temi presi in considerazione in rapporto a determinati rami del sapere o a determinati interessi.</a:t>
             </a:r>
             <a:endParaRPr lang="en-GB" sz="2400" dirty="0"/>
           </a:p>
@@ -14283,7 +15333,7 @@
           <a:lstStyle/>
           <a:p>
             <a:r>
-              <a:rPr lang="it-IT" dirty="0" smtClean="0"/>
+              <a:rPr lang="it-IT" dirty="0"/>
               <a:t>INGEGNERE DEL SOFTWARE</a:t>
             </a:r>
             <a:endParaRPr lang="en-GB" dirty="0"/>
@@ -14306,7 +15356,7 @@
           <a:lstStyle/>
           <a:p>
             <a:r>
-              <a:rPr lang="it-IT" smtClean="0"/>
+              <a:rPr lang="it-IT"/>
               <a:t>ANatali  - DISI - ISSM2020  Univeristy of Bologna</a:t>
             </a:r>
             <a:endParaRPr lang="en-GB"/>
@@ -14334,43 +15384,23 @@
               <a:buNone/>
             </a:pPr>
             <a:r>
-              <a:rPr lang="en-GB" dirty="0" smtClean="0"/>
-              <a:t>MAIN GOAL: Implement </a:t>
-            </a:r>
-            <a:r>
               <a:rPr lang="en-GB" dirty="0"/>
-              <a:t>a feature that matches specification and works efficiently, but at minimum development and maintenance cost, using minimum effort and in minimum amount of </a:t>
-            </a:r>
-            <a:r>
-              <a:rPr lang="en-GB" dirty="0" smtClean="0"/>
-              <a:t>time  </a:t>
-            </a:r>
-            <a:r>
-              <a:rPr lang="en-GB" dirty="0"/>
-              <a:t>(and optionally get maximum payment for doing so</a:t>
-            </a:r>
-            <a:r>
-              <a:rPr lang="en-GB" dirty="0" smtClean="0"/>
-              <a:t>)</a:t>
+              <a:t>MAIN GOAL: Implement a feature that matches specification and works efficiently, but at minimum development and maintenance cost, using minimum effort and in minimum amount of time  (and optionally get maximum payment for doing so)</a:t>
             </a:r>
           </a:p>
           <a:p>
             <a:pPr marL="0" indent="0">
               <a:buNone/>
             </a:pPr>
-            <a:endParaRPr lang="it-IT" dirty="0" smtClean="0"/>
+            <a:endParaRPr lang="it-IT" dirty="0"/>
           </a:p>
           <a:p>
             <a:pPr marL="0" indent="0">
               <a:buNone/>
             </a:pPr>
             <a:r>
-              <a:rPr lang="it-IT" dirty="0" smtClean="0"/>
-              <a:t>Per noi, un INGEGNERE </a:t>
-            </a:r>
-            <a:r>
               <a:rPr lang="it-IT" dirty="0"/>
-              <a:t>che fa suo il motto:</a:t>
+              <a:t>Per noi, un INGEGNERE che fa suo il motto:</a:t>
             </a:r>
           </a:p>
           <a:p>
@@ -14401,29 +15431,16 @@
                   <a:srgbClr val="C00000"/>
                 </a:solidFill>
               </a:rPr>
-              <a:t>no project without problem analysis </a:t>
-            </a:r>
-            <a:r>
-              <a:rPr lang="en-GB" dirty="0" smtClean="0">
-                <a:solidFill>
-                  <a:srgbClr val="C00000"/>
-                </a:solidFill>
-              </a:rPr>
-              <a:t>, and </a:t>
-            </a:r>
-            <a:r>
-              <a:rPr lang="en-GB" u="sng" dirty="0" smtClean="0">
+              <a:t>no project without problem analysis , and </a:t>
+            </a:r>
+            <a:r>
+              <a:rPr lang="en-GB" u="sng" dirty="0">
                 <a:solidFill>
                   <a:srgbClr val="C00000"/>
                 </a:solidFill>
               </a:rPr>
               <a:t> </a:t>
             </a:r>
-            <a:endParaRPr lang="en-GB" u="sng" dirty="0">
-              <a:solidFill>
-                <a:srgbClr val="C00000"/>
-              </a:solidFill>
-            </a:endParaRPr>
           </a:p>
           <a:p>
             <a:pPr marL="514350" indent="-514350">
@@ -14450,19 +15467,19 @@
               <a:buNone/>
             </a:pPr>
             <a:r>
-              <a:rPr lang="it-IT" dirty="0" err="1" smtClean="0"/>
+              <a:rPr lang="it-IT" dirty="0" err="1"/>
               <a:t>See</a:t>
             </a:r>
             <a:r>
-              <a:rPr lang="it-IT" dirty="0" smtClean="0"/>
+              <a:rPr lang="it-IT" dirty="0"/>
               <a:t> </a:t>
             </a:r>
             <a:r>
-              <a:rPr lang="it-IT" dirty="0" err="1" smtClean="0"/>
+              <a:rPr lang="it-IT" dirty="0" err="1"/>
               <a:t>also</a:t>
             </a:r>
             <a:r>
-              <a:rPr lang="it-IT" dirty="0" smtClean="0"/>
+              <a:rPr lang="it-IT" dirty="0"/>
               <a:t>:</a:t>
             </a:r>
           </a:p>
@@ -14471,7 +15488,7 @@
               <a:buNone/>
             </a:pPr>
             <a:r>
-              <a:rPr lang="it-IT" dirty="0" smtClean="0"/>
+              <a:rPr lang="it-IT" dirty="0"/>
               <a:t> </a:t>
             </a:r>
             <a:r>
@@ -14553,7 +15570,7 @@
           <a:lstStyle/>
           <a:p>
             <a:r>
-              <a:rPr lang="it-IT" dirty="0" smtClean="0"/>
+              <a:rPr lang="it-IT" dirty="0"/>
               <a:t>OUR GOALS</a:t>
             </a:r>
             <a:endParaRPr lang="en-GB" dirty="0"/>
@@ -14576,7 +15593,7 @@
           <a:lstStyle/>
           <a:p>
             <a:r>
-              <a:rPr lang="it-IT" smtClean="0"/>
+              <a:rPr lang="it-IT"/>
               <a:t>ANatali  - DISI - ISSM2020  Univeristy of Bologna</a:t>
             </a:r>
             <a:endParaRPr lang="en-GB"/>
@@ -14606,43 +15623,43 @@
           <a:lstStyle/>
           <a:p>
             <a:r>
-              <a:rPr lang="it-IT" sz="2000" dirty="0" smtClean="0"/>
+              <a:rPr lang="it-IT" sz="2000" dirty="0"/>
               <a:t>(</a:t>
             </a:r>
             <a:r>
-              <a:rPr lang="it-IT" sz="2000" dirty="0" err="1" smtClean="0"/>
+              <a:rPr lang="it-IT" sz="2000" dirty="0" err="1"/>
               <a:t>Learn</a:t>
             </a:r>
             <a:r>
-              <a:rPr lang="it-IT" sz="2000" dirty="0" smtClean="0"/>
+              <a:rPr lang="it-IT" sz="2000" dirty="0"/>
               <a:t> to) design, </a:t>
             </a:r>
             <a:r>
-              <a:rPr lang="it-IT" sz="2000" dirty="0" err="1" smtClean="0"/>
+              <a:rPr lang="it-IT" sz="2000" dirty="0" err="1"/>
               <a:t>build</a:t>
             </a:r>
             <a:r>
-              <a:rPr lang="it-IT" sz="2000" dirty="0" smtClean="0"/>
+              <a:rPr lang="it-IT" sz="2000" dirty="0"/>
               <a:t> (</a:t>
             </a:r>
             <a:r>
-              <a:rPr lang="it-IT" sz="2000" dirty="0" err="1" smtClean="0"/>
+              <a:rPr lang="it-IT" sz="2000" dirty="0" err="1"/>
               <a:t>deploy</a:t>
             </a:r>
             <a:r>
-              <a:rPr lang="it-IT" sz="2000" dirty="0" smtClean="0"/>
+              <a:rPr lang="it-IT" sz="2000" dirty="0"/>
               <a:t>/</a:t>
             </a:r>
             <a:r>
-              <a:rPr lang="it-IT" sz="2000" dirty="0" err="1" smtClean="0"/>
+              <a:rPr lang="it-IT" sz="2000" dirty="0" err="1"/>
               <a:t>maintain</a:t>
             </a:r>
             <a:r>
-              <a:rPr lang="it-IT" sz="2000" dirty="0" smtClean="0"/>
+              <a:rPr lang="it-IT" sz="2000" dirty="0"/>
               <a:t>) </a:t>
             </a:r>
             <a:r>
-              <a:rPr lang="it-IT" sz="2000" b="1" dirty="0" smtClean="0">
+              <a:rPr lang="it-IT" sz="2000" b="1" dirty="0">
                 <a:solidFill>
                   <a:srgbClr val="0070C0"/>
                 </a:solidFill>
@@ -14650,7 +15667,7 @@
               <a:t>software </a:t>
             </a:r>
             <a:r>
-              <a:rPr lang="it-IT" sz="2000" b="1" dirty="0" err="1" smtClean="0">
+              <a:rPr lang="it-IT" sz="2000" b="1" dirty="0" err="1">
                 <a:solidFill>
                   <a:srgbClr val="0070C0"/>
                 </a:solidFill>
@@ -14658,7 +15675,7 @@
               <a:t>systems</a:t>
             </a:r>
             <a:r>
-              <a:rPr lang="it-IT" sz="2000" b="1" dirty="0" smtClean="0">
+              <a:rPr lang="it-IT" sz="2000" b="1" dirty="0">
                 <a:solidFill>
                   <a:srgbClr val="0070C0"/>
                 </a:solidFill>
@@ -14669,11 +15686,7 @@
           <a:p>
             <a:r>
               <a:rPr lang="it-IT" sz="2000" dirty="0"/>
-              <a:t>m</a:t>
-            </a:r>
-            <a:r>
-              <a:rPr lang="it-IT" sz="2000" dirty="0" smtClean="0"/>
-              <a:t>ade of software </a:t>
+              <a:t>made of software </a:t>
             </a:r>
             <a:r>
               <a:rPr lang="it-IT" sz="2000" b="1" dirty="0" err="1">
@@ -14684,21 +15697,17 @@
               <a:t>components</a:t>
             </a:r>
             <a:r>
-              <a:rPr lang="it-IT" sz="2000" dirty="0" smtClean="0"/>
+              <a:rPr lang="it-IT" sz="2000" dirty="0"/>
               <a:t>   …</a:t>
             </a:r>
           </a:p>
           <a:p>
             <a:r>
               <a:rPr lang="it-IT" sz="2000" dirty="0" err="1"/>
-              <a:t>t</a:t>
-            </a:r>
-            <a:r>
-              <a:rPr lang="it-IT" sz="2000" dirty="0" err="1" smtClean="0"/>
-              <a:t>hat</a:t>
-            </a:r>
-            <a:r>
-              <a:rPr lang="it-IT" sz="2000" dirty="0" smtClean="0"/>
+              <a:t>that</a:t>
+            </a:r>
+            <a:r>
+              <a:rPr lang="it-IT" sz="2000" dirty="0"/>
               <a:t> </a:t>
             </a:r>
             <a:r>
@@ -14710,37 +15719,37 @@
               <a:t>interact</a:t>
             </a:r>
             <a:r>
-              <a:rPr lang="it-IT" sz="2000" dirty="0" smtClean="0"/>
+              <a:rPr lang="it-IT" sz="2000" dirty="0"/>
               <a:t> in a </a:t>
             </a:r>
             <a:r>
-              <a:rPr lang="it-IT" sz="2000" dirty="0" err="1" smtClean="0"/>
+              <a:rPr lang="it-IT" sz="2000" dirty="0" err="1"/>
               <a:t>local</a:t>
             </a:r>
             <a:r>
-              <a:rPr lang="it-IT" sz="2000" dirty="0" smtClean="0"/>
+              <a:rPr lang="it-IT" sz="2000" dirty="0"/>
               <a:t> </a:t>
             </a:r>
             <a:r>
-              <a:rPr lang="it-IT" sz="2000" dirty="0" err="1" smtClean="0"/>
+              <a:rPr lang="it-IT" sz="2000" dirty="0" err="1"/>
               <a:t>environment</a:t>
             </a:r>
             <a:r>
-              <a:rPr lang="it-IT" sz="2000" dirty="0" smtClean="0"/>
+              <a:rPr lang="it-IT" sz="2000" dirty="0"/>
               <a:t> and/or via Internet …</a:t>
             </a:r>
           </a:p>
           <a:p>
             <a:r>
-              <a:rPr lang="it-IT" sz="2000" dirty="0" err="1" smtClean="0"/>
+              <a:rPr lang="it-IT" sz="2000" dirty="0" err="1"/>
               <a:t>whose</a:t>
             </a:r>
             <a:r>
-              <a:rPr lang="it-IT" sz="2000" dirty="0" smtClean="0"/>
+              <a:rPr lang="it-IT" sz="2000" dirty="0"/>
               <a:t>  </a:t>
             </a:r>
             <a:r>
-              <a:rPr lang="it-IT" sz="2000" b="1" dirty="0" err="1" smtClean="0">
+              <a:rPr lang="it-IT" sz="2000" b="1" dirty="0" err="1">
                 <a:solidFill>
                   <a:srgbClr val="0070C0"/>
                 </a:solidFill>
@@ -14748,7 +15757,7 @@
               <a:t>behavior</a:t>
             </a:r>
             <a:r>
-              <a:rPr lang="it-IT" sz="2000" dirty="0" smtClean="0"/>
+              <a:rPr lang="it-IT" sz="2000" dirty="0"/>
               <a:t> </a:t>
             </a:r>
             <a:r>
@@ -14760,11 +15769,11 @@
               <a:t> </a:t>
             </a:r>
             <a:r>
-              <a:rPr lang="it-IT" sz="2000" dirty="0" err="1" smtClean="0"/>
+              <a:rPr lang="it-IT" sz="2000" dirty="0" err="1"/>
               <a:t>expressed</a:t>
             </a:r>
             <a:r>
-              <a:rPr lang="it-IT" sz="2000" dirty="0" smtClean="0"/>
+              <a:rPr lang="it-IT" sz="2000" dirty="0"/>
               <a:t> in some </a:t>
             </a:r>
             <a:r>
@@ -14792,11 +15801,11 @@
               <a:t>language</a:t>
             </a:r>
             <a:r>
-              <a:rPr lang="it-IT" sz="2000" dirty="0" smtClean="0"/>
+              <a:rPr lang="it-IT" sz="2000" dirty="0"/>
               <a:t> (</a:t>
             </a:r>
             <a:r>
-              <a:rPr lang="it-IT" sz="2000" dirty="0" smtClean="0">
+              <a:rPr lang="it-IT" sz="2000" dirty="0">
                 <a:solidFill>
                   <a:srgbClr val="C00000"/>
                 </a:solidFill>
@@ -14804,7 +15813,7 @@
               <a:t>Java, </a:t>
             </a:r>
             <a:r>
-              <a:rPr lang="it-IT" sz="2000" dirty="0" err="1" smtClean="0">
+              <a:rPr lang="it-IT" sz="2000" dirty="0" err="1">
                 <a:solidFill>
                   <a:srgbClr val="C00000"/>
                 </a:solidFill>
@@ -14812,7 +15821,7 @@
               <a:t>Kotlin</a:t>
             </a:r>
             <a:r>
-              <a:rPr lang="it-IT" sz="2000" dirty="0" smtClean="0">
+              <a:rPr lang="it-IT" sz="2000" dirty="0">
                 <a:solidFill>
                   <a:srgbClr val="C00000"/>
                 </a:solidFill>
@@ -14820,7 +15829,7 @@
               <a:t>, </a:t>
             </a:r>
             <a:r>
-              <a:rPr lang="it-IT" sz="2000" dirty="0" err="1" smtClean="0">
+              <a:rPr lang="it-IT" sz="2000" dirty="0" err="1">
                 <a:solidFill>
                   <a:srgbClr val="C00000"/>
                 </a:solidFill>
@@ -14828,7 +15837,7 @@
               <a:t>Python</a:t>
             </a:r>
             <a:r>
-              <a:rPr lang="it-IT" sz="2000" dirty="0" smtClean="0">
+              <a:rPr lang="it-IT" sz="2000" dirty="0">
                 <a:solidFill>
                   <a:srgbClr val="C00000"/>
                 </a:solidFill>
@@ -14836,7 +15845,7 @@
               <a:t>, JavaScript/</a:t>
             </a:r>
             <a:r>
-              <a:rPr lang="it-IT" sz="2000" dirty="0" err="1" smtClean="0">
+              <a:rPr lang="it-IT" sz="2000" dirty="0" err="1">
                 <a:solidFill>
                   <a:srgbClr val="C00000"/>
                 </a:solidFill>
@@ -14844,7 +15853,7 @@
               <a:t>Node</a:t>
             </a:r>
             <a:r>
-              <a:rPr lang="it-IT" sz="2000" dirty="0" smtClean="0">
+              <a:rPr lang="it-IT" sz="2000" dirty="0">
                 <a:solidFill>
                   <a:srgbClr val="C00000"/>
                 </a:solidFill>
@@ -14852,7 +15861,7 @@
               <a:t>, C, C++, </a:t>
             </a:r>
             <a:r>
-              <a:rPr lang="it-IT" sz="2000" dirty="0" smtClean="0"/>
+              <a:rPr lang="it-IT" sz="2000" dirty="0"/>
               <a:t>… ) …</a:t>
             </a:r>
           </a:p>
@@ -14878,19 +15887,19 @@
               <a:t> in </a:t>
             </a:r>
             <a:r>
-              <a:rPr lang="it-IT" sz="2000" dirty="0" err="1" smtClean="0"/>
+              <a:rPr lang="it-IT" sz="2000" dirty="0" err="1"/>
               <a:t>application</a:t>
             </a:r>
             <a:r>
-              <a:rPr lang="it-IT" sz="2000" dirty="0" smtClean="0"/>
+              <a:rPr lang="it-IT" sz="2000" dirty="0"/>
               <a:t> </a:t>
             </a:r>
             <a:r>
-              <a:rPr lang="it-IT" sz="2000" dirty="0" err="1" smtClean="0"/>
+              <a:rPr lang="it-IT" sz="2000" dirty="0" err="1"/>
               <a:t>domains</a:t>
             </a:r>
             <a:r>
-              <a:rPr lang="it-IT" sz="2000" dirty="0" smtClean="0"/>
+              <a:rPr lang="it-IT" sz="2000" dirty="0"/>
               <a:t> (e.g. </a:t>
             </a:r>
             <a:r>
@@ -14900,100 +15909,96 @@
               <a:t>IOT </a:t>
             </a:r>
             <a:r>
-              <a:rPr lang="it-IT" sz="2000" dirty="0" smtClean="0"/>
+              <a:rPr lang="it-IT" sz="2000" dirty="0"/>
               <a:t>) </a:t>
             </a:r>
             <a:r>
-              <a:rPr lang="it-IT" sz="2000" dirty="0" err="1" smtClean="0"/>
+              <a:rPr lang="it-IT" sz="2000" dirty="0" err="1"/>
               <a:t>that</a:t>
             </a:r>
             <a:r>
-              <a:rPr lang="it-IT" sz="2000" dirty="0" smtClean="0"/>
+              <a:rPr lang="it-IT" sz="2000" dirty="0"/>
               <a:t> </a:t>
             </a:r>
             <a:r>
-              <a:rPr lang="it-IT" sz="2000" dirty="0" err="1" smtClean="0"/>
+              <a:rPr lang="it-IT" sz="2000" dirty="0" err="1"/>
               <a:t>demands</a:t>
             </a:r>
             <a:r>
-              <a:rPr lang="it-IT" sz="2000" dirty="0" smtClean="0"/>
+              <a:rPr lang="it-IT" sz="2000" dirty="0"/>
               <a:t> </a:t>
             </a:r>
             <a:r>
-              <a:rPr lang="it-IT" sz="2000" dirty="0" err="1" smtClean="0"/>
+              <a:rPr lang="it-IT" sz="2000" dirty="0" err="1"/>
               <a:t>distributed</a:t>
             </a:r>
             <a:r>
-              <a:rPr lang="it-IT" sz="2000" dirty="0" smtClean="0"/>
+              <a:rPr lang="it-IT" sz="2000" dirty="0"/>
               <a:t>, </a:t>
             </a:r>
             <a:r>
-              <a:rPr lang="it-IT" sz="2000" dirty="0" err="1" smtClean="0"/>
+              <a:rPr lang="it-IT" sz="2000" dirty="0" err="1"/>
               <a:t>heterogeneous</a:t>
             </a:r>
             <a:r>
-              <a:rPr lang="it-IT" sz="2000" dirty="0" smtClean="0"/>
+              <a:rPr lang="it-IT" sz="2000" dirty="0"/>
               <a:t>  </a:t>
             </a:r>
             <a:r>
-              <a:rPr lang="it-IT" sz="2000" dirty="0" err="1" smtClean="0"/>
+              <a:rPr lang="it-IT" sz="2000" dirty="0" err="1"/>
               <a:t>systems</a:t>
             </a:r>
             <a:r>
-              <a:rPr lang="it-IT" sz="2000" dirty="0" smtClean="0"/>
+              <a:rPr lang="it-IT" sz="2000" dirty="0"/>
               <a:t> </a:t>
             </a:r>
             <a:r>
-              <a:rPr lang="it-IT" sz="2000" dirty="0" err="1" smtClean="0"/>
+              <a:rPr lang="it-IT" sz="2000" dirty="0" err="1"/>
               <a:t>based</a:t>
             </a:r>
             <a:r>
-              <a:rPr lang="it-IT" sz="2000" dirty="0" smtClean="0"/>
+              <a:rPr lang="it-IT" sz="2000" dirty="0"/>
               <a:t> on (micro)</a:t>
             </a:r>
             <a:r>
-              <a:rPr lang="it-IT" sz="2000" dirty="0" err="1" smtClean="0"/>
+              <a:rPr lang="it-IT" sz="2000" dirty="0" err="1"/>
               <a:t>services</a:t>
             </a:r>
             <a:r>
-              <a:rPr lang="it-IT" sz="2000" dirty="0" smtClean="0"/>
+              <a:rPr lang="it-IT" sz="2000" dirty="0"/>
               <a:t> and </a:t>
             </a:r>
             <a:r>
-              <a:rPr lang="it-IT" sz="2000" dirty="0" smtClean="0">
+              <a:rPr lang="it-IT" sz="2000" dirty="0">
                 <a:hlinkClick r:id="rId3"/>
               </a:rPr>
               <a:t>Domain </a:t>
             </a:r>
             <a:r>
-              <a:rPr lang="it-IT" sz="2000" dirty="0" err="1" smtClean="0">
+              <a:rPr lang="it-IT" sz="2000" dirty="0" err="1">
                 <a:hlinkClick r:id="rId3"/>
               </a:rPr>
               <a:t>Driven</a:t>
             </a:r>
             <a:r>
-              <a:rPr lang="it-IT" sz="2000" dirty="0" smtClean="0">
+              <a:rPr lang="it-IT" sz="2000" dirty="0">
                 <a:hlinkClick r:id="rId3"/>
               </a:rPr>
               <a:t> Design</a:t>
             </a:r>
-            <a:endParaRPr lang="it-IT" sz="2000" dirty="0" smtClean="0"/>
+            <a:endParaRPr lang="it-IT" sz="2000" dirty="0"/>
           </a:p>
           <a:p>
             <a:r>
               <a:rPr lang="it-IT" sz="2000" dirty="0"/>
-              <a:t>b</a:t>
-            </a:r>
-            <a:r>
-              <a:rPr lang="it-IT" sz="2000" dirty="0" smtClean="0"/>
-              <a:t>y </a:t>
-            </a:r>
-            <a:r>
-              <a:rPr lang="it-IT" sz="2000" dirty="0" err="1" smtClean="0"/>
+              <a:t>by </a:t>
+            </a:r>
+            <a:r>
+              <a:rPr lang="it-IT" sz="2000" dirty="0" err="1"/>
               <a:t>following</a:t>
             </a:r>
             <a:r>
-              <a:rPr lang="it-IT" sz="2000" dirty="0" smtClean="0"/>
+              <a:rPr lang="it-IT" sz="2000" dirty="0"/>
               <a:t> a ‘</a:t>
             </a:r>
             <a:r>
@@ -15013,39 +16018,30 @@
               <a:t> on</a:t>
             </a:r>
             <a:r>
-              <a:rPr lang="it-IT" sz="2000" dirty="0" smtClean="0"/>
+              <a:rPr lang="it-IT" sz="2000" dirty="0"/>
               <a:t>’ </a:t>
             </a:r>
             <a:r>
-              <a:rPr lang="it-IT" sz="2000" dirty="0" err="1" smtClean="0"/>
+              <a:rPr lang="it-IT" sz="2000" dirty="0" err="1"/>
               <a:t>approach</a:t>
             </a:r>
             <a:r>
-              <a:rPr lang="it-IT" sz="2000" dirty="0" smtClean="0"/>
+              <a:rPr lang="it-IT" sz="2000" dirty="0"/>
               <a:t> (</a:t>
             </a:r>
             <a:r>
-              <a:rPr lang="en-GB" sz="1800" dirty="0" smtClean="0"/>
+              <a:rPr lang="en-GB" sz="1800" dirty="0"/>
               <a:t>learning by doing/by example</a:t>
             </a:r>
             <a:r>
               <a:rPr lang="en-GB" sz="2000" dirty="0"/>
               <a:t>)</a:t>
             </a:r>
-            <a:endParaRPr lang="en-GB" sz="2000" dirty="0" smtClean="0"/>
           </a:p>
           <a:p>
             <a:r>
               <a:rPr lang="it-IT" sz="2000" dirty="0" err="1"/>
               <a:t>working</a:t>
-            </a:r>
-            <a:r>
-              <a:rPr lang="it-IT" sz="2000" b="1" dirty="0" smtClean="0">
-                <a:solidFill>
-                  <a:srgbClr val="0070C0"/>
-                </a:solidFill>
-              </a:rPr>
-              <a:t> </a:t>
             </a:r>
             <a:r>
               <a:rPr lang="it-IT" sz="2000" b="1" dirty="0">
@@ -15053,44 +16049,40 @@
                   <a:srgbClr val="0070C0"/>
                 </a:solidFill>
               </a:rPr>
-              <a:t>in teams </a:t>
-            </a:r>
-            <a:r>
-              <a:rPr lang="it-IT" sz="2000" dirty="0" smtClean="0"/>
+              <a:t> in teams </a:t>
+            </a:r>
+            <a:r>
+              <a:rPr lang="it-IT" sz="2000" dirty="0"/>
               <a:t>of (3 </a:t>
             </a:r>
             <a:r>
-              <a:rPr lang="it-IT" sz="2000" dirty="0" err="1" smtClean="0"/>
+              <a:rPr lang="it-IT" sz="2000" dirty="0" err="1"/>
               <a:t>person</a:t>
             </a:r>
             <a:r>
-              <a:rPr lang="it-IT" sz="2000" dirty="0" smtClean="0"/>
+              <a:rPr lang="it-IT" sz="2000" dirty="0"/>
               <a:t> </a:t>
             </a:r>
             <a:r>
-              <a:rPr lang="it-IT" sz="2000" dirty="0" err="1" smtClean="0"/>
+              <a:rPr lang="it-IT" sz="2000" dirty="0" err="1"/>
               <a:t>each</a:t>
             </a:r>
             <a:r>
-              <a:rPr lang="it-IT" sz="2000" dirty="0" smtClean="0"/>
+              <a:rPr lang="it-IT" sz="2000" dirty="0"/>
               <a:t>)  </a:t>
             </a:r>
           </a:p>
           <a:p>
             <a:r>
               <a:rPr lang="it-IT" sz="2000" dirty="0" err="1"/>
-              <a:t>a</a:t>
-            </a:r>
-            <a:r>
-              <a:rPr lang="it-IT" sz="2000" dirty="0" err="1" smtClean="0"/>
-              <a:t>ccording</a:t>
-            </a:r>
-            <a:r>
-              <a:rPr lang="it-IT" sz="2000" dirty="0" smtClean="0"/>
+              <a:t>according</a:t>
+            </a:r>
+            <a:r>
+              <a:rPr lang="it-IT" sz="2000" dirty="0"/>
               <a:t> to </a:t>
             </a:r>
             <a:r>
-              <a:rPr lang="it-IT" sz="2000" b="1" dirty="0" smtClean="0">
+              <a:rPr lang="it-IT" sz="2000" b="1" dirty="0">
                 <a:solidFill>
                   <a:srgbClr val="0070C0"/>
                 </a:solidFill>
@@ -15098,7 +16090,7 @@
               <a:t>agile</a:t>
             </a:r>
             <a:r>
-              <a:rPr lang="it-IT" sz="2000" dirty="0" smtClean="0"/>
+              <a:rPr lang="it-IT" sz="2000" dirty="0"/>
               <a:t>, </a:t>
             </a:r>
             <a:r>
@@ -15110,11 +16102,11 @@
               <a:t>incremental</a:t>
             </a:r>
             <a:r>
-              <a:rPr lang="it-IT" sz="2000" dirty="0" smtClean="0"/>
+              <a:rPr lang="it-IT" sz="2000" dirty="0"/>
               <a:t> and </a:t>
             </a:r>
             <a:r>
-              <a:rPr lang="it-IT" sz="2000" b="1" dirty="0" smtClean="0">
+              <a:rPr lang="it-IT" sz="2000" b="1" dirty="0">
                 <a:solidFill>
                   <a:srgbClr val="0070C0"/>
                 </a:solidFill>
@@ -15122,7 +16114,7 @@
               <a:t>model-</a:t>
             </a:r>
             <a:r>
-              <a:rPr lang="it-IT" sz="2000" b="1" dirty="0" err="1" smtClean="0">
+              <a:rPr lang="it-IT" sz="2000" b="1" dirty="0" err="1">
                 <a:solidFill>
                   <a:srgbClr val="0070C0"/>
                 </a:solidFill>
@@ -15130,14 +16122,14 @@
               <a:t>driven</a:t>
             </a:r>
             <a:r>
-              <a:rPr lang="it-IT" sz="2000" dirty="0" smtClean="0"/>
+              <a:rPr lang="it-IT" sz="2000" dirty="0"/>
               <a:t> </a:t>
             </a:r>
             <a:r>
-              <a:rPr lang="it-IT" sz="2000" dirty="0" err="1" smtClean="0"/>
+              <a:rPr lang="it-IT" sz="2000" dirty="0" err="1"/>
               <a:t>development</a:t>
             </a:r>
-            <a:endParaRPr lang="it-IT" sz="2000" dirty="0" smtClean="0"/>
+            <a:endParaRPr lang="it-IT" sz="2000" dirty="0"/>
           </a:p>
         </p:txBody>
       </p:sp>
@@ -15210,11 +16202,11 @@
           <a:lstStyle/>
           <a:p>
             <a:r>
-              <a:rPr lang="it-IT" dirty="0" smtClean="0"/>
+              <a:rPr lang="it-IT" dirty="0"/>
               <a:t>Software </a:t>
             </a:r>
             <a:r>
-              <a:rPr lang="it-IT" dirty="0" err="1" smtClean="0"/>
+              <a:rPr lang="it-IT" dirty="0" err="1"/>
               <a:t>systems</a:t>
             </a:r>
             <a:endParaRPr lang="en-GB" dirty="0"/>
@@ -15237,7 +16229,7 @@
           <a:lstStyle/>
           <a:p>
             <a:r>
-              <a:rPr lang="it-IT" smtClean="0"/>
+              <a:rPr lang="it-IT"/>
               <a:t>ANatali  - DISI - ISSM2020  Univeristy of Bologna</a:t>
             </a:r>
             <a:endParaRPr lang="en-GB"/>
@@ -15260,37 +16252,37 @@
           <a:lstStyle/>
           <a:p>
             <a:r>
-              <a:rPr lang="it-IT" dirty="0" err="1" smtClean="0"/>
+              <a:rPr lang="it-IT" dirty="0" err="1"/>
               <a:t>Not</a:t>
             </a:r>
             <a:r>
-              <a:rPr lang="it-IT" dirty="0" smtClean="0"/>
+              <a:rPr lang="it-IT" dirty="0"/>
               <a:t> ‘</a:t>
             </a:r>
             <a:r>
-              <a:rPr lang="it-IT" dirty="0" err="1" smtClean="0"/>
+              <a:rPr lang="it-IT" dirty="0" err="1"/>
               <a:t>simply</a:t>
             </a:r>
             <a:r>
-              <a:rPr lang="it-IT" dirty="0" smtClean="0"/>
+              <a:rPr lang="it-IT" dirty="0"/>
               <a:t>’ </a:t>
             </a:r>
             <a:r>
-              <a:rPr lang="it-IT" dirty="0" err="1" smtClean="0">
+              <a:rPr lang="it-IT" dirty="0" err="1">
                 <a:hlinkClick r:id="rId2"/>
               </a:rPr>
               <a:t>algorithms</a:t>
             </a:r>
             <a:r>
-              <a:rPr lang="it-IT" dirty="0" smtClean="0"/>
+              <a:rPr lang="it-IT" dirty="0"/>
               <a:t> , </a:t>
             </a:r>
             <a:r>
-              <a:rPr lang="it-IT" dirty="0" err="1" smtClean="0"/>
+              <a:rPr lang="it-IT" dirty="0" err="1"/>
               <a:t>but</a:t>
             </a:r>
             <a:r>
-              <a:rPr lang="it-IT" dirty="0" smtClean="0"/>
+              <a:rPr lang="it-IT" dirty="0"/>
               <a:t> … ???</a:t>
             </a:r>
           </a:p>
@@ -15299,39 +16291,39 @@
           </a:p>
           <a:p>
             <a:r>
-              <a:rPr lang="it-IT" dirty="0" smtClean="0"/>
+              <a:rPr lang="it-IT" dirty="0"/>
               <a:t>… </a:t>
             </a:r>
             <a:r>
-              <a:rPr lang="it-IT" dirty="0" err="1" smtClean="0"/>
+              <a:rPr lang="it-IT" dirty="0" err="1"/>
               <a:t>we</a:t>
             </a:r>
             <a:r>
-              <a:rPr lang="it-IT" dirty="0" smtClean="0"/>
+              <a:rPr lang="it-IT" dirty="0"/>
               <a:t> </a:t>
             </a:r>
             <a:r>
-              <a:rPr lang="it-IT" dirty="0" err="1" smtClean="0"/>
+              <a:rPr lang="it-IT" dirty="0" err="1"/>
               <a:t>will</a:t>
             </a:r>
             <a:r>
-              <a:rPr lang="it-IT" dirty="0" smtClean="0"/>
+              <a:rPr lang="it-IT" dirty="0"/>
               <a:t> </a:t>
             </a:r>
             <a:r>
-              <a:rPr lang="it-IT" dirty="0" err="1" smtClean="0"/>
+              <a:rPr lang="it-IT" dirty="0" err="1"/>
               <a:t>discuss</a:t>
             </a:r>
             <a:r>
-              <a:rPr lang="it-IT" dirty="0" smtClean="0"/>
+              <a:rPr lang="it-IT" dirty="0"/>
               <a:t> and ‘</a:t>
             </a:r>
             <a:r>
-              <a:rPr lang="it-IT" dirty="0" err="1" smtClean="0"/>
+              <a:rPr lang="it-IT" dirty="0" err="1"/>
               <a:t>discover</a:t>
             </a:r>
             <a:r>
-              <a:rPr lang="it-IT" dirty="0" smtClean="0"/>
+              <a:rPr lang="it-IT" dirty="0"/>
               <a:t>’</a:t>
             </a:r>
             <a:endParaRPr lang="en-GB" dirty="0"/>
@@ -15407,7 +16399,7 @@
           <a:lstStyle/>
           <a:p>
             <a:r>
-              <a:rPr lang="it-IT" dirty="0" smtClean="0"/>
+              <a:rPr lang="it-IT" dirty="0"/>
               <a:t>Software component</a:t>
             </a:r>
             <a:endParaRPr lang="en-GB" dirty="0"/>
@@ -15430,7 +16422,7 @@
           <a:lstStyle/>
           <a:p>
             <a:r>
-              <a:rPr lang="it-IT" smtClean="0"/>
+              <a:rPr lang="it-IT"/>
               <a:t>ANatali  - DISI - ISSM2020  Univeristy of Bologna</a:t>
             </a:r>
             <a:endParaRPr lang="en-GB"/>
@@ -15455,85 +16447,85 @@
           <a:lstStyle/>
           <a:p>
             <a:r>
-              <a:rPr lang="it-IT" dirty="0" smtClean="0"/>
+              <a:rPr lang="it-IT" dirty="0"/>
               <a:t>At </a:t>
             </a:r>
             <a:r>
-              <a:rPr lang="it-IT" dirty="0" err="1" smtClean="0"/>
+              <a:rPr lang="it-IT" dirty="0" err="1"/>
               <a:t>language</a:t>
             </a:r>
             <a:r>
-              <a:rPr lang="it-IT" dirty="0" smtClean="0"/>
+              <a:rPr lang="it-IT" dirty="0"/>
               <a:t> </a:t>
             </a:r>
             <a:r>
-              <a:rPr lang="it-IT" dirty="0" err="1" smtClean="0"/>
+              <a:rPr lang="it-IT" dirty="0" err="1"/>
               <a:t>level</a:t>
             </a:r>
             <a:r>
-              <a:rPr lang="it-IT" dirty="0" smtClean="0"/>
+              <a:rPr lang="it-IT" dirty="0"/>
               <a:t>:</a:t>
             </a:r>
           </a:p>
           <a:p>
             <a:pPr lvl="1"/>
             <a:r>
-              <a:rPr lang="it-IT" dirty="0" err="1" smtClean="0"/>
+              <a:rPr lang="it-IT" dirty="0" err="1"/>
               <a:t>Function</a:t>
             </a:r>
-            <a:endParaRPr lang="it-IT" dirty="0" smtClean="0"/>
+            <a:endParaRPr lang="it-IT" dirty="0"/>
           </a:p>
           <a:p>
             <a:pPr lvl="1"/>
             <a:r>
-              <a:rPr lang="it-IT" dirty="0" smtClean="0"/>
+              <a:rPr lang="it-IT" dirty="0"/>
               <a:t>Object</a:t>
             </a:r>
           </a:p>
           <a:p>
             <a:pPr lvl="1"/>
             <a:r>
-              <a:rPr lang="it-IT" dirty="0" smtClean="0"/>
+              <a:rPr lang="it-IT" dirty="0"/>
               <a:t>Coroutine</a:t>
             </a:r>
           </a:p>
           <a:p>
             <a:pPr lvl="1"/>
             <a:r>
-              <a:rPr lang="it-IT" dirty="0" err="1" smtClean="0"/>
+              <a:rPr lang="it-IT" dirty="0" err="1"/>
               <a:t>Actor</a:t>
             </a:r>
-            <a:endParaRPr lang="it-IT" dirty="0" smtClean="0"/>
+            <a:endParaRPr lang="it-IT" dirty="0"/>
           </a:p>
           <a:p>
             <a:pPr lvl="1"/>
             <a:r>
-              <a:rPr lang="it-IT" dirty="0" smtClean="0"/>
+              <a:rPr lang="it-IT" dirty="0"/>
               <a:t>Agent</a:t>
             </a:r>
           </a:p>
           <a:p>
             <a:pPr lvl="1"/>
             <a:r>
-              <a:rPr lang="it-IT" dirty="0" smtClean="0"/>
+              <a:rPr lang="it-IT" dirty="0"/>
               <a:t>…</a:t>
             </a:r>
           </a:p>
           <a:p>
             <a:r>
-              <a:rPr lang="it-IT" dirty="0" smtClean="0"/>
+              <a:rPr lang="it-IT" dirty="0"/>
               <a:t>At </a:t>
             </a:r>
             <a:r>
-              <a:rPr lang="it-IT" dirty="0" err="1" smtClean="0"/>
+              <a:rPr lang="it-IT" dirty="0" err="1"/>
               <a:t>architecture</a:t>
             </a:r>
             <a:r>
-              <a:rPr lang="it-IT" dirty="0" smtClean="0"/>
+              <a:rPr lang="it-IT" dirty="0"/>
               <a:t> (</a:t>
             </a:r>
             <a:r>
-              <a:rPr lang="it-IT" sz="3100" dirty="0" err="1" smtClean="0">
+              <a:rPr lang="it-IT" sz="3100" dirty="0" err="1">
                 <a:solidFill>
                   <a:srgbClr val="C00000"/>
                 </a:solidFill>
@@ -15541,7 +16533,7 @@
               <a:t>layered</a:t>
             </a:r>
             <a:r>
-              <a:rPr lang="it-IT" sz="3100" dirty="0" smtClean="0">
+              <a:rPr lang="it-IT" sz="3100" dirty="0">
                 <a:solidFill>
                   <a:srgbClr val="C00000"/>
                 </a:solidFill>
@@ -15549,7 +16541,7 @@
               <a:t>, </a:t>
             </a:r>
             <a:r>
-              <a:rPr lang="it-IT" sz="3100" dirty="0" err="1" smtClean="0">
+              <a:rPr lang="it-IT" sz="3100" dirty="0" err="1">
                 <a:solidFill>
                   <a:srgbClr val="C00000"/>
                 </a:solidFill>
@@ -15557,7 +16549,7 @@
               <a:t>subsumption</a:t>
             </a:r>
             <a:r>
-              <a:rPr lang="it-IT" sz="3100" dirty="0" smtClean="0">
+              <a:rPr lang="it-IT" sz="3100" dirty="0">
                 <a:solidFill>
                   <a:srgbClr val="C00000"/>
                 </a:solidFill>
@@ -15565,7 +16557,7 @@
               <a:t>, </a:t>
             </a:r>
             <a:r>
-              <a:rPr lang="it-IT" sz="3100" dirty="0" err="1" smtClean="0">
+              <a:rPr lang="it-IT" sz="3100" dirty="0" err="1">
                 <a:solidFill>
                   <a:srgbClr val="C00000"/>
                 </a:solidFill>
@@ -15573,7 +16565,7 @@
               <a:t>hexagonal</a:t>
             </a:r>
             <a:r>
-              <a:rPr lang="it-IT" sz="3100" dirty="0" smtClean="0">
+              <a:rPr lang="it-IT" sz="3100" dirty="0">
                 <a:solidFill>
                   <a:srgbClr val="C00000"/>
                 </a:solidFill>
@@ -15581,83 +16573,82 @@
               <a:t> </a:t>
             </a:r>
             <a:r>
-              <a:rPr lang="it-IT" dirty="0" smtClean="0"/>
+              <a:rPr lang="it-IT" dirty="0"/>
               <a:t>…) </a:t>
             </a:r>
             <a:r>
-              <a:rPr lang="it-IT" dirty="0" err="1" smtClean="0"/>
+              <a:rPr lang="it-IT" dirty="0" err="1"/>
               <a:t>level</a:t>
             </a:r>
             <a:r>
               <a:rPr lang="it-IT" dirty="0"/>
               <a:t>:</a:t>
             </a:r>
-            <a:endParaRPr lang="it-IT" dirty="0" smtClean="0"/>
           </a:p>
           <a:p>
             <a:pPr lvl="1"/>
             <a:r>
-              <a:rPr lang="it-IT" dirty="0" err="1" smtClean="0"/>
+              <a:rPr lang="it-IT" dirty="0" err="1"/>
               <a:t>Views</a:t>
             </a:r>
             <a:r>
-              <a:rPr lang="it-IT" dirty="0" smtClean="0"/>
+              <a:rPr lang="it-IT" dirty="0"/>
               <a:t> – </a:t>
             </a:r>
             <a:r>
-              <a:rPr lang="it-IT" dirty="0" err="1" smtClean="0"/>
+              <a:rPr lang="it-IT" dirty="0" err="1"/>
               <a:t>Models</a:t>
             </a:r>
             <a:r>
-              <a:rPr lang="it-IT" dirty="0" smtClean="0"/>
+              <a:rPr lang="it-IT" dirty="0"/>
               <a:t> – </a:t>
             </a:r>
             <a:r>
-              <a:rPr lang="it-IT" dirty="0" err="1" smtClean="0"/>
+              <a:rPr lang="it-IT" dirty="0" err="1"/>
               <a:t>Controllers</a:t>
             </a:r>
             <a:r>
-              <a:rPr lang="it-IT" dirty="0" smtClean="0"/>
+              <a:rPr lang="it-IT" dirty="0"/>
               <a:t>  / DAO( </a:t>
             </a:r>
             <a:r>
-              <a:rPr lang="it-IT" dirty="0" err="1" smtClean="0"/>
+              <a:rPr lang="it-IT" dirty="0" err="1"/>
               <a:t>DataAccesObjects</a:t>
             </a:r>
             <a:r>
-              <a:rPr lang="it-IT" dirty="0" smtClean="0"/>
+              <a:rPr lang="it-IT" dirty="0"/>
               <a:t>) </a:t>
             </a:r>
           </a:p>
           <a:p>
             <a:pPr lvl="1"/>
             <a:r>
-              <a:rPr lang="it-IT" dirty="0" smtClean="0"/>
+              <a:rPr lang="it-IT" dirty="0"/>
               <a:t>(Micro)Services</a:t>
             </a:r>
           </a:p>
           <a:p>
             <a:pPr lvl="1"/>
             <a:r>
-              <a:rPr lang="it-IT" dirty="0" err="1" smtClean="0"/>
+              <a:rPr lang="it-IT" dirty="0" err="1"/>
               <a:t>Plugins</a:t>
             </a:r>
             <a:r>
-              <a:rPr lang="it-IT" dirty="0" smtClean="0"/>
+              <a:rPr lang="it-IT" dirty="0"/>
               <a:t> </a:t>
             </a:r>
           </a:p>
           <a:p>
             <a:pPr lvl="1"/>
             <a:r>
-              <a:rPr lang="it-IT" dirty="0" smtClean="0"/>
+              <a:rPr lang="it-IT" dirty="0"/>
               <a:t>API</a:t>
             </a:r>
           </a:p>
           <a:p>
             <a:pPr lvl="1"/>
             <a:r>
-              <a:rPr lang="it-IT" dirty="0" smtClean="0"/>
+              <a:rPr lang="it-IT" dirty="0"/>
               <a:t>…</a:t>
             </a:r>
             <a:endParaRPr lang="en-GB" dirty="0"/>
@@ -15735,11 +16726,11 @@
           <a:lstStyle/>
           <a:p>
             <a:r>
-              <a:rPr lang="it-IT" dirty="0" smtClean="0"/>
+              <a:rPr lang="it-IT" dirty="0"/>
               <a:t>Component </a:t>
             </a:r>
             <a:r>
-              <a:rPr lang="it-IT" dirty="0" err="1" smtClean="0"/>
+              <a:rPr lang="it-IT" dirty="0" err="1"/>
               <a:t>Interaction</a:t>
             </a:r>
             <a:endParaRPr lang="en-GB" dirty="0"/>
@@ -15762,7 +16753,7 @@
           <a:lstStyle/>
           <a:p>
             <a:r>
-              <a:rPr lang="it-IT" smtClean="0"/>
+              <a:rPr lang="it-IT"/>
               <a:t>ANatali  - DISI - ISSM2020  Univeristy of Bologna</a:t>
             </a:r>
             <a:endParaRPr lang="en-GB"/>
@@ -15787,90 +16778,86 @@
           <a:lstStyle/>
           <a:p>
             <a:r>
-              <a:rPr lang="it-IT" dirty="0" err="1" smtClean="0"/>
+              <a:rPr lang="it-IT" dirty="0" err="1"/>
               <a:t>Produre</a:t>
             </a:r>
             <a:r>
-              <a:rPr lang="it-IT" dirty="0" smtClean="0"/>
+              <a:rPr lang="it-IT" dirty="0"/>
               <a:t>-call</a:t>
             </a:r>
           </a:p>
           <a:p>
             <a:r>
-              <a:rPr lang="it-IT" dirty="0" smtClean="0"/>
+              <a:rPr lang="it-IT" dirty="0"/>
               <a:t>Message-</a:t>
             </a:r>
             <a:r>
-              <a:rPr lang="it-IT" dirty="0" err="1" smtClean="0"/>
+              <a:rPr lang="it-IT" dirty="0" err="1"/>
               <a:t>passing</a:t>
             </a:r>
             <a:r>
               <a:rPr lang="it-IT" dirty="0"/>
-              <a:t> </a:t>
-            </a:r>
-            <a:r>
-              <a:rPr lang="it-IT" dirty="0" smtClean="0"/>
-              <a:t>(</a:t>
-            </a:r>
-            <a:r>
-              <a:rPr lang="it-IT" dirty="0" err="1" smtClean="0"/>
+              <a:t> (</a:t>
+            </a:r>
+            <a:r>
+              <a:rPr lang="it-IT" dirty="0" err="1"/>
               <a:t>local</a:t>
             </a:r>
             <a:r>
-              <a:rPr lang="it-IT" dirty="0" smtClean="0"/>
+              <a:rPr lang="it-IT" dirty="0"/>
               <a:t> or remote)</a:t>
             </a:r>
           </a:p>
           <a:p>
             <a:r>
-              <a:rPr lang="it-IT" dirty="0" err="1" smtClean="0"/>
+              <a:rPr lang="it-IT" dirty="0" err="1"/>
               <a:t>Synchronous</a:t>
             </a:r>
             <a:r>
-              <a:rPr lang="it-IT" dirty="0" smtClean="0"/>
+              <a:rPr lang="it-IT" dirty="0"/>
               <a:t> / </a:t>
             </a:r>
             <a:r>
-              <a:rPr lang="it-IT" dirty="0" err="1" smtClean="0"/>
+              <a:rPr lang="it-IT" dirty="0" err="1"/>
               <a:t>Asynchronous</a:t>
             </a:r>
-            <a:endParaRPr lang="it-IT" dirty="0" smtClean="0"/>
-          </a:p>
-          <a:p>
-            <a:r>
-              <a:rPr lang="it-IT" dirty="0" smtClean="0"/>
+            <a:endParaRPr lang="it-IT" dirty="0"/>
+          </a:p>
+          <a:p>
+            <a:r>
+              <a:rPr lang="it-IT" dirty="0"/>
               <a:t>…</a:t>
             </a:r>
           </a:p>
           <a:p>
-            <a:endParaRPr lang="it-IT" dirty="0" smtClean="0"/>
-          </a:p>
-          <a:p>
-            <a:r>
-              <a:rPr lang="it-IT" dirty="0" err="1" smtClean="0"/>
+            <a:endParaRPr lang="it-IT" dirty="0"/>
+          </a:p>
+          <a:p>
+            <a:r>
+              <a:rPr lang="it-IT" dirty="0" err="1"/>
               <a:t>Request-response</a:t>
             </a:r>
             <a:r>
-              <a:rPr lang="it-IT" dirty="0" smtClean="0"/>
+              <a:rPr lang="it-IT" dirty="0"/>
               <a:t> (HTTP – REST )</a:t>
             </a:r>
           </a:p>
           <a:p>
             <a:r>
-              <a:rPr lang="it-IT" dirty="0" err="1" smtClean="0"/>
+              <a:rPr lang="it-IT" dirty="0" err="1"/>
               <a:t>CoAP</a:t>
             </a:r>
-            <a:endParaRPr lang="it-IT" dirty="0" smtClean="0"/>
-          </a:p>
-          <a:p>
-            <a:r>
-              <a:rPr lang="it-IT" dirty="0" smtClean="0"/>
+            <a:endParaRPr lang="it-IT" dirty="0"/>
+          </a:p>
+          <a:p>
+            <a:r>
+              <a:rPr lang="it-IT" dirty="0"/>
               <a:t>TCP / UDP / …</a:t>
             </a:r>
           </a:p>
           <a:p>
             <a:r>
-              <a:rPr lang="it-IT" dirty="0" smtClean="0"/>
+              <a:rPr lang="it-IT" dirty="0"/>
               <a:t>…</a:t>
             </a:r>
             <a:endParaRPr lang="en-GB" dirty="0"/>

--- a/it.unibo.issLabStart/userDocs/ISSM2020.pptx
+++ b/it.unibo.issLabStart/userDocs/ISSM2020.pptx
@@ -5,10 +5,10 @@
     <p:sldMasterId id="2147483804" r:id="rId1"/>
   </p:sldMasterIdLst>
   <p:notesMasterIdLst>
-    <p:notesMasterId r:id="rId29"/>
+    <p:notesMasterId r:id="rId30"/>
   </p:notesMasterIdLst>
   <p:handoutMasterIdLst>
-    <p:handoutMasterId r:id="rId30"/>
+    <p:handoutMasterId r:id="rId31"/>
   </p:handoutMasterIdLst>
   <p:sldIdLst>
     <p:sldId id="256" r:id="rId2"/>
@@ -36,8 +36,9 @@
     <p:sldId id="279" r:id="rId24"/>
     <p:sldId id="280" r:id="rId25"/>
     <p:sldId id="282" r:id="rId26"/>
-    <p:sldId id="283" r:id="rId27"/>
-    <p:sldId id="281" r:id="rId28"/>
+    <p:sldId id="284" r:id="rId27"/>
+    <p:sldId id="283" r:id="rId28"/>
+    <p:sldId id="281" r:id="rId29"/>
   </p:sldIdLst>
   <p:sldSz cx="9144000" cy="6858000" type="screen4x3"/>
   <p:notesSz cx="6858000" cy="9144000"/>
@@ -138,7 +139,7 @@
   </p:defaultTextStyle>
   <p:extLst>
     <p:ext uri="{EFAFB233-063F-42B5-8137-9DF3F51BA10A}">
-      <p15:sldGuideLst xmlns:p15="http://schemas.microsoft.com/office/powerpoint/2012/main">
+      <p15:sldGuideLst xmlns:p15="http://schemas.microsoft.com/office/powerpoint/2012/main" xmlns="">
         <p15:guide id="1" orient="horz" pos="2160">
           <p15:clr>
             <a:srgbClr val="A4A3A4"/>
@@ -237,7 +238,7 @@
           <a:p>
             <a:fld id="{87B1E067-8CD6-47D2-8022-8E53E4BB7437}" type="datetimeFigureOut">
               <a:rPr lang="en-GB" smtClean="0"/>
-              <a:t>13/03/2020</a:t>
+              <a:t>14/03/2020</a:t>
             </a:fld>
             <a:endParaRPr lang="en-GB"/>
           </a:p>
@@ -303,7 +304,7 @@
           <a:p>
             <a:fld id="{661B1FA1-FFFF-470E-82D0-53E008B5CA59}" type="slidenum">
               <a:rPr lang="en-GB" smtClean="0"/>
-              <a:t>‹#›</a:t>
+              <a:t>‹N›</a:t>
             </a:fld>
             <a:endParaRPr lang="en-GB"/>
           </a:p>
@@ -403,7 +404,7 @@
           <a:p>
             <a:fld id="{71BD2418-2684-45EC-AEF4-BE55BBAB5B4F}" type="datetimeFigureOut">
               <a:rPr lang="en-GB" smtClean="0"/>
-              <a:t>13/03/2020</a:t>
+              <a:t>14/03/2020</a:t>
             </a:fld>
             <a:endParaRPr lang="en-GB"/>
           </a:p>
@@ -562,7 +563,7 @@
           <a:p>
             <a:fld id="{5D547B64-7F69-451B-8351-3B4EE3E72C48}" type="slidenum">
               <a:rPr lang="en-GB" smtClean="0"/>
-              <a:t>‹#›</a:t>
+              <a:t>‹N›</a:t>
             </a:fld>
             <a:endParaRPr lang="en-GB"/>
           </a:p>
@@ -969,7 +970,7 @@
           <a:p>
             <a:fld id="{69EC26FC-4149-4381-B200-0ACC926D0C10}" type="datetime1">
               <a:rPr lang="en-GB" smtClean="0"/>
-              <a:t>13/03/2020</a:t>
+              <a:t>14/03/2020</a:t>
             </a:fld>
             <a:endParaRPr lang="en-GB"/>
           </a:p>
@@ -1025,7 +1026,7 @@
           <a:p>
             <a:fld id="{6F6A5AB3-AF76-4EC9-853D-D4C335162C13}" type="slidenum">
               <a:rPr lang="en-GB" smtClean="0"/>
-              <a:t>‹#›</a:t>
+              <a:t>‹N›</a:t>
             </a:fld>
             <a:endParaRPr lang="en-GB"/>
           </a:p>
@@ -1326,7 +1327,7 @@
           <a:p>
             <a:fld id="{77675063-8333-41A8-A131-A42E0F0649C6}" type="datetime1">
               <a:rPr lang="en-GB" smtClean="0"/>
-              <a:t>13/03/2020</a:t>
+              <a:t>14/03/2020</a:t>
             </a:fld>
             <a:endParaRPr lang="en-GB"/>
           </a:p>
@@ -1372,7 +1373,7 @@
           <a:p>
             <a:fld id="{6F6A5AB3-AF76-4EC9-853D-D4C335162C13}" type="slidenum">
               <a:rPr lang="en-GB" smtClean="0"/>
-              <a:t>‹#›</a:t>
+              <a:t>‹N›</a:t>
             </a:fld>
             <a:endParaRPr lang="en-GB"/>
           </a:p>
@@ -1505,7 +1506,7 @@
           <a:p>
             <a:fld id="{99167A15-39CA-42AA-A3F4-D4AAF34DD1E5}" type="datetime1">
               <a:rPr lang="en-GB" smtClean="0"/>
-              <a:t>13/03/2020</a:t>
+              <a:t>14/03/2020</a:t>
             </a:fld>
             <a:endParaRPr lang="en-GB"/>
           </a:p>
@@ -1551,7 +1552,7 @@
           <a:p>
             <a:fld id="{6F6A5AB3-AF76-4EC9-853D-D4C335162C13}" type="slidenum">
               <a:rPr lang="en-GB" smtClean="0"/>
-              <a:t>‹#›</a:t>
+              <a:t>‹N›</a:t>
             </a:fld>
             <a:endParaRPr lang="en-GB"/>
           </a:p>
@@ -1622,7 +1623,7 @@
           <a:p>
             <a:fld id="{1A87AFF6-4C91-482D-BDF5-223514DB0B0D}" type="datetime1">
               <a:rPr lang="en-GB" smtClean="0"/>
-              <a:t>13/03/2020</a:t>
+              <a:t>14/03/2020</a:t>
             </a:fld>
             <a:endParaRPr lang="en-GB"/>
           </a:p>
@@ -1668,7 +1669,7 @@
           <a:p>
             <a:fld id="{6F6A5AB3-AF76-4EC9-853D-D4C335162C13}" type="slidenum">
               <a:rPr lang="en-GB" smtClean="0"/>
-              <a:t>‹#›</a:t>
+              <a:t>‹N›</a:t>
             </a:fld>
             <a:endParaRPr lang="en-GB"/>
           </a:p>
@@ -1984,7 +1985,7 @@
           <a:p>
             <a:fld id="{A945ADE7-28FF-42C7-B167-7DC7A77ED2F3}" type="datetime1">
               <a:rPr lang="en-GB" smtClean="0"/>
-              <a:t>13/03/2020</a:t>
+              <a:t>14/03/2020</a:t>
             </a:fld>
             <a:endParaRPr lang="en-GB"/>
           </a:p>
@@ -2182,7 +2183,7 @@
           <a:p>
             <a:fld id="{6F6A5AB3-AF76-4EC9-853D-D4C335162C13}" type="slidenum">
               <a:rPr lang="en-GB" smtClean="0"/>
-              <a:t>‹#›</a:t>
+              <a:t>‹N›</a:t>
             </a:fld>
             <a:endParaRPr lang="en-GB"/>
           </a:p>
@@ -2253,7 +2254,7 @@
           <a:p>
             <a:fld id="{092EA350-1E2E-41EE-BD8A-FB0D72F078C3}" type="datetime1">
               <a:rPr lang="en-GB" smtClean="0"/>
-              <a:t>13/03/2020</a:t>
+              <a:t>14/03/2020</a:t>
             </a:fld>
             <a:endParaRPr lang="en-GB"/>
           </a:p>
@@ -2299,7 +2300,7 @@
           <a:p>
             <a:fld id="{6F6A5AB3-AF76-4EC9-853D-D4C335162C13}" type="slidenum">
               <a:rPr lang="en-GB" smtClean="0"/>
-              <a:t>‹#›</a:t>
+              <a:t>‹N›</a:t>
             </a:fld>
             <a:endParaRPr lang="en-GB"/>
           </a:p>
@@ -2619,7 +2620,7 @@
           <a:p>
             <a:fld id="{F8F1314B-6929-4AD1-B5B4-312DAFF8489C}" type="datetime1">
               <a:rPr lang="en-GB" smtClean="0"/>
-              <a:t>13/03/2020</a:t>
+              <a:t>14/03/2020</a:t>
             </a:fld>
             <a:endParaRPr lang="en-GB"/>
           </a:p>
@@ -2665,7 +2666,7 @@
           <a:p>
             <a:fld id="{6F6A5AB3-AF76-4EC9-853D-D4C335162C13}" type="slidenum">
               <a:rPr lang="en-GB" smtClean="0"/>
-              <a:t>‹#›</a:t>
+              <a:t>‹N›</a:t>
             </a:fld>
             <a:endParaRPr lang="en-GB"/>
           </a:p>
@@ -2850,7 +2851,7 @@
           <a:p>
             <a:fld id="{CF5B218E-BA98-4F08-AFAD-55E0F9C51274}" type="datetime1">
               <a:rPr lang="en-GB" smtClean="0"/>
-              <a:t>13/03/2020</a:t>
+              <a:t>14/03/2020</a:t>
             </a:fld>
             <a:endParaRPr lang="en-GB"/>
           </a:p>
@@ -2896,7 +2897,7 @@
           <a:p>
             <a:fld id="{6F6A5AB3-AF76-4EC9-853D-D4C335162C13}" type="slidenum">
               <a:rPr lang="en-GB" smtClean="0"/>
-              <a:t>‹#›</a:t>
+              <a:t>‹N›</a:t>
             </a:fld>
             <a:endParaRPr lang="en-GB"/>
           </a:p>
@@ -2944,7 +2945,7 @@
           <a:p>
             <a:fld id="{8AF6CE76-28A1-4CD7-9645-E1D020974391}" type="datetime1">
               <a:rPr lang="en-GB" smtClean="0"/>
-              <a:t>13/03/2020</a:t>
+              <a:t>14/03/2020</a:t>
             </a:fld>
             <a:endParaRPr lang="en-GB"/>
           </a:p>
@@ -2990,7 +2991,7 @@
           <a:p>
             <a:fld id="{6F6A5AB3-AF76-4EC9-853D-D4C335162C13}" type="slidenum">
               <a:rPr lang="en-GB" smtClean="0"/>
-              <a:t>‹#›</a:t>
+              <a:t>‹N›</a:t>
             </a:fld>
             <a:endParaRPr lang="en-GB"/>
           </a:p>
@@ -3215,7 +3216,7 @@
           <a:p>
             <a:fld id="{BADBD3C4-D885-44D5-BC36-8CDC16C4E35A}" type="datetime1">
               <a:rPr lang="en-GB" smtClean="0"/>
-              <a:t>13/03/2020</a:t>
+              <a:t>14/03/2020</a:t>
             </a:fld>
             <a:endParaRPr lang="en-GB"/>
           </a:p>
@@ -3261,7 +3262,7 @@
           <a:p>
             <a:fld id="{6F6A5AB3-AF76-4EC9-853D-D4C335162C13}" type="slidenum">
               <a:rPr lang="en-GB" smtClean="0"/>
-              <a:t>‹#›</a:t>
+              <a:t>‹N›</a:t>
             </a:fld>
             <a:endParaRPr lang="en-GB"/>
           </a:p>
@@ -3447,7 +3448,7 @@
           <a:p>
             <a:fld id="{D0C37988-22DC-4746-8A43-E6C6BF5D65EE}" type="datetime1">
               <a:rPr lang="en-GB" smtClean="0"/>
-              <a:t>13/03/2020</a:t>
+              <a:t>14/03/2020</a:t>
             </a:fld>
             <a:endParaRPr lang="en-GB"/>
           </a:p>
@@ -3503,7 +3504,7 @@
           <a:p>
             <a:fld id="{6F6A5AB3-AF76-4EC9-853D-D4C335162C13}" type="slidenum">
               <a:rPr lang="en-GB" smtClean="0"/>
-              <a:t>‹#›</a:t>
+              <a:t>‹N›</a:t>
             </a:fld>
             <a:endParaRPr lang="en-GB"/>
           </a:p>
@@ -3950,7 +3951,7 @@
           <a:p>
             <a:fld id="{5A18A74E-3BE8-4B6E-81A4-95A392C53EA5}" type="datetime1">
               <a:rPr lang="en-GB" smtClean="0"/>
-              <a:t>13/03/2020</a:t>
+              <a:t>14/03/2020</a:t>
             </a:fld>
             <a:endParaRPr lang="en-GB"/>
           </a:p>
@@ -4036,7 +4037,7 @@
           <a:p>
             <a:fld id="{6F6A5AB3-AF76-4EC9-853D-D4C335162C13}" type="slidenum">
               <a:rPr lang="en-GB" smtClean="0"/>
-              <a:t>‹#›</a:t>
+              <a:t>‹N›</a:t>
             </a:fld>
             <a:endParaRPr lang="en-GB"/>
           </a:p>
@@ -11774,7 +11775,7 @@
           <p:cNvPr id="22" name="Gruppo 82">
             <a:extLst>
               <a:ext uri="{FF2B5EF4-FFF2-40B4-BE49-F238E27FC236}">
-                <a16:creationId xmlns:a16="http://schemas.microsoft.com/office/drawing/2014/main" id="{D2ACE5A8-9046-43C9-855F-EC0E0754E6E4}"/>
+                <a16:creationId xmlns:a16="http://schemas.microsoft.com/office/drawing/2014/main" xmlns="" id="{D2ACE5A8-9046-43C9-855F-EC0E0754E6E4}"/>
               </a:ext>
             </a:extLst>
           </p:cNvPr>
@@ -11794,7 +11795,7 @@
             <p:cNvPr id="23" name="Ovale 38">
               <a:extLst>
                 <a:ext uri="{FF2B5EF4-FFF2-40B4-BE49-F238E27FC236}">
-                  <a16:creationId xmlns:a16="http://schemas.microsoft.com/office/drawing/2014/main" id="{A3C33013-DAC5-4DE5-9575-78DF66227DDF}"/>
+                  <a16:creationId xmlns:a16="http://schemas.microsoft.com/office/drawing/2014/main" xmlns="" id="{A3C33013-DAC5-4DE5-9575-78DF66227DDF}"/>
                 </a:ext>
               </a:extLst>
             </p:cNvPr>
@@ -11845,7 +11846,7 @@
             <p:cNvPr id="24" name="Rettangolo 39">
               <a:extLst>
                 <a:ext uri="{FF2B5EF4-FFF2-40B4-BE49-F238E27FC236}">
-                  <a16:creationId xmlns:a16="http://schemas.microsoft.com/office/drawing/2014/main" id="{94A5922D-9265-4A79-9770-BC1C16A107CA}"/>
+                  <a16:creationId xmlns:a16="http://schemas.microsoft.com/office/drawing/2014/main" xmlns="" id="{94A5922D-9265-4A79-9770-BC1C16A107CA}"/>
                 </a:ext>
               </a:extLst>
             </p:cNvPr>
@@ -11893,7 +11894,7 @@
             <p:cNvPr id="25" name="Triangolo isoscele 42">
               <a:extLst>
                 <a:ext uri="{FF2B5EF4-FFF2-40B4-BE49-F238E27FC236}">
-                  <a16:creationId xmlns:a16="http://schemas.microsoft.com/office/drawing/2014/main" id="{A0FD7BD4-A807-4F3B-A3BC-009F1B02A9D4}"/>
+                  <a16:creationId xmlns:a16="http://schemas.microsoft.com/office/drawing/2014/main" xmlns="" id="{A0FD7BD4-A807-4F3B-A3BC-009F1B02A9D4}"/>
                 </a:ext>
               </a:extLst>
             </p:cNvPr>
@@ -11946,7 +11947,7 @@
           <p:cNvPr id="26" name="Ovale 33">
             <a:extLst>
               <a:ext uri="{FF2B5EF4-FFF2-40B4-BE49-F238E27FC236}">
-                <a16:creationId xmlns:a16="http://schemas.microsoft.com/office/drawing/2014/main" id="{EE7E7EAA-6204-4C59-9F31-DF632E43B747}"/>
+                <a16:creationId xmlns:a16="http://schemas.microsoft.com/office/drawing/2014/main" xmlns="" id="{EE7E7EAA-6204-4C59-9F31-DF632E43B747}"/>
               </a:ext>
             </a:extLst>
           </p:cNvPr>
@@ -11994,7 +11995,7 @@
           <p:cNvPr id="28" name="CasellaDiTesto 19">
             <a:extLst>
               <a:ext uri="{FF2B5EF4-FFF2-40B4-BE49-F238E27FC236}">
-                <a16:creationId xmlns:a16="http://schemas.microsoft.com/office/drawing/2014/main" id="{7B23BAA7-7D89-43BE-B88E-D25D840BA294}"/>
+                <a16:creationId xmlns:a16="http://schemas.microsoft.com/office/drawing/2014/main" xmlns="" id="{7B23BAA7-7D89-43BE-B88E-D25D840BA294}"/>
               </a:ext>
             </a:extLst>
           </p:cNvPr>
@@ -12030,7 +12031,7 @@
           <p:cNvPr id="10" name="Rectangle 4">
             <a:extLst>
               <a:ext uri="{FF2B5EF4-FFF2-40B4-BE49-F238E27FC236}">
-                <a16:creationId xmlns:a16="http://schemas.microsoft.com/office/drawing/2014/main" id="{9285CE8F-211F-4A96-BEFB-E42C50887C6A}"/>
+                <a16:creationId xmlns:a16="http://schemas.microsoft.com/office/drawing/2014/main" xmlns="" id="{9285CE8F-211F-4A96-BEFB-E42C50887C6A}"/>
               </a:ext>
             </a:extLst>
           </p:cNvPr>
@@ -12089,7 +12090,7 @@
           <p:cNvPr id="29" name="Connettore 2 126">
             <a:extLst>
               <a:ext uri="{FF2B5EF4-FFF2-40B4-BE49-F238E27FC236}">
-                <a16:creationId xmlns:a16="http://schemas.microsoft.com/office/drawing/2014/main" id="{0AA0E6A2-F525-4C64-9B41-8AAC54C8346D}"/>
+                <a16:creationId xmlns:a16="http://schemas.microsoft.com/office/drawing/2014/main" xmlns="" id="{0AA0E6A2-F525-4C64-9B41-8AAC54C8346D}"/>
               </a:ext>
             </a:extLst>
           </p:cNvPr>
@@ -12132,7 +12133,7 @@
           <p:cNvPr id="30" name="Connettore 2 9">
             <a:extLst>
               <a:ext uri="{FF2B5EF4-FFF2-40B4-BE49-F238E27FC236}">
-                <a16:creationId xmlns:a16="http://schemas.microsoft.com/office/drawing/2014/main" id="{01EF4D93-4E7B-4DFB-AE38-808AA1CF2663}"/>
+                <a16:creationId xmlns:a16="http://schemas.microsoft.com/office/drawing/2014/main" xmlns="" id="{01EF4D93-4E7B-4DFB-AE38-808AA1CF2663}"/>
               </a:ext>
             </a:extLst>
           </p:cNvPr>
@@ -12173,7 +12174,7 @@
           <p:cNvPr id="33" name="Rectangle 5">
             <a:extLst>
               <a:ext uri="{FF2B5EF4-FFF2-40B4-BE49-F238E27FC236}">
-                <a16:creationId xmlns:a16="http://schemas.microsoft.com/office/drawing/2014/main" id="{663699FD-7F2E-4DD1-B4BF-227A041C24B8}"/>
+                <a16:creationId xmlns:a16="http://schemas.microsoft.com/office/drawing/2014/main" xmlns="" id="{663699FD-7F2E-4DD1-B4BF-227A041C24B8}"/>
               </a:ext>
             </a:extLst>
           </p:cNvPr>
@@ -12246,7 +12247,7 @@
           <p:cNvPr id="36" name="Rectangle 4">
             <a:extLst>
               <a:ext uri="{FF2B5EF4-FFF2-40B4-BE49-F238E27FC236}">
-                <a16:creationId xmlns:a16="http://schemas.microsoft.com/office/drawing/2014/main" id="{751C612F-85E8-46CD-9D97-711C49FABD7D}"/>
+                <a16:creationId xmlns:a16="http://schemas.microsoft.com/office/drawing/2014/main" xmlns="" id="{751C612F-85E8-46CD-9D97-711C49FABD7D}"/>
               </a:ext>
             </a:extLst>
           </p:cNvPr>
@@ -12293,7 +12294,7 @@
           <p:cNvPr id="38" name="Ovale 33">
             <a:extLst>
               <a:ext uri="{FF2B5EF4-FFF2-40B4-BE49-F238E27FC236}">
-                <a16:creationId xmlns:a16="http://schemas.microsoft.com/office/drawing/2014/main" id="{AE821BAD-5AB7-466B-8291-7E14ADF08024}"/>
+                <a16:creationId xmlns:a16="http://schemas.microsoft.com/office/drawing/2014/main" xmlns="" id="{AE821BAD-5AB7-466B-8291-7E14ADF08024}"/>
               </a:ext>
             </a:extLst>
           </p:cNvPr>
@@ -12341,7 +12342,7 @@
           <p:cNvPr id="39" name="CasellaDiTesto 19">
             <a:extLst>
               <a:ext uri="{FF2B5EF4-FFF2-40B4-BE49-F238E27FC236}">
-                <a16:creationId xmlns:a16="http://schemas.microsoft.com/office/drawing/2014/main" id="{EF542A0F-AE9B-4720-A22D-4000E774217C}"/>
+                <a16:creationId xmlns:a16="http://schemas.microsoft.com/office/drawing/2014/main" xmlns="" id="{EF542A0F-AE9B-4720-A22D-4000E774217C}"/>
               </a:ext>
             </a:extLst>
           </p:cNvPr>
@@ -12377,7 +12378,7 @@
           <p:cNvPr id="40" name="Rectangle 4">
             <a:extLst>
               <a:ext uri="{FF2B5EF4-FFF2-40B4-BE49-F238E27FC236}">
-                <a16:creationId xmlns:a16="http://schemas.microsoft.com/office/drawing/2014/main" id="{DC75D623-1BEE-420F-8F7A-642F64C29300}"/>
+                <a16:creationId xmlns:a16="http://schemas.microsoft.com/office/drawing/2014/main" xmlns="" id="{DC75D623-1BEE-420F-8F7A-642F64C29300}"/>
               </a:ext>
             </a:extLst>
           </p:cNvPr>
@@ -12462,7 +12463,7 @@
           <p:cNvPr id="41" name="Connettore 2 126">
             <a:extLst>
               <a:ext uri="{FF2B5EF4-FFF2-40B4-BE49-F238E27FC236}">
-                <a16:creationId xmlns:a16="http://schemas.microsoft.com/office/drawing/2014/main" id="{B9484729-5BBF-42A0-9532-D074E8F64D0C}"/>
+                <a16:creationId xmlns:a16="http://schemas.microsoft.com/office/drawing/2014/main" xmlns="" id="{B9484729-5BBF-42A0-9532-D074E8F64D0C}"/>
               </a:ext>
             </a:extLst>
           </p:cNvPr>
@@ -12505,7 +12506,7 @@
           <p:cNvPr id="42" name="Connettore 2 9">
             <a:extLst>
               <a:ext uri="{FF2B5EF4-FFF2-40B4-BE49-F238E27FC236}">
-                <a16:creationId xmlns:a16="http://schemas.microsoft.com/office/drawing/2014/main" id="{2227C48D-AA34-4D81-9873-E2E1601CDD36}"/>
+                <a16:creationId xmlns:a16="http://schemas.microsoft.com/office/drawing/2014/main" xmlns="" id="{2227C48D-AA34-4D81-9873-E2E1601CDD36}"/>
               </a:ext>
             </a:extLst>
           </p:cNvPr>
@@ -12548,7 +12549,7 @@
           <p:cNvPr id="43" name="Rectangle 5">
             <a:extLst>
               <a:ext uri="{FF2B5EF4-FFF2-40B4-BE49-F238E27FC236}">
-                <a16:creationId xmlns:a16="http://schemas.microsoft.com/office/drawing/2014/main" id="{FDD84F83-30AC-4BF9-B9FF-5314654605F2}"/>
+                <a16:creationId xmlns:a16="http://schemas.microsoft.com/office/drawing/2014/main" xmlns="" id="{FDD84F83-30AC-4BF9-B9FF-5314654605F2}"/>
               </a:ext>
             </a:extLst>
           </p:cNvPr>
@@ -12609,7 +12610,7 @@
           <p:cNvPr id="45" name="Rectangle 5">
             <a:extLst>
               <a:ext uri="{FF2B5EF4-FFF2-40B4-BE49-F238E27FC236}">
-                <a16:creationId xmlns:a16="http://schemas.microsoft.com/office/drawing/2014/main" id="{E24D6CA4-2BC9-4AE1-95CB-AED96FDB9560}"/>
+                <a16:creationId xmlns:a16="http://schemas.microsoft.com/office/drawing/2014/main" xmlns="" id="{E24D6CA4-2BC9-4AE1-95CB-AED96FDB9560}"/>
               </a:ext>
             </a:extLst>
           </p:cNvPr>
@@ -12649,7 +12650,7 @@
           <p:cNvPr id="46" name="Ovale 33">
             <a:extLst>
               <a:ext uri="{FF2B5EF4-FFF2-40B4-BE49-F238E27FC236}">
-                <a16:creationId xmlns:a16="http://schemas.microsoft.com/office/drawing/2014/main" id="{9DB22A3B-B6A7-4E63-A408-51B043370910}"/>
+                <a16:creationId xmlns:a16="http://schemas.microsoft.com/office/drawing/2014/main" xmlns="" id="{9DB22A3B-B6A7-4E63-A408-51B043370910}"/>
               </a:ext>
             </a:extLst>
           </p:cNvPr>
@@ -12697,7 +12698,7 @@
           <p:cNvPr id="48" name="Straight Arrow Connector 47">
             <a:extLst>
               <a:ext uri="{FF2B5EF4-FFF2-40B4-BE49-F238E27FC236}">
-                <a16:creationId xmlns:a16="http://schemas.microsoft.com/office/drawing/2014/main" id="{68E3D2D9-1905-4E34-9DAF-86766AC88CC1}"/>
+                <a16:creationId xmlns:a16="http://schemas.microsoft.com/office/drawing/2014/main" xmlns="" id="{68E3D2D9-1905-4E34-9DAF-86766AC88CC1}"/>
               </a:ext>
             </a:extLst>
           </p:cNvPr>
@@ -12739,7 +12740,7 @@
           <p:cNvPr id="52" name="Rectangle 5">
             <a:extLst>
               <a:ext uri="{FF2B5EF4-FFF2-40B4-BE49-F238E27FC236}">
-                <a16:creationId xmlns:a16="http://schemas.microsoft.com/office/drawing/2014/main" id="{9529310F-209D-4FC3-82E8-EEC7E3A85851}"/>
+                <a16:creationId xmlns:a16="http://schemas.microsoft.com/office/drawing/2014/main" xmlns="" id="{9529310F-209D-4FC3-82E8-EEC7E3A85851}"/>
               </a:ext>
             </a:extLst>
           </p:cNvPr>
@@ -12779,7 +12780,7 @@
           <p:cNvPr id="53" name="Ovale 33">
             <a:extLst>
               <a:ext uri="{FF2B5EF4-FFF2-40B4-BE49-F238E27FC236}">
-                <a16:creationId xmlns:a16="http://schemas.microsoft.com/office/drawing/2014/main" id="{435D5F9E-A655-4DD7-851D-B11A8F169495}"/>
+                <a16:creationId xmlns:a16="http://schemas.microsoft.com/office/drawing/2014/main" xmlns="" id="{435D5F9E-A655-4DD7-851D-B11A8F169495}"/>
               </a:ext>
             </a:extLst>
           </p:cNvPr>
@@ -12827,7 +12828,7 @@
           <p:cNvPr id="54" name="Straight Arrow Connector 53">
             <a:extLst>
               <a:ext uri="{FF2B5EF4-FFF2-40B4-BE49-F238E27FC236}">
-                <a16:creationId xmlns:a16="http://schemas.microsoft.com/office/drawing/2014/main" id="{5F862CA7-7927-4E0C-A697-C0E183A98073}"/>
+                <a16:creationId xmlns:a16="http://schemas.microsoft.com/office/drawing/2014/main" xmlns="" id="{5F862CA7-7927-4E0C-A697-C0E183A98073}"/>
               </a:ext>
             </a:extLst>
           </p:cNvPr>
@@ -12868,7 +12869,7 @@
           <p:cNvPr id="57" name="Connector: Elbow 56">
             <a:extLst>
               <a:ext uri="{FF2B5EF4-FFF2-40B4-BE49-F238E27FC236}">
-                <a16:creationId xmlns:a16="http://schemas.microsoft.com/office/drawing/2014/main" id="{CDFFCB79-ECE8-451E-A967-EFE490B3417F}"/>
+                <a16:creationId xmlns:a16="http://schemas.microsoft.com/office/drawing/2014/main" xmlns="" id="{CDFFCB79-ECE8-451E-A967-EFE490B3417F}"/>
               </a:ext>
             </a:extLst>
           </p:cNvPr>
@@ -12914,7 +12915,7 @@
           <p:cNvPr id="60" name="Oval 59">
             <a:extLst>
               <a:ext uri="{FF2B5EF4-FFF2-40B4-BE49-F238E27FC236}">
-                <a16:creationId xmlns:a16="http://schemas.microsoft.com/office/drawing/2014/main" id="{14ACD13F-7496-4B90-AE98-8683062A6B76}"/>
+                <a16:creationId xmlns:a16="http://schemas.microsoft.com/office/drawing/2014/main" xmlns="" id="{14ACD13F-7496-4B90-AE98-8683062A6B76}"/>
               </a:ext>
             </a:extLst>
           </p:cNvPr>
@@ -12968,7 +12969,7 @@
           <p:cNvPr id="35" name="Connettore 2 92">
             <a:extLst>
               <a:ext uri="{FF2B5EF4-FFF2-40B4-BE49-F238E27FC236}">
-                <a16:creationId xmlns:a16="http://schemas.microsoft.com/office/drawing/2014/main" id="{D129B3F1-E984-4808-8DB5-56CC7FF47729}"/>
+                <a16:creationId xmlns:a16="http://schemas.microsoft.com/office/drawing/2014/main" xmlns="" id="{D129B3F1-E984-4808-8DB5-56CC7FF47729}"/>
               </a:ext>
             </a:extLst>
           </p:cNvPr>
@@ -13008,7 +13009,7 @@
           <p:cNvPr id="75" name="Rectangle 5">
             <a:extLst>
               <a:ext uri="{FF2B5EF4-FFF2-40B4-BE49-F238E27FC236}">
-                <a16:creationId xmlns:a16="http://schemas.microsoft.com/office/drawing/2014/main" id="{D7416450-7D3D-45F7-A403-375C44C4136F}"/>
+                <a16:creationId xmlns:a16="http://schemas.microsoft.com/office/drawing/2014/main" xmlns="" id="{D7416450-7D3D-45F7-A403-375C44C4136F}"/>
               </a:ext>
             </a:extLst>
           </p:cNvPr>
@@ -13143,6 +13144,1941 @@
             <a:fld id="{6F6A5AB3-AF76-4EC9-853D-D4C335162C13}" type="slidenum">
               <a:rPr lang="en-GB" smtClean="0"/>
               <a:t>26</a:t>
+            </a:fld>
+            <a:endParaRPr lang="en-GB"/>
+          </a:p>
+        </p:txBody>
+      </p:sp>
+      <p:grpSp>
+        <p:nvGrpSpPr>
+          <p:cNvPr id="22" name="Gruppo 82">
+            <a:extLst>
+              <a:ext uri="{FF2B5EF4-FFF2-40B4-BE49-F238E27FC236}">
+                <a16:creationId xmlns:a16="http://schemas.microsoft.com/office/drawing/2014/main" xmlns="" id="{D2ACE5A8-9046-43C9-855F-EC0E0754E6E4}"/>
+              </a:ext>
+            </a:extLst>
+          </p:cNvPr>
+          <p:cNvGrpSpPr/>
+          <p:nvPr/>
+        </p:nvGrpSpPr>
+        <p:grpSpPr>
+          <a:xfrm>
+            <a:off x="1254461" y="297213"/>
+            <a:ext cx="866156" cy="763297"/>
+            <a:chOff x="1194666" y="2417771"/>
+            <a:chExt cx="866156" cy="763297"/>
+          </a:xfrm>
+        </p:grpSpPr>
+        <p:sp>
+          <p:nvSpPr>
+            <p:cNvPr id="23" name="Ovale 38">
+              <a:extLst>
+                <a:ext uri="{FF2B5EF4-FFF2-40B4-BE49-F238E27FC236}">
+                  <a16:creationId xmlns:a16="http://schemas.microsoft.com/office/drawing/2014/main" xmlns="" id="{A3C33013-DAC5-4DE5-9575-78DF66227DDF}"/>
+                </a:ext>
+              </a:extLst>
+            </p:cNvPr>
+            <p:cNvSpPr/>
+            <p:nvPr/>
+          </p:nvSpPr>
+          <p:spPr>
+            <a:xfrm>
+              <a:off x="1311101" y="2460988"/>
+              <a:ext cx="749721" cy="720080"/>
+            </a:xfrm>
+            <a:prstGeom prst="ellipse">
+              <a:avLst/>
+            </a:prstGeom>
+            <a:solidFill>
+              <a:srgbClr val="FFCCFF"/>
+            </a:solidFill>
+            <a:ln/>
+          </p:spPr>
+          <p:style>
+            <a:lnRef idx="1">
+              <a:schemeClr val="accent5"/>
+            </a:lnRef>
+            <a:fillRef idx="2">
+              <a:schemeClr val="accent5"/>
+            </a:fillRef>
+            <a:effectRef idx="1">
+              <a:schemeClr val="accent5"/>
+            </a:effectRef>
+            <a:fontRef idx="minor">
+              <a:schemeClr val="dk1"/>
+            </a:fontRef>
+          </p:style>
+          <p:txBody>
+            <a:bodyPr rtlCol="0" anchor="ctr"/>
+            <a:lstStyle/>
+            <a:p>
+              <a:pPr algn="ctr"/>
+              <a:r>
+                <a:rPr lang="en-GB" sz="1200" dirty="0"/>
+                <a:t> </a:t>
+              </a:r>
+            </a:p>
+          </p:txBody>
+        </p:sp>
+        <p:sp>
+          <p:nvSpPr>
+            <p:cNvPr id="24" name="Rettangolo 39">
+              <a:extLst>
+                <a:ext uri="{FF2B5EF4-FFF2-40B4-BE49-F238E27FC236}">
+                  <a16:creationId xmlns:a16="http://schemas.microsoft.com/office/drawing/2014/main" xmlns="" id="{94A5922D-9265-4A79-9770-BC1C16A107CA}"/>
+                </a:ext>
+              </a:extLst>
+            </p:cNvPr>
+            <p:cNvSpPr/>
+            <p:nvPr/>
+          </p:nvSpPr>
+          <p:spPr>
+            <a:xfrm>
+              <a:off x="1194666" y="2699711"/>
+              <a:ext cx="281433" cy="211952"/>
+            </a:xfrm>
+            <a:prstGeom prst="rect">
+              <a:avLst/>
+            </a:prstGeom>
+            <a:solidFill>
+              <a:srgbClr val="FFCCFF"/>
+            </a:solidFill>
+            <a:ln/>
+          </p:spPr>
+          <p:style>
+            <a:lnRef idx="1">
+              <a:schemeClr val="accent5"/>
+            </a:lnRef>
+            <a:fillRef idx="2">
+              <a:schemeClr val="accent5"/>
+            </a:fillRef>
+            <a:effectRef idx="1">
+              <a:schemeClr val="accent5"/>
+            </a:effectRef>
+            <a:fontRef idx="minor">
+              <a:schemeClr val="dk1"/>
+            </a:fontRef>
+          </p:style>
+          <p:txBody>
+            <a:bodyPr rtlCol="0" anchor="ctr"/>
+            <a:lstStyle/>
+            <a:p>
+              <a:pPr algn="ctr"/>
+              <a:endParaRPr lang="en-GB" sz="1200"/>
+            </a:p>
+          </p:txBody>
+        </p:sp>
+        <p:sp>
+          <p:nvSpPr>
+            <p:cNvPr id="25" name="Triangolo isoscele 42">
+              <a:extLst>
+                <a:ext uri="{FF2B5EF4-FFF2-40B4-BE49-F238E27FC236}">
+                  <a16:creationId xmlns:a16="http://schemas.microsoft.com/office/drawing/2014/main" xmlns="" id="{A0FD7BD4-A807-4F3B-A3BC-009F1B02A9D4}"/>
+                </a:ext>
+              </a:extLst>
+            </p:cNvPr>
+            <p:cNvSpPr/>
+            <p:nvPr/>
+          </p:nvSpPr>
+          <p:spPr>
+            <a:xfrm rot="16200000">
+              <a:off x="1618539" y="2391356"/>
+              <a:ext cx="86434" cy="139263"/>
+            </a:xfrm>
+            <a:prstGeom prst="triangle">
+              <a:avLst/>
+            </a:prstGeom>
+            <a:solidFill>
+              <a:srgbClr val="FF0000"/>
+            </a:solidFill>
+            <a:ln/>
+          </p:spPr>
+          <p:style>
+            <a:lnRef idx="1">
+              <a:schemeClr val="accent5"/>
+            </a:lnRef>
+            <a:fillRef idx="2">
+              <a:schemeClr val="accent5"/>
+            </a:fillRef>
+            <a:effectRef idx="1">
+              <a:schemeClr val="accent5"/>
+            </a:effectRef>
+            <a:fontRef idx="minor">
+              <a:schemeClr val="dk1"/>
+            </a:fontRef>
+          </p:style>
+          <p:txBody>
+            <a:bodyPr rtlCol="0" anchor="ctr"/>
+            <a:lstStyle/>
+            <a:p>
+              <a:pPr algn="ctr"/>
+              <a:endParaRPr lang="en-GB" sz="1200">
+                <a:solidFill>
+                  <a:schemeClr val="dk1"/>
+                </a:solidFill>
+              </a:endParaRPr>
+            </a:p>
+          </p:txBody>
+        </p:sp>
+      </p:grpSp>
+      <p:sp>
+        <p:nvSpPr>
+          <p:cNvPr id="36" name="Rectangle 4">
+            <a:extLst>
+              <a:ext uri="{FF2B5EF4-FFF2-40B4-BE49-F238E27FC236}">
+                <a16:creationId xmlns:a16="http://schemas.microsoft.com/office/drawing/2014/main" xmlns="" id="{751C612F-85E8-46CD-9D97-711C49FABD7D}"/>
+              </a:ext>
+            </a:extLst>
+          </p:cNvPr>
+          <p:cNvSpPr>
+            <a:spLocks noChangeArrowheads="1"/>
+          </p:cNvSpPr>
+          <p:nvPr/>
+        </p:nvSpPr>
+        <p:spPr bwMode="auto">
+          <a:xfrm>
+            <a:off x="1166751" y="1168425"/>
+            <a:ext cx="1109599" cy="307777"/>
+          </a:xfrm>
+          <a:prstGeom prst="rect">
+            <a:avLst/>
+          </a:prstGeom>
+          <a:noFill/>
+        </p:spPr>
+        <p:txBody>
+          <a:bodyPr wrap="none" rtlCol="0">
+            <a:spAutoFit/>
+          </a:bodyPr>
+          <a:lstStyle/>
+          <a:p>
+            <a:r>
+              <a:rPr lang="en-US" altLang="en-US" sz="1400" b="1" dirty="0" err="1">
+                <a:solidFill>
+                  <a:srgbClr val="0070C0"/>
+                </a:solidFill>
+                <a:latin typeface="Arial" panose="020B0604020202020204" pitchFamily="34" charset="0"/>
+                <a:cs typeface="Arial" panose="020B0604020202020204" pitchFamily="34" charset="0"/>
+              </a:rPr>
+              <a:t>robotActor</a:t>
+            </a:r>
+            <a:endParaRPr lang="en-US" altLang="en-US" sz="1400" dirty="0">
+              <a:latin typeface="Arial" panose="020B0604020202020204" pitchFamily="34" charset="0"/>
+              <a:cs typeface="Arial" panose="020B0604020202020204" pitchFamily="34" charset="0"/>
+            </a:endParaRPr>
+          </a:p>
+        </p:txBody>
+      </p:sp>
+      <p:sp>
+        <p:nvSpPr>
+          <p:cNvPr id="38" name="Ovale 33">
+            <a:extLst>
+              <a:ext uri="{FF2B5EF4-FFF2-40B4-BE49-F238E27FC236}">
+                <a16:creationId xmlns:a16="http://schemas.microsoft.com/office/drawing/2014/main" xmlns="" id="{AE821BAD-5AB7-466B-8291-7E14ADF08024}"/>
+              </a:ext>
+            </a:extLst>
+          </p:cNvPr>
+          <p:cNvSpPr/>
+          <p:nvPr/>
+        </p:nvSpPr>
+        <p:spPr>
+          <a:xfrm>
+            <a:off x="3937672" y="365198"/>
+            <a:ext cx="749721" cy="720080"/>
+          </a:xfrm>
+          <a:prstGeom prst="ellipse">
+            <a:avLst/>
+          </a:prstGeom>
+          <a:ln/>
+        </p:spPr>
+        <p:style>
+          <a:lnRef idx="1">
+            <a:schemeClr val="accent5"/>
+          </a:lnRef>
+          <a:fillRef idx="2">
+            <a:schemeClr val="accent5"/>
+          </a:fillRef>
+          <a:effectRef idx="1">
+            <a:schemeClr val="accent5"/>
+          </a:effectRef>
+          <a:fontRef idx="minor">
+            <a:schemeClr val="dk1"/>
+          </a:fontRef>
+        </p:style>
+        <p:txBody>
+          <a:bodyPr rtlCol="0" anchor="ctr"/>
+          <a:lstStyle/>
+          <a:p>
+            <a:pPr algn="ctr"/>
+            <a:r>
+              <a:rPr lang="en-GB" sz="1200" dirty="0"/>
+              <a:t> </a:t>
+            </a:r>
+          </a:p>
+        </p:txBody>
+      </p:sp>
+      <p:sp>
+        <p:nvSpPr>
+          <p:cNvPr id="39" name="CasellaDiTesto 19">
+            <a:extLst>
+              <a:ext uri="{FF2B5EF4-FFF2-40B4-BE49-F238E27FC236}">
+                <a16:creationId xmlns:a16="http://schemas.microsoft.com/office/drawing/2014/main" xmlns="" id="{EF542A0F-AE9B-4720-A22D-4000E774217C}"/>
+              </a:ext>
+            </a:extLst>
+          </p:cNvPr>
+          <p:cNvSpPr txBox="1"/>
+          <p:nvPr/>
+        </p:nvSpPr>
+        <p:spPr>
+          <a:xfrm>
+            <a:off x="3795394" y="1196751"/>
+            <a:ext cx="253596" cy="461665"/>
+          </a:xfrm>
+          <a:prstGeom prst="rect">
+            <a:avLst/>
+          </a:prstGeom>
+          <a:noFill/>
+        </p:spPr>
+        <p:txBody>
+          <a:bodyPr wrap="none" rtlCol="0">
+            <a:spAutoFit/>
+          </a:bodyPr>
+          <a:lstStyle/>
+          <a:p>
+            <a:r>
+              <a:rPr lang="it-IT" sz="2400" dirty="0"/>
+              <a:t> </a:t>
+            </a:r>
+            <a:endParaRPr lang="en-GB" sz="2400" dirty="0"/>
+          </a:p>
+        </p:txBody>
+      </p:sp>
+      <p:sp>
+        <p:nvSpPr>
+          <p:cNvPr id="40" name="Rectangle 4">
+            <a:extLst>
+              <a:ext uri="{FF2B5EF4-FFF2-40B4-BE49-F238E27FC236}">
+                <a16:creationId xmlns:a16="http://schemas.microsoft.com/office/drawing/2014/main" xmlns="" id="{DC75D623-1BEE-420F-8F7A-642F64C29300}"/>
+              </a:ext>
+            </a:extLst>
+          </p:cNvPr>
+          <p:cNvSpPr>
+            <a:spLocks noChangeArrowheads="1"/>
+          </p:cNvSpPr>
+          <p:nvPr/>
+        </p:nvSpPr>
+        <p:spPr bwMode="auto">
+          <a:xfrm>
+            <a:off x="3633537" y="1052736"/>
+            <a:ext cx="2810385" cy="738664"/>
+          </a:xfrm>
+          <a:prstGeom prst="rect">
+            <a:avLst/>
+          </a:prstGeom>
+          <a:noFill/>
+        </p:spPr>
+        <p:txBody>
+          <a:bodyPr wrap="none" rtlCol="0">
+            <a:spAutoFit/>
+          </a:bodyPr>
+          <a:lstStyle/>
+          <a:p>
+            <a:r>
+              <a:rPr lang="en-US" altLang="en-US" sz="1400" b="1" dirty="0" err="1">
+                <a:solidFill>
+                  <a:srgbClr val="0070C0"/>
+                </a:solidFill>
+                <a:latin typeface="Arial" panose="020B0604020202020204" pitchFamily="34" charset="0"/>
+                <a:cs typeface="Arial" panose="020B0604020202020204" pitchFamily="34" charset="0"/>
+              </a:rPr>
+              <a:t>robotSupport</a:t>
+            </a:r>
+            <a:endParaRPr lang="en-US" altLang="en-US" sz="1400" b="1" dirty="0">
+              <a:solidFill>
+                <a:srgbClr val="0070C0"/>
+              </a:solidFill>
+              <a:latin typeface="Arial" panose="020B0604020202020204" pitchFamily="34" charset="0"/>
+              <a:cs typeface="Arial" panose="020B0604020202020204" pitchFamily="34" charset="0"/>
+            </a:endParaRPr>
+          </a:p>
+          <a:p>
+            <a:r>
+              <a:rPr lang="en-US" altLang="en-US" sz="1400" dirty="0">
+                <a:latin typeface="Arial" panose="020B0604020202020204" pitchFamily="34" charset="0"/>
+                <a:cs typeface="Arial" panose="020B0604020202020204" pitchFamily="34" charset="0"/>
+              </a:rPr>
+              <a:t>(starts a coroutine that </a:t>
+            </a:r>
+          </a:p>
+          <a:p>
+            <a:r>
+              <a:rPr lang="en-US" altLang="en-US" sz="1400" dirty="0">
+                <a:latin typeface="Arial" panose="020B0604020202020204" pitchFamily="34" charset="0"/>
+                <a:cs typeface="Arial" panose="020B0604020202020204" pitchFamily="34" charset="0"/>
+              </a:rPr>
+              <a:t>sends messages to </a:t>
+            </a:r>
+            <a:r>
+              <a:rPr lang="en-US" altLang="en-US" sz="1400" b="1" dirty="0" err="1">
+                <a:solidFill>
+                  <a:srgbClr val="0070C0"/>
+                </a:solidFill>
+                <a:latin typeface="Arial" panose="020B0604020202020204" pitchFamily="34" charset="0"/>
+                <a:cs typeface="Arial" panose="020B0604020202020204" pitchFamily="34" charset="0"/>
+              </a:rPr>
+              <a:t>robotActor</a:t>
+            </a:r>
+            <a:r>
+              <a:rPr lang="en-US" altLang="en-US" sz="1400" dirty="0">
+                <a:latin typeface="Arial" panose="020B0604020202020204" pitchFamily="34" charset="0"/>
+                <a:cs typeface="Arial" panose="020B0604020202020204" pitchFamily="34" charset="0"/>
+              </a:rPr>
+              <a:t>) </a:t>
+            </a:r>
+          </a:p>
+        </p:txBody>
+      </p:sp>
+      <p:cxnSp>
+        <p:nvCxnSpPr>
+          <p:cNvPr id="41" name="Connettore 2 126">
+            <a:extLst>
+              <a:ext uri="{FF2B5EF4-FFF2-40B4-BE49-F238E27FC236}">
+                <a16:creationId xmlns:a16="http://schemas.microsoft.com/office/drawing/2014/main" xmlns="" id="{B9484729-5BBF-42A0-9532-D074E8F64D0C}"/>
+              </a:ext>
+            </a:extLst>
+          </p:cNvPr>
+          <p:cNvCxnSpPr/>
+          <p:nvPr/>
+        </p:nvCxnSpPr>
+        <p:spPr>
+          <a:xfrm flipH="1">
+            <a:off x="4317504" y="528687"/>
+            <a:ext cx="13466" cy="393101"/>
+          </a:xfrm>
+          <a:prstGeom prst="straightConnector1">
+            <a:avLst/>
+          </a:prstGeom>
+          <a:ln>
+            <a:solidFill>
+              <a:srgbClr val="C00000"/>
+            </a:solidFill>
+            <a:prstDash val="lgDash"/>
+            <a:tailEnd type="arrow"/>
+          </a:ln>
+        </p:spPr>
+        <p:style>
+          <a:lnRef idx="1">
+            <a:schemeClr val="accent1"/>
+          </a:lnRef>
+          <a:fillRef idx="0">
+            <a:schemeClr val="accent1"/>
+          </a:fillRef>
+          <a:effectRef idx="0">
+            <a:schemeClr val="accent1"/>
+          </a:effectRef>
+          <a:fontRef idx="minor">
+            <a:schemeClr val="tx1"/>
+          </a:fontRef>
+        </p:style>
+      </p:cxnSp>
+      <p:cxnSp>
+        <p:nvCxnSpPr>
+          <p:cNvPr id="42" name="Connettore 2 9">
+            <a:extLst>
+              <a:ext uri="{FF2B5EF4-FFF2-40B4-BE49-F238E27FC236}">
+                <a16:creationId xmlns:a16="http://schemas.microsoft.com/office/drawing/2014/main" xmlns="" id="{2227C48D-AA34-4D81-9873-E2E1601CDD36}"/>
+              </a:ext>
+            </a:extLst>
+          </p:cNvPr>
+          <p:cNvCxnSpPr>
+            <a:cxnSpLocks/>
+            <a:stCxn id="23" idx="6"/>
+            <a:endCxn id="38" idx="2"/>
+          </p:cNvCxnSpPr>
+          <p:nvPr/>
+        </p:nvCxnSpPr>
+        <p:spPr>
+          <a:xfrm>
+            <a:off x="2120617" y="700470"/>
+            <a:ext cx="1817055" cy="24768"/>
+          </a:xfrm>
+          <a:prstGeom prst="straightConnector1">
+            <a:avLst/>
+          </a:prstGeom>
+          <a:ln>
+            <a:tailEnd type="arrow"/>
+          </a:ln>
+        </p:spPr>
+        <p:style>
+          <a:lnRef idx="1">
+            <a:schemeClr val="accent1"/>
+          </a:lnRef>
+          <a:fillRef idx="0">
+            <a:schemeClr val="accent1"/>
+          </a:fillRef>
+          <a:effectRef idx="0">
+            <a:schemeClr val="accent1"/>
+          </a:effectRef>
+          <a:fontRef idx="minor">
+            <a:schemeClr val="tx1"/>
+          </a:fontRef>
+        </p:style>
+      </p:cxnSp>
+      <p:sp>
+        <p:nvSpPr>
+          <p:cNvPr id="43" name="Rectangle 5">
+            <a:extLst>
+              <a:ext uri="{FF2B5EF4-FFF2-40B4-BE49-F238E27FC236}">
+                <a16:creationId xmlns:a16="http://schemas.microsoft.com/office/drawing/2014/main" xmlns="" id="{FDD84F83-30AC-4BF9-B9FF-5314654605F2}"/>
+              </a:ext>
+            </a:extLst>
+          </p:cNvPr>
+          <p:cNvSpPr>
+            <a:spLocks noChangeArrowheads="1"/>
+          </p:cNvSpPr>
+          <p:nvPr/>
+        </p:nvSpPr>
+        <p:spPr bwMode="auto">
+          <a:xfrm>
+            <a:off x="2144491" y="290219"/>
+            <a:ext cx="1982053" cy="307777"/>
+          </a:xfrm>
+          <a:prstGeom prst="rect">
+            <a:avLst/>
+          </a:prstGeom>
+          <a:noFill/>
+        </p:spPr>
+        <p:txBody>
+          <a:bodyPr wrap="square" rtlCol="0">
+            <a:spAutoFit/>
+          </a:bodyPr>
+          <a:lstStyle/>
+          <a:p>
+            <a:r>
+              <a:rPr lang="en-US" altLang="en-US" sz="1400" b="1" dirty="0" err="1">
+                <a:latin typeface="Arial" panose="020B0604020202020204" pitchFamily="34" charset="0"/>
+                <a:cs typeface="Arial" panose="020B0604020202020204" pitchFamily="34" charset="0"/>
+              </a:rPr>
+              <a:t>domove</a:t>
+            </a:r>
+            <a:r>
+              <a:rPr lang="en-US" altLang="en-US" sz="1400" dirty="0">
+                <a:latin typeface="Arial" panose="020B0604020202020204" pitchFamily="34" charset="0"/>
+                <a:cs typeface="Arial" panose="020B0604020202020204" pitchFamily="34" charset="0"/>
+              </a:rPr>
+              <a:t>( </a:t>
+            </a:r>
+            <a:r>
+              <a:rPr lang="en-US" altLang="en-US" sz="1400" dirty="0" err="1">
+                <a:latin typeface="Arial" panose="020B0604020202020204" pitchFamily="34" charset="0"/>
+                <a:cs typeface="Arial" panose="020B0604020202020204" pitchFamily="34" charset="0"/>
+              </a:rPr>
+              <a:t>cmd</a:t>
+            </a:r>
+            <a:r>
+              <a:rPr lang="en-US" altLang="en-US" sz="1400" dirty="0">
+                <a:latin typeface="Arial" panose="020B0604020202020204" pitchFamily="34" charset="0"/>
+                <a:cs typeface="Arial" panose="020B0604020202020204" pitchFamily="34" charset="0"/>
+              </a:rPr>
+              <a:t>: String ) </a:t>
+            </a:r>
+          </a:p>
+        </p:txBody>
+      </p:sp>
+      <p:sp>
+        <p:nvSpPr>
+          <p:cNvPr id="52" name="Rectangle 5">
+            <a:extLst>
+              <a:ext uri="{FF2B5EF4-FFF2-40B4-BE49-F238E27FC236}">
+                <a16:creationId xmlns:a16="http://schemas.microsoft.com/office/drawing/2014/main" xmlns="" id="{9529310F-209D-4FC3-82E8-EEC7E3A85851}"/>
+              </a:ext>
+            </a:extLst>
+          </p:cNvPr>
+          <p:cNvSpPr>
+            <a:spLocks noChangeArrowheads="1"/>
+          </p:cNvSpPr>
+          <p:nvPr/>
+        </p:nvSpPr>
+        <p:spPr bwMode="auto">
+          <a:xfrm>
+            <a:off x="4711267" y="310452"/>
+            <a:ext cx="702436" cy="307777"/>
+          </a:xfrm>
+          <a:prstGeom prst="rect">
+            <a:avLst/>
+          </a:prstGeom>
+          <a:noFill/>
+        </p:spPr>
+        <p:txBody>
+          <a:bodyPr wrap="none" rtlCol="0">
+            <a:spAutoFit/>
+          </a:bodyPr>
+          <a:lstStyle/>
+          <a:p>
+            <a:r>
+              <a:rPr lang="en-US" altLang="en-US" sz="1400" dirty="0">
+                <a:latin typeface="Arial" panose="020B0604020202020204" pitchFamily="34" charset="0"/>
+                <a:cs typeface="Arial" panose="020B0604020202020204" pitchFamily="34" charset="0"/>
+              </a:rPr>
+              <a:t>socket</a:t>
+            </a:r>
+          </a:p>
+        </p:txBody>
+      </p:sp>
+      <p:sp>
+        <p:nvSpPr>
+          <p:cNvPr id="53" name="Ovale 33">
+            <a:extLst>
+              <a:ext uri="{FF2B5EF4-FFF2-40B4-BE49-F238E27FC236}">
+                <a16:creationId xmlns:a16="http://schemas.microsoft.com/office/drawing/2014/main" xmlns="" id="{435D5F9E-A655-4DD7-851D-B11A8F169495}"/>
+              </a:ext>
+            </a:extLst>
+          </p:cNvPr>
+          <p:cNvSpPr/>
+          <p:nvPr/>
+        </p:nvSpPr>
+        <p:spPr>
+          <a:xfrm>
+            <a:off x="4946382" y="597724"/>
+            <a:ext cx="312930" cy="275021"/>
+          </a:xfrm>
+          <a:prstGeom prst="ellipse">
+            <a:avLst/>
+          </a:prstGeom>
+          <a:ln/>
+        </p:spPr>
+        <p:style>
+          <a:lnRef idx="1">
+            <a:schemeClr val="accent5"/>
+          </a:lnRef>
+          <a:fillRef idx="2">
+            <a:schemeClr val="accent5"/>
+          </a:fillRef>
+          <a:effectRef idx="1">
+            <a:schemeClr val="accent5"/>
+          </a:effectRef>
+          <a:fontRef idx="minor">
+            <a:schemeClr val="dk1"/>
+          </a:fontRef>
+        </p:style>
+        <p:txBody>
+          <a:bodyPr rtlCol="0" anchor="ctr"/>
+          <a:lstStyle/>
+          <a:p>
+            <a:pPr algn="ctr"/>
+            <a:r>
+              <a:rPr lang="en-GB" sz="1200" dirty="0"/>
+              <a:t> </a:t>
+            </a:r>
+          </a:p>
+        </p:txBody>
+      </p:sp>
+      <p:cxnSp>
+        <p:nvCxnSpPr>
+          <p:cNvPr id="54" name="Straight Arrow Connector 53">
+            <a:extLst>
+              <a:ext uri="{FF2B5EF4-FFF2-40B4-BE49-F238E27FC236}">
+                <a16:creationId xmlns:a16="http://schemas.microsoft.com/office/drawing/2014/main" xmlns="" id="{5F862CA7-7927-4E0C-A697-C0E183A98073}"/>
+              </a:ext>
+            </a:extLst>
+          </p:cNvPr>
+          <p:cNvCxnSpPr>
+            <a:endCxn id="53" idx="2"/>
+          </p:cNvCxnSpPr>
+          <p:nvPr/>
+        </p:nvCxnSpPr>
+        <p:spPr>
+          <a:xfrm>
+            <a:off x="4668501" y="729024"/>
+            <a:ext cx="277881" cy="6211"/>
+          </a:xfrm>
+          <a:prstGeom prst="straightConnector1">
+            <a:avLst/>
+          </a:prstGeom>
+          <a:ln>
+            <a:tailEnd type="triangle"/>
+          </a:ln>
+        </p:spPr>
+        <p:style>
+          <a:lnRef idx="1">
+            <a:schemeClr val="accent1"/>
+          </a:lnRef>
+          <a:fillRef idx="0">
+            <a:schemeClr val="accent1"/>
+          </a:fillRef>
+          <a:effectRef idx="0">
+            <a:schemeClr val="accent1"/>
+          </a:effectRef>
+          <a:fontRef idx="minor">
+            <a:schemeClr val="tx1"/>
+          </a:fontRef>
+        </p:style>
+      </p:cxnSp>
+      <p:cxnSp>
+        <p:nvCxnSpPr>
+          <p:cNvPr id="57" name="Connector: Elbow 56">
+            <a:extLst>
+              <a:ext uri="{FF2B5EF4-FFF2-40B4-BE49-F238E27FC236}">
+                <a16:creationId xmlns:a16="http://schemas.microsoft.com/office/drawing/2014/main" xmlns="" id="{CDFFCB79-ECE8-451E-A967-EFE490B3417F}"/>
+              </a:ext>
+            </a:extLst>
+          </p:cNvPr>
+          <p:cNvCxnSpPr>
+            <a:cxnSpLocks/>
+            <a:stCxn id="38" idx="3"/>
+            <a:endCxn id="60" idx="4"/>
+          </p:cNvCxnSpPr>
+          <p:nvPr/>
+        </p:nvCxnSpPr>
+        <p:spPr>
+          <a:xfrm rot="5400000" flipH="1">
+            <a:off x="2333560" y="-734081"/>
+            <a:ext cx="185414" cy="3242398"/>
+          </a:xfrm>
+          <a:prstGeom prst="bentConnector3">
+            <a:avLst>
+              <a:gd name="adj1" fmla="val -394410"/>
+            </a:avLst>
+          </a:prstGeom>
+          <a:ln>
+            <a:prstDash val="lgDash"/>
+            <a:tailEnd type="arrow"/>
+          </a:ln>
+        </p:spPr>
+        <p:style>
+          <a:lnRef idx="1">
+            <a:schemeClr val="accent1"/>
+          </a:lnRef>
+          <a:fillRef idx="0">
+            <a:schemeClr val="accent1"/>
+          </a:fillRef>
+          <a:effectRef idx="0">
+            <a:schemeClr val="accent1"/>
+          </a:effectRef>
+          <a:fontRef idx="minor">
+            <a:schemeClr val="tx1"/>
+          </a:fontRef>
+        </p:style>
+      </p:cxnSp>
+      <p:sp>
+        <p:nvSpPr>
+          <p:cNvPr id="60" name="Oval 59">
+            <a:extLst>
+              <a:ext uri="{FF2B5EF4-FFF2-40B4-BE49-F238E27FC236}">
+                <a16:creationId xmlns:a16="http://schemas.microsoft.com/office/drawing/2014/main" xmlns="" id="{14ACD13F-7496-4B90-AE98-8683062A6B76}"/>
+              </a:ext>
+            </a:extLst>
+          </p:cNvPr>
+          <p:cNvSpPr/>
+          <p:nvPr/>
+        </p:nvSpPr>
+        <p:spPr>
+          <a:xfrm>
+            <a:off x="693205" y="563313"/>
+            <a:ext cx="223725" cy="231098"/>
+          </a:xfrm>
+          <a:prstGeom prst="ellipse">
+            <a:avLst/>
+          </a:prstGeom>
+          <a:solidFill>
+            <a:schemeClr val="bg1"/>
+          </a:solidFill>
+          <a:ln>
+            <a:solidFill>
+              <a:schemeClr val="bg1"/>
+            </a:solidFill>
+          </a:ln>
+        </p:spPr>
+        <p:style>
+          <a:lnRef idx="2">
+            <a:schemeClr val="accent1">
+              <a:shade val="50000"/>
+            </a:schemeClr>
+          </a:lnRef>
+          <a:fillRef idx="1">
+            <a:schemeClr val="accent1"/>
+          </a:fillRef>
+          <a:effectRef idx="0">
+            <a:schemeClr val="accent1"/>
+          </a:effectRef>
+          <a:fontRef idx="minor">
+            <a:schemeClr val="lt1"/>
+          </a:fontRef>
+        </p:style>
+        <p:txBody>
+          <a:bodyPr rtlCol="0" anchor="ctr"/>
+          <a:lstStyle/>
+          <a:p>
+            <a:pPr algn="ctr"/>
+            <a:endParaRPr lang="en-US"/>
+          </a:p>
+        </p:txBody>
+      </p:sp>
+      <p:cxnSp>
+        <p:nvCxnSpPr>
+          <p:cNvPr id="35" name="Connettore 2 92">
+            <a:extLst>
+              <a:ext uri="{FF2B5EF4-FFF2-40B4-BE49-F238E27FC236}">
+                <a16:creationId xmlns:a16="http://schemas.microsoft.com/office/drawing/2014/main" xmlns="" id="{D129B3F1-E984-4808-8DB5-56CC7FF47729}"/>
+              </a:ext>
+            </a:extLst>
+          </p:cNvPr>
+          <p:cNvCxnSpPr/>
+          <p:nvPr/>
+        </p:nvCxnSpPr>
+        <p:spPr>
+          <a:xfrm>
+            <a:off x="471202" y="760317"/>
+            <a:ext cx="783259" cy="0"/>
+          </a:xfrm>
+          <a:prstGeom prst="straightConnector1">
+            <a:avLst/>
+          </a:prstGeom>
+          <a:ln>
+            <a:prstDash val="lgDash"/>
+            <a:tailEnd type="arrow"/>
+          </a:ln>
+        </p:spPr>
+        <p:style>
+          <a:lnRef idx="1">
+            <a:schemeClr val="accent1"/>
+          </a:lnRef>
+          <a:fillRef idx="0">
+            <a:schemeClr val="accent1"/>
+          </a:fillRef>
+          <a:effectRef idx="0">
+            <a:schemeClr val="accent1"/>
+          </a:effectRef>
+          <a:fontRef idx="minor">
+            <a:schemeClr val="tx1"/>
+          </a:fontRef>
+        </p:style>
+      </p:cxnSp>
+      <p:sp>
+        <p:nvSpPr>
+          <p:cNvPr id="75" name="Rectangle 5">
+            <a:extLst>
+              <a:ext uri="{FF2B5EF4-FFF2-40B4-BE49-F238E27FC236}">
+                <a16:creationId xmlns:a16="http://schemas.microsoft.com/office/drawing/2014/main" xmlns="" id="{D7416450-7D3D-45F7-A403-375C44C4136F}"/>
+              </a:ext>
+            </a:extLst>
+          </p:cNvPr>
+          <p:cNvSpPr>
+            <a:spLocks noChangeArrowheads="1"/>
+          </p:cNvSpPr>
+          <p:nvPr/>
+        </p:nvSpPr>
+        <p:spPr bwMode="auto">
+          <a:xfrm>
+            <a:off x="1254461" y="1685568"/>
+            <a:ext cx="2582193" cy="523220"/>
+          </a:xfrm>
+          <a:prstGeom prst="rect">
+            <a:avLst/>
+          </a:prstGeom>
+          <a:noFill/>
+        </p:spPr>
+        <p:txBody>
+          <a:bodyPr wrap="square" rtlCol="0">
+            <a:spAutoFit/>
+          </a:bodyPr>
+          <a:lstStyle/>
+          <a:p>
+            <a:r>
+              <a:rPr lang="en-US" altLang="en-US" sz="1400" b="1" dirty="0">
+                <a:solidFill>
+                  <a:srgbClr val="00B050"/>
+                </a:solidFill>
+                <a:latin typeface="Arial" panose="020B0604020202020204" pitchFamily="34" charset="0"/>
+                <a:cs typeface="Arial" panose="020B0604020202020204" pitchFamily="34" charset="0"/>
+              </a:rPr>
+              <a:t>sensor</a:t>
+            </a:r>
+            <a:r>
+              <a:rPr lang="en-US" altLang="en-US" sz="1400" dirty="0">
+                <a:latin typeface="Arial" panose="020B0604020202020204" pitchFamily="34" charset="0"/>
+                <a:cs typeface="Arial" panose="020B0604020202020204" pitchFamily="34" charset="0"/>
+              </a:rPr>
+              <a:t>( NAME, DISTANCE)</a:t>
+            </a:r>
+          </a:p>
+          <a:p>
+            <a:r>
+              <a:rPr lang="en-US" altLang="en-US" sz="1400" b="1" dirty="0">
+                <a:solidFill>
+                  <a:srgbClr val="00B050"/>
+                </a:solidFill>
+                <a:latin typeface="Arial" panose="020B0604020202020204" pitchFamily="34" charset="0"/>
+                <a:cs typeface="Arial" panose="020B0604020202020204" pitchFamily="34" charset="0"/>
+              </a:rPr>
+              <a:t>collision</a:t>
+            </a:r>
+            <a:r>
+              <a:rPr lang="en-US" altLang="en-US" sz="1400" dirty="0">
+                <a:latin typeface="Arial" panose="020B0604020202020204" pitchFamily="34" charset="0"/>
+                <a:cs typeface="Arial" panose="020B0604020202020204" pitchFamily="34" charset="0"/>
+              </a:rPr>
+              <a:t>( NAME ) </a:t>
+            </a:r>
+          </a:p>
+        </p:txBody>
+      </p:sp>
+      <p:sp>
+        <p:nvSpPr>
+          <p:cNvPr id="47" name="Ovale 46"/>
+          <p:cNvSpPr/>
+          <p:nvPr/>
+        </p:nvSpPr>
+        <p:spPr>
+          <a:xfrm>
+            <a:off x="3491881" y="3731710"/>
+            <a:ext cx="1250126" cy="667608"/>
+          </a:xfrm>
+          <a:prstGeom prst="ellipse">
+            <a:avLst/>
+          </a:prstGeom>
+          <a:ln>
+            <a:solidFill>
+              <a:srgbClr val="002060"/>
+            </a:solidFill>
+          </a:ln>
+        </p:spPr>
+        <p:style>
+          <a:lnRef idx="2">
+            <a:schemeClr val="accent2"/>
+          </a:lnRef>
+          <a:fillRef idx="1">
+            <a:schemeClr val="lt1"/>
+          </a:fillRef>
+          <a:effectRef idx="0">
+            <a:schemeClr val="accent2"/>
+          </a:effectRef>
+          <a:fontRef idx="minor">
+            <a:schemeClr val="dk1"/>
+          </a:fontRef>
+        </p:style>
+        <p:txBody>
+          <a:bodyPr rtlCol="0" anchor="ctr"/>
+          <a:lstStyle/>
+          <a:p>
+            <a:pPr algn="ctr"/>
+            <a:r>
+              <a:rPr lang="it-IT" dirty="0" err="1" smtClean="0"/>
+              <a:t>working</a:t>
+            </a:r>
+            <a:endParaRPr lang="en-GB" dirty="0"/>
+          </a:p>
+        </p:txBody>
+      </p:sp>
+      <p:sp>
+        <p:nvSpPr>
+          <p:cNvPr id="51" name="Ovale 50"/>
+          <p:cNvSpPr/>
+          <p:nvPr/>
+        </p:nvSpPr>
+        <p:spPr>
+          <a:xfrm>
+            <a:off x="3347864" y="3949707"/>
+            <a:ext cx="144016" cy="178684"/>
+          </a:xfrm>
+          <a:prstGeom prst="ellipse">
+            <a:avLst/>
+          </a:prstGeom>
+        </p:spPr>
+        <p:style>
+          <a:lnRef idx="2">
+            <a:schemeClr val="accent1">
+              <a:shade val="50000"/>
+            </a:schemeClr>
+          </a:lnRef>
+          <a:fillRef idx="1">
+            <a:schemeClr val="accent1"/>
+          </a:fillRef>
+          <a:effectRef idx="0">
+            <a:schemeClr val="accent1"/>
+          </a:effectRef>
+          <a:fontRef idx="minor">
+            <a:schemeClr val="lt1"/>
+          </a:fontRef>
+        </p:style>
+        <p:txBody>
+          <a:bodyPr rtlCol="0" anchor="ctr"/>
+          <a:lstStyle/>
+          <a:p>
+            <a:pPr algn="ctr"/>
+            <a:endParaRPr lang="en-GB"/>
+          </a:p>
+        </p:txBody>
+      </p:sp>
+      <p:cxnSp>
+        <p:nvCxnSpPr>
+          <p:cNvPr id="55" name="Connettore 4 54"/>
+          <p:cNvCxnSpPr>
+            <a:stCxn id="47" idx="0"/>
+            <a:endCxn id="64" idx="2"/>
+          </p:cNvCxnSpPr>
+          <p:nvPr/>
+        </p:nvCxnSpPr>
+        <p:spPr>
+          <a:xfrm rot="5400000" flipH="1" flipV="1">
+            <a:off x="4447884" y="2494080"/>
+            <a:ext cx="906691" cy="1568571"/>
+          </a:xfrm>
+          <a:prstGeom prst="bentConnector2">
+            <a:avLst/>
+          </a:prstGeom>
+          <a:ln>
+            <a:solidFill>
+              <a:srgbClr val="002060"/>
+            </a:solidFill>
+            <a:tailEnd type="arrow"/>
+          </a:ln>
+        </p:spPr>
+        <p:style>
+          <a:lnRef idx="1">
+            <a:schemeClr val="accent1"/>
+          </a:lnRef>
+          <a:fillRef idx="0">
+            <a:schemeClr val="accent1"/>
+          </a:fillRef>
+          <a:effectRef idx="0">
+            <a:schemeClr val="accent1"/>
+          </a:effectRef>
+          <a:fontRef idx="minor">
+            <a:schemeClr val="tx1"/>
+          </a:fontRef>
+        </p:style>
+      </p:cxnSp>
+      <p:sp>
+        <p:nvSpPr>
+          <p:cNvPr id="56" name="CasellaDiTesto 55"/>
+          <p:cNvSpPr txBox="1"/>
+          <p:nvPr/>
+        </p:nvSpPr>
+        <p:spPr>
+          <a:xfrm>
+            <a:off x="4743616" y="2455687"/>
+            <a:ext cx="529312" cy="369332"/>
+          </a:xfrm>
+          <a:prstGeom prst="rect">
+            <a:avLst/>
+          </a:prstGeom>
+          <a:noFill/>
+        </p:spPr>
+        <p:txBody>
+          <a:bodyPr wrap="none" rtlCol="0">
+            <a:spAutoFit/>
+          </a:bodyPr>
+          <a:lstStyle/>
+          <a:p>
+            <a:r>
+              <a:rPr lang="it-IT" b="1" dirty="0" err="1" smtClean="0">
+                <a:solidFill>
+                  <a:srgbClr val="8A0000"/>
+                </a:solidFill>
+              </a:rPr>
+              <a:t>init</a:t>
+            </a:r>
+            <a:endParaRPr lang="en-GB" b="1" dirty="0">
+              <a:solidFill>
+                <a:srgbClr val="8A0000"/>
+              </a:solidFill>
+            </a:endParaRPr>
+          </a:p>
+        </p:txBody>
+      </p:sp>
+      <p:sp>
+        <p:nvSpPr>
+          <p:cNvPr id="64" name="Ovale 63"/>
+          <p:cNvSpPr/>
+          <p:nvPr/>
+        </p:nvSpPr>
+        <p:spPr>
+          <a:xfrm>
+            <a:off x="5685515" y="2579887"/>
+            <a:ext cx="1018941" cy="490264"/>
+          </a:xfrm>
+          <a:prstGeom prst="ellipse">
+            <a:avLst/>
+          </a:prstGeom>
+          <a:ln>
+            <a:solidFill>
+              <a:srgbClr val="002060"/>
+            </a:solidFill>
+          </a:ln>
+        </p:spPr>
+        <p:style>
+          <a:lnRef idx="2">
+            <a:schemeClr val="accent2"/>
+          </a:lnRef>
+          <a:fillRef idx="1">
+            <a:schemeClr val="lt1"/>
+          </a:fillRef>
+          <a:effectRef idx="0">
+            <a:schemeClr val="accent2"/>
+          </a:effectRef>
+          <a:fontRef idx="minor">
+            <a:schemeClr val="dk1"/>
+          </a:fontRef>
+        </p:style>
+        <p:txBody>
+          <a:bodyPr rtlCol="0" anchor="ctr"/>
+          <a:lstStyle/>
+          <a:p>
+            <a:pPr algn="ctr"/>
+            <a:r>
+              <a:rPr lang="it-IT" dirty="0" err="1" smtClean="0"/>
+              <a:t>doInit</a:t>
+            </a:r>
+            <a:endParaRPr lang="en-GB" dirty="0"/>
+          </a:p>
+        </p:txBody>
+      </p:sp>
+      <p:sp>
+        <p:nvSpPr>
+          <p:cNvPr id="65" name="Ovale 64"/>
+          <p:cNvSpPr/>
+          <p:nvPr/>
+        </p:nvSpPr>
+        <p:spPr>
+          <a:xfrm>
+            <a:off x="5642764" y="3196118"/>
+            <a:ext cx="1018941" cy="455203"/>
+          </a:xfrm>
+          <a:prstGeom prst="ellipse">
+            <a:avLst/>
+          </a:prstGeom>
+          <a:ln>
+            <a:solidFill>
+              <a:srgbClr val="002060"/>
+            </a:solidFill>
+          </a:ln>
+        </p:spPr>
+        <p:style>
+          <a:lnRef idx="2">
+            <a:schemeClr val="accent2"/>
+          </a:lnRef>
+          <a:fillRef idx="1">
+            <a:schemeClr val="lt1"/>
+          </a:fillRef>
+          <a:effectRef idx="0">
+            <a:schemeClr val="accent2"/>
+          </a:effectRef>
+          <a:fontRef idx="minor">
+            <a:schemeClr val="dk1"/>
+          </a:fontRef>
+        </p:style>
+        <p:txBody>
+          <a:bodyPr rtlCol="0" anchor="ctr"/>
+          <a:lstStyle/>
+          <a:p>
+            <a:pPr algn="ctr"/>
+            <a:r>
+              <a:rPr lang="it-IT" dirty="0" err="1" smtClean="0"/>
+              <a:t>doEnd</a:t>
+            </a:r>
+            <a:endParaRPr lang="en-GB" dirty="0"/>
+          </a:p>
+        </p:txBody>
+      </p:sp>
+      <p:sp>
+        <p:nvSpPr>
+          <p:cNvPr id="66" name="Ovale 65"/>
+          <p:cNvSpPr/>
+          <p:nvPr/>
+        </p:nvSpPr>
+        <p:spPr>
+          <a:xfrm>
+            <a:off x="5628145" y="4443606"/>
+            <a:ext cx="1332661" cy="530868"/>
+          </a:xfrm>
+          <a:prstGeom prst="ellipse">
+            <a:avLst/>
+          </a:prstGeom>
+          <a:ln>
+            <a:solidFill>
+              <a:srgbClr val="002060"/>
+            </a:solidFill>
+          </a:ln>
+        </p:spPr>
+        <p:style>
+          <a:lnRef idx="2">
+            <a:schemeClr val="accent2"/>
+          </a:lnRef>
+          <a:fillRef idx="1">
+            <a:schemeClr val="lt1"/>
+          </a:fillRef>
+          <a:effectRef idx="0">
+            <a:schemeClr val="accent2"/>
+          </a:effectRef>
+          <a:fontRef idx="minor">
+            <a:schemeClr val="dk1"/>
+          </a:fontRef>
+        </p:style>
+        <p:txBody>
+          <a:bodyPr rtlCol="0" anchor="ctr"/>
+          <a:lstStyle/>
+          <a:p>
+            <a:pPr algn="ctr"/>
+            <a:r>
+              <a:rPr lang="en-GB" dirty="0" err="1"/>
+              <a:t>doSensor</a:t>
+            </a:r>
+            <a:endParaRPr lang="en-GB" dirty="0"/>
+          </a:p>
+        </p:txBody>
+      </p:sp>
+      <p:sp>
+        <p:nvSpPr>
+          <p:cNvPr id="67" name="Ovale 66"/>
+          <p:cNvSpPr/>
+          <p:nvPr/>
+        </p:nvSpPr>
+        <p:spPr>
+          <a:xfrm>
+            <a:off x="5534386" y="5103948"/>
+            <a:ext cx="1707184" cy="533426"/>
+          </a:xfrm>
+          <a:prstGeom prst="ellipse">
+            <a:avLst/>
+          </a:prstGeom>
+          <a:ln>
+            <a:solidFill>
+              <a:srgbClr val="002060"/>
+            </a:solidFill>
+          </a:ln>
+        </p:spPr>
+        <p:style>
+          <a:lnRef idx="2">
+            <a:schemeClr val="accent2"/>
+          </a:lnRef>
+          <a:fillRef idx="1">
+            <a:schemeClr val="lt1"/>
+          </a:fillRef>
+          <a:effectRef idx="0">
+            <a:schemeClr val="accent2"/>
+          </a:effectRef>
+          <a:fontRef idx="minor">
+            <a:schemeClr val="dk1"/>
+          </a:fontRef>
+        </p:style>
+        <p:txBody>
+          <a:bodyPr rtlCol="0" anchor="ctr"/>
+          <a:lstStyle/>
+          <a:p>
+            <a:pPr algn="ctr"/>
+            <a:r>
+              <a:rPr lang="en-GB" dirty="0" err="1"/>
+              <a:t>doCollision</a:t>
+            </a:r>
+            <a:endParaRPr lang="en-GB" dirty="0"/>
+          </a:p>
+        </p:txBody>
+      </p:sp>
+      <p:sp>
+        <p:nvSpPr>
+          <p:cNvPr id="68" name="Ovale 67"/>
+          <p:cNvSpPr/>
+          <p:nvPr/>
+        </p:nvSpPr>
+        <p:spPr>
+          <a:xfrm>
+            <a:off x="5577136" y="3802176"/>
+            <a:ext cx="1235698" cy="526673"/>
+          </a:xfrm>
+          <a:prstGeom prst="ellipse">
+            <a:avLst/>
+          </a:prstGeom>
+          <a:ln>
+            <a:solidFill>
+              <a:srgbClr val="002060"/>
+            </a:solidFill>
+          </a:ln>
+        </p:spPr>
+        <p:style>
+          <a:lnRef idx="2">
+            <a:schemeClr val="accent2"/>
+          </a:lnRef>
+          <a:fillRef idx="1">
+            <a:schemeClr val="lt1"/>
+          </a:fillRef>
+          <a:effectRef idx="0">
+            <a:schemeClr val="accent2"/>
+          </a:effectRef>
+          <a:fontRef idx="minor">
+            <a:schemeClr val="dk1"/>
+          </a:fontRef>
+        </p:style>
+        <p:txBody>
+          <a:bodyPr rtlCol="0" anchor="ctr"/>
+          <a:lstStyle/>
+          <a:p>
+            <a:pPr algn="ctr"/>
+            <a:r>
+              <a:rPr lang="it-IT" dirty="0" err="1" smtClean="0"/>
+              <a:t>doMove</a:t>
+            </a:r>
+            <a:endParaRPr lang="en-GB" dirty="0"/>
+          </a:p>
+        </p:txBody>
+      </p:sp>
+      <p:cxnSp>
+        <p:nvCxnSpPr>
+          <p:cNvPr id="69" name="Connettore 4 68"/>
+          <p:cNvCxnSpPr>
+            <a:stCxn id="47" idx="7"/>
+            <a:endCxn id="65" idx="2"/>
+          </p:cNvCxnSpPr>
+          <p:nvPr/>
+        </p:nvCxnSpPr>
+        <p:spPr>
+          <a:xfrm rot="5400000" flipH="1" flipV="1">
+            <a:off x="4897968" y="3084683"/>
+            <a:ext cx="405759" cy="1083834"/>
+          </a:xfrm>
+          <a:prstGeom prst="bentConnector2">
+            <a:avLst/>
+          </a:prstGeom>
+          <a:ln>
+            <a:solidFill>
+              <a:srgbClr val="002060"/>
+            </a:solidFill>
+            <a:tailEnd type="arrow"/>
+          </a:ln>
+        </p:spPr>
+        <p:style>
+          <a:lnRef idx="1">
+            <a:schemeClr val="accent1"/>
+          </a:lnRef>
+          <a:fillRef idx="0">
+            <a:schemeClr val="accent1"/>
+          </a:fillRef>
+          <a:effectRef idx="0">
+            <a:schemeClr val="accent1"/>
+          </a:effectRef>
+          <a:fontRef idx="minor">
+            <a:schemeClr val="tx1"/>
+          </a:fontRef>
+        </p:style>
+      </p:cxnSp>
+      <p:cxnSp>
+        <p:nvCxnSpPr>
+          <p:cNvPr id="71" name="Connettore 4 70"/>
+          <p:cNvCxnSpPr>
+            <a:stCxn id="47" idx="6"/>
+            <a:endCxn id="68" idx="2"/>
+          </p:cNvCxnSpPr>
+          <p:nvPr/>
+        </p:nvCxnSpPr>
+        <p:spPr>
+          <a:xfrm flipV="1">
+            <a:off x="4742007" y="4065513"/>
+            <a:ext cx="835129" cy="1"/>
+          </a:xfrm>
+          <a:prstGeom prst="bentConnector3">
+            <a:avLst/>
+          </a:prstGeom>
+          <a:ln>
+            <a:solidFill>
+              <a:srgbClr val="002060"/>
+            </a:solidFill>
+            <a:tailEnd type="arrow"/>
+          </a:ln>
+        </p:spPr>
+        <p:style>
+          <a:lnRef idx="1">
+            <a:schemeClr val="accent1"/>
+          </a:lnRef>
+          <a:fillRef idx="0">
+            <a:schemeClr val="accent1"/>
+          </a:fillRef>
+          <a:effectRef idx="0">
+            <a:schemeClr val="accent1"/>
+          </a:effectRef>
+          <a:fontRef idx="minor">
+            <a:schemeClr val="tx1"/>
+          </a:fontRef>
+        </p:style>
+      </p:cxnSp>
+      <p:cxnSp>
+        <p:nvCxnSpPr>
+          <p:cNvPr id="73" name="Connettore 4 72"/>
+          <p:cNvCxnSpPr>
+            <a:stCxn id="47" idx="5"/>
+            <a:endCxn id="66" idx="2"/>
+          </p:cNvCxnSpPr>
+          <p:nvPr/>
+        </p:nvCxnSpPr>
+        <p:spPr>
+          <a:xfrm rot="16200000" flipH="1">
+            <a:off x="4889792" y="3970686"/>
+            <a:ext cx="407491" cy="1069215"/>
+          </a:xfrm>
+          <a:prstGeom prst="bentConnector2">
+            <a:avLst/>
+          </a:prstGeom>
+          <a:ln>
+            <a:solidFill>
+              <a:srgbClr val="002060"/>
+            </a:solidFill>
+            <a:tailEnd type="arrow"/>
+          </a:ln>
+        </p:spPr>
+        <p:style>
+          <a:lnRef idx="1">
+            <a:schemeClr val="accent1"/>
+          </a:lnRef>
+          <a:fillRef idx="0">
+            <a:schemeClr val="accent1"/>
+          </a:fillRef>
+          <a:effectRef idx="0">
+            <a:schemeClr val="accent1"/>
+          </a:effectRef>
+          <a:fontRef idx="minor">
+            <a:schemeClr val="tx1"/>
+          </a:fontRef>
+        </p:style>
+      </p:cxnSp>
+      <p:cxnSp>
+        <p:nvCxnSpPr>
+          <p:cNvPr id="76" name="Connettore 4 75"/>
+          <p:cNvCxnSpPr>
+            <a:stCxn id="47" idx="4"/>
+            <a:endCxn id="67" idx="2"/>
+          </p:cNvCxnSpPr>
+          <p:nvPr/>
+        </p:nvCxnSpPr>
+        <p:spPr>
+          <a:xfrm rot="16200000" flipH="1">
+            <a:off x="4339994" y="4176268"/>
+            <a:ext cx="971343" cy="1417442"/>
+          </a:xfrm>
+          <a:prstGeom prst="bentConnector2">
+            <a:avLst/>
+          </a:prstGeom>
+          <a:ln>
+            <a:solidFill>
+              <a:srgbClr val="002060"/>
+            </a:solidFill>
+            <a:tailEnd type="arrow"/>
+          </a:ln>
+        </p:spPr>
+        <p:style>
+          <a:lnRef idx="1">
+            <a:schemeClr val="accent1"/>
+          </a:lnRef>
+          <a:fillRef idx="0">
+            <a:schemeClr val="accent1"/>
+          </a:fillRef>
+          <a:effectRef idx="0">
+            <a:schemeClr val="accent1"/>
+          </a:effectRef>
+          <a:fontRef idx="minor">
+            <a:schemeClr val="tx1"/>
+          </a:fontRef>
+        </p:style>
+      </p:cxnSp>
+      <p:cxnSp>
+        <p:nvCxnSpPr>
+          <p:cNvPr id="88" name="Connettore 4 87"/>
+          <p:cNvCxnSpPr>
+            <a:stCxn id="64" idx="6"/>
+            <a:endCxn id="47" idx="3"/>
+          </p:cNvCxnSpPr>
+          <p:nvPr/>
+        </p:nvCxnSpPr>
+        <p:spPr>
+          <a:xfrm flipH="1">
+            <a:off x="3674958" y="2825019"/>
+            <a:ext cx="3029498" cy="1476530"/>
+          </a:xfrm>
+          <a:prstGeom prst="bentConnector4">
+            <a:avLst>
+              <a:gd name="adj1" fmla="val -27978"/>
+              <a:gd name="adj2" fmla="val 202135"/>
+            </a:avLst>
+          </a:prstGeom>
+          <a:ln>
+            <a:solidFill>
+              <a:srgbClr val="002060"/>
+            </a:solidFill>
+            <a:tailEnd type="arrow"/>
+          </a:ln>
+        </p:spPr>
+        <p:style>
+          <a:lnRef idx="1">
+            <a:schemeClr val="accent1"/>
+          </a:lnRef>
+          <a:fillRef idx="0">
+            <a:schemeClr val="accent1"/>
+          </a:fillRef>
+          <a:effectRef idx="0">
+            <a:schemeClr val="accent1"/>
+          </a:effectRef>
+          <a:fontRef idx="minor">
+            <a:schemeClr val="tx1"/>
+          </a:fontRef>
+        </p:style>
+      </p:cxnSp>
+      <p:cxnSp>
+        <p:nvCxnSpPr>
+          <p:cNvPr id="92" name="Connettore 2 91"/>
+          <p:cNvCxnSpPr>
+            <a:stCxn id="65" idx="6"/>
+          </p:cNvCxnSpPr>
+          <p:nvPr/>
+        </p:nvCxnSpPr>
+        <p:spPr>
+          <a:xfrm flipV="1">
+            <a:off x="6661705" y="3423719"/>
+            <a:ext cx="892795" cy="1"/>
+          </a:xfrm>
+          <a:prstGeom prst="straightConnector1">
+            <a:avLst/>
+          </a:prstGeom>
+          <a:ln>
+            <a:solidFill>
+              <a:srgbClr val="002060"/>
+            </a:solidFill>
+            <a:tailEnd type="arrow"/>
+          </a:ln>
+        </p:spPr>
+        <p:style>
+          <a:lnRef idx="1">
+            <a:schemeClr val="accent1"/>
+          </a:lnRef>
+          <a:fillRef idx="0">
+            <a:schemeClr val="accent1"/>
+          </a:fillRef>
+          <a:effectRef idx="0">
+            <a:schemeClr val="accent1"/>
+          </a:effectRef>
+          <a:fontRef idx="minor">
+            <a:schemeClr val="tx1"/>
+          </a:fontRef>
+        </p:style>
+      </p:cxnSp>
+      <p:cxnSp>
+        <p:nvCxnSpPr>
+          <p:cNvPr id="93" name="Connettore 2 92"/>
+          <p:cNvCxnSpPr>
+            <a:stCxn id="68" idx="6"/>
+          </p:cNvCxnSpPr>
+          <p:nvPr/>
+        </p:nvCxnSpPr>
+        <p:spPr>
+          <a:xfrm>
+            <a:off x="6812834" y="4065513"/>
+            <a:ext cx="741666" cy="1"/>
+          </a:xfrm>
+          <a:prstGeom prst="straightConnector1">
+            <a:avLst/>
+          </a:prstGeom>
+          <a:ln>
+            <a:solidFill>
+              <a:srgbClr val="002060"/>
+            </a:solidFill>
+            <a:tailEnd type="arrow"/>
+          </a:ln>
+        </p:spPr>
+        <p:style>
+          <a:lnRef idx="1">
+            <a:schemeClr val="accent1"/>
+          </a:lnRef>
+          <a:fillRef idx="0">
+            <a:schemeClr val="accent1"/>
+          </a:fillRef>
+          <a:effectRef idx="0">
+            <a:schemeClr val="accent1"/>
+          </a:effectRef>
+          <a:fontRef idx="minor">
+            <a:schemeClr val="tx1"/>
+          </a:fontRef>
+        </p:style>
+      </p:cxnSp>
+      <p:cxnSp>
+        <p:nvCxnSpPr>
+          <p:cNvPr id="97" name="Connettore 2 96"/>
+          <p:cNvCxnSpPr/>
+          <p:nvPr/>
+        </p:nvCxnSpPr>
+        <p:spPr>
+          <a:xfrm>
+            <a:off x="6951637" y="4692560"/>
+            <a:ext cx="602863" cy="16480"/>
+          </a:xfrm>
+          <a:prstGeom prst="straightConnector1">
+            <a:avLst/>
+          </a:prstGeom>
+          <a:ln>
+            <a:solidFill>
+              <a:srgbClr val="002060"/>
+            </a:solidFill>
+            <a:tailEnd type="arrow"/>
+          </a:ln>
+        </p:spPr>
+        <p:style>
+          <a:lnRef idx="1">
+            <a:schemeClr val="accent1"/>
+          </a:lnRef>
+          <a:fillRef idx="0">
+            <a:schemeClr val="accent1"/>
+          </a:fillRef>
+          <a:effectRef idx="0">
+            <a:schemeClr val="accent1"/>
+          </a:effectRef>
+          <a:fontRef idx="minor">
+            <a:schemeClr val="tx1"/>
+          </a:fontRef>
+        </p:style>
+      </p:cxnSp>
+      <p:cxnSp>
+        <p:nvCxnSpPr>
+          <p:cNvPr id="99" name="Connettore 2 98"/>
+          <p:cNvCxnSpPr/>
+          <p:nvPr/>
+        </p:nvCxnSpPr>
+        <p:spPr>
+          <a:xfrm flipV="1">
+            <a:off x="7269631" y="5370661"/>
+            <a:ext cx="284869" cy="14403"/>
+          </a:xfrm>
+          <a:prstGeom prst="straightConnector1">
+            <a:avLst/>
+          </a:prstGeom>
+          <a:ln>
+            <a:solidFill>
+              <a:srgbClr val="002060"/>
+            </a:solidFill>
+            <a:tailEnd type="arrow"/>
+          </a:ln>
+        </p:spPr>
+        <p:style>
+          <a:lnRef idx="1">
+            <a:schemeClr val="accent1"/>
+          </a:lnRef>
+          <a:fillRef idx="0">
+            <a:schemeClr val="accent1"/>
+          </a:fillRef>
+          <a:effectRef idx="0">
+            <a:schemeClr val="accent1"/>
+          </a:effectRef>
+          <a:fontRef idx="minor">
+            <a:schemeClr val="tx1"/>
+          </a:fontRef>
+        </p:style>
+      </p:cxnSp>
+      <p:cxnSp>
+        <p:nvCxnSpPr>
+          <p:cNvPr id="102" name="Connettore 2 101"/>
+          <p:cNvCxnSpPr>
+            <a:stCxn id="64" idx="6"/>
+          </p:cNvCxnSpPr>
+          <p:nvPr/>
+        </p:nvCxnSpPr>
+        <p:spPr>
+          <a:xfrm>
+            <a:off x="6704456" y="2825019"/>
+            <a:ext cx="850044" cy="0"/>
+          </a:xfrm>
+          <a:prstGeom prst="straightConnector1">
+            <a:avLst/>
+          </a:prstGeom>
+          <a:ln>
+            <a:solidFill>
+              <a:srgbClr val="002060"/>
+            </a:solidFill>
+            <a:tailEnd type="arrow"/>
+          </a:ln>
+        </p:spPr>
+        <p:style>
+          <a:lnRef idx="1">
+            <a:schemeClr val="accent1"/>
+          </a:lnRef>
+          <a:fillRef idx="0">
+            <a:schemeClr val="accent1"/>
+          </a:fillRef>
+          <a:effectRef idx="0">
+            <a:schemeClr val="accent1"/>
+          </a:effectRef>
+          <a:fontRef idx="minor">
+            <a:schemeClr val="tx1"/>
+          </a:fontRef>
+        </p:style>
+      </p:cxnSp>
+      <p:sp>
+        <p:nvSpPr>
+          <p:cNvPr id="105" name="CasellaDiTesto 104"/>
+          <p:cNvSpPr txBox="1"/>
+          <p:nvPr/>
+        </p:nvSpPr>
+        <p:spPr>
+          <a:xfrm>
+            <a:off x="4830691" y="3054389"/>
+            <a:ext cx="554960" cy="369332"/>
+          </a:xfrm>
+          <a:prstGeom prst="rect">
+            <a:avLst/>
+          </a:prstGeom>
+          <a:noFill/>
+        </p:spPr>
+        <p:txBody>
+          <a:bodyPr wrap="none" rtlCol="0">
+            <a:spAutoFit/>
+          </a:bodyPr>
+          <a:lstStyle/>
+          <a:p>
+            <a:r>
+              <a:rPr lang="it-IT" b="1" dirty="0" smtClean="0">
+                <a:solidFill>
+                  <a:srgbClr val="8A0000"/>
+                </a:solidFill>
+              </a:rPr>
+              <a:t>end</a:t>
+            </a:r>
+            <a:endParaRPr lang="en-GB" b="1" dirty="0">
+              <a:solidFill>
+                <a:srgbClr val="8A0000"/>
+              </a:solidFill>
+            </a:endParaRPr>
+          </a:p>
+        </p:txBody>
+      </p:sp>
+      <p:sp>
+        <p:nvSpPr>
+          <p:cNvPr id="106" name="CasellaDiTesto 105"/>
+          <p:cNvSpPr txBox="1"/>
+          <p:nvPr/>
+        </p:nvSpPr>
+        <p:spPr>
+          <a:xfrm>
+            <a:off x="4880684" y="3691250"/>
+            <a:ext cx="706988" cy="369332"/>
+          </a:xfrm>
+          <a:prstGeom prst="rect">
+            <a:avLst/>
+          </a:prstGeom>
+          <a:noFill/>
+        </p:spPr>
+        <p:txBody>
+          <a:bodyPr wrap="none" rtlCol="0">
+            <a:spAutoFit/>
+          </a:bodyPr>
+          <a:lstStyle/>
+          <a:p>
+            <a:r>
+              <a:rPr lang="it-IT" b="1" dirty="0" err="1" smtClean="0">
+                <a:solidFill>
+                  <a:srgbClr val="8A0000"/>
+                </a:solidFill>
+              </a:rPr>
+              <a:t>move</a:t>
+            </a:r>
+            <a:endParaRPr lang="en-GB" b="1" dirty="0">
+              <a:solidFill>
+                <a:srgbClr val="8A0000"/>
+              </a:solidFill>
+            </a:endParaRPr>
+          </a:p>
+        </p:txBody>
+      </p:sp>
+      <p:sp>
+        <p:nvSpPr>
+          <p:cNvPr id="107" name="CasellaDiTesto 106"/>
+          <p:cNvSpPr txBox="1"/>
+          <p:nvPr/>
+        </p:nvSpPr>
+        <p:spPr>
+          <a:xfrm>
+            <a:off x="4896016" y="4339708"/>
+            <a:ext cx="811441" cy="369332"/>
+          </a:xfrm>
+          <a:prstGeom prst="rect">
+            <a:avLst/>
+          </a:prstGeom>
+          <a:noFill/>
+        </p:spPr>
+        <p:txBody>
+          <a:bodyPr wrap="none" rtlCol="0">
+            <a:spAutoFit/>
+          </a:bodyPr>
+          <a:lstStyle/>
+          <a:p>
+            <a:r>
+              <a:rPr lang="it-IT" b="1" dirty="0" err="1" smtClean="0">
+                <a:solidFill>
+                  <a:srgbClr val="8A0000"/>
+                </a:solidFill>
+              </a:rPr>
+              <a:t>sensor</a:t>
+            </a:r>
+            <a:endParaRPr lang="en-GB" b="1" dirty="0">
+              <a:solidFill>
+                <a:srgbClr val="8A0000"/>
+              </a:solidFill>
+            </a:endParaRPr>
+          </a:p>
+        </p:txBody>
+      </p:sp>
+      <p:sp>
+        <p:nvSpPr>
+          <p:cNvPr id="108" name="CasellaDiTesto 107"/>
+          <p:cNvSpPr txBox="1"/>
+          <p:nvPr/>
+        </p:nvSpPr>
+        <p:spPr>
+          <a:xfrm>
+            <a:off x="4479473" y="4974474"/>
+            <a:ext cx="1027845" cy="369332"/>
+          </a:xfrm>
+          <a:prstGeom prst="rect">
+            <a:avLst/>
+          </a:prstGeom>
+          <a:noFill/>
+        </p:spPr>
+        <p:txBody>
+          <a:bodyPr wrap="none" rtlCol="0">
+            <a:spAutoFit/>
+          </a:bodyPr>
+          <a:lstStyle/>
+          <a:p>
+            <a:r>
+              <a:rPr lang="it-IT" b="1" dirty="0" err="1" smtClean="0">
+                <a:solidFill>
+                  <a:srgbClr val="8A0000"/>
+                </a:solidFill>
+              </a:rPr>
+              <a:t>collision</a:t>
+            </a:r>
+            <a:endParaRPr lang="en-GB" b="1" dirty="0">
+              <a:solidFill>
+                <a:srgbClr val="8A0000"/>
+              </a:solidFill>
+            </a:endParaRPr>
+          </a:p>
+        </p:txBody>
+      </p:sp>
+      <p:sp>
+        <p:nvSpPr>
+          <p:cNvPr id="130" name="Rectangle 5">
+            <a:extLst>
+              <a:ext uri="{FF2B5EF4-FFF2-40B4-BE49-F238E27FC236}">
+                <a16:creationId xmlns:a16="http://schemas.microsoft.com/office/drawing/2014/main" xmlns="" id="{9529310F-209D-4FC3-82E8-EEC7E3A85851}"/>
+              </a:ext>
+            </a:extLst>
+          </p:cNvPr>
+          <p:cNvSpPr>
+            <a:spLocks noChangeArrowheads="1"/>
+          </p:cNvSpPr>
+          <p:nvPr/>
+        </p:nvSpPr>
+        <p:spPr bwMode="auto">
+          <a:xfrm>
+            <a:off x="7632601" y="4092203"/>
+            <a:ext cx="760144" cy="307777"/>
+          </a:xfrm>
+          <a:prstGeom prst="rect">
+            <a:avLst/>
+          </a:prstGeom>
+          <a:noFill/>
+        </p:spPr>
+        <p:txBody>
+          <a:bodyPr wrap="none" rtlCol="0">
+            <a:spAutoFit/>
+          </a:bodyPr>
+          <a:lstStyle/>
+          <a:p>
+            <a:r>
+              <a:rPr lang="en-US" altLang="en-US" sz="1400" dirty="0" smtClean="0">
+                <a:latin typeface="Symbol" panose="05050102010706020507" pitchFamily="18" charset="2"/>
+                <a:cs typeface="Arial" panose="020B0604020202020204" pitchFamily="34" charset="0"/>
+              </a:rPr>
+              <a:t>e</a:t>
+            </a:r>
+            <a:r>
+              <a:rPr lang="en-US" altLang="en-US" sz="1400" dirty="0" smtClean="0">
+                <a:latin typeface="Arial" panose="020B0604020202020204" pitchFamily="34" charset="0"/>
+                <a:cs typeface="Arial" panose="020B0604020202020204" pitchFamily="34" charset="0"/>
+              </a:rPr>
+              <a:t>-move</a:t>
+            </a:r>
+            <a:endParaRPr lang="en-US" altLang="en-US" sz="1400" dirty="0">
+              <a:latin typeface="Arial" panose="020B0604020202020204" pitchFamily="34" charset="0"/>
+              <a:cs typeface="Arial" panose="020B0604020202020204" pitchFamily="34" charset="0"/>
+            </a:endParaRPr>
+          </a:p>
+        </p:txBody>
+      </p:sp>
+    </p:spTree>
+    <p:extLst>
+      <p:ext uri="{BB962C8B-B14F-4D97-AF65-F5344CB8AC3E}">
+        <p14:creationId xmlns:p14="http://schemas.microsoft.com/office/powerpoint/2010/main" val="1639865590"/>
+      </p:ext>
+    </p:extLst>
+  </p:cSld>
+  <p:clrMapOvr>
+    <a:masterClrMapping/>
+  </p:clrMapOvr>
+</p:sld>
+</file>
+
+<file path=ppt/slides/slide27.xml><?xml version="1.0" encoding="utf-8"?>
+<p:sld xmlns:a="http://schemas.openxmlformats.org/drawingml/2006/main" xmlns:r="http://schemas.openxmlformats.org/officeDocument/2006/relationships" xmlns:p="http://schemas.openxmlformats.org/presentationml/2006/main">
+  <p:cSld>
+    <p:spTree>
+      <p:nvGrpSpPr>
+        <p:cNvPr id="1" name=""/>
+        <p:cNvGrpSpPr/>
+        <p:nvPr/>
+      </p:nvGrpSpPr>
+      <p:grpSpPr>
+        <a:xfrm>
+          <a:off x="0" y="0"/>
+          <a:ext cx="0" cy="0"/>
+          <a:chOff x="0" y="0"/>
+          <a:chExt cx="0" cy="0"/>
+        </a:xfrm>
+      </p:grpSpPr>
+      <p:sp>
+        <p:nvSpPr>
+          <p:cNvPr id="2" name="Segnaposto piè di pagina 1"/>
+          <p:cNvSpPr>
+            <a:spLocks noGrp="1"/>
+          </p:cNvSpPr>
+          <p:nvPr>
+            <p:ph type="ftr" sz="quarter" idx="11"/>
+          </p:nvPr>
+        </p:nvSpPr>
+        <p:spPr/>
+        <p:txBody>
+          <a:bodyPr/>
+          <a:lstStyle/>
+          <a:p>
+            <a:r>
+              <a:rPr lang="it-IT"/>
+              <a:t>ANatali  - DISI - ISSM2020  Univeristy of Bologna</a:t>
+            </a:r>
+            <a:endParaRPr lang="en-GB"/>
+          </a:p>
+        </p:txBody>
+      </p:sp>
+      <p:sp>
+        <p:nvSpPr>
+          <p:cNvPr id="3" name="Segnaposto numero diapositiva 2"/>
+          <p:cNvSpPr>
+            <a:spLocks noGrp="1"/>
+          </p:cNvSpPr>
+          <p:nvPr>
+            <p:ph type="sldNum" sz="quarter" idx="12"/>
+          </p:nvPr>
+        </p:nvSpPr>
+        <p:spPr/>
+        <p:txBody>
+          <a:bodyPr/>
+          <a:lstStyle/>
+          <a:p>
+            <a:fld id="{6F6A5AB3-AF76-4EC9-853D-D4C335162C13}" type="slidenum">
+              <a:rPr lang="en-GB" smtClean="0"/>
+              <a:t>27</a:t>
             </a:fld>
             <a:endParaRPr lang="en-GB"/>
           </a:p>
@@ -13786,7 +15722,7 @@
 </p:sld>
 </file>
 
-<file path=ppt/slides/slide27.xml><?xml version="1.0" encoding="utf-8"?>
+<file path=ppt/slides/slide28.xml><?xml version="1.0" encoding="utf-8"?>
 <p:sld xmlns:a="http://schemas.openxmlformats.org/drawingml/2006/main" xmlns:r="http://schemas.openxmlformats.org/officeDocument/2006/relationships" xmlns:p="http://schemas.openxmlformats.org/presentationml/2006/main">
   <p:cSld>
     <p:spTree>
@@ -14000,7 +15936,7 @@
           <a:p>
             <a:fld id="{6F6A5AB3-AF76-4EC9-853D-D4C335162C13}" type="slidenum">
               <a:rPr lang="en-GB" smtClean="0"/>
-              <a:t>27</a:t>
+              <a:t>28</a:t>
             </a:fld>
             <a:endParaRPr lang="en-GB"/>
           </a:p>

--- a/it.unibo.issLabStart/userDocs/ISSM2020.pptx
+++ b/it.unibo.issLabStart/userDocs/ISSM2020.pptx
@@ -5,10 +5,10 @@
     <p:sldMasterId id="2147483804" r:id="rId1"/>
   </p:sldMasterIdLst>
   <p:notesMasterIdLst>
-    <p:notesMasterId r:id="rId30"/>
+    <p:notesMasterId r:id="rId31"/>
   </p:notesMasterIdLst>
   <p:handoutMasterIdLst>
-    <p:handoutMasterId r:id="rId31"/>
+    <p:handoutMasterId r:id="rId32"/>
   </p:handoutMasterIdLst>
   <p:sldIdLst>
     <p:sldId id="256" r:id="rId2"/>
@@ -37,8 +37,9 @@
     <p:sldId id="280" r:id="rId25"/>
     <p:sldId id="282" r:id="rId26"/>
     <p:sldId id="284" r:id="rId27"/>
-    <p:sldId id="283" r:id="rId28"/>
-    <p:sldId id="281" r:id="rId29"/>
+    <p:sldId id="285" r:id="rId28"/>
+    <p:sldId id="283" r:id="rId29"/>
+    <p:sldId id="281" r:id="rId30"/>
   </p:sldIdLst>
   <p:sldSz cx="9144000" cy="6858000" type="screen4x3"/>
   <p:notesSz cx="6858000" cy="9144000"/>
@@ -139,7 +140,7 @@
   </p:defaultTextStyle>
   <p:extLst>
     <p:ext uri="{EFAFB233-063F-42B5-8137-9DF3F51BA10A}">
-      <p15:sldGuideLst xmlns:p15="http://schemas.microsoft.com/office/powerpoint/2012/main" xmlns="">
+      <p15:sldGuideLst xmlns:p15="http://schemas.microsoft.com/office/powerpoint/2012/main">
         <p15:guide id="1" orient="horz" pos="2160">
           <p15:clr>
             <a:srgbClr val="A4A3A4"/>
@@ -304,7 +305,7 @@
           <a:p>
             <a:fld id="{661B1FA1-FFFF-470E-82D0-53E008B5CA59}" type="slidenum">
               <a:rPr lang="en-GB" smtClean="0"/>
-              <a:t>‹N›</a:t>
+              <a:t>‹#›</a:t>
             </a:fld>
             <a:endParaRPr lang="en-GB"/>
           </a:p>
@@ -563,7 +564,7 @@
           <a:p>
             <a:fld id="{5D547B64-7F69-451B-8351-3B4EE3E72C48}" type="slidenum">
               <a:rPr lang="en-GB" smtClean="0"/>
-              <a:t>‹N›</a:t>
+              <a:t>‹#›</a:t>
             </a:fld>
             <a:endParaRPr lang="en-GB"/>
           </a:p>
@@ -1026,7 +1027,7 @@
           <a:p>
             <a:fld id="{6F6A5AB3-AF76-4EC9-853D-D4C335162C13}" type="slidenum">
               <a:rPr lang="en-GB" smtClean="0"/>
-              <a:t>‹N›</a:t>
+              <a:t>‹#›</a:t>
             </a:fld>
             <a:endParaRPr lang="en-GB"/>
           </a:p>
@@ -1373,7 +1374,7 @@
           <a:p>
             <a:fld id="{6F6A5AB3-AF76-4EC9-853D-D4C335162C13}" type="slidenum">
               <a:rPr lang="en-GB" smtClean="0"/>
-              <a:t>‹N›</a:t>
+              <a:t>‹#›</a:t>
             </a:fld>
             <a:endParaRPr lang="en-GB"/>
           </a:p>
@@ -1552,7 +1553,7 @@
           <a:p>
             <a:fld id="{6F6A5AB3-AF76-4EC9-853D-D4C335162C13}" type="slidenum">
               <a:rPr lang="en-GB" smtClean="0"/>
-              <a:t>‹N›</a:t>
+              <a:t>‹#›</a:t>
             </a:fld>
             <a:endParaRPr lang="en-GB"/>
           </a:p>
@@ -1669,7 +1670,7 @@
           <a:p>
             <a:fld id="{6F6A5AB3-AF76-4EC9-853D-D4C335162C13}" type="slidenum">
               <a:rPr lang="en-GB" smtClean="0"/>
-              <a:t>‹N›</a:t>
+              <a:t>‹#›</a:t>
             </a:fld>
             <a:endParaRPr lang="en-GB"/>
           </a:p>
@@ -2183,7 +2184,7 @@
           <a:p>
             <a:fld id="{6F6A5AB3-AF76-4EC9-853D-D4C335162C13}" type="slidenum">
               <a:rPr lang="en-GB" smtClean="0"/>
-              <a:t>‹N›</a:t>
+              <a:t>‹#›</a:t>
             </a:fld>
             <a:endParaRPr lang="en-GB"/>
           </a:p>
@@ -2300,7 +2301,7 @@
           <a:p>
             <a:fld id="{6F6A5AB3-AF76-4EC9-853D-D4C335162C13}" type="slidenum">
               <a:rPr lang="en-GB" smtClean="0"/>
-              <a:t>‹N›</a:t>
+              <a:t>‹#›</a:t>
             </a:fld>
             <a:endParaRPr lang="en-GB"/>
           </a:p>
@@ -2666,7 +2667,7 @@
           <a:p>
             <a:fld id="{6F6A5AB3-AF76-4EC9-853D-D4C335162C13}" type="slidenum">
               <a:rPr lang="en-GB" smtClean="0"/>
-              <a:t>‹N›</a:t>
+              <a:t>‹#›</a:t>
             </a:fld>
             <a:endParaRPr lang="en-GB"/>
           </a:p>
@@ -2897,7 +2898,7 @@
           <a:p>
             <a:fld id="{6F6A5AB3-AF76-4EC9-853D-D4C335162C13}" type="slidenum">
               <a:rPr lang="en-GB" smtClean="0"/>
-              <a:t>‹N›</a:t>
+              <a:t>‹#›</a:t>
             </a:fld>
             <a:endParaRPr lang="en-GB"/>
           </a:p>
@@ -2991,7 +2992,7 @@
           <a:p>
             <a:fld id="{6F6A5AB3-AF76-4EC9-853D-D4C335162C13}" type="slidenum">
               <a:rPr lang="en-GB" smtClean="0"/>
-              <a:t>‹N›</a:t>
+              <a:t>‹#›</a:t>
             </a:fld>
             <a:endParaRPr lang="en-GB"/>
           </a:p>
@@ -3262,7 +3263,7 @@
           <a:p>
             <a:fld id="{6F6A5AB3-AF76-4EC9-853D-D4C335162C13}" type="slidenum">
               <a:rPr lang="en-GB" smtClean="0"/>
-              <a:t>‹N›</a:t>
+              <a:t>‹#›</a:t>
             </a:fld>
             <a:endParaRPr lang="en-GB"/>
           </a:p>
@@ -3504,7 +3505,7 @@
           <a:p>
             <a:fld id="{6F6A5AB3-AF76-4EC9-853D-D4C335162C13}" type="slidenum">
               <a:rPr lang="en-GB" smtClean="0"/>
-              <a:t>‹N›</a:t>
+              <a:t>‹#›</a:t>
             </a:fld>
             <a:endParaRPr lang="en-GB"/>
           </a:p>
@@ -4037,7 +4038,7 @@
           <a:p>
             <a:fld id="{6F6A5AB3-AF76-4EC9-853D-D4C335162C13}" type="slidenum">
               <a:rPr lang="en-GB" smtClean="0"/>
-              <a:t>‹N›</a:t>
+              <a:t>‹#›</a:t>
             </a:fld>
             <a:endParaRPr lang="en-GB"/>
           </a:p>
@@ -11775,7 +11776,7 @@
           <p:cNvPr id="22" name="Gruppo 82">
             <a:extLst>
               <a:ext uri="{FF2B5EF4-FFF2-40B4-BE49-F238E27FC236}">
-                <a16:creationId xmlns:a16="http://schemas.microsoft.com/office/drawing/2014/main" xmlns="" id="{D2ACE5A8-9046-43C9-855F-EC0E0754E6E4}"/>
+                <a16:creationId xmlns:a16="http://schemas.microsoft.com/office/drawing/2014/main" id="{D2ACE5A8-9046-43C9-855F-EC0E0754E6E4}"/>
               </a:ext>
             </a:extLst>
           </p:cNvPr>
@@ -11795,7 +11796,7 @@
             <p:cNvPr id="23" name="Ovale 38">
               <a:extLst>
                 <a:ext uri="{FF2B5EF4-FFF2-40B4-BE49-F238E27FC236}">
-                  <a16:creationId xmlns:a16="http://schemas.microsoft.com/office/drawing/2014/main" xmlns="" id="{A3C33013-DAC5-4DE5-9575-78DF66227DDF}"/>
+                  <a16:creationId xmlns:a16="http://schemas.microsoft.com/office/drawing/2014/main" id="{A3C33013-DAC5-4DE5-9575-78DF66227DDF}"/>
                 </a:ext>
               </a:extLst>
             </p:cNvPr>
@@ -11846,7 +11847,7 @@
             <p:cNvPr id="24" name="Rettangolo 39">
               <a:extLst>
                 <a:ext uri="{FF2B5EF4-FFF2-40B4-BE49-F238E27FC236}">
-                  <a16:creationId xmlns:a16="http://schemas.microsoft.com/office/drawing/2014/main" xmlns="" id="{94A5922D-9265-4A79-9770-BC1C16A107CA}"/>
+                  <a16:creationId xmlns:a16="http://schemas.microsoft.com/office/drawing/2014/main" id="{94A5922D-9265-4A79-9770-BC1C16A107CA}"/>
                 </a:ext>
               </a:extLst>
             </p:cNvPr>
@@ -11894,7 +11895,7 @@
             <p:cNvPr id="25" name="Triangolo isoscele 42">
               <a:extLst>
                 <a:ext uri="{FF2B5EF4-FFF2-40B4-BE49-F238E27FC236}">
-                  <a16:creationId xmlns:a16="http://schemas.microsoft.com/office/drawing/2014/main" xmlns="" id="{A0FD7BD4-A807-4F3B-A3BC-009F1B02A9D4}"/>
+                  <a16:creationId xmlns:a16="http://schemas.microsoft.com/office/drawing/2014/main" id="{A0FD7BD4-A807-4F3B-A3BC-009F1B02A9D4}"/>
                 </a:ext>
               </a:extLst>
             </p:cNvPr>
@@ -11947,7 +11948,7 @@
           <p:cNvPr id="26" name="Ovale 33">
             <a:extLst>
               <a:ext uri="{FF2B5EF4-FFF2-40B4-BE49-F238E27FC236}">
-                <a16:creationId xmlns:a16="http://schemas.microsoft.com/office/drawing/2014/main" xmlns="" id="{EE7E7EAA-6204-4C59-9F31-DF632E43B747}"/>
+                <a16:creationId xmlns:a16="http://schemas.microsoft.com/office/drawing/2014/main" id="{EE7E7EAA-6204-4C59-9F31-DF632E43B747}"/>
               </a:ext>
             </a:extLst>
           </p:cNvPr>
@@ -11995,7 +11996,7 @@
           <p:cNvPr id="28" name="CasellaDiTesto 19">
             <a:extLst>
               <a:ext uri="{FF2B5EF4-FFF2-40B4-BE49-F238E27FC236}">
-                <a16:creationId xmlns:a16="http://schemas.microsoft.com/office/drawing/2014/main" xmlns="" id="{7B23BAA7-7D89-43BE-B88E-D25D840BA294}"/>
+                <a16:creationId xmlns:a16="http://schemas.microsoft.com/office/drawing/2014/main" id="{7B23BAA7-7D89-43BE-B88E-D25D840BA294}"/>
               </a:ext>
             </a:extLst>
           </p:cNvPr>
@@ -12031,7 +12032,7 @@
           <p:cNvPr id="10" name="Rectangle 4">
             <a:extLst>
               <a:ext uri="{FF2B5EF4-FFF2-40B4-BE49-F238E27FC236}">
-                <a16:creationId xmlns:a16="http://schemas.microsoft.com/office/drawing/2014/main" xmlns="" id="{9285CE8F-211F-4A96-BEFB-E42C50887C6A}"/>
+                <a16:creationId xmlns:a16="http://schemas.microsoft.com/office/drawing/2014/main" id="{9285CE8F-211F-4A96-BEFB-E42C50887C6A}"/>
               </a:ext>
             </a:extLst>
           </p:cNvPr>
@@ -12090,7 +12091,7 @@
           <p:cNvPr id="29" name="Connettore 2 126">
             <a:extLst>
               <a:ext uri="{FF2B5EF4-FFF2-40B4-BE49-F238E27FC236}">
-                <a16:creationId xmlns:a16="http://schemas.microsoft.com/office/drawing/2014/main" xmlns="" id="{0AA0E6A2-F525-4C64-9B41-8AAC54C8346D}"/>
+                <a16:creationId xmlns:a16="http://schemas.microsoft.com/office/drawing/2014/main" id="{0AA0E6A2-F525-4C64-9B41-8AAC54C8346D}"/>
               </a:ext>
             </a:extLst>
           </p:cNvPr>
@@ -12133,7 +12134,7 @@
           <p:cNvPr id="30" name="Connettore 2 9">
             <a:extLst>
               <a:ext uri="{FF2B5EF4-FFF2-40B4-BE49-F238E27FC236}">
-                <a16:creationId xmlns:a16="http://schemas.microsoft.com/office/drawing/2014/main" xmlns="" id="{01EF4D93-4E7B-4DFB-AE38-808AA1CF2663}"/>
+                <a16:creationId xmlns:a16="http://schemas.microsoft.com/office/drawing/2014/main" id="{01EF4D93-4E7B-4DFB-AE38-808AA1CF2663}"/>
               </a:ext>
             </a:extLst>
           </p:cNvPr>
@@ -12174,7 +12175,7 @@
           <p:cNvPr id="33" name="Rectangle 5">
             <a:extLst>
               <a:ext uri="{FF2B5EF4-FFF2-40B4-BE49-F238E27FC236}">
-                <a16:creationId xmlns:a16="http://schemas.microsoft.com/office/drawing/2014/main" xmlns="" id="{663699FD-7F2E-4DD1-B4BF-227A041C24B8}"/>
+                <a16:creationId xmlns:a16="http://schemas.microsoft.com/office/drawing/2014/main" id="{663699FD-7F2E-4DD1-B4BF-227A041C24B8}"/>
               </a:ext>
             </a:extLst>
           </p:cNvPr>
@@ -12247,7 +12248,7 @@
           <p:cNvPr id="36" name="Rectangle 4">
             <a:extLst>
               <a:ext uri="{FF2B5EF4-FFF2-40B4-BE49-F238E27FC236}">
-                <a16:creationId xmlns:a16="http://schemas.microsoft.com/office/drawing/2014/main" xmlns="" id="{751C612F-85E8-46CD-9D97-711C49FABD7D}"/>
+                <a16:creationId xmlns:a16="http://schemas.microsoft.com/office/drawing/2014/main" id="{751C612F-85E8-46CD-9D97-711C49FABD7D}"/>
               </a:ext>
             </a:extLst>
           </p:cNvPr>
@@ -12294,7 +12295,7 @@
           <p:cNvPr id="38" name="Ovale 33">
             <a:extLst>
               <a:ext uri="{FF2B5EF4-FFF2-40B4-BE49-F238E27FC236}">
-                <a16:creationId xmlns:a16="http://schemas.microsoft.com/office/drawing/2014/main" xmlns="" id="{AE821BAD-5AB7-466B-8291-7E14ADF08024}"/>
+                <a16:creationId xmlns:a16="http://schemas.microsoft.com/office/drawing/2014/main" id="{AE821BAD-5AB7-466B-8291-7E14ADF08024}"/>
               </a:ext>
             </a:extLst>
           </p:cNvPr>
@@ -12342,7 +12343,7 @@
           <p:cNvPr id="39" name="CasellaDiTesto 19">
             <a:extLst>
               <a:ext uri="{FF2B5EF4-FFF2-40B4-BE49-F238E27FC236}">
-                <a16:creationId xmlns:a16="http://schemas.microsoft.com/office/drawing/2014/main" xmlns="" id="{EF542A0F-AE9B-4720-A22D-4000E774217C}"/>
+                <a16:creationId xmlns:a16="http://schemas.microsoft.com/office/drawing/2014/main" id="{EF542A0F-AE9B-4720-A22D-4000E774217C}"/>
               </a:ext>
             </a:extLst>
           </p:cNvPr>
@@ -12378,7 +12379,7 @@
           <p:cNvPr id="40" name="Rectangle 4">
             <a:extLst>
               <a:ext uri="{FF2B5EF4-FFF2-40B4-BE49-F238E27FC236}">
-                <a16:creationId xmlns:a16="http://schemas.microsoft.com/office/drawing/2014/main" xmlns="" id="{DC75D623-1BEE-420F-8F7A-642F64C29300}"/>
+                <a16:creationId xmlns:a16="http://schemas.microsoft.com/office/drawing/2014/main" id="{DC75D623-1BEE-420F-8F7A-642F64C29300}"/>
               </a:ext>
             </a:extLst>
           </p:cNvPr>
@@ -12463,7 +12464,7 @@
           <p:cNvPr id="41" name="Connettore 2 126">
             <a:extLst>
               <a:ext uri="{FF2B5EF4-FFF2-40B4-BE49-F238E27FC236}">
-                <a16:creationId xmlns:a16="http://schemas.microsoft.com/office/drawing/2014/main" xmlns="" id="{B9484729-5BBF-42A0-9532-D074E8F64D0C}"/>
+                <a16:creationId xmlns:a16="http://schemas.microsoft.com/office/drawing/2014/main" id="{B9484729-5BBF-42A0-9532-D074E8F64D0C}"/>
               </a:ext>
             </a:extLst>
           </p:cNvPr>
@@ -12506,7 +12507,7 @@
           <p:cNvPr id="42" name="Connettore 2 9">
             <a:extLst>
               <a:ext uri="{FF2B5EF4-FFF2-40B4-BE49-F238E27FC236}">
-                <a16:creationId xmlns:a16="http://schemas.microsoft.com/office/drawing/2014/main" xmlns="" id="{2227C48D-AA34-4D81-9873-E2E1601CDD36}"/>
+                <a16:creationId xmlns:a16="http://schemas.microsoft.com/office/drawing/2014/main" id="{2227C48D-AA34-4D81-9873-E2E1601CDD36}"/>
               </a:ext>
             </a:extLst>
           </p:cNvPr>
@@ -12526,6 +12527,9 @@
             <a:avLst/>
           </a:prstGeom>
           <a:ln>
+            <a:solidFill>
+              <a:srgbClr val="002060"/>
+            </a:solidFill>
             <a:tailEnd type="arrow"/>
           </a:ln>
         </p:spPr>
@@ -12549,7 +12553,7 @@
           <p:cNvPr id="43" name="Rectangle 5">
             <a:extLst>
               <a:ext uri="{FF2B5EF4-FFF2-40B4-BE49-F238E27FC236}">
-                <a16:creationId xmlns:a16="http://schemas.microsoft.com/office/drawing/2014/main" xmlns="" id="{FDD84F83-30AC-4BF9-B9FF-5314654605F2}"/>
+                <a16:creationId xmlns:a16="http://schemas.microsoft.com/office/drawing/2014/main" id="{FDD84F83-30AC-4BF9-B9FF-5314654605F2}"/>
               </a:ext>
             </a:extLst>
           </p:cNvPr>
@@ -12610,7 +12614,7 @@
           <p:cNvPr id="45" name="Rectangle 5">
             <a:extLst>
               <a:ext uri="{FF2B5EF4-FFF2-40B4-BE49-F238E27FC236}">
-                <a16:creationId xmlns:a16="http://schemas.microsoft.com/office/drawing/2014/main" xmlns="" id="{E24D6CA4-2BC9-4AE1-95CB-AED96FDB9560}"/>
+                <a16:creationId xmlns:a16="http://schemas.microsoft.com/office/drawing/2014/main" id="{E24D6CA4-2BC9-4AE1-95CB-AED96FDB9560}"/>
               </a:ext>
             </a:extLst>
           </p:cNvPr>
@@ -12650,7 +12654,7 @@
           <p:cNvPr id="46" name="Ovale 33">
             <a:extLst>
               <a:ext uri="{FF2B5EF4-FFF2-40B4-BE49-F238E27FC236}">
-                <a16:creationId xmlns:a16="http://schemas.microsoft.com/office/drawing/2014/main" xmlns="" id="{9DB22A3B-B6A7-4E63-A408-51B043370910}"/>
+                <a16:creationId xmlns:a16="http://schemas.microsoft.com/office/drawing/2014/main" id="{9DB22A3B-B6A7-4E63-A408-51B043370910}"/>
               </a:ext>
             </a:extLst>
           </p:cNvPr>
@@ -12698,7 +12702,7 @@
           <p:cNvPr id="48" name="Straight Arrow Connector 47">
             <a:extLst>
               <a:ext uri="{FF2B5EF4-FFF2-40B4-BE49-F238E27FC236}">
-                <a16:creationId xmlns:a16="http://schemas.microsoft.com/office/drawing/2014/main" xmlns="" id="{68E3D2D9-1905-4E34-9DAF-86766AC88CC1}"/>
+                <a16:creationId xmlns:a16="http://schemas.microsoft.com/office/drawing/2014/main" id="{68E3D2D9-1905-4E34-9DAF-86766AC88CC1}"/>
               </a:ext>
             </a:extLst>
           </p:cNvPr>
@@ -12740,7 +12744,7 @@
           <p:cNvPr id="52" name="Rectangle 5">
             <a:extLst>
               <a:ext uri="{FF2B5EF4-FFF2-40B4-BE49-F238E27FC236}">
-                <a16:creationId xmlns:a16="http://schemas.microsoft.com/office/drawing/2014/main" xmlns="" id="{9529310F-209D-4FC3-82E8-EEC7E3A85851}"/>
+                <a16:creationId xmlns:a16="http://schemas.microsoft.com/office/drawing/2014/main" id="{9529310F-209D-4FC3-82E8-EEC7E3A85851}"/>
               </a:ext>
             </a:extLst>
           </p:cNvPr>
@@ -12780,7 +12784,7 @@
           <p:cNvPr id="53" name="Ovale 33">
             <a:extLst>
               <a:ext uri="{FF2B5EF4-FFF2-40B4-BE49-F238E27FC236}">
-                <a16:creationId xmlns:a16="http://schemas.microsoft.com/office/drawing/2014/main" xmlns="" id="{435D5F9E-A655-4DD7-851D-B11A8F169495}"/>
+                <a16:creationId xmlns:a16="http://schemas.microsoft.com/office/drawing/2014/main" id="{435D5F9E-A655-4DD7-851D-B11A8F169495}"/>
               </a:ext>
             </a:extLst>
           </p:cNvPr>
@@ -12828,7 +12832,7 @@
           <p:cNvPr id="54" name="Straight Arrow Connector 53">
             <a:extLst>
               <a:ext uri="{FF2B5EF4-FFF2-40B4-BE49-F238E27FC236}">
-                <a16:creationId xmlns:a16="http://schemas.microsoft.com/office/drawing/2014/main" xmlns="" id="{5F862CA7-7927-4E0C-A697-C0E183A98073}"/>
+                <a16:creationId xmlns:a16="http://schemas.microsoft.com/office/drawing/2014/main" id="{5F862CA7-7927-4E0C-A697-C0E183A98073}"/>
               </a:ext>
             </a:extLst>
           </p:cNvPr>
@@ -12869,7 +12873,7 @@
           <p:cNvPr id="57" name="Connector: Elbow 56">
             <a:extLst>
               <a:ext uri="{FF2B5EF4-FFF2-40B4-BE49-F238E27FC236}">
-                <a16:creationId xmlns:a16="http://schemas.microsoft.com/office/drawing/2014/main" xmlns="" id="{CDFFCB79-ECE8-451E-A967-EFE490B3417F}"/>
+                <a16:creationId xmlns:a16="http://schemas.microsoft.com/office/drawing/2014/main" id="{CDFFCB79-ECE8-451E-A967-EFE490B3417F}"/>
               </a:ext>
             </a:extLst>
           </p:cNvPr>
@@ -12915,7 +12919,7 @@
           <p:cNvPr id="60" name="Oval 59">
             <a:extLst>
               <a:ext uri="{FF2B5EF4-FFF2-40B4-BE49-F238E27FC236}">
-                <a16:creationId xmlns:a16="http://schemas.microsoft.com/office/drawing/2014/main" xmlns="" id="{14ACD13F-7496-4B90-AE98-8683062A6B76}"/>
+                <a16:creationId xmlns:a16="http://schemas.microsoft.com/office/drawing/2014/main" id="{14ACD13F-7496-4B90-AE98-8683062A6B76}"/>
               </a:ext>
             </a:extLst>
           </p:cNvPr>
@@ -12969,7 +12973,7 @@
           <p:cNvPr id="35" name="Connettore 2 92">
             <a:extLst>
               <a:ext uri="{FF2B5EF4-FFF2-40B4-BE49-F238E27FC236}">
-                <a16:creationId xmlns:a16="http://schemas.microsoft.com/office/drawing/2014/main" xmlns="" id="{D129B3F1-E984-4808-8DB5-56CC7FF47729}"/>
+                <a16:creationId xmlns:a16="http://schemas.microsoft.com/office/drawing/2014/main" id="{D129B3F1-E984-4808-8DB5-56CC7FF47729}"/>
               </a:ext>
             </a:extLst>
           </p:cNvPr>
@@ -13009,7 +13013,7 @@
           <p:cNvPr id="75" name="Rectangle 5">
             <a:extLst>
               <a:ext uri="{FF2B5EF4-FFF2-40B4-BE49-F238E27FC236}">
-                <a16:creationId xmlns:a16="http://schemas.microsoft.com/office/drawing/2014/main" xmlns="" id="{D7416450-7D3D-45F7-A403-375C44C4136F}"/>
+                <a16:creationId xmlns:a16="http://schemas.microsoft.com/office/drawing/2014/main" id="{D7416450-7D3D-45F7-A403-375C44C4136F}"/>
               </a:ext>
             </a:extLst>
           </p:cNvPr>
@@ -13020,8 +13024,8 @@
         </p:nvSpPr>
         <p:spPr bwMode="auto">
           <a:xfrm>
-            <a:off x="1485750" y="5441310"/>
-            <a:ext cx="2582193" cy="523220"/>
+            <a:off x="1485751" y="5441310"/>
+            <a:ext cx="1540684" cy="523220"/>
           </a:xfrm>
           <a:prstGeom prst="rect">
             <a:avLst/>
@@ -13049,10 +13053,20 @@
                 <a:latin typeface="Arial" panose="020B0604020202020204" pitchFamily="34" charset="0"/>
                 <a:cs typeface="Arial" panose="020B0604020202020204" pitchFamily="34" charset="0"/>
               </a:rPr>
-              <a:t>( NAME, DISTANCE)</a:t>
-            </a:r>
-          </a:p>
-          <a:p>
+              <a:t> ….</a:t>
+            </a:r>
+          </a:p>
+          <a:p>
+            <a:r>
+              <a:rPr lang="en-US" altLang="en-US" sz="1400" b="1" dirty="0" err="1">
+                <a:solidFill>
+                  <a:srgbClr val="00B050"/>
+                </a:solidFill>
+                <a:latin typeface="Arial" panose="020B0604020202020204" pitchFamily="34" charset="0"/>
+                <a:cs typeface="Arial" panose="020B0604020202020204" pitchFamily="34" charset="0"/>
+              </a:rPr>
+              <a:t>sollision</a:t>
+            </a:r>
             <a:r>
               <a:rPr lang="en-US" altLang="en-US" sz="1400" b="1" dirty="0">
                 <a:solidFill>
@@ -13061,15 +13075,90 @@
                 <a:latin typeface="Arial" panose="020B0604020202020204" pitchFamily="34" charset="0"/>
                 <a:cs typeface="Arial" panose="020B0604020202020204" pitchFamily="34" charset="0"/>
               </a:rPr>
-              <a:t>collision</a:t>
+              <a:t> …</a:t>
+            </a:r>
+            <a:endParaRPr lang="en-US" altLang="en-US" sz="1400" dirty="0">
+              <a:latin typeface="Arial" panose="020B0604020202020204" pitchFamily="34" charset="0"/>
+              <a:cs typeface="Arial" panose="020B0604020202020204" pitchFamily="34" charset="0"/>
+            </a:endParaRPr>
+          </a:p>
+        </p:txBody>
+      </p:sp>
+      <p:sp>
+        <p:nvSpPr>
+          <p:cNvPr id="47" name="Rectangle 5">
+            <a:extLst>
+              <a:ext uri="{FF2B5EF4-FFF2-40B4-BE49-F238E27FC236}">
+                <a16:creationId xmlns:a16="http://schemas.microsoft.com/office/drawing/2014/main" id="{1269A7C2-A3FB-4FFD-AABE-7CAC46ADBE47}"/>
+              </a:ext>
+            </a:extLst>
+          </p:cNvPr>
+          <p:cNvSpPr>
+            <a:spLocks noChangeArrowheads="1"/>
+          </p:cNvSpPr>
+          <p:nvPr/>
+        </p:nvSpPr>
+        <p:spPr bwMode="auto">
+          <a:xfrm>
+            <a:off x="599427" y="3720278"/>
+            <a:ext cx="1024792" cy="738664"/>
+          </a:xfrm>
+          <a:prstGeom prst="rect">
+            <a:avLst/>
+          </a:prstGeom>
+          <a:noFill/>
+        </p:spPr>
+        <p:txBody>
+          <a:bodyPr wrap="square" rtlCol="0">
+            <a:spAutoFit/>
+          </a:bodyPr>
+          <a:lstStyle/>
+          <a:p>
+            <a:r>
+              <a:rPr lang="en-US" altLang="en-US" sz="1400" b="1" dirty="0" err="1">
+                <a:solidFill>
+                  <a:srgbClr val="00B050"/>
+                </a:solidFill>
+                <a:latin typeface="Arial" panose="020B0604020202020204" pitchFamily="34" charset="0"/>
+                <a:cs typeface="Arial" panose="020B0604020202020204" pitchFamily="34" charset="0"/>
+              </a:rPr>
+              <a:t>init</a:t>
             </a:r>
             <a:r>
               <a:rPr lang="en-US" altLang="en-US" sz="1400" dirty="0">
                 <a:latin typeface="Arial" panose="020B0604020202020204" pitchFamily="34" charset="0"/>
                 <a:cs typeface="Arial" panose="020B0604020202020204" pitchFamily="34" charset="0"/>
               </a:rPr>
-              <a:t>( NAME ) </a:t>
-            </a:r>
+              <a:t> ….</a:t>
+            </a:r>
+          </a:p>
+          <a:p>
+            <a:r>
+              <a:rPr lang="en-US" altLang="en-US" sz="1400" b="1" dirty="0">
+                <a:solidFill>
+                  <a:srgbClr val="00B050"/>
+                </a:solidFill>
+                <a:latin typeface="Arial" panose="020B0604020202020204" pitchFamily="34" charset="0"/>
+                <a:cs typeface="Arial" panose="020B0604020202020204" pitchFamily="34" charset="0"/>
+              </a:rPr>
+              <a:t>end …</a:t>
+            </a:r>
+          </a:p>
+          <a:p>
+            <a:r>
+              <a:rPr lang="en-US" altLang="en-US" sz="1400" b="1" dirty="0">
+                <a:solidFill>
+                  <a:srgbClr val="00B050"/>
+                </a:solidFill>
+                <a:latin typeface="Arial" panose="020B0604020202020204" pitchFamily="34" charset="0"/>
+                <a:cs typeface="Arial" panose="020B0604020202020204" pitchFamily="34" charset="0"/>
+              </a:rPr>
+              <a:t>move …</a:t>
+            </a:r>
+            <a:endParaRPr lang="en-US" altLang="en-US" sz="1400" dirty="0">
+              <a:latin typeface="Arial" panose="020B0604020202020204" pitchFamily="34" charset="0"/>
+              <a:cs typeface="Arial" panose="020B0604020202020204" pitchFamily="34" charset="0"/>
+            </a:endParaRPr>
           </a:p>
         </p:txBody>
       </p:sp>
@@ -13154,7 +13243,7 @@
           <p:cNvPr id="22" name="Gruppo 82">
             <a:extLst>
               <a:ext uri="{FF2B5EF4-FFF2-40B4-BE49-F238E27FC236}">
-                <a16:creationId xmlns:a16="http://schemas.microsoft.com/office/drawing/2014/main" xmlns="" id="{D2ACE5A8-9046-43C9-855F-EC0E0754E6E4}"/>
+                <a16:creationId xmlns:a16="http://schemas.microsoft.com/office/drawing/2014/main" id="{D2ACE5A8-9046-43C9-855F-EC0E0754E6E4}"/>
               </a:ext>
             </a:extLst>
           </p:cNvPr>
@@ -13174,7 +13263,7 @@
             <p:cNvPr id="23" name="Ovale 38">
               <a:extLst>
                 <a:ext uri="{FF2B5EF4-FFF2-40B4-BE49-F238E27FC236}">
-                  <a16:creationId xmlns:a16="http://schemas.microsoft.com/office/drawing/2014/main" xmlns="" id="{A3C33013-DAC5-4DE5-9575-78DF66227DDF}"/>
+                  <a16:creationId xmlns:a16="http://schemas.microsoft.com/office/drawing/2014/main" id="{A3C33013-DAC5-4DE5-9575-78DF66227DDF}"/>
                 </a:ext>
               </a:extLst>
             </p:cNvPr>
@@ -13225,7 +13314,7 @@
             <p:cNvPr id="24" name="Rettangolo 39">
               <a:extLst>
                 <a:ext uri="{FF2B5EF4-FFF2-40B4-BE49-F238E27FC236}">
-                  <a16:creationId xmlns:a16="http://schemas.microsoft.com/office/drawing/2014/main" xmlns="" id="{94A5922D-9265-4A79-9770-BC1C16A107CA}"/>
+                  <a16:creationId xmlns:a16="http://schemas.microsoft.com/office/drawing/2014/main" id="{94A5922D-9265-4A79-9770-BC1C16A107CA}"/>
                 </a:ext>
               </a:extLst>
             </p:cNvPr>
@@ -13273,7 +13362,7 @@
             <p:cNvPr id="25" name="Triangolo isoscele 42">
               <a:extLst>
                 <a:ext uri="{FF2B5EF4-FFF2-40B4-BE49-F238E27FC236}">
-                  <a16:creationId xmlns:a16="http://schemas.microsoft.com/office/drawing/2014/main" xmlns="" id="{A0FD7BD4-A807-4F3B-A3BC-009F1B02A9D4}"/>
+                  <a16:creationId xmlns:a16="http://schemas.microsoft.com/office/drawing/2014/main" id="{A0FD7BD4-A807-4F3B-A3BC-009F1B02A9D4}"/>
                 </a:ext>
               </a:extLst>
             </p:cNvPr>
@@ -13326,7 +13415,7 @@
           <p:cNvPr id="36" name="Rectangle 4">
             <a:extLst>
               <a:ext uri="{FF2B5EF4-FFF2-40B4-BE49-F238E27FC236}">
-                <a16:creationId xmlns:a16="http://schemas.microsoft.com/office/drawing/2014/main" xmlns="" id="{751C612F-85E8-46CD-9D97-711C49FABD7D}"/>
+                <a16:creationId xmlns:a16="http://schemas.microsoft.com/office/drawing/2014/main" id="{751C612F-85E8-46CD-9D97-711C49FABD7D}"/>
               </a:ext>
             </a:extLst>
           </p:cNvPr>
@@ -13338,7 +13427,7 @@
         <p:spPr bwMode="auto">
           <a:xfrm>
             <a:off x="1166751" y="1168425"/>
-            <a:ext cx="1109599" cy="307777"/>
+            <a:ext cx="1378647" cy="307777"/>
           </a:xfrm>
           <a:prstGeom prst="rect">
             <a:avLst/>
@@ -13359,7 +13448,7 @@
                 <a:latin typeface="Arial" panose="020B0604020202020204" pitchFamily="34" charset="0"/>
                 <a:cs typeface="Arial" panose="020B0604020202020204" pitchFamily="34" charset="0"/>
               </a:rPr>
-              <a:t>robotActor</a:t>
+              <a:t>robotActorTry</a:t>
             </a:r>
             <a:endParaRPr lang="en-US" altLang="en-US" sz="1400" dirty="0">
               <a:latin typeface="Arial" panose="020B0604020202020204" pitchFamily="34" charset="0"/>
@@ -13373,7 +13462,7 @@
           <p:cNvPr id="38" name="Ovale 33">
             <a:extLst>
               <a:ext uri="{FF2B5EF4-FFF2-40B4-BE49-F238E27FC236}">
-                <a16:creationId xmlns:a16="http://schemas.microsoft.com/office/drawing/2014/main" xmlns="" id="{AE821BAD-5AB7-466B-8291-7E14ADF08024}"/>
+                <a16:creationId xmlns:a16="http://schemas.microsoft.com/office/drawing/2014/main" id="{AE821BAD-5AB7-466B-8291-7E14ADF08024}"/>
               </a:ext>
             </a:extLst>
           </p:cNvPr>
@@ -13421,7 +13510,7 @@
           <p:cNvPr id="39" name="CasellaDiTesto 19">
             <a:extLst>
               <a:ext uri="{FF2B5EF4-FFF2-40B4-BE49-F238E27FC236}">
-                <a16:creationId xmlns:a16="http://schemas.microsoft.com/office/drawing/2014/main" xmlns="" id="{EF542A0F-AE9B-4720-A22D-4000E774217C}"/>
+                <a16:creationId xmlns:a16="http://schemas.microsoft.com/office/drawing/2014/main" id="{EF542A0F-AE9B-4720-A22D-4000E774217C}"/>
               </a:ext>
             </a:extLst>
           </p:cNvPr>
@@ -13457,7 +13546,7 @@
           <p:cNvPr id="40" name="Rectangle 4">
             <a:extLst>
               <a:ext uri="{FF2B5EF4-FFF2-40B4-BE49-F238E27FC236}">
-                <a16:creationId xmlns:a16="http://schemas.microsoft.com/office/drawing/2014/main" xmlns="" id="{DC75D623-1BEE-420F-8F7A-642F64C29300}"/>
+                <a16:creationId xmlns:a16="http://schemas.microsoft.com/office/drawing/2014/main" id="{DC75D623-1BEE-420F-8F7A-642F64C29300}"/>
               </a:ext>
             </a:extLst>
           </p:cNvPr>
@@ -13469,7 +13558,7 @@
         <p:spPr bwMode="auto">
           <a:xfrm>
             <a:off x="3633537" y="1052736"/>
-            <a:ext cx="2810385" cy="738664"/>
+            <a:ext cx="3079433" cy="738664"/>
           </a:xfrm>
           <a:prstGeom prst="rect">
             <a:avLst/>
@@ -13482,6 +13571,41 @@
           </a:bodyPr>
           <a:lstStyle/>
           <a:p>
+            <a:r>
+              <a:rPr lang="en-US" sz="1400" b="1" dirty="0" err="1">
+                <a:solidFill>
+                  <a:srgbClr val="0070C0"/>
+                </a:solidFill>
+                <a:latin typeface="Arial" panose="020B0604020202020204" pitchFamily="34" charset="0"/>
+                <a:cs typeface="Arial" panose="020B0604020202020204" pitchFamily="34" charset="0"/>
+              </a:rPr>
+              <a:t>virtualRobotSupport</a:t>
+            </a:r>
+            <a:endParaRPr lang="en-US" altLang="en-US" sz="1400" b="1" dirty="0">
+              <a:solidFill>
+                <a:srgbClr val="0070C0"/>
+              </a:solidFill>
+              <a:latin typeface="Arial" panose="020B0604020202020204" pitchFamily="34" charset="0"/>
+              <a:cs typeface="Arial" panose="020B0604020202020204" pitchFamily="34" charset="0"/>
+            </a:endParaRPr>
+          </a:p>
+          <a:p>
+            <a:r>
+              <a:rPr lang="en-US" altLang="en-US" sz="1400" dirty="0">
+                <a:latin typeface="Arial" panose="020B0604020202020204" pitchFamily="34" charset="0"/>
+                <a:cs typeface="Arial" panose="020B0604020202020204" pitchFamily="34" charset="0"/>
+              </a:rPr>
+              <a:t>(starts a coroutine that </a:t>
+            </a:r>
+          </a:p>
+          <a:p>
+            <a:r>
+              <a:rPr lang="en-US" altLang="en-US" sz="1400" dirty="0">
+                <a:latin typeface="Arial" panose="020B0604020202020204" pitchFamily="34" charset="0"/>
+                <a:cs typeface="Arial" panose="020B0604020202020204" pitchFamily="34" charset="0"/>
+              </a:rPr>
+              <a:t>sends messages to </a:t>
+            </a:r>
             <a:r>
               <a:rPr lang="en-US" altLang="en-US" sz="1400" b="1" dirty="0" err="1">
                 <a:solidFill>
@@ -13490,42 +13614,7 @@
                 <a:latin typeface="Arial" panose="020B0604020202020204" pitchFamily="34" charset="0"/>
                 <a:cs typeface="Arial" panose="020B0604020202020204" pitchFamily="34" charset="0"/>
               </a:rPr>
-              <a:t>robotSupport</a:t>
-            </a:r>
-            <a:endParaRPr lang="en-US" altLang="en-US" sz="1400" b="1" dirty="0">
-              <a:solidFill>
-                <a:srgbClr val="0070C0"/>
-              </a:solidFill>
-              <a:latin typeface="Arial" panose="020B0604020202020204" pitchFamily="34" charset="0"/>
-              <a:cs typeface="Arial" panose="020B0604020202020204" pitchFamily="34" charset="0"/>
-            </a:endParaRPr>
-          </a:p>
-          <a:p>
-            <a:r>
-              <a:rPr lang="en-US" altLang="en-US" sz="1400" dirty="0">
-                <a:latin typeface="Arial" panose="020B0604020202020204" pitchFamily="34" charset="0"/>
-                <a:cs typeface="Arial" panose="020B0604020202020204" pitchFamily="34" charset="0"/>
-              </a:rPr>
-              <a:t>(starts a coroutine that </a:t>
-            </a:r>
-          </a:p>
-          <a:p>
-            <a:r>
-              <a:rPr lang="en-US" altLang="en-US" sz="1400" dirty="0">
-                <a:latin typeface="Arial" panose="020B0604020202020204" pitchFamily="34" charset="0"/>
-                <a:cs typeface="Arial" panose="020B0604020202020204" pitchFamily="34" charset="0"/>
-              </a:rPr>
-              <a:t>sends messages to </a:t>
-            </a:r>
-            <a:r>
-              <a:rPr lang="en-US" altLang="en-US" sz="1400" b="1" dirty="0" err="1">
-                <a:solidFill>
-                  <a:srgbClr val="0070C0"/>
-                </a:solidFill>
-                <a:latin typeface="Arial" panose="020B0604020202020204" pitchFamily="34" charset="0"/>
-                <a:cs typeface="Arial" panose="020B0604020202020204" pitchFamily="34" charset="0"/>
-              </a:rPr>
-              <a:t>robotActor</a:t>
+              <a:t>robotActorTry</a:t>
             </a:r>
             <a:r>
               <a:rPr lang="en-US" altLang="en-US" sz="1400" dirty="0">
@@ -13542,7 +13631,7 @@
           <p:cNvPr id="41" name="Connettore 2 126">
             <a:extLst>
               <a:ext uri="{FF2B5EF4-FFF2-40B4-BE49-F238E27FC236}">
-                <a16:creationId xmlns:a16="http://schemas.microsoft.com/office/drawing/2014/main" xmlns="" id="{B9484729-5BBF-42A0-9532-D074E8F64D0C}"/>
+                <a16:creationId xmlns:a16="http://schemas.microsoft.com/office/drawing/2014/main" id="{B9484729-5BBF-42A0-9532-D074E8F64D0C}"/>
               </a:ext>
             </a:extLst>
           </p:cNvPr>
@@ -13585,7 +13674,7 @@
           <p:cNvPr id="42" name="Connettore 2 9">
             <a:extLst>
               <a:ext uri="{FF2B5EF4-FFF2-40B4-BE49-F238E27FC236}">
-                <a16:creationId xmlns:a16="http://schemas.microsoft.com/office/drawing/2014/main" xmlns="" id="{2227C48D-AA34-4D81-9873-E2E1601CDD36}"/>
+                <a16:creationId xmlns:a16="http://schemas.microsoft.com/office/drawing/2014/main" id="{2227C48D-AA34-4D81-9873-E2E1601CDD36}"/>
               </a:ext>
             </a:extLst>
           </p:cNvPr>
@@ -13628,7 +13717,7 @@
           <p:cNvPr id="43" name="Rectangle 5">
             <a:extLst>
               <a:ext uri="{FF2B5EF4-FFF2-40B4-BE49-F238E27FC236}">
-                <a16:creationId xmlns:a16="http://schemas.microsoft.com/office/drawing/2014/main" xmlns="" id="{FDD84F83-30AC-4BF9-B9FF-5314654605F2}"/>
+                <a16:creationId xmlns:a16="http://schemas.microsoft.com/office/drawing/2014/main" id="{FDD84F83-30AC-4BF9-B9FF-5314654605F2}"/>
               </a:ext>
             </a:extLst>
           </p:cNvPr>
@@ -13689,7 +13778,7 @@
           <p:cNvPr id="52" name="Rectangle 5">
             <a:extLst>
               <a:ext uri="{FF2B5EF4-FFF2-40B4-BE49-F238E27FC236}">
-                <a16:creationId xmlns:a16="http://schemas.microsoft.com/office/drawing/2014/main" xmlns="" id="{9529310F-209D-4FC3-82E8-EEC7E3A85851}"/>
+                <a16:creationId xmlns:a16="http://schemas.microsoft.com/office/drawing/2014/main" id="{9529310F-209D-4FC3-82E8-EEC7E3A85851}"/>
               </a:ext>
             </a:extLst>
           </p:cNvPr>
@@ -13729,7 +13818,7 @@
           <p:cNvPr id="53" name="Ovale 33">
             <a:extLst>
               <a:ext uri="{FF2B5EF4-FFF2-40B4-BE49-F238E27FC236}">
-                <a16:creationId xmlns:a16="http://schemas.microsoft.com/office/drawing/2014/main" xmlns="" id="{435D5F9E-A655-4DD7-851D-B11A8F169495}"/>
+                <a16:creationId xmlns:a16="http://schemas.microsoft.com/office/drawing/2014/main" id="{435D5F9E-A655-4DD7-851D-B11A8F169495}"/>
               </a:ext>
             </a:extLst>
           </p:cNvPr>
@@ -13777,7 +13866,7 @@
           <p:cNvPr id="54" name="Straight Arrow Connector 53">
             <a:extLst>
               <a:ext uri="{FF2B5EF4-FFF2-40B4-BE49-F238E27FC236}">
-                <a16:creationId xmlns:a16="http://schemas.microsoft.com/office/drawing/2014/main" xmlns="" id="{5F862CA7-7927-4E0C-A697-C0E183A98073}"/>
+                <a16:creationId xmlns:a16="http://schemas.microsoft.com/office/drawing/2014/main" id="{5F862CA7-7927-4E0C-A697-C0E183A98073}"/>
               </a:ext>
             </a:extLst>
           </p:cNvPr>
@@ -13818,7 +13907,7 @@
           <p:cNvPr id="57" name="Connector: Elbow 56">
             <a:extLst>
               <a:ext uri="{FF2B5EF4-FFF2-40B4-BE49-F238E27FC236}">
-                <a16:creationId xmlns:a16="http://schemas.microsoft.com/office/drawing/2014/main" xmlns="" id="{CDFFCB79-ECE8-451E-A967-EFE490B3417F}"/>
+                <a16:creationId xmlns:a16="http://schemas.microsoft.com/office/drawing/2014/main" id="{CDFFCB79-ECE8-451E-A967-EFE490B3417F}"/>
               </a:ext>
             </a:extLst>
           </p:cNvPr>
@@ -13864,7 +13953,7 @@
           <p:cNvPr id="60" name="Oval 59">
             <a:extLst>
               <a:ext uri="{FF2B5EF4-FFF2-40B4-BE49-F238E27FC236}">
-                <a16:creationId xmlns:a16="http://schemas.microsoft.com/office/drawing/2014/main" xmlns="" id="{14ACD13F-7496-4B90-AE98-8683062A6B76}"/>
+                <a16:creationId xmlns:a16="http://schemas.microsoft.com/office/drawing/2014/main" id="{14ACD13F-7496-4B90-AE98-8683062A6B76}"/>
               </a:ext>
             </a:extLst>
           </p:cNvPr>
@@ -13918,7 +14007,7 @@
           <p:cNvPr id="35" name="Connettore 2 92">
             <a:extLst>
               <a:ext uri="{FF2B5EF4-FFF2-40B4-BE49-F238E27FC236}">
-                <a16:creationId xmlns:a16="http://schemas.microsoft.com/office/drawing/2014/main" xmlns="" id="{D129B3F1-E984-4808-8DB5-56CC7FF47729}"/>
+                <a16:creationId xmlns:a16="http://schemas.microsoft.com/office/drawing/2014/main" id="{D129B3F1-E984-4808-8DB5-56CC7FF47729}"/>
               </a:ext>
             </a:extLst>
           </p:cNvPr>
@@ -13955,75 +14044,6 @@
       </p:cxnSp>
       <p:sp>
         <p:nvSpPr>
-          <p:cNvPr id="75" name="Rectangle 5">
-            <a:extLst>
-              <a:ext uri="{FF2B5EF4-FFF2-40B4-BE49-F238E27FC236}">
-                <a16:creationId xmlns:a16="http://schemas.microsoft.com/office/drawing/2014/main" xmlns="" id="{D7416450-7D3D-45F7-A403-375C44C4136F}"/>
-              </a:ext>
-            </a:extLst>
-          </p:cNvPr>
-          <p:cNvSpPr>
-            <a:spLocks noChangeArrowheads="1"/>
-          </p:cNvSpPr>
-          <p:nvPr/>
-        </p:nvSpPr>
-        <p:spPr bwMode="auto">
-          <a:xfrm>
-            <a:off x="1254461" y="1685568"/>
-            <a:ext cx="2582193" cy="523220"/>
-          </a:xfrm>
-          <a:prstGeom prst="rect">
-            <a:avLst/>
-          </a:prstGeom>
-          <a:noFill/>
-        </p:spPr>
-        <p:txBody>
-          <a:bodyPr wrap="square" rtlCol="0">
-            <a:spAutoFit/>
-          </a:bodyPr>
-          <a:lstStyle/>
-          <a:p>
-            <a:r>
-              <a:rPr lang="en-US" altLang="en-US" sz="1400" b="1" dirty="0">
-                <a:solidFill>
-                  <a:srgbClr val="00B050"/>
-                </a:solidFill>
-                <a:latin typeface="Arial" panose="020B0604020202020204" pitchFamily="34" charset="0"/>
-                <a:cs typeface="Arial" panose="020B0604020202020204" pitchFamily="34" charset="0"/>
-              </a:rPr>
-              <a:t>sensor</a:t>
-            </a:r>
-            <a:r>
-              <a:rPr lang="en-US" altLang="en-US" sz="1400" dirty="0">
-                <a:latin typeface="Arial" panose="020B0604020202020204" pitchFamily="34" charset="0"/>
-                <a:cs typeface="Arial" panose="020B0604020202020204" pitchFamily="34" charset="0"/>
-              </a:rPr>
-              <a:t>( NAME, DISTANCE)</a:t>
-            </a:r>
-          </a:p>
-          <a:p>
-            <a:r>
-              <a:rPr lang="en-US" altLang="en-US" sz="1400" b="1" dirty="0">
-                <a:solidFill>
-                  <a:srgbClr val="00B050"/>
-                </a:solidFill>
-                <a:latin typeface="Arial" panose="020B0604020202020204" pitchFamily="34" charset="0"/>
-                <a:cs typeface="Arial" panose="020B0604020202020204" pitchFamily="34" charset="0"/>
-              </a:rPr>
-              <a:t>collision</a:t>
-            </a:r>
-            <a:r>
-              <a:rPr lang="en-US" altLang="en-US" sz="1400" dirty="0">
-                <a:latin typeface="Arial" panose="020B0604020202020204" pitchFamily="34" charset="0"/>
-                <a:cs typeface="Arial" panose="020B0604020202020204" pitchFamily="34" charset="0"/>
-              </a:rPr>
-              <a:t>( NAME ) </a:t>
-            </a:r>
-          </a:p>
-        </p:txBody>
-      </p:sp>
-      <p:sp>
-        <p:nvSpPr>
           <p:cNvPr id="47" name="Ovale 46"/>
           <p:cNvSpPr/>
           <p:nvPr/>
@@ -14062,7 +14082,7 @@
           <a:p>
             <a:pPr algn="ctr"/>
             <a:r>
-              <a:rPr lang="it-IT" dirty="0" err="1" smtClean="0"/>
+              <a:rPr lang="it-IT" dirty="0" err="1"/>
               <a:t>working</a:t>
             </a:r>
             <a:endParaRPr lang="en-GB" dirty="0"/>
@@ -14171,7 +14191,7 @@
           <a:lstStyle/>
           <a:p>
             <a:r>
-              <a:rPr lang="it-IT" b="1" dirty="0" err="1" smtClean="0">
+              <a:rPr lang="it-IT" b="1" dirty="0" err="1">
                 <a:solidFill>
                   <a:srgbClr val="8A0000"/>
                 </a:solidFill>
@@ -14226,7 +14246,7 @@
           <a:p>
             <a:pPr algn="ctr"/>
             <a:r>
-              <a:rPr lang="it-IT" dirty="0" err="1" smtClean="0"/>
+              <a:rPr lang="it-IT" dirty="0" err="1"/>
               <a:t>doInit</a:t>
             </a:r>
             <a:endParaRPr lang="en-GB" dirty="0"/>
@@ -14273,7 +14293,7 @@
           <a:p>
             <a:pPr algn="ctr"/>
             <a:r>
-              <a:rPr lang="it-IT" dirty="0" err="1" smtClean="0"/>
+              <a:rPr lang="it-IT" dirty="0" err="1"/>
               <a:t>doEnd</a:t>
             </a:r>
             <a:endParaRPr lang="en-GB" dirty="0"/>
@@ -14414,7 +14434,7 @@
           <a:p>
             <a:pPr algn="ctr"/>
             <a:r>
-              <a:rPr lang="it-IT" dirty="0" err="1" smtClean="0"/>
+              <a:rPr lang="it-IT" dirty="0" err="1"/>
               <a:t>doMove</a:t>
             </a:r>
             <a:endParaRPr lang="en-GB" dirty="0"/>
@@ -14828,7 +14848,7 @@
           <a:lstStyle/>
           <a:p>
             <a:r>
-              <a:rPr lang="it-IT" b="1" dirty="0" smtClean="0">
+              <a:rPr lang="it-IT" b="1" dirty="0">
                 <a:solidFill>
                   <a:srgbClr val="8A0000"/>
                 </a:solidFill>
@@ -14866,7 +14886,7 @@
           <a:lstStyle/>
           <a:p>
             <a:r>
-              <a:rPr lang="it-IT" b="1" dirty="0" err="1" smtClean="0">
+              <a:rPr lang="it-IT" b="1" dirty="0" err="1">
                 <a:solidFill>
                   <a:srgbClr val="8A0000"/>
                 </a:solidFill>
@@ -14904,7 +14924,7 @@
           <a:lstStyle/>
           <a:p>
             <a:r>
-              <a:rPr lang="it-IT" b="1" dirty="0" err="1" smtClean="0">
+              <a:rPr lang="it-IT" b="1" dirty="0" err="1">
                 <a:solidFill>
                   <a:srgbClr val="8A0000"/>
                 </a:solidFill>
@@ -14942,7 +14962,7 @@
           <a:lstStyle/>
           <a:p>
             <a:r>
-              <a:rPr lang="it-IT" b="1" dirty="0" err="1" smtClean="0">
+              <a:rPr lang="it-IT" b="1" dirty="0" err="1">
                 <a:solidFill>
                   <a:srgbClr val="8A0000"/>
                 </a:solidFill>
@@ -14962,7 +14982,7 @@
           <p:cNvPr id="130" name="Rectangle 5">
             <a:extLst>
               <a:ext uri="{FF2B5EF4-FFF2-40B4-BE49-F238E27FC236}">
-                <a16:creationId xmlns:a16="http://schemas.microsoft.com/office/drawing/2014/main" xmlns="" id="{9529310F-209D-4FC3-82E8-EEC7E3A85851}"/>
+                <a16:creationId xmlns:a16="http://schemas.microsoft.com/office/drawing/2014/main" id="{9529310F-209D-4FC3-82E8-EEC7E3A85851}"/>
               </a:ext>
             </a:extLst>
           </p:cNvPr>
@@ -14988,18 +15008,158 @@
           <a:lstStyle/>
           <a:p>
             <a:r>
-              <a:rPr lang="en-US" altLang="en-US" sz="1400" dirty="0" smtClean="0">
+              <a:rPr lang="en-US" altLang="en-US" sz="1400" dirty="0">
                 <a:latin typeface="Symbol" panose="05050102010706020507" pitchFamily="18" charset="2"/>
                 <a:cs typeface="Arial" panose="020B0604020202020204" pitchFamily="34" charset="0"/>
               </a:rPr>
               <a:t>e</a:t>
             </a:r>
             <a:r>
-              <a:rPr lang="en-US" altLang="en-US" sz="1400" dirty="0" smtClean="0">
+              <a:rPr lang="en-US" altLang="en-US" sz="1400" dirty="0">
                 <a:latin typeface="Arial" panose="020B0604020202020204" pitchFamily="34" charset="0"/>
                 <a:cs typeface="Arial" panose="020B0604020202020204" pitchFamily="34" charset="0"/>
               </a:rPr>
               <a:t>-move</a:t>
+            </a:r>
+          </a:p>
+        </p:txBody>
+      </p:sp>
+      <p:sp>
+        <p:nvSpPr>
+          <p:cNvPr id="46" name="Rectangle 5">
+            <a:extLst>
+              <a:ext uri="{FF2B5EF4-FFF2-40B4-BE49-F238E27FC236}">
+                <a16:creationId xmlns:a16="http://schemas.microsoft.com/office/drawing/2014/main" id="{0CBD2E55-2030-4802-A4F1-C2953AF08AAB}"/>
+              </a:ext>
+            </a:extLst>
+          </p:cNvPr>
+          <p:cNvSpPr>
+            <a:spLocks noChangeArrowheads="1"/>
+          </p:cNvSpPr>
+          <p:nvPr/>
+        </p:nvSpPr>
+        <p:spPr bwMode="auto">
+          <a:xfrm>
+            <a:off x="492108" y="55747"/>
+            <a:ext cx="1024792" cy="738664"/>
+          </a:xfrm>
+          <a:prstGeom prst="rect">
+            <a:avLst/>
+          </a:prstGeom>
+          <a:noFill/>
+        </p:spPr>
+        <p:txBody>
+          <a:bodyPr wrap="square" rtlCol="0">
+            <a:spAutoFit/>
+          </a:bodyPr>
+          <a:lstStyle/>
+          <a:p>
+            <a:r>
+              <a:rPr lang="en-US" altLang="en-US" sz="1400" b="1" dirty="0" err="1">
+                <a:solidFill>
+                  <a:srgbClr val="00B050"/>
+                </a:solidFill>
+                <a:latin typeface="Arial" panose="020B0604020202020204" pitchFamily="34" charset="0"/>
+                <a:cs typeface="Arial" panose="020B0604020202020204" pitchFamily="34" charset="0"/>
+              </a:rPr>
+              <a:t>init</a:t>
+            </a:r>
+            <a:r>
+              <a:rPr lang="en-US" altLang="en-US" sz="1400" dirty="0">
+                <a:latin typeface="Arial" panose="020B0604020202020204" pitchFamily="34" charset="0"/>
+                <a:cs typeface="Arial" panose="020B0604020202020204" pitchFamily="34" charset="0"/>
+              </a:rPr>
+              <a:t> ….</a:t>
+            </a:r>
+          </a:p>
+          <a:p>
+            <a:r>
+              <a:rPr lang="en-US" altLang="en-US" sz="1400" b="1" dirty="0">
+                <a:solidFill>
+                  <a:srgbClr val="00B050"/>
+                </a:solidFill>
+                <a:latin typeface="Arial" panose="020B0604020202020204" pitchFamily="34" charset="0"/>
+                <a:cs typeface="Arial" panose="020B0604020202020204" pitchFamily="34" charset="0"/>
+              </a:rPr>
+              <a:t>end …</a:t>
+            </a:r>
+          </a:p>
+          <a:p>
+            <a:r>
+              <a:rPr lang="en-US" altLang="en-US" sz="1400" b="1" dirty="0">
+                <a:solidFill>
+                  <a:srgbClr val="00B050"/>
+                </a:solidFill>
+                <a:latin typeface="Arial" panose="020B0604020202020204" pitchFamily="34" charset="0"/>
+                <a:cs typeface="Arial" panose="020B0604020202020204" pitchFamily="34" charset="0"/>
+              </a:rPr>
+              <a:t>move …</a:t>
+            </a:r>
+            <a:endParaRPr lang="en-US" altLang="en-US" sz="1400" dirty="0">
+              <a:latin typeface="Arial" panose="020B0604020202020204" pitchFamily="34" charset="0"/>
+              <a:cs typeface="Arial" panose="020B0604020202020204" pitchFamily="34" charset="0"/>
+            </a:endParaRPr>
+          </a:p>
+        </p:txBody>
+      </p:sp>
+      <p:sp>
+        <p:nvSpPr>
+          <p:cNvPr id="48" name="Rectangle 5">
+            <a:extLst>
+              <a:ext uri="{FF2B5EF4-FFF2-40B4-BE49-F238E27FC236}">
+                <a16:creationId xmlns:a16="http://schemas.microsoft.com/office/drawing/2014/main" id="{CF0A08CC-F966-460F-9624-0266DD1496A0}"/>
+              </a:ext>
+            </a:extLst>
+          </p:cNvPr>
+          <p:cNvSpPr>
+            <a:spLocks noChangeArrowheads="1"/>
+          </p:cNvSpPr>
+          <p:nvPr/>
+        </p:nvSpPr>
+        <p:spPr bwMode="auto">
+          <a:xfrm>
+            <a:off x="1289007" y="1664802"/>
+            <a:ext cx="1540684" cy="523220"/>
+          </a:xfrm>
+          <a:prstGeom prst="rect">
+            <a:avLst/>
+          </a:prstGeom>
+          <a:noFill/>
+        </p:spPr>
+        <p:txBody>
+          <a:bodyPr wrap="square" rtlCol="0">
+            <a:spAutoFit/>
+          </a:bodyPr>
+          <a:lstStyle/>
+          <a:p>
+            <a:r>
+              <a:rPr lang="en-US" altLang="en-US" sz="1400" b="1" dirty="0">
+                <a:solidFill>
+                  <a:srgbClr val="00B050"/>
+                </a:solidFill>
+                <a:latin typeface="Arial" panose="020B0604020202020204" pitchFamily="34" charset="0"/>
+                <a:cs typeface="Arial" panose="020B0604020202020204" pitchFamily="34" charset="0"/>
+              </a:rPr>
+              <a:t>sensor</a:t>
+            </a:r>
+            <a:r>
+              <a:rPr lang="en-US" altLang="en-US" sz="1400" dirty="0">
+                <a:latin typeface="Arial" panose="020B0604020202020204" pitchFamily="34" charset="0"/>
+                <a:cs typeface="Arial" panose="020B0604020202020204" pitchFamily="34" charset="0"/>
+              </a:rPr>
+              <a:t> ….</a:t>
+            </a:r>
+          </a:p>
+          <a:p>
+            <a:r>
+              <a:rPr lang="en-US" altLang="en-US" sz="1400" b="1" dirty="0">
+                <a:solidFill>
+                  <a:srgbClr val="00B050"/>
+                </a:solidFill>
+                <a:latin typeface="Arial" panose="020B0604020202020204" pitchFamily="34" charset="0"/>
+                <a:cs typeface="Arial" panose="020B0604020202020204" pitchFamily="34" charset="0"/>
+              </a:rPr>
+              <a:t>collision …</a:t>
             </a:r>
             <a:endParaRPr lang="en-US" altLang="en-US" sz="1400" dirty="0">
               <a:latin typeface="Arial" panose="020B0604020202020204" pitchFamily="34" charset="0"/>
@@ -15040,6 +15200,1849 @@
       </p:grpSpPr>
       <p:sp>
         <p:nvSpPr>
+          <p:cNvPr id="19" name="Rectangle: Rounded Corners 18">
+            <a:extLst>
+              <a:ext uri="{FF2B5EF4-FFF2-40B4-BE49-F238E27FC236}">
+                <a16:creationId xmlns:a16="http://schemas.microsoft.com/office/drawing/2014/main" id="{DE3B0D5F-B032-4ABA-8BA4-86B2ACAE6FE9}"/>
+              </a:ext>
+            </a:extLst>
+          </p:cNvPr>
+          <p:cNvSpPr/>
+          <p:nvPr/>
+        </p:nvSpPr>
+        <p:spPr>
+          <a:xfrm>
+            <a:off x="827584" y="260442"/>
+            <a:ext cx="2520280" cy="1728192"/>
+          </a:xfrm>
+          <a:prstGeom prst="roundRect">
+            <a:avLst/>
+          </a:prstGeom>
+          <a:solidFill>
+            <a:schemeClr val="bg1"/>
+          </a:solidFill>
+          <a:ln>
+            <a:solidFill>
+              <a:srgbClr val="0070C0"/>
+            </a:solidFill>
+          </a:ln>
+        </p:spPr>
+        <p:style>
+          <a:lnRef idx="2">
+            <a:schemeClr val="accent1">
+              <a:shade val="50000"/>
+            </a:schemeClr>
+          </a:lnRef>
+          <a:fillRef idx="1">
+            <a:schemeClr val="accent1"/>
+          </a:fillRef>
+          <a:effectRef idx="0">
+            <a:schemeClr val="accent1"/>
+          </a:effectRef>
+          <a:fontRef idx="minor">
+            <a:schemeClr val="lt1"/>
+          </a:fontRef>
+        </p:style>
+        <p:txBody>
+          <a:bodyPr rtlCol="0" anchor="ctr"/>
+          <a:lstStyle/>
+          <a:p>
+            <a:pPr algn="ctr"/>
+            <a:endParaRPr lang="en-US"/>
+          </a:p>
+        </p:txBody>
+      </p:sp>
+      <p:sp>
+        <p:nvSpPr>
+          <p:cNvPr id="2" name="Footer Placeholder 1">
+            <a:extLst>
+              <a:ext uri="{FF2B5EF4-FFF2-40B4-BE49-F238E27FC236}">
+                <a16:creationId xmlns:a16="http://schemas.microsoft.com/office/drawing/2014/main" id="{AD6894C7-DA5F-4138-A519-491DCC0A630F}"/>
+              </a:ext>
+            </a:extLst>
+          </p:cNvPr>
+          <p:cNvSpPr>
+            <a:spLocks noGrp="1"/>
+          </p:cNvSpPr>
+          <p:nvPr>
+            <p:ph type="ftr" sz="quarter" idx="11"/>
+          </p:nvPr>
+        </p:nvSpPr>
+        <p:spPr/>
+        <p:txBody>
+          <a:bodyPr/>
+          <a:lstStyle/>
+          <a:p>
+            <a:r>
+              <a:rPr lang="it-IT"/>
+              <a:t>ANatali  - DISI - ISSM2020  Univeristy of Bologna</a:t>
+            </a:r>
+            <a:endParaRPr lang="en-GB"/>
+          </a:p>
+        </p:txBody>
+      </p:sp>
+      <p:sp>
+        <p:nvSpPr>
+          <p:cNvPr id="3" name="Slide Number Placeholder 2">
+            <a:extLst>
+              <a:ext uri="{FF2B5EF4-FFF2-40B4-BE49-F238E27FC236}">
+                <a16:creationId xmlns:a16="http://schemas.microsoft.com/office/drawing/2014/main" id="{9F97F589-9197-4852-A296-AC6ABB123CD8}"/>
+              </a:ext>
+            </a:extLst>
+          </p:cNvPr>
+          <p:cNvSpPr>
+            <a:spLocks noGrp="1"/>
+          </p:cNvSpPr>
+          <p:nvPr>
+            <p:ph type="sldNum" sz="quarter" idx="12"/>
+          </p:nvPr>
+        </p:nvSpPr>
+        <p:spPr/>
+        <p:txBody>
+          <a:bodyPr/>
+          <a:lstStyle/>
+          <a:p>
+            <a:fld id="{6F6A5AB3-AF76-4EC9-853D-D4C335162C13}" type="slidenum">
+              <a:rPr lang="en-GB" smtClean="0"/>
+              <a:t>27</a:t>
+            </a:fld>
+            <a:endParaRPr lang="en-GB"/>
+          </a:p>
+        </p:txBody>
+      </p:sp>
+      <p:grpSp>
+        <p:nvGrpSpPr>
+          <p:cNvPr id="4" name="Gruppo 72">
+            <a:extLst>
+              <a:ext uri="{FF2B5EF4-FFF2-40B4-BE49-F238E27FC236}">
+                <a16:creationId xmlns:a16="http://schemas.microsoft.com/office/drawing/2014/main" id="{D4DF3349-65AA-401C-A3D6-D0F89B361E36}"/>
+              </a:ext>
+            </a:extLst>
+          </p:cNvPr>
+          <p:cNvGrpSpPr/>
+          <p:nvPr/>
+        </p:nvGrpSpPr>
+        <p:grpSpPr>
+          <a:xfrm>
+            <a:off x="1163430" y="1510679"/>
+            <a:ext cx="592487" cy="258092"/>
+            <a:chOff x="5133975" y="5295900"/>
+            <a:chExt cx="342900" cy="238125"/>
+          </a:xfrm>
+        </p:grpSpPr>
+        <p:sp>
+          <p:nvSpPr>
+            <p:cNvPr id="5" name="Figura a mano libera 73">
+              <a:extLst>
+                <a:ext uri="{FF2B5EF4-FFF2-40B4-BE49-F238E27FC236}">
+                  <a16:creationId xmlns:a16="http://schemas.microsoft.com/office/drawing/2014/main" id="{5EB43234-5B64-422E-A355-531F36111451}"/>
+                </a:ext>
+              </a:extLst>
+            </p:cNvPr>
+            <p:cNvSpPr/>
+            <p:nvPr/>
+          </p:nvSpPr>
+          <p:spPr>
+            <a:xfrm>
+              <a:off x="5133975" y="5295900"/>
+              <a:ext cx="342900" cy="238125"/>
+            </a:xfrm>
+            <a:custGeom>
+              <a:avLst/>
+              <a:gdLst>
+                <a:gd name="connsiteX0" fmla="*/ 0 w 342900"/>
+                <a:gd name="connsiteY0" fmla="*/ 142875 h 238125"/>
+                <a:gd name="connsiteX1" fmla="*/ 28575 w 342900"/>
+                <a:gd name="connsiteY1" fmla="*/ 38100 h 238125"/>
+                <a:gd name="connsiteX2" fmla="*/ 47625 w 342900"/>
+                <a:gd name="connsiteY2" fmla="*/ 9525 h 238125"/>
+                <a:gd name="connsiteX3" fmla="*/ 76200 w 342900"/>
+                <a:gd name="connsiteY3" fmla="*/ 0 h 238125"/>
+                <a:gd name="connsiteX4" fmla="*/ 104775 w 342900"/>
+                <a:gd name="connsiteY4" fmla="*/ 9525 h 238125"/>
+                <a:gd name="connsiteX5" fmla="*/ 142875 w 342900"/>
+                <a:gd name="connsiteY5" fmla="*/ 95250 h 238125"/>
+                <a:gd name="connsiteX6" fmla="*/ 161925 w 342900"/>
+                <a:gd name="connsiteY6" fmla="*/ 152400 h 238125"/>
+                <a:gd name="connsiteX7" fmla="*/ 171450 w 342900"/>
+                <a:gd name="connsiteY7" fmla="*/ 180975 h 238125"/>
+                <a:gd name="connsiteX8" fmla="*/ 209550 w 342900"/>
+                <a:gd name="connsiteY8" fmla="*/ 238125 h 238125"/>
+                <a:gd name="connsiteX9" fmla="*/ 238125 w 342900"/>
+                <a:gd name="connsiteY9" fmla="*/ 180975 h 238125"/>
+                <a:gd name="connsiteX10" fmla="*/ 266700 w 342900"/>
+                <a:gd name="connsiteY10" fmla="*/ 104775 h 238125"/>
+                <a:gd name="connsiteX11" fmla="*/ 342900 w 342900"/>
+                <a:gd name="connsiteY11" fmla="*/ 85725 h 238125"/>
+              </a:gdLst>
+              <a:ahLst/>
+              <a:cxnLst>
+                <a:cxn ang="0">
+                  <a:pos x="connsiteX0" y="connsiteY0"/>
+                </a:cxn>
+                <a:cxn ang="0">
+                  <a:pos x="connsiteX1" y="connsiteY1"/>
+                </a:cxn>
+                <a:cxn ang="0">
+                  <a:pos x="connsiteX2" y="connsiteY2"/>
+                </a:cxn>
+                <a:cxn ang="0">
+                  <a:pos x="connsiteX3" y="connsiteY3"/>
+                </a:cxn>
+                <a:cxn ang="0">
+                  <a:pos x="connsiteX4" y="connsiteY4"/>
+                </a:cxn>
+                <a:cxn ang="0">
+                  <a:pos x="connsiteX5" y="connsiteY5"/>
+                </a:cxn>
+                <a:cxn ang="0">
+                  <a:pos x="connsiteX6" y="connsiteY6"/>
+                </a:cxn>
+                <a:cxn ang="0">
+                  <a:pos x="connsiteX7" y="connsiteY7"/>
+                </a:cxn>
+                <a:cxn ang="0">
+                  <a:pos x="connsiteX8" y="connsiteY8"/>
+                </a:cxn>
+                <a:cxn ang="0">
+                  <a:pos x="connsiteX9" y="connsiteY9"/>
+                </a:cxn>
+                <a:cxn ang="0">
+                  <a:pos x="connsiteX10" y="connsiteY10"/>
+                </a:cxn>
+                <a:cxn ang="0">
+                  <a:pos x="connsiteX11" y="connsiteY11"/>
+                </a:cxn>
+              </a:cxnLst>
+              <a:rect l="l" t="t" r="r" b="b"/>
+              <a:pathLst>
+                <a:path w="342900" h="238125">
+                  <a:moveTo>
+                    <a:pt x="0" y="142875"/>
+                  </a:moveTo>
+                  <a:cubicBezTo>
+                    <a:pt x="5112" y="117315"/>
+                    <a:pt x="14764" y="58817"/>
+                    <a:pt x="28575" y="38100"/>
+                  </a:cubicBezTo>
+                  <a:cubicBezTo>
+                    <a:pt x="34925" y="28575"/>
+                    <a:pt x="38686" y="16676"/>
+                    <a:pt x="47625" y="9525"/>
+                  </a:cubicBezTo>
+                  <a:cubicBezTo>
+                    <a:pt x="55465" y="3253"/>
+                    <a:pt x="66675" y="3175"/>
+                    <a:pt x="76200" y="0"/>
+                  </a:cubicBezTo>
+                  <a:cubicBezTo>
+                    <a:pt x="85725" y="3175"/>
+                    <a:pt x="96935" y="3253"/>
+                    <a:pt x="104775" y="9525"/>
+                  </a:cubicBezTo>
+                  <a:cubicBezTo>
+                    <a:pt x="125358" y="25992"/>
+                    <a:pt x="137054" y="77787"/>
+                    <a:pt x="142875" y="95250"/>
+                  </a:cubicBezTo>
+                  <a:lnTo>
+                    <a:pt x="161925" y="152400"/>
+                  </a:lnTo>
+                  <a:cubicBezTo>
+                    <a:pt x="165100" y="161925"/>
+                    <a:pt x="169481" y="171130"/>
+                    <a:pt x="171450" y="180975"/>
+                  </a:cubicBezTo>
+                  <a:cubicBezTo>
+                    <a:pt x="182944" y="238445"/>
+                    <a:pt x="165616" y="223480"/>
+                    <a:pt x="209550" y="238125"/>
+                  </a:cubicBezTo>
+                  <a:cubicBezTo>
+                    <a:pt x="228174" y="210189"/>
+                    <a:pt x="230238" y="212523"/>
+                    <a:pt x="238125" y="180975"/>
+                  </a:cubicBezTo>
+                  <a:cubicBezTo>
+                    <a:pt x="243105" y="161054"/>
+                    <a:pt x="243471" y="119293"/>
+                    <a:pt x="266700" y="104775"/>
+                  </a:cubicBezTo>
+                  <a:cubicBezTo>
+                    <a:pt x="300393" y="83717"/>
+                    <a:pt x="313092" y="85725"/>
+                    <a:pt x="342900" y="85725"/>
+                  </a:cubicBezTo>
+                </a:path>
+              </a:pathLst>
+            </a:custGeom>
+            <a:noFill/>
+            <a:ln>
+              <a:solidFill>
+                <a:srgbClr val="C00000"/>
+              </a:solidFill>
+            </a:ln>
+          </p:spPr>
+          <p:style>
+            <a:lnRef idx="2">
+              <a:schemeClr val="accent1">
+                <a:shade val="50000"/>
+              </a:schemeClr>
+            </a:lnRef>
+            <a:fillRef idx="1">
+              <a:schemeClr val="accent1"/>
+            </a:fillRef>
+            <a:effectRef idx="0">
+              <a:schemeClr val="accent1"/>
+            </a:effectRef>
+            <a:fontRef idx="minor">
+              <a:schemeClr val="lt1"/>
+            </a:fontRef>
+          </p:style>
+          <p:txBody>
+            <a:bodyPr rtlCol="0" anchor="ctr"/>
+            <a:lstStyle/>
+            <a:p>
+              <a:pPr algn="ctr"/>
+              <a:endParaRPr lang="it-IT"/>
+            </a:p>
+          </p:txBody>
+        </p:sp>
+        <p:sp>
+          <p:nvSpPr>
+            <p:cNvPr id="6" name="Figura a mano libera 74">
+              <a:extLst>
+                <a:ext uri="{FF2B5EF4-FFF2-40B4-BE49-F238E27FC236}">
+                  <a16:creationId xmlns:a16="http://schemas.microsoft.com/office/drawing/2014/main" id="{FD6DD544-F526-49EB-9FD3-4E25A9A04502}"/>
+                </a:ext>
+              </a:extLst>
+            </p:cNvPr>
+            <p:cNvSpPr/>
+            <p:nvPr/>
+          </p:nvSpPr>
+          <p:spPr>
+            <a:xfrm>
+              <a:off x="5400675" y="5353050"/>
+              <a:ext cx="66675" cy="38100"/>
+            </a:xfrm>
+            <a:custGeom>
+              <a:avLst/>
+              <a:gdLst>
+                <a:gd name="connsiteX0" fmla="*/ 66675 w 66675"/>
+                <a:gd name="connsiteY0" fmla="*/ 38100 h 38100"/>
+                <a:gd name="connsiteX1" fmla="*/ 0 w 66675"/>
+                <a:gd name="connsiteY1" fmla="*/ 0 h 38100"/>
+              </a:gdLst>
+              <a:ahLst/>
+              <a:cxnLst>
+                <a:cxn ang="0">
+                  <a:pos x="connsiteX0" y="connsiteY0"/>
+                </a:cxn>
+                <a:cxn ang="0">
+                  <a:pos x="connsiteX1" y="connsiteY1"/>
+                </a:cxn>
+              </a:cxnLst>
+              <a:rect l="l" t="t" r="r" b="b"/>
+              <a:pathLst>
+                <a:path w="66675" h="38100">
+                  <a:moveTo>
+                    <a:pt x="66675" y="38100"/>
+                  </a:moveTo>
+                  <a:cubicBezTo>
+                    <a:pt x="12962" y="5872"/>
+                    <a:pt x="35609" y="17804"/>
+                    <a:pt x="0" y="0"/>
+                  </a:cubicBezTo>
+                </a:path>
+              </a:pathLst>
+            </a:custGeom>
+            <a:noFill/>
+            <a:ln>
+              <a:solidFill>
+                <a:srgbClr val="C00000"/>
+              </a:solidFill>
+            </a:ln>
+          </p:spPr>
+          <p:style>
+            <a:lnRef idx="2">
+              <a:schemeClr val="accent1">
+                <a:shade val="50000"/>
+              </a:schemeClr>
+            </a:lnRef>
+            <a:fillRef idx="1">
+              <a:schemeClr val="accent1"/>
+            </a:fillRef>
+            <a:effectRef idx="0">
+              <a:schemeClr val="accent1"/>
+            </a:effectRef>
+            <a:fontRef idx="minor">
+              <a:schemeClr val="lt1"/>
+            </a:fontRef>
+          </p:style>
+          <p:txBody>
+            <a:bodyPr rtlCol="0" anchor="ctr"/>
+            <a:lstStyle/>
+            <a:p>
+              <a:pPr algn="ctr"/>
+              <a:endParaRPr lang="it-IT"/>
+            </a:p>
+          </p:txBody>
+        </p:sp>
+        <p:sp>
+          <p:nvSpPr>
+            <p:cNvPr id="7" name="Figura a mano libera 75">
+              <a:extLst>
+                <a:ext uri="{FF2B5EF4-FFF2-40B4-BE49-F238E27FC236}">
+                  <a16:creationId xmlns:a16="http://schemas.microsoft.com/office/drawing/2014/main" id="{74474911-83D2-4583-8298-4ACA2D55D0B4}"/>
+                </a:ext>
+              </a:extLst>
+            </p:cNvPr>
+            <p:cNvSpPr/>
+            <p:nvPr/>
+          </p:nvSpPr>
+          <p:spPr>
+            <a:xfrm>
+              <a:off x="5419725" y="5381625"/>
+              <a:ext cx="47625" cy="57150"/>
+            </a:xfrm>
+            <a:custGeom>
+              <a:avLst/>
+              <a:gdLst>
+                <a:gd name="connsiteX0" fmla="*/ 47625 w 47625"/>
+                <a:gd name="connsiteY0" fmla="*/ 0 h 57150"/>
+                <a:gd name="connsiteX1" fmla="*/ 0 w 47625"/>
+                <a:gd name="connsiteY1" fmla="*/ 57150 h 57150"/>
+              </a:gdLst>
+              <a:ahLst/>
+              <a:cxnLst>
+                <a:cxn ang="0">
+                  <a:pos x="connsiteX0" y="connsiteY0"/>
+                </a:cxn>
+                <a:cxn ang="0">
+                  <a:pos x="connsiteX1" y="connsiteY1"/>
+                </a:cxn>
+              </a:cxnLst>
+              <a:rect l="l" t="t" r="r" b="b"/>
+              <a:pathLst>
+                <a:path w="47625" h="57150">
+                  <a:moveTo>
+                    <a:pt x="47625" y="0"/>
+                  </a:moveTo>
+                  <a:cubicBezTo>
+                    <a:pt x="15397" y="53713"/>
+                    <a:pt x="35609" y="39346"/>
+                    <a:pt x="0" y="57150"/>
+                  </a:cubicBezTo>
+                </a:path>
+              </a:pathLst>
+            </a:custGeom>
+            <a:noFill/>
+            <a:ln>
+              <a:solidFill>
+                <a:srgbClr val="C00000"/>
+              </a:solidFill>
+            </a:ln>
+          </p:spPr>
+          <p:style>
+            <a:lnRef idx="2">
+              <a:schemeClr val="accent1">
+                <a:shade val="50000"/>
+              </a:schemeClr>
+            </a:lnRef>
+            <a:fillRef idx="1">
+              <a:schemeClr val="accent1"/>
+            </a:fillRef>
+            <a:effectRef idx="0">
+              <a:schemeClr val="accent1"/>
+            </a:effectRef>
+            <a:fontRef idx="minor">
+              <a:schemeClr val="lt1"/>
+            </a:fontRef>
+          </p:style>
+          <p:txBody>
+            <a:bodyPr rtlCol="0" anchor="ctr"/>
+            <a:lstStyle/>
+            <a:p>
+              <a:pPr algn="ctr"/>
+              <a:endParaRPr lang="it-IT"/>
+            </a:p>
+          </p:txBody>
+        </p:sp>
+      </p:grpSp>
+      <p:sp>
+        <p:nvSpPr>
+          <p:cNvPr id="8" name="CasellaDiTesto 77">
+            <a:extLst>
+              <a:ext uri="{FF2B5EF4-FFF2-40B4-BE49-F238E27FC236}">
+                <a16:creationId xmlns:a16="http://schemas.microsoft.com/office/drawing/2014/main" id="{A44277E5-DB00-4094-88D9-A3A76F021088}"/>
+              </a:ext>
+            </a:extLst>
+          </p:cNvPr>
+          <p:cNvSpPr txBox="1"/>
+          <p:nvPr/>
+        </p:nvSpPr>
+        <p:spPr>
+          <a:xfrm>
+            <a:off x="2045921" y="1482282"/>
+            <a:ext cx="714939" cy="400110"/>
+          </a:xfrm>
+          <a:prstGeom prst="rect">
+            <a:avLst/>
+          </a:prstGeom>
+          <a:noFill/>
+        </p:spPr>
+        <p:txBody>
+          <a:bodyPr wrap="none" rtlCol="0">
+            <a:spAutoFit/>
+          </a:bodyPr>
+          <a:lstStyle/>
+          <a:p>
+            <a:r>
+              <a:rPr lang="it-IT" sz="2000" dirty="0" err="1"/>
+              <a:t>Event</a:t>
+            </a:r>
+            <a:endParaRPr lang="en-GB" sz="2000" dirty="0"/>
+          </a:p>
+        </p:txBody>
+      </p:sp>
+      <p:grpSp>
+        <p:nvGrpSpPr>
+          <p:cNvPr id="9" name="Gruppo 56">
+            <a:extLst>
+              <a:ext uri="{FF2B5EF4-FFF2-40B4-BE49-F238E27FC236}">
+                <a16:creationId xmlns:a16="http://schemas.microsoft.com/office/drawing/2014/main" id="{74F6FB65-B2FC-43AB-952F-EB880AD9A766}"/>
+              </a:ext>
+            </a:extLst>
+          </p:cNvPr>
+          <p:cNvGrpSpPr/>
+          <p:nvPr/>
+        </p:nvGrpSpPr>
+        <p:grpSpPr>
+          <a:xfrm>
+            <a:off x="1140700" y="868506"/>
+            <a:ext cx="667405" cy="86434"/>
+            <a:chOff x="4586473" y="4245346"/>
+            <a:chExt cx="667405" cy="86434"/>
+          </a:xfrm>
+        </p:grpSpPr>
+        <p:sp>
+          <p:nvSpPr>
+            <p:cNvPr id="10" name="Freccia a destra 58">
+              <a:extLst>
+                <a:ext uri="{FF2B5EF4-FFF2-40B4-BE49-F238E27FC236}">
+                  <a16:creationId xmlns:a16="http://schemas.microsoft.com/office/drawing/2014/main" id="{2874F787-D303-4944-A765-CCDE457EC84E}"/>
+                </a:ext>
+              </a:extLst>
+            </p:cNvPr>
+            <p:cNvSpPr/>
+            <p:nvPr/>
+          </p:nvSpPr>
+          <p:spPr>
+            <a:xfrm>
+              <a:off x="4586473" y="4251518"/>
+              <a:ext cx="577147" cy="80262"/>
+            </a:xfrm>
+            <a:prstGeom prst="rightArrow">
+              <a:avLst/>
+            </a:prstGeom>
+          </p:spPr>
+          <p:style>
+            <a:lnRef idx="1">
+              <a:schemeClr val="accent1"/>
+            </a:lnRef>
+            <a:fillRef idx="2">
+              <a:schemeClr val="accent1"/>
+            </a:fillRef>
+            <a:effectRef idx="1">
+              <a:schemeClr val="accent1"/>
+            </a:effectRef>
+            <a:fontRef idx="minor">
+              <a:schemeClr val="dk1"/>
+            </a:fontRef>
+          </p:style>
+          <p:txBody>
+            <a:bodyPr rtlCol="0" anchor="ctr"/>
+            <a:lstStyle/>
+            <a:p>
+              <a:pPr algn="ctr"/>
+              <a:endParaRPr lang="en-GB"/>
+            </a:p>
+          </p:txBody>
+        </p:sp>
+        <p:sp>
+          <p:nvSpPr>
+            <p:cNvPr id="11" name="Triangolo isoscele 76">
+              <a:extLst>
+                <a:ext uri="{FF2B5EF4-FFF2-40B4-BE49-F238E27FC236}">
+                  <a16:creationId xmlns:a16="http://schemas.microsoft.com/office/drawing/2014/main" id="{E916AB63-4782-439B-A9B0-E9AD2E838EB1}"/>
+                </a:ext>
+              </a:extLst>
+            </p:cNvPr>
+            <p:cNvSpPr/>
+            <p:nvPr/>
+          </p:nvSpPr>
+          <p:spPr>
+            <a:xfrm rot="5400000" flipH="1">
+              <a:off x="5141030" y="4218931"/>
+              <a:ext cx="86434" cy="139263"/>
+            </a:xfrm>
+            <a:prstGeom prst="triangle">
+              <a:avLst/>
+            </a:prstGeom>
+            <a:solidFill>
+              <a:schemeClr val="bg1"/>
+            </a:solidFill>
+            <a:ln/>
+          </p:spPr>
+          <p:style>
+            <a:lnRef idx="1">
+              <a:schemeClr val="accent5"/>
+            </a:lnRef>
+            <a:fillRef idx="2">
+              <a:schemeClr val="accent5"/>
+            </a:fillRef>
+            <a:effectRef idx="1">
+              <a:schemeClr val="accent5"/>
+            </a:effectRef>
+            <a:fontRef idx="minor">
+              <a:schemeClr val="dk1"/>
+            </a:fontRef>
+          </p:style>
+          <p:txBody>
+            <a:bodyPr rtlCol="0" anchor="ctr"/>
+            <a:lstStyle/>
+            <a:p>
+              <a:pPr algn="ctr"/>
+              <a:endParaRPr lang="en-GB" sz="1200">
+                <a:solidFill>
+                  <a:schemeClr val="dk1"/>
+                </a:solidFill>
+              </a:endParaRPr>
+            </a:p>
+          </p:txBody>
+        </p:sp>
+      </p:grpSp>
+      <p:sp>
+        <p:nvSpPr>
+          <p:cNvPr id="12" name="CasellaDiTesto 80">
+            <a:extLst>
+              <a:ext uri="{FF2B5EF4-FFF2-40B4-BE49-F238E27FC236}">
+                <a16:creationId xmlns:a16="http://schemas.microsoft.com/office/drawing/2014/main" id="{72B5600D-A098-4BE0-9D29-4E981D471DE0}"/>
+              </a:ext>
+            </a:extLst>
+          </p:cNvPr>
+          <p:cNvSpPr txBox="1"/>
+          <p:nvPr/>
+        </p:nvSpPr>
+        <p:spPr>
+          <a:xfrm>
+            <a:off x="2016875" y="292678"/>
+            <a:ext cx="995209" cy="400110"/>
+          </a:xfrm>
+          <a:prstGeom prst="rect">
+            <a:avLst/>
+          </a:prstGeom>
+          <a:noFill/>
+        </p:spPr>
+        <p:txBody>
+          <a:bodyPr wrap="none" rtlCol="0">
+            <a:spAutoFit/>
+          </a:bodyPr>
+          <a:lstStyle/>
+          <a:p>
+            <a:r>
+              <a:rPr lang="it-IT" sz="2000" dirty="0" err="1"/>
+              <a:t>Dispatch</a:t>
+            </a:r>
+            <a:endParaRPr lang="en-GB" sz="2000" dirty="0"/>
+          </a:p>
+        </p:txBody>
+      </p:sp>
+      <p:sp>
+        <p:nvSpPr>
+          <p:cNvPr id="13" name="CasellaDiTesto 81">
+            <a:extLst>
+              <a:ext uri="{FF2B5EF4-FFF2-40B4-BE49-F238E27FC236}">
+                <a16:creationId xmlns:a16="http://schemas.microsoft.com/office/drawing/2014/main" id="{2832473F-CC41-4D67-95E6-8748F15632CD}"/>
+              </a:ext>
+            </a:extLst>
+          </p:cNvPr>
+          <p:cNvSpPr txBox="1"/>
+          <p:nvPr/>
+        </p:nvSpPr>
+        <p:spPr>
+          <a:xfrm>
+            <a:off x="2021261" y="731116"/>
+            <a:ext cx="933269" cy="400110"/>
+          </a:xfrm>
+          <a:prstGeom prst="rect">
+            <a:avLst/>
+          </a:prstGeom>
+          <a:noFill/>
+        </p:spPr>
+        <p:txBody>
+          <a:bodyPr wrap="none" rtlCol="0">
+            <a:spAutoFit/>
+          </a:bodyPr>
+          <a:lstStyle/>
+          <a:p>
+            <a:r>
+              <a:rPr lang="it-IT" sz="2000" dirty="0" err="1"/>
+              <a:t>Request</a:t>
+            </a:r>
+            <a:endParaRPr lang="en-GB" sz="2000" dirty="0"/>
+          </a:p>
+        </p:txBody>
+      </p:sp>
+      <p:grpSp>
+        <p:nvGrpSpPr>
+          <p:cNvPr id="14" name="Gruppo 87">
+            <a:extLst>
+              <a:ext uri="{FF2B5EF4-FFF2-40B4-BE49-F238E27FC236}">
+                <a16:creationId xmlns:a16="http://schemas.microsoft.com/office/drawing/2014/main" id="{CDDB6DF8-445A-4D3C-9E6E-3D2D9BA565D8}"/>
+              </a:ext>
+            </a:extLst>
+          </p:cNvPr>
+          <p:cNvGrpSpPr/>
+          <p:nvPr/>
+        </p:nvGrpSpPr>
+        <p:grpSpPr>
+          <a:xfrm>
+            <a:off x="1159459" y="1131226"/>
+            <a:ext cx="666895" cy="86434"/>
+            <a:chOff x="4592177" y="4419530"/>
+            <a:chExt cx="666895" cy="86434"/>
+          </a:xfrm>
+        </p:grpSpPr>
+        <p:cxnSp>
+          <p:nvCxnSpPr>
+            <p:cNvPr id="15" name="Connettore 1 89">
+              <a:extLst>
+                <a:ext uri="{FF2B5EF4-FFF2-40B4-BE49-F238E27FC236}">
+                  <a16:creationId xmlns:a16="http://schemas.microsoft.com/office/drawing/2014/main" id="{A504012D-1DBC-427E-92AD-67E4D62B312F}"/>
+                </a:ext>
+              </a:extLst>
+            </p:cNvPr>
+            <p:cNvCxnSpPr/>
+            <p:nvPr/>
+          </p:nvCxnSpPr>
+          <p:spPr>
+            <a:xfrm>
+              <a:off x="4611000" y="4462747"/>
+              <a:ext cx="648072" cy="0"/>
+            </a:xfrm>
+            <a:prstGeom prst="line">
+              <a:avLst/>
+            </a:prstGeom>
+            <a:ln>
+              <a:prstDash val="dash"/>
+            </a:ln>
+          </p:spPr>
+          <p:style>
+            <a:lnRef idx="1">
+              <a:schemeClr val="accent1"/>
+            </a:lnRef>
+            <a:fillRef idx="0">
+              <a:schemeClr val="accent1"/>
+            </a:fillRef>
+            <a:effectRef idx="0">
+              <a:schemeClr val="accent1"/>
+            </a:effectRef>
+            <a:fontRef idx="minor">
+              <a:schemeClr val="tx1"/>
+            </a:fontRef>
+          </p:style>
+        </p:cxnSp>
+        <p:sp>
+          <p:nvSpPr>
+            <p:cNvPr id="16" name="Triangolo isoscele 90">
+              <a:extLst>
+                <a:ext uri="{FF2B5EF4-FFF2-40B4-BE49-F238E27FC236}">
+                  <a16:creationId xmlns:a16="http://schemas.microsoft.com/office/drawing/2014/main" id="{AF6509DD-8D3D-4911-B351-E7BF33D0D71A}"/>
+                </a:ext>
+              </a:extLst>
+            </p:cNvPr>
+            <p:cNvSpPr/>
+            <p:nvPr/>
+          </p:nvSpPr>
+          <p:spPr>
+            <a:xfrm rot="16200000">
+              <a:off x="4618592" y="4393115"/>
+              <a:ext cx="86434" cy="139263"/>
+            </a:xfrm>
+            <a:prstGeom prst="triangle">
+              <a:avLst/>
+            </a:prstGeom>
+            <a:solidFill>
+              <a:schemeClr val="bg1"/>
+            </a:solidFill>
+            <a:ln/>
+          </p:spPr>
+          <p:style>
+            <a:lnRef idx="1">
+              <a:schemeClr val="accent5"/>
+            </a:lnRef>
+            <a:fillRef idx="2">
+              <a:schemeClr val="accent5"/>
+            </a:fillRef>
+            <a:effectRef idx="1">
+              <a:schemeClr val="accent5"/>
+            </a:effectRef>
+            <a:fontRef idx="minor">
+              <a:schemeClr val="dk1"/>
+            </a:fontRef>
+          </p:style>
+          <p:txBody>
+            <a:bodyPr rtlCol="0" anchor="ctr"/>
+            <a:lstStyle/>
+            <a:p>
+              <a:pPr algn="ctr"/>
+              <a:endParaRPr lang="en-GB" sz="1200"/>
+            </a:p>
+          </p:txBody>
+        </p:sp>
+      </p:grpSp>
+      <p:sp>
+        <p:nvSpPr>
+          <p:cNvPr id="17" name="CasellaDiTesto 91">
+            <a:extLst>
+              <a:ext uri="{FF2B5EF4-FFF2-40B4-BE49-F238E27FC236}">
+                <a16:creationId xmlns:a16="http://schemas.microsoft.com/office/drawing/2014/main" id="{EAF9BEEA-F8F7-4B16-BF60-8B8EAD064DE5}"/>
+              </a:ext>
+            </a:extLst>
+          </p:cNvPr>
+          <p:cNvSpPr txBox="1"/>
+          <p:nvPr/>
+        </p:nvSpPr>
+        <p:spPr>
+          <a:xfrm>
+            <a:off x="2039509" y="959794"/>
+            <a:ext cx="721351" cy="400110"/>
+          </a:xfrm>
+          <a:prstGeom prst="rect">
+            <a:avLst/>
+          </a:prstGeom>
+          <a:noFill/>
+        </p:spPr>
+        <p:txBody>
+          <a:bodyPr wrap="none" rtlCol="0">
+            <a:spAutoFit/>
+          </a:bodyPr>
+          <a:lstStyle/>
+          <a:p>
+            <a:r>
+              <a:rPr lang="it-IT" sz="2000" dirty="0" err="1"/>
+              <a:t>Reply</a:t>
+            </a:r>
+            <a:endParaRPr lang="en-GB" sz="2000" dirty="0"/>
+          </a:p>
+        </p:txBody>
+      </p:sp>
+      <p:cxnSp>
+        <p:nvCxnSpPr>
+          <p:cNvPr id="18" name="Connettore 2 92">
+            <a:extLst>
+              <a:ext uri="{FF2B5EF4-FFF2-40B4-BE49-F238E27FC236}">
+                <a16:creationId xmlns:a16="http://schemas.microsoft.com/office/drawing/2014/main" id="{373280F8-F690-4A62-ACB0-582565EF381B}"/>
+              </a:ext>
+            </a:extLst>
+          </p:cNvPr>
+          <p:cNvCxnSpPr/>
+          <p:nvPr/>
+        </p:nvCxnSpPr>
+        <p:spPr>
+          <a:xfrm>
+            <a:off x="1119490" y="498769"/>
+            <a:ext cx="783259" cy="0"/>
+          </a:xfrm>
+          <a:prstGeom prst="straightConnector1">
+            <a:avLst/>
+          </a:prstGeom>
+          <a:ln>
+            <a:prstDash val="lgDash"/>
+            <a:tailEnd type="arrow"/>
+          </a:ln>
+        </p:spPr>
+        <p:style>
+          <a:lnRef idx="1">
+            <a:schemeClr val="accent1"/>
+          </a:lnRef>
+          <a:fillRef idx="0">
+            <a:schemeClr val="accent1"/>
+          </a:fillRef>
+          <a:effectRef idx="0">
+            <a:schemeClr val="accent1"/>
+          </a:effectRef>
+          <a:fontRef idx="minor">
+            <a:schemeClr val="tx1"/>
+          </a:fontRef>
+        </p:style>
+      </p:cxnSp>
+      <p:grpSp>
+        <p:nvGrpSpPr>
+          <p:cNvPr id="20" name="Gruppo 82">
+            <a:extLst>
+              <a:ext uri="{FF2B5EF4-FFF2-40B4-BE49-F238E27FC236}">
+                <a16:creationId xmlns:a16="http://schemas.microsoft.com/office/drawing/2014/main" id="{12D969AC-9EB0-4CF5-9EE5-D0DD7ACA9C72}"/>
+              </a:ext>
+            </a:extLst>
+          </p:cNvPr>
+          <p:cNvGrpSpPr/>
+          <p:nvPr/>
+        </p:nvGrpSpPr>
+        <p:grpSpPr>
+          <a:xfrm>
+            <a:off x="1603089" y="2584776"/>
+            <a:ext cx="866156" cy="763297"/>
+            <a:chOff x="1194666" y="2417771"/>
+            <a:chExt cx="866156" cy="763297"/>
+          </a:xfrm>
+        </p:grpSpPr>
+        <p:sp>
+          <p:nvSpPr>
+            <p:cNvPr id="21" name="Ovale 38">
+              <a:extLst>
+                <a:ext uri="{FF2B5EF4-FFF2-40B4-BE49-F238E27FC236}">
+                  <a16:creationId xmlns:a16="http://schemas.microsoft.com/office/drawing/2014/main" id="{0EB3DE65-C1E4-4AD3-B909-2646317ECA68}"/>
+                </a:ext>
+              </a:extLst>
+            </p:cNvPr>
+            <p:cNvSpPr/>
+            <p:nvPr/>
+          </p:nvSpPr>
+          <p:spPr>
+            <a:xfrm>
+              <a:off x="1311101" y="2460988"/>
+              <a:ext cx="749721" cy="720080"/>
+            </a:xfrm>
+            <a:prstGeom prst="ellipse">
+              <a:avLst/>
+            </a:prstGeom>
+            <a:solidFill>
+              <a:srgbClr val="FFCCFF"/>
+            </a:solidFill>
+            <a:ln/>
+          </p:spPr>
+          <p:style>
+            <a:lnRef idx="1">
+              <a:schemeClr val="accent5"/>
+            </a:lnRef>
+            <a:fillRef idx="2">
+              <a:schemeClr val="accent5"/>
+            </a:fillRef>
+            <a:effectRef idx="1">
+              <a:schemeClr val="accent5"/>
+            </a:effectRef>
+            <a:fontRef idx="minor">
+              <a:schemeClr val="dk1"/>
+            </a:fontRef>
+          </p:style>
+          <p:txBody>
+            <a:bodyPr rtlCol="0" anchor="ctr"/>
+            <a:lstStyle/>
+            <a:p>
+              <a:pPr algn="ctr"/>
+              <a:r>
+                <a:rPr lang="en-GB" sz="1200" dirty="0"/>
+                <a:t> </a:t>
+              </a:r>
+            </a:p>
+          </p:txBody>
+        </p:sp>
+        <p:sp>
+          <p:nvSpPr>
+            <p:cNvPr id="22" name="Rettangolo 39">
+              <a:extLst>
+                <a:ext uri="{FF2B5EF4-FFF2-40B4-BE49-F238E27FC236}">
+                  <a16:creationId xmlns:a16="http://schemas.microsoft.com/office/drawing/2014/main" id="{AAF0ABD1-BB2B-450B-9369-91FF5B4CE129}"/>
+                </a:ext>
+              </a:extLst>
+            </p:cNvPr>
+            <p:cNvSpPr/>
+            <p:nvPr/>
+          </p:nvSpPr>
+          <p:spPr>
+            <a:xfrm>
+              <a:off x="1194666" y="2699711"/>
+              <a:ext cx="281433" cy="211952"/>
+            </a:xfrm>
+            <a:prstGeom prst="rect">
+              <a:avLst/>
+            </a:prstGeom>
+            <a:solidFill>
+              <a:srgbClr val="FFCCFF"/>
+            </a:solidFill>
+            <a:ln/>
+          </p:spPr>
+          <p:style>
+            <a:lnRef idx="1">
+              <a:schemeClr val="accent5"/>
+            </a:lnRef>
+            <a:fillRef idx="2">
+              <a:schemeClr val="accent5"/>
+            </a:fillRef>
+            <a:effectRef idx="1">
+              <a:schemeClr val="accent5"/>
+            </a:effectRef>
+            <a:fontRef idx="minor">
+              <a:schemeClr val="dk1"/>
+            </a:fontRef>
+          </p:style>
+          <p:txBody>
+            <a:bodyPr rtlCol="0" anchor="ctr"/>
+            <a:lstStyle/>
+            <a:p>
+              <a:pPr algn="ctr"/>
+              <a:endParaRPr lang="en-GB" sz="1200"/>
+            </a:p>
+          </p:txBody>
+        </p:sp>
+        <p:sp>
+          <p:nvSpPr>
+            <p:cNvPr id="23" name="Triangolo isoscele 42">
+              <a:extLst>
+                <a:ext uri="{FF2B5EF4-FFF2-40B4-BE49-F238E27FC236}">
+                  <a16:creationId xmlns:a16="http://schemas.microsoft.com/office/drawing/2014/main" id="{34D1AFB1-88AB-4A6C-9824-2CF6DE11BF7C}"/>
+                </a:ext>
+              </a:extLst>
+            </p:cNvPr>
+            <p:cNvSpPr/>
+            <p:nvPr/>
+          </p:nvSpPr>
+          <p:spPr>
+            <a:xfrm rot="16200000">
+              <a:off x="1618539" y="2391356"/>
+              <a:ext cx="86434" cy="139263"/>
+            </a:xfrm>
+            <a:prstGeom prst="triangle">
+              <a:avLst/>
+            </a:prstGeom>
+            <a:solidFill>
+              <a:srgbClr val="FF0000"/>
+            </a:solidFill>
+            <a:ln/>
+          </p:spPr>
+          <p:style>
+            <a:lnRef idx="1">
+              <a:schemeClr val="accent5"/>
+            </a:lnRef>
+            <a:fillRef idx="2">
+              <a:schemeClr val="accent5"/>
+            </a:fillRef>
+            <a:effectRef idx="1">
+              <a:schemeClr val="accent5"/>
+            </a:effectRef>
+            <a:fontRef idx="minor">
+              <a:schemeClr val="dk1"/>
+            </a:fontRef>
+          </p:style>
+          <p:txBody>
+            <a:bodyPr rtlCol="0" anchor="ctr"/>
+            <a:lstStyle/>
+            <a:p>
+              <a:pPr algn="ctr"/>
+              <a:endParaRPr lang="en-GB" sz="1200">
+                <a:solidFill>
+                  <a:schemeClr val="dk1"/>
+                </a:solidFill>
+              </a:endParaRPr>
+            </a:p>
+          </p:txBody>
+        </p:sp>
+      </p:grpSp>
+      <p:sp>
+        <p:nvSpPr>
+          <p:cNvPr id="24" name="Rectangle 4">
+            <a:extLst>
+              <a:ext uri="{FF2B5EF4-FFF2-40B4-BE49-F238E27FC236}">
+                <a16:creationId xmlns:a16="http://schemas.microsoft.com/office/drawing/2014/main" id="{FA1CA8BE-B059-415B-B299-7E0D7424128A}"/>
+              </a:ext>
+            </a:extLst>
+          </p:cNvPr>
+          <p:cNvSpPr>
+            <a:spLocks noChangeArrowheads="1"/>
+          </p:cNvSpPr>
+          <p:nvPr/>
+        </p:nvSpPr>
+        <p:spPr bwMode="auto">
+          <a:xfrm>
+            <a:off x="1515379" y="3455988"/>
+            <a:ext cx="1109599" cy="307777"/>
+          </a:xfrm>
+          <a:prstGeom prst="rect">
+            <a:avLst/>
+          </a:prstGeom>
+          <a:noFill/>
+        </p:spPr>
+        <p:txBody>
+          <a:bodyPr wrap="none" rtlCol="0">
+            <a:spAutoFit/>
+          </a:bodyPr>
+          <a:lstStyle/>
+          <a:p>
+            <a:r>
+              <a:rPr lang="en-US" altLang="en-US" sz="1400" b="1" dirty="0" err="1">
+                <a:solidFill>
+                  <a:srgbClr val="0070C0"/>
+                </a:solidFill>
+                <a:latin typeface="Arial" panose="020B0604020202020204" pitchFamily="34" charset="0"/>
+                <a:cs typeface="Arial" panose="020B0604020202020204" pitchFamily="34" charset="0"/>
+              </a:rPr>
+              <a:t>robotActor</a:t>
+            </a:r>
+            <a:endParaRPr lang="en-US" altLang="en-US" sz="1400" dirty="0">
+              <a:latin typeface="Arial" panose="020B0604020202020204" pitchFamily="34" charset="0"/>
+              <a:cs typeface="Arial" panose="020B0604020202020204" pitchFamily="34" charset="0"/>
+            </a:endParaRPr>
+          </a:p>
+        </p:txBody>
+      </p:sp>
+      <p:sp>
+        <p:nvSpPr>
+          <p:cNvPr id="25" name="Ovale 33">
+            <a:extLst>
+              <a:ext uri="{FF2B5EF4-FFF2-40B4-BE49-F238E27FC236}">
+                <a16:creationId xmlns:a16="http://schemas.microsoft.com/office/drawing/2014/main" id="{A4E6BBEC-1E11-48AC-9881-2BCB8F6CF48A}"/>
+              </a:ext>
+            </a:extLst>
+          </p:cNvPr>
+          <p:cNvSpPr/>
+          <p:nvPr/>
+        </p:nvSpPr>
+        <p:spPr>
+          <a:xfrm>
+            <a:off x="4286300" y="2652761"/>
+            <a:ext cx="749721" cy="720080"/>
+          </a:xfrm>
+          <a:prstGeom prst="ellipse">
+            <a:avLst/>
+          </a:prstGeom>
+          <a:ln/>
+        </p:spPr>
+        <p:style>
+          <a:lnRef idx="1">
+            <a:schemeClr val="accent5"/>
+          </a:lnRef>
+          <a:fillRef idx="2">
+            <a:schemeClr val="accent5"/>
+          </a:fillRef>
+          <a:effectRef idx="1">
+            <a:schemeClr val="accent5"/>
+          </a:effectRef>
+          <a:fontRef idx="minor">
+            <a:schemeClr val="dk1"/>
+          </a:fontRef>
+        </p:style>
+        <p:txBody>
+          <a:bodyPr rtlCol="0" anchor="ctr"/>
+          <a:lstStyle/>
+          <a:p>
+            <a:pPr algn="ctr"/>
+            <a:r>
+              <a:rPr lang="en-GB" sz="1200" dirty="0"/>
+              <a:t> </a:t>
+            </a:r>
+          </a:p>
+        </p:txBody>
+      </p:sp>
+      <p:sp>
+        <p:nvSpPr>
+          <p:cNvPr id="26" name="CasellaDiTesto 19">
+            <a:extLst>
+              <a:ext uri="{FF2B5EF4-FFF2-40B4-BE49-F238E27FC236}">
+                <a16:creationId xmlns:a16="http://schemas.microsoft.com/office/drawing/2014/main" id="{11853092-90FB-4FF0-A8A7-8E1E956C1000}"/>
+              </a:ext>
+            </a:extLst>
+          </p:cNvPr>
+          <p:cNvSpPr txBox="1"/>
+          <p:nvPr/>
+        </p:nvSpPr>
+        <p:spPr>
+          <a:xfrm>
+            <a:off x="4144022" y="3484314"/>
+            <a:ext cx="253596" cy="461665"/>
+          </a:xfrm>
+          <a:prstGeom prst="rect">
+            <a:avLst/>
+          </a:prstGeom>
+          <a:noFill/>
+        </p:spPr>
+        <p:txBody>
+          <a:bodyPr wrap="none" rtlCol="0">
+            <a:spAutoFit/>
+          </a:bodyPr>
+          <a:lstStyle/>
+          <a:p>
+            <a:r>
+              <a:rPr lang="it-IT" sz="2400" dirty="0"/>
+              <a:t> </a:t>
+            </a:r>
+            <a:endParaRPr lang="en-GB" sz="2400" dirty="0"/>
+          </a:p>
+        </p:txBody>
+      </p:sp>
+      <p:sp>
+        <p:nvSpPr>
+          <p:cNvPr id="27" name="Rectangle 4">
+            <a:extLst>
+              <a:ext uri="{FF2B5EF4-FFF2-40B4-BE49-F238E27FC236}">
+                <a16:creationId xmlns:a16="http://schemas.microsoft.com/office/drawing/2014/main" id="{57A31D5F-E223-48B4-A819-ADBF29AA214F}"/>
+              </a:ext>
+            </a:extLst>
+          </p:cNvPr>
+          <p:cNvSpPr>
+            <a:spLocks noChangeArrowheads="1"/>
+          </p:cNvSpPr>
+          <p:nvPr/>
+        </p:nvSpPr>
+        <p:spPr bwMode="auto">
+          <a:xfrm>
+            <a:off x="3982165" y="3340299"/>
+            <a:ext cx="2909771" cy="738664"/>
+          </a:xfrm>
+          <a:prstGeom prst="rect">
+            <a:avLst/>
+          </a:prstGeom>
+          <a:noFill/>
+        </p:spPr>
+        <p:txBody>
+          <a:bodyPr wrap="none" rtlCol="0">
+            <a:spAutoFit/>
+          </a:bodyPr>
+          <a:lstStyle/>
+          <a:p>
+            <a:r>
+              <a:rPr lang="en-US" sz="1400" b="1" dirty="0" err="1">
+                <a:solidFill>
+                  <a:srgbClr val="0070C0"/>
+                </a:solidFill>
+                <a:latin typeface="Arial" panose="020B0604020202020204" pitchFamily="34" charset="0"/>
+                <a:cs typeface="Arial" panose="020B0604020202020204" pitchFamily="34" charset="0"/>
+              </a:rPr>
+              <a:t>virtualRobotSupport</a:t>
+            </a:r>
+            <a:endParaRPr lang="en-US" altLang="en-US" sz="1400" b="1" dirty="0">
+              <a:solidFill>
+                <a:srgbClr val="0070C0"/>
+              </a:solidFill>
+              <a:latin typeface="Arial" panose="020B0604020202020204" pitchFamily="34" charset="0"/>
+              <a:cs typeface="Arial" panose="020B0604020202020204" pitchFamily="34" charset="0"/>
+            </a:endParaRPr>
+          </a:p>
+          <a:p>
+            <a:r>
+              <a:rPr lang="en-US" altLang="en-US" sz="1400" dirty="0">
+                <a:latin typeface="Arial" panose="020B0604020202020204" pitchFamily="34" charset="0"/>
+                <a:cs typeface="Arial" panose="020B0604020202020204" pitchFamily="34" charset="0"/>
+              </a:rPr>
+              <a:t>(starts a coroutine that </a:t>
+            </a:r>
+          </a:p>
+          <a:p>
+            <a:r>
+              <a:rPr lang="en-US" altLang="en-US" sz="1400" dirty="0">
+                <a:latin typeface="Arial" panose="020B0604020202020204" pitchFamily="34" charset="0"/>
+                <a:cs typeface="Arial" panose="020B0604020202020204" pitchFamily="34" charset="0"/>
+              </a:rPr>
+              <a:t>sends messages to </a:t>
+            </a:r>
+            <a:r>
+              <a:rPr lang="en-US" altLang="en-US" sz="1400" b="1" dirty="0" err="1">
+                <a:solidFill>
+                  <a:srgbClr val="0070C0"/>
+                </a:solidFill>
+                <a:latin typeface="Arial" panose="020B0604020202020204" pitchFamily="34" charset="0"/>
+                <a:cs typeface="Arial" panose="020B0604020202020204" pitchFamily="34" charset="0"/>
+              </a:rPr>
+              <a:t>robotActor</a:t>
+            </a:r>
+            <a:r>
+              <a:rPr lang="en-US" altLang="en-US" sz="1400" dirty="0">
+                <a:latin typeface="Arial" panose="020B0604020202020204" pitchFamily="34" charset="0"/>
+                <a:cs typeface="Arial" panose="020B0604020202020204" pitchFamily="34" charset="0"/>
+              </a:rPr>
+              <a:t>) </a:t>
+            </a:r>
+          </a:p>
+        </p:txBody>
+      </p:sp>
+      <p:cxnSp>
+        <p:nvCxnSpPr>
+          <p:cNvPr id="28" name="Connettore 2 126">
+            <a:extLst>
+              <a:ext uri="{FF2B5EF4-FFF2-40B4-BE49-F238E27FC236}">
+                <a16:creationId xmlns:a16="http://schemas.microsoft.com/office/drawing/2014/main" id="{36CC678F-7232-496B-B9F9-4DE6B53CD494}"/>
+              </a:ext>
+            </a:extLst>
+          </p:cNvPr>
+          <p:cNvCxnSpPr/>
+          <p:nvPr/>
+        </p:nvCxnSpPr>
+        <p:spPr>
+          <a:xfrm flipH="1">
+            <a:off x="4666132" y="2816250"/>
+            <a:ext cx="13466" cy="393101"/>
+          </a:xfrm>
+          <a:prstGeom prst="straightConnector1">
+            <a:avLst/>
+          </a:prstGeom>
+          <a:ln>
+            <a:solidFill>
+              <a:srgbClr val="C00000"/>
+            </a:solidFill>
+            <a:prstDash val="lgDash"/>
+            <a:tailEnd type="arrow"/>
+          </a:ln>
+        </p:spPr>
+        <p:style>
+          <a:lnRef idx="1">
+            <a:schemeClr val="accent1"/>
+          </a:lnRef>
+          <a:fillRef idx="0">
+            <a:schemeClr val="accent1"/>
+          </a:fillRef>
+          <a:effectRef idx="0">
+            <a:schemeClr val="accent1"/>
+          </a:effectRef>
+          <a:fontRef idx="minor">
+            <a:schemeClr val="tx1"/>
+          </a:fontRef>
+        </p:style>
+      </p:cxnSp>
+      <p:cxnSp>
+        <p:nvCxnSpPr>
+          <p:cNvPr id="29" name="Connettore 2 9">
+            <a:extLst>
+              <a:ext uri="{FF2B5EF4-FFF2-40B4-BE49-F238E27FC236}">
+                <a16:creationId xmlns:a16="http://schemas.microsoft.com/office/drawing/2014/main" id="{04DF4836-F901-4EBA-8385-88CA97E6F661}"/>
+              </a:ext>
+            </a:extLst>
+          </p:cNvPr>
+          <p:cNvCxnSpPr>
+            <a:cxnSpLocks/>
+            <a:stCxn id="21" idx="6"/>
+            <a:endCxn id="25" idx="2"/>
+          </p:cNvCxnSpPr>
+          <p:nvPr/>
+        </p:nvCxnSpPr>
+        <p:spPr>
+          <a:xfrm>
+            <a:off x="2469245" y="2988033"/>
+            <a:ext cx="1817055" cy="24768"/>
+          </a:xfrm>
+          <a:prstGeom prst="straightConnector1">
+            <a:avLst/>
+          </a:prstGeom>
+          <a:ln>
+            <a:solidFill>
+              <a:srgbClr val="002060"/>
+            </a:solidFill>
+            <a:tailEnd type="arrow"/>
+          </a:ln>
+        </p:spPr>
+        <p:style>
+          <a:lnRef idx="1">
+            <a:schemeClr val="accent1"/>
+          </a:lnRef>
+          <a:fillRef idx="0">
+            <a:schemeClr val="accent1"/>
+          </a:fillRef>
+          <a:effectRef idx="0">
+            <a:schemeClr val="accent1"/>
+          </a:effectRef>
+          <a:fontRef idx="minor">
+            <a:schemeClr val="tx1"/>
+          </a:fontRef>
+        </p:style>
+      </p:cxnSp>
+      <p:sp>
+        <p:nvSpPr>
+          <p:cNvPr id="30" name="Rectangle 5">
+            <a:extLst>
+              <a:ext uri="{FF2B5EF4-FFF2-40B4-BE49-F238E27FC236}">
+                <a16:creationId xmlns:a16="http://schemas.microsoft.com/office/drawing/2014/main" id="{2514E10A-0E65-4430-A48F-330F1F0FD1D1}"/>
+              </a:ext>
+            </a:extLst>
+          </p:cNvPr>
+          <p:cNvSpPr>
+            <a:spLocks noChangeArrowheads="1"/>
+          </p:cNvSpPr>
+          <p:nvPr/>
+        </p:nvSpPr>
+        <p:spPr bwMode="auto">
+          <a:xfrm>
+            <a:off x="2493119" y="2577782"/>
+            <a:ext cx="1982053" cy="307777"/>
+          </a:xfrm>
+          <a:prstGeom prst="rect">
+            <a:avLst/>
+          </a:prstGeom>
+          <a:noFill/>
+        </p:spPr>
+        <p:txBody>
+          <a:bodyPr wrap="square" rtlCol="0">
+            <a:spAutoFit/>
+          </a:bodyPr>
+          <a:lstStyle/>
+          <a:p>
+            <a:r>
+              <a:rPr lang="en-US" altLang="en-US" sz="1400" b="1" dirty="0" err="1">
+                <a:latin typeface="Arial" panose="020B0604020202020204" pitchFamily="34" charset="0"/>
+                <a:cs typeface="Arial" panose="020B0604020202020204" pitchFamily="34" charset="0"/>
+              </a:rPr>
+              <a:t>domove</a:t>
+            </a:r>
+            <a:r>
+              <a:rPr lang="en-US" altLang="en-US" sz="1400" dirty="0">
+                <a:latin typeface="Arial" panose="020B0604020202020204" pitchFamily="34" charset="0"/>
+                <a:cs typeface="Arial" panose="020B0604020202020204" pitchFamily="34" charset="0"/>
+              </a:rPr>
+              <a:t>( </a:t>
+            </a:r>
+            <a:r>
+              <a:rPr lang="en-US" altLang="en-US" sz="1400" dirty="0" err="1">
+                <a:latin typeface="Arial" panose="020B0604020202020204" pitchFamily="34" charset="0"/>
+                <a:cs typeface="Arial" panose="020B0604020202020204" pitchFamily="34" charset="0"/>
+              </a:rPr>
+              <a:t>cmd</a:t>
+            </a:r>
+            <a:r>
+              <a:rPr lang="en-US" altLang="en-US" sz="1400" dirty="0">
+                <a:latin typeface="Arial" panose="020B0604020202020204" pitchFamily="34" charset="0"/>
+                <a:cs typeface="Arial" panose="020B0604020202020204" pitchFamily="34" charset="0"/>
+              </a:rPr>
+              <a:t>: String ) </a:t>
+            </a:r>
+          </a:p>
+        </p:txBody>
+      </p:sp>
+      <p:sp>
+        <p:nvSpPr>
+          <p:cNvPr id="31" name="Rectangle 5">
+            <a:extLst>
+              <a:ext uri="{FF2B5EF4-FFF2-40B4-BE49-F238E27FC236}">
+                <a16:creationId xmlns:a16="http://schemas.microsoft.com/office/drawing/2014/main" id="{DFDC7F0A-882C-4149-983D-9A958C225794}"/>
+              </a:ext>
+            </a:extLst>
+          </p:cNvPr>
+          <p:cNvSpPr>
+            <a:spLocks noChangeArrowheads="1"/>
+          </p:cNvSpPr>
+          <p:nvPr/>
+        </p:nvSpPr>
+        <p:spPr bwMode="auto">
+          <a:xfrm>
+            <a:off x="5059895" y="2598015"/>
+            <a:ext cx="702436" cy="307777"/>
+          </a:xfrm>
+          <a:prstGeom prst="rect">
+            <a:avLst/>
+          </a:prstGeom>
+          <a:noFill/>
+        </p:spPr>
+        <p:txBody>
+          <a:bodyPr wrap="none" rtlCol="0">
+            <a:spAutoFit/>
+          </a:bodyPr>
+          <a:lstStyle/>
+          <a:p>
+            <a:r>
+              <a:rPr lang="en-US" altLang="en-US" sz="1400" dirty="0">
+                <a:latin typeface="Arial" panose="020B0604020202020204" pitchFamily="34" charset="0"/>
+                <a:cs typeface="Arial" panose="020B0604020202020204" pitchFamily="34" charset="0"/>
+              </a:rPr>
+              <a:t>socket</a:t>
+            </a:r>
+          </a:p>
+        </p:txBody>
+      </p:sp>
+      <p:sp>
+        <p:nvSpPr>
+          <p:cNvPr id="32" name="Ovale 33">
+            <a:extLst>
+              <a:ext uri="{FF2B5EF4-FFF2-40B4-BE49-F238E27FC236}">
+                <a16:creationId xmlns:a16="http://schemas.microsoft.com/office/drawing/2014/main" id="{3D0173EE-08DD-4F1E-9226-740254360410}"/>
+              </a:ext>
+            </a:extLst>
+          </p:cNvPr>
+          <p:cNvSpPr/>
+          <p:nvPr/>
+        </p:nvSpPr>
+        <p:spPr>
+          <a:xfrm>
+            <a:off x="5295010" y="2885287"/>
+            <a:ext cx="312930" cy="275021"/>
+          </a:xfrm>
+          <a:prstGeom prst="ellipse">
+            <a:avLst/>
+          </a:prstGeom>
+          <a:ln/>
+        </p:spPr>
+        <p:style>
+          <a:lnRef idx="1">
+            <a:schemeClr val="accent5"/>
+          </a:lnRef>
+          <a:fillRef idx="2">
+            <a:schemeClr val="accent5"/>
+          </a:fillRef>
+          <a:effectRef idx="1">
+            <a:schemeClr val="accent5"/>
+          </a:effectRef>
+          <a:fontRef idx="minor">
+            <a:schemeClr val="dk1"/>
+          </a:fontRef>
+        </p:style>
+        <p:txBody>
+          <a:bodyPr rtlCol="0" anchor="ctr"/>
+          <a:lstStyle/>
+          <a:p>
+            <a:pPr algn="ctr"/>
+            <a:r>
+              <a:rPr lang="en-GB" sz="1200" dirty="0"/>
+              <a:t> </a:t>
+            </a:r>
+          </a:p>
+        </p:txBody>
+      </p:sp>
+      <p:cxnSp>
+        <p:nvCxnSpPr>
+          <p:cNvPr id="33" name="Straight Arrow Connector 32">
+            <a:extLst>
+              <a:ext uri="{FF2B5EF4-FFF2-40B4-BE49-F238E27FC236}">
+                <a16:creationId xmlns:a16="http://schemas.microsoft.com/office/drawing/2014/main" id="{F5733152-082A-43F7-B943-085C85850C21}"/>
+              </a:ext>
+            </a:extLst>
+          </p:cNvPr>
+          <p:cNvCxnSpPr>
+            <a:endCxn id="32" idx="2"/>
+          </p:cNvCxnSpPr>
+          <p:nvPr/>
+        </p:nvCxnSpPr>
+        <p:spPr>
+          <a:xfrm>
+            <a:off x="5017129" y="3016587"/>
+            <a:ext cx="277881" cy="6211"/>
+          </a:xfrm>
+          <a:prstGeom prst="straightConnector1">
+            <a:avLst/>
+          </a:prstGeom>
+          <a:ln>
+            <a:tailEnd type="triangle"/>
+          </a:ln>
+        </p:spPr>
+        <p:style>
+          <a:lnRef idx="1">
+            <a:schemeClr val="accent1"/>
+          </a:lnRef>
+          <a:fillRef idx="0">
+            <a:schemeClr val="accent1"/>
+          </a:fillRef>
+          <a:effectRef idx="0">
+            <a:schemeClr val="accent1"/>
+          </a:effectRef>
+          <a:fontRef idx="minor">
+            <a:schemeClr val="tx1"/>
+          </a:fontRef>
+        </p:style>
+      </p:cxnSp>
+      <p:cxnSp>
+        <p:nvCxnSpPr>
+          <p:cNvPr id="34" name="Connector: Elbow 33">
+            <a:extLst>
+              <a:ext uri="{FF2B5EF4-FFF2-40B4-BE49-F238E27FC236}">
+                <a16:creationId xmlns:a16="http://schemas.microsoft.com/office/drawing/2014/main" id="{6E0866FF-855D-4981-849D-973D1B152AB3}"/>
+              </a:ext>
+            </a:extLst>
+          </p:cNvPr>
+          <p:cNvCxnSpPr>
+            <a:cxnSpLocks/>
+            <a:stCxn id="25" idx="3"/>
+            <a:endCxn id="35" idx="4"/>
+          </p:cNvCxnSpPr>
+          <p:nvPr/>
+        </p:nvCxnSpPr>
+        <p:spPr>
+          <a:xfrm rot="5400000" flipH="1">
+            <a:off x="2682188" y="1553482"/>
+            <a:ext cx="185414" cy="3242398"/>
+          </a:xfrm>
+          <a:prstGeom prst="bentConnector3">
+            <a:avLst>
+              <a:gd name="adj1" fmla="val -394410"/>
+            </a:avLst>
+          </a:prstGeom>
+          <a:ln>
+            <a:prstDash val="lgDash"/>
+            <a:tailEnd type="arrow"/>
+          </a:ln>
+        </p:spPr>
+        <p:style>
+          <a:lnRef idx="1">
+            <a:schemeClr val="accent1"/>
+          </a:lnRef>
+          <a:fillRef idx="0">
+            <a:schemeClr val="accent1"/>
+          </a:fillRef>
+          <a:effectRef idx="0">
+            <a:schemeClr val="accent1"/>
+          </a:effectRef>
+          <a:fontRef idx="minor">
+            <a:schemeClr val="tx1"/>
+          </a:fontRef>
+        </p:style>
+      </p:cxnSp>
+      <p:sp>
+        <p:nvSpPr>
+          <p:cNvPr id="35" name="Oval 34">
+            <a:extLst>
+              <a:ext uri="{FF2B5EF4-FFF2-40B4-BE49-F238E27FC236}">
+                <a16:creationId xmlns:a16="http://schemas.microsoft.com/office/drawing/2014/main" id="{65481011-CBAC-4F9B-821D-2FF28D949DEA}"/>
+              </a:ext>
+            </a:extLst>
+          </p:cNvPr>
+          <p:cNvSpPr/>
+          <p:nvPr/>
+        </p:nvSpPr>
+        <p:spPr>
+          <a:xfrm>
+            <a:off x="1041833" y="2850876"/>
+            <a:ext cx="223725" cy="231098"/>
+          </a:xfrm>
+          <a:prstGeom prst="ellipse">
+            <a:avLst/>
+          </a:prstGeom>
+          <a:solidFill>
+            <a:schemeClr val="bg1"/>
+          </a:solidFill>
+          <a:ln>
+            <a:solidFill>
+              <a:schemeClr val="bg1"/>
+            </a:solidFill>
+          </a:ln>
+        </p:spPr>
+        <p:style>
+          <a:lnRef idx="2">
+            <a:schemeClr val="accent1">
+              <a:shade val="50000"/>
+            </a:schemeClr>
+          </a:lnRef>
+          <a:fillRef idx="1">
+            <a:schemeClr val="accent1"/>
+          </a:fillRef>
+          <a:effectRef idx="0">
+            <a:schemeClr val="accent1"/>
+          </a:effectRef>
+          <a:fontRef idx="minor">
+            <a:schemeClr val="lt1"/>
+          </a:fontRef>
+        </p:style>
+        <p:txBody>
+          <a:bodyPr rtlCol="0" anchor="ctr"/>
+          <a:lstStyle/>
+          <a:p>
+            <a:pPr algn="ctr"/>
+            <a:endParaRPr lang="en-US"/>
+          </a:p>
+        </p:txBody>
+      </p:sp>
+      <p:cxnSp>
+        <p:nvCxnSpPr>
+          <p:cNvPr id="36" name="Connettore 2 92">
+            <a:extLst>
+              <a:ext uri="{FF2B5EF4-FFF2-40B4-BE49-F238E27FC236}">
+                <a16:creationId xmlns:a16="http://schemas.microsoft.com/office/drawing/2014/main" id="{6FD6BF04-777C-407D-B010-E858A36FD965}"/>
+              </a:ext>
+            </a:extLst>
+          </p:cNvPr>
+          <p:cNvCxnSpPr/>
+          <p:nvPr/>
+        </p:nvCxnSpPr>
+        <p:spPr>
+          <a:xfrm>
+            <a:off x="819830" y="3047880"/>
+            <a:ext cx="783259" cy="0"/>
+          </a:xfrm>
+          <a:prstGeom prst="straightConnector1">
+            <a:avLst/>
+          </a:prstGeom>
+          <a:ln>
+            <a:prstDash val="lgDash"/>
+            <a:tailEnd type="arrow"/>
+          </a:ln>
+        </p:spPr>
+        <p:style>
+          <a:lnRef idx="1">
+            <a:schemeClr val="accent1"/>
+          </a:lnRef>
+          <a:fillRef idx="0">
+            <a:schemeClr val="accent1"/>
+          </a:fillRef>
+          <a:effectRef idx="0">
+            <a:schemeClr val="accent1"/>
+          </a:effectRef>
+          <a:fontRef idx="minor">
+            <a:schemeClr val="tx1"/>
+          </a:fontRef>
+        </p:style>
+      </p:cxnSp>
+      <p:sp>
+        <p:nvSpPr>
+          <p:cNvPr id="38" name="Rectangle 5">
+            <a:extLst>
+              <a:ext uri="{FF2B5EF4-FFF2-40B4-BE49-F238E27FC236}">
+                <a16:creationId xmlns:a16="http://schemas.microsoft.com/office/drawing/2014/main" id="{EB817455-7F07-4D5C-B180-91ED8A2903CA}"/>
+              </a:ext>
+            </a:extLst>
+          </p:cNvPr>
+          <p:cNvSpPr>
+            <a:spLocks noChangeArrowheads="1"/>
+          </p:cNvSpPr>
+          <p:nvPr/>
+        </p:nvSpPr>
+        <p:spPr bwMode="auto">
+          <a:xfrm>
+            <a:off x="1755917" y="4023317"/>
+            <a:ext cx="5064754" cy="307777"/>
+          </a:xfrm>
+          <a:prstGeom prst="rect">
+            <a:avLst/>
+          </a:prstGeom>
+          <a:noFill/>
+        </p:spPr>
+        <p:txBody>
+          <a:bodyPr wrap="square" rtlCol="0">
+            <a:spAutoFit/>
+          </a:bodyPr>
+          <a:lstStyle/>
+          <a:p>
+            <a:r>
+              <a:rPr lang="en-US" sz="1400" b="1" dirty="0">
+                <a:solidFill>
+                  <a:srgbClr val="00B050"/>
+                </a:solidFill>
+                <a:latin typeface="Arial" panose="020B0604020202020204" pitchFamily="34" charset="0"/>
+                <a:cs typeface="Arial" panose="020B0604020202020204" pitchFamily="34" charset="0"/>
+              </a:rPr>
+              <a:t>msg(</a:t>
+            </a:r>
+            <a:r>
+              <a:rPr lang="en-US" sz="1400" b="1" dirty="0" err="1">
+                <a:solidFill>
+                  <a:srgbClr val="00B050"/>
+                </a:solidFill>
+                <a:latin typeface="Arial" panose="020B0604020202020204" pitchFamily="34" charset="0"/>
+                <a:cs typeface="Arial" panose="020B0604020202020204" pitchFamily="34" charset="0"/>
+              </a:rPr>
+              <a:t>sensor,dispatch,vr,robotactor</a:t>
+            </a:r>
+            <a:r>
+              <a:rPr lang="en-US" sz="1400" b="1" dirty="0">
+                <a:solidFill>
+                  <a:srgbClr val="00B050"/>
+                </a:solidFill>
+                <a:latin typeface="Arial" panose="020B0604020202020204" pitchFamily="34" charset="0"/>
+                <a:cs typeface="Arial" panose="020B0604020202020204" pitchFamily="34" charset="0"/>
+              </a:rPr>
+              <a:t>, collision-bottle2, 6)</a:t>
+            </a:r>
+          </a:p>
+        </p:txBody>
+      </p:sp>
+      <p:sp>
+        <p:nvSpPr>
+          <p:cNvPr id="39" name="Rectangle 5">
+            <a:extLst>
+              <a:ext uri="{FF2B5EF4-FFF2-40B4-BE49-F238E27FC236}">
+                <a16:creationId xmlns:a16="http://schemas.microsoft.com/office/drawing/2014/main" id="{57B70A4C-684C-498F-B66C-2400E2253AFD}"/>
+              </a:ext>
+            </a:extLst>
+          </p:cNvPr>
+          <p:cNvSpPr>
+            <a:spLocks noChangeArrowheads="1"/>
+          </p:cNvSpPr>
+          <p:nvPr/>
+        </p:nvSpPr>
+        <p:spPr bwMode="auto">
+          <a:xfrm>
+            <a:off x="541764" y="2339876"/>
+            <a:ext cx="4438192" cy="307777"/>
+          </a:xfrm>
+          <a:prstGeom prst="rect">
+            <a:avLst/>
+          </a:prstGeom>
+          <a:noFill/>
+        </p:spPr>
+        <p:txBody>
+          <a:bodyPr wrap="square" rtlCol="0">
+            <a:spAutoFit/>
+          </a:bodyPr>
+          <a:lstStyle/>
+          <a:p>
+            <a:r>
+              <a:rPr lang="en-US" sz="1400" b="1" dirty="0">
+                <a:solidFill>
+                  <a:srgbClr val="00B050"/>
+                </a:solidFill>
+                <a:latin typeface="Arial" panose="020B0604020202020204" pitchFamily="34" charset="0"/>
+                <a:cs typeface="Arial" panose="020B0604020202020204" pitchFamily="34" charset="0"/>
+              </a:rPr>
+              <a:t>msg(move, dispatch, main, </a:t>
+            </a:r>
+            <a:r>
+              <a:rPr lang="en-US" sz="1400" b="1" dirty="0" err="1">
+                <a:solidFill>
+                  <a:srgbClr val="00B050"/>
+                </a:solidFill>
+                <a:latin typeface="Arial" panose="020B0604020202020204" pitchFamily="34" charset="0"/>
+                <a:cs typeface="Arial" panose="020B0604020202020204" pitchFamily="34" charset="0"/>
+              </a:rPr>
+              <a:t>robotactor</a:t>
+            </a:r>
+            <a:r>
+              <a:rPr lang="en-US" sz="1400" b="1" dirty="0">
+                <a:solidFill>
+                  <a:srgbClr val="00B050"/>
+                </a:solidFill>
+                <a:latin typeface="Arial" panose="020B0604020202020204" pitchFamily="34" charset="0"/>
+                <a:cs typeface="Arial" panose="020B0604020202020204" pitchFamily="34" charset="0"/>
+              </a:rPr>
+              <a:t>, w, 1)</a:t>
+            </a:r>
+          </a:p>
+        </p:txBody>
+      </p:sp>
+    </p:spTree>
+    <p:extLst>
+      <p:ext uri="{BB962C8B-B14F-4D97-AF65-F5344CB8AC3E}">
+        <p14:creationId xmlns:p14="http://schemas.microsoft.com/office/powerpoint/2010/main" val="1552529730"/>
+      </p:ext>
+    </p:extLst>
+  </p:cSld>
+  <p:clrMapOvr>
+    <a:masterClrMapping/>
+  </p:clrMapOvr>
+</p:sld>
+</file>
+
+<file path=ppt/slides/slide28.xml><?xml version="1.0" encoding="utf-8"?>
+<p:sld xmlns:a="http://schemas.openxmlformats.org/drawingml/2006/main" xmlns:r="http://schemas.openxmlformats.org/officeDocument/2006/relationships" xmlns:p="http://schemas.openxmlformats.org/presentationml/2006/main">
+  <p:cSld>
+    <p:spTree>
+      <p:nvGrpSpPr>
+        <p:cNvPr id="1" name=""/>
+        <p:cNvGrpSpPr/>
+        <p:nvPr/>
+      </p:nvGrpSpPr>
+      <p:grpSpPr>
+        <a:xfrm>
+          <a:off x="0" y="0"/>
+          <a:ext cx="0" cy="0"/>
+          <a:chOff x="0" y="0"/>
+          <a:chExt cx="0" cy="0"/>
+        </a:xfrm>
+      </p:grpSpPr>
+      <p:sp>
+        <p:nvSpPr>
           <p:cNvPr id="2" name="Segnaposto piè di pagina 1"/>
           <p:cNvSpPr>
             <a:spLocks noGrp="1"/>
@@ -15078,7 +17081,7 @@
           <a:p>
             <a:fld id="{6F6A5AB3-AF76-4EC9-853D-D4C335162C13}" type="slidenum">
               <a:rPr lang="en-GB" smtClean="0"/>
-              <a:t>27</a:t>
+              <a:t>28</a:t>
             </a:fld>
             <a:endParaRPr lang="en-GB"/>
           </a:p>
@@ -15722,7 +17725,7 @@
 </p:sld>
 </file>
 
-<file path=ppt/slides/slide28.xml><?xml version="1.0" encoding="utf-8"?>
+<file path=ppt/slides/slide29.xml><?xml version="1.0" encoding="utf-8"?>
 <p:sld xmlns:a="http://schemas.openxmlformats.org/drawingml/2006/main" xmlns:r="http://schemas.openxmlformats.org/officeDocument/2006/relationships" xmlns:p="http://schemas.openxmlformats.org/presentationml/2006/main">
   <p:cSld>
     <p:spTree>
@@ -15936,7 +17939,7 @@
           <a:p>
             <a:fld id="{6F6A5AB3-AF76-4EC9-853D-D4C335162C13}" type="slidenum">
               <a:rPr lang="en-GB" smtClean="0"/>
-              <a:t>28</a:t>
+              <a:t>29</a:t>
             </a:fld>
             <a:endParaRPr lang="en-GB"/>
           </a:p>

--- a/it.unibo.issLabStart/userDocs/ISSM2020.pptx
+++ b/it.unibo.issLabStart/userDocs/ISSM2020.pptx
@@ -16928,12 +16928,32 @@
             <a:r>
               <a:rPr lang="en-US" sz="1400" b="1" dirty="0" err="1">
                 <a:solidFill>
+                  <a:srgbClr val="C00000"/>
+                </a:solidFill>
+                <a:latin typeface="Arial" panose="020B0604020202020204" pitchFamily="34" charset="0"/>
+                <a:cs typeface="Arial" panose="020B0604020202020204" pitchFamily="34" charset="0"/>
+              </a:rPr>
+              <a:t>sensor</a:t>
+            </a:r>
+            <a:r>
+              <a:rPr lang="en-US" sz="1400" b="1" dirty="0" err="1">
+                <a:solidFill>
                   <a:srgbClr val="00B050"/>
                 </a:solidFill>
                 <a:latin typeface="Arial" panose="020B0604020202020204" pitchFamily="34" charset="0"/>
                 <a:cs typeface="Arial" panose="020B0604020202020204" pitchFamily="34" charset="0"/>
               </a:rPr>
-              <a:t>sensor,dispatch,vr,robotactor</a:t>
+              <a:t>,dispatch,vr,</a:t>
+            </a:r>
+            <a:r>
+              <a:rPr lang="en-US" sz="1400" b="1" dirty="0" err="1">
+                <a:solidFill>
+                  <a:srgbClr val="1318ED"/>
+                </a:solidFill>
+                <a:latin typeface="Arial" panose="020B0604020202020204" pitchFamily="34" charset="0"/>
+                <a:cs typeface="Arial" panose="020B0604020202020204" pitchFamily="34" charset="0"/>
+              </a:rPr>
+              <a:t>robotactor</a:t>
             </a:r>
             <a:r>
               <a:rPr lang="en-US" sz="1400" b="1" dirty="0">
@@ -16943,7 +16963,27 @@
                 <a:latin typeface="Arial" panose="020B0604020202020204" pitchFamily="34" charset="0"/>
                 <a:cs typeface="Arial" panose="020B0604020202020204" pitchFamily="34" charset="0"/>
               </a:rPr>
-              <a:t>, collision-bottle2, 6)</a:t>
+              <a:t>, </a:t>
+            </a:r>
+            <a:r>
+              <a:rPr lang="en-US" sz="1400" b="1" dirty="0">
+                <a:solidFill>
+                  <a:srgbClr val="0070C0"/>
+                </a:solidFill>
+                <a:latin typeface="Arial" panose="020B0604020202020204" pitchFamily="34" charset="0"/>
+                <a:cs typeface="Arial" panose="020B0604020202020204" pitchFamily="34" charset="0"/>
+              </a:rPr>
+              <a:t>collision-bottle2</a:t>
+            </a:r>
+            <a:r>
+              <a:rPr lang="en-US" sz="1400" b="1" dirty="0">
+                <a:solidFill>
+                  <a:srgbClr val="00B050"/>
+                </a:solidFill>
+                <a:latin typeface="Arial" panose="020B0604020202020204" pitchFamily="34" charset="0"/>
+                <a:cs typeface="Arial" panose="020B0604020202020204" pitchFamily="34" charset="0"/>
+              </a:rPr>
+              <a:t>, 6)</a:t>
             </a:r>
           </a:p>
         </p:txBody>
@@ -16986,17 +17026,17 @@
                 <a:latin typeface="Arial" panose="020B0604020202020204" pitchFamily="34" charset="0"/>
                 <a:cs typeface="Arial" panose="020B0604020202020204" pitchFamily="34" charset="0"/>
               </a:rPr>
-              <a:t>msg(move, dispatch, main, </a:t>
-            </a:r>
-            <a:r>
-              <a:rPr lang="en-US" sz="1400" b="1" dirty="0" err="1">
+              <a:t>msg(</a:t>
+            </a:r>
+            <a:r>
+              <a:rPr lang="en-US" sz="1400" b="1" dirty="0">
                 <a:solidFill>
-                  <a:srgbClr val="00B050"/>
+                  <a:srgbClr val="C00000"/>
                 </a:solidFill>
                 <a:latin typeface="Arial" panose="020B0604020202020204" pitchFamily="34" charset="0"/>
                 <a:cs typeface="Arial" panose="020B0604020202020204" pitchFamily="34" charset="0"/>
               </a:rPr>
-              <a:t>robotactor</a:t>
+              <a:t>move</a:t>
             </a:r>
             <a:r>
               <a:rPr lang="en-US" sz="1400" b="1" dirty="0">
@@ -17006,7 +17046,47 @@
                 <a:latin typeface="Arial" panose="020B0604020202020204" pitchFamily="34" charset="0"/>
                 <a:cs typeface="Arial" panose="020B0604020202020204" pitchFamily="34" charset="0"/>
               </a:rPr>
-              <a:t>, w, 1)</a:t>
+              <a:t>, dispatch, main, </a:t>
+            </a:r>
+            <a:r>
+              <a:rPr lang="en-US" sz="1400" b="1" dirty="0" err="1">
+                <a:solidFill>
+                  <a:srgbClr val="1318ED"/>
+                </a:solidFill>
+                <a:latin typeface="Arial" panose="020B0604020202020204" pitchFamily="34" charset="0"/>
+                <a:cs typeface="Arial" panose="020B0604020202020204" pitchFamily="34" charset="0"/>
+              </a:rPr>
+              <a:t>robotactor</a:t>
+            </a:r>
+            <a:r>
+              <a:rPr lang="en-US" sz="1400" b="1" dirty="0">
+                <a:solidFill>
+                  <a:srgbClr val="00B050"/>
+                </a:solidFill>
+                <a:latin typeface="Arial" panose="020B0604020202020204" pitchFamily="34" charset="0"/>
+                <a:cs typeface="Arial" panose="020B0604020202020204" pitchFamily="34" charset="0"/>
+              </a:rPr>
+              <a:t>, </a:t>
+            </a:r>
+            <a:r>
+              <a:rPr lang="en-US" sz="1400" b="1" dirty="0">
+                <a:solidFill>
+                  <a:srgbClr val="0070C0"/>
+                </a:solidFill>
+                <a:latin typeface="Arial" panose="020B0604020202020204" pitchFamily="34" charset="0"/>
+                <a:cs typeface="Arial" panose="020B0604020202020204" pitchFamily="34" charset="0"/>
+              </a:rPr>
+              <a:t>w</a:t>
+            </a:r>
+            <a:r>
+              <a:rPr lang="en-US" sz="1400" b="1" dirty="0">
+                <a:solidFill>
+                  <a:srgbClr val="00B050"/>
+                </a:solidFill>
+                <a:latin typeface="Arial" panose="020B0604020202020204" pitchFamily="34" charset="0"/>
+                <a:cs typeface="Arial" panose="020B0604020202020204" pitchFamily="34" charset="0"/>
+              </a:rPr>
+              <a:t>, 1)</a:t>
             </a:r>
           </a:p>
         </p:txBody>

--- a/it.unibo.issLabStart/userDocs/ISSM2020.pptx
+++ b/it.unibo.issLabStart/userDocs/ISSM2020.pptx
@@ -5,10 +5,10 @@
     <p:sldMasterId id="2147483804" r:id="rId1"/>
   </p:sldMasterIdLst>
   <p:notesMasterIdLst>
-    <p:notesMasterId r:id="rId31"/>
+    <p:notesMasterId r:id="rId33"/>
   </p:notesMasterIdLst>
   <p:handoutMasterIdLst>
-    <p:handoutMasterId r:id="rId32"/>
+    <p:handoutMasterId r:id="rId34"/>
   </p:handoutMasterIdLst>
   <p:sldIdLst>
     <p:sldId id="256" r:id="rId2"/>
@@ -38,8 +38,10 @@
     <p:sldId id="282" r:id="rId26"/>
     <p:sldId id="284" r:id="rId27"/>
     <p:sldId id="285" r:id="rId28"/>
-    <p:sldId id="283" r:id="rId29"/>
-    <p:sldId id="281" r:id="rId30"/>
+    <p:sldId id="286" r:id="rId29"/>
+    <p:sldId id="287" r:id="rId30"/>
+    <p:sldId id="283" r:id="rId31"/>
+    <p:sldId id="281" r:id="rId32"/>
   </p:sldIdLst>
   <p:sldSz cx="9144000" cy="6858000" type="screen4x3"/>
   <p:notesSz cx="6858000" cy="9144000"/>
@@ -140,7 +142,7 @@
   </p:defaultTextStyle>
   <p:extLst>
     <p:ext uri="{EFAFB233-063F-42B5-8137-9DF3F51BA10A}">
-      <p15:sldGuideLst xmlns:p15="http://schemas.microsoft.com/office/powerpoint/2012/main">
+      <p15:sldGuideLst xmlns:p15="http://schemas.microsoft.com/office/powerpoint/2012/main" xmlns="">
         <p15:guide id="1" orient="horz" pos="2160">
           <p15:clr>
             <a:srgbClr val="A4A3A4"/>
@@ -239,7 +241,7 @@
           <a:p>
             <a:fld id="{87B1E067-8CD6-47D2-8022-8E53E4BB7437}" type="datetimeFigureOut">
               <a:rPr lang="en-GB" smtClean="0"/>
-              <a:t>14/03/2020</a:t>
+              <a:t>16/03/2020</a:t>
             </a:fld>
             <a:endParaRPr lang="en-GB"/>
           </a:p>
@@ -305,7 +307,7 @@
           <a:p>
             <a:fld id="{661B1FA1-FFFF-470E-82D0-53E008B5CA59}" type="slidenum">
               <a:rPr lang="en-GB" smtClean="0"/>
-              <a:t>‹#›</a:t>
+              <a:t>‹N›</a:t>
             </a:fld>
             <a:endParaRPr lang="en-GB"/>
           </a:p>
@@ -405,7 +407,7 @@
           <a:p>
             <a:fld id="{71BD2418-2684-45EC-AEF4-BE55BBAB5B4F}" type="datetimeFigureOut">
               <a:rPr lang="en-GB" smtClean="0"/>
-              <a:t>14/03/2020</a:t>
+              <a:t>16/03/2020</a:t>
             </a:fld>
             <a:endParaRPr lang="en-GB"/>
           </a:p>
@@ -564,7 +566,7 @@
           <a:p>
             <a:fld id="{5D547B64-7F69-451B-8351-3B4EE3E72C48}" type="slidenum">
               <a:rPr lang="en-GB" smtClean="0"/>
-              <a:t>‹#›</a:t>
+              <a:t>‹N›</a:t>
             </a:fld>
             <a:endParaRPr lang="en-GB"/>
           </a:p>
@@ -971,7 +973,7 @@
           <a:p>
             <a:fld id="{69EC26FC-4149-4381-B200-0ACC926D0C10}" type="datetime1">
               <a:rPr lang="en-GB" smtClean="0"/>
-              <a:t>14/03/2020</a:t>
+              <a:t>16/03/2020</a:t>
             </a:fld>
             <a:endParaRPr lang="en-GB"/>
           </a:p>
@@ -1027,7 +1029,7 @@
           <a:p>
             <a:fld id="{6F6A5AB3-AF76-4EC9-853D-D4C335162C13}" type="slidenum">
               <a:rPr lang="en-GB" smtClean="0"/>
-              <a:t>‹#›</a:t>
+              <a:t>‹N›</a:t>
             </a:fld>
             <a:endParaRPr lang="en-GB"/>
           </a:p>
@@ -1328,7 +1330,7 @@
           <a:p>
             <a:fld id="{77675063-8333-41A8-A131-A42E0F0649C6}" type="datetime1">
               <a:rPr lang="en-GB" smtClean="0"/>
-              <a:t>14/03/2020</a:t>
+              <a:t>16/03/2020</a:t>
             </a:fld>
             <a:endParaRPr lang="en-GB"/>
           </a:p>
@@ -1374,7 +1376,7 @@
           <a:p>
             <a:fld id="{6F6A5AB3-AF76-4EC9-853D-D4C335162C13}" type="slidenum">
               <a:rPr lang="en-GB" smtClean="0"/>
-              <a:t>‹#›</a:t>
+              <a:t>‹N›</a:t>
             </a:fld>
             <a:endParaRPr lang="en-GB"/>
           </a:p>
@@ -1507,7 +1509,7 @@
           <a:p>
             <a:fld id="{99167A15-39CA-42AA-A3F4-D4AAF34DD1E5}" type="datetime1">
               <a:rPr lang="en-GB" smtClean="0"/>
-              <a:t>14/03/2020</a:t>
+              <a:t>16/03/2020</a:t>
             </a:fld>
             <a:endParaRPr lang="en-GB"/>
           </a:p>
@@ -1553,7 +1555,7 @@
           <a:p>
             <a:fld id="{6F6A5AB3-AF76-4EC9-853D-D4C335162C13}" type="slidenum">
               <a:rPr lang="en-GB" smtClean="0"/>
-              <a:t>‹#›</a:t>
+              <a:t>‹N›</a:t>
             </a:fld>
             <a:endParaRPr lang="en-GB"/>
           </a:p>
@@ -1624,7 +1626,7 @@
           <a:p>
             <a:fld id="{1A87AFF6-4C91-482D-BDF5-223514DB0B0D}" type="datetime1">
               <a:rPr lang="en-GB" smtClean="0"/>
-              <a:t>14/03/2020</a:t>
+              <a:t>16/03/2020</a:t>
             </a:fld>
             <a:endParaRPr lang="en-GB"/>
           </a:p>
@@ -1670,7 +1672,7 @@
           <a:p>
             <a:fld id="{6F6A5AB3-AF76-4EC9-853D-D4C335162C13}" type="slidenum">
               <a:rPr lang="en-GB" smtClean="0"/>
-              <a:t>‹#›</a:t>
+              <a:t>‹N›</a:t>
             </a:fld>
             <a:endParaRPr lang="en-GB"/>
           </a:p>
@@ -1986,7 +1988,7 @@
           <a:p>
             <a:fld id="{A945ADE7-28FF-42C7-B167-7DC7A77ED2F3}" type="datetime1">
               <a:rPr lang="en-GB" smtClean="0"/>
-              <a:t>14/03/2020</a:t>
+              <a:t>16/03/2020</a:t>
             </a:fld>
             <a:endParaRPr lang="en-GB"/>
           </a:p>
@@ -2184,7 +2186,7 @@
           <a:p>
             <a:fld id="{6F6A5AB3-AF76-4EC9-853D-D4C335162C13}" type="slidenum">
               <a:rPr lang="en-GB" smtClean="0"/>
-              <a:t>‹#›</a:t>
+              <a:t>‹N›</a:t>
             </a:fld>
             <a:endParaRPr lang="en-GB"/>
           </a:p>
@@ -2255,7 +2257,7 @@
           <a:p>
             <a:fld id="{092EA350-1E2E-41EE-BD8A-FB0D72F078C3}" type="datetime1">
               <a:rPr lang="en-GB" smtClean="0"/>
-              <a:t>14/03/2020</a:t>
+              <a:t>16/03/2020</a:t>
             </a:fld>
             <a:endParaRPr lang="en-GB"/>
           </a:p>
@@ -2301,7 +2303,7 @@
           <a:p>
             <a:fld id="{6F6A5AB3-AF76-4EC9-853D-D4C335162C13}" type="slidenum">
               <a:rPr lang="en-GB" smtClean="0"/>
-              <a:t>‹#›</a:t>
+              <a:t>‹N›</a:t>
             </a:fld>
             <a:endParaRPr lang="en-GB"/>
           </a:p>
@@ -2621,7 +2623,7 @@
           <a:p>
             <a:fld id="{F8F1314B-6929-4AD1-B5B4-312DAFF8489C}" type="datetime1">
               <a:rPr lang="en-GB" smtClean="0"/>
-              <a:t>14/03/2020</a:t>
+              <a:t>16/03/2020</a:t>
             </a:fld>
             <a:endParaRPr lang="en-GB"/>
           </a:p>
@@ -2667,7 +2669,7 @@
           <a:p>
             <a:fld id="{6F6A5AB3-AF76-4EC9-853D-D4C335162C13}" type="slidenum">
               <a:rPr lang="en-GB" smtClean="0"/>
-              <a:t>‹#›</a:t>
+              <a:t>‹N›</a:t>
             </a:fld>
             <a:endParaRPr lang="en-GB"/>
           </a:p>
@@ -2852,7 +2854,7 @@
           <a:p>
             <a:fld id="{CF5B218E-BA98-4F08-AFAD-55E0F9C51274}" type="datetime1">
               <a:rPr lang="en-GB" smtClean="0"/>
-              <a:t>14/03/2020</a:t>
+              <a:t>16/03/2020</a:t>
             </a:fld>
             <a:endParaRPr lang="en-GB"/>
           </a:p>
@@ -2898,7 +2900,7 @@
           <a:p>
             <a:fld id="{6F6A5AB3-AF76-4EC9-853D-D4C335162C13}" type="slidenum">
               <a:rPr lang="en-GB" smtClean="0"/>
-              <a:t>‹#›</a:t>
+              <a:t>‹N›</a:t>
             </a:fld>
             <a:endParaRPr lang="en-GB"/>
           </a:p>
@@ -2946,7 +2948,7 @@
           <a:p>
             <a:fld id="{8AF6CE76-28A1-4CD7-9645-E1D020974391}" type="datetime1">
               <a:rPr lang="en-GB" smtClean="0"/>
-              <a:t>14/03/2020</a:t>
+              <a:t>16/03/2020</a:t>
             </a:fld>
             <a:endParaRPr lang="en-GB"/>
           </a:p>
@@ -2992,7 +2994,7 @@
           <a:p>
             <a:fld id="{6F6A5AB3-AF76-4EC9-853D-D4C335162C13}" type="slidenum">
               <a:rPr lang="en-GB" smtClean="0"/>
-              <a:t>‹#›</a:t>
+              <a:t>‹N›</a:t>
             </a:fld>
             <a:endParaRPr lang="en-GB"/>
           </a:p>
@@ -3217,7 +3219,7 @@
           <a:p>
             <a:fld id="{BADBD3C4-D885-44D5-BC36-8CDC16C4E35A}" type="datetime1">
               <a:rPr lang="en-GB" smtClean="0"/>
-              <a:t>14/03/2020</a:t>
+              <a:t>16/03/2020</a:t>
             </a:fld>
             <a:endParaRPr lang="en-GB"/>
           </a:p>
@@ -3263,7 +3265,7 @@
           <a:p>
             <a:fld id="{6F6A5AB3-AF76-4EC9-853D-D4C335162C13}" type="slidenum">
               <a:rPr lang="en-GB" smtClean="0"/>
-              <a:t>‹#›</a:t>
+              <a:t>‹N›</a:t>
             </a:fld>
             <a:endParaRPr lang="en-GB"/>
           </a:p>
@@ -3449,7 +3451,7 @@
           <a:p>
             <a:fld id="{D0C37988-22DC-4746-8A43-E6C6BF5D65EE}" type="datetime1">
               <a:rPr lang="en-GB" smtClean="0"/>
-              <a:t>14/03/2020</a:t>
+              <a:t>16/03/2020</a:t>
             </a:fld>
             <a:endParaRPr lang="en-GB"/>
           </a:p>
@@ -3505,7 +3507,7 @@
           <a:p>
             <a:fld id="{6F6A5AB3-AF76-4EC9-853D-D4C335162C13}" type="slidenum">
               <a:rPr lang="en-GB" smtClean="0"/>
-              <a:t>‹#›</a:t>
+              <a:t>‹N›</a:t>
             </a:fld>
             <a:endParaRPr lang="en-GB"/>
           </a:p>
@@ -3952,7 +3954,7 @@
           <a:p>
             <a:fld id="{5A18A74E-3BE8-4B6E-81A4-95A392C53EA5}" type="datetime1">
               <a:rPr lang="en-GB" smtClean="0"/>
-              <a:t>14/03/2020</a:t>
+              <a:t>16/03/2020</a:t>
             </a:fld>
             <a:endParaRPr lang="en-GB"/>
           </a:p>
@@ -4038,7 +4040,7 @@
           <a:p>
             <a:fld id="{6F6A5AB3-AF76-4EC9-853D-D4C335162C13}" type="slidenum">
               <a:rPr lang="en-GB" smtClean="0"/>
-              <a:t>‹#›</a:t>
+              <a:t>‹N›</a:t>
             </a:fld>
             <a:endParaRPr lang="en-GB"/>
           </a:p>
@@ -11771,12 +11773,518 @@
           </a:p>
         </p:txBody>
       </p:sp>
+      <p:sp>
+        <p:nvSpPr>
+          <p:cNvPr id="26" name="Ovale 33">
+            <a:extLst>
+              <a:ext uri="{FF2B5EF4-FFF2-40B4-BE49-F238E27FC236}">
+                <a16:creationId xmlns:a16="http://schemas.microsoft.com/office/drawing/2014/main" xmlns="" id="{EE7E7EAA-6204-4C59-9F31-DF632E43B747}"/>
+              </a:ext>
+            </a:extLst>
+          </p:cNvPr>
+          <p:cNvSpPr/>
+          <p:nvPr/>
+        </p:nvSpPr>
+        <p:spPr>
+          <a:xfrm>
+            <a:off x="4732119" y="2421406"/>
+            <a:ext cx="749721" cy="720080"/>
+          </a:xfrm>
+          <a:prstGeom prst="ellipse">
+            <a:avLst/>
+          </a:prstGeom>
+          <a:ln/>
+        </p:spPr>
+        <p:style>
+          <a:lnRef idx="1">
+            <a:schemeClr val="accent5"/>
+          </a:lnRef>
+          <a:fillRef idx="2">
+            <a:schemeClr val="accent5"/>
+          </a:fillRef>
+          <a:effectRef idx="1">
+            <a:schemeClr val="accent5"/>
+          </a:effectRef>
+          <a:fontRef idx="minor">
+            <a:schemeClr val="dk1"/>
+          </a:fontRef>
+        </p:style>
+        <p:txBody>
+          <a:bodyPr rtlCol="0" anchor="ctr"/>
+          <a:lstStyle/>
+          <a:p>
+            <a:pPr algn="ctr"/>
+            <a:r>
+              <a:rPr lang="en-GB" sz="1200" dirty="0"/>
+              <a:t> </a:t>
+            </a:r>
+          </a:p>
+        </p:txBody>
+      </p:sp>
+      <p:sp>
+        <p:nvSpPr>
+          <p:cNvPr id="28" name="CasellaDiTesto 19">
+            <a:extLst>
+              <a:ext uri="{FF2B5EF4-FFF2-40B4-BE49-F238E27FC236}">
+                <a16:creationId xmlns:a16="http://schemas.microsoft.com/office/drawing/2014/main" xmlns="" id="{7B23BAA7-7D89-43BE-B88E-D25D840BA294}"/>
+              </a:ext>
+            </a:extLst>
+          </p:cNvPr>
+          <p:cNvSpPr txBox="1"/>
+          <p:nvPr/>
+        </p:nvSpPr>
+        <p:spPr>
+          <a:xfrm>
+            <a:off x="4589841" y="3252959"/>
+            <a:ext cx="253596" cy="461665"/>
+          </a:xfrm>
+          <a:prstGeom prst="rect">
+            <a:avLst/>
+          </a:prstGeom>
+          <a:noFill/>
+        </p:spPr>
+        <p:txBody>
+          <a:bodyPr wrap="none" rtlCol="0">
+            <a:spAutoFit/>
+          </a:bodyPr>
+          <a:lstStyle/>
+          <a:p>
+            <a:r>
+              <a:rPr lang="it-IT" sz="2400" dirty="0"/>
+              <a:t> </a:t>
+            </a:r>
+            <a:endParaRPr lang="en-GB" sz="2400" dirty="0"/>
+          </a:p>
+        </p:txBody>
+      </p:sp>
+      <p:sp>
+        <p:nvSpPr>
+          <p:cNvPr id="10" name="Rectangle 4">
+            <a:extLst>
+              <a:ext uri="{FF2B5EF4-FFF2-40B4-BE49-F238E27FC236}">
+                <a16:creationId xmlns:a16="http://schemas.microsoft.com/office/drawing/2014/main" xmlns="" id="{9285CE8F-211F-4A96-BEFB-E42C50887C6A}"/>
+              </a:ext>
+            </a:extLst>
+          </p:cNvPr>
+          <p:cNvSpPr>
+            <a:spLocks noChangeArrowheads="1"/>
+          </p:cNvSpPr>
+          <p:nvPr/>
+        </p:nvSpPr>
+        <p:spPr bwMode="auto">
+          <a:xfrm>
+            <a:off x="4427984" y="3108944"/>
+            <a:ext cx="3225563" cy="523220"/>
+          </a:xfrm>
+          <a:prstGeom prst="rect">
+            <a:avLst/>
+          </a:prstGeom>
+          <a:noFill/>
+        </p:spPr>
+        <p:txBody>
+          <a:bodyPr wrap="none" rtlCol="0">
+            <a:spAutoFit/>
+          </a:bodyPr>
+          <a:lstStyle/>
+          <a:p>
+            <a:r>
+              <a:rPr lang="en-US" altLang="en-US" sz="1400" b="1" dirty="0" err="1">
+                <a:solidFill>
+                  <a:srgbClr val="0070C0"/>
+                </a:solidFill>
+                <a:latin typeface="Arial" panose="020B0604020202020204" pitchFamily="34" charset="0"/>
+                <a:cs typeface="Arial" panose="020B0604020202020204" pitchFamily="34" charset="0"/>
+              </a:rPr>
+              <a:t>clientWenvTcpObj</a:t>
+            </a:r>
+            <a:endParaRPr lang="en-US" altLang="en-US" sz="1400" b="1" dirty="0">
+              <a:solidFill>
+                <a:srgbClr val="0070C0"/>
+              </a:solidFill>
+              <a:latin typeface="Arial" panose="020B0604020202020204" pitchFamily="34" charset="0"/>
+              <a:cs typeface="Arial" panose="020B0604020202020204" pitchFamily="34" charset="0"/>
+            </a:endParaRPr>
+          </a:p>
+          <a:p>
+            <a:r>
+              <a:rPr lang="en-US" altLang="en-US" sz="1400" dirty="0">
+                <a:latin typeface="Arial" panose="020B0604020202020204" pitchFamily="34" charset="0"/>
+                <a:cs typeface="Arial" panose="020B0604020202020204" pitchFamily="34" charset="0"/>
+              </a:rPr>
+              <a:t>(starts a coroutine to read sonar data) </a:t>
+            </a:r>
+          </a:p>
+        </p:txBody>
+      </p:sp>
+      <p:cxnSp>
+        <p:nvCxnSpPr>
+          <p:cNvPr id="29" name="Connettore 2 126">
+            <a:extLst>
+              <a:ext uri="{FF2B5EF4-FFF2-40B4-BE49-F238E27FC236}">
+                <a16:creationId xmlns:a16="http://schemas.microsoft.com/office/drawing/2014/main" xmlns="" id="{0AA0E6A2-F525-4C64-9B41-8AAC54C8346D}"/>
+              </a:ext>
+            </a:extLst>
+          </p:cNvPr>
+          <p:cNvCxnSpPr/>
+          <p:nvPr/>
+        </p:nvCxnSpPr>
+        <p:spPr>
+          <a:xfrm flipH="1">
+            <a:off x="5111951" y="2584895"/>
+            <a:ext cx="13466" cy="393101"/>
+          </a:xfrm>
+          <a:prstGeom prst="straightConnector1">
+            <a:avLst/>
+          </a:prstGeom>
+          <a:ln>
+            <a:solidFill>
+              <a:srgbClr val="C00000"/>
+            </a:solidFill>
+            <a:prstDash val="lgDash"/>
+            <a:tailEnd type="arrow"/>
+          </a:ln>
+        </p:spPr>
+        <p:style>
+          <a:lnRef idx="1">
+            <a:schemeClr val="accent1"/>
+          </a:lnRef>
+          <a:fillRef idx="0">
+            <a:schemeClr val="accent1"/>
+          </a:fillRef>
+          <a:effectRef idx="0">
+            <a:schemeClr val="accent1"/>
+          </a:effectRef>
+          <a:fontRef idx="minor">
+            <a:schemeClr val="tx1"/>
+          </a:fontRef>
+        </p:style>
+      </p:cxnSp>
+      <p:cxnSp>
+        <p:nvCxnSpPr>
+          <p:cNvPr id="30" name="Connettore 2 9">
+            <a:extLst>
+              <a:ext uri="{FF2B5EF4-FFF2-40B4-BE49-F238E27FC236}">
+                <a16:creationId xmlns:a16="http://schemas.microsoft.com/office/drawing/2014/main" xmlns="" id="{01EF4D93-4E7B-4DFB-AE38-808AA1CF2663}"/>
+              </a:ext>
+            </a:extLst>
+          </p:cNvPr>
+          <p:cNvCxnSpPr>
+            <a:cxnSpLocks/>
+          </p:cNvCxnSpPr>
+          <p:nvPr/>
+        </p:nvCxnSpPr>
+        <p:spPr>
+          <a:xfrm>
+            <a:off x="3026434" y="2808162"/>
+            <a:ext cx="1705685" cy="10792"/>
+          </a:xfrm>
+          <a:prstGeom prst="straightConnector1">
+            <a:avLst/>
+          </a:prstGeom>
+          <a:ln>
+            <a:tailEnd type="arrow"/>
+          </a:ln>
+        </p:spPr>
+        <p:style>
+          <a:lnRef idx="1">
+            <a:schemeClr val="accent1"/>
+          </a:lnRef>
+          <a:fillRef idx="0">
+            <a:schemeClr val="accent1"/>
+          </a:fillRef>
+          <a:effectRef idx="0">
+            <a:schemeClr val="accent1"/>
+          </a:effectRef>
+          <a:fontRef idx="minor">
+            <a:schemeClr val="tx1"/>
+          </a:fontRef>
+        </p:style>
+      </p:cxnSp>
+      <p:sp>
+        <p:nvSpPr>
+          <p:cNvPr id="33" name="Rectangle 5">
+            <a:extLst>
+              <a:ext uri="{FF2B5EF4-FFF2-40B4-BE49-F238E27FC236}">
+                <a16:creationId xmlns:a16="http://schemas.microsoft.com/office/drawing/2014/main" xmlns="" id="{663699FD-7F2E-4DD1-B4BF-227A041C24B8}"/>
+              </a:ext>
+            </a:extLst>
+          </p:cNvPr>
+          <p:cNvSpPr>
+            <a:spLocks noChangeArrowheads="1"/>
+          </p:cNvSpPr>
+          <p:nvPr/>
+        </p:nvSpPr>
+        <p:spPr bwMode="auto">
+          <a:xfrm>
+            <a:off x="2916205" y="2298314"/>
+            <a:ext cx="1906291" cy="523220"/>
+          </a:xfrm>
+          <a:prstGeom prst="rect">
+            <a:avLst/>
+          </a:prstGeom>
+          <a:noFill/>
+        </p:spPr>
+        <p:txBody>
+          <a:bodyPr wrap="none" rtlCol="0">
+            <a:spAutoFit/>
+          </a:bodyPr>
+          <a:lstStyle/>
+          <a:p>
+            <a:r>
+              <a:rPr lang="en-US" altLang="en-US" sz="1400" b="1" dirty="0" err="1">
+                <a:solidFill>
+                  <a:srgbClr val="0070C0"/>
+                </a:solidFill>
+                <a:latin typeface="Arial" panose="020B0604020202020204" pitchFamily="34" charset="0"/>
+                <a:cs typeface="Arial" panose="020B0604020202020204" pitchFamily="34" charset="0"/>
+              </a:rPr>
+              <a:t>sendMsg</a:t>
+            </a:r>
+            <a:r>
+              <a:rPr lang="en-US" altLang="en-US" sz="1400" dirty="0">
+                <a:latin typeface="Arial" panose="020B0604020202020204" pitchFamily="34" charset="0"/>
+                <a:cs typeface="Arial" panose="020B0604020202020204" pitchFamily="34" charset="0"/>
+              </a:rPr>
+              <a:t>(</a:t>
+            </a:r>
+          </a:p>
+          <a:p>
+            <a:r>
+              <a:rPr lang="en-US" altLang="en-US" sz="1400" dirty="0">
+                <a:latin typeface="Arial" panose="020B0604020202020204" pitchFamily="34" charset="0"/>
+                <a:cs typeface="Arial" panose="020B0604020202020204" pitchFamily="34" charset="0"/>
+              </a:rPr>
+              <a:t>     </a:t>
+            </a:r>
+            <a:r>
+              <a:rPr lang="en-US" altLang="en-US" sz="1400" dirty="0" err="1">
+                <a:latin typeface="Arial" panose="020B0604020202020204" pitchFamily="34" charset="0"/>
+                <a:cs typeface="Arial" panose="020B0604020202020204" pitchFamily="34" charset="0"/>
+              </a:rPr>
+              <a:t>jsonString</a:t>
+            </a:r>
+            <a:r>
+              <a:rPr lang="en-US" altLang="en-US" sz="1400" dirty="0">
+                <a:latin typeface="Arial" panose="020B0604020202020204" pitchFamily="34" charset="0"/>
+                <a:cs typeface="Arial" panose="020B0604020202020204" pitchFamily="34" charset="0"/>
+              </a:rPr>
+              <a:t>: String) </a:t>
+            </a:r>
+          </a:p>
+        </p:txBody>
+      </p:sp>
+      <p:sp>
+        <p:nvSpPr>
+          <p:cNvPr id="45" name="Rectangle 5">
+            <a:extLst>
+              <a:ext uri="{FF2B5EF4-FFF2-40B4-BE49-F238E27FC236}">
+                <a16:creationId xmlns:a16="http://schemas.microsoft.com/office/drawing/2014/main" xmlns="" id="{E24D6CA4-2BC9-4AE1-95CB-AED96FDB9560}"/>
+              </a:ext>
+            </a:extLst>
+          </p:cNvPr>
+          <p:cNvSpPr>
+            <a:spLocks noChangeArrowheads="1"/>
+          </p:cNvSpPr>
+          <p:nvPr/>
+        </p:nvSpPr>
+        <p:spPr bwMode="auto">
+          <a:xfrm>
+            <a:off x="5524606" y="2362874"/>
+            <a:ext cx="702436" cy="307777"/>
+          </a:xfrm>
+          <a:prstGeom prst="rect">
+            <a:avLst/>
+          </a:prstGeom>
+          <a:noFill/>
+        </p:spPr>
+        <p:txBody>
+          <a:bodyPr wrap="none" rtlCol="0">
+            <a:spAutoFit/>
+          </a:bodyPr>
+          <a:lstStyle/>
+          <a:p>
+            <a:r>
+              <a:rPr lang="en-US" altLang="en-US" sz="1400" dirty="0">
+                <a:latin typeface="Arial" panose="020B0604020202020204" pitchFamily="34" charset="0"/>
+                <a:cs typeface="Arial" panose="020B0604020202020204" pitchFamily="34" charset="0"/>
+              </a:rPr>
+              <a:t>socket</a:t>
+            </a:r>
+          </a:p>
+        </p:txBody>
+      </p:sp>
+      <p:sp>
+        <p:nvSpPr>
+          <p:cNvPr id="46" name="Ovale 33">
+            <a:extLst>
+              <a:ext uri="{FF2B5EF4-FFF2-40B4-BE49-F238E27FC236}">
+                <a16:creationId xmlns:a16="http://schemas.microsoft.com/office/drawing/2014/main" xmlns="" id="{9DB22A3B-B6A7-4E63-A408-51B043370910}"/>
+              </a:ext>
+            </a:extLst>
+          </p:cNvPr>
+          <p:cNvSpPr/>
+          <p:nvPr/>
+        </p:nvSpPr>
+        <p:spPr>
+          <a:xfrm>
+            <a:off x="5759721" y="2650146"/>
+            <a:ext cx="312930" cy="275021"/>
+          </a:xfrm>
+          <a:prstGeom prst="ellipse">
+            <a:avLst/>
+          </a:prstGeom>
+          <a:ln/>
+        </p:spPr>
+        <p:style>
+          <a:lnRef idx="1">
+            <a:schemeClr val="accent5"/>
+          </a:lnRef>
+          <a:fillRef idx="2">
+            <a:schemeClr val="accent5"/>
+          </a:fillRef>
+          <a:effectRef idx="1">
+            <a:schemeClr val="accent5"/>
+          </a:effectRef>
+          <a:fontRef idx="minor">
+            <a:schemeClr val="dk1"/>
+          </a:fontRef>
+        </p:style>
+        <p:txBody>
+          <a:bodyPr rtlCol="0" anchor="ctr"/>
+          <a:lstStyle/>
+          <a:p>
+            <a:pPr algn="ctr"/>
+            <a:r>
+              <a:rPr lang="en-GB" sz="1200" dirty="0"/>
+              <a:t> </a:t>
+            </a:r>
+          </a:p>
+        </p:txBody>
+      </p:sp>
+      <p:cxnSp>
+        <p:nvCxnSpPr>
+          <p:cNvPr id="48" name="Straight Arrow Connector 47">
+            <a:extLst>
+              <a:ext uri="{FF2B5EF4-FFF2-40B4-BE49-F238E27FC236}">
+                <a16:creationId xmlns:a16="http://schemas.microsoft.com/office/drawing/2014/main" xmlns="" id="{68E3D2D9-1905-4E34-9DAF-86766AC88CC1}"/>
+              </a:ext>
+            </a:extLst>
+          </p:cNvPr>
+          <p:cNvCxnSpPr>
+            <a:stCxn id="26" idx="6"/>
+            <a:endCxn id="46" idx="2"/>
+          </p:cNvCxnSpPr>
+          <p:nvPr/>
+        </p:nvCxnSpPr>
+        <p:spPr>
+          <a:xfrm>
+            <a:off x="5481840" y="2781446"/>
+            <a:ext cx="277881" cy="6211"/>
+          </a:xfrm>
+          <a:prstGeom prst="straightConnector1">
+            <a:avLst/>
+          </a:prstGeom>
+          <a:ln>
+            <a:tailEnd type="triangle"/>
+          </a:ln>
+        </p:spPr>
+        <p:style>
+          <a:lnRef idx="1">
+            <a:schemeClr val="accent1"/>
+          </a:lnRef>
+          <a:fillRef idx="0">
+            <a:schemeClr val="accent1"/>
+          </a:fillRef>
+          <a:effectRef idx="0">
+            <a:schemeClr val="accent1"/>
+          </a:effectRef>
+          <a:fontRef idx="minor">
+            <a:schemeClr val="tx1"/>
+          </a:fontRef>
+        </p:style>
+      </p:cxnSp>
+    </p:spTree>
+    <p:extLst>
+      <p:ext uri="{BB962C8B-B14F-4D97-AF65-F5344CB8AC3E}">
+        <p14:creationId xmlns:p14="http://schemas.microsoft.com/office/powerpoint/2010/main" val="3049927451"/>
+      </p:ext>
+    </p:extLst>
+  </p:cSld>
+  <p:clrMapOvr>
+    <a:masterClrMapping/>
+  </p:clrMapOvr>
+</p:sld>
+</file>
+
+<file path=ppt/slides/slide26.xml><?xml version="1.0" encoding="utf-8"?>
+<p:sld xmlns:a="http://schemas.openxmlformats.org/drawingml/2006/main" xmlns:r="http://schemas.openxmlformats.org/officeDocument/2006/relationships" xmlns:p="http://schemas.openxmlformats.org/presentationml/2006/main">
+  <p:cSld>
+    <p:spTree>
+      <p:nvGrpSpPr>
+        <p:cNvPr id="1" name=""/>
+        <p:cNvGrpSpPr/>
+        <p:nvPr/>
+      </p:nvGrpSpPr>
+      <p:grpSpPr>
+        <a:xfrm>
+          <a:off x="0" y="0"/>
+          <a:ext cx="0" cy="0"/>
+          <a:chOff x="0" y="0"/>
+          <a:chExt cx="0" cy="0"/>
+        </a:xfrm>
+      </p:grpSpPr>
+      <p:sp>
+        <p:nvSpPr>
+          <p:cNvPr id="2" name="Segnaposto piè di pagina 1"/>
+          <p:cNvSpPr>
+            <a:spLocks noGrp="1"/>
+          </p:cNvSpPr>
+          <p:nvPr>
+            <p:ph type="ftr" sz="quarter" idx="11"/>
+          </p:nvPr>
+        </p:nvSpPr>
+        <p:spPr/>
+        <p:txBody>
+          <a:bodyPr/>
+          <a:lstStyle/>
+          <a:p>
+            <a:r>
+              <a:rPr lang="it-IT"/>
+              <a:t>ANatali  - DISI - ISSM2020  Univeristy of Bologna</a:t>
+            </a:r>
+            <a:endParaRPr lang="en-GB"/>
+          </a:p>
+        </p:txBody>
+      </p:sp>
+      <p:sp>
+        <p:nvSpPr>
+          <p:cNvPr id="3" name="Segnaposto numero diapositiva 2"/>
+          <p:cNvSpPr>
+            <a:spLocks noGrp="1"/>
+          </p:cNvSpPr>
+          <p:nvPr>
+            <p:ph type="sldNum" sz="quarter" idx="12"/>
+          </p:nvPr>
+        </p:nvSpPr>
+        <p:spPr/>
+        <p:txBody>
+          <a:bodyPr/>
+          <a:lstStyle/>
+          <a:p>
+            <a:fld id="{6F6A5AB3-AF76-4EC9-853D-D4C335162C13}" type="slidenum">
+              <a:rPr lang="en-GB" smtClean="0"/>
+              <a:t>26</a:t>
+            </a:fld>
+            <a:endParaRPr lang="en-GB"/>
+          </a:p>
+        </p:txBody>
+      </p:sp>
       <p:grpSp>
         <p:nvGrpSpPr>
           <p:cNvPr id="22" name="Gruppo 82">
             <a:extLst>
               <a:ext uri="{FF2B5EF4-FFF2-40B4-BE49-F238E27FC236}">
-                <a16:creationId xmlns:a16="http://schemas.microsoft.com/office/drawing/2014/main" id="{D2ACE5A8-9046-43C9-855F-EC0E0754E6E4}"/>
+                <a16:creationId xmlns:a16="http://schemas.microsoft.com/office/drawing/2014/main" xmlns="" id="{D2ACE5A8-9046-43C9-855F-EC0E0754E6E4}"/>
               </a:ext>
             </a:extLst>
           </p:cNvPr>
@@ -11785,7 +12293,7 @@
         </p:nvGrpSpPr>
         <p:grpSpPr>
           <a:xfrm>
-            <a:off x="1485750" y="4052955"/>
+            <a:off x="1254461" y="297213"/>
             <a:ext cx="866156" cy="763297"/>
             <a:chOff x="1194666" y="2417771"/>
             <a:chExt cx="866156" cy="763297"/>
@@ -11796,7 +12304,7 @@
             <p:cNvPr id="23" name="Ovale 38">
               <a:extLst>
                 <a:ext uri="{FF2B5EF4-FFF2-40B4-BE49-F238E27FC236}">
-                  <a16:creationId xmlns:a16="http://schemas.microsoft.com/office/drawing/2014/main" id="{A3C33013-DAC5-4DE5-9575-78DF66227DDF}"/>
+                  <a16:creationId xmlns:a16="http://schemas.microsoft.com/office/drawing/2014/main" xmlns="" id="{A3C33013-DAC5-4DE5-9575-78DF66227DDF}"/>
                 </a:ext>
               </a:extLst>
             </p:cNvPr>
@@ -11847,7 +12355,7 @@
             <p:cNvPr id="24" name="Rettangolo 39">
               <a:extLst>
                 <a:ext uri="{FF2B5EF4-FFF2-40B4-BE49-F238E27FC236}">
-                  <a16:creationId xmlns:a16="http://schemas.microsoft.com/office/drawing/2014/main" id="{94A5922D-9265-4A79-9770-BC1C16A107CA}"/>
+                  <a16:creationId xmlns:a16="http://schemas.microsoft.com/office/drawing/2014/main" xmlns="" id="{94A5922D-9265-4A79-9770-BC1C16A107CA}"/>
                 </a:ext>
               </a:extLst>
             </p:cNvPr>
@@ -11895,7 +12403,7 @@
             <p:cNvPr id="25" name="Triangolo isoscele 42">
               <a:extLst>
                 <a:ext uri="{FF2B5EF4-FFF2-40B4-BE49-F238E27FC236}">
-                  <a16:creationId xmlns:a16="http://schemas.microsoft.com/office/drawing/2014/main" id="{A0FD7BD4-A807-4F3B-A3BC-009F1B02A9D4}"/>
+                  <a16:creationId xmlns:a16="http://schemas.microsoft.com/office/drawing/2014/main" xmlns="" id="{A0FD7BD4-A807-4F3B-A3BC-009F1B02A9D4}"/>
                 </a:ext>
               </a:extLst>
             </p:cNvPr>
@@ -11945,10 +12453,57 @@
       </p:grpSp>
       <p:sp>
         <p:nvSpPr>
-          <p:cNvPr id="26" name="Ovale 33">
+          <p:cNvPr id="36" name="Rectangle 4">
             <a:extLst>
               <a:ext uri="{FF2B5EF4-FFF2-40B4-BE49-F238E27FC236}">
-                <a16:creationId xmlns:a16="http://schemas.microsoft.com/office/drawing/2014/main" id="{EE7E7EAA-6204-4C59-9F31-DF632E43B747}"/>
+                <a16:creationId xmlns:a16="http://schemas.microsoft.com/office/drawing/2014/main" xmlns="" id="{751C612F-85E8-46CD-9D97-711C49FABD7D}"/>
+              </a:ext>
+            </a:extLst>
+          </p:cNvPr>
+          <p:cNvSpPr>
+            <a:spLocks noChangeArrowheads="1"/>
+          </p:cNvSpPr>
+          <p:nvPr/>
+        </p:nvSpPr>
+        <p:spPr bwMode="auto">
+          <a:xfrm>
+            <a:off x="1166751" y="1168425"/>
+            <a:ext cx="1378647" cy="307777"/>
+          </a:xfrm>
+          <a:prstGeom prst="rect">
+            <a:avLst/>
+          </a:prstGeom>
+          <a:noFill/>
+        </p:spPr>
+        <p:txBody>
+          <a:bodyPr wrap="none" rtlCol="0">
+            <a:spAutoFit/>
+          </a:bodyPr>
+          <a:lstStyle/>
+          <a:p>
+            <a:r>
+              <a:rPr lang="en-US" altLang="en-US" sz="1400" b="1" dirty="0" err="1">
+                <a:solidFill>
+                  <a:srgbClr val="0070C0"/>
+                </a:solidFill>
+                <a:latin typeface="Arial" panose="020B0604020202020204" pitchFamily="34" charset="0"/>
+                <a:cs typeface="Arial" panose="020B0604020202020204" pitchFamily="34" charset="0"/>
+              </a:rPr>
+              <a:t>robotActorTry</a:t>
+            </a:r>
+            <a:endParaRPr lang="en-US" altLang="en-US" sz="1400" dirty="0">
+              <a:latin typeface="Arial" panose="020B0604020202020204" pitchFamily="34" charset="0"/>
+              <a:cs typeface="Arial" panose="020B0604020202020204" pitchFamily="34" charset="0"/>
+            </a:endParaRPr>
+          </a:p>
+        </p:txBody>
+      </p:sp>
+      <p:sp>
+        <p:nvSpPr>
+          <p:cNvPr id="38" name="Ovale 33">
+            <a:extLst>
+              <a:ext uri="{FF2B5EF4-FFF2-40B4-BE49-F238E27FC236}">
+                <a16:creationId xmlns:a16="http://schemas.microsoft.com/office/drawing/2014/main" xmlns="" id="{AE821BAD-5AB7-466B-8291-7E14ADF08024}"/>
               </a:ext>
             </a:extLst>
           </p:cNvPr>
@@ -11957,7 +12512,7 @@
         </p:nvSpPr>
         <p:spPr>
           <a:xfrm>
-            <a:off x="4732119" y="2421406"/>
+            <a:off x="3937672" y="365198"/>
             <a:ext cx="749721" cy="720080"/>
           </a:xfrm>
           <a:prstGeom prst="ellipse">
@@ -11993,10 +12548,10 @@
       </p:sp>
       <p:sp>
         <p:nvSpPr>
-          <p:cNvPr id="28" name="CasellaDiTesto 19">
+          <p:cNvPr id="39" name="CasellaDiTesto 19">
             <a:extLst>
               <a:ext uri="{FF2B5EF4-FFF2-40B4-BE49-F238E27FC236}">
-                <a16:creationId xmlns:a16="http://schemas.microsoft.com/office/drawing/2014/main" id="{7B23BAA7-7D89-43BE-B88E-D25D840BA294}"/>
+                <a16:creationId xmlns:a16="http://schemas.microsoft.com/office/drawing/2014/main" xmlns="" id="{EF542A0F-AE9B-4720-A22D-4000E774217C}"/>
               </a:ext>
             </a:extLst>
           </p:cNvPr>
@@ -12005,7 +12560,7 @@
         </p:nvSpPr>
         <p:spPr>
           <a:xfrm>
-            <a:off x="4589841" y="3252959"/>
+            <a:off x="3795394" y="1196751"/>
             <a:ext cx="253596" cy="461665"/>
           </a:xfrm>
           <a:prstGeom prst="rect">
@@ -12029,10 +12584,10 @@
       </p:sp>
       <p:sp>
         <p:nvSpPr>
-          <p:cNvPr id="10" name="Rectangle 4">
+          <p:cNvPr id="40" name="Rectangle 4">
             <a:extLst>
               <a:ext uri="{FF2B5EF4-FFF2-40B4-BE49-F238E27FC236}">
-                <a16:creationId xmlns:a16="http://schemas.microsoft.com/office/drawing/2014/main" id="{9285CE8F-211F-4A96-BEFB-E42C50887C6A}"/>
+                <a16:creationId xmlns:a16="http://schemas.microsoft.com/office/drawing/2014/main" xmlns="" id="{DC75D623-1BEE-420F-8F7A-642F64C29300}"/>
               </a:ext>
             </a:extLst>
           </p:cNvPr>
@@ -12043,8 +12598,8 @@
         </p:nvSpPr>
         <p:spPr bwMode="auto">
           <a:xfrm>
-            <a:off x="4427984" y="3108944"/>
-            <a:ext cx="3225563" cy="523220"/>
+            <a:off x="3633537" y="1052736"/>
+            <a:ext cx="3079433" cy="738664"/>
           </a:xfrm>
           <a:prstGeom prst="rect">
             <a:avLst/>
@@ -12057,6 +12612,41 @@
           </a:bodyPr>
           <a:lstStyle/>
           <a:p>
+            <a:r>
+              <a:rPr lang="en-US" sz="1400" b="1" dirty="0" err="1">
+                <a:solidFill>
+                  <a:srgbClr val="0070C0"/>
+                </a:solidFill>
+                <a:latin typeface="Arial" panose="020B0604020202020204" pitchFamily="34" charset="0"/>
+                <a:cs typeface="Arial" panose="020B0604020202020204" pitchFamily="34" charset="0"/>
+              </a:rPr>
+              <a:t>virtualRobotSupport</a:t>
+            </a:r>
+            <a:endParaRPr lang="en-US" altLang="en-US" sz="1400" b="1" dirty="0">
+              <a:solidFill>
+                <a:srgbClr val="0070C0"/>
+              </a:solidFill>
+              <a:latin typeface="Arial" panose="020B0604020202020204" pitchFamily="34" charset="0"/>
+              <a:cs typeface="Arial" panose="020B0604020202020204" pitchFamily="34" charset="0"/>
+            </a:endParaRPr>
+          </a:p>
+          <a:p>
+            <a:r>
+              <a:rPr lang="en-US" altLang="en-US" sz="1400" dirty="0">
+                <a:latin typeface="Arial" panose="020B0604020202020204" pitchFamily="34" charset="0"/>
+                <a:cs typeface="Arial" panose="020B0604020202020204" pitchFamily="34" charset="0"/>
+              </a:rPr>
+              <a:t>(starts a coroutine that </a:t>
+            </a:r>
+          </a:p>
+          <a:p>
+            <a:r>
+              <a:rPr lang="en-US" altLang="en-US" sz="1400" dirty="0">
+                <a:latin typeface="Arial" panose="020B0604020202020204" pitchFamily="34" charset="0"/>
+                <a:cs typeface="Arial" panose="020B0604020202020204" pitchFamily="34" charset="0"/>
+              </a:rPr>
+              <a:t>sends messages to </a:t>
+            </a:r>
             <a:r>
               <a:rPr lang="en-US" altLang="en-US" sz="1400" b="1" dirty="0" err="1">
                 <a:solidFill>
@@ -12065,33 +12655,24 @@
                 <a:latin typeface="Arial" panose="020B0604020202020204" pitchFamily="34" charset="0"/>
                 <a:cs typeface="Arial" panose="020B0604020202020204" pitchFamily="34" charset="0"/>
               </a:rPr>
-              <a:t>clientWenvTcpObj</a:t>
-            </a:r>
-            <a:endParaRPr lang="en-US" altLang="en-US" sz="1400" b="1" dirty="0">
-              <a:solidFill>
-                <a:srgbClr val="0070C0"/>
-              </a:solidFill>
-              <a:latin typeface="Arial" panose="020B0604020202020204" pitchFamily="34" charset="0"/>
-              <a:cs typeface="Arial" panose="020B0604020202020204" pitchFamily="34" charset="0"/>
-            </a:endParaRPr>
-          </a:p>
-          <a:p>
+              <a:t>robotActorTry</a:t>
+            </a:r>
             <a:r>
               <a:rPr lang="en-US" altLang="en-US" sz="1400" dirty="0">
                 <a:latin typeface="Arial" panose="020B0604020202020204" pitchFamily="34" charset="0"/>
                 <a:cs typeface="Arial" panose="020B0604020202020204" pitchFamily="34" charset="0"/>
               </a:rPr>
-              <a:t>(starts a coroutine to read sonar data) </a:t>
+              <a:t>) </a:t>
             </a:r>
           </a:p>
         </p:txBody>
       </p:sp>
       <p:cxnSp>
         <p:nvCxnSpPr>
-          <p:cNvPr id="29" name="Connettore 2 126">
+          <p:cNvPr id="41" name="Connettore 2 126">
             <a:extLst>
               <a:ext uri="{FF2B5EF4-FFF2-40B4-BE49-F238E27FC236}">
-                <a16:creationId xmlns:a16="http://schemas.microsoft.com/office/drawing/2014/main" id="{0AA0E6A2-F525-4C64-9B41-8AAC54C8346D}"/>
+                <a16:creationId xmlns:a16="http://schemas.microsoft.com/office/drawing/2014/main" xmlns="" id="{B9484729-5BBF-42A0-9532-D074E8F64D0C}"/>
               </a:ext>
             </a:extLst>
           </p:cNvPr>
@@ -12100,7 +12681,7 @@
         </p:nvCxnSpPr>
         <p:spPr>
           <a:xfrm flipH="1">
-            <a:off x="5111951" y="2584895"/>
+            <a:off x="4317504" y="528687"/>
             <a:ext cx="13466" cy="393101"/>
           </a:xfrm>
           <a:prstGeom prst="straightConnector1">
@@ -12131,22 +12712,24 @@
       </p:cxnSp>
       <p:cxnSp>
         <p:nvCxnSpPr>
-          <p:cNvPr id="30" name="Connettore 2 9">
+          <p:cNvPr id="42" name="Connettore 2 9">
             <a:extLst>
               <a:ext uri="{FF2B5EF4-FFF2-40B4-BE49-F238E27FC236}">
-                <a16:creationId xmlns:a16="http://schemas.microsoft.com/office/drawing/2014/main" id="{01EF4D93-4E7B-4DFB-AE38-808AA1CF2663}"/>
+                <a16:creationId xmlns:a16="http://schemas.microsoft.com/office/drawing/2014/main" xmlns="" id="{2227C48D-AA34-4D81-9873-E2E1601CDD36}"/>
               </a:ext>
             </a:extLst>
           </p:cNvPr>
           <p:cNvCxnSpPr>
             <a:cxnSpLocks/>
+            <a:stCxn id="23" idx="6"/>
+            <a:endCxn id="38" idx="2"/>
           </p:cNvCxnSpPr>
           <p:nvPr/>
         </p:nvCxnSpPr>
         <p:spPr>
           <a:xfrm>
-            <a:off x="3026434" y="2808162"/>
-            <a:ext cx="1705685" cy="10792"/>
+            <a:off x="2120617" y="700470"/>
+            <a:ext cx="1817055" cy="24768"/>
           </a:xfrm>
           <a:prstGeom prst="straightConnector1">
             <a:avLst/>
@@ -12172,10 +12755,10 @@
       </p:cxnSp>
       <p:sp>
         <p:nvSpPr>
-          <p:cNvPr id="33" name="Rectangle 5">
+          <p:cNvPr id="43" name="Rectangle 5">
             <a:extLst>
               <a:ext uri="{FF2B5EF4-FFF2-40B4-BE49-F238E27FC236}">
-                <a16:creationId xmlns:a16="http://schemas.microsoft.com/office/drawing/2014/main" id="{663699FD-7F2E-4DD1-B4BF-227A041C24B8}"/>
+                <a16:creationId xmlns:a16="http://schemas.microsoft.com/office/drawing/2014/main" xmlns="" id="{FDD84F83-30AC-4BF9-B9FF-5314654605F2}"/>
               </a:ext>
             </a:extLst>
           </p:cNvPr>
@@ -12186,8 +12769,8 @@
         </p:nvSpPr>
         <p:spPr bwMode="auto">
           <a:xfrm>
-            <a:off x="2916205" y="2298314"/>
-            <a:ext cx="1906291" cy="523220"/>
+            <a:off x="2144491" y="290219"/>
+            <a:ext cx="1982053" cy="307777"/>
           </a:xfrm>
           <a:prstGeom prst="rect">
             <a:avLst/>
@@ -12195,60 +12778,48 @@
           <a:noFill/>
         </p:spPr>
         <p:txBody>
-          <a:bodyPr wrap="none" rtlCol="0">
+          <a:bodyPr wrap="square" rtlCol="0">
             <a:spAutoFit/>
           </a:bodyPr>
           <a:lstStyle/>
           <a:p>
             <a:r>
               <a:rPr lang="en-US" altLang="en-US" sz="1400" b="1" dirty="0" err="1">
-                <a:solidFill>
-                  <a:srgbClr val="0070C0"/>
-                </a:solidFill>
                 <a:latin typeface="Arial" panose="020B0604020202020204" pitchFamily="34" charset="0"/>
                 <a:cs typeface="Arial" panose="020B0604020202020204" pitchFamily="34" charset="0"/>
               </a:rPr>
-              <a:t>sendMsg</a:t>
+              <a:t>domove</a:t>
             </a:r>
             <a:r>
               <a:rPr lang="en-US" altLang="en-US" sz="1400" dirty="0">
                 <a:latin typeface="Arial" panose="020B0604020202020204" pitchFamily="34" charset="0"/>
                 <a:cs typeface="Arial" panose="020B0604020202020204" pitchFamily="34" charset="0"/>
               </a:rPr>
-              <a:t>(</a:t>
-            </a:r>
-          </a:p>
-          <a:p>
+              <a:t>( </a:t>
+            </a:r>
+            <a:r>
+              <a:rPr lang="en-US" altLang="en-US" sz="1400" dirty="0" err="1">
+                <a:latin typeface="Arial" panose="020B0604020202020204" pitchFamily="34" charset="0"/>
+                <a:cs typeface="Arial" panose="020B0604020202020204" pitchFamily="34" charset="0"/>
+              </a:rPr>
+              <a:t>cmd</a:t>
+            </a:r>
             <a:r>
               <a:rPr lang="en-US" altLang="en-US" sz="1400" dirty="0">
                 <a:latin typeface="Arial" panose="020B0604020202020204" pitchFamily="34" charset="0"/>
                 <a:cs typeface="Arial" panose="020B0604020202020204" pitchFamily="34" charset="0"/>
               </a:rPr>
-              <a:t>     </a:t>
-            </a:r>
-            <a:r>
-              <a:rPr lang="en-US" altLang="en-US" sz="1400" dirty="0" err="1">
-                <a:latin typeface="Arial" panose="020B0604020202020204" pitchFamily="34" charset="0"/>
-                <a:cs typeface="Arial" panose="020B0604020202020204" pitchFamily="34" charset="0"/>
-              </a:rPr>
-              <a:t>jsonString</a:t>
-            </a:r>
-            <a:r>
-              <a:rPr lang="en-US" altLang="en-US" sz="1400" dirty="0">
-                <a:latin typeface="Arial" panose="020B0604020202020204" pitchFamily="34" charset="0"/>
-                <a:cs typeface="Arial" panose="020B0604020202020204" pitchFamily="34" charset="0"/>
-              </a:rPr>
-              <a:t>: String) </a:t>
-            </a:r>
-          </a:p>
-        </p:txBody>
-      </p:sp>
-      <p:sp>
-        <p:nvSpPr>
-          <p:cNvPr id="36" name="Rectangle 4">
+              <a:t>: String ) </a:t>
+            </a:r>
+          </a:p>
+        </p:txBody>
+      </p:sp>
+      <p:sp>
+        <p:nvSpPr>
+          <p:cNvPr id="52" name="Rectangle 5">
             <a:extLst>
               <a:ext uri="{FF2B5EF4-FFF2-40B4-BE49-F238E27FC236}">
-                <a16:creationId xmlns:a16="http://schemas.microsoft.com/office/drawing/2014/main" id="{751C612F-85E8-46CD-9D97-711C49FABD7D}"/>
+                <a16:creationId xmlns:a16="http://schemas.microsoft.com/office/drawing/2014/main" xmlns="" id="{9529310F-209D-4FC3-82E8-EEC7E3A85851}"/>
               </a:ext>
             </a:extLst>
           </p:cNvPr>
@@ -12259,8 +12830,8 @@
         </p:nvSpPr>
         <p:spPr bwMode="auto">
           <a:xfrm>
-            <a:off x="1398040" y="4924167"/>
-            <a:ext cx="1109599" cy="307777"/>
+            <a:off x="4711267" y="310452"/>
+            <a:ext cx="702436" cy="307777"/>
           </a:xfrm>
           <a:prstGeom prst="rect">
             <a:avLst/>
@@ -12274,28 +12845,21 @@
           <a:lstStyle/>
           <a:p>
             <a:r>
-              <a:rPr lang="en-US" altLang="en-US" sz="1400" b="1" dirty="0" err="1">
-                <a:solidFill>
-                  <a:srgbClr val="0070C0"/>
-                </a:solidFill>
+              <a:rPr lang="en-US" altLang="en-US" sz="1400" dirty="0">
                 <a:latin typeface="Arial" panose="020B0604020202020204" pitchFamily="34" charset="0"/>
                 <a:cs typeface="Arial" panose="020B0604020202020204" pitchFamily="34" charset="0"/>
               </a:rPr>
-              <a:t>robotActor</a:t>
-            </a:r>
-            <a:endParaRPr lang="en-US" altLang="en-US" sz="1400" dirty="0">
-              <a:latin typeface="Arial" panose="020B0604020202020204" pitchFamily="34" charset="0"/>
-              <a:cs typeface="Arial" panose="020B0604020202020204" pitchFamily="34" charset="0"/>
-            </a:endParaRPr>
-          </a:p>
-        </p:txBody>
-      </p:sp>
-      <p:sp>
-        <p:nvSpPr>
-          <p:cNvPr id="38" name="Ovale 33">
+              <a:t>socket</a:t>
+            </a:r>
+          </a:p>
+        </p:txBody>
+      </p:sp>
+      <p:sp>
+        <p:nvSpPr>
+          <p:cNvPr id="53" name="Ovale 33">
             <a:extLst>
               <a:ext uri="{FF2B5EF4-FFF2-40B4-BE49-F238E27FC236}">
-                <a16:creationId xmlns:a16="http://schemas.microsoft.com/office/drawing/2014/main" id="{AE821BAD-5AB7-466B-8291-7E14ADF08024}"/>
+                <a16:creationId xmlns:a16="http://schemas.microsoft.com/office/drawing/2014/main" xmlns="" id="{435D5F9E-A655-4DD7-851D-B11A8F169495}"/>
               </a:ext>
             </a:extLst>
           </p:cNvPr>
@@ -12304,8 +12868,8 @@
         </p:nvSpPr>
         <p:spPr>
           <a:xfrm>
-            <a:off x="4168961" y="4120940"/>
-            <a:ext cx="749721" cy="720080"/>
+            <a:off x="4946382" y="597724"/>
+            <a:ext cx="312930" cy="275021"/>
           </a:xfrm>
           <a:prstGeom prst="ellipse">
             <a:avLst/>
@@ -12338,501 +12902,12 @@
           </a:p>
         </p:txBody>
       </p:sp>
-      <p:sp>
-        <p:nvSpPr>
-          <p:cNvPr id="39" name="CasellaDiTesto 19">
-            <a:extLst>
-              <a:ext uri="{FF2B5EF4-FFF2-40B4-BE49-F238E27FC236}">
-                <a16:creationId xmlns:a16="http://schemas.microsoft.com/office/drawing/2014/main" id="{EF542A0F-AE9B-4720-A22D-4000E774217C}"/>
-              </a:ext>
-            </a:extLst>
-          </p:cNvPr>
-          <p:cNvSpPr txBox="1"/>
-          <p:nvPr/>
-        </p:nvSpPr>
-        <p:spPr>
-          <a:xfrm>
-            <a:off x="4026683" y="4952493"/>
-            <a:ext cx="253596" cy="461665"/>
-          </a:xfrm>
-          <a:prstGeom prst="rect">
-            <a:avLst/>
-          </a:prstGeom>
-          <a:noFill/>
-        </p:spPr>
-        <p:txBody>
-          <a:bodyPr wrap="none" rtlCol="0">
-            <a:spAutoFit/>
-          </a:bodyPr>
-          <a:lstStyle/>
-          <a:p>
-            <a:r>
-              <a:rPr lang="it-IT" sz="2400" dirty="0"/>
-              <a:t> </a:t>
-            </a:r>
-            <a:endParaRPr lang="en-GB" sz="2400" dirty="0"/>
-          </a:p>
-        </p:txBody>
-      </p:sp>
-      <p:sp>
-        <p:nvSpPr>
-          <p:cNvPr id="40" name="Rectangle 4">
-            <a:extLst>
-              <a:ext uri="{FF2B5EF4-FFF2-40B4-BE49-F238E27FC236}">
-                <a16:creationId xmlns:a16="http://schemas.microsoft.com/office/drawing/2014/main" id="{DC75D623-1BEE-420F-8F7A-642F64C29300}"/>
-              </a:ext>
-            </a:extLst>
-          </p:cNvPr>
-          <p:cNvSpPr>
-            <a:spLocks noChangeArrowheads="1"/>
-          </p:cNvSpPr>
-          <p:nvPr/>
-        </p:nvSpPr>
-        <p:spPr bwMode="auto">
-          <a:xfrm>
-            <a:off x="3864826" y="4808478"/>
-            <a:ext cx="2810385" cy="738664"/>
-          </a:xfrm>
-          <a:prstGeom prst="rect">
-            <a:avLst/>
-          </a:prstGeom>
-          <a:noFill/>
-        </p:spPr>
-        <p:txBody>
-          <a:bodyPr wrap="none" rtlCol="0">
-            <a:spAutoFit/>
-          </a:bodyPr>
-          <a:lstStyle/>
-          <a:p>
-            <a:r>
-              <a:rPr lang="en-US" altLang="en-US" sz="1400" b="1" dirty="0" err="1">
-                <a:solidFill>
-                  <a:srgbClr val="0070C0"/>
-                </a:solidFill>
-                <a:latin typeface="Arial" panose="020B0604020202020204" pitchFamily="34" charset="0"/>
-                <a:cs typeface="Arial" panose="020B0604020202020204" pitchFamily="34" charset="0"/>
-              </a:rPr>
-              <a:t>robotSupport</a:t>
-            </a:r>
-            <a:endParaRPr lang="en-US" altLang="en-US" sz="1400" b="1" dirty="0">
-              <a:solidFill>
-                <a:srgbClr val="0070C0"/>
-              </a:solidFill>
-              <a:latin typeface="Arial" panose="020B0604020202020204" pitchFamily="34" charset="0"/>
-              <a:cs typeface="Arial" panose="020B0604020202020204" pitchFamily="34" charset="0"/>
-            </a:endParaRPr>
-          </a:p>
-          <a:p>
-            <a:r>
-              <a:rPr lang="en-US" altLang="en-US" sz="1400" dirty="0">
-                <a:latin typeface="Arial" panose="020B0604020202020204" pitchFamily="34" charset="0"/>
-                <a:cs typeface="Arial" panose="020B0604020202020204" pitchFamily="34" charset="0"/>
-              </a:rPr>
-              <a:t>(starts a coroutine that </a:t>
-            </a:r>
-          </a:p>
-          <a:p>
-            <a:r>
-              <a:rPr lang="en-US" altLang="en-US" sz="1400" dirty="0">
-                <a:latin typeface="Arial" panose="020B0604020202020204" pitchFamily="34" charset="0"/>
-                <a:cs typeface="Arial" panose="020B0604020202020204" pitchFamily="34" charset="0"/>
-              </a:rPr>
-              <a:t>sends messages to </a:t>
-            </a:r>
-            <a:r>
-              <a:rPr lang="en-US" altLang="en-US" sz="1400" b="1" dirty="0" err="1">
-                <a:solidFill>
-                  <a:srgbClr val="0070C0"/>
-                </a:solidFill>
-                <a:latin typeface="Arial" panose="020B0604020202020204" pitchFamily="34" charset="0"/>
-                <a:cs typeface="Arial" panose="020B0604020202020204" pitchFamily="34" charset="0"/>
-              </a:rPr>
-              <a:t>robotActor</a:t>
-            </a:r>
-            <a:r>
-              <a:rPr lang="en-US" altLang="en-US" sz="1400" dirty="0">
-                <a:latin typeface="Arial" panose="020B0604020202020204" pitchFamily="34" charset="0"/>
-                <a:cs typeface="Arial" panose="020B0604020202020204" pitchFamily="34" charset="0"/>
-              </a:rPr>
-              <a:t>) </a:t>
-            </a:r>
-          </a:p>
-        </p:txBody>
-      </p:sp>
-      <p:cxnSp>
-        <p:nvCxnSpPr>
-          <p:cNvPr id="41" name="Connettore 2 126">
-            <a:extLst>
-              <a:ext uri="{FF2B5EF4-FFF2-40B4-BE49-F238E27FC236}">
-                <a16:creationId xmlns:a16="http://schemas.microsoft.com/office/drawing/2014/main" id="{B9484729-5BBF-42A0-9532-D074E8F64D0C}"/>
-              </a:ext>
-            </a:extLst>
-          </p:cNvPr>
-          <p:cNvCxnSpPr/>
-          <p:nvPr/>
-        </p:nvCxnSpPr>
-        <p:spPr>
-          <a:xfrm flipH="1">
-            <a:off x="4548793" y="4284429"/>
-            <a:ext cx="13466" cy="393101"/>
-          </a:xfrm>
-          <a:prstGeom prst="straightConnector1">
-            <a:avLst/>
-          </a:prstGeom>
-          <a:ln>
-            <a:solidFill>
-              <a:srgbClr val="C00000"/>
-            </a:solidFill>
-            <a:prstDash val="lgDash"/>
-            <a:tailEnd type="arrow"/>
-          </a:ln>
-        </p:spPr>
-        <p:style>
-          <a:lnRef idx="1">
-            <a:schemeClr val="accent1"/>
-          </a:lnRef>
-          <a:fillRef idx="0">
-            <a:schemeClr val="accent1"/>
-          </a:fillRef>
-          <a:effectRef idx="0">
-            <a:schemeClr val="accent1"/>
-          </a:effectRef>
-          <a:fontRef idx="minor">
-            <a:schemeClr val="tx1"/>
-          </a:fontRef>
-        </p:style>
-      </p:cxnSp>
-      <p:cxnSp>
-        <p:nvCxnSpPr>
-          <p:cNvPr id="42" name="Connettore 2 9">
-            <a:extLst>
-              <a:ext uri="{FF2B5EF4-FFF2-40B4-BE49-F238E27FC236}">
-                <a16:creationId xmlns:a16="http://schemas.microsoft.com/office/drawing/2014/main" id="{2227C48D-AA34-4D81-9873-E2E1601CDD36}"/>
-              </a:ext>
-            </a:extLst>
-          </p:cNvPr>
-          <p:cNvCxnSpPr>
-            <a:cxnSpLocks/>
-            <a:stCxn id="23" idx="6"/>
-            <a:endCxn id="38" idx="2"/>
-          </p:cNvCxnSpPr>
-          <p:nvPr/>
-        </p:nvCxnSpPr>
-        <p:spPr>
-          <a:xfrm>
-            <a:off x="2351906" y="4456212"/>
-            <a:ext cx="1817055" cy="24768"/>
-          </a:xfrm>
-          <a:prstGeom prst="straightConnector1">
-            <a:avLst/>
-          </a:prstGeom>
-          <a:ln>
-            <a:solidFill>
-              <a:srgbClr val="002060"/>
-            </a:solidFill>
-            <a:tailEnd type="arrow"/>
-          </a:ln>
-        </p:spPr>
-        <p:style>
-          <a:lnRef idx="1">
-            <a:schemeClr val="accent1"/>
-          </a:lnRef>
-          <a:fillRef idx="0">
-            <a:schemeClr val="accent1"/>
-          </a:fillRef>
-          <a:effectRef idx="0">
-            <a:schemeClr val="accent1"/>
-          </a:effectRef>
-          <a:fontRef idx="minor">
-            <a:schemeClr val="tx1"/>
-          </a:fontRef>
-        </p:style>
-      </p:cxnSp>
-      <p:sp>
-        <p:nvSpPr>
-          <p:cNvPr id="43" name="Rectangle 5">
-            <a:extLst>
-              <a:ext uri="{FF2B5EF4-FFF2-40B4-BE49-F238E27FC236}">
-                <a16:creationId xmlns:a16="http://schemas.microsoft.com/office/drawing/2014/main" id="{FDD84F83-30AC-4BF9-B9FF-5314654605F2}"/>
-              </a:ext>
-            </a:extLst>
-          </p:cNvPr>
-          <p:cNvSpPr>
-            <a:spLocks noChangeArrowheads="1"/>
-          </p:cNvSpPr>
-          <p:nvPr/>
-        </p:nvSpPr>
-        <p:spPr bwMode="auto">
-          <a:xfrm>
-            <a:off x="2375780" y="4045961"/>
-            <a:ext cx="1982053" cy="307777"/>
-          </a:xfrm>
-          <a:prstGeom prst="rect">
-            <a:avLst/>
-          </a:prstGeom>
-          <a:noFill/>
-        </p:spPr>
-        <p:txBody>
-          <a:bodyPr wrap="square" rtlCol="0">
-            <a:spAutoFit/>
-          </a:bodyPr>
-          <a:lstStyle/>
-          <a:p>
-            <a:r>
-              <a:rPr lang="en-US" altLang="en-US" sz="1400" b="1" dirty="0" err="1">
-                <a:latin typeface="Arial" panose="020B0604020202020204" pitchFamily="34" charset="0"/>
-                <a:cs typeface="Arial" panose="020B0604020202020204" pitchFamily="34" charset="0"/>
-              </a:rPr>
-              <a:t>domove</a:t>
-            </a:r>
-            <a:r>
-              <a:rPr lang="en-US" altLang="en-US" sz="1400" dirty="0">
-                <a:latin typeface="Arial" panose="020B0604020202020204" pitchFamily="34" charset="0"/>
-                <a:cs typeface="Arial" panose="020B0604020202020204" pitchFamily="34" charset="0"/>
-              </a:rPr>
-              <a:t>( </a:t>
-            </a:r>
-            <a:r>
-              <a:rPr lang="en-US" altLang="en-US" sz="1400" dirty="0" err="1">
-                <a:latin typeface="Arial" panose="020B0604020202020204" pitchFamily="34" charset="0"/>
-                <a:cs typeface="Arial" panose="020B0604020202020204" pitchFamily="34" charset="0"/>
-              </a:rPr>
-              <a:t>cmd</a:t>
-            </a:r>
-            <a:r>
-              <a:rPr lang="en-US" altLang="en-US" sz="1400" dirty="0">
-                <a:latin typeface="Arial" panose="020B0604020202020204" pitchFamily="34" charset="0"/>
-                <a:cs typeface="Arial" panose="020B0604020202020204" pitchFamily="34" charset="0"/>
-              </a:rPr>
-              <a:t>: String ) </a:t>
-            </a:r>
-          </a:p>
-        </p:txBody>
-      </p:sp>
-      <p:sp>
-        <p:nvSpPr>
-          <p:cNvPr id="45" name="Rectangle 5">
-            <a:extLst>
-              <a:ext uri="{FF2B5EF4-FFF2-40B4-BE49-F238E27FC236}">
-                <a16:creationId xmlns:a16="http://schemas.microsoft.com/office/drawing/2014/main" id="{E24D6CA4-2BC9-4AE1-95CB-AED96FDB9560}"/>
-              </a:ext>
-            </a:extLst>
-          </p:cNvPr>
-          <p:cNvSpPr>
-            <a:spLocks noChangeArrowheads="1"/>
-          </p:cNvSpPr>
-          <p:nvPr/>
-        </p:nvSpPr>
-        <p:spPr bwMode="auto">
-          <a:xfrm>
-            <a:off x="5524606" y="2362874"/>
-            <a:ext cx="702436" cy="307777"/>
-          </a:xfrm>
-          <a:prstGeom prst="rect">
-            <a:avLst/>
-          </a:prstGeom>
-          <a:noFill/>
-        </p:spPr>
-        <p:txBody>
-          <a:bodyPr wrap="none" rtlCol="0">
-            <a:spAutoFit/>
-          </a:bodyPr>
-          <a:lstStyle/>
-          <a:p>
-            <a:r>
-              <a:rPr lang="en-US" altLang="en-US" sz="1400" dirty="0">
-                <a:latin typeface="Arial" panose="020B0604020202020204" pitchFamily="34" charset="0"/>
-                <a:cs typeface="Arial" panose="020B0604020202020204" pitchFamily="34" charset="0"/>
-              </a:rPr>
-              <a:t>socket</a:t>
-            </a:r>
-          </a:p>
-        </p:txBody>
-      </p:sp>
-      <p:sp>
-        <p:nvSpPr>
-          <p:cNvPr id="46" name="Ovale 33">
-            <a:extLst>
-              <a:ext uri="{FF2B5EF4-FFF2-40B4-BE49-F238E27FC236}">
-                <a16:creationId xmlns:a16="http://schemas.microsoft.com/office/drawing/2014/main" id="{9DB22A3B-B6A7-4E63-A408-51B043370910}"/>
-              </a:ext>
-            </a:extLst>
-          </p:cNvPr>
-          <p:cNvSpPr/>
-          <p:nvPr/>
-        </p:nvSpPr>
-        <p:spPr>
-          <a:xfrm>
-            <a:off x="5759721" y="2650146"/>
-            <a:ext cx="312930" cy="275021"/>
-          </a:xfrm>
-          <a:prstGeom prst="ellipse">
-            <a:avLst/>
-          </a:prstGeom>
-          <a:ln/>
-        </p:spPr>
-        <p:style>
-          <a:lnRef idx="1">
-            <a:schemeClr val="accent5"/>
-          </a:lnRef>
-          <a:fillRef idx="2">
-            <a:schemeClr val="accent5"/>
-          </a:fillRef>
-          <a:effectRef idx="1">
-            <a:schemeClr val="accent5"/>
-          </a:effectRef>
-          <a:fontRef idx="minor">
-            <a:schemeClr val="dk1"/>
-          </a:fontRef>
-        </p:style>
-        <p:txBody>
-          <a:bodyPr rtlCol="0" anchor="ctr"/>
-          <a:lstStyle/>
-          <a:p>
-            <a:pPr algn="ctr"/>
-            <a:r>
-              <a:rPr lang="en-GB" sz="1200" dirty="0"/>
-              <a:t> </a:t>
-            </a:r>
-          </a:p>
-        </p:txBody>
-      </p:sp>
-      <p:cxnSp>
-        <p:nvCxnSpPr>
-          <p:cNvPr id="48" name="Straight Arrow Connector 47">
-            <a:extLst>
-              <a:ext uri="{FF2B5EF4-FFF2-40B4-BE49-F238E27FC236}">
-                <a16:creationId xmlns:a16="http://schemas.microsoft.com/office/drawing/2014/main" id="{68E3D2D9-1905-4E34-9DAF-86766AC88CC1}"/>
-              </a:ext>
-            </a:extLst>
-          </p:cNvPr>
-          <p:cNvCxnSpPr>
-            <a:stCxn id="26" idx="6"/>
-            <a:endCxn id="46" idx="2"/>
-          </p:cNvCxnSpPr>
-          <p:nvPr/>
-        </p:nvCxnSpPr>
-        <p:spPr>
-          <a:xfrm>
-            <a:off x="5481840" y="2781446"/>
-            <a:ext cx="277881" cy="6211"/>
-          </a:xfrm>
-          <a:prstGeom prst="straightConnector1">
-            <a:avLst/>
-          </a:prstGeom>
-          <a:ln>
-            <a:tailEnd type="triangle"/>
-          </a:ln>
-        </p:spPr>
-        <p:style>
-          <a:lnRef idx="1">
-            <a:schemeClr val="accent1"/>
-          </a:lnRef>
-          <a:fillRef idx="0">
-            <a:schemeClr val="accent1"/>
-          </a:fillRef>
-          <a:effectRef idx="0">
-            <a:schemeClr val="accent1"/>
-          </a:effectRef>
-          <a:fontRef idx="minor">
-            <a:schemeClr val="tx1"/>
-          </a:fontRef>
-        </p:style>
-      </p:cxnSp>
-      <p:sp>
-        <p:nvSpPr>
-          <p:cNvPr id="52" name="Rectangle 5">
-            <a:extLst>
-              <a:ext uri="{FF2B5EF4-FFF2-40B4-BE49-F238E27FC236}">
-                <a16:creationId xmlns:a16="http://schemas.microsoft.com/office/drawing/2014/main" id="{9529310F-209D-4FC3-82E8-EEC7E3A85851}"/>
-              </a:ext>
-            </a:extLst>
-          </p:cNvPr>
-          <p:cNvSpPr>
-            <a:spLocks noChangeArrowheads="1"/>
-          </p:cNvSpPr>
-          <p:nvPr/>
-        </p:nvSpPr>
-        <p:spPr bwMode="auto">
-          <a:xfrm>
-            <a:off x="4942556" y="4066194"/>
-            <a:ext cx="702436" cy="307777"/>
-          </a:xfrm>
-          <a:prstGeom prst="rect">
-            <a:avLst/>
-          </a:prstGeom>
-          <a:noFill/>
-        </p:spPr>
-        <p:txBody>
-          <a:bodyPr wrap="none" rtlCol="0">
-            <a:spAutoFit/>
-          </a:bodyPr>
-          <a:lstStyle/>
-          <a:p>
-            <a:r>
-              <a:rPr lang="en-US" altLang="en-US" sz="1400" dirty="0">
-                <a:latin typeface="Arial" panose="020B0604020202020204" pitchFamily="34" charset="0"/>
-                <a:cs typeface="Arial" panose="020B0604020202020204" pitchFamily="34" charset="0"/>
-              </a:rPr>
-              <a:t>socket</a:t>
-            </a:r>
-          </a:p>
-        </p:txBody>
-      </p:sp>
-      <p:sp>
-        <p:nvSpPr>
-          <p:cNvPr id="53" name="Ovale 33">
-            <a:extLst>
-              <a:ext uri="{FF2B5EF4-FFF2-40B4-BE49-F238E27FC236}">
-                <a16:creationId xmlns:a16="http://schemas.microsoft.com/office/drawing/2014/main" id="{435D5F9E-A655-4DD7-851D-B11A8F169495}"/>
-              </a:ext>
-            </a:extLst>
-          </p:cNvPr>
-          <p:cNvSpPr/>
-          <p:nvPr/>
-        </p:nvSpPr>
-        <p:spPr>
-          <a:xfrm>
-            <a:off x="5177671" y="4353466"/>
-            <a:ext cx="312930" cy="275021"/>
-          </a:xfrm>
-          <a:prstGeom prst="ellipse">
-            <a:avLst/>
-          </a:prstGeom>
-          <a:ln/>
-        </p:spPr>
-        <p:style>
-          <a:lnRef idx="1">
-            <a:schemeClr val="accent5"/>
-          </a:lnRef>
-          <a:fillRef idx="2">
-            <a:schemeClr val="accent5"/>
-          </a:fillRef>
-          <a:effectRef idx="1">
-            <a:schemeClr val="accent5"/>
-          </a:effectRef>
-          <a:fontRef idx="minor">
-            <a:schemeClr val="dk1"/>
-          </a:fontRef>
-        </p:style>
-        <p:txBody>
-          <a:bodyPr rtlCol="0" anchor="ctr"/>
-          <a:lstStyle/>
-          <a:p>
-            <a:pPr algn="ctr"/>
-            <a:r>
-              <a:rPr lang="en-GB" sz="1200" dirty="0"/>
-              <a:t> </a:t>
-            </a:r>
-          </a:p>
-        </p:txBody>
-      </p:sp>
       <p:cxnSp>
         <p:nvCxnSpPr>
           <p:cNvPr id="54" name="Straight Arrow Connector 53">
             <a:extLst>
               <a:ext uri="{FF2B5EF4-FFF2-40B4-BE49-F238E27FC236}">
-                <a16:creationId xmlns:a16="http://schemas.microsoft.com/office/drawing/2014/main" id="{5F862CA7-7927-4E0C-A697-C0E183A98073}"/>
+                <a16:creationId xmlns:a16="http://schemas.microsoft.com/office/drawing/2014/main" xmlns="" id="{5F862CA7-7927-4E0C-A697-C0E183A98073}"/>
               </a:ext>
             </a:extLst>
           </p:cNvPr>
@@ -12843,7 +12918,7 @@
         </p:nvCxnSpPr>
         <p:spPr>
           <a:xfrm>
-            <a:off x="4899790" y="4484766"/>
+            <a:off x="4668501" y="729024"/>
             <a:ext cx="277881" cy="6211"/>
           </a:xfrm>
           <a:prstGeom prst="straightConnector1">
@@ -12873,7 +12948,7 @@
           <p:cNvPr id="57" name="Connector: Elbow 56">
             <a:extLst>
               <a:ext uri="{FF2B5EF4-FFF2-40B4-BE49-F238E27FC236}">
-                <a16:creationId xmlns:a16="http://schemas.microsoft.com/office/drawing/2014/main" id="{CDFFCB79-ECE8-451E-A967-EFE490B3417F}"/>
+                <a16:creationId xmlns:a16="http://schemas.microsoft.com/office/drawing/2014/main" xmlns="" id="{CDFFCB79-ECE8-451E-A967-EFE490B3417F}"/>
               </a:ext>
             </a:extLst>
           </p:cNvPr>
@@ -12886,7 +12961,7 @@
         </p:nvCxnSpPr>
         <p:spPr>
           <a:xfrm rot="5400000" flipH="1">
-            <a:off x="2564849" y="3021661"/>
+            <a:off x="2333560" y="-734081"/>
             <a:ext cx="185414" cy="3242398"/>
           </a:xfrm>
           <a:prstGeom prst="bentConnector3">
@@ -12919,7 +12994,7 @@
           <p:cNvPr id="60" name="Oval 59">
             <a:extLst>
               <a:ext uri="{FF2B5EF4-FFF2-40B4-BE49-F238E27FC236}">
-                <a16:creationId xmlns:a16="http://schemas.microsoft.com/office/drawing/2014/main" id="{14ACD13F-7496-4B90-AE98-8683062A6B76}"/>
+                <a16:creationId xmlns:a16="http://schemas.microsoft.com/office/drawing/2014/main" xmlns="" id="{14ACD13F-7496-4B90-AE98-8683062A6B76}"/>
               </a:ext>
             </a:extLst>
           </p:cNvPr>
@@ -12928,7 +13003,7 @@
         </p:nvSpPr>
         <p:spPr>
           <a:xfrm>
-            <a:off x="924494" y="4319055"/>
+            <a:off x="693205" y="563313"/>
             <a:ext cx="223725" cy="231098"/>
           </a:xfrm>
           <a:prstGeom prst="ellipse">
@@ -12973,1041 +13048,7 @@
           <p:cNvPr id="35" name="Connettore 2 92">
             <a:extLst>
               <a:ext uri="{FF2B5EF4-FFF2-40B4-BE49-F238E27FC236}">
-                <a16:creationId xmlns:a16="http://schemas.microsoft.com/office/drawing/2014/main" id="{D129B3F1-E984-4808-8DB5-56CC7FF47729}"/>
-              </a:ext>
-            </a:extLst>
-          </p:cNvPr>
-          <p:cNvCxnSpPr/>
-          <p:nvPr/>
-        </p:nvCxnSpPr>
-        <p:spPr>
-          <a:xfrm>
-            <a:off x="702491" y="4516059"/>
-            <a:ext cx="783259" cy="0"/>
-          </a:xfrm>
-          <a:prstGeom prst="straightConnector1">
-            <a:avLst/>
-          </a:prstGeom>
-          <a:ln>
-            <a:prstDash val="lgDash"/>
-            <a:tailEnd type="arrow"/>
-          </a:ln>
-        </p:spPr>
-        <p:style>
-          <a:lnRef idx="1">
-            <a:schemeClr val="accent1"/>
-          </a:lnRef>
-          <a:fillRef idx="0">
-            <a:schemeClr val="accent1"/>
-          </a:fillRef>
-          <a:effectRef idx="0">
-            <a:schemeClr val="accent1"/>
-          </a:effectRef>
-          <a:fontRef idx="minor">
-            <a:schemeClr val="tx1"/>
-          </a:fontRef>
-        </p:style>
-      </p:cxnSp>
-      <p:sp>
-        <p:nvSpPr>
-          <p:cNvPr id="75" name="Rectangle 5">
-            <a:extLst>
-              <a:ext uri="{FF2B5EF4-FFF2-40B4-BE49-F238E27FC236}">
-                <a16:creationId xmlns:a16="http://schemas.microsoft.com/office/drawing/2014/main" id="{D7416450-7D3D-45F7-A403-375C44C4136F}"/>
-              </a:ext>
-            </a:extLst>
-          </p:cNvPr>
-          <p:cNvSpPr>
-            <a:spLocks noChangeArrowheads="1"/>
-          </p:cNvSpPr>
-          <p:nvPr/>
-        </p:nvSpPr>
-        <p:spPr bwMode="auto">
-          <a:xfrm>
-            <a:off x="1485751" y="5441310"/>
-            <a:ext cx="1540684" cy="523220"/>
-          </a:xfrm>
-          <a:prstGeom prst="rect">
-            <a:avLst/>
-          </a:prstGeom>
-          <a:noFill/>
-        </p:spPr>
-        <p:txBody>
-          <a:bodyPr wrap="square" rtlCol="0">
-            <a:spAutoFit/>
-          </a:bodyPr>
-          <a:lstStyle/>
-          <a:p>
-            <a:r>
-              <a:rPr lang="en-US" altLang="en-US" sz="1400" b="1" dirty="0">
-                <a:solidFill>
-                  <a:srgbClr val="00B050"/>
-                </a:solidFill>
-                <a:latin typeface="Arial" panose="020B0604020202020204" pitchFamily="34" charset="0"/>
-                <a:cs typeface="Arial" panose="020B0604020202020204" pitchFamily="34" charset="0"/>
-              </a:rPr>
-              <a:t>sensor</a:t>
-            </a:r>
-            <a:r>
-              <a:rPr lang="en-US" altLang="en-US" sz="1400" dirty="0">
-                <a:latin typeface="Arial" panose="020B0604020202020204" pitchFamily="34" charset="0"/>
-                <a:cs typeface="Arial" panose="020B0604020202020204" pitchFamily="34" charset="0"/>
-              </a:rPr>
-              <a:t> ….</a:t>
-            </a:r>
-          </a:p>
-          <a:p>
-            <a:r>
-              <a:rPr lang="en-US" altLang="en-US" sz="1400" b="1" dirty="0" err="1">
-                <a:solidFill>
-                  <a:srgbClr val="00B050"/>
-                </a:solidFill>
-                <a:latin typeface="Arial" panose="020B0604020202020204" pitchFamily="34" charset="0"/>
-                <a:cs typeface="Arial" panose="020B0604020202020204" pitchFamily="34" charset="0"/>
-              </a:rPr>
-              <a:t>sollision</a:t>
-            </a:r>
-            <a:r>
-              <a:rPr lang="en-US" altLang="en-US" sz="1400" b="1" dirty="0">
-                <a:solidFill>
-                  <a:srgbClr val="00B050"/>
-                </a:solidFill>
-                <a:latin typeface="Arial" panose="020B0604020202020204" pitchFamily="34" charset="0"/>
-                <a:cs typeface="Arial" panose="020B0604020202020204" pitchFamily="34" charset="0"/>
-              </a:rPr>
-              <a:t> …</a:t>
-            </a:r>
-            <a:endParaRPr lang="en-US" altLang="en-US" sz="1400" dirty="0">
-              <a:latin typeface="Arial" panose="020B0604020202020204" pitchFamily="34" charset="0"/>
-              <a:cs typeface="Arial" panose="020B0604020202020204" pitchFamily="34" charset="0"/>
-            </a:endParaRPr>
-          </a:p>
-        </p:txBody>
-      </p:sp>
-      <p:sp>
-        <p:nvSpPr>
-          <p:cNvPr id="47" name="Rectangle 5">
-            <a:extLst>
-              <a:ext uri="{FF2B5EF4-FFF2-40B4-BE49-F238E27FC236}">
-                <a16:creationId xmlns:a16="http://schemas.microsoft.com/office/drawing/2014/main" id="{1269A7C2-A3FB-4FFD-AABE-7CAC46ADBE47}"/>
-              </a:ext>
-            </a:extLst>
-          </p:cNvPr>
-          <p:cNvSpPr>
-            <a:spLocks noChangeArrowheads="1"/>
-          </p:cNvSpPr>
-          <p:nvPr/>
-        </p:nvSpPr>
-        <p:spPr bwMode="auto">
-          <a:xfrm>
-            <a:off x="599427" y="3720278"/>
-            <a:ext cx="1024792" cy="738664"/>
-          </a:xfrm>
-          <a:prstGeom prst="rect">
-            <a:avLst/>
-          </a:prstGeom>
-          <a:noFill/>
-        </p:spPr>
-        <p:txBody>
-          <a:bodyPr wrap="square" rtlCol="0">
-            <a:spAutoFit/>
-          </a:bodyPr>
-          <a:lstStyle/>
-          <a:p>
-            <a:r>
-              <a:rPr lang="en-US" altLang="en-US" sz="1400" b="1" dirty="0" err="1">
-                <a:solidFill>
-                  <a:srgbClr val="00B050"/>
-                </a:solidFill>
-                <a:latin typeface="Arial" panose="020B0604020202020204" pitchFamily="34" charset="0"/>
-                <a:cs typeface="Arial" panose="020B0604020202020204" pitchFamily="34" charset="0"/>
-              </a:rPr>
-              <a:t>init</a:t>
-            </a:r>
-            <a:r>
-              <a:rPr lang="en-US" altLang="en-US" sz="1400" dirty="0">
-                <a:latin typeface="Arial" panose="020B0604020202020204" pitchFamily="34" charset="0"/>
-                <a:cs typeface="Arial" panose="020B0604020202020204" pitchFamily="34" charset="0"/>
-              </a:rPr>
-              <a:t> ….</a:t>
-            </a:r>
-          </a:p>
-          <a:p>
-            <a:r>
-              <a:rPr lang="en-US" altLang="en-US" sz="1400" b="1" dirty="0">
-                <a:solidFill>
-                  <a:srgbClr val="00B050"/>
-                </a:solidFill>
-                <a:latin typeface="Arial" panose="020B0604020202020204" pitchFamily="34" charset="0"/>
-                <a:cs typeface="Arial" panose="020B0604020202020204" pitchFamily="34" charset="0"/>
-              </a:rPr>
-              <a:t>end …</a:t>
-            </a:r>
-          </a:p>
-          <a:p>
-            <a:r>
-              <a:rPr lang="en-US" altLang="en-US" sz="1400" b="1" dirty="0">
-                <a:solidFill>
-                  <a:srgbClr val="00B050"/>
-                </a:solidFill>
-                <a:latin typeface="Arial" panose="020B0604020202020204" pitchFamily="34" charset="0"/>
-                <a:cs typeface="Arial" panose="020B0604020202020204" pitchFamily="34" charset="0"/>
-              </a:rPr>
-              <a:t>move …</a:t>
-            </a:r>
-            <a:endParaRPr lang="en-US" altLang="en-US" sz="1400" dirty="0">
-              <a:latin typeface="Arial" panose="020B0604020202020204" pitchFamily="34" charset="0"/>
-              <a:cs typeface="Arial" panose="020B0604020202020204" pitchFamily="34" charset="0"/>
-            </a:endParaRPr>
-          </a:p>
-        </p:txBody>
-      </p:sp>
-    </p:spTree>
-    <p:extLst>
-      <p:ext uri="{BB962C8B-B14F-4D97-AF65-F5344CB8AC3E}">
-        <p14:creationId xmlns:p14="http://schemas.microsoft.com/office/powerpoint/2010/main" val="3049927451"/>
-      </p:ext>
-    </p:extLst>
-  </p:cSld>
-  <p:clrMapOvr>
-    <a:masterClrMapping/>
-  </p:clrMapOvr>
-</p:sld>
-</file>
-
-<file path=ppt/slides/slide26.xml><?xml version="1.0" encoding="utf-8"?>
-<p:sld xmlns:a="http://schemas.openxmlformats.org/drawingml/2006/main" xmlns:r="http://schemas.openxmlformats.org/officeDocument/2006/relationships" xmlns:p="http://schemas.openxmlformats.org/presentationml/2006/main">
-  <p:cSld>
-    <p:spTree>
-      <p:nvGrpSpPr>
-        <p:cNvPr id="1" name=""/>
-        <p:cNvGrpSpPr/>
-        <p:nvPr/>
-      </p:nvGrpSpPr>
-      <p:grpSpPr>
-        <a:xfrm>
-          <a:off x="0" y="0"/>
-          <a:ext cx="0" cy="0"/>
-          <a:chOff x="0" y="0"/>
-          <a:chExt cx="0" cy="0"/>
-        </a:xfrm>
-      </p:grpSpPr>
-      <p:sp>
-        <p:nvSpPr>
-          <p:cNvPr id="2" name="Segnaposto piè di pagina 1"/>
-          <p:cNvSpPr>
-            <a:spLocks noGrp="1"/>
-          </p:cNvSpPr>
-          <p:nvPr>
-            <p:ph type="ftr" sz="quarter" idx="11"/>
-          </p:nvPr>
-        </p:nvSpPr>
-        <p:spPr/>
-        <p:txBody>
-          <a:bodyPr/>
-          <a:lstStyle/>
-          <a:p>
-            <a:r>
-              <a:rPr lang="it-IT"/>
-              <a:t>ANatali  - DISI - ISSM2020  Univeristy of Bologna</a:t>
-            </a:r>
-            <a:endParaRPr lang="en-GB"/>
-          </a:p>
-        </p:txBody>
-      </p:sp>
-      <p:sp>
-        <p:nvSpPr>
-          <p:cNvPr id="3" name="Segnaposto numero diapositiva 2"/>
-          <p:cNvSpPr>
-            <a:spLocks noGrp="1"/>
-          </p:cNvSpPr>
-          <p:nvPr>
-            <p:ph type="sldNum" sz="quarter" idx="12"/>
-          </p:nvPr>
-        </p:nvSpPr>
-        <p:spPr/>
-        <p:txBody>
-          <a:bodyPr/>
-          <a:lstStyle/>
-          <a:p>
-            <a:fld id="{6F6A5AB3-AF76-4EC9-853D-D4C335162C13}" type="slidenum">
-              <a:rPr lang="en-GB" smtClean="0"/>
-              <a:t>26</a:t>
-            </a:fld>
-            <a:endParaRPr lang="en-GB"/>
-          </a:p>
-        </p:txBody>
-      </p:sp>
-      <p:grpSp>
-        <p:nvGrpSpPr>
-          <p:cNvPr id="22" name="Gruppo 82">
-            <a:extLst>
-              <a:ext uri="{FF2B5EF4-FFF2-40B4-BE49-F238E27FC236}">
-                <a16:creationId xmlns:a16="http://schemas.microsoft.com/office/drawing/2014/main" id="{D2ACE5A8-9046-43C9-855F-EC0E0754E6E4}"/>
-              </a:ext>
-            </a:extLst>
-          </p:cNvPr>
-          <p:cNvGrpSpPr/>
-          <p:nvPr/>
-        </p:nvGrpSpPr>
-        <p:grpSpPr>
-          <a:xfrm>
-            <a:off x="1254461" y="297213"/>
-            <a:ext cx="866156" cy="763297"/>
-            <a:chOff x="1194666" y="2417771"/>
-            <a:chExt cx="866156" cy="763297"/>
-          </a:xfrm>
-        </p:grpSpPr>
-        <p:sp>
-          <p:nvSpPr>
-            <p:cNvPr id="23" name="Ovale 38">
-              <a:extLst>
-                <a:ext uri="{FF2B5EF4-FFF2-40B4-BE49-F238E27FC236}">
-                  <a16:creationId xmlns:a16="http://schemas.microsoft.com/office/drawing/2014/main" id="{A3C33013-DAC5-4DE5-9575-78DF66227DDF}"/>
-                </a:ext>
-              </a:extLst>
-            </p:cNvPr>
-            <p:cNvSpPr/>
-            <p:nvPr/>
-          </p:nvSpPr>
-          <p:spPr>
-            <a:xfrm>
-              <a:off x="1311101" y="2460988"/>
-              <a:ext cx="749721" cy="720080"/>
-            </a:xfrm>
-            <a:prstGeom prst="ellipse">
-              <a:avLst/>
-            </a:prstGeom>
-            <a:solidFill>
-              <a:srgbClr val="FFCCFF"/>
-            </a:solidFill>
-            <a:ln/>
-          </p:spPr>
-          <p:style>
-            <a:lnRef idx="1">
-              <a:schemeClr val="accent5"/>
-            </a:lnRef>
-            <a:fillRef idx="2">
-              <a:schemeClr val="accent5"/>
-            </a:fillRef>
-            <a:effectRef idx="1">
-              <a:schemeClr val="accent5"/>
-            </a:effectRef>
-            <a:fontRef idx="minor">
-              <a:schemeClr val="dk1"/>
-            </a:fontRef>
-          </p:style>
-          <p:txBody>
-            <a:bodyPr rtlCol="0" anchor="ctr"/>
-            <a:lstStyle/>
-            <a:p>
-              <a:pPr algn="ctr"/>
-              <a:r>
-                <a:rPr lang="en-GB" sz="1200" dirty="0"/>
-                <a:t> </a:t>
-              </a:r>
-            </a:p>
-          </p:txBody>
-        </p:sp>
-        <p:sp>
-          <p:nvSpPr>
-            <p:cNvPr id="24" name="Rettangolo 39">
-              <a:extLst>
-                <a:ext uri="{FF2B5EF4-FFF2-40B4-BE49-F238E27FC236}">
-                  <a16:creationId xmlns:a16="http://schemas.microsoft.com/office/drawing/2014/main" id="{94A5922D-9265-4A79-9770-BC1C16A107CA}"/>
-                </a:ext>
-              </a:extLst>
-            </p:cNvPr>
-            <p:cNvSpPr/>
-            <p:nvPr/>
-          </p:nvSpPr>
-          <p:spPr>
-            <a:xfrm>
-              <a:off x="1194666" y="2699711"/>
-              <a:ext cx="281433" cy="211952"/>
-            </a:xfrm>
-            <a:prstGeom prst="rect">
-              <a:avLst/>
-            </a:prstGeom>
-            <a:solidFill>
-              <a:srgbClr val="FFCCFF"/>
-            </a:solidFill>
-            <a:ln/>
-          </p:spPr>
-          <p:style>
-            <a:lnRef idx="1">
-              <a:schemeClr val="accent5"/>
-            </a:lnRef>
-            <a:fillRef idx="2">
-              <a:schemeClr val="accent5"/>
-            </a:fillRef>
-            <a:effectRef idx="1">
-              <a:schemeClr val="accent5"/>
-            </a:effectRef>
-            <a:fontRef idx="minor">
-              <a:schemeClr val="dk1"/>
-            </a:fontRef>
-          </p:style>
-          <p:txBody>
-            <a:bodyPr rtlCol="0" anchor="ctr"/>
-            <a:lstStyle/>
-            <a:p>
-              <a:pPr algn="ctr"/>
-              <a:endParaRPr lang="en-GB" sz="1200"/>
-            </a:p>
-          </p:txBody>
-        </p:sp>
-        <p:sp>
-          <p:nvSpPr>
-            <p:cNvPr id="25" name="Triangolo isoscele 42">
-              <a:extLst>
-                <a:ext uri="{FF2B5EF4-FFF2-40B4-BE49-F238E27FC236}">
-                  <a16:creationId xmlns:a16="http://schemas.microsoft.com/office/drawing/2014/main" id="{A0FD7BD4-A807-4F3B-A3BC-009F1B02A9D4}"/>
-                </a:ext>
-              </a:extLst>
-            </p:cNvPr>
-            <p:cNvSpPr/>
-            <p:nvPr/>
-          </p:nvSpPr>
-          <p:spPr>
-            <a:xfrm rot="16200000">
-              <a:off x="1618539" y="2391356"/>
-              <a:ext cx="86434" cy="139263"/>
-            </a:xfrm>
-            <a:prstGeom prst="triangle">
-              <a:avLst/>
-            </a:prstGeom>
-            <a:solidFill>
-              <a:srgbClr val="FF0000"/>
-            </a:solidFill>
-            <a:ln/>
-          </p:spPr>
-          <p:style>
-            <a:lnRef idx="1">
-              <a:schemeClr val="accent5"/>
-            </a:lnRef>
-            <a:fillRef idx="2">
-              <a:schemeClr val="accent5"/>
-            </a:fillRef>
-            <a:effectRef idx="1">
-              <a:schemeClr val="accent5"/>
-            </a:effectRef>
-            <a:fontRef idx="minor">
-              <a:schemeClr val="dk1"/>
-            </a:fontRef>
-          </p:style>
-          <p:txBody>
-            <a:bodyPr rtlCol="0" anchor="ctr"/>
-            <a:lstStyle/>
-            <a:p>
-              <a:pPr algn="ctr"/>
-              <a:endParaRPr lang="en-GB" sz="1200">
-                <a:solidFill>
-                  <a:schemeClr val="dk1"/>
-                </a:solidFill>
-              </a:endParaRPr>
-            </a:p>
-          </p:txBody>
-        </p:sp>
-      </p:grpSp>
-      <p:sp>
-        <p:nvSpPr>
-          <p:cNvPr id="36" name="Rectangle 4">
-            <a:extLst>
-              <a:ext uri="{FF2B5EF4-FFF2-40B4-BE49-F238E27FC236}">
-                <a16:creationId xmlns:a16="http://schemas.microsoft.com/office/drawing/2014/main" id="{751C612F-85E8-46CD-9D97-711C49FABD7D}"/>
-              </a:ext>
-            </a:extLst>
-          </p:cNvPr>
-          <p:cNvSpPr>
-            <a:spLocks noChangeArrowheads="1"/>
-          </p:cNvSpPr>
-          <p:nvPr/>
-        </p:nvSpPr>
-        <p:spPr bwMode="auto">
-          <a:xfrm>
-            <a:off x="1166751" y="1168425"/>
-            <a:ext cx="1378647" cy="307777"/>
-          </a:xfrm>
-          <a:prstGeom prst="rect">
-            <a:avLst/>
-          </a:prstGeom>
-          <a:noFill/>
-        </p:spPr>
-        <p:txBody>
-          <a:bodyPr wrap="none" rtlCol="0">
-            <a:spAutoFit/>
-          </a:bodyPr>
-          <a:lstStyle/>
-          <a:p>
-            <a:r>
-              <a:rPr lang="en-US" altLang="en-US" sz="1400" b="1" dirty="0" err="1">
-                <a:solidFill>
-                  <a:srgbClr val="0070C0"/>
-                </a:solidFill>
-                <a:latin typeface="Arial" panose="020B0604020202020204" pitchFamily="34" charset="0"/>
-                <a:cs typeface="Arial" panose="020B0604020202020204" pitchFamily="34" charset="0"/>
-              </a:rPr>
-              <a:t>robotActorTry</a:t>
-            </a:r>
-            <a:endParaRPr lang="en-US" altLang="en-US" sz="1400" dirty="0">
-              <a:latin typeface="Arial" panose="020B0604020202020204" pitchFamily="34" charset="0"/>
-              <a:cs typeface="Arial" panose="020B0604020202020204" pitchFamily="34" charset="0"/>
-            </a:endParaRPr>
-          </a:p>
-        </p:txBody>
-      </p:sp>
-      <p:sp>
-        <p:nvSpPr>
-          <p:cNvPr id="38" name="Ovale 33">
-            <a:extLst>
-              <a:ext uri="{FF2B5EF4-FFF2-40B4-BE49-F238E27FC236}">
-                <a16:creationId xmlns:a16="http://schemas.microsoft.com/office/drawing/2014/main" id="{AE821BAD-5AB7-466B-8291-7E14ADF08024}"/>
-              </a:ext>
-            </a:extLst>
-          </p:cNvPr>
-          <p:cNvSpPr/>
-          <p:nvPr/>
-        </p:nvSpPr>
-        <p:spPr>
-          <a:xfrm>
-            <a:off x="3937672" y="365198"/>
-            <a:ext cx="749721" cy="720080"/>
-          </a:xfrm>
-          <a:prstGeom prst="ellipse">
-            <a:avLst/>
-          </a:prstGeom>
-          <a:ln/>
-        </p:spPr>
-        <p:style>
-          <a:lnRef idx="1">
-            <a:schemeClr val="accent5"/>
-          </a:lnRef>
-          <a:fillRef idx="2">
-            <a:schemeClr val="accent5"/>
-          </a:fillRef>
-          <a:effectRef idx="1">
-            <a:schemeClr val="accent5"/>
-          </a:effectRef>
-          <a:fontRef idx="minor">
-            <a:schemeClr val="dk1"/>
-          </a:fontRef>
-        </p:style>
-        <p:txBody>
-          <a:bodyPr rtlCol="0" anchor="ctr"/>
-          <a:lstStyle/>
-          <a:p>
-            <a:pPr algn="ctr"/>
-            <a:r>
-              <a:rPr lang="en-GB" sz="1200" dirty="0"/>
-              <a:t> </a:t>
-            </a:r>
-          </a:p>
-        </p:txBody>
-      </p:sp>
-      <p:sp>
-        <p:nvSpPr>
-          <p:cNvPr id="39" name="CasellaDiTesto 19">
-            <a:extLst>
-              <a:ext uri="{FF2B5EF4-FFF2-40B4-BE49-F238E27FC236}">
-                <a16:creationId xmlns:a16="http://schemas.microsoft.com/office/drawing/2014/main" id="{EF542A0F-AE9B-4720-A22D-4000E774217C}"/>
-              </a:ext>
-            </a:extLst>
-          </p:cNvPr>
-          <p:cNvSpPr txBox="1"/>
-          <p:nvPr/>
-        </p:nvSpPr>
-        <p:spPr>
-          <a:xfrm>
-            <a:off x="3795394" y="1196751"/>
-            <a:ext cx="253596" cy="461665"/>
-          </a:xfrm>
-          <a:prstGeom prst="rect">
-            <a:avLst/>
-          </a:prstGeom>
-          <a:noFill/>
-        </p:spPr>
-        <p:txBody>
-          <a:bodyPr wrap="none" rtlCol="0">
-            <a:spAutoFit/>
-          </a:bodyPr>
-          <a:lstStyle/>
-          <a:p>
-            <a:r>
-              <a:rPr lang="it-IT" sz="2400" dirty="0"/>
-              <a:t> </a:t>
-            </a:r>
-            <a:endParaRPr lang="en-GB" sz="2400" dirty="0"/>
-          </a:p>
-        </p:txBody>
-      </p:sp>
-      <p:sp>
-        <p:nvSpPr>
-          <p:cNvPr id="40" name="Rectangle 4">
-            <a:extLst>
-              <a:ext uri="{FF2B5EF4-FFF2-40B4-BE49-F238E27FC236}">
-                <a16:creationId xmlns:a16="http://schemas.microsoft.com/office/drawing/2014/main" id="{DC75D623-1BEE-420F-8F7A-642F64C29300}"/>
-              </a:ext>
-            </a:extLst>
-          </p:cNvPr>
-          <p:cNvSpPr>
-            <a:spLocks noChangeArrowheads="1"/>
-          </p:cNvSpPr>
-          <p:nvPr/>
-        </p:nvSpPr>
-        <p:spPr bwMode="auto">
-          <a:xfrm>
-            <a:off x="3633537" y="1052736"/>
-            <a:ext cx="3079433" cy="738664"/>
-          </a:xfrm>
-          <a:prstGeom prst="rect">
-            <a:avLst/>
-          </a:prstGeom>
-          <a:noFill/>
-        </p:spPr>
-        <p:txBody>
-          <a:bodyPr wrap="none" rtlCol="0">
-            <a:spAutoFit/>
-          </a:bodyPr>
-          <a:lstStyle/>
-          <a:p>
-            <a:r>
-              <a:rPr lang="en-US" sz="1400" b="1" dirty="0" err="1">
-                <a:solidFill>
-                  <a:srgbClr val="0070C0"/>
-                </a:solidFill>
-                <a:latin typeface="Arial" panose="020B0604020202020204" pitchFamily="34" charset="0"/>
-                <a:cs typeface="Arial" panose="020B0604020202020204" pitchFamily="34" charset="0"/>
-              </a:rPr>
-              <a:t>virtualRobotSupport</a:t>
-            </a:r>
-            <a:endParaRPr lang="en-US" altLang="en-US" sz="1400" b="1" dirty="0">
-              <a:solidFill>
-                <a:srgbClr val="0070C0"/>
-              </a:solidFill>
-              <a:latin typeface="Arial" panose="020B0604020202020204" pitchFamily="34" charset="0"/>
-              <a:cs typeface="Arial" panose="020B0604020202020204" pitchFamily="34" charset="0"/>
-            </a:endParaRPr>
-          </a:p>
-          <a:p>
-            <a:r>
-              <a:rPr lang="en-US" altLang="en-US" sz="1400" dirty="0">
-                <a:latin typeface="Arial" panose="020B0604020202020204" pitchFamily="34" charset="0"/>
-                <a:cs typeface="Arial" panose="020B0604020202020204" pitchFamily="34" charset="0"/>
-              </a:rPr>
-              <a:t>(starts a coroutine that </a:t>
-            </a:r>
-          </a:p>
-          <a:p>
-            <a:r>
-              <a:rPr lang="en-US" altLang="en-US" sz="1400" dirty="0">
-                <a:latin typeface="Arial" panose="020B0604020202020204" pitchFamily="34" charset="0"/>
-                <a:cs typeface="Arial" panose="020B0604020202020204" pitchFamily="34" charset="0"/>
-              </a:rPr>
-              <a:t>sends messages to </a:t>
-            </a:r>
-            <a:r>
-              <a:rPr lang="en-US" altLang="en-US" sz="1400" b="1" dirty="0" err="1">
-                <a:solidFill>
-                  <a:srgbClr val="0070C0"/>
-                </a:solidFill>
-                <a:latin typeface="Arial" panose="020B0604020202020204" pitchFamily="34" charset="0"/>
-                <a:cs typeface="Arial" panose="020B0604020202020204" pitchFamily="34" charset="0"/>
-              </a:rPr>
-              <a:t>robotActorTry</a:t>
-            </a:r>
-            <a:r>
-              <a:rPr lang="en-US" altLang="en-US" sz="1400" dirty="0">
-                <a:latin typeface="Arial" panose="020B0604020202020204" pitchFamily="34" charset="0"/>
-                <a:cs typeface="Arial" panose="020B0604020202020204" pitchFamily="34" charset="0"/>
-              </a:rPr>
-              <a:t>) </a:t>
-            </a:r>
-          </a:p>
-        </p:txBody>
-      </p:sp>
-      <p:cxnSp>
-        <p:nvCxnSpPr>
-          <p:cNvPr id="41" name="Connettore 2 126">
-            <a:extLst>
-              <a:ext uri="{FF2B5EF4-FFF2-40B4-BE49-F238E27FC236}">
-                <a16:creationId xmlns:a16="http://schemas.microsoft.com/office/drawing/2014/main" id="{B9484729-5BBF-42A0-9532-D074E8F64D0C}"/>
-              </a:ext>
-            </a:extLst>
-          </p:cNvPr>
-          <p:cNvCxnSpPr/>
-          <p:nvPr/>
-        </p:nvCxnSpPr>
-        <p:spPr>
-          <a:xfrm flipH="1">
-            <a:off x="4317504" y="528687"/>
-            <a:ext cx="13466" cy="393101"/>
-          </a:xfrm>
-          <a:prstGeom prst="straightConnector1">
-            <a:avLst/>
-          </a:prstGeom>
-          <a:ln>
-            <a:solidFill>
-              <a:srgbClr val="C00000"/>
-            </a:solidFill>
-            <a:prstDash val="lgDash"/>
-            <a:tailEnd type="arrow"/>
-          </a:ln>
-        </p:spPr>
-        <p:style>
-          <a:lnRef idx="1">
-            <a:schemeClr val="accent1"/>
-          </a:lnRef>
-          <a:fillRef idx="0">
-            <a:schemeClr val="accent1"/>
-          </a:fillRef>
-          <a:effectRef idx="0">
-            <a:schemeClr val="accent1"/>
-          </a:effectRef>
-          <a:fontRef idx="minor">
-            <a:schemeClr val="tx1"/>
-          </a:fontRef>
-        </p:style>
-      </p:cxnSp>
-      <p:cxnSp>
-        <p:nvCxnSpPr>
-          <p:cNvPr id="42" name="Connettore 2 9">
-            <a:extLst>
-              <a:ext uri="{FF2B5EF4-FFF2-40B4-BE49-F238E27FC236}">
-                <a16:creationId xmlns:a16="http://schemas.microsoft.com/office/drawing/2014/main" id="{2227C48D-AA34-4D81-9873-E2E1601CDD36}"/>
-              </a:ext>
-            </a:extLst>
-          </p:cNvPr>
-          <p:cNvCxnSpPr>
-            <a:cxnSpLocks/>
-            <a:stCxn id="23" idx="6"/>
-            <a:endCxn id="38" idx="2"/>
-          </p:cNvCxnSpPr>
-          <p:nvPr/>
-        </p:nvCxnSpPr>
-        <p:spPr>
-          <a:xfrm>
-            <a:off x="2120617" y="700470"/>
-            <a:ext cx="1817055" cy="24768"/>
-          </a:xfrm>
-          <a:prstGeom prst="straightConnector1">
-            <a:avLst/>
-          </a:prstGeom>
-          <a:ln>
-            <a:tailEnd type="arrow"/>
-          </a:ln>
-        </p:spPr>
-        <p:style>
-          <a:lnRef idx="1">
-            <a:schemeClr val="accent1"/>
-          </a:lnRef>
-          <a:fillRef idx="0">
-            <a:schemeClr val="accent1"/>
-          </a:fillRef>
-          <a:effectRef idx="0">
-            <a:schemeClr val="accent1"/>
-          </a:effectRef>
-          <a:fontRef idx="minor">
-            <a:schemeClr val="tx1"/>
-          </a:fontRef>
-        </p:style>
-      </p:cxnSp>
-      <p:sp>
-        <p:nvSpPr>
-          <p:cNvPr id="43" name="Rectangle 5">
-            <a:extLst>
-              <a:ext uri="{FF2B5EF4-FFF2-40B4-BE49-F238E27FC236}">
-                <a16:creationId xmlns:a16="http://schemas.microsoft.com/office/drawing/2014/main" id="{FDD84F83-30AC-4BF9-B9FF-5314654605F2}"/>
-              </a:ext>
-            </a:extLst>
-          </p:cNvPr>
-          <p:cNvSpPr>
-            <a:spLocks noChangeArrowheads="1"/>
-          </p:cNvSpPr>
-          <p:nvPr/>
-        </p:nvSpPr>
-        <p:spPr bwMode="auto">
-          <a:xfrm>
-            <a:off x="2144491" y="290219"/>
-            <a:ext cx="1982053" cy="307777"/>
-          </a:xfrm>
-          <a:prstGeom prst="rect">
-            <a:avLst/>
-          </a:prstGeom>
-          <a:noFill/>
-        </p:spPr>
-        <p:txBody>
-          <a:bodyPr wrap="square" rtlCol="0">
-            <a:spAutoFit/>
-          </a:bodyPr>
-          <a:lstStyle/>
-          <a:p>
-            <a:r>
-              <a:rPr lang="en-US" altLang="en-US" sz="1400" b="1" dirty="0" err="1">
-                <a:latin typeface="Arial" panose="020B0604020202020204" pitchFamily="34" charset="0"/>
-                <a:cs typeface="Arial" panose="020B0604020202020204" pitchFamily="34" charset="0"/>
-              </a:rPr>
-              <a:t>domove</a:t>
-            </a:r>
-            <a:r>
-              <a:rPr lang="en-US" altLang="en-US" sz="1400" dirty="0">
-                <a:latin typeface="Arial" panose="020B0604020202020204" pitchFamily="34" charset="0"/>
-                <a:cs typeface="Arial" panose="020B0604020202020204" pitchFamily="34" charset="0"/>
-              </a:rPr>
-              <a:t>( </a:t>
-            </a:r>
-            <a:r>
-              <a:rPr lang="en-US" altLang="en-US" sz="1400" dirty="0" err="1">
-                <a:latin typeface="Arial" panose="020B0604020202020204" pitchFamily="34" charset="0"/>
-                <a:cs typeface="Arial" panose="020B0604020202020204" pitchFamily="34" charset="0"/>
-              </a:rPr>
-              <a:t>cmd</a:t>
-            </a:r>
-            <a:r>
-              <a:rPr lang="en-US" altLang="en-US" sz="1400" dirty="0">
-                <a:latin typeface="Arial" panose="020B0604020202020204" pitchFamily="34" charset="0"/>
-                <a:cs typeface="Arial" panose="020B0604020202020204" pitchFamily="34" charset="0"/>
-              </a:rPr>
-              <a:t>: String ) </a:t>
-            </a:r>
-          </a:p>
-        </p:txBody>
-      </p:sp>
-      <p:sp>
-        <p:nvSpPr>
-          <p:cNvPr id="52" name="Rectangle 5">
-            <a:extLst>
-              <a:ext uri="{FF2B5EF4-FFF2-40B4-BE49-F238E27FC236}">
-                <a16:creationId xmlns:a16="http://schemas.microsoft.com/office/drawing/2014/main" id="{9529310F-209D-4FC3-82E8-EEC7E3A85851}"/>
-              </a:ext>
-            </a:extLst>
-          </p:cNvPr>
-          <p:cNvSpPr>
-            <a:spLocks noChangeArrowheads="1"/>
-          </p:cNvSpPr>
-          <p:nvPr/>
-        </p:nvSpPr>
-        <p:spPr bwMode="auto">
-          <a:xfrm>
-            <a:off x="4711267" y="310452"/>
-            <a:ext cx="702436" cy="307777"/>
-          </a:xfrm>
-          <a:prstGeom prst="rect">
-            <a:avLst/>
-          </a:prstGeom>
-          <a:noFill/>
-        </p:spPr>
-        <p:txBody>
-          <a:bodyPr wrap="none" rtlCol="0">
-            <a:spAutoFit/>
-          </a:bodyPr>
-          <a:lstStyle/>
-          <a:p>
-            <a:r>
-              <a:rPr lang="en-US" altLang="en-US" sz="1400" dirty="0">
-                <a:latin typeface="Arial" panose="020B0604020202020204" pitchFamily="34" charset="0"/>
-                <a:cs typeface="Arial" panose="020B0604020202020204" pitchFamily="34" charset="0"/>
-              </a:rPr>
-              <a:t>socket</a:t>
-            </a:r>
-          </a:p>
-        </p:txBody>
-      </p:sp>
-      <p:sp>
-        <p:nvSpPr>
-          <p:cNvPr id="53" name="Ovale 33">
-            <a:extLst>
-              <a:ext uri="{FF2B5EF4-FFF2-40B4-BE49-F238E27FC236}">
-                <a16:creationId xmlns:a16="http://schemas.microsoft.com/office/drawing/2014/main" id="{435D5F9E-A655-4DD7-851D-B11A8F169495}"/>
-              </a:ext>
-            </a:extLst>
-          </p:cNvPr>
-          <p:cNvSpPr/>
-          <p:nvPr/>
-        </p:nvSpPr>
-        <p:spPr>
-          <a:xfrm>
-            <a:off x="4946382" y="597724"/>
-            <a:ext cx="312930" cy="275021"/>
-          </a:xfrm>
-          <a:prstGeom prst="ellipse">
-            <a:avLst/>
-          </a:prstGeom>
-          <a:ln/>
-        </p:spPr>
-        <p:style>
-          <a:lnRef idx="1">
-            <a:schemeClr val="accent5"/>
-          </a:lnRef>
-          <a:fillRef idx="2">
-            <a:schemeClr val="accent5"/>
-          </a:fillRef>
-          <a:effectRef idx="1">
-            <a:schemeClr val="accent5"/>
-          </a:effectRef>
-          <a:fontRef idx="minor">
-            <a:schemeClr val="dk1"/>
-          </a:fontRef>
-        </p:style>
-        <p:txBody>
-          <a:bodyPr rtlCol="0" anchor="ctr"/>
-          <a:lstStyle/>
-          <a:p>
-            <a:pPr algn="ctr"/>
-            <a:r>
-              <a:rPr lang="en-GB" sz="1200" dirty="0"/>
-              <a:t> </a:t>
-            </a:r>
-          </a:p>
-        </p:txBody>
-      </p:sp>
-      <p:cxnSp>
-        <p:nvCxnSpPr>
-          <p:cNvPr id="54" name="Straight Arrow Connector 53">
-            <a:extLst>
-              <a:ext uri="{FF2B5EF4-FFF2-40B4-BE49-F238E27FC236}">
-                <a16:creationId xmlns:a16="http://schemas.microsoft.com/office/drawing/2014/main" id="{5F862CA7-7927-4E0C-A697-C0E183A98073}"/>
-              </a:ext>
-            </a:extLst>
-          </p:cNvPr>
-          <p:cNvCxnSpPr>
-            <a:endCxn id="53" idx="2"/>
-          </p:cNvCxnSpPr>
-          <p:nvPr/>
-        </p:nvCxnSpPr>
-        <p:spPr>
-          <a:xfrm>
-            <a:off x="4668501" y="729024"/>
-            <a:ext cx="277881" cy="6211"/>
-          </a:xfrm>
-          <a:prstGeom prst="straightConnector1">
-            <a:avLst/>
-          </a:prstGeom>
-          <a:ln>
-            <a:tailEnd type="triangle"/>
-          </a:ln>
-        </p:spPr>
-        <p:style>
-          <a:lnRef idx="1">
-            <a:schemeClr val="accent1"/>
-          </a:lnRef>
-          <a:fillRef idx="0">
-            <a:schemeClr val="accent1"/>
-          </a:fillRef>
-          <a:effectRef idx="0">
-            <a:schemeClr val="accent1"/>
-          </a:effectRef>
-          <a:fontRef idx="minor">
-            <a:schemeClr val="tx1"/>
-          </a:fontRef>
-        </p:style>
-      </p:cxnSp>
-      <p:cxnSp>
-        <p:nvCxnSpPr>
-          <p:cNvPr id="57" name="Connector: Elbow 56">
-            <a:extLst>
-              <a:ext uri="{FF2B5EF4-FFF2-40B4-BE49-F238E27FC236}">
-                <a16:creationId xmlns:a16="http://schemas.microsoft.com/office/drawing/2014/main" id="{CDFFCB79-ECE8-451E-A967-EFE490B3417F}"/>
-              </a:ext>
-            </a:extLst>
-          </p:cNvPr>
-          <p:cNvCxnSpPr>
-            <a:cxnSpLocks/>
-            <a:stCxn id="38" idx="3"/>
-            <a:endCxn id="60" idx="4"/>
-          </p:cNvCxnSpPr>
-          <p:nvPr/>
-        </p:nvCxnSpPr>
-        <p:spPr>
-          <a:xfrm rot="5400000" flipH="1">
-            <a:off x="2333560" y="-734081"/>
-            <a:ext cx="185414" cy="3242398"/>
-          </a:xfrm>
-          <a:prstGeom prst="bentConnector3">
-            <a:avLst>
-              <a:gd name="adj1" fmla="val -394410"/>
-            </a:avLst>
-          </a:prstGeom>
-          <a:ln>
-            <a:prstDash val="lgDash"/>
-            <a:tailEnd type="arrow"/>
-          </a:ln>
-        </p:spPr>
-        <p:style>
-          <a:lnRef idx="1">
-            <a:schemeClr val="accent1"/>
-          </a:lnRef>
-          <a:fillRef idx="0">
-            <a:schemeClr val="accent1"/>
-          </a:fillRef>
-          <a:effectRef idx="0">
-            <a:schemeClr val="accent1"/>
-          </a:effectRef>
-          <a:fontRef idx="minor">
-            <a:schemeClr val="tx1"/>
-          </a:fontRef>
-        </p:style>
-      </p:cxnSp>
-      <p:sp>
-        <p:nvSpPr>
-          <p:cNvPr id="60" name="Oval 59">
-            <a:extLst>
-              <a:ext uri="{FF2B5EF4-FFF2-40B4-BE49-F238E27FC236}">
-                <a16:creationId xmlns:a16="http://schemas.microsoft.com/office/drawing/2014/main" id="{14ACD13F-7496-4B90-AE98-8683062A6B76}"/>
-              </a:ext>
-            </a:extLst>
-          </p:cNvPr>
-          <p:cNvSpPr/>
-          <p:nvPr/>
-        </p:nvSpPr>
-        <p:spPr>
-          <a:xfrm>
-            <a:off x="693205" y="563313"/>
-            <a:ext cx="223725" cy="231098"/>
-          </a:xfrm>
-          <a:prstGeom prst="ellipse">
-            <a:avLst/>
-          </a:prstGeom>
-          <a:solidFill>
-            <a:schemeClr val="bg1"/>
-          </a:solidFill>
-          <a:ln>
-            <a:solidFill>
-              <a:schemeClr val="bg1"/>
-            </a:solidFill>
-          </a:ln>
-        </p:spPr>
-        <p:style>
-          <a:lnRef idx="2">
-            <a:schemeClr val="accent1">
-              <a:shade val="50000"/>
-            </a:schemeClr>
-          </a:lnRef>
-          <a:fillRef idx="1">
-            <a:schemeClr val="accent1"/>
-          </a:fillRef>
-          <a:effectRef idx="0">
-            <a:schemeClr val="accent1"/>
-          </a:effectRef>
-          <a:fontRef idx="minor">
-            <a:schemeClr val="lt1"/>
-          </a:fontRef>
-        </p:style>
-        <p:txBody>
-          <a:bodyPr rtlCol="0" anchor="ctr"/>
-          <a:lstStyle/>
-          <a:p>
-            <a:pPr algn="ctr"/>
-            <a:endParaRPr lang="en-US"/>
-          </a:p>
-        </p:txBody>
-      </p:sp>
-      <p:cxnSp>
-        <p:nvCxnSpPr>
-          <p:cNvPr id="35" name="Connettore 2 92">
-            <a:extLst>
-              <a:ext uri="{FF2B5EF4-FFF2-40B4-BE49-F238E27FC236}">
-                <a16:creationId xmlns:a16="http://schemas.microsoft.com/office/drawing/2014/main" id="{D129B3F1-E984-4808-8DB5-56CC7FF47729}"/>
+                <a16:creationId xmlns:a16="http://schemas.microsoft.com/office/drawing/2014/main" xmlns="" id="{D129B3F1-E984-4808-8DB5-56CC7FF47729}"/>
               </a:ext>
             </a:extLst>
           </p:cNvPr>
@@ -14982,7 +14023,7 @@
           <p:cNvPr id="130" name="Rectangle 5">
             <a:extLst>
               <a:ext uri="{FF2B5EF4-FFF2-40B4-BE49-F238E27FC236}">
-                <a16:creationId xmlns:a16="http://schemas.microsoft.com/office/drawing/2014/main" id="{9529310F-209D-4FC3-82E8-EEC7E3A85851}"/>
+                <a16:creationId xmlns:a16="http://schemas.microsoft.com/office/drawing/2014/main" xmlns="" id="{9529310F-209D-4FC3-82E8-EEC7E3A85851}"/>
               </a:ext>
             </a:extLst>
           </p:cNvPr>
@@ -15029,7 +14070,7 @@
           <p:cNvPr id="46" name="Rectangle 5">
             <a:extLst>
               <a:ext uri="{FF2B5EF4-FFF2-40B4-BE49-F238E27FC236}">
-                <a16:creationId xmlns:a16="http://schemas.microsoft.com/office/drawing/2014/main" id="{0CBD2E55-2030-4802-A4F1-C2953AF08AAB}"/>
+                <a16:creationId xmlns:a16="http://schemas.microsoft.com/office/drawing/2014/main" xmlns="" id="{0CBD2E55-2030-4802-A4F1-C2953AF08AAB}"/>
               </a:ext>
             </a:extLst>
           </p:cNvPr>
@@ -15107,7 +14148,7 @@
           <p:cNvPr id="48" name="Rectangle 5">
             <a:extLst>
               <a:ext uri="{FF2B5EF4-FFF2-40B4-BE49-F238E27FC236}">
-                <a16:creationId xmlns:a16="http://schemas.microsoft.com/office/drawing/2014/main" id="{CF0A08CC-F966-460F-9624-0266DD1496A0}"/>
+                <a16:creationId xmlns:a16="http://schemas.microsoft.com/office/drawing/2014/main" xmlns="" id="{CF0A08CC-F966-460F-9624-0266DD1496A0}"/>
               </a:ext>
             </a:extLst>
           </p:cNvPr>
@@ -15203,7 +14244,7 @@
           <p:cNvPr id="19" name="Rectangle: Rounded Corners 18">
             <a:extLst>
               <a:ext uri="{FF2B5EF4-FFF2-40B4-BE49-F238E27FC236}">
-                <a16:creationId xmlns:a16="http://schemas.microsoft.com/office/drawing/2014/main" id="{DE3B0D5F-B032-4ABA-8BA4-86B2ACAE6FE9}"/>
+                <a16:creationId xmlns:a16="http://schemas.microsoft.com/office/drawing/2014/main" xmlns="" id="{DE3B0D5F-B032-4ABA-8BA4-86B2ACAE6FE9}"/>
               </a:ext>
             </a:extLst>
           </p:cNvPr>
@@ -15257,7 +14298,7 @@
           <p:cNvPr id="2" name="Footer Placeholder 1">
             <a:extLst>
               <a:ext uri="{FF2B5EF4-FFF2-40B4-BE49-F238E27FC236}">
-                <a16:creationId xmlns:a16="http://schemas.microsoft.com/office/drawing/2014/main" id="{AD6894C7-DA5F-4138-A519-491DCC0A630F}"/>
+                <a16:creationId xmlns:a16="http://schemas.microsoft.com/office/drawing/2014/main" xmlns="" id="{AD6894C7-DA5F-4138-A519-491DCC0A630F}"/>
               </a:ext>
             </a:extLst>
           </p:cNvPr>
@@ -15286,7 +14327,7 @@
           <p:cNvPr id="3" name="Slide Number Placeholder 2">
             <a:extLst>
               <a:ext uri="{FF2B5EF4-FFF2-40B4-BE49-F238E27FC236}">
-                <a16:creationId xmlns:a16="http://schemas.microsoft.com/office/drawing/2014/main" id="{9F97F589-9197-4852-A296-AC6ABB123CD8}"/>
+                <a16:creationId xmlns:a16="http://schemas.microsoft.com/office/drawing/2014/main" xmlns="" id="{9F97F589-9197-4852-A296-AC6ABB123CD8}"/>
               </a:ext>
             </a:extLst>
           </p:cNvPr>
@@ -15315,7 +14356,7 @@
           <p:cNvPr id="4" name="Gruppo 72">
             <a:extLst>
               <a:ext uri="{FF2B5EF4-FFF2-40B4-BE49-F238E27FC236}">
-                <a16:creationId xmlns:a16="http://schemas.microsoft.com/office/drawing/2014/main" id="{D4DF3349-65AA-401C-A3D6-D0F89B361E36}"/>
+                <a16:creationId xmlns:a16="http://schemas.microsoft.com/office/drawing/2014/main" xmlns="" id="{D4DF3349-65AA-401C-A3D6-D0F89B361E36}"/>
               </a:ext>
             </a:extLst>
           </p:cNvPr>
@@ -15335,7 +14376,7 @@
             <p:cNvPr id="5" name="Figura a mano libera 73">
               <a:extLst>
                 <a:ext uri="{FF2B5EF4-FFF2-40B4-BE49-F238E27FC236}">
-                  <a16:creationId xmlns:a16="http://schemas.microsoft.com/office/drawing/2014/main" id="{5EB43234-5B64-422E-A355-531F36111451}"/>
+                  <a16:creationId xmlns:a16="http://schemas.microsoft.com/office/drawing/2014/main" xmlns="" id="{5EB43234-5B64-422E-A355-531F36111451}"/>
                 </a:ext>
               </a:extLst>
             </p:cNvPr>
@@ -15513,7 +14554,7 @@
             <p:cNvPr id="6" name="Figura a mano libera 74">
               <a:extLst>
                 <a:ext uri="{FF2B5EF4-FFF2-40B4-BE49-F238E27FC236}">
-                  <a16:creationId xmlns:a16="http://schemas.microsoft.com/office/drawing/2014/main" id="{FD6DD544-F526-49EB-9FD3-4E25A9A04502}"/>
+                  <a16:creationId xmlns:a16="http://schemas.microsoft.com/office/drawing/2014/main" xmlns="" id="{FD6DD544-F526-49EB-9FD3-4E25A9A04502}"/>
                 </a:ext>
               </a:extLst>
             </p:cNvPr>
@@ -15593,7 +14634,7 @@
             <p:cNvPr id="7" name="Figura a mano libera 75">
               <a:extLst>
                 <a:ext uri="{FF2B5EF4-FFF2-40B4-BE49-F238E27FC236}">
-                  <a16:creationId xmlns:a16="http://schemas.microsoft.com/office/drawing/2014/main" id="{74474911-83D2-4583-8298-4ACA2D55D0B4}"/>
+                  <a16:creationId xmlns:a16="http://schemas.microsoft.com/office/drawing/2014/main" xmlns="" id="{74474911-83D2-4583-8298-4ACA2D55D0B4}"/>
                 </a:ext>
               </a:extLst>
             </p:cNvPr>
@@ -15674,7 +14715,7 @@
           <p:cNvPr id="8" name="CasellaDiTesto 77">
             <a:extLst>
               <a:ext uri="{FF2B5EF4-FFF2-40B4-BE49-F238E27FC236}">
-                <a16:creationId xmlns:a16="http://schemas.microsoft.com/office/drawing/2014/main" id="{A44277E5-DB00-4094-88D9-A3A76F021088}"/>
+                <a16:creationId xmlns:a16="http://schemas.microsoft.com/office/drawing/2014/main" xmlns="" id="{A44277E5-DB00-4094-88D9-A3A76F021088}"/>
               </a:ext>
             </a:extLst>
           </p:cNvPr>
@@ -15710,7 +14751,7 @@
           <p:cNvPr id="9" name="Gruppo 56">
             <a:extLst>
               <a:ext uri="{FF2B5EF4-FFF2-40B4-BE49-F238E27FC236}">
-                <a16:creationId xmlns:a16="http://schemas.microsoft.com/office/drawing/2014/main" id="{74F6FB65-B2FC-43AB-952F-EB880AD9A766}"/>
+                <a16:creationId xmlns:a16="http://schemas.microsoft.com/office/drawing/2014/main" xmlns="" id="{74F6FB65-B2FC-43AB-952F-EB880AD9A766}"/>
               </a:ext>
             </a:extLst>
           </p:cNvPr>
@@ -15730,7 +14771,7 @@
             <p:cNvPr id="10" name="Freccia a destra 58">
               <a:extLst>
                 <a:ext uri="{FF2B5EF4-FFF2-40B4-BE49-F238E27FC236}">
-                  <a16:creationId xmlns:a16="http://schemas.microsoft.com/office/drawing/2014/main" id="{2874F787-D303-4944-A765-CCDE457EC84E}"/>
+                  <a16:creationId xmlns:a16="http://schemas.microsoft.com/office/drawing/2014/main" xmlns="" id="{2874F787-D303-4944-A765-CCDE457EC84E}"/>
                 </a:ext>
               </a:extLst>
             </p:cNvPr>
@@ -15774,7 +14815,7 @@
             <p:cNvPr id="11" name="Triangolo isoscele 76">
               <a:extLst>
                 <a:ext uri="{FF2B5EF4-FFF2-40B4-BE49-F238E27FC236}">
-                  <a16:creationId xmlns:a16="http://schemas.microsoft.com/office/drawing/2014/main" id="{E916AB63-4782-439B-A9B0-E9AD2E838EB1}"/>
+                  <a16:creationId xmlns:a16="http://schemas.microsoft.com/office/drawing/2014/main" xmlns="" id="{E916AB63-4782-439B-A9B0-E9AD2E838EB1}"/>
                 </a:ext>
               </a:extLst>
             </p:cNvPr>
@@ -15827,7 +14868,7 @@
           <p:cNvPr id="12" name="CasellaDiTesto 80">
             <a:extLst>
               <a:ext uri="{FF2B5EF4-FFF2-40B4-BE49-F238E27FC236}">
-                <a16:creationId xmlns:a16="http://schemas.microsoft.com/office/drawing/2014/main" id="{72B5600D-A098-4BE0-9D29-4E981D471DE0}"/>
+                <a16:creationId xmlns:a16="http://schemas.microsoft.com/office/drawing/2014/main" xmlns="" id="{72B5600D-A098-4BE0-9D29-4E981D471DE0}"/>
               </a:ext>
             </a:extLst>
           </p:cNvPr>
@@ -15863,7 +14904,7 @@
           <p:cNvPr id="13" name="CasellaDiTesto 81">
             <a:extLst>
               <a:ext uri="{FF2B5EF4-FFF2-40B4-BE49-F238E27FC236}">
-                <a16:creationId xmlns:a16="http://schemas.microsoft.com/office/drawing/2014/main" id="{2832473F-CC41-4D67-95E6-8748F15632CD}"/>
+                <a16:creationId xmlns:a16="http://schemas.microsoft.com/office/drawing/2014/main" xmlns="" id="{2832473F-CC41-4D67-95E6-8748F15632CD}"/>
               </a:ext>
             </a:extLst>
           </p:cNvPr>
@@ -15899,7 +14940,7 @@
           <p:cNvPr id="14" name="Gruppo 87">
             <a:extLst>
               <a:ext uri="{FF2B5EF4-FFF2-40B4-BE49-F238E27FC236}">
-                <a16:creationId xmlns:a16="http://schemas.microsoft.com/office/drawing/2014/main" id="{CDDB6DF8-445A-4D3C-9E6E-3D2D9BA565D8}"/>
+                <a16:creationId xmlns:a16="http://schemas.microsoft.com/office/drawing/2014/main" xmlns="" id="{CDDB6DF8-445A-4D3C-9E6E-3D2D9BA565D8}"/>
               </a:ext>
             </a:extLst>
           </p:cNvPr>
@@ -15919,7 +14960,7 @@
             <p:cNvPr id="15" name="Connettore 1 89">
               <a:extLst>
                 <a:ext uri="{FF2B5EF4-FFF2-40B4-BE49-F238E27FC236}">
-                  <a16:creationId xmlns:a16="http://schemas.microsoft.com/office/drawing/2014/main" id="{A504012D-1DBC-427E-92AD-67E4D62B312F}"/>
+                  <a16:creationId xmlns:a16="http://schemas.microsoft.com/office/drawing/2014/main" xmlns="" id="{A504012D-1DBC-427E-92AD-67E4D62B312F}"/>
                 </a:ext>
               </a:extLst>
             </p:cNvPr>
@@ -15958,7 +14999,7 @@
             <p:cNvPr id="16" name="Triangolo isoscele 90">
               <a:extLst>
                 <a:ext uri="{FF2B5EF4-FFF2-40B4-BE49-F238E27FC236}">
-                  <a16:creationId xmlns:a16="http://schemas.microsoft.com/office/drawing/2014/main" id="{AF6509DD-8D3D-4911-B351-E7BF33D0D71A}"/>
+                  <a16:creationId xmlns:a16="http://schemas.microsoft.com/office/drawing/2014/main" xmlns="" id="{AF6509DD-8D3D-4911-B351-E7BF33D0D71A}"/>
                 </a:ext>
               </a:extLst>
             </p:cNvPr>
@@ -16007,7 +15048,7 @@
           <p:cNvPr id="17" name="CasellaDiTesto 91">
             <a:extLst>
               <a:ext uri="{FF2B5EF4-FFF2-40B4-BE49-F238E27FC236}">
-                <a16:creationId xmlns:a16="http://schemas.microsoft.com/office/drawing/2014/main" id="{EAF9BEEA-F8F7-4B16-BF60-8B8EAD064DE5}"/>
+                <a16:creationId xmlns:a16="http://schemas.microsoft.com/office/drawing/2014/main" xmlns="" id="{EAF9BEEA-F8F7-4B16-BF60-8B8EAD064DE5}"/>
               </a:ext>
             </a:extLst>
           </p:cNvPr>
@@ -16043,7 +15084,7 @@
           <p:cNvPr id="18" name="Connettore 2 92">
             <a:extLst>
               <a:ext uri="{FF2B5EF4-FFF2-40B4-BE49-F238E27FC236}">
-                <a16:creationId xmlns:a16="http://schemas.microsoft.com/office/drawing/2014/main" id="{373280F8-F690-4A62-ACB0-582565EF381B}"/>
+                <a16:creationId xmlns:a16="http://schemas.microsoft.com/office/drawing/2014/main" xmlns="" id="{373280F8-F690-4A62-ACB0-582565EF381B}"/>
               </a:ext>
             </a:extLst>
           </p:cNvPr>
@@ -16083,7 +15124,7 @@
           <p:cNvPr id="20" name="Gruppo 82">
             <a:extLst>
               <a:ext uri="{FF2B5EF4-FFF2-40B4-BE49-F238E27FC236}">
-                <a16:creationId xmlns:a16="http://schemas.microsoft.com/office/drawing/2014/main" id="{12D969AC-9EB0-4CF5-9EE5-D0DD7ACA9C72}"/>
+                <a16:creationId xmlns:a16="http://schemas.microsoft.com/office/drawing/2014/main" xmlns="" id="{12D969AC-9EB0-4CF5-9EE5-D0DD7ACA9C72}"/>
               </a:ext>
             </a:extLst>
           </p:cNvPr>
@@ -16103,7 +15144,7 @@
             <p:cNvPr id="21" name="Ovale 38">
               <a:extLst>
                 <a:ext uri="{FF2B5EF4-FFF2-40B4-BE49-F238E27FC236}">
-                  <a16:creationId xmlns:a16="http://schemas.microsoft.com/office/drawing/2014/main" id="{0EB3DE65-C1E4-4AD3-B909-2646317ECA68}"/>
+                  <a16:creationId xmlns:a16="http://schemas.microsoft.com/office/drawing/2014/main" xmlns="" id="{0EB3DE65-C1E4-4AD3-B909-2646317ECA68}"/>
                 </a:ext>
               </a:extLst>
             </p:cNvPr>
@@ -16154,7 +15195,7 @@
             <p:cNvPr id="22" name="Rettangolo 39">
               <a:extLst>
                 <a:ext uri="{FF2B5EF4-FFF2-40B4-BE49-F238E27FC236}">
-                  <a16:creationId xmlns:a16="http://schemas.microsoft.com/office/drawing/2014/main" id="{AAF0ABD1-BB2B-450B-9369-91FF5B4CE129}"/>
+                  <a16:creationId xmlns:a16="http://schemas.microsoft.com/office/drawing/2014/main" xmlns="" id="{AAF0ABD1-BB2B-450B-9369-91FF5B4CE129}"/>
                 </a:ext>
               </a:extLst>
             </p:cNvPr>
@@ -16202,7 +15243,7 @@
             <p:cNvPr id="23" name="Triangolo isoscele 42">
               <a:extLst>
                 <a:ext uri="{FF2B5EF4-FFF2-40B4-BE49-F238E27FC236}">
-                  <a16:creationId xmlns:a16="http://schemas.microsoft.com/office/drawing/2014/main" id="{34D1AFB1-88AB-4A6C-9824-2CF6DE11BF7C}"/>
+                  <a16:creationId xmlns:a16="http://schemas.microsoft.com/office/drawing/2014/main" xmlns="" id="{34D1AFB1-88AB-4A6C-9824-2CF6DE11BF7C}"/>
                 </a:ext>
               </a:extLst>
             </p:cNvPr>
@@ -16255,7 +15296,7 @@
           <p:cNvPr id="24" name="Rectangle 4">
             <a:extLst>
               <a:ext uri="{FF2B5EF4-FFF2-40B4-BE49-F238E27FC236}">
-                <a16:creationId xmlns:a16="http://schemas.microsoft.com/office/drawing/2014/main" id="{FA1CA8BE-B059-415B-B299-7E0D7424128A}"/>
+                <a16:creationId xmlns:a16="http://schemas.microsoft.com/office/drawing/2014/main" xmlns="" id="{FA1CA8BE-B059-415B-B299-7E0D7424128A}"/>
               </a:ext>
             </a:extLst>
           </p:cNvPr>
@@ -16302,7 +15343,7 @@
           <p:cNvPr id="25" name="Ovale 33">
             <a:extLst>
               <a:ext uri="{FF2B5EF4-FFF2-40B4-BE49-F238E27FC236}">
-                <a16:creationId xmlns:a16="http://schemas.microsoft.com/office/drawing/2014/main" id="{A4E6BBEC-1E11-48AC-9881-2BCB8F6CF48A}"/>
+                <a16:creationId xmlns:a16="http://schemas.microsoft.com/office/drawing/2014/main" xmlns="" id="{A4E6BBEC-1E11-48AC-9881-2BCB8F6CF48A}"/>
               </a:ext>
             </a:extLst>
           </p:cNvPr>
@@ -16350,7 +15391,7 @@
           <p:cNvPr id="26" name="CasellaDiTesto 19">
             <a:extLst>
               <a:ext uri="{FF2B5EF4-FFF2-40B4-BE49-F238E27FC236}">
-                <a16:creationId xmlns:a16="http://schemas.microsoft.com/office/drawing/2014/main" id="{11853092-90FB-4FF0-A8A7-8E1E956C1000}"/>
+                <a16:creationId xmlns:a16="http://schemas.microsoft.com/office/drawing/2014/main" xmlns="" id="{11853092-90FB-4FF0-A8A7-8E1E956C1000}"/>
               </a:ext>
             </a:extLst>
           </p:cNvPr>
@@ -16386,7 +15427,7 @@
           <p:cNvPr id="27" name="Rectangle 4">
             <a:extLst>
               <a:ext uri="{FF2B5EF4-FFF2-40B4-BE49-F238E27FC236}">
-                <a16:creationId xmlns:a16="http://schemas.microsoft.com/office/drawing/2014/main" id="{57A31D5F-E223-48B4-A819-ADBF29AA214F}"/>
+                <a16:creationId xmlns:a16="http://schemas.microsoft.com/office/drawing/2014/main" xmlns="" id="{57A31D5F-E223-48B4-A819-ADBF29AA214F}"/>
               </a:ext>
             </a:extLst>
           </p:cNvPr>
@@ -16471,7 +15512,7 @@
           <p:cNvPr id="28" name="Connettore 2 126">
             <a:extLst>
               <a:ext uri="{FF2B5EF4-FFF2-40B4-BE49-F238E27FC236}">
-                <a16:creationId xmlns:a16="http://schemas.microsoft.com/office/drawing/2014/main" id="{36CC678F-7232-496B-B9F9-4DE6B53CD494}"/>
+                <a16:creationId xmlns:a16="http://schemas.microsoft.com/office/drawing/2014/main" xmlns="" id="{36CC678F-7232-496B-B9F9-4DE6B53CD494}"/>
               </a:ext>
             </a:extLst>
           </p:cNvPr>
@@ -16514,7 +15555,7 @@
           <p:cNvPr id="29" name="Connettore 2 9">
             <a:extLst>
               <a:ext uri="{FF2B5EF4-FFF2-40B4-BE49-F238E27FC236}">
-                <a16:creationId xmlns:a16="http://schemas.microsoft.com/office/drawing/2014/main" id="{04DF4836-F901-4EBA-8385-88CA97E6F661}"/>
+                <a16:creationId xmlns:a16="http://schemas.microsoft.com/office/drawing/2014/main" xmlns="" id="{04DF4836-F901-4EBA-8385-88CA97E6F661}"/>
               </a:ext>
             </a:extLst>
           </p:cNvPr>
@@ -16560,7 +15601,7 @@
           <p:cNvPr id="30" name="Rectangle 5">
             <a:extLst>
               <a:ext uri="{FF2B5EF4-FFF2-40B4-BE49-F238E27FC236}">
-                <a16:creationId xmlns:a16="http://schemas.microsoft.com/office/drawing/2014/main" id="{2514E10A-0E65-4430-A48F-330F1F0FD1D1}"/>
+                <a16:creationId xmlns:a16="http://schemas.microsoft.com/office/drawing/2014/main" xmlns="" id="{2514E10A-0E65-4430-A48F-330F1F0FD1D1}"/>
               </a:ext>
             </a:extLst>
           </p:cNvPr>
@@ -16621,7 +15662,7 @@
           <p:cNvPr id="31" name="Rectangle 5">
             <a:extLst>
               <a:ext uri="{FF2B5EF4-FFF2-40B4-BE49-F238E27FC236}">
-                <a16:creationId xmlns:a16="http://schemas.microsoft.com/office/drawing/2014/main" id="{DFDC7F0A-882C-4149-983D-9A958C225794}"/>
+                <a16:creationId xmlns:a16="http://schemas.microsoft.com/office/drawing/2014/main" xmlns="" id="{DFDC7F0A-882C-4149-983D-9A958C225794}"/>
               </a:ext>
             </a:extLst>
           </p:cNvPr>
@@ -16661,7 +15702,7 @@
           <p:cNvPr id="32" name="Ovale 33">
             <a:extLst>
               <a:ext uri="{FF2B5EF4-FFF2-40B4-BE49-F238E27FC236}">
-                <a16:creationId xmlns:a16="http://schemas.microsoft.com/office/drawing/2014/main" id="{3D0173EE-08DD-4F1E-9226-740254360410}"/>
+                <a16:creationId xmlns:a16="http://schemas.microsoft.com/office/drawing/2014/main" xmlns="" id="{3D0173EE-08DD-4F1E-9226-740254360410}"/>
               </a:ext>
             </a:extLst>
           </p:cNvPr>
@@ -16709,7 +15750,7 @@
           <p:cNvPr id="33" name="Straight Arrow Connector 32">
             <a:extLst>
               <a:ext uri="{FF2B5EF4-FFF2-40B4-BE49-F238E27FC236}">
-                <a16:creationId xmlns:a16="http://schemas.microsoft.com/office/drawing/2014/main" id="{F5733152-082A-43F7-B943-085C85850C21}"/>
+                <a16:creationId xmlns:a16="http://schemas.microsoft.com/office/drawing/2014/main" xmlns="" id="{F5733152-082A-43F7-B943-085C85850C21}"/>
               </a:ext>
             </a:extLst>
           </p:cNvPr>
@@ -16750,7 +15791,7 @@
           <p:cNvPr id="34" name="Connector: Elbow 33">
             <a:extLst>
               <a:ext uri="{FF2B5EF4-FFF2-40B4-BE49-F238E27FC236}">
-                <a16:creationId xmlns:a16="http://schemas.microsoft.com/office/drawing/2014/main" id="{6E0866FF-855D-4981-849D-973D1B152AB3}"/>
+                <a16:creationId xmlns:a16="http://schemas.microsoft.com/office/drawing/2014/main" xmlns="" id="{6E0866FF-855D-4981-849D-973D1B152AB3}"/>
               </a:ext>
             </a:extLst>
           </p:cNvPr>
@@ -16796,7 +15837,7 @@
           <p:cNvPr id="35" name="Oval 34">
             <a:extLst>
               <a:ext uri="{FF2B5EF4-FFF2-40B4-BE49-F238E27FC236}">
-                <a16:creationId xmlns:a16="http://schemas.microsoft.com/office/drawing/2014/main" id="{65481011-CBAC-4F9B-821D-2FF28D949DEA}"/>
+                <a16:creationId xmlns:a16="http://schemas.microsoft.com/office/drawing/2014/main" xmlns="" id="{65481011-CBAC-4F9B-821D-2FF28D949DEA}"/>
               </a:ext>
             </a:extLst>
           </p:cNvPr>
@@ -16850,7 +15891,7 @@
           <p:cNvPr id="36" name="Connettore 2 92">
             <a:extLst>
               <a:ext uri="{FF2B5EF4-FFF2-40B4-BE49-F238E27FC236}">
-                <a16:creationId xmlns:a16="http://schemas.microsoft.com/office/drawing/2014/main" id="{6FD6BF04-777C-407D-B010-E858A36FD965}"/>
+                <a16:creationId xmlns:a16="http://schemas.microsoft.com/office/drawing/2014/main" xmlns="" id="{6FD6BF04-777C-407D-B010-E858A36FD965}"/>
               </a:ext>
             </a:extLst>
           </p:cNvPr>
@@ -16890,7 +15931,7 @@
           <p:cNvPr id="38" name="Rectangle 5">
             <a:extLst>
               <a:ext uri="{FF2B5EF4-FFF2-40B4-BE49-F238E27FC236}">
-                <a16:creationId xmlns:a16="http://schemas.microsoft.com/office/drawing/2014/main" id="{EB817455-7F07-4D5C-B180-91ED8A2903CA}"/>
+                <a16:creationId xmlns:a16="http://schemas.microsoft.com/office/drawing/2014/main" xmlns="" id="{EB817455-7F07-4D5C-B180-91ED8A2903CA}"/>
               </a:ext>
             </a:extLst>
           </p:cNvPr>
@@ -16993,7 +16034,7 @@
           <p:cNvPr id="39" name="Rectangle 5">
             <a:extLst>
               <a:ext uri="{FF2B5EF4-FFF2-40B4-BE49-F238E27FC236}">
-                <a16:creationId xmlns:a16="http://schemas.microsoft.com/office/drawing/2014/main" id="{57B70A4C-684C-498F-B66C-2400E2253AFD}"/>
+                <a16:creationId xmlns:a16="http://schemas.microsoft.com/office/drawing/2014/main" xmlns="" id="{57B70A4C-684C-498F-B66C-2400E2253AFD}"/>
               </a:ext>
             </a:extLst>
           </p:cNvPr>
@@ -17123,6 +16164,52 @@
       </p:grpSpPr>
       <p:sp>
         <p:nvSpPr>
+          <p:cNvPr id="138" name="Ovale 137"/>
+          <p:cNvSpPr/>
+          <p:nvPr/>
+        </p:nvSpPr>
+        <p:spPr>
+          <a:xfrm>
+            <a:off x="4913258" y="1150393"/>
+            <a:ext cx="3862360" cy="3816425"/>
+          </a:xfrm>
+          <a:prstGeom prst="ellipse">
+            <a:avLst/>
+          </a:prstGeom>
+          <a:solidFill>
+            <a:schemeClr val="bg1"/>
+          </a:solidFill>
+          <a:ln>
+            <a:prstDash val="dash"/>
+          </a:ln>
+        </p:spPr>
+        <p:style>
+          <a:lnRef idx="2">
+            <a:schemeClr val="accent1">
+              <a:shade val="50000"/>
+            </a:schemeClr>
+          </a:lnRef>
+          <a:fillRef idx="1">
+            <a:schemeClr val="accent1"/>
+          </a:fillRef>
+          <a:effectRef idx="0">
+            <a:schemeClr val="accent1"/>
+          </a:effectRef>
+          <a:fontRef idx="minor">
+            <a:schemeClr val="lt1"/>
+          </a:fontRef>
+        </p:style>
+        <p:txBody>
+          <a:bodyPr rtlCol="0" anchor="ctr"/>
+          <a:lstStyle/>
+          <a:p>
+            <a:pPr algn="ctr"/>
+            <a:endParaRPr lang="en-GB"/>
+          </a:p>
+        </p:txBody>
+      </p:sp>
+      <p:sp>
+        <p:nvSpPr>
           <p:cNvPr id="2" name="Segnaposto piè di pagina 1"/>
           <p:cNvSpPr>
             <a:spLocks noGrp="1"/>
@@ -17137,7 +16224,7 @@
           <a:lstStyle/>
           <a:p>
             <a:r>
-              <a:rPr lang="it-IT"/>
+              <a:rPr lang="it-IT" smtClean="0"/>
               <a:t>ANatali  - DISI - ISSM2020  Univeristy of Bologna</a:t>
             </a:r>
             <a:endParaRPr lang="en-GB"/>
@@ -17162,6 +16249,4095 @@
             <a:fld id="{6F6A5AB3-AF76-4EC9-853D-D4C335162C13}" type="slidenum">
               <a:rPr lang="en-GB" smtClean="0"/>
               <a:t>28</a:t>
+            </a:fld>
+            <a:endParaRPr lang="en-GB"/>
+          </a:p>
+        </p:txBody>
+      </p:sp>
+      <p:sp>
+        <p:nvSpPr>
+          <p:cNvPr id="4" name="Ovale 3"/>
+          <p:cNvSpPr/>
+          <p:nvPr/>
+        </p:nvSpPr>
+        <p:spPr>
+          <a:xfrm>
+            <a:off x="677847" y="340928"/>
+            <a:ext cx="720080" cy="648072"/>
+          </a:xfrm>
+          <a:prstGeom prst="ellipse">
+            <a:avLst/>
+          </a:prstGeom>
+          <a:ln>
+            <a:solidFill>
+              <a:srgbClr val="0070C0"/>
+            </a:solidFill>
+          </a:ln>
+        </p:spPr>
+        <p:style>
+          <a:lnRef idx="2">
+            <a:schemeClr val="accent2"/>
+          </a:lnRef>
+          <a:fillRef idx="1">
+            <a:schemeClr val="lt1"/>
+          </a:fillRef>
+          <a:effectRef idx="0">
+            <a:schemeClr val="accent2"/>
+          </a:effectRef>
+          <a:fontRef idx="minor">
+            <a:schemeClr val="dk1"/>
+          </a:fontRef>
+        </p:style>
+        <p:txBody>
+          <a:bodyPr rtlCol="0" anchor="ctr"/>
+          <a:lstStyle/>
+          <a:p>
+            <a:pPr algn="ctr"/>
+            <a:r>
+              <a:rPr lang="it-IT" dirty="0" err="1" smtClean="0"/>
+              <a:t>Init</a:t>
+            </a:r>
+            <a:endParaRPr lang="en-GB" dirty="0"/>
+          </a:p>
+        </p:txBody>
+      </p:sp>
+      <p:sp>
+        <p:nvSpPr>
+          <p:cNvPr id="5" name="Ovale 4"/>
+          <p:cNvSpPr/>
+          <p:nvPr/>
+        </p:nvSpPr>
+        <p:spPr>
+          <a:xfrm>
+            <a:off x="533831" y="575622"/>
+            <a:ext cx="144016" cy="178684"/>
+          </a:xfrm>
+          <a:prstGeom prst="ellipse">
+            <a:avLst/>
+          </a:prstGeom>
+        </p:spPr>
+        <p:style>
+          <a:lnRef idx="2">
+            <a:schemeClr val="accent1">
+              <a:shade val="50000"/>
+            </a:schemeClr>
+          </a:lnRef>
+          <a:fillRef idx="1">
+            <a:schemeClr val="accent1"/>
+          </a:fillRef>
+          <a:effectRef idx="0">
+            <a:schemeClr val="accent1"/>
+          </a:effectRef>
+          <a:fontRef idx="minor">
+            <a:schemeClr val="lt1"/>
+          </a:fontRef>
+        </p:style>
+        <p:txBody>
+          <a:bodyPr rtlCol="0" anchor="ctr"/>
+          <a:lstStyle/>
+          <a:p>
+            <a:pPr algn="ctr"/>
+            <a:endParaRPr lang="en-GB"/>
+          </a:p>
+        </p:txBody>
+      </p:sp>
+      <p:sp>
+        <p:nvSpPr>
+          <p:cNvPr id="8" name="Ovale 7"/>
+          <p:cNvSpPr/>
+          <p:nvPr/>
+        </p:nvSpPr>
+        <p:spPr>
+          <a:xfrm>
+            <a:off x="2406039" y="334578"/>
+            <a:ext cx="1296144" cy="648072"/>
+          </a:xfrm>
+          <a:prstGeom prst="ellipse">
+            <a:avLst/>
+          </a:prstGeom>
+          <a:ln>
+            <a:solidFill>
+              <a:srgbClr val="002060"/>
+            </a:solidFill>
+            <a:tailEnd type="arrow"/>
+          </a:ln>
+        </p:spPr>
+        <p:style>
+          <a:lnRef idx="1">
+            <a:schemeClr val="accent1"/>
+          </a:lnRef>
+          <a:fillRef idx="0">
+            <a:schemeClr val="accent1"/>
+          </a:fillRef>
+          <a:effectRef idx="0">
+            <a:schemeClr val="accent1"/>
+          </a:effectRef>
+          <a:fontRef idx="minor">
+            <a:schemeClr val="tx1"/>
+          </a:fontRef>
+        </p:style>
+        <p:txBody>
+          <a:bodyPr rtlCol="0" anchor="ctr"/>
+          <a:lstStyle/>
+          <a:p>
+            <a:pPr algn="ctr"/>
+            <a:r>
+              <a:rPr lang="it-IT" dirty="0" err="1" smtClean="0"/>
+              <a:t>Explore</a:t>
+            </a:r>
+            <a:endParaRPr lang="en-GB" dirty="0"/>
+          </a:p>
+        </p:txBody>
+      </p:sp>
+      <p:cxnSp>
+        <p:nvCxnSpPr>
+          <p:cNvPr id="16" name="Connettore 4 15"/>
+          <p:cNvCxnSpPr>
+            <a:stCxn id="8" idx="4"/>
+            <a:endCxn id="4" idx="4"/>
+          </p:cNvCxnSpPr>
+          <p:nvPr/>
+        </p:nvCxnSpPr>
+        <p:spPr>
+          <a:xfrm rot="5400000">
+            <a:off x="2042824" y="-22287"/>
+            <a:ext cx="6350" cy="2016224"/>
+          </a:xfrm>
+          <a:prstGeom prst="bentConnector3">
+            <a:avLst>
+              <a:gd name="adj1" fmla="val 3700000"/>
+            </a:avLst>
+          </a:prstGeom>
+          <a:ln>
+            <a:solidFill>
+              <a:srgbClr val="002060"/>
+            </a:solidFill>
+            <a:tailEnd type="arrow"/>
+          </a:ln>
+        </p:spPr>
+        <p:style>
+          <a:lnRef idx="1">
+            <a:schemeClr val="accent1"/>
+          </a:lnRef>
+          <a:fillRef idx="0">
+            <a:schemeClr val="accent1"/>
+          </a:fillRef>
+          <a:effectRef idx="0">
+            <a:schemeClr val="accent1"/>
+          </a:effectRef>
+          <a:fontRef idx="minor">
+            <a:schemeClr val="tx1"/>
+          </a:fontRef>
+        </p:style>
+      </p:cxnSp>
+      <p:sp>
+        <p:nvSpPr>
+          <p:cNvPr id="22" name="Ovale 21"/>
+          <p:cNvSpPr/>
+          <p:nvPr/>
+        </p:nvSpPr>
+        <p:spPr>
+          <a:xfrm>
+            <a:off x="5468212" y="1902947"/>
+            <a:ext cx="936104" cy="648072"/>
+          </a:xfrm>
+          <a:prstGeom prst="ellipse">
+            <a:avLst/>
+          </a:prstGeom>
+          <a:ln>
+            <a:solidFill>
+              <a:srgbClr val="0070C0"/>
+            </a:solidFill>
+          </a:ln>
+        </p:spPr>
+        <p:style>
+          <a:lnRef idx="2">
+            <a:schemeClr val="accent2"/>
+          </a:lnRef>
+          <a:fillRef idx="1">
+            <a:schemeClr val="lt1"/>
+          </a:fillRef>
+          <a:effectRef idx="0">
+            <a:schemeClr val="accent2"/>
+          </a:effectRef>
+          <a:fontRef idx="minor">
+            <a:schemeClr val="dk1"/>
+          </a:fontRef>
+        </p:style>
+        <p:txBody>
+          <a:bodyPr rtlCol="0" anchor="ctr"/>
+          <a:lstStyle/>
+          <a:p>
+            <a:pPr algn="ctr"/>
+            <a:r>
+              <a:rPr lang="it-IT" dirty="0" err="1" smtClean="0"/>
+              <a:t>Step</a:t>
+            </a:r>
+            <a:endParaRPr lang="en-GB" dirty="0"/>
+          </a:p>
+        </p:txBody>
+      </p:sp>
+      <p:cxnSp>
+        <p:nvCxnSpPr>
+          <p:cNvPr id="23" name="Connettore 4 22"/>
+          <p:cNvCxnSpPr>
+            <a:stCxn id="22" idx="0"/>
+            <a:endCxn id="22" idx="1"/>
+          </p:cNvCxnSpPr>
+          <p:nvPr/>
+        </p:nvCxnSpPr>
+        <p:spPr>
+          <a:xfrm rot="16200000" flipH="1" flipV="1">
+            <a:off x="5723329" y="1784919"/>
+            <a:ext cx="94908" cy="330963"/>
+          </a:xfrm>
+          <a:prstGeom prst="bentConnector3">
+            <a:avLst>
+              <a:gd name="adj1" fmla="val -240865"/>
+            </a:avLst>
+          </a:prstGeom>
+          <a:ln>
+            <a:solidFill>
+              <a:srgbClr val="002060"/>
+            </a:solidFill>
+            <a:tailEnd type="arrow"/>
+          </a:ln>
+        </p:spPr>
+        <p:style>
+          <a:lnRef idx="1">
+            <a:schemeClr val="accent1"/>
+          </a:lnRef>
+          <a:fillRef idx="0">
+            <a:schemeClr val="accent1"/>
+          </a:fillRef>
+          <a:effectRef idx="0">
+            <a:schemeClr val="accent1"/>
+          </a:effectRef>
+          <a:fontRef idx="minor">
+            <a:schemeClr val="tx1"/>
+          </a:fontRef>
+        </p:style>
+      </p:cxnSp>
+      <p:cxnSp>
+        <p:nvCxnSpPr>
+          <p:cNvPr id="27" name="Connettore 2 26"/>
+          <p:cNvCxnSpPr>
+            <a:stCxn id="4" idx="6"/>
+            <a:endCxn id="8" idx="2"/>
+          </p:cNvCxnSpPr>
+          <p:nvPr/>
+        </p:nvCxnSpPr>
+        <p:spPr>
+          <a:xfrm flipV="1">
+            <a:off x="1397927" y="658614"/>
+            <a:ext cx="1008112" cy="6350"/>
+          </a:xfrm>
+          <a:prstGeom prst="straightConnector1">
+            <a:avLst/>
+          </a:prstGeom>
+          <a:ln>
+            <a:solidFill>
+              <a:srgbClr val="002060"/>
+            </a:solidFill>
+            <a:tailEnd type="arrow"/>
+          </a:ln>
+        </p:spPr>
+        <p:style>
+          <a:lnRef idx="1">
+            <a:schemeClr val="accent1"/>
+          </a:lnRef>
+          <a:fillRef idx="0">
+            <a:schemeClr val="accent1"/>
+          </a:fillRef>
+          <a:effectRef idx="0">
+            <a:schemeClr val="accent1"/>
+          </a:effectRef>
+          <a:fontRef idx="minor">
+            <a:schemeClr val="tx1"/>
+          </a:fontRef>
+        </p:style>
+      </p:cxnSp>
+      <p:sp>
+        <p:nvSpPr>
+          <p:cNvPr id="29" name="Rettangolo 28"/>
+          <p:cNvSpPr/>
+          <p:nvPr/>
+        </p:nvSpPr>
+        <p:spPr>
+          <a:xfrm>
+            <a:off x="5891855" y="1436912"/>
+            <a:ext cx="933269" cy="369332"/>
+          </a:xfrm>
+          <a:prstGeom prst="rect">
+            <a:avLst/>
+          </a:prstGeom>
+        </p:spPr>
+        <p:txBody>
+          <a:bodyPr wrap="none">
+            <a:spAutoFit/>
+          </a:bodyPr>
+          <a:lstStyle/>
+          <a:p>
+            <a:r>
+              <a:rPr lang="en-GB" dirty="0" err="1"/>
+              <a:t>stepdone</a:t>
+            </a:r>
+            <a:endParaRPr lang="en-GB" dirty="0"/>
+          </a:p>
+        </p:txBody>
+      </p:sp>
+      <p:sp>
+        <p:nvSpPr>
+          <p:cNvPr id="32" name="Ovale 31"/>
+          <p:cNvSpPr/>
+          <p:nvPr/>
+        </p:nvSpPr>
+        <p:spPr>
+          <a:xfrm>
+            <a:off x="5605300" y="2959263"/>
+            <a:ext cx="891443" cy="648072"/>
+          </a:xfrm>
+          <a:prstGeom prst="ellipse">
+            <a:avLst/>
+          </a:prstGeom>
+          <a:ln>
+            <a:solidFill>
+              <a:srgbClr val="0070C0"/>
+            </a:solidFill>
+          </a:ln>
+        </p:spPr>
+        <p:style>
+          <a:lnRef idx="2">
+            <a:schemeClr val="accent2"/>
+          </a:lnRef>
+          <a:fillRef idx="1">
+            <a:schemeClr val="lt1"/>
+          </a:fillRef>
+          <a:effectRef idx="0">
+            <a:schemeClr val="accent2"/>
+          </a:effectRef>
+          <a:fontRef idx="minor">
+            <a:schemeClr val="dk1"/>
+          </a:fontRef>
+        </p:style>
+        <p:txBody>
+          <a:bodyPr rtlCol="0" anchor="ctr"/>
+          <a:lstStyle/>
+          <a:p>
+            <a:pPr algn="ctr"/>
+            <a:r>
+              <a:rPr lang="it-IT" sz="1400" dirty="0" smtClean="0"/>
+              <a:t>Rotate</a:t>
+            </a:r>
+            <a:endParaRPr lang="en-GB" sz="1400" dirty="0"/>
+          </a:p>
+        </p:txBody>
+      </p:sp>
+      <p:cxnSp>
+        <p:nvCxnSpPr>
+          <p:cNvPr id="34" name="Connettore 4 33"/>
+          <p:cNvCxnSpPr>
+            <a:stCxn id="22" idx="4"/>
+            <a:endCxn id="32" idx="0"/>
+          </p:cNvCxnSpPr>
+          <p:nvPr/>
+        </p:nvCxnSpPr>
+        <p:spPr>
+          <a:xfrm rot="16200000" flipH="1">
+            <a:off x="5789521" y="2697762"/>
+            <a:ext cx="408244" cy="114758"/>
+          </a:xfrm>
+          <a:prstGeom prst="bentConnector3">
+            <a:avLst/>
+          </a:prstGeom>
+          <a:ln>
+            <a:solidFill>
+              <a:srgbClr val="002060"/>
+            </a:solidFill>
+            <a:tailEnd type="arrow"/>
+          </a:ln>
+        </p:spPr>
+        <p:style>
+          <a:lnRef idx="1">
+            <a:schemeClr val="accent1"/>
+          </a:lnRef>
+          <a:fillRef idx="0">
+            <a:schemeClr val="accent1"/>
+          </a:fillRef>
+          <a:effectRef idx="0">
+            <a:schemeClr val="accent1"/>
+          </a:effectRef>
+          <a:fontRef idx="minor">
+            <a:schemeClr val="tx1"/>
+          </a:fontRef>
+        </p:style>
+      </p:cxnSp>
+      <p:sp>
+        <p:nvSpPr>
+          <p:cNvPr id="36" name="Rettangolo 35"/>
+          <p:cNvSpPr/>
+          <p:nvPr/>
+        </p:nvSpPr>
+        <p:spPr>
+          <a:xfrm>
+            <a:off x="5889325" y="2551790"/>
+            <a:ext cx="775020" cy="369332"/>
+          </a:xfrm>
+          <a:prstGeom prst="rect">
+            <a:avLst/>
+          </a:prstGeom>
+        </p:spPr>
+        <p:txBody>
+          <a:bodyPr wrap="none">
+            <a:spAutoFit/>
+          </a:bodyPr>
+          <a:lstStyle/>
+          <a:p>
+            <a:r>
+              <a:rPr lang="en-GB" dirty="0" err="1"/>
+              <a:t>stepfail</a:t>
+            </a:r>
+            <a:endParaRPr lang="en-GB" dirty="0"/>
+          </a:p>
+        </p:txBody>
+      </p:sp>
+      <p:sp>
+        <p:nvSpPr>
+          <p:cNvPr id="37" name="Rettangolo 36"/>
+          <p:cNvSpPr/>
+          <p:nvPr/>
+        </p:nvSpPr>
+        <p:spPr>
+          <a:xfrm>
+            <a:off x="782040" y="2196082"/>
+            <a:ext cx="2232248" cy="2140496"/>
+          </a:xfrm>
+          <a:prstGeom prst="rect">
+            <a:avLst/>
+          </a:prstGeom>
+          <a:solidFill>
+            <a:schemeClr val="bg1"/>
+          </a:solidFill>
+          <a:ln>
+            <a:solidFill>
+              <a:srgbClr val="00B050"/>
+            </a:solidFill>
+          </a:ln>
+        </p:spPr>
+        <p:style>
+          <a:lnRef idx="2">
+            <a:schemeClr val="accent1">
+              <a:shade val="50000"/>
+            </a:schemeClr>
+          </a:lnRef>
+          <a:fillRef idx="1">
+            <a:schemeClr val="accent1"/>
+          </a:fillRef>
+          <a:effectRef idx="0">
+            <a:schemeClr val="accent1"/>
+          </a:effectRef>
+          <a:fontRef idx="minor">
+            <a:schemeClr val="lt1"/>
+          </a:fontRef>
+        </p:style>
+        <p:txBody>
+          <a:bodyPr rtlCol="0" anchor="ctr"/>
+          <a:lstStyle/>
+          <a:p>
+            <a:pPr algn="ctr"/>
+            <a:endParaRPr lang="en-GB"/>
+          </a:p>
+        </p:txBody>
+      </p:sp>
+      <p:cxnSp>
+        <p:nvCxnSpPr>
+          <p:cNvPr id="39" name="Connettore 1 38"/>
+          <p:cNvCxnSpPr/>
+          <p:nvPr/>
+        </p:nvCxnSpPr>
+        <p:spPr>
+          <a:xfrm>
+            <a:off x="1551191" y="2196082"/>
+            <a:ext cx="0" cy="2140496"/>
+          </a:xfrm>
+          <a:prstGeom prst="line">
+            <a:avLst/>
+          </a:prstGeom>
+          <a:solidFill>
+            <a:schemeClr val="bg1"/>
+          </a:solidFill>
+          <a:ln>
+            <a:solidFill>
+              <a:srgbClr val="00B050"/>
+            </a:solidFill>
+          </a:ln>
+        </p:spPr>
+        <p:style>
+          <a:lnRef idx="2">
+            <a:schemeClr val="accent1">
+              <a:shade val="50000"/>
+            </a:schemeClr>
+          </a:lnRef>
+          <a:fillRef idx="1">
+            <a:schemeClr val="accent1"/>
+          </a:fillRef>
+          <a:effectRef idx="0">
+            <a:schemeClr val="accent1"/>
+          </a:effectRef>
+          <a:fontRef idx="minor">
+            <a:schemeClr val="lt1"/>
+          </a:fontRef>
+        </p:style>
+      </p:cxnSp>
+      <p:cxnSp>
+        <p:nvCxnSpPr>
+          <p:cNvPr id="40" name="Connettore 1 39"/>
+          <p:cNvCxnSpPr/>
+          <p:nvPr/>
+        </p:nvCxnSpPr>
+        <p:spPr>
+          <a:xfrm>
+            <a:off x="2292072" y="2196082"/>
+            <a:ext cx="0" cy="2140496"/>
+          </a:xfrm>
+          <a:prstGeom prst="line">
+            <a:avLst/>
+          </a:prstGeom>
+          <a:solidFill>
+            <a:schemeClr val="bg1"/>
+          </a:solidFill>
+          <a:ln>
+            <a:solidFill>
+              <a:srgbClr val="00B050"/>
+            </a:solidFill>
+          </a:ln>
+        </p:spPr>
+        <p:style>
+          <a:lnRef idx="2">
+            <a:schemeClr val="accent1">
+              <a:shade val="50000"/>
+            </a:schemeClr>
+          </a:lnRef>
+          <a:fillRef idx="1">
+            <a:schemeClr val="accent1"/>
+          </a:fillRef>
+          <a:effectRef idx="0">
+            <a:schemeClr val="accent1"/>
+          </a:effectRef>
+          <a:fontRef idx="minor">
+            <a:schemeClr val="lt1"/>
+          </a:fontRef>
+        </p:style>
+      </p:cxnSp>
+      <p:cxnSp>
+        <p:nvCxnSpPr>
+          <p:cNvPr id="44" name="Connettore 1 43"/>
+          <p:cNvCxnSpPr/>
+          <p:nvPr/>
+        </p:nvCxnSpPr>
+        <p:spPr>
+          <a:xfrm>
+            <a:off x="782040" y="2942294"/>
+            <a:ext cx="2232248" cy="0"/>
+          </a:xfrm>
+          <a:prstGeom prst="line">
+            <a:avLst/>
+          </a:prstGeom>
+          <a:solidFill>
+            <a:schemeClr val="bg1"/>
+          </a:solidFill>
+          <a:ln>
+            <a:solidFill>
+              <a:srgbClr val="00B050"/>
+            </a:solidFill>
+          </a:ln>
+        </p:spPr>
+        <p:style>
+          <a:lnRef idx="2">
+            <a:schemeClr val="accent1">
+              <a:shade val="50000"/>
+            </a:schemeClr>
+          </a:lnRef>
+          <a:fillRef idx="1">
+            <a:schemeClr val="accent1"/>
+          </a:fillRef>
+          <a:effectRef idx="0">
+            <a:schemeClr val="accent1"/>
+          </a:effectRef>
+          <a:fontRef idx="minor">
+            <a:schemeClr val="lt1"/>
+          </a:fontRef>
+        </p:style>
+      </p:cxnSp>
+      <p:cxnSp>
+        <p:nvCxnSpPr>
+          <p:cNvPr id="45" name="Connettore 1 44"/>
+          <p:cNvCxnSpPr/>
+          <p:nvPr/>
+        </p:nvCxnSpPr>
+        <p:spPr>
+          <a:xfrm>
+            <a:off x="782040" y="3662374"/>
+            <a:ext cx="2232248" cy="0"/>
+          </a:xfrm>
+          <a:prstGeom prst="line">
+            <a:avLst/>
+          </a:prstGeom>
+          <a:solidFill>
+            <a:schemeClr val="bg1"/>
+          </a:solidFill>
+          <a:ln>
+            <a:solidFill>
+              <a:srgbClr val="00B050"/>
+            </a:solidFill>
+          </a:ln>
+        </p:spPr>
+        <p:style>
+          <a:lnRef idx="2">
+            <a:schemeClr val="accent1">
+              <a:shade val="50000"/>
+            </a:schemeClr>
+          </a:lnRef>
+          <a:fillRef idx="1">
+            <a:schemeClr val="accent1"/>
+          </a:fillRef>
+          <a:effectRef idx="0">
+            <a:schemeClr val="accent1"/>
+          </a:effectRef>
+          <a:fontRef idx="minor">
+            <a:schemeClr val="lt1"/>
+          </a:fontRef>
+        </p:style>
+      </p:cxnSp>
+      <p:sp>
+        <p:nvSpPr>
+          <p:cNvPr id="46" name="Ovale 45"/>
+          <p:cNvSpPr/>
+          <p:nvPr/>
+        </p:nvSpPr>
+        <p:spPr>
+          <a:xfrm>
+            <a:off x="816268" y="2221659"/>
+            <a:ext cx="720080" cy="648072"/>
+          </a:xfrm>
+          <a:prstGeom prst="ellipse">
+            <a:avLst/>
+          </a:prstGeom>
+          <a:solidFill>
+            <a:srgbClr val="33CCCC"/>
+          </a:solidFill>
+          <a:ln/>
+        </p:spPr>
+        <p:style>
+          <a:lnRef idx="2">
+            <a:schemeClr val="accent4"/>
+          </a:lnRef>
+          <a:fillRef idx="1">
+            <a:schemeClr val="lt1"/>
+          </a:fillRef>
+          <a:effectRef idx="0">
+            <a:schemeClr val="accent4"/>
+          </a:effectRef>
+          <a:fontRef idx="minor">
+            <a:schemeClr val="dk1"/>
+          </a:fontRef>
+        </p:style>
+        <p:txBody>
+          <a:bodyPr rtlCol="0" anchor="ctr"/>
+          <a:lstStyle/>
+          <a:p>
+            <a:pPr algn="ctr"/>
+            <a:r>
+              <a:rPr lang="it-IT" sz="1100" dirty="0" smtClean="0"/>
+              <a:t>Robot</a:t>
+            </a:r>
+            <a:endParaRPr lang="en-GB" sz="1100" dirty="0"/>
+          </a:p>
+        </p:txBody>
+      </p:sp>
+      <p:sp>
+        <p:nvSpPr>
+          <p:cNvPr id="49" name="Ovale 48"/>
+          <p:cNvSpPr/>
+          <p:nvPr/>
+        </p:nvSpPr>
+        <p:spPr>
+          <a:xfrm>
+            <a:off x="1142080" y="4166431"/>
+            <a:ext cx="68456" cy="76254"/>
+          </a:xfrm>
+          <a:prstGeom prst="ellipse">
+            <a:avLst/>
+          </a:prstGeom>
+          <a:ln>
+            <a:solidFill>
+              <a:schemeClr val="bg1"/>
+            </a:solidFill>
+          </a:ln>
+        </p:spPr>
+        <p:style>
+          <a:lnRef idx="2">
+            <a:schemeClr val="accent2"/>
+          </a:lnRef>
+          <a:fillRef idx="1">
+            <a:schemeClr val="lt1"/>
+          </a:fillRef>
+          <a:effectRef idx="0">
+            <a:schemeClr val="accent2"/>
+          </a:effectRef>
+          <a:fontRef idx="minor">
+            <a:schemeClr val="dk1"/>
+          </a:fontRef>
+        </p:style>
+        <p:txBody>
+          <a:bodyPr rtlCol="0" anchor="ctr"/>
+          <a:lstStyle/>
+          <a:p>
+            <a:pPr algn="ctr"/>
+            <a:endParaRPr lang="en-GB" dirty="0"/>
+          </a:p>
+        </p:txBody>
+      </p:sp>
+      <p:sp>
+        <p:nvSpPr>
+          <p:cNvPr id="50" name="Ovale 49"/>
+          <p:cNvSpPr/>
+          <p:nvPr/>
+        </p:nvSpPr>
+        <p:spPr>
+          <a:xfrm>
+            <a:off x="1849093" y="4166431"/>
+            <a:ext cx="68456" cy="76254"/>
+          </a:xfrm>
+          <a:prstGeom prst="ellipse">
+            <a:avLst/>
+          </a:prstGeom>
+          <a:ln>
+            <a:solidFill>
+              <a:schemeClr val="bg1"/>
+            </a:solidFill>
+          </a:ln>
+        </p:spPr>
+        <p:style>
+          <a:lnRef idx="2">
+            <a:schemeClr val="accent2"/>
+          </a:lnRef>
+          <a:fillRef idx="1">
+            <a:schemeClr val="lt1"/>
+          </a:fillRef>
+          <a:effectRef idx="0">
+            <a:schemeClr val="accent2"/>
+          </a:effectRef>
+          <a:fontRef idx="minor">
+            <a:schemeClr val="dk1"/>
+          </a:fontRef>
+        </p:style>
+        <p:txBody>
+          <a:bodyPr rtlCol="0" anchor="ctr"/>
+          <a:lstStyle/>
+          <a:p>
+            <a:pPr algn="ctr"/>
+            <a:endParaRPr lang="en-GB" dirty="0"/>
+          </a:p>
+        </p:txBody>
+      </p:sp>
+      <p:sp>
+        <p:nvSpPr>
+          <p:cNvPr id="51" name="Ovale 50"/>
+          <p:cNvSpPr/>
+          <p:nvPr/>
+        </p:nvSpPr>
+        <p:spPr>
+          <a:xfrm>
+            <a:off x="1846924" y="2296157"/>
+            <a:ext cx="68456" cy="76254"/>
+          </a:xfrm>
+          <a:prstGeom prst="ellipse">
+            <a:avLst/>
+          </a:prstGeom>
+          <a:ln>
+            <a:solidFill>
+              <a:schemeClr val="bg1"/>
+            </a:solidFill>
+          </a:ln>
+        </p:spPr>
+        <p:style>
+          <a:lnRef idx="2">
+            <a:schemeClr val="accent2"/>
+          </a:lnRef>
+          <a:fillRef idx="1">
+            <a:schemeClr val="lt1"/>
+          </a:fillRef>
+          <a:effectRef idx="0">
+            <a:schemeClr val="accent2"/>
+          </a:effectRef>
+          <a:fontRef idx="minor">
+            <a:schemeClr val="dk1"/>
+          </a:fontRef>
+        </p:style>
+        <p:txBody>
+          <a:bodyPr rtlCol="0" anchor="ctr"/>
+          <a:lstStyle/>
+          <a:p>
+            <a:pPr algn="ctr"/>
+            <a:endParaRPr lang="en-GB" dirty="0"/>
+          </a:p>
+        </p:txBody>
+      </p:sp>
+      <p:sp>
+        <p:nvSpPr>
+          <p:cNvPr id="52" name="Ovale 51"/>
+          <p:cNvSpPr/>
+          <p:nvPr/>
+        </p:nvSpPr>
+        <p:spPr>
+          <a:xfrm>
+            <a:off x="2641181" y="2294223"/>
+            <a:ext cx="68456" cy="76254"/>
+          </a:xfrm>
+          <a:prstGeom prst="ellipse">
+            <a:avLst/>
+          </a:prstGeom>
+          <a:ln>
+            <a:solidFill>
+              <a:schemeClr val="bg1"/>
+            </a:solidFill>
+          </a:ln>
+        </p:spPr>
+        <p:style>
+          <a:lnRef idx="2">
+            <a:schemeClr val="accent2"/>
+          </a:lnRef>
+          <a:fillRef idx="1">
+            <a:schemeClr val="lt1"/>
+          </a:fillRef>
+          <a:effectRef idx="0">
+            <a:schemeClr val="accent2"/>
+          </a:effectRef>
+          <a:fontRef idx="minor">
+            <a:schemeClr val="dk1"/>
+          </a:fontRef>
+        </p:style>
+        <p:txBody>
+          <a:bodyPr rtlCol="0" anchor="ctr"/>
+          <a:lstStyle/>
+          <a:p>
+            <a:pPr algn="ctr"/>
+            <a:endParaRPr lang="en-GB" dirty="0"/>
+          </a:p>
+        </p:txBody>
+      </p:sp>
+      <p:sp>
+        <p:nvSpPr>
+          <p:cNvPr id="53" name="Ovale 52"/>
+          <p:cNvSpPr/>
+          <p:nvPr/>
+        </p:nvSpPr>
+        <p:spPr>
+          <a:xfrm>
+            <a:off x="2658194" y="4166430"/>
+            <a:ext cx="68456" cy="76254"/>
+          </a:xfrm>
+          <a:prstGeom prst="ellipse">
+            <a:avLst/>
+          </a:prstGeom>
+          <a:ln>
+            <a:solidFill>
+              <a:schemeClr val="bg1"/>
+            </a:solidFill>
+          </a:ln>
+        </p:spPr>
+        <p:style>
+          <a:lnRef idx="2">
+            <a:schemeClr val="accent2"/>
+          </a:lnRef>
+          <a:fillRef idx="1">
+            <a:schemeClr val="lt1"/>
+          </a:fillRef>
+          <a:effectRef idx="0">
+            <a:schemeClr val="accent2"/>
+          </a:effectRef>
+          <a:fontRef idx="minor">
+            <a:schemeClr val="dk1"/>
+          </a:fontRef>
+        </p:style>
+        <p:txBody>
+          <a:bodyPr rtlCol="0" anchor="ctr"/>
+          <a:lstStyle/>
+          <a:p>
+            <a:pPr algn="ctr"/>
+            <a:endParaRPr lang="en-GB" dirty="0"/>
+          </a:p>
+        </p:txBody>
+      </p:sp>
+      <p:cxnSp>
+        <p:nvCxnSpPr>
+          <p:cNvPr id="62" name="Connettore 2 61"/>
+          <p:cNvCxnSpPr>
+            <a:endCxn id="49" idx="0"/>
+          </p:cNvCxnSpPr>
+          <p:nvPr/>
+        </p:nvCxnSpPr>
+        <p:spPr>
+          <a:xfrm flipH="1">
+            <a:off x="1176308" y="3013747"/>
+            <a:ext cx="14844" cy="1152684"/>
+          </a:xfrm>
+          <a:prstGeom prst="straightConnector1">
+            <a:avLst/>
+          </a:prstGeom>
+          <a:ln>
+            <a:tailEnd type="arrow"/>
+          </a:ln>
+        </p:spPr>
+        <p:style>
+          <a:lnRef idx="1">
+            <a:schemeClr val="accent1"/>
+          </a:lnRef>
+          <a:fillRef idx="0">
+            <a:schemeClr val="accent1"/>
+          </a:fillRef>
+          <a:effectRef idx="0">
+            <a:schemeClr val="accent1"/>
+          </a:effectRef>
+          <a:fontRef idx="minor">
+            <a:schemeClr val="tx1"/>
+          </a:fontRef>
+        </p:style>
+      </p:cxnSp>
+      <p:cxnSp>
+        <p:nvCxnSpPr>
+          <p:cNvPr id="63" name="Connettore 2 62"/>
+          <p:cNvCxnSpPr>
+            <a:stCxn id="50" idx="0"/>
+          </p:cNvCxnSpPr>
+          <p:nvPr/>
+        </p:nvCxnSpPr>
+        <p:spPr>
+          <a:xfrm flipV="1">
+            <a:off x="1883321" y="2372411"/>
+            <a:ext cx="7422" cy="1794020"/>
+          </a:xfrm>
+          <a:prstGeom prst="straightConnector1">
+            <a:avLst/>
+          </a:prstGeom>
+          <a:ln>
+            <a:tailEnd type="arrow"/>
+          </a:ln>
+        </p:spPr>
+        <p:style>
+          <a:lnRef idx="1">
+            <a:schemeClr val="accent1"/>
+          </a:lnRef>
+          <a:fillRef idx="0">
+            <a:schemeClr val="accent1"/>
+          </a:fillRef>
+          <a:effectRef idx="0">
+            <a:schemeClr val="accent1"/>
+          </a:effectRef>
+          <a:fontRef idx="minor">
+            <a:schemeClr val="tx1"/>
+          </a:fontRef>
+        </p:style>
+      </p:cxnSp>
+      <p:cxnSp>
+        <p:nvCxnSpPr>
+          <p:cNvPr id="66" name="Connettore 2 65"/>
+          <p:cNvCxnSpPr>
+            <a:endCxn id="53" idx="0"/>
+          </p:cNvCxnSpPr>
+          <p:nvPr/>
+        </p:nvCxnSpPr>
+        <p:spPr>
+          <a:xfrm>
+            <a:off x="2692422" y="2372411"/>
+            <a:ext cx="0" cy="1794019"/>
+          </a:xfrm>
+          <a:prstGeom prst="straightConnector1">
+            <a:avLst/>
+          </a:prstGeom>
+          <a:ln>
+            <a:tailEnd type="arrow"/>
+          </a:ln>
+        </p:spPr>
+        <p:style>
+          <a:lnRef idx="1">
+            <a:schemeClr val="accent1"/>
+          </a:lnRef>
+          <a:fillRef idx="0">
+            <a:schemeClr val="accent1"/>
+          </a:fillRef>
+          <a:effectRef idx="0">
+            <a:schemeClr val="accent1"/>
+          </a:effectRef>
+          <a:fontRef idx="minor">
+            <a:schemeClr val="tx1"/>
+          </a:fontRef>
+        </p:style>
+      </p:cxnSp>
+      <p:cxnSp>
+        <p:nvCxnSpPr>
+          <p:cNvPr id="69" name="Connettore 2 68"/>
+          <p:cNvCxnSpPr>
+            <a:stCxn id="49" idx="6"/>
+          </p:cNvCxnSpPr>
+          <p:nvPr/>
+        </p:nvCxnSpPr>
+        <p:spPr>
+          <a:xfrm flipV="1">
+            <a:off x="1210536" y="4204557"/>
+            <a:ext cx="636388" cy="1"/>
+          </a:xfrm>
+          <a:prstGeom prst="straightConnector1">
+            <a:avLst/>
+          </a:prstGeom>
+          <a:ln>
+            <a:tailEnd type="arrow"/>
+          </a:ln>
+        </p:spPr>
+        <p:style>
+          <a:lnRef idx="1">
+            <a:schemeClr val="accent1"/>
+          </a:lnRef>
+          <a:fillRef idx="0">
+            <a:schemeClr val="accent1"/>
+          </a:fillRef>
+          <a:effectRef idx="0">
+            <a:schemeClr val="accent1"/>
+          </a:effectRef>
+          <a:fontRef idx="minor">
+            <a:schemeClr val="tx1"/>
+          </a:fontRef>
+        </p:style>
+      </p:cxnSp>
+      <p:cxnSp>
+        <p:nvCxnSpPr>
+          <p:cNvPr id="70" name="Connettore 2 69"/>
+          <p:cNvCxnSpPr>
+            <a:stCxn id="51" idx="6"/>
+            <a:endCxn id="52" idx="2"/>
+          </p:cNvCxnSpPr>
+          <p:nvPr/>
+        </p:nvCxnSpPr>
+        <p:spPr>
+          <a:xfrm flipV="1">
+            <a:off x="1915380" y="2332350"/>
+            <a:ext cx="725801" cy="1934"/>
+          </a:xfrm>
+          <a:prstGeom prst="straightConnector1">
+            <a:avLst/>
+          </a:prstGeom>
+          <a:ln>
+            <a:tailEnd type="arrow"/>
+          </a:ln>
+        </p:spPr>
+        <p:style>
+          <a:lnRef idx="1">
+            <a:schemeClr val="accent1"/>
+          </a:lnRef>
+          <a:fillRef idx="0">
+            <a:schemeClr val="accent1"/>
+          </a:fillRef>
+          <a:effectRef idx="0">
+            <a:schemeClr val="accent1"/>
+          </a:effectRef>
+          <a:fontRef idx="minor">
+            <a:schemeClr val="tx1"/>
+          </a:fontRef>
+        </p:style>
+      </p:cxnSp>
+      <p:cxnSp>
+        <p:nvCxnSpPr>
+          <p:cNvPr id="72" name="Connettore 2 71"/>
+          <p:cNvCxnSpPr>
+            <a:stCxn id="53" idx="6"/>
+          </p:cNvCxnSpPr>
+          <p:nvPr/>
+        </p:nvCxnSpPr>
+        <p:spPr>
+          <a:xfrm>
+            <a:off x="2726650" y="4204557"/>
+            <a:ext cx="232643" cy="1"/>
+          </a:xfrm>
+          <a:prstGeom prst="straightConnector1">
+            <a:avLst/>
+          </a:prstGeom>
+          <a:ln>
+            <a:prstDash val="dash"/>
+            <a:tailEnd type="arrow"/>
+          </a:ln>
+        </p:spPr>
+        <p:style>
+          <a:lnRef idx="1">
+            <a:schemeClr val="accent1"/>
+          </a:lnRef>
+          <a:fillRef idx="0">
+            <a:schemeClr val="accent1"/>
+          </a:fillRef>
+          <a:effectRef idx="0">
+            <a:schemeClr val="accent1"/>
+          </a:effectRef>
+          <a:fontRef idx="minor">
+            <a:schemeClr val="tx1"/>
+          </a:fontRef>
+        </p:style>
+      </p:cxnSp>
+      <p:sp>
+        <p:nvSpPr>
+          <p:cNvPr id="98" name="Ovale 97"/>
+          <p:cNvSpPr/>
+          <p:nvPr/>
+        </p:nvSpPr>
+        <p:spPr>
+          <a:xfrm>
+            <a:off x="6980380" y="2965613"/>
+            <a:ext cx="1108260" cy="648072"/>
+          </a:xfrm>
+          <a:prstGeom prst="ellipse">
+            <a:avLst/>
+          </a:prstGeom>
+          <a:ln>
+            <a:solidFill>
+              <a:srgbClr val="0070C0"/>
+            </a:solidFill>
+          </a:ln>
+        </p:spPr>
+        <p:style>
+          <a:lnRef idx="2">
+            <a:schemeClr val="accent2"/>
+          </a:lnRef>
+          <a:fillRef idx="1">
+            <a:schemeClr val="lt1"/>
+          </a:fillRef>
+          <a:effectRef idx="0">
+            <a:schemeClr val="accent2"/>
+          </a:effectRef>
+          <a:fontRef idx="minor">
+            <a:schemeClr val="dk1"/>
+          </a:fontRef>
+        </p:style>
+        <p:txBody>
+          <a:bodyPr rtlCol="0" anchor="ctr"/>
+          <a:lstStyle/>
+          <a:p>
+            <a:pPr algn="ctr"/>
+            <a:r>
+              <a:rPr lang="it-IT" dirty="0" err="1" smtClean="0"/>
+              <a:t>Step</a:t>
+            </a:r>
+            <a:endParaRPr lang="en-GB" dirty="0"/>
+          </a:p>
+        </p:txBody>
+      </p:sp>
+      <p:cxnSp>
+        <p:nvCxnSpPr>
+          <p:cNvPr id="101" name="Connettore 2 100"/>
+          <p:cNvCxnSpPr>
+            <a:stCxn id="32" idx="6"/>
+            <a:endCxn id="98" idx="2"/>
+          </p:cNvCxnSpPr>
+          <p:nvPr/>
+        </p:nvCxnSpPr>
+        <p:spPr>
+          <a:xfrm>
+            <a:off x="6496743" y="3283299"/>
+            <a:ext cx="483637" cy="6350"/>
+          </a:xfrm>
+          <a:prstGeom prst="straightConnector1">
+            <a:avLst/>
+          </a:prstGeom>
+          <a:ln>
+            <a:solidFill>
+              <a:srgbClr val="002060"/>
+            </a:solidFill>
+            <a:tailEnd type="arrow"/>
+          </a:ln>
+        </p:spPr>
+        <p:style>
+          <a:lnRef idx="1">
+            <a:schemeClr val="accent1"/>
+          </a:lnRef>
+          <a:fillRef idx="0">
+            <a:schemeClr val="accent1"/>
+          </a:fillRef>
+          <a:effectRef idx="0">
+            <a:schemeClr val="accent1"/>
+          </a:effectRef>
+          <a:fontRef idx="minor">
+            <a:schemeClr val="tx1"/>
+          </a:fontRef>
+        </p:style>
+      </p:cxnSp>
+      <p:cxnSp>
+        <p:nvCxnSpPr>
+          <p:cNvPr id="103" name="Connettore 2 102"/>
+          <p:cNvCxnSpPr>
+            <a:stCxn id="98" idx="0"/>
+            <a:endCxn id="188" idx="4"/>
+          </p:cNvCxnSpPr>
+          <p:nvPr/>
+        </p:nvCxnSpPr>
+        <p:spPr>
+          <a:xfrm flipV="1">
+            <a:off x="7534510" y="2551790"/>
+            <a:ext cx="13532" cy="413823"/>
+          </a:xfrm>
+          <a:prstGeom prst="straightConnector1">
+            <a:avLst/>
+          </a:prstGeom>
+          <a:ln>
+            <a:solidFill>
+              <a:srgbClr val="002060"/>
+            </a:solidFill>
+            <a:tailEnd type="arrow"/>
+          </a:ln>
+        </p:spPr>
+        <p:style>
+          <a:lnRef idx="1">
+            <a:schemeClr val="accent1"/>
+          </a:lnRef>
+          <a:fillRef idx="0">
+            <a:schemeClr val="accent1"/>
+          </a:fillRef>
+          <a:effectRef idx="0">
+            <a:schemeClr val="accent1"/>
+          </a:effectRef>
+          <a:fontRef idx="minor">
+            <a:schemeClr val="tx1"/>
+          </a:fontRef>
+        </p:style>
+      </p:cxnSp>
+      <p:cxnSp>
+        <p:nvCxnSpPr>
+          <p:cNvPr id="108" name="Connettore 2 107"/>
+          <p:cNvCxnSpPr>
+            <a:stCxn id="188" idx="2"/>
+            <a:endCxn id="22" idx="6"/>
+          </p:cNvCxnSpPr>
+          <p:nvPr/>
+        </p:nvCxnSpPr>
+        <p:spPr>
+          <a:xfrm flipH="1" flipV="1">
+            <a:off x="6404316" y="2226983"/>
+            <a:ext cx="698004" cy="771"/>
+          </a:xfrm>
+          <a:prstGeom prst="straightConnector1">
+            <a:avLst/>
+          </a:prstGeom>
+          <a:ln>
+            <a:solidFill>
+              <a:srgbClr val="002060"/>
+            </a:solidFill>
+            <a:tailEnd type="arrow"/>
+          </a:ln>
+        </p:spPr>
+        <p:style>
+          <a:lnRef idx="1">
+            <a:schemeClr val="accent1"/>
+          </a:lnRef>
+          <a:fillRef idx="0">
+            <a:schemeClr val="accent1"/>
+          </a:fillRef>
+          <a:effectRef idx="0">
+            <a:schemeClr val="accent1"/>
+          </a:effectRef>
+          <a:fontRef idx="minor">
+            <a:schemeClr val="tx1"/>
+          </a:fontRef>
+        </p:style>
+      </p:cxnSp>
+      <p:sp>
+        <p:nvSpPr>
+          <p:cNvPr id="124" name="Rettangolo 123"/>
+          <p:cNvSpPr/>
+          <p:nvPr/>
+        </p:nvSpPr>
+        <p:spPr>
+          <a:xfrm>
+            <a:off x="6592870" y="3510044"/>
+            <a:ext cx="775020" cy="369332"/>
+          </a:xfrm>
+          <a:prstGeom prst="rect">
+            <a:avLst/>
+          </a:prstGeom>
+        </p:spPr>
+        <p:txBody>
+          <a:bodyPr wrap="none">
+            <a:spAutoFit/>
+          </a:bodyPr>
+          <a:lstStyle/>
+          <a:p>
+            <a:r>
+              <a:rPr lang="en-GB" dirty="0" err="1"/>
+              <a:t>stepfail</a:t>
+            </a:r>
+            <a:endParaRPr lang="en-GB" dirty="0"/>
+          </a:p>
+        </p:txBody>
+      </p:sp>
+      <p:sp>
+        <p:nvSpPr>
+          <p:cNvPr id="125" name="Rectangle 5">
+            <a:extLst>
+              <a:ext uri="{FF2B5EF4-FFF2-40B4-BE49-F238E27FC236}">
+                <a16:creationId xmlns:a16="http://schemas.microsoft.com/office/drawing/2014/main" xmlns="" id="{9529310F-209D-4FC3-82E8-EEC7E3A85851}"/>
+              </a:ext>
+            </a:extLst>
+          </p:cNvPr>
+          <p:cNvSpPr>
+            <a:spLocks noChangeArrowheads="1"/>
+          </p:cNvSpPr>
+          <p:nvPr/>
+        </p:nvSpPr>
+        <p:spPr bwMode="auto">
+          <a:xfrm>
+            <a:off x="6404316" y="2904718"/>
+            <a:ext cx="760144" cy="307777"/>
+          </a:xfrm>
+          <a:prstGeom prst="rect">
+            <a:avLst/>
+          </a:prstGeom>
+          <a:noFill/>
+        </p:spPr>
+        <p:txBody>
+          <a:bodyPr wrap="none" rtlCol="0">
+            <a:spAutoFit/>
+          </a:bodyPr>
+          <a:lstStyle/>
+          <a:p>
+            <a:r>
+              <a:rPr lang="en-US" altLang="en-US" sz="1400" dirty="0">
+                <a:latin typeface="Symbol" panose="05050102010706020507" pitchFamily="18" charset="2"/>
+                <a:cs typeface="Arial" panose="020B0604020202020204" pitchFamily="34" charset="0"/>
+              </a:rPr>
+              <a:t>e</a:t>
+            </a:r>
+            <a:r>
+              <a:rPr lang="en-US" altLang="en-US" sz="1400" dirty="0">
+                <a:latin typeface="Arial" panose="020B0604020202020204" pitchFamily="34" charset="0"/>
+                <a:cs typeface="Arial" panose="020B0604020202020204" pitchFamily="34" charset="0"/>
+              </a:rPr>
+              <a:t>-move</a:t>
+            </a:r>
+          </a:p>
+        </p:txBody>
+      </p:sp>
+      <p:sp>
+        <p:nvSpPr>
+          <p:cNvPr id="126" name="Rectangle 5">
+            <a:extLst>
+              <a:ext uri="{FF2B5EF4-FFF2-40B4-BE49-F238E27FC236}">
+                <a16:creationId xmlns:a16="http://schemas.microsoft.com/office/drawing/2014/main" xmlns="" id="{9529310F-209D-4FC3-82E8-EEC7E3A85851}"/>
+              </a:ext>
+            </a:extLst>
+          </p:cNvPr>
+          <p:cNvSpPr>
+            <a:spLocks noChangeArrowheads="1"/>
+          </p:cNvSpPr>
+          <p:nvPr/>
+        </p:nvSpPr>
+        <p:spPr bwMode="auto">
+          <a:xfrm>
+            <a:off x="6358490" y="1861515"/>
+            <a:ext cx="760144" cy="307777"/>
+          </a:xfrm>
+          <a:prstGeom prst="rect">
+            <a:avLst/>
+          </a:prstGeom>
+          <a:noFill/>
+        </p:spPr>
+        <p:txBody>
+          <a:bodyPr wrap="none" rtlCol="0">
+            <a:spAutoFit/>
+          </a:bodyPr>
+          <a:lstStyle/>
+          <a:p>
+            <a:r>
+              <a:rPr lang="en-US" altLang="en-US" sz="1400" dirty="0">
+                <a:latin typeface="Symbol" panose="05050102010706020507" pitchFamily="18" charset="2"/>
+                <a:cs typeface="Arial" panose="020B0604020202020204" pitchFamily="34" charset="0"/>
+              </a:rPr>
+              <a:t>e</a:t>
+            </a:r>
+            <a:r>
+              <a:rPr lang="en-US" altLang="en-US" sz="1400" dirty="0">
+                <a:latin typeface="Arial" panose="020B0604020202020204" pitchFamily="34" charset="0"/>
+                <a:cs typeface="Arial" panose="020B0604020202020204" pitchFamily="34" charset="0"/>
+              </a:rPr>
+              <a:t>-move</a:t>
+            </a:r>
+          </a:p>
+        </p:txBody>
+      </p:sp>
+      <p:sp>
+        <p:nvSpPr>
+          <p:cNvPr id="135" name="Rettangolo 134"/>
+          <p:cNvSpPr/>
+          <p:nvPr/>
+        </p:nvSpPr>
+        <p:spPr>
+          <a:xfrm>
+            <a:off x="1490973" y="274061"/>
+            <a:ext cx="822020" cy="369332"/>
+          </a:xfrm>
+          <a:prstGeom prst="rect">
+            <a:avLst/>
+          </a:prstGeom>
+        </p:spPr>
+        <p:txBody>
+          <a:bodyPr wrap="none">
+            <a:spAutoFit/>
+          </a:bodyPr>
+          <a:lstStyle/>
+          <a:p>
+            <a:r>
+              <a:rPr lang="en-GB" dirty="0" smtClean="0"/>
+              <a:t>explore</a:t>
+            </a:r>
+            <a:endParaRPr lang="en-GB" dirty="0"/>
+          </a:p>
+        </p:txBody>
+      </p:sp>
+      <p:sp>
+        <p:nvSpPr>
+          <p:cNvPr id="136" name="Ovale 135"/>
+          <p:cNvSpPr/>
+          <p:nvPr/>
+        </p:nvSpPr>
+        <p:spPr>
+          <a:xfrm>
+            <a:off x="3916587" y="2480028"/>
+            <a:ext cx="720080" cy="648072"/>
+          </a:xfrm>
+          <a:prstGeom prst="ellipse">
+            <a:avLst/>
+          </a:prstGeom>
+          <a:ln>
+            <a:solidFill>
+              <a:srgbClr val="0070C0"/>
+            </a:solidFill>
+          </a:ln>
+        </p:spPr>
+        <p:style>
+          <a:lnRef idx="2">
+            <a:schemeClr val="accent2"/>
+          </a:lnRef>
+          <a:fillRef idx="1">
+            <a:schemeClr val="lt1"/>
+          </a:fillRef>
+          <a:effectRef idx="0">
+            <a:schemeClr val="accent2"/>
+          </a:effectRef>
+          <a:fontRef idx="minor">
+            <a:schemeClr val="dk1"/>
+          </a:fontRef>
+        </p:style>
+        <p:txBody>
+          <a:bodyPr rtlCol="0" anchor="ctr"/>
+          <a:lstStyle/>
+          <a:p>
+            <a:pPr algn="ctr"/>
+            <a:r>
+              <a:rPr lang="it-IT" dirty="0" err="1" smtClean="0"/>
+              <a:t>Init</a:t>
+            </a:r>
+            <a:endParaRPr lang="en-GB" dirty="0"/>
+          </a:p>
+        </p:txBody>
+      </p:sp>
+      <p:sp>
+        <p:nvSpPr>
+          <p:cNvPr id="137" name="Ovale 136"/>
+          <p:cNvSpPr/>
+          <p:nvPr/>
+        </p:nvSpPr>
+        <p:spPr>
+          <a:xfrm>
+            <a:off x="3772571" y="2714722"/>
+            <a:ext cx="144016" cy="178684"/>
+          </a:xfrm>
+          <a:prstGeom prst="ellipse">
+            <a:avLst/>
+          </a:prstGeom>
+        </p:spPr>
+        <p:style>
+          <a:lnRef idx="2">
+            <a:schemeClr val="accent1">
+              <a:shade val="50000"/>
+            </a:schemeClr>
+          </a:lnRef>
+          <a:fillRef idx="1">
+            <a:schemeClr val="accent1"/>
+          </a:fillRef>
+          <a:effectRef idx="0">
+            <a:schemeClr val="accent1"/>
+          </a:effectRef>
+          <a:fontRef idx="minor">
+            <a:schemeClr val="lt1"/>
+          </a:fontRef>
+        </p:style>
+        <p:txBody>
+          <a:bodyPr rtlCol="0" anchor="ctr"/>
+          <a:lstStyle/>
+          <a:p>
+            <a:pPr algn="ctr"/>
+            <a:endParaRPr lang="en-GB"/>
+          </a:p>
+        </p:txBody>
+      </p:sp>
+      <p:cxnSp>
+        <p:nvCxnSpPr>
+          <p:cNvPr id="140" name="Connettore 4 139"/>
+          <p:cNvCxnSpPr>
+            <a:stCxn id="98" idx="4"/>
+            <a:endCxn id="136" idx="5"/>
+          </p:cNvCxnSpPr>
+          <p:nvPr/>
+        </p:nvCxnSpPr>
+        <p:spPr>
+          <a:xfrm rot="5400000" flipH="1">
+            <a:off x="5742615" y="1821791"/>
+            <a:ext cx="580493" cy="3003296"/>
+          </a:xfrm>
+          <a:prstGeom prst="bentConnector3">
+            <a:avLst>
+              <a:gd name="adj1" fmla="val -39380"/>
+            </a:avLst>
+          </a:prstGeom>
+          <a:ln>
+            <a:solidFill>
+              <a:srgbClr val="002060"/>
+            </a:solidFill>
+            <a:tailEnd type="arrow"/>
+          </a:ln>
+        </p:spPr>
+        <p:style>
+          <a:lnRef idx="1">
+            <a:schemeClr val="accent1"/>
+          </a:lnRef>
+          <a:fillRef idx="0">
+            <a:schemeClr val="accent1"/>
+          </a:fillRef>
+          <a:effectRef idx="0">
+            <a:schemeClr val="accent1"/>
+          </a:effectRef>
+          <a:fontRef idx="minor">
+            <a:schemeClr val="tx1"/>
+          </a:fontRef>
+        </p:style>
+      </p:cxnSp>
+      <p:cxnSp>
+        <p:nvCxnSpPr>
+          <p:cNvPr id="142" name="Connettore 4 141"/>
+          <p:cNvCxnSpPr>
+            <a:stCxn id="136" idx="0"/>
+            <a:endCxn id="22" idx="2"/>
+          </p:cNvCxnSpPr>
+          <p:nvPr/>
+        </p:nvCxnSpPr>
+        <p:spPr>
+          <a:xfrm rot="5400000" flipH="1" flipV="1">
+            <a:off x="4745897" y="1757714"/>
+            <a:ext cx="253045" cy="1191585"/>
+          </a:xfrm>
+          <a:prstGeom prst="bentConnector2">
+            <a:avLst/>
+          </a:prstGeom>
+          <a:ln>
+            <a:solidFill>
+              <a:srgbClr val="002060"/>
+            </a:solidFill>
+            <a:tailEnd type="arrow"/>
+          </a:ln>
+        </p:spPr>
+        <p:style>
+          <a:lnRef idx="1">
+            <a:schemeClr val="accent1"/>
+          </a:lnRef>
+          <a:fillRef idx="0">
+            <a:schemeClr val="accent1"/>
+          </a:fillRef>
+          <a:effectRef idx="0">
+            <a:schemeClr val="accent1"/>
+          </a:effectRef>
+          <a:fontRef idx="minor">
+            <a:schemeClr val="tx1"/>
+          </a:fontRef>
+        </p:style>
+      </p:cxnSp>
+      <p:sp>
+        <p:nvSpPr>
+          <p:cNvPr id="144" name="Rettangolo 143"/>
+          <p:cNvSpPr/>
+          <p:nvPr/>
+        </p:nvSpPr>
+        <p:spPr>
+          <a:xfrm>
+            <a:off x="4332839" y="1852327"/>
+            <a:ext cx="822020" cy="369332"/>
+          </a:xfrm>
+          <a:prstGeom prst="rect">
+            <a:avLst/>
+          </a:prstGeom>
+        </p:spPr>
+        <p:txBody>
+          <a:bodyPr wrap="none">
+            <a:spAutoFit/>
+          </a:bodyPr>
+          <a:lstStyle/>
+          <a:p>
+            <a:r>
+              <a:rPr lang="en-GB" dirty="0" smtClean="0"/>
+              <a:t>explore</a:t>
+            </a:r>
+            <a:endParaRPr lang="en-GB" dirty="0"/>
+          </a:p>
+        </p:txBody>
+      </p:sp>
+      <p:sp>
+        <p:nvSpPr>
+          <p:cNvPr id="145" name="CasellaDiTesto 144"/>
+          <p:cNvSpPr txBox="1"/>
+          <p:nvPr/>
+        </p:nvSpPr>
+        <p:spPr>
+          <a:xfrm>
+            <a:off x="5605301" y="831698"/>
+            <a:ext cx="2422779" cy="369332"/>
+          </a:xfrm>
+          <a:prstGeom prst="rect">
+            <a:avLst/>
+          </a:prstGeom>
+          <a:noFill/>
+        </p:spPr>
+        <p:txBody>
+          <a:bodyPr wrap="none" rtlCol="0">
+            <a:spAutoFit/>
+          </a:bodyPr>
+          <a:lstStyle/>
+          <a:p>
+            <a:r>
+              <a:rPr lang="it-IT" dirty="0" err="1" smtClean="0"/>
+              <a:t>Explore</a:t>
+            </a:r>
+            <a:r>
+              <a:rPr lang="it-IT" dirty="0" smtClean="0"/>
+              <a:t> ( an </a:t>
+            </a:r>
+            <a:r>
+              <a:rPr lang="it-IT" dirty="0" err="1" smtClean="0"/>
+              <a:t>empty</a:t>
+            </a:r>
+            <a:r>
+              <a:rPr lang="it-IT" dirty="0" smtClean="0"/>
+              <a:t> room )</a:t>
+            </a:r>
+            <a:endParaRPr lang="en-GB" dirty="0"/>
+          </a:p>
+        </p:txBody>
+      </p:sp>
+      <p:sp>
+        <p:nvSpPr>
+          <p:cNvPr id="146" name="CasellaDiTesto 145"/>
+          <p:cNvSpPr txBox="1"/>
+          <p:nvPr/>
+        </p:nvSpPr>
+        <p:spPr>
+          <a:xfrm>
+            <a:off x="5226417" y="4978042"/>
+            <a:ext cx="3197414" cy="646331"/>
+          </a:xfrm>
+          <a:prstGeom prst="rect">
+            <a:avLst/>
+          </a:prstGeom>
+        </p:spPr>
+        <p:style>
+          <a:lnRef idx="2">
+            <a:schemeClr val="accent5"/>
+          </a:lnRef>
+          <a:fillRef idx="1">
+            <a:schemeClr val="lt1"/>
+          </a:fillRef>
+          <a:effectRef idx="0">
+            <a:schemeClr val="accent5"/>
+          </a:effectRef>
+          <a:fontRef idx="minor">
+            <a:schemeClr val="dk1"/>
+          </a:fontRef>
+        </p:style>
+        <p:txBody>
+          <a:bodyPr wrap="none" rtlCol="0">
+            <a:spAutoFit/>
+          </a:bodyPr>
+          <a:lstStyle/>
+          <a:p>
+            <a:r>
+              <a:rPr lang="it-IT" dirty="0" err="1" smtClean="0"/>
+              <a:t>Direction</a:t>
+            </a:r>
+            <a:r>
+              <a:rPr lang="it-IT" dirty="0" smtClean="0"/>
+              <a:t> DOWN : Rotate 90 Left </a:t>
+            </a:r>
+          </a:p>
+          <a:p>
+            <a:r>
+              <a:rPr lang="it-IT" dirty="0" err="1"/>
+              <a:t>Direction</a:t>
+            </a:r>
+            <a:r>
+              <a:rPr lang="it-IT" dirty="0"/>
+              <a:t> </a:t>
+            </a:r>
+            <a:r>
+              <a:rPr lang="it-IT" dirty="0" smtClean="0"/>
+              <a:t>UP         : </a:t>
+            </a:r>
+            <a:r>
+              <a:rPr lang="it-IT" dirty="0"/>
+              <a:t>Rotate </a:t>
+            </a:r>
+            <a:r>
+              <a:rPr lang="it-IT" dirty="0" smtClean="0"/>
+              <a:t>90 Right</a:t>
+            </a:r>
+            <a:endParaRPr lang="en-GB" dirty="0"/>
+          </a:p>
+        </p:txBody>
+      </p:sp>
+      <p:sp>
+        <p:nvSpPr>
+          <p:cNvPr id="160" name="Rettangolo 159"/>
+          <p:cNvSpPr/>
+          <p:nvPr/>
+        </p:nvSpPr>
+        <p:spPr>
+          <a:xfrm>
+            <a:off x="7622005" y="2573650"/>
+            <a:ext cx="933269" cy="369332"/>
+          </a:xfrm>
+          <a:prstGeom prst="rect">
+            <a:avLst/>
+          </a:prstGeom>
+        </p:spPr>
+        <p:txBody>
+          <a:bodyPr wrap="none">
+            <a:spAutoFit/>
+          </a:bodyPr>
+          <a:lstStyle/>
+          <a:p>
+            <a:r>
+              <a:rPr lang="en-GB" dirty="0" err="1"/>
+              <a:t>stepdone</a:t>
+            </a:r>
+            <a:endParaRPr lang="en-GB" dirty="0"/>
+          </a:p>
+        </p:txBody>
+      </p:sp>
+      <p:sp>
+        <p:nvSpPr>
+          <p:cNvPr id="161" name="Rettangolo 160"/>
+          <p:cNvSpPr/>
+          <p:nvPr/>
+        </p:nvSpPr>
+        <p:spPr>
+          <a:xfrm>
+            <a:off x="5741111" y="4261757"/>
+            <a:ext cx="535724" cy="369332"/>
+          </a:xfrm>
+          <a:prstGeom prst="rect">
+            <a:avLst/>
+          </a:prstGeom>
+        </p:spPr>
+        <p:txBody>
+          <a:bodyPr wrap="none">
+            <a:spAutoFit/>
+          </a:bodyPr>
+          <a:lstStyle/>
+          <a:p>
+            <a:r>
+              <a:rPr lang="en-GB" dirty="0" smtClean="0"/>
+              <a:t>stop</a:t>
+            </a:r>
+            <a:endParaRPr lang="en-GB" dirty="0"/>
+          </a:p>
+        </p:txBody>
+      </p:sp>
+      <p:sp>
+        <p:nvSpPr>
+          <p:cNvPr id="162" name="Ovale 161"/>
+          <p:cNvSpPr/>
+          <p:nvPr/>
+        </p:nvSpPr>
+        <p:spPr>
+          <a:xfrm>
+            <a:off x="6358489" y="3983017"/>
+            <a:ext cx="1176021" cy="648072"/>
+          </a:xfrm>
+          <a:prstGeom prst="ellipse">
+            <a:avLst/>
+          </a:prstGeom>
+          <a:ln>
+            <a:solidFill>
+              <a:srgbClr val="0070C0"/>
+            </a:solidFill>
+          </a:ln>
+        </p:spPr>
+        <p:style>
+          <a:lnRef idx="2">
+            <a:schemeClr val="accent2"/>
+          </a:lnRef>
+          <a:fillRef idx="1">
+            <a:schemeClr val="lt1"/>
+          </a:fillRef>
+          <a:effectRef idx="0">
+            <a:schemeClr val="accent2"/>
+          </a:effectRef>
+          <a:fontRef idx="minor">
+            <a:schemeClr val="dk1"/>
+          </a:fontRef>
+        </p:style>
+        <p:txBody>
+          <a:bodyPr rtlCol="0" anchor="ctr"/>
+          <a:lstStyle/>
+          <a:p>
+            <a:pPr algn="ctr"/>
+            <a:r>
+              <a:rPr lang="it-IT" dirty="0" err="1" smtClean="0"/>
+              <a:t>Stoppd</a:t>
+            </a:r>
+            <a:endParaRPr lang="en-GB" dirty="0"/>
+          </a:p>
+        </p:txBody>
+      </p:sp>
+      <p:cxnSp>
+        <p:nvCxnSpPr>
+          <p:cNvPr id="167" name="Connettore 4 166"/>
+          <p:cNvCxnSpPr>
+            <a:stCxn id="98" idx="5"/>
+            <a:endCxn id="162" idx="6"/>
+          </p:cNvCxnSpPr>
+          <p:nvPr/>
+        </p:nvCxnSpPr>
+        <p:spPr>
+          <a:xfrm rot="5400000">
+            <a:off x="7336287" y="3717001"/>
+            <a:ext cx="788276" cy="391829"/>
+          </a:xfrm>
+          <a:prstGeom prst="bentConnector2">
+            <a:avLst/>
+          </a:prstGeom>
+          <a:ln>
+            <a:tailEnd type="arrow"/>
+          </a:ln>
+        </p:spPr>
+        <p:style>
+          <a:lnRef idx="1">
+            <a:schemeClr val="accent1"/>
+          </a:lnRef>
+          <a:fillRef idx="0">
+            <a:schemeClr val="accent1"/>
+          </a:fillRef>
+          <a:effectRef idx="0">
+            <a:schemeClr val="accent1"/>
+          </a:effectRef>
+          <a:fontRef idx="minor">
+            <a:schemeClr val="tx1"/>
+          </a:fontRef>
+        </p:style>
+      </p:cxnSp>
+      <p:sp>
+        <p:nvSpPr>
+          <p:cNvPr id="169" name="Rettangolo 168"/>
+          <p:cNvSpPr/>
+          <p:nvPr/>
+        </p:nvSpPr>
+        <p:spPr>
+          <a:xfrm>
+            <a:off x="7907700" y="3849100"/>
+            <a:ext cx="535724" cy="369332"/>
+          </a:xfrm>
+          <a:prstGeom prst="rect">
+            <a:avLst/>
+          </a:prstGeom>
+        </p:spPr>
+        <p:txBody>
+          <a:bodyPr wrap="none">
+            <a:spAutoFit/>
+          </a:bodyPr>
+          <a:lstStyle/>
+          <a:p>
+            <a:r>
+              <a:rPr lang="en-GB" dirty="0" smtClean="0"/>
+              <a:t>stop</a:t>
+            </a:r>
+            <a:endParaRPr lang="en-GB" dirty="0"/>
+          </a:p>
+        </p:txBody>
+      </p:sp>
+      <p:cxnSp>
+        <p:nvCxnSpPr>
+          <p:cNvPr id="172" name="Connettore 4 171"/>
+          <p:cNvCxnSpPr>
+            <a:stCxn id="22" idx="3"/>
+            <a:endCxn id="162" idx="2"/>
+          </p:cNvCxnSpPr>
+          <p:nvPr/>
+        </p:nvCxnSpPr>
+        <p:spPr>
+          <a:xfrm rot="16200000" flipH="1">
+            <a:off x="5056424" y="3004988"/>
+            <a:ext cx="1850942" cy="753188"/>
+          </a:xfrm>
+          <a:prstGeom prst="bentConnector2">
+            <a:avLst/>
+          </a:prstGeom>
+          <a:ln>
+            <a:tailEnd type="arrow"/>
+          </a:ln>
+        </p:spPr>
+        <p:style>
+          <a:lnRef idx="1">
+            <a:schemeClr val="accent1"/>
+          </a:lnRef>
+          <a:fillRef idx="0">
+            <a:schemeClr val="accent1"/>
+          </a:fillRef>
+          <a:effectRef idx="0">
+            <a:schemeClr val="accent1"/>
+          </a:effectRef>
+          <a:fontRef idx="minor">
+            <a:schemeClr val="tx1"/>
+          </a:fontRef>
+        </p:style>
+      </p:cxnSp>
+      <p:cxnSp>
+        <p:nvCxnSpPr>
+          <p:cNvPr id="179" name="Connettore 4 178"/>
+          <p:cNvCxnSpPr>
+            <a:stCxn id="162" idx="4"/>
+            <a:endCxn id="136" idx="4"/>
+          </p:cNvCxnSpPr>
+          <p:nvPr/>
+        </p:nvCxnSpPr>
+        <p:spPr>
+          <a:xfrm rot="5400000" flipH="1">
+            <a:off x="4860069" y="2544659"/>
+            <a:ext cx="1502989" cy="2669873"/>
+          </a:xfrm>
+          <a:prstGeom prst="bentConnector3">
+            <a:avLst>
+              <a:gd name="adj1" fmla="val -15210"/>
+            </a:avLst>
+          </a:prstGeom>
+          <a:ln>
+            <a:solidFill>
+              <a:srgbClr val="002060"/>
+            </a:solidFill>
+            <a:tailEnd type="arrow"/>
+          </a:ln>
+        </p:spPr>
+        <p:style>
+          <a:lnRef idx="1">
+            <a:schemeClr val="accent1"/>
+          </a:lnRef>
+          <a:fillRef idx="0">
+            <a:schemeClr val="accent1"/>
+          </a:fillRef>
+          <a:effectRef idx="0">
+            <a:schemeClr val="accent1"/>
+          </a:effectRef>
+          <a:fontRef idx="minor">
+            <a:schemeClr val="tx1"/>
+          </a:fontRef>
+        </p:style>
+      </p:cxnSp>
+      <p:sp>
+        <p:nvSpPr>
+          <p:cNvPr id="188" name="Ovale 187"/>
+          <p:cNvSpPr/>
+          <p:nvPr/>
+        </p:nvSpPr>
+        <p:spPr>
+          <a:xfrm>
+            <a:off x="7102320" y="1903718"/>
+            <a:ext cx="891443" cy="648072"/>
+          </a:xfrm>
+          <a:prstGeom prst="ellipse">
+            <a:avLst/>
+          </a:prstGeom>
+          <a:ln>
+            <a:solidFill>
+              <a:srgbClr val="0070C0"/>
+            </a:solidFill>
+          </a:ln>
+        </p:spPr>
+        <p:style>
+          <a:lnRef idx="2">
+            <a:schemeClr val="accent2"/>
+          </a:lnRef>
+          <a:fillRef idx="1">
+            <a:schemeClr val="lt1"/>
+          </a:fillRef>
+          <a:effectRef idx="0">
+            <a:schemeClr val="accent2"/>
+          </a:effectRef>
+          <a:fontRef idx="minor">
+            <a:schemeClr val="dk1"/>
+          </a:fontRef>
+        </p:style>
+        <p:txBody>
+          <a:bodyPr rtlCol="0" anchor="ctr"/>
+          <a:lstStyle/>
+          <a:p>
+            <a:pPr algn="ctr"/>
+            <a:r>
+              <a:rPr lang="it-IT" sz="1400" dirty="0" smtClean="0"/>
+              <a:t>Rotate</a:t>
+            </a:r>
+            <a:endParaRPr lang="en-GB" sz="1400" dirty="0"/>
+          </a:p>
+        </p:txBody>
+      </p:sp>
+    </p:spTree>
+    <p:extLst>
+      <p:ext uri="{BB962C8B-B14F-4D97-AF65-F5344CB8AC3E}">
+        <p14:creationId xmlns:p14="http://schemas.microsoft.com/office/powerpoint/2010/main" val="3450560098"/>
+      </p:ext>
+    </p:extLst>
+  </p:cSld>
+  <p:clrMapOvr>
+    <a:masterClrMapping/>
+  </p:clrMapOvr>
+</p:sld>
+</file>
+
+<file path=ppt/slides/slide29.xml><?xml version="1.0" encoding="utf-8"?>
+<p:sld xmlns:a="http://schemas.openxmlformats.org/drawingml/2006/main" xmlns:r="http://schemas.openxmlformats.org/officeDocument/2006/relationships" xmlns:p="http://schemas.openxmlformats.org/presentationml/2006/main">
+  <p:cSld>
+    <p:spTree>
+      <p:nvGrpSpPr>
+        <p:cNvPr id="1" name=""/>
+        <p:cNvGrpSpPr/>
+        <p:nvPr/>
+      </p:nvGrpSpPr>
+      <p:grpSpPr>
+        <a:xfrm>
+          <a:off x="0" y="0"/>
+          <a:ext cx="0" cy="0"/>
+          <a:chOff x="0" y="0"/>
+          <a:chExt cx="0" cy="0"/>
+        </a:xfrm>
+      </p:grpSpPr>
+      <p:sp>
+        <p:nvSpPr>
+          <p:cNvPr id="2" name="Segnaposto piè di pagina 1"/>
+          <p:cNvSpPr>
+            <a:spLocks noGrp="1"/>
+          </p:cNvSpPr>
+          <p:nvPr>
+            <p:ph type="ftr" sz="quarter" idx="11"/>
+          </p:nvPr>
+        </p:nvSpPr>
+        <p:spPr/>
+        <p:txBody>
+          <a:bodyPr/>
+          <a:lstStyle/>
+          <a:p>
+            <a:r>
+              <a:rPr lang="it-IT" smtClean="0"/>
+              <a:t>ANatali  - DISI - ISSM2020  Univeristy of Bologna</a:t>
+            </a:r>
+            <a:endParaRPr lang="en-GB"/>
+          </a:p>
+        </p:txBody>
+      </p:sp>
+      <p:sp>
+        <p:nvSpPr>
+          <p:cNvPr id="3" name="Segnaposto numero diapositiva 2"/>
+          <p:cNvSpPr>
+            <a:spLocks noGrp="1"/>
+          </p:cNvSpPr>
+          <p:nvPr>
+            <p:ph type="sldNum" sz="quarter" idx="12"/>
+          </p:nvPr>
+        </p:nvSpPr>
+        <p:spPr/>
+        <p:txBody>
+          <a:bodyPr/>
+          <a:lstStyle/>
+          <a:p>
+            <a:fld id="{6F6A5AB3-AF76-4EC9-853D-D4C335162C13}" type="slidenum">
+              <a:rPr lang="en-GB" smtClean="0"/>
+              <a:t>29</a:t>
+            </a:fld>
+            <a:endParaRPr lang="en-GB"/>
+          </a:p>
+        </p:txBody>
+      </p:sp>
+      <p:sp>
+        <p:nvSpPr>
+          <p:cNvPr id="4" name="Ovale 3"/>
+          <p:cNvSpPr/>
+          <p:nvPr/>
+        </p:nvSpPr>
+        <p:spPr>
+          <a:xfrm>
+            <a:off x="1619672" y="1268760"/>
+            <a:ext cx="720080" cy="648072"/>
+          </a:xfrm>
+          <a:prstGeom prst="ellipse">
+            <a:avLst/>
+          </a:prstGeom>
+          <a:ln>
+            <a:solidFill>
+              <a:srgbClr val="0070C0"/>
+            </a:solidFill>
+          </a:ln>
+        </p:spPr>
+        <p:style>
+          <a:lnRef idx="2">
+            <a:schemeClr val="accent2"/>
+          </a:lnRef>
+          <a:fillRef idx="1">
+            <a:schemeClr val="lt1"/>
+          </a:fillRef>
+          <a:effectRef idx="0">
+            <a:schemeClr val="accent2"/>
+          </a:effectRef>
+          <a:fontRef idx="minor">
+            <a:schemeClr val="dk1"/>
+          </a:fontRef>
+        </p:style>
+        <p:txBody>
+          <a:bodyPr rtlCol="0" anchor="ctr"/>
+          <a:lstStyle/>
+          <a:p>
+            <a:pPr algn="ctr"/>
+            <a:r>
+              <a:rPr lang="it-IT" dirty="0" err="1" smtClean="0"/>
+              <a:t>Init</a:t>
+            </a:r>
+            <a:endParaRPr lang="en-GB" dirty="0"/>
+          </a:p>
+        </p:txBody>
+      </p:sp>
+      <p:sp>
+        <p:nvSpPr>
+          <p:cNvPr id="5" name="Ovale 4"/>
+          <p:cNvSpPr/>
+          <p:nvPr/>
+        </p:nvSpPr>
+        <p:spPr>
+          <a:xfrm>
+            <a:off x="1475656" y="1503454"/>
+            <a:ext cx="144016" cy="178684"/>
+          </a:xfrm>
+          <a:prstGeom prst="ellipse">
+            <a:avLst/>
+          </a:prstGeom>
+        </p:spPr>
+        <p:style>
+          <a:lnRef idx="2">
+            <a:schemeClr val="accent1">
+              <a:shade val="50000"/>
+            </a:schemeClr>
+          </a:lnRef>
+          <a:fillRef idx="1">
+            <a:schemeClr val="accent1"/>
+          </a:fillRef>
+          <a:effectRef idx="0">
+            <a:schemeClr val="accent1"/>
+          </a:effectRef>
+          <a:fontRef idx="minor">
+            <a:schemeClr val="lt1"/>
+          </a:fontRef>
+        </p:style>
+        <p:txBody>
+          <a:bodyPr rtlCol="0" anchor="ctr"/>
+          <a:lstStyle/>
+          <a:p>
+            <a:pPr algn="ctr"/>
+            <a:endParaRPr lang="en-GB"/>
+          </a:p>
+        </p:txBody>
+      </p:sp>
+      <p:sp>
+        <p:nvSpPr>
+          <p:cNvPr id="8" name="Ovale 7"/>
+          <p:cNvSpPr/>
+          <p:nvPr/>
+        </p:nvSpPr>
+        <p:spPr>
+          <a:xfrm>
+            <a:off x="3347864" y="1262410"/>
+            <a:ext cx="1296144" cy="648072"/>
+          </a:xfrm>
+          <a:prstGeom prst="ellipse">
+            <a:avLst/>
+          </a:prstGeom>
+          <a:ln>
+            <a:solidFill>
+              <a:srgbClr val="0070C0"/>
+            </a:solidFill>
+            <a:prstDash val="dash"/>
+          </a:ln>
+        </p:spPr>
+        <p:style>
+          <a:lnRef idx="2">
+            <a:schemeClr val="accent2"/>
+          </a:lnRef>
+          <a:fillRef idx="1">
+            <a:schemeClr val="lt1"/>
+          </a:fillRef>
+          <a:effectRef idx="0">
+            <a:schemeClr val="accent2"/>
+          </a:effectRef>
+          <a:fontRef idx="minor">
+            <a:schemeClr val="dk1"/>
+          </a:fontRef>
+        </p:style>
+        <p:txBody>
+          <a:bodyPr rtlCol="0" anchor="ctr"/>
+          <a:lstStyle/>
+          <a:p>
+            <a:pPr algn="ctr"/>
+            <a:r>
+              <a:rPr lang="it-IT" dirty="0" err="1" smtClean="0"/>
+              <a:t>Explore</a:t>
+            </a:r>
+            <a:endParaRPr lang="en-GB" dirty="0"/>
+          </a:p>
+        </p:txBody>
+      </p:sp>
+      <p:cxnSp>
+        <p:nvCxnSpPr>
+          <p:cNvPr id="16" name="Connettore 4 15"/>
+          <p:cNvCxnSpPr>
+            <a:stCxn id="8" idx="4"/>
+            <a:endCxn id="4" idx="5"/>
+          </p:cNvCxnSpPr>
+          <p:nvPr/>
+        </p:nvCxnSpPr>
+        <p:spPr>
+          <a:xfrm rot="5400000" flipH="1">
+            <a:off x="3070839" y="985385"/>
+            <a:ext cx="88558" cy="1761637"/>
+          </a:xfrm>
+          <a:prstGeom prst="bentConnector3">
+            <a:avLst>
+              <a:gd name="adj1" fmla="val -265306"/>
+            </a:avLst>
+          </a:prstGeom>
+          <a:ln>
+            <a:solidFill>
+              <a:srgbClr val="002060"/>
+            </a:solidFill>
+            <a:prstDash val="dash"/>
+            <a:tailEnd type="arrow"/>
+          </a:ln>
+        </p:spPr>
+        <p:style>
+          <a:lnRef idx="1">
+            <a:schemeClr val="accent1"/>
+          </a:lnRef>
+          <a:fillRef idx="0">
+            <a:schemeClr val="accent1"/>
+          </a:fillRef>
+          <a:effectRef idx="0">
+            <a:schemeClr val="accent1"/>
+          </a:effectRef>
+          <a:fontRef idx="minor">
+            <a:schemeClr val="tx1"/>
+          </a:fontRef>
+        </p:style>
+      </p:cxnSp>
+      <p:sp>
+        <p:nvSpPr>
+          <p:cNvPr id="17" name="Rectangle 5">
+            <a:extLst>
+              <a:ext uri="{FF2B5EF4-FFF2-40B4-BE49-F238E27FC236}">
+                <a16:creationId xmlns:a16="http://schemas.microsoft.com/office/drawing/2014/main" xmlns="" id="{9529310F-209D-4FC3-82E8-EEC7E3A85851}"/>
+              </a:ext>
+            </a:extLst>
+          </p:cNvPr>
+          <p:cNvSpPr>
+            <a:spLocks noChangeArrowheads="1"/>
+          </p:cNvSpPr>
+          <p:nvPr/>
+        </p:nvSpPr>
+        <p:spPr bwMode="auto">
+          <a:xfrm>
+            <a:off x="2772397" y="2227523"/>
+            <a:ext cx="760144" cy="307777"/>
+          </a:xfrm>
+          <a:prstGeom prst="rect">
+            <a:avLst/>
+          </a:prstGeom>
+          <a:noFill/>
+        </p:spPr>
+        <p:txBody>
+          <a:bodyPr wrap="none" rtlCol="0">
+            <a:spAutoFit/>
+          </a:bodyPr>
+          <a:lstStyle/>
+          <a:p>
+            <a:r>
+              <a:rPr lang="en-US" altLang="en-US" sz="1400" dirty="0">
+                <a:latin typeface="Symbol" panose="05050102010706020507" pitchFamily="18" charset="2"/>
+                <a:cs typeface="Arial" panose="020B0604020202020204" pitchFamily="34" charset="0"/>
+              </a:rPr>
+              <a:t>e</a:t>
+            </a:r>
+            <a:r>
+              <a:rPr lang="en-US" altLang="en-US" sz="1400" dirty="0">
+                <a:latin typeface="Arial" panose="020B0604020202020204" pitchFamily="34" charset="0"/>
+                <a:cs typeface="Arial" panose="020B0604020202020204" pitchFamily="34" charset="0"/>
+              </a:rPr>
+              <a:t>-move</a:t>
+            </a:r>
+          </a:p>
+        </p:txBody>
+      </p:sp>
+      <p:sp>
+        <p:nvSpPr>
+          <p:cNvPr id="22" name="Ovale 21"/>
+          <p:cNvSpPr/>
+          <p:nvPr/>
+        </p:nvSpPr>
+        <p:spPr>
+          <a:xfrm>
+            <a:off x="5652120" y="754822"/>
+            <a:ext cx="936104" cy="648072"/>
+          </a:xfrm>
+          <a:prstGeom prst="ellipse">
+            <a:avLst/>
+          </a:prstGeom>
+          <a:ln>
+            <a:solidFill>
+              <a:srgbClr val="0070C0"/>
+            </a:solidFill>
+          </a:ln>
+        </p:spPr>
+        <p:style>
+          <a:lnRef idx="2">
+            <a:schemeClr val="accent2"/>
+          </a:lnRef>
+          <a:fillRef idx="1">
+            <a:schemeClr val="lt1"/>
+          </a:fillRef>
+          <a:effectRef idx="0">
+            <a:schemeClr val="accent2"/>
+          </a:effectRef>
+          <a:fontRef idx="minor">
+            <a:schemeClr val="dk1"/>
+          </a:fontRef>
+        </p:style>
+        <p:txBody>
+          <a:bodyPr rtlCol="0" anchor="ctr"/>
+          <a:lstStyle/>
+          <a:p>
+            <a:pPr algn="ctr"/>
+            <a:r>
+              <a:rPr lang="it-IT" dirty="0" err="1" smtClean="0"/>
+              <a:t>Step</a:t>
+            </a:r>
+            <a:endParaRPr lang="en-GB" dirty="0"/>
+          </a:p>
+        </p:txBody>
+      </p:sp>
+      <p:cxnSp>
+        <p:nvCxnSpPr>
+          <p:cNvPr id="23" name="Connettore 4 22"/>
+          <p:cNvCxnSpPr>
+            <a:stCxn id="22" idx="0"/>
+            <a:endCxn id="22" idx="1"/>
+          </p:cNvCxnSpPr>
+          <p:nvPr/>
+        </p:nvCxnSpPr>
+        <p:spPr>
+          <a:xfrm rot="16200000" flipH="1" flipV="1">
+            <a:off x="5907237" y="636794"/>
+            <a:ext cx="94908" cy="330963"/>
+          </a:xfrm>
+          <a:prstGeom prst="bentConnector3">
+            <a:avLst>
+              <a:gd name="adj1" fmla="val -240865"/>
+            </a:avLst>
+          </a:prstGeom>
+          <a:ln>
+            <a:solidFill>
+              <a:srgbClr val="002060"/>
+            </a:solidFill>
+            <a:tailEnd type="arrow"/>
+          </a:ln>
+        </p:spPr>
+        <p:style>
+          <a:lnRef idx="1">
+            <a:schemeClr val="accent1"/>
+          </a:lnRef>
+          <a:fillRef idx="0">
+            <a:schemeClr val="accent1"/>
+          </a:fillRef>
+          <a:effectRef idx="0">
+            <a:schemeClr val="accent1"/>
+          </a:effectRef>
+          <a:fontRef idx="minor">
+            <a:schemeClr val="tx1"/>
+          </a:fontRef>
+        </p:style>
+      </p:cxnSp>
+      <p:cxnSp>
+        <p:nvCxnSpPr>
+          <p:cNvPr id="27" name="Connettore 2 26"/>
+          <p:cNvCxnSpPr>
+            <a:stCxn id="4" idx="6"/>
+            <a:endCxn id="8" idx="2"/>
+          </p:cNvCxnSpPr>
+          <p:nvPr/>
+        </p:nvCxnSpPr>
+        <p:spPr>
+          <a:xfrm flipV="1">
+            <a:off x="2339752" y="1586446"/>
+            <a:ext cx="1008112" cy="6350"/>
+          </a:xfrm>
+          <a:prstGeom prst="straightConnector1">
+            <a:avLst/>
+          </a:prstGeom>
+          <a:ln>
+            <a:solidFill>
+              <a:srgbClr val="002060"/>
+            </a:solidFill>
+            <a:tailEnd type="arrow"/>
+          </a:ln>
+        </p:spPr>
+        <p:style>
+          <a:lnRef idx="1">
+            <a:schemeClr val="accent1"/>
+          </a:lnRef>
+          <a:fillRef idx="0">
+            <a:schemeClr val="accent1"/>
+          </a:fillRef>
+          <a:effectRef idx="0">
+            <a:schemeClr val="accent1"/>
+          </a:effectRef>
+          <a:fontRef idx="minor">
+            <a:schemeClr val="tx1"/>
+          </a:fontRef>
+        </p:style>
+      </p:cxnSp>
+      <p:sp>
+        <p:nvSpPr>
+          <p:cNvPr id="29" name="Rettangolo 28"/>
+          <p:cNvSpPr/>
+          <p:nvPr/>
+        </p:nvSpPr>
+        <p:spPr>
+          <a:xfrm>
+            <a:off x="5479963" y="115399"/>
+            <a:ext cx="933269" cy="369332"/>
+          </a:xfrm>
+          <a:prstGeom prst="rect">
+            <a:avLst/>
+          </a:prstGeom>
+        </p:spPr>
+        <p:txBody>
+          <a:bodyPr wrap="none">
+            <a:spAutoFit/>
+          </a:bodyPr>
+          <a:lstStyle/>
+          <a:p>
+            <a:r>
+              <a:rPr lang="en-GB" dirty="0" err="1"/>
+              <a:t>stepdone</a:t>
+            </a:r>
+            <a:endParaRPr lang="en-GB" dirty="0"/>
+          </a:p>
+        </p:txBody>
+      </p:sp>
+      <p:sp>
+        <p:nvSpPr>
+          <p:cNvPr id="32" name="Ovale 31"/>
+          <p:cNvSpPr/>
+          <p:nvPr/>
+        </p:nvSpPr>
+        <p:spPr>
+          <a:xfrm>
+            <a:off x="5572392" y="1811138"/>
+            <a:ext cx="1108260" cy="648072"/>
+          </a:xfrm>
+          <a:prstGeom prst="ellipse">
+            <a:avLst/>
+          </a:prstGeom>
+          <a:ln>
+            <a:solidFill>
+              <a:srgbClr val="0070C0"/>
+            </a:solidFill>
+          </a:ln>
+        </p:spPr>
+        <p:style>
+          <a:lnRef idx="2">
+            <a:schemeClr val="accent2"/>
+          </a:lnRef>
+          <a:fillRef idx="1">
+            <a:schemeClr val="lt1"/>
+          </a:fillRef>
+          <a:effectRef idx="0">
+            <a:schemeClr val="accent2"/>
+          </a:effectRef>
+          <a:fontRef idx="minor">
+            <a:schemeClr val="dk1"/>
+          </a:fontRef>
+        </p:style>
+        <p:txBody>
+          <a:bodyPr rtlCol="0" anchor="ctr"/>
+          <a:lstStyle/>
+          <a:p>
+            <a:pPr algn="ctr"/>
+            <a:r>
+              <a:rPr lang="it-IT" dirty="0" smtClean="0"/>
+              <a:t>Rotate</a:t>
+            </a:r>
+            <a:endParaRPr lang="en-GB" dirty="0"/>
+          </a:p>
+        </p:txBody>
+      </p:sp>
+      <p:cxnSp>
+        <p:nvCxnSpPr>
+          <p:cNvPr id="34" name="Connettore 4 33"/>
+          <p:cNvCxnSpPr>
+            <a:stCxn id="22" idx="4"/>
+            <a:endCxn id="32" idx="0"/>
+          </p:cNvCxnSpPr>
+          <p:nvPr/>
+        </p:nvCxnSpPr>
+        <p:spPr>
+          <a:xfrm rot="16200000" flipH="1">
+            <a:off x="5919225" y="1603841"/>
+            <a:ext cx="408244" cy="6350"/>
+          </a:xfrm>
+          <a:prstGeom prst="bentConnector3">
+            <a:avLst/>
+          </a:prstGeom>
+          <a:ln>
+            <a:solidFill>
+              <a:srgbClr val="002060"/>
+            </a:solidFill>
+            <a:tailEnd type="arrow"/>
+          </a:ln>
+        </p:spPr>
+        <p:style>
+          <a:lnRef idx="1">
+            <a:schemeClr val="accent1"/>
+          </a:lnRef>
+          <a:fillRef idx="0">
+            <a:schemeClr val="accent1"/>
+          </a:fillRef>
+          <a:effectRef idx="0">
+            <a:schemeClr val="accent1"/>
+          </a:effectRef>
+          <a:fontRef idx="minor">
+            <a:schemeClr val="tx1"/>
+          </a:fontRef>
+        </p:style>
+      </p:cxnSp>
+      <p:sp>
+        <p:nvSpPr>
+          <p:cNvPr id="36" name="Rettangolo 35"/>
+          <p:cNvSpPr/>
+          <p:nvPr/>
+        </p:nvSpPr>
+        <p:spPr>
+          <a:xfrm>
+            <a:off x="5267911" y="1402894"/>
+            <a:ext cx="775020" cy="369332"/>
+          </a:xfrm>
+          <a:prstGeom prst="rect">
+            <a:avLst/>
+          </a:prstGeom>
+        </p:spPr>
+        <p:txBody>
+          <a:bodyPr wrap="none">
+            <a:spAutoFit/>
+          </a:bodyPr>
+          <a:lstStyle/>
+          <a:p>
+            <a:r>
+              <a:rPr lang="en-GB" dirty="0" err="1"/>
+              <a:t>stepfail</a:t>
+            </a:r>
+            <a:endParaRPr lang="en-GB" dirty="0"/>
+          </a:p>
+        </p:txBody>
+      </p:sp>
+      <p:sp>
+        <p:nvSpPr>
+          <p:cNvPr id="37" name="Rettangolo 36"/>
+          <p:cNvSpPr/>
+          <p:nvPr/>
+        </p:nvSpPr>
+        <p:spPr>
+          <a:xfrm>
+            <a:off x="1636888" y="3737034"/>
+            <a:ext cx="2232248" cy="2140496"/>
+          </a:xfrm>
+          <a:prstGeom prst="rect">
+            <a:avLst/>
+          </a:prstGeom>
+          <a:solidFill>
+            <a:schemeClr val="bg1"/>
+          </a:solidFill>
+          <a:ln>
+            <a:solidFill>
+              <a:srgbClr val="00B050"/>
+            </a:solidFill>
+          </a:ln>
+        </p:spPr>
+        <p:style>
+          <a:lnRef idx="2">
+            <a:schemeClr val="accent1">
+              <a:shade val="50000"/>
+            </a:schemeClr>
+          </a:lnRef>
+          <a:fillRef idx="1">
+            <a:schemeClr val="accent1"/>
+          </a:fillRef>
+          <a:effectRef idx="0">
+            <a:schemeClr val="accent1"/>
+          </a:effectRef>
+          <a:fontRef idx="minor">
+            <a:schemeClr val="lt1"/>
+          </a:fontRef>
+        </p:style>
+        <p:txBody>
+          <a:bodyPr rtlCol="0" anchor="ctr"/>
+          <a:lstStyle/>
+          <a:p>
+            <a:pPr algn="ctr"/>
+            <a:endParaRPr lang="en-GB"/>
+          </a:p>
+        </p:txBody>
+      </p:sp>
+      <p:cxnSp>
+        <p:nvCxnSpPr>
+          <p:cNvPr id="39" name="Connettore 1 38"/>
+          <p:cNvCxnSpPr/>
+          <p:nvPr/>
+        </p:nvCxnSpPr>
+        <p:spPr>
+          <a:xfrm>
+            <a:off x="2406039" y="3737034"/>
+            <a:ext cx="0" cy="2140496"/>
+          </a:xfrm>
+          <a:prstGeom prst="line">
+            <a:avLst/>
+          </a:prstGeom>
+          <a:solidFill>
+            <a:schemeClr val="bg1"/>
+          </a:solidFill>
+          <a:ln>
+            <a:solidFill>
+              <a:srgbClr val="00B050"/>
+            </a:solidFill>
+          </a:ln>
+        </p:spPr>
+        <p:style>
+          <a:lnRef idx="2">
+            <a:schemeClr val="accent1">
+              <a:shade val="50000"/>
+            </a:schemeClr>
+          </a:lnRef>
+          <a:fillRef idx="1">
+            <a:schemeClr val="accent1"/>
+          </a:fillRef>
+          <a:effectRef idx="0">
+            <a:schemeClr val="accent1"/>
+          </a:effectRef>
+          <a:fontRef idx="minor">
+            <a:schemeClr val="lt1"/>
+          </a:fontRef>
+        </p:style>
+      </p:cxnSp>
+      <p:cxnSp>
+        <p:nvCxnSpPr>
+          <p:cNvPr id="40" name="Connettore 1 39"/>
+          <p:cNvCxnSpPr/>
+          <p:nvPr/>
+        </p:nvCxnSpPr>
+        <p:spPr>
+          <a:xfrm>
+            <a:off x="3146920" y="3737034"/>
+            <a:ext cx="0" cy="2140496"/>
+          </a:xfrm>
+          <a:prstGeom prst="line">
+            <a:avLst/>
+          </a:prstGeom>
+          <a:solidFill>
+            <a:schemeClr val="bg1"/>
+          </a:solidFill>
+          <a:ln>
+            <a:solidFill>
+              <a:srgbClr val="00B050"/>
+            </a:solidFill>
+          </a:ln>
+        </p:spPr>
+        <p:style>
+          <a:lnRef idx="2">
+            <a:schemeClr val="accent1">
+              <a:shade val="50000"/>
+            </a:schemeClr>
+          </a:lnRef>
+          <a:fillRef idx="1">
+            <a:schemeClr val="accent1"/>
+          </a:fillRef>
+          <a:effectRef idx="0">
+            <a:schemeClr val="accent1"/>
+          </a:effectRef>
+          <a:fontRef idx="minor">
+            <a:schemeClr val="lt1"/>
+          </a:fontRef>
+        </p:style>
+      </p:cxnSp>
+      <p:cxnSp>
+        <p:nvCxnSpPr>
+          <p:cNvPr id="44" name="Connettore 1 43"/>
+          <p:cNvCxnSpPr/>
+          <p:nvPr/>
+        </p:nvCxnSpPr>
+        <p:spPr>
+          <a:xfrm>
+            <a:off x="1636888" y="4483246"/>
+            <a:ext cx="2232248" cy="0"/>
+          </a:xfrm>
+          <a:prstGeom prst="line">
+            <a:avLst/>
+          </a:prstGeom>
+          <a:solidFill>
+            <a:schemeClr val="bg1"/>
+          </a:solidFill>
+          <a:ln>
+            <a:solidFill>
+              <a:srgbClr val="00B050"/>
+            </a:solidFill>
+          </a:ln>
+        </p:spPr>
+        <p:style>
+          <a:lnRef idx="2">
+            <a:schemeClr val="accent1">
+              <a:shade val="50000"/>
+            </a:schemeClr>
+          </a:lnRef>
+          <a:fillRef idx="1">
+            <a:schemeClr val="accent1"/>
+          </a:fillRef>
+          <a:effectRef idx="0">
+            <a:schemeClr val="accent1"/>
+          </a:effectRef>
+          <a:fontRef idx="minor">
+            <a:schemeClr val="lt1"/>
+          </a:fontRef>
+        </p:style>
+      </p:cxnSp>
+      <p:cxnSp>
+        <p:nvCxnSpPr>
+          <p:cNvPr id="45" name="Connettore 1 44"/>
+          <p:cNvCxnSpPr/>
+          <p:nvPr/>
+        </p:nvCxnSpPr>
+        <p:spPr>
+          <a:xfrm>
+            <a:off x="1636888" y="5203326"/>
+            <a:ext cx="2232248" cy="0"/>
+          </a:xfrm>
+          <a:prstGeom prst="line">
+            <a:avLst/>
+          </a:prstGeom>
+          <a:solidFill>
+            <a:schemeClr val="bg1"/>
+          </a:solidFill>
+          <a:ln>
+            <a:solidFill>
+              <a:srgbClr val="00B050"/>
+            </a:solidFill>
+          </a:ln>
+        </p:spPr>
+        <p:style>
+          <a:lnRef idx="2">
+            <a:schemeClr val="accent1">
+              <a:shade val="50000"/>
+            </a:schemeClr>
+          </a:lnRef>
+          <a:fillRef idx="1">
+            <a:schemeClr val="accent1"/>
+          </a:fillRef>
+          <a:effectRef idx="0">
+            <a:schemeClr val="accent1"/>
+          </a:effectRef>
+          <a:fontRef idx="minor">
+            <a:schemeClr val="lt1"/>
+          </a:fontRef>
+        </p:style>
+      </p:cxnSp>
+      <p:sp>
+        <p:nvSpPr>
+          <p:cNvPr id="46" name="Ovale 45"/>
+          <p:cNvSpPr/>
+          <p:nvPr/>
+        </p:nvSpPr>
+        <p:spPr>
+          <a:xfrm>
+            <a:off x="1671116" y="3762611"/>
+            <a:ext cx="720080" cy="648072"/>
+          </a:xfrm>
+          <a:prstGeom prst="ellipse">
+            <a:avLst/>
+          </a:prstGeom>
+          <a:solidFill>
+            <a:srgbClr val="33CCCC"/>
+          </a:solidFill>
+          <a:ln/>
+        </p:spPr>
+        <p:style>
+          <a:lnRef idx="2">
+            <a:schemeClr val="accent4"/>
+          </a:lnRef>
+          <a:fillRef idx="1">
+            <a:schemeClr val="lt1"/>
+          </a:fillRef>
+          <a:effectRef idx="0">
+            <a:schemeClr val="accent4"/>
+          </a:effectRef>
+          <a:fontRef idx="minor">
+            <a:schemeClr val="dk1"/>
+          </a:fontRef>
+        </p:style>
+        <p:txBody>
+          <a:bodyPr rtlCol="0" anchor="ctr"/>
+          <a:lstStyle/>
+          <a:p>
+            <a:pPr algn="ctr"/>
+            <a:r>
+              <a:rPr lang="it-IT" sz="1100" dirty="0" smtClean="0"/>
+              <a:t>Robot</a:t>
+            </a:r>
+            <a:endParaRPr lang="en-GB" sz="1100" dirty="0"/>
+          </a:p>
+        </p:txBody>
+      </p:sp>
+      <p:sp>
+        <p:nvSpPr>
+          <p:cNvPr id="49" name="Ovale 48"/>
+          <p:cNvSpPr/>
+          <p:nvPr/>
+        </p:nvSpPr>
+        <p:spPr>
+          <a:xfrm>
+            <a:off x="1996928" y="5707383"/>
+            <a:ext cx="68456" cy="76254"/>
+          </a:xfrm>
+          <a:prstGeom prst="ellipse">
+            <a:avLst/>
+          </a:prstGeom>
+          <a:ln>
+            <a:solidFill>
+              <a:schemeClr val="bg1"/>
+            </a:solidFill>
+          </a:ln>
+        </p:spPr>
+        <p:style>
+          <a:lnRef idx="2">
+            <a:schemeClr val="accent2"/>
+          </a:lnRef>
+          <a:fillRef idx="1">
+            <a:schemeClr val="lt1"/>
+          </a:fillRef>
+          <a:effectRef idx="0">
+            <a:schemeClr val="accent2"/>
+          </a:effectRef>
+          <a:fontRef idx="minor">
+            <a:schemeClr val="dk1"/>
+          </a:fontRef>
+        </p:style>
+        <p:txBody>
+          <a:bodyPr rtlCol="0" anchor="ctr"/>
+          <a:lstStyle/>
+          <a:p>
+            <a:pPr algn="ctr"/>
+            <a:endParaRPr lang="en-GB" dirty="0"/>
+          </a:p>
+        </p:txBody>
+      </p:sp>
+      <p:sp>
+        <p:nvSpPr>
+          <p:cNvPr id="50" name="Ovale 49"/>
+          <p:cNvSpPr/>
+          <p:nvPr/>
+        </p:nvSpPr>
+        <p:spPr>
+          <a:xfrm>
+            <a:off x="2703941" y="5707383"/>
+            <a:ext cx="68456" cy="76254"/>
+          </a:xfrm>
+          <a:prstGeom prst="ellipse">
+            <a:avLst/>
+          </a:prstGeom>
+          <a:ln>
+            <a:solidFill>
+              <a:schemeClr val="bg1"/>
+            </a:solidFill>
+          </a:ln>
+        </p:spPr>
+        <p:style>
+          <a:lnRef idx="2">
+            <a:schemeClr val="accent2"/>
+          </a:lnRef>
+          <a:fillRef idx="1">
+            <a:schemeClr val="lt1"/>
+          </a:fillRef>
+          <a:effectRef idx="0">
+            <a:schemeClr val="accent2"/>
+          </a:effectRef>
+          <a:fontRef idx="minor">
+            <a:schemeClr val="dk1"/>
+          </a:fontRef>
+        </p:style>
+        <p:txBody>
+          <a:bodyPr rtlCol="0" anchor="ctr"/>
+          <a:lstStyle/>
+          <a:p>
+            <a:pPr algn="ctr"/>
+            <a:endParaRPr lang="en-GB" dirty="0"/>
+          </a:p>
+        </p:txBody>
+      </p:sp>
+      <p:sp>
+        <p:nvSpPr>
+          <p:cNvPr id="51" name="Ovale 50"/>
+          <p:cNvSpPr/>
+          <p:nvPr/>
+        </p:nvSpPr>
+        <p:spPr>
+          <a:xfrm>
+            <a:off x="2701772" y="3837109"/>
+            <a:ext cx="68456" cy="76254"/>
+          </a:xfrm>
+          <a:prstGeom prst="ellipse">
+            <a:avLst/>
+          </a:prstGeom>
+          <a:ln>
+            <a:solidFill>
+              <a:schemeClr val="bg1"/>
+            </a:solidFill>
+          </a:ln>
+        </p:spPr>
+        <p:style>
+          <a:lnRef idx="2">
+            <a:schemeClr val="accent2"/>
+          </a:lnRef>
+          <a:fillRef idx="1">
+            <a:schemeClr val="lt1"/>
+          </a:fillRef>
+          <a:effectRef idx="0">
+            <a:schemeClr val="accent2"/>
+          </a:effectRef>
+          <a:fontRef idx="minor">
+            <a:schemeClr val="dk1"/>
+          </a:fontRef>
+        </p:style>
+        <p:txBody>
+          <a:bodyPr rtlCol="0" anchor="ctr"/>
+          <a:lstStyle/>
+          <a:p>
+            <a:pPr algn="ctr"/>
+            <a:endParaRPr lang="en-GB" dirty="0"/>
+          </a:p>
+        </p:txBody>
+      </p:sp>
+      <p:sp>
+        <p:nvSpPr>
+          <p:cNvPr id="52" name="Ovale 51"/>
+          <p:cNvSpPr/>
+          <p:nvPr/>
+        </p:nvSpPr>
+        <p:spPr>
+          <a:xfrm>
+            <a:off x="3496029" y="3835175"/>
+            <a:ext cx="68456" cy="76254"/>
+          </a:xfrm>
+          <a:prstGeom prst="ellipse">
+            <a:avLst/>
+          </a:prstGeom>
+          <a:ln>
+            <a:solidFill>
+              <a:schemeClr val="bg1"/>
+            </a:solidFill>
+          </a:ln>
+        </p:spPr>
+        <p:style>
+          <a:lnRef idx="2">
+            <a:schemeClr val="accent2"/>
+          </a:lnRef>
+          <a:fillRef idx="1">
+            <a:schemeClr val="lt1"/>
+          </a:fillRef>
+          <a:effectRef idx="0">
+            <a:schemeClr val="accent2"/>
+          </a:effectRef>
+          <a:fontRef idx="minor">
+            <a:schemeClr val="dk1"/>
+          </a:fontRef>
+        </p:style>
+        <p:txBody>
+          <a:bodyPr rtlCol="0" anchor="ctr"/>
+          <a:lstStyle/>
+          <a:p>
+            <a:pPr algn="ctr"/>
+            <a:endParaRPr lang="en-GB" dirty="0"/>
+          </a:p>
+        </p:txBody>
+      </p:sp>
+      <p:sp>
+        <p:nvSpPr>
+          <p:cNvPr id="53" name="Ovale 52"/>
+          <p:cNvSpPr/>
+          <p:nvPr/>
+        </p:nvSpPr>
+        <p:spPr>
+          <a:xfrm>
+            <a:off x="3513042" y="5707382"/>
+            <a:ext cx="68456" cy="76254"/>
+          </a:xfrm>
+          <a:prstGeom prst="ellipse">
+            <a:avLst/>
+          </a:prstGeom>
+          <a:ln>
+            <a:solidFill>
+              <a:schemeClr val="bg1"/>
+            </a:solidFill>
+          </a:ln>
+        </p:spPr>
+        <p:style>
+          <a:lnRef idx="2">
+            <a:schemeClr val="accent2"/>
+          </a:lnRef>
+          <a:fillRef idx="1">
+            <a:schemeClr val="lt1"/>
+          </a:fillRef>
+          <a:effectRef idx="0">
+            <a:schemeClr val="accent2"/>
+          </a:effectRef>
+          <a:fontRef idx="minor">
+            <a:schemeClr val="dk1"/>
+          </a:fontRef>
+        </p:style>
+        <p:txBody>
+          <a:bodyPr rtlCol="0" anchor="ctr"/>
+          <a:lstStyle/>
+          <a:p>
+            <a:pPr algn="ctr"/>
+            <a:endParaRPr lang="en-GB" dirty="0"/>
+          </a:p>
+        </p:txBody>
+      </p:sp>
+      <p:cxnSp>
+        <p:nvCxnSpPr>
+          <p:cNvPr id="62" name="Connettore 2 61"/>
+          <p:cNvCxnSpPr>
+            <a:endCxn id="49" idx="0"/>
+          </p:cNvCxnSpPr>
+          <p:nvPr/>
+        </p:nvCxnSpPr>
+        <p:spPr>
+          <a:xfrm flipH="1">
+            <a:off x="2031156" y="4554699"/>
+            <a:ext cx="14844" cy="1152684"/>
+          </a:xfrm>
+          <a:prstGeom prst="straightConnector1">
+            <a:avLst/>
+          </a:prstGeom>
+          <a:ln>
+            <a:tailEnd type="arrow"/>
+          </a:ln>
+        </p:spPr>
+        <p:style>
+          <a:lnRef idx="1">
+            <a:schemeClr val="accent1"/>
+          </a:lnRef>
+          <a:fillRef idx="0">
+            <a:schemeClr val="accent1"/>
+          </a:fillRef>
+          <a:effectRef idx="0">
+            <a:schemeClr val="accent1"/>
+          </a:effectRef>
+          <a:fontRef idx="minor">
+            <a:schemeClr val="tx1"/>
+          </a:fontRef>
+        </p:style>
+      </p:cxnSp>
+      <p:cxnSp>
+        <p:nvCxnSpPr>
+          <p:cNvPr id="63" name="Connettore 2 62"/>
+          <p:cNvCxnSpPr>
+            <a:stCxn id="50" idx="0"/>
+          </p:cNvCxnSpPr>
+          <p:nvPr/>
+        </p:nvCxnSpPr>
+        <p:spPr>
+          <a:xfrm flipV="1">
+            <a:off x="2738169" y="3913363"/>
+            <a:ext cx="7422" cy="1794020"/>
+          </a:xfrm>
+          <a:prstGeom prst="straightConnector1">
+            <a:avLst/>
+          </a:prstGeom>
+          <a:ln>
+            <a:tailEnd type="arrow"/>
+          </a:ln>
+        </p:spPr>
+        <p:style>
+          <a:lnRef idx="1">
+            <a:schemeClr val="accent1"/>
+          </a:lnRef>
+          <a:fillRef idx="0">
+            <a:schemeClr val="accent1"/>
+          </a:fillRef>
+          <a:effectRef idx="0">
+            <a:schemeClr val="accent1"/>
+          </a:effectRef>
+          <a:fontRef idx="minor">
+            <a:schemeClr val="tx1"/>
+          </a:fontRef>
+        </p:style>
+      </p:cxnSp>
+      <p:cxnSp>
+        <p:nvCxnSpPr>
+          <p:cNvPr id="66" name="Connettore 2 65"/>
+          <p:cNvCxnSpPr>
+            <a:endCxn id="53" idx="0"/>
+          </p:cNvCxnSpPr>
+          <p:nvPr/>
+        </p:nvCxnSpPr>
+        <p:spPr>
+          <a:xfrm>
+            <a:off x="3547270" y="3913363"/>
+            <a:ext cx="0" cy="1794019"/>
+          </a:xfrm>
+          <a:prstGeom prst="straightConnector1">
+            <a:avLst/>
+          </a:prstGeom>
+          <a:ln>
+            <a:tailEnd type="arrow"/>
+          </a:ln>
+        </p:spPr>
+        <p:style>
+          <a:lnRef idx="1">
+            <a:schemeClr val="accent1"/>
+          </a:lnRef>
+          <a:fillRef idx="0">
+            <a:schemeClr val="accent1"/>
+          </a:fillRef>
+          <a:effectRef idx="0">
+            <a:schemeClr val="accent1"/>
+          </a:effectRef>
+          <a:fontRef idx="minor">
+            <a:schemeClr val="tx1"/>
+          </a:fontRef>
+        </p:style>
+      </p:cxnSp>
+      <p:cxnSp>
+        <p:nvCxnSpPr>
+          <p:cNvPr id="69" name="Connettore 2 68"/>
+          <p:cNvCxnSpPr>
+            <a:stCxn id="49" idx="6"/>
+          </p:cNvCxnSpPr>
+          <p:nvPr/>
+        </p:nvCxnSpPr>
+        <p:spPr>
+          <a:xfrm flipV="1">
+            <a:off x="2065384" y="5745509"/>
+            <a:ext cx="636388" cy="1"/>
+          </a:xfrm>
+          <a:prstGeom prst="straightConnector1">
+            <a:avLst/>
+          </a:prstGeom>
+          <a:ln>
+            <a:tailEnd type="arrow"/>
+          </a:ln>
+        </p:spPr>
+        <p:style>
+          <a:lnRef idx="1">
+            <a:schemeClr val="accent1"/>
+          </a:lnRef>
+          <a:fillRef idx="0">
+            <a:schemeClr val="accent1"/>
+          </a:fillRef>
+          <a:effectRef idx="0">
+            <a:schemeClr val="accent1"/>
+          </a:effectRef>
+          <a:fontRef idx="minor">
+            <a:schemeClr val="tx1"/>
+          </a:fontRef>
+        </p:style>
+      </p:cxnSp>
+      <p:cxnSp>
+        <p:nvCxnSpPr>
+          <p:cNvPr id="70" name="Connettore 2 69"/>
+          <p:cNvCxnSpPr>
+            <a:stCxn id="51" idx="6"/>
+            <a:endCxn id="52" idx="2"/>
+          </p:cNvCxnSpPr>
+          <p:nvPr/>
+        </p:nvCxnSpPr>
+        <p:spPr>
+          <a:xfrm flipV="1">
+            <a:off x="2770228" y="3873302"/>
+            <a:ext cx="725801" cy="1934"/>
+          </a:xfrm>
+          <a:prstGeom prst="straightConnector1">
+            <a:avLst/>
+          </a:prstGeom>
+          <a:ln>
+            <a:tailEnd type="arrow"/>
+          </a:ln>
+        </p:spPr>
+        <p:style>
+          <a:lnRef idx="1">
+            <a:schemeClr val="accent1"/>
+          </a:lnRef>
+          <a:fillRef idx="0">
+            <a:schemeClr val="accent1"/>
+          </a:fillRef>
+          <a:effectRef idx="0">
+            <a:schemeClr val="accent1"/>
+          </a:effectRef>
+          <a:fontRef idx="minor">
+            <a:schemeClr val="tx1"/>
+          </a:fontRef>
+        </p:style>
+      </p:cxnSp>
+      <p:cxnSp>
+        <p:nvCxnSpPr>
+          <p:cNvPr id="72" name="Connettore 2 71"/>
+          <p:cNvCxnSpPr>
+            <a:stCxn id="53" idx="6"/>
+          </p:cNvCxnSpPr>
+          <p:nvPr/>
+        </p:nvCxnSpPr>
+        <p:spPr>
+          <a:xfrm>
+            <a:off x="3581498" y="5745509"/>
+            <a:ext cx="232643" cy="1"/>
+          </a:xfrm>
+          <a:prstGeom prst="straightConnector1">
+            <a:avLst/>
+          </a:prstGeom>
+          <a:ln>
+            <a:prstDash val="dash"/>
+            <a:tailEnd type="arrow"/>
+          </a:ln>
+        </p:spPr>
+        <p:style>
+          <a:lnRef idx="1">
+            <a:schemeClr val="accent1"/>
+          </a:lnRef>
+          <a:fillRef idx="0">
+            <a:schemeClr val="accent1"/>
+          </a:fillRef>
+          <a:effectRef idx="0">
+            <a:schemeClr val="accent1"/>
+          </a:effectRef>
+          <a:fontRef idx="minor">
+            <a:schemeClr val="tx1"/>
+          </a:fontRef>
+        </p:style>
+      </p:cxnSp>
+      <p:cxnSp>
+        <p:nvCxnSpPr>
+          <p:cNvPr id="94" name="Connettore 1 93"/>
+          <p:cNvCxnSpPr/>
+          <p:nvPr/>
+        </p:nvCxnSpPr>
+        <p:spPr>
+          <a:xfrm>
+            <a:off x="4932040" y="345327"/>
+            <a:ext cx="0" cy="3011665"/>
+          </a:xfrm>
+          <a:prstGeom prst="line">
+            <a:avLst/>
+          </a:prstGeom>
+          <a:ln>
+            <a:solidFill>
+              <a:srgbClr val="C00000"/>
+            </a:solidFill>
+          </a:ln>
+        </p:spPr>
+        <p:style>
+          <a:lnRef idx="1">
+            <a:schemeClr val="accent1"/>
+          </a:lnRef>
+          <a:fillRef idx="0">
+            <a:schemeClr val="accent1"/>
+          </a:fillRef>
+          <a:effectRef idx="0">
+            <a:schemeClr val="accent1"/>
+          </a:effectRef>
+          <a:fontRef idx="minor">
+            <a:schemeClr val="tx1"/>
+          </a:fontRef>
+        </p:style>
+      </p:cxnSp>
+      <p:sp>
+        <p:nvSpPr>
+          <p:cNvPr id="98" name="Ovale 97"/>
+          <p:cNvSpPr/>
+          <p:nvPr/>
+        </p:nvSpPr>
+        <p:spPr>
+          <a:xfrm>
+            <a:off x="7164288" y="1817488"/>
+            <a:ext cx="1108260" cy="648072"/>
+          </a:xfrm>
+          <a:prstGeom prst="ellipse">
+            <a:avLst/>
+          </a:prstGeom>
+          <a:ln>
+            <a:solidFill>
+              <a:srgbClr val="0070C0"/>
+            </a:solidFill>
+          </a:ln>
+        </p:spPr>
+        <p:style>
+          <a:lnRef idx="2">
+            <a:schemeClr val="accent2"/>
+          </a:lnRef>
+          <a:fillRef idx="1">
+            <a:schemeClr val="lt1"/>
+          </a:fillRef>
+          <a:effectRef idx="0">
+            <a:schemeClr val="accent2"/>
+          </a:effectRef>
+          <a:fontRef idx="minor">
+            <a:schemeClr val="dk1"/>
+          </a:fontRef>
+        </p:style>
+        <p:txBody>
+          <a:bodyPr rtlCol="0" anchor="ctr"/>
+          <a:lstStyle/>
+          <a:p>
+            <a:pPr algn="ctr"/>
+            <a:r>
+              <a:rPr lang="it-IT" dirty="0" err="1" smtClean="0"/>
+              <a:t>Step</a:t>
+            </a:r>
+            <a:endParaRPr lang="en-GB" dirty="0"/>
+          </a:p>
+        </p:txBody>
+      </p:sp>
+      <p:cxnSp>
+        <p:nvCxnSpPr>
+          <p:cNvPr id="101" name="Connettore 2 100"/>
+          <p:cNvCxnSpPr>
+            <a:stCxn id="32" idx="6"/>
+            <a:endCxn id="98" idx="2"/>
+          </p:cNvCxnSpPr>
+          <p:nvPr/>
+        </p:nvCxnSpPr>
+        <p:spPr>
+          <a:xfrm>
+            <a:off x="6680652" y="2135174"/>
+            <a:ext cx="483636" cy="6350"/>
+          </a:xfrm>
+          <a:prstGeom prst="straightConnector1">
+            <a:avLst/>
+          </a:prstGeom>
+          <a:ln>
+            <a:solidFill>
+              <a:srgbClr val="002060"/>
+            </a:solidFill>
+            <a:tailEnd type="arrow"/>
+          </a:ln>
+        </p:spPr>
+        <p:style>
+          <a:lnRef idx="1">
+            <a:schemeClr val="accent1"/>
+          </a:lnRef>
+          <a:fillRef idx="0">
+            <a:schemeClr val="accent1"/>
+          </a:fillRef>
+          <a:effectRef idx="0">
+            <a:schemeClr val="accent1"/>
+          </a:effectRef>
+          <a:fontRef idx="minor">
+            <a:schemeClr val="tx1"/>
+          </a:fontRef>
+        </p:style>
+      </p:cxnSp>
+      <p:sp>
+        <p:nvSpPr>
+          <p:cNvPr id="102" name="Ovale 101"/>
+          <p:cNvSpPr/>
+          <p:nvPr/>
+        </p:nvSpPr>
+        <p:spPr>
+          <a:xfrm>
+            <a:off x="7174087" y="754822"/>
+            <a:ext cx="1108260" cy="648072"/>
+          </a:xfrm>
+          <a:prstGeom prst="ellipse">
+            <a:avLst/>
+          </a:prstGeom>
+          <a:ln>
+            <a:solidFill>
+              <a:srgbClr val="0070C0"/>
+            </a:solidFill>
+          </a:ln>
+        </p:spPr>
+        <p:style>
+          <a:lnRef idx="2">
+            <a:schemeClr val="accent2"/>
+          </a:lnRef>
+          <a:fillRef idx="1">
+            <a:schemeClr val="lt1"/>
+          </a:fillRef>
+          <a:effectRef idx="0">
+            <a:schemeClr val="accent2"/>
+          </a:effectRef>
+          <a:fontRef idx="minor">
+            <a:schemeClr val="dk1"/>
+          </a:fontRef>
+        </p:style>
+        <p:txBody>
+          <a:bodyPr rtlCol="0" anchor="ctr"/>
+          <a:lstStyle/>
+          <a:p>
+            <a:pPr algn="ctr"/>
+            <a:r>
+              <a:rPr lang="it-IT" dirty="0" smtClean="0"/>
+              <a:t>Rotate</a:t>
+            </a:r>
+            <a:endParaRPr lang="en-GB" dirty="0"/>
+          </a:p>
+        </p:txBody>
+      </p:sp>
+      <p:cxnSp>
+        <p:nvCxnSpPr>
+          <p:cNvPr id="103" name="Connettore 2 102"/>
+          <p:cNvCxnSpPr>
+            <a:stCxn id="98" idx="0"/>
+            <a:endCxn id="102" idx="4"/>
+          </p:cNvCxnSpPr>
+          <p:nvPr/>
+        </p:nvCxnSpPr>
+        <p:spPr>
+          <a:xfrm flipV="1">
+            <a:off x="7718418" y="1402894"/>
+            <a:ext cx="9799" cy="414594"/>
+          </a:xfrm>
+          <a:prstGeom prst="straightConnector1">
+            <a:avLst/>
+          </a:prstGeom>
+          <a:ln>
+            <a:solidFill>
+              <a:srgbClr val="002060"/>
+            </a:solidFill>
+            <a:tailEnd type="arrow"/>
+          </a:ln>
+        </p:spPr>
+        <p:style>
+          <a:lnRef idx="1">
+            <a:schemeClr val="accent1"/>
+          </a:lnRef>
+          <a:fillRef idx="0">
+            <a:schemeClr val="accent1"/>
+          </a:fillRef>
+          <a:effectRef idx="0">
+            <a:schemeClr val="accent1"/>
+          </a:effectRef>
+          <a:fontRef idx="minor">
+            <a:schemeClr val="tx1"/>
+          </a:fontRef>
+        </p:style>
+      </p:cxnSp>
+      <p:cxnSp>
+        <p:nvCxnSpPr>
+          <p:cNvPr id="108" name="Connettore 2 107"/>
+          <p:cNvCxnSpPr>
+            <a:stCxn id="102" idx="2"/>
+            <a:endCxn id="22" idx="6"/>
+          </p:cNvCxnSpPr>
+          <p:nvPr/>
+        </p:nvCxnSpPr>
+        <p:spPr>
+          <a:xfrm flipH="1">
+            <a:off x="6588224" y="1078858"/>
+            <a:ext cx="585863" cy="0"/>
+          </a:xfrm>
+          <a:prstGeom prst="straightConnector1">
+            <a:avLst/>
+          </a:prstGeom>
+          <a:ln>
+            <a:solidFill>
+              <a:srgbClr val="002060"/>
+            </a:solidFill>
+            <a:tailEnd type="arrow"/>
+          </a:ln>
+        </p:spPr>
+        <p:style>
+          <a:lnRef idx="1">
+            <a:schemeClr val="accent1"/>
+          </a:lnRef>
+          <a:fillRef idx="0">
+            <a:schemeClr val="accent1"/>
+          </a:fillRef>
+          <a:effectRef idx="0">
+            <a:schemeClr val="accent1"/>
+          </a:effectRef>
+          <a:fontRef idx="minor">
+            <a:schemeClr val="tx1"/>
+          </a:fontRef>
+        </p:style>
+      </p:cxnSp>
+      <p:cxnSp>
+        <p:nvCxnSpPr>
+          <p:cNvPr id="118" name="Connettore 4 117"/>
+          <p:cNvCxnSpPr>
+            <a:stCxn id="98" idx="4"/>
+            <a:endCxn id="4" idx="4"/>
+          </p:cNvCxnSpPr>
+          <p:nvPr/>
+        </p:nvCxnSpPr>
+        <p:spPr>
+          <a:xfrm rot="5400000" flipH="1">
+            <a:off x="4574701" y="-678157"/>
+            <a:ext cx="548728" cy="5738706"/>
+          </a:xfrm>
+          <a:prstGeom prst="bentConnector3">
+            <a:avLst>
+              <a:gd name="adj1" fmla="val -41660"/>
+            </a:avLst>
+          </a:prstGeom>
+          <a:ln>
+            <a:solidFill>
+              <a:srgbClr val="002060"/>
+            </a:solidFill>
+            <a:tailEnd type="arrow"/>
+          </a:ln>
+        </p:spPr>
+        <p:style>
+          <a:lnRef idx="1">
+            <a:schemeClr val="accent1"/>
+          </a:lnRef>
+          <a:fillRef idx="0">
+            <a:schemeClr val="accent1"/>
+          </a:fillRef>
+          <a:effectRef idx="0">
+            <a:schemeClr val="accent1"/>
+          </a:effectRef>
+          <a:fontRef idx="minor">
+            <a:schemeClr val="tx1"/>
+          </a:fontRef>
+        </p:style>
+      </p:cxnSp>
+      <p:sp>
+        <p:nvSpPr>
+          <p:cNvPr id="124" name="Rettangolo 123"/>
+          <p:cNvSpPr/>
+          <p:nvPr/>
+        </p:nvSpPr>
+        <p:spPr>
+          <a:xfrm>
+            <a:off x="7885038" y="2465560"/>
+            <a:ext cx="775020" cy="369332"/>
+          </a:xfrm>
+          <a:prstGeom prst="rect">
+            <a:avLst/>
+          </a:prstGeom>
+        </p:spPr>
+        <p:txBody>
+          <a:bodyPr wrap="none">
+            <a:spAutoFit/>
+          </a:bodyPr>
+          <a:lstStyle/>
+          <a:p>
+            <a:r>
+              <a:rPr lang="en-GB" dirty="0" err="1"/>
+              <a:t>stepfail</a:t>
+            </a:r>
+            <a:endParaRPr lang="en-GB" dirty="0"/>
+          </a:p>
+        </p:txBody>
+      </p:sp>
+      <p:sp>
+        <p:nvSpPr>
+          <p:cNvPr id="125" name="Rectangle 5">
+            <a:extLst>
+              <a:ext uri="{FF2B5EF4-FFF2-40B4-BE49-F238E27FC236}">
+                <a16:creationId xmlns:a16="http://schemas.microsoft.com/office/drawing/2014/main" xmlns="" id="{9529310F-209D-4FC3-82E8-EEC7E3A85851}"/>
+              </a:ext>
+            </a:extLst>
+          </p:cNvPr>
+          <p:cNvSpPr>
+            <a:spLocks noChangeArrowheads="1"/>
+          </p:cNvSpPr>
+          <p:nvPr/>
+        </p:nvSpPr>
+        <p:spPr bwMode="auto">
+          <a:xfrm>
+            <a:off x="6588224" y="1756593"/>
+            <a:ext cx="760144" cy="307777"/>
+          </a:xfrm>
+          <a:prstGeom prst="rect">
+            <a:avLst/>
+          </a:prstGeom>
+          <a:noFill/>
+        </p:spPr>
+        <p:txBody>
+          <a:bodyPr wrap="none" rtlCol="0">
+            <a:spAutoFit/>
+          </a:bodyPr>
+          <a:lstStyle/>
+          <a:p>
+            <a:r>
+              <a:rPr lang="en-US" altLang="en-US" sz="1400" dirty="0">
+                <a:latin typeface="Symbol" panose="05050102010706020507" pitchFamily="18" charset="2"/>
+                <a:cs typeface="Arial" panose="020B0604020202020204" pitchFamily="34" charset="0"/>
+              </a:rPr>
+              <a:t>e</a:t>
+            </a:r>
+            <a:r>
+              <a:rPr lang="en-US" altLang="en-US" sz="1400" dirty="0">
+                <a:latin typeface="Arial" panose="020B0604020202020204" pitchFamily="34" charset="0"/>
+                <a:cs typeface="Arial" panose="020B0604020202020204" pitchFamily="34" charset="0"/>
+              </a:rPr>
+              <a:t>-move</a:t>
+            </a:r>
+          </a:p>
+        </p:txBody>
+      </p:sp>
+      <p:sp>
+        <p:nvSpPr>
+          <p:cNvPr id="126" name="Rectangle 5">
+            <a:extLst>
+              <a:ext uri="{FF2B5EF4-FFF2-40B4-BE49-F238E27FC236}">
+                <a16:creationId xmlns:a16="http://schemas.microsoft.com/office/drawing/2014/main" xmlns="" id="{9529310F-209D-4FC3-82E8-EEC7E3A85851}"/>
+              </a:ext>
+            </a:extLst>
+          </p:cNvPr>
+          <p:cNvSpPr>
+            <a:spLocks noChangeArrowheads="1"/>
+          </p:cNvSpPr>
+          <p:nvPr/>
+        </p:nvSpPr>
+        <p:spPr bwMode="auto">
+          <a:xfrm>
+            <a:off x="6542398" y="713390"/>
+            <a:ext cx="760144" cy="307777"/>
+          </a:xfrm>
+          <a:prstGeom prst="rect">
+            <a:avLst/>
+          </a:prstGeom>
+          <a:noFill/>
+        </p:spPr>
+        <p:txBody>
+          <a:bodyPr wrap="none" rtlCol="0">
+            <a:spAutoFit/>
+          </a:bodyPr>
+          <a:lstStyle/>
+          <a:p>
+            <a:r>
+              <a:rPr lang="en-US" altLang="en-US" sz="1400" dirty="0">
+                <a:latin typeface="Symbol" panose="05050102010706020507" pitchFamily="18" charset="2"/>
+                <a:cs typeface="Arial" panose="020B0604020202020204" pitchFamily="34" charset="0"/>
+              </a:rPr>
+              <a:t>e</a:t>
+            </a:r>
+            <a:r>
+              <a:rPr lang="en-US" altLang="en-US" sz="1400" dirty="0">
+                <a:latin typeface="Arial" panose="020B0604020202020204" pitchFamily="34" charset="0"/>
+                <a:cs typeface="Arial" panose="020B0604020202020204" pitchFamily="34" charset="0"/>
+              </a:rPr>
+              <a:t>-move</a:t>
+            </a:r>
+          </a:p>
+        </p:txBody>
+      </p:sp>
+      <p:sp>
+        <p:nvSpPr>
+          <p:cNvPr id="127" name="Rectangle 5">
+            <a:extLst>
+              <a:ext uri="{FF2B5EF4-FFF2-40B4-BE49-F238E27FC236}">
+                <a16:creationId xmlns:a16="http://schemas.microsoft.com/office/drawing/2014/main" xmlns="" id="{9529310F-209D-4FC3-82E8-EEC7E3A85851}"/>
+              </a:ext>
+            </a:extLst>
+          </p:cNvPr>
+          <p:cNvSpPr>
+            <a:spLocks noChangeArrowheads="1"/>
+          </p:cNvSpPr>
+          <p:nvPr/>
+        </p:nvSpPr>
+        <p:spPr bwMode="auto">
+          <a:xfrm>
+            <a:off x="7738317" y="1465220"/>
+            <a:ext cx="760144" cy="307777"/>
+          </a:xfrm>
+          <a:prstGeom prst="rect">
+            <a:avLst/>
+          </a:prstGeom>
+          <a:noFill/>
+        </p:spPr>
+        <p:txBody>
+          <a:bodyPr wrap="none" rtlCol="0">
+            <a:spAutoFit/>
+          </a:bodyPr>
+          <a:lstStyle/>
+          <a:p>
+            <a:r>
+              <a:rPr lang="en-US" altLang="en-US" sz="1400" dirty="0">
+                <a:latin typeface="Symbol" panose="05050102010706020507" pitchFamily="18" charset="2"/>
+                <a:cs typeface="Arial" panose="020B0604020202020204" pitchFamily="34" charset="0"/>
+              </a:rPr>
+              <a:t>e</a:t>
+            </a:r>
+            <a:r>
+              <a:rPr lang="en-US" altLang="en-US" sz="1400" dirty="0">
+                <a:latin typeface="Arial" panose="020B0604020202020204" pitchFamily="34" charset="0"/>
+                <a:cs typeface="Arial" panose="020B0604020202020204" pitchFamily="34" charset="0"/>
+              </a:rPr>
+              <a:t>-move</a:t>
+            </a:r>
+          </a:p>
+        </p:txBody>
+      </p:sp>
+      <p:cxnSp>
+        <p:nvCxnSpPr>
+          <p:cNvPr id="131" name="Connettore 4 130"/>
+          <p:cNvCxnSpPr>
+            <a:stCxn id="8" idx="2"/>
+            <a:endCxn id="22" idx="2"/>
+          </p:cNvCxnSpPr>
+          <p:nvPr/>
+        </p:nvCxnSpPr>
+        <p:spPr>
+          <a:xfrm rot="10800000" flipH="1">
+            <a:off x="3347864" y="1078858"/>
+            <a:ext cx="2304256" cy="507588"/>
+          </a:xfrm>
+          <a:prstGeom prst="bentConnector3">
+            <a:avLst>
+              <a:gd name="adj1" fmla="val 59677"/>
+            </a:avLst>
+          </a:prstGeom>
+          <a:ln>
+            <a:solidFill>
+              <a:srgbClr val="002060"/>
+            </a:solidFill>
+            <a:tailEnd type="arrow"/>
+          </a:ln>
+        </p:spPr>
+        <p:style>
+          <a:lnRef idx="1">
+            <a:schemeClr val="accent1"/>
+          </a:lnRef>
+          <a:fillRef idx="0">
+            <a:schemeClr val="accent1"/>
+          </a:fillRef>
+          <a:effectRef idx="0">
+            <a:schemeClr val="accent1"/>
+          </a:effectRef>
+          <a:fontRef idx="minor">
+            <a:schemeClr val="tx1"/>
+          </a:fontRef>
+        </p:style>
+      </p:cxnSp>
+    </p:spTree>
+    <p:extLst>
+      <p:ext uri="{BB962C8B-B14F-4D97-AF65-F5344CB8AC3E}">
+        <p14:creationId xmlns:p14="http://schemas.microsoft.com/office/powerpoint/2010/main" val="1485682143"/>
+      </p:ext>
+    </p:extLst>
+  </p:cSld>
+  <p:clrMapOvr>
+    <a:masterClrMapping/>
+  </p:clrMapOvr>
+</p:sld>
+</file>
+
+<file path=ppt/slides/slide3.xml><?xml version="1.0" encoding="utf-8"?>
+<p:sld xmlns:a="http://schemas.openxmlformats.org/drawingml/2006/main" xmlns:r="http://schemas.openxmlformats.org/officeDocument/2006/relationships" xmlns:p="http://schemas.openxmlformats.org/presentationml/2006/main">
+  <p:cSld>
+    <p:spTree>
+      <p:nvGrpSpPr>
+        <p:cNvPr id="1" name=""/>
+        <p:cNvGrpSpPr/>
+        <p:nvPr/>
+      </p:nvGrpSpPr>
+      <p:grpSpPr>
+        <a:xfrm>
+          <a:off x="0" y="0"/>
+          <a:ext cx="0" cy="0"/>
+          <a:chOff x="0" y="0"/>
+          <a:chExt cx="0" cy="0"/>
+        </a:xfrm>
+      </p:grpSpPr>
+      <p:sp>
+        <p:nvSpPr>
+          <p:cNvPr id="2" name="Titolo 1"/>
+          <p:cNvSpPr>
+            <a:spLocks noGrp="1"/>
+          </p:cNvSpPr>
+          <p:nvPr>
+            <p:ph type="title"/>
+          </p:nvPr>
+        </p:nvSpPr>
+        <p:spPr/>
+        <p:txBody>
+          <a:bodyPr>
+            <a:normAutofit/>
+          </a:bodyPr>
+          <a:lstStyle/>
+          <a:p>
+            <a:r>
+              <a:rPr lang="it-IT" dirty="0"/>
+              <a:t>Ingegneria del software</a:t>
+            </a:r>
+            <a:endParaRPr lang="en-GB" dirty="0"/>
+          </a:p>
+        </p:txBody>
+      </p:sp>
+      <p:sp>
+        <p:nvSpPr>
+          <p:cNvPr id="4" name="Segnaposto piè di pagina 3"/>
+          <p:cNvSpPr>
+            <a:spLocks noGrp="1"/>
+          </p:cNvSpPr>
+          <p:nvPr>
+            <p:ph type="ftr" sz="quarter" idx="11"/>
+          </p:nvPr>
+        </p:nvSpPr>
+        <p:spPr/>
+        <p:txBody>
+          <a:bodyPr/>
+          <a:lstStyle/>
+          <a:p>
+            <a:r>
+              <a:rPr lang="it-IT"/>
+              <a:t>ANatali  - DISI - ISSM2020  Univeristy of Bologna</a:t>
+            </a:r>
+            <a:endParaRPr lang="en-GB"/>
+          </a:p>
+        </p:txBody>
+      </p:sp>
+      <p:sp>
+        <p:nvSpPr>
+          <p:cNvPr id="3" name="Segnaposto contenuto 2"/>
+          <p:cNvSpPr>
+            <a:spLocks noGrp="1"/>
+          </p:cNvSpPr>
+          <p:nvPr>
+            <p:ph sz="quarter" idx="1"/>
+          </p:nvPr>
+        </p:nvSpPr>
+        <p:spPr/>
+        <p:txBody>
+          <a:bodyPr>
+            <a:normAutofit/>
+          </a:bodyPr>
+          <a:lstStyle/>
+          <a:p>
+            <a:pPr marL="0" indent="0">
+              <a:buNone/>
+            </a:pPr>
+            <a:r>
+              <a:rPr lang="it-IT" sz="2400" dirty="0"/>
+              <a:t>Da </a:t>
+            </a:r>
+            <a:r>
+              <a:rPr lang="en-GB" sz="2400" dirty="0">
+                <a:hlinkClick r:id="rId2"/>
+              </a:rPr>
+              <a:t>https://it.wikipedia.org/wiki/Ingegneria_del_software</a:t>
+            </a:r>
+            <a:endParaRPr lang="it-IT" sz="2400" dirty="0"/>
+          </a:p>
+          <a:p>
+            <a:r>
+              <a:rPr lang="it-IT" dirty="0"/>
+              <a:t> </a:t>
+            </a:r>
+            <a:r>
+              <a:rPr lang="it-IT" dirty="0">
+                <a:hlinkClick r:id="rId3" tooltip="Materia (didattica)"/>
+              </a:rPr>
+              <a:t>disciplina</a:t>
+            </a:r>
+            <a:r>
+              <a:rPr lang="it-IT" dirty="0"/>
+              <a:t> che si occupa dei processi produttivi e delle </a:t>
+            </a:r>
+            <a:r>
+              <a:rPr lang="it-IT" dirty="0">
+                <a:hlinkClick r:id="rId4" tooltip="Metodologia di sviluppo del software"/>
+              </a:rPr>
+              <a:t>metodologie</a:t>
+            </a:r>
+            <a:r>
+              <a:rPr lang="it-IT" dirty="0"/>
+              <a:t> di sviluppo finalizzate alla realizzazione di </a:t>
+            </a:r>
+            <a:r>
+              <a:rPr lang="it-IT" dirty="0">
+                <a:hlinkClick r:id="rId5"/>
+              </a:rPr>
+              <a:t>sistemi software</a:t>
+            </a:r>
+            <a:r>
+              <a:rPr lang="it-IT" dirty="0"/>
+              <a:t>.</a:t>
+            </a:r>
+          </a:p>
+          <a:p>
+            <a:r>
+              <a:rPr lang="it-IT" sz="2600" dirty="0"/>
+              <a:t>si propone una serie di obiettivi legati all'evoluzione dello sviluppo del software (inteso come attività </a:t>
+            </a:r>
+            <a:r>
+              <a:rPr lang="it-IT" sz="2600" dirty="0">
+                <a:hlinkClick r:id="rId6" tooltip="Industria del software"/>
+              </a:rPr>
+              <a:t>industriale</a:t>
+            </a:r>
+            <a:r>
+              <a:rPr lang="it-IT" sz="2600" dirty="0"/>
+              <a:t>) sia da un punto di vista tecnologico (per esempio attraverso la definizione di nuovi </a:t>
+            </a:r>
+            <a:r>
+              <a:rPr lang="it-IT" sz="2600" dirty="0">
+                <a:hlinkClick r:id="rId7" tooltip="Linguaggio di programmazione"/>
+              </a:rPr>
+              <a:t>linguaggi di programmazione</a:t>
+            </a:r>
+            <a:r>
+              <a:rPr lang="it-IT" sz="2600" dirty="0"/>
+              <a:t>) che </a:t>
+            </a:r>
+            <a:r>
+              <a:rPr lang="it-IT" sz="2600" dirty="0">
+                <a:hlinkClick r:id="rId8" tooltip="Modello di sviluppo del software"/>
+              </a:rPr>
+              <a:t>metodologico</a:t>
+            </a:r>
+            <a:r>
+              <a:rPr lang="it-IT" sz="2600" dirty="0"/>
+              <a:t> (per esempio il perfezionamento dei modelli di </a:t>
+            </a:r>
+            <a:r>
+              <a:rPr lang="it-IT" sz="2600" u="sng" dirty="0">
+                <a:hlinkClick r:id="rId9"/>
+              </a:rPr>
+              <a:t>ciclo di vita del software</a:t>
+            </a:r>
+            <a:r>
+              <a:rPr lang="it-IT" sz="2600" dirty="0"/>
+              <a:t>).</a:t>
+            </a:r>
+            <a:endParaRPr lang="en-GB" sz="2600" dirty="0"/>
+          </a:p>
+        </p:txBody>
+      </p:sp>
+      <p:sp>
+        <p:nvSpPr>
+          <p:cNvPr id="5" name="Segnaposto numero diapositiva 4"/>
+          <p:cNvSpPr>
+            <a:spLocks noGrp="1"/>
+          </p:cNvSpPr>
+          <p:nvPr>
+            <p:ph type="sldNum" sz="quarter" idx="12"/>
+          </p:nvPr>
+        </p:nvSpPr>
+        <p:spPr/>
+        <p:txBody>
+          <a:bodyPr/>
+          <a:lstStyle/>
+          <a:p>
+            <a:fld id="{6F6A5AB3-AF76-4EC9-853D-D4C335162C13}" type="slidenum">
+              <a:rPr lang="en-GB" smtClean="0"/>
+              <a:t>3</a:t>
+            </a:fld>
+            <a:endParaRPr lang="en-GB"/>
+          </a:p>
+        </p:txBody>
+      </p:sp>
+    </p:spTree>
+    <p:extLst>
+      <p:ext uri="{BB962C8B-B14F-4D97-AF65-F5344CB8AC3E}">
+        <p14:creationId xmlns:p14="http://schemas.microsoft.com/office/powerpoint/2010/main" val="2970181979"/>
+      </p:ext>
+    </p:extLst>
+  </p:cSld>
+  <p:clrMapOvr>
+    <a:masterClrMapping/>
+  </p:clrMapOvr>
+</p:sld>
+</file>
+
+<file path=ppt/slides/slide30.xml><?xml version="1.0" encoding="utf-8"?>
+<p:sld xmlns:a="http://schemas.openxmlformats.org/drawingml/2006/main" xmlns:r="http://schemas.openxmlformats.org/officeDocument/2006/relationships" xmlns:p="http://schemas.openxmlformats.org/presentationml/2006/main">
+  <p:cSld>
+    <p:spTree>
+      <p:nvGrpSpPr>
+        <p:cNvPr id="1" name=""/>
+        <p:cNvGrpSpPr/>
+        <p:nvPr/>
+      </p:nvGrpSpPr>
+      <p:grpSpPr>
+        <a:xfrm>
+          <a:off x="0" y="0"/>
+          <a:ext cx="0" cy="0"/>
+          <a:chOff x="0" y="0"/>
+          <a:chExt cx="0" cy="0"/>
+        </a:xfrm>
+      </p:grpSpPr>
+      <p:sp>
+        <p:nvSpPr>
+          <p:cNvPr id="2" name="Segnaposto piè di pagina 1"/>
+          <p:cNvSpPr>
+            <a:spLocks noGrp="1"/>
+          </p:cNvSpPr>
+          <p:nvPr>
+            <p:ph type="ftr" sz="quarter" idx="11"/>
+          </p:nvPr>
+        </p:nvSpPr>
+        <p:spPr/>
+        <p:txBody>
+          <a:bodyPr/>
+          <a:lstStyle/>
+          <a:p>
+            <a:r>
+              <a:rPr lang="it-IT"/>
+              <a:t>ANatali  - DISI - ISSM2020  Univeristy of Bologna</a:t>
+            </a:r>
+            <a:endParaRPr lang="en-GB"/>
+          </a:p>
+        </p:txBody>
+      </p:sp>
+      <p:sp>
+        <p:nvSpPr>
+          <p:cNvPr id="3" name="Segnaposto numero diapositiva 2"/>
+          <p:cNvSpPr>
+            <a:spLocks noGrp="1"/>
+          </p:cNvSpPr>
+          <p:nvPr>
+            <p:ph type="sldNum" sz="quarter" idx="12"/>
+          </p:nvPr>
+        </p:nvSpPr>
+        <p:spPr/>
+        <p:txBody>
+          <a:bodyPr/>
+          <a:lstStyle/>
+          <a:p>
+            <a:fld id="{6F6A5AB3-AF76-4EC9-853D-D4C335162C13}" type="slidenum">
+              <a:rPr lang="en-GB" smtClean="0"/>
+              <a:t>30</a:t>
             </a:fld>
             <a:endParaRPr lang="en-GB"/>
           </a:p>
@@ -17805,7 +20981,7 @@
 </p:sld>
 </file>
 
-<file path=ppt/slides/slide29.xml><?xml version="1.0" encoding="utf-8"?>
+<file path=ppt/slides/slide31.xml><?xml version="1.0" encoding="utf-8"?>
 <p:sld xmlns:a="http://schemas.openxmlformats.org/drawingml/2006/main" xmlns:r="http://schemas.openxmlformats.org/officeDocument/2006/relationships" xmlns:p="http://schemas.openxmlformats.org/presentationml/2006/main">
   <p:cSld>
     <p:spTree>
@@ -18019,7 +21195,7 @@
           <a:p>
             <a:fld id="{6F6A5AB3-AF76-4EC9-853D-D4C335162C13}" type="slidenum">
               <a:rPr lang="en-GB" smtClean="0"/>
-              <a:t>29</a:t>
+              <a:t>31</a:t>
             </a:fld>
             <a:endParaRPr lang="en-GB"/>
           </a:p>
@@ -18868,224 +22044,6 @@
     <p:extLst>
       <p:ext uri="{BB962C8B-B14F-4D97-AF65-F5344CB8AC3E}">
         <p14:creationId xmlns:p14="http://schemas.microsoft.com/office/powerpoint/2010/main" val="4026174582"/>
-      </p:ext>
-    </p:extLst>
-  </p:cSld>
-  <p:clrMapOvr>
-    <a:masterClrMapping/>
-  </p:clrMapOvr>
-</p:sld>
-</file>
-
-<file path=ppt/slides/slide3.xml><?xml version="1.0" encoding="utf-8"?>
-<p:sld xmlns:a="http://schemas.openxmlformats.org/drawingml/2006/main" xmlns:r="http://schemas.openxmlformats.org/officeDocument/2006/relationships" xmlns:p="http://schemas.openxmlformats.org/presentationml/2006/main">
-  <p:cSld>
-    <p:spTree>
-      <p:nvGrpSpPr>
-        <p:cNvPr id="1" name=""/>
-        <p:cNvGrpSpPr/>
-        <p:nvPr/>
-      </p:nvGrpSpPr>
-      <p:grpSpPr>
-        <a:xfrm>
-          <a:off x="0" y="0"/>
-          <a:ext cx="0" cy="0"/>
-          <a:chOff x="0" y="0"/>
-          <a:chExt cx="0" cy="0"/>
-        </a:xfrm>
-      </p:grpSpPr>
-      <p:sp>
-        <p:nvSpPr>
-          <p:cNvPr id="2" name="Titolo 1"/>
-          <p:cNvSpPr>
-            <a:spLocks noGrp="1"/>
-          </p:cNvSpPr>
-          <p:nvPr>
-            <p:ph type="title"/>
-          </p:nvPr>
-        </p:nvSpPr>
-        <p:spPr/>
-        <p:txBody>
-          <a:bodyPr>
-            <a:normAutofit/>
-          </a:bodyPr>
-          <a:lstStyle/>
-          <a:p>
-            <a:r>
-              <a:rPr lang="it-IT" dirty="0"/>
-              <a:t>Ingegneria del software</a:t>
-            </a:r>
-            <a:endParaRPr lang="en-GB" dirty="0"/>
-          </a:p>
-        </p:txBody>
-      </p:sp>
-      <p:sp>
-        <p:nvSpPr>
-          <p:cNvPr id="4" name="Segnaposto piè di pagina 3"/>
-          <p:cNvSpPr>
-            <a:spLocks noGrp="1"/>
-          </p:cNvSpPr>
-          <p:nvPr>
-            <p:ph type="ftr" sz="quarter" idx="11"/>
-          </p:nvPr>
-        </p:nvSpPr>
-        <p:spPr/>
-        <p:txBody>
-          <a:bodyPr/>
-          <a:lstStyle/>
-          <a:p>
-            <a:r>
-              <a:rPr lang="it-IT"/>
-              <a:t>ANatali  - DISI - ISSM2020  Univeristy of Bologna</a:t>
-            </a:r>
-            <a:endParaRPr lang="en-GB"/>
-          </a:p>
-        </p:txBody>
-      </p:sp>
-      <p:sp>
-        <p:nvSpPr>
-          <p:cNvPr id="3" name="Segnaposto contenuto 2"/>
-          <p:cNvSpPr>
-            <a:spLocks noGrp="1"/>
-          </p:cNvSpPr>
-          <p:nvPr>
-            <p:ph sz="quarter" idx="1"/>
-          </p:nvPr>
-        </p:nvSpPr>
-        <p:spPr/>
-        <p:txBody>
-          <a:bodyPr>
-            <a:normAutofit/>
-          </a:bodyPr>
-          <a:lstStyle/>
-          <a:p>
-            <a:pPr marL="0" indent="0">
-              <a:buNone/>
-            </a:pPr>
-            <a:r>
-              <a:rPr lang="it-IT" sz="2400" dirty="0"/>
-              <a:t>Da </a:t>
-            </a:r>
-            <a:r>
-              <a:rPr lang="en-GB" sz="2400" dirty="0">
-                <a:hlinkClick r:id="rId2"/>
-              </a:rPr>
-              <a:t>https://it.wikipedia.org/wiki/Ingegneria_del_software</a:t>
-            </a:r>
-            <a:endParaRPr lang="it-IT" sz="2400" dirty="0"/>
-          </a:p>
-          <a:p>
-            <a:r>
-              <a:rPr lang="it-IT" dirty="0"/>
-              <a:t> </a:t>
-            </a:r>
-            <a:r>
-              <a:rPr lang="it-IT" dirty="0">
-                <a:hlinkClick r:id="rId3" tooltip="Materia (didattica)"/>
-              </a:rPr>
-              <a:t>disciplina</a:t>
-            </a:r>
-            <a:r>
-              <a:rPr lang="it-IT" dirty="0"/>
-              <a:t> che si occupa dei processi produttivi e delle </a:t>
-            </a:r>
-            <a:r>
-              <a:rPr lang="it-IT" dirty="0">
-                <a:hlinkClick r:id="rId4" tooltip="Metodologia di sviluppo del software"/>
-              </a:rPr>
-              <a:t>metodologie</a:t>
-            </a:r>
-            <a:r>
-              <a:rPr lang="it-IT" dirty="0"/>
-              <a:t> di sviluppo finalizzate alla realizzazione di </a:t>
-            </a:r>
-            <a:r>
-              <a:rPr lang="it-IT" dirty="0">
-                <a:hlinkClick r:id="rId5"/>
-              </a:rPr>
-              <a:t>sistemi software</a:t>
-            </a:r>
-            <a:r>
-              <a:rPr lang="it-IT" dirty="0"/>
-              <a:t>.</a:t>
-            </a:r>
-          </a:p>
-          <a:p>
-            <a:r>
-              <a:rPr lang="it-IT" sz="2600" dirty="0"/>
-              <a:t>si propone una serie di obiettivi legati all'evoluzione dello sviluppo del software (inteso come attività </a:t>
-            </a:r>
-            <a:r>
-              <a:rPr lang="it-IT" sz="2600" dirty="0">
-                <a:hlinkClick r:id="rId6" tooltip="Industria del software"/>
-              </a:rPr>
-              <a:t>industriale</a:t>
-            </a:r>
-            <a:r>
-              <a:rPr lang="it-IT" sz="2600" dirty="0"/>
-              <a:t>) sia da un punto di vista tecnologico (per esempio attraverso la definizione di nuovi </a:t>
-            </a:r>
-            <a:r>
-              <a:rPr lang="it-IT" sz="2600" dirty="0">
-                <a:hlinkClick r:id="rId7" tooltip="Linguaggio di programmazione"/>
-              </a:rPr>
-              <a:t>linguaggi di programmazione</a:t>
-            </a:r>
-            <a:r>
-              <a:rPr lang="it-IT" sz="2600" dirty="0"/>
-              <a:t>) che </a:t>
-            </a:r>
-            <a:r>
-              <a:rPr lang="it-IT" sz="2600" dirty="0">
-                <a:hlinkClick r:id="rId8" tooltip="Modello di sviluppo del software"/>
-              </a:rPr>
-              <a:t>metodologico</a:t>
-            </a:r>
-            <a:r>
-              <a:rPr lang="it-IT" sz="2600" dirty="0"/>
-              <a:t> (per esempio il perfezionamento dei modelli di </a:t>
-            </a:r>
-            <a:r>
-              <a:rPr lang="it-IT" sz="2600" u="sng" dirty="0">
-                <a:hlinkClick r:id="rId9"/>
-              </a:rPr>
-              <a:t>ciclo di vita del software</a:t>
-            </a:r>
-            <a:r>
-              <a:rPr lang="it-IT" sz="2600" dirty="0"/>
-              <a:t>).</a:t>
-            </a:r>
-            <a:endParaRPr lang="en-GB" sz="2600" dirty="0"/>
-          </a:p>
-        </p:txBody>
-      </p:sp>
-      <p:sp>
-        <p:nvSpPr>
-          <p:cNvPr id="5" name="Segnaposto numero diapositiva 4"/>
-          <p:cNvSpPr>
-            <a:spLocks noGrp="1"/>
-          </p:cNvSpPr>
-          <p:nvPr>
-            <p:ph type="sldNum" sz="quarter" idx="12"/>
-          </p:nvPr>
-        </p:nvSpPr>
-        <p:spPr/>
-        <p:txBody>
-          <a:bodyPr/>
-          <a:lstStyle/>
-          <a:p>
-            <a:fld id="{6F6A5AB3-AF76-4EC9-853D-D4C335162C13}" type="slidenum">
-              <a:rPr lang="en-GB" smtClean="0"/>
-              <a:t>3</a:t>
-            </a:fld>
-            <a:endParaRPr lang="en-GB"/>
-          </a:p>
-        </p:txBody>
-      </p:sp>
-    </p:spTree>
-    <p:extLst>
-      <p:ext uri="{BB962C8B-B14F-4D97-AF65-F5344CB8AC3E}">
-        <p14:creationId xmlns:p14="http://schemas.microsoft.com/office/powerpoint/2010/main" val="2970181979"/>
       </p:ext>
     </p:extLst>
   </p:cSld>

--- a/it.unibo.issLabStart/userDocs/ISSM2020.pptx
+++ b/it.unibo.issLabStart/userDocs/ISSM2020.pptx
@@ -12598,7 +12598,7 @@
         </p:nvSpPr>
         <p:spPr bwMode="auto">
           <a:xfrm>
-            <a:off x="3633537" y="1052736"/>
+            <a:off x="4126544" y="1107516"/>
             <a:ext cx="3079433" cy="738664"/>
           </a:xfrm>
           <a:prstGeom prst="rect">
@@ -12636,7 +12636,44 @@
                 <a:latin typeface="Arial" panose="020B0604020202020204" pitchFamily="34" charset="0"/>
                 <a:cs typeface="Arial" panose="020B0604020202020204" pitchFamily="34" charset="0"/>
               </a:rPr>
-              <a:t>(starts a coroutine that </a:t>
+              <a:t>(starts a </a:t>
+            </a:r>
+            <a:r>
+              <a:rPr lang="en-GB" sz="1400" dirty="0" err="1" smtClean="0">
+                <a:solidFill>
+                  <a:srgbClr val="C00000"/>
+                </a:solidFill>
+              </a:rPr>
+              <a:t>sensorObserver</a:t>
+            </a:r>
+            <a:r>
+              <a:rPr lang="en-GB" sz="1400" u="sng" dirty="0" smtClean="0">
+                <a:solidFill>
+                  <a:srgbClr val="C00000"/>
+                </a:solidFill>
+              </a:rPr>
+              <a:t> </a:t>
+            </a:r>
+            <a:r>
+              <a:rPr lang="en-US" altLang="en-US" sz="1400" dirty="0" err="1" smtClean="0">
+                <a:latin typeface="Arial" panose="020B0604020202020204" pitchFamily="34" charset="0"/>
+                <a:cs typeface="Arial" panose="020B0604020202020204" pitchFamily="34" charset="0"/>
+              </a:rPr>
+              <a:t>coroutine</a:t>
+            </a:r>
+            <a:r>
+              <a:rPr lang="en-US" altLang="en-US" sz="1400" dirty="0" smtClean="0">
+                <a:latin typeface="Arial" panose="020B0604020202020204" pitchFamily="34" charset="0"/>
+                <a:cs typeface="Arial" panose="020B0604020202020204" pitchFamily="34" charset="0"/>
+              </a:rPr>
+              <a:t> </a:t>
+            </a:r>
+            <a:r>
+              <a:rPr lang="en-US" altLang="en-US" sz="1400" dirty="0">
+                <a:latin typeface="Arial" panose="020B0604020202020204" pitchFamily="34" charset="0"/>
+                <a:cs typeface="Arial" panose="020B0604020202020204" pitchFamily="34" charset="0"/>
+              </a:rPr>
+              <a:t>that </a:t>
             </a:r>
           </a:p>
           <a:p>
@@ -15438,8 +15475,8 @@
         </p:nvSpPr>
         <p:spPr bwMode="auto">
           <a:xfrm>
-            <a:off x="3982165" y="3340299"/>
-            <a:ext cx="2909771" cy="738664"/>
+            <a:off x="4475172" y="3340299"/>
+            <a:ext cx="3120150" cy="738664"/>
           </a:xfrm>
           <a:prstGeom prst="rect">
             <a:avLst/>
@@ -15476,7 +15513,52 @@
                 <a:latin typeface="Arial" panose="020B0604020202020204" pitchFamily="34" charset="0"/>
                 <a:cs typeface="Arial" panose="020B0604020202020204" pitchFamily="34" charset="0"/>
               </a:rPr>
-              <a:t>(starts a coroutine that </a:t>
+              <a:t>(starts a </a:t>
+            </a:r>
+            <a:r>
+              <a:rPr lang="en-GB" sz="1400" dirty="0" err="1">
+                <a:solidFill>
+                  <a:srgbClr val="C00000"/>
+                </a:solidFill>
+              </a:rPr>
+              <a:t>sensorObserver</a:t>
+            </a:r>
+            <a:r>
+              <a:rPr lang="en-GB" sz="1400" u="sng" dirty="0">
+                <a:solidFill>
+                  <a:srgbClr val="C00000"/>
+                </a:solidFill>
+              </a:rPr>
+              <a:t> </a:t>
+            </a:r>
+            <a:r>
+              <a:rPr lang="en-GB" sz="1400" u="sng" dirty="0" smtClean="0">
+                <a:solidFill>
+                  <a:srgbClr val="C00000"/>
+                </a:solidFill>
+              </a:rPr>
+              <a:t> </a:t>
+            </a:r>
+            <a:r>
+              <a:rPr lang="en-US" altLang="en-US" sz="1400" dirty="0" err="1" smtClean="0">
+                <a:latin typeface="Arial" panose="020B0604020202020204" pitchFamily="34" charset="0"/>
+                <a:cs typeface="Arial" panose="020B0604020202020204" pitchFamily="34" charset="0"/>
+              </a:rPr>
+              <a:t>coroutine</a:t>
+            </a:r>
+            <a:r>
+              <a:rPr lang="en-US" altLang="en-US" sz="1400" dirty="0" smtClean="0">
+                <a:latin typeface="Arial" panose="020B0604020202020204" pitchFamily="34" charset="0"/>
+                <a:cs typeface="Arial" panose="020B0604020202020204" pitchFamily="34" charset="0"/>
+              </a:rPr>
+              <a:t> </a:t>
+            </a:r>
+            <a:r>
+              <a:rPr lang="en-US" altLang="en-US" sz="1400" dirty="0">
+                <a:latin typeface="Arial" panose="020B0604020202020204" pitchFamily="34" charset="0"/>
+                <a:cs typeface="Arial" panose="020B0604020202020204" pitchFamily="34" charset="0"/>
+              </a:rPr>
+              <a:t>that </a:t>
             </a:r>
           </a:p>
           <a:p>
@@ -18377,21 +18459,69 @@
       </p:sp>
       <p:sp>
         <p:nvSpPr>
-          <p:cNvPr id="4" name="Ovale 3"/>
+          <p:cNvPr id="47" name="Rettangolo 46"/>
           <p:cNvSpPr/>
           <p:nvPr/>
         </p:nvSpPr>
         <p:spPr>
           <a:xfrm>
-            <a:off x="1619672" y="1268760"/>
-            <a:ext cx="720080" cy="648072"/>
+            <a:off x="782040" y="2196082"/>
+            <a:ext cx="2232248" cy="2140496"/>
+          </a:xfrm>
+          <a:prstGeom prst="rect">
+            <a:avLst/>
+          </a:prstGeom>
+          <a:solidFill>
+            <a:schemeClr val="bg1"/>
+          </a:solidFill>
+          <a:ln>
+            <a:solidFill>
+              <a:srgbClr val="00B050"/>
+            </a:solidFill>
+          </a:ln>
+        </p:spPr>
+        <p:style>
+          <a:lnRef idx="2">
+            <a:schemeClr val="accent1">
+              <a:shade val="50000"/>
+            </a:schemeClr>
+          </a:lnRef>
+          <a:fillRef idx="1">
+            <a:schemeClr val="accent1"/>
+          </a:fillRef>
+          <a:effectRef idx="0">
+            <a:schemeClr val="accent1"/>
+          </a:effectRef>
+          <a:fontRef idx="minor">
+            <a:schemeClr val="lt1"/>
+          </a:fontRef>
+        </p:style>
+        <p:txBody>
+          <a:bodyPr rtlCol="0" anchor="ctr"/>
+          <a:lstStyle/>
+          <a:p>
+            <a:pPr algn="ctr"/>
+            <a:endParaRPr lang="en-GB"/>
+          </a:p>
+        </p:txBody>
+      </p:sp>
+      <p:sp>
+        <p:nvSpPr>
+          <p:cNvPr id="58" name="Ovale 57"/>
+          <p:cNvSpPr/>
+          <p:nvPr/>
+        </p:nvSpPr>
+        <p:spPr>
+          <a:xfrm>
+            <a:off x="1142080" y="4166431"/>
+            <a:ext cx="68456" cy="76254"/>
           </a:xfrm>
           <a:prstGeom prst="ellipse">
             <a:avLst/>
           </a:prstGeom>
           <a:ln>
             <a:solidFill>
-              <a:srgbClr val="0070C0"/>
+              <a:schemeClr val="bg1"/>
             </a:solidFill>
           </a:ln>
         </p:spPr>
@@ -18414,73 +18544,28 @@
           <a:lstStyle/>
           <a:p>
             <a:pPr algn="ctr"/>
-            <a:r>
-              <a:rPr lang="it-IT" dirty="0" err="1" smtClean="0"/>
-              <a:t>Init</a:t>
-            </a:r>
             <a:endParaRPr lang="en-GB" dirty="0"/>
           </a:p>
         </p:txBody>
       </p:sp>
       <p:sp>
         <p:nvSpPr>
-          <p:cNvPr id="5" name="Ovale 4"/>
+          <p:cNvPr id="59" name="Ovale 58"/>
           <p:cNvSpPr/>
           <p:nvPr/>
         </p:nvSpPr>
         <p:spPr>
           <a:xfrm>
-            <a:off x="1475656" y="1503454"/>
-            <a:ext cx="144016" cy="178684"/>
-          </a:xfrm>
-          <a:prstGeom prst="ellipse">
-            <a:avLst/>
-          </a:prstGeom>
-        </p:spPr>
-        <p:style>
-          <a:lnRef idx="2">
-            <a:schemeClr val="accent1">
-              <a:shade val="50000"/>
-            </a:schemeClr>
-          </a:lnRef>
-          <a:fillRef idx="1">
-            <a:schemeClr val="accent1"/>
-          </a:fillRef>
-          <a:effectRef idx="0">
-            <a:schemeClr val="accent1"/>
-          </a:effectRef>
-          <a:fontRef idx="minor">
-            <a:schemeClr val="lt1"/>
-          </a:fontRef>
-        </p:style>
-        <p:txBody>
-          <a:bodyPr rtlCol="0" anchor="ctr"/>
-          <a:lstStyle/>
-          <a:p>
-            <a:pPr algn="ctr"/>
-            <a:endParaRPr lang="en-GB"/>
-          </a:p>
-        </p:txBody>
-      </p:sp>
-      <p:sp>
-        <p:nvSpPr>
-          <p:cNvPr id="8" name="Ovale 7"/>
-          <p:cNvSpPr/>
-          <p:nvPr/>
-        </p:nvSpPr>
-        <p:spPr>
-          <a:xfrm>
-            <a:off x="3347864" y="1262410"/>
-            <a:ext cx="1296144" cy="648072"/>
+            <a:off x="1849093" y="4166431"/>
+            <a:ext cx="68456" cy="76254"/>
           </a:xfrm>
           <a:prstGeom prst="ellipse">
             <a:avLst/>
           </a:prstGeom>
           <a:ln>
             <a:solidFill>
-              <a:srgbClr val="0070C0"/>
+              <a:schemeClr val="bg1"/>
             </a:solidFill>
-            <a:prstDash val="dash"/>
           </a:ln>
         </p:spPr>
         <p:style>
@@ -18502,120 +18587,27 @@
           <a:lstStyle/>
           <a:p>
             <a:pPr algn="ctr"/>
-            <a:r>
-              <a:rPr lang="it-IT" dirty="0" err="1" smtClean="0"/>
-              <a:t>Explore</a:t>
-            </a:r>
             <a:endParaRPr lang="en-GB" dirty="0"/>
           </a:p>
         </p:txBody>
       </p:sp>
-      <p:cxnSp>
-        <p:nvCxnSpPr>
-          <p:cNvPr id="16" name="Connettore 4 15"/>
-          <p:cNvCxnSpPr>
-            <a:stCxn id="8" idx="4"/>
-            <a:endCxn id="4" idx="5"/>
-          </p:cNvCxnSpPr>
-          <p:nvPr/>
-        </p:nvCxnSpPr>
-        <p:spPr>
-          <a:xfrm rot="5400000" flipH="1">
-            <a:off x="3070839" y="985385"/>
-            <a:ext cx="88558" cy="1761637"/>
-          </a:xfrm>
-          <a:prstGeom prst="bentConnector3">
-            <a:avLst>
-              <a:gd name="adj1" fmla="val -265306"/>
-            </a:avLst>
-          </a:prstGeom>
-          <a:ln>
-            <a:solidFill>
-              <a:srgbClr val="002060"/>
-            </a:solidFill>
-            <a:prstDash val="dash"/>
-            <a:tailEnd type="arrow"/>
-          </a:ln>
-        </p:spPr>
-        <p:style>
-          <a:lnRef idx="1">
-            <a:schemeClr val="accent1"/>
-          </a:lnRef>
-          <a:fillRef idx="0">
-            <a:schemeClr val="accent1"/>
-          </a:fillRef>
-          <a:effectRef idx="0">
-            <a:schemeClr val="accent1"/>
-          </a:effectRef>
-          <a:fontRef idx="minor">
-            <a:schemeClr val="tx1"/>
-          </a:fontRef>
-        </p:style>
-      </p:cxnSp>
-      <p:sp>
-        <p:nvSpPr>
-          <p:cNvPr id="17" name="Rectangle 5">
-            <a:extLst>
-              <a:ext uri="{FF2B5EF4-FFF2-40B4-BE49-F238E27FC236}">
-                <a16:creationId xmlns:a16="http://schemas.microsoft.com/office/drawing/2014/main" xmlns="" id="{9529310F-209D-4FC3-82E8-EEC7E3A85851}"/>
-              </a:ext>
-            </a:extLst>
-          </p:cNvPr>
-          <p:cNvSpPr>
-            <a:spLocks noChangeArrowheads="1"/>
-          </p:cNvSpPr>
-          <p:nvPr/>
-        </p:nvSpPr>
-        <p:spPr bwMode="auto">
-          <a:xfrm>
-            <a:off x="2772397" y="2227523"/>
-            <a:ext cx="760144" cy="307777"/>
-          </a:xfrm>
-          <a:prstGeom prst="rect">
-            <a:avLst/>
-          </a:prstGeom>
-          <a:noFill/>
-        </p:spPr>
-        <p:txBody>
-          <a:bodyPr wrap="none" rtlCol="0">
-            <a:spAutoFit/>
-          </a:bodyPr>
-          <a:lstStyle/>
-          <a:p>
-            <a:r>
-              <a:rPr lang="en-US" altLang="en-US" sz="1400" dirty="0">
-                <a:latin typeface="Symbol" panose="05050102010706020507" pitchFamily="18" charset="2"/>
-                <a:cs typeface="Arial" panose="020B0604020202020204" pitchFamily="34" charset="0"/>
-              </a:rPr>
-              <a:t>e</a:t>
-            </a:r>
-            <a:r>
-              <a:rPr lang="en-US" altLang="en-US" sz="1400" dirty="0">
-                <a:latin typeface="Arial" panose="020B0604020202020204" pitchFamily="34" charset="0"/>
-                <a:cs typeface="Arial" panose="020B0604020202020204" pitchFamily="34" charset="0"/>
-              </a:rPr>
-              <a:t>-move</a:t>
-            </a:r>
-          </a:p>
-        </p:txBody>
-      </p:sp>
-      <p:sp>
-        <p:nvSpPr>
-          <p:cNvPr id="22" name="Ovale 21"/>
+      <p:sp>
+        <p:nvSpPr>
+          <p:cNvPr id="60" name="Ovale 59"/>
           <p:cNvSpPr/>
           <p:nvPr/>
         </p:nvSpPr>
         <p:spPr>
           <a:xfrm>
-            <a:off x="5652120" y="754822"/>
-            <a:ext cx="936104" cy="648072"/>
+            <a:off x="1846924" y="2296157"/>
+            <a:ext cx="68456" cy="76254"/>
           </a:xfrm>
           <a:prstGeom prst="ellipse">
             <a:avLst/>
           </a:prstGeom>
           <a:ln>
             <a:solidFill>
-              <a:srgbClr val="0070C0"/>
+              <a:schemeClr val="bg1"/>
             </a:solidFill>
           </a:ln>
         </p:spPr>
@@ -18638,140 +18630,27 @@
           <a:lstStyle/>
           <a:p>
             <a:pPr algn="ctr"/>
-            <a:r>
-              <a:rPr lang="it-IT" dirty="0" err="1" smtClean="0"/>
-              <a:t>Step</a:t>
-            </a:r>
             <a:endParaRPr lang="en-GB" dirty="0"/>
           </a:p>
         </p:txBody>
       </p:sp>
-      <p:cxnSp>
-        <p:nvCxnSpPr>
-          <p:cNvPr id="23" name="Connettore 4 22"/>
-          <p:cNvCxnSpPr>
-            <a:stCxn id="22" idx="0"/>
-            <a:endCxn id="22" idx="1"/>
-          </p:cNvCxnSpPr>
-          <p:nvPr/>
-        </p:nvCxnSpPr>
-        <p:spPr>
-          <a:xfrm rot="16200000" flipH="1" flipV="1">
-            <a:off x="5907237" y="636794"/>
-            <a:ext cx="94908" cy="330963"/>
-          </a:xfrm>
-          <a:prstGeom prst="bentConnector3">
-            <a:avLst>
-              <a:gd name="adj1" fmla="val -240865"/>
-            </a:avLst>
-          </a:prstGeom>
-          <a:ln>
-            <a:solidFill>
-              <a:srgbClr val="002060"/>
-            </a:solidFill>
-            <a:tailEnd type="arrow"/>
-          </a:ln>
-        </p:spPr>
-        <p:style>
-          <a:lnRef idx="1">
-            <a:schemeClr val="accent1"/>
-          </a:lnRef>
-          <a:fillRef idx="0">
-            <a:schemeClr val="accent1"/>
-          </a:fillRef>
-          <a:effectRef idx="0">
-            <a:schemeClr val="accent1"/>
-          </a:effectRef>
-          <a:fontRef idx="minor">
-            <a:schemeClr val="tx1"/>
-          </a:fontRef>
-        </p:style>
-      </p:cxnSp>
-      <p:cxnSp>
-        <p:nvCxnSpPr>
-          <p:cNvPr id="27" name="Connettore 2 26"/>
-          <p:cNvCxnSpPr>
-            <a:stCxn id="4" idx="6"/>
-            <a:endCxn id="8" idx="2"/>
-          </p:cNvCxnSpPr>
-          <p:nvPr/>
-        </p:nvCxnSpPr>
-        <p:spPr>
-          <a:xfrm flipV="1">
-            <a:off x="2339752" y="1586446"/>
-            <a:ext cx="1008112" cy="6350"/>
-          </a:xfrm>
-          <a:prstGeom prst="straightConnector1">
-            <a:avLst/>
-          </a:prstGeom>
-          <a:ln>
-            <a:solidFill>
-              <a:srgbClr val="002060"/>
-            </a:solidFill>
-            <a:tailEnd type="arrow"/>
-          </a:ln>
-        </p:spPr>
-        <p:style>
-          <a:lnRef idx="1">
-            <a:schemeClr val="accent1"/>
-          </a:lnRef>
-          <a:fillRef idx="0">
-            <a:schemeClr val="accent1"/>
-          </a:fillRef>
-          <a:effectRef idx="0">
-            <a:schemeClr val="accent1"/>
-          </a:effectRef>
-          <a:fontRef idx="minor">
-            <a:schemeClr val="tx1"/>
-          </a:fontRef>
-        </p:style>
-      </p:cxnSp>
-      <p:sp>
-        <p:nvSpPr>
-          <p:cNvPr id="29" name="Rettangolo 28"/>
+      <p:sp>
+        <p:nvSpPr>
+          <p:cNvPr id="61" name="Ovale 60"/>
           <p:cNvSpPr/>
           <p:nvPr/>
         </p:nvSpPr>
         <p:spPr>
           <a:xfrm>
-            <a:off x="5479963" y="115399"/>
-            <a:ext cx="933269" cy="369332"/>
-          </a:xfrm>
-          <a:prstGeom prst="rect">
-            <a:avLst/>
-          </a:prstGeom>
-        </p:spPr>
-        <p:txBody>
-          <a:bodyPr wrap="none">
-            <a:spAutoFit/>
-          </a:bodyPr>
-          <a:lstStyle/>
-          <a:p>
-            <a:r>
-              <a:rPr lang="en-GB" dirty="0" err="1"/>
-              <a:t>stepdone</a:t>
-            </a:r>
-            <a:endParaRPr lang="en-GB" dirty="0"/>
-          </a:p>
-        </p:txBody>
-      </p:sp>
-      <p:sp>
-        <p:nvSpPr>
-          <p:cNvPr id="32" name="Ovale 31"/>
-          <p:cNvSpPr/>
-          <p:nvPr/>
-        </p:nvSpPr>
-        <p:spPr>
-          <a:xfrm>
-            <a:off x="5572392" y="1811138"/>
-            <a:ext cx="1108260" cy="648072"/>
+            <a:off x="2641181" y="2294223"/>
+            <a:ext cx="68456" cy="76254"/>
           </a:xfrm>
           <a:prstGeom prst="ellipse">
             <a:avLst/>
           </a:prstGeom>
           <a:ln>
             <a:solidFill>
-              <a:srgbClr val="0070C0"/>
+              <a:schemeClr val="bg1"/>
             </a:solidFill>
           </a:ln>
         </p:spPr>
@@ -18794,35 +18673,68 @@
           <a:lstStyle/>
           <a:p>
             <a:pPr algn="ctr"/>
-            <a:r>
-              <a:rPr lang="it-IT" dirty="0" smtClean="0"/>
-              <a:t>Rotate</a:t>
-            </a:r>
             <a:endParaRPr lang="en-GB" dirty="0"/>
           </a:p>
         </p:txBody>
       </p:sp>
-      <p:cxnSp>
-        <p:nvCxnSpPr>
-          <p:cNvPr id="34" name="Connettore 4 33"/>
-          <p:cNvCxnSpPr>
-            <a:stCxn id="22" idx="4"/>
-            <a:endCxn id="32" idx="0"/>
-          </p:cNvCxnSpPr>
-          <p:nvPr/>
-        </p:nvCxnSpPr>
-        <p:spPr>
-          <a:xfrm rot="16200000" flipH="1">
-            <a:off x="5919225" y="1603841"/>
-            <a:ext cx="408244" cy="6350"/>
-          </a:xfrm>
-          <a:prstGeom prst="bentConnector3">
+      <p:sp>
+        <p:nvSpPr>
+          <p:cNvPr id="64" name="Ovale 63"/>
+          <p:cNvSpPr/>
+          <p:nvPr/>
+        </p:nvSpPr>
+        <p:spPr>
+          <a:xfrm>
+            <a:off x="2658194" y="4166430"/>
+            <a:ext cx="68456" cy="76254"/>
+          </a:xfrm>
+          <a:prstGeom prst="ellipse">
             <a:avLst/>
           </a:prstGeom>
           <a:ln>
             <a:solidFill>
-              <a:srgbClr val="002060"/>
+              <a:schemeClr val="bg1"/>
             </a:solidFill>
+          </a:ln>
+        </p:spPr>
+        <p:style>
+          <a:lnRef idx="2">
+            <a:schemeClr val="accent2"/>
+          </a:lnRef>
+          <a:fillRef idx="1">
+            <a:schemeClr val="lt1"/>
+          </a:fillRef>
+          <a:effectRef idx="0">
+            <a:schemeClr val="accent2"/>
+          </a:effectRef>
+          <a:fontRef idx="minor">
+            <a:schemeClr val="dk1"/>
+          </a:fontRef>
+        </p:style>
+        <p:txBody>
+          <a:bodyPr rtlCol="0" anchor="ctr"/>
+          <a:lstStyle/>
+          <a:p>
+            <a:pPr algn="ctr"/>
+            <a:endParaRPr lang="en-GB" dirty="0"/>
+          </a:p>
+        </p:txBody>
+      </p:sp>
+      <p:cxnSp>
+        <p:nvCxnSpPr>
+          <p:cNvPr id="65" name="Connettore 2 64"/>
+          <p:cNvCxnSpPr/>
+          <p:nvPr/>
+        </p:nvCxnSpPr>
+        <p:spPr>
+          <a:xfrm flipH="1">
+            <a:off x="982935" y="2543400"/>
+            <a:ext cx="14844" cy="1623031"/>
+          </a:xfrm>
+          <a:prstGeom prst="straightConnector1">
+            <a:avLst/>
+          </a:prstGeom>
+          <a:ln>
             <a:tailEnd type="arrow"/>
           </a:ln>
         </p:spPr>
@@ -18841,44 +18753,48 @@
           </a:fontRef>
         </p:style>
       </p:cxnSp>
-      <p:sp>
-        <p:nvSpPr>
-          <p:cNvPr id="36" name="Rettangolo 35"/>
-          <p:cNvSpPr/>
-          <p:nvPr/>
-        </p:nvSpPr>
-        <p:spPr>
-          <a:xfrm>
-            <a:off x="5267911" y="1402894"/>
-            <a:ext cx="775020" cy="369332"/>
-          </a:xfrm>
-          <a:prstGeom prst="rect">
+      <p:cxnSp>
+        <p:nvCxnSpPr>
+          <p:cNvPr id="71" name="Connettore 2 70"/>
+          <p:cNvCxnSpPr/>
+          <p:nvPr/>
+        </p:nvCxnSpPr>
+        <p:spPr>
+          <a:xfrm>
+            <a:off x="982935" y="4204558"/>
+            <a:ext cx="1860873" cy="0"/>
+          </a:xfrm>
+          <a:prstGeom prst="straightConnector1">
             <a:avLst/>
           </a:prstGeom>
-        </p:spPr>
-        <p:txBody>
-          <a:bodyPr wrap="none">
-            <a:spAutoFit/>
-          </a:bodyPr>
-          <a:lstStyle/>
-          <a:p>
-            <a:r>
-              <a:rPr lang="en-GB" dirty="0" err="1"/>
-              <a:t>stepfail</a:t>
-            </a:r>
-            <a:endParaRPr lang="en-GB" dirty="0"/>
-          </a:p>
-        </p:txBody>
-      </p:sp>
-      <p:sp>
-        <p:nvSpPr>
-          <p:cNvPr id="37" name="Rettangolo 36"/>
+          <a:ln>
+            <a:tailEnd type="arrow"/>
+          </a:ln>
+        </p:spPr>
+        <p:style>
+          <a:lnRef idx="1">
+            <a:schemeClr val="accent1"/>
+          </a:lnRef>
+          <a:fillRef idx="0">
+            <a:schemeClr val="accent1"/>
+          </a:fillRef>
+          <a:effectRef idx="0">
+            <a:schemeClr val="accent1"/>
+          </a:effectRef>
+          <a:fontRef idx="minor">
+            <a:schemeClr val="tx1"/>
+          </a:fontRef>
+        </p:style>
+      </p:cxnSp>
+      <p:sp>
+        <p:nvSpPr>
+          <p:cNvPr id="75" name="Rettangolo 74"/>
           <p:cNvSpPr/>
           <p:nvPr/>
         </p:nvSpPr>
         <p:spPr>
           <a:xfrm>
-            <a:off x="1636888" y="3737034"/>
+            <a:off x="6372200" y="249015"/>
             <a:ext cx="2232248" cy="2140496"/>
           </a:xfrm>
           <a:prstGeom prst="rect">
@@ -18920,13 +18836,13 @@
       </p:sp>
       <p:cxnSp>
         <p:nvCxnSpPr>
-          <p:cNvPr id="39" name="Connettore 1 38"/>
+          <p:cNvPr id="76" name="Connettore 1 75"/>
           <p:cNvCxnSpPr/>
           <p:nvPr/>
         </p:nvCxnSpPr>
         <p:spPr>
           <a:xfrm>
-            <a:off x="2406039" y="3737034"/>
+            <a:off x="7141351" y="249015"/>
             <a:ext cx="0" cy="2140496"/>
           </a:xfrm>
           <a:prstGeom prst="line">
@@ -18960,13 +18876,13 @@
       </p:cxnSp>
       <p:cxnSp>
         <p:nvCxnSpPr>
-          <p:cNvPr id="40" name="Connettore 1 39"/>
+          <p:cNvPr id="77" name="Connettore 1 76"/>
           <p:cNvCxnSpPr/>
           <p:nvPr/>
         </p:nvCxnSpPr>
         <p:spPr>
           <a:xfrm>
-            <a:off x="3146920" y="3737034"/>
+            <a:off x="7882232" y="249015"/>
             <a:ext cx="0" cy="2140496"/>
           </a:xfrm>
           <a:prstGeom prst="line">
@@ -19000,13 +18916,13 @@
       </p:cxnSp>
       <p:cxnSp>
         <p:nvCxnSpPr>
-          <p:cNvPr id="44" name="Connettore 1 43"/>
+          <p:cNvPr id="78" name="Connettore 1 77"/>
           <p:cNvCxnSpPr/>
           <p:nvPr/>
         </p:nvCxnSpPr>
         <p:spPr>
           <a:xfrm>
-            <a:off x="1636888" y="4483246"/>
+            <a:off x="6372200" y="995227"/>
             <a:ext cx="2232248" cy="0"/>
           </a:xfrm>
           <a:prstGeom prst="line">
@@ -19040,13 +18956,13 @@
       </p:cxnSp>
       <p:cxnSp>
         <p:nvCxnSpPr>
-          <p:cNvPr id="45" name="Connettore 1 44"/>
+          <p:cNvPr id="79" name="Connettore 1 78"/>
           <p:cNvCxnSpPr/>
           <p:nvPr/>
         </p:nvCxnSpPr>
         <p:spPr>
           <a:xfrm>
-            <a:off x="1636888" y="5203326"/>
+            <a:off x="6372200" y="1715307"/>
             <a:ext cx="2232248" cy="0"/>
           </a:xfrm>
           <a:prstGeom prst="line">
@@ -19080,13 +18996,13 @@
       </p:cxnSp>
       <p:sp>
         <p:nvSpPr>
-          <p:cNvPr id="46" name="Ovale 45"/>
+          <p:cNvPr id="80" name="Ovale 79"/>
           <p:cNvSpPr/>
           <p:nvPr/>
         </p:nvSpPr>
         <p:spPr>
           <a:xfrm>
-            <a:off x="1671116" y="3762611"/>
+            <a:off x="6406428" y="274592"/>
             <a:ext cx="720080" cy="648072"/>
           </a:xfrm>
           <a:prstGeom prst="ellipse">
@@ -19126,13 +19042,13 @@
       </p:sp>
       <p:sp>
         <p:nvSpPr>
-          <p:cNvPr id="49" name="Ovale 48"/>
+          <p:cNvPr id="81" name="Ovale 80"/>
           <p:cNvSpPr/>
           <p:nvPr/>
         </p:nvSpPr>
         <p:spPr>
           <a:xfrm>
-            <a:off x="1996928" y="5707383"/>
+            <a:off x="6732240" y="2219364"/>
             <a:ext cx="68456" cy="76254"/>
           </a:xfrm>
           <a:prstGeom prst="ellipse">
@@ -19169,13 +19085,13 @@
       </p:sp>
       <p:sp>
         <p:nvSpPr>
-          <p:cNvPr id="50" name="Ovale 49"/>
+          <p:cNvPr id="82" name="Ovale 81"/>
           <p:cNvSpPr/>
           <p:nvPr/>
         </p:nvSpPr>
         <p:spPr>
           <a:xfrm>
-            <a:off x="2703941" y="5707383"/>
+            <a:off x="7439253" y="2219364"/>
             <a:ext cx="68456" cy="76254"/>
           </a:xfrm>
           <a:prstGeom prst="ellipse">
@@ -19212,13 +19128,13 @@
       </p:sp>
       <p:sp>
         <p:nvSpPr>
-          <p:cNvPr id="51" name="Ovale 50"/>
+          <p:cNvPr id="83" name="Ovale 82"/>
           <p:cNvSpPr/>
           <p:nvPr/>
         </p:nvSpPr>
         <p:spPr>
           <a:xfrm>
-            <a:off x="2701772" y="3837109"/>
+            <a:off x="7437084" y="349090"/>
             <a:ext cx="68456" cy="76254"/>
           </a:xfrm>
           <a:prstGeom prst="ellipse">
@@ -19255,13 +19171,13 @@
       </p:sp>
       <p:sp>
         <p:nvSpPr>
-          <p:cNvPr id="52" name="Ovale 51"/>
+          <p:cNvPr id="84" name="Ovale 83"/>
           <p:cNvSpPr/>
           <p:nvPr/>
         </p:nvSpPr>
         <p:spPr>
           <a:xfrm>
-            <a:off x="3496029" y="3835175"/>
+            <a:off x="8231341" y="347156"/>
             <a:ext cx="68456" cy="76254"/>
           </a:xfrm>
           <a:prstGeom prst="ellipse">
@@ -19298,13 +19214,13 @@
       </p:sp>
       <p:sp>
         <p:nvSpPr>
-          <p:cNvPr id="53" name="Ovale 52"/>
+          <p:cNvPr id="85" name="Ovale 84"/>
           <p:cNvSpPr/>
           <p:nvPr/>
         </p:nvSpPr>
         <p:spPr>
           <a:xfrm>
-            <a:off x="3513042" y="5707382"/>
+            <a:off x="8248354" y="2219363"/>
             <a:ext cx="68456" cy="76254"/>
           </a:xfrm>
           <a:prstGeom prst="ellipse">
@@ -19341,15 +19257,15 @@
       </p:sp>
       <p:cxnSp>
         <p:nvCxnSpPr>
-          <p:cNvPr id="62" name="Connettore 2 61"/>
+          <p:cNvPr id="86" name="Connettore 2 85"/>
           <p:cNvCxnSpPr>
-            <a:endCxn id="49" idx="0"/>
+            <a:endCxn id="81" idx="0"/>
           </p:cNvCxnSpPr>
           <p:nvPr/>
         </p:nvCxnSpPr>
         <p:spPr>
           <a:xfrm flipH="1">
-            <a:off x="2031156" y="4554699"/>
+            <a:off x="6766468" y="1066680"/>
             <a:ext cx="14844" cy="1152684"/>
           </a:xfrm>
           <a:prstGeom prst="straightConnector1">
@@ -19376,15 +19292,15 @@
       </p:cxnSp>
       <p:cxnSp>
         <p:nvCxnSpPr>
-          <p:cNvPr id="63" name="Connettore 2 62"/>
+          <p:cNvPr id="87" name="Connettore 2 86"/>
           <p:cNvCxnSpPr>
-            <a:stCxn id="50" idx="0"/>
+            <a:stCxn id="82" idx="0"/>
           </p:cNvCxnSpPr>
           <p:nvPr/>
         </p:nvCxnSpPr>
         <p:spPr>
           <a:xfrm flipV="1">
-            <a:off x="2738169" y="3913363"/>
+            <a:off x="7473481" y="425344"/>
             <a:ext cx="7422" cy="1794020"/>
           </a:xfrm>
           <a:prstGeom prst="straightConnector1">
@@ -19411,15 +19327,15 @@
       </p:cxnSp>
       <p:cxnSp>
         <p:nvCxnSpPr>
-          <p:cNvPr id="66" name="Connettore 2 65"/>
+          <p:cNvPr id="88" name="Connettore 2 87"/>
           <p:cNvCxnSpPr>
-            <a:endCxn id="53" idx="0"/>
+            <a:endCxn id="85" idx="0"/>
           </p:cNvCxnSpPr>
           <p:nvPr/>
         </p:nvCxnSpPr>
         <p:spPr>
           <a:xfrm>
-            <a:off x="3547270" y="3913363"/>
+            <a:off x="8282582" y="425344"/>
             <a:ext cx="0" cy="1794019"/>
           </a:xfrm>
           <a:prstGeom prst="straightConnector1">
@@ -19446,15 +19362,15 @@
       </p:cxnSp>
       <p:cxnSp>
         <p:nvCxnSpPr>
-          <p:cNvPr id="69" name="Connettore 2 68"/>
+          <p:cNvPr id="89" name="Connettore 2 88"/>
           <p:cNvCxnSpPr>
-            <a:stCxn id="49" idx="6"/>
+            <a:stCxn id="81" idx="6"/>
           </p:cNvCxnSpPr>
           <p:nvPr/>
         </p:nvCxnSpPr>
         <p:spPr>
           <a:xfrm flipV="1">
-            <a:off x="2065384" y="5745509"/>
+            <a:off x="6800696" y="2257490"/>
             <a:ext cx="636388" cy="1"/>
           </a:xfrm>
           <a:prstGeom prst="straightConnector1">
@@ -19481,16 +19397,16 @@
       </p:cxnSp>
       <p:cxnSp>
         <p:nvCxnSpPr>
-          <p:cNvPr id="70" name="Connettore 2 69"/>
+          <p:cNvPr id="90" name="Connettore 2 89"/>
           <p:cNvCxnSpPr>
-            <a:stCxn id="51" idx="6"/>
-            <a:endCxn id="52" idx="2"/>
+            <a:stCxn id="83" idx="6"/>
+            <a:endCxn id="84" idx="2"/>
           </p:cNvCxnSpPr>
           <p:nvPr/>
         </p:nvCxnSpPr>
         <p:spPr>
           <a:xfrm flipV="1">
-            <a:off x="2770228" y="3873302"/>
+            <a:off x="7505540" y="385283"/>
             <a:ext cx="725801" cy="1934"/>
           </a:xfrm>
           <a:prstGeom prst="straightConnector1">
@@ -19517,15 +19433,15 @@
       </p:cxnSp>
       <p:cxnSp>
         <p:nvCxnSpPr>
-          <p:cNvPr id="72" name="Connettore 2 71"/>
+          <p:cNvPr id="91" name="Connettore 2 90"/>
           <p:cNvCxnSpPr>
-            <a:stCxn id="53" idx="6"/>
+            <a:stCxn id="85" idx="6"/>
           </p:cNvCxnSpPr>
           <p:nvPr/>
         </p:nvCxnSpPr>
         <p:spPr>
           <a:xfrm>
-            <a:off x="3581498" y="5745509"/>
+            <a:off x="8316810" y="2257490"/>
             <a:ext cx="232643" cy="1"/>
           </a:xfrm>
           <a:prstGeom prst="straightConnector1">
@@ -19533,6 +19449,85 @@
           </a:prstGeom>
           <a:ln>
             <a:prstDash val="dash"/>
+            <a:tailEnd type="arrow"/>
+          </a:ln>
+        </p:spPr>
+        <p:style>
+          <a:lnRef idx="1">
+            <a:schemeClr val="accent1"/>
+          </a:lnRef>
+          <a:fillRef idx="0">
+            <a:schemeClr val="accent1"/>
+          </a:fillRef>
+          <a:effectRef idx="0">
+            <a:schemeClr val="accent1"/>
+          </a:effectRef>
+          <a:fontRef idx="minor">
+            <a:schemeClr val="tx1"/>
+          </a:fontRef>
+        </p:style>
+      </p:cxnSp>
+      <p:sp>
+        <p:nvSpPr>
+          <p:cNvPr id="92" name="Ovale 91"/>
+          <p:cNvSpPr/>
+          <p:nvPr/>
+        </p:nvSpPr>
+        <p:spPr>
+          <a:xfrm>
+            <a:off x="831112" y="2219364"/>
+            <a:ext cx="360040" cy="324036"/>
+          </a:xfrm>
+          <a:prstGeom prst="ellipse">
+            <a:avLst/>
+          </a:prstGeom>
+          <a:solidFill>
+            <a:srgbClr val="33CCCC"/>
+          </a:solidFill>
+          <a:ln/>
+        </p:spPr>
+        <p:style>
+          <a:lnRef idx="2">
+            <a:schemeClr val="accent4"/>
+          </a:lnRef>
+          <a:fillRef idx="1">
+            <a:schemeClr val="lt1"/>
+          </a:fillRef>
+          <a:effectRef idx="0">
+            <a:schemeClr val="accent4"/>
+          </a:effectRef>
+          <a:fontRef idx="minor">
+            <a:schemeClr val="dk1"/>
+          </a:fontRef>
+        </p:style>
+        <p:txBody>
+          <a:bodyPr rtlCol="0" anchor="ctr"/>
+          <a:lstStyle/>
+          <a:p>
+            <a:pPr algn="ctr"/>
+            <a:r>
+              <a:rPr lang="it-IT" sz="1100" dirty="0" smtClean="0"/>
+              <a:t>R</a:t>
+            </a:r>
+            <a:endParaRPr lang="en-GB" sz="1100" dirty="0"/>
+          </a:p>
+        </p:txBody>
+      </p:sp>
+      <p:cxnSp>
+        <p:nvCxnSpPr>
+          <p:cNvPr id="93" name="Connettore 2 92"/>
+          <p:cNvCxnSpPr/>
+          <p:nvPr/>
+        </p:nvCxnSpPr>
+        <p:spPr>
+          <a:xfrm flipV="1">
+            <a:off x="2836386" y="2332350"/>
+            <a:ext cx="7422" cy="1919575"/>
+          </a:xfrm>
+          <a:prstGeom prst="straightConnector1">
+            <a:avLst/>
+          </a:prstGeom>
+          <a:ln>
             <a:tailEnd type="arrow"/>
           </a:ln>
         </p:spPr>
@@ -19553,484 +19548,19 @@
       </p:cxnSp>
       <p:cxnSp>
         <p:nvCxnSpPr>
-          <p:cNvPr id="94" name="Connettore 1 93"/>
+          <p:cNvPr id="95" name="Connettore 2 94"/>
           <p:cNvCxnSpPr/>
           <p:nvPr/>
         </p:nvCxnSpPr>
         <p:spPr>
-          <a:xfrm>
-            <a:off x="4932040" y="345327"/>
-            <a:ext cx="0" cy="3011665"/>
-          </a:xfrm>
-          <a:prstGeom prst="line">
-            <a:avLst/>
-          </a:prstGeom>
-          <a:ln>
-            <a:solidFill>
-              <a:srgbClr val="C00000"/>
-            </a:solidFill>
-          </a:ln>
-        </p:spPr>
-        <p:style>
-          <a:lnRef idx="1">
-            <a:schemeClr val="accent1"/>
-          </a:lnRef>
-          <a:fillRef idx="0">
-            <a:schemeClr val="accent1"/>
-          </a:fillRef>
-          <a:effectRef idx="0">
-            <a:schemeClr val="accent1"/>
-          </a:effectRef>
-          <a:fontRef idx="minor">
-            <a:schemeClr val="tx1"/>
-          </a:fontRef>
-        </p:style>
-      </p:cxnSp>
-      <p:sp>
-        <p:nvSpPr>
-          <p:cNvPr id="98" name="Ovale 97"/>
-          <p:cNvSpPr/>
-          <p:nvPr/>
-        </p:nvSpPr>
-        <p:spPr>
-          <a:xfrm>
-            <a:off x="7164288" y="1817488"/>
-            <a:ext cx="1108260" cy="648072"/>
-          </a:xfrm>
-          <a:prstGeom prst="ellipse">
-            <a:avLst/>
-          </a:prstGeom>
-          <a:ln>
-            <a:solidFill>
-              <a:srgbClr val="0070C0"/>
-            </a:solidFill>
-          </a:ln>
-        </p:spPr>
-        <p:style>
-          <a:lnRef idx="2">
-            <a:schemeClr val="accent2"/>
-          </a:lnRef>
-          <a:fillRef idx="1">
-            <a:schemeClr val="lt1"/>
-          </a:fillRef>
-          <a:effectRef idx="0">
-            <a:schemeClr val="accent2"/>
-          </a:effectRef>
-          <a:fontRef idx="minor">
-            <a:schemeClr val="dk1"/>
-          </a:fontRef>
-        </p:style>
-        <p:txBody>
-          <a:bodyPr rtlCol="0" anchor="ctr"/>
-          <a:lstStyle/>
-          <a:p>
-            <a:pPr algn="ctr"/>
-            <a:r>
-              <a:rPr lang="it-IT" dirty="0" err="1" smtClean="0"/>
-              <a:t>Step</a:t>
-            </a:r>
-            <a:endParaRPr lang="en-GB" dirty="0"/>
-          </a:p>
-        </p:txBody>
-      </p:sp>
-      <p:cxnSp>
-        <p:nvCxnSpPr>
-          <p:cNvPr id="101" name="Connettore 2 100"/>
-          <p:cNvCxnSpPr>
-            <a:stCxn id="32" idx="6"/>
-            <a:endCxn id="98" idx="2"/>
-          </p:cNvCxnSpPr>
-          <p:nvPr/>
-        </p:nvCxnSpPr>
-        <p:spPr>
-          <a:xfrm>
-            <a:off x="6680652" y="2135174"/>
-            <a:ext cx="483636" cy="6350"/>
+          <a:xfrm flipH="1">
+            <a:off x="1217958" y="2318220"/>
+            <a:ext cx="1625850" cy="0"/>
           </a:xfrm>
           <a:prstGeom prst="straightConnector1">
             <a:avLst/>
           </a:prstGeom>
           <a:ln>
-            <a:solidFill>
-              <a:srgbClr val="002060"/>
-            </a:solidFill>
-            <a:tailEnd type="arrow"/>
-          </a:ln>
-        </p:spPr>
-        <p:style>
-          <a:lnRef idx="1">
-            <a:schemeClr val="accent1"/>
-          </a:lnRef>
-          <a:fillRef idx="0">
-            <a:schemeClr val="accent1"/>
-          </a:fillRef>
-          <a:effectRef idx="0">
-            <a:schemeClr val="accent1"/>
-          </a:effectRef>
-          <a:fontRef idx="minor">
-            <a:schemeClr val="tx1"/>
-          </a:fontRef>
-        </p:style>
-      </p:cxnSp>
-      <p:sp>
-        <p:nvSpPr>
-          <p:cNvPr id="102" name="Ovale 101"/>
-          <p:cNvSpPr/>
-          <p:nvPr/>
-        </p:nvSpPr>
-        <p:spPr>
-          <a:xfrm>
-            <a:off x="7174087" y="754822"/>
-            <a:ext cx="1108260" cy="648072"/>
-          </a:xfrm>
-          <a:prstGeom prst="ellipse">
-            <a:avLst/>
-          </a:prstGeom>
-          <a:ln>
-            <a:solidFill>
-              <a:srgbClr val="0070C0"/>
-            </a:solidFill>
-          </a:ln>
-        </p:spPr>
-        <p:style>
-          <a:lnRef idx="2">
-            <a:schemeClr val="accent2"/>
-          </a:lnRef>
-          <a:fillRef idx="1">
-            <a:schemeClr val="lt1"/>
-          </a:fillRef>
-          <a:effectRef idx="0">
-            <a:schemeClr val="accent2"/>
-          </a:effectRef>
-          <a:fontRef idx="minor">
-            <a:schemeClr val="dk1"/>
-          </a:fontRef>
-        </p:style>
-        <p:txBody>
-          <a:bodyPr rtlCol="0" anchor="ctr"/>
-          <a:lstStyle/>
-          <a:p>
-            <a:pPr algn="ctr"/>
-            <a:r>
-              <a:rPr lang="it-IT" dirty="0" smtClean="0"/>
-              <a:t>Rotate</a:t>
-            </a:r>
-            <a:endParaRPr lang="en-GB" dirty="0"/>
-          </a:p>
-        </p:txBody>
-      </p:sp>
-      <p:cxnSp>
-        <p:nvCxnSpPr>
-          <p:cNvPr id="103" name="Connettore 2 102"/>
-          <p:cNvCxnSpPr>
-            <a:stCxn id="98" idx="0"/>
-            <a:endCxn id="102" idx="4"/>
-          </p:cNvCxnSpPr>
-          <p:nvPr/>
-        </p:nvCxnSpPr>
-        <p:spPr>
-          <a:xfrm flipV="1">
-            <a:off x="7718418" y="1402894"/>
-            <a:ext cx="9799" cy="414594"/>
-          </a:xfrm>
-          <a:prstGeom prst="straightConnector1">
-            <a:avLst/>
-          </a:prstGeom>
-          <a:ln>
-            <a:solidFill>
-              <a:srgbClr val="002060"/>
-            </a:solidFill>
-            <a:tailEnd type="arrow"/>
-          </a:ln>
-        </p:spPr>
-        <p:style>
-          <a:lnRef idx="1">
-            <a:schemeClr val="accent1"/>
-          </a:lnRef>
-          <a:fillRef idx="0">
-            <a:schemeClr val="accent1"/>
-          </a:fillRef>
-          <a:effectRef idx="0">
-            <a:schemeClr val="accent1"/>
-          </a:effectRef>
-          <a:fontRef idx="minor">
-            <a:schemeClr val="tx1"/>
-          </a:fontRef>
-        </p:style>
-      </p:cxnSp>
-      <p:cxnSp>
-        <p:nvCxnSpPr>
-          <p:cNvPr id="108" name="Connettore 2 107"/>
-          <p:cNvCxnSpPr>
-            <a:stCxn id="102" idx="2"/>
-            <a:endCxn id="22" idx="6"/>
-          </p:cNvCxnSpPr>
-          <p:nvPr/>
-        </p:nvCxnSpPr>
-        <p:spPr>
-          <a:xfrm flipH="1">
-            <a:off x="6588224" y="1078858"/>
-            <a:ext cx="585863" cy="0"/>
-          </a:xfrm>
-          <a:prstGeom prst="straightConnector1">
-            <a:avLst/>
-          </a:prstGeom>
-          <a:ln>
-            <a:solidFill>
-              <a:srgbClr val="002060"/>
-            </a:solidFill>
-            <a:tailEnd type="arrow"/>
-          </a:ln>
-        </p:spPr>
-        <p:style>
-          <a:lnRef idx="1">
-            <a:schemeClr val="accent1"/>
-          </a:lnRef>
-          <a:fillRef idx="0">
-            <a:schemeClr val="accent1"/>
-          </a:fillRef>
-          <a:effectRef idx="0">
-            <a:schemeClr val="accent1"/>
-          </a:effectRef>
-          <a:fontRef idx="minor">
-            <a:schemeClr val="tx1"/>
-          </a:fontRef>
-        </p:style>
-      </p:cxnSp>
-      <p:cxnSp>
-        <p:nvCxnSpPr>
-          <p:cNvPr id="118" name="Connettore 4 117"/>
-          <p:cNvCxnSpPr>
-            <a:stCxn id="98" idx="4"/>
-            <a:endCxn id="4" idx="4"/>
-          </p:cNvCxnSpPr>
-          <p:nvPr/>
-        </p:nvCxnSpPr>
-        <p:spPr>
-          <a:xfrm rot="5400000" flipH="1">
-            <a:off x="4574701" y="-678157"/>
-            <a:ext cx="548728" cy="5738706"/>
-          </a:xfrm>
-          <a:prstGeom prst="bentConnector3">
-            <a:avLst>
-              <a:gd name="adj1" fmla="val -41660"/>
-            </a:avLst>
-          </a:prstGeom>
-          <a:ln>
-            <a:solidFill>
-              <a:srgbClr val="002060"/>
-            </a:solidFill>
-            <a:tailEnd type="arrow"/>
-          </a:ln>
-        </p:spPr>
-        <p:style>
-          <a:lnRef idx="1">
-            <a:schemeClr val="accent1"/>
-          </a:lnRef>
-          <a:fillRef idx="0">
-            <a:schemeClr val="accent1"/>
-          </a:fillRef>
-          <a:effectRef idx="0">
-            <a:schemeClr val="accent1"/>
-          </a:effectRef>
-          <a:fontRef idx="minor">
-            <a:schemeClr val="tx1"/>
-          </a:fontRef>
-        </p:style>
-      </p:cxnSp>
-      <p:sp>
-        <p:nvSpPr>
-          <p:cNvPr id="124" name="Rettangolo 123"/>
-          <p:cNvSpPr/>
-          <p:nvPr/>
-        </p:nvSpPr>
-        <p:spPr>
-          <a:xfrm>
-            <a:off x="7885038" y="2465560"/>
-            <a:ext cx="775020" cy="369332"/>
-          </a:xfrm>
-          <a:prstGeom prst="rect">
-            <a:avLst/>
-          </a:prstGeom>
-        </p:spPr>
-        <p:txBody>
-          <a:bodyPr wrap="none">
-            <a:spAutoFit/>
-          </a:bodyPr>
-          <a:lstStyle/>
-          <a:p>
-            <a:r>
-              <a:rPr lang="en-GB" dirty="0" err="1"/>
-              <a:t>stepfail</a:t>
-            </a:r>
-            <a:endParaRPr lang="en-GB" dirty="0"/>
-          </a:p>
-        </p:txBody>
-      </p:sp>
-      <p:sp>
-        <p:nvSpPr>
-          <p:cNvPr id="125" name="Rectangle 5">
-            <a:extLst>
-              <a:ext uri="{FF2B5EF4-FFF2-40B4-BE49-F238E27FC236}">
-                <a16:creationId xmlns:a16="http://schemas.microsoft.com/office/drawing/2014/main" xmlns="" id="{9529310F-209D-4FC3-82E8-EEC7E3A85851}"/>
-              </a:ext>
-            </a:extLst>
-          </p:cNvPr>
-          <p:cNvSpPr>
-            <a:spLocks noChangeArrowheads="1"/>
-          </p:cNvSpPr>
-          <p:nvPr/>
-        </p:nvSpPr>
-        <p:spPr bwMode="auto">
-          <a:xfrm>
-            <a:off x="6588224" y="1756593"/>
-            <a:ext cx="760144" cy="307777"/>
-          </a:xfrm>
-          <a:prstGeom prst="rect">
-            <a:avLst/>
-          </a:prstGeom>
-          <a:noFill/>
-        </p:spPr>
-        <p:txBody>
-          <a:bodyPr wrap="none" rtlCol="0">
-            <a:spAutoFit/>
-          </a:bodyPr>
-          <a:lstStyle/>
-          <a:p>
-            <a:r>
-              <a:rPr lang="en-US" altLang="en-US" sz="1400" dirty="0">
-                <a:latin typeface="Symbol" panose="05050102010706020507" pitchFamily="18" charset="2"/>
-                <a:cs typeface="Arial" panose="020B0604020202020204" pitchFamily="34" charset="0"/>
-              </a:rPr>
-              <a:t>e</a:t>
-            </a:r>
-            <a:r>
-              <a:rPr lang="en-US" altLang="en-US" sz="1400" dirty="0">
-                <a:latin typeface="Arial" panose="020B0604020202020204" pitchFamily="34" charset="0"/>
-                <a:cs typeface="Arial" panose="020B0604020202020204" pitchFamily="34" charset="0"/>
-              </a:rPr>
-              <a:t>-move</a:t>
-            </a:r>
-          </a:p>
-        </p:txBody>
-      </p:sp>
-      <p:sp>
-        <p:nvSpPr>
-          <p:cNvPr id="126" name="Rectangle 5">
-            <a:extLst>
-              <a:ext uri="{FF2B5EF4-FFF2-40B4-BE49-F238E27FC236}">
-                <a16:creationId xmlns:a16="http://schemas.microsoft.com/office/drawing/2014/main" xmlns="" id="{9529310F-209D-4FC3-82E8-EEC7E3A85851}"/>
-              </a:ext>
-            </a:extLst>
-          </p:cNvPr>
-          <p:cNvSpPr>
-            <a:spLocks noChangeArrowheads="1"/>
-          </p:cNvSpPr>
-          <p:nvPr/>
-        </p:nvSpPr>
-        <p:spPr bwMode="auto">
-          <a:xfrm>
-            <a:off x="6542398" y="713390"/>
-            <a:ext cx="760144" cy="307777"/>
-          </a:xfrm>
-          <a:prstGeom prst="rect">
-            <a:avLst/>
-          </a:prstGeom>
-          <a:noFill/>
-        </p:spPr>
-        <p:txBody>
-          <a:bodyPr wrap="none" rtlCol="0">
-            <a:spAutoFit/>
-          </a:bodyPr>
-          <a:lstStyle/>
-          <a:p>
-            <a:r>
-              <a:rPr lang="en-US" altLang="en-US" sz="1400" dirty="0">
-                <a:latin typeface="Symbol" panose="05050102010706020507" pitchFamily="18" charset="2"/>
-                <a:cs typeface="Arial" panose="020B0604020202020204" pitchFamily="34" charset="0"/>
-              </a:rPr>
-              <a:t>e</a:t>
-            </a:r>
-            <a:r>
-              <a:rPr lang="en-US" altLang="en-US" sz="1400" dirty="0">
-                <a:latin typeface="Arial" panose="020B0604020202020204" pitchFamily="34" charset="0"/>
-                <a:cs typeface="Arial" panose="020B0604020202020204" pitchFamily="34" charset="0"/>
-              </a:rPr>
-              <a:t>-move</a:t>
-            </a:r>
-          </a:p>
-        </p:txBody>
-      </p:sp>
-      <p:sp>
-        <p:nvSpPr>
-          <p:cNvPr id="127" name="Rectangle 5">
-            <a:extLst>
-              <a:ext uri="{FF2B5EF4-FFF2-40B4-BE49-F238E27FC236}">
-                <a16:creationId xmlns:a16="http://schemas.microsoft.com/office/drawing/2014/main" xmlns="" id="{9529310F-209D-4FC3-82E8-EEC7E3A85851}"/>
-              </a:ext>
-            </a:extLst>
-          </p:cNvPr>
-          <p:cNvSpPr>
-            <a:spLocks noChangeArrowheads="1"/>
-          </p:cNvSpPr>
-          <p:nvPr/>
-        </p:nvSpPr>
-        <p:spPr bwMode="auto">
-          <a:xfrm>
-            <a:off x="7738317" y="1465220"/>
-            <a:ext cx="760144" cy="307777"/>
-          </a:xfrm>
-          <a:prstGeom prst="rect">
-            <a:avLst/>
-          </a:prstGeom>
-          <a:noFill/>
-        </p:spPr>
-        <p:txBody>
-          <a:bodyPr wrap="none" rtlCol="0">
-            <a:spAutoFit/>
-          </a:bodyPr>
-          <a:lstStyle/>
-          <a:p>
-            <a:r>
-              <a:rPr lang="en-US" altLang="en-US" sz="1400" dirty="0">
-                <a:latin typeface="Symbol" panose="05050102010706020507" pitchFamily="18" charset="2"/>
-                <a:cs typeface="Arial" panose="020B0604020202020204" pitchFamily="34" charset="0"/>
-              </a:rPr>
-              <a:t>e</a:t>
-            </a:r>
-            <a:r>
-              <a:rPr lang="en-US" altLang="en-US" sz="1400" dirty="0">
-                <a:latin typeface="Arial" panose="020B0604020202020204" pitchFamily="34" charset="0"/>
-                <a:cs typeface="Arial" panose="020B0604020202020204" pitchFamily="34" charset="0"/>
-              </a:rPr>
-              <a:t>-move</a:t>
-            </a:r>
-          </a:p>
-        </p:txBody>
-      </p:sp>
-      <p:cxnSp>
-        <p:nvCxnSpPr>
-          <p:cNvPr id="131" name="Connettore 4 130"/>
-          <p:cNvCxnSpPr>
-            <a:stCxn id="8" idx="2"/>
-            <a:endCxn id="22" idx="2"/>
-          </p:cNvCxnSpPr>
-          <p:nvPr/>
-        </p:nvCxnSpPr>
-        <p:spPr>
-          <a:xfrm rot="10800000" flipH="1">
-            <a:off x="3347864" y="1078858"/>
-            <a:ext cx="2304256" cy="507588"/>
-          </a:xfrm>
-          <a:prstGeom prst="bentConnector3">
-            <a:avLst>
-              <a:gd name="adj1" fmla="val 59677"/>
-            </a:avLst>
-          </a:prstGeom>
-          <a:ln>
-            <a:solidFill>
-              <a:srgbClr val="002060"/>
-            </a:solidFill>
             <a:tailEnd type="arrow"/>
           </a:ln>
         </p:spPr>

--- a/it.unibo.issLabStart/userDocs/ISSM2020.pptx
+++ b/it.unibo.issLabStart/userDocs/ISSM2020.pptx
@@ -19579,6 +19579,608 @@
           </a:fontRef>
         </p:style>
       </p:cxnSp>
+      <p:sp>
+        <p:nvSpPr>
+          <p:cNvPr id="96" name="Ovale 95"/>
+          <p:cNvSpPr/>
+          <p:nvPr/>
+        </p:nvSpPr>
+        <p:spPr>
+          <a:xfrm>
+            <a:off x="3772571" y="3707646"/>
+            <a:ext cx="720080" cy="648072"/>
+          </a:xfrm>
+          <a:prstGeom prst="ellipse">
+            <a:avLst/>
+          </a:prstGeom>
+          <a:ln>
+            <a:solidFill>
+              <a:srgbClr val="0070C0"/>
+            </a:solidFill>
+          </a:ln>
+        </p:spPr>
+        <p:style>
+          <a:lnRef idx="2">
+            <a:schemeClr val="accent2"/>
+          </a:lnRef>
+          <a:fillRef idx="1">
+            <a:schemeClr val="lt1"/>
+          </a:fillRef>
+          <a:effectRef idx="0">
+            <a:schemeClr val="accent2"/>
+          </a:effectRef>
+          <a:fontRef idx="minor">
+            <a:schemeClr val="dk1"/>
+          </a:fontRef>
+        </p:style>
+        <p:txBody>
+          <a:bodyPr rtlCol="0" anchor="ctr"/>
+          <a:lstStyle/>
+          <a:p>
+            <a:pPr algn="ctr"/>
+            <a:r>
+              <a:rPr lang="it-IT" dirty="0" err="1" smtClean="0"/>
+              <a:t>Init</a:t>
+            </a:r>
+            <a:endParaRPr lang="en-GB" dirty="0"/>
+          </a:p>
+        </p:txBody>
+      </p:sp>
+      <p:sp>
+        <p:nvSpPr>
+          <p:cNvPr id="97" name="Ovale 96"/>
+          <p:cNvSpPr/>
+          <p:nvPr/>
+        </p:nvSpPr>
+        <p:spPr>
+          <a:xfrm>
+            <a:off x="3628555" y="3942340"/>
+            <a:ext cx="144016" cy="178684"/>
+          </a:xfrm>
+          <a:prstGeom prst="ellipse">
+            <a:avLst/>
+          </a:prstGeom>
+        </p:spPr>
+        <p:style>
+          <a:lnRef idx="2">
+            <a:schemeClr val="accent1">
+              <a:shade val="50000"/>
+            </a:schemeClr>
+          </a:lnRef>
+          <a:fillRef idx="1">
+            <a:schemeClr val="accent1"/>
+          </a:fillRef>
+          <a:effectRef idx="0">
+            <a:schemeClr val="accent1"/>
+          </a:effectRef>
+          <a:fontRef idx="minor">
+            <a:schemeClr val="lt1"/>
+          </a:fontRef>
+        </p:style>
+        <p:txBody>
+          <a:bodyPr rtlCol="0" anchor="ctr"/>
+          <a:lstStyle/>
+          <a:p>
+            <a:pPr algn="ctr"/>
+            <a:endParaRPr lang="en-GB"/>
+          </a:p>
+        </p:txBody>
+      </p:sp>
+      <p:sp>
+        <p:nvSpPr>
+          <p:cNvPr id="99" name="Ovale 98"/>
+          <p:cNvSpPr/>
+          <p:nvPr/>
+        </p:nvSpPr>
+        <p:spPr>
+          <a:xfrm>
+            <a:off x="4788024" y="2942294"/>
+            <a:ext cx="1008112" cy="648072"/>
+          </a:xfrm>
+          <a:prstGeom prst="ellipse">
+            <a:avLst/>
+          </a:prstGeom>
+          <a:ln>
+            <a:solidFill>
+              <a:srgbClr val="0070C0"/>
+            </a:solidFill>
+          </a:ln>
+        </p:spPr>
+        <p:style>
+          <a:lnRef idx="2">
+            <a:schemeClr val="accent2"/>
+          </a:lnRef>
+          <a:fillRef idx="1">
+            <a:schemeClr val="lt1"/>
+          </a:fillRef>
+          <a:effectRef idx="0">
+            <a:schemeClr val="accent2"/>
+          </a:effectRef>
+          <a:fontRef idx="minor">
+            <a:schemeClr val="dk1"/>
+          </a:fontRef>
+        </p:style>
+        <p:txBody>
+          <a:bodyPr rtlCol="0" anchor="ctr"/>
+          <a:lstStyle/>
+          <a:p>
+            <a:pPr algn="ctr"/>
+            <a:r>
+              <a:rPr lang="it-IT" dirty="0" err="1" smtClean="0"/>
+              <a:t>left</a:t>
+            </a:r>
+            <a:endParaRPr lang="en-GB" dirty="0"/>
+          </a:p>
+        </p:txBody>
+      </p:sp>
+      <p:cxnSp>
+        <p:nvCxnSpPr>
+          <p:cNvPr id="14" name="Connettore 4 13"/>
+          <p:cNvCxnSpPr>
+            <a:stCxn id="96" idx="0"/>
+            <a:endCxn id="99" idx="2"/>
+          </p:cNvCxnSpPr>
+          <p:nvPr/>
+        </p:nvCxnSpPr>
+        <p:spPr>
+          <a:xfrm rot="5400000" flipH="1" flipV="1">
+            <a:off x="4239659" y="3159282"/>
+            <a:ext cx="441316" cy="655413"/>
+          </a:xfrm>
+          <a:prstGeom prst="bentConnector2">
+            <a:avLst/>
+          </a:prstGeom>
+          <a:ln>
+            <a:tailEnd type="arrow"/>
+          </a:ln>
+        </p:spPr>
+        <p:style>
+          <a:lnRef idx="1">
+            <a:schemeClr val="accent1"/>
+          </a:lnRef>
+          <a:fillRef idx="0">
+            <a:schemeClr val="accent1"/>
+          </a:fillRef>
+          <a:effectRef idx="0">
+            <a:schemeClr val="accent1"/>
+          </a:effectRef>
+          <a:fontRef idx="minor">
+            <a:schemeClr val="tx1"/>
+          </a:fontRef>
+        </p:style>
+      </p:cxnSp>
+      <p:sp>
+        <p:nvSpPr>
+          <p:cNvPr id="100" name="Rettangolo 99"/>
+          <p:cNvSpPr/>
+          <p:nvPr/>
+        </p:nvSpPr>
+        <p:spPr>
+          <a:xfrm>
+            <a:off x="4059981" y="2896998"/>
+            <a:ext cx="564706" cy="369332"/>
+          </a:xfrm>
+          <a:prstGeom prst="rect">
+            <a:avLst/>
+          </a:prstGeom>
+        </p:spPr>
+        <p:txBody>
+          <a:bodyPr wrap="none">
+            <a:spAutoFit/>
+          </a:bodyPr>
+          <a:lstStyle/>
+          <a:p>
+            <a:r>
+              <a:rPr lang="en-GB" dirty="0" smtClean="0"/>
+              <a:t>start</a:t>
+            </a:r>
+            <a:endParaRPr lang="en-GB" dirty="0"/>
+          </a:p>
+        </p:txBody>
+      </p:sp>
+      <p:sp>
+        <p:nvSpPr>
+          <p:cNvPr id="104" name="Ovale 103"/>
+          <p:cNvSpPr/>
+          <p:nvPr/>
+        </p:nvSpPr>
+        <p:spPr>
+          <a:xfrm>
+            <a:off x="6860328" y="2942294"/>
+            <a:ext cx="1008112" cy="648072"/>
+          </a:xfrm>
+          <a:prstGeom prst="ellipse">
+            <a:avLst/>
+          </a:prstGeom>
+          <a:ln>
+            <a:solidFill>
+              <a:srgbClr val="0070C0"/>
+            </a:solidFill>
+          </a:ln>
+        </p:spPr>
+        <p:style>
+          <a:lnRef idx="2">
+            <a:schemeClr val="accent2"/>
+          </a:lnRef>
+          <a:fillRef idx="1">
+            <a:schemeClr val="lt1"/>
+          </a:fillRef>
+          <a:effectRef idx="0">
+            <a:schemeClr val="accent2"/>
+          </a:effectRef>
+          <a:fontRef idx="minor">
+            <a:schemeClr val="dk1"/>
+          </a:fontRef>
+        </p:style>
+        <p:txBody>
+          <a:bodyPr rtlCol="0" anchor="ctr"/>
+          <a:lstStyle/>
+          <a:p>
+            <a:pPr algn="ctr"/>
+            <a:r>
+              <a:rPr lang="it-IT" dirty="0" smtClean="0"/>
+              <a:t>down</a:t>
+            </a:r>
+            <a:endParaRPr lang="en-GB" dirty="0"/>
+          </a:p>
+        </p:txBody>
+      </p:sp>
+      <p:cxnSp>
+        <p:nvCxnSpPr>
+          <p:cNvPr id="20" name="Connettore 4 19"/>
+          <p:cNvCxnSpPr>
+            <a:stCxn id="99" idx="6"/>
+            <a:endCxn id="104" idx="2"/>
+          </p:cNvCxnSpPr>
+          <p:nvPr/>
+        </p:nvCxnSpPr>
+        <p:spPr>
+          <a:xfrm>
+            <a:off x="5796136" y="3266330"/>
+            <a:ext cx="1064192" cy="12700"/>
+          </a:xfrm>
+          <a:prstGeom prst="bentConnector3">
+            <a:avLst/>
+          </a:prstGeom>
+          <a:ln>
+            <a:tailEnd type="arrow"/>
+          </a:ln>
+        </p:spPr>
+        <p:style>
+          <a:lnRef idx="1">
+            <a:schemeClr val="accent1"/>
+          </a:lnRef>
+          <a:fillRef idx="0">
+            <a:schemeClr val="accent1"/>
+          </a:fillRef>
+          <a:effectRef idx="0">
+            <a:schemeClr val="accent1"/>
+          </a:effectRef>
+          <a:fontRef idx="minor">
+            <a:schemeClr val="tx1"/>
+          </a:fontRef>
+        </p:style>
+      </p:cxnSp>
+      <p:sp>
+        <p:nvSpPr>
+          <p:cNvPr id="105" name="Ovale 104"/>
+          <p:cNvSpPr/>
+          <p:nvPr/>
+        </p:nvSpPr>
+        <p:spPr>
+          <a:xfrm>
+            <a:off x="6860328" y="4166430"/>
+            <a:ext cx="1008112" cy="648072"/>
+          </a:xfrm>
+          <a:prstGeom prst="ellipse">
+            <a:avLst/>
+          </a:prstGeom>
+          <a:ln>
+            <a:solidFill>
+              <a:srgbClr val="0070C0"/>
+            </a:solidFill>
+          </a:ln>
+        </p:spPr>
+        <p:style>
+          <a:lnRef idx="2">
+            <a:schemeClr val="accent2"/>
+          </a:lnRef>
+          <a:fillRef idx="1">
+            <a:schemeClr val="lt1"/>
+          </a:fillRef>
+          <a:effectRef idx="0">
+            <a:schemeClr val="accent2"/>
+          </a:effectRef>
+          <a:fontRef idx="minor">
+            <a:schemeClr val="dk1"/>
+          </a:fontRef>
+        </p:style>
+        <p:txBody>
+          <a:bodyPr rtlCol="0" anchor="ctr"/>
+          <a:lstStyle/>
+          <a:p>
+            <a:pPr algn="ctr"/>
+            <a:r>
+              <a:rPr lang="it-IT" dirty="0" smtClean="0"/>
+              <a:t>right</a:t>
+            </a:r>
+            <a:endParaRPr lang="en-GB" dirty="0"/>
+          </a:p>
+        </p:txBody>
+      </p:sp>
+      <p:sp>
+        <p:nvSpPr>
+          <p:cNvPr id="106" name="Ovale 105"/>
+          <p:cNvSpPr/>
+          <p:nvPr/>
+        </p:nvSpPr>
+        <p:spPr>
+          <a:xfrm>
+            <a:off x="4788024" y="4167191"/>
+            <a:ext cx="1008112" cy="648072"/>
+          </a:xfrm>
+          <a:prstGeom prst="ellipse">
+            <a:avLst/>
+          </a:prstGeom>
+          <a:ln>
+            <a:solidFill>
+              <a:srgbClr val="0070C0"/>
+            </a:solidFill>
+          </a:ln>
+        </p:spPr>
+        <p:style>
+          <a:lnRef idx="2">
+            <a:schemeClr val="accent2"/>
+          </a:lnRef>
+          <a:fillRef idx="1">
+            <a:schemeClr val="lt1"/>
+          </a:fillRef>
+          <a:effectRef idx="0">
+            <a:schemeClr val="accent2"/>
+          </a:effectRef>
+          <a:fontRef idx="minor">
+            <a:schemeClr val="dk1"/>
+          </a:fontRef>
+        </p:style>
+        <p:txBody>
+          <a:bodyPr rtlCol="0" anchor="ctr"/>
+          <a:lstStyle/>
+          <a:p>
+            <a:pPr algn="ctr"/>
+            <a:r>
+              <a:rPr lang="it-IT" dirty="0" smtClean="0"/>
+              <a:t>up</a:t>
+            </a:r>
+            <a:endParaRPr lang="en-GB" dirty="0"/>
+          </a:p>
+        </p:txBody>
+      </p:sp>
+      <p:sp>
+        <p:nvSpPr>
+          <p:cNvPr id="107" name="Rettangolo 106"/>
+          <p:cNvSpPr/>
+          <p:nvPr/>
+        </p:nvSpPr>
+        <p:spPr>
+          <a:xfrm>
+            <a:off x="5796136" y="2896998"/>
+            <a:ext cx="880369" cy="369332"/>
+          </a:xfrm>
+          <a:prstGeom prst="rect">
+            <a:avLst/>
+          </a:prstGeom>
+        </p:spPr>
+        <p:txBody>
+          <a:bodyPr wrap="none">
+            <a:spAutoFit/>
+          </a:bodyPr>
+          <a:lstStyle/>
+          <a:p>
+            <a:r>
+              <a:rPr lang="en-GB" dirty="0" smtClean="0"/>
+              <a:t>collision</a:t>
+            </a:r>
+            <a:endParaRPr lang="en-GB" dirty="0"/>
+          </a:p>
+        </p:txBody>
+      </p:sp>
+      <p:cxnSp>
+        <p:nvCxnSpPr>
+          <p:cNvPr id="109" name="Connettore 4 108"/>
+          <p:cNvCxnSpPr>
+            <a:stCxn id="104" idx="4"/>
+            <a:endCxn id="105" idx="0"/>
+          </p:cNvCxnSpPr>
+          <p:nvPr/>
+        </p:nvCxnSpPr>
+        <p:spPr>
+          <a:xfrm rot="5400000">
+            <a:off x="7076352" y="3878398"/>
+            <a:ext cx="576064" cy="12700"/>
+          </a:xfrm>
+          <a:prstGeom prst="bentConnector3">
+            <a:avLst>
+              <a:gd name="adj1" fmla="val 50000"/>
+            </a:avLst>
+          </a:prstGeom>
+          <a:ln>
+            <a:tailEnd type="arrow"/>
+          </a:ln>
+        </p:spPr>
+        <p:style>
+          <a:lnRef idx="1">
+            <a:schemeClr val="accent1"/>
+          </a:lnRef>
+          <a:fillRef idx="0">
+            <a:schemeClr val="accent1"/>
+          </a:fillRef>
+          <a:effectRef idx="0">
+            <a:schemeClr val="accent1"/>
+          </a:effectRef>
+          <a:fontRef idx="minor">
+            <a:schemeClr val="tx1"/>
+          </a:fontRef>
+        </p:style>
+      </p:cxnSp>
+      <p:cxnSp>
+        <p:nvCxnSpPr>
+          <p:cNvPr id="35" name="Connettore 2 34"/>
+          <p:cNvCxnSpPr>
+            <a:stCxn id="105" idx="2"/>
+            <a:endCxn id="106" idx="6"/>
+          </p:cNvCxnSpPr>
+          <p:nvPr/>
+        </p:nvCxnSpPr>
+        <p:spPr>
+          <a:xfrm flipH="1">
+            <a:off x="5796136" y="4490466"/>
+            <a:ext cx="1064192" cy="761"/>
+          </a:xfrm>
+          <a:prstGeom prst="straightConnector1">
+            <a:avLst/>
+          </a:prstGeom>
+          <a:ln>
+            <a:tailEnd type="arrow"/>
+          </a:ln>
+        </p:spPr>
+        <p:style>
+          <a:lnRef idx="1">
+            <a:schemeClr val="accent1"/>
+          </a:lnRef>
+          <a:fillRef idx="0">
+            <a:schemeClr val="accent1"/>
+          </a:fillRef>
+          <a:effectRef idx="0">
+            <a:schemeClr val="accent1"/>
+          </a:effectRef>
+          <a:fontRef idx="minor">
+            <a:schemeClr val="tx1"/>
+          </a:fontRef>
+        </p:style>
+      </p:cxnSp>
+      <p:cxnSp>
+        <p:nvCxnSpPr>
+          <p:cNvPr id="112" name="Connettore 4 111"/>
+          <p:cNvCxnSpPr>
+            <a:stCxn id="106" idx="2"/>
+            <a:endCxn id="96" idx="4"/>
+          </p:cNvCxnSpPr>
+          <p:nvPr/>
+        </p:nvCxnSpPr>
+        <p:spPr>
+          <a:xfrm rot="10800000">
+            <a:off x="4132612" y="4355719"/>
+            <a:ext cx="655413" cy="135509"/>
+          </a:xfrm>
+          <a:prstGeom prst="bentConnector2">
+            <a:avLst/>
+          </a:prstGeom>
+          <a:ln>
+            <a:tailEnd type="arrow"/>
+          </a:ln>
+        </p:spPr>
+        <p:style>
+          <a:lnRef idx="1">
+            <a:schemeClr val="accent1"/>
+          </a:lnRef>
+          <a:fillRef idx="0">
+            <a:schemeClr val="accent1"/>
+          </a:fillRef>
+          <a:effectRef idx="0">
+            <a:schemeClr val="accent1"/>
+          </a:effectRef>
+          <a:fontRef idx="minor">
+            <a:schemeClr val="tx1"/>
+          </a:fontRef>
+        </p:style>
+      </p:cxnSp>
+      <p:sp>
+        <p:nvSpPr>
+          <p:cNvPr id="117" name="Rettangolo 116"/>
+          <p:cNvSpPr/>
+          <p:nvPr/>
+        </p:nvSpPr>
+        <p:spPr>
+          <a:xfrm>
+            <a:off x="6406428" y="3662350"/>
+            <a:ext cx="880369" cy="369332"/>
+          </a:xfrm>
+          <a:prstGeom prst="rect">
+            <a:avLst/>
+          </a:prstGeom>
+        </p:spPr>
+        <p:txBody>
+          <a:bodyPr wrap="none">
+            <a:spAutoFit/>
+          </a:bodyPr>
+          <a:lstStyle/>
+          <a:p>
+            <a:r>
+              <a:rPr lang="en-GB" dirty="0" smtClean="0"/>
+              <a:t>collision</a:t>
+            </a:r>
+            <a:endParaRPr lang="en-GB" dirty="0"/>
+          </a:p>
+        </p:txBody>
+      </p:sp>
+      <p:sp>
+        <p:nvSpPr>
+          <p:cNvPr id="119" name="Rettangolo 118"/>
+          <p:cNvSpPr/>
+          <p:nvPr/>
+        </p:nvSpPr>
+        <p:spPr>
+          <a:xfrm>
+            <a:off x="5932015" y="4629836"/>
+            <a:ext cx="880369" cy="369332"/>
+          </a:xfrm>
+          <a:prstGeom prst="rect">
+            <a:avLst/>
+          </a:prstGeom>
+        </p:spPr>
+        <p:txBody>
+          <a:bodyPr wrap="none">
+            <a:spAutoFit/>
+          </a:bodyPr>
+          <a:lstStyle/>
+          <a:p>
+            <a:r>
+              <a:rPr lang="en-GB" dirty="0" smtClean="0"/>
+              <a:t>collision</a:t>
+            </a:r>
+            <a:endParaRPr lang="en-GB" dirty="0"/>
+          </a:p>
+        </p:txBody>
+      </p:sp>
+      <p:sp>
+        <p:nvSpPr>
+          <p:cNvPr id="120" name="Rettangolo 119"/>
+          <p:cNvSpPr/>
+          <p:nvPr/>
+        </p:nvSpPr>
+        <p:spPr>
+          <a:xfrm>
+            <a:off x="3804921" y="4491229"/>
+            <a:ext cx="880369" cy="369332"/>
+          </a:xfrm>
+          <a:prstGeom prst="rect">
+            <a:avLst/>
+          </a:prstGeom>
+        </p:spPr>
+        <p:txBody>
+          <a:bodyPr wrap="none">
+            <a:spAutoFit/>
+          </a:bodyPr>
+          <a:lstStyle/>
+          <a:p>
+            <a:r>
+              <a:rPr lang="en-GB" dirty="0" smtClean="0"/>
+              <a:t>collision</a:t>
+            </a:r>
+            <a:endParaRPr lang="en-GB" dirty="0"/>
+          </a:p>
+        </p:txBody>
+      </p:sp>
     </p:spTree>
     <p:extLst>
       <p:ext uri="{BB962C8B-B14F-4D97-AF65-F5344CB8AC3E}">

--- a/it.unibo.issLabStart/userDocs/ISSM2020.pptx
+++ b/it.unibo.issLabStart/userDocs/ISSM2020.pptx
@@ -13679,59 +13679,20 @@
         <p:nvCxnSpPr>
           <p:cNvPr id="88" name="Connettore 4 87"/>
           <p:cNvCxnSpPr>
-            <a:stCxn id="64" idx="6"/>
             <a:endCxn id="47" idx="3"/>
           </p:cNvCxnSpPr>
           <p:nvPr/>
         </p:nvCxnSpPr>
         <p:spPr>
-          <a:xfrm flipH="1">
-            <a:off x="3674958" y="2825019"/>
-            <a:ext cx="3029498" cy="1476530"/>
+          <a:xfrm rot="10800000" flipV="1">
+            <a:off x="3674958" y="4065513"/>
+            <a:ext cx="3884664" cy="236036"/>
           </a:xfrm>
           <a:prstGeom prst="bentConnector4">
             <a:avLst>
-              <a:gd name="adj1" fmla="val -27978"/>
-              <a:gd name="adj2" fmla="val 202135"/>
+              <a:gd name="adj1" fmla="val -310"/>
+              <a:gd name="adj2" fmla="val 840229"/>
             </a:avLst>
-          </a:prstGeom>
-          <a:ln>
-            <a:solidFill>
-              <a:srgbClr val="002060"/>
-            </a:solidFill>
-            <a:tailEnd type="arrow"/>
-          </a:ln>
-        </p:spPr>
-        <p:style>
-          <a:lnRef idx="1">
-            <a:schemeClr val="accent1"/>
-          </a:lnRef>
-          <a:fillRef idx="0">
-            <a:schemeClr val="accent1"/>
-          </a:fillRef>
-          <a:effectRef idx="0">
-            <a:schemeClr val="accent1"/>
-          </a:effectRef>
-          <a:fontRef idx="minor">
-            <a:schemeClr val="tx1"/>
-          </a:fontRef>
-        </p:style>
-      </p:cxnSp>
-      <p:cxnSp>
-        <p:nvCxnSpPr>
-          <p:cNvPr id="92" name="Connettore 2 91"/>
-          <p:cNvCxnSpPr>
-            <a:stCxn id="65" idx="6"/>
-          </p:cNvCxnSpPr>
-          <p:nvPr/>
-        </p:nvCxnSpPr>
-        <p:spPr>
-          <a:xfrm flipV="1">
-            <a:off x="6661705" y="3423719"/>
-            <a:ext cx="892795" cy="1"/>
-          </a:xfrm>
-          <a:prstGeom prst="straightConnector1">
-            <a:avLst/>
           </a:prstGeom>
           <a:ln>
             <a:solidFill>
@@ -13865,44 +13826,6 @@
           </a:fontRef>
         </p:style>
       </p:cxnSp>
-      <p:cxnSp>
-        <p:nvCxnSpPr>
-          <p:cNvPr id="102" name="Connettore 2 101"/>
-          <p:cNvCxnSpPr>
-            <a:stCxn id="64" idx="6"/>
-          </p:cNvCxnSpPr>
-          <p:nvPr/>
-        </p:nvCxnSpPr>
-        <p:spPr>
-          <a:xfrm>
-            <a:off x="6704456" y="2825019"/>
-            <a:ext cx="850044" cy="0"/>
-          </a:xfrm>
-          <a:prstGeom prst="straightConnector1">
-            <a:avLst/>
-          </a:prstGeom>
-          <a:ln>
-            <a:solidFill>
-              <a:srgbClr val="002060"/>
-            </a:solidFill>
-            <a:tailEnd type="arrow"/>
-          </a:ln>
-        </p:spPr>
-        <p:style>
-          <a:lnRef idx="1">
-            <a:schemeClr val="accent1"/>
-          </a:lnRef>
-          <a:fillRef idx="0">
-            <a:schemeClr val="accent1"/>
-          </a:fillRef>
-          <a:effectRef idx="0">
-            <a:schemeClr val="accent1"/>
-          </a:effectRef>
-          <a:fontRef idx="minor">
-            <a:schemeClr val="tx1"/>
-          </a:fontRef>
-        </p:style>
-      </p:cxnSp>
       <p:sp>
         <p:nvSpPr>
           <p:cNvPr id="105" name="CasellaDiTesto 104"/>
@@ -14071,7 +13994,7 @@
         </p:nvSpPr>
         <p:spPr bwMode="auto">
           <a:xfrm>
-            <a:off x="7632601" y="4092203"/>
+            <a:off x="7632601" y="4830086"/>
             <a:ext cx="760144" cy="307777"/>
           </a:xfrm>
           <a:prstGeom prst="rect">
@@ -14243,6 +14166,91 @@
               <a:latin typeface="Arial" panose="020B0604020202020204" pitchFamily="34" charset="0"/>
               <a:cs typeface="Arial" panose="020B0604020202020204" pitchFamily="34" charset="0"/>
             </a:endParaRPr>
+          </a:p>
+        </p:txBody>
+      </p:sp>
+      <p:cxnSp>
+        <p:nvCxnSpPr>
+          <p:cNvPr id="11" name="Connettore 4 10"/>
+          <p:cNvCxnSpPr>
+            <a:stCxn id="64" idx="0"/>
+            <a:endCxn id="47" idx="1"/>
+          </p:cNvCxnSpPr>
+          <p:nvPr/>
+        </p:nvCxnSpPr>
+        <p:spPr>
+          <a:xfrm rot="16200000" flipH="1" flipV="1">
+            <a:off x="4310176" y="1944669"/>
+            <a:ext cx="1249592" cy="2520028"/>
+          </a:xfrm>
+          <a:prstGeom prst="bentConnector3">
+            <a:avLst>
+              <a:gd name="adj1" fmla="val -18294"/>
+            </a:avLst>
+          </a:prstGeom>
+          <a:ln>
+            <a:tailEnd type="arrow"/>
+          </a:ln>
+        </p:spPr>
+        <p:style>
+          <a:lnRef idx="1">
+            <a:schemeClr val="accent1"/>
+          </a:lnRef>
+          <a:fillRef idx="0">
+            <a:schemeClr val="accent1"/>
+          </a:fillRef>
+          <a:effectRef idx="0">
+            <a:schemeClr val="accent1"/>
+          </a:effectRef>
+          <a:fontRef idx="minor">
+            <a:schemeClr val="tx1"/>
+          </a:fontRef>
+        </p:style>
+      </p:cxnSp>
+      <p:sp>
+        <p:nvSpPr>
+          <p:cNvPr id="61" name="Rectangle 5">
+            <a:extLst>
+              <a:ext uri="{FF2B5EF4-FFF2-40B4-BE49-F238E27FC236}">
+                <a16:creationId xmlns:a16="http://schemas.microsoft.com/office/drawing/2014/main" xmlns="" id="{9529310F-209D-4FC3-82E8-EEC7E3A85851}"/>
+              </a:ext>
+            </a:extLst>
+          </p:cNvPr>
+          <p:cNvSpPr>
+            <a:spLocks noChangeArrowheads="1"/>
+          </p:cNvSpPr>
+          <p:nvPr/>
+        </p:nvSpPr>
+        <p:spPr bwMode="auto">
+          <a:xfrm>
+            <a:off x="4581153" y="2034133"/>
+            <a:ext cx="760144" cy="307777"/>
+          </a:xfrm>
+          <a:prstGeom prst="rect">
+            <a:avLst/>
+          </a:prstGeom>
+          <a:noFill/>
+        </p:spPr>
+        <p:txBody>
+          <a:bodyPr wrap="none" rtlCol="0">
+            <a:spAutoFit/>
+          </a:bodyPr>
+          <a:lstStyle/>
+          <a:p>
+            <a:r>
+              <a:rPr lang="en-US" altLang="en-US" sz="1400" dirty="0">
+                <a:latin typeface="Symbol" panose="05050102010706020507" pitchFamily="18" charset="2"/>
+                <a:cs typeface="Arial" panose="020B0604020202020204" pitchFamily="34" charset="0"/>
+              </a:rPr>
+              <a:t>e</a:t>
+            </a:r>
+            <a:r>
+              <a:rPr lang="en-US" altLang="en-US" sz="1400" dirty="0">
+                <a:latin typeface="Arial" panose="020B0604020202020204" pitchFamily="34" charset="0"/>
+                <a:cs typeface="Arial" panose="020B0604020202020204" pitchFamily="34" charset="0"/>
+              </a:rPr>
+              <a:t>-move</a:t>
+            </a:r>
           </a:p>
         </p:txBody>
       </p:sp>
@@ -18465,7 +18473,7 @@
         </p:nvSpPr>
         <p:spPr>
           <a:xfrm>
-            <a:off x="782040" y="2196082"/>
+            <a:off x="732969" y="193788"/>
             <a:ext cx="2232248" cy="2140496"/>
           </a:xfrm>
           <a:prstGeom prst="rect">
@@ -18513,7 +18521,7 @@
         </p:nvSpPr>
         <p:spPr>
           <a:xfrm>
-            <a:off x="1142080" y="4166431"/>
+            <a:off x="1093009" y="2164137"/>
             <a:ext cx="68456" cy="76254"/>
           </a:xfrm>
           <a:prstGeom prst="ellipse">
@@ -18556,7 +18564,7 @@
         </p:nvSpPr>
         <p:spPr>
           <a:xfrm>
-            <a:off x="1849093" y="4166431"/>
+            <a:off x="1800022" y="2164137"/>
             <a:ext cx="68456" cy="76254"/>
           </a:xfrm>
           <a:prstGeom prst="ellipse">
@@ -18599,7 +18607,7 @@
         </p:nvSpPr>
         <p:spPr>
           <a:xfrm>
-            <a:off x="1846924" y="2296157"/>
+            <a:off x="1797853" y="293863"/>
             <a:ext cx="68456" cy="76254"/>
           </a:xfrm>
           <a:prstGeom prst="ellipse">
@@ -18642,7 +18650,7 @@
         </p:nvSpPr>
         <p:spPr>
           <a:xfrm>
-            <a:off x="2641181" y="2294223"/>
+            <a:off x="2592110" y="291929"/>
             <a:ext cx="68456" cy="76254"/>
           </a:xfrm>
           <a:prstGeom prst="ellipse">
@@ -18685,7 +18693,7 @@
         </p:nvSpPr>
         <p:spPr>
           <a:xfrm>
-            <a:off x="2658194" y="4166430"/>
+            <a:off x="2609123" y="2164136"/>
             <a:ext cx="68456" cy="76254"/>
           </a:xfrm>
           <a:prstGeom prst="ellipse">
@@ -18728,7 +18736,7 @@
         </p:nvCxnSpPr>
         <p:spPr>
           <a:xfrm flipH="1">
-            <a:off x="982935" y="2543400"/>
+            <a:off x="933864" y="541106"/>
             <a:ext cx="14844" cy="1623031"/>
           </a:xfrm>
           <a:prstGeom prst="straightConnector1">
@@ -18761,7 +18769,7 @@
         </p:nvCxnSpPr>
         <p:spPr>
           <a:xfrm>
-            <a:off x="982935" y="4204558"/>
+            <a:off x="933864" y="2202264"/>
             <a:ext cx="1860873" cy="0"/>
           </a:xfrm>
           <a:prstGeom prst="straightConnector1">
@@ -18788,222 +18796,14 @@
       </p:cxnSp>
       <p:sp>
         <p:nvSpPr>
-          <p:cNvPr id="75" name="Rettangolo 74"/>
+          <p:cNvPr id="92" name="Ovale 91"/>
           <p:cNvSpPr/>
           <p:nvPr/>
         </p:nvSpPr>
         <p:spPr>
           <a:xfrm>
-            <a:off x="6372200" y="249015"/>
-            <a:ext cx="2232248" cy="2140496"/>
-          </a:xfrm>
-          <a:prstGeom prst="rect">
-            <a:avLst/>
-          </a:prstGeom>
-          <a:solidFill>
-            <a:schemeClr val="bg1"/>
-          </a:solidFill>
-          <a:ln>
-            <a:solidFill>
-              <a:srgbClr val="00B050"/>
-            </a:solidFill>
-          </a:ln>
-        </p:spPr>
-        <p:style>
-          <a:lnRef idx="2">
-            <a:schemeClr val="accent1">
-              <a:shade val="50000"/>
-            </a:schemeClr>
-          </a:lnRef>
-          <a:fillRef idx="1">
-            <a:schemeClr val="accent1"/>
-          </a:fillRef>
-          <a:effectRef idx="0">
-            <a:schemeClr val="accent1"/>
-          </a:effectRef>
-          <a:fontRef idx="minor">
-            <a:schemeClr val="lt1"/>
-          </a:fontRef>
-        </p:style>
-        <p:txBody>
-          <a:bodyPr rtlCol="0" anchor="ctr"/>
-          <a:lstStyle/>
-          <a:p>
-            <a:pPr algn="ctr"/>
-            <a:endParaRPr lang="en-GB"/>
-          </a:p>
-        </p:txBody>
-      </p:sp>
-      <p:cxnSp>
-        <p:nvCxnSpPr>
-          <p:cNvPr id="76" name="Connettore 1 75"/>
-          <p:cNvCxnSpPr/>
-          <p:nvPr/>
-        </p:nvCxnSpPr>
-        <p:spPr>
-          <a:xfrm>
-            <a:off x="7141351" y="249015"/>
-            <a:ext cx="0" cy="2140496"/>
-          </a:xfrm>
-          <a:prstGeom prst="line">
-            <a:avLst/>
-          </a:prstGeom>
-          <a:solidFill>
-            <a:schemeClr val="bg1"/>
-          </a:solidFill>
-          <a:ln>
-            <a:solidFill>
-              <a:srgbClr val="00B050"/>
-            </a:solidFill>
-          </a:ln>
-        </p:spPr>
-        <p:style>
-          <a:lnRef idx="2">
-            <a:schemeClr val="accent1">
-              <a:shade val="50000"/>
-            </a:schemeClr>
-          </a:lnRef>
-          <a:fillRef idx="1">
-            <a:schemeClr val="accent1"/>
-          </a:fillRef>
-          <a:effectRef idx="0">
-            <a:schemeClr val="accent1"/>
-          </a:effectRef>
-          <a:fontRef idx="minor">
-            <a:schemeClr val="lt1"/>
-          </a:fontRef>
-        </p:style>
-      </p:cxnSp>
-      <p:cxnSp>
-        <p:nvCxnSpPr>
-          <p:cNvPr id="77" name="Connettore 1 76"/>
-          <p:cNvCxnSpPr/>
-          <p:nvPr/>
-        </p:nvCxnSpPr>
-        <p:spPr>
-          <a:xfrm>
-            <a:off x="7882232" y="249015"/>
-            <a:ext cx="0" cy="2140496"/>
-          </a:xfrm>
-          <a:prstGeom prst="line">
-            <a:avLst/>
-          </a:prstGeom>
-          <a:solidFill>
-            <a:schemeClr val="bg1"/>
-          </a:solidFill>
-          <a:ln>
-            <a:solidFill>
-              <a:srgbClr val="00B050"/>
-            </a:solidFill>
-          </a:ln>
-        </p:spPr>
-        <p:style>
-          <a:lnRef idx="2">
-            <a:schemeClr val="accent1">
-              <a:shade val="50000"/>
-            </a:schemeClr>
-          </a:lnRef>
-          <a:fillRef idx="1">
-            <a:schemeClr val="accent1"/>
-          </a:fillRef>
-          <a:effectRef idx="0">
-            <a:schemeClr val="accent1"/>
-          </a:effectRef>
-          <a:fontRef idx="minor">
-            <a:schemeClr val="lt1"/>
-          </a:fontRef>
-        </p:style>
-      </p:cxnSp>
-      <p:cxnSp>
-        <p:nvCxnSpPr>
-          <p:cNvPr id="78" name="Connettore 1 77"/>
-          <p:cNvCxnSpPr/>
-          <p:nvPr/>
-        </p:nvCxnSpPr>
-        <p:spPr>
-          <a:xfrm>
-            <a:off x="6372200" y="995227"/>
-            <a:ext cx="2232248" cy="0"/>
-          </a:xfrm>
-          <a:prstGeom prst="line">
-            <a:avLst/>
-          </a:prstGeom>
-          <a:solidFill>
-            <a:schemeClr val="bg1"/>
-          </a:solidFill>
-          <a:ln>
-            <a:solidFill>
-              <a:srgbClr val="00B050"/>
-            </a:solidFill>
-          </a:ln>
-        </p:spPr>
-        <p:style>
-          <a:lnRef idx="2">
-            <a:schemeClr val="accent1">
-              <a:shade val="50000"/>
-            </a:schemeClr>
-          </a:lnRef>
-          <a:fillRef idx="1">
-            <a:schemeClr val="accent1"/>
-          </a:fillRef>
-          <a:effectRef idx="0">
-            <a:schemeClr val="accent1"/>
-          </a:effectRef>
-          <a:fontRef idx="minor">
-            <a:schemeClr val="lt1"/>
-          </a:fontRef>
-        </p:style>
-      </p:cxnSp>
-      <p:cxnSp>
-        <p:nvCxnSpPr>
-          <p:cNvPr id="79" name="Connettore 1 78"/>
-          <p:cNvCxnSpPr/>
-          <p:nvPr/>
-        </p:nvCxnSpPr>
-        <p:spPr>
-          <a:xfrm>
-            <a:off x="6372200" y="1715307"/>
-            <a:ext cx="2232248" cy="0"/>
-          </a:xfrm>
-          <a:prstGeom prst="line">
-            <a:avLst/>
-          </a:prstGeom>
-          <a:solidFill>
-            <a:schemeClr val="bg1"/>
-          </a:solidFill>
-          <a:ln>
-            <a:solidFill>
-              <a:srgbClr val="00B050"/>
-            </a:solidFill>
-          </a:ln>
-        </p:spPr>
-        <p:style>
-          <a:lnRef idx="2">
-            <a:schemeClr val="accent1">
-              <a:shade val="50000"/>
-            </a:schemeClr>
-          </a:lnRef>
-          <a:fillRef idx="1">
-            <a:schemeClr val="accent1"/>
-          </a:fillRef>
-          <a:effectRef idx="0">
-            <a:schemeClr val="accent1"/>
-          </a:effectRef>
-          <a:fontRef idx="minor">
-            <a:schemeClr val="lt1"/>
-          </a:fontRef>
-        </p:style>
-      </p:cxnSp>
-      <p:sp>
-        <p:nvSpPr>
-          <p:cNvPr id="80" name="Ovale 79"/>
-          <p:cNvSpPr/>
-          <p:nvPr/>
-        </p:nvSpPr>
-        <p:spPr>
-          <a:xfrm>
-            <a:off x="6406428" y="274592"/>
-            <a:ext cx="720080" cy="648072"/>
+            <a:off x="782041" y="217070"/>
+            <a:ext cx="360040" cy="324036"/>
           </a:xfrm>
           <a:prstGeom prst="ellipse">
             <a:avLst/>
@@ -19034,29 +18834,95 @@
             <a:pPr algn="ctr"/>
             <a:r>
               <a:rPr lang="it-IT" sz="1100" dirty="0" smtClean="0"/>
-              <a:t>Robot</a:t>
+              <a:t>R</a:t>
             </a:r>
             <a:endParaRPr lang="en-GB" sz="1100" dirty="0"/>
           </a:p>
         </p:txBody>
       </p:sp>
-      <p:sp>
-        <p:nvSpPr>
-          <p:cNvPr id="81" name="Ovale 80"/>
+      <p:cxnSp>
+        <p:nvCxnSpPr>
+          <p:cNvPr id="93" name="Connettore 2 92"/>
+          <p:cNvCxnSpPr/>
+          <p:nvPr/>
+        </p:nvCxnSpPr>
+        <p:spPr>
+          <a:xfrm flipV="1">
+            <a:off x="2787315" y="330056"/>
+            <a:ext cx="7422" cy="1919575"/>
+          </a:xfrm>
+          <a:prstGeom prst="straightConnector1">
+            <a:avLst/>
+          </a:prstGeom>
+          <a:ln>
+            <a:tailEnd type="arrow"/>
+          </a:ln>
+        </p:spPr>
+        <p:style>
+          <a:lnRef idx="1">
+            <a:schemeClr val="accent1"/>
+          </a:lnRef>
+          <a:fillRef idx="0">
+            <a:schemeClr val="accent1"/>
+          </a:fillRef>
+          <a:effectRef idx="0">
+            <a:schemeClr val="accent1"/>
+          </a:effectRef>
+          <a:fontRef idx="minor">
+            <a:schemeClr val="tx1"/>
+          </a:fontRef>
+        </p:style>
+      </p:cxnSp>
+      <p:cxnSp>
+        <p:nvCxnSpPr>
+          <p:cNvPr id="95" name="Connettore 2 94"/>
+          <p:cNvCxnSpPr/>
+          <p:nvPr/>
+        </p:nvCxnSpPr>
+        <p:spPr>
+          <a:xfrm flipH="1">
+            <a:off x="1168887" y="315926"/>
+            <a:ext cx="1625850" cy="0"/>
+          </a:xfrm>
+          <a:prstGeom prst="straightConnector1">
+            <a:avLst/>
+          </a:prstGeom>
+          <a:ln>
+            <a:tailEnd type="arrow"/>
+          </a:ln>
+        </p:spPr>
+        <p:style>
+          <a:lnRef idx="1">
+            <a:schemeClr val="accent1"/>
+          </a:lnRef>
+          <a:fillRef idx="0">
+            <a:schemeClr val="accent1"/>
+          </a:fillRef>
+          <a:effectRef idx="0">
+            <a:schemeClr val="accent1"/>
+          </a:effectRef>
+          <a:fontRef idx="minor">
+            <a:schemeClr val="tx1"/>
+          </a:fontRef>
+        </p:style>
+      </p:cxnSp>
+      <p:sp>
+        <p:nvSpPr>
+          <p:cNvPr id="96" name="Ovale 95"/>
           <p:cNvSpPr/>
           <p:nvPr/>
         </p:nvSpPr>
         <p:spPr>
           <a:xfrm>
-            <a:off x="6732240" y="2219364"/>
-            <a:ext cx="68456" cy="76254"/>
+            <a:off x="4151154" y="1151860"/>
+            <a:ext cx="720080" cy="648072"/>
           </a:xfrm>
           <a:prstGeom prst="ellipse">
             <a:avLst/>
           </a:prstGeom>
           <a:ln>
             <a:solidFill>
-              <a:schemeClr val="bg1"/>
+              <a:srgbClr val="0070C0"/>
             </a:solidFill>
           </a:ln>
         </p:spPr>
@@ -19079,27 +18945,71 @@
           <a:lstStyle/>
           <a:p>
             <a:pPr algn="ctr"/>
+            <a:r>
+              <a:rPr lang="it-IT" dirty="0" err="1" smtClean="0"/>
+              <a:t>Init</a:t>
+            </a:r>
             <a:endParaRPr lang="en-GB" dirty="0"/>
           </a:p>
         </p:txBody>
       </p:sp>
       <p:sp>
         <p:nvSpPr>
-          <p:cNvPr id="82" name="Ovale 81"/>
+          <p:cNvPr id="97" name="Ovale 96"/>
           <p:cNvSpPr/>
           <p:nvPr/>
         </p:nvSpPr>
         <p:spPr>
           <a:xfrm>
-            <a:off x="7439253" y="2219364"/>
-            <a:ext cx="68456" cy="76254"/>
+            <a:off x="4007138" y="1386554"/>
+            <a:ext cx="144016" cy="178684"/>
           </a:xfrm>
           <a:prstGeom prst="ellipse">
             <a:avLst/>
           </a:prstGeom>
+        </p:spPr>
+        <p:style>
+          <a:lnRef idx="2">
+            <a:schemeClr val="accent1">
+              <a:shade val="50000"/>
+            </a:schemeClr>
+          </a:lnRef>
+          <a:fillRef idx="1">
+            <a:schemeClr val="accent1"/>
+          </a:fillRef>
+          <a:effectRef idx="0">
+            <a:schemeClr val="accent1"/>
+          </a:effectRef>
+          <a:fontRef idx="minor">
+            <a:schemeClr val="lt1"/>
+          </a:fontRef>
+        </p:style>
+        <p:txBody>
+          <a:bodyPr rtlCol="0" anchor="ctr"/>
+          <a:lstStyle/>
+          <a:p>
+            <a:pPr algn="ctr"/>
+            <a:endParaRPr lang="en-GB"/>
+          </a:p>
+        </p:txBody>
+      </p:sp>
+      <p:sp>
+        <p:nvSpPr>
+          <p:cNvPr id="99" name="Ovale 98"/>
+          <p:cNvSpPr/>
+          <p:nvPr/>
+        </p:nvSpPr>
+        <p:spPr>
+          <a:xfrm>
+            <a:off x="5166607" y="386508"/>
+            <a:ext cx="1008112" cy="648072"/>
+          </a:xfrm>
+          <a:prstGeom prst="ellipse">
+            <a:avLst/>
+          </a:prstGeom>
           <a:ln>
             <a:solidFill>
-              <a:schemeClr val="bg1"/>
+              <a:srgbClr val="0070C0"/>
             </a:solidFill>
           </a:ln>
         </p:spPr>
@@ -19122,27 +19032,96 @@
           <a:lstStyle/>
           <a:p>
             <a:pPr algn="ctr"/>
+            <a:r>
+              <a:rPr lang="it-IT" dirty="0" err="1" smtClean="0"/>
+              <a:t>left</a:t>
+            </a:r>
             <a:endParaRPr lang="en-GB" dirty="0"/>
           </a:p>
         </p:txBody>
       </p:sp>
-      <p:sp>
-        <p:nvSpPr>
-          <p:cNvPr id="83" name="Ovale 82"/>
+      <p:cxnSp>
+        <p:nvCxnSpPr>
+          <p:cNvPr id="14" name="Connettore 4 13"/>
+          <p:cNvCxnSpPr>
+            <a:stCxn id="96" idx="0"/>
+            <a:endCxn id="99" idx="2"/>
+          </p:cNvCxnSpPr>
+          <p:nvPr/>
+        </p:nvCxnSpPr>
+        <p:spPr>
+          <a:xfrm rot="5400000" flipH="1" flipV="1">
+            <a:off x="4618242" y="603496"/>
+            <a:ext cx="441316" cy="655413"/>
+          </a:xfrm>
+          <a:prstGeom prst="bentConnector2">
+            <a:avLst/>
+          </a:prstGeom>
+          <a:ln>
+            <a:tailEnd type="arrow"/>
+          </a:ln>
+        </p:spPr>
+        <p:style>
+          <a:lnRef idx="1">
+            <a:schemeClr val="accent1"/>
+          </a:lnRef>
+          <a:fillRef idx="0">
+            <a:schemeClr val="accent1"/>
+          </a:fillRef>
+          <a:effectRef idx="0">
+            <a:schemeClr val="accent1"/>
+          </a:effectRef>
+          <a:fontRef idx="minor">
+            <a:schemeClr val="tx1"/>
+          </a:fontRef>
+        </p:style>
+      </p:cxnSp>
+      <p:sp>
+        <p:nvSpPr>
+          <p:cNvPr id="100" name="Rettangolo 99"/>
           <p:cNvSpPr/>
           <p:nvPr/>
         </p:nvSpPr>
         <p:spPr>
           <a:xfrm>
-            <a:off x="7437084" y="349090"/>
-            <a:ext cx="68456" cy="76254"/>
+            <a:off x="4438564" y="341212"/>
+            <a:ext cx="564706" cy="369332"/>
+          </a:xfrm>
+          <a:prstGeom prst="rect">
+            <a:avLst/>
+          </a:prstGeom>
+        </p:spPr>
+        <p:txBody>
+          <a:bodyPr wrap="none">
+            <a:spAutoFit/>
+          </a:bodyPr>
+          <a:lstStyle/>
+          <a:p>
+            <a:r>
+              <a:rPr lang="en-GB" dirty="0" smtClean="0"/>
+              <a:t>start</a:t>
+            </a:r>
+            <a:endParaRPr lang="en-GB" dirty="0"/>
+          </a:p>
+        </p:txBody>
+      </p:sp>
+      <p:sp>
+        <p:nvSpPr>
+          <p:cNvPr id="104" name="Ovale 103"/>
+          <p:cNvSpPr/>
+          <p:nvPr/>
+        </p:nvSpPr>
+        <p:spPr>
+          <a:xfrm>
+            <a:off x="7020274" y="399208"/>
+            <a:ext cx="1008112" cy="648072"/>
           </a:xfrm>
           <a:prstGeom prst="ellipse">
             <a:avLst/>
           </a:prstGeom>
           <a:ln>
             <a:solidFill>
-              <a:schemeClr val="bg1"/>
+              <a:srgbClr val="0070C0"/>
             </a:solidFill>
           </a:ln>
         </p:spPr>
@@ -19165,27 +19144,67 @@
           <a:lstStyle/>
           <a:p>
             <a:pPr algn="ctr"/>
+            <a:r>
+              <a:rPr lang="it-IT" dirty="0" smtClean="0"/>
+              <a:t>down</a:t>
+            </a:r>
             <a:endParaRPr lang="en-GB" dirty="0"/>
           </a:p>
         </p:txBody>
       </p:sp>
-      <p:sp>
-        <p:nvSpPr>
-          <p:cNvPr id="84" name="Ovale 83"/>
+      <p:cxnSp>
+        <p:nvCxnSpPr>
+          <p:cNvPr id="20" name="Connettore 4 19"/>
+          <p:cNvCxnSpPr>
+            <a:stCxn id="99" idx="6"/>
+            <a:endCxn id="104" idx="2"/>
+          </p:cNvCxnSpPr>
+          <p:nvPr/>
+        </p:nvCxnSpPr>
+        <p:spPr>
+          <a:xfrm>
+            <a:off x="6174719" y="710544"/>
+            <a:ext cx="845555" cy="12700"/>
+          </a:xfrm>
+          <a:prstGeom prst="bentConnector3">
+            <a:avLst/>
+          </a:prstGeom>
+          <a:ln>
+            <a:tailEnd type="arrow"/>
+          </a:ln>
+        </p:spPr>
+        <p:style>
+          <a:lnRef idx="1">
+            <a:schemeClr val="accent1"/>
+          </a:lnRef>
+          <a:fillRef idx="0">
+            <a:schemeClr val="accent1"/>
+          </a:fillRef>
+          <a:effectRef idx="0">
+            <a:schemeClr val="accent1"/>
+          </a:effectRef>
+          <a:fontRef idx="minor">
+            <a:schemeClr val="tx1"/>
+          </a:fontRef>
+        </p:style>
+      </p:cxnSp>
+      <p:sp>
+        <p:nvSpPr>
+          <p:cNvPr id="105" name="Ovale 104"/>
           <p:cNvSpPr/>
           <p:nvPr/>
         </p:nvSpPr>
         <p:spPr>
           <a:xfrm>
-            <a:off x="8231341" y="347156"/>
-            <a:ext cx="68456" cy="76254"/>
+            <a:off x="7020273" y="1610644"/>
+            <a:ext cx="1008112" cy="648072"/>
           </a:xfrm>
           <a:prstGeom prst="ellipse">
             <a:avLst/>
           </a:prstGeom>
           <a:ln>
             <a:solidFill>
-              <a:schemeClr val="bg1"/>
+              <a:srgbClr val="0070C0"/>
             </a:solidFill>
           </a:ln>
         </p:spPr>
@@ -19208,27 +19227,31 @@
           <a:lstStyle/>
           <a:p>
             <a:pPr algn="ctr"/>
+            <a:r>
+              <a:rPr lang="it-IT" dirty="0" smtClean="0"/>
+              <a:t>right</a:t>
+            </a:r>
             <a:endParaRPr lang="en-GB" dirty="0"/>
           </a:p>
         </p:txBody>
       </p:sp>
       <p:sp>
         <p:nvSpPr>
-          <p:cNvPr id="85" name="Ovale 84"/>
+          <p:cNvPr id="106" name="Ovale 105"/>
           <p:cNvSpPr/>
           <p:nvPr/>
         </p:nvSpPr>
         <p:spPr>
           <a:xfrm>
-            <a:off x="8248354" y="2219363"/>
-            <a:ext cx="68456" cy="76254"/>
+            <a:off x="5166607" y="1611405"/>
+            <a:ext cx="1008112" cy="648072"/>
           </a:xfrm>
           <a:prstGeom prst="ellipse">
             <a:avLst/>
           </a:prstGeom>
           <a:ln>
             <a:solidFill>
-              <a:schemeClr val="bg1"/>
+              <a:srgbClr val="0070C0"/>
             </a:solidFill>
           </a:ln>
         </p:spPr>
@@ -19251,25 +19274,61 @@
           <a:lstStyle/>
           <a:p>
             <a:pPr algn="ctr"/>
+            <a:r>
+              <a:rPr lang="it-IT" dirty="0" smtClean="0"/>
+              <a:t>up</a:t>
+            </a:r>
+            <a:endParaRPr lang="en-GB" dirty="0"/>
+          </a:p>
+        </p:txBody>
+      </p:sp>
+      <p:sp>
+        <p:nvSpPr>
+          <p:cNvPr id="107" name="Rettangolo 106"/>
+          <p:cNvSpPr/>
+          <p:nvPr/>
+        </p:nvSpPr>
+        <p:spPr>
+          <a:xfrm>
+            <a:off x="6174719" y="341212"/>
+            <a:ext cx="880369" cy="369332"/>
+          </a:xfrm>
+          <a:prstGeom prst="rect">
+            <a:avLst/>
+          </a:prstGeom>
+        </p:spPr>
+        <p:txBody>
+          <a:bodyPr wrap="none">
+            <a:spAutoFit/>
+          </a:bodyPr>
+          <a:lstStyle/>
+          <a:p>
+            <a:r>
+              <a:rPr lang="en-GB" dirty="0" smtClean="0"/>
+              <a:t>collision</a:t>
+            </a:r>
             <a:endParaRPr lang="en-GB" dirty="0"/>
           </a:p>
         </p:txBody>
       </p:sp>
       <p:cxnSp>
         <p:nvCxnSpPr>
-          <p:cNvPr id="86" name="Connettore 2 85"/>
+          <p:cNvPr id="109" name="Connettore 4 108"/>
           <p:cNvCxnSpPr>
-            <a:endCxn id="81" idx="0"/>
+            <a:stCxn id="104" idx="4"/>
+            <a:endCxn id="105" idx="0"/>
           </p:cNvCxnSpPr>
           <p:nvPr/>
         </p:nvCxnSpPr>
         <p:spPr>
-          <a:xfrm flipH="1">
-            <a:off x="6766468" y="1066680"/>
-            <a:ext cx="14844" cy="1152684"/>
-          </a:xfrm>
-          <a:prstGeom prst="straightConnector1">
-            <a:avLst/>
+          <a:xfrm rot="5400000">
+            <a:off x="7242648" y="1328962"/>
+            <a:ext cx="563364" cy="1"/>
+          </a:xfrm>
+          <a:prstGeom prst="bentConnector3">
+            <a:avLst>
+              <a:gd name="adj1" fmla="val 50000"/>
+            </a:avLst>
           </a:prstGeom>
           <a:ln>
             <a:tailEnd type="arrow"/>
@@ -19292,16 +19351,17 @@
       </p:cxnSp>
       <p:cxnSp>
         <p:nvCxnSpPr>
-          <p:cNvPr id="87" name="Connettore 2 86"/>
+          <p:cNvPr id="35" name="Connettore 2 34"/>
           <p:cNvCxnSpPr>
-            <a:stCxn id="82" idx="0"/>
+            <a:stCxn id="105" idx="2"/>
+            <a:endCxn id="106" idx="6"/>
           </p:cNvCxnSpPr>
           <p:nvPr/>
         </p:nvCxnSpPr>
         <p:spPr>
-          <a:xfrm flipV="1">
-            <a:off x="7473481" y="425344"/>
-            <a:ext cx="7422" cy="1794020"/>
+          <a:xfrm flipH="1">
+            <a:off x="6174719" y="1934680"/>
+            <a:ext cx="845554" cy="761"/>
           </a:xfrm>
           <a:prstGeom prst="straightConnector1">
             <a:avLst/>
@@ -19327,18 +19387,19 @@
       </p:cxnSp>
       <p:cxnSp>
         <p:nvCxnSpPr>
-          <p:cNvPr id="88" name="Connettore 2 87"/>
+          <p:cNvPr id="112" name="Connettore 4 111"/>
           <p:cNvCxnSpPr>
-            <a:endCxn id="85" idx="0"/>
+            <a:stCxn id="106" idx="2"/>
+            <a:endCxn id="96" idx="4"/>
           </p:cNvCxnSpPr>
           <p:nvPr/>
         </p:nvCxnSpPr>
         <p:spPr>
-          <a:xfrm>
-            <a:off x="8282582" y="425344"/>
-            <a:ext cx="0" cy="1794019"/>
-          </a:xfrm>
-          <a:prstGeom prst="straightConnector1">
+          <a:xfrm rot="10800000">
+            <a:off x="4511195" y="1799933"/>
+            <a:ext cx="655413" cy="135509"/>
+          </a:xfrm>
+          <a:prstGeom prst="bentConnector2">
             <a:avLst/>
           </a:prstGeom>
           <a:ln>
@@ -19360,234 +19421,102 @@
           </a:fontRef>
         </p:style>
       </p:cxnSp>
-      <p:cxnSp>
-        <p:nvCxnSpPr>
-          <p:cNvPr id="89" name="Connettore 2 88"/>
-          <p:cNvCxnSpPr>
-            <a:stCxn id="81" idx="6"/>
-          </p:cNvCxnSpPr>
-          <p:nvPr/>
-        </p:nvCxnSpPr>
-        <p:spPr>
-          <a:xfrm flipV="1">
-            <a:off x="6800696" y="2257490"/>
-            <a:ext cx="636388" cy="1"/>
-          </a:xfrm>
-          <a:prstGeom prst="straightConnector1">
+      <p:sp>
+        <p:nvSpPr>
+          <p:cNvPr id="117" name="Rettangolo 116"/>
+          <p:cNvSpPr/>
+          <p:nvPr/>
+        </p:nvSpPr>
+        <p:spPr>
+          <a:xfrm>
+            <a:off x="6785011" y="1106564"/>
+            <a:ext cx="880369" cy="369332"/>
+          </a:xfrm>
+          <a:prstGeom prst="rect">
             <a:avLst/>
           </a:prstGeom>
-          <a:ln>
-            <a:tailEnd type="arrow"/>
-          </a:ln>
-        </p:spPr>
-        <p:style>
-          <a:lnRef idx="1">
-            <a:schemeClr val="accent1"/>
-          </a:lnRef>
-          <a:fillRef idx="0">
-            <a:schemeClr val="accent1"/>
-          </a:fillRef>
-          <a:effectRef idx="0">
-            <a:schemeClr val="accent1"/>
-          </a:effectRef>
-          <a:fontRef idx="minor">
-            <a:schemeClr val="tx1"/>
-          </a:fontRef>
-        </p:style>
-      </p:cxnSp>
-      <p:cxnSp>
-        <p:nvCxnSpPr>
-          <p:cNvPr id="90" name="Connettore 2 89"/>
-          <p:cNvCxnSpPr>
-            <a:stCxn id="83" idx="6"/>
-            <a:endCxn id="84" idx="2"/>
-          </p:cNvCxnSpPr>
-          <p:nvPr/>
-        </p:nvCxnSpPr>
-        <p:spPr>
-          <a:xfrm flipV="1">
-            <a:off x="7505540" y="385283"/>
-            <a:ext cx="725801" cy="1934"/>
-          </a:xfrm>
-          <a:prstGeom prst="straightConnector1">
+        </p:spPr>
+        <p:txBody>
+          <a:bodyPr wrap="none">
+            <a:spAutoFit/>
+          </a:bodyPr>
+          <a:lstStyle/>
+          <a:p>
+            <a:r>
+              <a:rPr lang="en-GB" dirty="0" smtClean="0"/>
+              <a:t>collision</a:t>
+            </a:r>
+            <a:endParaRPr lang="en-GB" dirty="0"/>
+          </a:p>
+        </p:txBody>
+      </p:sp>
+      <p:sp>
+        <p:nvSpPr>
+          <p:cNvPr id="119" name="Rettangolo 118"/>
+          <p:cNvSpPr/>
+          <p:nvPr/>
+        </p:nvSpPr>
+        <p:spPr>
+          <a:xfrm>
+            <a:off x="6310598" y="2074050"/>
+            <a:ext cx="880369" cy="369332"/>
+          </a:xfrm>
+          <a:prstGeom prst="rect">
             <a:avLst/>
           </a:prstGeom>
-          <a:ln>
-            <a:tailEnd type="arrow"/>
-          </a:ln>
-        </p:spPr>
-        <p:style>
-          <a:lnRef idx="1">
-            <a:schemeClr val="accent1"/>
-          </a:lnRef>
-          <a:fillRef idx="0">
-            <a:schemeClr val="accent1"/>
-          </a:fillRef>
-          <a:effectRef idx="0">
-            <a:schemeClr val="accent1"/>
-          </a:effectRef>
-          <a:fontRef idx="minor">
-            <a:schemeClr val="tx1"/>
-          </a:fontRef>
-        </p:style>
-      </p:cxnSp>
-      <p:cxnSp>
-        <p:nvCxnSpPr>
-          <p:cNvPr id="91" name="Connettore 2 90"/>
-          <p:cNvCxnSpPr>
-            <a:stCxn id="85" idx="6"/>
-          </p:cNvCxnSpPr>
-          <p:nvPr/>
-        </p:nvCxnSpPr>
-        <p:spPr>
-          <a:xfrm>
-            <a:off x="8316810" y="2257490"/>
-            <a:ext cx="232643" cy="1"/>
-          </a:xfrm>
-          <a:prstGeom prst="straightConnector1">
+        </p:spPr>
+        <p:txBody>
+          <a:bodyPr wrap="none">
+            <a:spAutoFit/>
+          </a:bodyPr>
+          <a:lstStyle/>
+          <a:p>
+            <a:r>
+              <a:rPr lang="en-GB" dirty="0" smtClean="0"/>
+              <a:t>collision</a:t>
+            </a:r>
+            <a:endParaRPr lang="en-GB" dirty="0"/>
+          </a:p>
+        </p:txBody>
+      </p:sp>
+      <p:sp>
+        <p:nvSpPr>
+          <p:cNvPr id="120" name="Rettangolo 119"/>
+          <p:cNvSpPr/>
+          <p:nvPr/>
+        </p:nvSpPr>
+        <p:spPr>
+          <a:xfrm>
+            <a:off x="4183504" y="1935443"/>
+            <a:ext cx="880369" cy="369332"/>
+          </a:xfrm>
+          <a:prstGeom prst="rect">
             <a:avLst/>
           </a:prstGeom>
-          <a:ln>
-            <a:prstDash val="dash"/>
-            <a:tailEnd type="arrow"/>
-          </a:ln>
-        </p:spPr>
-        <p:style>
-          <a:lnRef idx="1">
-            <a:schemeClr val="accent1"/>
-          </a:lnRef>
-          <a:fillRef idx="0">
-            <a:schemeClr val="accent1"/>
-          </a:fillRef>
-          <a:effectRef idx="0">
-            <a:schemeClr val="accent1"/>
-          </a:effectRef>
-          <a:fontRef idx="minor">
-            <a:schemeClr val="tx1"/>
-          </a:fontRef>
-        </p:style>
-      </p:cxnSp>
-      <p:sp>
-        <p:nvSpPr>
-          <p:cNvPr id="92" name="Ovale 91"/>
+        </p:spPr>
+        <p:txBody>
+          <a:bodyPr wrap="none">
+            <a:spAutoFit/>
+          </a:bodyPr>
+          <a:lstStyle/>
+          <a:p>
+            <a:r>
+              <a:rPr lang="en-GB" dirty="0" smtClean="0"/>
+              <a:t>collision</a:t>
+            </a:r>
+            <a:endParaRPr lang="en-GB" dirty="0"/>
+          </a:p>
+        </p:txBody>
+      </p:sp>
+      <p:sp>
+        <p:nvSpPr>
+          <p:cNvPr id="121" name="Ovale 120"/>
           <p:cNvSpPr/>
           <p:nvPr/>
         </p:nvSpPr>
         <p:spPr>
           <a:xfrm>
-            <a:off x="831112" y="2219364"/>
-            <a:ext cx="360040" cy="324036"/>
-          </a:xfrm>
-          <a:prstGeom prst="ellipse">
-            <a:avLst/>
-          </a:prstGeom>
-          <a:solidFill>
-            <a:srgbClr val="33CCCC"/>
-          </a:solidFill>
-          <a:ln/>
-        </p:spPr>
-        <p:style>
-          <a:lnRef idx="2">
-            <a:schemeClr val="accent4"/>
-          </a:lnRef>
-          <a:fillRef idx="1">
-            <a:schemeClr val="lt1"/>
-          </a:fillRef>
-          <a:effectRef idx="0">
-            <a:schemeClr val="accent4"/>
-          </a:effectRef>
-          <a:fontRef idx="minor">
-            <a:schemeClr val="dk1"/>
-          </a:fontRef>
-        </p:style>
-        <p:txBody>
-          <a:bodyPr rtlCol="0" anchor="ctr"/>
-          <a:lstStyle/>
-          <a:p>
-            <a:pPr algn="ctr"/>
-            <a:r>
-              <a:rPr lang="it-IT" sz="1100" dirty="0" smtClean="0"/>
-              <a:t>R</a:t>
-            </a:r>
-            <a:endParaRPr lang="en-GB" sz="1100" dirty="0"/>
-          </a:p>
-        </p:txBody>
-      </p:sp>
-      <p:cxnSp>
-        <p:nvCxnSpPr>
-          <p:cNvPr id="93" name="Connettore 2 92"/>
-          <p:cNvCxnSpPr/>
-          <p:nvPr/>
-        </p:nvCxnSpPr>
-        <p:spPr>
-          <a:xfrm flipV="1">
-            <a:off x="2836386" y="2332350"/>
-            <a:ext cx="7422" cy="1919575"/>
-          </a:xfrm>
-          <a:prstGeom prst="straightConnector1">
-            <a:avLst/>
-          </a:prstGeom>
-          <a:ln>
-            <a:tailEnd type="arrow"/>
-          </a:ln>
-        </p:spPr>
-        <p:style>
-          <a:lnRef idx="1">
-            <a:schemeClr val="accent1"/>
-          </a:lnRef>
-          <a:fillRef idx="0">
-            <a:schemeClr val="accent1"/>
-          </a:fillRef>
-          <a:effectRef idx="0">
-            <a:schemeClr val="accent1"/>
-          </a:effectRef>
-          <a:fontRef idx="minor">
-            <a:schemeClr val="tx1"/>
-          </a:fontRef>
-        </p:style>
-      </p:cxnSp>
-      <p:cxnSp>
-        <p:nvCxnSpPr>
-          <p:cNvPr id="95" name="Connettore 2 94"/>
-          <p:cNvCxnSpPr/>
-          <p:nvPr/>
-        </p:nvCxnSpPr>
-        <p:spPr>
-          <a:xfrm flipH="1">
-            <a:off x="1217958" y="2318220"/>
-            <a:ext cx="1625850" cy="0"/>
-          </a:xfrm>
-          <a:prstGeom prst="straightConnector1">
-            <a:avLst/>
-          </a:prstGeom>
-          <a:ln>
-            <a:tailEnd type="arrow"/>
-          </a:ln>
-        </p:spPr>
-        <p:style>
-          <a:lnRef idx="1">
-            <a:schemeClr val="accent1"/>
-          </a:lnRef>
-          <a:fillRef idx="0">
-            <a:schemeClr val="accent1"/>
-          </a:fillRef>
-          <a:effectRef idx="0">
-            <a:schemeClr val="accent1"/>
-          </a:effectRef>
-          <a:fontRef idx="minor">
-            <a:schemeClr val="tx1"/>
-          </a:fontRef>
-        </p:style>
-      </p:cxnSp>
-      <p:sp>
-        <p:nvSpPr>
-          <p:cNvPr id="96" name="Ovale 95"/>
-          <p:cNvSpPr/>
-          <p:nvPr/>
-        </p:nvSpPr>
-        <p:spPr>
-          <a:xfrm>
-            <a:off x="3772571" y="3707646"/>
+            <a:off x="1181775" y="3420068"/>
             <a:ext cx="720080" cy="648072"/>
           </a:xfrm>
           <a:prstGeom prst="ellipse">
@@ -19620,7 +19549,7 @@
             <a:pPr algn="ctr"/>
             <a:r>
               <a:rPr lang="it-IT" dirty="0" err="1" smtClean="0"/>
-              <a:t>Init</a:t>
+              <a:t>init</a:t>
             </a:r>
             <a:endParaRPr lang="en-GB" dirty="0"/>
           </a:p>
@@ -19628,13 +19557,13 @@
       </p:sp>
       <p:sp>
         <p:nvSpPr>
-          <p:cNvPr id="97" name="Ovale 96"/>
+          <p:cNvPr id="122" name="Ovale 121"/>
           <p:cNvSpPr/>
           <p:nvPr/>
         </p:nvSpPr>
         <p:spPr>
           <a:xfrm>
-            <a:off x="3628555" y="3942340"/>
+            <a:off x="1037759" y="3654762"/>
             <a:ext cx="144016" cy="178684"/>
           </a:xfrm>
           <a:prstGeom prst="ellipse">
@@ -19668,14 +19597,14 @@
       </p:sp>
       <p:sp>
         <p:nvSpPr>
-          <p:cNvPr id="99" name="Ovale 98"/>
+          <p:cNvPr id="123" name="Ovale 122"/>
           <p:cNvSpPr/>
           <p:nvPr/>
         </p:nvSpPr>
         <p:spPr>
           <a:xfrm>
-            <a:off x="4788024" y="2942294"/>
-            <a:ext cx="1008112" cy="648072"/>
+            <a:off x="2930988" y="3424620"/>
+            <a:ext cx="1296145" cy="648072"/>
           </a:xfrm>
           <a:prstGeom prst="ellipse">
             <a:avLst/>
@@ -19707,7 +19636,7 @@
             <a:pPr algn="ctr"/>
             <a:r>
               <a:rPr lang="it-IT" dirty="0" err="1" smtClean="0"/>
-              <a:t>left</a:t>
+              <a:t>working</a:t>
             </a:r>
             <a:endParaRPr lang="en-GB" dirty="0"/>
           </a:p>
@@ -19715,20 +19644,22 @@
       </p:sp>
       <p:cxnSp>
         <p:nvCxnSpPr>
-          <p:cNvPr id="14" name="Connettore 4 13"/>
+          <p:cNvPr id="128" name="Connettore 4 127"/>
           <p:cNvCxnSpPr>
-            <a:stCxn id="96" idx="0"/>
-            <a:endCxn id="99" idx="2"/>
+            <a:stCxn id="121" idx="6"/>
+            <a:endCxn id="123" idx="2"/>
           </p:cNvCxnSpPr>
           <p:nvPr/>
         </p:nvCxnSpPr>
         <p:spPr>
-          <a:xfrm rot="5400000" flipH="1" flipV="1">
-            <a:off x="4239659" y="3159282"/>
-            <a:ext cx="441316" cy="655413"/>
-          </a:xfrm>
-          <a:prstGeom prst="bentConnector2">
-            <a:avLst/>
+          <a:xfrm>
+            <a:off x="1901855" y="3744104"/>
+            <a:ext cx="1029133" cy="4552"/>
+          </a:xfrm>
+          <a:prstGeom prst="bentConnector3">
+            <a:avLst>
+              <a:gd name="adj1" fmla="val 50000"/>
+            </a:avLst>
           </a:prstGeom>
           <a:ln>
             <a:tailEnd type="arrow"/>
@@ -19751,13 +19682,13 @@
       </p:cxnSp>
       <p:sp>
         <p:nvSpPr>
-          <p:cNvPr id="100" name="Rettangolo 99"/>
+          <p:cNvPr id="129" name="Rettangolo 128"/>
           <p:cNvSpPr/>
           <p:nvPr/>
         </p:nvSpPr>
         <p:spPr>
           <a:xfrm>
-            <a:off x="4059981" y="2896998"/>
+            <a:off x="2202947" y="3397906"/>
             <a:ext cx="564706" cy="369332"/>
           </a:xfrm>
           <a:prstGeom prst="rect">
@@ -19780,14 +19711,14 @@
       </p:sp>
       <p:sp>
         <p:nvSpPr>
-          <p:cNvPr id="104" name="Ovale 103"/>
+          <p:cNvPr id="130" name="Ovale 129"/>
           <p:cNvSpPr/>
           <p:nvPr/>
         </p:nvSpPr>
         <p:spPr>
           <a:xfrm>
-            <a:off x="6860328" y="2942294"/>
-            <a:ext cx="1008112" cy="648072"/>
+            <a:off x="5071662" y="3420068"/>
+            <a:ext cx="1679120" cy="648072"/>
           </a:xfrm>
           <a:prstGeom prst="ellipse">
             <a:avLst/>
@@ -19818,8 +19749,8 @@
           <a:p>
             <a:pPr algn="ctr"/>
             <a:r>
-              <a:rPr lang="it-IT" dirty="0" smtClean="0"/>
-              <a:t>down</a:t>
+              <a:rPr lang="en-GB" u="sng" dirty="0" err="1"/>
+              <a:t>endOfStep</a:t>
             </a:r>
             <a:endParaRPr lang="en-GB" dirty="0"/>
           </a:p>
@@ -19827,20 +19758,22 @@
       </p:sp>
       <p:cxnSp>
         <p:nvCxnSpPr>
-          <p:cNvPr id="20" name="Connettore 4 19"/>
+          <p:cNvPr id="132" name="Connettore 4 131"/>
           <p:cNvCxnSpPr>
-            <a:stCxn id="99" idx="6"/>
-            <a:endCxn id="104" idx="2"/>
+            <a:stCxn id="123" idx="6"/>
+            <a:endCxn id="130" idx="2"/>
           </p:cNvCxnSpPr>
           <p:nvPr/>
         </p:nvCxnSpPr>
         <p:spPr>
-          <a:xfrm>
-            <a:off x="5796136" y="3266330"/>
-            <a:ext cx="1064192" cy="12700"/>
+          <a:xfrm flipV="1">
+            <a:off x="4227133" y="3744104"/>
+            <a:ext cx="844529" cy="4552"/>
           </a:xfrm>
           <a:prstGeom prst="bentConnector3">
-            <a:avLst/>
+            <a:avLst>
+              <a:gd name="adj1" fmla="val 50000"/>
+            </a:avLst>
           </a:prstGeom>
           <a:ln>
             <a:tailEnd type="arrow"/>
@@ -19863,14 +19796,42 @@
       </p:cxnSp>
       <p:sp>
         <p:nvSpPr>
-          <p:cNvPr id="105" name="Ovale 104"/>
+          <p:cNvPr id="133" name="Rettangolo 132"/>
           <p:cNvSpPr/>
           <p:nvPr/>
         </p:nvSpPr>
         <p:spPr>
           <a:xfrm>
-            <a:off x="6860328" y="4166430"/>
-            <a:ext cx="1008112" cy="648072"/>
+            <a:off x="4294745" y="3325828"/>
+            <a:ext cx="880369" cy="369332"/>
+          </a:xfrm>
+          <a:prstGeom prst="rect">
+            <a:avLst/>
+          </a:prstGeom>
+        </p:spPr>
+        <p:txBody>
+          <a:bodyPr wrap="none">
+            <a:spAutoFit/>
+          </a:bodyPr>
+          <a:lstStyle/>
+          <a:p>
+            <a:r>
+              <a:rPr lang="en-GB" dirty="0"/>
+              <a:t>collision</a:t>
+            </a:r>
+          </a:p>
+        </p:txBody>
+      </p:sp>
+      <p:sp>
+        <p:nvSpPr>
+          <p:cNvPr id="135" name="Ovale 134"/>
+          <p:cNvSpPr/>
+          <p:nvPr/>
+        </p:nvSpPr>
+        <p:spPr>
+          <a:xfrm>
+            <a:off x="2918343" y="4607466"/>
+            <a:ext cx="1296145" cy="648072"/>
           </a:xfrm>
           <a:prstGeom prst="ellipse">
             <a:avLst/>
@@ -19901,8 +19862,8 @@
           <a:p>
             <a:pPr algn="ctr"/>
             <a:r>
-              <a:rPr lang="it-IT" dirty="0" smtClean="0"/>
-              <a:t>right</a:t>
+              <a:rPr lang="it-IT" dirty="0" err="1" smtClean="0"/>
+              <a:t>stopped</a:t>
             </a:r>
             <a:endParaRPr lang="en-GB" dirty="0"/>
           </a:p>
@@ -19910,14 +19871,148 @@
       </p:sp>
       <p:sp>
         <p:nvSpPr>
-          <p:cNvPr id="106" name="Ovale 105"/>
+          <p:cNvPr id="142" name="Rettangolo 141"/>
           <p:cNvSpPr/>
           <p:nvPr/>
         </p:nvSpPr>
         <p:spPr>
           <a:xfrm>
-            <a:off x="4788024" y="4167191"/>
-            <a:ext cx="1008112" cy="648072"/>
+            <a:off x="4037317" y="4381980"/>
+            <a:ext cx="535724" cy="369332"/>
+          </a:xfrm>
+          <a:prstGeom prst="rect">
+            <a:avLst/>
+          </a:prstGeom>
+        </p:spPr>
+        <p:txBody>
+          <a:bodyPr wrap="none">
+            <a:spAutoFit/>
+          </a:bodyPr>
+          <a:lstStyle/>
+          <a:p>
+            <a:r>
+              <a:rPr lang="en-GB" dirty="0" smtClean="0"/>
+              <a:t>stop</a:t>
+            </a:r>
+            <a:endParaRPr lang="en-GB" dirty="0"/>
+          </a:p>
+        </p:txBody>
+      </p:sp>
+      <p:cxnSp>
+        <p:nvCxnSpPr>
+          <p:cNvPr id="145" name="Connettore 4 144"/>
+          <p:cNvCxnSpPr>
+            <a:stCxn id="135" idx="1"/>
+            <a:endCxn id="123" idx="3"/>
+          </p:cNvCxnSpPr>
+          <p:nvPr/>
+        </p:nvCxnSpPr>
+        <p:spPr>
+          <a:xfrm rot="5400000" flipH="1" flipV="1">
+            <a:off x="2752186" y="4333757"/>
+            <a:ext cx="724590" cy="12645"/>
+          </a:xfrm>
+          <a:prstGeom prst="bentConnector3">
+            <a:avLst>
+              <a:gd name="adj1" fmla="val 50000"/>
+            </a:avLst>
+          </a:prstGeom>
+          <a:ln>
+            <a:tailEnd type="arrow"/>
+          </a:ln>
+        </p:spPr>
+        <p:style>
+          <a:lnRef idx="1">
+            <a:schemeClr val="accent1"/>
+          </a:lnRef>
+          <a:fillRef idx="0">
+            <a:schemeClr val="accent1"/>
+          </a:fillRef>
+          <a:effectRef idx="0">
+            <a:schemeClr val="accent1"/>
+          </a:effectRef>
+          <a:fontRef idx="minor">
+            <a:schemeClr val="tx1"/>
+          </a:fontRef>
+        </p:style>
+      </p:cxnSp>
+      <p:sp>
+        <p:nvSpPr>
+          <p:cNvPr id="149" name="Rettangolo 148"/>
+          <p:cNvSpPr/>
+          <p:nvPr/>
+        </p:nvSpPr>
+        <p:spPr>
+          <a:xfrm>
+            <a:off x="2315347" y="4381980"/>
+            <a:ext cx="793166" cy="369332"/>
+          </a:xfrm>
+          <a:prstGeom prst="rect">
+            <a:avLst/>
+          </a:prstGeom>
+        </p:spPr>
+        <p:txBody>
+          <a:bodyPr wrap="none">
+            <a:spAutoFit/>
+          </a:bodyPr>
+          <a:lstStyle/>
+          <a:p>
+            <a:r>
+              <a:rPr lang="en-GB" dirty="0" smtClean="0"/>
+              <a:t>resume</a:t>
+            </a:r>
+            <a:endParaRPr lang="en-GB" dirty="0"/>
+          </a:p>
+        </p:txBody>
+      </p:sp>
+      <p:cxnSp>
+        <p:nvCxnSpPr>
+          <p:cNvPr id="165" name="Connettore 4 164"/>
+          <p:cNvCxnSpPr>
+            <a:stCxn id="123" idx="5"/>
+            <a:endCxn id="135" idx="7"/>
+          </p:cNvCxnSpPr>
+          <p:nvPr/>
+        </p:nvCxnSpPr>
+        <p:spPr>
+          <a:xfrm rot="5400000">
+            <a:off x="3668700" y="4333757"/>
+            <a:ext cx="724590" cy="12645"/>
+          </a:xfrm>
+          <a:prstGeom prst="bentConnector3">
+            <a:avLst>
+              <a:gd name="adj1" fmla="val 50000"/>
+            </a:avLst>
+          </a:prstGeom>
+          <a:ln>
+            <a:tailEnd type="arrow"/>
+          </a:ln>
+        </p:spPr>
+        <p:style>
+          <a:lnRef idx="1">
+            <a:schemeClr val="accent1"/>
+          </a:lnRef>
+          <a:fillRef idx="0">
+            <a:schemeClr val="accent1"/>
+          </a:fillRef>
+          <a:effectRef idx="0">
+            <a:schemeClr val="accent1"/>
+          </a:effectRef>
+          <a:fontRef idx="minor">
+            <a:schemeClr val="tx1"/>
+          </a:fontRef>
+        </p:style>
+      </p:cxnSp>
+      <p:sp>
+        <p:nvSpPr>
+          <p:cNvPr id="186" name="Ovale 185"/>
+          <p:cNvSpPr/>
+          <p:nvPr/>
+        </p:nvSpPr>
+        <p:spPr>
+          <a:xfrm>
+            <a:off x="5551182" y="4566646"/>
+            <a:ext cx="720080" cy="648072"/>
           </a:xfrm>
           <a:prstGeom prst="ellipse">
             <a:avLst/>
@@ -19949,36 +20044,7 @@
             <a:pPr algn="ctr"/>
             <a:r>
               <a:rPr lang="it-IT" dirty="0" smtClean="0"/>
-              <a:t>up</a:t>
-            </a:r>
-            <a:endParaRPr lang="en-GB" dirty="0"/>
-          </a:p>
-        </p:txBody>
-      </p:sp>
-      <p:sp>
-        <p:nvSpPr>
-          <p:cNvPr id="107" name="Rettangolo 106"/>
-          <p:cNvSpPr/>
-          <p:nvPr/>
-        </p:nvSpPr>
-        <p:spPr>
-          <a:xfrm>
-            <a:off x="5796136" y="2896998"/>
-            <a:ext cx="880369" cy="369332"/>
-          </a:xfrm>
-          <a:prstGeom prst="rect">
-            <a:avLst/>
-          </a:prstGeom>
-        </p:spPr>
-        <p:txBody>
-          <a:bodyPr wrap="none">
-            <a:spAutoFit/>
-          </a:bodyPr>
-          <a:lstStyle/>
-          <a:p>
-            <a:r>
-              <a:rPr lang="en-GB" dirty="0" smtClean="0"/>
-              <a:t>collision</a:t>
+              <a:t>end</a:t>
             </a:r>
             <a:endParaRPr lang="en-GB" dirty="0"/>
           </a:p>
@@ -19986,17 +20052,17 @@
       </p:sp>
       <p:cxnSp>
         <p:nvCxnSpPr>
-          <p:cNvPr id="109" name="Connettore 4 108"/>
+          <p:cNvPr id="187" name="Connettore 4 186"/>
           <p:cNvCxnSpPr>
-            <a:stCxn id="104" idx="4"/>
-            <a:endCxn id="105" idx="0"/>
+            <a:stCxn id="130" idx="4"/>
+            <a:endCxn id="186" idx="0"/>
           </p:cNvCxnSpPr>
           <p:nvPr/>
         </p:nvCxnSpPr>
         <p:spPr>
           <a:xfrm rot="5400000">
-            <a:off x="7076352" y="3878398"/>
-            <a:ext cx="576064" cy="12700"/>
+            <a:off x="5661969" y="4317393"/>
+            <a:ext cx="498506" cy="12700"/>
           </a:xfrm>
           <a:prstGeom prst="bentConnector3">
             <a:avLst>
@@ -20024,20 +20090,22 @@
       </p:cxnSp>
       <p:cxnSp>
         <p:nvCxnSpPr>
-          <p:cNvPr id="35" name="Connettore 2 34"/>
+          <p:cNvPr id="192" name="Connettore 4 191"/>
           <p:cNvCxnSpPr>
-            <a:stCxn id="105" idx="2"/>
-            <a:endCxn id="106" idx="6"/>
+            <a:stCxn id="130" idx="0"/>
+            <a:endCxn id="123" idx="0"/>
           </p:cNvCxnSpPr>
           <p:nvPr/>
         </p:nvCxnSpPr>
         <p:spPr>
-          <a:xfrm flipH="1">
-            <a:off x="5796136" y="4490466"/>
-            <a:ext cx="1064192" cy="761"/>
-          </a:xfrm>
-          <a:prstGeom prst="straightConnector1">
-            <a:avLst/>
+          <a:xfrm rot="16200000" flipH="1" flipV="1">
+            <a:off x="4742866" y="2256263"/>
+            <a:ext cx="4552" cy="2332161"/>
+          </a:xfrm>
+          <a:prstGeom prst="bentConnector3">
+            <a:avLst>
+              <a:gd name="adj1" fmla="val -5021968"/>
+            </a:avLst>
           </a:prstGeom>
           <a:ln>
             <a:tailEnd type="arrow"/>
@@ -20058,52 +20126,16 @@
           </a:fontRef>
         </p:style>
       </p:cxnSp>
-      <p:cxnSp>
-        <p:nvCxnSpPr>
-          <p:cNvPr id="112" name="Connettore 4 111"/>
-          <p:cNvCxnSpPr>
-            <a:stCxn id="106" idx="2"/>
-            <a:endCxn id="96" idx="4"/>
-          </p:cNvCxnSpPr>
-          <p:nvPr/>
-        </p:nvCxnSpPr>
-        <p:spPr>
-          <a:xfrm rot="10800000">
-            <a:off x="4132612" y="4355719"/>
-            <a:ext cx="655413" cy="135509"/>
-          </a:xfrm>
-          <a:prstGeom prst="bentConnector2">
-            <a:avLst/>
-          </a:prstGeom>
-          <a:ln>
-            <a:tailEnd type="arrow"/>
-          </a:ln>
-        </p:spPr>
-        <p:style>
-          <a:lnRef idx="1">
-            <a:schemeClr val="accent1"/>
-          </a:lnRef>
-          <a:fillRef idx="0">
-            <a:schemeClr val="accent1"/>
-          </a:fillRef>
-          <a:effectRef idx="0">
-            <a:schemeClr val="accent1"/>
-          </a:effectRef>
-          <a:fontRef idx="minor">
-            <a:schemeClr val="tx1"/>
-          </a:fontRef>
-        </p:style>
-      </p:cxnSp>
-      <p:sp>
-        <p:nvSpPr>
-          <p:cNvPr id="117" name="Rettangolo 116"/>
+      <p:sp>
+        <p:nvSpPr>
+          <p:cNvPr id="193" name="Rettangolo 192"/>
           <p:cNvSpPr/>
           <p:nvPr/>
         </p:nvSpPr>
         <p:spPr>
           <a:xfrm>
-            <a:off x="6406428" y="3662350"/>
-            <a:ext cx="880369" cy="369332"/>
+            <a:off x="4280732" y="2780928"/>
+            <a:ext cx="1236236" cy="369332"/>
           </a:xfrm>
           <a:prstGeom prst="rect">
             <a:avLst/>
@@ -20117,7 +20149,15 @@
           <a:p>
             <a:r>
               <a:rPr lang="en-GB" dirty="0" smtClean="0"/>
-              <a:t>collision</a:t>
+              <a:t>[ </a:t>
+            </a:r>
+            <a:r>
+              <a:rPr lang="en-GB" dirty="0" err="1" smtClean="0"/>
+              <a:t>nStep</a:t>
+            </a:r>
+            <a:r>
+              <a:rPr lang="en-GB" dirty="0" smtClean="0"/>
+              <a:t> &lt; 4 ]</a:t>
             </a:r>
             <a:endParaRPr lang="en-GB" dirty="0"/>
           </a:p>
@@ -20125,14 +20165,14 @@
       </p:sp>
       <p:sp>
         <p:nvSpPr>
-          <p:cNvPr id="119" name="Rettangolo 118"/>
+          <p:cNvPr id="194" name="Rettangolo 193"/>
           <p:cNvSpPr/>
           <p:nvPr/>
         </p:nvSpPr>
         <p:spPr>
           <a:xfrm>
-            <a:off x="5932015" y="4629836"/>
-            <a:ext cx="880369" cy="369332"/>
+            <a:off x="6005157" y="4139077"/>
+            <a:ext cx="1390124" cy="369332"/>
           </a:xfrm>
           <a:prstGeom prst="rect">
             <a:avLst/>
@@ -20146,36 +20186,15 @@
           <a:p>
             <a:r>
               <a:rPr lang="en-GB" dirty="0" smtClean="0"/>
-              <a:t>collision</a:t>
-            </a:r>
-            <a:endParaRPr lang="en-GB" dirty="0"/>
-          </a:p>
-        </p:txBody>
-      </p:sp>
-      <p:sp>
-        <p:nvSpPr>
-          <p:cNvPr id="120" name="Rettangolo 119"/>
-          <p:cNvSpPr/>
-          <p:nvPr/>
-        </p:nvSpPr>
-        <p:spPr>
-          <a:xfrm>
-            <a:off x="3804921" y="4491229"/>
-            <a:ext cx="880369" cy="369332"/>
-          </a:xfrm>
-          <a:prstGeom prst="rect">
-            <a:avLst/>
-          </a:prstGeom>
-        </p:spPr>
-        <p:txBody>
-          <a:bodyPr wrap="none">
-            <a:spAutoFit/>
-          </a:bodyPr>
-          <a:lstStyle/>
-          <a:p>
+              <a:t>[ </a:t>
+            </a:r>
+            <a:r>
+              <a:rPr lang="en-GB" dirty="0" err="1" smtClean="0"/>
+              <a:t>nStep</a:t>
+            </a:r>
             <a:r>
               <a:rPr lang="en-GB" dirty="0" smtClean="0"/>
-              <a:t>collision</a:t>
+              <a:t> == 4 ]</a:t>
             </a:r>
             <a:endParaRPr lang="en-GB" dirty="0"/>
           </a:p>

--- a/it.unibo.issLabStart/userDocs/ISSM2020.pptx
+++ b/it.unibo.issLabStart/userDocs/ISSM2020.pptx
@@ -5,10 +5,10 @@
     <p:sldMasterId id="2147483804" r:id="rId1"/>
   </p:sldMasterIdLst>
   <p:notesMasterIdLst>
-    <p:notesMasterId r:id="rId35"/>
+    <p:notesMasterId r:id="rId36"/>
   </p:notesMasterIdLst>
   <p:handoutMasterIdLst>
-    <p:handoutMasterId r:id="rId36"/>
+    <p:handoutMasterId r:id="rId37"/>
   </p:handoutMasterIdLst>
   <p:sldIdLst>
     <p:sldId id="256" r:id="rId2"/>
@@ -42,8 +42,9 @@
     <p:sldId id="286" r:id="rId30"/>
     <p:sldId id="287" r:id="rId31"/>
     <p:sldId id="288" r:id="rId32"/>
-    <p:sldId id="281" r:id="rId33"/>
-    <p:sldId id="290" r:id="rId34"/>
+    <p:sldId id="291" r:id="rId33"/>
+    <p:sldId id="281" r:id="rId34"/>
+    <p:sldId id="290" r:id="rId35"/>
   </p:sldIdLst>
   <p:sldSz cx="9144000" cy="6858000" type="screen4x3"/>
   <p:notesSz cx="6858000" cy="9144000"/>
@@ -772,6 +773,109 @@
     <p:extLst>
       <p:ext uri="{BB962C8B-B14F-4D97-AF65-F5344CB8AC3E}">
         <p14:creationId xmlns:p14="http://schemas.microsoft.com/office/powerpoint/2010/main" val="499922035"/>
+      </p:ext>
+    </p:extLst>
+  </p:cSld>
+  <p:clrMapOvr>
+    <a:masterClrMapping/>
+  </p:clrMapOvr>
+</p:notes>
+</file>
+
+<file path=ppt/notesSlides/notesSlide2.xml><?xml version="1.0" encoding="utf-8"?>
+<p:notes xmlns:a="http://schemas.openxmlformats.org/drawingml/2006/main" xmlns:r="http://schemas.openxmlformats.org/officeDocument/2006/relationships" xmlns:p="http://schemas.openxmlformats.org/presentationml/2006/main">
+  <p:cSld>
+    <p:spTree>
+      <p:nvGrpSpPr>
+        <p:cNvPr id="1" name=""/>
+        <p:cNvGrpSpPr/>
+        <p:nvPr/>
+      </p:nvGrpSpPr>
+      <p:grpSpPr>
+        <a:xfrm>
+          <a:off x="0" y="0"/>
+          <a:ext cx="0" cy="0"/>
+          <a:chOff x="0" y="0"/>
+          <a:chExt cx="0" cy="0"/>
+        </a:xfrm>
+      </p:grpSpPr>
+      <p:sp>
+        <p:nvSpPr>
+          <p:cNvPr id="2" name="Segnaposto immagine diapositiva 1"/>
+          <p:cNvSpPr>
+            <a:spLocks noGrp="1" noRot="1" noChangeAspect="1"/>
+          </p:cNvSpPr>
+          <p:nvPr>
+            <p:ph type="sldImg"/>
+          </p:nvPr>
+        </p:nvSpPr>
+        <p:spPr/>
+      </p:sp>
+      <p:sp>
+        <p:nvSpPr>
+          <p:cNvPr id="3" name="Segnaposto note 2"/>
+          <p:cNvSpPr>
+            <a:spLocks noGrp="1"/>
+          </p:cNvSpPr>
+          <p:nvPr>
+            <p:ph type="body" idx="1"/>
+          </p:nvPr>
+        </p:nvSpPr>
+        <p:spPr/>
+        <p:txBody>
+          <a:bodyPr/>
+          <a:lstStyle/>
+          <a:p>
+            <a:endParaRPr lang="en-GB" dirty="0"/>
+          </a:p>
+        </p:txBody>
+      </p:sp>
+      <p:sp>
+        <p:nvSpPr>
+          <p:cNvPr id="4" name="Segnaposto piè di pagina 3"/>
+          <p:cNvSpPr>
+            <a:spLocks noGrp="1"/>
+          </p:cNvSpPr>
+          <p:nvPr>
+            <p:ph type="ftr" sz="quarter" idx="10"/>
+          </p:nvPr>
+        </p:nvSpPr>
+        <p:spPr/>
+        <p:txBody>
+          <a:bodyPr/>
+          <a:lstStyle/>
+          <a:p>
+            <a:endParaRPr lang="en-GB"/>
+          </a:p>
+        </p:txBody>
+      </p:sp>
+      <p:sp>
+        <p:nvSpPr>
+          <p:cNvPr id="5" name="Segnaposto numero diapositiva 4"/>
+          <p:cNvSpPr>
+            <a:spLocks noGrp="1"/>
+          </p:cNvSpPr>
+          <p:nvPr>
+            <p:ph type="sldNum" sz="quarter" idx="11"/>
+          </p:nvPr>
+        </p:nvSpPr>
+        <p:spPr/>
+        <p:txBody>
+          <a:bodyPr/>
+          <a:lstStyle/>
+          <a:p>
+            <a:fld id="{5D547B64-7F69-451B-8351-3B4EE3E72C48}" type="slidenum">
+              <a:rPr lang="en-GB" smtClean="0"/>
+              <a:t>34</a:t>
+            </a:fld>
+            <a:endParaRPr lang="en-GB"/>
+          </a:p>
+        </p:txBody>
+      </p:sp>
+    </p:spTree>
+    <p:extLst>
+      <p:ext uri="{BB962C8B-B14F-4D97-AF65-F5344CB8AC3E}">
+        <p14:creationId xmlns:p14="http://schemas.microsoft.com/office/powerpoint/2010/main" val="2622852089"/>
       </p:ext>
     </p:extLst>
   </p:cSld>
@@ -21121,7 +21225,7 @@
           <a:p>
             <a:pPr algn="ctr"/>
             <a:r>
-              <a:rPr lang="en-GB" u="sng" dirty="0" err="1"/>
+              <a:rPr lang="en-GB" dirty="0" err="1"/>
               <a:t>endOfStep</a:t>
             </a:r>
             <a:endParaRPr lang="en-GB" dirty="0"/>
@@ -23446,6 +23550,1444 @@
       </p:grpSpPr>
       <p:sp>
         <p:nvSpPr>
+          <p:cNvPr id="4" name="Rettangolo 3"/>
+          <p:cNvSpPr/>
+          <p:nvPr/>
+        </p:nvSpPr>
+        <p:spPr>
+          <a:xfrm>
+            <a:off x="2411760" y="1988840"/>
+            <a:ext cx="2232248" cy="2140496"/>
+          </a:xfrm>
+          <a:prstGeom prst="rect">
+            <a:avLst/>
+          </a:prstGeom>
+          <a:solidFill>
+            <a:schemeClr val="bg1"/>
+          </a:solidFill>
+          <a:ln>
+            <a:solidFill>
+              <a:srgbClr val="00B050"/>
+            </a:solidFill>
+          </a:ln>
+        </p:spPr>
+        <p:style>
+          <a:lnRef idx="2">
+            <a:schemeClr val="accent1">
+              <a:shade val="50000"/>
+            </a:schemeClr>
+          </a:lnRef>
+          <a:fillRef idx="1">
+            <a:schemeClr val="accent1"/>
+          </a:fillRef>
+          <a:effectRef idx="0">
+            <a:schemeClr val="accent1"/>
+          </a:effectRef>
+          <a:fontRef idx="minor">
+            <a:schemeClr val="lt1"/>
+          </a:fontRef>
+        </p:style>
+        <p:txBody>
+          <a:bodyPr rtlCol="0" anchor="ctr"/>
+          <a:lstStyle/>
+          <a:p>
+            <a:pPr algn="ctr"/>
+            <a:endParaRPr lang="en-GB"/>
+          </a:p>
+        </p:txBody>
+      </p:sp>
+      <p:sp>
+        <p:nvSpPr>
+          <p:cNvPr id="15" name="Rettangolo 14"/>
+          <p:cNvSpPr/>
+          <p:nvPr/>
+        </p:nvSpPr>
+        <p:spPr>
+          <a:xfrm>
+            <a:off x="2411761" y="1988840"/>
+            <a:ext cx="360040" cy="324036"/>
+          </a:xfrm>
+          <a:prstGeom prst="rect">
+            <a:avLst/>
+          </a:prstGeom>
+          <a:solidFill>
+            <a:srgbClr val="FFFF00"/>
+          </a:solidFill>
+        </p:spPr>
+        <p:style>
+          <a:lnRef idx="2">
+            <a:schemeClr val="accent1">
+              <a:shade val="50000"/>
+            </a:schemeClr>
+          </a:lnRef>
+          <a:fillRef idx="1">
+            <a:schemeClr val="accent1"/>
+          </a:fillRef>
+          <a:effectRef idx="0">
+            <a:schemeClr val="accent1"/>
+          </a:effectRef>
+          <a:fontRef idx="minor">
+            <a:schemeClr val="lt1"/>
+          </a:fontRef>
+        </p:style>
+        <p:txBody>
+          <a:bodyPr rtlCol="0" anchor="ctr"/>
+          <a:lstStyle/>
+          <a:p>
+            <a:pPr algn="ctr"/>
+            <a:endParaRPr lang="en-GB"/>
+          </a:p>
+        </p:txBody>
+      </p:sp>
+      <p:sp>
+        <p:nvSpPr>
+          <p:cNvPr id="2" name="Segnaposto piè di pagina 1"/>
+          <p:cNvSpPr>
+            <a:spLocks noGrp="1"/>
+          </p:cNvSpPr>
+          <p:nvPr>
+            <p:ph type="ftr" sz="quarter" idx="11"/>
+          </p:nvPr>
+        </p:nvSpPr>
+        <p:spPr/>
+        <p:txBody>
+          <a:bodyPr/>
+          <a:lstStyle/>
+          <a:p>
+            <a:r>
+              <a:rPr lang="it-IT" smtClean="0"/>
+              <a:t>ANatali  - DISI - ISSM2020  Univeristy of Bologna</a:t>
+            </a:r>
+            <a:endParaRPr lang="en-GB"/>
+          </a:p>
+        </p:txBody>
+      </p:sp>
+      <p:sp>
+        <p:nvSpPr>
+          <p:cNvPr id="3" name="Segnaposto numero diapositiva 2"/>
+          <p:cNvSpPr>
+            <a:spLocks noGrp="1"/>
+          </p:cNvSpPr>
+          <p:nvPr>
+            <p:ph type="sldNum" sz="quarter" idx="12"/>
+          </p:nvPr>
+        </p:nvSpPr>
+        <p:spPr/>
+        <p:txBody>
+          <a:bodyPr/>
+          <a:lstStyle/>
+          <a:p>
+            <a:fld id="{6F6A5AB3-AF76-4EC9-853D-D4C335162C13}" type="slidenum">
+              <a:rPr lang="en-GB" smtClean="0"/>
+              <a:t>32</a:t>
+            </a:fld>
+            <a:endParaRPr lang="en-GB"/>
+          </a:p>
+        </p:txBody>
+      </p:sp>
+      <p:sp>
+        <p:nvSpPr>
+          <p:cNvPr id="5" name="Ovale 4"/>
+          <p:cNvSpPr/>
+          <p:nvPr/>
+        </p:nvSpPr>
+        <p:spPr>
+          <a:xfrm>
+            <a:off x="2771800" y="3959189"/>
+            <a:ext cx="68456" cy="76254"/>
+          </a:xfrm>
+          <a:prstGeom prst="ellipse">
+            <a:avLst/>
+          </a:prstGeom>
+          <a:ln>
+            <a:solidFill>
+              <a:schemeClr val="bg1"/>
+            </a:solidFill>
+          </a:ln>
+        </p:spPr>
+        <p:style>
+          <a:lnRef idx="2">
+            <a:schemeClr val="accent2"/>
+          </a:lnRef>
+          <a:fillRef idx="1">
+            <a:schemeClr val="lt1"/>
+          </a:fillRef>
+          <a:effectRef idx="0">
+            <a:schemeClr val="accent2"/>
+          </a:effectRef>
+          <a:fontRef idx="minor">
+            <a:schemeClr val="dk1"/>
+          </a:fontRef>
+        </p:style>
+        <p:txBody>
+          <a:bodyPr rtlCol="0" anchor="ctr"/>
+          <a:lstStyle/>
+          <a:p>
+            <a:pPr algn="ctr"/>
+            <a:endParaRPr lang="en-GB" dirty="0"/>
+          </a:p>
+        </p:txBody>
+      </p:sp>
+      <p:sp>
+        <p:nvSpPr>
+          <p:cNvPr id="6" name="Ovale 5"/>
+          <p:cNvSpPr/>
+          <p:nvPr/>
+        </p:nvSpPr>
+        <p:spPr>
+          <a:xfrm>
+            <a:off x="3478813" y="3959189"/>
+            <a:ext cx="68456" cy="76254"/>
+          </a:xfrm>
+          <a:prstGeom prst="ellipse">
+            <a:avLst/>
+          </a:prstGeom>
+          <a:ln>
+            <a:solidFill>
+              <a:schemeClr val="bg1"/>
+            </a:solidFill>
+          </a:ln>
+        </p:spPr>
+        <p:style>
+          <a:lnRef idx="2">
+            <a:schemeClr val="accent2"/>
+          </a:lnRef>
+          <a:fillRef idx="1">
+            <a:schemeClr val="lt1"/>
+          </a:fillRef>
+          <a:effectRef idx="0">
+            <a:schemeClr val="accent2"/>
+          </a:effectRef>
+          <a:fontRef idx="minor">
+            <a:schemeClr val="dk1"/>
+          </a:fontRef>
+        </p:style>
+        <p:txBody>
+          <a:bodyPr rtlCol="0" anchor="ctr"/>
+          <a:lstStyle/>
+          <a:p>
+            <a:pPr algn="ctr"/>
+            <a:endParaRPr lang="en-GB" dirty="0"/>
+          </a:p>
+        </p:txBody>
+      </p:sp>
+      <p:sp>
+        <p:nvSpPr>
+          <p:cNvPr id="7" name="Ovale 6"/>
+          <p:cNvSpPr/>
+          <p:nvPr/>
+        </p:nvSpPr>
+        <p:spPr>
+          <a:xfrm>
+            <a:off x="3476644" y="2088915"/>
+            <a:ext cx="68456" cy="76254"/>
+          </a:xfrm>
+          <a:prstGeom prst="ellipse">
+            <a:avLst/>
+          </a:prstGeom>
+          <a:ln>
+            <a:solidFill>
+              <a:schemeClr val="bg1"/>
+            </a:solidFill>
+          </a:ln>
+        </p:spPr>
+        <p:style>
+          <a:lnRef idx="2">
+            <a:schemeClr val="accent2"/>
+          </a:lnRef>
+          <a:fillRef idx="1">
+            <a:schemeClr val="lt1"/>
+          </a:fillRef>
+          <a:effectRef idx="0">
+            <a:schemeClr val="accent2"/>
+          </a:effectRef>
+          <a:fontRef idx="minor">
+            <a:schemeClr val="dk1"/>
+          </a:fontRef>
+        </p:style>
+        <p:txBody>
+          <a:bodyPr rtlCol="0" anchor="ctr"/>
+          <a:lstStyle/>
+          <a:p>
+            <a:pPr algn="ctr"/>
+            <a:endParaRPr lang="en-GB" dirty="0"/>
+          </a:p>
+        </p:txBody>
+      </p:sp>
+      <p:sp>
+        <p:nvSpPr>
+          <p:cNvPr id="8" name="Ovale 7"/>
+          <p:cNvSpPr/>
+          <p:nvPr/>
+        </p:nvSpPr>
+        <p:spPr>
+          <a:xfrm>
+            <a:off x="4356677" y="2101197"/>
+            <a:ext cx="68456" cy="76254"/>
+          </a:xfrm>
+          <a:prstGeom prst="ellipse">
+            <a:avLst/>
+          </a:prstGeom>
+          <a:ln>
+            <a:solidFill>
+              <a:schemeClr val="bg1"/>
+            </a:solidFill>
+          </a:ln>
+        </p:spPr>
+        <p:style>
+          <a:lnRef idx="2">
+            <a:schemeClr val="accent2"/>
+          </a:lnRef>
+          <a:fillRef idx="1">
+            <a:schemeClr val="lt1"/>
+          </a:fillRef>
+          <a:effectRef idx="0">
+            <a:schemeClr val="accent2"/>
+          </a:effectRef>
+          <a:fontRef idx="minor">
+            <a:schemeClr val="dk1"/>
+          </a:fontRef>
+        </p:style>
+        <p:txBody>
+          <a:bodyPr rtlCol="0" anchor="ctr"/>
+          <a:lstStyle/>
+          <a:p>
+            <a:pPr algn="ctr"/>
+            <a:endParaRPr lang="en-GB" dirty="0"/>
+          </a:p>
+        </p:txBody>
+      </p:sp>
+      <p:sp>
+        <p:nvSpPr>
+          <p:cNvPr id="9" name="Ovale 8"/>
+          <p:cNvSpPr/>
+          <p:nvPr/>
+        </p:nvSpPr>
+        <p:spPr>
+          <a:xfrm>
+            <a:off x="4373690" y="3973404"/>
+            <a:ext cx="68456" cy="76254"/>
+          </a:xfrm>
+          <a:prstGeom prst="ellipse">
+            <a:avLst/>
+          </a:prstGeom>
+          <a:ln>
+            <a:solidFill>
+              <a:schemeClr val="bg1"/>
+            </a:solidFill>
+          </a:ln>
+        </p:spPr>
+        <p:style>
+          <a:lnRef idx="2">
+            <a:schemeClr val="accent2"/>
+          </a:lnRef>
+          <a:fillRef idx="1">
+            <a:schemeClr val="lt1"/>
+          </a:fillRef>
+          <a:effectRef idx="0">
+            <a:schemeClr val="accent2"/>
+          </a:effectRef>
+          <a:fontRef idx="minor">
+            <a:schemeClr val="dk1"/>
+          </a:fontRef>
+        </p:style>
+        <p:txBody>
+          <a:bodyPr rtlCol="0" anchor="ctr"/>
+          <a:lstStyle/>
+          <a:p>
+            <a:pPr algn="ctr"/>
+            <a:endParaRPr lang="en-GB" dirty="0"/>
+          </a:p>
+        </p:txBody>
+      </p:sp>
+      <p:sp>
+        <p:nvSpPr>
+          <p:cNvPr id="12" name="Ovale 11"/>
+          <p:cNvSpPr/>
+          <p:nvPr/>
+        </p:nvSpPr>
+        <p:spPr>
+          <a:xfrm>
+            <a:off x="2424111" y="2009416"/>
+            <a:ext cx="335339" cy="282884"/>
+          </a:xfrm>
+          <a:prstGeom prst="ellipse">
+            <a:avLst/>
+          </a:prstGeom>
+          <a:solidFill>
+            <a:srgbClr val="33CCCC"/>
+          </a:solidFill>
+          <a:ln>
+            <a:solidFill>
+              <a:srgbClr val="33CCCC"/>
+            </a:solidFill>
+          </a:ln>
+        </p:spPr>
+        <p:style>
+          <a:lnRef idx="2">
+            <a:schemeClr val="accent4"/>
+          </a:lnRef>
+          <a:fillRef idx="1">
+            <a:schemeClr val="lt1"/>
+          </a:fillRef>
+          <a:effectRef idx="0">
+            <a:schemeClr val="accent4"/>
+          </a:effectRef>
+          <a:fontRef idx="minor">
+            <a:schemeClr val="dk1"/>
+          </a:fontRef>
+        </p:style>
+        <p:txBody>
+          <a:bodyPr rtlCol="0" anchor="ctr"/>
+          <a:lstStyle/>
+          <a:p>
+            <a:pPr algn="ctr"/>
+            <a:r>
+              <a:rPr lang="it-IT" sz="1100" dirty="0" smtClean="0"/>
+              <a:t>R</a:t>
+            </a:r>
+            <a:endParaRPr lang="en-GB" sz="1100" dirty="0"/>
+          </a:p>
+        </p:txBody>
+      </p:sp>
+      <p:sp>
+        <p:nvSpPr>
+          <p:cNvPr id="16" name="Rettangolo 15"/>
+          <p:cNvSpPr/>
+          <p:nvPr/>
+        </p:nvSpPr>
+        <p:spPr>
+          <a:xfrm>
+            <a:off x="2411761" y="2321112"/>
+            <a:ext cx="360040" cy="324036"/>
+          </a:xfrm>
+          <a:prstGeom prst="rect">
+            <a:avLst/>
+          </a:prstGeom>
+          <a:solidFill>
+            <a:srgbClr val="FFFF00"/>
+          </a:solidFill>
+        </p:spPr>
+        <p:style>
+          <a:lnRef idx="2">
+            <a:schemeClr val="accent1">
+              <a:shade val="50000"/>
+            </a:schemeClr>
+          </a:lnRef>
+          <a:fillRef idx="1">
+            <a:schemeClr val="accent1"/>
+          </a:fillRef>
+          <a:effectRef idx="0">
+            <a:schemeClr val="accent1"/>
+          </a:effectRef>
+          <a:fontRef idx="minor">
+            <a:schemeClr val="lt1"/>
+          </a:fontRef>
+        </p:style>
+        <p:txBody>
+          <a:bodyPr rtlCol="0" anchor="ctr"/>
+          <a:lstStyle/>
+          <a:p>
+            <a:pPr algn="ctr"/>
+            <a:endParaRPr lang="en-GB"/>
+          </a:p>
+        </p:txBody>
+      </p:sp>
+      <p:sp>
+        <p:nvSpPr>
+          <p:cNvPr id="17" name="Rettangolo 16"/>
+          <p:cNvSpPr/>
+          <p:nvPr/>
+        </p:nvSpPr>
+        <p:spPr>
+          <a:xfrm>
+            <a:off x="2771801" y="1997076"/>
+            <a:ext cx="360040" cy="324036"/>
+          </a:xfrm>
+          <a:prstGeom prst="rect">
+            <a:avLst/>
+          </a:prstGeom>
+          <a:solidFill>
+            <a:srgbClr val="FFFF00"/>
+          </a:solidFill>
+        </p:spPr>
+        <p:style>
+          <a:lnRef idx="2">
+            <a:schemeClr val="accent1">
+              <a:shade val="50000"/>
+            </a:schemeClr>
+          </a:lnRef>
+          <a:fillRef idx="1">
+            <a:schemeClr val="accent1"/>
+          </a:fillRef>
+          <a:effectRef idx="0">
+            <a:schemeClr val="accent1"/>
+          </a:effectRef>
+          <a:fontRef idx="minor">
+            <a:schemeClr val="lt1"/>
+          </a:fontRef>
+        </p:style>
+        <p:txBody>
+          <a:bodyPr rtlCol="0" anchor="ctr"/>
+          <a:lstStyle/>
+          <a:p>
+            <a:pPr algn="ctr"/>
+            <a:endParaRPr lang="en-GB"/>
+          </a:p>
+        </p:txBody>
+      </p:sp>
+      <p:sp>
+        <p:nvSpPr>
+          <p:cNvPr id="18" name="Rettangolo 17"/>
+          <p:cNvSpPr/>
+          <p:nvPr/>
+        </p:nvSpPr>
+        <p:spPr>
+          <a:xfrm>
+            <a:off x="2411761" y="2645148"/>
+            <a:ext cx="360040" cy="324036"/>
+          </a:xfrm>
+          <a:prstGeom prst="rect">
+            <a:avLst/>
+          </a:prstGeom>
+          <a:solidFill>
+            <a:srgbClr val="FFFF00"/>
+          </a:solidFill>
+        </p:spPr>
+        <p:style>
+          <a:lnRef idx="2">
+            <a:schemeClr val="accent1">
+              <a:shade val="50000"/>
+            </a:schemeClr>
+          </a:lnRef>
+          <a:fillRef idx="1">
+            <a:schemeClr val="accent1"/>
+          </a:fillRef>
+          <a:effectRef idx="0">
+            <a:schemeClr val="accent1"/>
+          </a:effectRef>
+          <a:fontRef idx="minor">
+            <a:schemeClr val="lt1"/>
+          </a:fontRef>
+        </p:style>
+        <p:txBody>
+          <a:bodyPr rtlCol="0" anchor="ctr"/>
+          <a:lstStyle/>
+          <a:p>
+            <a:pPr algn="ctr"/>
+            <a:endParaRPr lang="en-GB"/>
+          </a:p>
+        </p:txBody>
+      </p:sp>
+      <p:sp>
+        <p:nvSpPr>
+          <p:cNvPr id="19" name="Rettangolo 18"/>
+          <p:cNvSpPr/>
+          <p:nvPr/>
+        </p:nvSpPr>
+        <p:spPr>
+          <a:xfrm>
+            <a:off x="2399410" y="2956017"/>
+            <a:ext cx="360040" cy="324036"/>
+          </a:xfrm>
+          <a:prstGeom prst="rect">
+            <a:avLst/>
+          </a:prstGeom>
+          <a:solidFill>
+            <a:srgbClr val="FFFF00"/>
+          </a:solidFill>
+        </p:spPr>
+        <p:style>
+          <a:lnRef idx="2">
+            <a:schemeClr val="accent1">
+              <a:shade val="50000"/>
+            </a:schemeClr>
+          </a:lnRef>
+          <a:fillRef idx="1">
+            <a:schemeClr val="accent1"/>
+          </a:fillRef>
+          <a:effectRef idx="0">
+            <a:schemeClr val="accent1"/>
+          </a:effectRef>
+          <a:fontRef idx="minor">
+            <a:schemeClr val="lt1"/>
+          </a:fontRef>
+        </p:style>
+        <p:txBody>
+          <a:bodyPr rtlCol="0" anchor="ctr"/>
+          <a:lstStyle/>
+          <a:p>
+            <a:pPr algn="ctr"/>
+            <a:endParaRPr lang="en-GB"/>
+          </a:p>
+        </p:txBody>
+      </p:sp>
+      <p:sp>
+        <p:nvSpPr>
+          <p:cNvPr id="20" name="Rettangolo 19"/>
+          <p:cNvSpPr/>
+          <p:nvPr/>
+        </p:nvSpPr>
+        <p:spPr>
+          <a:xfrm>
+            <a:off x="2399410" y="3280053"/>
+            <a:ext cx="360040" cy="324036"/>
+          </a:xfrm>
+          <a:prstGeom prst="rect">
+            <a:avLst/>
+          </a:prstGeom>
+          <a:solidFill>
+            <a:srgbClr val="FFFF00"/>
+          </a:solidFill>
+        </p:spPr>
+        <p:style>
+          <a:lnRef idx="2">
+            <a:schemeClr val="accent1">
+              <a:shade val="50000"/>
+            </a:schemeClr>
+          </a:lnRef>
+          <a:fillRef idx="1">
+            <a:schemeClr val="accent1"/>
+          </a:fillRef>
+          <a:effectRef idx="0">
+            <a:schemeClr val="accent1"/>
+          </a:effectRef>
+          <a:fontRef idx="minor">
+            <a:schemeClr val="lt1"/>
+          </a:fontRef>
+        </p:style>
+        <p:txBody>
+          <a:bodyPr rtlCol="0" anchor="ctr"/>
+          <a:lstStyle/>
+          <a:p>
+            <a:pPr algn="ctr"/>
+            <a:endParaRPr lang="en-GB"/>
+          </a:p>
+        </p:txBody>
+      </p:sp>
+      <p:sp>
+        <p:nvSpPr>
+          <p:cNvPr id="21" name="CasellaDiTesto 20"/>
+          <p:cNvSpPr txBox="1"/>
+          <p:nvPr/>
+        </p:nvSpPr>
+        <p:spPr>
+          <a:xfrm>
+            <a:off x="6306437" y="260648"/>
+            <a:ext cx="862737" cy="646331"/>
+          </a:xfrm>
+          <a:prstGeom prst="rect">
+            <a:avLst/>
+          </a:prstGeom>
+          <a:noFill/>
+        </p:spPr>
+        <p:txBody>
+          <a:bodyPr wrap="none" rtlCol="0">
+            <a:spAutoFit/>
+          </a:bodyPr>
+          <a:lstStyle/>
+          <a:p>
+            <a:r>
+              <a:rPr lang="it-IT" sz="3600" dirty="0" err="1" smtClean="0"/>
+              <a:t>step</a:t>
+            </a:r>
+            <a:endParaRPr lang="en-GB" sz="3600" dirty="0"/>
+          </a:p>
+        </p:txBody>
+      </p:sp>
+      <p:sp>
+        <p:nvSpPr>
+          <p:cNvPr id="22" name="Rettangolo 21"/>
+          <p:cNvSpPr/>
+          <p:nvPr/>
+        </p:nvSpPr>
+        <p:spPr>
+          <a:xfrm>
+            <a:off x="2399410" y="3609777"/>
+            <a:ext cx="360040" cy="324036"/>
+          </a:xfrm>
+          <a:prstGeom prst="rect">
+            <a:avLst/>
+          </a:prstGeom>
+          <a:solidFill>
+            <a:srgbClr val="FFFF00"/>
+          </a:solidFill>
+        </p:spPr>
+        <p:style>
+          <a:lnRef idx="2">
+            <a:schemeClr val="accent1">
+              <a:shade val="50000"/>
+            </a:schemeClr>
+          </a:lnRef>
+          <a:fillRef idx="1">
+            <a:schemeClr val="accent1"/>
+          </a:fillRef>
+          <a:effectRef idx="0">
+            <a:schemeClr val="accent1"/>
+          </a:effectRef>
+          <a:fontRef idx="minor">
+            <a:schemeClr val="lt1"/>
+          </a:fontRef>
+        </p:style>
+        <p:txBody>
+          <a:bodyPr rtlCol="0" anchor="ctr"/>
+          <a:lstStyle/>
+          <a:p>
+            <a:pPr algn="ctr"/>
+            <a:endParaRPr lang="en-GB"/>
+          </a:p>
+        </p:txBody>
+      </p:sp>
+      <p:sp>
+        <p:nvSpPr>
+          <p:cNvPr id="23" name="Rettangolo 22"/>
+          <p:cNvSpPr/>
+          <p:nvPr/>
+        </p:nvSpPr>
+        <p:spPr>
+          <a:xfrm>
+            <a:off x="2727204" y="3609777"/>
+            <a:ext cx="360040" cy="324036"/>
+          </a:xfrm>
+          <a:prstGeom prst="rect">
+            <a:avLst/>
+          </a:prstGeom>
+          <a:solidFill>
+            <a:srgbClr val="FFFF00"/>
+          </a:solidFill>
+        </p:spPr>
+        <p:style>
+          <a:lnRef idx="2">
+            <a:schemeClr val="accent1">
+              <a:shade val="50000"/>
+            </a:schemeClr>
+          </a:lnRef>
+          <a:fillRef idx="1">
+            <a:schemeClr val="accent1"/>
+          </a:fillRef>
+          <a:effectRef idx="0">
+            <a:schemeClr val="accent1"/>
+          </a:effectRef>
+          <a:fontRef idx="minor">
+            <a:schemeClr val="lt1"/>
+          </a:fontRef>
+        </p:style>
+        <p:txBody>
+          <a:bodyPr rtlCol="0" anchor="ctr"/>
+          <a:lstStyle/>
+          <a:p>
+            <a:pPr algn="ctr"/>
+            <a:endParaRPr lang="en-GB"/>
+          </a:p>
+        </p:txBody>
+      </p:sp>
+      <p:sp>
+        <p:nvSpPr>
+          <p:cNvPr id="24" name="Rettangolo 23"/>
+          <p:cNvSpPr/>
+          <p:nvPr/>
+        </p:nvSpPr>
+        <p:spPr>
+          <a:xfrm>
+            <a:off x="3065528" y="3600159"/>
+            <a:ext cx="360040" cy="324036"/>
+          </a:xfrm>
+          <a:prstGeom prst="rect">
+            <a:avLst/>
+          </a:prstGeom>
+          <a:solidFill>
+            <a:srgbClr val="FFFF00"/>
+          </a:solidFill>
+        </p:spPr>
+        <p:style>
+          <a:lnRef idx="2">
+            <a:schemeClr val="accent1">
+              <a:shade val="50000"/>
+            </a:schemeClr>
+          </a:lnRef>
+          <a:fillRef idx="1">
+            <a:schemeClr val="accent1"/>
+          </a:fillRef>
+          <a:effectRef idx="0">
+            <a:schemeClr val="accent1"/>
+          </a:effectRef>
+          <a:fontRef idx="minor">
+            <a:schemeClr val="lt1"/>
+          </a:fontRef>
+        </p:style>
+        <p:txBody>
+          <a:bodyPr rtlCol="0" anchor="ctr"/>
+          <a:lstStyle/>
+          <a:p>
+            <a:pPr algn="ctr"/>
+            <a:endParaRPr lang="en-GB"/>
+          </a:p>
+        </p:txBody>
+      </p:sp>
+      <p:sp>
+        <p:nvSpPr>
+          <p:cNvPr id="25" name="Rettangolo 24"/>
+          <p:cNvSpPr/>
+          <p:nvPr/>
+        </p:nvSpPr>
+        <p:spPr>
+          <a:xfrm>
+            <a:off x="3393322" y="3600159"/>
+            <a:ext cx="360040" cy="324036"/>
+          </a:xfrm>
+          <a:prstGeom prst="rect">
+            <a:avLst/>
+          </a:prstGeom>
+          <a:solidFill>
+            <a:srgbClr val="FFFF00"/>
+          </a:solidFill>
+        </p:spPr>
+        <p:style>
+          <a:lnRef idx="2">
+            <a:schemeClr val="accent1">
+              <a:shade val="50000"/>
+            </a:schemeClr>
+          </a:lnRef>
+          <a:fillRef idx="1">
+            <a:schemeClr val="accent1"/>
+          </a:fillRef>
+          <a:effectRef idx="0">
+            <a:schemeClr val="accent1"/>
+          </a:effectRef>
+          <a:fontRef idx="minor">
+            <a:schemeClr val="lt1"/>
+          </a:fontRef>
+        </p:style>
+        <p:txBody>
+          <a:bodyPr rtlCol="0" anchor="ctr"/>
+          <a:lstStyle/>
+          <a:p>
+            <a:pPr algn="ctr"/>
+            <a:endParaRPr lang="en-GB"/>
+          </a:p>
+        </p:txBody>
+      </p:sp>
+      <p:sp>
+        <p:nvSpPr>
+          <p:cNvPr id="26" name="Rettangolo 25"/>
+          <p:cNvSpPr/>
+          <p:nvPr/>
+        </p:nvSpPr>
+        <p:spPr>
+          <a:xfrm>
+            <a:off x="3753362" y="3627252"/>
+            <a:ext cx="360040" cy="324036"/>
+          </a:xfrm>
+          <a:prstGeom prst="rect">
+            <a:avLst/>
+          </a:prstGeom>
+          <a:solidFill>
+            <a:srgbClr val="FFFF00"/>
+          </a:solidFill>
+        </p:spPr>
+        <p:style>
+          <a:lnRef idx="2">
+            <a:schemeClr val="accent1">
+              <a:shade val="50000"/>
+            </a:schemeClr>
+          </a:lnRef>
+          <a:fillRef idx="1">
+            <a:schemeClr val="accent1"/>
+          </a:fillRef>
+          <a:effectRef idx="0">
+            <a:schemeClr val="accent1"/>
+          </a:effectRef>
+          <a:fontRef idx="minor">
+            <a:schemeClr val="lt1"/>
+          </a:fontRef>
+        </p:style>
+        <p:txBody>
+          <a:bodyPr rtlCol="0" anchor="ctr"/>
+          <a:lstStyle/>
+          <a:p>
+            <a:pPr algn="ctr"/>
+            <a:endParaRPr lang="en-GB"/>
+          </a:p>
+        </p:txBody>
+      </p:sp>
+      <p:sp>
+        <p:nvSpPr>
+          <p:cNvPr id="27" name="Rettangolo 26"/>
+          <p:cNvSpPr/>
+          <p:nvPr/>
+        </p:nvSpPr>
+        <p:spPr>
+          <a:xfrm>
+            <a:off x="4166932" y="3641468"/>
+            <a:ext cx="360040" cy="324036"/>
+          </a:xfrm>
+          <a:prstGeom prst="rect">
+            <a:avLst/>
+          </a:prstGeom>
+          <a:solidFill>
+            <a:srgbClr val="FFFF00"/>
+          </a:solidFill>
+        </p:spPr>
+        <p:style>
+          <a:lnRef idx="2">
+            <a:schemeClr val="accent1">
+              <a:shade val="50000"/>
+            </a:schemeClr>
+          </a:lnRef>
+          <a:fillRef idx="1">
+            <a:schemeClr val="accent1"/>
+          </a:fillRef>
+          <a:effectRef idx="0">
+            <a:schemeClr val="accent1"/>
+          </a:effectRef>
+          <a:fontRef idx="minor">
+            <a:schemeClr val="lt1"/>
+          </a:fontRef>
+        </p:style>
+        <p:txBody>
+          <a:bodyPr rtlCol="0" anchor="ctr"/>
+          <a:lstStyle/>
+          <a:p>
+            <a:pPr algn="ctr"/>
+            <a:endParaRPr lang="en-GB"/>
+          </a:p>
+        </p:txBody>
+      </p:sp>
+      <p:sp>
+        <p:nvSpPr>
+          <p:cNvPr id="28" name="Rettangolo 27"/>
+          <p:cNvSpPr/>
+          <p:nvPr/>
+        </p:nvSpPr>
+        <p:spPr>
+          <a:xfrm>
+            <a:off x="4154473" y="2028767"/>
+            <a:ext cx="360040" cy="324036"/>
+          </a:xfrm>
+          <a:prstGeom prst="rect">
+            <a:avLst/>
+          </a:prstGeom>
+          <a:solidFill>
+            <a:srgbClr val="FFFF00"/>
+          </a:solidFill>
+        </p:spPr>
+        <p:style>
+          <a:lnRef idx="2">
+            <a:schemeClr val="accent1">
+              <a:shade val="50000"/>
+            </a:schemeClr>
+          </a:lnRef>
+          <a:fillRef idx="1">
+            <a:schemeClr val="accent1"/>
+          </a:fillRef>
+          <a:effectRef idx="0">
+            <a:schemeClr val="accent1"/>
+          </a:effectRef>
+          <a:fontRef idx="minor">
+            <a:schemeClr val="lt1"/>
+          </a:fontRef>
+        </p:style>
+        <p:txBody>
+          <a:bodyPr rtlCol="0" anchor="ctr"/>
+          <a:lstStyle/>
+          <a:p>
+            <a:pPr algn="ctr"/>
+            <a:endParaRPr lang="en-GB"/>
+          </a:p>
+        </p:txBody>
+      </p:sp>
+      <p:sp>
+        <p:nvSpPr>
+          <p:cNvPr id="29" name="Rettangolo 28"/>
+          <p:cNvSpPr/>
+          <p:nvPr/>
+        </p:nvSpPr>
+        <p:spPr>
+          <a:xfrm>
+            <a:off x="4154473" y="2352803"/>
+            <a:ext cx="360040" cy="324036"/>
+          </a:xfrm>
+          <a:prstGeom prst="rect">
+            <a:avLst/>
+          </a:prstGeom>
+          <a:solidFill>
+            <a:srgbClr val="FFFF00"/>
+          </a:solidFill>
+        </p:spPr>
+        <p:style>
+          <a:lnRef idx="2">
+            <a:schemeClr val="accent1">
+              <a:shade val="50000"/>
+            </a:schemeClr>
+          </a:lnRef>
+          <a:fillRef idx="1">
+            <a:schemeClr val="accent1"/>
+          </a:fillRef>
+          <a:effectRef idx="0">
+            <a:schemeClr val="accent1"/>
+          </a:effectRef>
+          <a:fontRef idx="minor">
+            <a:schemeClr val="lt1"/>
+          </a:fontRef>
+        </p:style>
+        <p:txBody>
+          <a:bodyPr rtlCol="0" anchor="ctr"/>
+          <a:lstStyle/>
+          <a:p>
+            <a:pPr algn="ctr"/>
+            <a:endParaRPr lang="en-GB"/>
+          </a:p>
+        </p:txBody>
+      </p:sp>
+      <p:sp>
+        <p:nvSpPr>
+          <p:cNvPr id="30" name="Rettangolo 29"/>
+          <p:cNvSpPr/>
+          <p:nvPr/>
+        </p:nvSpPr>
+        <p:spPr>
+          <a:xfrm>
+            <a:off x="4142122" y="2663672"/>
+            <a:ext cx="360040" cy="324036"/>
+          </a:xfrm>
+          <a:prstGeom prst="rect">
+            <a:avLst/>
+          </a:prstGeom>
+          <a:solidFill>
+            <a:srgbClr val="FFFF00"/>
+          </a:solidFill>
+        </p:spPr>
+        <p:style>
+          <a:lnRef idx="2">
+            <a:schemeClr val="accent1">
+              <a:shade val="50000"/>
+            </a:schemeClr>
+          </a:lnRef>
+          <a:fillRef idx="1">
+            <a:schemeClr val="accent1"/>
+          </a:fillRef>
+          <a:effectRef idx="0">
+            <a:schemeClr val="accent1"/>
+          </a:effectRef>
+          <a:fontRef idx="minor">
+            <a:schemeClr val="lt1"/>
+          </a:fontRef>
+        </p:style>
+        <p:txBody>
+          <a:bodyPr rtlCol="0" anchor="ctr"/>
+          <a:lstStyle/>
+          <a:p>
+            <a:pPr algn="ctr"/>
+            <a:endParaRPr lang="en-GB"/>
+          </a:p>
+        </p:txBody>
+      </p:sp>
+      <p:sp>
+        <p:nvSpPr>
+          <p:cNvPr id="31" name="Rettangolo 30"/>
+          <p:cNvSpPr/>
+          <p:nvPr/>
+        </p:nvSpPr>
+        <p:spPr>
+          <a:xfrm>
+            <a:off x="4142122" y="2987708"/>
+            <a:ext cx="360040" cy="324036"/>
+          </a:xfrm>
+          <a:prstGeom prst="rect">
+            <a:avLst/>
+          </a:prstGeom>
+          <a:solidFill>
+            <a:srgbClr val="FFFF00"/>
+          </a:solidFill>
+        </p:spPr>
+        <p:style>
+          <a:lnRef idx="2">
+            <a:schemeClr val="accent1">
+              <a:shade val="50000"/>
+            </a:schemeClr>
+          </a:lnRef>
+          <a:fillRef idx="1">
+            <a:schemeClr val="accent1"/>
+          </a:fillRef>
+          <a:effectRef idx="0">
+            <a:schemeClr val="accent1"/>
+          </a:effectRef>
+          <a:fontRef idx="minor">
+            <a:schemeClr val="lt1"/>
+          </a:fontRef>
+        </p:style>
+        <p:txBody>
+          <a:bodyPr rtlCol="0" anchor="ctr"/>
+          <a:lstStyle/>
+          <a:p>
+            <a:pPr algn="ctr"/>
+            <a:endParaRPr lang="en-GB"/>
+          </a:p>
+        </p:txBody>
+      </p:sp>
+      <p:sp>
+        <p:nvSpPr>
+          <p:cNvPr id="32" name="Rettangolo 31"/>
+          <p:cNvSpPr/>
+          <p:nvPr/>
+        </p:nvSpPr>
+        <p:spPr>
+          <a:xfrm>
+            <a:off x="4142122" y="3317432"/>
+            <a:ext cx="360040" cy="324036"/>
+          </a:xfrm>
+          <a:prstGeom prst="rect">
+            <a:avLst/>
+          </a:prstGeom>
+          <a:solidFill>
+            <a:srgbClr val="FFFF00"/>
+          </a:solidFill>
+        </p:spPr>
+        <p:style>
+          <a:lnRef idx="2">
+            <a:schemeClr val="accent1">
+              <a:shade val="50000"/>
+            </a:schemeClr>
+          </a:lnRef>
+          <a:fillRef idx="1">
+            <a:schemeClr val="accent1"/>
+          </a:fillRef>
+          <a:effectRef idx="0">
+            <a:schemeClr val="accent1"/>
+          </a:effectRef>
+          <a:fontRef idx="minor">
+            <a:schemeClr val="lt1"/>
+          </a:fontRef>
+        </p:style>
+        <p:txBody>
+          <a:bodyPr rtlCol="0" anchor="ctr"/>
+          <a:lstStyle/>
+          <a:p>
+            <a:pPr algn="ctr"/>
+            <a:endParaRPr lang="en-GB"/>
+          </a:p>
+        </p:txBody>
+      </p:sp>
+      <p:sp>
+        <p:nvSpPr>
+          <p:cNvPr id="33" name="Ovale 32"/>
+          <p:cNvSpPr/>
+          <p:nvPr/>
+        </p:nvSpPr>
+        <p:spPr>
+          <a:xfrm>
+            <a:off x="3537815" y="2354372"/>
+            <a:ext cx="68456" cy="76254"/>
+          </a:xfrm>
+          <a:prstGeom prst="ellipse">
+            <a:avLst/>
+          </a:prstGeom>
+          <a:ln>
+            <a:solidFill>
+              <a:schemeClr val="bg1"/>
+            </a:solidFill>
+          </a:ln>
+        </p:spPr>
+        <p:style>
+          <a:lnRef idx="2">
+            <a:schemeClr val="accent2"/>
+          </a:lnRef>
+          <a:fillRef idx="1">
+            <a:schemeClr val="lt1"/>
+          </a:fillRef>
+          <a:effectRef idx="0">
+            <a:schemeClr val="accent2"/>
+          </a:effectRef>
+          <a:fontRef idx="minor">
+            <a:schemeClr val="dk1"/>
+          </a:fontRef>
+        </p:style>
+        <p:txBody>
+          <a:bodyPr rtlCol="0" anchor="ctr"/>
+          <a:lstStyle/>
+          <a:p>
+            <a:pPr algn="ctr"/>
+            <a:endParaRPr lang="en-GB" dirty="0"/>
+          </a:p>
+        </p:txBody>
+      </p:sp>
+      <p:sp>
+        <p:nvSpPr>
+          <p:cNvPr id="34" name="Ovale 33"/>
+          <p:cNvSpPr/>
+          <p:nvPr/>
+        </p:nvSpPr>
+        <p:spPr>
+          <a:xfrm>
+            <a:off x="4330604" y="2368588"/>
+            <a:ext cx="68456" cy="76254"/>
+          </a:xfrm>
+          <a:prstGeom prst="ellipse">
+            <a:avLst/>
+          </a:prstGeom>
+          <a:ln>
+            <a:solidFill>
+              <a:schemeClr val="bg1"/>
+            </a:solidFill>
+          </a:ln>
+        </p:spPr>
+        <p:style>
+          <a:lnRef idx="2">
+            <a:schemeClr val="accent2"/>
+          </a:lnRef>
+          <a:fillRef idx="1">
+            <a:schemeClr val="lt1"/>
+          </a:fillRef>
+          <a:effectRef idx="0">
+            <a:schemeClr val="accent2"/>
+          </a:effectRef>
+          <a:fontRef idx="minor">
+            <a:schemeClr val="dk1"/>
+          </a:fontRef>
+        </p:style>
+        <p:txBody>
+          <a:bodyPr rtlCol="0" anchor="ctr"/>
+          <a:lstStyle/>
+          <a:p>
+            <a:pPr algn="ctr"/>
+            <a:endParaRPr lang="en-GB" dirty="0"/>
+          </a:p>
+        </p:txBody>
+      </p:sp>
+      <p:sp>
+        <p:nvSpPr>
+          <p:cNvPr id="35" name="Rettangolo 34"/>
+          <p:cNvSpPr/>
+          <p:nvPr/>
+        </p:nvSpPr>
+        <p:spPr>
+          <a:xfrm>
+            <a:off x="3165425" y="2004960"/>
+            <a:ext cx="360040" cy="324036"/>
+          </a:xfrm>
+          <a:prstGeom prst="rect">
+            <a:avLst/>
+          </a:prstGeom>
+          <a:solidFill>
+            <a:srgbClr val="FFFF00"/>
+          </a:solidFill>
+        </p:spPr>
+        <p:style>
+          <a:lnRef idx="2">
+            <a:schemeClr val="accent1">
+              <a:shade val="50000"/>
+            </a:schemeClr>
+          </a:lnRef>
+          <a:fillRef idx="1">
+            <a:schemeClr val="accent1"/>
+          </a:fillRef>
+          <a:effectRef idx="0">
+            <a:schemeClr val="accent1"/>
+          </a:effectRef>
+          <a:fontRef idx="minor">
+            <a:schemeClr val="lt1"/>
+          </a:fontRef>
+        </p:style>
+        <p:txBody>
+          <a:bodyPr rtlCol="0" anchor="ctr"/>
+          <a:lstStyle/>
+          <a:p>
+            <a:pPr algn="ctr"/>
+            <a:endParaRPr lang="en-GB"/>
+          </a:p>
+        </p:txBody>
+      </p:sp>
+      <p:sp>
+        <p:nvSpPr>
+          <p:cNvPr id="36" name="Rettangolo 35"/>
+          <p:cNvSpPr/>
+          <p:nvPr/>
+        </p:nvSpPr>
+        <p:spPr>
+          <a:xfrm>
+            <a:off x="3493219" y="2004960"/>
+            <a:ext cx="360040" cy="324036"/>
+          </a:xfrm>
+          <a:prstGeom prst="rect">
+            <a:avLst/>
+          </a:prstGeom>
+          <a:solidFill>
+            <a:srgbClr val="FFFF00"/>
+          </a:solidFill>
+        </p:spPr>
+        <p:style>
+          <a:lnRef idx="2">
+            <a:schemeClr val="accent1">
+              <a:shade val="50000"/>
+            </a:schemeClr>
+          </a:lnRef>
+          <a:fillRef idx="1">
+            <a:schemeClr val="accent1"/>
+          </a:fillRef>
+          <a:effectRef idx="0">
+            <a:schemeClr val="accent1"/>
+          </a:effectRef>
+          <a:fontRef idx="minor">
+            <a:schemeClr val="lt1"/>
+          </a:fontRef>
+        </p:style>
+        <p:txBody>
+          <a:bodyPr rtlCol="0" anchor="ctr"/>
+          <a:lstStyle/>
+          <a:p>
+            <a:pPr algn="ctr"/>
+            <a:endParaRPr lang="en-GB"/>
+          </a:p>
+        </p:txBody>
+      </p:sp>
+      <p:sp>
+        <p:nvSpPr>
+          <p:cNvPr id="37" name="Rettangolo 36"/>
+          <p:cNvSpPr/>
+          <p:nvPr/>
+        </p:nvSpPr>
+        <p:spPr>
+          <a:xfrm>
+            <a:off x="3831543" y="1995342"/>
+            <a:ext cx="360040" cy="324036"/>
+          </a:xfrm>
+          <a:prstGeom prst="rect">
+            <a:avLst/>
+          </a:prstGeom>
+          <a:solidFill>
+            <a:srgbClr val="FFFF00"/>
+          </a:solidFill>
+        </p:spPr>
+        <p:style>
+          <a:lnRef idx="2">
+            <a:schemeClr val="accent1">
+              <a:shade val="50000"/>
+            </a:schemeClr>
+          </a:lnRef>
+          <a:fillRef idx="1">
+            <a:schemeClr val="accent1"/>
+          </a:fillRef>
+          <a:effectRef idx="0">
+            <a:schemeClr val="accent1"/>
+          </a:effectRef>
+          <a:fontRef idx="minor">
+            <a:schemeClr val="lt1"/>
+          </a:fontRef>
+        </p:style>
+        <p:txBody>
+          <a:bodyPr rtlCol="0" anchor="ctr"/>
+          <a:lstStyle/>
+          <a:p>
+            <a:pPr algn="ctr"/>
+            <a:endParaRPr lang="en-GB"/>
+          </a:p>
+        </p:txBody>
+      </p:sp>
+      <p:sp>
+        <p:nvSpPr>
+          <p:cNvPr id="38" name="Rettangolo 37"/>
+          <p:cNvSpPr/>
+          <p:nvPr/>
+        </p:nvSpPr>
+        <p:spPr>
+          <a:xfrm>
+            <a:off x="4210668" y="1968264"/>
+            <a:ext cx="360040" cy="324036"/>
+          </a:xfrm>
+          <a:prstGeom prst="rect">
+            <a:avLst/>
+          </a:prstGeom>
+          <a:solidFill>
+            <a:srgbClr val="FFFF00"/>
+          </a:solidFill>
+        </p:spPr>
+        <p:style>
+          <a:lnRef idx="2">
+            <a:schemeClr val="accent1">
+              <a:shade val="50000"/>
+            </a:schemeClr>
+          </a:lnRef>
+          <a:fillRef idx="1">
+            <a:schemeClr val="accent1"/>
+          </a:fillRef>
+          <a:effectRef idx="0">
+            <a:schemeClr val="accent1"/>
+          </a:effectRef>
+          <a:fontRef idx="minor">
+            <a:schemeClr val="lt1"/>
+          </a:fontRef>
+        </p:style>
+        <p:txBody>
+          <a:bodyPr rtlCol="0" anchor="ctr"/>
+          <a:lstStyle/>
+          <a:p>
+            <a:pPr algn="ctr"/>
+            <a:endParaRPr lang="en-GB"/>
+          </a:p>
+        </p:txBody>
+      </p:sp>
+      <p:sp>
+        <p:nvSpPr>
+          <p:cNvPr id="39" name="CasellaDiTesto 38"/>
+          <p:cNvSpPr txBox="1"/>
+          <p:nvPr/>
+        </p:nvSpPr>
+        <p:spPr>
+          <a:xfrm>
+            <a:off x="5609548" y="2444842"/>
+            <a:ext cx="2545825" cy="646331"/>
+          </a:xfrm>
+          <a:prstGeom prst="rect">
+            <a:avLst/>
+          </a:prstGeom>
+          <a:noFill/>
+        </p:spPr>
+        <p:txBody>
+          <a:bodyPr wrap="none" rtlCol="0">
+            <a:spAutoFit/>
+          </a:bodyPr>
+          <a:lstStyle/>
+          <a:p>
+            <a:r>
+              <a:rPr lang="it-IT" sz="3600" dirty="0" smtClean="0"/>
+              <a:t>Matrice n x m</a:t>
+            </a:r>
+            <a:endParaRPr lang="en-GB" sz="3600" dirty="0"/>
+          </a:p>
+        </p:txBody>
+      </p:sp>
+    </p:spTree>
+    <p:extLst>
+      <p:ext uri="{BB962C8B-B14F-4D97-AF65-F5344CB8AC3E}">
+        <p14:creationId xmlns:p14="http://schemas.microsoft.com/office/powerpoint/2010/main" val="3690934360"/>
+      </p:ext>
+    </p:extLst>
+  </p:cSld>
+  <p:clrMapOvr>
+    <a:masterClrMapping/>
+  </p:clrMapOvr>
+</p:sld>
+</file>
+
+<file path=ppt/slides/slide33.xml><?xml version="1.0" encoding="utf-8"?>
+<p:sld xmlns:a="http://schemas.openxmlformats.org/drawingml/2006/main" xmlns:r="http://schemas.openxmlformats.org/officeDocument/2006/relationships" xmlns:p="http://schemas.openxmlformats.org/presentationml/2006/main">
+  <p:cSld>
+    <p:spTree>
+      <p:nvGrpSpPr>
+        <p:cNvPr id="1" name=""/>
+        <p:cNvGrpSpPr/>
+        <p:nvPr/>
+      </p:nvGrpSpPr>
+      <p:grpSpPr>
+        <a:xfrm>
+          <a:off x="0" y="0"/>
+          <a:ext cx="0" cy="0"/>
+          <a:chOff x="0" y="0"/>
+          <a:chExt cx="0" cy="0"/>
+        </a:xfrm>
+      </p:grpSpPr>
+      <p:sp>
+        <p:nvSpPr>
           <p:cNvPr id="12" name="Ovale 11"/>
           <p:cNvSpPr/>
           <p:nvPr/>
@@ -23641,7 +25183,7 @@
           <a:p>
             <a:fld id="{6F6A5AB3-AF76-4EC9-853D-D4C335162C13}" type="slidenum">
               <a:rPr lang="en-GB" smtClean="0"/>
-              <a:t>32</a:t>
+              <a:t>33</a:t>
             </a:fld>
             <a:endParaRPr lang="en-GB"/>
           </a:p>
@@ -24496,10 +26038,17 @@
   <p:clrMapOvr>
     <a:masterClrMapping/>
   </p:clrMapOvr>
+  <p:timing>
+    <p:tnLst>
+      <p:par>
+        <p:cTn id="1" dur="indefinite" restart="never" nodeType="tmRoot"/>
+      </p:par>
+    </p:tnLst>
+  </p:timing>
 </p:sld>
 </file>
 
-<file path=ppt/slides/slide33.xml><?xml version="1.0" encoding="utf-8"?>
+<file path=ppt/slides/slide34.xml><?xml version="1.0" encoding="utf-8"?>
 <p:sld xmlns:a="http://schemas.openxmlformats.org/drawingml/2006/main" xmlns:r="http://schemas.openxmlformats.org/officeDocument/2006/relationships" xmlns:p="http://schemas.openxmlformats.org/presentationml/2006/main">
   <p:cSld>
     <p:spTree>
@@ -24556,7 +26105,7 @@
           <a:p>
             <a:fld id="{6F6A5AB3-AF76-4EC9-853D-D4C335162C13}" type="slidenum">
               <a:rPr lang="en-GB" smtClean="0"/>
-              <a:t>33</a:t>
+              <a:t>34</a:t>
             </a:fld>
             <a:endParaRPr lang="en-GB"/>
           </a:p>
@@ -24571,7 +26120,7 @@
         <p:spPr>
           <a:xfrm>
             <a:off x="611560" y="548680"/>
-            <a:ext cx="8425705" cy="5632311"/>
+            <a:ext cx="8283037" cy="5632311"/>
           </a:xfrm>
           <a:prstGeom prst="rect">
             <a:avLst/>
@@ -24666,14 +26215,14 @@
           </a:p>
           <a:p>
             <a:r>
-              <a:rPr lang="it-IT" sz="4000">
+              <a:rPr lang="it-IT" sz="4000" dirty="0">
                 <a:latin typeface="Arial" panose="020B0604020202020204" pitchFamily="34" charset="0"/>
                 <a:cs typeface="Arial" panose="020B0604020202020204" pitchFamily="34" charset="0"/>
               </a:rPr>
               <a:t>a</a:t>
             </a:r>
             <a:r>
-              <a:rPr lang="it-IT" sz="4000" smtClean="0">
+              <a:rPr lang="it-IT" sz="4000" dirty="0" smtClean="0">
                 <a:latin typeface="Arial" panose="020B0604020202020204" pitchFamily="34" charset="0"/>
                 <a:cs typeface="Arial" panose="020B0604020202020204" pitchFamily="34" charset="0"/>
               </a:rPr>
@@ -24693,7 +26242,7 @@
                 <a:latin typeface="Arial" panose="020B0604020202020204" pitchFamily="34" charset="0"/>
                 <a:cs typeface="Arial" panose="020B0604020202020204" pitchFamily="34" charset="0"/>
               </a:rPr>
-              <a:t>COGNOME_BoundaryRobot_1.html</a:t>
+              <a:t>COGNOME_BoundaryRobot_1.pdf</a:t>
             </a:r>
           </a:p>
           <a:p>
@@ -24720,7 +26269,7 @@
                 <a:latin typeface="Arial" panose="020B0604020202020204" pitchFamily="34" charset="0"/>
                 <a:cs typeface="Arial" panose="020B0604020202020204" pitchFamily="34" charset="0"/>
               </a:rPr>
-              <a:t>NATALI_BoundaryRobot_1.html</a:t>
+              <a:t>NATALI_BoundaryRobot_1.pdf</a:t>
             </a:r>
             <a:endParaRPr lang="en-GB" sz="4000" dirty="0">
               <a:solidFill>
@@ -24742,6 +26291,13 @@
   <p:clrMapOvr>
     <a:masterClrMapping/>
   </p:clrMapOvr>
+  <p:timing>
+    <p:tnLst>
+      <p:par>
+        <p:cTn id="1" dur="indefinite" restart="never" nodeType="tmRoot"/>
+      </p:par>
+    </p:tnLst>
+  </p:timing>
 </p:sld>
 </file>
 

--- a/it.unibo.issLabStart/userDocs/ISSM2020.pptx
+++ b/it.unibo.issLabStart/userDocs/ISSM2020.pptx
@@ -5,10 +5,10 @@
     <p:sldMasterId id="2147483804" r:id="rId1"/>
   </p:sldMasterIdLst>
   <p:notesMasterIdLst>
-    <p:notesMasterId r:id="rId36"/>
+    <p:notesMasterId r:id="rId37"/>
   </p:notesMasterIdLst>
   <p:handoutMasterIdLst>
-    <p:handoutMasterId r:id="rId37"/>
+    <p:handoutMasterId r:id="rId38"/>
   </p:handoutMasterIdLst>
   <p:sldIdLst>
     <p:sldId id="256" r:id="rId2"/>
@@ -42,9 +42,10 @@
     <p:sldId id="286" r:id="rId30"/>
     <p:sldId id="287" r:id="rId31"/>
     <p:sldId id="288" r:id="rId32"/>
-    <p:sldId id="291" r:id="rId33"/>
-    <p:sldId id="281" r:id="rId34"/>
-    <p:sldId id="290" r:id="rId35"/>
+    <p:sldId id="292" r:id="rId33"/>
+    <p:sldId id="291" r:id="rId34"/>
+    <p:sldId id="281" r:id="rId35"/>
+    <p:sldId id="290" r:id="rId36"/>
   </p:sldIdLst>
   <p:sldSz cx="9144000" cy="6858000" type="screen4x3"/>
   <p:notesSz cx="6858000" cy="9144000"/>
@@ -866,7 +867,7 @@
           <a:p>
             <a:fld id="{5D547B64-7F69-451B-8351-3B4EE3E72C48}" type="slidenum">
               <a:rPr lang="en-GB" smtClean="0"/>
-              <a:t>34</a:t>
+              <a:t>35</a:t>
             </a:fld>
             <a:endParaRPr lang="en-GB"/>
           </a:p>
@@ -23550,97 +23551,6 @@
       </p:grpSpPr>
       <p:sp>
         <p:nvSpPr>
-          <p:cNvPr id="4" name="Rettangolo 3"/>
-          <p:cNvSpPr/>
-          <p:nvPr/>
-        </p:nvSpPr>
-        <p:spPr>
-          <a:xfrm>
-            <a:off x="2411760" y="1988840"/>
-            <a:ext cx="2232248" cy="2140496"/>
-          </a:xfrm>
-          <a:prstGeom prst="rect">
-            <a:avLst/>
-          </a:prstGeom>
-          <a:solidFill>
-            <a:schemeClr val="bg1"/>
-          </a:solidFill>
-          <a:ln>
-            <a:solidFill>
-              <a:srgbClr val="00B050"/>
-            </a:solidFill>
-          </a:ln>
-        </p:spPr>
-        <p:style>
-          <a:lnRef idx="2">
-            <a:schemeClr val="accent1">
-              <a:shade val="50000"/>
-            </a:schemeClr>
-          </a:lnRef>
-          <a:fillRef idx="1">
-            <a:schemeClr val="accent1"/>
-          </a:fillRef>
-          <a:effectRef idx="0">
-            <a:schemeClr val="accent1"/>
-          </a:effectRef>
-          <a:fontRef idx="minor">
-            <a:schemeClr val="lt1"/>
-          </a:fontRef>
-        </p:style>
-        <p:txBody>
-          <a:bodyPr rtlCol="0" anchor="ctr"/>
-          <a:lstStyle/>
-          <a:p>
-            <a:pPr algn="ctr"/>
-            <a:endParaRPr lang="en-GB"/>
-          </a:p>
-        </p:txBody>
-      </p:sp>
-      <p:sp>
-        <p:nvSpPr>
-          <p:cNvPr id="15" name="Rettangolo 14"/>
-          <p:cNvSpPr/>
-          <p:nvPr/>
-        </p:nvSpPr>
-        <p:spPr>
-          <a:xfrm>
-            <a:off x="2411761" y="1988840"/>
-            <a:ext cx="360040" cy="324036"/>
-          </a:xfrm>
-          <a:prstGeom prst="rect">
-            <a:avLst/>
-          </a:prstGeom>
-          <a:solidFill>
-            <a:srgbClr val="FFFF00"/>
-          </a:solidFill>
-        </p:spPr>
-        <p:style>
-          <a:lnRef idx="2">
-            <a:schemeClr val="accent1">
-              <a:shade val="50000"/>
-            </a:schemeClr>
-          </a:lnRef>
-          <a:fillRef idx="1">
-            <a:schemeClr val="accent1"/>
-          </a:fillRef>
-          <a:effectRef idx="0">
-            <a:schemeClr val="accent1"/>
-          </a:effectRef>
-          <a:fontRef idx="minor">
-            <a:schemeClr val="lt1"/>
-          </a:fontRef>
-        </p:style>
-        <p:txBody>
-          <a:bodyPr rtlCol="0" anchor="ctr"/>
-          <a:lstStyle/>
-          <a:p>
-            <a:pPr algn="ctr"/>
-            <a:endParaRPr lang="en-GB"/>
-          </a:p>
-        </p:txBody>
-      </p:sp>
-      <p:sp>
-        <p:nvSpPr>
           <p:cNvPr id="2" name="Segnaposto piè di pagina 1"/>
           <p:cNvSpPr>
             <a:spLocks noGrp="1"/>
@@ -23687,21 +23597,21 @@
       </p:sp>
       <p:sp>
         <p:nvSpPr>
-          <p:cNvPr id="5" name="Ovale 4"/>
+          <p:cNvPr id="4" name="Ovale 3"/>
           <p:cNvSpPr/>
           <p:nvPr/>
         </p:nvSpPr>
         <p:spPr>
           <a:xfrm>
-            <a:off x="2771800" y="3959189"/>
-            <a:ext cx="68456" cy="76254"/>
+            <a:off x="623619" y="1805018"/>
+            <a:ext cx="720080" cy="648072"/>
           </a:xfrm>
           <a:prstGeom prst="ellipse">
             <a:avLst/>
           </a:prstGeom>
           <a:ln>
             <a:solidFill>
-              <a:schemeClr val="bg1"/>
+              <a:srgbClr val="0070C0"/>
             </a:solidFill>
           </a:ln>
         </p:spPr>
@@ -23724,27 +23634,157 @@
           <a:lstStyle/>
           <a:p>
             <a:pPr algn="ctr"/>
+            <a:r>
+              <a:rPr lang="it-IT" dirty="0" err="1" smtClean="0"/>
+              <a:t>init</a:t>
+            </a:r>
             <a:endParaRPr lang="en-GB" dirty="0"/>
           </a:p>
         </p:txBody>
       </p:sp>
       <p:sp>
         <p:nvSpPr>
-          <p:cNvPr id="6" name="Ovale 5"/>
+          <p:cNvPr id="5" name="Ovale 4"/>
           <p:cNvSpPr/>
           <p:nvPr/>
         </p:nvSpPr>
         <p:spPr>
           <a:xfrm>
-            <a:off x="3478813" y="3959189"/>
-            <a:ext cx="68456" cy="76254"/>
+            <a:off x="479603" y="2039712"/>
+            <a:ext cx="144016" cy="178684"/>
+          </a:xfrm>
+          <a:prstGeom prst="ellipse">
+            <a:avLst/>
+          </a:prstGeom>
+        </p:spPr>
+        <p:style>
+          <a:lnRef idx="2">
+            <a:schemeClr val="accent1">
+              <a:shade val="50000"/>
+            </a:schemeClr>
+          </a:lnRef>
+          <a:fillRef idx="1">
+            <a:schemeClr val="accent1"/>
+          </a:fillRef>
+          <a:effectRef idx="0">
+            <a:schemeClr val="accent1"/>
+          </a:effectRef>
+          <a:fontRef idx="minor">
+            <a:schemeClr val="lt1"/>
+          </a:fontRef>
+        </p:style>
+        <p:txBody>
+          <a:bodyPr rtlCol="0" anchor="ctr"/>
+          <a:lstStyle/>
+          <a:p>
+            <a:pPr algn="ctr"/>
+            <a:endParaRPr lang="en-GB"/>
+          </a:p>
+        </p:txBody>
+      </p:sp>
+      <p:cxnSp>
+        <p:nvCxnSpPr>
+          <p:cNvPr id="6" name="Connettore 4 5"/>
+          <p:cNvCxnSpPr/>
+          <p:nvPr/>
+        </p:nvCxnSpPr>
+        <p:spPr>
+          <a:xfrm flipV="1">
+            <a:off x="1343699" y="2113640"/>
+            <a:ext cx="586466" cy="4552"/>
+          </a:xfrm>
+          <a:prstGeom prst="bentConnector3">
+            <a:avLst>
+              <a:gd name="adj1" fmla="val 50000"/>
+            </a:avLst>
+          </a:prstGeom>
+          <a:ln>
+            <a:tailEnd type="arrow"/>
+          </a:ln>
+        </p:spPr>
+        <p:style>
+          <a:lnRef idx="1">
+            <a:schemeClr val="accent1"/>
+          </a:lnRef>
+          <a:fillRef idx="0">
+            <a:schemeClr val="accent1"/>
+          </a:fillRef>
+          <a:effectRef idx="0">
+            <a:schemeClr val="accent1"/>
+          </a:effectRef>
+          <a:fontRef idx="minor">
+            <a:schemeClr val="tx1"/>
+          </a:fontRef>
+        </p:style>
+      </p:cxnSp>
+      <p:sp>
+        <p:nvSpPr>
+          <p:cNvPr id="7" name="Rectangle 5">
+            <a:extLst>
+              <a:ext uri="{FF2B5EF4-FFF2-40B4-BE49-F238E27FC236}">
+                <a16:creationId xmlns:a16="http://schemas.microsoft.com/office/drawing/2014/main" xmlns="" id="{9529310F-209D-4FC3-82E8-EEC7E3A85851}"/>
+              </a:ext>
+            </a:extLst>
+          </p:cNvPr>
+          <p:cNvSpPr>
+            <a:spLocks noChangeArrowheads="1"/>
+          </p:cNvSpPr>
+          <p:nvPr/>
+        </p:nvSpPr>
+        <p:spPr bwMode="auto">
+          <a:xfrm>
+            <a:off x="1337308" y="1673434"/>
+            <a:ext cx="471604" cy="307777"/>
+          </a:xfrm>
+          <a:prstGeom prst="rect">
+            <a:avLst/>
+          </a:prstGeom>
+          <a:noFill/>
+        </p:spPr>
+        <p:txBody>
+          <a:bodyPr wrap="none" rtlCol="0">
+            <a:spAutoFit/>
+          </a:bodyPr>
+          <a:lstStyle/>
+          <a:p>
+            <a:r>
+              <a:rPr lang="en-US" altLang="en-US" sz="1400" dirty="0" smtClean="0">
+                <a:latin typeface="Symbol" panose="05050102010706020507" pitchFamily="18" charset="2"/>
+                <a:cs typeface="Arial" panose="020B0604020202020204" pitchFamily="34" charset="0"/>
+              </a:rPr>
+              <a:t>e</a:t>
+            </a:r>
+            <a:r>
+              <a:rPr lang="en-US" altLang="en-US" sz="1400" dirty="0" smtClean="0">
+                <a:latin typeface="Arial" panose="020B0604020202020204" pitchFamily="34" charset="0"/>
+                <a:cs typeface="Arial" panose="020B0604020202020204" pitchFamily="34" charset="0"/>
+              </a:rPr>
+              <a:t>-m</a:t>
+            </a:r>
+            <a:endParaRPr lang="en-US" altLang="en-US" sz="1400" dirty="0">
+              <a:latin typeface="Arial" panose="020B0604020202020204" pitchFamily="34" charset="0"/>
+              <a:cs typeface="Arial" panose="020B0604020202020204" pitchFamily="34" charset="0"/>
+            </a:endParaRPr>
+          </a:p>
+        </p:txBody>
+      </p:sp>
+      <p:sp>
+        <p:nvSpPr>
+          <p:cNvPr id="8" name="Ovale 7"/>
+          <p:cNvSpPr/>
+          <p:nvPr/>
+        </p:nvSpPr>
+        <p:spPr>
+          <a:xfrm>
+            <a:off x="1930165" y="1789604"/>
+            <a:ext cx="890982" cy="648072"/>
           </a:xfrm>
           <a:prstGeom prst="ellipse">
             <a:avLst/>
           </a:prstGeom>
           <a:ln>
             <a:solidFill>
-              <a:schemeClr val="bg1"/>
+              <a:srgbClr val="0070C0"/>
             </a:solidFill>
           </a:ln>
         </p:spPr>
@@ -23767,27 +23807,31 @@
           <a:lstStyle/>
           <a:p>
             <a:pPr algn="ctr"/>
+            <a:r>
+              <a:rPr lang="it-IT" dirty="0" smtClean="0"/>
+              <a:t>work</a:t>
+            </a:r>
             <a:endParaRPr lang="en-GB" dirty="0"/>
           </a:p>
         </p:txBody>
       </p:sp>
       <p:sp>
         <p:nvSpPr>
-          <p:cNvPr id="7" name="Ovale 6"/>
+          <p:cNvPr id="9" name="Ovale 8"/>
           <p:cNvSpPr/>
           <p:nvPr/>
         </p:nvSpPr>
         <p:spPr>
           <a:xfrm>
-            <a:off x="3476644" y="2088915"/>
-            <a:ext cx="68456" cy="76254"/>
+            <a:off x="3613235" y="1789604"/>
+            <a:ext cx="1152128" cy="648072"/>
           </a:xfrm>
           <a:prstGeom prst="ellipse">
             <a:avLst/>
           </a:prstGeom>
           <a:ln>
             <a:solidFill>
-              <a:schemeClr val="bg1"/>
+              <a:srgbClr val="0070C0"/>
             </a:solidFill>
           </a:ln>
         </p:spPr>
@@ -23810,27 +23854,362 @@
           <a:lstStyle/>
           <a:p>
             <a:pPr algn="ctr"/>
+            <a:r>
+              <a:rPr lang="it-IT" dirty="0" err="1" smtClean="0"/>
+              <a:t>doStep</a:t>
+            </a:r>
             <a:endParaRPr lang="en-GB" dirty="0"/>
           </a:p>
         </p:txBody>
       </p:sp>
       <p:sp>
         <p:nvSpPr>
-          <p:cNvPr id="8" name="Ovale 7"/>
+          <p:cNvPr id="10" name="Rettangolo 9"/>
           <p:cNvSpPr/>
           <p:nvPr/>
         </p:nvSpPr>
         <p:spPr>
           <a:xfrm>
-            <a:off x="4356677" y="2101197"/>
-            <a:ext cx="68456" cy="76254"/>
+            <a:off x="2948816" y="1715676"/>
+            <a:ext cx="522900" cy="369332"/>
+          </a:xfrm>
+          <a:prstGeom prst="rect">
+            <a:avLst/>
+          </a:prstGeom>
+        </p:spPr>
+        <p:txBody>
+          <a:bodyPr wrap="none">
+            <a:spAutoFit/>
+          </a:bodyPr>
+          <a:lstStyle/>
+          <a:p>
+            <a:r>
+              <a:rPr lang="en-GB" dirty="0"/>
+              <a:t>step</a:t>
+            </a:r>
+            <a:endParaRPr lang="en-GB" dirty="0"/>
+          </a:p>
+        </p:txBody>
+      </p:sp>
+      <p:cxnSp>
+        <p:nvCxnSpPr>
+          <p:cNvPr id="11" name="Connettore 4 10"/>
+          <p:cNvCxnSpPr>
+            <a:stCxn id="8" idx="6"/>
+            <a:endCxn id="9" idx="2"/>
+          </p:cNvCxnSpPr>
+          <p:nvPr/>
+        </p:nvCxnSpPr>
+        <p:spPr>
+          <a:xfrm>
+            <a:off x="2821147" y="2113640"/>
+            <a:ext cx="792088" cy="12700"/>
+          </a:xfrm>
+          <a:prstGeom prst="bentConnector3">
+            <a:avLst>
+              <a:gd name="adj1" fmla="val 50000"/>
+            </a:avLst>
+          </a:prstGeom>
+          <a:ln>
+            <a:tailEnd type="arrow"/>
+          </a:ln>
+        </p:spPr>
+        <p:style>
+          <a:lnRef idx="1">
+            <a:schemeClr val="accent1"/>
+          </a:lnRef>
+          <a:fillRef idx="0">
+            <a:schemeClr val="accent1"/>
+          </a:fillRef>
+          <a:effectRef idx="0">
+            <a:schemeClr val="accent1"/>
+          </a:effectRef>
+          <a:fontRef idx="minor">
+            <a:schemeClr val="tx1"/>
+          </a:fontRef>
+        </p:style>
+      </p:cxnSp>
+      <p:cxnSp>
+        <p:nvCxnSpPr>
+          <p:cNvPr id="14" name="Connettore 2 13"/>
+          <p:cNvCxnSpPr/>
+          <p:nvPr/>
+        </p:nvCxnSpPr>
+        <p:spPr>
+          <a:xfrm>
+            <a:off x="4189299" y="2307311"/>
+            <a:ext cx="0" cy="716592"/>
+          </a:xfrm>
+          <a:prstGeom prst="straightConnector1">
+            <a:avLst/>
+          </a:prstGeom>
+          <a:ln>
+            <a:prstDash val="lgDash"/>
+            <a:tailEnd type="arrow"/>
+          </a:ln>
+        </p:spPr>
+        <p:style>
+          <a:lnRef idx="1">
+            <a:schemeClr val="accent1"/>
+          </a:lnRef>
+          <a:fillRef idx="0">
+            <a:schemeClr val="accent1"/>
+          </a:fillRef>
+          <a:effectRef idx="0">
+            <a:schemeClr val="accent1"/>
+          </a:effectRef>
+          <a:fontRef idx="minor">
+            <a:schemeClr val="tx1"/>
+          </a:fontRef>
+        </p:style>
+      </p:cxnSp>
+      <p:sp>
+        <p:nvSpPr>
+          <p:cNvPr id="15" name="Rettangolo 14"/>
+          <p:cNvSpPr/>
+          <p:nvPr/>
+        </p:nvSpPr>
+        <p:spPr>
+          <a:xfrm>
+            <a:off x="3522528" y="2480941"/>
+            <a:ext cx="644728" cy="369332"/>
+          </a:xfrm>
+          <a:prstGeom prst="rect">
+            <a:avLst/>
+          </a:prstGeom>
+        </p:spPr>
+        <p:txBody>
+          <a:bodyPr wrap="none">
+            <a:spAutoFit/>
+          </a:bodyPr>
+          <a:lstStyle/>
+          <a:p>
+            <a:r>
+              <a:rPr lang="en-GB" dirty="0" smtClean="0"/>
+              <a:t>timer</a:t>
+            </a:r>
+            <a:endParaRPr lang="en-GB" dirty="0"/>
+          </a:p>
+        </p:txBody>
+      </p:sp>
+      <p:grpSp>
+        <p:nvGrpSpPr>
+          <p:cNvPr id="16" name="Gruppo 82">
+            <a:extLst>
+              <a:ext uri="{FF2B5EF4-FFF2-40B4-BE49-F238E27FC236}">
+                <a16:creationId xmlns:a16="http://schemas.microsoft.com/office/drawing/2014/main" xmlns="" id="{12D969AC-9EB0-4CF5-9EE5-D0DD7ACA9C72}"/>
+              </a:ext>
+            </a:extLst>
+          </p:cNvPr>
+          <p:cNvGrpSpPr/>
+          <p:nvPr/>
+        </p:nvGrpSpPr>
+        <p:grpSpPr>
+          <a:xfrm>
+            <a:off x="3725455" y="3028487"/>
+            <a:ext cx="866156" cy="763297"/>
+            <a:chOff x="1194666" y="2417771"/>
+            <a:chExt cx="866156" cy="763297"/>
+          </a:xfrm>
+        </p:grpSpPr>
+        <p:sp>
+          <p:nvSpPr>
+            <p:cNvPr id="17" name="Ovale 38">
+              <a:extLst>
+                <a:ext uri="{FF2B5EF4-FFF2-40B4-BE49-F238E27FC236}">
+                  <a16:creationId xmlns:a16="http://schemas.microsoft.com/office/drawing/2014/main" xmlns="" id="{0EB3DE65-C1E4-4AD3-B909-2646317ECA68}"/>
+                </a:ext>
+              </a:extLst>
+            </p:cNvPr>
+            <p:cNvSpPr/>
+            <p:nvPr/>
+          </p:nvSpPr>
+          <p:spPr>
+            <a:xfrm>
+              <a:off x="1311101" y="2460988"/>
+              <a:ext cx="749721" cy="720080"/>
+            </a:xfrm>
+            <a:prstGeom prst="ellipse">
+              <a:avLst/>
+            </a:prstGeom>
+            <a:solidFill>
+              <a:srgbClr val="FFCCFF"/>
+            </a:solidFill>
+            <a:ln/>
+          </p:spPr>
+          <p:style>
+            <a:lnRef idx="1">
+              <a:schemeClr val="accent5"/>
+            </a:lnRef>
+            <a:fillRef idx="2">
+              <a:schemeClr val="accent5"/>
+            </a:fillRef>
+            <a:effectRef idx="1">
+              <a:schemeClr val="accent5"/>
+            </a:effectRef>
+            <a:fontRef idx="minor">
+              <a:schemeClr val="dk1"/>
+            </a:fontRef>
+          </p:style>
+          <p:txBody>
+            <a:bodyPr rtlCol="0" anchor="ctr"/>
+            <a:lstStyle/>
+            <a:p>
+              <a:pPr algn="ctr"/>
+              <a:r>
+                <a:rPr lang="en-GB" sz="1200" dirty="0"/>
+                <a:t> </a:t>
+              </a:r>
+            </a:p>
+          </p:txBody>
+        </p:sp>
+        <p:sp>
+          <p:nvSpPr>
+            <p:cNvPr id="18" name="Rettangolo 39">
+              <a:extLst>
+                <a:ext uri="{FF2B5EF4-FFF2-40B4-BE49-F238E27FC236}">
+                  <a16:creationId xmlns:a16="http://schemas.microsoft.com/office/drawing/2014/main" xmlns="" id="{AAF0ABD1-BB2B-450B-9369-91FF5B4CE129}"/>
+                </a:ext>
+              </a:extLst>
+            </p:cNvPr>
+            <p:cNvSpPr/>
+            <p:nvPr/>
+          </p:nvSpPr>
+          <p:spPr>
+            <a:xfrm>
+              <a:off x="1194666" y="2699711"/>
+              <a:ext cx="281433" cy="211952"/>
+            </a:xfrm>
+            <a:prstGeom prst="rect">
+              <a:avLst/>
+            </a:prstGeom>
+            <a:solidFill>
+              <a:srgbClr val="FFCCFF"/>
+            </a:solidFill>
+            <a:ln/>
+          </p:spPr>
+          <p:style>
+            <a:lnRef idx="1">
+              <a:schemeClr val="accent5"/>
+            </a:lnRef>
+            <a:fillRef idx="2">
+              <a:schemeClr val="accent5"/>
+            </a:fillRef>
+            <a:effectRef idx="1">
+              <a:schemeClr val="accent5"/>
+            </a:effectRef>
+            <a:fontRef idx="minor">
+              <a:schemeClr val="dk1"/>
+            </a:fontRef>
+          </p:style>
+          <p:txBody>
+            <a:bodyPr rtlCol="0" anchor="ctr"/>
+            <a:lstStyle/>
+            <a:p>
+              <a:pPr algn="ctr"/>
+              <a:endParaRPr lang="en-GB" sz="1200"/>
+            </a:p>
+          </p:txBody>
+        </p:sp>
+        <p:sp>
+          <p:nvSpPr>
+            <p:cNvPr id="19" name="Triangolo isoscele 42">
+              <a:extLst>
+                <a:ext uri="{FF2B5EF4-FFF2-40B4-BE49-F238E27FC236}">
+                  <a16:creationId xmlns:a16="http://schemas.microsoft.com/office/drawing/2014/main" xmlns="" id="{34D1AFB1-88AB-4A6C-9824-2CF6DE11BF7C}"/>
+                </a:ext>
+              </a:extLst>
+            </p:cNvPr>
+            <p:cNvSpPr/>
+            <p:nvPr/>
+          </p:nvSpPr>
+          <p:spPr>
+            <a:xfrm rot="16200000">
+              <a:off x="1618539" y="2391356"/>
+              <a:ext cx="86434" cy="139263"/>
+            </a:xfrm>
+            <a:prstGeom prst="triangle">
+              <a:avLst/>
+            </a:prstGeom>
+            <a:solidFill>
+              <a:srgbClr val="FF0000"/>
+            </a:solidFill>
+            <a:ln/>
+          </p:spPr>
+          <p:style>
+            <a:lnRef idx="1">
+              <a:schemeClr val="accent5"/>
+            </a:lnRef>
+            <a:fillRef idx="2">
+              <a:schemeClr val="accent5"/>
+            </a:fillRef>
+            <a:effectRef idx="1">
+              <a:schemeClr val="accent5"/>
+            </a:effectRef>
+            <a:fontRef idx="minor">
+              <a:schemeClr val="dk1"/>
+            </a:fontRef>
+          </p:style>
+          <p:txBody>
+            <a:bodyPr rtlCol="0" anchor="ctr"/>
+            <a:lstStyle/>
+            <a:p>
+              <a:pPr algn="ctr"/>
+              <a:endParaRPr lang="en-GB" sz="1200">
+                <a:solidFill>
+                  <a:schemeClr val="dk1"/>
+                </a:solidFill>
+              </a:endParaRPr>
+            </a:p>
+          </p:txBody>
+        </p:sp>
+      </p:grpSp>
+      <p:sp>
+        <p:nvSpPr>
+          <p:cNvPr id="20" name="Rettangolo 19"/>
+          <p:cNvSpPr/>
+          <p:nvPr/>
+        </p:nvSpPr>
+        <p:spPr>
+          <a:xfrm>
+            <a:off x="3694236" y="3791784"/>
+            <a:ext cx="1071127" cy="369332"/>
+          </a:xfrm>
+          <a:prstGeom prst="rect">
+            <a:avLst/>
+          </a:prstGeom>
+        </p:spPr>
+        <p:txBody>
+          <a:bodyPr wrap="none">
+            <a:spAutoFit/>
+          </a:bodyPr>
+          <a:lstStyle/>
+          <a:p>
+            <a:r>
+              <a:rPr lang="en-GB" dirty="0" err="1" smtClean="0"/>
+              <a:t>timeractor</a:t>
+            </a:r>
+            <a:endParaRPr lang="en-GB" dirty="0"/>
+          </a:p>
+        </p:txBody>
+      </p:sp>
+      <p:sp>
+        <p:nvSpPr>
+          <p:cNvPr id="21" name="Ovale 20"/>
+          <p:cNvSpPr/>
+          <p:nvPr/>
+        </p:nvSpPr>
+        <p:spPr>
+          <a:xfrm>
+            <a:off x="5557451" y="1391640"/>
+            <a:ext cx="1152128" cy="648072"/>
           </a:xfrm>
           <a:prstGeom prst="ellipse">
             <a:avLst/>
           </a:prstGeom>
           <a:ln>
             <a:solidFill>
-              <a:schemeClr val="bg1"/>
+              <a:srgbClr val="0070C0"/>
             </a:solidFill>
           </a:ln>
         </p:spPr>
@@ -23853,27 +24232,31 @@
           <a:lstStyle/>
           <a:p>
             <a:pPr algn="ctr"/>
+            <a:r>
+              <a:rPr lang="it-IT" dirty="0" err="1" smtClean="0"/>
+              <a:t>stepOk</a:t>
+            </a:r>
             <a:endParaRPr lang="en-GB" dirty="0"/>
           </a:p>
         </p:txBody>
       </p:sp>
       <p:sp>
         <p:nvSpPr>
-          <p:cNvPr id="9" name="Ovale 8"/>
+          <p:cNvPr id="22" name="Ovale 21"/>
           <p:cNvSpPr/>
           <p:nvPr/>
         </p:nvSpPr>
         <p:spPr>
           <a:xfrm>
-            <a:off x="4373690" y="3973404"/>
-            <a:ext cx="68456" cy="76254"/>
+            <a:off x="5557452" y="2282052"/>
+            <a:ext cx="1152128" cy="648072"/>
           </a:xfrm>
           <a:prstGeom prst="ellipse">
             <a:avLst/>
           </a:prstGeom>
           <a:ln>
             <a:solidFill>
-              <a:schemeClr val="bg1"/>
+              <a:srgbClr val="0070C0"/>
             </a:solidFill>
           </a:ln>
         </p:spPr>
@@ -23896,6 +24279,650 @@
           <a:lstStyle/>
           <a:p>
             <a:pPr algn="ctr"/>
+            <a:r>
+              <a:rPr lang="it-IT" dirty="0" err="1" smtClean="0"/>
+              <a:t>stepKo</a:t>
+            </a:r>
+            <a:endParaRPr lang="en-GB" dirty="0"/>
+          </a:p>
+        </p:txBody>
+      </p:sp>
+      <p:cxnSp>
+        <p:nvCxnSpPr>
+          <p:cNvPr id="24" name="Connettore 4 23"/>
+          <p:cNvCxnSpPr>
+            <a:stCxn id="21" idx="0"/>
+            <a:endCxn id="8" idx="0"/>
+          </p:cNvCxnSpPr>
+          <p:nvPr/>
+        </p:nvCxnSpPr>
+        <p:spPr>
+          <a:xfrm rot="16200000" flipH="1" flipV="1">
+            <a:off x="4055604" y="-288308"/>
+            <a:ext cx="397964" cy="3757859"/>
+          </a:xfrm>
+          <a:prstGeom prst="bentConnector3">
+            <a:avLst>
+              <a:gd name="adj1" fmla="val -57442"/>
+            </a:avLst>
+          </a:prstGeom>
+          <a:ln>
+            <a:tailEnd type="arrow"/>
+          </a:ln>
+        </p:spPr>
+        <p:style>
+          <a:lnRef idx="1">
+            <a:schemeClr val="accent1"/>
+          </a:lnRef>
+          <a:fillRef idx="0">
+            <a:schemeClr val="accent1"/>
+          </a:fillRef>
+          <a:effectRef idx="0">
+            <a:schemeClr val="accent1"/>
+          </a:effectRef>
+          <a:fontRef idx="minor">
+            <a:schemeClr val="tx1"/>
+          </a:fontRef>
+        </p:style>
+      </p:cxnSp>
+      <p:sp>
+        <p:nvSpPr>
+          <p:cNvPr id="25" name="Rectangle 5">
+            <a:extLst>
+              <a:ext uri="{FF2B5EF4-FFF2-40B4-BE49-F238E27FC236}">
+                <a16:creationId xmlns:a16="http://schemas.microsoft.com/office/drawing/2014/main" xmlns="" id="{9529310F-209D-4FC3-82E8-EEC7E3A85851}"/>
+              </a:ext>
+            </a:extLst>
+          </p:cNvPr>
+          <p:cNvSpPr>
+            <a:spLocks noChangeArrowheads="1"/>
+          </p:cNvSpPr>
+          <p:nvPr/>
+        </p:nvSpPr>
+        <p:spPr bwMode="auto">
+          <a:xfrm>
+            <a:off x="4026375" y="764704"/>
+            <a:ext cx="471604" cy="307777"/>
+          </a:xfrm>
+          <a:prstGeom prst="rect">
+            <a:avLst/>
+          </a:prstGeom>
+          <a:noFill/>
+        </p:spPr>
+        <p:txBody>
+          <a:bodyPr wrap="none" rtlCol="0">
+            <a:spAutoFit/>
+          </a:bodyPr>
+          <a:lstStyle/>
+          <a:p>
+            <a:r>
+              <a:rPr lang="en-US" altLang="en-US" sz="1400" dirty="0" smtClean="0">
+                <a:latin typeface="Symbol" panose="05050102010706020507" pitchFamily="18" charset="2"/>
+                <a:cs typeface="Arial" panose="020B0604020202020204" pitchFamily="34" charset="0"/>
+              </a:rPr>
+              <a:t>e</a:t>
+            </a:r>
+            <a:r>
+              <a:rPr lang="en-US" altLang="en-US" sz="1400" dirty="0" smtClean="0">
+                <a:latin typeface="Arial" panose="020B0604020202020204" pitchFamily="34" charset="0"/>
+                <a:cs typeface="Arial" panose="020B0604020202020204" pitchFamily="34" charset="0"/>
+              </a:rPr>
+              <a:t>-m</a:t>
+            </a:r>
+            <a:endParaRPr lang="en-US" altLang="en-US" sz="1400" dirty="0">
+              <a:latin typeface="Arial" panose="020B0604020202020204" pitchFamily="34" charset="0"/>
+              <a:cs typeface="Arial" panose="020B0604020202020204" pitchFamily="34" charset="0"/>
+            </a:endParaRPr>
+          </a:p>
+        </p:txBody>
+      </p:sp>
+      <p:cxnSp>
+        <p:nvCxnSpPr>
+          <p:cNvPr id="27" name="Connettore 4 26"/>
+          <p:cNvCxnSpPr>
+            <a:stCxn id="9" idx="7"/>
+            <a:endCxn id="21" idx="2"/>
+          </p:cNvCxnSpPr>
+          <p:nvPr/>
+        </p:nvCxnSpPr>
+        <p:spPr>
+          <a:xfrm rot="5400000" flipH="1" flipV="1">
+            <a:off x="4992626" y="1319688"/>
+            <a:ext cx="168836" cy="960813"/>
+          </a:xfrm>
+          <a:prstGeom prst="bentConnector2">
+            <a:avLst/>
+          </a:prstGeom>
+          <a:ln>
+            <a:tailEnd type="arrow"/>
+          </a:ln>
+        </p:spPr>
+        <p:style>
+          <a:lnRef idx="1">
+            <a:schemeClr val="accent1"/>
+          </a:lnRef>
+          <a:fillRef idx="0">
+            <a:schemeClr val="accent1"/>
+          </a:fillRef>
+          <a:effectRef idx="0">
+            <a:schemeClr val="accent1"/>
+          </a:effectRef>
+          <a:fontRef idx="minor">
+            <a:schemeClr val="tx1"/>
+          </a:fontRef>
+        </p:style>
+      </p:cxnSp>
+      <p:cxnSp>
+        <p:nvCxnSpPr>
+          <p:cNvPr id="29" name="Connettore 4 28"/>
+          <p:cNvCxnSpPr>
+            <a:stCxn id="9" idx="5"/>
+            <a:endCxn id="22" idx="2"/>
+          </p:cNvCxnSpPr>
+          <p:nvPr/>
+        </p:nvCxnSpPr>
+        <p:spPr>
+          <a:xfrm rot="16200000" flipH="1">
+            <a:off x="4945385" y="1994021"/>
+            <a:ext cx="263320" cy="960814"/>
+          </a:xfrm>
+          <a:prstGeom prst="bentConnector2">
+            <a:avLst/>
+          </a:prstGeom>
+          <a:ln>
+            <a:tailEnd type="arrow"/>
+          </a:ln>
+        </p:spPr>
+        <p:style>
+          <a:lnRef idx="1">
+            <a:schemeClr val="accent1"/>
+          </a:lnRef>
+          <a:fillRef idx="0">
+            <a:schemeClr val="accent1"/>
+          </a:fillRef>
+          <a:effectRef idx="0">
+            <a:schemeClr val="accent1"/>
+          </a:effectRef>
+          <a:fontRef idx="minor">
+            <a:schemeClr val="tx1"/>
+          </a:fontRef>
+        </p:style>
+      </p:cxnSp>
+      <p:cxnSp>
+        <p:nvCxnSpPr>
+          <p:cNvPr id="32" name="Connettore 4 31"/>
+          <p:cNvCxnSpPr>
+            <a:stCxn id="22" idx="6"/>
+            <a:endCxn id="8" idx="0"/>
+          </p:cNvCxnSpPr>
+          <p:nvPr/>
+        </p:nvCxnSpPr>
+        <p:spPr>
+          <a:xfrm flipH="1" flipV="1">
+            <a:off x="2375656" y="1789604"/>
+            <a:ext cx="4333924" cy="816484"/>
+          </a:xfrm>
+          <a:prstGeom prst="bentConnector4">
+            <a:avLst>
+              <a:gd name="adj1" fmla="val -5275"/>
+              <a:gd name="adj2" fmla="val 229653"/>
+            </a:avLst>
+          </a:prstGeom>
+          <a:ln>
+            <a:tailEnd type="arrow"/>
+          </a:ln>
+        </p:spPr>
+        <p:style>
+          <a:lnRef idx="1">
+            <a:schemeClr val="accent1"/>
+          </a:lnRef>
+          <a:fillRef idx="0">
+            <a:schemeClr val="accent1"/>
+          </a:fillRef>
+          <a:effectRef idx="0">
+            <a:schemeClr val="accent1"/>
+          </a:effectRef>
+          <a:fontRef idx="minor">
+            <a:schemeClr val="tx1"/>
+          </a:fontRef>
+        </p:style>
+      </p:cxnSp>
+      <p:sp>
+        <p:nvSpPr>
+          <p:cNvPr id="37" name="Rettangolo 36"/>
+          <p:cNvSpPr/>
+          <p:nvPr/>
+        </p:nvSpPr>
+        <p:spPr>
+          <a:xfrm>
+            <a:off x="4754681" y="1346344"/>
+            <a:ext cx="869149" cy="369332"/>
+          </a:xfrm>
+          <a:prstGeom prst="rect">
+            <a:avLst/>
+          </a:prstGeom>
+        </p:spPr>
+        <p:txBody>
+          <a:bodyPr wrap="none">
+            <a:spAutoFit/>
+          </a:bodyPr>
+          <a:lstStyle/>
+          <a:p>
+            <a:r>
+              <a:rPr lang="en-GB" dirty="0" err="1" smtClean="0"/>
+              <a:t>endtime</a:t>
+            </a:r>
+            <a:endParaRPr lang="en-GB" dirty="0"/>
+          </a:p>
+        </p:txBody>
+      </p:sp>
+      <p:sp>
+        <p:nvSpPr>
+          <p:cNvPr id="38" name="Rettangolo 37"/>
+          <p:cNvSpPr/>
+          <p:nvPr/>
+        </p:nvSpPr>
+        <p:spPr>
+          <a:xfrm>
+            <a:off x="4754681" y="2289761"/>
+            <a:ext cx="713657" cy="369332"/>
+          </a:xfrm>
+          <a:prstGeom prst="rect">
+            <a:avLst/>
+          </a:prstGeom>
+        </p:spPr>
+        <p:txBody>
+          <a:bodyPr wrap="none">
+            <a:spAutoFit/>
+          </a:bodyPr>
+          <a:lstStyle/>
+          <a:p>
+            <a:r>
+              <a:rPr lang="en-GB" dirty="0"/>
+              <a:t>sensor</a:t>
+            </a:r>
+            <a:endParaRPr lang="en-GB" dirty="0"/>
+          </a:p>
+        </p:txBody>
+      </p:sp>
+    </p:spTree>
+    <p:extLst>
+      <p:ext uri="{BB962C8B-B14F-4D97-AF65-F5344CB8AC3E}">
+        <p14:creationId xmlns:p14="http://schemas.microsoft.com/office/powerpoint/2010/main" val="4005151360"/>
+      </p:ext>
+    </p:extLst>
+  </p:cSld>
+  <p:clrMapOvr>
+    <a:masterClrMapping/>
+  </p:clrMapOvr>
+</p:sld>
+</file>
+
+<file path=ppt/slides/slide33.xml><?xml version="1.0" encoding="utf-8"?>
+<p:sld xmlns:a="http://schemas.openxmlformats.org/drawingml/2006/main" xmlns:r="http://schemas.openxmlformats.org/officeDocument/2006/relationships" xmlns:p="http://schemas.openxmlformats.org/presentationml/2006/main">
+  <p:cSld>
+    <p:spTree>
+      <p:nvGrpSpPr>
+        <p:cNvPr id="1" name=""/>
+        <p:cNvGrpSpPr/>
+        <p:nvPr/>
+      </p:nvGrpSpPr>
+      <p:grpSpPr>
+        <a:xfrm>
+          <a:off x="0" y="0"/>
+          <a:ext cx="0" cy="0"/>
+          <a:chOff x="0" y="0"/>
+          <a:chExt cx="0" cy="0"/>
+        </a:xfrm>
+      </p:grpSpPr>
+      <p:sp>
+        <p:nvSpPr>
+          <p:cNvPr id="4" name="Rettangolo 3"/>
+          <p:cNvSpPr/>
+          <p:nvPr/>
+        </p:nvSpPr>
+        <p:spPr>
+          <a:xfrm>
+            <a:off x="2411760" y="1988840"/>
+            <a:ext cx="2232248" cy="2140496"/>
+          </a:xfrm>
+          <a:prstGeom prst="rect">
+            <a:avLst/>
+          </a:prstGeom>
+          <a:solidFill>
+            <a:schemeClr val="bg1"/>
+          </a:solidFill>
+          <a:ln>
+            <a:solidFill>
+              <a:srgbClr val="00B050"/>
+            </a:solidFill>
+          </a:ln>
+        </p:spPr>
+        <p:style>
+          <a:lnRef idx="2">
+            <a:schemeClr val="accent1">
+              <a:shade val="50000"/>
+            </a:schemeClr>
+          </a:lnRef>
+          <a:fillRef idx="1">
+            <a:schemeClr val="accent1"/>
+          </a:fillRef>
+          <a:effectRef idx="0">
+            <a:schemeClr val="accent1"/>
+          </a:effectRef>
+          <a:fontRef idx="minor">
+            <a:schemeClr val="lt1"/>
+          </a:fontRef>
+        </p:style>
+        <p:txBody>
+          <a:bodyPr rtlCol="0" anchor="ctr"/>
+          <a:lstStyle/>
+          <a:p>
+            <a:pPr algn="ctr"/>
+            <a:endParaRPr lang="en-GB"/>
+          </a:p>
+        </p:txBody>
+      </p:sp>
+      <p:sp>
+        <p:nvSpPr>
+          <p:cNvPr id="15" name="Rettangolo 14"/>
+          <p:cNvSpPr/>
+          <p:nvPr/>
+        </p:nvSpPr>
+        <p:spPr>
+          <a:xfrm>
+            <a:off x="2411761" y="1988840"/>
+            <a:ext cx="360040" cy="324036"/>
+          </a:xfrm>
+          <a:prstGeom prst="rect">
+            <a:avLst/>
+          </a:prstGeom>
+          <a:solidFill>
+            <a:srgbClr val="FFFF00"/>
+          </a:solidFill>
+        </p:spPr>
+        <p:style>
+          <a:lnRef idx="2">
+            <a:schemeClr val="accent1">
+              <a:shade val="50000"/>
+            </a:schemeClr>
+          </a:lnRef>
+          <a:fillRef idx="1">
+            <a:schemeClr val="accent1"/>
+          </a:fillRef>
+          <a:effectRef idx="0">
+            <a:schemeClr val="accent1"/>
+          </a:effectRef>
+          <a:fontRef idx="minor">
+            <a:schemeClr val="lt1"/>
+          </a:fontRef>
+        </p:style>
+        <p:txBody>
+          <a:bodyPr rtlCol="0" anchor="ctr"/>
+          <a:lstStyle/>
+          <a:p>
+            <a:pPr algn="ctr"/>
+            <a:endParaRPr lang="en-GB"/>
+          </a:p>
+        </p:txBody>
+      </p:sp>
+      <p:sp>
+        <p:nvSpPr>
+          <p:cNvPr id="2" name="Segnaposto piè di pagina 1"/>
+          <p:cNvSpPr>
+            <a:spLocks noGrp="1"/>
+          </p:cNvSpPr>
+          <p:nvPr>
+            <p:ph type="ftr" sz="quarter" idx="11"/>
+          </p:nvPr>
+        </p:nvSpPr>
+        <p:spPr/>
+        <p:txBody>
+          <a:bodyPr/>
+          <a:lstStyle/>
+          <a:p>
+            <a:r>
+              <a:rPr lang="it-IT" smtClean="0"/>
+              <a:t>ANatali  - DISI - ISSM2020  Univeristy of Bologna</a:t>
+            </a:r>
+            <a:endParaRPr lang="en-GB"/>
+          </a:p>
+        </p:txBody>
+      </p:sp>
+      <p:sp>
+        <p:nvSpPr>
+          <p:cNvPr id="3" name="Segnaposto numero diapositiva 2"/>
+          <p:cNvSpPr>
+            <a:spLocks noGrp="1"/>
+          </p:cNvSpPr>
+          <p:nvPr>
+            <p:ph type="sldNum" sz="quarter" idx="12"/>
+          </p:nvPr>
+        </p:nvSpPr>
+        <p:spPr/>
+        <p:txBody>
+          <a:bodyPr/>
+          <a:lstStyle/>
+          <a:p>
+            <a:fld id="{6F6A5AB3-AF76-4EC9-853D-D4C335162C13}" type="slidenum">
+              <a:rPr lang="en-GB" smtClean="0"/>
+              <a:t>33</a:t>
+            </a:fld>
+            <a:endParaRPr lang="en-GB"/>
+          </a:p>
+        </p:txBody>
+      </p:sp>
+      <p:sp>
+        <p:nvSpPr>
+          <p:cNvPr id="5" name="Ovale 4"/>
+          <p:cNvSpPr/>
+          <p:nvPr/>
+        </p:nvSpPr>
+        <p:spPr>
+          <a:xfrm>
+            <a:off x="2771800" y="3959189"/>
+            <a:ext cx="68456" cy="76254"/>
+          </a:xfrm>
+          <a:prstGeom prst="ellipse">
+            <a:avLst/>
+          </a:prstGeom>
+          <a:ln>
+            <a:solidFill>
+              <a:schemeClr val="bg1"/>
+            </a:solidFill>
+          </a:ln>
+        </p:spPr>
+        <p:style>
+          <a:lnRef idx="2">
+            <a:schemeClr val="accent2"/>
+          </a:lnRef>
+          <a:fillRef idx="1">
+            <a:schemeClr val="lt1"/>
+          </a:fillRef>
+          <a:effectRef idx="0">
+            <a:schemeClr val="accent2"/>
+          </a:effectRef>
+          <a:fontRef idx="minor">
+            <a:schemeClr val="dk1"/>
+          </a:fontRef>
+        </p:style>
+        <p:txBody>
+          <a:bodyPr rtlCol="0" anchor="ctr"/>
+          <a:lstStyle/>
+          <a:p>
+            <a:pPr algn="ctr"/>
+            <a:endParaRPr lang="en-GB" dirty="0"/>
+          </a:p>
+        </p:txBody>
+      </p:sp>
+      <p:sp>
+        <p:nvSpPr>
+          <p:cNvPr id="6" name="Ovale 5"/>
+          <p:cNvSpPr/>
+          <p:nvPr/>
+        </p:nvSpPr>
+        <p:spPr>
+          <a:xfrm>
+            <a:off x="3478813" y="3959189"/>
+            <a:ext cx="68456" cy="76254"/>
+          </a:xfrm>
+          <a:prstGeom prst="ellipse">
+            <a:avLst/>
+          </a:prstGeom>
+          <a:ln>
+            <a:solidFill>
+              <a:schemeClr val="bg1"/>
+            </a:solidFill>
+          </a:ln>
+        </p:spPr>
+        <p:style>
+          <a:lnRef idx="2">
+            <a:schemeClr val="accent2"/>
+          </a:lnRef>
+          <a:fillRef idx="1">
+            <a:schemeClr val="lt1"/>
+          </a:fillRef>
+          <a:effectRef idx="0">
+            <a:schemeClr val="accent2"/>
+          </a:effectRef>
+          <a:fontRef idx="minor">
+            <a:schemeClr val="dk1"/>
+          </a:fontRef>
+        </p:style>
+        <p:txBody>
+          <a:bodyPr rtlCol="0" anchor="ctr"/>
+          <a:lstStyle/>
+          <a:p>
+            <a:pPr algn="ctr"/>
+            <a:endParaRPr lang="en-GB" dirty="0"/>
+          </a:p>
+        </p:txBody>
+      </p:sp>
+      <p:sp>
+        <p:nvSpPr>
+          <p:cNvPr id="7" name="Ovale 6"/>
+          <p:cNvSpPr/>
+          <p:nvPr/>
+        </p:nvSpPr>
+        <p:spPr>
+          <a:xfrm>
+            <a:off x="3476644" y="2088915"/>
+            <a:ext cx="68456" cy="76254"/>
+          </a:xfrm>
+          <a:prstGeom prst="ellipse">
+            <a:avLst/>
+          </a:prstGeom>
+          <a:ln>
+            <a:solidFill>
+              <a:schemeClr val="bg1"/>
+            </a:solidFill>
+          </a:ln>
+        </p:spPr>
+        <p:style>
+          <a:lnRef idx="2">
+            <a:schemeClr val="accent2"/>
+          </a:lnRef>
+          <a:fillRef idx="1">
+            <a:schemeClr val="lt1"/>
+          </a:fillRef>
+          <a:effectRef idx="0">
+            <a:schemeClr val="accent2"/>
+          </a:effectRef>
+          <a:fontRef idx="minor">
+            <a:schemeClr val="dk1"/>
+          </a:fontRef>
+        </p:style>
+        <p:txBody>
+          <a:bodyPr rtlCol="0" anchor="ctr"/>
+          <a:lstStyle/>
+          <a:p>
+            <a:pPr algn="ctr"/>
+            <a:endParaRPr lang="en-GB" dirty="0"/>
+          </a:p>
+        </p:txBody>
+      </p:sp>
+      <p:sp>
+        <p:nvSpPr>
+          <p:cNvPr id="8" name="Ovale 7"/>
+          <p:cNvSpPr/>
+          <p:nvPr/>
+        </p:nvSpPr>
+        <p:spPr>
+          <a:xfrm>
+            <a:off x="4356677" y="2101197"/>
+            <a:ext cx="68456" cy="76254"/>
+          </a:xfrm>
+          <a:prstGeom prst="ellipse">
+            <a:avLst/>
+          </a:prstGeom>
+          <a:ln>
+            <a:solidFill>
+              <a:schemeClr val="bg1"/>
+            </a:solidFill>
+          </a:ln>
+        </p:spPr>
+        <p:style>
+          <a:lnRef idx="2">
+            <a:schemeClr val="accent2"/>
+          </a:lnRef>
+          <a:fillRef idx="1">
+            <a:schemeClr val="lt1"/>
+          </a:fillRef>
+          <a:effectRef idx="0">
+            <a:schemeClr val="accent2"/>
+          </a:effectRef>
+          <a:fontRef idx="minor">
+            <a:schemeClr val="dk1"/>
+          </a:fontRef>
+        </p:style>
+        <p:txBody>
+          <a:bodyPr rtlCol="0" anchor="ctr"/>
+          <a:lstStyle/>
+          <a:p>
+            <a:pPr algn="ctr"/>
+            <a:endParaRPr lang="en-GB" dirty="0"/>
+          </a:p>
+        </p:txBody>
+      </p:sp>
+      <p:sp>
+        <p:nvSpPr>
+          <p:cNvPr id="9" name="Ovale 8"/>
+          <p:cNvSpPr/>
+          <p:nvPr/>
+        </p:nvSpPr>
+        <p:spPr>
+          <a:xfrm>
+            <a:off x="4373690" y="3973404"/>
+            <a:ext cx="68456" cy="76254"/>
+          </a:xfrm>
+          <a:prstGeom prst="ellipse">
+            <a:avLst/>
+          </a:prstGeom>
+          <a:ln>
+            <a:solidFill>
+              <a:schemeClr val="bg1"/>
+            </a:solidFill>
+          </a:ln>
+        </p:spPr>
+        <p:style>
+          <a:lnRef idx="2">
+            <a:schemeClr val="accent2"/>
+          </a:lnRef>
+          <a:fillRef idx="1">
+            <a:schemeClr val="lt1"/>
+          </a:fillRef>
+          <a:effectRef idx="0">
+            <a:schemeClr val="accent2"/>
+          </a:effectRef>
+          <a:fontRef idx="minor">
+            <a:schemeClr val="dk1"/>
+          </a:fontRef>
+        </p:style>
+        <p:txBody>
+          <a:bodyPr rtlCol="0" anchor="ctr"/>
+          <a:lstStyle/>
+          <a:p>
+            <a:pPr algn="ctr"/>
             <a:endParaRPr lang="en-GB" dirty="0"/>
           </a:p>
         </p:txBody>
@@ -24969,7 +25996,7 @@
 </p:sld>
 </file>
 
-<file path=ppt/slides/slide33.xml><?xml version="1.0" encoding="utf-8"?>
+<file path=ppt/slides/slide34.xml><?xml version="1.0" encoding="utf-8"?>
 <p:sld xmlns:a="http://schemas.openxmlformats.org/drawingml/2006/main" xmlns:r="http://schemas.openxmlformats.org/officeDocument/2006/relationships" xmlns:p="http://schemas.openxmlformats.org/presentationml/2006/main">
   <p:cSld>
     <p:spTree>
@@ -25183,7 +26210,7 @@
           <a:p>
             <a:fld id="{6F6A5AB3-AF76-4EC9-853D-D4C335162C13}" type="slidenum">
               <a:rPr lang="en-GB" smtClean="0"/>
-              <a:t>33</a:t>
+              <a:t>34</a:t>
             </a:fld>
             <a:endParaRPr lang="en-GB"/>
           </a:p>
@@ -26048,7 +27075,7 @@
 </p:sld>
 </file>
 
-<file path=ppt/slides/slide34.xml><?xml version="1.0" encoding="utf-8"?>
+<file path=ppt/slides/slide35.xml><?xml version="1.0" encoding="utf-8"?>
 <p:sld xmlns:a="http://schemas.openxmlformats.org/drawingml/2006/main" xmlns:r="http://schemas.openxmlformats.org/officeDocument/2006/relationships" xmlns:p="http://schemas.openxmlformats.org/presentationml/2006/main">
   <p:cSld>
     <p:spTree>
@@ -26105,7 +27132,7 @@
           <a:p>
             <a:fld id="{6F6A5AB3-AF76-4EC9-853D-D4C335162C13}" type="slidenum">
               <a:rPr lang="en-GB" smtClean="0"/>
-              <a:t>34</a:t>
+              <a:t>35</a:t>
             </a:fld>
             <a:endParaRPr lang="en-GB"/>
           </a:p>

--- a/it.unibo.issLabStart/userDocs/ISSM2020.pptx
+++ b/it.unibo.issLabStart/userDocs/ISSM2020.pptx
@@ -5,10 +5,10 @@
     <p:sldMasterId id="2147483804" r:id="rId1"/>
   </p:sldMasterIdLst>
   <p:notesMasterIdLst>
-    <p:notesMasterId r:id="rId37"/>
+    <p:notesMasterId r:id="rId38"/>
   </p:notesMasterIdLst>
   <p:handoutMasterIdLst>
-    <p:handoutMasterId r:id="rId38"/>
+    <p:handoutMasterId r:id="rId39"/>
   </p:handoutMasterIdLst>
   <p:sldIdLst>
     <p:sldId id="256" r:id="rId2"/>
@@ -44,8 +44,9 @@
     <p:sldId id="288" r:id="rId32"/>
     <p:sldId id="292" r:id="rId33"/>
     <p:sldId id="291" r:id="rId34"/>
-    <p:sldId id="281" r:id="rId35"/>
-    <p:sldId id="290" r:id="rId36"/>
+    <p:sldId id="293" r:id="rId35"/>
+    <p:sldId id="281" r:id="rId36"/>
+    <p:sldId id="290" r:id="rId37"/>
   </p:sldIdLst>
   <p:sldSz cx="9144000" cy="6858000" type="screen4x3"/>
   <p:notesSz cx="6858000" cy="9144000"/>
@@ -867,7 +868,7 @@
           <a:p>
             <a:fld id="{5D547B64-7F69-451B-8351-3B4EE3E72C48}" type="slidenum">
               <a:rPr lang="en-GB" smtClean="0"/>
-              <a:t>35</a:t>
+              <a:t>36</a:t>
             </a:fld>
             <a:endParaRPr lang="en-GB"/>
           </a:p>
@@ -23551,60 +23552,14 @@
       </p:grpSpPr>
       <p:sp>
         <p:nvSpPr>
-          <p:cNvPr id="2" name="Segnaposto piè di pagina 1"/>
-          <p:cNvSpPr>
-            <a:spLocks noGrp="1"/>
-          </p:cNvSpPr>
-          <p:nvPr>
-            <p:ph type="ftr" sz="quarter" idx="11"/>
-          </p:nvPr>
-        </p:nvSpPr>
-        <p:spPr/>
-        <p:txBody>
-          <a:bodyPr/>
-          <a:lstStyle/>
-          <a:p>
-            <a:r>
-              <a:rPr lang="it-IT" smtClean="0"/>
-              <a:t>ANatali  - DISI - ISSM2020  Univeristy of Bologna</a:t>
-            </a:r>
-            <a:endParaRPr lang="en-GB"/>
-          </a:p>
-        </p:txBody>
-      </p:sp>
-      <p:sp>
-        <p:nvSpPr>
-          <p:cNvPr id="3" name="Segnaposto numero diapositiva 2"/>
-          <p:cNvSpPr>
-            <a:spLocks noGrp="1"/>
-          </p:cNvSpPr>
-          <p:nvPr>
-            <p:ph type="sldNum" sz="quarter" idx="12"/>
-          </p:nvPr>
-        </p:nvSpPr>
-        <p:spPr/>
-        <p:txBody>
-          <a:bodyPr/>
-          <a:lstStyle/>
-          <a:p>
-            <a:fld id="{6F6A5AB3-AF76-4EC9-853D-D4C335162C13}" type="slidenum">
-              <a:rPr lang="en-GB" smtClean="0"/>
-              <a:t>32</a:t>
-            </a:fld>
-            <a:endParaRPr lang="en-GB"/>
-          </a:p>
-        </p:txBody>
-      </p:sp>
-      <p:sp>
-        <p:nvSpPr>
-          <p:cNvPr id="4" name="Ovale 3"/>
+          <p:cNvPr id="52" name="Ovale 51"/>
           <p:cNvSpPr/>
           <p:nvPr/>
         </p:nvSpPr>
         <p:spPr>
           <a:xfrm>
-            <a:off x="623619" y="1805018"/>
-            <a:ext cx="720080" cy="648072"/>
+            <a:off x="4384679" y="4446433"/>
+            <a:ext cx="1453659" cy="648072"/>
           </a:xfrm>
           <a:prstGeom prst="ellipse">
             <a:avLst/>
@@ -23636,7 +23591,7 @@
             <a:pPr algn="ctr"/>
             <a:r>
               <a:rPr lang="it-IT" dirty="0" err="1" smtClean="0"/>
-              <a:t>init</a:t>
+              <a:t>waitcmd</a:t>
             </a:r>
             <a:endParaRPr lang="en-GB" dirty="0"/>
           </a:p>
@@ -23644,140 +23599,60 @@
       </p:sp>
       <p:sp>
         <p:nvSpPr>
-          <p:cNvPr id="5" name="Ovale 4"/>
+          <p:cNvPr id="2" name="Segnaposto piè di pagina 1"/>
+          <p:cNvSpPr>
+            <a:spLocks noGrp="1"/>
+          </p:cNvSpPr>
+          <p:nvPr>
+            <p:ph type="ftr" sz="quarter" idx="11"/>
+          </p:nvPr>
+        </p:nvSpPr>
+        <p:spPr/>
+        <p:txBody>
+          <a:bodyPr/>
+          <a:lstStyle/>
+          <a:p>
+            <a:r>
+              <a:rPr lang="it-IT" smtClean="0"/>
+              <a:t>ANatali  - DISI - ISSM2020  Univeristy of Bologna</a:t>
+            </a:r>
+            <a:endParaRPr lang="en-GB"/>
+          </a:p>
+        </p:txBody>
+      </p:sp>
+      <p:sp>
+        <p:nvSpPr>
+          <p:cNvPr id="3" name="Segnaposto numero diapositiva 2"/>
+          <p:cNvSpPr>
+            <a:spLocks noGrp="1"/>
+          </p:cNvSpPr>
+          <p:nvPr>
+            <p:ph type="sldNum" sz="quarter" idx="12"/>
+          </p:nvPr>
+        </p:nvSpPr>
+        <p:spPr/>
+        <p:txBody>
+          <a:bodyPr/>
+          <a:lstStyle/>
+          <a:p>
+            <a:fld id="{6F6A5AB3-AF76-4EC9-853D-D4C335162C13}" type="slidenum">
+              <a:rPr lang="en-GB" smtClean="0"/>
+              <a:t>32</a:t>
+            </a:fld>
+            <a:endParaRPr lang="en-GB"/>
+          </a:p>
+        </p:txBody>
+      </p:sp>
+      <p:sp>
+        <p:nvSpPr>
+          <p:cNvPr id="4" name="Ovale 3"/>
           <p:cNvSpPr/>
           <p:nvPr/>
         </p:nvSpPr>
         <p:spPr>
           <a:xfrm>
-            <a:off x="479603" y="2039712"/>
-            <a:ext cx="144016" cy="178684"/>
-          </a:xfrm>
-          <a:prstGeom prst="ellipse">
-            <a:avLst/>
-          </a:prstGeom>
-        </p:spPr>
-        <p:style>
-          <a:lnRef idx="2">
-            <a:schemeClr val="accent1">
-              <a:shade val="50000"/>
-            </a:schemeClr>
-          </a:lnRef>
-          <a:fillRef idx="1">
-            <a:schemeClr val="accent1"/>
-          </a:fillRef>
-          <a:effectRef idx="0">
-            <a:schemeClr val="accent1"/>
-          </a:effectRef>
-          <a:fontRef idx="minor">
-            <a:schemeClr val="lt1"/>
-          </a:fontRef>
-        </p:style>
-        <p:txBody>
-          <a:bodyPr rtlCol="0" anchor="ctr"/>
-          <a:lstStyle/>
-          <a:p>
-            <a:pPr algn="ctr"/>
-            <a:endParaRPr lang="en-GB"/>
-          </a:p>
-        </p:txBody>
-      </p:sp>
-      <p:cxnSp>
-        <p:nvCxnSpPr>
-          <p:cNvPr id="6" name="Connettore 4 5"/>
-          <p:cNvCxnSpPr/>
-          <p:nvPr/>
-        </p:nvCxnSpPr>
-        <p:spPr>
-          <a:xfrm flipV="1">
-            <a:off x="1343699" y="2113640"/>
-            <a:ext cx="586466" cy="4552"/>
-          </a:xfrm>
-          <a:prstGeom prst="bentConnector3">
-            <a:avLst>
-              <a:gd name="adj1" fmla="val 50000"/>
-            </a:avLst>
-          </a:prstGeom>
-          <a:ln>
-            <a:tailEnd type="arrow"/>
-          </a:ln>
-        </p:spPr>
-        <p:style>
-          <a:lnRef idx="1">
-            <a:schemeClr val="accent1"/>
-          </a:lnRef>
-          <a:fillRef idx="0">
-            <a:schemeClr val="accent1"/>
-          </a:fillRef>
-          <a:effectRef idx="0">
-            <a:schemeClr val="accent1"/>
-          </a:effectRef>
-          <a:fontRef idx="minor">
-            <a:schemeClr val="tx1"/>
-          </a:fontRef>
-        </p:style>
-      </p:cxnSp>
-      <p:sp>
-        <p:nvSpPr>
-          <p:cNvPr id="7" name="Rectangle 5">
-            <a:extLst>
-              <a:ext uri="{FF2B5EF4-FFF2-40B4-BE49-F238E27FC236}">
-                <a16:creationId xmlns:a16="http://schemas.microsoft.com/office/drawing/2014/main" xmlns="" id="{9529310F-209D-4FC3-82E8-EEC7E3A85851}"/>
-              </a:ext>
-            </a:extLst>
-          </p:cNvPr>
-          <p:cNvSpPr>
-            <a:spLocks noChangeArrowheads="1"/>
-          </p:cNvSpPr>
-          <p:nvPr/>
-        </p:nvSpPr>
-        <p:spPr bwMode="auto">
-          <a:xfrm>
-            <a:off x="1337308" y="1673434"/>
-            <a:ext cx="471604" cy="307777"/>
-          </a:xfrm>
-          <a:prstGeom prst="rect">
-            <a:avLst/>
-          </a:prstGeom>
-          <a:noFill/>
-        </p:spPr>
-        <p:txBody>
-          <a:bodyPr wrap="none" rtlCol="0">
-            <a:spAutoFit/>
-          </a:bodyPr>
-          <a:lstStyle/>
-          <a:p>
-            <a:r>
-              <a:rPr lang="en-US" altLang="en-US" sz="1400" dirty="0" smtClean="0">
-                <a:latin typeface="Symbol" panose="05050102010706020507" pitchFamily="18" charset="2"/>
-                <a:cs typeface="Arial" panose="020B0604020202020204" pitchFamily="34" charset="0"/>
-              </a:rPr>
-              <a:t>e</a:t>
-            </a:r>
-            <a:r>
-              <a:rPr lang="en-US" altLang="en-US" sz="1400" dirty="0" smtClean="0">
-                <a:latin typeface="Arial" panose="020B0604020202020204" pitchFamily="34" charset="0"/>
-                <a:cs typeface="Arial" panose="020B0604020202020204" pitchFamily="34" charset="0"/>
-              </a:rPr>
-              <a:t>-m</a:t>
-            </a:r>
-            <a:endParaRPr lang="en-US" altLang="en-US" sz="1400" dirty="0">
-              <a:latin typeface="Arial" panose="020B0604020202020204" pitchFamily="34" charset="0"/>
-              <a:cs typeface="Arial" panose="020B0604020202020204" pitchFamily="34" charset="0"/>
-            </a:endParaRPr>
-          </a:p>
-        </p:txBody>
-      </p:sp>
-      <p:sp>
-        <p:nvSpPr>
-          <p:cNvPr id="8" name="Ovale 7"/>
-          <p:cNvSpPr/>
-          <p:nvPr/>
-        </p:nvSpPr>
-        <p:spPr>
-          <a:xfrm>
-            <a:off x="1930165" y="1789604"/>
-            <a:ext cx="890982" cy="648072"/>
+            <a:off x="623619" y="1805018"/>
+            <a:ext cx="720080" cy="648072"/>
           </a:xfrm>
           <a:prstGeom prst="ellipse">
             <a:avLst/>
@@ -23808,8 +23683,8 @@
           <a:p>
             <a:pPr algn="ctr"/>
             <a:r>
-              <a:rPr lang="it-IT" dirty="0" smtClean="0"/>
-              <a:t>work</a:t>
+              <a:rPr lang="it-IT" dirty="0" err="1" smtClean="0"/>
+              <a:t>init</a:t>
             </a:r>
             <a:endParaRPr lang="en-GB" dirty="0"/>
           </a:p>
@@ -23817,14 +23692,140 @@
       </p:sp>
       <p:sp>
         <p:nvSpPr>
-          <p:cNvPr id="9" name="Ovale 8"/>
+          <p:cNvPr id="5" name="Ovale 4"/>
           <p:cNvSpPr/>
           <p:nvPr/>
         </p:nvSpPr>
         <p:spPr>
           <a:xfrm>
-            <a:off x="3613235" y="1789604"/>
-            <a:ext cx="1152128" cy="648072"/>
+            <a:off x="479603" y="2039712"/>
+            <a:ext cx="144016" cy="178684"/>
+          </a:xfrm>
+          <a:prstGeom prst="ellipse">
+            <a:avLst/>
+          </a:prstGeom>
+        </p:spPr>
+        <p:style>
+          <a:lnRef idx="2">
+            <a:schemeClr val="accent1">
+              <a:shade val="50000"/>
+            </a:schemeClr>
+          </a:lnRef>
+          <a:fillRef idx="1">
+            <a:schemeClr val="accent1"/>
+          </a:fillRef>
+          <a:effectRef idx="0">
+            <a:schemeClr val="accent1"/>
+          </a:effectRef>
+          <a:fontRef idx="minor">
+            <a:schemeClr val="lt1"/>
+          </a:fontRef>
+        </p:style>
+        <p:txBody>
+          <a:bodyPr rtlCol="0" anchor="ctr"/>
+          <a:lstStyle/>
+          <a:p>
+            <a:pPr algn="ctr"/>
+            <a:endParaRPr lang="en-GB"/>
+          </a:p>
+        </p:txBody>
+      </p:sp>
+      <p:cxnSp>
+        <p:nvCxnSpPr>
+          <p:cNvPr id="6" name="Connettore 4 5"/>
+          <p:cNvCxnSpPr/>
+          <p:nvPr/>
+        </p:nvCxnSpPr>
+        <p:spPr>
+          <a:xfrm flipV="1">
+            <a:off x="1343699" y="2113640"/>
+            <a:ext cx="586466" cy="4552"/>
+          </a:xfrm>
+          <a:prstGeom prst="bentConnector3">
+            <a:avLst>
+              <a:gd name="adj1" fmla="val 50000"/>
+            </a:avLst>
+          </a:prstGeom>
+          <a:ln>
+            <a:tailEnd type="arrow"/>
+          </a:ln>
+        </p:spPr>
+        <p:style>
+          <a:lnRef idx="1">
+            <a:schemeClr val="accent1"/>
+          </a:lnRef>
+          <a:fillRef idx="0">
+            <a:schemeClr val="accent1"/>
+          </a:fillRef>
+          <a:effectRef idx="0">
+            <a:schemeClr val="accent1"/>
+          </a:effectRef>
+          <a:fontRef idx="minor">
+            <a:schemeClr val="tx1"/>
+          </a:fontRef>
+        </p:style>
+      </p:cxnSp>
+      <p:sp>
+        <p:nvSpPr>
+          <p:cNvPr id="7" name="Rectangle 5">
+            <a:extLst>
+              <a:ext uri="{FF2B5EF4-FFF2-40B4-BE49-F238E27FC236}">
+                <a16:creationId xmlns:a16="http://schemas.microsoft.com/office/drawing/2014/main" xmlns="" id="{9529310F-209D-4FC3-82E8-EEC7E3A85851}"/>
+              </a:ext>
+            </a:extLst>
+          </p:cNvPr>
+          <p:cNvSpPr>
+            <a:spLocks noChangeArrowheads="1"/>
+          </p:cNvSpPr>
+          <p:nvPr/>
+        </p:nvSpPr>
+        <p:spPr bwMode="auto">
+          <a:xfrm>
+            <a:off x="1337308" y="1673434"/>
+            <a:ext cx="471604" cy="307777"/>
+          </a:xfrm>
+          <a:prstGeom prst="rect">
+            <a:avLst/>
+          </a:prstGeom>
+          <a:noFill/>
+        </p:spPr>
+        <p:txBody>
+          <a:bodyPr wrap="none" rtlCol="0">
+            <a:spAutoFit/>
+          </a:bodyPr>
+          <a:lstStyle/>
+          <a:p>
+            <a:r>
+              <a:rPr lang="en-US" altLang="en-US" sz="1400" dirty="0" smtClean="0">
+                <a:latin typeface="Symbol" panose="05050102010706020507" pitchFamily="18" charset="2"/>
+                <a:cs typeface="Arial" panose="020B0604020202020204" pitchFamily="34" charset="0"/>
+              </a:rPr>
+              <a:t>e</a:t>
+            </a:r>
+            <a:r>
+              <a:rPr lang="en-US" altLang="en-US" sz="1400" dirty="0" smtClean="0">
+                <a:latin typeface="Arial" panose="020B0604020202020204" pitchFamily="34" charset="0"/>
+                <a:cs typeface="Arial" panose="020B0604020202020204" pitchFamily="34" charset="0"/>
+              </a:rPr>
+              <a:t>-m</a:t>
+            </a:r>
+            <a:endParaRPr lang="en-US" altLang="en-US" sz="1400" dirty="0">
+              <a:latin typeface="Arial" panose="020B0604020202020204" pitchFamily="34" charset="0"/>
+              <a:cs typeface="Arial" panose="020B0604020202020204" pitchFamily="34" charset="0"/>
+            </a:endParaRPr>
+          </a:p>
+        </p:txBody>
+      </p:sp>
+      <p:sp>
+        <p:nvSpPr>
+          <p:cNvPr id="8" name="Ovale 7"/>
+          <p:cNvSpPr/>
+          <p:nvPr/>
+        </p:nvSpPr>
+        <p:spPr>
+          <a:xfrm>
+            <a:off x="1930165" y="1789604"/>
+            <a:ext cx="890982" cy="648072"/>
           </a:xfrm>
           <a:prstGeom prst="ellipse">
             <a:avLst/>
@@ -23855,6 +23856,53 @@
           <a:p>
             <a:pPr algn="ctr"/>
             <a:r>
+              <a:rPr lang="it-IT" dirty="0" smtClean="0"/>
+              <a:t>work</a:t>
+            </a:r>
+            <a:endParaRPr lang="en-GB" dirty="0"/>
+          </a:p>
+        </p:txBody>
+      </p:sp>
+      <p:sp>
+        <p:nvSpPr>
+          <p:cNvPr id="9" name="Ovale 8"/>
+          <p:cNvSpPr/>
+          <p:nvPr/>
+        </p:nvSpPr>
+        <p:spPr>
+          <a:xfrm>
+            <a:off x="3613235" y="1789604"/>
+            <a:ext cx="1152128" cy="648072"/>
+          </a:xfrm>
+          <a:prstGeom prst="ellipse">
+            <a:avLst/>
+          </a:prstGeom>
+          <a:ln>
+            <a:solidFill>
+              <a:srgbClr val="0070C0"/>
+            </a:solidFill>
+          </a:ln>
+        </p:spPr>
+        <p:style>
+          <a:lnRef idx="2">
+            <a:schemeClr val="accent2"/>
+          </a:lnRef>
+          <a:fillRef idx="1">
+            <a:schemeClr val="lt1"/>
+          </a:fillRef>
+          <a:effectRef idx="0">
+            <a:schemeClr val="accent2"/>
+          </a:effectRef>
+          <a:fontRef idx="minor">
+            <a:schemeClr val="dk1"/>
+          </a:fontRef>
+        </p:style>
+        <p:txBody>
+          <a:bodyPr rtlCol="0" anchor="ctr"/>
+          <a:lstStyle/>
+          <a:p>
+            <a:pPr algn="ctr"/>
+            <a:r>
               <a:rPr lang="it-IT" dirty="0" err="1" smtClean="0"/>
               <a:t>doStep</a:t>
             </a:r>
@@ -23971,8 +24019,8 @@
         </p:nvSpPr>
         <p:spPr>
           <a:xfrm>
-            <a:off x="3522528" y="2480941"/>
-            <a:ext cx="644728" cy="369332"/>
+            <a:off x="3522528" y="2517676"/>
+            <a:ext cx="718466" cy="369332"/>
           </a:xfrm>
           <a:prstGeom prst="rect">
             <a:avLst/>
@@ -23985,10 +24033,13 @@
           <a:lstStyle/>
           <a:p>
             <a:r>
-              <a:rPr lang="en-GB" dirty="0" smtClean="0"/>
+              <a:rPr lang="en-GB" b="1" dirty="0">
+                <a:solidFill>
+                  <a:srgbClr val="00B0F0"/>
+                </a:solidFill>
+              </a:rPr>
               <a:t>timer</a:t>
             </a:r>
-            <a:endParaRPr lang="en-GB" dirty="0"/>
           </a:p>
         </p:txBody>
       </p:sp>
@@ -24495,8 +24546,8 @@
         </p:nvSpPr>
         <p:spPr>
           <a:xfrm>
-            <a:off x="4754681" y="1346344"/>
-            <a:ext cx="869149" cy="369332"/>
+            <a:off x="4637448" y="1346344"/>
+            <a:ext cx="995785" cy="369332"/>
           </a:xfrm>
           <a:prstGeom prst="rect">
             <a:avLst/>
@@ -24509,10 +24560,18 @@
           <a:lstStyle/>
           <a:p>
             <a:r>
-              <a:rPr lang="en-GB" dirty="0" err="1" smtClean="0"/>
+              <a:rPr lang="en-GB" b="1" dirty="0" err="1">
+                <a:solidFill>
+                  <a:srgbClr val="00B050"/>
+                </a:solidFill>
+              </a:rPr>
               <a:t>endtime</a:t>
             </a:r>
-            <a:endParaRPr lang="en-GB" dirty="0"/>
+            <a:endParaRPr lang="en-GB" b="1" dirty="0">
+              <a:solidFill>
+                <a:srgbClr val="00B050"/>
+              </a:solidFill>
+            </a:endParaRPr>
           </a:p>
         </p:txBody>
       </p:sp>
@@ -24542,6 +24601,456 @@
               <a:t>sensor</a:t>
             </a:r>
             <a:endParaRPr lang="en-GB" dirty="0"/>
+          </a:p>
+        </p:txBody>
+      </p:sp>
+      <p:sp>
+        <p:nvSpPr>
+          <p:cNvPr id="39" name="Ovale 38"/>
+          <p:cNvSpPr/>
+          <p:nvPr/>
+        </p:nvSpPr>
+        <p:spPr>
+          <a:xfrm>
+            <a:off x="670727" y="4470262"/>
+            <a:ext cx="720080" cy="648072"/>
+          </a:xfrm>
+          <a:prstGeom prst="ellipse">
+            <a:avLst/>
+          </a:prstGeom>
+          <a:ln>
+            <a:solidFill>
+              <a:srgbClr val="0070C0"/>
+            </a:solidFill>
+          </a:ln>
+        </p:spPr>
+        <p:style>
+          <a:lnRef idx="2">
+            <a:schemeClr val="accent2"/>
+          </a:lnRef>
+          <a:fillRef idx="1">
+            <a:schemeClr val="lt1"/>
+          </a:fillRef>
+          <a:effectRef idx="0">
+            <a:schemeClr val="accent2"/>
+          </a:effectRef>
+          <a:fontRef idx="minor">
+            <a:schemeClr val="dk1"/>
+          </a:fontRef>
+        </p:style>
+        <p:txBody>
+          <a:bodyPr rtlCol="0" anchor="ctr"/>
+          <a:lstStyle/>
+          <a:p>
+            <a:pPr algn="ctr"/>
+            <a:r>
+              <a:rPr lang="it-IT" dirty="0" err="1" smtClean="0"/>
+              <a:t>init</a:t>
+            </a:r>
+            <a:endParaRPr lang="en-GB" dirty="0"/>
+          </a:p>
+        </p:txBody>
+      </p:sp>
+      <p:sp>
+        <p:nvSpPr>
+          <p:cNvPr id="40" name="Ovale 39"/>
+          <p:cNvSpPr/>
+          <p:nvPr/>
+        </p:nvSpPr>
+        <p:spPr>
+          <a:xfrm>
+            <a:off x="526711" y="4704956"/>
+            <a:ext cx="144016" cy="178684"/>
+          </a:xfrm>
+          <a:prstGeom prst="ellipse">
+            <a:avLst/>
+          </a:prstGeom>
+        </p:spPr>
+        <p:style>
+          <a:lnRef idx="2">
+            <a:schemeClr val="accent1">
+              <a:shade val="50000"/>
+            </a:schemeClr>
+          </a:lnRef>
+          <a:fillRef idx="1">
+            <a:schemeClr val="accent1"/>
+          </a:fillRef>
+          <a:effectRef idx="0">
+            <a:schemeClr val="accent1"/>
+          </a:effectRef>
+          <a:fontRef idx="minor">
+            <a:schemeClr val="lt1"/>
+          </a:fontRef>
+        </p:style>
+        <p:txBody>
+          <a:bodyPr rtlCol="0" anchor="ctr"/>
+          <a:lstStyle/>
+          <a:p>
+            <a:pPr algn="ctr"/>
+            <a:endParaRPr lang="en-GB"/>
+          </a:p>
+        </p:txBody>
+      </p:sp>
+      <p:cxnSp>
+        <p:nvCxnSpPr>
+          <p:cNvPr id="41" name="Connettore 4 40"/>
+          <p:cNvCxnSpPr/>
+          <p:nvPr/>
+        </p:nvCxnSpPr>
+        <p:spPr>
+          <a:xfrm flipV="1">
+            <a:off x="1390807" y="4778884"/>
+            <a:ext cx="586466" cy="4552"/>
+          </a:xfrm>
+          <a:prstGeom prst="bentConnector3">
+            <a:avLst>
+              <a:gd name="adj1" fmla="val 50000"/>
+            </a:avLst>
+          </a:prstGeom>
+          <a:ln>
+            <a:tailEnd type="arrow"/>
+          </a:ln>
+        </p:spPr>
+        <p:style>
+          <a:lnRef idx="1">
+            <a:schemeClr val="accent1"/>
+          </a:lnRef>
+          <a:fillRef idx="0">
+            <a:schemeClr val="accent1"/>
+          </a:fillRef>
+          <a:effectRef idx="0">
+            <a:schemeClr val="accent1"/>
+          </a:effectRef>
+          <a:fontRef idx="minor">
+            <a:schemeClr val="tx1"/>
+          </a:fontRef>
+        </p:style>
+      </p:cxnSp>
+      <p:sp>
+        <p:nvSpPr>
+          <p:cNvPr id="42" name="Rectangle 5">
+            <a:extLst>
+              <a:ext uri="{FF2B5EF4-FFF2-40B4-BE49-F238E27FC236}">
+                <a16:creationId xmlns:a16="http://schemas.microsoft.com/office/drawing/2014/main" xmlns="" id="{9529310F-209D-4FC3-82E8-EEC7E3A85851}"/>
+              </a:ext>
+            </a:extLst>
+          </p:cNvPr>
+          <p:cNvSpPr>
+            <a:spLocks noChangeArrowheads="1"/>
+          </p:cNvSpPr>
+          <p:nvPr/>
+        </p:nvSpPr>
+        <p:spPr bwMode="auto">
+          <a:xfrm>
+            <a:off x="1384416" y="4338678"/>
+            <a:ext cx="471604" cy="307777"/>
+          </a:xfrm>
+          <a:prstGeom prst="rect">
+            <a:avLst/>
+          </a:prstGeom>
+          <a:noFill/>
+        </p:spPr>
+        <p:txBody>
+          <a:bodyPr wrap="none" rtlCol="0">
+            <a:spAutoFit/>
+          </a:bodyPr>
+          <a:lstStyle/>
+          <a:p>
+            <a:r>
+              <a:rPr lang="en-US" altLang="en-US" sz="1400" dirty="0" smtClean="0">
+                <a:latin typeface="Symbol" panose="05050102010706020507" pitchFamily="18" charset="2"/>
+                <a:cs typeface="Arial" panose="020B0604020202020204" pitchFamily="34" charset="0"/>
+              </a:rPr>
+              <a:t>e</a:t>
+            </a:r>
+            <a:r>
+              <a:rPr lang="en-US" altLang="en-US" sz="1400" dirty="0" smtClean="0">
+                <a:latin typeface="Arial" panose="020B0604020202020204" pitchFamily="34" charset="0"/>
+                <a:cs typeface="Arial" panose="020B0604020202020204" pitchFamily="34" charset="0"/>
+              </a:rPr>
+              <a:t>-m</a:t>
+            </a:r>
+            <a:endParaRPr lang="en-US" altLang="en-US" sz="1400" dirty="0">
+              <a:latin typeface="Arial" panose="020B0604020202020204" pitchFamily="34" charset="0"/>
+              <a:cs typeface="Arial" panose="020B0604020202020204" pitchFamily="34" charset="0"/>
+            </a:endParaRPr>
+          </a:p>
+        </p:txBody>
+      </p:sp>
+      <p:sp>
+        <p:nvSpPr>
+          <p:cNvPr id="43" name="Ovale 42"/>
+          <p:cNvSpPr/>
+          <p:nvPr/>
+        </p:nvSpPr>
+        <p:spPr>
+          <a:xfrm>
+            <a:off x="1977272" y="4454848"/>
+            <a:ext cx="1453659" cy="648072"/>
+          </a:xfrm>
+          <a:prstGeom prst="ellipse">
+            <a:avLst/>
+          </a:prstGeom>
+          <a:ln>
+            <a:solidFill>
+              <a:srgbClr val="0070C0"/>
+            </a:solidFill>
+          </a:ln>
+        </p:spPr>
+        <p:style>
+          <a:lnRef idx="2">
+            <a:schemeClr val="accent2"/>
+          </a:lnRef>
+          <a:fillRef idx="1">
+            <a:schemeClr val="lt1"/>
+          </a:fillRef>
+          <a:effectRef idx="0">
+            <a:schemeClr val="accent2"/>
+          </a:effectRef>
+          <a:fontRef idx="minor">
+            <a:schemeClr val="dk1"/>
+          </a:fontRef>
+        </p:style>
+        <p:txBody>
+          <a:bodyPr rtlCol="0" anchor="ctr"/>
+          <a:lstStyle/>
+          <a:p>
+            <a:pPr algn="ctr"/>
+            <a:r>
+              <a:rPr lang="it-IT" dirty="0" err="1" smtClean="0"/>
+              <a:t>waitcmd</a:t>
+            </a:r>
+            <a:endParaRPr lang="en-GB" dirty="0"/>
+          </a:p>
+        </p:txBody>
+      </p:sp>
+      <p:cxnSp>
+        <p:nvCxnSpPr>
+          <p:cNvPr id="44" name="Connettore 2 43"/>
+          <p:cNvCxnSpPr/>
+          <p:nvPr/>
+        </p:nvCxnSpPr>
+        <p:spPr>
+          <a:xfrm flipV="1">
+            <a:off x="4890742" y="4043348"/>
+            <a:ext cx="0" cy="590660"/>
+          </a:xfrm>
+          <a:prstGeom prst="straightConnector1">
+            <a:avLst/>
+          </a:prstGeom>
+          <a:ln>
+            <a:prstDash val="lgDash"/>
+            <a:tailEnd type="arrow"/>
+          </a:ln>
+        </p:spPr>
+        <p:style>
+          <a:lnRef idx="1">
+            <a:schemeClr val="accent1"/>
+          </a:lnRef>
+          <a:fillRef idx="0">
+            <a:schemeClr val="accent1"/>
+          </a:fillRef>
+          <a:effectRef idx="0">
+            <a:schemeClr val="accent1"/>
+          </a:effectRef>
+          <a:fontRef idx="minor">
+            <a:schemeClr val="tx1"/>
+          </a:fontRef>
+        </p:style>
+      </p:cxnSp>
+      <p:sp>
+        <p:nvSpPr>
+          <p:cNvPr id="47" name="Rettangolo 46"/>
+          <p:cNvSpPr/>
+          <p:nvPr/>
+        </p:nvSpPr>
+        <p:spPr>
+          <a:xfrm>
+            <a:off x="4970445" y="3982279"/>
+            <a:ext cx="995785" cy="369332"/>
+          </a:xfrm>
+          <a:prstGeom prst="rect">
+            <a:avLst/>
+          </a:prstGeom>
+        </p:spPr>
+        <p:txBody>
+          <a:bodyPr wrap="none">
+            <a:spAutoFit/>
+          </a:bodyPr>
+          <a:lstStyle/>
+          <a:p>
+            <a:r>
+              <a:rPr lang="en-GB" b="1" dirty="0" err="1">
+                <a:solidFill>
+                  <a:srgbClr val="00B050"/>
+                </a:solidFill>
+              </a:rPr>
+              <a:t>endtime</a:t>
+            </a:r>
+            <a:endParaRPr lang="en-GB" b="1" dirty="0">
+              <a:solidFill>
+                <a:srgbClr val="00B050"/>
+              </a:solidFill>
+            </a:endParaRPr>
+          </a:p>
+        </p:txBody>
+      </p:sp>
+      <p:cxnSp>
+        <p:nvCxnSpPr>
+          <p:cNvPr id="49" name="Connettore 4 48"/>
+          <p:cNvCxnSpPr>
+            <a:stCxn id="52" idx="4"/>
+            <a:endCxn id="39" idx="4"/>
+          </p:cNvCxnSpPr>
+          <p:nvPr/>
+        </p:nvCxnSpPr>
+        <p:spPr>
+          <a:xfrm rot="5400000">
+            <a:off x="3059224" y="3066048"/>
+            <a:ext cx="23829" cy="4080742"/>
+          </a:xfrm>
+          <a:prstGeom prst="bentConnector3">
+            <a:avLst>
+              <a:gd name="adj1" fmla="val 1059335"/>
+            </a:avLst>
+          </a:prstGeom>
+          <a:ln>
+            <a:tailEnd type="arrow"/>
+          </a:ln>
+        </p:spPr>
+        <p:style>
+          <a:lnRef idx="1">
+            <a:schemeClr val="accent1"/>
+          </a:lnRef>
+          <a:fillRef idx="0">
+            <a:schemeClr val="accent1"/>
+          </a:fillRef>
+          <a:effectRef idx="0">
+            <a:schemeClr val="accent1"/>
+          </a:effectRef>
+          <a:fontRef idx="minor">
+            <a:schemeClr val="tx1"/>
+          </a:fontRef>
+        </p:style>
+      </p:cxnSp>
+      <p:sp>
+        <p:nvSpPr>
+          <p:cNvPr id="50" name="Rectangle 5">
+            <a:extLst>
+              <a:ext uri="{FF2B5EF4-FFF2-40B4-BE49-F238E27FC236}">
+                <a16:creationId xmlns:a16="http://schemas.microsoft.com/office/drawing/2014/main" xmlns="" id="{9529310F-209D-4FC3-82E8-EEC7E3A85851}"/>
+              </a:ext>
+            </a:extLst>
+          </p:cNvPr>
+          <p:cNvSpPr>
+            <a:spLocks noChangeArrowheads="1"/>
+          </p:cNvSpPr>
+          <p:nvPr/>
+        </p:nvSpPr>
+        <p:spPr bwMode="auto">
+          <a:xfrm>
+            <a:off x="1602005" y="5334358"/>
+            <a:ext cx="471604" cy="307777"/>
+          </a:xfrm>
+          <a:prstGeom prst="rect">
+            <a:avLst/>
+          </a:prstGeom>
+          <a:noFill/>
+        </p:spPr>
+        <p:txBody>
+          <a:bodyPr wrap="none" rtlCol="0">
+            <a:spAutoFit/>
+          </a:bodyPr>
+          <a:lstStyle/>
+          <a:p>
+            <a:r>
+              <a:rPr lang="en-US" altLang="en-US" sz="1400" dirty="0" smtClean="0">
+                <a:latin typeface="Symbol" panose="05050102010706020507" pitchFamily="18" charset="2"/>
+                <a:cs typeface="Arial" panose="020B0604020202020204" pitchFamily="34" charset="0"/>
+              </a:rPr>
+              <a:t>e</a:t>
+            </a:r>
+            <a:r>
+              <a:rPr lang="en-US" altLang="en-US" sz="1400" dirty="0" smtClean="0">
+                <a:latin typeface="Arial" panose="020B0604020202020204" pitchFamily="34" charset="0"/>
+                <a:cs typeface="Arial" panose="020B0604020202020204" pitchFamily="34" charset="0"/>
+              </a:rPr>
+              <a:t>-m</a:t>
+            </a:r>
+            <a:endParaRPr lang="en-US" altLang="en-US" sz="1400" dirty="0">
+              <a:latin typeface="Arial" panose="020B0604020202020204" pitchFamily="34" charset="0"/>
+              <a:cs typeface="Arial" panose="020B0604020202020204" pitchFamily="34" charset="0"/>
+            </a:endParaRPr>
+          </a:p>
+        </p:txBody>
+      </p:sp>
+      <p:cxnSp>
+        <p:nvCxnSpPr>
+          <p:cNvPr id="53" name="Connettore 4 52"/>
+          <p:cNvCxnSpPr>
+            <a:stCxn id="43" idx="6"/>
+            <a:endCxn id="52" idx="2"/>
+          </p:cNvCxnSpPr>
+          <p:nvPr/>
+        </p:nvCxnSpPr>
+        <p:spPr>
+          <a:xfrm flipV="1">
+            <a:off x="3430931" y="4770469"/>
+            <a:ext cx="953748" cy="8415"/>
+          </a:xfrm>
+          <a:prstGeom prst="bentConnector3">
+            <a:avLst>
+              <a:gd name="adj1" fmla="val 50000"/>
+            </a:avLst>
+          </a:prstGeom>
+          <a:ln>
+            <a:tailEnd type="arrow"/>
+          </a:ln>
+        </p:spPr>
+        <p:style>
+          <a:lnRef idx="1">
+            <a:schemeClr val="accent1"/>
+          </a:lnRef>
+          <a:fillRef idx="0">
+            <a:schemeClr val="accent1"/>
+          </a:fillRef>
+          <a:effectRef idx="0">
+            <a:schemeClr val="accent1"/>
+          </a:effectRef>
+          <a:fontRef idx="minor">
+            <a:schemeClr val="tx1"/>
+          </a:fontRef>
+        </p:style>
+      </p:cxnSp>
+      <p:sp>
+        <p:nvSpPr>
+          <p:cNvPr id="60" name="Rettangolo 59"/>
+          <p:cNvSpPr/>
+          <p:nvPr/>
+        </p:nvSpPr>
+        <p:spPr>
+          <a:xfrm>
+            <a:off x="3591430" y="4424966"/>
+            <a:ext cx="718466" cy="369332"/>
+          </a:xfrm>
+          <a:prstGeom prst="rect">
+            <a:avLst/>
+          </a:prstGeom>
+        </p:spPr>
+        <p:txBody>
+          <a:bodyPr wrap="none">
+            <a:spAutoFit/>
+          </a:bodyPr>
+          <a:lstStyle/>
+          <a:p>
+            <a:r>
+              <a:rPr lang="en-GB" b="1" dirty="0">
+                <a:solidFill>
+                  <a:srgbClr val="00B0F0"/>
+                </a:solidFill>
+              </a:rPr>
+              <a:t>timer</a:t>
+            </a:r>
           </a:p>
         </p:txBody>
       </p:sp>
@@ -24583,7 +25092,7 @@
         </p:nvSpPr>
         <p:spPr>
           <a:xfrm>
-            <a:off x="2411760" y="1988840"/>
+            <a:off x="1189882" y="166788"/>
             <a:ext cx="2232248" cy="2140496"/>
           </a:xfrm>
           <a:prstGeom prst="rect">
@@ -24631,7 +25140,7 @@
         </p:nvSpPr>
         <p:spPr>
           <a:xfrm>
-            <a:off x="2411761" y="1988840"/>
+            <a:off x="1189883" y="166788"/>
             <a:ext cx="360040" cy="324036"/>
           </a:xfrm>
           <a:prstGeom prst="rect">
@@ -24720,7 +25229,7 @@
         </p:nvSpPr>
         <p:spPr>
           <a:xfrm>
-            <a:off x="2771800" y="3959189"/>
+            <a:off x="1549922" y="2137137"/>
             <a:ext cx="68456" cy="76254"/>
           </a:xfrm>
           <a:prstGeom prst="ellipse">
@@ -24763,7 +25272,7 @@
         </p:nvSpPr>
         <p:spPr>
           <a:xfrm>
-            <a:off x="3478813" y="3959189"/>
+            <a:off x="2256935" y="2137137"/>
             <a:ext cx="68456" cy="76254"/>
           </a:xfrm>
           <a:prstGeom prst="ellipse">
@@ -24806,7 +25315,7 @@
         </p:nvSpPr>
         <p:spPr>
           <a:xfrm>
-            <a:off x="3476644" y="2088915"/>
+            <a:off x="2254766" y="266863"/>
             <a:ext cx="68456" cy="76254"/>
           </a:xfrm>
           <a:prstGeom prst="ellipse">
@@ -24849,7 +25358,7 @@
         </p:nvSpPr>
         <p:spPr>
           <a:xfrm>
-            <a:off x="4356677" y="2101197"/>
+            <a:off x="3134799" y="279145"/>
             <a:ext cx="68456" cy="76254"/>
           </a:xfrm>
           <a:prstGeom prst="ellipse">
@@ -24892,7 +25401,7 @@
         </p:nvSpPr>
         <p:spPr>
           <a:xfrm>
-            <a:off x="4373690" y="3973404"/>
+            <a:off x="3151812" y="2151352"/>
             <a:ext cx="68456" cy="76254"/>
           </a:xfrm>
           <a:prstGeom prst="ellipse">
@@ -24923,7 +25432,7 @@
           <a:lstStyle/>
           <a:p>
             <a:pPr algn="ctr"/>
-            <a:endParaRPr lang="en-GB" dirty="0"/>
+            <a:endParaRPr lang="en-GB" u="sng" dirty="0"/>
           </a:p>
         </p:txBody>
       </p:sp>
@@ -24935,7 +25444,7 @@
         </p:nvSpPr>
         <p:spPr>
           <a:xfrm>
-            <a:off x="2424111" y="2009416"/>
+            <a:off x="1202233" y="187364"/>
             <a:ext cx="335339" cy="282884"/>
           </a:xfrm>
           <a:prstGeom prst="ellipse">
@@ -24985,7 +25494,7 @@
         </p:nvSpPr>
         <p:spPr>
           <a:xfrm>
-            <a:off x="2411761" y="2321112"/>
+            <a:off x="1189883" y="499060"/>
             <a:ext cx="360040" cy="324036"/>
           </a:xfrm>
           <a:prstGeom prst="rect">
@@ -25028,7 +25537,7 @@
         </p:nvSpPr>
         <p:spPr>
           <a:xfrm>
-            <a:off x="2771801" y="1997076"/>
+            <a:off x="1549923" y="175024"/>
             <a:ext cx="360040" cy="324036"/>
           </a:xfrm>
           <a:prstGeom prst="rect">
@@ -25071,7 +25580,7 @@
         </p:nvSpPr>
         <p:spPr>
           <a:xfrm>
-            <a:off x="2411761" y="2645148"/>
+            <a:off x="1189883" y="823096"/>
             <a:ext cx="360040" cy="324036"/>
           </a:xfrm>
           <a:prstGeom prst="rect">
@@ -25114,7 +25623,7 @@
         </p:nvSpPr>
         <p:spPr>
           <a:xfrm>
-            <a:off x="2399410" y="2956017"/>
+            <a:off x="1177532" y="1133965"/>
             <a:ext cx="360040" cy="324036"/>
           </a:xfrm>
           <a:prstGeom prst="rect">
@@ -25157,7 +25666,7 @@
         </p:nvSpPr>
         <p:spPr>
           <a:xfrm>
-            <a:off x="2399410" y="3280053"/>
+            <a:off x="1177532" y="1458001"/>
             <a:ext cx="360040" cy="324036"/>
           </a:xfrm>
           <a:prstGeom prst="rect">
@@ -25230,7 +25739,7 @@
         </p:nvSpPr>
         <p:spPr>
           <a:xfrm>
-            <a:off x="2399410" y="3609777"/>
+            <a:off x="1177532" y="1787725"/>
             <a:ext cx="360040" cy="324036"/>
           </a:xfrm>
           <a:prstGeom prst="rect">
@@ -25273,7 +25782,7 @@
         </p:nvSpPr>
         <p:spPr>
           <a:xfrm>
-            <a:off x="2727204" y="3609777"/>
+            <a:off x="1505326" y="1787725"/>
             <a:ext cx="360040" cy="324036"/>
           </a:xfrm>
           <a:prstGeom prst="rect">
@@ -25316,7 +25825,7 @@
         </p:nvSpPr>
         <p:spPr>
           <a:xfrm>
-            <a:off x="3065528" y="3600159"/>
+            <a:off x="1843650" y="1778107"/>
             <a:ext cx="360040" cy="324036"/>
           </a:xfrm>
           <a:prstGeom prst="rect">
@@ -25359,7 +25868,7 @@
         </p:nvSpPr>
         <p:spPr>
           <a:xfrm>
-            <a:off x="3393322" y="3600159"/>
+            <a:off x="2171444" y="1778107"/>
             <a:ext cx="360040" cy="324036"/>
           </a:xfrm>
           <a:prstGeom prst="rect">
@@ -25402,7 +25911,7 @@
         </p:nvSpPr>
         <p:spPr>
           <a:xfrm>
-            <a:off x="3753362" y="3627252"/>
+            <a:off x="2531484" y="1805200"/>
             <a:ext cx="360040" cy="324036"/>
           </a:xfrm>
           <a:prstGeom prst="rect">
@@ -25445,7 +25954,7 @@
         </p:nvSpPr>
         <p:spPr>
           <a:xfrm>
-            <a:off x="4166932" y="3641468"/>
+            <a:off x="2945054" y="1819416"/>
             <a:ext cx="360040" cy="324036"/>
           </a:xfrm>
           <a:prstGeom prst="rect">
@@ -25488,7 +25997,7 @@
         </p:nvSpPr>
         <p:spPr>
           <a:xfrm>
-            <a:off x="4154473" y="2028767"/>
+            <a:off x="2932595" y="206715"/>
             <a:ext cx="360040" cy="324036"/>
           </a:xfrm>
           <a:prstGeom prst="rect">
@@ -25531,7 +26040,7 @@
         </p:nvSpPr>
         <p:spPr>
           <a:xfrm>
-            <a:off x="4154473" y="2352803"/>
+            <a:off x="2932595" y="530751"/>
             <a:ext cx="360040" cy="324036"/>
           </a:xfrm>
           <a:prstGeom prst="rect">
@@ -25574,7 +26083,7 @@
         </p:nvSpPr>
         <p:spPr>
           <a:xfrm>
-            <a:off x="4142122" y="2663672"/>
+            <a:off x="2920244" y="841620"/>
             <a:ext cx="360040" cy="324036"/>
           </a:xfrm>
           <a:prstGeom prst="rect">
@@ -25617,7 +26126,7 @@
         </p:nvSpPr>
         <p:spPr>
           <a:xfrm>
-            <a:off x="4142122" y="2987708"/>
+            <a:off x="2920244" y="1165656"/>
             <a:ext cx="360040" cy="324036"/>
           </a:xfrm>
           <a:prstGeom prst="rect">
@@ -25660,7 +26169,7 @@
         </p:nvSpPr>
         <p:spPr>
           <a:xfrm>
-            <a:off x="4142122" y="3317432"/>
+            <a:off x="2920244" y="1495380"/>
             <a:ext cx="360040" cy="324036"/>
           </a:xfrm>
           <a:prstGeom prst="rect">
@@ -25703,7 +26212,7 @@
         </p:nvSpPr>
         <p:spPr>
           <a:xfrm>
-            <a:off x="3537815" y="2354372"/>
+            <a:off x="2315937" y="532320"/>
             <a:ext cx="68456" cy="76254"/>
           </a:xfrm>
           <a:prstGeom prst="ellipse">
@@ -25746,7 +26255,7 @@
         </p:nvSpPr>
         <p:spPr>
           <a:xfrm>
-            <a:off x="4330604" y="2368588"/>
+            <a:off x="3108726" y="546536"/>
             <a:ext cx="68456" cy="76254"/>
           </a:xfrm>
           <a:prstGeom prst="ellipse">
@@ -25789,7 +26298,7 @@
         </p:nvSpPr>
         <p:spPr>
           <a:xfrm>
-            <a:off x="3165425" y="2004960"/>
+            <a:off x="1943547" y="182908"/>
             <a:ext cx="360040" cy="324036"/>
           </a:xfrm>
           <a:prstGeom prst="rect">
@@ -25832,7 +26341,7 @@
         </p:nvSpPr>
         <p:spPr>
           <a:xfrm>
-            <a:off x="3493219" y="2004960"/>
+            <a:off x="2271341" y="182908"/>
             <a:ext cx="360040" cy="324036"/>
           </a:xfrm>
           <a:prstGeom prst="rect">
@@ -25875,7 +26384,7 @@
         </p:nvSpPr>
         <p:spPr>
           <a:xfrm>
-            <a:off x="3831543" y="1995342"/>
+            <a:off x="2609665" y="173290"/>
             <a:ext cx="360040" cy="324036"/>
           </a:xfrm>
           <a:prstGeom prst="rect">
@@ -25918,7 +26427,7 @@
         </p:nvSpPr>
         <p:spPr>
           <a:xfrm>
-            <a:off x="4210668" y="1968264"/>
+            <a:off x="2988790" y="146212"/>
             <a:ext cx="360040" cy="324036"/>
           </a:xfrm>
           <a:prstGeom prst="rect">
@@ -25961,7 +26470,7 @@
         </p:nvSpPr>
         <p:spPr>
           <a:xfrm>
-            <a:off x="5609548" y="2444842"/>
+            <a:off x="5427109" y="1036730"/>
             <a:ext cx="2545825" cy="646331"/>
           </a:xfrm>
           <a:prstGeom prst="rect">
@@ -25983,6 +26492,826 @@
           </a:p>
         </p:txBody>
       </p:sp>
+      <p:sp>
+        <p:nvSpPr>
+          <p:cNvPr id="40" name="Ovale 39"/>
+          <p:cNvSpPr/>
+          <p:nvPr/>
+        </p:nvSpPr>
+        <p:spPr>
+          <a:xfrm>
+            <a:off x="292201" y="166788"/>
+            <a:ext cx="335339" cy="282884"/>
+          </a:xfrm>
+          <a:prstGeom prst="ellipse">
+            <a:avLst/>
+          </a:prstGeom>
+          <a:solidFill>
+            <a:srgbClr val="33CCCC"/>
+          </a:solidFill>
+          <a:ln>
+            <a:solidFill>
+              <a:srgbClr val="33CCCC"/>
+            </a:solidFill>
+          </a:ln>
+        </p:spPr>
+        <p:style>
+          <a:lnRef idx="2">
+            <a:schemeClr val="accent4"/>
+          </a:lnRef>
+          <a:fillRef idx="1">
+            <a:schemeClr val="lt1"/>
+          </a:fillRef>
+          <a:effectRef idx="0">
+            <a:schemeClr val="accent4"/>
+          </a:effectRef>
+          <a:fontRef idx="minor">
+            <a:schemeClr val="dk1"/>
+          </a:fontRef>
+        </p:style>
+        <p:txBody>
+          <a:bodyPr rtlCol="0" anchor="ctr"/>
+          <a:lstStyle/>
+          <a:p>
+            <a:pPr algn="ctr"/>
+            <a:r>
+              <a:rPr lang="it-IT" sz="1100" dirty="0" smtClean="0"/>
+              <a:t>R</a:t>
+            </a:r>
+            <a:endParaRPr lang="en-GB" sz="1100" dirty="0"/>
+          </a:p>
+        </p:txBody>
+      </p:sp>
+      <p:sp>
+        <p:nvSpPr>
+          <p:cNvPr id="41" name="Rettangolo 40"/>
+          <p:cNvSpPr/>
+          <p:nvPr/>
+        </p:nvSpPr>
+        <p:spPr>
+          <a:xfrm>
+            <a:off x="1053815" y="2713991"/>
+            <a:ext cx="4238265" cy="3327325"/>
+          </a:xfrm>
+          <a:prstGeom prst="rect">
+            <a:avLst/>
+          </a:prstGeom>
+          <a:solidFill>
+            <a:schemeClr val="bg1"/>
+          </a:solidFill>
+          <a:ln>
+            <a:solidFill>
+              <a:srgbClr val="1318ED"/>
+            </a:solidFill>
+          </a:ln>
+        </p:spPr>
+        <p:style>
+          <a:lnRef idx="2">
+            <a:schemeClr val="accent1">
+              <a:shade val="50000"/>
+            </a:schemeClr>
+          </a:lnRef>
+          <a:fillRef idx="1">
+            <a:schemeClr val="accent1"/>
+          </a:fillRef>
+          <a:effectRef idx="0">
+            <a:schemeClr val="accent1"/>
+          </a:effectRef>
+          <a:fontRef idx="minor">
+            <a:schemeClr val="lt1"/>
+          </a:fontRef>
+        </p:style>
+        <p:txBody>
+          <a:bodyPr rtlCol="0" anchor="ctr"/>
+          <a:lstStyle/>
+          <a:p>
+            <a:pPr algn="ctr"/>
+            <a:endParaRPr lang="en-GB" u="sng"/>
+          </a:p>
+        </p:txBody>
+      </p:sp>
+      <p:cxnSp>
+        <p:nvCxnSpPr>
+          <p:cNvPr id="42" name="Connettore 1 41"/>
+          <p:cNvCxnSpPr/>
+          <p:nvPr/>
+        </p:nvCxnSpPr>
+        <p:spPr>
+          <a:xfrm>
+            <a:off x="1699994" y="2753037"/>
+            <a:ext cx="1048" cy="3288279"/>
+          </a:xfrm>
+          <a:prstGeom prst="line">
+            <a:avLst/>
+          </a:prstGeom>
+          <a:solidFill>
+            <a:schemeClr val="bg1"/>
+          </a:solidFill>
+          <a:ln>
+            <a:solidFill>
+              <a:srgbClr val="1318ED"/>
+            </a:solidFill>
+          </a:ln>
+        </p:spPr>
+        <p:style>
+          <a:lnRef idx="2">
+            <a:schemeClr val="accent1">
+              <a:shade val="50000"/>
+            </a:schemeClr>
+          </a:lnRef>
+          <a:fillRef idx="1">
+            <a:schemeClr val="accent1"/>
+          </a:fillRef>
+          <a:effectRef idx="0">
+            <a:schemeClr val="accent1"/>
+          </a:effectRef>
+          <a:fontRef idx="minor">
+            <a:schemeClr val="lt1"/>
+          </a:fontRef>
+        </p:style>
+      </p:cxnSp>
+      <p:cxnSp>
+        <p:nvCxnSpPr>
+          <p:cNvPr id="43" name="Connettore 1 42"/>
+          <p:cNvCxnSpPr/>
+          <p:nvPr/>
+        </p:nvCxnSpPr>
+        <p:spPr>
+          <a:xfrm>
+            <a:off x="2402474" y="2740832"/>
+            <a:ext cx="0" cy="3288279"/>
+          </a:xfrm>
+          <a:prstGeom prst="line">
+            <a:avLst/>
+          </a:prstGeom>
+          <a:solidFill>
+            <a:schemeClr val="bg1"/>
+          </a:solidFill>
+          <a:ln>
+            <a:solidFill>
+              <a:srgbClr val="1318ED"/>
+            </a:solidFill>
+          </a:ln>
+        </p:spPr>
+        <p:style>
+          <a:lnRef idx="2">
+            <a:schemeClr val="accent1">
+              <a:shade val="50000"/>
+            </a:schemeClr>
+          </a:lnRef>
+          <a:fillRef idx="1">
+            <a:schemeClr val="accent1"/>
+          </a:fillRef>
+          <a:effectRef idx="0">
+            <a:schemeClr val="accent1"/>
+          </a:effectRef>
+          <a:fontRef idx="minor">
+            <a:schemeClr val="lt1"/>
+          </a:fontRef>
+        </p:style>
+      </p:cxnSp>
+      <p:cxnSp>
+        <p:nvCxnSpPr>
+          <p:cNvPr id="44" name="Connettore 1 43"/>
+          <p:cNvCxnSpPr/>
+          <p:nvPr/>
+        </p:nvCxnSpPr>
+        <p:spPr>
+          <a:xfrm>
+            <a:off x="1045423" y="3436282"/>
+            <a:ext cx="4246657" cy="0"/>
+          </a:xfrm>
+          <a:prstGeom prst="line">
+            <a:avLst/>
+          </a:prstGeom>
+          <a:solidFill>
+            <a:schemeClr val="bg1"/>
+          </a:solidFill>
+          <a:ln>
+            <a:solidFill>
+              <a:srgbClr val="1318ED"/>
+            </a:solidFill>
+          </a:ln>
+        </p:spPr>
+        <p:style>
+          <a:lnRef idx="2">
+            <a:schemeClr val="accent1">
+              <a:shade val="50000"/>
+            </a:schemeClr>
+          </a:lnRef>
+          <a:fillRef idx="1">
+            <a:schemeClr val="accent1"/>
+          </a:fillRef>
+          <a:effectRef idx="0">
+            <a:schemeClr val="accent1"/>
+          </a:effectRef>
+          <a:fontRef idx="minor">
+            <a:schemeClr val="lt1"/>
+          </a:fontRef>
+        </p:style>
+      </p:cxnSp>
+      <p:cxnSp>
+        <p:nvCxnSpPr>
+          <p:cNvPr id="45" name="Connettore 1 44"/>
+          <p:cNvCxnSpPr/>
+          <p:nvPr/>
+        </p:nvCxnSpPr>
+        <p:spPr>
+          <a:xfrm flipV="1">
+            <a:off x="1058555" y="4094475"/>
+            <a:ext cx="4218844" cy="1"/>
+          </a:xfrm>
+          <a:prstGeom prst="line">
+            <a:avLst/>
+          </a:prstGeom>
+          <a:solidFill>
+            <a:schemeClr val="bg1"/>
+          </a:solidFill>
+          <a:ln>
+            <a:solidFill>
+              <a:srgbClr val="1318ED"/>
+            </a:solidFill>
+          </a:ln>
+        </p:spPr>
+        <p:style>
+          <a:lnRef idx="2">
+            <a:schemeClr val="accent1">
+              <a:shade val="50000"/>
+            </a:schemeClr>
+          </a:lnRef>
+          <a:fillRef idx="1">
+            <a:schemeClr val="accent1"/>
+          </a:fillRef>
+          <a:effectRef idx="0">
+            <a:schemeClr val="accent1"/>
+          </a:effectRef>
+          <a:fontRef idx="minor">
+            <a:schemeClr val="lt1"/>
+          </a:fontRef>
+        </p:style>
+      </p:cxnSp>
+      <p:sp>
+        <p:nvSpPr>
+          <p:cNvPr id="46" name="Ovale 45"/>
+          <p:cNvSpPr/>
+          <p:nvPr/>
+        </p:nvSpPr>
+        <p:spPr>
+          <a:xfrm>
+            <a:off x="1068128" y="2740832"/>
+            <a:ext cx="611062" cy="638657"/>
+          </a:xfrm>
+          <a:prstGeom prst="ellipse">
+            <a:avLst/>
+          </a:prstGeom>
+          <a:solidFill>
+            <a:srgbClr val="33CCCC"/>
+          </a:solidFill>
+          <a:ln>
+            <a:solidFill>
+              <a:srgbClr val="1318ED"/>
+            </a:solidFill>
+          </a:ln>
+        </p:spPr>
+        <p:style>
+          <a:lnRef idx="2">
+            <a:schemeClr val="accent4"/>
+          </a:lnRef>
+          <a:fillRef idx="1">
+            <a:schemeClr val="lt1"/>
+          </a:fillRef>
+          <a:effectRef idx="0">
+            <a:schemeClr val="accent4"/>
+          </a:effectRef>
+          <a:fontRef idx="minor">
+            <a:schemeClr val="dk1"/>
+          </a:fontRef>
+        </p:style>
+        <p:txBody>
+          <a:bodyPr rtlCol="0" anchor="ctr"/>
+          <a:lstStyle/>
+          <a:p>
+            <a:pPr algn="ctr"/>
+            <a:r>
+              <a:rPr lang="it-IT" sz="1100" u="sng" dirty="0" smtClean="0"/>
+              <a:t>R</a:t>
+            </a:r>
+            <a:endParaRPr lang="en-GB" sz="1100" u="sng" dirty="0"/>
+          </a:p>
+        </p:txBody>
+      </p:sp>
+      <p:sp>
+        <p:nvSpPr>
+          <p:cNvPr id="49" name="Ovale 48"/>
+          <p:cNvSpPr/>
+          <p:nvPr/>
+        </p:nvSpPr>
+        <p:spPr>
+          <a:xfrm>
+            <a:off x="821059" y="2111072"/>
+            <a:ext cx="68456" cy="76254"/>
+          </a:xfrm>
+          <a:prstGeom prst="ellipse">
+            <a:avLst/>
+          </a:prstGeom>
+          <a:ln>
+            <a:solidFill>
+              <a:schemeClr val="bg1"/>
+            </a:solidFill>
+          </a:ln>
+        </p:spPr>
+        <p:style>
+          <a:lnRef idx="2">
+            <a:schemeClr val="accent2"/>
+          </a:lnRef>
+          <a:fillRef idx="1">
+            <a:schemeClr val="lt1"/>
+          </a:fillRef>
+          <a:effectRef idx="0">
+            <a:schemeClr val="accent2"/>
+          </a:effectRef>
+          <a:fontRef idx="minor">
+            <a:schemeClr val="dk1"/>
+          </a:fontRef>
+        </p:style>
+        <p:txBody>
+          <a:bodyPr rtlCol="0" anchor="ctr"/>
+          <a:lstStyle/>
+          <a:p>
+            <a:pPr algn="ctr"/>
+            <a:endParaRPr lang="en-GB" dirty="0"/>
+          </a:p>
+        </p:txBody>
+      </p:sp>
+      <p:sp>
+        <p:nvSpPr>
+          <p:cNvPr id="50" name="Ovale 49"/>
+          <p:cNvSpPr/>
+          <p:nvPr/>
+        </p:nvSpPr>
+        <p:spPr>
+          <a:xfrm>
+            <a:off x="1615316" y="2109138"/>
+            <a:ext cx="68456" cy="76254"/>
+          </a:xfrm>
+          <a:prstGeom prst="ellipse">
+            <a:avLst/>
+          </a:prstGeom>
+          <a:ln>
+            <a:solidFill>
+              <a:schemeClr val="bg1"/>
+            </a:solidFill>
+          </a:ln>
+        </p:spPr>
+        <p:style>
+          <a:lnRef idx="2">
+            <a:schemeClr val="accent2"/>
+          </a:lnRef>
+          <a:fillRef idx="1">
+            <a:schemeClr val="lt1"/>
+          </a:fillRef>
+          <a:effectRef idx="0">
+            <a:schemeClr val="accent2"/>
+          </a:effectRef>
+          <a:fontRef idx="minor">
+            <a:schemeClr val="dk1"/>
+          </a:fontRef>
+        </p:style>
+        <p:txBody>
+          <a:bodyPr rtlCol="0" anchor="ctr"/>
+          <a:lstStyle/>
+          <a:p>
+            <a:pPr algn="ctr"/>
+            <a:endParaRPr lang="en-GB" dirty="0"/>
+          </a:p>
+        </p:txBody>
+      </p:sp>
+      <p:cxnSp>
+        <p:nvCxnSpPr>
+          <p:cNvPr id="57" name="Connettore 2 56"/>
+          <p:cNvCxnSpPr/>
+          <p:nvPr/>
+        </p:nvCxnSpPr>
+        <p:spPr>
+          <a:xfrm>
+            <a:off x="7596336" y="5949280"/>
+            <a:ext cx="232643" cy="1"/>
+          </a:xfrm>
+          <a:prstGeom prst="straightConnector1">
+            <a:avLst/>
+          </a:prstGeom>
+          <a:ln>
+            <a:prstDash val="dash"/>
+            <a:tailEnd type="arrow"/>
+          </a:ln>
+        </p:spPr>
+        <p:style>
+          <a:lnRef idx="1">
+            <a:schemeClr val="accent1"/>
+          </a:lnRef>
+          <a:fillRef idx="0">
+            <a:schemeClr val="accent1"/>
+          </a:fillRef>
+          <a:effectRef idx="0">
+            <a:schemeClr val="accent1"/>
+          </a:effectRef>
+          <a:fontRef idx="minor">
+            <a:schemeClr val="tx1"/>
+          </a:fontRef>
+        </p:style>
+      </p:cxnSp>
+      <p:cxnSp>
+        <p:nvCxnSpPr>
+          <p:cNvPr id="58" name="Connettore 1 57"/>
+          <p:cNvCxnSpPr/>
+          <p:nvPr/>
+        </p:nvCxnSpPr>
+        <p:spPr>
+          <a:xfrm>
+            <a:off x="1042390" y="4725144"/>
+            <a:ext cx="4218844" cy="0"/>
+          </a:xfrm>
+          <a:prstGeom prst="line">
+            <a:avLst/>
+          </a:prstGeom>
+          <a:solidFill>
+            <a:schemeClr val="bg1"/>
+          </a:solidFill>
+          <a:ln>
+            <a:solidFill>
+              <a:srgbClr val="1318ED"/>
+            </a:solidFill>
+          </a:ln>
+        </p:spPr>
+        <p:style>
+          <a:lnRef idx="2">
+            <a:schemeClr val="accent1">
+              <a:shade val="50000"/>
+            </a:schemeClr>
+          </a:lnRef>
+          <a:fillRef idx="1">
+            <a:schemeClr val="accent1"/>
+          </a:fillRef>
+          <a:effectRef idx="0">
+            <a:schemeClr val="accent1"/>
+          </a:effectRef>
+          <a:fontRef idx="minor">
+            <a:schemeClr val="lt1"/>
+          </a:fontRef>
+        </p:style>
+      </p:cxnSp>
+      <p:cxnSp>
+        <p:nvCxnSpPr>
+          <p:cNvPr id="64" name="Connettore 1 63"/>
+          <p:cNvCxnSpPr/>
+          <p:nvPr/>
+        </p:nvCxnSpPr>
+        <p:spPr>
+          <a:xfrm>
+            <a:off x="3120103" y="2768775"/>
+            <a:ext cx="9942" cy="3272541"/>
+          </a:xfrm>
+          <a:prstGeom prst="line">
+            <a:avLst/>
+          </a:prstGeom>
+          <a:solidFill>
+            <a:schemeClr val="bg1"/>
+          </a:solidFill>
+          <a:ln>
+            <a:solidFill>
+              <a:srgbClr val="1318ED"/>
+            </a:solidFill>
+          </a:ln>
+        </p:spPr>
+        <p:style>
+          <a:lnRef idx="2">
+            <a:schemeClr val="accent1">
+              <a:shade val="50000"/>
+            </a:schemeClr>
+          </a:lnRef>
+          <a:fillRef idx="1">
+            <a:schemeClr val="accent1"/>
+          </a:fillRef>
+          <a:effectRef idx="0">
+            <a:schemeClr val="accent1"/>
+          </a:effectRef>
+          <a:fontRef idx="minor">
+            <a:schemeClr val="lt1"/>
+          </a:fontRef>
+        </p:style>
+      </p:cxnSp>
+      <p:cxnSp>
+        <p:nvCxnSpPr>
+          <p:cNvPr id="65" name="Connettore 1 64"/>
+          <p:cNvCxnSpPr/>
+          <p:nvPr/>
+        </p:nvCxnSpPr>
+        <p:spPr>
+          <a:xfrm>
+            <a:off x="3851920" y="2713991"/>
+            <a:ext cx="0" cy="3327325"/>
+          </a:xfrm>
+          <a:prstGeom prst="line">
+            <a:avLst/>
+          </a:prstGeom>
+          <a:solidFill>
+            <a:schemeClr val="bg1"/>
+          </a:solidFill>
+          <a:ln>
+            <a:solidFill>
+              <a:srgbClr val="1318ED"/>
+            </a:solidFill>
+          </a:ln>
+        </p:spPr>
+        <p:style>
+          <a:lnRef idx="2">
+            <a:schemeClr val="accent1">
+              <a:shade val="50000"/>
+            </a:schemeClr>
+          </a:lnRef>
+          <a:fillRef idx="1">
+            <a:schemeClr val="accent1"/>
+          </a:fillRef>
+          <a:effectRef idx="0">
+            <a:schemeClr val="accent1"/>
+          </a:effectRef>
+          <a:fontRef idx="minor">
+            <a:schemeClr val="lt1"/>
+          </a:fontRef>
+        </p:style>
+      </p:cxnSp>
+      <p:sp>
+        <p:nvSpPr>
+          <p:cNvPr id="68" name="CasellaDiTesto 67"/>
+          <p:cNvSpPr txBox="1"/>
+          <p:nvPr/>
+        </p:nvSpPr>
+        <p:spPr>
+          <a:xfrm>
+            <a:off x="703577" y="2872132"/>
+            <a:ext cx="301686" cy="400110"/>
+          </a:xfrm>
+          <a:prstGeom prst="rect">
+            <a:avLst/>
+          </a:prstGeom>
+          <a:noFill/>
+          <a:ln>
+            <a:solidFill>
+              <a:schemeClr val="bg1"/>
+            </a:solidFill>
+          </a:ln>
+        </p:spPr>
+        <p:txBody>
+          <a:bodyPr wrap="none" rtlCol="0">
+            <a:spAutoFit/>
+          </a:bodyPr>
+          <a:lstStyle/>
+          <a:p>
+            <a:r>
+              <a:rPr lang="it-IT" sz="2000" u="sng" dirty="0" smtClean="0"/>
+              <a:t>0</a:t>
+            </a:r>
+            <a:endParaRPr lang="en-GB" sz="2000" u="sng" dirty="0"/>
+          </a:p>
+        </p:txBody>
+      </p:sp>
+      <p:sp>
+        <p:nvSpPr>
+          <p:cNvPr id="69" name="CasellaDiTesto 68"/>
+          <p:cNvSpPr txBox="1"/>
+          <p:nvPr/>
+        </p:nvSpPr>
+        <p:spPr>
+          <a:xfrm>
+            <a:off x="1246283" y="2309052"/>
+            <a:ext cx="301686" cy="400110"/>
+          </a:xfrm>
+          <a:prstGeom prst="rect">
+            <a:avLst/>
+          </a:prstGeom>
+          <a:noFill/>
+        </p:spPr>
+        <p:txBody>
+          <a:bodyPr wrap="none" rtlCol="0">
+            <a:spAutoFit/>
+          </a:bodyPr>
+          <a:lstStyle/>
+          <a:p>
+            <a:r>
+              <a:rPr lang="it-IT" sz="2000" u="sng" dirty="0" smtClean="0"/>
+              <a:t>0</a:t>
+            </a:r>
+            <a:endParaRPr lang="en-GB" sz="2000" u="sng" dirty="0"/>
+          </a:p>
+        </p:txBody>
+      </p:sp>
+      <p:sp>
+        <p:nvSpPr>
+          <p:cNvPr id="70" name="CasellaDiTesto 69"/>
+          <p:cNvSpPr txBox="1"/>
+          <p:nvPr/>
+        </p:nvSpPr>
+        <p:spPr>
+          <a:xfrm>
+            <a:off x="4572000" y="2321200"/>
+            <a:ext cx="598241" cy="400110"/>
+          </a:xfrm>
+          <a:prstGeom prst="rect">
+            <a:avLst/>
+          </a:prstGeom>
+          <a:noFill/>
+        </p:spPr>
+        <p:txBody>
+          <a:bodyPr wrap="none" rtlCol="0">
+            <a:spAutoFit/>
+          </a:bodyPr>
+          <a:lstStyle/>
+          <a:p>
+            <a:r>
+              <a:rPr lang="it-IT" sz="2000" dirty="0" smtClean="0"/>
+              <a:t>nc-1</a:t>
+            </a:r>
+            <a:endParaRPr lang="en-GB" sz="2000" dirty="0"/>
+          </a:p>
+        </p:txBody>
+      </p:sp>
+      <p:sp>
+        <p:nvSpPr>
+          <p:cNvPr id="71" name="CasellaDiTesto 70"/>
+          <p:cNvSpPr txBox="1"/>
+          <p:nvPr/>
+        </p:nvSpPr>
+        <p:spPr>
+          <a:xfrm>
+            <a:off x="418243" y="5511892"/>
+            <a:ext cx="587020" cy="400110"/>
+          </a:xfrm>
+          <a:prstGeom prst="rect">
+            <a:avLst/>
+          </a:prstGeom>
+          <a:noFill/>
+        </p:spPr>
+        <p:txBody>
+          <a:bodyPr wrap="none" rtlCol="0">
+            <a:spAutoFit/>
+          </a:bodyPr>
+          <a:lstStyle/>
+          <a:p>
+            <a:r>
+              <a:rPr lang="it-IT" sz="2000" dirty="0" smtClean="0"/>
+              <a:t>nr-1</a:t>
+            </a:r>
+            <a:endParaRPr lang="en-GB" sz="2000" dirty="0"/>
+          </a:p>
+        </p:txBody>
+      </p:sp>
+      <p:sp>
+        <p:nvSpPr>
+          <p:cNvPr id="72" name="CasellaDiTesto 71"/>
+          <p:cNvSpPr txBox="1"/>
+          <p:nvPr/>
+        </p:nvSpPr>
+        <p:spPr>
+          <a:xfrm>
+            <a:off x="1931206" y="2309052"/>
+            <a:ext cx="301686" cy="400110"/>
+          </a:xfrm>
+          <a:prstGeom prst="rect">
+            <a:avLst/>
+          </a:prstGeom>
+          <a:noFill/>
+        </p:spPr>
+        <p:txBody>
+          <a:bodyPr wrap="none" rtlCol="0">
+            <a:spAutoFit/>
+          </a:bodyPr>
+          <a:lstStyle/>
+          <a:p>
+            <a:r>
+              <a:rPr lang="it-IT" sz="2000" u="sng" dirty="0" smtClean="0"/>
+              <a:t>1</a:t>
+            </a:r>
+            <a:endParaRPr lang="en-GB" sz="2000" u="sng" dirty="0"/>
+          </a:p>
+        </p:txBody>
+      </p:sp>
+      <p:sp>
+        <p:nvSpPr>
+          <p:cNvPr id="73" name="CasellaDiTesto 72"/>
+          <p:cNvSpPr txBox="1"/>
+          <p:nvPr/>
+        </p:nvSpPr>
+        <p:spPr>
+          <a:xfrm>
+            <a:off x="704444" y="3593044"/>
+            <a:ext cx="301686" cy="400110"/>
+          </a:xfrm>
+          <a:prstGeom prst="rect">
+            <a:avLst/>
+          </a:prstGeom>
+          <a:solidFill>
+            <a:schemeClr val="bg1"/>
+          </a:solidFill>
+          <a:ln>
+            <a:solidFill>
+              <a:schemeClr val="bg1"/>
+            </a:solidFill>
+          </a:ln>
+        </p:spPr>
+        <p:txBody>
+          <a:bodyPr wrap="none" rtlCol="0">
+            <a:spAutoFit/>
+          </a:bodyPr>
+          <a:lstStyle/>
+          <a:p>
+            <a:r>
+              <a:rPr lang="it-IT" sz="2000" u="sng" dirty="0" smtClean="0"/>
+              <a:t>1</a:t>
+            </a:r>
+            <a:endParaRPr lang="en-GB" sz="2000" u="sng" dirty="0"/>
+          </a:p>
+        </p:txBody>
+      </p:sp>
+      <p:cxnSp>
+        <p:nvCxnSpPr>
+          <p:cNvPr id="88" name="Connettore 1 87"/>
+          <p:cNvCxnSpPr/>
+          <p:nvPr/>
+        </p:nvCxnSpPr>
+        <p:spPr>
+          <a:xfrm>
+            <a:off x="1058555" y="5361609"/>
+            <a:ext cx="4218844" cy="0"/>
+          </a:xfrm>
+          <a:prstGeom prst="line">
+            <a:avLst/>
+          </a:prstGeom>
+          <a:solidFill>
+            <a:schemeClr val="bg1"/>
+          </a:solidFill>
+          <a:ln>
+            <a:solidFill>
+              <a:srgbClr val="1318ED"/>
+            </a:solidFill>
+          </a:ln>
+        </p:spPr>
+        <p:style>
+          <a:lnRef idx="2">
+            <a:schemeClr val="accent1">
+              <a:shade val="50000"/>
+            </a:schemeClr>
+          </a:lnRef>
+          <a:fillRef idx="1">
+            <a:schemeClr val="accent1"/>
+          </a:fillRef>
+          <a:effectRef idx="0">
+            <a:schemeClr val="accent1"/>
+          </a:effectRef>
+          <a:fontRef idx="minor">
+            <a:schemeClr val="lt1"/>
+          </a:fontRef>
+        </p:style>
+      </p:cxnSp>
+      <p:cxnSp>
+        <p:nvCxnSpPr>
+          <p:cNvPr id="89" name="Connettore 1 88"/>
+          <p:cNvCxnSpPr/>
+          <p:nvPr/>
+        </p:nvCxnSpPr>
+        <p:spPr>
+          <a:xfrm>
+            <a:off x="4572000" y="2721310"/>
+            <a:ext cx="0" cy="3327325"/>
+          </a:xfrm>
+          <a:prstGeom prst="line">
+            <a:avLst/>
+          </a:prstGeom>
+          <a:solidFill>
+            <a:schemeClr val="bg1"/>
+          </a:solidFill>
+          <a:ln>
+            <a:solidFill>
+              <a:srgbClr val="1318ED"/>
+            </a:solidFill>
+          </a:ln>
+        </p:spPr>
+        <p:style>
+          <a:lnRef idx="2">
+            <a:schemeClr val="accent1">
+              <a:shade val="50000"/>
+            </a:schemeClr>
+          </a:lnRef>
+          <a:fillRef idx="1">
+            <a:schemeClr val="accent1"/>
+          </a:fillRef>
+          <a:effectRef idx="0">
+            <a:schemeClr val="accent1"/>
+          </a:effectRef>
+          <a:fontRef idx="minor">
+            <a:schemeClr val="lt1"/>
+          </a:fontRef>
+        </p:style>
+      </p:cxnSp>
     </p:spTree>
     <p:extLst>
       <p:ext uri="{BB962C8B-B14F-4D97-AF65-F5344CB8AC3E}">
@@ -25997,6 +27326,1865 @@
 </file>
 
 <file path=ppt/slides/slide34.xml><?xml version="1.0" encoding="utf-8"?>
+<p:sld xmlns:a="http://schemas.openxmlformats.org/drawingml/2006/main" xmlns:r="http://schemas.openxmlformats.org/officeDocument/2006/relationships" xmlns:p="http://schemas.openxmlformats.org/presentationml/2006/main">
+  <p:cSld>
+    <p:spTree>
+      <p:nvGrpSpPr>
+        <p:cNvPr id="1" name=""/>
+        <p:cNvGrpSpPr/>
+        <p:nvPr/>
+      </p:nvGrpSpPr>
+      <p:grpSpPr>
+        <a:xfrm>
+          <a:off x="0" y="0"/>
+          <a:ext cx="0" cy="0"/>
+          <a:chOff x="0" y="0"/>
+          <a:chExt cx="0" cy="0"/>
+        </a:xfrm>
+      </p:grpSpPr>
+      <p:sp>
+        <p:nvSpPr>
+          <p:cNvPr id="2" name="Segnaposto piè di pagina 1"/>
+          <p:cNvSpPr>
+            <a:spLocks noGrp="1"/>
+          </p:cNvSpPr>
+          <p:nvPr>
+            <p:ph type="ftr" sz="quarter" idx="11"/>
+          </p:nvPr>
+        </p:nvSpPr>
+        <p:spPr/>
+        <p:txBody>
+          <a:bodyPr/>
+          <a:lstStyle/>
+          <a:p>
+            <a:r>
+              <a:rPr lang="it-IT" smtClean="0"/>
+              <a:t>ANatali  - DISI - ISSM2020  Univeristy of Bologna</a:t>
+            </a:r>
+            <a:endParaRPr lang="en-GB"/>
+          </a:p>
+        </p:txBody>
+      </p:sp>
+      <p:sp>
+        <p:nvSpPr>
+          <p:cNvPr id="3" name="Segnaposto numero diapositiva 2"/>
+          <p:cNvSpPr>
+            <a:spLocks noGrp="1"/>
+          </p:cNvSpPr>
+          <p:nvPr>
+            <p:ph type="sldNum" sz="quarter" idx="12"/>
+          </p:nvPr>
+        </p:nvSpPr>
+        <p:spPr/>
+        <p:txBody>
+          <a:bodyPr/>
+          <a:lstStyle/>
+          <a:p>
+            <a:fld id="{6F6A5AB3-AF76-4EC9-853D-D4C335162C13}" type="slidenum">
+              <a:rPr lang="en-GB" smtClean="0"/>
+              <a:t>34</a:t>
+            </a:fld>
+            <a:endParaRPr lang="en-GB"/>
+          </a:p>
+        </p:txBody>
+      </p:sp>
+      <p:grpSp>
+        <p:nvGrpSpPr>
+          <p:cNvPr id="4" name="Gruppo 82">
+            <a:extLst>
+              <a:ext uri="{FF2B5EF4-FFF2-40B4-BE49-F238E27FC236}">
+                <a16:creationId xmlns:a16="http://schemas.microsoft.com/office/drawing/2014/main" xmlns="" id="{12D969AC-9EB0-4CF5-9EE5-D0DD7ACA9C72}"/>
+              </a:ext>
+            </a:extLst>
+          </p:cNvPr>
+          <p:cNvGrpSpPr/>
+          <p:nvPr/>
+        </p:nvGrpSpPr>
+        <p:grpSpPr>
+          <a:xfrm>
+            <a:off x="650165" y="164866"/>
+            <a:ext cx="866156" cy="763297"/>
+            <a:chOff x="1194666" y="2417771"/>
+            <a:chExt cx="866156" cy="763297"/>
+          </a:xfrm>
+        </p:grpSpPr>
+        <p:sp>
+          <p:nvSpPr>
+            <p:cNvPr id="5" name="Ovale 38">
+              <a:extLst>
+                <a:ext uri="{FF2B5EF4-FFF2-40B4-BE49-F238E27FC236}">
+                  <a16:creationId xmlns:a16="http://schemas.microsoft.com/office/drawing/2014/main" xmlns="" id="{0EB3DE65-C1E4-4AD3-B909-2646317ECA68}"/>
+                </a:ext>
+              </a:extLst>
+            </p:cNvPr>
+            <p:cNvSpPr/>
+            <p:nvPr/>
+          </p:nvSpPr>
+          <p:spPr>
+            <a:xfrm>
+              <a:off x="1311101" y="2460988"/>
+              <a:ext cx="749721" cy="720080"/>
+            </a:xfrm>
+            <a:prstGeom prst="ellipse">
+              <a:avLst/>
+            </a:prstGeom>
+            <a:solidFill>
+              <a:srgbClr val="FFCCFF"/>
+            </a:solidFill>
+            <a:ln/>
+          </p:spPr>
+          <p:style>
+            <a:lnRef idx="1">
+              <a:schemeClr val="accent5"/>
+            </a:lnRef>
+            <a:fillRef idx="2">
+              <a:schemeClr val="accent5"/>
+            </a:fillRef>
+            <a:effectRef idx="1">
+              <a:schemeClr val="accent5"/>
+            </a:effectRef>
+            <a:fontRef idx="minor">
+              <a:schemeClr val="dk1"/>
+            </a:fontRef>
+          </p:style>
+          <p:txBody>
+            <a:bodyPr rtlCol="0" anchor="ctr"/>
+            <a:lstStyle/>
+            <a:p>
+              <a:pPr algn="ctr"/>
+              <a:r>
+                <a:rPr lang="en-GB" sz="1200" dirty="0"/>
+                <a:t> </a:t>
+              </a:r>
+            </a:p>
+          </p:txBody>
+        </p:sp>
+        <p:sp>
+          <p:nvSpPr>
+            <p:cNvPr id="6" name="Rettangolo 39">
+              <a:extLst>
+                <a:ext uri="{FF2B5EF4-FFF2-40B4-BE49-F238E27FC236}">
+                  <a16:creationId xmlns:a16="http://schemas.microsoft.com/office/drawing/2014/main" xmlns="" id="{AAF0ABD1-BB2B-450B-9369-91FF5B4CE129}"/>
+                </a:ext>
+              </a:extLst>
+            </p:cNvPr>
+            <p:cNvSpPr/>
+            <p:nvPr/>
+          </p:nvSpPr>
+          <p:spPr>
+            <a:xfrm>
+              <a:off x="1194666" y="2699711"/>
+              <a:ext cx="281433" cy="211952"/>
+            </a:xfrm>
+            <a:prstGeom prst="rect">
+              <a:avLst/>
+            </a:prstGeom>
+            <a:solidFill>
+              <a:srgbClr val="FFCCFF"/>
+            </a:solidFill>
+            <a:ln/>
+          </p:spPr>
+          <p:style>
+            <a:lnRef idx="1">
+              <a:schemeClr val="accent5"/>
+            </a:lnRef>
+            <a:fillRef idx="2">
+              <a:schemeClr val="accent5"/>
+            </a:fillRef>
+            <a:effectRef idx="1">
+              <a:schemeClr val="accent5"/>
+            </a:effectRef>
+            <a:fontRef idx="minor">
+              <a:schemeClr val="dk1"/>
+            </a:fontRef>
+          </p:style>
+          <p:txBody>
+            <a:bodyPr rtlCol="0" anchor="ctr"/>
+            <a:lstStyle/>
+            <a:p>
+              <a:pPr algn="ctr"/>
+              <a:endParaRPr lang="en-GB" sz="1200"/>
+            </a:p>
+          </p:txBody>
+        </p:sp>
+        <p:sp>
+          <p:nvSpPr>
+            <p:cNvPr id="7" name="Triangolo isoscele 42">
+              <a:extLst>
+                <a:ext uri="{FF2B5EF4-FFF2-40B4-BE49-F238E27FC236}">
+                  <a16:creationId xmlns:a16="http://schemas.microsoft.com/office/drawing/2014/main" xmlns="" id="{34D1AFB1-88AB-4A6C-9824-2CF6DE11BF7C}"/>
+                </a:ext>
+              </a:extLst>
+            </p:cNvPr>
+            <p:cNvSpPr/>
+            <p:nvPr/>
+          </p:nvSpPr>
+          <p:spPr>
+            <a:xfrm rot="16200000">
+              <a:off x="1618539" y="2391356"/>
+              <a:ext cx="86434" cy="139263"/>
+            </a:xfrm>
+            <a:prstGeom prst="triangle">
+              <a:avLst/>
+            </a:prstGeom>
+            <a:solidFill>
+              <a:srgbClr val="FF0000"/>
+            </a:solidFill>
+            <a:ln/>
+          </p:spPr>
+          <p:style>
+            <a:lnRef idx="1">
+              <a:schemeClr val="accent5"/>
+            </a:lnRef>
+            <a:fillRef idx="2">
+              <a:schemeClr val="accent5"/>
+            </a:fillRef>
+            <a:effectRef idx="1">
+              <a:schemeClr val="accent5"/>
+            </a:effectRef>
+            <a:fontRef idx="minor">
+              <a:schemeClr val="dk1"/>
+            </a:fontRef>
+          </p:style>
+          <p:txBody>
+            <a:bodyPr rtlCol="0" anchor="ctr"/>
+            <a:lstStyle/>
+            <a:p>
+              <a:pPr algn="ctr"/>
+              <a:endParaRPr lang="en-GB" sz="1200">
+                <a:solidFill>
+                  <a:schemeClr val="dk1"/>
+                </a:solidFill>
+              </a:endParaRPr>
+            </a:p>
+          </p:txBody>
+        </p:sp>
+      </p:grpSp>
+      <p:grpSp>
+        <p:nvGrpSpPr>
+          <p:cNvPr id="8" name="Gruppo 82">
+            <a:extLst>
+              <a:ext uri="{FF2B5EF4-FFF2-40B4-BE49-F238E27FC236}">
+                <a16:creationId xmlns:a16="http://schemas.microsoft.com/office/drawing/2014/main" xmlns="" id="{12D969AC-9EB0-4CF5-9EE5-D0DD7ACA9C72}"/>
+              </a:ext>
+            </a:extLst>
+          </p:cNvPr>
+          <p:cNvGrpSpPr/>
+          <p:nvPr/>
+        </p:nvGrpSpPr>
+        <p:grpSpPr>
+          <a:xfrm>
+            <a:off x="2774385" y="1536062"/>
+            <a:ext cx="866156" cy="763297"/>
+            <a:chOff x="1194666" y="2417771"/>
+            <a:chExt cx="866156" cy="763297"/>
+          </a:xfrm>
+        </p:grpSpPr>
+        <p:sp>
+          <p:nvSpPr>
+            <p:cNvPr id="9" name="Ovale 38">
+              <a:extLst>
+                <a:ext uri="{FF2B5EF4-FFF2-40B4-BE49-F238E27FC236}">
+                  <a16:creationId xmlns:a16="http://schemas.microsoft.com/office/drawing/2014/main" xmlns="" id="{0EB3DE65-C1E4-4AD3-B909-2646317ECA68}"/>
+                </a:ext>
+              </a:extLst>
+            </p:cNvPr>
+            <p:cNvSpPr/>
+            <p:nvPr/>
+          </p:nvSpPr>
+          <p:spPr>
+            <a:xfrm>
+              <a:off x="1311101" y="2460988"/>
+              <a:ext cx="749721" cy="720080"/>
+            </a:xfrm>
+            <a:prstGeom prst="ellipse">
+              <a:avLst/>
+            </a:prstGeom>
+            <a:solidFill>
+              <a:srgbClr val="FFCCFF"/>
+            </a:solidFill>
+            <a:ln/>
+          </p:spPr>
+          <p:style>
+            <a:lnRef idx="1">
+              <a:schemeClr val="accent5"/>
+            </a:lnRef>
+            <a:fillRef idx="2">
+              <a:schemeClr val="accent5"/>
+            </a:fillRef>
+            <a:effectRef idx="1">
+              <a:schemeClr val="accent5"/>
+            </a:effectRef>
+            <a:fontRef idx="minor">
+              <a:schemeClr val="dk1"/>
+            </a:fontRef>
+          </p:style>
+          <p:txBody>
+            <a:bodyPr rtlCol="0" anchor="ctr"/>
+            <a:lstStyle/>
+            <a:p>
+              <a:pPr algn="ctr"/>
+              <a:r>
+                <a:rPr lang="en-GB" sz="1200" dirty="0"/>
+                <a:t> </a:t>
+              </a:r>
+            </a:p>
+          </p:txBody>
+        </p:sp>
+        <p:sp>
+          <p:nvSpPr>
+            <p:cNvPr id="10" name="Rettangolo 39">
+              <a:extLst>
+                <a:ext uri="{FF2B5EF4-FFF2-40B4-BE49-F238E27FC236}">
+                  <a16:creationId xmlns:a16="http://schemas.microsoft.com/office/drawing/2014/main" xmlns="" id="{AAF0ABD1-BB2B-450B-9369-91FF5B4CE129}"/>
+                </a:ext>
+              </a:extLst>
+            </p:cNvPr>
+            <p:cNvSpPr/>
+            <p:nvPr/>
+          </p:nvSpPr>
+          <p:spPr>
+            <a:xfrm>
+              <a:off x="1194666" y="2699711"/>
+              <a:ext cx="281433" cy="211952"/>
+            </a:xfrm>
+            <a:prstGeom prst="rect">
+              <a:avLst/>
+            </a:prstGeom>
+            <a:solidFill>
+              <a:srgbClr val="FFCCFF"/>
+            </a:solidFill>
+            <a:ln/>
+          </p:spPr>
+          <p:style>
+            <a:lnRef idx="1">
+              <a:schemeClr val="accent5"/>
+            </a:lnRef>
+            <a:fillRef idx="2">
+              <a:schemeClr val="accent5"/>
+            </a:fillRef>
+            <a:effectRef idx="1">
+              <a:schemeClr val="accent5"/>
+            </a:effectRef>
+            <a:fontRef idx="minor">
+              <a:schemeClr val="dk1"/>
+            </a:fontRef>
+          </p:style>
+          <p:txBody>
+            <a:bodyPr rtlCol="0" anchor="ctr"/>
+            <a:lstStyle/>
+            <a:p>
+              <a:pPr algn="ctr"/>
+              <a:endParaRPr lang="en-GB" sz="1200"/>
+            </a:p>
+          </p:txBody>
+        </p:sp>
+        <p:sp>
+          <p:nvSpPr>
+            <p:cNvPr id="11" name="Triangolo isoscele 42">
+              <a:extLst>
+                <a:ext uri="{FF2B5EF4-FFF2-40B4-BE49-F238E27FC236}">
+                  <a16:creationId xmlns:a16="http://schemas.microsoft.com/office/drawing/2014/main" xmlns="" id="{34D1AFB1-88AB-4A6C-9824-2CF6DE11BF7C}"/>
+                </a:ext>
+              </a:extLst>
+            </p:cNvPr>
+            <p:cNvSpPr/>
+            <p:nvPr/>
+          </p:nvSpPr>
+          <p:spPr>
+            <a:xfrm rot="16200000">
+              <a:off x="1618539" y="2391356"/>
+              <a:ext cx="86434" cy="139263"/>
+            </a:xfrm>
+            <a:prstGeom prst="triangle">
+              <a:avLst/>
+            </a:prstGeom>
+            <a:solidFill>
+              <a:srgbClr val="FF0000"/>
+            </a:solidFill>
+            <a:ln/>
+          </p:spPr>
+          <p:style>
+            <a:lnRef idx="1">
+              <a:schemeClr val="accent5"/>
+            </a:lnRef>
+            <a:fillRef idx="2">
+              <a:schemeClr val="accent5"/>
+            </a:fillRef>
+            <a:effectRef idx="1">
+              <a:schemeClr val="accent5"/>
+            </a:effectRef>
+            <a:fontRef idx="minor">
+              <a:schemeClr val="dk1"/>
+            </a:fontRef>
+          </p:style>
+          <p:txBody>
+            <a:bodyPr rtlCol="0" anchor="ctr"/>
+            <a:lstStyle/>
+            <a:p>
+              <a:pPr algn="ctr"/>
+              <a:endParaRPr lang="en-GB" sz="1200">
+                <a:solidFill>
+                  <a:schemeClr val="dk1"/>
+                </a:solidFill>
+              </a:endParaRPr>
+            </a:p>
+          </p:txBody>
+        </p:sp>
+      </p:grpSp>
+      <p:sp>
+        <p:nvSpPr>
+          <p:cNvPr id="12" name="Rettangolo 11"/>
+          <p:cNvSpPr/>
+          <p:nvPr/>
+        </p:nvSpPr>
+        <p:spPr>
+          <a:xfrm>
+            <a:off x="1553470" y="1536061"/>
+            <a:ext cx="793166" cy="923330"/>
+          </a:xfrm>
+          <a:prstGeom prst="rect">
+            <a:avLst/>
+          </a:prstGeom>
+        </p:spPr>
+        <p:txBody>
+          <a:bodyPr wrap="none">
+            <a:spAutoFit/>
+          </a:bodyPr>
+          <a:lstStyle/>
+          <a:p>
+            <a:r>
+              <a:rPr lang="en-GB" dirty="0"/>
+              <a:t>s</a:t>
+            </a:r>
+            <a:r>
+              <a:rPr lang="en-GB" dirty="0" smtClean="0"/>
+              <a:t>tart</a:t>
+            </a:r>
+          </a:p>
+          <a:p>
+            <a:r>
+              <a:rPr lang="it-IT" dirty="0"/>
+              <a:t>s</a:t>
+            </a:r>
+            <a:r>
+              <a:rPr lang="it-IT" dirty="0" smtClean="0"/>
+              <a:t>top</a:t>
+            </a:r>
+          </a:p>
+          <a:p>
+            <a:r>
+              <a:rPr lang="it-IT" dirty="0" err="1" smtClean="0"/>
+              <a:t>resume</a:t>
+            </a:r>
+            <a:endParaRPr lang="en-GB" dirty="0"/>
+          </a:p>
+        </p:txBody>
+      </p:sp>
+      <p:sp>
+        <p:nvSpPr>
+          <p:cNvPr id="13" name="Rettangolo 12"/>
+          <p:cNvSpPr/>
+          <p:nvPr/>
+        </p:nvSpPr>
+        <p:spPr>
+          <a:xfrm>
+            <a:off x="1553470" y="345363"/>
+            <a:ext cx="535724" cy="369332"/>
+          </a:xfrm>
+          <a:prstGeom prst="rect">
+            <a:avLst/>
+          </a:prstGeom>
+        </p:spPr>
+        <p:txBody>
+          <a:bodyPr wrap="none">
+            <a:spAutoFit/>
+          </a:bodyPr>
+          <a:lstStyle/>
+          <a:p>
+            <a:r>
+              <a:rPr lang="en-GB" dirty="0" smtClean="0"/>
+              <a:t>user</a:t>
+            </a:r>
+            <a:endParaRPr lang="en-GB" dirty="0"/>
+          </a:p>
+        </p:txBody>
+      </p:sp>
+      <p:sp>
+        <p:nvSpPr>
+          <p:cNvPr id="15" name="Rettangolo 14"/>
+          <p:cNvSpPr/>
+          <p:nvPr/>
+        </p:nvSpPr>
+        <p:spPr>
+          <a:xfrm>
+            <a:off x="2524772" y="1144192"/>
+            <a:ext cx="1433406" cy="369332"/>
+          </a:xfrm>
+          <a:prstGeom prst="rect">
+            <a:avLst/>
+          </a:prstGeom>
+        </p:spPr>
+        <p:txBody>
+          <a:bodyPr wrap="none">
+            <a:spAutoFit/>
+          </a:bodyPr>
+          <a:lstStyle/>
+          <a:p>
+            <a:r>
+              <a:rPr lang="en-GB" dirty="0" err="1"/>
+              <a:t>robotboundary</a:t>
+            </a:r>
+            <a:endParaRPr lang="en-GB" dirty="0"/>
+          </a:p>
+        </p:txBody>
+      </p:sp>
+      <p:grpSp>
+        <p:nvGrpSpPr>
+          <p:cNvPr id="17" name="Gruppo 82">
+            <a:extLst>
+              <a:ext uri="{FF2B5EF4-FFF2-40B4-BE49-F238E27FC236}">
+                <a16:creationId xmlns:a16="http://schemas.microsoft.com/office/drawing/2014/main" xmlns="" id="{12D969AC-9EB0-4CF5-9EE5-D0DD7ACA9C72}"/>
+              </a:ext>
+            </a:extLst>
+          </p:cNvPr>
+          <p:cNvGrpSpPr/>
+          <p:nvPr/>
+        </p:nvGrpSpPr>
+        <p:grpSpPr>
+          <a:xfrm>
+            <a:off x="4813002" y="3192306"/>
+            <a:ext cx="866156" cy="763297"/>
+            <a:chOff x="1194666" y="2417771"/>
+            <a:chExt cx="866156" cy="763297"/>
+          </a:xfrm>
+        </p:grpSpPr>
+        <p:sp>
+          <p:nvSpPr>
+            <p:cNvPr id="18" name="Ovale 38">
+              <a:extLst>
+                <a:ext uri="{FF2B5EF4-FFF2-40B4-BE49-F238E27FC236}">
+                  <a16:creationId xmlns:a16="http://schemas.microsoft.com/office/drawing/2014/main" xmlns="" id="{0EB3DE65-C1E4-4AD3-B909-2646317ECA68}"/>
+                </a:ext>
+              </a:extLst>
+            </p:cNvPr>
+            <p:cNvSpPr/>
+            <p:nvPr/>
+          </p:nvSpPr>
+          <p:spPr>
+            <a:xfrm>
+              <a:off x="1311101" y="2460988"/>
+              <a:ext cx="749721" cy="720080"/>
+            </a:xfrm>
+            <a:prstGeom prst="ellipse">
+              <a:avLst/>
+            </a:prstGeom>
+            <a:solidFill>
+              <a:srgbClr val="FFCCFF"/>
+            </a:solidFill>
+            <a:ln/>
+          </p:spPr>
+          <p:style>
+            <a:lnRef idx="1">
+              <a:schemeClr val="accent5"/>
+            </a:lnRef>
+            <a:fillRef idx="2">
+              <a:schemeClr val="accent5"/>
+            </a:fillRef>
+            <a:effectRef idx="1">
+              <a:schemeClr val="accent5"/>
+            </a:effectRef>
+            <a:fontRef idx="minor">
+              <a:schemeClr val="dk1"/>
+            </a:fontRef>
+          </p:style>
+          <p:txBody>
+            <a:bodyPr rtlCol="0" anchor="ctr"/>
+            <a:lstStyle/>
+            <a:p>
+              <a:pPr algn="ctr"/>
+              <a:r>
+                <a:rPr lang="en-GB" sz="1200" dirty="0"/>
+                <a:t> </a:t>
+              </a:r>
+            </a:p>
+          </p:txBody>
+        </p:sp>
+        <p:sp>
+          <p:nvSpPr>
+            <p:cNvPr id="19" name="Rettangolo 39">
+              <a:extLst>
+                <a:ext uri="{FF2B5EF4-FFF2-40B4-BE49-F238E27FC236}">
+                  <a16:creationId xmlns:a16="http://schemas.microsoft.com/office/drawing/2014/main" xmlns="" id="{AAF0ABD1-BB2B-450B-9369-91FF5B4CE129}"/>
+                </a:ext>
+              </a:extLst>
+            </p:cNvPr>
+            <p:cNvSpPr/>
+            <p:nvPr/>
+          </p:nvSpPr>
+          <p:spPr>
+            <a:xfrm>
+              <a:off x="1194666" y="2699711"/>
+              <a:ext cx="281433" cy="211952"/>
+            </a:xfrm>
+            <a:prstGeom prst="rect">
+              <a:avLst/>
+            </a:prstGeom>
+            <a:solidFill>
+              <a:srgbClr val="FFCCFF"/>
+            </a:solidFill>
+            <a:ln/>
+          </p:spPr>
+          <p:style>
+            <a:lnRef idx="1">
+              <a:schemeClr val="accent5"/>
+            </a:lnRef>
+            <a:fillRef idx="2">
+              <a:schemeClr val="accent5"/>
+            </a:fillRef>
+            <a:effectRef idx="1">
+              <a:schemeClr val="accent5"/>
+            </a:effectRef>
+            <a:fontRef idx="minor">
+              <a:schemeClr val="dk1"/>
+            </a:fontRef>
+          </p:style>
+          <p:txBody>
+            <a:bodyPr rtlCol="0" anchor="ctr"/>
+            <a:lstStyle/>
+            <a:p>
+              <a:pPr algn="ctr"/>
+              <a:endParaRPr lang="en-GB" sz="1200"/>
+            </a:p>
+          </p:txBody>
+        </p:sp>
+        <p:sp>
+          <p:nvSpPr>
+            <p:cNvPr id="20" name="Triangolo isoscele 42">
+              <a:extLst>
+                <a:ext uri="{FF2B5EF4-FFF2-40B4-BE49-F238E27FC236}">
+                  <a16:creationId xmlns:a16="http://schemas.microsoft.com/office/drawing/2014/main" xmlns="" id="{34D1AFB1-88AB-4A6C-9824-2CF6DE11BF7C}"/>
+                </a:ext>
+              </a:extLst>
+            </p:cNvPr>
+            <p:cNvSpPr/>
+            <p:nvPr/>
+          </p:nvSpPr>
+          <p:spPr>
+            <a:xfrm rot="16200000">
+              <a:off x="1618539" y="2391356"/>
+              <a:ext cx="86434" cy="139263"/>
+            </a:xfrm>
+            <a:prstGeom prst="triangle">
+              <a:avLst/>
+            </a:prstGeom>
+            <a:solidFill>
+              <a:srgbClr val="FF0000"/>
+            </a:solidFill>
+            <a:ln/>
+          </p:spPr>
+          <p:style>
+            <a:lnRef idx="1">
+              <a:schemeClr val="accent5"/>
+            </a:lnRef>
+            <a:fillRef idx="2">
+              <a:schemeClr val="accent5"/>
+            </a:fillRef>
+            <a:effectRef idx="1">
+              <a:schemeClr val="accent5"/>
+            </a:effectRef>
+            <a:fontRef idx="minor">
+              <a:schemeClr val="dk1"/>
+            </a:fontRef>
+          </p:style>
+          <p:txBody>
+            <a:bodyPr rtlCol="0" anchor="ctr"/>
+            <a:lstStyle/>
+            <a:p>
+              <a:pPr algn="ctr"/>
+              <a:endParaRPr lang="en-GB" sz="1200">
+                <a:solidFill>
+                  <a:schemeClr val="dk1"/>
+                </a:solidFill>
+              </a:endParaRPr>
+            </a:p>
+          </p:txBody>
+        </p:sp>
+      </p:grpSp>
+      <p:sp>
+        <p:nvSpPr>
+          <p:cNvPr id="23" name="Rettangolo 22"/>
+          <p:cNvSpPr/>
+          <p:nvPr/>
+        </p:nvSpPr>
+        <p:spPr>
+          <a:xfrm>
+            <a:off x="5777272" y="3415448"/>
+            <a:ext cx="801823" cy="369332"/>
+          </a:xfrm>
+          <a:prstGeom prst="rect">
+            <a:avLst/>
+          </a:prstGeom>
+        </p:spPr>
+        <p:txBody>
+          <a:bodyPr wrap="none">
+            <a:spAutoFit/>
+          </a:bodyPr>
+          <a:lstStyle/>
+          <a:p>
+            <a:r>
+              <a:rPr lang="en-GB" dirty="0" smtClean="0"/>
+              <a:t>stepper</a:t>
+            </a:r>
+            <a:endParaRPr lang="en-GB" dirty="0"/>
+          </a:p>
+        </p:txBody>
+      </p:sp>
+      <p:cxnSp>
+        <p:nvCxnSpPr>
+          <p:cNvPr id="25" name="Connettore 4 24"/>
+          <p:cNvCxnSpPr>
+            <a:stCxn id="18" idx="3"/>
+            <a:endCxn id="9" idx="4"/>
+          </p:cNvCxnSpPr>
+          <p:nvPr/>
+        </p:nvCxnSpPr>
+        <p:spPr>
+          <a:xfrm rot="5400000" flipH="1">
+            <a:off x="3377060" y="2187980"/>
+            <a:ext cx="1550791" cy="1773550"/>
+          </a:xfrm>
+          <a:prstGeom prst="bentConnector3">
+            <a:avLst>
+              <a:gd name="adj1" fmla="val -21541"/>
+            </a:avLst>
+          </a:prstGeom>
+          <a:ln>
+            <a:prstDash val="lgDash"/>
+            <a:tailEnd type="arrow"/>
+          </a:ln>
+        </p:spPr>
+        <p:style>
+          <a:lnRef idx="1">
+            <a:schemeClr val="accent1"/>
+          </a:lnRef>
+          <a:fillRef idx="0">
+            <a:schemeClr val="accent1"/>
+          </a:fillRef>
+          <a:effectRef idx="0">
+            <a:schemeClr val="accent1"/>
+          </a:effectRef>
+          <a:fontRef idx="minor">
+            <a:schemeClr val="tx1"/>
+          </a:fontRef>
+        </p:style>
+      </p:cxnSp>
+      <p:sp>
+        <p:nvSpPr>
+          <p:cNvPr id="27" name="Rettangolo 26"/>
+          <p:cNvSpPr/>
+          <p:nvPr/>
+        </p:nvSpPr>
+        <p:spPr>
+          <a:xfrm>
+            <a:off x="3463525" y="3845574"/>
+            <a:ext cx="792205" cy="646331"/>
+          </a:xfrm>
+          <a:prstGeom prst="rect">
+            <a:avLst/>
+          </a:prstGeom>
+        </p:spPr>
+        <p:txBody>
+          <a:bodyPr wrap="none">
+            <a:spAutoFit/>
+          </a:bodyPr>
+          <a:lstStyle/>
+          <a:p>
+            <a:r>
+              <a:rPr lang="en-GB" dirty="0" err="1" smtClean="0"/>
+              <a:t>stepOk</a:t>
+            </a:r>
+            <a:endParaRPr lang="en-GB" dirty="0" smtClean="0"/>
+          </a:p>
+          <a:p>
+            <a:r>
+              <a:rPr lang="it-IT" dirty="0" err="1" smtClean="0"/>
+              <a:t>stepKo</a:t>
+            </a:r>
+            <a:endParaRPr lang="en-GB" dirty="0"/>
+          </a:p>
+        </p:txBody>
+      </p:sp>
+      <p:sp>
+        <p:nvSpPr>
+          <p:cNvPr id="29" name="Rettangolo 28"/>
+          <p:cNvSpPr/>
+          <p:nvPr/>
+        </p:nvSpPr>
+        <p:spPr>
+          <a:xfrm>
+            <a:off x="3750397" y="1579279"/>
+            <a:ext cx="522900" cy="369332"/>
+          </a:xfrm>
+          <a:prstGeom prst="rect">
+            <a:avLst/>
+          </a:prstGeom>
+        </p:spPr>
+        <p:txBody>
+          <a:bodyPr wrap="none">
+            <a:spAutoFit/>
+          </a:bodyPr>
+          <a:lstStyle/>
+          <a:p>
+            <a:r>
+              <a:rPr lang="it-IT" dirty="0" err="1" smtClean="0"/>
+              <a:t>step</a:t>
+            </a:r>
+            <a:endParaRPr lang="en-GB" dirty="0"/>
+          </a:p>
+        </p:txBody>
+      </p:sp>
+      <p:grpSp>
+        <p:nvGrpSpPr>
+          <p:cNvPr id="30" name="Gruppo 82">
+            <a:extLst>
+              <a:ext uri="{FF2B5EF4-FFF2-40B4-BE49-F238E27FC236}">
+                <a16:creationId xmlns:a16="http://schemas.microsoft.com/office/drawing/2014/main" xmlns="" id="{12D969AC-9EB0-4CF5-9EE5-D0DD7ACA9C72}"/>
+              </a:ext>
+            </a:extLst>
+          </p:cNvPr>
+          <p:cNvGrpSpPr/>
+          <p:nvPr/>
+        </p:nvGrpSpPr>
+        <p:grpSpPr>
+          <a:xfrm>
+            <a:off x="5574825" y="4349360"/>
+            <a:ext cx="866156" cy="763297"/>
+            <a:chOff x="1194666" y="2417771"/>
+            <a:chExt cx="866156" cy="763297"/>
+          </a:xfrm>
+        </p:grpSpPr>
+        <p:sp>
+          <p:nvSpPr>
+            <p:cNvPr id="31" name="Ovale 38">
+              <a:extLst>
+                <a:ext uri="{FF2B5EF4-FFF2-40B4-BE49-F238E27FC236}">
+                  <a16:creationId xmlns:a16="http://schemas.microsoft.com/office/drawing/2014/main" xmlns="" id="{0EB3DE65-C1E4-4AD3-B909-2646317ECA68}"/>
+                </a:ext>
+              </a:extLst>
+            </p:cNvPr>
+            <p:cNvSpPr/>
+            <p:nvPr/>
+          </p:nvSpPr>
+          <p:spPr>
+            <a:xfrm>
+              <a:off x="1311101" y="2460988"/>
+              <a:ext cx="749721" cy="720080"/>
+            </a:xfrm>
+            <a:prstGeom prst="ellipse">
+              <a:avLst/>
+            </a:prstGeom>
+            <a:solidFill>
+              <a:srgbClr val="FFCCFF"/>
+            </a:solidFill>
+            <a:ln/>
+          </p:spPr>
+          <p:style>
+            <a:lnRef idx="1">
+              <a:schemeClr val="accent5"/>
+            </a:lnRef>
+            <a:fillRef idx="2">
+              <a:schemeClr val="accent5"/>
+            </a:fillRef>
+            <a:effectRef idx="1">
+              <a:schemeClr val="accent5"/>
+            </a:effectRef>
+            <a:fontRef idx="minor">
+              <a:schemeClr val="dk1"/>
+            </a:fontRef>
+          </p:style>
+          <p:txBody>
+            <a:bodyPr rtlCol="0" anchor="ctr"/>
+            <a:lstStyle/>
+            <a:p>
+              <a:pPr algn="ctr"/>
+              <a:r>
+                <a:rPr lang="en-GB" sz="1200" dirty="0"/>
+                <a:t> </a:t>
+              </a:r>
+            </a:p>
+          </p:txBody>
+        </p:sp>
+        <p:sp>
+          <p:nvSpPr>
+            <p:cNvPr id="32" name="Rettangolo 39">
+              <a:extLst>
+                <a:ext uri="{FF2B5EF4-FFF2-40B4-BE49-F238E27FC236}">
+                  <a16:creationId xmlns:a16="http://schemas.microsoft.com/office/drawing/2014/main" xmlns="" id="{AAF0ABD1-BB2B-450B-9369-91FF5B4CE129}"/>
+                </a:ext>
+              </a:extLst>
+            </p:cNvPr>
+            <p:cNvSpPr/>
+            <p:nvPr/>
+          </p:nvSpPr>
+          <p:spPr>
+            <a:xfrm>
+              <a:off x="1194666" y="2699711"/>
+              <a:ext cx="281433" cy="211952"/>
+            </a:xfrm>
+            <a:prstGeom prst="rect">
+              <a:avLst/>
+            </a:prstGeom>
+            <a:solidFill>
+              <a:srgbClr val="FFCCFF"/>
+            </a:solidFill>
+            <a:ln/>
+          </p:spPr>
+          <p:style>
+            <a:lnRef idx="1">
+              <a:schemeClr val="accent5"/>
+            </a:lnRef>
+            <a:fillRef idx="2">
+              <a:schemeClr val="accent5"/>
+            </a:fillRef>
+            <a:effectRef idx="1">
+              <a:schemeClr val="accent5"/>
+            </a:effectRef>
+            <a:fontRef idx="minor">
+              <a:schemeClr val="dk1"/>
+            </a:fontRef>
+          </p:style>
+          <p:txBody>
+            <a:bodyPr rtlCol="0" anchor="ctr"/>
+            <a:lstStyle/>
+            <a:p>
+              <a:pPr algn="ctr"/>
+              <a:endParaRPr lang="en-GB" sz="1200"/>
+            </a:p>
+          </p:txBody>
+        </p:sp>
+        <p:sp>
+          <p:nvSpPr>
+            <p:cNvPr id="33" name="Triangolo isoscele 42">
+              <a:extLst>
+                <a:ext uri="{FF2B5EF4-FFF2-40B4-BE49-F238E27FC236}">
+                  <a16:creationId xmlns:a16="http://schemas.microsoft.com/office/drawing/2014/main" xmlns="" id="{34D1AFB1-88AB-4A6C-9824-2CF6DE11BF7C}"/>
+                </a:ext>
+              </a:extLst>
+            </p:cNvPr>
+            <p:cNvSpPr/>
+            <p:nvPr/>
+          </p:nvSpPr>
+          <p:spPr>
+            <a:xfrm rot="16200000">
+              <a:off x="1618539" y="2391356"/>
+              <a:ext cx="86434" cy="139263"/>
+            </a:xfrm>
+            <a:prstGeom prst="triangle">
+              <a:avLst/>
+            </a:prstGeom>
+            <a:solidFill>
+              <a:srgbClr val="FF0000"/>
+            </a:solidFill>
+            <a:ln/>
+          </p:spPr>
+          <p:style>
+            <a:lnRef idx="1">
+              <a:schemeClr val="accent5"/>
+            </a:lnRef>
+            <a:fillRef idx="2">
+              <a:schemeClr val="accent5"/>
+            </a:fillRef>
+            <a:effectRef idx="1">
+              <a:schemeClr val="accent5"/>
+            </a:effectRef>
+            <a:fontRef idx="minor">
+              <a:schemeClr val="dk1"/>
+            </a:fontRef>
+          </p:style>
+          <p:txBody>
+            <a:bodyPr rtlCol="0" anchor="ctr"/>
+            <a:lstStyle/>
+            <a:p>
+              <a:pPr algn="ctr"/>
+              <a:endParaRPr lang="en-GB" sz="1200">
+                <a:solidFill>
+                  <a:schemeClr val="dk1"/>
+                </a:solidFill>
+              </a:endParaRPr>
+            </a:p>
+          </p:txBody>
+        </p:sp>
+      </p:grpSp>
+      <p:sp>
+        <p:nvSpPr>
+          <p:cNvPr id="34" name="Rettangolo 33"/>
+          <p:cNvSpPr/>
+          <p:nvPr/>
+        </p:nvSpPr>
+        <p:spPr>
+          <a:xfrm>
+            <a:off x="4688041" y="4929290"/>
+            <a:ext cx="1044838" cy="369332"/>
+          </a:xfrm>
+          <a:prstGeom prst="rect">
+            <a:avLst/>
+          </a:prstGeom>
+        </p:spPr>
+        <p:txBody>
+          <a:bodyPr wrap="none">
+            <a:spAutoFit/>
+          </a:bodyPr>
+          <a:lstStyle/>
+          <a:p>
+            <a:r>
+              <a:rPr lang="en-GB" dirty="0" err="1" smtClean="0"/>
+              <a:t>basicrobot</a:t>
+            </a:r>
+            <a:endParaRPr lang="en-GB" dirty="0"/>
+          </a:p>
+        </p:txBody>
+      </p:sp>
+      <p:grpSp>
+        <p:nvGrpSpPr>
+          <p:cNvPr id="38" name="Gruppo 37"/>
+          <p:cNvGrpSpPr/>
+          <p:nvPr/>
+        </p:nvGrpSpPr>
+        <p:grpSpPr>
+          <a:xfrm>
+            <a:off x="6453564" y="4350144"/>
+            <a:ext cx="749721" cy="720080"/>
+            <a:chOff x="4403491" y="4276791"/>
+            <a:chExt cx="749721" cy="720080"/>
+          </a:xfrm>
+        </p:grpSpPr>
+        <p:sp>
+          <p:nvSpPr>
+            <p:cNvPr id="35" name="Ovale 33">
+              <a:extLst>
+                <a:ext uri="{FF2B5EF4-FFF2-40B4-BE49-F238E27FC236}">
+                  <a16:creationId xmlns:a16="http://schemas.microsoft.com/office/drawing/2014/main" xmlns="" id="{A4E6BBEC-1E11-48AC-9881-2BCB8F6CF48A}"/>
+                </a:ext>
+              </a:extLst>
+            </p:cNvPr>
+            <p:cNvSpPr/>
+            <p:nvPr/>
+          </p:nvSpPr>
+          <p:spPr>
+            <a:xfrm>
+              <a:off x="4403491" y="4276791"/>
+              <a:ext cx="749721" cy="720080"/>
+            </a:xfrm>
+            <a:prstGeom prst="ellipse">
+              <a:avLst/>
+            </a:prstGeom>
+            <a:ln/>
+          </p:spPr>
+          <p:style>
+            <a:lnRef idx="1">
+              <a:schemeClr val="accent5"/>
+            </a:lnRef>
+            <a:fillRef idx="2">
+              <a:schemeClr val="accent5"/>
+            </a:fillRef>
+            <a:effectRef idx="1">
+              <a:schemeClr val="accent5"/>
+            </a:effectRef>
+            <a:fontRef idx="minor">
+              <a:schemeClr val="dk1"/>
+            </a:fontRef>
+          </p:style>
+          <p:txBody>
+            <a:bodyPr rtlCol="0" anchor="ctr"/>
+            <a:lstStyle/>
+            <a:p>
+              <a:pPr algn="ctr"/>
+              <a:r>
+                <a:rPr lang="en-GB" sz="1200" dirty="0"/>
+                <a:t> </a:t>
+              </a:r>
+            </a:p>
+          </p:txBody>
+        </p:sp>
+        <p:cxnSp>
+          <p:nvCxnSpPr>
+            <p:cNvPr id="36" name="Connettore 2 126">
+              <a:extLst>
+                <a:ext uri="{FF2B5EF4-FFF2-40B4-BE49-F238E27FC236}">
+                  <a16:creationId xmlns:a16="http://schemas.microsoft.com/office/drawing/2014/main" xmlns="" id="{36CC678F-7232-496B-B9F9-4DE6B53CD494}"/>
+                </a:ext>
+              </a:extLst>
+            </p:cNvPr>
+            <p:cNvCxnSpPr/>
+            <p:nvPr/>
+          </p:nvCxnSpPr>
+          <p:spPr>
+            <a:xfrm flipH="1">
+              <a:off x="4764885" y="4403661"/>
+              <a:ext cx="13466" cy="393101"/>
+            </a:xfrm>
+            <a:prstGeom prst="straightConnector1">
+              <a:avLst/>
+            </a:prstGeom>
+            <a:ln>
+              <a:solidFill>
+                <a:srgbClr val="C00000"/>
+              </a:solidFill>
+              <a:prstDash val="lgDash"/>
+              <a:tailEnd type="arrow"/>
+            </a:ln>
+          </p:spPr>
+          <p:style>
+            <a:lnRef idx="1">
+              <a:schemeClr val="accent1"/>
+            </a:lnRef>
+            <a:fillRef idx="0">
+              <a:schemeClr val="accent1"/>
+            </a:fillRef>
+            <a:effectRef idx="0">
+              <a:schemeClr val="accent1"/>
+            </a:effectRef>
+            <a:fontRef idx="minor">
+              <a:schemeClr val="tx1"/>
+            </a:fontRef>
+          </p:style>
+        </p:cxnSp>
+      </p:grpSp>
+      <p:sp>
+        <p:nvSpPr>
+          <p:cNvPr id="37" name="Rettangolo 36"/>
+          <p:cNvSpPr/>
+          <p:nvPr/>
+        </p:nvSpPr>
+        <p:spPr>
+          <a:xfrm>
+            <a:off x="7203285" y="4843252"/>
+            <a:ext cx="1683474" cy="261610"/>
+          </a:xfrm>
+          <a:prstGeom prst="rect">
+            <a:avLst/>
+          </a:prstGeom>
+        </p:spPr>
+        <p:txBody>
+          <a:bodyPr wrap="none">
+            <a:spAutoFit/>
+          </a:bodyPr>
+          <a:lstStyle/>
+          <a:p>
+            <a:r>
+              <a:rPr lang="en-GB" sz="1100" dirty="0" err="1" smtClean="0">
+                <a:latin typeface="Arial" panose="020B0604020202020204" pitchFamily="34" charset="0"/>
+                <a:cs typeface="Arial" panose="020B0604020202020204" pitchFamily="34" charset="0"/>
+              </a:rPr>
+              <a:t>virtualRobotSupportApp</a:t>
+            </a:r>
+            <a:endParaRPr lang="en-GB" sz="1100" dirty="0">
+              <a:latin typeface="Arial" panose="020B0604020202020204" pitchFamily="34" charset="0"/>
+              <a:cs typeface="Arial" panose="020B0604020202020204" pitchFamily="34" charset="0"/>
+            </a:endParaRPr>
+          </a:p>
+        </p:txBody>
+      </p:sp>
+      <p:cxnSp>
+        <p:nvCxnSpPr>
+          <p:cNvPr id="40" name="Connettore 4 39"/>
+          <p:cNvCxnSpPr>
+            <a:stCxn id="18" idx="4"/>
+            <a:endCxn id="32" idx="1"/>
+          </p:cNvCxnSpPr>
+          <p:nvPr/>
+        </p:nvCxnSpPr>
+        <p:spPr>
+          <a:xfrm rot="16200000" flipH="1">
+            <a:off x="5048725" y="4211175"/>
+            <a:ext cx="781673" cy="270527"/>
+          </a:xfrm>
+          <a:prstGeom prst="bentConnector2">
+            <a:avLst/>
+          </a:prstGeom>
+          <a:ln>
+            <a:prstDash val="lgDash"/>
+            <a:tailEnd type="arrow"/>
+          </a:ln>
+        </p:spPr>
+        <p:style>
+          <a:lnRef idx="1">
+            <a:schemeClr val="accent1"/>
+          </a:lnRef>
+          <a:fillRef idx="0">
+            <a:schemeClr val="accent1"/>
+          </a:fillRef>
+          <a:effectRef idx="0">
+            <a:schemeClr val="accent1"/>
+          </a:effectRef>
+          <a:fontRef idx="minor">
+            <a:schemeClr val="tx1"/>
+          </a:fontRef>
+        </p:style>
+      </p:cxnSp>
+      <p:cxnSp>
+        <p:nvCxnSpPr>
+          <p:cNvPr id="46" name="Connettore 4 45"/>
+          <p:cNvCxnSpPr>
+            <a:stCxn id="5" idx="4"/>
+            <a:endCxn id="10" idx="1"/>
+          </p:cNvCxnSpPr>
+          <p:nvPr/>
+        </p:nvCxnSpPr>
+        <p:spPr>
+          <a:xfrm rot="16200000" flipH="1">
+            <a:off x="1460016" y="609608"/>
+            <a:ext cx="995815" cy="1632924"/>
+          </a:xfrm>
+          <a:prstGeom prst="bentConnector2">
+            <a:avLst/>
+          </a:prstGeom>
+          <a:ln>
+            <a:tailEnd type="arrow"/>
+          </a:ln>
+        </p:spPr>
+        <p:style>
+          <a:lnRef idx="1">
+            <a:schemeClr val="accent1"/>
+          </a:lnRef>
+          <a:fillRef idx="0">
+            <a:schemeClr val="accent1"/>
+          </a:fillRef>
+          <a:effectRef idx="0">
+            <a:schemeClr val="accent1"/>
+          </a:effectRef>
+          <a:fontRef idx="minor">
+            <a:schemeClr val="tx1"/>
+          </a:fontRef>
+        </p:style>
+      </p:cxnSp>
+      <p:sp>
+        <p:nvSpPr>
+          <p:cNvPr id="48" name="Rettangolo 47"/>
+          <p:cNvSpPr/>
+          <p:nvPr/>
+        </p:nvSpPr>
+        <p:spPr>
+          <a:xfrm>
+            <a:off x="3449457" y="3476242"/>
+            <a:ext cx="1226618" cy="369332"/>
+          </a:xfrm>
+          <a:prstGeom prst="rect">
+            <a:avLst/>
+          </a:prstGeom>
+        </p:spPr>
+        <p:txBody>
+          <a:bodyPr wrap="none">
+            <a:spAutoFit/>
+          </a:bodyPr>
+          <a:lstStyle/>
+          <a:p>
+            <a:r>
+              <a:rPr lang="it-IT" dirty="0" smtClean="0"/>
+              <a:t>w | s | h …</a:t>
+            </a:r>
+          </a:p>
+        </p:txBody>
+      </p:sp>
+      <p:cxnSp>
+        <p:nvCxnSpPr>
+          <p:cNvPr id="50" name="Connettore 4 49"/>
+          <p:cNvCxnSpPr>
+            <a:stCxn id="35" idx="6"/>
+            <a:endCxn id="19" idx="0"/>
+          </p:cNvCxnSpPr>
+          <p:nvPr/>
+        </p:nvCxnSpPr>
+        <p:spPr>
+          <a:xfrm flipH="1" flipV="1">
+            <a:off x="4953719" y="3474246"/>
+            <a:ext cx="2249566" cy="1235938"/>
+          </a:xfrm>
+          <a:prstGeom prst="bentConnector4">
+            <a:avLst>
+              <a:gd name="adj1" fmla="val -10162"/>
+              <a:gd name="adj2" fmla="val 118496"/>
+            </a:avLst>
+          </a:prstGeom>
+          <a:ln>
+            <a:prstDash val="lgDash"/>
+            <a:tailEnd type="arrow"/>
+          </a:ln>
+        </p:spPr>
+        <p:style>
+          <a:lnRef idx="1">
+            <a:schemeClr val="accent1"/>
+          </a:lnRef>
+          <a:fillRef idx="0">
+            <a:schemeClr val="accent1"/>
+          </a:fillRef>
+          <a:effectRef idx="0">
+            <a:schemeClr val="accent1"/>
+          </a:effectRef>
+          <a:fontRef idx="minor">
+            <a:schemeClr val="tx1"/>
+          </a:fontRef>
+        </p:style>
+      </p:cxnSp>
+      <p:sp>
+        <p:nvSpPr>
+          <p:cNvPr id="52" name="Rettangolo 51"/>
+          <p:cNvSpPr/>
+          <p:nvPr/>
+        </p:nvSpPr>
+        <p:spPr>
+          <a:xfrm>
+            <a:off x="5968221" y="2879633"/>
+            <a:ext cx="1524776" cy="369332"/>
+          </a:xfrm>
+          <a:prstGeom prst="rect">
+            <a:avLst/>
+          </a:prstGeom>
+        </p:spPr>
+        <p:txBody>
+          <a:bodyPr wrap="none">
+            <a:spAutoFit/>
+          </a:bodyPr>
+          <a:lstStyle/>
+          <a:p>
+            <a:r>
+              <a:rPr lang="it-IT" dirty="0" err="1"/>
+              <a:t>s</a:t>
+            </a:r>
+            <a:r>
+              <a:rPr lang="it-IT" dirty="0" err="1" smtClean="0"/>
+              <a:t>ensor</a:t>
+            </a:r>
+            <a:r>
+              <a:rPr lang="it-IT" dirty="0" smtClean="0"/>
+              <a:t>/</a:t>
+            </a:r>
+            <a:r>
+              <a:rPr lang="it-IT" dirty="0" err="1" smtClean="0"/>
+              <a:t>collision</a:t>
+            </a:r>
+            <a:endParaRPr lang="en-GB" dirty="0"/>
+          </a:p>
+        </p:txBody>
+      </p:sp>
+      <p:cxnSp>
+        <p:nvCxnSpPr>
+          <p:cNvPr id="53" name="Connettore 4 52"/>
+          <p:cNvCxnSpPr>
+            <a:stCxn id="9" idx="5"/>
+            <a:endCxn id="19" idx="1"/>
+          </p:cNvCxnSpPr>
+          <p:nvPr/>
+        </p:nvCxnSpPr>
+        <p:spPr>
+          <a:xfrm rot="16200000" flipH="1">
+            <a:off x="3478716" y="2245936"/>
+            <a:ext cx="1386316" cy="1282255"/>
+          </a:xfrm>
+          <a:prstGeom prst="bentConnector2">
+            <a:avLst/>
+          </a:prstGeom>
+          <a:ln>
+            <a:prstDash val="lgDash"/>
+            <a:tailEnd type="arrow"/>
+          </a:ln>
+        </p:spPr>
+        <p:style>
+          <a:lnRef idx="1">
+            <a:schemeClr val="accent1"/>
+          </a:lnRef>
+          <a:fillRef idx="0">
+            <a:schemeClr val="accent1"/>
+          </a:fillRef>
+          <a:effectRef idx="0">
+            <a:schemeClr val="accent1"/>
+          </a:effectRef>
+          <a:fontRef idx="minor">
+            <a:schemeClr val="tx1"/>
+          </a:fontRef>
+        </p:style>
+      </p:cxnSp>
+      <p:cxnSp>
+        <p:nvCxnSpPr>
+          <p:cNvPr id="60" name="Connettore 4 59"/>
+          <p:cNvCxnSpPr>
+            <a:stCxn id="9" idx="6"/>
+            <a:endCxn id="19" idx="1"/>
+          </p:cNvCxnSpPr>
+          <p:nvPr/>
+        </p:nvCxnSpPr>
+        <p:spPr>
+          <a:xfrm>
+            <a:off x="3640541" y="1939319"/>
+            <a:ext cx="1172461" cy="1640903"/>
+          </a:xfrm>
+          <a:prstGeom prst="bentConnector3">
+            <a:avLst>
+              <a:gd name="adj1" fmla="val 50000"/>
+            </a:avLst>
+          </a:prstGeom>
+          <a:ln>
+            <a:prstDash val="lgDash"/>
+            <a:tailEnd type="arrow"/>
+          </a:ln>
+        </p:spPr>
+        <p:style>
+          <a:lnRef idx="1">
+            <a:schemeClr val="accent1"/>
+          </a:lnRef>
+          <a:fillRef idx="0">
+            <a:schemeClr val="accent1"/>
+          </a:fillRef>
+          <a:effectRef idx="0">
+            <a:schemeClr val="accent1"/>
+          </a:effectRef>
+          <a:fontRef idx="minor">
+            <a:schemeClr val="tx1"/>
+          </a:fontRef>
+        </p:style>
+      </p:cxnSp>
+      <p:cxnSp>
+        <p:nvCxnSpPr>
+          <p:cNvPr id="64" name="Connettore 1 63"/>
+          <p:cNvCxnSpPr/>
+          <p:nvPr/>
+        </p:nvCxnSpPr>
+        <p:spPr>
+          <a:xfrm>
+            <a:off x="650165" y="1144192"/>
+            <a:ext cx="7165904" cy="0"/>
+          </a:xfrm>
+          <a:prstGeom prst="line">
+            <a:avLst/>
+          </a:prstGeom>
+          <a:ln w="28575">
+            <a:solidFill>
+              <a:srgbClr val="1318ED"/>
+            </a:solidFill>
+          </a:ln>
+        </p:spPr>
+        <p:style>
+          <a:lnRef idx="1">
+            <a:schemeClr val="accent1"/>
+          </a:lnRef>
+          <a:fillRef idx="0">
+            <a:schemeClr val="accent1"/>
+          </a:fillRef>
+          <a:effectRef idx="0">
+            <a:schemeClr val="accent1"/>
+          </a:effectRef>
+          <a:fontRef idx="minor">
+            <a:schemeClr val="tx1"/>
+          </a:fontRef>
+        </p:style>
+      </p:cxnSp>
+      <p:cxnSp>
+        <p:nvCxnSpPr>
+          <p:cNvPr id="68" name="Connettore 1 67"/>
+          <p:cNvCxnSpPr/>
+          <p:nvPr/>
+        </p:nvCxnSpPr>
+        <p:spPr>
+          <a:xfrm>
+            <a:off x="618352" y="2686938"/>
+            <a:ext cx="7165904" cy="0"/>
+          </a:xfrm>
+          <a:prstGeom prst="line">
+            <a:avLst/>
+          </a:prstGeom>
+          <a:ln w="28575">
+            <a:solidFill>
+              <a:srgbClr val="1318ED"/>
+            </a:solidFill>
+          </a:ln>
+        </p:spPr>
+        <p:style>
+          <a:lnRef idx="1">
+            <a:schemeClr val="accent1"/>
+          </a:lnRef>
+          <a:fillRef idx="0">
+            <a:schemeClr val="accent1"/>
+          </a:fillRef>
+          <a:effectRef idx="0">
+            <a:schemeClr val="accent1"/>
+          </a:effectRef>
+          <a:fontRef idx="minor">
+            <a:schemeClr val="tx1"/>
+          </a:fontRef>
+        </p:style>
+      </p:cxnSp>
+      <p:sp>
+        <p:nvSpPr>
+          <p:cNvPr id="69" name="CasellaDiTesto 68"/>
+          <p:cNvSpPr txBox="1"/>
+          <p:nvPr/>
+        </p:nvSpPr>
+        <p:spPr>
+          <a:xfrm>
+            <a:off x="6164902" y="1569987"/>
+            <a:ext cx="1619354" cy="369332"/>
+          </a:xfrm>
+          <a:prstGeom prst="rect">
+            <a:avLst/>
+          </a:prstGeom>
+          <a:solidFill>
+            <a:srgbClr val="FFFF00"/>
+          </a:solidFill>
+        </p:spPr>
+        <p:style>
+          <a:lnRef idx="1">
+            <a:schemeClr val="accent1"/>
+          </a:lnRef>
+          <a:fillRef idx="2">
+            <a:schemeClr val="accent1"/>
+          </a:fillRef>
+          <a:effectRef idx="1">
+            <a:schemeClr val="accent1"/>
+          </a:effectRef>
+          <a:fontRef idx="minor">
+            <a:schemeClr val="dk1"/>
+          </a:fontRef>
+        </p:style>
+        <p:txBody>
+          <a:bodyPr wrap="none" rtlCol="0">
+            <a:spAutoFit/>
+          </a:bodyPr>
+          <a:lstStyle/>
+          <a:p>
+            <a:r>
+              <a:rPr lang="it-IT" dirty="0" smtClean="0">
+                <a:latin typeface="Arial Narrow" panose="020B0606020202030204" pitchFamily="34" charset="0"/>
+              </a:rPr>
+              <a:t>Application </a:t>
+            </a:r>
+            <a:r>
+              <a:rPr lang="it-IT" dirty="0" err="1" smtClean="0">
+                <a:latin typeface="Arial Narrow" panose="020B0606020202030204" pitchFamily="34" charset="0"/>
+              </a:rPr>
+              <a:t>Logic</a:t>
+            </a:r>
+            <a:endParaRPr lang="en-GB" dirty="0">
+              <a:latin typeface="Arial Narrow" panose="020B0606020202030204" pitchFamily="34" charset="0"/>
+            </a:endParaRPr>
+          </a:p>
+        </p:txBody>
+      </p:sp>
+      <p:sp>
+        <p:nvSpPr>
+          <p:cNvPr id="70" name="CasellaDiTesto 69"/>
+          <p:cNvSpPr txBox="1"/>
+          <p:nvPr/>
+        </p:nvSpPr>
+        <p:spPr>
+          <a:xfrm>
+            <a:off x="676988" y="3317329"/>
+            <a:ext cx="1492716" cy="369332"/>
+          </a:xfrm>
+          <a:prstGeom prst="rect">
+            <a:avLst/>
+          </a:prstGeom>
+          <a:solidFill>
+            <a:srgbClr val="FFFF00"/>
+          </a:solidFill>
+        </p:spPr>
+        <p:style>
+          <a:lnRef idx="1">
+            <a:schemeClr val="accent1"/>
+          </a:lnRef>
+          <a:fillRef idx="2">
+            <a:schemeClr val="accent1"/>
+          </a:fillRef>
+          <a:effectRef idx="1">
+            <a:schemeClr val="accent1"/>
+          </a:effectRef>
+          <a:fontRef idx="minor">
+            <a:schemeClr val="dk1"/>
+          </a:fontRef>
+        </p:style>
+        <p:txBody>
+          <a:bodyPr wrap="none" rtlCol="0">
+            <a:spAutoFit/>
+          </a:bodyPr>
+          <a:lstStyle/>
+          <a:p>
+            <a:r>
+              <a:rPr lang="it-IT" dirty="0" err="1">
+                <a:latin typeface="Arial Narrow" panose="020B0606020202030204" pitchFamily="34" charset="0"/>
+              </a:rPr>
+              <a:t>Reusable</a:t>
+            </a:r>
+            <a:r>
+              <a:rPr lang="it-IT" dirty="0">
+                <a:latin typeface="Arial Narrow" panose="020B0606020202030204" pitchFamily="34" charset="0"/>
+              </a:rPr>
+              <a:t> </a:t>
+            </a:r>
+            <a:r>
+              <a:rPr lang="it-IT" dirty="0" err="1" smtClean="0">
+                <a:latin typeface="Arial Narrow" panose="020B0606020202030204" pitchFamily="34" charset="0"/>
+              </a:rPr>
+              <a:t>Logic</a:t>
+            </a:r>
+            <a:endParaRPr lang="en-GB" dirty="0">
+              <a:latin typeface="Arial Narrow" panose="020B0606020202030204" pitchFamily="34" charset="0"/>
+            </a:endParaRPr>
+          </a:p>
+        </p:txBody>
+      </p:sp>
+      <p:sp>
+        <p:nvSpPr>
+          <p:cNvPr id="71" name="CasellaDiTesto 70"/>
+          <p:cNvSpPr txBox="1"/>
+          <p:nvPr/>
+        </p:nvSpPr>
+        <p:spPr>
+          <a:xfrm>
+            <a:off x="711723" y="4768718"/>
+            <a:ext cx="2533066" cy="369332"/>
+          </a:xfrm>
+          <a:prstGeom prst="rect">
+            <a:avLst/>
+          </a:prstGeom>
+          <a:solidFill>
+            <a:srgbClr val="FFFF00"/>
+          </a:solidFill>
+        </p:spPr>
+        <p:style>
+          <a:lnRef idx="1">
+            <a:schemeClr val="accent1"/>
+          </a:lnRef>
+          <a:fillRef idx="2">
+            <a:schemeClr val="accent1"/>
+          </a:fillRef>
+          <a:effectRef idx="1">
+            <a:schemeClr val="accent1"/>
+          </a:effectRef>
+          <a:fontRef idx="minor">
+            <a:schemeClr val="dk1"/>
+          </a:fontRef>
+        </p:style>
+        <p:txBody>
+          <a:bodyPr wrap="none" rtlCol="0">
+            <a:spAutoFit/>
+          </a:bodyPr>
+          <a:lstStyle/>
+          <a:p>
+            <a:r>
+              <a:rPr lang="it-IT" dirty="0" err="1" smtClean="0">
+                <a:latin typeface="Arial Narrow" panose="020B0606020202030204" pitchFamily="34" charset="0"/>
+              </a:rPr>
+              <a:t>Reusable</a:t>
+            </a:r>
+            <a:r>
+              <a:rPr lang="it-IT" dirty="0" smtClean="0">
+                <a:latin typeface="Arial Narrow" panose="020B0606020202030204" pitchFamily="34" charset="0"/>
+              </a:rPr>
+              <a:t> </a:t>
+            </a:r>
+            <a:r>
+              <a:rPr lang="it-IT" dirty="0" err="1" smtClean="0">
+                <a:latin typeface="Arial Narrow" panose="020B0606020202030204" pitchFamily="34" charset="0"/>
+              </a:rPr>
+              <a:t>worker</a:t>
+            </a:r>
+            <a:r>
+              <a:rPr lang="it-IT" dirty="0" smtClean="0">
+                <a:latin typeface="Arial Narrow" panose="020B0606020202030204" pitchFamily="34" charset="0"/>
+              </a:rPr>
+              <a:t> (no policy)</a:t>
+            </a:r>
+            <a:endParaRPr lang="en-GB" dirty="0">
+              <a:latin typeface="Arial Narrow" panose="020B0606020202030204" pitchFamily="34" charset="0"/>
+            </a:endParaRPr>
+          </a:p>
+        </p:txBody>
+      </p:sp>
+      <p:cxnSp>
+        <p:nvCxnSpPr>
+          <p:cNvPr id="72" name="Connettore 1 71"/>
+          <p:cNvCxnSpPr/>
+          <p:nvPr/>
+        </p:nvCxnSpPr>
+        <p:spPr>
+          <a:xfrm>
+            <a:off x="618352" y="5473803"/>
+            <a:ext cx="7165904" cy="0"/>
+          </a:xfrm>
+          <a:prstGeom prst="line">
+            <a:avLst/>
+          </a:prstGeom>
+          <a:ln w="28575">
+            <a:solidFill>
+              <a:srgbClr val="1318ED"/>
+            </a:solidFill>
+          </a:ln>
+        </p:spPr>
+        <p:style>
+          <a:lnRef idx="1">
+            <a:schemeClr val="accent1"/>
+          </a:lnRef>
+          <a:fillRef idx="0">
+            <a:schemeClr val="accent1"/>
+          </a:fillRef>
+          <a:effectRef idx="0">
+            <a:schemeClr val="accent1"/>
+          </a:effectRef>
+          <a:fontRef idx="minor">
+            <a:schemeClr val="tx1"/>
+          </a:fontRef>
+        </p:style>
+      </p:cxnSp>
+      <p:sp>
+        <p:nvSpPr>
+          <p:cNvPr id="73" name="Ovale 72"/>
+          <p:cNvSpPr/>
+          <p:nvPr/>
+        </p:nvSpPr>
+        <p:spPr>
+          <a:xfrm>
+            <a:off x="6533019" y="5626201"/>
+            <a:ext cx="611062" cy="638657"/>
+          </a:xfrm>
+          <a:prstGeom prst="ellipse">
+            <a:avLst/>
+          </a:prstGeom>
+          <a:solidFill>
+            <a:srgbClr val="33CCCC"/>
+          </a:solidFill>
+          <a:ln>
+            <a:solidFill>
+              <a:srgbClr val="1318ED"/>
+            </a:solidFill>
+          </a:ln>
+        </p:spPr>
+        <p:style>
+          <a:lnRef idx="2">
+            <a:schemeClr val="accent4"/>
+          </a:lnRef>
+          <a:fillRef idx="1">
+            <a:schemeClr val="lt1"/>
+          </a:fillRef>
+          <a:effectRef idx="0">
+            <a:schemeClr val="accent4"/>
+          </a:effectRef>
+          <a:fontRef idx="minor">
+            <a:schemeClr val="dk1"/>
+          </a:fontRef>
+        </p:style>
+        <p:txBody>
+          <a:bodyPr rtlCol="0" anchor="ctr"/>
+          <a:lstStyle/>
+          <a:p>
+            <a:pPr algn="ctr"/>
+            <a:r>
+              <a:rPr lang="it-IT" sz="1100" u="sng" dirty="0" smtClean="0"/>
+              <a:t>R</a:t>
+            </a:r>
+            <a:endParaRPr lang="en-GB" sz="1100" u="sng" dirty="0"/>
+          </a:p>
+        </p:txBody>
+      </p:sp>
+      <p:sp>
+        <p:nvSpPr>
+          <p:cNvPr id="74" name="CasellaDiTesto 73"/>
+          <p:cNvSpPr txBox="1"/>
+          <p:nvPr/>
+        </p:nvSpPr>
+        <p:spPr>
+          <a:xfrm>
+            <a:off x="753281" y="5626201"/>
+            <a:ext cx="2132250" cy="369332"/>
+          </a:xfrm>
+          <a:prstGeom prst="rect">
+            <a:avLst/>
+          </a:prstGeom>
+          <a:solidFill>
+            <a:srgbClr val="FFFF00"/>
+          </a:solidFill>
+        </p:spPr>
+        <p:style>
+          <a:lnRef idx="1">
+            <a:schemeClr val="accent1"/>
+          </a:lnRef>
+          <a:fillRef idx="2">
+            <a:schemeClr val="accent1"/>
+          </a:fillRef>
+          <a:effectRef idx="1">
+            <a:schemeClr val="accent1"/>
+          </a:effectRef>
+          <a:fontRef idx="minor">
+            <a:schemeClr val="dk1"/>
+          </a:fontRef>
+        </p:style>
+        <p:txBody>
+          <a:bodyPr wrap="none" rtlCol="0">
+            <a:spAutoFit/>
+          </a:bodyPr>
+          <a:lstStyle/>
+          <a:p>
+            <a:r>
+              <a:rPr lang="it-IT" dirty="0" smtClean="0">
+                <a:latin typeface="Arial Narrow" panose="020B0606020202030204" pitchFamily="34" charset="0"/>
+              </a:rPr>
+              <a:t>Virtual / Concrete robot</a:t>
+            </a:r>
+            <a:endParaRPr lang="en-GB" dirty="0">
+              <a:latin typeface="Arial Narrow" panose="020B0606020202030204" pitchFamily="34" charset="0"/>
+            </a:endParaRPr>
+          </a:p>
+        </p:txBody>
+      </p:sp>
+      <p:cxnSp>
+        <p:nvCxnSpPr>
+          <p:cNvPr id="76" name="Connettore 2 75"/>
+          <p:cNvCxnSpPr>
+            <a:stCxn id="35" idx="4"/>
+            <a:endCxn id="73" idx="0"/>
+          </p:cNvCxnSpPr>
+          <p:nvPr/>
+        </p:nvCxnSpPr>
+        <p:spPr>
+          <a:xfrm>
+            <a:off x="6828425" y="5070224"/>
+            <a:ext cx="10125" cy="555977"/>
+          </a:xfrm>
+          <a:prstGeom prst="straightConnector1">
+            <a:avLst/>
+          </a:prstGeom>
+          <a:ln>
+            <a:tailEnd type="arrow"/>
+          </a:ln>
+        </p:spPr>
+        <p:style>
+          <a:lnRef idx="1">
+            <a:schemeClr val="accent1"/>
+          </a:lnRef>
+          <a:fillRef idx="0">
+            <a:schemeClr val="accent1"/>
+          </a:fillRef>
+          <a:effectRef idx="0">
+            <a:schemeClr val="accent1"/>
+          </a:effectRef>
+          <a:fontRef idx="minor">
+            <a:schemeClr val="tx1"/>
+          </a:fontRef>
+        </p:style>
+      </p:cxnSp>
+    </p:spTree>
+    <p:extLst>
+      <p:ext uri="{BB962C8B-B14F-4D97-AF65-F5344CB8AC3E}">
+        <p14:creationId xmlns:p14="http://schemas.microsoft.com/office/powerpoint/2010/main" val="1094047328"/>
+      </p:ext>
+    </p:extLst>
+  </p:cSld>
+  <p:clrMapOvr>
+    <a:masterClrMapping/>
+  </p:clrMapOvr>
+</p:sld>
+</file>
+
+<file path=ppt/slides/slide35.xml><?xml version="1.0" encoding="utf-8"?>
 <p:sld xmlns:a="http://schemas.openxmlformats.org/drawingml/2006/main" xmlns:r="http://schemas.openxmlformats.org/officeDocument/2006/relationships" xmlns:p="http://schemas.openxmlformats.org/presentationml/2006/main">
   <p:cSld>
     <p:spTree>
@@ -26210,7 +29398,7 @@
           <a:p>
             <a:fld id="{6F6A5AB3-AF76-4EC9-853D-D4C335162C13}" type="slidenum">
               <a:rPr lang="en-GB" smtClean="0"/>
-              <a:t>34</a:t>
+              <a:t>35</a:t>
             </a:fld>
             <a:endParaRPr lang="en-GB"/>
           </a:p>
@@ -27075,7 +30263,7 @@
 </p:sld>
 </file>
 
-<file path=ppt/slides/slide35.xml><?xml version="1.0" encoding="utf-8"?>
+<file path=ppt/slides/slide36.xml><?xml version="1.0" encoding="utf-8"?>
 <p:sld xmlns:a="http://schemas.openxmlformats.org/drawingml/2006/main" xmlns:r="http://schemas.openxmlformats.org/officeDocument/2006/relationships" xmlns:p="http://schemas.openxmlformats.org/presentationml/2006/main">
   <p:cSld>
     <p:spTree>
@@ -27132,7 +30320,7 @@
           <a:p>
             <a:fld id="{6F6A5AB3-AF76-4EC9-853D-D4C335162C13}" type="slidenum">
               <a:rPr lang="en-GB" smtClean="0"/>
-              <a:t>35</a:t>
+              <a:t>36</a:t>
             </a:fld>
             <a:endParaRPr lang="en-GB"/>
           </a:p>

--- a/it.unibo.issLabStart/userDocs/ISSM2020.pptx
+++ b/it.unibo.issLabStart/userDocs/ISSM2020.pptx
@@ -23558,7 +23558,7 @@
         </p:nvSpPr>
         <p:spPr>
           <a:xfrm>
-            <a:off x="4384679" y="4446433"/>
+            <a:off x="4408509" y="4909063"/>
             <a:ext cx="1453659" cy="648072"/>
           </a:xfrm>
           <a:prstGeom prst="ellipse">
@@ -24612,7 +24612,7 @@
         </p:nvSpPr>
         <p:spPr>
           <a:xfrm>
-            <a:off x="670727" y="4470262"/>
+            <a:off x="694557" y="4932892"/>
             <a:ext cx="720080" cy="648072"/>
           </a:xfrm>
           <a:prstGeom prst="ellipse">
@@ -24659,7 +24659,7 @@
         </p:nvSpPr>
         <p:spPr>
           <a:xfrm>
-            <a:off x="526711" y="4704956"/>
+            <a:off x="550541" y="5167586"/>
             <a:ext cx="144016" cy="178684"/>
           </a:xfrm>
           <a:prstGeom prst="ellipse">
@@ -24699,7 +24699,7 @@
         </p:nvCxnSpPr>
         <p:spPr>
           <a:xfrm flipV="1">
-            <a:off x="1390807" y="4778884"/>
+            <a:off x="1414637" y="5241514"/>
             <a:ext cx="586466" cy="4552"/>
           </a:xfrm>
           <a:prstGeom prst="bentConnector3">
@@ -24742,7 +24742,7 @@
         </p:nvSpPr>
         <p:spPr bwMode="auto">
           <a:xfrm>
-            <a:off x="1384416" y="4338678"/>
+            <a:off x="1408246" y="4801308"/>
             <a:ext cx="471604" cy="307777"/>
           </a:xfrm>
           <a:prstGeom prst="rect">
@@ -24785,7 +24785,7 @@
         </p:nvSpPr>
         <p:spPr>
           <a:xfrm>
-            <a:off x="1977272" y="4454848"/>
+            <a:off x="2001102" y="4917478"/>
             <a:ext cx="1453659" cy="648072"/>
           </a:xfrm>
           <a:prstGeom prst="ellipse">
@@ -24832,7 +24832,7 @@
         </p:nvCxnSpPr>
         <p:spPr>
           <a:xfrm flipV="1">
-            <a:off x="4890742" y="4043348"/>
+            <a:off x="4914572" y="4505978"/>
             <a:ext cx="0" cy="590660"/>
           </a:xfrm>
           <a:prstGeom prst="straightConnector1">
@@ -24866,7 +24866,7 @@
         </p:nvSpPr>
         <p:spPr>
           <a:xfrm>
-            <a:off x="4970445" y="3982279"/>
+            <a:off x="4970445" y="4431976"/>
             <a:ext cx="995785" cy="369332"/>
           </a:xfrm>
           <a:prstGeom prst="rect">
@@ -24906,7 +24906,7 @@
         </p:nvCxnSpPr>
         <p:spPr>
           <a:xfrm rot="5400000">
-            <a:off x="3059224" y="3066048"/>
+            <a:off x="3083054" y="3528678"/>
             <a:ext cx="23829" cy="4080742"/>
           </a:xfrm>
           <a:prstGeom prst="bentConnector3">
@@ -24949,7 +24949,7 @@
         </p:nvSpPr>
         <p:spPr bwMode="auto">
           <a:xfrm>
-            <a:off x="1602005" y="5334358"/>
+            <a:off x="3738691" y="5502665"/>
             <a:ext cx="471604" cy="307777"/>
           </a:xfrm>
           <a:prstGeom prst="rect">
@@ -24995,7 +24995,7 @@
         </p:nvCxnSpPr>
         <p:spPr>
           <a:xfrm flipV="1">
-            <a:off x="3430931" y="4770469"/>
+            <a:off x="3454761" y="5233099"/>
             <a:ext cx="953748" cy="8415"/>
           </a:xfrm>
           <a:prstGeom prst="bentConnector3">
@@ -25030,7 +25030,7 @@
         </p:nvSpPr>
         <p:spPr>
           <a:xfrm>
-            <a:off x="3591430" y="4424966"/>
+            <a:off x="3615260" y="4887596"/>
             <a:ext cx="718466" cy="369332"/>
           </a:xfrm>
           <a:prstGeom prst="rect">
@@ -28567,7 +28567,7 @@
         </p:nvSpPr>
         <p:spPr>
           <a:xfrm>
-            <a:off x="3449457" y="3476242"/>
+            <a:off x="3659988" y="4710184"/>
             <a:ext cx="1226618" cy="369332"/>
           </a:xfrm>
           <a:prstGeom prst="rect">
@@ -28590,15 +28590,12 @@
       <p:cxnSp>
         <p:nvCxnSpPr>
           <p:cNvPr id="50" name="Connettore 4 49"/>
-          <p:cNvCxnSpPr>
-            <a:stCxn id="35" idx="6"/>
-            <a:endCxn id="19" idx="0"/>
-          </p:cNvCxnSpPr>
+          <p:cNvCxnSpPr/>
           <p:nvPr/>
         </p:nvCxnSpPr>
         <p:spPr>
           <a:xfrm flipH="1" flipV="1">
-            <a:off x="4953719" y="3474246"/>
+            <a:off x="4953719" y="3317329"/>
             <a:ext cx="2249566" cy="1235938"/>
           </a:xfrm>
           <a:prstGeom prst="bentConnector4">
@@ -28635,7 +28632,7 @@
         </p:nvSpPr>
         <p:spPr>
           <a:xfrm>
-            <a:off x="5968221" y="2879633"/>
+            <a:off x="5968221" y="2705423"/>
             <a:ext cx="1524776" cy="369332"/>
           </a:xfrm>
           <a:prstGeom prst="rect">
@@ -28672,15 +28669,15 @@
         <p:nvCxnSpPr>
           <p:cNvPr id="53" name="Connettore 4 52"/>
           <p:cNvCxnSpPr>
-            <a:stCxn id="9" idx="5"/>
-            <a:endCxn id="19" idx="1"/>
+            <a:stCxn id="9" idx="3"/>
+            <a:endCxn id="32" idx="1"/>
           </p:cNvCxnSpPr>
           <p:nvPr/>
         </p:nvCxnSpPr>
         <p:spPr>
           <a:xfrm rot="16200000" flipH="1">
-            <a:off x="3478716" y="2245936"/>
-            <a:ext cx="1386316" cy="1282255"/>
+            <a:off x="3016034" y="2178485"/>
+            <a:ext cx="2543370" cy="2574211"/>
           </a:xfrm>
           <a:prstGeom prst="bentConnector2">
             <a:avLst/>

--- a/it.unibo.issLabStart/userDocs/ISSM2020.pptx
+++ b/it.unibo.issLabStart/userDocs/ISSM2020.pptx
@@ -5,10 +5,10 @@
     <p:sldMasterId id="2147483804" r:id="rId1"/>
   </p:sldMasterIdLst>
   <p:notesMasterIdLst>
-    <p:notesMasterId r:id="rId38"/>
+    <p:notesMasterId r:id="rId40"/>
   </p:notesMasterIdLst>
   <p:handoutMasterIdLst>
-    <p:handoutMasterId r:id="rId39"/>
+    <p:handoutMasterId r:id="rId41"/>
   </p:handoutMasterIdLst>
   <p:sldIdLst>
     <p:sldId id="256" r:id="rId2"/>
@@ -43,10 +43,12 @@
     <p:sldId id="287" r:id="rId31"/>
     <p:sldId id="288" r:id="rId32"/>
     <p:sldId id="292" r:id="rId33"/>
-    <p:sldId id="291" r:id="rId34"/>
-    <p:sldId id="293" r:id="rId35"/>
-    <p:sldId id="281" r:id="rId36"/>
-    <p:sldId id="290" r:id="rId37"/>
+    <p:sldId id="294" r:id="rId34"/>
+    <p:sldId id="295" r:id="rId35"/>
+    <p:sldId id="291" r:id="rId36"/>
+    <p:sldId id="293" r:id="rId37"/>
+    <p:sldId id="281" r:id="rId38"/>
+    <p:sldId id="290" r:id="rId39"/>
   </p:sldIdLst>
   <p:sldSz cx="9144000" cy="6858000" type="screen4x3"/>
   <p:notesSz cx="6858000" cy="9144000"/>
@@ -868,7 +870,7 @@
           <a:p>
             <a:fld id="{5D547B64-7F69-451B-8351-3B4EE3E72C48}" type="slidenum">
               <a:rPr lang="en-GB" smtClean="0"/>
-              <a:t>36</a:t>
+              <a:t>38</a:t>
             </a:fld>
             <a:endParaRPr lang="en-GB"/>
           </a:p>
@@ -25086,97 +25088,6 @@
       </p:grpSpPr>
       <p:sp>
         <p:nvSpPr>
-          <p:cNvPr id="4" name="Rettangolo 3"/>
-          <p:cNvSpPr/>
-          <p:nvPr/>
-        </p:nvSpPr>
-        <p:spPr>
-          <a:xfrm>
-            <a:off x="1189882" y="166788"/>
-            <a:ext cx="2232248" cy="2140496"/>
-          </a:xfrm>
-          <a:prstGeom prst="rect">
-            <a:avLst/>
-          </a:prstGeom>
-          <a:solidFill>
-            <a:schemeClr val="bg1"/>
-          </a:solidFill>
-          <a:ln>
-            <a:solidFill>
-              <a:srgbClr val="00B050"/>
-            </a:solidFill>
-          </a:ln>
-        </p:spPr>
-        <p:style>
-          <a:lnRef idx="2">
-            <a:schemeClr val="accent1">
-              <a:shade val="50000"/>
-            </a:schemeClr>
-          </a:lnRef>
-          <a:fillRef idx="1">
-            <a:schemeClr val="accent1"/>
-          </a:fillRef>
-          <a:effectRef idx="0">
-            <a:schemeClr val="accent1"/>
-          </a:effectRef>
-          <a:fontRef idx="minor">
-            <a:schemeClr val="lt1"/>
-          </a:fontRef>
-        </p:style>
-        <p:txBody>
-          <a:bodyPr rtlCol="0" anchor="ctr"/>
-          <a:lstStyle/>
-          <a:p>
-            <a:pPr algn="ctr"/>
-            <a:endParaRPr lang="en-GB"/>
-          </a:p>
-        </p:txBody>
-      </p:sp>
-      <p:sp>
-        <p:nvSpPr>
-          <p:cNvPr id="15" name="Rettangolo 14"/>
-          <p:cNvSpPr/>
-          <p:nvPr/>
-        </p:nvSpPr>
-        <p:spPr>
-          <a:xfrm>
-            <a:off x="1189883" y="166788"/>
-            <a:ext cx="360040" cy="324036"/>
-          </a:xfrm>
-          <a:prstGeom prst="rect">
-            <a:avLst/>
-          </a:prstGeom>
-          <a:solidFill>
-            <a:srgbClr val="FFFF00"/>
-          </a:solidFill>
-        </p:spPr>
-        <p:style>
-          <a:lnRef idx="2">
-            <a:schemeClr val="accent1">
-              <a:shade val="50000"/>
-            </a:schemeClr>
-          </a:lnRef>
-          <a:fillRef idx="1">
-            <a:schemeClr val="accent1"/>
-          </a:fillRef>
-          <a:effectRef idx="0">
-            <a:schemeClr val="accent1"/>
-          </a:effectRef>
-          <a:fontRef idx="minor">
-            <a:schemeClr val="lt1"/>
-          </a:fontRef>
-        </p:style>
-        <p:txBody>
-          <a:bodyPr rtlCol="0" anchor="ctr"/>
-          <a:lstStyle/>
-          <a:p>
-            <a:pPr algn="ctr"/>
-            <a:endParaRPr lang="en-GB"/>
-          </a:p>
-        </p:txBody>
-      </p:sp>
-      <p:sp>
-        <p:nvSpPr>
           <p:cNvPr id="2" name="Segnaposto piè di pagina 1"/>
           <p:cNvSpPr>
             <a:spLocks noGrp="1"/>
@@ -25223,21 +25134,21 @@
       </p:sp>
       <p:sp>
         <p:nvSpPr>
-          <p:cNvPr id="5" name="Ovale 4"/>
+          <p:cNvPr id="4" name="Ovale 3"/>
           <p:cNvSpPr/>
           <p:nvPr/>
         </p:nvSpPr>
         <p:spPr>
           <a:xfrm>
-            <a:off x="1549922" y="2137137"/>
-            <a:ext cx="68456" cy="76254"/>
+            <a:off x="4237597" y="802422"/>
+            <a:ext cx="650362" cy="648072"/>
           </a:xfrm>
           <a:prstGeom prst="ellipse">
             <a:avLst/>
           </a:prstGeom>
           <a:ln>
             <a:solidFill>
-              <a:schemeClr val="bg1"/>
+              <a:srgbClr val="0070C0"/>
             </a:solidFill>
           </a:ln>
         </p:spPr>
@@ -25260,27 +25171,31 @@
           <a:lstStyle/>
           <a:p>
             <a:pPr algn="ctr"/>
+            <a:r>
+              <a:rPr lang="it-IT" dirty="0" smtClean="0"/>
+              <a:t>s2</a:t>
+            </a:r>
             <a:endParaRPr lang="en-GB" dirty="0"/>
           </a:p>
         </p:txBody>
       </p:sp>
       <p:sp>
         <p:nvSpPr>
-          <p:cNvPr id="6" name="Ovale 5"/>
+          <p:cNvPr id="5" name="Ovale 4"/>
           <p:cNvSpPr/>
           <p:nvPr/>
         </p:nvSpPr>
         <p:spPr>
           <a:xfrm>
-            <a:off x="2256935" y="2137137"/>
-            <a:ext cx="68456" cy="76254"/>
+            <a:off x="1184621" y="1404085"/>
+            <a:ext cx="720080" cy="648072"/>
           </a:xfrm>
           <a:prstGeom prst="ellipse">
             <a:avLst/>
           </a:prstGeom>
           <a:ln>
             <a:solidFill>
-              <a:schemeClr val="bg1"/>
+              <a:srgbClr val="0070C0"/>
             </a:solidFill>
           </a:ln>
         </p:spPr>
@@ -25303,27 +25218,157 @@
           <a:lstStyle/>
           <a:p>
             <a:pPr algn="ctr"/>
+            <a:r>
+              <a:rPr lang="it-IT" dirty="0" smtClean="0"/>
+              <a:t>s0</a:t>
+            </a:r>
             <a:endParaRPr lang="en-GB" dirty="0"/>
           </a:p>
         </p:txBody>
       </p:sp>
       <p:sp>
         <p:nvSpPr>
-          <p:cNvPr id="7" name="Ovale 6"/>
+          <p:cNvPr id="6" name="Ovale 5"/>
           <p:cNvSpPr/>
           <p:nvPr/>
         </p:nvSpPr>
         <p:spPr>
           <a:xfrm>
-            <a:off x="2254766" y="266863"/>
-            <a:ext cx="68456" cy="76254"/>
+            <a:off x="1040605" y="1662884"/>
+            <a:ext cx="144016" cy="178684"/>
+          </a:xfrm>
+          <a:prstGeom prst="ellipse">
+            <a:avLst/>
+          </a:prstGeom>
+        </p:spPr>
+        <p:style>
+          <a:lnRef idx="2">
+            <a:schemeClr val="accent1">
+              <a:shade val="50000"/>
+            </a:schemeClr>
+          </a:lnRef>
+          <a:fillRef idx="1">
+            <a:schemeClr val="accent1"/>
+          </a:fillRef>
+          <a:effectRef idx="0">
+            <a:schemeClr val="accent1"/>
+          </a:effectRef>
+          <a:fontRef idx="minor">
+            <a:schemeClr val="lt1"/>
+          </a:fontRef>
+        </p:style>
+        <p:txBody>
+          <a:bodyPr rtlCol="0" anchor="ctr"/>
+          <a:lstStyle/>
+          <a:p>
+            <a:pPr algn="ctr"/>
+            <a:endParaRPr lang="en-GB"/>
+          </a:p>
+        </p:txBody>
+      </p:sp>
+      <p:cxnSp>
+        <p:nvCxnSpPr>
+          <p:cNvPr id="7" name="Connettore 4 6"/>
+          <p:cNvCxnSpPr/>
+          <p:nvPr/>
+        </p:nvCxnSpPr>
+        <p:spPr>
+          <a:xfrm flipV="1">
+            <a:off x="1904701" y="1736812"/>
+            <a:ext cx="586466" cy="4552"/>
+          </a:xfrm>
+          <a:prstGeom prst="bentConnector3">
+            <a:avLst>
+              <a:gd name="adj1" fmla="val 50000"/>
+            </a:avLst>
+          </a:prstGeom>
+          <a:ln>
+            <a:tailEnd type="arrow"/>
+          </a:ln>
+        </p:spPr>
+        <p:style>
+          <a:lnRef idx="1">
+            <a:schemeClr val="accent1"/>
+          </a:lnRef>
+          <a:fillRef idx="0">
+            <a:schemeClr val="accent1"/>
+          </a:fillRef>
+          <a:effectRef idx="0">
+            <a:schemeClr val="accent1"/>
+          </a:effectRef>
+          <a:fontRef idx="minor">
+            <a:schemeClr val="tx1"/>
+          </a:fontRef>
+        </p:style>
+      </p:cxnSp>
+      <p:sp>
+        <p:nvSpPr>
+          <p:cNvPr id="8" name="Rectangle 5">
+            <a:extLst>
+              <a:ext uri="{FF2B5EF4-FFF2-40B4-BE49-F238E27FC236}">
+                <a16:creationId xmlns:a16="http://schemas.microsoft.com/office/drawing/2014/main" xmlns="" id="{9529310F-209D-4FC3-82E8-EEC7E3A85851}"/>
+              </a:ext>
+            </a:extLst>
+          </p:cNvPr>
+          <p:cNvSpPr>
+            <a:spLocks noChangeArrowheads="1"/>
+          </p:cNvSpPr>
+          <p:nvPr/>
+        </p:nvSpPr>
+        <p:spPr bwMode="auto">
+          <a:xfrm>
+            <a:off x="1898310" y="1296606"/>
+            <a:ext cx="471604" cy="307777"/>
+          </a:xfrm>
+          <a:prstGeom prst="rect">
+            <a:avLst/>
+          </a:prstGeom>
+          <a:noFill/>
+        </p:spPr>
+        <p:txBody>
+          <a:bodyPr wrap="none" rtlCol="0">
+            <a:spAutoFit/>
+          </a:bodyPr>
+          <a:lstStyle/>
+          <a:p>
+            <a:r>
+              <a:rPr lang="en-US" altLang="en-US" sz="1400" dirty="0" smtClean="0">
+                <a:latin typeface="Symbol" panose="05050102010706020507" pitchFamily="18" charset="2"/>
+                <a:cs typeface="Arial" panose="020B0604020202020204" pitchFamily="34" charset="0"/>
+              </a:rPr>
+              <a:t>e</a:t>
+            </a:r>
+            <a:r>
+              <a:rPr lang="en-US" altLang="en-US" sz="1400" dirty="0" smtClean="0">
+                <a:latin typeface="Arial" panose="020B0604020202020204" pitchFamily="34" charset="0"/>
+                <a:cs typeface="Arial" panose="020B0604020202020204" pitchFamily="34" charset="0"/>
+              </a:rPr>
+              <a:t>-m</a:t>
+            </a:r>
+            <a:endParaRPr lang="en-US" altLang="en-US" sz="1400" dirty="0">
+              <a:latin typeface="Arial" panose="020B0604020202020204" pitchFamily="34" charset="0"/>
+              <a:cs typeface="Arial" panose="020B0604020202020204" pitchFamily="34" charset="0"/>
+            </a:endParaRPr>
+          </a:p>
+        </p:txBody>
+      </p:sp>
+      <p:sp>
+        <p:nvSpPr>
+          <p:cNvPr id="9" name="Ovale 8"/>
+          <p:cNvSpPr/>
+          <p:nvPr/>
+        </p:nvSpPr>
+        <p:spPr>
+          <a:xfrm>
+            <a:off x="2491167" y="1412776"/>
+            <a:ext cx="712681" cy="648072"/>
           </a:xfrm>
           <a:prstGeom prst="ellipse">
             <a:avLst/>
           </a:prstGeom>
           <a:ln>
             <a:solidFill>
-              <a:schemeClr val="bg1"/>
+              <a:srgbClr val="0070C0"/>
             </a:solidFill>
           </a:ln>
         </p:spPr>
@@ -25346,27 +25391,264 @@
           <a:lstStyle/>
           <a:p>
             <a:pPr algn="ctr"/>
+            <a:r>
+              <a:rPr lang="it-IT" dirty="0" smtClean="0"/>
+              <a:t>s1</a:t>
+            </a:r>
             <a:endParaRPr lang="en-GB" dirty="0"/>
           </a:p>
         </p:txBody>
       </p:sp>
-      <p:sp>
-        <p:nvSpPr>
-          <p:cNvPr id="8" name="Ovale 7"/>
+      <p:cxnSp>
+        <p:nvCxnSpPr>
+          <p:cNvPr id="10" name="Connettore 2 9"/>
+          <p:cNvCxnSpPr/>
+          <p:nvPr/>
+        </p:nvCxnSpPr>
+        <p:spPr>
+          <a:xfrm flipV="1">
+            <a:off x="4595516" y="5375210"/>
+            <a:ext cx="0" cy="590660"/>
+          </a:xfrm>
+          <a:prstGeom prst="straightConnector1">
+            <a:avLst/>
+          </a:prstGeom>
+          <a:ln>
+            <a:prstDash val="lgDash"/>
+            <a:tailEnd type="arrow"/>
+          </a:ln>
+        </p:spPr>
+        <p:style>
+          <a:lnRef idx="1">
+            <a:schemeClr val="accent1"/>
+          </a:lnRef>
+          <a:fillRef idx="0">
+            <a:schemeClr val="accent1"/>
+          </a:fillRef>
+          <a:effectRef idx="0">
+            <a:schemeClr val="accent1"/>
+          </a:effectRef>
+          <a:fontRef idx="minor">
+            <a:schemeClr val="tx1"/>
+          </a:fontRef>
+        </p:style>
+      </p:cxnSp>
+      <p:sp>
+        <p:nvSpPr>
+          <p:cNvPr id="11" name="Rettangolo 10"/>
           <p:cNvSpPr/>
           <p:nvPr/>
         </p:nvSpPr>
         <p:spPr>
           <a:xfrm>
-            <a:off x="3134799" y="279145"/>
-            <a:ext cx="68456" cy="76254"/>
+            <a:off x="4651389" y="5301208"/>
+            <a:ext cx="995785" cy="369332"/>
+          </a:xfrm>
+          <a:prstGeom prst="rect">
+            <a:avLst/>
+          </a:prstGeom>
+        </p:spPr>
+        <p:txBody>
+          <a:bodyPr wrap="none">
+            <a:spAutoFit/>
+          </a:bodyPr>
+          <a:lstStyle/>
+          <a:p>
+            <a:r>
+              <a:rPr lang="en-GB" b="1" dirty="0" err="1">
+                <a:solidFill>
+                  <a:srgbClr val="00B050"/>
+                </a:solidFill>
+              </a:rPr>
+              <a:t>endtime</a:t>
+            </a:r>
+            <a:endParaRPr lang="en-GB" b="1" dirty="0">
+              <a:solidFill>
+                <a:srgbClr val="00B050"/>
+              </a:solidFill>
+            </a:endParaRPr>
+          </a:p>
+        </p:txBody>
+      </p:sp>
+      <p:cxnSp>
+        <p:nvCxnSpPr>
+          <p:cNvPr id="12" name="Connettore 4 11"/>
+          <p:cNvCxnSpPr>
+            <a:stCxn id="20" idx="4"/>
+            <a:endCxn id="9" idx="3"/>
+          </p:cNvCxnSpPr>
+          <p:nvPr/>
+        </p:nvCxnSpPr>
+        <p:spPr>
+          <a:xfrm rot="5400000" flipH="1">
+            <a:off x="3163682" y="1397796"/>
+            <a:ext cx="830952" cy="1967241"/>
+          </a:xfrm>
+          <a:prstGeom prst="bentConnector3">
+            <a:avLst>
+              <a:gd name="adj1" fmla="val -27511"/>
+            </a:avLst>
+          </a:prstGeom>
+          <a:ln>
+            <a:tailEnd type="arrow"/>
+          </a:ln>
+        </p:spPr>
+        <p:style>
+          <a:lnRef idx="1">
+            <a:schemeClr val="accent1"/>
+          </a:lnRef>
+          <a:fillRef idx="0">
+            <a:schemeClr val="accent1"/>
+          </a:fillRef>
+          <a:effectRef idx="0">
+            <a:schemeClr val="accent1"/>
+          </a:effectRef>
+          <a:fontRef idx="minor">
+            <a:schemeClr val="tx1"/>
+          </a:fontRef>
+        </p:style>
+      </p:cxnSp>
+      <p:sp>
+        <p:nvSpPr>
+          <p:cNvPr id="13" name="Rectangle 5">
+            <a:extLst>
+              <a:ext uri="{FF2B5EF4-FFF2-40B4-BE49-F238E27FC236}">
+                <a16:creationId xmlns:a16="http://schemas.microsoft.com/office/drawing/2014/main" xmlns="" id="{9529310F-209D-4FC3-82E8-EEC7E3A85851}"/>
+              </a:ext>
+            </a:extLst>
+          </p:cNvPr>
+          <p:cNvSpPr>
+            <a:spLocks noChangeArrowheads="1"/>
+          </p:cNvSpPr>
+          <p:nvPr/>
+        </p:nvSpPr>
+        <p:spPr bwMode="auto">
+          <a:xfrm>
+            <a:off x="3256111" y="2748037"/>
+            <a:ext cx="471604" cy="307777"/>
+          </a:xfrm>
+          <a:prstGeom prst="rect">
+            <a:avLst/>
+          </a:prstGeom>
+          <a:noFill/>
+        </p:spPr>
+        <p:txBody>
+          <a:bodyPr wrap="none" rtlCol="0">
+            <a:spAutoFit/>
+          </a:bodyPr>
+          <a:lstStyle/>
+          <a:p>
+            <a:r>
+              <a:rPr lang="en-US" altLang="en-US" sz="1400" dirty="0" smtClean="0">
+                <a:latin typeface="Symbol" panose="05050102010706020507" pitchFamily="18" charset="2"/>
+                <a:cs typeface="Arial" panose="020B0604020202020204" pitchFamily="34" charset="0"/>
+              </a:rPr>
+              <a:t>e</a:t>
+            </a:r>
+            <a:r>
+              <a:rPr lang="en-US" altLang="en-US" sz="1400" dirty="0" smtClean="0">
+                <a:latin typeface="Arial" panose="020B0604020202020204" pitchFamily="34" charset="0"/>
+                <a:cs typeface="Arial" panose="020B0604020202020204" pitchFamily="34" charset="0"/>
+              </a:rPr>
+              <a:t>-m</a:t>
+            </a:r>
+            <a:endParaRPr lang="en-US" altLang="en-US" sz="1400" dirty="0">
+              <a:latin typeface="Arial" panose="020B0604020202020204" pitchFamily="34" charset="0"/>
+              <a:cs typeface="Arial" panose="020B0604020202020204" pitchFamily="34" charset="0"/>
+            </a:endParaRPr>
+          </a:p>
+        </p:txBody>
+      </p:sp>
+      <p:cxnSp>
+        <p:nvCxnSpPr>
+          <p:cNvPr id="14" name="Connettore 4 13"/>
+          <p:cNvCxnSpPr>
+            <a:stCxn id="9" idx="0"/>
+            <a:endCxn id="4" idx="2"/>
+          </p:cNvCxnSpPr>
+          <p:nvPr/>
+        </p:nvCxnSpPr>
+        <p:spPr>
+          <a:xfrm rot="5400000" flipH="1" flipV="1">
+            <a:off x="3399393" y="574573"/>
+            <a:ext cx="286318" cy="1390089"/>
+          </a:xfrm>
+          <a:prstGeom prst="bentConnector2">
+            <a:avLst/>
+          </a:prstGeom>
+          <a:ln>
+            <a:tailEnd type="arrow"/>
+          </a:ln>
+        </p:spPr>
+        <p:style>
+          <a:lnRef idx="1">
+            <a:schemeClr val="accent1"/>
+          </a:lnRef>
+          <a:fillRef idx="0">
+            <a:schemeClr val="accent1"/>
+          </a:fillRef>
+          <a:effectRef idx="0">
+            <a:schemeClr val="accent1"/>
+          </a:effectRef>
+          <a:fontRef idx="minor">
+            <a:schemeClr val="tx1"/>
+          </a:fontRef>
+        </p:style>
+      </p:cxnSp>
+      <p:sp>
+        <p:nvSpPr>
+          <p:cNvPr id="15" name="Rettangolo 14"/>
+          <p:cNvSpPr/>
+          <p:nvPr/>
+        </p:nvSpPr>
+        <p:spPr>
+          <a:xfrm>
+            <a:off x="3491913" y="725924"/>
+            <a:ext cx="676788" cy="369332"/>
+          </a:xfrm>
+          <a:prstGeom prst="rect">
+            <a:avLst/>
+          </a:prstGeom>
+        </p:spPr>
+        <p:txBody>
+          <a:bodyPr wrap="none">
+            <a:spAutoFit/>
+          </a:bodyPr>
+          <a:lstStyle/>
+          <a:p>
+            <a:r>
+              <a:rPr lang="en-GB" b="1" dirty="0" smtClean="0">
+                <a:solidFill>
+                  <a:srgbClr val="00B0F0"/>
+                </a:solidFill>
+              </a:rPr>
+              <a:t>msg1</a:t>
+            </a:r>
+            <a:endParaRPr lang="en-GB" b="1" dirty="0">
+              <a:solidFill>
+                <a:srgbClr val="00B0F0"/>
+              </a:solidFill>
+            </a:endParaRPr>
+          </a:p>
+        </p:txBody>
+      </p:sp>
+      <p:sp>
+        <p:nvSpPr>
+          <p:cNvPr id="20" name="Ovale 19"/>
+          <p:cNvSpPr/>
+          <p:nvPr/>
+        </p:nvSpPr>
+        <p:spPr>
+          <a:xfrm>
+            <a:off x="4193516" y="2148820"/>
+            <a:ext cx="738524" cy="648072"/>
           </a:xfrm>
           <a:prstGeom prst="ellipse">
             <a:avLst/>
           </a:prstGeom>
           <a:ln>
             <a:solidFill>
-              <a:schemeClr val="bg1"/>
+              <a:srgbClr val="0070C0"/>
             </a:solidFill>
           </a:ln>
         </p:spPr>
@@ -25389,1519 +25671,32 @@
           <a:lstStyle/>
           <a:p>
             <a:pPr algn="ctr"/>
+            <a:r>
+              <a:rPr lang="it-IT" dirty="0" smtClean="0"/>
+              <a:t>s3</a:t>
+            </a:r>
             <a:endParaRPr lang="en-GB" dirty="0"/>
-          </a:p>
-        </p:txBody>
-      </p:sp>
-      <p:sp>
-        <p:nvSpPr>
-          <p:cNvPr id="9" name="Ovale 8"/>
-          <p:cNvSpPr/>
-          <p:nvPr/>
-        </p:nvSpPr>
-        <p:spPr>
-          <a:xfrm>
-            <a:off x="3151812" y="2151352"/>
-            <a:ext cx="68456" cy="76254"/>
-          </a:xfrm>
-          <a:prstGeom prst="ellipse">
-            <a:avLst/>
-          </a:prstGeom>
-          <a:ln>
-            <a:solidFill>
-              <a:schemeClr val="bg1"/>
-            </a:solidFill>
-          </a:ln>
-        </p:spPr>
-        <p:style>
-          <a:lnRef idx="2">
-            <a:schemeClr val="accent2"/>
-          </a:lnRef>
-          <a:fillRef idx="1">
-            <a:schemeClr val="lt1"/>
-          </a:fillRef>
-          <a:effectRef idx="0">
-            <a:schemeClr val="accent2"/>
-          </a:effectRef>
-          <a:fontRef idx="minor">
-            <a:schemeClr val="dk1"/>
-          </a:fontRef>
-        </p:style>
-        <p:txBody>
-          <a:bodyPr rtlCol="0" anchor="ctr"/>
-          <a:lstStyle/>
-          <a:p>
-            <a:pPr algn="ctr"/>
-            <a:endParaRPr lang="en-GB" u="sng" dirty="0"/>
-          </a:p>
-        </p:txBody>
-      </p:sp>
-      <p:sp>
-        <p:nvSpPr>
-          <p:cNvPr id="12" name="Ovale 11"/>
-          <p:cNvSpPr/>
-          <p:nvPr/>
-        </p:nvSpPr>
-        <p:spPr>
-          <a:xfrm>
-            <a:off x="1202233" y="187364"/>
-            <a:ext cx="335339" cy="282884"/>
-          </a:xfrm>
-          <a:prstGeom prst="ellipse">
-            <a:avLst/>
-          </a:prstGeom>
-          <a:solidFill>
-            <a:srgbClr val="33CCCC"/>
-          </a:solidFill>
-          <a:ln>
-            <a:solidFill>
-              <a:srgbClr val="33CCCC"/>
-            </a:solidFill>
-          </a:ln>
-        </p:spPr>
-        <p:style>
-          <a:lnRef idx="2">
-            <a:schemeClr val="accent4"/>
-          </a:lnRef>
-          <a:fillRef idx="1">
-            <a:schemeClr val="lt1"/>
-          </a:fillRef>
-          <a:effectRef idx="0">
-            <a:schemeClr val="accent4"/>
-          </a:effectRef>
-          <a:fontRef idx="minor">
-            <a:schemeClr val="dk1"/>
-          </a:fontRef>
-        </p:style>
-        <p:txBody>
-          <a:bodyPr rtlCol="0" anchor="ctr"/>
-          <a:lstStyle/>
-          <a:p>
-            <a:pPr algn="ctr"/>
-            <a:r>
-              <a:rPr lang="it-IT" sz="1100" dirty="0" smtClean="0"/>
-              <a:t>R</a:t>
-            </a:r>
-            <a:endParaRPr lang="en-GB" sz="1100" dirty="0"/>
-          </a:p>
-        </p:txBody>
-      </p:sp>
-      <p:sp>
-        <p:nvSpPr>
-          <p:cNvPr id="16" name="Rettangolo 15"/>
-          <p:cNvSpPr/>
-          <p:nvPr/>
-        </p:nvSpPr>
-        <p:spPr>
-          <a:xfrm>
-            <a:off x="1189883" y="499060"/>
-            <a:ext cx="360040" cy="324036"/>
-          </a:xfrm>
-          <a:prstGeom prst="rect">
-            <a:avLst/>
-          </a:prstGeom>
-          <a:solidFill>
-            <a:srgbClr val="FFFF00"/>
-          </a:solidFill>
-        </p:spPr>
-        <p:style>
-          <a:lnRef idx="2">
-            <a:schemeClr val="accent1">
-              <a:shade val="50000"/>
-            </a:schemeClr>
-          </a:lnRef>
-          <a:fillRef idx="1">
-            <a:schemeClr val="accent1"/>
-          </a:fillRef>
-          <a:effectRef idx="0">
-            <a:schemeClr val="accent1"/>
-          </a:effectRef>
-          <a:fontRef idx="minor">
-            <a:schemeClr val="lt1"/>
-          </a:fontRef>
-        </p:style>
-        <p:txBody>
-          <a:bodyPr rtlCol="0" anchor="ctr"/>
-          <a:lstStyle/>
-          <a:p>
-            <a:pPr algn="ctr"/>
-            <a:endParaRPr lang="en-GB"/>
-          </a:p>
-        </p:txBody>
-      </p:sp>
-      <p:sp>
-        <p:nvSpPr>
-          <p:cNvPr id="17" name="Rettangolo 16"/>
-          <p:cNvSpPr/>
-          <p:nvPr/>
-        </p:nvSpPr>
-        <p:spPr>
-          <a:xfrm>
-            <a:off x="1549923" y="175024"/>
-            <a:ext cx="360040" cy="324036"/>
-          </a:xfrm>
-          <a:prstGeom prst="rect">
-            <a:avLst/>
-          </a:prstGeom>
-          <a:solidFill>
-            <a:srgbClr val="FFFF00"/>
-          </a:solidFill>
-        </p:spPr>
-        <p:style>
-          <a:lnRef idx="2">
-            <a:schemeClr val="accent1">
-              <a:shade val="50000"/>
-            </a:schemeClr>
-          </a:lnRef>
-          <a:fillRef idx="1">
-            <a:schemeClr val="accent1"/>
-          </a:fillRef>
-          <a:effectRef idx="0">
-            <a:schemeClr val="accent1"/>
-          </a:effectRef>
-          <a:fontRef idx="minor">
-            <a:schemeClr val="lt1"/>
-          </a:fontRef>
-        </p:style>
-        <p:txBody>
-          <a:bodyPr rtlCol="0" anchor="ctr"/>
-          <a:lstStyle/>
-          <a:p>
-            <a:pPr algn="ctr"/>
-            <a:endParaRPr lang="en-GB"/>
-          </a:p>
-        </p:txBody>
-      </p:sp>
-      <p:sp>
-        <p:nvSpPr>
-          <p:cNvPr id="18" name="Rettangolo 17"/>
-          <p:cNvSpPr/>
-          <p:nvPr/>
-        </p:nvSpPr>
-        <p:spPr>
-          <a:xfrm>
-            <a:off x="1189883" y="823096"/>
-            <a:ext cx="360040" cy="324036"/>
-          </a:xfrm>
-          <a:prstGeom prst="rect">
-            <a:avLst/>
-          </a:prstGeom>
-          <a:solidFill>
-            <a:srgbClr val="FFFF00"/>
-          </a:solidFill>
-        </p:spPr>
-        <p:style>
-          <a:lnRef idx="2">
-            <a:schemeClr val="accent1">
-              <a:shade val="50000"/>
-            </a:schemeClr>
-          </a:lnRef>
-          <a:fillRef idx="1">
-            <a:schemeClr val="accent1"/>
-          </a:fillRef>
-          <a:effectRef idx="0">
-            <a:schemeClr val="accent1"/>
-          </a:effectRef>
-          <a:fontRef idx="minor">
-            <a:schemeClr val="lt1"/>
-          </a:fontRef>
-        </p:style>
-        <p:txBody>
-          <a:bodyPr rtlCol="0" anchor="ctr"/>
-          <a:lstStyle/>
-          <a:p>
-            <a:pPr algn="ctr"/>
-            <a:endParaRPr lang="en-GB"/>
-          </a:p>
-        </p:txBody>
-      </p:sp>
-      <p:sp>
-        <p:nvSpPr>
-          <p:cNvPr id="19" name="Rettangolo 18"/>
-          <p:cNvSpPr/>
-          <p:nvPr/>
-        </p:nvSpPr>
-        <p:spPr>
-          <a:xfrm>
-            <a:off x="1177532" y="1133965"/>
-            <a:ext cx="360040" cy="324036"/>
-          </a:xfrm>
-          <a:prstGeom prst="rect">
-            <a:avLst/>
-          </a:prstGeom>
-          <a:solidFill>
-            <a:srgbClr val="FFFF00"/>
-          </a:solidFill>
-        </p:spPr>
-        <p:style>
-          <a:lnRef idx="2">
-            <a:schemeClr val="accent1">
-              <a:shade val="50000"/>
-            </a:schemeClr>
-          </a:lnRef>
-          <a:fillRef idx="1">
-            <a:schemeClr val="accent1"/>
-          </a:fillRef>
-          <a:effectRef idx="0">
-            <a:schemeClr val="accent1"/>
-          </a:effectRef>
-          <a:fontRef idx="minor">
-            <a:schemeClr val="lt1"/>
-          </a:fontRef>
-        </p:style>
-        <p:txBody>
-          <a:bodyPr rtlCol="0" anchor="ctr"/>
-          <a:lstStyle/>
-          <a:p>
-            <a:pPr algn="ctr"/>
-            <a:endParaRPr lang="en-GB"/>
-          </a:p>
-        </p:txBody>
-      </p:sp>
-      <p:sp>
-        <p:nvSpPr>
-          <p:cNvPr id="20" name="Rettangolo 19"/>
-          <p:cNvSpPr/>
-          <p:nvPr/>
-        </p:nvSpPr>
-        <p:spPr>
-          <a:xfrm>
-            <a:off x="1177532" y="1458001"/>
-            <a:ext cx="360040" cy="324036"/>
-          </a:xfrm>
-          <a:prstGeom prst="rect">
-            <a:avLst/>
-          </a:prstGeom>
-          <a:solidFill>
-            <a:srgbClr val="FFFF00"/>
-          </a:solidFill>
-        </p:spPr>
-        <p:style>
-          <a:lnRef idx="2">
-            <a:schemeClr val="accent1">
-              <a:shade val="50000"/>
-            </a:schemeClr>
-          </a:lnRef>
-          <a:fillRef idx="1">
-            <a:schemeClr val="accent1"/>
-          </a:fillRef>
-          <a:effectRef idx="0">
-            <a:schemeClr val="accent1"/>
-          </a:effectRef>
-          <a:fontRef idx="minor">
-            <a:schemeClr val="lt1"/>
-          </a:fontRef>
-        </p:style>
-        <p:txBody>
-          <a:bodyPr rtlCol="0" anchor="ctr"/>
-          <a:lstStyle/>
-          <a:p>
-            <a:pPr algn="ctr"/>
-            <a:endParaRPr lang="en-GB"/>
-          </a:p>
-        </p:txBody>
-      </p:sp>
-      <p:sp>
-        <p:nvSpPr>
-          <p:cNvPr id="21" name="CasellaDiTesto 20"/>
-          <p:cNvSpPr txBox="1"/>
-          <p:nvPr/>
-        </p:nvSpPr>
-        <p:spPr>
-          <a:xfrm>
-            <a:off x="6306437" y="260648"/>
-            <a:ext cx="862737" cy="646331"/>
-          </a:xfrm>
-          <a:prstGeom prst="rect">
-            <a:avLst/>
-          </a:prstGeom>
-          <a:noFill/>
-        </p:spPr>
-        <p:txBody>
-          <a:bodyPr wrap="none" rtlCol="0">
-            <a:spAutoFit/>
-          </a:bodyPr>
-          <a:lstStyle/>
-          <a:p>
-            <a:r>
-              <a:rPr lang="it-IT" sz="3600" dirty="0" err="1" smtClean="0"/>
-              <a:t>step</a:t>
-            </a:r>
-            <a:endParaRPr lang="en-GB" sz="3600" dirty="0"/>
-          </a:p>
-        </p:txBody>
-      </p:sp>
-      <p:sp>
-        <p:nvSpPr>
-          <p:cNvPr id="22" name="Rettangolo 21"/>
-          <p:cNvSpPr/>
-          <p:nvPr/>
-        </p:nvSpPr>
-        <p:spPr>
-          <a:xfrm>
-            <a:off x="1177532" y="1787725"/>
-            <a:ext cx="360040" cy="324036"/>
-          </a:xfrm>
-          <a:prstGeom prst="rect">
-            <a:avLst/>
-          </a:prstGeom>
-          <a:solidFill>
-            <a:srgbClr val="FFFF00"/>
-          </a:solidFill>
-        </p:spPr>
-        <p:style>
-          <a:lnRef idx="2">
-            <a:schemeClr val="accent1">
-              <a:shade val="50000"/>
-            </a:schemeClr>
-          </a:lnRef>
-          <a:fillRef idx="1">
-            <a:schemeClr val="accent1"/>
-          </a:fillRef>
-          <a:effectRef idx="0">
-            <a:schemeClr val="accent1"/>
-          </a:effectRef>
-          <a:fontRef idx="minor">
-            <a:schemeClr val="lt1"/>
-          </a:fontRef>
-        </p:style>
-        <p:txBody>
-          <a:bodyPr rtlCol="0" anchor="ctr"/>
-          <a:lstStyle/>
-          <a:p>
-            <a:pPr algn="ctr"/>
-            <a:endParaRPr lang="en-GB"/>
-          </a:p>
-        </p:txBody>
-      </p:sp>
-      <p:sp>
-        <p:nvSpPr>
-          <p:cNvPr id="23" name="Rettangolo 22"/>
-          <p:cNvSpPr/>
-          <p:nvPr/>
-        </p:nvSpPr>
-        <p:spPr>
-          <a:xfrm>
-            <a:off x="1505326" y="1787725"/>
-            <a:ext cx="360040" cy="324036"/>
-          </a:xfrm>
-          <a:prstGeom prst="rect">
-            <a:avLst/>
-          </a:prstGeom>
-          <a:solidFill>
-            <a:srgbClr val="FFFF00"/>
-          </a:solidFill>
-        </p:spPr>
-        <p:style>
-          <a:lnRef idx="2">
-            <a:schemeClr val="accent1">
-              <a:shade val="50000"/>
-            </a:schemeClr>
-          </a:lnRef>
-          <a:fillRef idx="1">
-            <a:schemeClr val="accent1"/>
-          </a:fillRef>
-          <a:effectRef idx="0">
-            <a:schemeClr val="accent1"/>
-          </a:effectRef>
-          <a:fontRef idx="minor">
-            <a:schemeClr val="lt1"/>
-          </a:fontRef>
-        </p:style>
-        <p:txBody>
-          <a:bodyPr rtlCol="0" anchor="ctr"/>
-          <a:lstStyle/>
-          <a:p>
-            <a:pPr algn="ctr"/>
-            <a:endParaRPr lang="en-GB"/>
-          </a:p>
-        </p:txBody>
-      </p:sp>
-      <p:sp>
-        <p:nvSpPr>
-          <p:cNvPr id="24" name="Rettangolo 23"/>
-          <p:cNvSpPr/>
-          <p:nvPr/>
-        </p:nvSpPr>
-        <p:spPr>
-          <a:xfrm>
-            <a:off x="1843650" y="1778107"/>
-            <a:ext cx="360040" cy="324036"/>
-          </a:xfrm>
-          <a:prstGeom prst="rect">
-            <a:avLst/>
-          </a:prstGeom>
-          <a:solidFill>
-            <a:srgbClr val="FFFF00"/>
-          </a:solidFill>
-        </p:spPr>
-        <p:style>
-          <a:lnRef idx="2">
-            <a:schemeClr val="accent1">
-              <a:shade val="50000"/>
-            </a:schemeClr>
-          </a:lnRef>
-          <a:fillRef idx="1">
-            <a:schemeClr val="accent1"/>
-          </a:fillRef>
-          <a:effectRef idx="0">
-            <a:schemeClr val="accent1"/>
-          </a:effectRef>
-          <a:fontRef idx="minor">
-            <a:schemeClr val="lt1"/>
-          </a:fontRef>
-        </p:style>
-        <p:txBody>
-          <a:bodyPr rtlCol="0" anchor="ctr"/>
-          <a:lstStyle/>
-          <a:p>
-            <a:pPr algn="ctr"/>
-            <a:endParaRPr lang="en-GB"/>
-          </a:p>
-        </p:txBody>
-      </p:sp>
-      <p:sp>
-        <p:nvSpPr>
-          <p:cNvPr id="25" name="Rettangolo 24"/>
-          <p:cNvSpPr/>
-          <p:nvPr/>
-        </p:nvSpPr>
-        <p:spPr>
-          <a:xfrm>
-            <a:off x="2171444" y="1778107"/>
-            <a:ext cx="360040" cy="324036"/>
-          </a:xfrm>
-          <a:prstGeom prst="rect">
-            <a:avLst/>
-          </a:prstGeom>
-          <a:solidFill>
-            <a:srgbClr val="FFFF00"/>
-          </a:solidFill>
-        </p:spPr>
-        <p:style>
-          <a:lnRef idx="2">
-            <a:schemeClr val="accent1">
-              <a:shade val="50000"/>
-            </a:schemeClr>
-          </a:lnRef>
-          <a:fillRef idx="1">
-            <a:schemeClr val="accent1"/>
-          </a:fillRef>
-          <a:effectRef idx="0">
-            <a:schemeClr val="accent1"/>
-          </a:effectRef>
-          <a:fontRef idx="minor">
-            <a:schemeClr val="lt1"/>
-          </a:fontRef>
-        </p:style>
-        <p:txBody>
-          <a:bodyPr rtlCol="0" anchor="ctr"/>
-          <a:lstStyle/>
-          <a:p>
-            <a:pPr algn="ctr"/>
-            <a:endParaRPr lang="en-GB"/>
-          </a:p>
-        </p:txBody>
-      </p:sp>
-      <p:sp>
-        <p:nvSpPr>
-          <p:cNvPr id="26" name="Rettangolo 25"/>
-          <p:cNvSpPr/>
-          <p:nvPr/>
-        </p:nvSpPr>
-        <p:spPr>
-          <a:xfrm>
-            <a:off x="2531484" y="1805200"/>
-            <a:ext cx="360040" cy="324036"/>
-          </a:xfrm>
-          <a:prstGeom prst="rect">
-            <a:avLst/>
-          </a:prstGeom>
-          <a:solidFill>
-            <a:srgbClr val="FFFF00"/>
-          </a:solidFill>
-        </p:spPr>
-        <p:style>
-          <a:lnRef idx="2">
-            <a:schemeClr val="accent1">
-              <a:shade val="50000"/>
-            </a:schemeClr>
-          </a:lnRef>
-          <a:fillRef idx="1">
-            <a:schemeClr val="accent1"/>
-          </a:fillRef>
-          <a:effectRef idx="0">
-            <a:schemeClr val="accent1"/>
-          </a:effectRef>
-          <a:fontRef idx="minor">
-            <a:schemeClr val="lt1"/>
-          </a:fontRef>
-        </p:style>
-        <p:txBody>
-          <a:bodyPr rtlCol="0" anchor="ctr"/>
-          <a:lstStyle/>
-          <a:p>
-            <a:pPr algn="ctr"/>
-            <a:endParaRPr lang="en-GB"/>
-          </a:p>
-        </p:txBody>
-      </p:sp>
-      <p:sp>
-        <p:nvSpPr>
-          <p:cNvPr id="27" name="Rettangolo 26"/>
-          <p:cNvSpPr/>
-          <p:nvPr/>
-        </p:nvSpPr>
-        <p:spPr>
-          <a:xfrm>
-            <a:off x="2945054" y="1819416"/>
-            <a:ext cx="360040" cy="324036"/>
-          </a:xfrm>
-          <a:prstGeom prst="rect">
-            <a:avLst/>
-          </a:prstGeom>
-          <a:solidFill>
-            <a:srgbClr val="FFFF00"/>
-          </a:solidFill>
-        </p:spPr>
-        <p:style>
-          <a:lnRef idx="2">
-            <a:schemeClr val="accent1">
-              <a:shade val="50000"/>
-            </a:schemeClr>
-          </a:lnRef>
-          <a:fillRef idx="1">
-            <a:schemeClr val="accent1"/>
-          </a:fillRef>
-          <a:effectRef idx="0">
-            <a:schemeClr val="accent1"/>
-          </a:effectRef>
-          <a:fontRef idx="minor">
-            <a:schemeClr val="lt1"/>
-          </a:fontRef>
-        </p:style>
-        <p:txBody>
-          <a:bodyPr rtlCol="0" anchor="ctr"/>
-          <a:lstStyle/>
-          <a:p>
-            <a:pPr algn="ctr"/>
-            <a:endParaRPr lang="en-GB"/>
-          </a:p>
-        </p:txBody>
-      </p:sp>
-      <p:sp>
-        <p:nvSpPr>
-          <p:cNvPr id="28" name="Rettangolo 27"/>
-          <p:cNvSpPr/>
-          <p:nvPr/>
-        </p:nvSpPr>
-        <p:spPr>
-          <a:xfrm>
-            <a:off x="2932595" y="206715"/>
-            <a:ext cx="360040" cy="324036"/>
-          </a:xfrm>
-          <a:prstGeom prst="rect">
-            <a:avLst/>
-          </a:prstGeom>
-          <a:solidFill>
-            <a:srgbClr val="FFFF00"/>
-          </a:solidFill>
-        </p:spPr>
-        <p:style>
-          <a:lnRef idx="2">
-            <a:schemeClr val="accent1">
-              <a:shade val="50000"/>
-            </a:schemeClr>
-          </a:lnRef>
-          <a:fillRef idx="1">
-            <a:schemeClr val="accent1"/>
-          </a:fillRef>
-          <a:effectRef idx="0">
-            <a:schemeClr val="accent1"/>
-          </a:effectRef>
-          <a:fontRef idx="minor">
-            <a:schemeClr val="lt1"/>
-          </a:fontRef>
-        </p:style>
-        <p:txBody>
-          <a:bodyPr rtlCol="0" anchor="ctr"/>
-          <a:lstStyle/>
-          <a:p>
-            <a:pPr algn="ctr"/>
-            <a:endParaRPr lang="en-GB"/>
-          </a:p>
-        </p:txBody>
-      </p:sp>
-      <p:sp>
-        <p:nvSpPr>
-          <p:cNvPr id="29" name="Rettangolo 28"/>
-          <p:cNvSpPr/>
-          <p:nvPr/>
-        </p:nvSpPr>
-        <p:spPr>
-          <a:xfrm>
-            <a:off x="2932595" y="530751"/>
-            <a:ext cx="360040" cy="324036"/>
-          </a:xfrm>
-          <a:prstGeom prst="rect">
-            <a:avLst/>
-          </a:prstGeom>
-          <a:solidFill>
-            <a:srgbClr val="FFFF00"/>
-          </a:solidFill>
-        </p:spPr>
-        <p:style>
-          <a:lnRef idx="2">
-            <a:schemeClr val="accent1">
-              <a:shade val="50000"/>
-            </a:schemeClr>
-          </a:lnRef>
-          <a:fillRef idx="1">
-            <a:schemeClr val="accent1"/>
-          </a:fillRef>
-          <a:effectRef idx="0">
-            <a:schemeClr val="accent1"/>
-          </a:effectRef>
-          <a:fontRef idx="minor">
-            <a:schemeClr val="lt1"/>
-          </a:fontRef>
-        </p:style>
-        <p:txBody>
-          <a:bodyPr rtlCol="0" anchor="ctr"/>
-          <a:lstStyle/>
-          <a:p>
-            <a:pPr algn="ctr"/>
-            <a:endParaRPr lang="en-GB"/>
-          </a:p>
-        </p:txBody>
-      </p:sp>
-      <p:sp>
-        <p:nvSpPr>
-          <p:cNvPr id="30" name="Rettangolo 29"/>
-          <p:cNvSpPr/>
-          <p:nvPr/>
-        </p:nvSpPr>
-        <p:spPr>
-          <a:xfrm>
-            <a:off x="2920244" y="841620"/>
-            <a:ext cx="360040" cy="324036"/>
-          </a:xfrm>
-          <a:prstGeom prst="rect">
-            <a:avLst/>
-          </a:prstGeom>
-          <a:solidFill>
-            <a:srgbClr val="FFFF00"/>
-          </a:solidFill>
-        </p:spPr>
-        <p:style>
-          <a:lnRef idx="2">
-            <a:schemeClr val="accent1">
-              <a:shade val="50000"/>
-            </a:schemeClr>
-          </a:lnRef>
-          <a:fillRef idx="1">
-            <a:schemeClr val="accent1"/>
-          </a:fillRef>
-          <a:effectRef idx="0">
-            <a:schemeClr val="accent1"/>
-          </a:effectRef>
-          <a:fontRef idx="minor">
-            <a:schemeClr val="lt1"/>
-          </a:fontRef>
-        </p:style>
-        <p:txBody>
-          <a:bodyPr rtlCol="0" anchor="ctr"/>
-          <a:lstStyle/>
-          <a:p>
-            <a:pPr algn="ctr"/>
-            <a:endParaRPr lang="en-GB"/>
-          </a:p>
-        </p:txBody>
-      </p:sp>
-      <p:sp>
-        <p:nvSpPr>
-          <p:cNvPr id="31" name="Rettangolo 30"/>
-          <p:cNvSpPr/>
-          <p:nvPr/>
-        </p:nvSpPr>
-        <p:spPr>
-          <a:xfrm>
-            <a:off x="2920244" y="1165656"/>
-            <a:ext cx="360040" cy="324036"/>
-          </a:xfrm>
-          <a:prstGeom prst="rect">
-            <a:avLst/>
-          </a:prstGeom>
-          <a:solidFill>
-            <a:srgbClr val="FFFF00"/>
-          </a:solidFill>
-        </p:spPr>
-        <p:style>
-          <a:lnRef idx="2">
-            <a:schemeClr val="accent1">
-              <a:shade val="50000"/>
-            </a:schemeClr>
-          </a:lnRef>
-          <a:fillRef idx="1">
-            <a:schemeClr val="accent1"/>
-          </a:fillRef>
-          <a:effectRef idx="0">
-            <a:schemeClr val="accent1"/>
-          </a:effectRef>
-          <a:fontRef idx="minor">
-            <a:schemeClr val="lt1"/>
-          </a:fontRef>
-        </p:style>
-        <p:txBody>
-          <a:bodyPr rtlCol="0" anchor="ctr"/>
-          <a:lstStyle/>
-          <a:p>
-            <a:pPr algn="ctr"/>
-            <a:endParaRPr lang="en-GB"/>
-          </a:p>
-        </p:txBody>
-      </p:sp>
-      <p:sp>
-        <p:nvSpPr>
-          <p:cNvPr id="32" name="Rettangolo 31"/>
-          <p:cNvSpPr/>
-          <p:nvPr/>
-        </p:nvSpPr>
-        <p:spPr>
-          <a:xfrm>
-            <a:off x="2920244" y="1495380"/>
-            <a:ext cx="360040" cy="324036"/>
-          </a:xfrm>
-          <a:prstGeom prst="rect">
-            <a:avLst/>
-          </a:prstGeom>
-          <a:solidFill>
-            <a:srgbClr val="FFFF00"/>
-          </a:solidFill>
-        </p:spPr>
-        <p:style>
-          <a:lnRef idx="2">
-            <a:schemeClr val="accent1">
-              <a:shade val="50000"/>
-            </a:schemeClr>
-          </a:lnRef>
-          <a:fillRef idx="1">
-            <a:schemeClr val="accent1"/>
-          </a:fillRef>
-          <a:effectRef idx="0">
-            <a:schemeClr val="accent1"/>
-          </a:effectRef>
-          <a:fontRef idx="minor">
-            <a:schemeClr val="lt1"/>
-          </a:fontRef>
-        </p:style>
-        <p:txBody>
-          <a:bodyPr rtlCol="0" anchor="ctr"/>
-          <a:lstStyle/>
-          <a:p>
-            <a:pPr algn="ctr"/>
-            <a:endParaRPr lang="en-GB"/>
-          </a:p>
-        </p:txBody>
-      </p:sp>
-      <p:sp>
-        <p:nvSpPr>
-          <p:cNvPr id="33" name="Ovale 32"/>
-          <p:cNvSpPr/>
-          <p:nvPr/>
-        </p:nvSpPr>
-        <p:spPr>
-          <a:xfrm>
-            <a:off x="2315937" y="532320"/>
-            <a:ext cx="68456" cy="76254"/>
-          </a:xfrm>
-          <a:prstGeom prst="ellipse">
-            <a:avLst/>
-          </a:prstGeom>
-          <a:ln>
-            <a:solidFill>
-              <a:schemeClr val="bg1"/>
-            </a:solidFill>
-          </a:ln>
-        </p:spPr>
-        <p:style>
-          <a:lnRef idx="2">
-            <a:schemeClr val="accent2"/>
-          </a:lnRef>
-          <a:fillRef idx="1">
-            <a:schemeClr val="lt1"/>
-          </a:fillRef>
-          <a:effectRef idx="0">
-            <a:schemeClr val="accent2"/>
-          </a:effectRef>
-          <a:fontRef idx="minor">
-            <a:schemeClr val="dk1"/>
-          </a:fontRef>
-        </p:style>
-        <p:txBody>
-          <a:bodyPr rtlCol="0" anchor="ctr"/>
-          <a:lstStyle/>
-          <a:p>
-            <a:pPr algn="ctr"/>
-            <a:endParaRPr lang="en-GB" dirty="0"/>
-          </a:p>
-        </p:txBody>
-      </p:sp>
-      <p:sp>
-        <p:nvSpPr>
-          <p:cNvPr id="34" name="Ovale 33"/>
-          <p:cNvSpPr/>
-          <p:nvPr/>
-        </p:nvSpPr>
-        <p:spPr>
-          <a:xfrm>
-            <a:off x="3108726" y="546536"/>
-            <a:ext cx="68456" cy="76254"/>
-          </a:xfrm>
-          <a:prstGeom prst="ellipse">
-            <a:avLst/>
-          </a:prstGeom>
-          <a:ln>
-            <a:solidFill>
-              <a:schemeClr val="bg1"/>
-            </a:solidFill>
-          </a:ln>
-        </p:spPr>
-        <p:style>
-          <a:lnRef idx="2">
-            <a:schemeClr val="accent2"/>
-          </a:lnRef>
-          <a:fillRef idx="1">
-            <a:schemeClr val="lt1"/>
-          </a:fillRef>
-          <a:effectRef idx="0">
-            <a:schemeClr val="accent2"/>
-          </a:effectRef>
-          <a:fontRef idx="minor">
-            <a:schemeClr val="dk1"/>
-          </a:fontRef>
-        </p:style>
-        <p:txBody>
-          <a:bodyPr rtlCol="0" anchor="ctr"/>
-          <a:lstStyle/>
-          <a:p>
-            <a:pPr algn="ctr"/>
-            <a:endParaRPr lang="en-GB" dirty="0"/>
-          </a:p>
-        </p:txBody>
-      </p:sp>
-      <p:sp>
-        <p:nvSpPr>
-          <p:cNvPr id="35" name="Rettangolo 34"/>
-          <p:cNvSpPr/>
-          <p:nvPr/>
-        </p:nvSpPr>
-        <p:spPr>
-          <a:xfrm>
-            <a:off x="1943547" y="182908"/>
-            <a:ext cx="360040" cy="324036"/>
-          </a:xfrm>
-          <a:prstGeom prst="rect">
-            <a:avLst/>
-          </a:prstGeom>
-          <a:solidFill>
-            <a:srgbClr val="FFFF00"/>
-          </a:solidFill>
-        </p:spPr>
-        <p:style>
-          <a:lnRef idx="2">
-            <a:schemeClr val="accent1">
-              <a:shade val="50000"/>
-            </a:schemeClr>
-          </a:lnRef>
-          <a:fillRef idx="1">
-            <a:schemeClr val="accent1"/>
-          </a:fillRef>
-          <a:effectRef idx="0">
-            <a:schemeClr val="accent1"/>
-          </a:effectRef>
-          <a:fontRef idx="minor">
-            <a:schemeClr val="lt1"/>
-          </a:fontRef>
-        </p:style>
-        <p:txBody>
-          <a:bodyPr rtlCol="0" anchor="ctr"/>
-          <a:lstStyle/>
-          <a:p>
-            <a:pPr algn="ctr"/>
-            <a:endParaRPr lang="en-GB"/>
-          </a:p>
-        </p:txBody>
-      </p:sp>
-      <p:sp>
-        <p:nvSpPr>
-          <p:cNvPr id="36" name="Rettangolo 35"/>
-          <p:cNvSpPr/>
-          <p:nvPr/>
-        </p:nvSpPr>
-        <p:spPr>
-          <a:xfrm>
-            <a:off x="2271341" y="182908"/>
-            <a:ext cx="360040" cy="324036"/>
-          </a:xfrm>
-          <a:prstGeom prst="rect">
-            <a:avLst/>
-          </a:prstGeom>
-          <a:solidFill>
-            <a:srgbClr val="FFFF00"/>
-          </a:solidFill>
-        </p:spPr>
-        <p:style>
-          <a:lnRef idx="2">
-            <a:schemeClr val="accent1">
-              <a:shade val="50000"/>
-            </a:schemeClr>
-          </a:lnRef>
-          <a:fillRef idx="1">
-            <a:schemeClr val="accent1"/>
-          </a:fillRef>
-          <a:effectRef idx="0">
-            <a:schemeClr val="accent1"/>
-          </a:effectRef>
-          <a:fontRef idx="minor">
-            <a:schemeClr val="lt1"/>
-          </a:fontRef>
-        </p:style>
-        <p:txBody>
-          <a:bodyPr rtlCol="0" anchor="ctr"/>
-          <a:lstStyle/>
-          <a:p>
-            <a:pPr algn="ctr"/>
-            <a:endParaRPr lang="en-GB"/>
-          </a:p>
-        </p:txBody>
-      </p:sp>
-      <p:sp>
-        <p:nvSpPr>
-          <p:cNvPr id="37" name="Rettangolo 36"/>
-          <p:cNvSpPr/>
-          <p:nvPr/>
-        </p:nvSpPr>
-        <p:spPr>
-          <a:xfrm>
-            <a:off x="2609665" y="173290"/>
-            <a:ext cx="360040" cy="324036"/>
-          </a:xfrm>
-          <a:prstGeom prst="rect">
-            <a:avLst/>
-          </a:prstGeom>
-          <a:solidFill>
-            <a:srgbClr val="FFFF00"/>
-          </a:solidFill>
-        </p:spPr>
-        <p:style>
-          <a:lnRef idx="2">
-            <a:schemeClr val="accent1">
-              <a:shade val="50000"/>
-            </a:schemeClr>
-          </a:lnRef>
-          <a:fillRef idx="1">
-            <a:schemeClr val="accent1"/>
-          </a:fillRef>
-          <a:effectRef idx="0">
-            <a:schemeClr val="accent1"/>
-          </a:effectRef>
-          <a:fontRef idx="minor">
-            <a:schemeClr val="lt1"/>
-          </a:fontRef>
-        </p:style>
-        <p:txBody>
-          <a:bodyPr rtlCol="0" anchor="ctr"/>
-          <a:lstStyle/>
-          <a:p>
-            <a:pPr algn="ctr"/>
-            <a:endParaRPr lang="en-GB"/>
-          </a:p>
-        </p:txBody>
-      </p:sp>
-      <p:sp>
-        <p:nvSpPr>
-          <p:cNvPr id="38" name="Rettangolo 37"/>
-          <p:cNvSpPr/>
-          <p:nvPr/>
-        </p:nvSpPr>
-        <p:spPr>
-          <a:xfrm>
-            <a:off x="2988790" y="146212"/>
-            <a:ext cx="360040" cy="324036"/>
-          </a:xfrm>
-          <a:prstGeom prst="rect">
-            <a:avLst/>
-          </a:prstGeom>
-          <a:solidFill>
-            <a:srgbClr val="FFFF00"/>
-          </a:solidFill>
-        </p:spPr>
-        <p:style>
-          <a:lnRef idx="2">
-            <a:schemeClr val="accent1">
-              <a:shade val="50000"/>
-            </a:schemeClr>
-          </a:lnRef>
-          <a:fillRef idx="1">
-            <a:schemeClr val="accent1"/>
-          </a:fillRef>
-          <a:effectRef idx="0">
-            <a:schemeClr val="accent1"/>
-          </a:effectRef>
-          <a:fontRef idx="minor">
-            <a:schemeClr val="lt1"/>
-          </a:fontRef>
-        </p:style>
-        <p:txBody>
-          <a:bodyPr rtlCol="0" anchor="ctr"/>
-          <a:lstStyle/>
-          <a:p>
-            <a:pPr algn="ctr"/>
-            <a:endParaRPr lang="en-GB"/>
-          </a:p>
-        </p:txBody>
-      </p:sp>
-      <p:sp>
-        <p:nvSpPr>
-          <p:cNvPr id="39" name="CasellaDiTesto 38"/>
-          <p:cNvSpPr txBox="1"/>
-          <p:nvPr/>
-        </p:nvSpPr>
-        <p:spPr>
-          <a:xfrm>
-            <a:off x="5427109" y="1036730"/>
-            <a:ext cx="2545825" cy="646331"/>
-          </a:xfrm>
-          <a:prstGeom prst="rect">
-            <a:avLst/>
-          </a:prstGeom>
-          <a:noFill/>
-        </p:spPr>
-        <p:txBody>
-          <a:bodyPr wrap="none" rtlCol="0">
-            <a:spAutoFit/>
-          </a:bodyPr>
-          <a:lstStyle/>
-          <a:p>
-            <a:r>
-              <a:rPr lang="it-IT" sz="3600" dirty="0" smtClean="0"/>
-              <a:t>Matrice n x m</a:t>
-            </a:r>
-            <a:endParaRPr lang="en-GB" sz="3600" dirty="0"/>
-          </a:p>
-        </p:txBody>
-      </p:sp>
-      <p:sp>
-        <p:nvSpPr>
-          <p:cNvPr id="40" name="Ovale 39"/>
-          <p:cNvSpPr/>
-          <p:nvPr/>
-        </p:nvSpPr>
-        <p:spPr>
-          <a:xfrm>
-            <a:off x="292201" y="166788"/>
-            <a:ext cx="335339" cy="282884"/>
-          </a:xfrm>
-          <a:prstGeom prst="ellipse">
-            <a:avLst/>
-          </a:prstGeom>
-          <a:solidFill>
-            <a:srgbClr val="33CCCC"/>
-          </a:solidFill>
-          <a:ln>
-            <a:solidFill>
-              <a:srgbClr val="33CCCC"/>
-            </a:solidFill>
-          </a:ln>
-        </p:spPr>
-        <p:style>
-          <a:lnRef idx="2">
-            <a:schemeClr val="accent4"/>
-          </a:lnRef>
-          <a:fillRef idx="1">
-            <a:schemeClr val="lt1"/>
-          </a:fillRef>
-          <a:effectRef idx="0">
-            <a:schemeClr val="accent4"/>
-          </a:effectRef>
-          <a:fontRef idx="minor">
-            <a:schemeClr val="dk1"/>
-          </a:fontRef>
-        </p:style>
-        <p:txBody>
-          <a:bodyPr rtlCol="0" anchor="ctr"/>
-          <a:lstStyle/>
-          <a:p>
-            <a:pPr algn="ctr"/>
-            <a:r>
-              <a:rPr lang="it-IT" sz="1100" dirty="0" smtClean="0"/>
-              <a:t>R</a:t>
-            </a:r>
-            <a:endParaRPr lang="en-GB" sz="1100" dirty="0"/>
-          </a:p>
-        </p:txBody>
-      </p:sp>
-      <p:sp>
-        <p:nvSpPr>
-          <p:cNvPr id="41" name="Rettangolo 40"/>
-          <p:cNvSpPr/>
-          <p:nvPr/>
-        </p:nvSpPr>
-        <p:spPr>
-          <a:xfrm>
-            <a:off x="1053815" y="2713991"/>
-            <a:ext cx="4238265" cy="3327325"/>
-          </a:xfrm>
-          <a:prstGeom prst="rect">
-            <a:avLst/>
-          </a:prstGeom>
-          <a:solidFill>
-            <a:schemeClr val="bg1"/>
-          </a:solidFill>
-          <a:ln>
-            <a:solidFill>
-              <a:srgbClr val="1318ED"/>
-            </a:solidFill>
-          </a:ln>
-        </p:spPr>
-        <p:style>
-          <a:lnRef idx="2">
-            <a:schemeClr val="accent1">
-              <a:shade val="50000"/>
-            </a:schemeClr>
-          </a:lnRef>
-          <a:fillRef idx="1">
-            <a:schemeClr val="accent1"/>
-          </a:fillRef>
-          <a:effectRef idx="0">
-            <a:schemeClr val="accent1"/>
-          </a:effectRef>
-          <a:fontRef idx="minor">
-            <a:schemeClr val="lt1"/>
-          </a:fontRef>
-        </p:style>
-        <p:txBody>
-          <a:bodyPr rtlCol="0" anchor="ctr"/>
-          <a:lstStyle/>
-          <a:p>
-            <a:pPr algn="ctr"/>
-            <a:endParaRPr lang="en-GB" u="sng"/>
           </a:p>
         </p:txBody>
       </p:sp>
       <p:cxnSp>
         <p:nvCxnSpPr>
-          <p:cNvPr id="42" name="Connettore 1 41"/>
-          <p:cNvCxnSpPr/>
+          <p:cNvPr id="21" name="Connettore 4 20"/>
+          <p:cNvCxnSpPr>
+            <a:stCxn id="9" idx="4"/>
+            <a:endCxn id="20" idx="2"/>
+          </p:cNvCxnSpPr>
           <p:nvPr/>
         </p:nvCxnSpPr>
         <p:spPr>
-          <a:xfrm>
-            <a:off x="1699994" y="2753037"/>
-            <a:ext cx="1048" cy="3288279"/>
-          </a:xfrm>
-          <a:prstGeom prst="line">
-            <a:avLst/>
-          </a:prstGeom>
-          <a:solidFill>
-            <a:schemeClr val="bg1"/>
-          </a:solidFill>
+          <a:xfrm rot="16200000" flipH="1">
+            <a:off x="3314508" y="1593848"/>
+            <a:ext cx="412008" cy="1346008"/>
+          </a:xfrm>
+          <a:prstGeom prst="bentConnector2">
+            <a:avLst/>
+          </a:prstGeom>
           <a:ln>
-            <a:solidFill>
-              <a:srgbClr val="1318ED"/>
-            </a:solidFill>
-          </a:ln>
-        </p:spPr>
-        <p:style>
-          <a:lnRef idx="2">
-            <a:schemeClr val="accent1">
-              <a:shade val="50000"/>
-            </a:schemeClr>
-          </a:lnRef>
-          <a:fillRef idx="1">
-            <a:schemeClr val="accent1"/>
-          </a:fillRef>
-          <a:effectRef idx="0">
-            <a:schemeClr val="accent1"/>
-          </a:effectRef>
-          <a:fontRef idx="minor">
-            <a:schemeClr val="lt1"/>
-          </a:fontRef>
-        </p:style>
-      </p:cxnSp>
-      <p:cxnSp>
-        <p:nvCxnSpPr>
-          <p:cNvPr id="43" name="Connettore 1 42"/>
-          <p:cNvCxnSpPr/>
-          <p:nvPr/>
-        </p:nvCxnSpPr>
-        <p:spPr>
-          <a:xfrm>
-            <a:off x="2402474" y="2740832"/>
-            <a:ext cx="0" cy="3288279"/>
-          </a:xfrm>
-          <a:prstGeom prst="line">
-            <a:avLst/>
-          </a:prstGeom>
-          <a:solidFill>
-            <a:schemeClr val="bg1"/>
-          </a:solidFill>
-          <a:ln>
-            <a:solidFill>
-              <a:srgbClr val="1318ED"/>
-            </a:solidFill>
-          </a:ln>
-        </p:spPr>
-        <p:style>
-          <a:lnRef idx="2">
-            <a:schemeClr val="accent1">
-              <a:shade val="50000"/>
-            </a:schemeClr>
-          </a:lnRef>
-          <a:fillRef idx="1">
-            <a:schemeClr val="accent1"/>
-          </a:fillRef>
-          <a:effectRef idx="0">
-            <a:schemeClr val="accent1"/>
-          </a:effectRef>
-          <a:fontRef idx="minor">
-            <a:schemeClr val="lt1"/>
-          </a:fontRef>
-        </p:style>
-      </p:cxnSp>
-      <p:cxnSp>
-        <p:nvCxnSpPr>
-          <p:cNvPr id="44" name="Connettore 1 43"/>
-          <p:cNvCxnSpPr/>
-          <p:nvPr/>
-        </p:nvCxnSpPr>
-        <p:spPr>
-          <a:xfrm>
-            <a:off x="1045423" y="3436282"/>
-            <a:ext cx="4246657" cy="0"/>
-          </a:xfrm>
-          <a:prstGeom prst="line">
-            <a:avLst/>
-          </a:prstGeom>
-          <a:solidFill>
-            <a:schemeClr val="bg1"/>
-          </a:solidFill>
-          <a:ln>
-            <a:solidFill>
-              <a:srgbClr val="1318ED"/>
-            </a:solidFill>
-          </a:ln>
-        </p:spPr>
-        <p:style>
-          <a:lnRef idx="2">
-            <a:schemeClr val="accent1">
-              <a:shade val="50000"/>
-            </a:schemeClr>
-          </a:lnRef>
-          <a:fillRef idx="1">
-            <a:schemeClr val="accent1"/>
-          </a:fillRef>
-          <a:effectRef idx="0">
-            <a:schemeClr val="accent1"/>
-          </a:effectRef>
-          <a:fontRef idx="minor">
-            <a:schemeClr val="lt1"/>
-          </a:fontRef>
-        </p:style>
-      </p:cxnSp>
-      <p:cxnSp>
-        <p:nvCxnSpPr>
-          <p:cNvPr id="45" name="Connettore 1 44"/>
-          <p:cNvCxnSpPr/>
-          <p:nvPr/>
-        </p:nvCxnSpPr>
-        <p:spPr>
-          <a:xfrm flipV="1">
-            <a:off x="1058555" y="4094475"/>
-            <a:ext cx="4218844" cy="1"/>
-          </a:xfrm>
-          <a:prstGeom prst="line">
-            <a:avLst/>
-          </a:prstGeom>
-          <a:solidFill>
-            <a:schemeClr val="bg1"/>
-          </a:solidFill>
-          <a:ln>
-            <a:solidFill>
-              <a:srgbClr val="1318ED"/>
-            </a:solidFill>
-          </a:ln>
-        </p:spPr>
-        <p:style>
-          <a:lnRef idx="2">
-            <a:schemeClr val="accent1">
-              <a:shade val="50000"/>
-            </a:schemeClr>
-          </a:lnRef>
-          <a:fillRef idx="1">
-            <a:schemeClr val="accent1"/>
-          </a:fillRef>
-          <a:effectRef idx="0">
-            <a:schemeClr val="accent1"/>
-          </a:effectRef>
-          <a:fontRef idx="minor">
-            <a:schemeClr val="lt1"/>
-          </a:fontRef>
-        </p:style>
-      </p:cxnSp>
-      <p:sp>
-        <p:nvSpPr>
-          <p:cNvPr id="46" name="Ovale 45"/>
-          <p:cNvSpPr/>
-          <p:nvPr/>
-        </p:nvSpPr>
-        <p:spPr>
-          <a:xfrm>
-            <a:off x="1068128" y="2740832"/>
-            <a:ext cx="611062" cy="638657"/>
-          </a:xfrm>
-          <a:prstGeom prst="ellipse">
-            <a:avLst/>
-          </a:prstGeom>
-          <a:solidFill>
-            <a:srgbClr val="33CCCC"/>
-          </a:solidFill>
-          <a:ln>
-            <a:solidFill>
-              <a:srgbClr val="1318ED"/>
-            </a:solidFill>
-          </a:ln>
-        </p:spPr>
-        <p:style>
-          <a:lnRef idx="2">
-            <a:schemeClr val="accent4"/>
-          </a:lnRef>
-          <a:fillRef idx="1">
-            <a:schemeClr val="lt1"/>
-          </a:fillRef>
-          <a:effectRef idx="0">
-            <a:schemeClr val="accent4"/>
-          </a:effectRef>
-          <a:fontRef idx="minor">
-            <a:schemeClr val="dk1"/>
-          </a:fontRef>
-        </p:style>
-        <p:txBody>
-          <a:bodyPr rtlCol="0" anchor="ctr"/>
-          <a:lstStyle/>
-          <a:p>
-            <a:pPr algn="ctr"/>
-            <a:r>
-              <a:rPr lang="it-IT" sz="1100" u="sng" dirty="0" smtClean="0"/>
-              <a:t>R</a:t>
-            </a:r>
-            <a:endParaRPr lang="en-GB" sz="1100" u="sng" dirty="0"/>
-          </a:p>
-        </p:txBody>
-      </p:sp>
-      <p:sp>
-        <p:nvSpPr>
-          <p:cNvPr id="49" name="Ovale 48"/>
-          <p:cNvSpPr/>
-          <p:nvPr/>
-        </p:nvSpPr>
-        <p:spPr>
-          <a:xfrm>
-            <a:off x="821059" y="2111072"/>
-            <a:ext cx="68456" cy="76254"/>
-          </a:xfrm>
-          <a:prstGeom prst="ellipse">
-            <a:avLst/>
-          </a:prstGeom>
-          <a:ln>
-            <a:solidFill>
-              <a:schemeClr val="bg1"/>
-            </a:solidFill>
-          </a:ln>
-        </p:spPr>
-        <p:style>
-          <a:lnRef idx="2">
-            <a:schemeClr val="accent2"/>
-          </a:lnRef>
-          <a:fillRef idx="1">
-            <a:schemeClr val="lt1"/>
-          </a:fillRef>
-          <a:effectRef idx="0">
-            <a:schemeClr val="accent2"/>
-          </a:effectRef>
-          <a:fontRef idx="minor">
-            <a:schemeClr val="dk1"/>
-          </a:fontRef>
-        </p:style>
-        <p:txBody>
-          <a:bodyPr rtlCol="0" anchor="ctr"/>
-          <a:lstStyle/>
-          <a:p>
-            <a:pPr algn="ctr"/>
-            <a:endParaRPr lang="en-GB" dirty="0"/>
-          </a:p>
-        </p:txBody>
-      </p:sp>
-      <p:sp>
-        <p:nvSpPr>
-          <p:cNvPr id="50" name="Ovale 49"/>
-          <p:cNvSpPr/>
-          <p:nvPr/>
-        </p:nvSpPr>
-        <p:spPr>
-          <a:xfrm>
-            <a:off x="1615316" y="2109138"/>
-            <a:ext cx="68456" cy="76254"/>
-          </a:xfrm>
-          <a:prstGeom prst="ellipse">
-            <a:avLst/>
-          </a:prstGeom>
-          <a:ln>
-            <a:solidFill>
-              <a:schemeClr val="bg1"/>
-            </a:solidFill>
-          </a:ln>
-        </p:spPr>
-        <p:style>
-          <a:lnRef idx="2">
-            <a:schemeClr val="accent2"/>
-          </a:lnRef>
-          <a:fillRef idx="1">
-            <a:schemeClr val="lt1"/>
-          </a:fillRef>
-          <a:effectRef idx="0">
-            <a:schemeClr val="accent2"/>
-          </a:effectRef>
-          <a:fontRef idx="minor">
-            <a:schemeClr val="dk1"/>
-          </a:fontRef>
-        </p:style>
-        <p:txBody>
-          <a:bodyPr rtlCol="0" anchor="ctr"/>
-          <a:lstStyle/>
-          <a:p>
-            <a:pPr algn="ctr"/>
-            <a:endParaRPr lang="en-GB" dirty="0"/>
-          </a:p>
-        </p:txBody>
-      </p:sp>
-      <p:cxnSp>
-        <p:nvCxnSpPr>
-          <p:cNvPr id="57" name="Connettore 2 56"/>
-          <p:cNvCxnSpPr/>
-          <p:nvPr/>
-        </p:nvCxnSpPr>
-        <p:spPr>
-          <a:xfrm>
-            <a:off x="7596336" y="5949280"/>
-            <a:ext cx="232643" cy="1"/>
-          </a:xfrm>
-          <a:prstGeom prst="straightConnector1">
-            <a:avLst/>
-          </a:prstGeom>
-          <a:ln>
-            <a:prstDash val="dash"/>
             <a:tailEnd type="arrow"/>
           </a:ln>
         </p:spPr>
@@ -26920,402 +25715,120 @@
           </a:fontRef>
         </p:style>
       </p:cxnSp>
+      <p:sp>
+        <p:nvSpPr>
+          <p:cNvPr id="24" name="Rettangolo 23"/>
+          <p:cNvSpPr/>
+          <p:nvPr/>
+        </p:nvSpPr>
+        <p:spPr>
+          <a:xfrm>
+            <a:off x="3491913" y="2059096"/>
+            <a:ext cx="676788" cy="369332"/>
+          </a:xfrm>
+          <a:prstGeom prst="rect">
+            <a:avLst/>
+          </a:prstGeom>
+        </p:spPr>
+        <p:txBody>
+          <a:bodyPr wrap="none">
+            <a:spAutoFit/>
+          </a:bodyPr>
+          <a:lstStyle/>
+          <a:p>
+            <a:r>
+              <a:rPr lang="en-GB" b="1" dirty="0" smtClean="0">
+                <a:solidFill>
+                  <a:srgbClr val="00B0F0"/>
+                </a:solidFill>
+              </a:rPr>
+              <a:t>msg2</a:t>
+            </a:r>
+            <a:endParaRPr lang="en-GB" b="1" dirty="0">
+              <a:solidFill>
+                <a:srgbClr val="00B0F0"/>
+              </a:solidFill>
+            </a:endParaRPr>
+          </a:p>
+        </p:txBody>
+      </p:sp>
       <p:cxnSp>
         <p:nvCxnSpPr>
-          <p:cNvPr id="58" name="Connettore 1 57"/>
-          <p:cNvCxnSpPr/>
+          <p:cNvPr id="31" name="Connettore 4 30"/>
+          <p:cNvCxnSpPr>
+            <a:stCxn id="4" idx="4"/>
+            <a:endCxn id="20" idx="0"/>
+          </p:cNvCxnSpPr>
           <p:nvPr/>
         </p:nvCxnSpPr>
         <p:spPr>
-          <a:xfrm>
-            <a:off x="1042390" y="4725144"/>
-            <a:ext cx="4218844" cy="0"/>
-          </a:xfrm>
-          <a:prstGeom prst="line">
-            <a:avLst/>
-          </a:prstGeom>
-          <a:solidFill>
-            <a:schemeClr val="bg1"/>
-          </a:solidFill>
+          <a:xfrm rot="5400000">
+            <a:off x="4213615" y="1799657"/>
+            <a:ext cx="698326" cy="12700"/>
+          </a:xfrm>
+          <a:prstGeom prst="bentConnector3">
+            <a:avLst/>
+          </a:prstGeom>
           <a:ln>
-            <a:solidFill>
-              <a:srgbClr val="1318ED"/>
-            </a:solidFill>
+            <a:tailEnd type="arrow"/>
           </a:ln>
         </p:spPr>
         <p:style>
-          <a:lnRef idx="2">
-            <a:schemeClr val="accent1">
-              <a:shade val="50000"/>
-            </a:schemeClr>
+          <a:lnRef idx="1">
+            <a:schemeClr val="accent1"/>
           </a:lnRef>
-          <a:fillRef idx="1">
+          <a:fillRef idx="0">
             <a:schemeClr val="accent1"/>
           </a:fillRef>
           <a:effectRef idx="0">
             <a:schemeClr val="accent1"/>
           </a:effectRef>
           <a:fontRef idx="minor">
-            <a:schemeClr val="lt1"/>
+            <a:schemeClr val="tx1"/>
           </a:fontRef>
         </p:style>
       </p:cxnSp>
-      <p:cxnSp>
-        <p:nvCxnSpPr>
-          <p:cNvPr id="64" name="Connettore 1 63"/>
-          <p:cNvCxnSpPr/>
-          <p:nvPr/>
-        </p:nvCxnSpPr>
-        <p:spPr>
-          <a:xfrm>
-            <a:off x="3120103" y="2768775"/>
-            <a:ext cx="9942" cy="3272541"/>
-          </a:xfrm>
-          <a:prstGeom prst="line">
-            <a:avLst/>
-          </a:prstGeom>
-          <a:solidFill>
-            <a:schemeClr val="bg1"/>
-          </a:solidFill>
-          <a:ln>
-            <a:solidFill>
-              <a:srgbClr val="1318ED"/>
-            </a:solidFill>
-          </a:ln>
-        </p:spPr>
-        <p:style>
-          <a:lnRef idx="2">
-            <a:schemeClr val="accent1">
-              <a:shade val="50000"/>
-            </a:schemeClr>
-          </a:lnRef>
-          <a:fillRef idx="1">
-            <a:schemeClr val="accent1"/>
-          </a:fillRef>
-          <a:effectRef idx="0">
-            <a:schemeClr val="accent1"/>
-          </a:effectRef>
-          <a:fontRef idx="minor">
-            <a:schemeClr val="lt1"/>
-          </a:fontRef>
-        </p:style>
-      </p:cxnSp>
-      <p:cxnSp>
-        <p:nvCxnSpPr>
-          <p:cNvPr id="65" name="Connettore 1 64"/>
-          <p:cNvCxnSpPr/>
-          <p:nvPr/>
-        </p:nvCxnSpPr>
-        <p:spPr>
-          <a:xfrm>
-            <a:off x="3851920" y="2713991"/>
-            <a:ext cx="0" cy="3327325"/>
-          </a:xfrm>
-          <a:prstGeom prst="line">
-            <a:avLst/>
-          </a:prstGeom>
-          <a:solidFill>
-            <a:schemeClr val="bg1"/>
-          </a:solidFill>
-          <a:ln>
-            <a:solidFill>
-              <a:srgbClr val="1318ED"/>
-            </a:solidFill>
-          </a:ln>
-        </p:spPr>
-        <p:style>
-          <a:lnRef idx="2">
-            <a:schemeClr val="accent1">
-              <a:shade val="50000"/>
-            </a:schemeClr>
-          </a:lnRef>
-          <a:fillRef idx="1">
-            <a:schemeClr val="accent1"/>
-          </a:fillRef>
-          <a:effectRef idx="0">
-            <a:schemeClr val="accent1"/>
-          </a:effectRef>
-          <a:fontRef idx="minor">
-            <a:schemeClr val="lt1"/>
-          </a:fontRef>
-        </p:style>
-      </p:cxnSp>
-      <p:sp>
-        <p:nvSpPr>
-          <p:cNvPr id="68" name="CasellaDiTesto 67"/>
-          <p:cNvSpPr txBox="1"/>
-          <p:nvPr/>
-        </p:nvSpPr>
-        <p:spPr>
-          <a:xfrm>
-            <a:off x="703577" y="2872132"/>
-            <a:ext cx="301686" cy="400110"/>
+      <p:sp>
+        <p:nvSpPr>
+          <p:cNvPr id="46" name="Rettangolo 45"/>
+          <p:cNvSpPr/>
+          <p:nvPr/>
+        </p:nvSpPr>
+        <p:spPr>
+          <a:xfrm>
+            <a:off x="4593646" y="1621341"/>
+            <a:ext cx="676788" cy="369332"/>
           </a:xfrm>
           <a:prstGeom prst="rect">
             <a:avLst/>
           </a:prstGeom>
-          <a:noFill/>
-          <a:ln>
-            <a:solidFill>
-              <a:schemeClr val="bg1"/>
-            </a:solidFill>
-          </a:ln>
-        </p:spPr>
-        <p:txBody>
-          <a:bodyPr wrap="none" rtlCol="0">
+        </p:spPr>
+        <p:txBody>
+          <a:bodyPr wrap="none">
             <a:spAutoFit/>
           </a:bodyPr>
           <a:lstStyle/>
           <a:p>
             <a:r>
-              <a:rPr lang="it-IT" sz="2000" u="sng" dirty="0" smtClean="0"/>
-              <a:t>0</a:t>
-            </a:r>
-            <a:endParaRPr lang="en-GB" sz="2000" u="sng" dirty="0"/>
-          </a:p>
-        </p:txBody>
-      </p:sp>
-      <p:sp>
-        <p:nvSpPr>
-          <p:cNvPr id="69" name="CasellaDiTesto 68"/>
-          <p:cNvSpPr txBox="1"/>
-          <p:nvPr/>
-        </p:nvSpPr>
-        <p:spPr>
-          <a:xfrm>
-            <a:off x="1246283" y="2309052"/>
-            <a:ext cx="301686" cy="400110"/>
-          </a:xfrm>
-          <a:prstGeom prst="rect">
-            <a:avLst/>
-          </a:prstGeom>
-          <a:noFill/>
-        </p:spPr>
-        <p:txBody>
-          <a:bodyPr wrap="none" rtlCol="0">
-            <a:spAutoFit/>
-          </a:bodyPr>
-          <a:lstStyle/>
-          <a:p>
-            <a:r>
-              <a:rPr lang="it-IT" sz="2000" u="sng" dirty="0" smtClean="0"/>
-              <a:t>0</a:t>
-            </a:r>
-            <a:endParaRPr lang="en-GB" sz="2000" u="sng" dirty="0"/>
-          </a:p>
-        </p:txBody>
-      </p:sp>
-      <p:sp>
-        <p:nvSpPr>
-          <p:cNvPr id="70" name="CasellaDiTesto 69"/>
-          <p:cNvSpPr txBox="1"/>
-          <p:nvPr/>
-        </p:nvSpPr>
-        <p:spPr>
-          <a:xfrm>
-            <a:off x="4572000" y="2321200"/>
-            <a:ext cx="598241" cy="400110"/>
-          </a:xfrm>
-          <a:prstGeom prst="rect">
-            <a:avLst/>
-          </a:prstGeom>
-          <a:noFill/>
-        </p:spPr>
-        <p:txBody>
-          <a:bodyPr wrap="none" rtlCol="0">
-            <a:spAutoFit/>
-          </a:bodyPr>
-          <a:lstStyle/>
-          <a:p>
-            <a:r>
-              <a:rPr lang="it-IT" sz="2000" dirty="0" smtClean="0"/>
-              <a:t>nc-1</a:t>
-            </a:r>
-            <a:endParaRPr lang="en-GB" sz="2000" dirty="0"/>
-          </a:p>
-        </p:txBody>
-      </p:sp>
-      <p:sp>
-        <p:nvSpPr>
-          <p:cNvPr id="71" name="CasellaDiTesto 70"/>
-          <p:cNvSpPr txBox="1"/>
-          <p:nvPr/>
-        </p:nvSpPr>
-        <p:spPr>
-          <a:xfrm>
-            <a:off x="418243" y="5511892"/>
-            <a:ext cx="587020" cy="400110"/>
-          </a:xfrm>
-          <a:prstGeom prst="rect">
-            <a:avLst/>
-          </a:prstGeom>
-          <a:noFill/>
-        </p:spPr>
-        <p:txBody>
-          <a:bodyPr wrap="none" rtlCol="0">
-            <a:spAutoFit/>
-          </a:bodyPr>
-          <a:lstStyle/>
-          <a:p>
-            <a:r>
-              <a:rPr lang="it-IT" sz="2000" dirty="0" smtClean="0"/>
-              <a:t>nr-1</a:t>
-            </a:r>
-            <a:endParaRPr lang="en-GB" sz="2000" dirty="0"/>
-          </a:p>
-        </p:txBody>
-      </p:sp>
-      <p:sp>
-        <p:nvSpPr>
-          <p:cNvPr id="72" name="CasellaDiTesto 71"/>
-          <p:cNvSpPr txBox="1"/>
-          <p:nvPr/>
-        </p:nvSpPr>
-        <p:spPr>
-          <a:xfrm>
-            <a:off x="1931206" y="2309052"/>
-            <a:ext cx="301686" cy="400110"/>
-          </a:xfrm>
-          <a:prstGeom prst="rect">
-            <a:avLst/>
-          </a:prstGeom>
-          <a:noFill/>
-        </p:spPr>
-        <p:txBody>
-          <a:bodyPr wrap="none" rtlCol="0">
-            <a:spAutoFit/>
-          </a:bodyPr>
-          <a:lstStyle/>
-          <a:p>
-            <a:r>
-              <a:rPr lang="it-IT" sz="2000" u="sng" dirty="0" smtClean="0"/>
-              <a:t>1</a:t>
-            </a:r>
-            <a:endParaRPr lang="en-GB" sz="2000" u="sng" dirty="0"/>
-          </a:p>
-        </p:txBody>
-      </p:sp>
-      <p:sp>
-        <p:nvSpPr>
-          <p:cNvPr id="73" name="CasellaDiTesto 72"/>
-          <p:cNvSpPr txBox="1"/>
-          <p:nvPr/>
-        </p:nvSpPr>
-        <p:spPr>
-          <a:xfrm>
-            <a:off x="704444" y="3593044"/>
-            <a:ext cx="301686" cy="400110"/>
-          </a:xfrm>
-          <a:prstGeom prst="rect">
-            <a:avLst/>
-          </a:prstGeom>
-          <a:solidFill>
-            <a:schemeClr val="bg1"/>
-          </a:solidFill>
-          <a:ln>
-            <a:solidFill>
-              <a:schemeClr val="bg1"/>
-            </a:solidFill>
-          </a:ln>
-        </p:spPr>
-        <p:txBody>
-          <a:bodyPr wrap="none" rtlCol="0">
-            <a:spAutoFit/>
-          </a:bodyPr>
-          <a:lstStyle/>
-          <a:p>
-            <a:r>
-              <a:rPr lang="it-IT" sz="2000" u="sng" dirty="0" smtClean="0"/>
-              <a:t>1</a:t>
-            </a:r>
-            <a:endParaRPr lang="en-GB" sz="2000" u="sng" dirty="0"/>
-          </a:p>
-        </p:txBody>
-      </p:sp>
-      <p:cxnSp>
-        <p:nvCxnSpPr>
-          <p:cNvPr id="88" name="Connettore 1 87"/>
-          <p:cNvCxnSpPr/>
-          <p:nvPr/>
-        </p:nvCxnSpPr>
-        <p:spPr>
-          <a:xfrm>
-            <a:off x="1058555" y="5361609"/>
-            <a:ext cx="4218844" cy="0"/>
-          </a:xfrm>
-          <a:prstGeom prst="line">
-            <a:avLst/>
-          </a:prstGeom>
-          <a:solidFill>
-            <a:schemeClr val="bg1"/>
-          </a:solidFill>
-          <a:ln>
-            <a:solidFill>
-              <a:srgbClr val="1318ED"/>
-            </a:solidFill>
-          </a:ln>
-        </p:spPr>
-        <p:style>
-          <a:lnRef idx="2">
-            <a:schemeClr val="accent1">
-              <a:shade val="50000"/>
-            </a:schemeClr>
-          </a:lnRef>
-          <a:fillRef idx="1">
-            <a:schemeClr val="accent1"/>
-          </a:fillRef>
-          <a:effectRef idx="0">
-            <a:schemeClr val="accent1"/>
-          </a:effectRef>
-          <a:fontRef idx="minor">
-            <a:schemeClr val="lt1"/>
-          </a:fontRef>
-        </p:style>
-      </p:cxnSp>
-      <p:cxnSp>
-        <p:nvCxnSpPr>
-          <p:cNvPr id="89" name="Connettore 1 88"/>
-          <p:cNvCxnSpPr/>
-          <p:nvPr/>
-        </p:nvCxnSpPr>
-        <p:spPr>
-          <a:xfrm>
-            <a:off x="4572000" y="2721310"/>
-            <a:ext cx="0" cy="3327325"/>
-          </a:xfrm>
-          <a:prstGeom prst="line">
-            <a:avLst/>
-          </a:prstGeom>
-          <a:solidFill>
-            <a:schemeClr val="bg1"/>
-          </a:solidFill>
-          <a:ln>
-            <a:solidFill>
-              <a:srgbClr val="1318ED"/>
-            </a:solidFill>
-          </a:ln>
-        </p:spPr>
-        <p:style>
-          <a:lnRef idx="2">
-            <a:schemeClr val="accent1">
-              <a:shade val="50000"/>
-            </a:schemeClr>
-          </a:lnRef>
-          <a:fillRef idx="1">
-            <a:schemeClr val="accent1"/>
-          </a:fillRef>
-          <a:effectRef idx="0">
-            <a:schemeClr val="accent1"/>
-          </a:effectRef>
-          <a:fontRef idx="minor">
-            <a:schemeClr val="lt1"/>
-          </a:fontRef>
-        </p:style>
-      </p:cxnSp>
+              <a:rPr lang="en-GB" b="1" dirty="0" smtClean="0">
+                <a:solidFill>
+                  <a:srgbClr val="00B0F0"/>
+                </a:solidFill>
+              </a:rPr>
+              <a:t>msg2</a:t>
+            </a:r>
+            <a:endParaRPr lang="en-GB" b="1" dirty="0">
+              <a:solidFill>
+                <a:srgbClr val="00B0F0"/>
+              </a:solidFill>
+            </a:endParaRPr>
+          </a:p>
+        </p:txBody>
+      </p:sp>
     </p:spTree>
     <p:extLst>
       <p:ext uri="{BB962C8B-B14F-4D97-AF65-F5344CB8AC3E}">
-        <p14:creationId xmlns:p14="http://schemas.microsoft.com/office/powerpoint/2010/main" val="3690934360"/>
+        <p14:creationId xmlns:p14="http://schemas.microsoft.com/office/powerpoint/2010/main" val="2480899243"/>
       </p:ext>
     </p:extLst>
   </p:cSld>
@@ -27342,6 +25855,130 @@
           <a:chExt cx="0" cy="0"/>
         </a:xfrm>
       </p:grpSpPr>
+      <p:grpSp>
+        <p:nvGrpSpPr>
+          <p:cNvPr id="45" name="Gruppo 82">
+            <a:extLst>
+              <a:ext uri="{FF2B5EF4-FFF2-40B4-BE49-F238E27FC236}">
+                <a16:creationId xmlns:a16="http://schemas.microsoft.com/office/drawing/2014/main" xmlns="" id="{12D969AC-9EB0-4CF5-9EE5-D0DD7ACA9C72}"/>
+              </a:ext>
+            </a:extLst>
+          </p:cNvPr>
+          <p:cNvGrpSpPr/>
+          <p:nvPr/>
+        </p:nvGrpSpPr>
+        <p:grpSpPr>
+          <a:xfrm>
+            <a:off x="2110103" y="1334681"/>
+            <a:ext cx="1111910" cy="1098814"/>
+            <a:chOff x="1311101" y="2417771"/>
+            <a:chExt cx="749721" cy="763297"/>
+          </a:xfrm>
+        </p:grpSpPr>
+        <p:sp>
+          <p:nvSpPr>
+            <p:cNvPr id="46" name="Ovale 38">
+              <a:extLst>
+                <a:ext uri="{FF2B5EF4-FFF2-40B4-BE49-F238E27FC236}">
+                  <a16:creationId xmlns:a16="http://schemas.microsoft.com/office/drawing/2014/main" xmlns="" id="{0EB3DE65-C1E4-4AD3-B909-2646317ECA68}"/>
+                </a:ext>
+              </a:extLst>
+            </p:cNvPr>
+            <p:cNvSpPr/>
+            <p:nvPr/>
+          </p:nvSpPr>
+          <p:spPr>
+            <a:xfrm>
+              <a:off x="1311101" y="2460988"/>
+              <a:ext cx="749721" cy="720080"/>
+            </a:xfrm>
+            <a:prstGeom prst="ellipse">
+              <a:avLst/>
+            </a:prstGeom>
+            <a:solidFill>
+              <a:srgbClr val="FFCCFF"/>
+            </a:solidFill>
+            <a:ln/>
+          </p:spPr>
+          <p:style>
+            <a:lnRef idx="1">
+              <a:schemeClr val="accent5"/>
+            </a:lnRef>
+            <a:fillRef idx="2">
+              <a:schemeClr val="accent5"/>
+            </a:fillRef>
+            <a:effectRef idx="1">
+              <a:schemeClr val="accent5"/>
+            </a:effectRef>
+            <a:fontRef idx="minor">
+              <a:schemeClr val="dk1"/>
+            </a:fontRef>
+          </p:style>
+          <p:txBody>
+            <a:bodyPr rtlCol="0" anchor="ctr"/>
+            <a:lstStyle/>
+            <a:p>
+              <a:pPr algn="ctr"/>
+              <a:r>
+                <a:rPr lang="en-GB" sz="1200" dirty="0"/>
+                <a:t> </a:t>
+              </a:r>
+            </a:p>
+          </p:txBody>
+        </p:sp>
+        <p:sp>
+          <p:nvSpPr>
+            <p:cNvPr id="47" name="Triangolo isoscele 42">
+              <a:extLst>
+                <a:ext uri="{FF2B5EF4-FFF2-40B4-BE49-F238E27FC236}">
+                  <a16:creationId xmlns:a16="http://schemas.microsoft.com/office/drawing/2014/main" xmlns="" id="{34D1AFB1-88AB-4A6C-9824-2CF6DE11BF7C}"/>
+                </a:ext>
+              </a:extLst>
+            </p:cNvPr>
+            <p:cNvSpPr/>
+            <p:nvPr/>
+          </p:nvSpPr>
+          <p:spPr>
+            <a:xfrm rot="16200000">
+              <a:off x="1618539" y="2391356"/>
+              <a:ext cx="86434" cy="139263"/>
+            </a:xfrm>
+            <a:prstGeom prst="triangle">
+              <a:avLst/>
+            </a:prstGeom>
+            <a:solidFill>
+              <a:srgbClr val="FF0000"/>
+            </a:solidFill>
+            <a:ln/>
+          </p:spPr>
+          <p:style>
+            <a:lnRef idx="1">
+              <a:schemeClr val="accent5"/>
+            </a:lnRef>
+            <a:fillRef idx="2">
+              <a:schemeClr val="accent5"/>
+            </a:fillRef>
+            <a:effectRef idx="1">
+              <a:schemeClr val="accent5"/>
+            </a:effectRef>
+            <a:fontRef idx="minor">
+              <a:schemeClr val="dk1"/>
+            </a:fontRef>
+          </p:style>
+          <p:txBody>
+            <a:bodyPr rtlCol="0" anchor="ctr"/>
+            <a:lstStyle/>
+            <a:p>
+              <a:pPr algn="ctr"/>
+              <a:endParaRPr lang="en-GB" sz="1200">
+                <a:solidFill>
+                  <a:schemeClr val="dk1"/>
+                </a:solidFill>
+              </a:endParaRPr>
+            </a:p>
+          </p:txBody>
+        </p:sp>
+      </p:grpSp>
       <p:sp>
         <p:nvSpPr>
           <p:cNvPr id="2" name="Segnaposto piè di pagina 1"/>
@@ -27383,6 +26020,4113 @@
             <a:fld id="{6F6A5AB3-AF76-4EC9-853D-D4C335162C13}" type="slidenum">
               <a:rPr lang="en-GB" smtClean="0"/>
               <a:t>34</a:t>
+            </a:fld>
+            <a:endParaRPr lang="en-GB"/>
+          </a:p>
+        </p:txBody>
+      </p:sp>
+      <p:grpSp>
+        <p:nvGrpSpPr>
+          <p:cNvPr id="4" name="Gruppo 82">
+            <a:extLst>
+              <a:ext uri="{FF2B5EF4-FFF2-40B4-BE49-F238E27FC236}">
+                <a16:creationId xmlns:a16="http://schemas.microsoft.com/office/drawing/2014/main" xmlns="" id="{12D969AC-9EB0-4CF5-9EE5-D0DD7ACA9C72}"/>
+              </a:ext>
+            </a:extLst>
+          </p:cNvPr>
+          <p:cNvGrpSpPr/>
+          <p:nvPr/>
+        </p:nvGrpSpPr>
+        <p:grpSpPr>
+          <a:xfrm>
+            <a:off x="4427984" y="1196752"/>
+            <a:ext cx="1440160" cy="1434788"/>
+            <a:chOff x="1311101" y="2417771"/>
+            <a:chExt cx="749721" cy="763297"/>
+          </a:xfrm>
+        </p:grpSpPr>
+        <p:sp>
+          <p:nvSpPr>
+            <p:cNvPr id="5" name="Ovale 38">
+              <a:extLst>
+                <a:ext uri="{FF2B5EF4-FFF2-40B4-BE49-F238E27FC236}">
+                  <a16:creationId xmlns:a16="http://schemas.microsoft.com/office/drawing/2014/main" xmlns="" id="{0EB3DE65-C1E4-4AD3-B909-2646317ECA68}"/>
+                </a:ext>
+              </a:extLst>
+            </p:cNvPr>
+            <p:cNvSpPr/>
+            <p:nvPr/>
+          </p:nvSpPr>
+          <p:spPr>
+            <a:xfrm>
+              <a:off x="1311101" y="2460988"/>
+              <a:ext cx="749721" cy="720080"/>
+            </a:xfrm>
+            <a:prstGeom prst="ellipse">
+              <a:avLst/>
+            </a:prstGeom>
+            <a:solidFill>
+              <a:srgbClr val="FFCCFF"/>
+            </a:solidFill>
+            <a:ln/>
+          </p:spPr>
+          <p:style>
+            <a:lnRef idx="1">
+              <a:schemeClr val="accent5"/>
+            </a:lnRef>
+            <a:fillRef idx="2">
+              <a:schemeClr val="accent5"/>
+            </a:fillRef>
+            <a:effectRef idx="1">
+              <a:schemeClr val="accent5"/>
+            </a:effectRef>
+            <a:fontRef idx="minor">
+              <a:schemeClr val="dk1"/>
+            </a:fontRef>
+          </p:style>
+          <p:txBody>
+            <a:bodyPr rtlCol="0" anchor="ctr"/>
+            <a:lstStyle/>
+            <a:p>
+              <a:pPr algn="ctr"/>
+              <a:r>
+                <a:rPr lang="en-GB" sz="1200" dirty="0"/>
+                <a:t> </a:t>
+              </a:r>
+            </a:p>
+          </p:txBody>
+        </p:sp>
+        <p:sp>
+          <p:nvSpPr>
+            <p:cNvPr id="7" name="Triangolo isoscele 42">
+              <a:extLst>
+                <a:ext uri="{FF2B5EF4-FFF2-40B4-BE49-F238E27FC236}">
+                  <a16:creationId xmlns:a16="http://schemas.microsoft.com/office/drawing/2014/main" xmlns="" id="{34D1AFB1-88AB-4A6C-9824-2CF6DE11BF7C}"/>
+                </a:ext>
+              </a:extLst>
+            </p:cNvPr>
+            <p:cNvSpPr/>
+            <p:nvPr/>
+          </p:nvSpPr>
+          <p:spPr>
+            <a:xfrm rot="16200000">
+              <a:off x="1618539" y="2391356"/>
+              <a:ext cx="86434" cy="139263"/>
+            </a:xfrm>
+            <a:prstGeom prst="triangle">
+              <a:avLst/>
+            </a:prstGeom>
+            <a:solidFill>
+              <a:srgbClr val="FF0000"/>
+            </a:solidFill>
+            <a:ln/>
+          </p:spPr>
+          <p:style>
+            <a:lnRef idx="1">
+              <a:schemeClr val="accent5"/>
+            </a:lnRef>
+            <a:fillRef idx="2">
+              <a:schemeClr val="accent5"/>
+            </a:fillRef>
+            <a:effectRef idx="1">
+              <a:schemeClr val="accent5"/>
+            </a:effectRef>
+            <a:fontRef idx="minor">
+              <a:schemeClr val="dk1"/>
+            </a:fontRef>
+          </p:style>
+          <p:txBody>
+            <a:bodyPr rtlCol="0" anchor="ctr"/>
+            <a:lstStyle/>
+            <a:p>
+              <a:pPr algn="ctr"/>
+              <a:endParaRPr lang="en-GB" sz="1200">
+                <a:solidFill>
+                  <a:schemeClr val="dk1"/>
+                </a:solidFill>
+              </a:endParaRPr>
+            </a:p>
+          </p:txBody>
+        </p:sp>
+      </p:grpSp>
+      <p:grpSp>
+        <p:nvGrpSpPr>
+          <p:cNvPr id="8" name="Gruppo 7"/>
+          <p:cNvGrpSpPr/>
+          <p:nvPr/>
+        </p:nvGrpSpPr>
+        <p:grpSpPr>
+          <a:xfrm>
+            <a:off x="3459693" y="1526554"/>
+            <a:ext cx="667405" cy="86434"/>
+            <a:chOff x="4586473" y="4245346"/>
+            <a:chExt cx="667405" cy="86434"/>
+          </a:xfrm>
+        </p:grpSpPr>
+        <p:sp>
+          <p:nvSpPr>
+            <p:cNvPr id="9" name="Freccia a destra 8"/>
+            <p:cNvSpPr/>
+            <p:nvPr/>
+          </p:nvSpPr>
+          <p:spPr>
+            <a:xfrm>
+              <a:off x="4586473" y="4251518"/>
+              <a:ext cx="577147" cy="80262"/>
+            </a:xfrm>
+            <a:prstGeom prst="rightArrow">
+              <a:avLst/>
+            </a:prstGeom>
+          </p:spPr>
+          <p:style>
+            <a:lnRef idx="1">
+              <a:schemeClr val="accent1"/>
+            </a:lnRef>
+            <a:fillRef idx="2">
+              <a:schemeClr val="accent1"/>
+            </a:fillRef>
+            <a:effectRef idx="1">
+              <a:schemeClr val="accent1"/>
+            </a:effectRef>
+            <a:fontRef idx="minor">
+              <a:schemeClr val="dk1"/>
+            </a:fontRef>
+          </p:style>
+          <p:txBody>
+            <a:bodyPr rtlCol="0" anchor="ctr"/>
+            <a:lstStyle/>
+            <a:p>
+              <a:pPr algn="ctr"/>
+              <a:endParaRPr lang="en-GB"/>
+            </a:p>
+          </p:txBody>
+        </p:sp>
+        <p:sp>
+          <p:nvSpPr>
+            <p:cNvPr id="10" name="Triangolo isoscele 9"/>
+            <p:cNvSpPr/>
+            <p:nvPr/>
+          </p:nvSpPr>
+          <p:spPr>
+            <a:xfrm rot="5400000" flipH="1">
+              <a:off x="5141030" y="4218931"/>
+              <a:ext cx="86434" cy="139263"/>
+            </a:xfrm>
+            <a:prstGeom prst="triangle">
+              <a:avLst/>
+            </a:prstGeom>
+            <a:solidFill>
+              <a:schemeClr val="bg1"/>
+            </a:solidFill>
+            <a:ln/>
+          </p:spPr>
+          <p:style>
+            <a:lnRef idx="1">
+              <a:schemeClr val="accent5"/>
+            </a:lnRef>
+            <a:fillRef idx="2">
+              <a:schemeClr val="accent5"/>
+            </a:fillRef>
+            <a:effectRef idx="1">
+              <a:schemeClr val="accent5"/>
+            </a:effectRef>
+            <a:fontRef idx="minor">
+              <a:schemeClr val="dk1"/>
+            </a:fontRef>
+          </p:style>
+          <p:txBody>
+            <a:bodyPr rtlCol="0" anchor="ctr"/>
+            <a:lstStyle/>
+            <a:p>
+              <a:pPr algn="ctr"/>
+              <a:endParaRPr lang="en-GB" sz="1200">
+                <a:solidFill>
+                  <a:schemeClr val="dk1"/>
+                </a:solidFill>
+              </a:endParaRPr>
+            </a:p>
+          </p:txBody>
+        </p:sp>
+      </p:grpSp>
+      <p:grpSp>
+        <p:nvGrpSpPr>
+          <p:cNvPr id="11" name="Gruppo 10"/>
+          <p:cNvGrpSpPr/>
+          <p:nvPr/>
+        </p:nvGrpSpPr>
+        <p:grpSpPr>
+          <a:xfrm>
+            <a:off x="3484490" y="1797654"/>
+            <a:ext cx="666895" cy="86434"/>
+            <a:chOff x="4592177" y="4419530"/>
+            <a:chExt cx="666895" cy="86434"/>
+          </a:xfrm>
+        </p:grpSpPr>
+        <p:cxnSp>
+          <p:nvCxnSpPr>
+            <p:cNvPr id="12" name="Connettore 1 11"/>
+            <p:cNvCxnSpPr/>
+            <p:nvPr/>
+          </p:nvCxnSpPr>
+          <p:spPr>
+            <a:xfrm>
+              <a:off x="4611000" y="4462747"/>
+              <a:ext cx="648072" cy="0"/>
+            </a:xfrm>
+            <a:prstGeom prst="line">
+              <a:avLst/>
+            </a:prstGeom>
+            <a:ln>
+              <a:prstDash val="dash"/>
+            </a:ln>
+          </p:spPr>
+          <p:style>
+            <a:lnRef idx="1">
+              <a:schemeClr val="accent1"/>
+            </a:lnRef>
+            <a:fillRef idx="0">
+              <a:schemeClr val="accent1"/>
+            </a:fillRef>
+            <a:effectRef idx="0">
+              <a:schemeClr val="accent1"/>
+            </a:effectRef>
+            <a:fontRef idx="minor">
+              <a:schemeClr val="tx1"/>
+            </a:fontRef>
+          </p:style>
+        </p:cxnSp>
+        <p:sp>
+          <p:nvSpPr>
+            <p:cNvPr id="13" name="Triangolo isoscele 12"/>
+            <p:cNvSpPr/>
+            <p:nvPr/>
+          </p:nvSpPr>
+          <p:spPr>
+            <a:xfrm rot="16200000">
+              <a:off x="4618592" y="4393115"/>
+              <a:ext cx="86434" cy="139263"/>
+            </a:xfrm>
+            <a:prstGeom prst="triangle">
+              <a:avLst/>
+            </a:prstGeom>
+            <a:solidFill>
+              <a:schemeClr val="bg1"/>
+            </a:solidFill>
+            <a:ln/>
+          </p:spPr>
+          <p:style>
+            <a:lnRef idx="1">
+              <a:schemeClr val="accent5"/>
+            </a:lnRef>
+            <a:fillRef idx="2">
+              <a:schemeClr val="accent5"/>
+            </a:fillRef>
+            <a:effectRef idx="1">
+              <a:schemeClr val="accent5"/>
+            </a:effectRef>
+            <a:fontRef idx="minor">
+              <a:schemeClr val="dk1"/>
+            </a:fontRef>
+          </p:style>
+          <p:txBody>
+            <a:bodyPr rtlCol="0" anchor="ctr"/>
+            <a:lstStyle/>
+            <a:p>
+              <a:pPr algn="ctr"/>
+              <a:endParaRPr lang="en-GB" sz="1200"/>
+            </a:p>
+          </p:txBody>
+        </p:sp>
+      </p:grpSp>
+      <p:sp>
+        <p:nvSpPr>
+          <p:cNvPr id="14" name="CasellaDiTesto 13"/>
+          <p:cNvSpPr txBox="1"/>
+          <p:nvPr/>
+        </p:nvSpPr>
+        <p:spPr>
+          <a:xfrm>
+            <a:off x="3459693" y="1025813"/>
+            <a:ext cx="607859" cy="369332"/>
+          </a:xfrm>
+          <a:prstGeom prst="rect">
+            <a:avLst/>
+          </a:prstGeom>
+          <a:noFill/>
+        </p:spPr>
+        <p:txBody>
+          <a:bodyPr wrap="none" rtlCol="0">
+            <a:spAutoFit/>
+          </a:bodyPr>
+          <a:lstStyle/>
+          <a:p>
+            <a:r>
+              <a:rPr lang="it-IT" dirty="0" err="1" smtClean="0"/>
+              <a:t>xxxx</a:t>
+            </a:r>
+            <a:endParaRPr lang="en-GB" dirty="0"/>
+          </a:p>
+        </p:txBody>
+      </p:sp>
+      <p:sp>
+        <p:nvSpPr>
+          <p:cNvPr id="15" name="CasellaDiTesto 14"/>
+          <p:cNvSpPr txBox="1"/>
+          <p:nvPr/>
+        </p:nvSpPr>
+        <p:spPr>
+          <a:xfrm>
+            <a:off x="3557712" y="1982320"/>
+            <a:ext cx="569387" cy="369332"/>
+          </a:xfrm>
+          <a:prstGeom prst="rect">
+            <a:avLst/>
+          </a:prstGeom>
+          <a:noFill/>
+        </p:spPr>
+        <p:txBody>
+          <a:bodyPr wrap="none" rtlCol="0">
+            <a:spAutoFit/>
+          </a:bodyPr>
+          <a:lstStyle/>
+          <a:p>
+            <a:r>
+              <a:rPr lang="it-IT" dirty="0" err="1" smtClean="0"/>
+              <a:t>yyyy</a:t>
+            </a:r>
+            <a:endParaRPr lang="en-GB" dirty="0"/>
+          </a:p>
+        </p:txBody>
+      </p:sp>
+      <p:sp>
+        <p:nvSpPr>
+          <p:cNvPr id="16" name="Ovale 33">
+            <a:extLst>
+              <a:ext uri="{FF2B5EF4-FFF2-40B4-BE49-F238E27FC236}">
+                <a16:creationId xmlns:a16="http://schemas.microsoft.com/office/drawing/2014/main" xmlns="" id="{A4E6BBEC-1E11-48AC-9881-2BCB8F6CF48A}"/>
+              </a:ext>
+            </a:extLst>
+          </p:cNvPr>
+          <p:cNvSpPr/>
+          <p:nvPr/>
+        </p:nvSpPr>
+        <p:spPr>
+          <a:xfrm>
+            <a:off x="1790140" y="4003372"/>
+            <a:ext cx="374860" cy="360040"/>
+          </a:xfrm>
+          <a:prstGeom prst="ellipse">
+            <a:avLst/>
+          </a:prstGeom>
+          <a:ln/>
+        </p:spPr>
+        <p:style>
+          <a:lnRef idx="1">
+            <a:schemeClr val="accent5"/>
+          </a:lnRef>
+          <a:fillRef idx="2">
+            <a:schemeClr val="accent5"/>
+          </a:fillRef>
+          <a:effectRef idx="1">
+            <a:schemeClr val="accent5"/>
+          </a:effectRef>
+          <a:fontRef idx="minor">
+            <a:schemeClr val="dk1"/>
+          </a:fontRef>
+        </p:style>
+        <p:txBody>
+          <a:bodyPr rtlCol="0" anchor="ctr"/>
+          <a:lstStyle/>
+          <a:p>
+            <a:pPr algn="ctr"/>
+            <a:r>
+              <a:rPr lang="en-GB" sz="1200" dirty="0"/>
+              <a:t> </a:t>
+            </a:r>
+          </a:p>
+        </p:txBody>
+      </p:sp>
+      <p:grpSp>
+        <p:nvGrpSpPr>
+          <p:cNvPr id="17" name="Gruppo 82">
+            <a:extLst>
+              <a:ext uri="{FF2B5EF4-FFF2-40B4-BE49-F238E27FC236}">
+                <a16:creationId xmlns:a16="http://schemas.microsoft.com/office/drawing/2014/main" xmlns="" id="{12D969AC-9EB0-4CF5-9EE5-D0DD7ACA9C72}"/>
+              </a:ext>
+            </a:extLst>
+          </p:cNvPr>
+          <p:cNvGrpSpPr/>
+          <p:nvPr/>
+        </p:nvGrpSpPr>
+        <p:grpSpPr>
+          <a:xfrm>
+            <a:off x="6308502" y="433454"/>
+            <a:ext cx="749721" cy="763297"/>
+            <a:chOff x="1311101" y="2417771"/>
+            <a:chExt cx="749721" cy="763297"/>
+          </a:xfrm>
+        </p:grpSpPr>
+        <p:sp>
+          <p:nvSpPr>
+            <p:cNvPr id="18" name="Ovale 38">
+              <a:extLst>
+                <a:ext uri="{FF2B5EF4-FFF2-40B4-BE49-F238E27FC236}">
+                  <a16:creationId xmlns:a16="http://schemas.microsoft.com/office/drawing/2014/main" xmlns="" id="{0EB3DE65-C1E4-4AD3-B909-2646317ECA68}"/>
+                </a:ext>
+              </a:extLst>
+            </p:cNvPr>
+            <p:cNvSpPr/>
+            <p:nvPr/>
+          </p:nvSpPr>
+          <p:spPr>
+            <a:xfrm>
+              <a:off x="1311101" y="2460988"/>
+              <a:ext cx="749721" cy="720080"/>
+            </a:xfrm>
+            <a:prstGeom prst="ellipse">
+              <a:avLst/>
+            </a:prstGeom>
+            <a:solidFill>
+              <a:srgbClr val="FFCCFF"/>
+            </a:solidFill>
+            <a:ln/>
+          </p:spPr>
+          <p:style>
+            <a:lnRef idx="1">
+              <a:schemeClr val="accent5"/>
+            </a:lnRef>
+            <a:fillRef idx="2">
+              <a:schemeClr val="accent5"/>
+            </a:fillRef>
+            <a:effectRef idx="1">
+              <a:schemeClr val="accent5"/>
+            </a:effectRef>
+            <a:fontRef idx="minor">
+              <a:schemeClr val="dk1"/>
+            </a:fontRef>
+          </p:style>
+          <p:txBody>
+            <a:bodyPr rtlCol="0" anchor="ctr"/>
+            <a:lstStyle/>
+            <a:p>
+              <a:pPr algn="ctr"/>
+              <a:r>
+                <a:rPr lang="en-GB" sz="1200" dirty="0"/>
+                <a:t> </a:t>
+              </a:r>
+            </a:p>
+          </p:txBody>
+        </p:sp>
+        <p:sp>
+          <p:nvSpPr>
+            <p:cNvPr id="19" name="Triangolo isoscele 42">
+              <a:extLst>
+                <a:ext uri="{FF2B5EF4-FFF2-40B4-BE49-F238E27FC236}">
+                  <a16:creationId xmlns:a16="http://schemas.microsoft.com/office/drawing/2014/main" xmlns="" id="{34D1AFB1-88AB-4A6C-9824-2CF6DE11BF7C}"/>
+                </a:ext>
+              </a:extLst>
+            </p:cNvPr>
+            <p:cNvSpPr/>
+            <p:nvPr/>
+          </p:nvSpPr>
+          <p:spPr>
+            <a:xfrm rot="16200000">
+              <a:off x="1618539" y="2391356"/>
+              <a:ext cx="86434" cy="139263"/>
+            </a:xfrm>
+            <a:prstGeom prst="triangle">
+              <a:avLst/>
+            </a:prstGeom>
+            <a:solidFill>
+              <a:srgbClr val="FF0000"/>
+            </a:solidFill>
+            <a:ln/>
+          </p:spPr>
+          <p:style>
+            <a:lnRef idx="1">
+              <a:schemeClr val="accent5"/>
+            </a:lnRef>
+            <a:fillRef idx="2">
+              <a:schemeClr val="accent5"/>
+            </a:fillRef>
+            <a:effectRef idx="1">
+              <a:schemeClr val="accent5"/>
+            </a:effectRef>
+            <a:fontRef idx="minor">
+              <a:schemeClr val="dk1"/>
+            </a:fontRef>
+          </p:style>
+          <p:txBody>
+            <a:bodyPr rtlCol="0" anchor="ctr"/>
+            <a:lstStyle/>
+            <a:p>
+              <a:pPr algn="ctr"/>
+              <a:endParaRPr lang="en-GB" sz="1200">
+                <a:solidFill>
+                  <a:schemeClr val="dk1"/>
+                </a:solidFill>
+              </a:endParaRPr>
+            </a:p>
+          </p:txBody>
+        </p:sp>
+      </p:grpSp>
+      <p:cxnSp>
+        <p:nvCxnSpPr>
+          <p:cNvPr id="21" name="Connettore 4 20"/>
+          <p:cNvCxnSpPr>
+            <a:stCxn id="5" idx="7"/>
+            <a:endCxn id="18" idx="2"/>
+          </p:cNvCxnSpPr>
+          <p:nvPr/>
+        </p:nvCxnSpPr>
+        <p:spPr>
+          <a:xfrm rot="5400000" flipH="1" flipV="1">
+            <a:off x="5663119" y="830829"/>
+            <a:ext cx="639500" cy="651265"/>
+          </a:xfrm>
+          <a:prstGeom prst="bentConnector2">
+            <a:avLst/>
+          </a:prstGeom>
+          <a:ln>
+            <a:tailEnd type="arrow"/>
+          </a:ln>
+        </p:spPr>
+        <p:style>
+          <a:lnRef idx="1">
+            <a:schemeClr val="accent1"/>
+          </a:lnRef>
+          <a:fillRef idx="0">
+            <a:schemeClr val="accent1"/>
+          </a:fillRef>
+          <a:effectRef idx="0">
+            <a:schemeClr val="accent1"/>
+          </a:effectRef>
+          <a:fontRef idx="minor">
+            <a:schemeClr val="tx1"/>
+          </a:fontRef>
+        </p:style>
+      </p:cxnSp>
+      <p:grpSp>
+        <p:nvGrpSpPr>
+          <p:cNvPr id="23" name="Gruppo 82">
+            <a:extLst>
+              <a:ext uri="{FF2B5EF4-FFF2-40B4-BE49-F238E27FC236}">
+                <a16:creationId xmlns:a16="http://schemas.microsoft.com/office/drawing/2014/main" xmlns="" id="{12D969AC-9EB0-4CF5-9EE5-D0DD7ACA9C72}"/>
+              </a:ext>
+            </a:extLst>
+          </p:cNvPr>
+          <p:cNvGrpSpPr/>
+          <p:nvPr/>
+        </p:nvGrpSpPr>
+        <p:grpSpPr>
+          <a:xfrm>
+            <a:off x="6108382" y="2780928"/>
+            <a:ext cx="1696261" cy="1728192"/>
+            <a:chOff x="1311101" y="2417771"/>
+            <a:chExt cx="749721" cy="763297"/>
+          </a:xfrm>
+        </p:grpSpPr>
+        <p:sp>
+          <p:nvSpPr>
+            <p:cNvPr id="24" name="Ovale 38">
+              <a:extLst>
+                <a:ext uri="{FF2B5EF4-FFF2-40B4-BE49-F238E27FC236}">
+                  <a16:creationId xmlns:a16="http://schemas.microsoft.com/office/drawing/2014/main" xmlns="" id="{0EB3DE65-C1E4-4AD3-B909-2646317ECA68}"/>
+                </a:ext>
+              </a:extLst>
+            </p:cNvPr>
+            <p:cNvSpPr/>
+            <p:nvPr/>
+          </p:nvSpPr>
+          <p:spPr>
+            <a:xfrm>
+              <a:off x="1311101" y="2460988"/>
+              <a:ext cx="749721" cy="720080"/>
+            </a:xfrm>
+            <a:prstGeom prst="ellipse">
+              <a:avLst/>
+            </a:prstGeom>
+            <a:solidFill>
+              <a:srgbClr val="FFCCFF"/>
+            </a:solidFill>
+            <a:ln/>
+          </p:spPr>
+          <p:style>
+            <a:lnRef idx="1">
+              <a:schemeClr val="accent5"/>
+            </a:lnRef>
+            <a:fillRef idx="2">
+              <a:schemeClr val="accent5"/>
+            </a:fillRef>
+            <a:effectRef idx="1">
+              <a:schemeClr val="accent5"/>
+            </a:effectRef>
+            <a:fontRef idx="minor">
+              <a:schemeClr val="dk1"/>
+            </a:fontRef>
+          </p:style>
+          <p:txBody>
+            <a:bodyPr rtlCol="0" anchor="ctr"/>
+            <a:lstStyle/>
+            <a:p>
+              <a:pPr algn="ctr"/>
+              <a:r>
+                <a:rPr lang="en-GB" sz="1200" dirty="0"/>
+                <a:t> </a:t>
+              </a:r>
+            </a:p>
+          </p:txBody>
+        </p:sp>
+        <p:sp>
+          <p:nvSpPr>
+            <p:cNvPr id="25" name="Triangolo isoscele 42">
+              <a:extLst>
+                <a:ext uri="{FF2B5EF4-FFF2-40B4-BE49-F238E27FC236}">
+                  <a16:creationId xmlns:a16="http://schemas.microsoft.com/office/drawing/2014/main" xmlns="" id="{34D1AFB1-88AB-4A6C-9824-2CF6DE11BF7C}"/>
+                </a:ext>
+              </a:extLst>
+            </p:cNvPr>
+            <p:cNvSpPr/>
+            <p:nvPr/>
+          </p:nvSpPr>
+          <p:spPr>
+            <a:xfrm rot="16200000">
+              <a:off x="1618539" y="2391356"/>
+              <a:ext cx="86434" cy="139263"/>
+            </a:xfrm>
+            <a:prstGeom prst="triangle">
+              <a:avLst/>
+            </a:prstGeom>
+            <a:solidFill>
+              <a:srgbClr val="FF0000"/>
+            </a:solidFill>
+            <a:ln/>
+          </p:spPr>
+          <p:style>
+            <a:lnRef idx="1">
+              <a:schemeClr val="accent5"/>
+            </a:lnRef>
+            <a:fillRef idx="2">
+              <a:schemeClr val="accent5"/>
+            </a:fillRef>
+            <a:effectRef idx="1">
+              <a:schemeClr val="accent5"/>
+            </a:effectRef>
+            <a:fontRef idx="minor">
+              <a:schemeClr val="dk1"/>
+            </a:fontRef>
+          </p:style>
+          <p:txBody>
+            <a:bodyPr rtlCol="0" anchor="ctr"/>
+            <a:lstStyle/>
+            <a:p>
+              <a:pPr algn="ctr"/>
+              <a:endParaRPr lang="en-GB" sz="1200">
+                <a:solidFill>
+                  <a:schemeClr val="dk1"/>
+                </a:solidFill>
+              </a:endParaRPr>
+            </a:p>
+          </p:txBody>
+        </p:sp>
+      </p:grpSp>
+      <p:sp>
+        <p:nvSpPr>
+          <p:cNvPr id="26" name="CasellaDiTesto 25"/>
+          <p:cNvSpPr txBox="1"/>
+          <p:nvPr/>
+        </p:nvSpPr>
+        <p:spPr>
+          <a:xfrm>
+            <a:off x="7076162" y="544510"/>
+            <a:ext cx="1397242" cy="369332"/>
+          </a:xfrm>
+          <a:prstGeom prst="rect">
+            <a:avLst/>
+          </a:prstGeom>
+          <a:noFill/>
+        </p:spPr>
+        <p:txBody>
+          <a:bodyPr wrap="none" rtlCol="0">
+            <a:spAutoFit/>
+          </a:bodyPr>
+          <a:lstStyle/>
+          <a:p>
+            <a:r>
+              <a:rPr lang="it-IT" dirty="0" smtClean="0"/>
+              <a:t>MQTT broker</a:t>
+            </a:r>
+            <a:endParaRPr lang="en-GB" dirty="0"/>
+          </a:p>
+        </p:txBody>
+      </p:sp>
+      <p:grpSp>
+        <p:nvGrpSpPr>
+          <p:cNvPr id="27" name="Gruppo 26"/>
+          <p:cNvGrpSpPr/>
+          <p:nvPr/>
+        </p:nvGrpSpPr>
+        <p:grpSpPr>
+          <a:xfrm>
+            <a:off x="6659157" y="3403541"/>
+            <a:ext cx="662314" cy="599831"/>
+            <a:chOff x="1536244" y="1255416"/>
+            <a:chExt cx="662314" cy="599831"/>
+          </a:xfrm>
+          <a:solidFill>
+            <a:srgbClr val="FFCC99"/>
+          </a:solidFill>
+        </p:grpSpPr>
+        <p:sp>
+          <p:nvSpPr>
+            <p:cNvPr id="28" name="Ovale 27"/>
+            <p:cNvSpPr/>
+            <p:nvPr/>
+          </p:nvSpPr>
+          <p:spPr>
+            <a:xfrm>
+              <a:off x="1544982" y="1595795"/>
+              <a:ext cx="653576" cy="259452"/>
+            </a:xfrm>
+            <a:prstGeom prst="ellipse">
+              <a:avLst/>
+            </a:prstGeom>
+            <a:grpFill/>
+          </p:spPr>
+          <p:style>
+            <a:lnRef idx="2">
+              <a:schemeClr val="accent1">
+                <a:shade val="50000"/>
+              </a:schemeClr>
+            </a:lnRef>
+            <a:fillRef idx="1">
+              <a:schemeClr val="accent1"/>
+            </a:fillRef>
+            <a:effectRef idx="0">
+              <a:schemeClr val="accent1"/>
+            </a:effectRef>
+            <a:fontRef idx="minor">
+              <a:schemeClr val="lt1"/>
+            </a:fontRef>
+          </p:style>
+          <p:txBody>
+            <a:bodyPr rtlCol="0" anchor="ctr"/>
+            <a:lstStyle/>
+            <a:p>
+              <a:pPr algn="ctr"/>
+              <a:endParaRPr lang="en-GB"/>
+            </a:p>
+          </p:txBody>
+        </p:sp>
+        <p:sp>
+          <p:nvSpPr>
+            <p:cNvPr id="29" name="Rettangolo 28"/>
+            <p:cNvSpPr/>
+            <p:nvPr/>
+          </p:nvSpPr>
+          <p:spPr>
+            <a:xfrm>
+              <a:off x="1536244" y="1380737"/>
+              <a:ext cx="662314" cy="327035"/>
+            </a:xfrm>
+            <a:prstGeom prst="rect">
+              <a:avLst/>
+            </a:prstGeom>
+            <a:grpFill/>
+            <a:ln>
+              <a:solidFill>
+                <a:schemeClr val="bg1"/>
+              </a:solidFill>
+            </a:ln>
+          </p:spPr>
+          <p:style>
+            <a:lnRef idx="2">
+              <a:schemeClr val="accent1">
+                <a:shade val="50000"/>
+              </a:schemeClr>
+            </a:lnRef>
+            <a:fillRef idx="1">
+              <a:schemeClr val="accent1"/>
+            </a:fillRef>
+            <a:effectRef idx="0">
+              <a:schemeClr val="accent1"/>
+            </a:effectRef>
+            <a:fontRef idx="minor">
+              <a:schemeClr val="lt1"/>
+            </a:fontRef>
+          </p:style>
+          <p:txBody>
+            <a:bodyPr rtlCol="0" anchor="ctr"/>
+            <a:lstStyle/>
+            <a:p>
+              <a:pPr algn="ctr"/>
+              <a:endParaRPr lang="en-GB"/>
+            </a:p>
+          </p:txBody>
+        </p:sp>
+        <p:sp>
+          <p:nvSpPr>
+            <p:cNvPr id="30" name="Ovale 29"/>
+            <p:cNvSpPr/>
+            <p:nvPr/>
+          </p:nvSpPr>
+          <p:spPr>
+            <a:xfrm>
+              <a:off x="1536244" y="1255416"/>
+              <a:ext cx="659348" cy="259452"/>
+            </a:xfrm>
+            <a:prstGeom prst="ellipse">
+              <a:avLst/>
+            </a:prstGeom>
+            <a:grpFill/>
+          </p:spPr>
+          <p:style>
+            <a:lnRef idx="2">
+              <a:schemeClr val="accent1">
+                <a:shade val="50000"/>
+              </a:schemeClr>
+            </a:lnRef>
+            <a:fillRef idx="1">
+              <a:schemeClr val="accent1"/>
+            </a:fillRef>
+            <a:effectRef idx="0">
+              <a:schemeClr val="accent1"/>
+            </a:effectRef>
+            <a:fontRef idx="minor">
+              <a:schemeClr val="lt1"/>
+            </a:fontRef>
+          </p:style>
+          <p:txBody>
+            <a:bodyPr rtlCol="0" anchor="ctr"/>
+            <a:lstStyle/>
+            <a:p>
+              <a:pPr algn="ctr"/>
+              <a:endParaRPr lang="en-GB"/>
+            </a:p>
+          </p:txBody>
+        </p:sp>
+        <p:cxnSp>
+          <p:nvCxnSpPr>
+            <p:cNvPr id="31" name="Connettore 1 30"/>
+            <p:cNvCxnSpPr>
+              <a:endCxn id="28" idx="2"/>
+            </p:cNvCxnSpPr>
+            <p:nvPr/>
+          </p:nvCxnSpPr>
+          <p:spPr>
+            <a:xfrm>
+              <a:off x="1536244" y="1385142"/>
+              <a:ext cx="8738" cy="340379"/>
+            </a:xfrm>
+            <a:prstGeom prst="line">
+              <a:avLst/>
+            </a:prstGeom>
+            <a:grpFill/>
+          </p:spPr>
+          <p:style>
+            <a:lnRef idx="2">
+              <a:schemeClr val="accent1">
+                <a:shade val="50000"/>
+              </a:schemeClr>
+            </a:lnRef>
+            <a:fillRef idx="1">
+              <a:schemeClr val="accent1"/>
+            </a:fillRef>
+            <a:effectRef idx="0">
+              <a:schemeClr val="accent1"/>
+            </a:effectRef>
+            <a:fontRef idx="minor">
+              <a:schemeClr val="lt1"/>
+            </a:fontRef>
+          </p:style>
+        </p:cxnSp>
+        <p:cxnSp>
+          <p:nvCxnSpPr>
+            <p:cNvPr id="32" name="Connettore 1 31"/>
+            <p:cNvCxnSpPr>
+              <a:endCxn id="28" idx="6"/>
+            </p:cNvCxnSpPr>
+            <p:nvPr/>
+          </p:nvCxnSpPr>
+          <p:spPr>
+            <a:xfrm>
+              <a:off x="2198558" y="1385142"/>
+              <a:ext cx="0" cy="340379"/>
+            </a:xfrm>
+            <a:prstGeom prst="line">
+              <a:avLst/>
+            </a:prstGeom>
+            <a:grpFill/>
+          </p:spPr>
+          <p:style>
+            <a:lnRef idx="2">
+              <a:schemeClr val="accent1">
+                <a:shade val="50000"/>
+              </a:schemeClr>
+            </a:lnRef>
+            <a:fillRef idx="1">
+              <a:schemeClr val="accent1"/>
+            </a:fillRef>
+            <a:effectRef idx="0">
+              <a:schemeClr val="accent1"/>
+            </a:effectRef>
+            <a:fontRef idx="minor">
+              <a:schemeClr val="lt1"/>
+            </a:fontRef>
+          </p:style>
+        </p:cxnSp>
+        <p:cxnSp>
+          <p:nvCxnSpPr>
+            <p:cNvPr id="33" name="Connettore 1 32"/>
+            <p:cNvCxnSpPr/>
+            <p:nvPr/>
+          </p:nvCxnSpPr>
+          <p:spPr>
+            <a:xfrm>
+              <a:off x="1566510" y="1707772"/>
+              <a:ext cx="629082" cy="0"/>
+            </a:xfrm>
+            <a:prstGeom prst="line">
+              <a:avLst/>
+            </a:prstGeom>
+            <a:grpFill/>
+            <a:ln w="28575">
+              <a:solidFill>
+                <a:srgbClr val="FFCC99"/>
+              </a:solidFill>
+            </a:ln>
+          </p:spPr>
+          <p:style>
+            <a:lnRef idx="1">
+              <a:schemeClr val="accent1"/>
+            </a:lnRef>
+            <a:fillRef idx="0">
+              <a:schemeClr val="accent1"/>
+            </a:fillRef>
+            <a:effectRef idx="0">
+              <a:schemeClr val="accent1"/>
+            </a:effectRef>
+            <a:fontRef idx="minor">
+              <a:schemeClr val="tx1"/>
+            </a:fontRef>
+          </p:style>
+        </p:cxnSp>
+      </p:grpSp>
+      <p:cxnSp>
+        <p:nvCxnSpPr>
+          <p:cNvPr id="35" name="Connettore 4 34"/>
+          <p:cNvCxnSpPr>
+            <a:stCxn id="16" idx="5"/>
+            <a:endCxn id="54" idx="4"/>
+          </p:cNvCxnSpPr>
+          <p:nvPr/>
+        </p:nvCxnSpPr>
+        <p:spPr>
+          <a:xfrm rot="16200000" flipH="1">
+            <a:off x="3606308" y="2814479"/>
+            <a:ext cx="52727" cy="3045137"/>
+          </a:xfrm>
+          <a:prstGeom prst="bentConnector3">
+            <a:avLst>
+              <a:gd name="adj1" fmla="val 533554"/>
+            </a:avLst>
+          </a:prstGeom>
+          <a:ln>
+            <a:tailEnd type="arrow"/>
+          </a:ln>
+        </p:spPr>
+        <p:style>
+          <a:lnRef idx="1">
+            <a:schemeClr val="accent1"/>
+          </a:lnRef>
+          <a:fillRef idx="0">
+            <a:schemeClr val="accent1"/>
+          </a:fillRef>
+          <a:effectRef idx="0">
+            <a:schemeClr val="accent1"/>
+          </a:effectRef>
+          <a:fontRef idx="minor">
+            <a:schemeClr val="tx1"/>
+          </a:fontRef>
+        </p:style>
+      </p:cxnSp>
+      <p:cxnSp>
+        <p:nvCxnSpPr>
+          <p:cNvPr id="38" name="Connettore 4 37"/>
+          <p:cNvCxnSpPr>
+            <a:stCxn id="24" idx="7"/>
+          </p:cNvCxnSpPr>
+          <p:nvPr/>
+        </p:nvCxnSpPr>
+        <p:spPr>
+          <a:xfrm rot="16200000" flipV="1">
+            <a:off x="6161248" y="1722550"/>
+            <a:ext cx="1926994" cy="862973"/>
+          </a:xfrm>
+          <a:prstGeom prst="bentConnector3">
+            <a:avLst>
+              <a:gd name="adj1" fmla="val 50000"/>
+            </a:avLst>
+          </a:prstGeom>
+          <a:ln>
+            <a:tailEnd type="arrow"/>
+          </a:ln>
+        </p:spPr>
+        <p:style>
+          <a:lnRef idx="1">
+            <a:schemeClr val="accent1"/>
+          </a:lnRef>
+          <a:fillRef idx="0">
+            <a:schemeClr val="accent1"/>
+          </a:fillRef>
+          <a:effectRef idx="0">
+            <a:schemeClr val="accent1"/>
+          </a:effectRef>
+          <a:fontRef idx="minor">
+            <a:schemeClr val="tx1"/>
+          </a:fontRef>
+        </p:style>
+      </p:cxnSp>
+      <p:sp>
+        <p:nvSpPr>
+          <p:cNvPr id="41" name="CasellaDiTesto 40"/>
+          <p:cNvSpPr txBox="1"/>
+          <p:nvPr/>
+        </p:nvSpPr>
+        <p:spPr>
+          <a:xfrm>
+            <a:off x="5384276" y="419824"/>
+            <a:ext cx="777521" cy="369332"/>
+          </a:xfrm>
+          <a:prstGeom prst="rect">
+            <a:avLst/>
+          </a:prstGeom>
+          <a:noFill/>
+        </p:spPr>
+        <p:txBody>
+          <a:bodyPr wrap="none" rtlCol="0">
+            <a:spAutoFit/>
+          </a:bodyPr>
+          <a:lstStyle/>
+          <a:p>
+            <a:r>
+              <a:rPr lang="it-IT" dirty="0" err="1" smtClean="0"/>
+              <a:t>publish</a:t>
+            </a:r>
+            <a:endParaRPr lang="en-GB" dirty="0"/>
+          </a:p>
+        </p:txBody>
+      </p:sp>
+      <p:sp>
+        <p:nvSpPr>
+          <p:cNvPr id="42" name="CasellaDiTesto 41"/>
+          <p:cNvSpPr txBox="1"/>
+          <p:nvPr/>
+        </p:nvSpPr>
+        <p:spPr>
+          <a:xfrm>
+            <a:off x="6807398" y="1612988"/>
+            <a:ext cx="958724" cy="369332"/>
+          </a:xfrm>
+          <a:prstGeom prst="rect">
+            <a:avLst/>
+          </a:prstGeom>
+          <a:noFill/>
+        </p:spPr>
+        <p:txBody>
+          <a:bodyPr wrap="none" rtlCol="0">
+            <a:spAutoFit/>
+          </a:bodyPr>
+          <a:lstStyle/>
+          <a:p>
+            <a:r>
+              <a:rPr lang="it-IT" dirty="0" err="1" smtClean="0"/>
+              <a:t>subscribe</a:t>
+            </a:r>
+            <a:endParaRPr lang="en-GB" dirty="0"/>
+          </a:p>
+        </p:txBody>
+      </p:sp>
+      <p:cxnSp>
+        <p:nvCxnSpPr>
+          <p:cNvPr id="44" name="Connettore 4 43"/>
+          <p:cNvCxnSpPr/>
+          <p:nvPr/>
+        </p:nvCxnSpPr>
+        <p:spPr>
+          <a:xfrm rot="16200000" flipH="1">
+            <a:off x="3991905" y="4351954"/>
+            <a:ext cx="1157485" cy="1471818"/>
+          </a:xfrm>
+          <a:prstGeom prst="bentConnector3">
+            <a:avLst/>
+          </a:prstGeom>
+          <a:ln>
+            <a:tailEnd type="arrow"/>
+          </a:ln>
+        </p:spPr>
+        <p:style>
+          <a:lnRef idx="1">
+            <a:schemeClr val="accent1"/>
+          </a:lnRef>
+          <a:fillRef idx="0">
+            <a:schemeClr val="accent1"/>
+          </a:fillRef>
+          <a:effectRef idx="0">
+            <a:schemeClr val="accent1"/>
+          </a:effectRef>
+          <a:fontRef idx="minor">
+            <a:schemeClr val="tx1"/>
+          </a:fontRef>
+        </p:style>
+      </p:cxnSp>
+      <p:sp>
+        <p:nvSpPr>
+          <p:cNvPr id="48" name="CasellaDiTesto 47"/>
+          <p:cNvSpPr txBox="1"/>
+          <p:nvPr/>
+        </p:nvSpPr>
+        <p:spPr>
+          <a:xfrm>
+            <a:off x="2110103" y="989891"/>
+            <a:ext cx="1145185" cy="369332"/>
+          </a:xfrm>
+          <a:prstGeom prst="rect">
+            <a:avLst/>
+          </a:prstGeom>
+          <a:noFill/>
+        </p:spPr>
+        <p:txBody>
+          <a:bodyPr wrap="none" rtlCol="0">
+            <a:spAutoFit/>
+          </a:bodyPr>
+          <a:lstStyle/>
+          <a:p>
+            <a:r>
+              <a:rPr lang="it-IT" dirty="0" smtClean="0"/>
+              <a:t>BROWSER</a:t>
+            </a:r>
+            <a:endParaRPr lang="en-GB" dirty="0"/>
+          </a:p>
+        </p:txBody>
+      </p:sp>
+      <p:cxnSp>
+        <p:nvCxnSpPr>
+          <p:cNvPr id="51" name="Connettore 2 50"/>
+          <p:cNvCxnSpPr>
+            <a:stCxn id="16" idx="0"/>
+            <a:endCxn id="16" idx="4"/>
+          </p:cNvCxnSpPr>
+          <p:nvPr/>
+        </p:nvCxnSpPr>
+        <p:spPr>
+          <a:xfrm>
+            <a:off x="1977570" y="4003372"/>
+            <a:ext cx="0" cy="360040"/>
+          </a:xfrm>
+          <a:prstGeom prst="straightConnector1">
+            <a:avLst/>
+          </a:prstGeom>
+          <a:ln>
+            <a:tailEnd type="arrow"/>
+          </a:ln>
+        </p:spPr>
+        <p:style>
+          <a:lnRef idx="1">
+            <a:schemeClr val="accent1"/>
+          </a:lnRef>
+          <a:fillRef idx="0">
+            <a:schemeClr val="accent1"/>
+          </a:fillRef>
+          <a:effectRef idx="0">
+            <a:schemeClr val="accent1"/>
+          </a:effectRef>
+          <a:fontRef idx="minor">
+            <a:schemeClr val="tx1"/>
+          </a:fontRef>
+        </p:style>
+      </p:cxnSp>
+      <p:sp>
+        <p:nvSpPr>
+          <p:cNvPr id="54" name="Ovale 33">
+            <a:extLst>
+              <a:ext uri="{FF2B5EF4-FFF2-40B4-BE49-F238E27FC236}">
+                <a16:creationId xmlns:a16="http://schemas.microsoft.com/office/drawing/2014/main" xmlns="" id="{A4E6BBEC-1E11-48AC-9881-2BCB8F6CF48A}"/>
+              </a:ext>
+            </a:extLst>
+          </p:cNvPr>
+          <p:cNvSpPr/>
+          <p:nvPr/>
+        </p:nvSpPr>
+        <p:spPr>
+          <a:xfrm>
+            <a:off x="4967810" y="4003372"/>
+            <a:ext cx="374860" cy="360040"/>
+          </a:xfrm>
+          <a:prstGeom prst="ellipse">
+            <a:avLst/>
+          </a:prstGeom>
+          <a:ln/>
+        </p:spPr>
+        <p:style>
+          <a:lnRef idx="1">
+            <a:schemeClr val="accent5"/>
+          </a:lnRef>
+          <a:fillRef idx="2">
+            <a:schemeClr val="accent5"/>
+          </a:fillRef>
+          <a:effectRef idx="1">
+            <a:schemeClr val="accent5"/>
+          </a:effectRef>
+          <a:fontRef idx="minor">
+            <a:schemeClr val="dk1"/>
+          </a:fontRef>
+        </p:style>
+        <p:txBody>
+          <a:bodyPr rtlCol="0" anchor="ctr"/>
+          <a:lstStyle/>
+          <a:p>
+            <a:pPr algn="ctr"/>
+            <a:r>
+              <a:rPr lang="en-GB" sz="1200" dirty="0"/>
+              <a:t> </a:t>
+            </a:r>
+          </a:p>
+        </p:txBody>
+      </p:sp>
+      <p:grpSp>
+        <p:nvGrpSpPr>
+          <p:cNvPr id="60" name="Gruppo 59"/>
+          <p:cNvGrpSpPr/>
+          <p:nvPr/>
+        </p:nvGrpSpPr>
+        <p:grpSpPr>
+          <a:xfrm>
+            <a:off x="3417754" y="4086282"/>
+            <a:ext cx="592487" cy="258092"/>
+            <a:chOff x="5133975" y="5295900"/>
+            <a:chExt cx="342900" cy="238125"/>
+          </a:xfrm>
+        </p:grpSpPr>
+        <p:sp>
+          <p:nvSpPr>
+            <p:cNvPr id="61" name="Figura a mano libera 60"/>
+            <p:cNvSpPr/>
+            <p:nvPr/>
+          </p:nvSpPr>
+          <p:spPr>
+            <a:xfrm>
+              <a:off x="5133975" y="5295900"/>
+              <a:ext cx="342900" cy="238125"/>
+            </a:xfrm>
+            <a:custGeom>
+              <a:avLst/>
+              <a:gdLst>
+                <a:gd name="connsiteX0" fmla="*/ 0 w 342900"/>
+                <a:gd name="connsiteY0" fmla="*/ 142875 h 238125"/>
+                <a:gd name="connsiteX1" fmla="*/ 28575 w 342900"/>
+                <a:gd name="connsiteY1" fmla="*/ 38100 h 238125"/>
+                <a:gd name="connsiteX2" fmla="*/ 47625 w 342900"/>
+                <a:gd name="connsiteY2" fmla="*/ 9525 h 238125"/>
+                <a:gd name="connsiteX3" fmla="*/ 76200 w 342900"/>
+                <a:gd name="connsiteY3" fmla="*/ 0 h 238125"/>
+                <a:gd name="connsiteX4" fmla="*/ 104775 w 342900"/>
+                <a:gd name="connsiteY4" fmla="*/ 9525 h 238125"/>
+                <a:gd name="connsiteX5" fmla="*/ 142875 w 342900"/>
+                <a:gd name="connsiteY5" fmla="*/ 95250 h 238125"/>
+                <a:gd name="connsiteX6" fmla="*/ 161925 w 342900"/>
+                <a:gd name="connsiteY6" fmla="*/ 152400 h 238125"/>
+                <a:gd name="connsiteX7" fmla="*/ 171450 w 342900"/>
+                <a:gd name="connsiteY7" fmla="*/ 180975 h 238125"/>
+                <a:gd name="connsiteX8" fmla="*/ 209550 w 342900"/>
+                <a:gd name="connsiteY8" fmla="*/ 238125 h 238125"/>
+                <a:gd name="connsiteX9" fmla="*/ 238125 w 342900"/>
+                <a:gd name="connsiteY9" fmla="*/ 180975 h 238125"/>
+                <a:gd name="connsiteX10" fmla="*/ 266700 w 342900"/>
+                <a:gd name="connsiteY10" fmla="*/ 104775 h 238125"/>
+                <a:gd name="connsiteX11" fmla="*/ 342900 w 342900"/>
+                <a:gd name="connsiteY11" fmla="*/ 85725 h 238125"/>
+              </a:gdLst>
+              <a:ahLst/>
+              <a:cxnLst>
+                <a:cxn ang="0">
+                  <a:pos x="connsiteX0" y="connsiteY0"/>
+                </a:cxn>
+                <a:cxn ang="0">
+                  <a:pos x="connsiteX1" y="connsiteY1"/>
+                </a:cxn>
+                <a:cxn ang="0">
+                  <a:pos x="connsiteX2" y="connsiteY2"/>
+                </a:cxn>
+                <a:cxn ang="0">
+                  <a:pos x="connsiteX3" y="connsiteY3"/>
+                </a:cxn>
+                <a:cxn ang="0">
+                  <a:pos x="connsiteX4" y="connsiteY4"/>
+                </a:cxn>
+                <a:cxn ang="0">
+                  <a:pos x="connsiteX5" y="connsiteY5"/>
+                </a:cxn>
+                <a:cxn ang="0">
+                  <a:pos x="connsiteX6" y="connsiteY6"/>
+                </a:cxn>
+                <a:cxn ang="0">
+                  <a:pos x="connsiteX7" y="connsiteY7"/>
+                </a:cxn>
+                <a:cxn ang="0">
+                  <a:pos x="connsiteX8" y="connsiteY8"/>
+                </a:cxn>
+                <a:cxn ang="0">
+                  <a:pos x="connsiteX9" y="connsiteY9"/>
+                </a:cxn>
+                <a:cxn ang="0">
+                  <a:pos x="connsiteX10" y="connsiteY10"/>
+                </a:cxn>
+                <a:cxn ang="0">
+                  <a:pos x="connsiteX11" y="connsiteY11"/>
+                </a:cxn>
+              </a:cxnLst>
+              <a:rect l="l" t="t" r="r" b="b"/>
+              <a:pathLst>
+                <a:path w="342900" h="238125">
+                  <a:moveTo>
+                    <a:pt x="0" y="142875"/>
+                  </a:moveTo>
+                  <a:cubicBezTo>
+                    <a:pt x="5112" y="117315"/>
+                    <a:pt x="14764" y="58817"/>
+                    <a:pt x="28575" y="38100"/>
+                  </a:cubicBezTo>
+                  <a:cubicBezTo>
+                    <a:pt x="34925" y="28575"/>
+                    <a:pt x="38686" y="16676"/>
+                    <a:pt x="47625" y="9525"/>
+                  </a:cubicBezTo>
+                  <a:cubicBezTo>
+                    <a:pt x="55465" y="3253"/>
+                    <a:pt x="66675" y="3175"/>
+                    <a:pt x="76200" y="0"/>
+                  </a:cubicBezTo>
+                  <a:cubicBezTo>
+                    <a:pt x="85725" y="3175"/>
+                    <a:pt x="96935" y="3253"/>
+                    <a:pt x="104775" y="9525"/>
+                  </a:cubicBezTo>
+                  <a:cubicBezTo>
+                    <a:pt x="125358" y="25992"/>
+                    <a:pt x="137054" y="77787"/>
+                    <a:pt x="142875" y="95250"/>
+                  </a:cubicBezTo>
+                  <a:lnTo>
+                    <a:pt x="161925" y="152400"/>
+                  </a:lnTo>
+                  <a:cubicBezTo>
+                    <a:pt x="165100" y="161925"/>
+                    <a:pt x="169481" y="171130"/>
+                    <a:pt x="171450" y="180975"/>
+                  </a:cubicBezTo>
+                  <a:cubicBezTo>
+                    <a:pt x="182944" y="238445"/>
+                    <a:pt x="165616" y="223480"/>
+                    <a:pt x="209550" y="238125"/>
+                  </a:cubicBezTo>
+                  <a:cubicBezTo>
+                    <a:pt x="228174" y="210189"/>
+                    <a:pt x="230238" y="212523"/>
+                    <a:pt x="238125" y="180975"/>
+                  </a:cubicBezTo>
+                  <a:cubicBezTo>
+                    <a:pt x="243105" y="161054"/>
+                    <a:pt x="243471" y="119293"/>
+                    <a:pt x="266700" y="104775"/>
+                  </a:cubicBezTo>
+                  <a:cubicBezTo>
+                    <a:pt x="300393" y="83717"/>
+                    <a:pt x="313092" y="85725"/>
+                    <a:pt x="342900" y="85725"/>
+                  </a:cubicBezTo>
+                </a:path>
+              </a:pathLst>
+            </a:custGeom>
+            <a:noFill/>
+            <a:ln>
+              <a:solidFill>
+                <a:srgbClr val="C00000"/>
+              </a:solidFill>
+            </a:ln>
+          </p:spPr>
+          <p:style>
+            <a:lnRef idx="2">
+              <a:schemeClr val="accent1">
+                <a:shade val="50000"/>
+              </a:schemeClr>
+            </a:lnRef>
+            <a:fillRef idx="1">
+              <a:schemeClr val="accent1"/>
+            </a:fillRef>
+            <a:effectRef idx="0">
+              <a:schemeClr val="accent1"/>
+            </a:effectRef>
+            <a:fontRef idx="minor">
+              <a:schemeClr val="lt1"/>
+            </a:fontRef>
+          </p:style>
+          <p:txBody>
+            <a:bodyPr rtlCol="0" anchor="ctr"/>
+            <a:lstStyle/>
+            <a:p>
+              <a:pPr algn="ctr"/>
+              <a:endParaRPr lang="it-IT"/>
+            </a:p>
+          </p:txBody>
+        </p:sp>
+        <p:sp>
+          <p:nvSpPr>
+            <p:cNvPr id="62" name="Figura a mano libera 61"/>
+            <p:cNvSpPr/>
+            <p:nvPr/>
+          </p:nvSpPr>
+          <p:spPr>
+            <a:xfrm>
+              <a:off x="5400675" y="5353050"/>
+              <a:ext cx="66675" cy="38100"/>
+            </a:xfrm>
+            <a:custGeom>
+              <a:avLst/>
+              <a:gdLst>
+                <a:gd name="connsiteX0" fmla="*/ 66675 w 66675"/>
+                <a:gd name="connsiteY0" fmla="*/ 38100 h 38100"/>
+                <a:gd name="connsiteX1" fmla="*/ 0 w 66675"/>
+                <a:gd name="connsiteY1" fmla="*/ 0 h 38100"/>
+              </a:gdLst>
+              <a:ahLst/>
+              <a:cxnLst>
+                <a:cxn ang="0">
+                  <a:pos x="connsiteX0" y="connsiteY0"/>
+                </a:cxn>
+                <a:cxn ang="0">
+                  <a:pos x="connsiteX1" y="connsiteY1"/>
+                </a:cxn>
+              </a:cxnLst>
+              <a:rect l="l" t="t" r="r" b="b"/>
+              <a:pathLst>
+                <a:path w="66675" h="38100">
+                  <a:moveTo>
+                    <a:pt x="66675" y="38100"/>
+                  </a:moveTo>
+                  <a:cubicBezTo>
+                    <a:pt x="12962" y="5872"/>
+                    <a:pt x="35609" y="17804"/>
+                    <a:pt x="0" y="0"/>
+                  </a:cubicBezTo>
+                </a:path>
+              </a:pathLst>
+            </a:custGeom>
+            <a:noFill/>
+            <a:ln>
+              <a:solidFill>
+                <a:srgbClr val="C00000"/>
+              </a:solidFill>
+            </a:ln>
+          </p:spPr>
+          <p:style>
+            <a:lnRef idx="2">
+              <a:schemeClr val="accent1">
+                <a:shade val="50000"/>
+              </a:schemeClr>
+            </a:lnRef>
+            <a:fillRef idx="1">
+              <a:schemeClr val="accent1"/>
+            </a:fillRef>
+            <a:effectRef idx="0">
+              <a:schemeClr val="accent1"/>
+            </a:effectRef>
+            <a:fontRef idx="minor">
+              <a:schemeClr val="lt1"/>
+            </a:fontRef>
+          </p:style>
+          <p:txBody>
+            <a:bodyPr rtlCol="0" anchor="ctr"/>
+            <a:lstStyle/>
+            <a:p>
+              <a:pPr algn="ctr"/>
+              <a:endParaRPr lang="it-IT"/>
+            </a:p>
+          </p:txBody>
+        </p:sp>
+        <p:sp>
+          <p:nvSpPr>
+            <p:cNvPr id="63" name="Figura a mano libera 62"/>
+            <p:cNvSpPr/>
+            <p:nvPr/>
+          </p:nvSpPr>
+          <p:spPr>
+            <a:xfrm>
+              <a:off x="5419725" y="5381625"/>
+              <a:ext cx="47625" cy="57150"/>
+            </a:xfrm>
+            <a:custGeom>
+              <a:avLst/>
+              <a:gdLst>
+                <a:gd name="connsiteX0" fmla="*/ 47625 w 47625"/>
+                <a:gd name="connsiteY0" fmla="*/ 0 h 57150"/>
+                <a:gd name="connsiteX1" fmla="*/ 0 w 47625"/>
+                <a:gd name="connsiteY1" fmla="*/ 57150 h 57150"/>
+              </a:gdLst>
+              <a:ahLst/>
+              <a:cxnLst>
+                <a:cxn ang="0">
+                  <a:pos x="connsiteX0" y="connsiteY0"/>
+                </a:cxn>
+                <a:cxn ang="0">
+                  <a:pos x="connsiteX1" y="connsiteY1"/>
+                </a:cxn>
+              </a:cxnLst>
+              <a:rect l="l" t="t" r="r" b="b"/>
+              <a:pathLst>
+                <a:path w="47625" h="57150">
+                  <a:moveTo>
+                    <a:pt x="47625" y="0"/>
+                  </a:moveTo>
+                  <a:cubicBezTo>
+                    <a:pt x="15397" y="53713"/>
+                    <a:pt x="35609" y="39346"/>
+                    <a:pt x="0" y="57150"/>
+                  </a:cubicBezTo>
+                </a:path>
+              </a:pathLst>
+            </a:custGeom>
+            <a:noFill/>
+            <a:ln>
+              <a:solidFill>
+                <a:srgbClr val="C00000"/>
+              </a:solidFill>
+            </a:ln>
+          </p:spPr>
+          <p:style>
+            <a:lnRef idx="2">
+              <a:schemeClr val="accent1">
+                <a:shade val="50000"/>
+              </a:schemeClr>
+            </a:lnRef>
+            <a:fillRef idx="1">
+              <a:schemeClr val="accent1"/>
+            </a:fillRef>
+            <a:effectRef idx="0">
+              <a:schemeClr val="accent1"/>
+            </a:effectRef>
+            <a:fontRef idx="minor">
+              <a:schemeClr val="lt1"/>
+            </a:fontRef>
+          </p:style>
+          <p:txBody>
+            <a:bodyPr rtlCol="0" anchor="ctr"/>
+            <a:lstStyle/>
+            <a:p>
+              <a:pPr algn="ctr"/>
+              <a:endParaRPr lang="it-IT"/>
+            </a:p>
+          </p:txBody>
+        </p:sp>
+      </p:grpSp>
+      <p:cxnSp>
+        <p:nvCxnSpPr>
+          <p:cNvPr id="64" name="Connettore 2 63"/>
+          <p:cNvCxnSpPr/>
+          <p:nvPr/>
+        </p:nvCxnSpPr>
+        <p:spPr>
+          <a:xfrm>
+            <a:off x="2304259" y="3673677"/>
+            <a:ext cx="2710453" cy="0"/>
+          </a:xfrm>
+          <a:prstGeom prst="straightConnector1">
+            <a:avLst/>
+          </a:prstGeom>
+          <a:ln>
+            <a:prstDash val="lgDash"/>
+            <a:tailEnd type="arrow"/>
+          </a:ln>
+        </p:spPr>
+        <p:style>
+          <a:lnRef idx="1">
+            <a:schemeClr val="accent1"/>
+          </a:lnRef>
+          <a:fillRef idx="0">
+            <a:schemeClr val="accent1"/>
+          </a:fillRef>
+          <a:effectRef idx="0">
+            <a:schemeClr val="accent1"/>
+          </a:effectRef>
+          <a:fontRef idx="minor">
+            <a:schemeClr val="tx1"/>
+          </a:fontRef>
+        </p:style>
+      </p:cxnSp>
+      <p:cxnSp>
+        <p:nvCxnSpPr>
+          <p:cNvPr id="67" name="Connettore 2 66"/>
+          <p:cNvCxnSpPr/>
+          <p:nvPr/>
+        </p:nvCxnSpPr>
+        <p:spPr>
+          <a:xfrm flipH="1">
+            <a:off x="2333819" y="4027841"/>
+            <a:ext cx="2485417" cy="0"/>
+          </a:xfrm>
+          <a:prstGeom prst="straightConnector1">
+            <a:avLst/>
+          </a:prstGeom>
+          <a:ln>
+            <a:prstDash val="lgDash"/>
+            <a:tailEnd type="arrow"/>
+          </a:ln>
+        </p:spPr>
+        <p:style>
+          <a:lnRef idx="1">
+            <a:schemeClr val="accent1"/>
+          </a:lnRef>
+          <a:fillRef idx="0">
+            <a:schemeClr val="accent1"/>
+          </a:fillRef>
+          <a:effectRef idx="0">
+            <a:schemeClr val="accent1"/>
+          </a:effectRef>
+          <a:fontRef idx="minor">
+            <a:schemeClr val="tx1"/>
+          </a:fontRef>
+        </p:style>
+      </p:cxnSp>
+      <p:cxnSp>
+        <p:nvCxnSpPr>
+          <p:cNvPr id="70" name="Connettore 4 69"/>
+          <p:cNvCxnSpPr/>
+          <p:nvPr/>
+        </p:nvCxnSpPr>
+        <p:spPr>
+          <a:xfrm>
+            <a:off x="1561093" y="5619761"/>
+            <a:ext cx="4547290" cy="285354"/>
+          </a:xfrm>
+          <a:prstGeom prst="bentConnector3">
+            <a:avLst>
+              <a:gd name="adj1" fmla="val 50000"/>
+            </a:avLst>
+          </a:prstGeom>
+          <a:ln>
+            <a:tailEnd type="arrow"/>
+          </a:ln>
+        </p:spPr>
+        <p:style>
+          <a:lnRef idx="1">
+            <a:schemeClr val="accent1"/>
+          </a:lnRef>
+          <a:fillRef idx="0">
+            <a:schemeClr val="accent1"/>
+          </a:fillRef>
+          <a:effectRef idx="0">
+            <a:schemeClr val="accent1"/>
+          </a:effectRef>
+          <a:fontRef idx="minor">
+            <a:schemeClr val="tx1"/>
+          </a:fontRef>
+        </p:style>
+      </p:cxnSp>
+      <p:cxnSp>
+        <p:nvCxnSpPr>
+          <p:cNvPr id="74" name="Connettore 4 73"/>
+          <p:cNvCxnSpPr>
+            <a:stCxn id="5" idx="6"/>
+            <a:endCxn id="18" idx="3"/>
+          </p:cNvCxnSpPr>
+          <p:nvPr/>
+        </p:nvCxnSpPr>
+        <p:spPr>
+          <a:xfrm flipV="1">
+            <a:off x="5868144" y="1091298"/>
+            <a:ext cx="550152" cy="863466"/>
+          </a:xfrm>
+          <a:prstGeom prst="bentConnector2">
+            <a:avLst/>
+          </a:prstGeom>
+          <a:ln>
+            <a:tailEnd type="arrow"/>
+          </a:ln>
+        </p:spPr>
+        <p:style>
+          <a:lnRef idx="1">
+            <a:schemeClr val="accent1"/>
+          </a:lnRef>
+          <a:fillRef idx="0">
+            <a:schemeClr val="accent1"/>
+          </a:fillRef>
+          <a:effectRef idx="0">
+            <a:schemeClr val="accent1"/>
+          </a:effectRef>
+          <a:fontRef idx="minor">
+            <a:schemeClr val="tx1"/>
+          </a:fontRef>
+        </p:style>
+      </p:cxnSp>
+      <p:sp>
+        <p:nvSpPr>
+          <p:cNvPr id="75" name="CasellaDiTesto 74"/>
+          <p:cNvSpPr txBox="1"/>
+          <p:nvPr/>
+        </p:nvSpPr>
+        <p:spPr>
+          <a:xfrm>
+            <a:off x="683568" y="3886873"/>
+            <a:ext cx="777521" cy="369332"/>
+          </a:xfrm>
+          <a:prstGeom prst="rect">
+            <a:avLst/>
+          </a:prstGeom>
+          <a:noFill/>
+        </p:spPr>
+        <p:txBody>
+          <a:bodyPr wrap="none" rtlCol="0">
+            <a:spAutoFit/>
+          </a:bodyPr>
+          <a:lstStyle/>
+          <a:p>
+            <a:r>
+              <a:rPr lang="it-IT" dirty="0" err="1" smtClean="0"/>
+              <a:t>publish</a:t>
+            </a:r>
+            <a:endParaRPr lang="en-GB" dirty="0"/>
+          </a:p>
+        </p:txBody>
+      </p:sp>
+    </p:spTree>
+    <p:extLst>
+      <p:ext uri="{BB962C8B-B14F-4D97-AF65-F5344CB8AC3E}">
+        <p14:creationId xmlns:p14="http://schemas.microsoft.com/office/powerpoint/2010/main" val="2434010515"/>
+      </p:ext>
+    </p:extLst>
+  </p:cSld>
+  <p:clrMapOvr>
+    <a:masterClrMapping/>
+  </p:clrMapOvr>
+</p:sld>
+</file>
+
+<file path=ppt/slides/slide35.xml><?xml version="1.0" encoding="utf-8"?>
+<p:sld xmlns:a="http://schemas.openxmlformats.org/drawingml/2006/main" xmlns:r="http://schemas.openxmlformats.org/officeDocument/2006/relationships" xmlns:p="http://schemas.openxmlformats.org/presentationml/2006/main">
+  <p:cSld>
+    <p:spTree>
+      <p:nvGrpSpPr>
+        <p:cNvPr id="1" name=""/>
+        <p:cNvGrpSpPr/>
+        <p:nvPr/>
+      </p:nvGrpSpPr>
+      <p:grpSpPr>
+        <a:xfrm>
+          <a:off x="0" y="0"/>
+          <a:ext cx="0" cy="0"/>
+          <a:chOff x="0" y="0"/>
+          <a:chExt cx="0" cy="0"/>
+        </a:xfrm>
+      </p:grpSpPr>
+      <p:sp>
+        <p:nvSpPr>
+          <p:cNvPr id="4" name="Rettangolo 3"/>
+          <p:cNvSpPr/>
+          <p:nvPr/>
+        </p:nvSpPr>
+        <p:spPr>
+          <a:xfrm>
+            <a:off x="1189882" y="166788"/>
+            <a:ext cx="2232248" cy="2140496"/>
+          </a:xfrm>
+          <a:prstGeom prst="rect">
+            <a:avLst/>
+          </a:prstGeom>
+          <a:solidFill>
+            <a:schemeClr val="bg1"/>
+          </a:solidFill>
+          <a:ln>
+            <a:solidFill>
+              <a:srgbClr val="00B050"/>
+            </a:solidFill>
+          </a:ln>
+        </p:spPr>
+        <p:style>
+          <a:lnRef idx="2">
+            <a:schemeClr val="accent1">
+              <a:shade val="50000"/>
+            </a:schemeClr>
+          </a:lnRef>
+          <a:fillRef idx="1">
+            <a:schemeClr val="accent1"/>
+          </a:fillRef>
+          <a:effectRef idx="0">
+            <a:schemeClr val="accent1"/>
+          </a:effectRef>
+          <a:fontRef idx="minor">
+            <a:schemeClr val="lt1"/>
+          </a:fontRef>
+        </p:style>
+        <p:txBody>
+          <a:bodyPr rtlCol="0" anchor="ctr"/>
+          <a:lstStyle/>
+          <a:p>
+            <a:pPr algn="ctr"/>
+            <a:endParaRPr lang="en-GB"/>
+          </a:p>
+        </p:txBody>
+      </p:sp>
+      <p:sp>
+        <p:nvSpPr>
+          <p:cNvPr id="15" name="Rettangolo 14"/>
+          <p:cNvSpPr/>
+          <p:nvPr/>
+        </p:nvSpPr>
+        <p:spPr>
+          <a:xfrm>
+            <a:off x="1189883" y="166788"/>
+            <a:ext cx="360040" cy="324036"/>
+          </a:xfrm>
+          <a:prstGeom prst="rect">
+            <a:avLst/>
+          </a:prstGeom>
+          <a:solidFill>
+            <a:srgbClr val="FFFF00"/>
+          </a:solidFill>
+        </p:spPr>
+        <p:style>
+          <a:lnRef idx="2">
+            <a:schemeClr val="accent1">
+              <a:shade val="50000"/>
+            </a:schemeClr>
+          </a:lnRef>
+          <a:fillRef idx="1">
+            <a:schemeClr val="accent1"/>
+          </a:fillRef>
+          <a:effectRef idx="0">
+            <a:schemeClr val="accent1"/>
+          </a:effectRef>
+          <a:fontRef idx="minor">
+            <a:schemeClr val="lt1"/>
+          </a:fontRef>
+        </p:style>
+        <p:txBody>
+          <a:bodyPr rtlCol="0" anchor="ctr"/>
+          <a:lstStyle/>
+          <a:p>
+            <a:pPr algn="ctr"/>
+            <a:endParaRPr lang="en-GB"/>
+          </a:p>
+        </p:txBody>
+      </p:sp>
+      <p:sp>
+        <p:nvSpPr>
+          <p:cNvPr id="2" name="Segnaposto piè di pagina 1"/>
+          <p:cNvSpPr>
+            <a:spLocks noGrp="1"/>
+          </p:cNvSpPr>
+          <p:nvPr>
+            <p:ph type="ftr" sz="quarter" idx="11"/>
+          </p:nvPr>
+        </p:nvSpPr>
+        <p:spPr/>
+        <p:txBody>
+          <a:bodyPr/>
+          <a:lstStyle/>
+          <a:p>
+            <a:r>
+              <a:rPr lang="it-IT" smtClean="0"/>
+              <a:t>ANatali  - DISI - ISSM2020  Univeristy of Bologna</a:t>
+            </a:r>
+            <a:endParaRPr lang="en-GB"/>
+          </a:p>
+        </p:txBody>
+      </p:sp>
+      <p:sp>
+        <p:nvSpPr>
+          <p:cNvPr id="3" name="Segnaposto numero diapositiva 2"/>
+          <p:cNvSpPr>
+            <a:spLocks noGrp="1"/>
+          </p:cNvSpPr>
+          <p:nvPr>
+            <p:ph type="sldNum" sz="quarter" idx="12"/>
+          </p:nvPr>
+        </p:nvSpPr>
+        <p:spPr/>
+        <p:txBody>
+          <a:bodyPr/>
+          <a:lstStyle/>
+          <a:p>
+            <a:fld id="{6F6A5AB3-AF76-4EC9-853D-D4C335162C13}" type="slidenum">
+              <a:rPr lang="en-GB" smtClean="0"/>
+              <a:t>35</a:t>
+            </a:fld>
+            <a:endParaRPr lang="en-GB"/>
+          </a:p>
+        </p:txBody>
+      </p:sp>
+      <p:sp>
+        <p:nvSpPr>
+          <p:cNvPr id="5" name="Ovale 4"/>
+          <p:cNvSpPr/>
+          <p:nvPr/>
+        </p:nvSpPr>
+        <p:spPr>
+          <a:xfrm>
+            <a:off x="1549922" y="2137137"/>
+            <a:ext cx="68456" cy="76254"/>
+          </a:xfrm>
+          <a:prstGeom prst="ellipse">
+            <a:avLst/>
+          </a:prstGeom>
+          <a:ln>
+            <a:solidFill>
+              <a:schemeClr val="bg1"/>
+            </a:solidFill>
+          </a:ln>
+        </p:spPr>
+        <p:style>
+          <a:lnRef idx="2">
+            <a:schemeClr val="accent2"/>
+          </a:lnRef>
+          <a:fillRef idx="1">
+            <a:schemeClr val="lt1"/>
+          </a:fillRef>
+          <a:effectRef idx="0">
+            <a:schemeClr val="accent2"/>
+          </a:effectRef>
+          <a:fontRef idx="minor">
+            <a:schemeClr val="dk1"/>
+          </a:fontRef>
+        </p:style>
+        <p:txBody>
+          <a:bodyPr rtlCol="0" anchor="ctr"/>
+          <a:lstStyle/>
+          <a:p>
+            <a:pPr algn="ctr"/>
+            <a:endParaRPr lang="en-GB" dirty="0"/>
+          </a:p>
+        </p:txBody>
+      </p:sp>
+      <p:sp>
+        <p:nvSpPr>
+          <p:cNvPr id="6" name="Ovale 5"/>
+          <p:cNvSpPr/>
+          <p:nvPr/>
+        </p:nvSpPr>
+        <p:spPr>
+          <a:xfrm>
+            <a:off x="2256935" y="2137137"/>
+            <a:ext cx="68456" cy="76254"/>
+          </a:xfrm>
+          <a:prstGeom prst="ellipse">
+            <a:avLst/>
+          </a:prstGeom>
+          <a:ln>
+            <a:solidFill>
+              <a:schemeClr val="bg1"/>
+            </a:solidFill>
+          </a:ln>
+        </p:spPr>
+        <p:style>
+          <a:lnRef idx="2">
+            <a:schemeClr val="accent2"/>
+          </a:lnRef>
+          <a:fillRef idx="1">
+            <a:schemeClr val="lt1"/>
+          </a:fillRef>
+          <a:effectRef idx="0">
+            <a:schemeClr val="accent2"/>
+          </a:effectRef>
+          <a:fontRef idx="minor">
+            <a:schemeClr val="dk1"/>
+          </a:fontRef>
+        </p:style>
+        <p:txBody>
+          <a:bodyPr rtlCol="0" anchor="ctr"/>
+          <a:lstStyle/>
+          <a:p>
+            <a:pPr algn="ctr"/>
+            <a:endParaRPr lang="en-GB" dirty="0"/>
+          </a:p>
+        </p:txBody>
+      </p:sp>
+      <p:sp>
+        <p:nvSpPr>
+          <p:cNvPr id="7" name="Ovale 6"/>
+          <p:cNvSpPr/>
+          <p:nvPr/>
+        </p:nvSpPr>
+        <p:spPr>
+          <a:xfrm>
+            <a:off x="2254766" y="266863"/>
+            <a:ext cx="68456" cy="76254"/>
+          </a:xfrm>
+          <a:prstGeom prst="ellipse">
+            <a:avLst/>
+          </a:prstGeom>
+          <a:ln>
+            <a:solidFill>
+              <a:schemeClr val="bg1"/>
+            </a:solidFill>
+          </a:ln>
+        </p:spPr>
+        <p:style>
+          <a:lnRef idx="2">
+            <a:schemeClr val="accent2"/>
+          </a:lnRef>
+          <a:fillRef idx="1">
+            <a:schemeClr val="lt1"/>
+          </a:fillRef>
+          <a:effectRef idx="0">
+            <a:schemeClr val="accent2"/>
+          </a:effectRef>
+          <a:fontRef idx="minor">
+            <a:schemeClr val="dk1"/>
+          </a:fontRef>
+        </p:style>
+        <p:txBody>
+          <a:bodyPr rtlCol="0" anchor="ctr"/>
+          <a:lstStyle/>
+          <a:p>
+            <a:pPr algn="ctr"/>
+            <a:endParaRPr lang="en-GB" dirty="0"/>
+          </a:p>
+        </p:txBody>
+      </p:sp>
+      <p:sp>
+        <p:nvSpPr>
+          <p:cNvPr id="8" name="Ovale 7"/>
+          <p:cNvSpPr/>
+          <p:nvPr/>
+        </p:nvSpPr>
+        <p:spPr>
+          <a:xfrm>
+            <a:off x="3134799" y="279145"/>
+            <a:ext cx="68456" cy="76254"/>
+          </a:xfrm>
+          <a:prstGeom prst="ellipse">
+            <a:avLst/>
+          </a:prstGeom>
+          <a:ln>
+            <a:solidFill>
+              <a:schemeClr val="bg1"/>
+            </a:solidFill>
+          </a:ln>
+        </p:spPr>
+        <p:style>
+          <a:lnRef idx="2">
+            <a:schemeClr val="accent2"/>
+          </a:lnRef>
+          <a:fillRef idx="1">
+            <a:schemeClr val="lt1"/>
+          </a:fillRef>
+          <a:effectRef idx="0">
+            <a:schemeClr val="accent2"/>
+          </a:effectRef>
+          <a:fontRef idx="minor">
+            <a:schemeClr val="dk1"/>
+          </a:fontRef>
+        </p:style>
+        <p:txBody>
+          <a:bodyPr rtlCol="0" anchor="ctr"/>
+          <a:lstStyle/>
+          <a:p>
+            <a:pPr algn="ctr"/>
+            <a:endParaRPr lang="en-GB" dirty="0"/>
+          </a:p>
+        </p:txBody>
+      </p:sp>
+      <p:sp>
+        <p:nvSpPr>
+          <p:cNvPr id="9" name="Ovale 8"/>
+          <p:cNvSpPr/>
+          <p:nvPr/>
+        </p:nvSpPr>
+        <p:spPr>
+          <a:xfrm>
+            <a:off x="3151812" y="2151352"/>
+            <a:ext cx="68456" cy="76254"/>
+          </a:xfrm>
+          <a:prstGeom prst="ellipse">
+            <a:avLst/>
+          </a:prstGeom>
+          <a:ln>
+            <a:solidFill>
+              <a:schemeClr val="bg1"/>
+            </a:solidFill>
+          </a:ln>
+        </p:spPr>
+        <p:style>
+          <a:lnRef idx="2">
+            <a:schemeClr val="accent2"/>
+          </a:lnRef>
+          <a:fillRef idx="1">
+            <a:schemeClr val="lt1"/>
+          </a:fillRef>
+          <a:effectRef idx="0">
+            <a:schemeClr val="accent2"/>
+          </a:effectRef>
+          <a:fontRef idx="minor">
+            <a:schemeClr val="dk1"/>
+          </a:fontRef>
+        </p:style>
+        <p:txBody>
+          <a:bodyPr rtlCol="0" anchor="ctr"/>
+          <a:lstStyle/>
+          <a:p>
+            <a:pPr algn="ctr"/>
+            <a:endParaRPr lang="en-GB" u="sng" dirty="0"/>
+          </a:p>
+        </p:txBody>
+      </p:sp>
+      <p:sp>
+        <p:nvSpPr>
+          <p:cNvPr id="12" name="Ovale 11"/>
+          <p:cNvSpPr/>
+          <p:nvPr/>
+        </p:nvSpPr>
+        <p:spPr>
+          <a:xfrm>
+            <a:off x="1202233" y="187364"/>
+            <a:ext cx="335339" cy="282884"/>
+          </a:xfrm>
+          <a:prstGeom prst="ellipse">
+            <a:avLst/>
+          </a:prstGeom>
+          <a:solidFill>
+            <a:srgbClr val="33CCCC"/>
+          </a:solidFill>
+          <a:ln>
+            <a:solidFill>
+              <a:srgbClr val="33CCCC"/>
+            </a:solidFill>
+          </a:ln>
+        </p:spPr>
+        <p:style>
+          <a:lnRef idx="2">
+            <a:schemeClr val="accent4"/>
+          </a:lnRef>
+          <a:fillRef idx="1">
+            <a:schemeClr val="lt1"/>
+          </a:fillRef>
+          <a:effectRef idx="0">
+            <a:schemeClr val="accent4"/>
+          </a:effectRef>
+          <a:fontRef idx="minor">
+            <a:schemeClr val="dk1"/>
+          </a:fontRef>
+        </p:style>
+        <p:txBody>
+          <a:bodyPr rtlCol="0" anchor="ctr"/>
+          <a:lstStyle/>
+          <a:p>
+            <a:pPr algn="ctr"/>
+            <a:r>
+              <a:rPr lang="it-IT" sz="1100" dirty="0" smtClean="0"/>
+              <a:t>R</a:t>
+            </a:r>
+            <a:endParaRPr lang="en-GB" sz="1100" dirty="0"/>
+          </a:p>
+        </p:txBody>
+      </p:sp>
+      <p:sp>
+        <p:nvSpPr>
+          <p:cNvPr id="16" name="Rettangolo 15"/>
+          <p:cNvSpPr/>
+          <p:nvPr/>
+        </p:nvSpPr>
+        <p:spPr>
+          <a:xfrm>
+            <a:off x="1189883" y="499060"/>
+            <a:ext cx="360040" cy="324036"/>
+          </a:xfrm>
+          <a:prstGeom prst="rect">
+            <a:avLst/>
+          </a:prstGeom>
+          <a:solidFill>
+            <a:srgbClr val="FFFF00"/>
+          </a:solidFill>
+        </p:spPr>
+        <p:style>
+          <a:lnRef idx="2">
+            <a:schemeClr val="accent1">
+              <a:shade val="50000"/>
+            </a:schemeClr>
+          </a:lnRef>
+          <a:fillRef idx="1">
+            <a:schemeClr val="accent1"/>
+          </a:fillRef>
+          <a:effectRef idx="0">
+            <a:schemeClr val="accent1"/>
+          </a:effectRef>
+          <a:fontRef idx="minor">
+            <a:schemeClr val="lt1"/>
+          </a:fontRef>
+        </p:style>
+        <p:txBody>
+          <a:bodyPr rtlCol="0" anchor="ctr"/>
+          <a:lstStyle/>
+          <a:p>
+            <a:pPr algn="ctr"/>
+            <a:endParaRPr lang="en-GB"/>
+          </a:p>
+        </p:txBody>
+      </p:sp>
+      <p:sp>
+        <p:nvSpPr>
+          <p:cNvPr id="17" name="Rettangolo 16"/>
+          <p:cNvSpPr/>
+          <p:nvPr/>
+        </p:nvSpPr>
+        <p:spPr>
+          <a:xfrm>
+            <a:off x="1549923" y="175024"/>
+            <a:ext cx="360040" cy="324036"/>
+          </a:xfrm>
+          <a:prstGeom prst="rect">
+            <a:avLst/>
+          </a:prstGeom>
+          <a:solidFill>
+            <a:srgbClr val="FFFF00"/>
+          </a:solidFill>
+        </p:spPr>
+        <p:style>
+          <a:lnRef idx="2">
+            <a:schemeClr val="accent1">
+              <a:shade val="50000"/>
+            </a:schemeClr>
+          </a:lnRef>
+          <a:fillRef idx="1">
+            <a:schemeClr val="accent1"/>
+          </a:fillRef>
+          <a:effectRef idx="0">
+            <a:schemeClr val="accent1"/>
+          </a:effectRef>
+          <a:fontRef idx="minor">
+            <a:schemeClr val="lt1"/>
+          </a:fontRef>
+        </p:style>
+        <p:txBody>
+          <a:bodyPr rtlCol="0" anchor="ctr"/>
+          <a:lstStyle/>
+          <a:p>
+            <a:pPr algn="ctr"/>
+            <a:endParaRPr lang="en-GB"/>
+          </a:p>
+        </p:txBody>
+      </p:sp>
+      <p:sp>
+        <p:nvSpPr>
+          <p:cNvPr id="18" name="Rettangolo 17"/>
+          <p:cNvSpPr/>
+          <p:nvPr/>
+        </p:nvSpPr>
+        <p:spPr>
+          <a:xfrm>
+            <a:off x="1189883" y="823096"/>
+            <a:ext cx="360040" cy="324036"/>
+          </a:xfrm>
+          <a:prstGeom prst="rect">
+            <a:avLst/>
+          </a:prstGeom>
+          <a:solidFill>
+            <a:srgbClr val="FFFF00"/>
+          </a:solidFill>
+        </p:spPr>
+        <p:style>
+          <a:lnRef idx="2">
+            <a:schemeClr val="accent1">
+              <a:shade val="50000"/>
+            </a:schemeClr>
+          </a:lnRef>
+          <a:fillRef idx="1">
+            <a:schemeClr val="accent1"/>
+          </a:fillRef>
+          <a:effectRef idx="0">
+            <a:schemeClr val="accent1"/>
+          </a:effectRef>
+          <a:fontRef idx="minor">
+            <a:schemeClr val="lt1"/>
+          </a:fontRef>
+        </p:style>
+        <p:txBody>
+          <a:bodyPr rtlCol="0" anchor="ctr"/>
+          <a:lstStyle/>
+          <a:p>
+            <a:pPr algn="ctr"/>
+            <a:endParaRPr lang="en-GB"/>
+          </a:p>
+        </p:txBody>
+      </p:sp>
+      <p:sp>
+        <p:nvSpPr>
+          <p:cNvPr id="19" name="Rettangolo 18"/>
+          <p:cNvSpPr/>
+          <p:nvPr/>
+        </p:nvSpPr>
+        <p:spPr>
+          <a:xfrm>
+            <a:off x="1177532" y="1133965"/>
+            <a:ext cx="360040" cy="324036"/>
+          </a:xfrm>
+          <a:prstGeom prst="rect">
+            <a:avLst/>
+          </a:prstGeom>
+          <a:solidFill>
+            <a:srgbClr val="FFFF00"/>
+          </a:solidFill>
+        </p:spPr>
+        <p:style>
+          <a:lnRef idx="2">
+            <a:schemeClr val="accent1">
+              <a:shade val="50000"/>
+            </a:schemeClr>
+          </a:lnRef>
+          <a:fillRef idx="1">
+            <a:schemeClr val="accent1"/>
+          </a:fillRef>
+          <a:effectRef idx="0">
+            <a:schemeClr val="accent1"/>
+          </a:effectRef>
+          <a:fontRef idx="minor">
+            <a:schemeClr val="lt1"/>
+          </a:fontRef>
+        </p:style>
+        <p:txBody>
+          <a:bodyPr rtlCol="0" anchor="ctr"/>
+          <a:lstStyle/>
+          <a:p>
+            <a:pPr algn="ctr"/>
+            <a:endParaRPr lang="en-GB"/>
+          </a:p>
+        </p:txBody>
+      </p:sp>
+      <p:sp>
+        <p:nvSpPr>
+          <p:cNvPr id="20" name="Rettangolo 19"/>
+          <p:cNvSpPr/>
+          <p:nvPr/>
+        </p:nvSpPr>
+        <p:spPr>
+          <a:xfrm>
+            <a:off x="1177532" y="1458001"/>
+            <a:ext cx="360040" cy="324036"/>
+          </a:xfrm>
+          <a:prstGeom prst="rect">
+            <a:avLst/>
+          </a:prstGeom>
+          <a:solidFill>
+            <a:srgbClr val="FFFF00"/>
+          </a:solidFill>
+        </p:spPr>
+        <p:style>
+          <a:lnRef idx="2">
+            <a:schemeClr val="accent1">
+              <a:shade val="50000"/>
+            </a:schemeClr>
+          </a:lnRef>
+          <a:fillRef idx="1">
+            <a:schemeClr val="accent1"/>
+          </a:fillRef>
+          <a:effectRef idx="0">
+            <a:schemeClr val="accent1"/>
+          </a:effectRef>
+          <a:fontRef idx="minor">
+            <a:schemeClr val="lt1"/>
+          </a:fontRef>
+        </p:style>
+        <p:txBody>
+          <a:bodyPr rtlCol="0" anchor="ctr"/>
+          <a:lstStyle/>
+          <a:p>
+            <a:pPr algn="ctr"/>
+            <a:endParaRPr lang="en-GB"/>
+          </a:p>
+        </p:txBody>
+      </p:sp>
+      <p:sp>
+        <p:nvSpPr>
+          <p:cNvPr id="21" name="CasellaDiTesto 20"/>
+          <p:cNvSpPr txBox="1"/>
+          <p:nvPr/>
+        </p:nvSpPr>
+        <p:spPr>
+          <a:xfrm>
+            <a:off x="6306437" y="260648"/>
+            <a:ext cx="862737" cy="646331"/>
+          </a:xfrm>
+          <a:prstGeom prst="rect">
+            <a:avLst/>
+          </a:prstGeom>
+          <a:noFill/>
+        </p:spPr>
+        <p:txBody>
+          <a:bodyPr wrap="none" rtlCol="0">
+            <a:spAutoFit/>
+          </a:bodyPr>
+          <a:lstStyle/>
+          <a:p>
+            <a:r>
+              <a:rPr lang="it-IT" sz="3600" dirty="0" err="1" smtClean="0"/>
+              <a:t>step</a:t>
+            </a:r>
+            <a:endParaRPr lang="en-GB" sz="3600" dirty="0"/>
+          </a:p>
+        </p:txBody>
+      </p:sp>
+      <p:sp>
+        <p:nvSpPr>
+          <p:cNvPr id="22" name="Rettangolo 21"/>
+          <p:cNvSpPr/>
+          <p:nvPr/>
+        </p:nvSpPr>
+        <p:spPr>
+          <a:xfrm>
+            <a:off x="1177532" y="1787725"/>
+            <a:ext cx="360040" cy="324036"/>
+          </a:xfrm>
+          <a:prstGeom prst="rect">
+            <a:avLst/>
+          </a:prstGeom>
+          <a:solidFill>
+            <a:srgbClr val="FFFF00"/>
+          </a:solidFill>
+        </p:spPr>
+        <p:style>
+          <a:lnRef idx="2">
+            <a:schemeClr val="accent1">
+              <a:shade val="50000"/>
+            </a:schemeClr>
+          </a:lnRef>
+          <a:fillRef idx="1">
+            <a:schemeClr val="accent1"/>
+          </a:fillRef>
+          <a:effectRef idx="0">
+            <a:schemeClr val="accent1"/>
+          </a:effectRef>
+          <a:fontRef idx="minor">
+            <a:schemeClr val="lt1"/>
+          </a:fontRef>
+        </p:style>
+        <p:txBody>
+          <a:bodyPr rtlCol="0" anchor="ctr"/>
+          <a:lstStyle/>
+          <a:p>
+            <a:pPr algn="ctr"/>
+            <a:endParaRPr lang="en-GB"/>
+          </a:p>
+        </p:txBody>
+      </p:sp>
+      <p:sp>
+        <p:nvSpPr>
+          <p:cNvPr id="23" name="Rettangolo 22"/>
+          <p:cNvSpPr/>
+          <p:nvPr/>
+        </p:nvSpPr>
+        <p:spPr>
+          <a:xfrm>
+            <a:off x="1505326" y="1787725"/>
+            <a:ext cx="360040" cy="324036"/>
+          </a:xfrm>
+          <a:prstGeom prst="rect">
+            <a:avLst/>
+          </a:prstGeom>
+          <a:solidFill>
+            <a:srgbClr val="FFFF00"/>
+          </a:solidFill>
+        </p:spPr>
+        <p:style>
+          <a:lnRef idx="2">
+            <a:schemeClr val="accent1">
+              <a:shade val="50000"/>
+            </a:schemeClr>
+          </a:lnRef>
+          <a:fillRef idx="1">
+            <a:schemeClr val="accent1"/>
+          </a:fillRef>
+          <a:effectRef idx="0">
+            <a:schemeClr val="accent1"/>
+          </a:effectRef>
+          <a:fontRef idx="minor">
+            <a:schemeClr val="lt1"/>
+          </a:fontRef>
+        </p:style>
+        <p:txBody>
+          <a:bodyPr rtlCol="0" anchor="ctr"/>
+          <a:lstStyle/>
+          <a:p>
+            <a:pPr algn="ctr"/>
+            <a:endParaRPr lang="en-GB"/>
+          </a:p>
+        </p:txBody>
+      </p:sp>
+      <p:sp>
+        <p:nvSpPr>
+          <p:cNvPr id="24" name="Rettangolo 23"/>
+          <p:cNvSpPr/>
+          <p:nvPr/>
+        </p:nvSpPr>
+        <p:spPr>
+          <a:xfrm>
+            <a:off x="1843650" y="1778107"/>
+            <a:ext cx="360040" cy="324036"/>
+          </a:xfrm>
+          <a:prstGeom prst="rect">
+            <a:avLst/>
+          </a:prstGeom>
+          <a:solidFill>
+            <a:srgbClr val="FFFF00"/>
+          </a:solidFill>
+        </p:spPr>
+        <p:style>
+          <a:lnRef idx="2">
+            <a:schemeClr val="accent1">
+              <a:shade val="50000"/>
+            </a:schemeClr>
+          </a:lnRef>
+          <a:fillRef idx="1">
+            <a:schemeClr val="accent1"/>
+          </a:fillRef>
+          <a:effectRef idx="0">
+            <a:schemeClr val="accent1"/>
+          </a:effectRef>
+          <a:fontRef idx="minor">
+            <a:schemeClr val="lt1"/>
+          </a:fontRef>
+        </p:style>
+        <p:txBody>
+          <a:bodyPr rtlCol="0" anchor="ctr"/>
+          <a:lstStyle/>
+          <a:p>
+            <a:pPr algn="ctr"/>
+            <a:endParaRPr lang="en-GB"/>
+          </a:p>
+        </p:txBody>
+      </p:sp>
+      <p:sp>
+        <p:nvSpPr>
+          <p:cNvPr id="25" name="Rettangolo 24"/>
+          <p:cNvSpPr/>
+          <p:nvPr/>
+        </p:nvSpPr>
+        <p:spPr>
+          <a:xfrm>
+            <a:off x="2171444" y="1778107"/>
+            <a:ext cx="360040" cy="324036"/>
+          </a:xfrm>
+          <a:prstGeom prst="rect">
+            <a:avLst/>
+          </a:prstGeom>
+          <a:solidFill>
+            <a:srgbClr val="FFFF00"/>
+          </a:solidFill>
+        </p:spPr>
+        <p:style>
+          <a:lnRef idx="2">
+            <a:schemeClr val="accent1">
+              <a:shade val="50000"/>
+            </a:schemeClr>
+          </a:lnRef>
+          <a:fillRef idx="1">
+            <a:schemeClr val="accent1"/>
+          </a:fillRef>
+          <a:effectRef idx="0">
+            <a:schemeClr val="accent1"/>
+          </a:effectRef>
+          <a:fontRef idx="minor">
+            <a:schemeClr val="lt1"/>
+          </a:fontRef>
+        </p:style>
+        <p:txBody>
+          <a:bodyPr rtlCol="0" anchor="ctr"/>
+          <a:lstStyle/>
+          <a:p>
+            <a:pPr algn="ctr"/>
+            <a:endParaRPr lang="en-GB"/>
+          </a:p>
+        </p:txBody>
+      </p:sp>
+      <p:sp>
+        <p:nvSpPr>
+          <p:cNvPr id="26" name="Rettangolo 25"/>
+          <p:cNvSpPr/>
+          <p:nvPr/>
+        </p:nvSpPr>
+        <p:spPr>
+          <a:xfrm>
+            <a:off x="2531484" y="1805200"/>
+            <a:ext cx="360040" cy="324036"/>
+          </a:xfrm>
+          <a:prstGeom prst="rect">
+            <a:avLst/>
+          </a:prstGeom>
+          <a:solidFill>
+            <a:srgbClr val="FFFF00"/>
+          </a:solidFill>
+        </p:spPr>
+        <p:style>
+          <a:lnRef idx="2">
+            <a:schemeClr val="accent1">
+              <a:shade val="50000"/>
+            </a:schemeClr>
+          </a:lnRef>
+          <a:fillRef idx="1">
+            <a:schemeClr val="accent1"/>
+          </a:fillRef>
+          <a:effectRef idx="0">
+            <a:schemeClr val="accent1"/>
+          </a:effectRef>
+          <a:fontRef idx="minor">
+            <a:schemeClr val="lt1"/>
+          </a:fontRef>
+        </p:style>
+        <p:txBody>
+          <a:bodyPr rtlCol="0" anchor="ctr"/>
+          <a:lstStyle/>
+          <a:p>
+            <a:pPr algn="ctr"/>
+            <a:endParaRPr lang="en-GB"/>
+          </a:p>
+        </p:txBody>
+      </p:sp>
+      <p:sp>
+        <p:nvSpPr>
+          <p:cNvPr id="27" name="Rettangolo 26"/>
+          <p:cNvSpPr/>
+          <p:nvPr/>
+        </p:nvSpPr>
+        <p:spPr>
+          <a:xfrm>
+            <a:off x="2945054" y="1819416"/>
+            <a:ext cx="360040" cy="324036"/>
+          </a:xfrm>
+          <a:prstGeom prst="rect">
+            <a:avLst/>
+          </a:prstGeom>
+          <a:solidFill>
+            <a:srgbClr val="FFFF00"/>
+          </a:solidFill>
+        </p:spPr>
+        <p:style>
+          <a:lnRef idx="2">
+            <a:schemeClr val="accent1">
+              <a:shade val="50000"/>
+            </a:schemeClr>
+          </a:lnRef>
+          <a:fillRef idx="1">
+            <a:schemeClr val="accent1"/>
+          </a:fillRef>
+          <a:effectRef idx="0">
+            <a:schemeClr val="accent1"/>
+          </a:effectRef>
+          <a:fontRef idx="minor">
+            <a:schemeClr val="lt1"/>
+          </a:fontRef>
+        </p:style>
+        <p:txBody>
+          <a:bodyPr rtlCol="0" anchor="ctr"/>
+          <a:lstStyle/>
+          <a:p>
+            <a:pPr algn="ctr"/>
+            <a:endParaRPr lang="en-GB"/>
+          </a:p>
+        </p:txBody>
+      </p:sp>
+      <p:sp>
+        <p:nvSpPr>
+          <p:cNvPr id="28" name="Rettangolo 27"/>
+          <p:cNvSpPr/>
+          <p:nvPr/>
+        </p:nvSpPr>
+        <p:spPr>
+          <a:xfrm>
+            <a:off x="2932595" y="206715"/>
+            <a:ext cx="360040" cy="324036"/>
+          </a:xfrm>
+          <a:prstGeom prst="rect">
+            <a:avLst/>
+          </a:prstGeom>
+          <a:solidFill>
+            <a:srgbClr val="FFFF00"/>
+          </a:solidFill>
+        </p:spPr>
+        <p:style>
+          <a:lnRef idx="2">
+            <a:schemeClr val="accent1">
+              <a:shade val="50000"/>
+            </a:schemeClr>
+          </a:lnRef>
+          <a:fillRef idx="1">
+            <a:schemeClr val="accent1"/>
+          </a:fillRef>
+          <a:effectRef idx="0">
+            <a:schemeClr val="accent1"/>
+          </a:effectRef>
+          <a:fontRef idx="minor">
+            <a:schemeClr val="lt1"/>
+          </a:fontRef>
+        </p:style>
+        <p:txBody>
+          <a:bodyPr rtlCol="0" anchor="ctr"/>
+          <a:lstStyle/>
+          <a:p>
+            <a:pPr algn="ctr"/>
+            <a:endParaRPr lang="en-GB"/>
+          </a:p>
+        </p:txBody>
+      </p:sp>
+      <p:sp>
+        <p:nvSpPr>
+          <p:cNvPr id="29" name="Rettangolo 28"/>
+          <p:cNvSpPr/>
+          <p:nvPr/>
+        </p:nvSpPr>
+        <p:spPr>
+          <a:xfrm>
+            <a:off x="2932595" y="530751"/>
+            <a:ext cx="360040" cy="324036"/>
+          </a:xfrm>
+          <a:prstGeom prst="rect">
+            <a:avLst/>
+          </a:prstGeom>
+          <a:solidFill>
+            <a:srgbClr val="FFFF00"/>
+          </a:solidFill>
+        </p:spPr>
+        <p:style>
+          <a:lnRef idx="2">
+            <a:schemeClr val="accent1">
+              <a:shade val="50000"/>
+            </a:schemeClr>
+          </a:lnRef>
+          <a:fillRef idx="1">
+            <a:schemeClr val="accent1"/>
+          </a:fillRef>
+          <a:effectRef idx="0">
+            <a:schemeClr val="accent1"/>
+          </a:effectRef>
+          <a:fontRef idx="minor">
+            <a:schemeClr val="lt1"/>
+          </a:fontRef>
+        </p:style>
+        <p:txBody>
+          <a:bodyPr rtlCol="0" anchor="ctr"/>
+          <a:lstStyle/>
+          <a:p>
+            <a:pPr algn="ctr"/>
+            <a:endParaRPr lang="en-GB"/>
+          </a:p>
+        </p:txBody>
+      </p:sp>
+      <p:sp>
+        <p:nvSpPr>
+          <p:cNvPr id="30" name="Rettangolo 29"/>
+          <p:cNvSpPr/>
+          <p:nvPr/>
+        </p:nvSpPr>
+        <p:spPr>
+          <a:xfrm>
+            <a:off x="2920244" y="841620"/>
+            <a:ext cx="360040" cy="324036"/>
+          </a:xfrm>
+          <a:prstGeom prst="rect">
+            <a:avLst/>
+          </a:prstGeom>
+          <a:solidFill>
+            <a:srgbClr val="FFFF00"/>
+          </a:solidFill>
+        </p:spPr>
+        <p:style>
+          <a:lnRef idx="2">
+            <a:schemeClr val="accent1">
+              <a:shade val="50000"/>
+            </a:schemeClr>
+          </a:lnRef>
+          <a:fillRef idx="1">
+            <a:schemeClr val="accent1"/>
+          </a:fillRef>
+          <a:effectRef idx="0">
+            <a:schemeClr val="accent1"/>
+          </a:effectRef>
+          <a:fontRef idx="minor">
+            <a:schemeClr val="lt1"/>
+          </a:fontRef>
+        </p:style>
+        <p:txBody>
+          <a:bodyPr rtlCol="0" anchor="ctr"/>
+          <a:lstStyle/>
+          <a:p>
+            <a:pPr algn="ctr"/>
+            <a:endParaRPr lang="en-GB"/>
+          </a:p>
+        </p:txBody>
+      </p:sp>
+      <p:sp>
+        <p:nvSpPr>
+          <p:cNvPr id="31" name="Rettangolo 30"/>
+          <p:cNvSpPr/>
+          <p:nvPr/>
+        </p:nvSpPr>
+        <p:spPr>
+          <a:xfrm>
+            <a:off x="2920244" y="1165656"/>
+            <a:ext cx="360040" cy="324036"/>
+          </a:xfrm>
+          <a:prstGeom prst="rect">
+            <a:avLst/>
+          </a:prstGeom>
+          <a:solidFill>
+            <a:srgbClr val="FFFF00"/>
+          </a:solidFill>
+        </p:spPr>
+        <p:style>
+          <a:lnRef idx="2">
+            <a:schemeClr val="accent1">
+              <a:shade val="50000"/>
+            </a:schemeClr>
+          </a:lnRef>
+          <a:fillRef idx="1">
+            <a:schemeClr val="accent1"/>
+          </a:fillRef>
+          <a:effectRef idx="0">
+            <a:schemeClr val="accent1"/>
+          </a:effectRef>
+          <a:fontRef idx="minor">
+            <a:schemeClr val="lt1"/>
+          </a:fontRef>
+        </p:style>
+        <p:txBody>
+          <a:bodyPr rtlCol="0" anchor="ctr"/>
+          <a:lstStyle/>
+          <a:p>
+            <a:pPr algn="ctr"/>
+            <a:endParaRPr lang="en-GB"/>
+          </a:p>
+        </p:txBody>
+      </p:sp>
+      <p:sp>
+        <p:nvSpPr>
+          <p:cNvPr id="32" name="Rettangolo 31"/>
+          <p:cNvSpPr/>
+          <p:nvPr/>
+        </p:nvSpPr>
+        <p:spPr>
+          <a:xfrm>
+            <a:off x="2920244" y="1495380"/>
+            <a:ext cx="360040" cy="324036"/>
+          </a:xfrm>
+          <a:prstGeom prst="rect">
+            <a:avLst/>
+          </a:prstGeom>
+          <a:solidFill>
+            <a:srgbClr val="FFFF00"/>
+          </a:solidFill>
+        </p:spPr>
+        <p:style>
+          <a:lnRef idx="2">
+            <a:schemeClr val="accent1">
+              <a:shade val="50000"/>
+            </a:schemeClr>
+          </a:lnRef>
+          <a:fillRef idx="1">
+            <a:schemeClr val="accent1"/>
+          </a:fillRef>
+          <a:effectRef idx="0">
+            <a:schemeClr val="accent1"/>
+          </a:effectRef>
+          <a:fontRef idx="minor">
+            <a:schemeClr val="lt1"/>
+          </a:fontRef>
+        </p:style>
+        <p:txBody>
+          <a:bodyPr rtlCol="0" anchor="ctr"/>
+          <a:lstStyle/>
+          <a:p>
+            <a:pPr algn="ctr"/>
+            <a:endParaRPr lang="en-GB"/>
+          </a:p>
+        </p:txBody>
+      </p:sp>
+      <p:sp>
+        <p:nvSpPr>
+          <p:cNvPr id="33" name="Ovale 32"/>
+          <p:cNvSpPr/>
+          <p:nvPr/>
+        </p:nvSpPr>
+        <p:spPr>
+          <a:xfrm>
+            <a:off x="2315937" y="532320"/>
+            <a:ext cx="68456" cy="76254"/>
+          </a:xfrm>
+          <a:prstGeom prst="ellipse">
+            <a:avLst/>
+          </a:prstGeom>
+          <a:ln>
+            <a:solidFill>
+              <a:schemeClr val="bg1"/>
+            </a:solidFill>
+          </a:ln>
+        </p:spPr>
+        <p:style>
+          <a:lnRef idx="2">
+            <a:schemeClr val="accent2"/>
+          </a:lnRef>
+          <a:fillRef idx="1">
+            <a:schemeClr val="lt1"/>
+          </a:fillRef>
+          <a:effectRef idx="0">
+            <a:schemeClr val="accent2"/>
+          </a:effectRef>
+          <a:fontRef idx="minor">
+            <a:schemeClr val="dk1"/>
+          </a:fontRef>
+        </p:style>
+        <p:txBody>
+          <a:bodyPr rtlCol="0" anchor="ctr"/>
+          <a:lstStyle/>
+          <a:p>
+            <a:pPr algn="ctr"/>
+            <a:endParaRPr lang="en-GB" dirty="0"/>
+          </a:p>
+        </p:txBody>
+      </p:sp>
+      <p:sp>
+        <p:nvSpPr>
+          <p:cNvPr id="34" name="Ovale 33"/>
+          <p:cNvSpPr/>
+          <p:nvPr/>
+        </p:nvSpPr>
+        <p:spPr>
+          <a:xfrm>
+            <a:off x="3108726" y="546536"/>
+            <a:ext cx="68456" cy="76254"/>
+          </a:xfrm>
+          <a:prstGeom prst="ellipse">
+            <a:avLst/>
+          </a:prstGeom>
+          <a:ln>
+            <a:solidFill>
+              <a:schemeClr val="bg1"/>
+            </a:solidFill>
+          </a:ln>
+        </p:spPr>
+        <p:style>
+          <a:lnRef idx="2">
+            <a:schemeClr val="accent2"/>
+          </a:lnRef>
+          <a:fillRef idx="1">
+            <a:schemeClr val="lt1"/>
+          </a:fillRef>
+          <a:effectRef idx="0">
+            <a:schemeClr val="accent2"/>
+          </a:effectRef>
+          <a:fontRef idx="minor">
+            <a:schemeClr val="dk1"/>
+          </a:fontRef>
+        </p:style>
+        <p:txBody>
+          <a:bodyPr rtlCol="0" anchor="ctr"/>
+          <a:lstStyle/>
+          <a:p>
+            <a:pPr algn="ctr"/>
+            <a:endParaRPr lang="en-GB" dirty="0"/>
+          </a:p>
+        </p:txBody>
+      </p:sp>
+      <p:sp>
+        <p:nvSpPr>
+          <p:cNvPr id="35" name="Rettangolo 34"/>
+          <p:cNvSpPr/>
+          <p:nvPr/>
+        </p:nvSpPr>
+        <p:spPr>
+          <a:xfrm>
+            <a:off x="1943547" y="182908"/>
+            <a:ext cx="360040" cy="324036"/>
+          </a:xfrm>
+          <a:prstGeom prst="rect">
+            <a:avLst/>
+          </a:prstGeom>
+          <a:solidFill>
+            <a:srgbClr val="FFFF00"/>
+          </a:solidFill>
+        </p:spPr>
+        <p:style>
+          <a:lnRef idx="2">
+            <a:schemeClr val="accent1">
+              <a:shade val="50000"/>
+            </a:schemeClr>
+          </a:lnRef>
+          <a:fillRef idx="1">
+            <a:schemeClr val="accent1"/>
+          </a:fillRef>
+          <a:effectRef idx="0">
+            <a:schemeClr val="accent1"/>
+          </a:effectRef>
+          <a:fontRef idx="minor">
+            <a:schemeClr val="lt1"/>
+          </a:fontRef>
+        </p:style>
+        <p:txBody>
+          <a:bodyPr rtlCol="0" anchor="ctr"/>
+          <a:lstStyle/>
+          <a:p>
+            <a:pPr algn="ctr"/>
+            <a:endParaRPr lang="en-GB"/>
+          </a:p>
+        </p:txBody>
+      </p:sp>
+      <p:sp>
+        <p:nvSpPr>
+          <p:cNvPr id="36" name="Rettangolo 35"/>
+          <p:cNvSpPr/>
+          <p:nvPr/>
+        </p:nvSpPr>
+        <p:spPr>
+          <a:xfrm>
+            <a:off x="2271341" y="182908"/>
+            <a:ext cx="360040" cy="324036"/>
+          </a:xfrm>
+          <a:prstGeom prst="rect">
+            <a:avLst/>
+          </a:prstGeom>
+          <a:solidFill>
+            <a:srgbClr val="FFFF00"/>
+          </a:solidFill>
+        </p:spPr>
+        <p:style>
+          <a:lnRef idx="2">
+            <a:schemeClr val="accent1">
+              <a:shade val="50000"/>
+            </a:schemeClr>
+          </a:lnRef>
+          <a:fillRef idx="1">
+            <a:schemeClr val="accent1"/>
+          </a:fillRef>
+          <a:effectRef idx="0">
+            <a:schemeClr val="accent1"/>
+          </a:effectRef>
+          <a:fontRef idx="minor">
+            <a:schemeClr val="lt1"/>
+          </a:fontRef>
+        </p:style>
+        <p:txBody>
+          <a:bodyPr rtlCol="0" anchor="ctr"/>
+          <a:lstStyle/>
+          <a:p>
+            <a:pPr algn="ctr"/>
+            <a:endParaRPr lang="en-GB"/>
+          </a:p>
+        </p:txBody>
+      </p:sp>
+      <p:sp>
+        <p:nvSpPr>
+          <p:cNvPr id="37" name="Rettangolo 36"/>
+          <p:cNvSpPr/>
+          <p:nvPr/>
+        </p:nvSpPr>
+        <p:spPr>
+          <a:xfrm>
+            <a:off x="2609665" y="173290"/>
+            <a:ext cx="360040" cy="324036"/>
+          </a:xfrm>
+          <a:prstGeom prst="rect">
+            <a:avLst/>
+          </a:prstGeom>
+          <a:solidFill>
+            <a:srgbClr val="FFFF00"/>
+          </a:solidFill>
+        </p:spPr>
+        <p:style>
+          <a:lnRef idx="2">
+            <a:schemeClr val="accent1">
+              <a:shade val="50000"/>
+            </a:schemeClr>
+          </a:lnRef>
+          <a:fillRef idx="1">
+            <a:schemeClr val="accent1"/>
+          </a:fillRef>
+          <a:effectRef idx="0">
+            <a:schemeClr val="accent1"/>
+          </a:effectRef>
+          <a:fontRef idx="minor">
+            <a:schemeClr val="lt1"/>
+          </a:fontRef>
+        </p:style>
+        <p:txBody>
+          <a:bodyPr rtlCol="0" anchor="ctr"/>
+          <a:lstStyle/>
+          <a:p>
+            <a:pPr algn="ctr"/>
+            <a:endParaRPr lang="en-GB"/>
+          </a:p>
+        </p:txBody>
+      </p:sp>
+      <p:sp>
+        <p:nvSpPr>
+          <p:cNvPr id="38" name="Rettangolo 37"/>
+          <p:cNvSpPr/>
+          <p:nvPr/>
+        </p:nvSpPr>
+        <p:spPr>
+          <a:xfrm>
+            <a:off x="2988790" y="146212"/>
+            <a:ext cx="360040" cy="324036"/>
+          </a:xfrm>
+          <a:prstGeom prst="rect">
+            <a:avLst/>
+          </a:prstGeom>
+          <a:solidFill>
+            <a:srgbClr val="FFFF00"/>
+          </a:solidFill>
+        </p:spPr>
+        <p:style>
+          <a:lnRef idx="2">
+            <a:schemeClr val="accent1">
+              <a:shade val="50000"/>
+            </a:schemeClr>
+          </a:lnRef>
+          <a:fillRef idx="1">
+            <a:schemeClr val="accent1"/>
+          </a:fillRef>
+          <a:effectRef idx="0">
+            <a:schemeClr val="accent1"/>
+          </a:effectRef>
+          <a:fontRef idx="minor">
+            <a:schemeClr val="lt1"/>
+          </a:fontRef>
+        </p:style>
+        <p:txBody>
+          <a:bodyPr rtlCol="0" anchor="ctr"/>
+          <a:lstStyle/>
+          <a:p>
+            <a:pPr algn="ctr"/>
+            <a:endParaRPr lang="en-GB"/>
+          </a:p>
+        </p:txBody>
+      </p:sp>
+      <p:sp>
+        <p:nvSpPr>
+          <p:cNvPr id="39" name="CasellaDiTesto 38"/>
+          <p:cNvSpPr txBox="1"/>
+          <p:nvPr/>
+        </p:nvSpPr>
+        <p:spPr>
+          <a:xfrm>
+            <a:off x="5427109" y="1036730"/>
+            <a:ext cx="2545825" cy="646331"/>
+          </a:xfrm>
+          <a:prstGeom prst="rect">
+            <a:avLst/>
+          </a:prstGeom>
+          <a:noFill/>
+        </p:spPr>
+        <p:txBody>
+          <a:bodyPr wrap="none" rtlCol="0">
+            <a:spAutoFit/>
+          </a:bodyPr>
+          <a:lstStyle/>
+          <a:p>
+            <a:r>
+              <a:rPr lang="it-IT" sz="3600" dirty="0" smtClean="0"/>
+              <a:t>Matrice n x m</a:t>
+            </a:r>
+            <a:endParaRPr lang="en-GB" sz="3600" dirty="0"/>
+          </a:p>
+        </p:txBody>
+      </p:sp>
+      <p:sp>
+        <p:nvSpPr>
+          <p:cNvPr id="40" name="Ovale 39"/>
+          <p:cNvSpPr/>
+          <p:nvPr/>
+        </p:nvSpPr>
+        <p:spPr>
+          <a:xfrm>
+            <a:off x="292201" y="166788"/>
+            <a:ext cx="335339" cy="282884"/>
+          </a:xfrm>
+          <a:prstGeom prst="ellipse">
+            <a:avLst/>
+          </a:prstGeom>
+          <a:solidFill>
+            <a:srgbClr val="33CCCC"/>
+          </a:solidFill>
+          <a:ln>
+            <a:solidFill>
+              <a:srgbClr val="33CCCC"/>
+            </a:solidFill>
+          </a:ln>
+        </p:spPr>
+        <p:style>
+          <a:lnRef idx="2">
+            <a:schemeClr val="accent4"/>
+          </a:lnRef>
+          <a:fillRef idx="1">
+            <a:schemeClr val="lt1"/>
+          </a:fillRef>
+          <a:effectRef idx="0">
+            <a:schemeClr val="accent4"/>
+          </a:effectRef>
+          <a:fontRef idx="minor">
+            <a:schemeClr val="dk1"/>
+          </a:fontRef>
+        </p:style>
+        <p:txBody>
+          <a:bodyPr rtlCol="0" anchor="ctr"/>
+          <a:lstStyle/>
+          <a:p>
+            <a:pPr algn="ctr"/>
+            <a:r>
+              <a:rPr lang="it-IT" sz="1100" dirty="0" smtClean="0"/>
+              <a:t>R</a:t>
+            </a:r>
+            <a:endParaRPr lang="en-GB" sz="1100" dirty="0"/>
+          </a:p>
+        </p:txBody>
+      </p:sp>
+      <p:sp>
+        <p:nvSpPr>
+          <p:cNvPr id="41" name="Rettangolo 40"/>
+          <p:cNvSpPr/>
+          <p:nvPr/>
+        </p:nvSpPr>
+        <p:spPr>
+          <a:xfrm>
+            <a:off x="1053815" y="2713991"/>
+            <a:ext cx="4238265" cy="3327325"/>
+          </a:xfrm>
+          <a:prstGeom prst="rect">
+            <a:avLst/>
+          </a:prstGeom>
+          <a:solidFill>
+            <a:schemeClr val="bg1"/>
+          </a:solidFill>
+          <a:ln>
+            <a:solidFill>
+              <a:srgbClr val="1318ED"/>
+            </a:solidFill>
+          </a:ln>
+        </p:spPr>
+        <p:style>
+          <a:lnRef idx="2">
+            <a:schemeClr val="accent1">
+              <a:shade val="50000"/>
+            </a:schemeClr>
+          </a:lnRef>
+          <a:fillRef idx="1">
+            <a:schemeClr val="accent1"/>
+          </a:fillRef>
+          <a:effectRef idx="0">
+            <a:schemeClr val="accent1"/>
+          </a:effectRef>
+          <a:fontRef idx="minor">
+            <a:schemeClr val="lt1"/>
+          </a:fontRef>
+        </p:style>
+        <p:txBody>
+          <a:bodyPr rtlCol="0" anchor="ctr"/>
+          <a:lstStyle/>
+          <a:p>
+            <a:pPr algn="ctr"/>
+            <a:endParaRPr lang="en-GB" u="sng"/>
+          </a:p>
+        </p:txBody>
+      </p:sp>
+      <p:cxnSp>
+        <p:nvCxnSpPr>
+          <p:cNvPr id="42" name="Connettore 1 41"/>
+          <p:cNvCxnSpPr/>
+          <p:nvPr/>
+        </p:nvCxnSpPr>
+        <p:spPr>
+          <a:xfrm>
+            <a:off x="1699994" y="2753037"/>
+            <a:ext cx="1048" cy="3288279"/>
+          </a:xfrm>
+          <a:prstGeom prst="line">
+            <a:avLst/>
+          </a:prstGeom>
+          <a:solidFill>
+            <a:schemeClr val="bg1"/>
+          </a:solidFill>
+          <a:ln>
+            <a:solidFill>
+              <a:srgbClr val="1318ED"/>
+            </a:solidFill>
+          </a:ln>
+        </p:spPr>
+        <p:style>
+          <a:lnRef idx="2">
+            <a:schemeClr val="accent1">
+              <a:shade val="50000"/>
+            </a:schemeClr>
+          </a:lnRef>
+          <a:fillRef idx="1">
+            <a:schemeClr val="accent1"/>
+          </a:fillRef>
+          <a:effectRef idx="0">
+            <a:schemeClr val="accent1"/>
+          </a:effectRef>
+          <a:fontRef idx="minor">
+            <a:schemeClr val="lt1"/>
+          </a:fontRef>
+        </p:style>
+      </p:cxnSp>
+      <p:cxnSp>
+        <p:nvCxnSpPr>
+          <p:cNvPr id="43" name="Connettore 1 42"/>
+          <p:cNvCxnSpPr/>
+          <p:nvPr/>
+        </p:nvCxnSpPr>
+        <p:spPr>
+          <a:xfrm>
+            <a:off x="2402474" y="2740832"/>
+            <a:ext cx="0" cy="3288279"/>
+          </a:xfrm>
+          <a:prstGeom prst="line">
+            <a:avLst/>
+          </a:prstGeom>
+          <a:solidFill>
+            <a:schemeClr val="bg1"/>
+          </a:solidFill>
+          <a:ln>
+            <a:solidFill>
+              <a:srgbClr val="1318ED"/>
+            </a:solidFill>
+          </a:ln>
+        </p:spPr>
+        <p:style>
+          <a:lnRef idx="2">
+            <a:schemeClr val="accent1">
+              <a:shade val="50000"/>
+            </a:schemeClr>
+          </a:lnRef>
+          <a:fillRef idx="1">
+            <a:schemeClr val="accent1"/>
+          </a:fillRef>
+          <a:effectRef idx="0">
+            <a:schemeClr val="accent1"/>
+          </a:effectRef>
+          <a:fontRef idx="minor">
+            <a:schemeClr val="lt1"/>
+          </a:fontRef>
+        </p:style>
+      </p:cxnSp>
+      <p:cxnSp>
+        <p:nvCxnSpPr>
+          <p:cNvPr id="44" name="Connettore 1 43"/>
+          <p:cNvCxnSpPr/>
+          <p:nvPr/>
+        </p:nvCxnSpPr>
+        <p:spPr>
+          <a:xfrm>
+            <a:off x="1045423" y="3436282"/>
+            <a:ext cx="4246657" cy="0"/>
+          </a:xfrm>
+          <a:prstGeom prst="line">
+            <a:avLst/>
+          </a:prstGeom>
+          <a:solidFill>
+            <a:schemeClr val="bg1"/>
+          </a:solidFill>
+          <a:ln>
+            <a:solidFill>
+              <a:srgbClr val="1318ED"/>
+            </a:solidFill>
+          </a:ln>
+        </p:spPr>
+        <p:style>
+          <a:lnRef idx="2">
+            <a:schemeClr val="accent1">
+              <a:shade val="50000"/>
+            </a:schemeClr>
+          </a:lnRef>
+          <a:fillRef idx="1">
+            <a:schemeClr val="accent1"/>
+          </a:fillRef>
+          <a:effectRef idx="0">
+            <a:schemeClr val="accent1"/>
+          </a:effectRef>
+          <a:fontRef idx="minor">
+            <a:schemeClr val="lt1"/>
+          </a:fontRef>
+        </p:style>
+      </p:cxnSp>
+      <p:cxnSp>
+        <p:nvCxnSpPr>
+          <p:cNvPr id="45" name="Connettore 1 44"/>
+          <p:cNvCxnSpPr/>
+          <p:nvPr/>
+        </p:nvCxnSpPr>
+        <p:spPr>
+          <a:xfrm flipV="1">
+            <a:off x="1058555" y="4094475"/>
+            <a:ext cx="4218844" cy="1"/>
+          </a:xfrm>
+          <a:prstGeom prst="line">
+            <a:avLst/>
+          </a:prstGeom>
+          <a:solidFill>
+            <a:schemeClr val="bg1"/>
+          </a:solidFill>
+          <a:ln>
+            <a:solidFill>
+              <a:srgbClr val="1318ED"/>
+            </a:solidFill>
+          </a:ln>
+        </p:spPr>
+        <p:style>
+          <a:lnRef idx="2">
+            <a:schemeClr val="accent1">
+              <a:shade val="50000"/>
+            </a:schemeClr>
+          </a:lnRef>
+          <a:fillRef idx="1">
+            <a:schemeClr val="accent1"/>
+          </a:fillRef>
+          <a:effectRef idx="0">
+            <a:schemeClr val="accent1"/>
+          </a:effectRef>
+          <a:fontRef idx="minor">
+            <a:schemeClr val="lt1"/>
+          </a:fontRef>
+        </p:style>
+      </p:cxnSp>
+      <p:sp>
+        <p:nvSpPr>
+          <p:cNvPr id="46" name="Ovale 45"/>
+          <p:cNvSpPr/>
+          <p:nvPr/>
+        </p:nvSpPr>
+        <p:spPr>
+          <a:xfrm>
+            <a:off x="1068128" y="2740832"/>
+            <a:ext cx="611062" cy="638657"/>
+          </a:xfrm>
+          <a:prstGeom prst="ellipse">
+            <a:avLst/>
+          </a:prstGeom>
+          <a:solidFill>
+            <a:srgbClr val="33CCCC"/>
+          </a:solidFill>
+          <a:ln>
+            <a:solidFill>
+              <a:srgbClr val="1318ED"/>
+            </a:solidFill>
+          </a:ln>
+        </p:spPr>
+        <p:style>
+          <a:lnRef idx="2">
+            <a:schemeClr val="accent4"/>
+          </a:lnRef>
+          <a:fillRef idx="1">
+            <a:schemeClr val="lt1"/>
+          </a:fillRef>
+          <a:effectRef idx="0">
+            <a:schemeClr val="accent4"/>
+          </a:effectRef>
+          <a:fontRef idx="minor">
+            <a:schemeClr val="dk1"/>
+          </a:fontRef>
+        </p:style>
+        <p:txBody>
+          <a:bodyPr rtlCol="0" anchor="ctr"/>
+          <a:lstStyle/>
+          <a:p>
+            <a:pPr algn="ctr"/>
+            <a:r>
+              <a:rPr lang="it-IT" sz="1100" u="sng" dirty="0" smtClean="0"/>
+              <a:t>R</a:t>
+            </a:r>
+            <a:endParaRPr lang="en-GB" sz="1100" u="sng" dirty="0"/>
+          </a:p>
+        </p:txBody>
+      </p:sp>
+      <p:sp>
+        <p:nvSpPr>
+          <p:cNvPr id="49" name="Ovale 48"/>
+          <p:cNvSpPr/>
+          <p:nvPr/>
+        </p:nvSpPr>
+        <p:spPr>
+          <a:xfrm>
+            <a:off x="821059" y="2111072"/>
+            <a:ext cx="68456" cy="76254"/>
+          </a:xfrm>
+          <a:prstGeom prst="ellipse">
+            <a:avLst/>
+          </a:prstGeom>
+          <a:ln>
+            <a:solidFill>
+              <a:schemeClr val="bg1"/>
+            </a:solidFill>
+          </a:ln>
+        </p:spPr>
+        <p:style>
+          <a:lnRef idx="2">
+            <a:schemeClr val="accent2"/>
+          </a:lnRef>
+          <a:fillRef idx="1">
+            <a:schemeClr val="lt1"/>
+          </a:fillRef>
+          <a:effectRef idx="0">
+            <a:schemeClr val="accent2"/>
+          </a:effectRef>
+          <a:fontRef idx="minor">
+            <a:schemeClr val="dk1"/>
+          </a:fontRef>
+        </p:style>
+        <p:txBody>
+          <a:bodyPr rtlCol="0" anchor="ctr"/>
+          <a:lstStyle/>
+          <a:p>
+            <a:pPr algn="ctr"/>
+            <a:endParaRPr lang="en-GB" dirty="0"/>
+          </a:p>
+        </p:txBody>
+      </p:sp>
+      <p:sp>
+        <p:nvSpPr>
+          <p:cNvPr id="50" name="Ovale 49"/>
+          <p:cNvSpPr/>
+          <p:nvPr/>
+        </p:nvSpPr>
+        <p:spPr>
+          <a:xfrm>
+            <a:off x="1615316" y="2109138"/>
+            <a:ext cx="68456" cy="76254"/>
+          </a:xfrm>
+          <a:prstGeom prst="ellipse">
+            <a:avLst/>
+          </a:prstGeom>
+          <a:ln>
+            <a:solidFill>
+              <a:schemeClr val="bg1"/>
+            </a:solidFill>
+          </a:ln>
+        </p:spPr>
+        <p:style>
+          <a:lnRef idx="2">
+            <a:schemeClr val="accent2"/>
+          </a:lnRef>
+          <a:fillRef idx="1">
+            <a:schemeClr val="lt1"/>
+          </a:fillRef>
+          <a:effectRef idx="0">
+            <a:schemeClr val="accent2"/>
+          </a:effectRef>
+          <a:fontRef idx="minor">
+            <a:schemeClr val="dk1"/>
+          </a:fontRef>
+        </p:style>
+        <p:txBody>
+          <a:bodyPr rtlCol="0" anchor="ctr"/>
+          <a:lstStyle/>
+          <a:p>
+            <a:pPr algn="ctr"/>
+            <a:endParaRPr lang="en-GB" dirty="0"/>
+          </a:p>
+        </p:txBody>
+      </p:sp>
+      <p:cxnSp>
+        <p:nvCxnSpPr>
+          <p:cNvPr id="57" name="Connettore 2 56"/>
+          <p:cNvCxnSpPr/>
+          <p:nvPr/>
+        </p:nvCxnSpPr>
+        <p:spPr>
+          <a:xfrm>
+            <a:off x="7596336" y="5949280"/>
+            <a:ext cx="232643" cy="1"/>
+          </a:xfrm>
+          <a:prstGeom prst="straightConnector1">
+            <a:avLst/>
+          </a:prstGeom>
+          <a:ln>
+            <a:prstDash val="dash"/>
+            <a:tailEnd type="arrow"/>
+          </a:ln>
+        </p:spPr>
+        <p:style>
+          <a:lnRef idx="1">
+            <a:schemeClr val="accent1"/>
+          </a:lnRef>
+          <a:fillRef idx="0">
+            <a:schemeClr val="accent1"/>
+          </a:fillRef>
+          <a:effectRef idx="0">
+            <a:schemeClr val="accent1"/>
+          </a:effectRef>
+          <a:fontRef idx="minor">
+            <a:schemeClr val="tx1"/>
+          </a:fontRef>
+        </p:style>
+      </p:cxnSp>
+      <p:cxnSp>
+        <p:nvCxnSpPr>
+          <p:cNvPr id="58" name="Connettore 1 57"/>
+          <p:cNvCxnSpPr/>
+          <p:nvPr/>
+        </p:nvCxnSpPr>
+        <p:spPr>
+          <a:xfrm>
+            <a:off x="1042390" y="4725144"/>
+            <a:ext cx="4218844" cy="0"/>
+          </a:xfrm>
+          <a:prstGeom prst="line">
+            <a:avLst/>
+          </a:prstGeom>
+          <a:solidFill>
+            <a:schemeClr val="bg1"/>
+          </a:solidFill>
+          <a:ln>
+            <a:solidFill>
+              <a:srgbClr val="1318ED"/>
+            </a:solidFill>
+          </a:ln>
+        </p:spPr>
+        <p:style>
+          <a:lnRef idx="2">
+            <a:schemeClr val="accent1">
+              <a:shade val="50000"/>
+            </a:schemeClr>
+          </a:lnRef>
+          <a:fillRef idx="1">
+            <a:schemeClr val="accent1"/>
+          </a:fillRef>
+          <a:effectRef idx="0">
+            <a:schemeClr val="accent1"/>
+          </a:effectRef>
+          <a:fontRef idx="minor">
+            <a:schemeClr val="lt1"/>
+          </a:fontRef>
+        </p:style>
+      </p:cxnSp>
+      <p:cxnSp>
+        <p:nvCxnSpPr>
+          <p:cNvPr id="64" name="Connettore 1 63"/>
+          <p:cNvCxnSpPr/>
+          <p:nvPr/>
+        </p:nvCxnSpPr>
+        <p:spPr>
+          <a:xfrm>
+            <a:off x="3120103" y="2768775"/>
+            <a:ext cx="9942" cy="3272541"/>
+          </a:xfrm>
+          <a:prstGeom prst="line">
+            <a:avLst/>
+          </a:prstGeom>
+          <a:solidFill>
+            <a:schemeClr val="bg1"/>
+          </a:solidFill>
+          <a:ln>
+            <a:solidFill>
+              <a:srgbClr val="1318ED"/>
+            </a:solidFill>
+          </a:ln>
+        </p:spPr>
+        <p:style>
+          <a:lnRef idx="2">
+            <a:schemeClr val="accent1">
+              <a:shade val="50000"/>
+            </a:schemeClr>
+          </a:lnRef>
+          <a:fillRef idx="1">
+            <a:schemeClr val="accent1"/>
+          </a:fillRef>
+          <a:effectRef idx="0">
+            <a:schemeClr val="accent1"/>
+          </a:effectRef>
+          <a:fontRef idx="minor">
+            <a:schemeClr val="lt1"/>
+          </a:fontRef>
+        </p:style>
+      </p:cxnSp>
+      <p:cxnSp>
+        <p:nvCxnSpPr>
+          <p:cNvPr id="65" name="Connettore 1 64"/>
+          <p:cNvCxnSpPr/>
+          <p:nvPr/>
+        </p:nvCxnSpPr>
+        <p:spPr>
+          <a:xfrm>
+            <a:off x="3851920" y="2713991"/>
+            <a:ext cx="0" cy="3327325"/>
+          </a:xfrm>
+          <a:prstGeom prst="line">
+            <a:avLst/>
+          </a:prstGeom>
+          <a:solidFill>
+            <a:schemeClr val="bg1"/>
+          </a:solidFill>
+          <a:ln>
+            <a:solidFill>
+              <a:srgbClr val="1318ED"/>
+            </a:solidFill>
+          </a:ln>
+        </p:spPr>
+        <p:style>
+          <a:lnRef idx="2">
+            <a:schemeClr val="accent1">
+              <a:shade val="50000"/>
+            </a:schemeClr>
+          </a:lnRef>
+          <a:fillRef idx="1">
+            <a:schemeClr val="accent1"/>
+          </a:fillRef>
+          <a:effectRef idx="0">
+            <a:schemeClr val="accent1"/>
+          </a:effectRef>
+          <a:fontRef idx="minor">
+            <a:schemeClr val="lt1"/>
+          </a:fontRef>
+        </p:style>
+      </p:cxnSp>
+      <p:sp>
+        <p:nvSpPr>
+          <p:cNvPr id="68" name="CasellaDiTesto 67"/>
+          <p:cNvSpPr txBox="1"/>
+          <p:nvPr/>
+        </p:nvSpPr>
+        <p:spPr>
+          <a:xfrm>
+            <a:off x="703577" y="2872132"/>
+            <a:ext cx="301686" cy="400110"/>
+          </a:xfrm>
+          <a:prstGeom prst="rect">
+            <a:avLst/>
+          </a:prstGeom>
+          <a:noFill/>
+          <a:ln>
+            <a:solidFill>
+              <a:schemeClr val="bg1"/>
+            </a:solidFill>
+          </a:ln>
+        </p:spPr>
+        <p:txBody>
+          <a:bodyPr wrap="none" rtlCol="0">
+            <a:spAutoFit/>
+          </a:bodyPr>
+          <a:lstStyle/>
+          <a:p>
+            <a:r>
+              <a:rPr lang="it-IT" sz="2000" u="sng" dirty="0" smtClean="0"/>
+              <a:t>0</a:t>
+            </a:r>
+            <a:endParaRPr lang="en-GB" sz="2000" u="sng" dirty="0"/>
+          </a:p>
+        </p:txBody>
+      </p:sp>
+      <p:sp>
+        <p:nvSpPr>
+          <p:cNvPr id="69" name="CasellaDiTesto 68"/>
+          <p:cNvSpPr txBox="1"/>
+          <p:nvPr/>
+        </p:nvSpPr>
+        <p:spPr>
+          <a:xfrm>
+            <a:off x="1246283" y="2309052"/>
+            <a:ext cx="301686" cy="400110"/>
+          </a:xfrm>
+          <a:prstGeom prst="rect">
+            <a:avLst/>
+          </a:prstGeom>
+          <a:noFill/>
+        </p:spPr>
+        <p:txBody>
+          <a:bodyPr wrap="none" rtlCol="0">
+            <a:spAutoFit/>
+          </a:bodyPr>
+          <a:lstStyle/>
+          <a:p>
+            <a:r>
+              <a:rPr lang="it-IT" sz="2000" u="sng" dirty="0" smtClean="0"/>
+              <a:t>0</a:t>
+            </a:r>
+            <a:endParaRPr lang="en-GB" sz="2000" u="sng" dirty="0"/>
+          </a:p>
+        </p:txBody>
+      </p:sp>
+      <p:sp>
+        <p:nvSpPr>
+          <p:cNvPr id="70" name="CasellaDiTesto 69"/>
+          <p:cNvSpPr txBox="1"/>
+          <p:nvPr/>
+        </p:nvSpPr>
+        <p:spPr>
+          <a:xfrm>
+            <a:off x="4572000" y="2321200"/>
+            <a:ext cx="598241" cy="400110"/>
+          </a:xfrm>
+          <a:prstGeom prst="rect">
+            <a:avLst/>
+          </a:prstGeom>
+          <a:noFill/>
+        </p:spPr>
+        <p:txBody>
+          <a:bodyPr wrap="none" rtlCol="0">
+            <a:spAutoFit/>
+          </a:bodyPr>
+          <a:lstStyle/>
+          <a:p>
+            <a:r>
+              <a:rPr lang="it-IT" sz="2000" dirty="0" smtClean="0"/>
+              <a:t>nc-1</a:t>
+            </a:r>
+            <a:endParaRPr lang="en-GB" sz="2000" dirty="0"/>
+          </a:p>
+        </p:txBody>
+      </p:sp>
+      <p:sp>
+        <p:nvSpPr>
+          <p:cNvPr id="71" name="CasellaDiTesto 70"/>
+          <p:cNvSpPr txBox="1"/>
+          <p:nvPr/>
+        </p:nvSpPr>
+        <p:spPr>
+          <a:xfrm>
+            <a:off x="418243" y="5511892"/>
+            <a:ext cx="587020" cy="400110"/>
+          </a:xfrm>
+          <a:prstGeom prst="rect">
+            <a:avLst/>
+          </a:prstGeom>
+          <a:noFill/>
+        </p:spPr>
+        <p:txBody>
+          <a:bodyPr wrap="none" rtlCol="0">
+            <a:spAutoFit/>
+          </a:bodyPr>
+          <a:lstStyle/>
+          <a:p>
+            <a:r>
+              <a:rPr lang="it-IT" sz="2000" dirty="0" smtClean="0"/>
+              <a:t>nr-1</a:t>
+            </a:r>
+            <a:endParaRPr lang="en-GB" sz="2000" dirty="0"/>
+          </a:p>
+        </p:txBody>
+      </p:sp>
+      <p:sp>
+        <p:nvSpPr>
+          <p:cNvPr id="72" name="CasellaDiTesto 71"/>
+          <p:cNvSpPr txBox="1"/>
+          <p:nvPr/>
+        </p:nvSpPr>
+        <p:spPr>
+          <a:xfrm>
+            <a:off x="1931206" y="2309052"/>
+            <a:ext cx="301686" cy="400110"/>
+          </a:xfrm>
+          <a:prstGeom prst="rect">
+            <a:avLst/>
+          </a:prstGeom>
+          <a:noFill/>
+        </p:spPr>
+        <p:txBody>
+          <a:bodyPr wrap="none" rtlCol="0">
+            <a:spAutoFit/>
+          </a:bodyPr>
+          <a:lstStyle/>
+          <a:p>
+            <a:r>
+              <a:rPr lang="it-IT" sz="2000" u="sng" dirty="0" smtClean="0"/>
+              <a:t>1</a:t>
+            </a:r>
+            <a:endParaRPr lang="en-GB" sz="2000" u="sng" dirty="0"/>
+          </a:p>
+        </p:txBody>
+      </p:sp>
+      <p:sp>
+        <p:nvSpPr>
+          <p:cNvPr id="73" name="CasellaDiTesto 72"/>
+          <p:cNvSpPr txBox="1"/>
+          <p:nvPr/>
+        </p:nvSpPr>
+        <p:spPr>
+          <a:xfrm>
+            <a:off x="704444" y="3593044"/>
+            <a:ext cx="301686" cy="400110"/>
+          </a:xfrm>
+          <a:prstGeom prst="rect">
+            <a:avLst/>
+          </a:prstGeom>
+          <a:solidFill>
+            <a:schemeClr val="bg1"/>
+          </a:solidFill>
+          <a:ln>
+            <a:solidFill>
+              <a:schemeClr val="bg1"/>
+            </a:solidFill>
+          </a:ln>
+        </p:spPr>
+        <p:txBody>
+          <a:bodyPr wrap="none" rtlCol="0">
+            <a:spAutoFit/>
+          </a:bodyPr>
+          <a:lstStyle/>
+          <a:p>
+            <a:r>
+              <a:rPr lang="it-IT" sz="2000" u="sng" dirty="0" smtClean="0"/>
+              <a:t>1</a:t>
+            </a:r>
+            <a:endParaRPr lang="en-GB" sz="2000" u="sng" dirty="0"/>
+          </a:p>
+        </p:txBody>
+      </p:sp>
+      <p:cxnSp>
+        <p:nvCxnSpPr>
+          <p:cNvPr id="88" name="Connettore 1 87"/>
+          <p:cNvCxnSpPr/>
+          <p:nvPr/>
+        </p:nvCxnSpPr>
+        <p:spPr>
+          <a:xfrm>
+            <a:off x="1058555" y="5361609"/>
+            <a:ext cx="4218844" cy="0"/>
+          </a:xfrm>
+          <a:prstGeom prst="line">
+            <a:avLst/>
+          </a:prstGeom>
+          <a:solidFill>
+            <a:schemeClr val="bg1"/>
+          </a:solidFill>
+          <a:ln>
+            <a:solidFill>
+              <a:srgbClr val="1318ED"/>
+            </a:solidFill>
+          </a:ln>
+        </p:spPr>
+        <p:style>
+          <a:lnRef idx="2">
+            <a:schemeClr val="accent1">
+              <a:shade val="50000"/>
+            </a:schemeClr>
+          </a:lnRef>
+          <a:fillRef idx="1">
+            <a:schemeClr val="accent1"/>
+          </a:fillRef>
+          <a:effectRef idx="0">
+            <a:schemeClr val="accent1"/>
+          </a:effectRef>
+          <a:fontRef idx="minor">
+            <a:schemeClr val="lt1"/>
+          </a:fontRef>
+        </p:style>
+      </p:cxnSp>
+      <p:cxnSp>
+        <p:nvCxnSpPr>
+          <p:cNvPr id="89" name="Connettore 1 88"/>
+          <p:cNvCxnSpPr/>
+          <p:nvPr/>
+        </p:nvCxnSpPr>
+        <p:spPr>
+          <a:xfrm>
+            <a:off x="4572000" y="2721310"/>
+            <a:ext cx="0" cy="3327325"/>
+          </a:xfrm>
+          <a:prstGeom prst="line">
+            <a:avLst/>
+          </a:prstGeom>
+          <a:solidFill>
+            <a:schemeClr val="bg1"/>
+          </a:solidFill>
+          <a:ln>
+            <a:solidFill>
+              <a:srgbClr val="1318ED"/>
+            </a:solidFill>
+          </a:ln>
+        </p:spPr>
+        <p:style>
+          <a:lnRef idx="2">
+            <a:schemeClr val="accent1">
+              <a:shade val="50000"/>
+            </a:schemeClr>
+          </a:lnRef>
+          <a:fillRef idx="1">
+            <a:schemeClr val="accent1"/>
+          </a:fillRef>
+          <a:effectRef idx="0">
+            <a:schemeClr val="accent1"/>
+          </a:effectRef>
+          <a:fontRef idx="minor">
+            <a:schemeClr val="lt1"/>
+          </a:fontRef>
+        </p:style>
+      </p:cxnSp>
+    </p:spTree>
+    <p:extLst>
+      <p:ext uri="{BB962C8B-B14F-4D97-AF65-F5344CB8AC3E}">
+        <p14:creationId xmlns:p14="http://schemas.microsoft.com/office/powerpoint/2010/main" val="3690934360"/>
+      </p:ext>
+    </p:extLst>
+  </p:cSld>
+  <p:clrMapOvr>
+    <a:masterClrMapping/>
+  </p:clrMapOvr>
+</p:sld>
+</file>
+
+<file path=ppt/slides/slide36.xml><?xml version="1.0" encoding="utf-8"?>
+<p:sld xmlns:a="http://schemas.openxmlformats.org/drawingml/2006/main" xmlns:r="http://schemas.openxmlformats.org/officeDocument/2006/relationships" xmlns:p="http://schemas.openxmlformats.org/presentationml/2006/main">
+  <p:cSld>
+    <p:spTree>
+      <p:nvGrpSpPr>
+        <p:cNvPr id="1" name=""/>
+        <p:cNvGrpSpPr/>
+        <p:nvPr/>
+      </p:nvGrpSpPr>
+      <p:grpSpPr>
+        <a:xfrm>
+          <a:off x="0" y="0"/>
+          <a:ext cx="0" cy="0"/>
+          <a:chOff x="0" y="0"/>
+          <a:chExt cx="0" cy="0"/>
+        </a:xfrm>
+      </p:grpSpPr>
+      <p:sp>
+        <p:nvSpPr>
+          <p:cNvPr id="2" name="Segnaposto piè di pagina 1"/>
+          <p:cNvSpPr>
+            <a:spLocks noGrp="1"/>
+          </p:cNvSpPr>
+          <p:nvPr>
+            <p:ph type="ftr" sz="quarter" idx="11"/>
+          </p:nvPr>
+        </p:nvSpPr>
+        <p:spPr/>
+        <p:txBody>
+          <a:bodyPr/>
+          <a:lstStyle/>
+          <a:p>
+            <a:r>
+              <a:rPr lang="it-IT" smtClean="0"/>
+              <a:t>ANatali  - DISI - ISSM2020  Univeristy of Bologna</a:t>
+            </a:r>
+            <a:endParaRPr lang="en-GB"/>
+          </a:p>
+        </p:txBody>
+      </p:sp>
+      <p:sp>
+        <p:nvSpPr>
+          <p:cNvPr id="3" name="Segnaposto numero diapositiva 2"/>
+          <p:cNvSpPr>
+            <a:spLocks noGrp="1"/>
+          </p:cNvSpPr>
+          <p:nvPr>
+            <p:ph type="sldNum" sz="quarter" idx="12"/>
+          </p:nvPr>
+        </p:nvSpPr>
+        <p:spPr/>
+        <p:txBody>
+          <a:bodyPr/>
+          <a:lstStyle/>
+          <a:p>
+            <a:fld id="{6F6A5AB3-AF76-4EC9-853D-D4C335162C13}" type="slidenum">
+              <a:rPr lang="en-GB" smtClean="0"/>
+              <a:t>36</a:t>
             </a:fld>
             <a:endParaRPr lang="en-GB"/>
           </a:p>
@@ -29181,7 +31925,7 @@
 </p:sld>
 </file>
 
-<file path=ppt/slides/slide35.xml><?xml version="1.0" encoding="utf-8"?>
+<file path=ppt/slides/slide37.xml><?xml version="1.0" encoding="utf-8"?>
 <p:sld xmlns:a="http://schemas.openxmlformats.org/drawingml/2006/main" xmlns:r="http://schemas.openxmlformats.org/officeDocument/2006/relationships" xmlns:p="http://schemas.openxmlformats.org/presentationml/2006/main">
   <p:cSld>
     <p:spTree>
@@ -29395,7 +32139,7 @@
           <a:p>
             <a:fld id="{6F6A5AB3-AF76-4EC9-853D-D4C335162C13}" type="slidenum">
               <a:rPr lang="en-GB" smtClean="0"/>
-              <a:t>35</a:t>
+              <a:t>37</a:t>
             </a:fld>
             <a:endParaRPr lang="en-GB"/>
           </a:p>
@@ -30260,7 +33004,7 @@
 </p:sld>
 </file>
 
-<file path=ppt/slides/slide36.xml><?xml version="1.0" encoding="utf-8"?>
+<file path=ppt/slides/slide38.xml><?xml version="1.0" encoding="utf-8"?>
 <p:sld xmlns:a="http://schemas.openxmlformats.org/drawingml/2006/main" xmlns:r="http://schemas.openxmlformats.org/officeDocument/2006/relationships" xmlns:p="http://schemas.openxmlformats.org/presentationml/2006/main">
   <p:cSld>
     <p:spTree>
@@ -30317,7 +33061,7 @@
           <a:p>
             <a:fld id="{6F6A5AB3-AF76-4EC9-853D-D4C335162C13}" type="slidenum">
               <a:rPr lang="en-GB" smtClean="0"/>
-              <a:t>36</a:t>
+              <a:t>38</a:t>
             </a:fld>
             <a:endParaRPr lang="en-GB"/>
           </a:p>

--- a/it.unibo.issLabStart/userDocs/ISSM2020.pptx
+++ b/it.unibo.issLabStart/userDocs/ISSM2020.pptx
@@ -5,10 +5,10 @@
     <p:sldMasterId id="2147483804" r:id="rId1"/>
   </p:sldMasterIdLst>
   <p:notesMasterIdLst>
-    <p:notesMasterId r:id="rId40"/>
+    <p:notesMasterId r:id="rId42"/>
   </p:notesMasterIdLst>
   <p:handoutMasterIdLst>
-    <p:handoutMasterId r:id="rId41"/>
+    <p:handoutMasterId r:id="rId43"/>
   </p:handoutMasterIdLst>
   <p:sldIdLst>
     <p:sldId id="256" r:id="rId2"/>
@@ -47,8 +47,10 @@
     <p:sldId id="295" r:id="rId35"/>
     <p:sldId id="291" r:id="rId36"/>
     <p:sldId id="293" r:id="rId37"/>
-    <p:sldId id="281" r:id="rId38"/>
-    <p:sldId id="290" r:id="rId39"/>
+    <p:sldId id="296" r:id="rId38"/>
+    <p:sldId id="297" r:id="rId39"/>
+    <p:sldId id="281" r:id="rId40"/>
+    <p:sldId id="290" r:id="rId41"/>
   </p:sldIdLst>
   <p:sldSz cx="9144000" cy="6858000" type="screen4x3"/>
   <p:notesSz cx="6858000" cy="9144000"/>
@@ -149,7 +151,7 @@
   </p:defaultTextStyle>
   <p:extLst>
     <p:ext uri="{EFAFB233-063F-42B5-8137-9DF3F51BA10A}">
-      <p15:sldGuideLst xmlns:p15="http://schemas.microsoft.com/office/powerpoint/2012/main" xmlns="">
+      <p15:sldGuideLst xmlns="" xmlns:p15="http://schemas.microsoft.com/office/powerpoint/2012/main">
         <p15:guide id="1" orient="horz" pos="2160">
           <p15:clr>
             <a:srgbClr val="A4A3A4"/>
@@ -248,7 +250,7 @@
           <a:p>
             <a:fld id="{87B1E067-8CD6-47D2-8022-8E53E4BB7437}" type="datetimeFigureOut">
               <a:rPr lang="en-GB" smtClean="0"/>
-              <a:t>16/03/2020</a:t>
+              <a:t>29/03/2020</a:t>
             </a:fld>
             <a:endParaRPr lang="en-GB"/>
           </a:p>
@@ -414,7 +416,7 @@
           <a:p>
             <a:fld id="{71BD2418-2684-45EC-AEF4-BE55BBAB5B4F}" type="datetimeFigureOut">
               <a:rPr lang="en-GB" smtClean="0"/>
-              <a:t>16/03/2020</a:t>
+              <a:t>29/03/2020</a:t>
             </a:fld>
             <a:endParaRPr lang="en-GB"/>
           </a:p>
@@ -870,7 +872,7 @@
           <a:p>
             <a:fld id="{5D547B64-7F69-451B-8351-3B4EE3E72C48}" type="slidenum">
               <a:rPr lang="en-GB" smtClean="0"/>
-              <a:t>38</a:t>
+              <a:t>40</a:t>
             </a:fld>
             <a:endParaRPr lang="en-GB"/>
           </a:p>
@@ -1083,7 +1085,7 @@
           <a:p>
             <a:fld id="{69EC26FC-4149-4381-B200-0ACC926D0C10}" type="datetime1">
               <a:rPr lang="en-GB" smtClean="0"/>
-              <a:t>16/03/2020</a:t>
+              <a:t>29/03/2020</a:t>
             </a:fld>
             <a:endParaRPr lang="en-GB"/>
           </a:p>
@@ -1440,7 +1442,7 @@
           <a:p>
             <a:fld id="{77675063-8333-41A8-A131-A42E0F0649C6}" type="datetime1">
               <a:rPr lang="en-GB" smtClean="0"/>
-              <a:t>16/03/2020</a:t>
+              <a:t>29/03/2020</a:t>
             </a:fld>
             <a:endParaRPr lang="en-GB"/>
           </a:p>
@@ -1619,7 +1621,7 @@
           <a:p>
             <a:fld id="{99167A15-39CA-42AA-A3F4-D4AAF34DD1E5}" type="datetime1">
               <a:rPr lang="en-GB" smtClean="0"/>
-              <a:t>16/03/2020</a:t>
+              <a:t>29/03/2020</a:t>
             </a:fld>
             <a:endParaRPr lang="en-GB"/>
           </a:p>
@@ -1736,7 +1738,7 @@
           <a:p>
             <a:fld id="{1A87AFF6-4C91-482D-BDF5-223514DB0B0D}" type="datetime1">
               <a:rPr lang="en-GB" smtClean="0"/>
-              <a:t>16/03/2020</a:t>
+              <a:t>29/03/2020</a:t>
             </a:fld>
             <a:endParaRPr lang="en-GB"/>
           </a:p>
@@ -2098,7 +2100,7 @@
           <a:p>
             <a:fld id="{A945ADE7-28FF-42C7-B167-7DC7A77ED2F3}" type="datetime1">
               <a:rPr lang="en-GB" smtClean="0"/>
-              <a:t>16/03/2020</a:t>
+              <a:t>29/03/2020</a:t>
             </a:fld>
             <a:endParaRPr lang="en-GB"/>
           </a:p>
@@ -2367,7 +2369,7 @@
           <a:p>
             <a:fld id="{092EA350-1E2E-41EE-BD8A-FB0D72F078C3}" type="datetime1">
               <a:rPr lang="en-GB" smtClean="0"/>
-              <a:t>16/03/2020</a:t>
+              <a:t>29/03/2020</a:t>
             </a:fld>
             <a:endParaRPr lang="en-GB"/>
           </a:p>
@@ -2733,7 +2735,7 @@
           <a:p>
             <a:fld id="{F8F1314B-6929-4AD1-B5B4-312DAFF8489C}" type="datetime1">
               <a:rPr lang="en-GB" smtClean="0"/>
-              <a:t>16/03/2020</a:t>
+              <a:t>29/03/2020</a:t>
             </a:fld>
             <a:endParaRPr lang="en-GB"/>
           </a:p>
@@ -2964,7 +2966,7 @@
           <a:p>
             <a:fld id="{CF5B218E-BA98-4F08-AFAD-55E0F9C51274}" type="datetime1">
               <a:rPr lang="en-GB" smtClean="0"/>
-              <a:t>16/03/2020</a:t>
+              <a:t>29/03/2020</a:t>
             </a:fld>
             <a:endParaRPr lang="en-GB"/>
           </a:p>
@@ -3058,7 +3060,7 @@
           <a:p>
             <a:fld id="{8AF6CE76-28A1-4CD7-9645-E1D020974391}" type="datetime1">
               <a:rPr lang="en-GB" smtClean="0"/>
-              <a:t>16/03/2020</a:t>
+              <a:t>29/03/2020</a:t>
             </a:fld>
             <a:endParaRPr lang="en-GB"/>
           </a:p>
@@ -3329,7 +3331,7 @@
           <a:p>
             <a:fld id="{BADBD3C4-D885-44D5-BC36-8CDC16C4E35A}" type="datetime1">
               <a:rPr lang="en-GB" smtClean="0"/>
-              <a:t>16/03/2020</a:t>
+              <a:t>29/03/2020</a:t>
             </a:fld>
             <a:endParaRPr lang="en-GB"/>
           </a:p>
@@ -3561,7 +3563,7 @@
           <a:p>
             <a:fld id="{D0C37988-22DC-4746-8A43-E6C6BF5D65EE}" type="datetime1">
               <a:rPr lang="en-GB" smtClean="0"/>
-              <a:t>16/03/2020</a:t>
+              <a:t>29/03/2020</a:t>
             </a:fld>
             <a:endParaRPr lang="en-GB"/>
           </a:p>
@@ -4064,7 +4066,7 @@
           <a:p>
             <a:fld id="{5A18A74E-3BE8-4B6E-81A4-95A392C53EA5}" type="datetime1">
               <a:rPr lang="en-GB" smtClean="0"/>
-              <a:t>16/03/2020</a:t>
+              <a:t>29/03/2020</a:t>
             </a:fld>
             <a:endParaRPr lang="en-GB"/>
           </a:p>
@@ -11888,7 +11890,7 @@
           <p:cNvPr id="26" name="Ovale 33">
             <a:extLst>
               <a:ext uri="{FF2B5EF4-FFF2-40B4-BE49-F238E27FC236}">
-                <a16:creationId xmlns:a16="http://schemas.microsoft.com/office/drawing/2014/main" xmlns="" id="{EE7E7EAA-6204-4C59-9F31-DF632E43B747}"/>
+                <a16:creationId xmlns="" xmlns:a16="http://schemas.microsoft.com/office/drawing/2014/main" id="{EE7E7EAA-6204-4C59-9F31-DF632E43B747}"/>
               </a:ext>
             </a:extLst>
           </p:cNvPr>
@@ -11936,7 +11938,7 @@
           <p:cNvPr id="28" name="CasellaDiTesto 19">
             <a:extLst>
               <a:ext uri="{FF2B5EF4-FFF2-40B4-BE49-F238E27FC236}">
-                <a16:creationId xmlns:a16="http://schemas.microsoft.com/office/drawing/2014/main" xmlns="" id="{7B23BAA7-7D89-43BE-B88E-D25D840BA294}"/>
+                <a16:creationId xmlns="" xmlns:a16="http://schemas.microsoft.com/office/drawing/2014/main" id="{7B23BAA7-7D89-43BE-B88E-D25D840BA294}"/>
               </a:ext>
             </a:extLst>
           </p:cNvPr>
@@ -11972,7 +11974,7 @@
           <p:cNvPr id="10" name="Rectangle 4">
             <a:extLst>
               <a:ext uri="{FF2B5EF4-FFF2-40B4-BE49-F238E27FC236}">
-                <a16:creationId xmlns:a16="http://schemas.microsoft.com/office/drawing/2014/main" xmlns="" id="{9285CE8F-211F-4A96-BEFB-E42C50887C6A}"/>
+                <a16:creationId xmlns="" xmlns:a16="http://schemas.microsoft.com/office/drawing/2014/main" id="{9285CE8F-211F-4A96-BEFB-E42C50887C6A}"/>
               </a:ext>
             </a:extLst>
           </p:cNvPr>
@@ -12031,7 +12033,7 @@
           <p:cNvPr id="29" name="Connettore 2 126">
             <a:extLst>
               <a:ext uri="{FF2B5EF4-FFF2-40B4-BE49-F238E27FC236}">
-                <a16:creationId xmlns:a16="http://schemas.microsoft.com/office/drawing/2014/main" xmlns="" id="{0AA0E6A2-F525-4C64-9B41-8AAC54C8346D}"/>
+                <a16:creationId xmlns="" xmlns:a16="http://schemas.microsoft.com/office/drawing/2014/main" id="{0AA0E6A2-F525-4C64-9B41-8AAC54C8346D}"/>
               </a:ext>
             </a:extLst>
           </p:cNvPr>
@@ -12074,7 +12076,7 @@
           <p:cNvPr id="30" name="Connettore 2 9">
             <a:extLst>
               <a:ext uri="{FF2B5EF4-FFF2-40B4-BE49-F238E27FC236}">
-                <a16:creationId xmlns:a16="http://schemas.microsoft.com/office/drawing/2014/main" xmlns="" id="{01EF4D93-4E7B-4DFB-AE38-808AA1CF2663}"/>
+                <a16:creationId xmlns="" xmlns:a16="http://schemas.microsoft.com/office/drawing/2014/main" id="{01EF4D93-4E7B-4DFB-AE38-808AA1CF2663}"/>
               </a:ext>
             </a:extLst>
           </p:cNvPr>
@@ -12115,7 +12117,7 @@
           <p:cNvPr id="33" name="Rectangle 5">
             <a:extLst>
               <a:ext uri="{FF2B5EF4-FFF2-40B4-BE49-F238E27FC236}">
-                <a16:creationId xmlns:a16="http://schemas.microsoft.com/office/drawing/2014/main" xmlns="" id="{663699FD-7F2E-4DD1-B4BF-227A041C24B8}"/>
+                <a16:creationId xmlns="" xmlns:a16="http://schemas.microsoft.com/office/drawing/2014/main" id="{663699FD-7F2E-4DD1-B4BF-227A041C24B8}"/>
               </a:ext>
             </a:extLst>
           </p:cNvPr>
@@ -12188,7 +12190,7 @@
           <p:cNvPr id="45" name="Rectangle 5">
             <a:extLst>
               <a:ext uri="{FF2B5EF4-FFF2-40B4-BE49-F238E27FC236}">
-                <a16:creationId xmlns:a16="http://schemas.microsoft.com/office/drawing/2014/main" xmlns="" id="{E24D6CA4-2BC9-4AE1-95CB-AED96FDB9560}"/>
+                <a16:creationId xmlns="" xmlns:a16="http://schemas.microsoft.com/office/drawing/2014/main" id="{E24D6CA4-2BC9-4AE1-95CB-AED96FDB9560}"/>
               </a:ext>
             </a:extLst>
           </p:cNvPr>
@@ -12228,7 +12230,7 @@
           <p:cNvPr id="46" name="Ovale 33">
             <a:extLst>
               <a:ext uri="{FF2B5EF4-FFF2-40B4-BE49-F238E27FC236}">
-                <a16:creationId xmlns:a16="http://schemas.microsoft.com/office/drawing/2014/main" xmlns="" id="{9DB22A3B-B6A7-4E63-A408-51B043370910}"/>
+                <a16:creationId xmlns="" xmlns:a16="http://schemas.microsoft.com/office/drawing/2014/main" id="{9DB22A3B-B6A7-4E63-A408-51B043370910}"/>
               </a:ext>
             </a:extLst>
           </p:cNvPr>
@@ -12276,7 +12278,7 @@
           <p:cNvPr id="48" name="Straight Arrow Connector 47">
             <a:extLst>
               <a:ext uri="{FF2B5EF4-FFF2-40B4-BE49-F238E27FC236}">
-                <a16:creationId xmlns:a16="http://schemas.microsoft.com/office/drawing/2014/main" xmlns="" id="{68E3D2D9-1905-4E34-9DAF-86766AC88CC1}"/>
+                <a16:creationId xmlns="" xmlns:a16="http://schemas.microsoft.com/office/drawing/2014/main" id="{68E3D2D9-1905-4E34-9DAF-86766AC88CC1}"/>
               </a:ext>
             </a:extLst>
           </p:cNvPr>
@@ -12394,7 +12396,7 @@
           <p:cNvPr id="22" name="Gruppo 82">
             <a:extLst>
               <a:ext uri="{FF2B5EF4-FFF2-40B4-BE49-F238E27FC236}">
-                <a16:creationId xmlns:a16="http://schemas.microsoft.com/office/drawing/2014/main" xmlns="" id="{D2ACE5A8-9046-43C9-855F-EC0E0754E6E4}"/>
+                <a16:creationId xmlns="" xmlns:a16="http://schemas.microsoft.com/office/drawing/2014/main" id="{D2ACE5A8-9046-43C9-855F-EC0E0754E6E4}"/>
               </a:ext>
             </a:extLst>
           </p:cNvPr>
@@ -12414,7 +12416,7 @@
             <p:cNvPr id="23" name="Ovale 38">
               <a:extLst>
                 <a:ext uri="{FF2B5EF4-FFF2-40B4-BE49-F238E27FC236}">
-                  <a16:creationId xmlns:a16="http://schemas.microsoft.com/office/drawing/2014/main" xmlns="" id="{A3C33013-DAC5-4DE5-9575-78DF66227DDF}"/>
+                  <a16:creationId xmlns="" xmlns:a16="http://schemas.microsoft.com/office/drawing/2014/main" id="{A3C33013-DAC5-4DE5-9575-78DF66227DDF}"/>
                 </a:ext>
               </a:extLst>
             </p:cNvPr>
@@ -12465,7 +12467,7 @@
             <p:cNvPr id="24" name="Rettangolo 39">
               <a:extLst>
                 <a:ext uri="{FF2B5EF4-FFF2-40B4-BE49-F238E27FC236}">
-                  <a16:creationId xmlns:a16="http://schemas.microsoft.com/office/drawing/2014/main" xmlns="" id="{94A5922D-9265-4A79-9770-BC1C16A107CA}"/>
+                  <a16:creationId xmlns="" xmlns:a16="http://schemas.microsoft.com/office/drawing/2014/main" id="{94A5922D-9265-4A79-9770-BC1C16A107CA}"/>
                 </a:ext>
               </a:extLst>
             </p:cNvPr>
@@ -12513,7 +12515,7 @@
             <p:cNvPr id="25" name="Triangolo isoscele 42">
               <a:extLst>
                 <a:ext uri="{FF2B5EF4-FFF2-40B4-BE49-F238E27FC236}">
-                  <a16:creationId xmlns:a16="http://schemas.microsoft.com/office/drawing/2014/main" xmlns="" id="{A0FD7BD4-A807-4F3B-A3BC-009F1B02A9D4}"/>
+                  <a16:creationId xmlns="" xmlns:a16="http://schemas.microsoft.com/office/drawing/2014/main" id="{A0FD7BD4-A807-4F3B-A3BC-009F1B02A9D4}"/>
                 </a:ext>
               </a:extLst>
             </p:cNvPr>
@@ -12566,7 +12568,7 @@
           <p:cNvPr id="36" name="Rectangle 4">
             <a:extLst>
               <a:ext uri="{FF2B5EF4-FFF2-40B4-BE49-F238E27FC236}">
-                <a16:creationId xmlns:a16="http://schemas.microsoft.com/office/drawing/2014/main" xmlns="" id="{751C612F-85E8-46CD-9D97-711C49FABD7D}"/>
+                <a16:creationId xmlns="" xmlns:a16="http://schemas.microsoft.com/office/drawing/2014/main" id="{751C612F-85E8-46CD-9D97-711C49FABD7D}"/>
               </a:ext>
             </a:extLst>
           </p:cNvPr>
@@ -12613,7 +12615,7 @@
           <p:cNvPr id="38" name="Ovale 33">
             <a:extLst>
               <a:ext uri="{FF2B5EF4-FFF2-40B4-BE49-F238E27FC236}">
-                <a16:creationId xmlns:a16="http://schemas.microsoft.com/office/drawing/2014/main" xmlns="" id="{AE821BAD-5AB7-466B-8291-7E14ADF08024}"/>
+                <a16:creationId xmlns="" xmlns:a16="http://schemas.microsoft.com/office/drawing/2014/main" id="{AE821BAD-5AB7-466B-8291-7E14ADF08024}"/>
               </a:ext>
             </a:extLst>
           </p:cNvPr>
@@ -12661,7 +12663,7 @@
           <p:cNvPr id="39" name="CasellaDiTesto 19">
             <a:extLst>
               <a:ext uri="{FF2B5EF4-FFF2-40B4-BE49-F238E27FC236}">
-                <a16:creationId xmlns:a16="http://schemas.microsoft.com/office/drawing/2014/main" xmlns="" id="{EF542A0F-AE9B-4720-A22D-4000E774217C}"/>
+                <a16:creationId xmlns="" xmlns:a16="http://schemas.microsoft.com/office/drawing/2014/main" id="{EF542A0F-AE9B-4720-A22D-4000E774217C}"/>
               </a:ext>
             </a:extLst>
           </p:cNvPr>
@@ -12697,7 +12699,7 @@
           <p:cNvPr id="40" name="Rectangle 4">
             <a:extLst>
               <a:ext uri="{FF2B5EF4-FFF2-40B4-BE49-F238E27FC236}">
-                <a16:creationId xmlns:a16="http://schemas.microsoft.com/office/drawing/2014/main" xmlns="" id="{DC75D623-1BEE-420F-8F7A-642F64C29300}"/>
+                <a16:creationId xmlns="" xmlns:a16="http://schemas.microsoft.com/office/drawing/2014/main" id="{DC75D623-1BEE-420F-8F7A-642F64C29300}"/>
               </a:ext>
             </a:extLst>
           </p:cNvPr>
@@ -12819,7 +12821,7 @@
           <p:cNvPr id="41" name="Connettore 2 126">
             <a:extLst>
               <a:ext uri="{FF2B5EF4-FFF2-40B4-BE49-F238E27FC236}">
-                <a16:creationId xmlns:a16="http://schemas.microsoft.com/office/drawing/2014/main" xmlns="" id="{B9484729-5BBF-42A0-9532-D074E8F64D0C}"/>
+                <a16:creationId xmlns="" xmlns:a16="http://schemas.microsoft.com/office/drawing/2014/main" id="{B9484729-5BBF-42A0-9532-D074E8F64D0C}"/>
               </a:ext>
             </a:extLst>
           </p:cNvPr>
@@ -12862,7 +12864,7 @@
           <p:cNvPr id="42" name="Connettore 2 9">
             <a:extLst>
               <a:ext uri="{FF2B5EF4-FFF2-40B4-BE49-F238E27FC236}">
-                <a16:creationId xmlns:a16="http://schemas.microsoft.com/office/drawing/2014/main" xmlns="" id="{2227C48D-AA34-4D81-9873-E2E1601CDD36}"/>
+                <a16:creationId xmlns="" xmlns:a16="http://schemas.microsoft.com/office/drawing/2014/main" id="{2227C48D-AA34-4D81-9873-E2E1601CDD36}"/>
               </a:ext>
             </a:extLst>
           </p:cNvPr>
@@ -12905,7 +12907,7 @@
           <p:cNvPr id="43" name="Rectangle 5">
             <a:extLst>
               <a:ext uri="{FF2B5EF4-FFF2-40B4-BE49-F238E27FC236}">
-                <a16:creationId xmlns:a16="http://schemas.microsoft.com/office/drawing/2014/main" xmlns="" id="{FDD84F83-30AC-4BF9-B9FF-5314654605F2}"/>
+                <a16:creationId xmlns="" xmlns:a16="http://schemas.microsoft.com/office/drawing/2014/main" id="{FDD84F83-30AC-4BF9-B9FF-5314654605F2}"/>
               </a:ext>
             </a:extLst>
           </p:cNvPr>
@@ -12966,7 +12968,7 @@
           <p:cNvPr id="52" name="Rectangle 5">
             <a:extLst>
               <a:ext uri="{FF2B5EF4-FFF2-40B4-BE49-F238E27FC236}">
-                <a16:creationId xmlns:a16="http://schemas.microsoft.com/office/drawing/2014/main" xmlns="" id="{9529310F-209D-4FC3-82E8-EEC7E3A85851}"/>
+                <a16:creationId xmlns="" xmlns:a16="http://schemas.microsoft.com/office/drawing/2014/main" id="{9529310F-209D-4FC3-82E8-EEC7E3A85851}"/>
               </a:ext>
             </a:extLst>
           </p:cNvPr>
@@ -13006,7 +13008,7 @@
           <p:cNvPr id="53" name="Ovale 33">
             <a:extLst>
               <a:ext uri="{FF2B5EF4-FFF2-40B4-BE49-F238E27FC236}">
-                <a16:creationId xmlns:a16="http://schemas.microsoft.com/office/drawing/2014/main" xmlns="" id="{435D5F9E-A655-4DD7-851D-B11A8F169495}"/>
+                <a16:creationId xmlns="" xmlns:a16="http://schemas.microsoft.com/office/drawing/2014/main" id="{435D5F9E-A655-4DD7-851D-B11A8F169495}"/>
               </a:ext>
             </a:extLst>
           </p:cNvPr>
@@ -13054,7 +13056,7 @@
           <p:cNvPr id="54" name="Straight Arrow Connector 53">
             <a:extLst>
               <a:ext uri="{FF2B5EF4-FFF2-40B4-BE49-F238E27FC236}">
-                <a16:creationId xmlns:a16="http://schemas.microsoft.com/office/drawing/2014/main" xmlns="" id="{5F862CA7-7927-4E0C-A697-C0E183A98073}"/>
+                <a16:creationId xmlns="" xmlns:a16="http://schemas.microsoft.com/office/drawing/2014/main" id="{5F862CA7-7927-4E0C-A697-C0E183A98073}"/>
               </a:ext>
             </a:extLst>
           </p:cNvPr>
@@ -13095,7 +13097,7 @@
           <p:cNvPr id="57" name="Connector: Elbow 56">
             <a:extLst>
               <a:ext uri="{FF2B5EF4-FFF2-40B4-BE49-F238E27FC236}">
-                <a16:creationId xmlns:a16="http://schemas.microsoft.com/office/drawing/2014/main" xmlns="" id="{CDFFCB79-ECE8-451E-A967-EFE490B3417F}"/>
+                <a16:creationId xmlns="" xmlns:a16="http://schemas.microsoft.com/office/drawing/2014/main" id="{CDFFCB79-ECE8-451E-A967-EFE490B3417F}"/>
               </a:ext>
             </a:extLst>
           </p:cNvPr>
@@ -13141,7 +13143,7 @@
           <p:cNvPr id="60" name="Oval 59">
             <a:extLst>
               <a:ext uri="{FF2B5EF4-FFF2-40B4-BE49-F238E27FC236}">
-                <a16:creationId xmlns:a16="http://schemas.microsoft.com/office/drawing/2014/main" xmlns="" id="{14ACD13F-7496-4B90-AE98-8683062A6B76}"/>
+                <a16:creationId xmlns="" xmlns:a16="http://schemas.microsoft.com/office/drawing/2014/main" id="{14ACD13F-7496-4B90-AE98-8683062A6B76}"/>
               </a:ext>
             </a:extLst>
           </p:cNvPr>
@@ -13195,7 +13197,7 @@
           <p:cNvPr id="35" name="Connettore 2 92">
             <a:extLst>
               <a:ext uri="{FF2B5EF4-FFF2-40B4-BE49-F238E27FC236}">
-                <a16:creationId xmlns:a16="http://schemas.microsoft.com/office/drawing/2014/main" xmlns="" id="{D129B3F1-E984-4808-8DB5-56CC7FF47729}"/>
+                <a16:creationId xmlns="" xmlns:a16="http://schemas.microsoft.com/office/drawing/2014/main" id="{D129B3F1-E984-4808-8DB5-56CC7FF47729}"/>
               </a:ext>
             </a:extLst>
           </p:cNvPr>
@@ -14093,7 +14095,7 @@
           <p:cNvPr id="130" name="Rectangle 5">
             <a:extLst>
               <a:ext uri="{FF2B5EF4-FFF2-40B4-BE49-F238E27FC236}">
-                <a16:creationId xmlns:a16="http://schemas.microsoft.com/office/drawing/2014/main" xmlns="" id="{9529310F-209D-4FC3-82E8-EEC7E3A85851}"/>
+                <a16:creationId xmlns="" xmlns:a16="http://schemas.microsoft.com/office/drawing/2014/main" id="{9529310F-209D-4FC3-82E8-EEC7E3A85851}"/>
               </a:ext>
             </a:extLst>
           </p:cNvPr>
@@ -14140,7 +14142,7 @@
           <p:cNvPr id="46" name="Rectangle 5">
             <a:extLst>
               <a:ext uri="{FF2B5EF4-FFF2-40B4-BE49-F238E27FC236}">
-                <a16:creationId xmlns:a16="http://schemas.microsoft.com/office/drawing/2014/main" xmlns="" id="{0CBD2E55-2030-4802-A4F1-C2953AF08AAB}"/>
+                <a16:creationId xmlns="" xmlns:a16="http://schemas.microsoft.com/office/drawing/2014/main" id="{0CBD2E55-2030-4802-A4F1-C2953AF08AAB}"/>
               </a:ext>
             </a:extLst>
           </p:cNvPr>
@@ -14218,7 +14220,7 @@
           <p:cNvPr id="48" name="Rectangle 5">
             <a:extLst>
               <a:ext uri="{FF2B5EF4-FFF2-40B4-BE49-F238E27FC236}">
-                <a16:creationId xmlns:a16="http://schemas.microsoft.com/office/drawing/2014/main" xmlns="" id="{CF0A08CC-F966-460F-9624-0266DD1496A0}"/>
+                <a16:creationId xmlns="" xmlns:a16="http://schemas.microsoft.com/office/drawing/2014/main" id="{CF0A08CC-F966-460F-9624-0266DD1496A0}"/>
               </a:ext>
             </a:extLst>
           </p:cNvPr>
@@ -14325,7 +14327,7 @@
           <p:cNvPr id="61" name="Rectangle 5">
             <a:extLst>
               <a:ext uri="{FF2B5EF4-FFF2-40B4-BE49-F238E27FC236}">
-                <a16:creationId xmlns:a16="http://schemas.microsoft.com/office/drawing/2014/main" xmlns="" id="{9529310F-209D-4FC3-82E8-EEC7E3A85851}"/>
+                <a16:creationId xmlns="" xmlns:a16="http://schemas.microsoft.com/office/drawing/2014/main" id="{9529310F-209D-4FC3-82E8-EEC7E3A85851}"/>
               </a:ext>
             </a:extLst>
           </p:cNvPr>
@@ -15350,7 +15352,7 @@
           <p:cNvPr id="61" name="Rectangle 5">
             <a:extLst>
               <a:ext uri="{FF2B5EF4-FFF2-40B4-BE49-F238E27FC236}">
-                <a16:creationId xmlns:a16="http://schemas.microsoft.com/office/drawing/2014/main" xmlns="" id="{9529310F-209D-4FC3-82E8-EEC7E3A85851}"/>
+                <a16:creationId xmlns="" xmlns:a16="http://schemas.microsoft.com/office/drawing/2014/main" id="{9529310F-209D-4FC3-82E8-EEC7E3A85851}"/>
               </a:ext>
             </a:extLst>
           </p:cNvPr>
@@ -15551,7 +15553,7 @@
           <p:cNvPr id="19" name="Rectangle: Rounded Corners 18">
             <a:extLst>
               <a:ext uri="{FF2B5EF4-FFF2-40B4-BE49-F238E27FC236}">
-                <a16:creationId xmlns:a16="http://schemas.microsoft.com/office/drawing/2014/main" xmlns="" id="{DE3B0D5F-B032-4ABA-8BA4-86B2ACAE6FE9}"/>
+                <a16:creationId xmlns="" xmlns:a16="http://schemas.microsoft.com/office/drawing/2014/main" id="{DE3B0D5F-B032-4ABA-8BA4-86B2ACAE6FE9}"/>
               </a:ext>
             </a:extLst>
           </p:cNvPr>
@@ -15605,7 +15607,7 @@
           <p:cNvPr id="2" name="Footer Placeholder 1">
             <a:extLst>
               <a:ext uri="{FF2B5EF4-FFF2-40B4-BE49-F238E27FC236}">
-                <a16:creationId xmlns:a16="http://schemas.microsoft.com/office/drawing/2014/main" xmlns="" id="{AD6894C7-DA5F-4138-A519-491DCC0A630F}"/>
+                <a16:creationId xmlns="" xmlns:a16="http://schemas.microsoft.com/office/drawing/2014/main" id="{AD6894C7-DA5F-4138-A519-491DCC0A630F}"/>
               </a:ext>
             </a:extLst>
           </p:cNvPr>
@@ -15634,7 +15636,7 @@
           <p:cNvPr id="3" name="Slide Number Placeholder 2">
             <a:extLst>
               <a:ext uri="{FF2B5EF4-FFF2-40B4-BE49-F238E27FC236}">
-                <a16:creationId xmlns:a16="http://schemas.microsoft.com/office/drawing/2014/main" xmlns="" id="{9F97F589-9197-4852-A296-AC6ABB123CD8}"/>
+                <a16:creationId xmlns="" xmlns:a16="http://schemas.microsoft.com/office/drawing/2014/main" id="{9F97F589-9197-4852-A296-AC6ABB123CD8}"/>
               </a:ext>
             </a:extLst>
           </p:cNvPr>
@@ -15663,7 +15665,7 @@
           <p:cNvPr id="4" name="Gruppo 72">
             <a:extLst>
               <a:ext uri="{FF2B5EF4-FFF2-40B4-BE49-F238E27FC236}">
-                <a16:creationId xmlns:a16="http://schemas.microsoft.com/office/drawing/2014/main" xmlns="" id="{D4DF3349-65AA-401C-A3D6-D0F89B361E36}"/>
+                <a16:creationId xmlns="" xmlns:a16="http://schemas.microsoft.com/office/drawing/2014/main" id="{D4DF3349-65AA-401C-A3D6-D0F89B361E36}"/>
               </a:ext>
             </a:extLst>
           </p:cNvPr>
@@ -15683,7 +15685,7 @@
             <p:cNvPr id="5" name="Figura a mano libera 73">
               <a:extLst>
                 <a:ext uri="{FF2B5EF4-FFF2-40B4-BE49-F238E27FC236}">
-                  <a16:creationId xmlns:a16="http://schemas.microsoft.com/office/drawing/2014/main" xmlns="" id="{5EB43234-5B64-422E-A355-531F36111451}"/>
+                  <a16:creationId xmlns="" xmlns:a16="http://schemas.microsoft.com/office/drawing/2014/main" id="{5EB43234-5B64-422E-A355-531F36111451}"/>
                 </a:ext>
               </a:extLst>
             </p:cNvPr>
@@ -15861,7 +15863,7 @@
             <p:cNvPr id="6" name="Figura a mano libera 74">
               <a:extLst>
                 <a:ext uri="{FF2B5EF4-FFF2-40B4-BE49-F238E27FC236}">
-                  <a16:creationId xmlns:a16="http://schemas.microsoft.com/office/drawing/2014/main" xmlns="" id="{FD6DD544-F526-49EB-9FD3-4E25A9A04502}"/>
+                  <a16:creationId xmlns="" xmlns:a16="http://schemas.microsoft.com/office/drawing/2014/main" id="{FD6DD544-F526-49EB-9FD3-4E25A9A04502}"/>
                 </a:ext>
               </a:extLst>
             </p:cNvPr>
@@ -15941,7 +15943,7 @@
             <p:cNvPr id="7" name="Figura a mano libera 75">
               <a:extLst>
                 <a:ext uri="{FF2B5EF4-FFF2-40B4-BE49-F238E27FC236}">
-                  <a16:creationId xmlns:a16="http://schemas.microsoft.com/office/drawing/2014/main" xmlns="" id="{74474911-83D2-4583-8298-4ACA2D55D0B4}"/>
+                  <a16:creationId xmlns="" xmlns:a16="http://schemas.microsoft.com/office/drawing/2014/main" id="{74474911-83D2-4583-8298-4ACA2D55D0B4}"/>
                 </a:ext>
               </a:extLst>
             </p:cNvPr>
@@ -16022,7 +16024,7 @@
           <p:cNvPr id="8" name="CasellaDiTesto 77">
             <a:extLst>
               <a:ext uri="{FF2B5EF4-FFF2-40B4-BE49-F238E27FC236}">
-                <a16:creationId xmlns:a16="http://schemas.microsoft.com/office/drawing/2014/main" xmlns="" id="{A44277E5-DB00-4094-88D9-A3A76F021088}"/>
+                <a16:creationId xmlns="" xmlns:a16="http://schemas.microsoft.com/office/drawing/2014/main" id="{A44277E5-DB00-4094-88D9-A3A76F021088}"/>
               </a:ext>
             </a:extLst>
           </p:cNvPr>
@@ -16058,7 +16060,7 @@
           <p:cNvPr id="9" name="Gruppo 56">
             <a:extLst>
               <a:ext uri="{FF2B5EF4-FFF2-40B4-BE49-F238E27FC236}">
-                <a16:creationId xmlns:a16="http://schemas.microsoft.com/office/drawing/2014/main" xmlns="" id="{74F6FB65-B2FC-43AB-952F-EB880AD9A766}"/>
+                <a16:creationId xmlns="" xmlns:a16="http://schemas.microsoft.com/office/drawing/2014/main" id="{74F6FB65-B2FC-43AB-952F-EB880AD9A766}"/>
               </a:ext>
             </a:extLst>
           </p:cNvPr>
@@ -16078,7 +16080,7 @@
             <p:cNvPr id="10" name="Freccia a destra 58">
               <a:extLst>
                 <a:ext uri="{FF2B5EF4-FFF2-40B4-BE49-F238E27FC236}">
-                  <a16:creationId xmlns:a16="http://schemas.microsoft.com/office/drawing/2014/main" xmlns="" id="{2874F787-D303-4944-A765-CCDE457EC84E}"/>
+                  <a16:creationId xmlns="" xmlns:a16="http://schemas.microsoft.com/office/drawing/2014/main" id="{2874F787-D303-4944-A765-CCDE457EC84E}"/>
                 </a:ext>
               </a:extLst>
             </p:cNvPr>
@@ -16122,7 +16124,7 @@
             <p:cNvPr id="11" name="Triangolo isoscele 76">
               <a:extLst>
                 <a:ext uri="{FF2B5EF4-FFF2-40B4-BE49-F238E27FC236}">
-                  <a16:creationId xmlns:a16="http://schemas.microsoft.com/office/drawing/2014/main" xmlns="" id="{E916AB63-4782-439B-A9B0-E9AD2E838EB1}"/>
+                  <a16:creationId xmlns="" xmlns:a16="http://schemas.microsoft.com/office/drawing/2014/main" id="{E916AB63-4782-439B-A9B0-E9AD2E838EB1}"/>
                 </a:ext>
               </a:extLst>
             </p:cNvPr>
@@ -16175,7 +16177,7 @@
           <p:cNvPr id="12" name="CasellaDiTesto 80">
             <a:extLst>
               <a:ext uri="{FF2B5EF4-FFF2-40B4-BE49-F238E27FC236}">
-                <a16:creationId xmlns:a16="http://schemas.microsoft.com/office/drawing/2014/main" xmlns="" id="{72B5600D-A098-4BE0-9D29-4E981D471DE0}"/>
+                <a16:creationId xmlns="" xmlns:a16="http://schemas.microsoft.com/office/drawing/2014/main" id="{72B5600D-A098-4BE0-9D29-4E981D471DE0}"/>
               </a:ext>
             </a:extLst>
           </p:cNvPr>
@@ -16211,7 +16213,7 @@
           <p:cNvPr id="13" name="CasellaDiTesto 81">
             <a:extLst>
               <a:ext uri="{FF2B5EF4-FFF2-40B4-BE49-F238E27FC236}">
-                <a16:creationId xmlns:a16="http://schemas.microsoft.com/office/drawing/2014/main" xmlns="" id="{2832473F-CC41-4D67-95E6-8748F15632CD}"/>
+                <a16:creationId xmlns="" xmlns:a16="http://schemas.microsoft.com/office/drawing/2014/main" id="{2832473F-CC41-4D67-95E6-8748F15632CD}"/>
               </a:ext>
             </a:extLst>
           </p:cNvPr>
@@ -16247,7 +16249,7 @@
           <p:cNvPr id="14" name="Gruppo 87">
             <a:extLst>
               <a:ext uri="{FF2B5EF4-FFF2-40B4-BE49-F238E27FC236}">
-                <a16:creationId xmlns:a16="http://schemas.microsoft.com/office/drawing/2014/main" xmlns="" id="{CDDB6DF8-445A-4D3C-9E6E-3D2D9BA565D8}"/>
+                <a16:creationId xmlns="" xmlns:a16="http://schemas.microsoft.com/office/drawing/2014/main" id="{CDDB6DF8-445A-4D3C-9E6E-3D2D9BA565D8}"/>
               </a:ext>
             </a:extLst>
           </p:cNvPr>
@@ -16267,7 +16269,7 @@
             <p:cNvPr id="15" name="Connettore 1 89">
               <a:extLst>
                 <a:ext uri="{FF2B5EF4-FFF2-40B4-BE49-F238E27FC236}">
-                  <a16:creationId xmlns:a16="http://schemas.microsoft.com/office/drawing/2014/main" xmlns="" id="{A504012D-1DBC-427E-92AD-67E4D62B312F}"/>
+                  <a16:creationId xmlns="" xmlns:a16="http://schemas.microsoft.com/office/drawing/2014/main" id="{A504012D-1DBC-427E-92AD-67E4D62B312F}"/>
                 </a:ext>
               </a:extLst>
             </p:cNvPr>
@@ -16306,7 +16308,7 @@
             <p:cNvPr id="16" name="Triangolo isoscele 90">
               <a:extLst>
                 <a:ext uri="{FF2B5EF4-FFF2-40B4-BE49-F238E27FC236}">
-                  <a16:creationId xmlns:a16="http://schemas.microsoft.com/office/drawing/2014/main" xmlns="" id="{AF6509DD-8D3D-4911-B351-E7BF33D0D71A}"/>
+                  <a16:creationId xmlns="" xmlns:a16="http://schemas.microsoft.com/office/drawing/2014/main" id="{AF6509DD-8D3D-4911-B351-E7BF33D0D71A}"/>
                 </a:ext>
               </a:extLst>
             </p:cNvPr>
@@ -16355,7 +16357,7 @@
           <p:cNvPr id="17" name="CasellaDiTesto 91">
             <a:extLst>
               <a:ext uri="{FF2B5EF4-FFF2-40B4-BE49-F238E27FC236}">
-                <a16:creationId xmlns:a16="http://schemas.microsoft.com/office/drawing/2014/main" xmlns="" id="{EAF9BEEA-F8F7-4B16-BF60-8B8EAD064DE5}"/>
+                <a16:creationId xmlns="" xmlns:a16="http://schemas.microsoft.com/office/drawing/2014/main" id="{EAF9BEEA-F8F7-4B16-BF60-8B8EAD064DE5}"/>
               </a:ext>
             </a:extLst>
           </p:cNvPr>
@@ -16391,7 +16393,7 @@
           <p:cNvPr id="18" name="Connettore 2 92">
             <a:extLst>
               <a:ext uri="{FF2B5EF4-FFF2-40B4-BE49-F238E27FC236}">
-                <a16:creationId xmlns:a16="http://schemas.microsoft.com/office/drawing/2014/main" xmlns="" id="{373280F8-F690-4A62-ACB0-582565EF381B}"/>
+                <a16:creationId xmlns="" xmlns:a16="http://schemas.microsoft.com/office/drawing/2014/main" id="{373280F8-F690-4A62-ACB0-582565EF381B}"/>
               </a:ext>
             </a:extLst>
           </p:cNvPr>
@@ -16431,7 +16433,7 @@
           <p:cNvPr id="20" name="Gruppo 82">
             <a:extLst>
               <a:ext uri="{FF2B5EF4-FFF2-40B4-BE49-F238E27FC236}">
-                <a16:creationId xmlns:a16="http://schemas.microsoft.com/office/drawing/2014/main" xmlns="" id="{12D969AC-9EB0-4CF5-9EE5-D0DD7ACA9C72}"/>
+                <a16:creationId xmlns="" xmlns:a16="http://schemas.microsoft.com/office/drawing/2014/main" id="{12D969AC-9EB0-4CF5-9EE5-D0DD7ACA9C72}"/>
               </a:ext>
             </a:extLst>
           </p:cNvPr>
@@ -16451,7 +16453,7 @@
             <p:cNvPr id="21" name="Ovale 38">
               <a:extLst>
                 <a:ext uri="{FF2B5EF4-FFF2-40B4-BE49-F238E27FC236}">
-                  <a16:creationId xmlns:a16="http://schemas.microsoft.com/office/drawing/2014/main" xmlns="" id="{0EB3DE65-C1E4-4AD3-B909-2646317ECA68}"/>
+                  <a16:creationId xmlns="" xmlns:a16="http://schemas.microsoft.com/office/drawing/2014/main" id="{0EB3DE65-C1E4-4AD3-B909-2646317ECA68}"/>
                 </a:ext>
               </a:extLst>
             </p:cNvPr>
@@ -16502,7 +16504,7 @@
             <p:cNvPr id="22" name="Rettangolo 39">
               <a:extLst>
                 <a:ext uri="{FF2B5EF4-FFF2-40B4-BE49-F238E27FC236}">
-                  <a16:creationId xmlns:a16="http://schemas.microsoft.com/office/drawing/2014/main" xmlns="" id="{AAF0ABD1-BB2B-450B-9369-91FF5B4CE129}"/>
+                  <a16:creationId xmlns="" xmlns:a16="http://schemas.microsoft.com/office/drawing/2014/main" id="{AAF0ABD1-BB2B-450B-9369-91FF5B4CE129}"/>
                 </a:ext>
               </a:extLst>
             </p:cNvPr>
@@ -16550,7 +16552,7 @@
             <p:cNvPr id="23" name="Triangolo isoscele 42">
               <a:extLst>
                 <a:ext uri="{FF2B5EF4-FFF2-40B4-BE49-F238E27FC236}">
-                  <a16:creationId xmlns:a16="http://schemas.microsoft.com/office/drawing/2014/main" xmlns="" id="{34D1AFB1-88AB-4A6C-9824-2CF6DE11BF7C}"/>
+                  <a16:creationId xmlns="" xmlns:a16="http://schemas.microsoft.com/office/drawing/2014/main" id="{34D1AFB1-88AB-4A6C-9824-2CF6DE11BF7C}"/>
                 </a:ext>
               </a:extLst>
             </p:cNvPr>
@@ -16603,7 +16605,7 @@
           <p:cNvPr id="24" name="Rectangle 4">
             <a:extLst>
               <a:ext uri="{FF2B5EF4-FFF2-40B4-BE49-F238E27FC236}">
-                <a16:creationId xmlns:a16="http://schemas.microsoft.com/office/drawing/2014/main" xmlns="" id="{FA1CA8BE-B059-415B-B299-7E0D7424128A}"/>
+                <a16:creationId xmlns="" xmlns:a16="http://schemas.microsoft.com/office/drawing/2014/main" id="{FA1CA8BE-B059-415B-B299-7E0D7424128A}"/>
               </a:ext>
             </a:extLst>
           </p:cNvPr>
@@ -16650,7 +16652,7 @@
           <p:cNvPr id="25" name="Ovale 33">
             <a:extLst>
               <a:ext uri="{FF2B5EF4-FFF2-40B4-BE49-F238E27FC236}">
-                <a16:creationId xmlns:a16="http://schemas.microsoft.com/office/drawing/2014/main" xmlns="" id="{A4E6BBEC-1E11-48AC-9881-2BCB8F6CF48A}"/>
+                <a16:creationId xmlns="" xmlns:a16="http://schemas.microsoft.com/office/drawing/2014/main" id="{A4E6BBEC-1E11-48AC-9881-2BCB8F6CF48A}"/>
               </a:ext>
             </a:extLst>
           </p:cNvPr>
@@ -16698,7 +16700,7 @@
           <p:cNvPr id="26" name="CasellaDiTesto 19">
             <a:extLst>
               <a:ext uri="{FF2B5EF4-FFF2-40B4-BE49-F238E27FC236}">
-                <a16:creationId xmlns:a16="http://schemas.microsoft.com/office/drawing/2014/main" xmlns="" id="{11853092-90FB-4FF0-A8A7-8E1E956C1000}"/>
+                <a16:creationId xmlns="" xmlns:a16="http://schemas.microsoft.com/office/drawing/2014/main" id="{11853092-90FB-4FF0-A8A7-8E1E956C1000}"/>
               </a:ext>
             </a:extLst>
           </p:cNvPr>
@@ -16734,7 +16736,7 @@
           <p:cNvPr id="27" name="Rectangle 4">
             <a:extLst>
               <a:ext uri="{FF2B5EF4-FFF2-40B4-BE49-F238E27FC236}">
-                <a16:creationId xmlns:a16="http://schemas.microsoft.com/office/drawing/2014/main" xmlns="" id="{57A31D5F-E223-48B4-A819-ADBF29AA214F}"/>
+                <a16:creationId xmlns="" xmlns:a16="http://schemas.microsoft.com/office/drawing/2014/main" id="{57A31D5F-E223-48B4-A819-ADBF29AA214F}"/>
               </a:ext>
             </a:extLst>
           </p:cNvPr>
@@ -16864,7 +16866,7 @@
           <p:cNvPr id="28" name="Connettore 2 126">
             <a:extLst>
               <a:ext uri="{FF2B5EF4-FFF2-40B4-BE49-F238E27FC236}">
-                <a16:creationId xmlns:a16="http://schemas.microsoft.com/office/drawing/2014/main" xmlns="" id="{36CC678F-7232-496B-B9F9-4DE6B53CD494}"/>
+                <a16:creationId xmlns="" xmlns:a16="http://schemas.microsoft.com/office/drawing/2014/main" id="{36CC678F-7232-496B-B9F9-4DE6B53CD494}"/>
               </a:ext>
             </a:extLst>
           </p:cNvPr>
@@ -16907,7 +16909,7 @@
           <p:cNvPr id="29" name="Connettore 2 9">
             <a:extLst>
               <a:ext uri="{FF2B5EF4-FFF2-40B4-BE49-F238E27FC236}">
-                <a16:creationId xmlns:a16="http://schemas.microsoft.com/office/drawing/2014/main" xmlns="" id="{04DF4836-F901-4EBA-8385-88CA97E6F661}"/>
+                <a16:creationId xmlns="" xmlns:a16="http://schemas.microsoft.com/office/drawing/2014/main" id="{04DF4836-F901-4EBA-8385-88CA97E6F661}"/>
               </a:ext>
             </a:extLst>
           </p:cNvPr>
@@ -16953,7 +16955,7 @@
           <p:cNvPr id="30" name="Rectangle 5">
             <a:extLst>
               <a:ext uri="{FF2B5EF4-FFF2-40B4-BE49-F238E27FC236}">
-                <a16:creationId xmlns:a16="http://schemas.microsoft.com/office/drawing/2014/main" xmlns="" id="{2514E10A-0E65-4430-A48F-330F1F0FD1D1}"/>
+                <a16:creationId xmlns="" xmlns:a16="http://schemas.microsoft.com/office/drawing/2014/main" id="{2514E10A-0E65-4430-A48F-330F1F0FD1D1}"/>
               </a:ext>
             </a:extLst>
           </p:cNvPr>
@@ -17014,7 +17016,7 @@
           <p:cNvPr id="31" name="Rectangle 5">
             <a:extLst>
               <a:ext uri="{FF2B5EF4-FFF2-40B4-BE49-F238E27FC236}">
-                <a16:creationId xmlns:a16="http://schemas.microsoft.com/office/drawing/2014/main" xmlns="" id="{DFDC7F0A-882C-4149-983D-9A958C225794}"/>
+                <a16:creationId xmlns="" xmlns:a16="http://schemas.microsoft.com/office/drawing/2014/main" id="{DFDC7F0A-882C-4149-983D-9A958C225794}"/>
               </a:ext>
             </a:extLst>
           </p:cNvPr>
@@ -17054,7 +17056,7 @@
           <p:cNvPr id="32" name="Ovale 33">
             <a:extLst>
               <a:ext uri="{FF2B5EF4-FFF2-40B4-BE49-F238E27FC236}">
-                <a16:creationId xmlns:a16="http://schemas.microsoft.com/office/drawing/2014/main" xmlns="" id="{3D0173EE-08DD-4F1E-9226-740254360410}"/>
+                <a16:creationId xmlns="" xmlns:a16="http://schemas.microsoft.com/office/drawing/2014/main" id="{3D0173EE-08DD-4F1E-9226-740254360410}"/>
               </a:ext>
             </a:extLst>
           </p:cNvPr>
@@ -17102,7 +17104,7 @@
           <p:cNvPr id="33" name="Straight Arrow Connector 32">
             <a:extLst>
               <a:ext uri="{FF2B5EF4-FFF2-40B4-BE49-F238E27FC236}">
-                <a16:creationId xmlns:a16="http://schemas.microsoft.com/office/drawing/2014/main" xmlns="" id="{F5733152-082A-43F7-B943-085C85850C21}"/>
+                <a16:creationId xmlns="" xmlns:a16="http://schemas.microsoft.com/office/drawing/2014/main" id="{F5733152-082A-43F7-B943-085C85850C21}"/>
               </a:ext>
             </a:extLst>
           </p:cNvPr>
@@ -17143,7 +17145,7 @@
           <p:cNvPr id="34" name="Connector: Elbow 33">
             <a:extLst>
               <a:ext uri="{FF2B5EF4-FFF2-40B4-BE49-F238E27FC236}">
-                <a16:creationId xmlns:a16="http://schemas.microsoft.com/office/drawing/2014/main" xmlns="" id="{6E0866FF-855D-4981-849D-973D1B152AB3}"/>
+                <a16:creationId xmlns="" xmlns:a16="http://schemas.microsoft.com/office/drawing/2014/main" id="{6E0866FF-855D-4981-849D-973D1B152AB3}"/>
               </a:ext>
             </a:extLst>
           </p:cNvPr>
@@ -17189,7 +17191,7 @@
           <p:cNvPr id="35" name="Oval 34">
             <a:extLst>
               <a:ext uri="{FF2B5EF4-FFF2-40B4-BE49-F238E27FC236}">
-                <a16:creationId xmlns:a16="http://schemas.microsoft.com/office/drawing/2014/main" xmlns="" id="{65481011-CBAC-4F9B-821D-2FF28D949DEA}"/>
+                <a16:creationId xmlns="" xmlns:a16="http://schemas.microsoft.com/office/drawing/2014/main" id="{65481011-CBAC-4F9B-821D-2FF28D949DEA}"/>
               </a:ext>
             </a:extLst>
           </p:cNvPr>
@@ -17243,7 +17245,7 @@
           <p:cNvPr id="36" name="Connettore 2 92">
             <a:extLst>
               <a:ext uri="{FF2B5EF4-FFF2-40B4-BE49-F238E27FC236}">
-                <a16:creationId xmlns:a16="http://schemas.microsoft.com/office/drawing/2014/main" xmlns="" id="{6FD6BF04-777C-407D-B010-E858A36FD965}"/>
+                <a16:creationId xmlns="" xmlns:a16="http://schemas.microsoft.com/office/drawing/2014/main" id="{6FD6BF04-777C-407D-B010-E858A36FD965}"/>
               </a:ext>
             </a:extLst>
           </p:cNvPr>
@@ -17283,7 +17285,7 @@
           <p:cNvPr id="38" name="Rectangle 5">
             <a:extLst>
               <a:ext uri="{FF2B5EF4-FFF2-40B4-BE49-F238E27FC236}">
-                <a16:creationId xmlns:a16="http://schemas.microsoft.com/office/drawing/2014/main" xmlns="" id="{EB817455-7F07-4D5C-B180-91ED8A2903CA}"/>
+                <a16:creationId xmlns="" xmlns:a16="http://schemas.microsoft.com/office/drawing/2014/main" id="{EB817455-7F07-4D5C-B180-91ED8A2903CA}"/>
               </a:ext>
             </a:extLst>
           </p:cNvPr>
@@ -17386,7 +17388,7 @@
           <p:cNvPr id="39" name="Rectangle 5">
             <a:extLst>
               <a:ext uri="{FF2B5EF4-FFF2-40B4-BE49-F238E27FC236}">
-                <a16:creationId xmlns:a16="http://schemas.microsoft.com/office/drawing/2014/main" xmlns="" id="{57B70A4C-684C-498F-B66C-2400E2253AFD}"/>
+                <a16:creationId xmlns="" xmlns:a16="http://schemas.microsoft.com/office/drawing/2014/main" id="{57B70A4C-684C-498F-B66C-2400E2253AFD}"/>
               </a:ext>
             </a:extLst>
           </p:cNvPr>
@@ -18932,7 +18934,7 @@
           <p:cNvPr id="125" name="Rectangle 5">
             <a:extLst>
               <a:ext uri="{FF2B5EF4-FFF2-40B4-BE49-F238E27FC236}">
-                <a16:creationId xmlns:a16="http://schemas.microsoft.com/office/drawing/2014/main" xmlns="" id="{9529310F-209D-4FC3-82E8-EEC7E3A85851}"/>
+                <a16:creationId xmlns="" xmlns:a16="http://schemas.microsoft.com/office/drawing/2014/main" id="{9529310F-209D-4FC3-82E8-EEC7E3A85851}"/>
               </a:ext>
             </a:extLst>
           </p:cNvPr>
@@ -18979,7 +18981,7 @@
           <p:cNvPr id="126" name="Rectangle 5">
             <a:extLst>
               <a:ext uri="{FF2B5EF4-FFF2-40B4-BE49-F238E27FC236}">
-                <a16:creationId xmlns:a16="http://schemas.microsoft.com/office/drawing/2014/main" xmlns="" id="{9529310F-209D-4FC3-82E8-EEC7E3A85851}"/>
+                <a16:creationId xmlns="" xmlns:a16="http://schemas.microsoft.com/office/drawing/2014/main" id="{9529310F-209D-4FC3-82E8-EEC7E3A85851}"/>
               </a:ext>
             </a:extLst>
           </p:cNvPr>
@@ -22129,7 +22131,7 @@
           <p:cNvPr id="62" name="Rectangle 5">
             <a:extLst>
               <a:ext uri="{FF2B5EF4-FFF2-40B4-BE49-F238E27FC236}">
-                <a16:creationId xmlns:a16="http://schemas.microsoft.com/office/drawing/2014/main" xmlns="" id="{9529310F-209D-4FC3-82E8-EEC7E3A85851}"/>
+                <a16:creationId xmlns="" xmlns:a16="http://schemas.microsoft.com/office/drawing/2014/main" id="{9529310F-209D-4FC3-82E8-EEC7E3A85851}"/>
               </a:ext>
             </a:extLst>
           </p:cNvPr>
@@ -22511,7 +22513,7 @@
           <p:cNvPr id="101" name="Gruppo 82">
             <a:extLst>
               <a:ext uri="{FF2B5EF4-FFF2-40B4-BE49-F238E27FC236}">
-                <a16:creationId xmlns:a16="http://schemas.microsoft.com/office/drawing/2014/main" xmlns="" id="{12D969AC-9EB0-4CF5-9EE5-D0DD7ACA9C72}"/>
+                <a16:creationId xmlns="" xmlns:a16="http://schemas.microsoft.com/office/drawing/2014/main" id="{12D969AC-9EB0-4CF5-9EE5-D0DD7ACA9C72}"/>
               </a:ext>
             </a:extLst>
           </p:cNvPr>
@@ -22531,7 +22533,7 @@
             <p:cNvPr id="102" name="Ovale 38">
               <a:extLst>
                 <a:ext uri="{FF2B5EF4-FFF2-40B4-BE49-F238E27FC236}">
-                  <a16:creationId xmlns:a16="http://schemas.microsoft.com/office/drawing/2014/main" xmlns="" id="{0EB3DE65-C1E4-4AD3-B909-2646317ECA68}"/>
+                  <a16:creationId xmlns="" xmlns:a16="http://schemas.microsoft.com/office/drawing/2014/main" id="{0EB3DE65-C1E4-4AD3-B909-2646317ECA68}"/>
                 </a:ext>
               </a:extLst>
             </p:cNvPr>
@@ -22582,7 +22584,7 @@
             <p:cNvPr id="103" name="Rettangolo 39">
               <a:extLst>
                 <a:ext uri="{FF2B5EF4-FFF2-40B4-BE49-F238E27FC236}">
-                  <a16:creationId xmlns:a16="http://schemas.microsoft.com/office/drawing/2014/main" xmlns="" id="{AAF0ABD1-BB2B-450B-9369-91FF5B4CE129}"/>
+                  <a16:creationId xmlns="" xmlns:a16="http://schemas.microsoft.com/office/drawing/2014/main" id="{AAF0ABD1-BB2B-450B-9369-91FF5B4CE129}"/>
                 </a:ext>
               </a:extLst>
             </p:cNvPr>
@@ -22630,7 +22632,7 @@
             <p:cNvPr id="108" name="Triangolo isoscele 42">
               <a:extLst>
                 <a:ext uri="{FF2B5EF4-FFF2-40B4-BE49-F238E27FC236}">
-                  <a16:creationId xmlns:a16="http://schemas.microsoft.com/office/drawing/2014/main" xmlns="" id="{34D1AFB1-88AB-4A6C-9824-2CF6DE11BF7C}"/>
+                  <a16:creationId xmlns="" xmlns:a16="http://schemas.microsoft.com/office/drawing/2014/main" id="{34D1AFB1-88AB-4A6C-9824-2CF6DE11BF7C}"/>
                 </a:ext>
               </a:extLst>
             </p:cNvPr>
@@ -22712,7 +22714,7 @@
           <p:cNvPr id="111" name="Gruppo 82">
             <a:extLst>
               <a:ext uri="{FF2B5EF4-FFF2-40B4-BE49-F238E27FC236}">
-                <a16:creationId xmlns:a16="http://schemas.microsoft.com/office/drawing/2014/main" xmlns="" id="{12D969AC-9EB0-4CF5-9EE5-D0DD7ACA9C72}"/>
+                <a16:creationId xmlns="" xmlns:a16="http://schemas.microsoft.com/office/drawing/2014/main" id="{12D969AC-9EB0-4CF5-9EE5-D0DD7ACA9C72}"/>
               </a:ext>
             </a:extLst>
           </p:cNvPr>
@@ -22732,7 +22734,7 @@
             <p:cNvPr id="113" name="Ovale 38">
               <a:extLst>
                 <a:ext uri="{FF2B5EF4-FFF2-40B4-BE49-F238E27FC236}">
-                  <a16:creationId xmlns:a16="http://schemas.microsoft.com/office/drawing/2014/main" xmlns="" id="{0EB3DE65-C1E4-4AD3-B909-2646317ECA68}"/>
+                  <a16:creationId xmlns="" xmlns:a16="http://schemas.microsoft.com/office/drawing/2014/main" id="{0EB3DE65-C1E4-4AD3-B909-2646317ECA68}"/>
                 </a:ext>
               </a:extLst>
             </p:cNvPr>
@@ -22783,7 +22785,7 @@
             <p:cNvPr id="114" name="Rettangolo 39">
               <a:extLst>
                 <a:ext uri="{FF2B5EF4-FFF2-40B4-BE49-F238E27FC236}">
-                  <a16:creationId xmlns:a16="http://schemas.microsoft.com/office/drawing/2014/main" xmlns="" id="{AAF0ABD1-BB2B-450B-9369-91FF5B4CE129}"/>
+                  <a16:creationId xmlns="" xmlns:a16="http://schemas.microsoft.com/office/drawing/2014/main" id="{AAF0ABD1-BB2B-450B-9369-91FF5B4CE129}"/>
                 </a:ext>
               </a:extLst>
             </p:cNvPr>
@@ -22831,7 +22833,7 @@
             <p:cNvPr id="115" name="Triangolo isoscele 42">
               <a:extLst>
                 <a:ext uri="{FF2B5EF4-FFF2-40B4-BE49-F238E27FC236}">
-                  <a16:creationId xmlns:a16="http://schemas.microsoft.com/office/drawing/2014/main" xmlns="" id="{34D1AFB1-88AB-4A6C-9824-2CF6DE11BF7C}"/>
+                  <a16:creationId xmlns="" xmlns:a16="http://schemas.microsoft.com/office/drawing/2014/main" id="{34D1AFB1-88AB-4A6C-9824-2CF6DE11BF7C}"/>
                 </a:ext>
               </a:extLst>
             </p:cNvPr>
@@ -22884,7 +22886,7 @@
           <p:cNvPr id="116" name="Gruppo 82">
             <a:extLst>
               <a:ext uri="{FF2B5EF4-FFF2-40B4-BE49-F238E27FC236}">
-                <a16:creationId xmlns:a16="http://schemas.microsoft.com/office/drawing/2014/main" xmlns="" id="{12D969AC-9EB0-4CF5-9EE5-D0DD7ACA9C72}"/>
+                <a16:creationId xmlns="" xmlns:a16="http://schemas.microsoft.com/office/drawing/2014/main" id="{12D969AC-9EB0-4CF5-9EE5-D0DD7ACA9C72}"/>
               </a:ext>
             </a:extLst>
           </p:cNvPr>
@@ -22904,7 +22906,7 @@
             <p:cNvPr id="118" name="Ovale 38">
               <a:extLst>
                 <a:ext uri="{FF2B5EF4-FFF2-40B4-BE49-F238E27FC236}">
-                  <a16:creationId xmlns:a16="http://schemas.microsoft.com/office/drawing/2014/main" xmlns="" id="{0EB3DE65-C1E4-4AD3-B909-2646317ECA68}"/>
+                  <a16:creationId xmlns="" xmlns:a16="http://schemas.microsoft.com/office/drawing/2014/main" id="{0EB3DE65-C1E4-4AD3-B909-2646317ECA68}"/>
                 </a:ext>
               </a:extLst>
             </p:cNvPr>
@@ -22955,7 +22957,7 @@
             <p:cNvPr id="124" name="Rettangolo 39">
               <a:extLst>
                 <a:ext uri="{FF2B5EF4-FFF2-40B4-BE49-F238E27FC236}">
-                  <a16:creationId xmlns:a16="http://schemas.microsoft.com/office/drawing/2014/main" xmlns="" id="{AAF0ABD1-BB2B-450B-9369-91FF5B4CE129}"/>
+                  <a16:creationId xmlns="" xmlns:a16="http://schemas.microsoft.com/office/drawing/2014/main" id="{AAF0ABD1-BB2B-450B-9369-91FF5B4CE129}"/>
                 </a:ext>
               </a:extLst>
             </p:cNvPr>
@@ -23003,7 +23005,7 @@
             <p:cNvPr id="125" name="Triangolo isoscele 42">
               <a:extLst>
                 <a:ext uri="{FF2B5EF4-FFF2-40B4-BE49-F238E27FC236}">
-                  <a16:creationId xmlns:a16="http://schemas.microsoft.com/office/drawing/2014/main" xmlns="" id="{34D1AFB1-88AB-4A6C-9824-2CF6DE11BF7C}"/>
+                  <a16:creationId xmlns="" xmlns:a16="http://schemas.microsoft.com/office/drawing/2014/main" id="{34D1AFB1-88AB-4A6C-9824-2CF6DE11BF7C}"/>
                 </a:ext>
               </a:extLst>
             </p:cNvPr>
@@ -23200,7 +23202,7 @@
           <p:cNvPr id="136" name="Ovale 33">
             <a:extLst>
               <a:ext uri="{FF2B5EF4-FFF2-40B4-BE49-F238E27FC236}">
-                <a16:creationId xmlns:a16="http://schemas.microsoft.com/office/drawing/2014/main" xmlns="" id="{A4E6BBEC-1E11-48AC-9881-2BCB8F6CF48A}"/>
+                <a16:creationId xmlns="" xmlns:a16="http://schemas.microsoft.com/office/drawing/2014/main" id="{A4E6BBEC-1E11-48AC-9881-2BCB8F6CF48A}"/>
               </a:ext>
             </a:extLst>
           </p:cNvPr>
@@ -23248,7 +23250,7 @@
           <p:cNvPr id="137" name="Connettore 2 126">
             <a:extLst>
               <a:ext uri="{FF2B5EF4-FFF2-40B4-BE49-F238E27FC236}">
-                <a16:creationId xmlns:a16="http://schemas.microsoft.com/office/drawing/2014/main" xmlns="" id="{36CC678F-7232-496B-B9F9-4DE6B53CD494}"/>
+                <a16:creationId xmlns="" xmlns:a16="http://schemas.microsoft.com/office/drawing/2014/main" id="{36CC678F-7232-496B-B9F9-4DE6B53CD494}"/>
               </a:ext>
             </a:extLst>
           </p:cNvPr>
@@ -23291,7 +23293,7 @@
           <p:cNvPr id="138" name="Rectangle 5">
             <a:extLst>
               <a:ext uri="{FF2B5EF4-FFF2-40B4-BE49-F238E27FC236}">
-                <a16:creationId xmlns:a16="http://schemas.microsoft.com/office/drawing/2014/main" xmlns="" id="{DFDC7F0A-882C-4149-983D-9A958C225794}"/>
+                <a16:creationId xmlns="" xmlns:a16="http://schemas.microsoft.com/office/drawing/2014/main" id="{DFDC7F0A-882C-4149-983D-9A958C225794}"/>
               </a:ext>
             </a:extLst>
           </p:cNvPr>
@@ -23331,7 +23333,7 @@
           <p:cNvPr id="139" name="Ovale 33">
             <a:extLst>
               <a:ext uri="{FF2B5EF4-FFF2-40B4-BE49-F238E27FC236}">
-                <a16:creationId xmlns:a16="http://schemas.microsoft.com/office/drawing/2014/main" xmlns="" id="{3D0173EE-08DD-4F1E-9226-740254360410}"/>
+                <a16:creationId xmlns="" xmlns:a16="http://schemas.microsoft.com/office/drawing/2014/main" id="{3D0173EE-08DD-4F1E-9226-740254360410}"/>
               </a:ext>
             </a:extLst>
           </p:cNvPr>
@@ -23379,7 +23381,7 @@
           <p:cNvPr id="140" name="Straight Arrow Connector 32">
             <a:extLst>
               <a:ext uri="{FF2B5EF4-FFF2-40B4-BE49-F238E27FC236}">
-                <a16:creationId xmlns:a16="http://schemas.microsoft.com/office/drawing/2014/main" xmlns="" id="{F5733152-082A-43F7-B943-085C85850C21}"/>
+                <a16:creationId xmlns="" xmlns:a16="http://schemas.microsoft.com/office/drawing/2014/main" id="{F5733152-082A-43F7-B943-085C85850C21}"/>
               </a:ext>
             </a:extLst>
           </p:cNvPr>
@@ -23772,7 +23774,7 @@
           <p:cNvPr id="7" name="Rectangle 5">
             <a:extLst>
               <a:ext uri="{FF2B5EF4-FFF2-40B4-BE49-F238E27FC236}">
-                <a16:creationId xmlns:a16="http://schemas.microsoft.com/office/drawing/2014/main" xmlns="" id="{9529310F-209D-4FC3-82E8-EEC7E3A85851}"/>
+                <a16:creationId xmlns="" xmlns:a16="http://schemas.microsoft.com/office/drawing/2014/main" id="{9529310F-209D-4FC3-82E8-EEC7E3A85851}"/>
               </a:ext>
             </a:extLst>
           </p:cNvPr>
@@ -23937,7 +23939,6 @@
               <a:rPr lang="en-GB" dirty="0"/>
               <a:t>step</a:t>
             </a:r>
-            <a:endParaRPr lang="en-GB" dirty="0"/>
           </a:p>
         </p:txBody>
       </p:sp>
@@ -24050,7 +24051,7 @@
           <p:cNvPr id="16" name="Gruppo 82">
             <a:extLst>
               <a:ext uri="{FF2B5EF4-FFF2-40B4-BE49-F238E27FC236}">
-                <a16:creationId xmlns:a16="http://schemas.microsoft.com/office/drawing/2014/main" xmlns="" id="{12D969AC-9EB0-4CF5-9EE5-D0DD7ACA9C72}"/>
+                <a16:creationId xmlns="" xmlns:a16="http://schemas.microsoft.com/office/drawing/2014/main" id="{12D969AC-9EB0-4CF5-9EE5-D0DD7ACA9C72}"/>
               </a:ext>
             </a:extLst>
           </p:cNvPr>
@@ -24070,7 +24071,7 @@
             <p:cNvPr id="17" name="Ovale 38">
               <a:extLst>
                 <a:ext uri="{FF2B5EF4-FFF2-40B4-BE49-F238E27FC236}">
-                  <a16:creationId xmlns:a16="http://schemas.microsoft.com/office/drawing/2014/main" xmlns="" id="{0EB3DE65-C1E4-4AD3-B909-2646317ECA68}"/>
+                  <a16:creationId xmlns="" xmlns:a16="http://schemas.microsoft.com/office/drawing/2014/main" id="{0EB3DE65-C1E4-4AD3-B909-2646317ECA68}"/>
                 </a:ext>
               </a:extLst>
             </p:cNvPr>
@@ -24121,7 +24122,7 @@
             <p:cNvPr id="18" name="Rettangolo 39">
               <a:extLst>
                 <a:ext uri="{FF2B5EF4-FFF2-40B4-BE49-F238E27FC236}">
-                  <a16:creationId xmlns:a16="http://schemas.microsoft.com/office/drawing/2014/main" xmlns="" id="{AAF0ABD1-BB2B-450B-9369-91FF5B4CE129}"/>
+                  <a16:creationId xmlns="" xmlns:a16="http://schemas.microsoft.com/office/drawing/2014/main" id="{AAF0ABD1-BB2B-450B-9369-91FF5B4CE129}"/>
                 </a:ext>
               </a:extLst>
             </p:cNvPr>
@@ -24169,7 +24170,7 @@
             <p:cNvPr id="19" name="Triangolo isoscele 42">
               <a:extLst>
                 <a:ext uri="{FF2B5EF4-FFF2-40B4-BE49-F238E27FC236}">
-                  <a16:creationId xmlns:a16="http://schemas.microsoft.com/office/drawing/2014/main" xmlns="" id="{34D1AFB1-88AB-4A6C-9824-2CF6DE11BF7C}"/>
+                  <a16:creationId xmlns="" xmlns:a16="http://schemas.microsoft.com/office/drawing/2014/main" id="{34D1AFB1-88AB-4A6C-9824-2CF6DE11BF7C}"/>
                 </a:ext>
               </a:extLst>
             </p:cNvPr>
@@ -24383,7 +24384,7 @@
           <p:cNvPr id="25" name="Rectangle 5">
             <a:extLst>
               <a:ext uri="{FF2B5EF4-FFF2-40B4-BE49-F238E27FC236}">
-                <a16:creationId xmlns:a16="http://schemas.microsoft.com/office/drawing/2014/main" xmlns="" id="{9529310F-209D-4FC3-82E8-EEC7E3A85851}"/>
+                <a16:creationId xmlns="" xmlns:a16="http://schemas.microsoft.com/office/drawing/2014/main" id="{9529310F-209D-4FC3-82E8-EEC7E3A85851}"/>
               </a:ext>
             </a:extLst>
           </p:cNvPr>
@@ -24602,7 +24603,6 @@
               <a:rPr lang="en-GB" dirty="0"/>
               <a:t>sensor</a:t>
             </a:r>
-            <a:endParaRPr lang="en-GB" dirty="0"/>
           </a:p>
         </p:txBody>
       </p:sp>
@@ -24733,7 +24733,7 @@
           <p:cNvPr id="42" name="Rectangle 5">
             <a:extLst>
               <a:ext uri="{FF2B5EF4-FFF2-40B4-BE49-F238E27FC236}">
-                <a16:creationId xmlns:a16="http://schemas.microsoft.com/office/drawing/2014/main" xmlns="" id="{9529310F-209D-4FC3-82E8-EEC7E3A85851}"/>
+                <a16:creationId xmlns="" xmlns:a16="http://schemas.microsoft.com/office/drawing/2014/main" id="{9529310F-209D-4FC3-82E8-EEC7E3A85851}"/>
               </a:ext>
             </a:extLst>
           </p:cNvPr>
@@ -24940,7 +24940,7 @@
           <p:cNvPr id="50" name="Rectangle 5">
             <a:extLst>
               <a:ext uri="{FF2B5EF4-FFF2-40B4-BE49-F238E27FC236}">
-                <a16:creationId xmlns:a16="http://schemas.microsoft.com/office/drawing/2014/main" xmlns="" id="{9529310F-209D-4FC3-82E8-EEC7E3A85851}"/>
+                <a16:creationId xmlns="" xmlns:a16="http://schemas.microsoft.com/office/drawing/2014/main" id="{9529310F-209D-4FC3-82E8-EEC7E3A85851}"/>
               </a:ext>
             </a:extLst>
           </p:cNvPr>
@@ -25306,7 +25306,7 @@
           <p:cNvPr id="8" name="Rectangle 5">
             <a:extLst>
               <a:ext uri="{FF2B5EF4-FFF2-40B4-BE49-F238E27FC236}">
-                <a16:creationId xmlns:a16="http://schemas.microsoft.com/office/drawing/2014/main" xmlns="" id="{9529310F-209D-4FC3-82E8-EEC7E3A85851}"/>
+                <a16:creationId xmlns="" xmlns:a16="http://schemas.microsoft.com/office/drawing/2014/main" id="{9529310F-209D-4FC3-82E8-EEC7E3A85851}"/>
               </a:ext>
             </a:extLst>
           </p:cNvPr>
@@ -25513,7 +25513,7 @@
           <p:cNvPr id="13" name="Rectangle 5">
             <a:extLst>
               <a:ext uri="{FF2B5EF4-FFF2-40B4-BE49-F238E27FC236}">
-                <a16:creationId xmlns:a16="http://schemas.microsoft.com/office/drawing/2014/main" xmlns="" id="{9529310F-209D-4FC3-82E8-EEC7E3A85851}"/>
+                <a16:creationId xmlns="" xmlns:a16="http://schemas.microsoft.com/office/drawing/2014/main" id="{9529310F-209D-4FC3-82E8-EEC7E3A85851}"/>
               </a:ext>
             </a:extLst>
           </p:cNvPr>
@@ -25860,7 +25860,7 @@
           <p:cNvPr id="45" name="Gruppo 82">
             <a:extLst>
               <a:ext uri="{FF2B5EF4-FFF2-40B4-BE49-F238E27FC236}">
-                <a16:creationId xmlns:a16="http://schemas.microsoft.com/office/drawing/2014/main" xmlns="" id="{12D969AC-9EB0-4CF5-9EE5-D0DD7ACA9C72}"/>
+                <a16:creationId xmlns="" xmlns:a16="http://schemas.microsoft.com/office/drawing/2014/main" id="{12D969AC-9EB0-4CF5-9EE5-D0DD7ACA9C72}"/>
               </a:ext>
             </a:extLst>
           </p:cNvPr>
@@ -25880,7 +25880,7 @@
             <p:cNvPr id="46" name="Ovale 38">
               <a:extLst>
                 <a:ext uri="{FF2B5EF4-FFF2-40B4-BE49-F238E27FC236}">
-                  <a16:creationId xmlns:a16="http://schemas.microsoft.com/office/drawing/2014/main" xmlns="" id="{0EB3DE65-C1E4-4AD3-B909-2646317ECA68}"/>
+                  <a16:creationId xmlns="" xmlns:a16="http://schemas.microsoft.com/office/drawing/2014/main" id="{0EB3DE65-C1E4-4AD3-B909-2646317ECA68}"/>
                 </a:ext>
               </a:extLst>
             </p:cNvPr>
@@ -25931,7 +25931,7 @@
             <p:cNvPr id="47" name="Triangolo isoscele 42">
               <a:extLst>
                 <a:ext uri="{FF2B5EF4-FFF2-40B4-BE49-F238E27FC236}">
-                  <a16:creationId xmlns:a16="http://schemas.microsoft.com/office/drawing/2014/main" xmlns="" id="{34D1AFB1-88AB-4A6C-9824-2CF6DE11BF7C}"/>
+                  <a16:creationId xmlns="" xmlns:a16="http://schemas.microsoft.com/office/drawing/2014/main" id="{34D1AFB1-88AB-4A6C-9824-2CF6DE11BF7C}"/>
                 </a:ext>
               </a:extLst>
             </p:cNvPr>
@@ -26030,7 +26030,7 @@
           <p:cNvPr id="4" name="Gruppo 82">
             <a:extLst>
               <a:ext uri="{FF2B5EF4-FFF2-40B4-BE49-F238E27FC236}">
-                <a16:creationId xmlns:a16="http://schemas.microsoft.com/office/drawing/2014/main" xmlns="" id="{12D969AC-9EB0-4CF5-9EE5-D0DD7ACA9C72}"/>
+                <a16:creationId xmlns="" xmlns:a16="http://schemas.microsoft.com/office/drawing/2014/main" id="{12D969AC-9EB0-4CF5-9EE5-D0DD7ACA9C72}"/>
               </a:ext>
             </a:extLst>
           </p:cNvPr>
@@ -26050,7 +26050,7 @@
             <p:cNvPr id="5" name="Ovale 38">
               <a:extLst>
                 <a:ext uri="{FF2B5EF4-FFF2-40B4-BE49-F238E27FC236}">
-                  <a16:creationId xmlns:a16="http://schemas.microsoft.com/office/drawing/2014/main" xmlns="" id="{0EB3DE65-C1E4-4AD3-B909-2646317ECA68}"/>
+                  <a16:creationId xmlns="" xmlns:a16="http://schemas.microsoft.com/office/drawing/2014/main" id="{0EB3DE65-C1E4-4AD3-B909-2646317ECA68}"/>
                 </a:ext>
               </a:extLst>
             </p:cNvPr>
@@ -26101,7 +26101,7 @@
             <p:cNvPr id="7" name="Triangolo isoscele 42">
               <a:extLst>
                 <a:ext uri="{FF2B5EF4-FFF2-40B4-BE49-F238E27FC236}">
-                  <a16:creationId xmlns:a16="http://schemas.microsoft.com/office/drawing/2014/main" xmlns="" id="{34D1AFB1-88AB-4A6C-9824-2CF6DE11BF7C}"/>
+                  <a16:creationId xmlns="" xmlns:a16="http://schemas.microsoft.com/office/drawing/2014/main" id="{34D1AFB1-88AB-4A6C-9824-2CF6DE11BF7C}"/>
                 </a:ext>
               </a:extLst>
             </p:cNvPr>
@@ -26403,7 +26403,7 @@
           <p:cNvPr id="16" name="Ovale 33">
             <a:extLst>
               <a:ext uri="{FF2B5EF4-FFF2-40B4-BE49-F238E27FC236}">
-                <a16:creationId xmlns:a16="http://schemas.microsoft.com/office/drawing/2014/main" xmlns="" id="{A4E6BBEC-1E11-48AC-9881-2BCB8F6CF48A}"/>
+                <a16:creationId xmlns="" xmlns:a16="http://schemas.microsoft.com/office/drawing/2014/main" id="{A4E6BBEC-1E11-48AC-9881-2BCB8F6CF48A}"/>
               </a:ext>
             </a:extLst>
           </p:cNvPr>
@@ -26451,7 +26451,7 @@
           <p:cNvPr id="17" name="Gruppo 82">
             <a:extLst>
               <a:ext uri="{FF2B5EF4-FFF2-40B4-BE49-F238E27FC236}">
-                <a16:creationId xmlns:a16="http://schemas.microsoft.com/office/drawing/2014/main" xmlns="" id="{12D969AC-9EB0-4CF5-9EE5-D0DD7ACA9C72}"/>
+                <a16:creationId xmlns="" xmlns:a16="http://schemas.microsoft.com/office/drawing/2014/main" id="{12D969AC-9EB0-4CF5-9EE5-D0DD7ACA9C72}"/>
               </a:ext>
             </a:extLst>
           </p:cNvPr>
@@ -26471,7 +26471,7 @@
             <p:cNvPr id="18" name="Ovale 38">
               <a:extLst>
                 <a:ext uri="{FF2B5EF4-FFF2-40B4-BE49-F238E27FC236}">
-                  <a16:creationId xmlns:a16="http://schemas.microsoft.com/office/drawing/2014/main" xmlns="" id="{0EB3DE65-C1E4-4AD3-B909-2646317ECA68}"/>
+                  <a16:creationId xmlns="" xmlns:a16="http://schemas.microsoft.com/office/drawing/2014/main" id="{0EB3DE65-C1E4-4AD3-B909-2646317ECA68}"/>
                 </a:ext>
               </a:extLst>
             </p:cNvPr>
@@ -26522,7 +26522,7 @@
             <p:cNvPr id="19" name="Triangolo isoscele 42">
               <a:extLst>
                 <a:ext uri="{FF2B5EF4-FFF2-40B4-BE49-F238E27FC236}">
-                  <a16:creationId xmlns:a16="http://schemas.microsoft.com/office/drawing/2014/main" xmlns="" id="{34D1AFB1-88AB-4A6C-9824-2CF6DE11BF7C}"/>
+                  <a16:creationId xmlns="" xmlns:a16="http://schemas.microsoft.com/office/drawing/2014/main" id="{34D1AFB1-88AB-4A6C-9824-2CF6DE11BF7C}"/>
                 </a:ext>
               </a:extLst>
             </p:cNvPr>
@@ -26611,7 +26611,7 @@
           <p:cNvPr id="23" name="Gruppo 82">
             <a:extLst>
               <a:ext uri="{FF2B5EF4-FFF2-40B4-BE49-F238E27FC236}">
-                <a16:creationId xmlns:a16="http://schemas.microsoft.com/office/drawing/2014/main" xmlns="" id="{12D969AC-9EB0-4CF5-9EE5-D0DD7ACA9C72}"/>
+                <a16:creationId xmlns="" xmlns:a16="http://schemas.microsoft.com/office/drawing/2014/main" id="{12D969AC-9EB0-4CF5-9EE5-D0DD7ACA9C72}"/>
               </a:ext>
             </a:extLst>
           </p:cNvPr>
@@ -26631,7 +26631,7 @@
             <p:cNvPr id="24" name="Ovale 38">
               <a:extLst>
                 <a:ext uri="{FF2B5EF4-FFF2-40B4-BE49-F238E27FC236}">
-                  <a16:creationId xmlns:a16="http://schemas.microsoft.com/office/drawing/2014/main" xmlns="" id="{0EB3DE65-C1E4-4AD3-B909-2646317ECA68}"/>
+                  <a16:creationId xmlns="" xmlns:a16="http://schemas.microsoft.com/office/drawing/2014/main" id="{0EB3DE65-C1E4-4AD3-B909-2646317ECA68}"/>
                 </a:ext>
               </a:extLst>
             </p:cNvPr>
@@ -26682,7 +26682,7 @@
             <p:cNvPr id="25" name="Triangolo isoscele 42">
               <a:extLst>
                 <a:ext uri="{FF2B5EF4-FFF2-40B4-BE49-F238E27FC236}">
-                  <a16:creationId xmlns:a16="http://schemas.microsoft.com/office/drawing/2014/main" xmlns="" id="{34D1AFB1-88AB-4A6C-9824-2CF6DE11BF7C}"/>
+                  <a16:creationId xmlns="" xmlns:a16="http://schemas.microsoft.com/office/drawing/2014/main" id="{34D1AFB1-88AB-4A6C-9824-2CF6DE11BF7C}"/>
                 </a:ext>
               </a:extLst>
             </p:cNvPr>
@@ -27251,7 +27251,7 @@
           <p:cNvPr id="54" name="Ovale 33">
             <a:extLst>
               <a:ext uri="{FF2B5EF4-FFF2-40B4-BE49-F238E27FC236}">
-                <a16:creationId xmlns:a16="http://schemas.microsoft.com/office/drawing/2014/main" xmlns="" id="{A4E6BBEC-1E11-48AC-9881-2BCB8F6CF48A}"/>
+                <a16:creationId xmlns="" xmlns:a16="http://schemas.microsoft.com/office/drawing/2014/main" id="{A4E6BBEC-1E11-48AC-9881-2BCB8F6CF48A}"/>
               </a:ext>
             </a:extLst>
           </p:cNvPr>
@@ -30137,7 +30137,7 @@
           <p:cNvPr id="4" name="Gruppo 82">
             <a:extLst>
               <a:ext uri="{FF2B5EF4-FFF2-40B4-BE49-F238E27FC236}">
-                <a16:creationId xmlns:a16="http://schemas.microsoft.com/office/drawing/2014/main" xmlns="" id="{12D969AC-9EB0-4CF5-9EE5-D0DD7ACA9C72}"/>
+                <a16:creationId xmlns="" xmlns:a16="http://schemas.microsoft.com/office/drawing/2014/main" id="{12D969AC-9EB0-4CF5-9EE5-D0DD7ACA9C72}"/>
               </a:ext>
             </a:extLst>
           </p:cNvPr>
@@ -30157,7 +30157,7 @@
             <p:cNvPr id="5" name="Ovale 38">
               <a:extLst>
                 <a:ext uri="{FF2B5EF4-FFF2-40B4-BE49-F238E27FC236}">
-                  <a16:creationId xmlns:a16="http://schemas.microsoft.com/office/drawing/2014/main" xmlns="" id="{0EB3DE65-C1E4-4AD3-B909-2646317ECA68}"/>
+                  <a16:creationId xmlns="" xmlns:a16="http://schemas.microsoft.com/office/drawing/2014/main" id="{0EB3DE65-C1E4-4AD3-B909-2646317ECA68}"/>
                 </a:ext>
               </a:extLst>
             </p:cNvPr>
@@ -30208,7 +30208,7 @@
             <p:cNvPr id="6" name="Rettangolo 39">
               <a:extLst>
                 <a:ext uri="{FF2B5EF4-FFF2-40B4-BE49-F238E27FC236}">
-                  <a16:creationId xmlns:a16="http://schemas.microsoft.com/office/drawing/2014/main" xmlns="" id="{AAF0ABD1-BB2B-450B-9369-91FF5B4CE129}"/>
+                  <a16:creationId xmlns="" xmlns:a16="http://schemas.microsoft.com/office/drawing/2014/main" id="{AAF0ABD1-BB2B-450B-9369-91FF5B4CE129}"/>
                 </a:ext>
               </a:extLst>
             </p:cNvPr>
@@ -30256,7 +30256,7 @@
             <p:cNvPr id="7" name="Triangolo isoscele 42">
               <a:extLst>
                 <a:ext uri="{FF2B5EF4-FFF2-40B4-BE49-F238E27FC236}">
-                  <a16:creationId xmlns:a16="http://schemas.microsoft.com/office/drawing/2014/main" xmlns="" id="{34D1AFB1-88AB-4A6C-9824-2CF6DE11BF7C}"/>
+                  <a16:creationId xmlns="" xmlns:a16="http://schemas.microsoft.com/office/drawing/2014/main" id="{34D1AFB1-88AB-4A6C-9824-2CF6DE11BF7C}"/>
                 </a:ext>
               </a:extLst>
             </p:cNvPr>
@@ -30309,7 +30309,7 @@
           <p:cNvPr id="8" name="Gruppo 82">
             <a:extLst>
               <a:ext uri="{FF2B5EF4-FFF2-40B4-BE49-F238E27FC236}">
-                <a16:creationId xmlns:a16="http://schemas.microsoft.com/office/drawing/2014/main" xmlns="" id="{12D969AC-9EB0-4CF5-9EE5-D0DD7ACA9C72}"/>
+                <a16:creationId xmlns="" xmlns:a16="http://schemas.microsoft.com/office/drawing/2014/main" id="{12D969AC-9EB0-4CF5-9EE5-D0DD7ACA9C72}"/>
               </a:ext>
             </a:extLst>
           </p:cNvPr>
@@ -30329,7 +30329,7 @@
             <p:cNvPr id="9" name="Ovale 38">
               <a:extLst>
                 <a:ext uri="{FF2B5EF4-FFF2-40B4-BE49-F238E27FC236}">
-                  <a16:creationId xmlns:a16="http://schemas.microsoft.com/office/drawing/2014/main" xmlns="" id="{0EB3DE65-C1E4-4AD3-B909-2646317ECA68}"/>
+                  <a16:creationId xmlns="" xmlns:a16="http://schemas.microsoft.com/office/drawing/2014/main" id="{0EB3DE65-C1E4-4AD3-B909-2646317ECA68}"/>
                 </a:ext>
               </a:extLst>
             </p:cNvPr>
@@ -30380,7 +30380,7 @@
             <p:cNvPr id="10" name="Rettangolo 39">
               <a:extLst>
                 <a:ext uri="{FF2B5EF4-FFF2-40B4-BE49-F238E27FC236}">
-                  <a16:creationId xmlns:a16="http://schemas.microsoft.com/office/drawing/2014/main" xmlns="" id="{AAF0ABD1-BB2B-450B-9369-91FF5B4CE129}"/>
+                  <a16:creationId xmlns="" xmlns:a16="http://schemas.microsoft.com/office/drawing/2014/main" id="{AAF0ABD1-BB2B-450B-9369-91FF5B4CE129}"/>
                 </a:ext>
               </a:extLst>
             </p:cNvPr>
@@ -30428,7 +30428,7 @@
             <p:cNvPr id="11" name="Triangolo isoscele 42">
               <a:extLst>
                 <a:ext uri="{FF2B5EF4-FFF2-40B4-BE49-F238E27FC236}">
-                  <a16:creationId xmlns:a16="http://schemas.microsoft.com/office/drawing/2014/main" xmlns="" id="{34D1AFB1-88AB-4A6C-9824-2CF6DE11BF7C}"/>
+                  <a16:creationId xmlns="" xmlns:a16="http://schemas.microsoft.com/office/drawing/2014/main" id="{34D1AFB1-88AB-4A6C-9824-2CF6DE11BF7C}"/>
                 </a:ext>
               </a:extLst>
             </p:cNvPr>
@@ -30588,7 +30588,7 @@
           <p:cNvPr id="17" name="Gruppo 82">
             <a:extLst>
               <a:ext uri="{FF2B5EF4-FFF2-40B4-BE49-F238E27FC236}">
-                <a16:creationId xmlns:a16="http://schemas.microsoft.com/office/drawing/2014/main" xmlns="" id="{12D969AC-9EB0-4CF5-9EE5-D0DD7ACA9C72}"/>
+                <a16:creationId xmlns="" xmlns:a16="http://schemas.microsoft.com/office/drawing/2014/main" id="{12D969AC-9EB0-4CF5-9EE5-D0DD7ACA9C72}"/>
               </a:ext>
             </a:extLst>
           </p:cNvPr>
@@ -30608,7 +30608,7 @@
             <p:cNvPr id="18" name="Ovale 38">
               <a:extLst>
                 <a:ext uri="{FF2B5EF4-FFF2-40B4-BE49-F238E27FC236}">
-                  <a16:creationId xmlns:a16="http://schemas.microsoft.com/office/drawing/2014/main" xmlns="" id="{0EB3DE65-C1E4-4AD3-B909-2646317ECA68}"/>
+                  <a16:creationId xmlns="" xmlns:a16="http://schemas.microsoft.com/office/drawing/2014/main" id="{0EB3DE65-C1E4-4AD3-B909-2646317ECA68}"/>
                 </a:ext>
               </a:extLst>
             </p:cNvPr>
@@ -30659,7 +30659,7 @@
             <p:cNvPr id="19" name="Rettangolo 39">
               <a:extLst>
                 <a:ext uri="{FF2B5EF4-FFF2-40B4-BE49-F238E27FC236}">
-                  <a16:creationId xmlns:a16="http://schemas.microsoft.com/office/drawing/2014/main" xmlns="" id="{AAF0ABD1-BB2B-450B-9369-91FF5B4CE129}"/>
+                  <a16:creationId xmlns="" xmlns:a16="http://schemas.microsoft.com/office/drawing/2014/main" id="{AAF0ABD1-BB2B-450B-9369-91FF5B4CE129}"/>
                 </a:ext>
               </a:extLst>
             </p:cNvPr>
@@ -30707,7 +30707,7 @@
             <p:cNvPr id="20" name="Triangolo isoscele 42">
               <a:extLst>
                 <a:ext uri="{FF2B5EF4-FFF2-40B4-BE49-F238E27FC236}">
-                  <a16:creationId xmlns:a16="http://schemas.microsoft.com/office/drawing/2014/main" xmlns="" id="{34D1AFB1-88AB-4A6C-9824-2CF6DE11BF7C}"/>
+                  <a16:creationId xmlns="" xmlns:a16="http://schemas.microsoft.com/office/drawing/2014/main" id="{34D1AFB1-88AB-4A6C-9824-2CF6DE11BF7C}"/>
                 </a:ext>
               </a:extLst>
             </p:cNvPr>
@@ -30893,7 +30893,7 @@
           <p:cNvPr id="30" name="Gruppo 82">
             <a:extLst>
               <a:ext uri="{FF2B5EF4-FFF2-40B4-BE49-F238E27FC236}">
-                <a16:creationId xmlns:a16="http://schemas.microsoft.com/office/drawing/2014/main" xmlns="" id="{12D969AC-9EB0-4CF5-9EE5-D0DD7ACA9C72}"/>
+                <a16:creationId xmlns="" xmlns:a16="http://schemas.microsoft.com/office/drawing/2014/main" id="{12D969AC-9EB0-4CF5-9EE5-D0DD7ACA9C72}"/>
               </a:ext>
             </a:extLst>
           </p:cNvPr>
@@ -30913,7 +30913,7 @@
             <p:cNvPr id="31" name="Ovale 38">
               <a:extLst>
                 <a:ext uri="{FF2B5EF4-FFF2-40B4-BE49-F238E27FC236}">
-                  <a16:creationId xmlns:a16="http://schemas.microsoft.com/office/drawing/2014/main" xmlns="" id="{0EB3DE65-C1E4-4AD3-B909-2646317ECA68}"/>
+                  <a16:creationId xmlns="" xmlns:a16="http://schemas.microsoft.com/office/drawing/2014/main" id="{0EB3DE65-C1E4-4AD3-B909-2646317ECA68}"/>
                 </a:ext>
               </a:extLst>
             </p:cNvPr>
@@ -30964,7 +30964,7 @@
             <p:cNvPr id="32" name="Rettangolo 39">
               <a:extLst>
                 <a:ext uri="{FF2B5EF4-FFF2-40B4-BE49-F238E27FC236}">
-                  <a16:creationId xmlns:a16="http://schemas.microsoft.com/office/drawing/2014/main" xmlns="" id="{AAF0ABD1-BB2B-450B-9369-91FF5B4CE129}"/>
+                  <a16:creationId xmlns="" xmlns:a16="http://schemas.microsoft.com/office/drawing/2014/main" id="{AAF0ABD1-BB2B-450B-9369-91FF5B4CE129}"/>
                 </a:ext>
               </a:extLst>
             </p:cNvPr>
@@ -31012,7 +31012,7 @@
             <p:cNvPr id="33" name="Triangolo isoscele 42">
               <a:extLst>
                 <a:ext uri="{FF2B5EF4-FFF2-40B4-BE49-F238E27FC236}">
-                  <a16:creationId xmlns:a16="http://schemas.microsoft.com/office/drawing/2014/main" xmlns="" id="{34D1AFB1-88AB-4A6C-9824-2CF6DE11BF7C}"/>
+                  <a16:creationId xmlns="" xmlns:a16="http://schemas.microsoft.com/office/drawing/2014/main" id="{34D1AFB1-88AB-4A6C-9824-2CF6DE11BF7C}"/>
                 </a:ext>
               </a:extLst>
             </p:cNvPr>
@@ -31108,7 +31108,7 @@
             <p:cNvPr id="35" name="Ovale 33">
               <a:extLst>
                 <a:ext uri="{FF2B5EF4-FFF2-40B4-BE49-F238E27FC236}">
-                  <a16:creationId xmlns:a16="http://schemas.microsoft.com/office/drawing/2014/main" xmlns="" id="{A4E6BBEC-1E11-48AC-9881-2BCB8F6CF48A}"/>
+                  <a16:creationId xmlns="" xmlns:a16="http://schemas.microsoft.com/office/drawing/2014/main" id="{A4E6BBEC-1E11-48AC-9881-2BCB8F6CF48A}"/>
                 </a:ext>
               </a:extLst>
             </p:cNvPr>
@@ -31156,7 +31156,7 @@
             <p:cNvPr id="36" name="Connettore 2 126">
               <a:extLst>
                 <a:ext uri="{FF2B5EF4-FFF2-40B4-BE49-F238E27FC236}">
-                  <a16:creationId xmlns:a16="http://schemas.microsoft.com/office/drawing/2014/main" xmlns="" id="{36CC678F-7232-496B-B9F9-4DE6B53CD494}"/>
+                  <a16:creationId xmlns="" xmlns:a16="http://schemas.microsoft.com/office/drawing/2014/main" id="{36CC678F-7232-496B-B9F9-4DE6B53CD494}"/>
                 </a:ext>
               </a:extLst>
             </p:cNvPr>
@@ -31926,6 +31926,2878 @@
 </file>
 
 <file path=ppt/slides/slide37.xml><?xml version="1.0" encoding="utf-8"?>
+<p:sld xmlns:a="http://schemas.openxmlformats.org/drawingml/2006/main" xmlns:r="http://schemas.openxmlformats.org/officeDocument/2006/relationships" xmlns:p="http://schemas.openxmlformats.org/presentationml/2006/main">
+  <p:cSld>
+    <p:spTree>
+      <p:nvGrpSpPr>
+        <p:cNvPr id="1" name=""/>
+        <p:cNvGrpSpPr/>
+        <p:nvPr/>
+      </p:nvGrpSpPr>
+      <p:grpSpPr>
+        <a:xfrm>
+          <a:off x="0" y="0"/>
+          <a:ext cx="0" cy="0"/>
+          <a:chOff x="0" y="0"/>
+          <a:chExt cx="0" cy="0"/>
+        </a:xfrm>
+      </p:grpSpPr>
+      <p:sp>
+        <p:nvSpPr>
+          <p:cNvPr id="10" name="Ovale 33">
+            <a:extLst>
+              <a:ext uri="{FF2B5EF4-FFF2-40B4-BE49-F238E27FC236}">
+                <a16:creationId xmlns="" xmlns:a16="http://schemas.microsoft.com/office/drawing/2014/main" id="{A4E6BBEC-1E11-48AC-9881-2BCB8F6CF48A}"/>
+              </a:ext>
+            </a:extLst>
+          </p:cNvPr>
+          <p:cNvSpPr/>
+          <p:nvPr/>
+        </p:nvSpPr>
+        <p:spPr>
+          <a:xfrm>
+            <a:off x="2689011" y="1420726"/>
+            <a:ext cx="507973" cy="462261"/>
+          </a:xfrm>
+          <a:prstGeom prst="ellipse">
+            <a:avLst/>
+          </a:prstGeom>
+          <a:solidFill>
+            <a:srgbClr val="CCFF66"/>
+          </a:solidFill>
+          <a:ln/>
+        </p:spPr>
+        <p:style>
+          <a:lnRef idx="1">
+            <a:schemeClr val="accent5"/>
+          </a:lnRef>
+          <a:fillRef idx="2">
+            <a:schemeClr val="accent5"/>
+          </a:fillRef>
+          <a:effectRef idx="1">
+            <a:schemeClr val="accent5"/>
+          </a:effectRef>
+          <a:fontRef idx="minor">
+            <a:schemeClr val="dk1"/>
+          </a:fontRef>
+        </p:style>
+        <p:txBody>
+          <a:bodyPr rtlCol="0" anchor="ctr"/>
+          <a:lstStyle/>
+          <a:p>
+            <a:pPr algn="ctr"/>
+            <a:r>
+              <a:rPr lang="en-GB" sz="1200" dirty="0"/>
+              <a:t> </a:t>
+            </a:r>
+          </a:p>
+        </p:txBody>
+      </p:sp>
+      <p:sp>
+        <p:nvSpPr>
+          <p:cNvPr id="2" name="Segnaposto piè di pagina 1"/>
+          <p:cNvSpPr>
+            <a:spLocks noGrp="1"/>
+          </p:cNvSpPr>
+          <p:nvPr>
+            <p:ph type="ftr" sz="quarter" idx="11"/>
+          </p:nvPr>
+        </p:nvSpPr>
+        <p:spPr/>
+        <p:txBody>
+          <a:bodyPr/>
+          <a:lstStyle/>
+          <a:p>
+            <a:r>
+              <a:rPr lang="it-IT" smtClean="0"/>
+              <a:t>ANatali  - DISI - ISSM2020  Univeristy of Bologna</a:t>
+            </a:r>
+            <a:endParaRPr lang="en-GB"/>
+          </a:p>
+        </p:txBody>
+      </p:sp>
+      <p:sp>
+        <p:nvSpPr>
+          <p:cNvPr id="3" name="Segnaposto numero diapositiva 2"/>
+          <p:cNvSpPr>
+            <a:spLocks noGrp="1"/>
+          </p:cNvSpPr>
+          <p:nvPr>
+            <p:ph type="sldNum" sz="quarter" idx="12"/>
+          </p:nvPr>
+        </p:nvSpPr>
+        <p:spPr/>
+        <p:txBody>
+          <a:bodyPr/>
+          <a:lstStyle/>
+          <a:p>
+            <a:fld id="{6F6A5AB3-AF76-4EC9-853D-D4C335162C13}" type="slidenum">
+              <a:rPr lang="en-GB" smtClean="0"/>
+              <a:t>37</a:t>
+            </a:fld>
+            <a:endParaRPr lang="en-GB"/>
+          </a:p>
+        </p:txBody>
+      </p:sp>
+      <p:grpSp>
+        <p:nvGrpSpPr>
+          <p:cNvPr id="4" name="Gruppo 82">
+            <a:extLst>
+              <a:ext uri="{FF2B5EF4-FFF2-40B4-BE49-F238E27FC236}">
+                <a16:creationId xmlns="" xmlns:a16="http://schemas.microsoft.com/office/drawing/2014/main" id="{12D969AC-9EB0-4CF5-9EE5-D0DD7ACA9C72}"/>
+              </a:ext>
+            </a:extLst>
+          </p:cNvPr>
+          <p:cNvGrpSpPr/>
+          <p:nvPr/>
+        </p:nvGrpSpPr>
+        <p:grpSpPr>
+          <a:xfrm>
+            <a:off x="1562086" y="926908"/>
+            <a:ext cx="1409184" cy="1234655"/>
+            <a:chOff x="1194666" y="2417771"/>
+            <a:chExt cx="866156" cy="763297"/>
+          </a:xfrm>
+        </p:grpSpPr>
+        <p:sp>
+          <p:nvSpPr>
+            <p:cNvPr id="5" name="Ovale 38">
+              <a:extLst>
+                <a:ext uri="{FF2B5EF4-FFF2-40B4-BE49-F238E27FC236}">
+                  <a16:creationId xmlns="" xmlns:a16="http://schemas.microsoft.com/office/drawing/2014/main" id="{0EB3DE65-C1E4-4AD3-B909-2646317ECA68}"/>
+                </a:ext>
+              </a:extLst>
+            </p:cNvPr>
+            <p:cNvSpPr/>
+            <p:nvPr/>
+          </p:nvSpPr>
+          <p:spPr>
+            <a:xfrm>
+              <a:off x="1311101" y="2460988"/>
+              <a:ext cx="749721" cy="720080"/>
+            </a:xfrm>
+            <a:prstGeom prst="ellipse">
+              <a:avLst/>
+            </a:prstGeom>
+            <a:solidFill>
+              <a:srgbClr val="FFCCFF"/>
+            </a:solidFill>
+            <a:ln/>
+          </p:spPr>
+          <p:style>
+            <a:lnRef idx="1">
+              <a:schemeClr val="accent5"/>
+            </a:lnRef>
+            <a:fillRef idx="2">
+              <a:schemeClr val="accent5"/>
+            </a:fillRef>
+            <a:effectRef idx="1">
+              <a:schemeClr val="accent5"/>
+            </a:effectRef>
+            <a:fontRef idx="minor">
+              <a:schemeClr val="dk1"/>
+            </a:fontRef>
+          </p:style>
+          <p:txBody>
+            <a:bodyPr rtlCol="0" anchor="ctr"/>
+            <a:lstStyle/>
+            <a:p>
+              <a:pPr algn="ctr"/>
+              <a:r>
+                <a:rPr lang="en-GB" sz="1200" dirty="0"/>
+                <a:t> </a:t>
+              </a:r>
+            </a:p>
+          </p:txBody>
+        </p:sp>
+        <p:sp>
+          <p:nvSpPr>
+            <p:cNvPr id="6" name="Rettangolo 39">
+              <a:extLst>
+                <a:ext uri="{FF2B5EF4-FFF2-40B4-BE49-F238E27FC236}">
+                  <a16:creationId xmlns="" xmlns:a16="http://schemas.microsoft.com/office/drawing/2014/main" id="{AAF0ABD1-BB2B-450B-9369-91FF5B4CE129}"/>
+                </a:ext>
+              </a:extLst>
+            </p:cNvPr>
+            <p:cNvSpPr/>
+            <p:nvPr/>
+          </p:nvSpPr>
+          <p:spPr>
+            <a:xfrm>
+              <a:off x="1194666" y="2699711"/>
+              <a:ext cx="281433" cy="211952"/>
+            </a:xfrm>
+            <a:prstGeom prst="rect">
+              <a:avLst/>
+            </a:prstGeom>
+            <a:solidFill>
+              <a:srgbClr val="FFCCFF"/>
+            </a:solidFill>
+            <a:ln/>
+          </p:spPr>
+          <p:style>
+            <a:lnRef idx="1">
+              <a:schemeClr val="accent5"/>
+            </a:lnRef>
+            <a:fillRef idx="2">
+              <a:schemeClr val="accent5"/>
+            </a:fillRef>
+            <a:effectRef idx="1">
+              <a:schemeClr val="accent5"/>
+            </a:effectRef>
+            <a:fontRef idx="minor">
+              <a:schemeClr val="dk1"/>
+            </a:fontRef>
+          </p:style>
+          <p:txBody>
+            <a:bodyPr rtlCol="0" anchor="ctr"/>
+            <a:lstStyle/>
+            <a:p>
+              <a:pPr algn="ctr"/>
+              <a:endParaRPr lang="en-GB" sz="1200"/>
+            </a:p>
+          </p:txBody>
+        </p:sp>
+        <p:sp>
+          <p:nvSpPr>
+            <p:cNvPr id="7" name="Triangolo isoscele 42">
+              <a:extLst>
+                <a:ext uri="{FF2B5EF4-FFF2-40B4-BE49-F238E27FC236}">
+                  <a16:creationId xmlns="" xmlns:a16="http://schemas.microsoft.com/office/drawing/2014/main" id="{34D1AFB1-88AB-4A6C-9824-2CF6DE11BF7C}"/>
+                </a:ext>
+              </a:extLst>
+            </p:cNvPr>
+            <p:cNvSpPr/>
+            <p:nvPr/>
+          </p:nvSpPr>
+          <p:spPr>
+            <a:xfrm rot="16200000">
+              <a:off x="1618539" y="2391356"/>
+              <a:ext cx="86434" cy="139263"/>
+            </a:xfrm>
+            <a:prstGeom prst="triangle">
+              <a:avLst/>
+            </a:prstGeom>
+            <a:solidFill>
+              <a:srgbClr val="FF0000"/>
+            </a:solidFill>
+            <a:ln/>
+          </p:spPr>
+          <p:style>
+            <a:lnRef idx="1">
+              <a:schemeClr val="accent5"/>
+            </a:lnRef>
+            <a:fillRef idx="2">
+              <a:schemeClr val="accent5"/>
+            </a:fillRef>
+            <a:effectRef idx="1">
+              <a:schemeClr val="accent5"/>
+            </a:effectRef>
+            <a:fontRef idx="minor">
+              <a:schemeClr val="dk1"/>
+            </a:fontRef>
+          </p:style>
+          <p:txBody>
+            <a:bodyPr rtlCol="0" anchor="ctr"/>
+            <a:lstStyle/>
+            <a:p>
+              <a:pPr algn="ctr"/>
+              <a:endParaRPr lang="en-GB" sz="1200">
+                <a:solidFill>
+                  <a:schemeClr val="dk1"/>
+                </a:solidFill>
+              </a:endParaRPr>
+            </a:p>
+          </p:txBody>
+        </p:sp>
+      </p:grpSp>
+      <p:sp>
+        <p:nvSpPr>
+          <p:cNvPr id="8" name="Rettangolo 7"/>
+          <p:cNvSpPr/>
+          <p:nvPr/>
+        </p:nvSpPr>
+        <p:spPr>
+          <a:xfrm>
+            <a:off x="1912881" y="1150492"/>
+            <a:ext cx="1044838" cy="369332"/>
+          </a:xfrm>
+          <a:prstGeom prst="rect">
+            <a:avLst/>
+          </a:prstGeom>
+        </p:spPr>
+        <p:txBody>
+          <a:bodyPr wrap="none">
+            <a:spAutoFit/>
+          </a:bodyPr>
+          <a:lstStyle/>
+          <a:p>
+            <a:r>
+              <a:rPr lang="en-GB" dirty="0" err="1" smtClean="0"/>
+              <a:t>basicrobot</a:t>
+            </a:r>
+            <a:endParaRPr lang="en-GB" dirty="0"/>
+          </a:p>
+        </p:txBody>
+      </p:sp>
+      <p:sp>
+        <p:nvSpPr>
+          <p:cNvPr id="12" name="Rettangolo 11"/>
+          <p:cNvSpPr/>
+          <p:nvPr/>
+        </p:nvSpPr>
+        <p:spPr>
+          <a:xfrm>
+            <a:off x="3196984" y="1328690"/>
+            <a:ext cx="1263616" cy="646331"/>
+          </a:xfrm>
+          <a:prstGeom prst="rect">
+            <a:avLst/>
+          </a:prstGeom>
+        </p:spPr>
+        <p:txBody>
+          <a:bodyPr wrap="none">
+            <a:spAutoFit/>
+          </a:bodyPr>
+          <a:lstStyle/>
+          <a:p>
+            <a:r>
+              <a:rPr lang="en-GB" dirty="0"/>
+              <a:t>e</a:t>
+            </a:r>
+            <a:r>
+              <a:rPr lang="en-GB" dirty="0" smtClean="0"/>
+              <a:t>mbedded</a:t>
+            </a:r>
+          </a:p>
+          <a:p>
+            <a:r>
+              <a:rPr lang="en-GB" dirty="0" err="1" smtClean="0"/>
+              <a:t>mqttSupport</a:t>
+            </a:r>
+            <a:endParaRPr lang="en-GB" dirty="0"/>
+          </a:p>
+        </p:txBody>
+      </p:sp>
+      <p:sp>
+        <p:nvSpPr>
+          <p:cNvPr id="33" name="Ovale 33">
+            <a:extLst>
+              <a:ext uri="{FF2B5EF4-FFF2-40B4-BE49-F238E27FC236}">
+                <a16:creationId xmlns="" xmlns:a16="http://schemas.microsoft.com/office/drawing/2014/main" id="{A4E6BBEC-1E11-48AC-9881-2BCB8F6CF48A}"/>
+              </a:ext>
+            </a:extLst>
+          </p:cNvPr>
+          <p:cNvSpPr/>
+          <p:nvPr/>
+        </p:nvSpPr>
+        <p:spPr>
+          <a:xfrm>
+            <a:off x="5127666" y="5965195"/>
+            <a:ext cx="595127" cy="519971"/>
+          </a:xfrm>
+          <a:prstGeom prst="ellipse">
+            <a:avLst/>
+          </a:prstGeom>
+          <a:ln/>
+        </p:spPr>
+        <p:style>
+          <a:lnRef idx="1">
+            <a:schemeClr val="accent5"/>
+          </a:lnRef>
+          <a:fillRef idx="2">
+            <a:schemeClr val="accent5"/>
+          </a:fillRef>
+          <a:effectRef idx="1">
+            <a:schemeClr val="accent5"/>
+          </a:effectRef>
+          <a:fontRef idx="minor">
+            <a:schemeClr val="dk1"/>
+          </a:fontRef>
+        </p:style>
+        <p:txBody>
+          <a:bodyPr rtlCol="0" anchor="ctr"/>
+          <a:lstStyle/>
+          <a:p>
+            <a:pPr algn="ctr"/>
+            <a:r>
+              <a:rPr lang="en-GB" sz="1200" dirty="0"/>
+              <a:t> </a:t>
+            </a:r>
+          </a:p>
+        </p:txBody>
+      </p:sp>
+      <p:grpSp>
+        <p:nvGrpSpPr>
+          <p:cNvPr id="34" name="Gruppo 33"/>
+          <p:cNvGrpSpPr/>
+          <p:nvPr/>
+        </p:nvGrpSpPr>
+        <p:grpSpPr>
+          <a:xfrm>
+            <a:off x="2278392" y="2182360"/>
+            <a:ext cx="543053" cy="493108"/>
+            <a:chOff x="4403491" y="4276791"/>
+            <a:chExt cx="749721" cy="720080"/>
+          </a:xfrm>
+        </p:grpSpPr>
+        <p:sp>
+          <p:nvSpPr>
+            <p:cNvPr id="35" name="Ovale 33">
+              <a:extLst>
+                <a:ext uri="{FF2B5EF4-FFF2-40B4-BE49-F238E27FC236}">
+                  <a16:creationId xmlns="" xmlns:a16="http://schemas.microsoft.com/office/drawing/2014/main" id="{A4E6BBEC-1E11-48AC-9881-2BCB8F6CF48A}"/>
+                </a:ext>
+              </a:extLst>
+            </p:cNvPr>
+            <p:cNvSpPr/>
+            <p:nvPr/>
+          </p:nvSpPr>
+          <p:spPr>
+            <a:xfrm>
+              <a:off x="4403491" y="4276791"/>
+              <a:ext cx="749721" cy="720080"/>
+            </a:xfrm>
+            <a:prstGeom prst="ellipse">
+              <a:avLst/>
+            </a:prstGeom>
+            <a:ln/>
+          </p:spPr>
+          <p:style>
+            <a:lnRef idx="1">
+              <a:schemeClr val="accent5"/>
+            </a:lnRef>
+            <a:fillRef idx="2">
+              <a:schemeClr val="accent5"/>
+            </a:fillRef>
+            <a:effectRef idx="1">
+              <a:schemeClr val="accent5"/>
+            </a:effectRef>
+            <a:fontRef idx="minor">
+              <a:schemeClr val="dk1"/>
+            </a:fontRef>
+          </p:style>
+          <p:txBody>
+            <a:bodyPr rtlCol="0" anchor="ctr"/>
+            <a:lstStyle/>
+            <a:p>
+              <a:pPr algn="ctr"/>
+              <a:r>
+                <a:rPr lang="en-GB" sz="1200" dirty="0"/>
+                <a:t> </a:t>
+              </a:r>
+            </a:p>
+          </p:txBody>
+        </p:sp>
+        <p:cxnSp>
+          <p:nvCxnSpPr>
+            <p:cNvPr id="36" name="Connettore 2 126">
+              <a:extLst>
+                <a:ext uri="{FF2B5EF4-FFF2-40B4-BE49-F238E27FC236}">
+                  <a16:creationId xmlns="" xmlns:a16="http://schemas.microsoft.com/office/drawing/2014/main" id="{36CC678F-7232-496B-B9F9-4DE6B53CD494}"/>
+                </a:ext>
+              </a:extLst>
+            </p:cNvPr>
+            <p:cNvCxnSpPr/>
+            <p:nvPr/>
+          </p:nvCxnSpPr>
+          <p:spPr>
+            <a:xfrm flipH="1">
+              <a:off x="4764885" y="4403661"/>
+              <a:ext cx="13466" cy="393101"/>
+            </a:xfrm>
+            <a:prstGeom prst="straightConnector1">
+              <a:avLst/>
+            </a:prstGeom>
+            <a:ln>
+              <a:solidFill>
+                <a:srgbClr val="C00000"/>
+              </a:solidFill>
+              <a:prstDash val="lgDash"/>
+              <a:tailEnd type="arrow"/>
+            </a:ln>
+          </p:spPr>
+          <p:style>
+            <a:lnRef idx="1">
+              <a:schemeClr val="accent1"/>
+            </a:lnRef>
+            <a:fillRef idx="0">
+              <a:schemeClr val="accent1"/>
+            </a:fillRef>
+            <a:effectRef idx="0">
+              <a:schemeClr val="accent1"/>
+            </a:effectRef>
+            <a:fontRef idx="minor">
+              <a:schemeClr val="tx1"/>
+            </a:fontRef>
+          </p:style>
+        </p:cxnSp>
+      </p:grpSp>
+      <p:sp>
+        <p:nvSpPr>
+          <p:cNvPr id="37" name="Rettangolo 36"/>
+          <p:cNvSpPr/>
+          <p:nvPr/>
+        </p:nvSpPr>
+        <p:spPr>
+          <a:xfrm>
+            <a:off x="870885" y="2082591"/>
+            <a:ext cx="906017" cy="261610"/>
+          </a:xfrm>
+          <a:prstGeom prst="rect">
+            <a:avLst/>
+          </a:prstGeom>
+        </p:spPr>
+        <p:txBody>
+          <a:bodyPr wrap="none">
+            <a:spAutoFit/>
+          </a:bodyPr>
+          <a:lstStyle/>
+          <a:p>
+            <a:r>
+              <a:rPr lang="en-GB" sz="1100" dirty="0" err="1" smtClean="0">
+                <a:latin typeface="Arial" panose="020B0604020202020204" pitchFamily="34" charset="0"/>
+                <a:cs typeface="Arial" panose="020B0604020202020204" pitchFamily="34" charset="0"/>
+              </a:rPr>
+              <a:t>sensorData</a:t>
+            </a:r>
+            <a:endParaRPr lang="en-GB" sz="1100" dirty="0">
+              <a:latin typeface="Arial" panose="020B0604020202020204" pitchFamily="34" charset="0"/>
+              <a:cs typeface="Arial" panose="020B0604020202020204" pitchFamily="34" charset="0"/>
+            </a:endParaRPr>
+          </a:p>
+        </p:txBody>
+      </p:sp>
+      <p:sp>
+        <p:nvSpPr>
+          <p:cNvPr id="38" name="Ovale 37"/>
+          <p:cNvSpPr/>
+          <p:nvPr/>
+        </p:nvSpPr>
+        <p:spPr>
+          <a:xfrm>
+            <a:off x="2247397" y="3152217"/>
+            <a:ext cx="611062" cy="638657"/>
+          </a:xfrm>
+          <a:prstGeom prst="ellipse">
+            <a:avLst/>
+          </a:prstGeom>
+          <a:solidFill>
+            <a:srgbClr val="33CCCC"/>
+          </a:solidFill>
+          <a:ln>
+            <a:solidFill>
+              <a:srgbClr val="1318ED"/>
+            </a:solidFill>
+          </a:ln>
+        </p:spPr>
+        <p:style>
+          <a:lnRef idx="2">
+            <a:schemeClr val="accent4"/>
+          </a:lnRef>
+          <a:fillRef idx="1">
+            <a:schemeClr val="lt1"/>
+          </a:fillRef>
+          <a:effectRef idx="0">
+            <a:schemeClr val="accent4"/>
+          </a:effectRef>
+          <a:fontRef idx="minor">
+            <a:schemeClr val="dk1"/>
+          </a:fontRef>
+        </p:style>
+        <p:txBody>
+          <a:bodyPr rtlCol="0" anchor="ctr"/>
+          <a:lstStyle/>
+          <a:p>
+            <a:pPr algn="ctr"/>
+            <a:r>
+              <a:rPr lang="it-IT" sz="1100" u="sng" dirty="0" smtClean="0"/>
+              <a:t>R</a:t>
+            </a:r>
+            <a:endParaRPr lang="en-GB" sz="1100" u="sng" dirty="0"/>
+          </a:p>
+        </p:txBody>
+      </p:sp>
+      <p:cxnSp>
+        <p:nvCxnSpPr>
+          <p:cNvPr id="39" name="Connettore 2 38"/>
+          <p:cNvCxnSpPr>
+            <a:stCxn id="35" idx="4"/>
+            <a:endCxn id="38" idx="0"/>
+          </p:cNvCxnSpPr>
+          <p:nvPr/>
+        </p:nvCxnSpPr>
+        <p:spPr>
+          <a:xfrm>
+            <a:off x="2549919" y="2675468"/>
+            <a:ext cx="3009" cy="476749"/>
+          </a:xfrm>
+          <a:prstGeom prst="straightConnector1">
+            <a:avLst/>
+          </a:prstGeom>
+          <a:ln>
+            <a:tailEnd type="arrow"/>
+          </a:ln>
+        </p:spPr>
+        <p:style>
+          <a:lnRef idx="1">
+            <a:schemeClr val="accent1"/>
+          </a:lnRef>
+          <a:fillRef idx="0">
+            <a:schemeClr val="accent1"/>
+          </a:fillRef>
+          <a:effectRef idx="0">
+            <a:schemeClr val="accent1"/>
+          </a:effectRef>
+          <a:fontRef idx="minor">
+            <a:schemeClr val="tx1"/>
+          </a:fontRef>
+        </p:style>
+      </p:cxnSp>
+      <p:cxnSp>
+        <p:nvCxnSpPr>
+          <p:cNvPr id="42" name="Connettore 4 41"/>
+          <p:cNvCxnSpPr>
+            <a:stCxn id="35" idx="2"/>
+            <a:endCxn id="6" idx="2"/>
+          </p:cNvCxnSpPr>
+          <p:nvPr/>
+        </p:nvCxnSpPr>
+        <p:spPr>
+          <a:xfrm rot="10800000">
+            <a:off x="1791024" y="1725792"/>
+            <a:ext cx="487368" cy="703122"/>
+          </a:xfrm>
+          <a:prstGeom prst="bentConnector2">
+            <a:avLst/>
+          </a:prstGeom>
+          <a:ln w="28575">
+            <a:solidFill>
+              <a:srgbClr val="00B050"/>
+            </a:solidFill>
+            <a:prstDash val="sysDot"/>
+            <a:tailEnd type="arrow"/>
+          </a:ln>
+        </p:spPr>
+        <p:style>
+          <a:lnRef idx="1">
+            <a:schemeClr val="accent1"/>
+          </a:lnRef>
+          <a:fillRef idx="0">
+            <a:schemeClr val="accent1"/>
+          </a:fillRef>
+          <a:effectRef idx="0">
+            <a:schemeClr val="accent1"/>
+          </a:effectRef>
+          <a:fontRef idx="minor">
+            <a:schemeClr val="tx1"/>
+          </a:fontRef>
+        </p:style>
+      </p:cxnSp>
+      <p:cxnSp>
+        <p:nvCxnSpPr>
+          <p:cNvPr id="79" name="Connettore 1 78"/>
+          <p:cNvCxnSpPr/>
+          <p:nvPr/>
+        </p:nvCxnSpPr>
+        <p:spPr>
+          <a:xfrm>
+            <a:off x="870885" y="2913842"/>
+            <a:ext cx="3653908" cy="25860"/>
+          </a:xfrm>
+          <a:prstGeom prst="line">
+            <a:avLst/>
+          </a:prstGeom>
+          <a:ln w="28575">
+            <a:solidFill>
+              <a:srgbClr val="1318ED"/>
+            </a:solidFill>
+          </a:ln>
+        </p:spPr>
+        <p:style>
+          <a:lnRef idx="1">
+            <a:schemeClr val="accent1"/>
+          </a:lnRef>
+          <a:fillRef idx="0">
+            <a:schemeClr val="accent1"/>
+          </a:fillRef>
+          <a:effectRef idx="0">
+            <a:schemeClr val="accent1"/>
+          </a:effectRef>
+          <a:fontRef idx="minor">
+            <a:schemeClr val="tx1"/>
+          </a:fontRef>
+        </p:style>
+      </p:cxnSp>
+      <p:sp>
+        <p:nvSpPr>
+          <p:cNvPr id="88" name="Rettangolo 87"/>
+          <p:cNvSpPr/>
+          <p:nvPr/>
+        </p:nvSpPr>
+        <p:spPr>
+          <a:xfrm>
+            <a:off x="2522615" y="2353768"/>
+            <a:ext cx="2280048" cy="369332"/>
+          </a:xfrm>
+          <a:prstGeom prst="rect">
+            <a:avLst/>
+          </a:prstGeom>
+        </p:spPr>
+        <p:txBody>
+          <a:bodyPr wrap="none">
+            <a:spAutoFit/>
+          </a:bodyPr>
+          <a:lstStyle/>
+          <a:p>
+            <a:r>
+              <a:rPr lang="en-GB" dirty="0" err="1"/>
+              <a:t>virtualRobotSupportApp</a:t>
+            </a:r>
+            <a:endParaRPr lang="en-GB" dirty="0"/>
+          </a:p>
+        </p:txBody>
+      </p:sp>
+      <p:grpSp>
+        <p:nvGrpSpPr>
+          <p:cNvPr id="134" name="Gruppo 133"/>
+          <p:cNvGrpSpPr/>
+          <p:nvPr/>
+        </p:nvGrpSpPr>
+        <p:grpSpPr>
+          <a:xfrm>
+            <a:off x="4524793" y="255353"/>
+            <a:ext cx="864096" cy="741460"/>
+            <a:chOff x="4524793" y="255353"/>
+            <a:chExt cx="864096" cy="741460"/>
+          </a:xfrm>
+        </p:grpSpPr>
+        <p:sp>
+          <p:nvSpPr>
+            <p:cNvPr id="132" name="Esagono 131"/>
+            <p:cNvSpPr/>
+            <p:nvPr/>
+          </p:nvSpPr>
+          <p:spPr>
+            <a:xfrm>
+              <a:off x="4524793" y="255353"/>
+              <a:ext cx="864096" cy="741460"/>
+            </a:xfrm>
+            <a:prstGeom prst="hexagon">
+              <a:avLst/>
+            </a:prstGeom>
+            <a:solidFill>
+              <a:srgbClr val="FFFF99"/>
+            </a:solidFill>
+          </p:spPr>
+          <p:style>
+            <a:lnRef idx="2">
+              <a:schemeClr val="accent1">
+                <a:shade val="50000"/>
+              </a:schemeClr>
+            </a:lnRef>
+            <a:fillRef idx="1">
+              <a:schemeClr val="accent1"/>
+            </a:fillRef>
+            <a:effectRef idx="0">
+              <a:schemeClr val="accent1"/>
+            </a:effectRef>
+            <a:fontRef idx="minor">
+              <a:schemeClr val="lt1"/>
+            </a:fontRef>
+          </p:style>
+          <p:txBody>
+            <a:bodyPr rtlCol="0" anchor="ctr"/>
+            <a:lstStyle/>
+            <a:p>
+              <a:pPr algn="ctr"/>
+              <a:endParaRPr lang="en-GB"/>
+            </a:p>
+          </p:txBody>
+        </p:sp>
+        <p:sp>
+          <p:nvSpPr>
+            <p:cNvPr id="133" name="CasellaDiTesto 132"/>
+            <p:cNvSpPr txBox="1"/>
+            <p:nvPr/>
+          </p:nvSpPr>
+          <p:spPr>
+            <a:xfrm>
+              <a:off x="4679361" y="410639"/>
+              <a:ext cx="554960" cy="430887"/>
+            </a:xfrm>
+            <a:prstGeom prst="rect">
+              <a:avLst/>
+            </a:prstGeom>
+            <a:noFill/>
+          </p:spPr>
+          <p:txBody>
+            <a:bodyPr wrap="none" rtlCol="0">
+              <a:spAutoFit/>
+            </a:bodyPr>
+            <a:lstStyle/>
+            <a:p>
+              <a:pPr algn="ctr"/>
+              <a:r>
+                <a:rPr lang="it-IT" sz="1100" dirty="0" smtClean="0"/>
+                <a:t>MQTT</a:t>
+              </a:r>
+            </a:p>
+            <a:p>
+              <a:pPr algn="ctr"/>
+              <a:r>
+                <a:rPr lang="it-IT" sz="1100" dirty="0" smtClean="0"/>
+                <a:t>broker</a:t>
+              </a:r>
+              <a:endParaRPr lang="en-GB" sz="1100" dirty="0"/>
+            </a:p>
+          </p:txBody>
+        </p:sp>
+      </p:grpSp>
+    </p:spTree>
+    <p:extLst>
+      <p:ext uri="{BB962C8B-B14F-4D97-AF65-F5344CB8AC3E}">
+        <p14:creationId xmlns:p14="http://schemas.microsoft.com/office/powerpoint/2010/main" val="298085748"/>
+      </p:ext>
+    </p:extLst>
+  </p:cSld>
+  <p:clrMapOvr>
+    <a:masterClrMapping/>
+  </p:clrMapOvr>
+</p:sld>
+</file>
+
+<file path=ppt/slides/slide38.xml><?xml version="1.0" encoding="utf-8"?>
+<p:sld xmlns:a="http://schemas.openxmlformats.org/drawingml/2006/main" xmlns:r="http://schemas.openxmlformats.org/officeDocument/2006/relationships" xmlns:p="http://schemas.openxmlformats.org/presentationml/2006/main">
+  <p:cSld>
+    <p:spTree>
+      <p:nvGrpSpPr>
+        <p:cNvPr id="1" name=""/>
+        <p:cNvGrpSpPr/>
+        <p:nvPr/>
+      </p:nvGrpSpPr>
+      <p:grpSpPr>
+        <a:xfrm>
+          <a:off x="0" y="0"/>
+          <a:ext cx="0" cy="0"/>
+          <a:chOff x="0" y="0"/>
+          <a:chExt cx="0" cy="0"/>
+        </a:xfrm>
+      </p:grpSpPr>
+      <p:sp>
+        <p:nvSpPr>
+          <p:cNvPr id="10" name="Ovale 33">
+            <a:extLst>
+              <a:ext uri="{FF2B5EF4-FFF2-40B4-BE49-F238E27FC236}">
+                <a16:creationId xmlns="" xmlns:a16="http://schemas.microsoft.com/office/drawing/2014/main" id="{A4E6BBEC-1E11-48AC-9881-2BCB8F6CF48A}"/>
+              </a:ext>
+            </a:extLst>
+          </p:cNvPr>
+          <p:cNvSpPr/>
+          <p:nvPr/>
+        </p:nvSpPr>
+        <p:spPr>
+          <a:xfrm>
+            <a:off x="3587144" y="2497821"/>
+            <a:ext cx="507973" cy="462261"/>
+          </a:xfrm>
+          <a:prstGeom prst="ellipse">
+            <a:avLst/>
+          </a:prstGeom>
+          <a:ln/>
+        </p:spPr>
+        <p:style>
+          <a:lnRef idx="1">
+            <a:schemeClr val="accent5"/>
+          </a:lnRef>
+          <a:fillRef idx="2">
+            <a:schemeClr val="accent5"/>
+          </a:fillRef>
+          <a:effectRef idx="1">
+            <a:schemeClr val="accent5"/>
+          </a:effectRef>
+          <a:fontRef idx="minor">
+            <a:schemeClr val="dk1"/>
+          </a:fontRef>
+        </p:style>
+        <p:txBody>
+          <a:bodyPr rtlCol="0" anchor="ctr"/>
+          <a:lstStyle/>
+          <a:p>
+            <a:pPr algn="ctr"/>
+            <a:r>
+              <a:rPr lang="en-GB" sz="1200" dirty="0"/>
+              <a:t> </a:t>
+            </a:r>
+          </a:p>
+        </p:txBody>
+      </p:sp>
+      <p:sp>
+        <p:nvSpPr>
+          <p:cNvPr id="2" name="Segnaposto piè di pagina 1"/>
+          <p:cNvSpPr>
+            <a:spLocks noGrp="1"/>
+          </p:cNvSpPr>
+          <p:nvPr>
+            <p:ph type="ftr" sz="quarter" idx="11"/>
+          </p:nvPr>
+        </p:nvSpPr>
+        <p:spPr/>
+        <p:txBody>
+          <a:bodyPr/>
+          <a:lstStyle/>
+          <a:p>
+            <a:r>
+              <a:rPr lang="it-IT" smtClean="0"/>
+              <a:t>ANatali  - DISI - ISSM2020  Univeristy of Bologna</a:t>
+            </a:r>
+            <a:endParaRPr lang="en-GB"/>
+          </a:p>
+        </p:txBody>
+      </p:sp>
+      <p:sp>
+        <p:nvSpPr>
+          <p:cNvPr id="3" name="Segnaposto numero diapositiva 2"/>
+          <p:cNvSpPr>
+            <a:spLocks noGrp="1"/>
+          </p:cNvSpPr>
+          <p:nvPr>
+            <p:ph type="sldNum" sz="quarter" idx="12"/>
+          </p:nvPr>
+        </p:nvSpPr>
+        <p:spPr/>
+        <p:txBody>
+          <a:bodyPr/>
+          <a:lstStyle/>
+          <a:p>
+            <a:fld id="{6F6A5AB3-AF76-4EC9-853D-D4C335162C13}" type="slidenum">
+              <a:rPr lang="en-GB" smtClean="0"/>
+              <a:t>38</a:t>
+            </a:fld>
+            <a:endParaRPr lang="en-GB"/>
+          </a:p>
+        </p:txBody>
+      </p:sp>
+      <p:grpSp>
+        <p:nvGrpSpPr>
+          <p:cNvPr id="4" name="Gruppo 82">
+            <a:extLst>
+              <a:ext uri="{FF2B5EF4-FFF2-40B4-BE49-F238E27FC236}">
+                <a16:creationId xmlns="" xmlns:a16="http://schemas.microsoft.com/office/drawing/2014/main" id="{12D969AC-9EB0-4CF5-9EE5-D0DD7ACA9C72}"/>
+              </a:ext>
+            </a:extLst>
+          </p:cNvPr>
+          <p:cNvGrpSpPr/>
+          <p:nvPr/>
+        </p:nvGrpSpPr>
+        <p:grpSpPr>
+          <a:xfrm>
+            <a:off x="2460219" y="2004003"/>
+            <a:ext cx="1409184" cy="1234655"/>
+            <a:chOff x="1194666" y="2417771"/>
+            <a:chExt cx="866156" cy="763297"/>
+          </a:xfrm>
+        </p:grpSpPr>
+        <p:sp>
+          <p:nvSpPr>
+            <p:cNvPr id="5" name="Ovale 38">
+              <a:extLst>
+                <a:ext uri="{FF2B5EF4-FFF2-40B4-BE49-F238E27FC236}">
+                  <a16:creationId xmlns="" xmlns:a16="http://schemas.microsoft.com/office/drawing/2014/main" id="{0EB3DE65-C1E4-4AD3-B909-2646317ECA68}"/>
+                </a:ext>
+              </a:extLst>
+            </p:cNvPr>
+            <p:cNvSpPr/>
+            <p:nvPr/>
+          </p:nvSpPr>
+          <p:spPr>
+            <a:xfrm>
+              <a:off x="1311101" y="2460988"/>
+              <a:ext cx="749721" cy="720080"/>
+            </a:xfrm>
+            <a:prstGeom prst="ellipse">
+              <a:avLst/>
+            </a:prstGeom>
+            <a:solidFill>
+              <a:srgbClr val="FFCCFF"/>
+            </a:solidFill>
+            <a:ln/>
+          </p:spPr>
+          <p:style>
+            <a:lnRef idx="1">
+              <a:schemeClr val="accent5"/>
+            </a:lnRef>
+            <a:fillRef idx="2">
+              <a:schemeClr val="accent5"/>
+            </a:fillRef>
+            <a:effectRef idx="1">
+              <a:schemeClr val="accent5"/>
+            </a:effectRef>
+            <a:fontRef idx="minor">
+              <a:schemeClr val="dk1"/>
+            </a:fontRef>
+          </p:style>
+          <p:txBody>
+            <a:bodyPr rtlCol="0" anchor="ctr"/>
+            <a:lstStyle/>
+            <a:p>
+              <a:pPr algn="ctr"/>
+              <a:r>
+                <a:rPr lang="en-GB" sz="1200" dirty="0"/>
+                <a:t> </a:t>
+              </a:r>
+            </a:p>
+          </p:txBody>
+        </p:sp>
+        <p:sp>
+          <p:nvSpPr>
+            <p:cNvPr id="6" name="Rettangolo 39">
+              <a:extLst>
+                <a:ext uri="{FF2B5EF4-FFF2-40B4-BE49-F238E27FC236}">
+                  <a16:creationId xmlns="" xmlns:a16="http://schemas.microsoft.com/office/drawing/2014/main" id="{AAF0ABD1-BB2B-450B-9369-91FF5B4CE129}"/>
+                </a:ext>
+              </a:extLst>
+            </p:cNvPr>
+            <p:cNvSpPr/>
+            <p:nvPr/>
+          </p:nvSpPr>
+          <p:spPr>
+            <a:xfrm>
+              <a:off x="1194666" y="2699711"/>
+              <a:ext cx="281433" cy="211952"/>
+            </a:xfrm>
+            <a:prstGeom prst="rect">
+              <a:avLst/>
+            </a:prstGeom>
+            <a:solidFill>
+              <a:srgbClr val="FFCCFF"/>
+            </a:solidFill>
+            <a:ln/>
+          </p:spPr>
+          <p:style>
+            <a:lnRef idx="1">
+              <a:schemeClr val="accent5"/>
+            </a:lnRef>
+            <a:fillRef idx="2">
+              <a:schemeClr val="accent5"/>
+            </a:fillRef>
+            <a:effectRef idx="1">
+              <a:schemeClr val="accent5"/>
+            </a:effectRef>
+            <a:fontRef idx="minor">
+              <a:schemeClr val="dk1"/>
+            </a:fontRef>
+          </p:style>
+          <p:txBody>
+            <a:bodyPr rtlCol="0" anchor="ctr"/>
+            <a:lstStyle/>
+            <a:p>
+              <a:pPr algn="ctr"/>
+              <a:endParaRPr lang="en-GB" sz="1200"/>
+            </a:p>
+          </p:txBody>
+        </p:sp>
+        <p:sp>
+          <p:nvSpPr>
+            <p:cNvPr id="7" name="Triangolo isoscele 42">
+              <a:extLst>
+                <a:ext uri="{FF2B5EF4-FFF2-40B4-BE49-F238E27FC236}">
+                  <a16:creationId xmlns="" xmlns:a16="http://schemas.microsoft.com/office/drawing/2014/main" id="{34D1AFB1-88AB-4A6C-9824-2CF6DE11BF7C}"/>
+                </a:ext>
+              </a:extLst>
+            </p:cNvPr>
+            <p:cNvSpPr/>
+            <p:nvPr/>
+          </p:nvSpPr>
+          <p:spPr>
+            <a:xfrm rot="16200000">
+              <a:off x="1618539" y="2391356"/>
+              <a:ext cx="86434" cy="139263"/>
+            </a:xfrm>
+            <a:prstGeom prst="triangle">
+              <a:avLst/>
+            </a:prstGeom>
+            <a:solidFill>
+              <a:srgbClr val="FF0000"/>
+            </a:solidFill>
+            <a:ln/>
+          </p:spPr>
+          <p:style>
+            <a:lnRef idx="1">
+              <a:schemeClr val="accent5"/>
+            </a:lnRef>
+            <a:fillRef idx="2">
+              <a:schemeClr val="accent5"/>
+            </a:fillRef>
+            <a:effectRef idx="1">
+              <a:schemeClr val="accent5"/>
+            </a:effectRef>
+            <a:fontRef idx="minor">
+              <a:schemeClr val="dk1"/>
+            </a:fontRef>
+          </p:style>
+          <p:txBody>
+            <a:bodyPr rtlCol="0" anchor="ctr"/>
+            <a:lstStyle/>
+            <a:p>
+              <a:pPr algn="ctr"/>
+              <a:endParaRPr lang="en-GB" sz="1200">
+                <a:solidFill>
+                  <a:schemeClr val="dk1"/>
+                </a:solidFill>
+              </a:endParaRPr>
+            </a:p>
+          </p:txBody>
+        </p:sp>
+      </p:grpSp>
+      <p:sp>
+        <p:nvSpPr>
+          <p:cNvPr id="8" name="Rettangolo 7"/>
+          <p:cNvSpPr/>
+          <p:nvPr/>
+        </p:nvSpPr>
+        <p:spPr>
+          <a:xfrm>
+            <a:off x="2811014" y="2227587"/>
+            <a:ext cx="1044838" cy="369332"/>
+          </a:xfrm>
+          <a:prstGeom prst="rect">
+            <a:avLst/>
+          </a:prstGeom>
+        </p:spPr>
+        <p:txBody>
+          <a:bodyPr wrap="none">
+            <a:spAutoFit/>
+          </a:bodyPr>
+          <a:lstStyle/>
+          <a:p>
+            <a:r>
+              <a:rPr lang="en-GB" dirty="0" err="1" smtClean="0"/>
+              <a:t>basicrobot</a:t>
+            </a:r>
+            <a:endParaRPr lang="en-GB" dirty="0"/>
+          </a:p>
+        </p:txBody>
+      </p:sp>
+      <p:sp>
+        <p:nvSpPr>
+          <p:cNvPr id="12" name="Rettangolo 11"/>
+          <p:cNvSpPr/>
+          <p:nvPr/>
+        </p:nvSpPr>
+        <p:spPr>
+          <a:xfrm>
+            <a:off x="3756592" y="2856054"/>
+            <a:ext cx="1263616" cy="369332"/>
+          </a:xfrm>
+          <a:prstGeom prst="rect">
+            <a:avLst/>
+          </a:prstGeom>
+        </p:spPr>
+        <p:txBody>
+          <a:bodyPr wrap="none">
+            <a:spAutoFit/>
+          </a:bodyPr>
+          <a:lstStyle/>
+          <a:p>
+            <a:r>
+              <a:rPr lang="en-GB" dirty="0" err="1" smtClean="0"/>
+              <a:t>mqttSupport</a:t>
+            </a:r>
+            <a:endParaRPr lang="en-GB" dirty="0"/>
+          </a:p>
+        </p:txBody>
+      </p:sp>
+      <p:sp>
+        <p:nvSpPr>
+          <p:cNvPr id="13" name="Rettangolo 12"/>
+          <p:cNvSpPr/>
+          <p:nvPr/>
+        </p:nvSpPr>
+        <p:spPr>
+          <a:xfrm>
+            <a:off x="4671730" y="752520"/>
+            <a:ext cx="2682145" cy="369332"/>
+          </a:xfrm>
+          <a:prstGeom prst="rect">
+            <a:avLst/>
+          </a:prstGeom>
+          <a:solidFill>
+            <a:srgbClr val="CCFF66"/>
+          </a:solidFill>
+        </p:spPr>
+        <p:style>
+          <a:lnRef idx="1">
+            <a:schemeClr val="accent4"/>
+          </a:lnRef>
+          <a:fillRef idx="2">
+            <a:schemeClr val="accent4"/>
+          </a:fillRef>
+          <a:effectRef idx="1">
+            <a:schemeClr val="accent4"/>
+          </a:effectRef>
+          <a:fontRef idx="minor">
+            <a:schemeClr val="dk1"/>
+          </a:fontRef>
+        </p:style>
+        <p:txBody>
+          <a:bodyPr wrap="none">
+            <a:spAutoFit/>
+          </a:bodyPr>
+          <a:lstStyle/>
+          <a:p>
+            <a:r>
+              <a:rPr lang="en-GB" dirty="0">
+                <a:latin typeface="Arial" panose="020B0604020202020204" pitchFamily="34" charset="0"/>
+                <a:cs typeface="Arial" panose="020B0604020202020204" pitchFamily="34" charset="0"/>
+              </a:rPr>
+              <a:t>"</a:t>
+            </a:r>
+            <a:r>
+              <a:rPr lang="en-GB" b="1" dirty="0" err="1" smtClean="0">
+                <a:solidFill>
+                  <a:srgbClr val="1318ED"/>
+                </a:solidFill>
+                <a:latin typeface="Arial" panose="020B0604020202020204" pitchFamily="34" charset="0"/>
+                <a:cs typeface="Arial" panose="020B0604020202020204" pitchFamily="34" charset="0"/>
+              </a:rPr>
+              <a:t>unibo</a:t>
+            </a:r>
+            <a:r>
+              <a:rPr lang="en-GB" b="1" dirty="0" smtClean="0">
+                <a:solidFill>
+                  <a:srgbClr val="1318ED"/>
+                </a:solidFill>
+                <a:latin typeface="Arial" panose="020B0604020202020204" pitchFamily="34" charset="0"/>
+                <a:cs typeface="Arial" panose="020B0604020202020204" pitchFamily="34" charset="0"/>
+              </a:rPr>
+              <a:t>/</a:t>
+            </a:r>
+            <a:r>
+              <a:rPr lang="en-GB" b="1" dirty="0" err="1" smtClean="0">
+                <a:solidFill>
+                  <a:srgbClr val="1318ED"/>
+                </a:solidFill>
+                <a:latin typeface="Arial" panose="020B0604020202020204" pitchFamily="34" charset="0"/>
+                <a:cs typeface="Arial" panose="020B0604020202020204" pitchFamily="34" charset="0"/>
+              </a:rPr>
+              <a:t>qak</a:t>
+            </a:r>
+            <a:r>
+              <a:rPr lang="en-GB" b="1" dirty="0" smtClean="0">
+                <a:solidFill>
+                  <a:srgbClr val="1318ED"/>
+                </a:solidFill>
+                <a:latin typeface="Arial" panose="020B0604020202020204" pitchFamily="34" charset="0"/>
+                <a:cs typeface="Arial" panose="020B0604020202020204" pitchFamily="34" charset="0"/>
+              </a:rPr>
+              <a:t>/</a:t>
+            </a:r>
+            <a:r>
+              <a:rPr lang="en-GB" b="1" dirty="0" err="1" smtClean="0">
+                <a:solidFill>
+                  <a:srgbClr val="1318ED"/>
+                </a:solidFill>
+                <a:latin typeface="Arial" panose="020B0604020202020204" pitchFamily="34" charset="0"/>
+                <a:cs typeface="Arial" panose="020B0604020202020204" pitchFamily="34" charset="0"/>
+              </a:rPr>
+              <a:t>basicrobot</a:t>
+            </a:r>
+            <a:r>
+              <a:rPr lang="en-GB" dirty="0" smtClean="0">
+                <a:latin typeface="Arial" panose="020B0604020202020204" pitchFamily="34" charset="0"/>
+                <a:cs typeface="Arial" panose="020B0604020202020204" pitchFamily="34" charset="0"/>
+              </a:rPr>
+              <a:t>"</a:t>
+            </a:r>
+            <a:endParaRPr lang="en-GB" dirty="0">
+              <a:latin typeface="Arial" panose="020B0604020202020204" pitchFamily="34" charset="0"/>
+              <a:cs typeface="Arial" panose="020B0604020202020204" pitchFamily="34" charset="0"/>
+            </a:endParaRPr>
+          </a:p>
+        </p:txBody>
+      </p:sp>
+      <p:sp>
+        <p:nvSpPr>
+          <p:cNvPr id="14" name="Esagono 13"/>
+          <p:cNvSpPr/>
+          <p:nvPr/>
+        </p:nvSpPr>
+        <p:spPr>
+          <a:xfrm>
+            <a:off x="5278792" y="1445431"/>
+            <a:ext cx="864096" cy="741460"/>
+          </a:xfrm>
+          <a:prstGeom prst="hexagon">
+            <a:avLst/>
+          </a:prstGeom>
+          <a:solidFill>
+            <a:srgbClr val="FFFF99"/>
+          </a:solidFill>
+        </p:spPr>
+        <p:style>
+          <a:lnRef idx="2">
+            <a:schemeClr val="accent1">
+              <a:shade val="50000"/>
+            </a:schemeClr>
+          </a:lnRef>
+          <a:fillRef idx="1">
+            <a:schemeClr val="accent1"/>
+          </a:fillRef>
+          <a:effectRef idx="0">
+            <a:schemeClr val="accent1"/>
+          </a:effectRef>
+          <a:fontRef idx="minor">
+            <a:schemeClr val="lt1"/>
+          </a:fontRef>
+        </p:style>
+        <p:txBody>
+          <a:bodyPr rtlCol="0" anchor="ctr"/>
+          <a:lstStyle/>
+          <a:p>
+            <a:pPr algn="ctr"/>
+            <a:endParaRPr lang="en-GB"/>
+          </a:p>
+        </p:txBody>
+      </p:sp>
+      <p:sp>
+        <p:nvSpPr>
+          <p:cNvPr id="15" name="CasellaDiTesto 14"/>
+          <p:cNvSpPr txBox="1"/>
+          <p:nvPr/>
+        </p:nvSpPr>
+        <p:spPr>
+          <a:xfrm>
+            <a:off x="5433360" y="1618536"/>
+            <a:ext cx="554960" cy="430887"/>
+          </a:xfrm>
+          <a:prstGeom prst="rect">
+            <a:avLst/>
+          </a:prstGeom>
+          <a:noFill/>
+        </p:spPr>
+        <p:txBody>
+          <a:bodyPr wrap="none" rtlCol="0">
+            <a:spAutoFit/>
+          </a:bodyPr>
+          <a:lstStyle/>
+          <a:p>
+            <a:pPr algn="ctr"/>
+            <a:r>
+              <a:rPr lang="it-IT" sz="1100" dirty="0" smtClean="0"/>
+              <a:t>MQTT</a:t>
+            </a:r>
+          </a:p>
+          <a:p>
+            <a:pPr algn="ctr"/>
+            <a:r>
+              <a:rPr lang="it-IT" sz="1100" dirty="0" smtClean="0"/>
+              <a:t>broker</a:t>
+            </a:r>
+            <a:endParaRPr lang="en-GB" sz="1100" dirty="0"/>
+          </a:p>
+        </p:txBody>
+      </p:sp>
+      <p:cxnSp>
+        <p:nvCxnSpPr>
+          <p:cNvPr id="20" name="Connettore 4 19"/>
+          <p:cNvCxnSpPr>
+            <a:stCxn id="14" idx="2"/>
+          </p:cNvCxnSpPr>
+          <p:nvPr/>
+        </p:nvCxnSpPr>
+        <p:spPr>
+          <a:xfrm rot="5400000">
+            <a:off x="3920097" y="1184891"/>
+            <a:ext cx="542060" cy="2546061"/>
+          </a:xfrm>
+          <a:prstGeom prst="bentConnector2">
+            <a:avLst/>
+          </a:prstGeom>
+          <a:ln>
+            <a:solidFill>
+              <a:srgbClr val="1318ED"/>
+            </a:solidFill>
+            <a:prstDash val="lgDash"/>
+            <a:tailEnd type="arrow"/>
+          </a:ln>
+        </p:spPr>
+        <p:style>
+          <a:lnRef idx="1">
+            <a:schemeClr val="accent1"/>
+          </a:lnRef>
+          <a:fillRef idx="0">
+            <a:schemeClr val="accent1"/>
+          </a:fillRef>
+          <a:effectRef idx="0">
+            <a:schemeClr val="accent1"/>
+          </a:effectRef>
+          <a:fontRef idx="minor">
+            <a:schemeClr val="tx1"/>
+          </a:fontRef>
+        </p:style>
+      </p:cxnSp>
+      <p:grpSp>
+        <p:nvGrpSpPr>
+          <p:cNvPr id="24" name="Gruppo 82">
+            <a:extLst>
+              <a:ext uri="{FF2B5EF4-FFF2-40B4-BE49-F238E27FC236}">
+                <a16:creationId xmlns="" xmlns:a16="http://schemas.microsoft.com/office/drawing/2014/main" id="{12D969AC-9EB0-4CF5-9EE5-D0DD7ACA9C72}"/>
+              </a:ext>
+            </a:extLst>
+          </p:cNvPr>
+          <p:cNvGrpSpPr/>
+          <p:nvPr/>
+        </p:nvGrpSpPr>
+        <p:grpSpPr>
+          <a:xfrm>
+            <a:off x="1020111" y="470580"/>
+            <a:ext cx="866156" cy="763297"/>
+            <a:chOff x="1194666" y="2417771"/>
+            <a:chExt cx="866156" cy="763297"/>
+          </a:xfrm>
+        </p:grpSpPr>
+        <p:sp>
+          <p:nvSpPr>
+            <p:cNvPr id="25" name="Ovale 38">
+              <a:extLst>
+                <a:ext uri="{FF2B5EF4-FFF2-40B4-BE49-F238E27FC236}">
+                  <a16:creationId xmlns="" xmlns:a16="http://schemas.microsoft.com/office/drawing/2014/main" id="{0EB3DE65-C1E4-4AD3-B909-2646317ECA68}"/>
+                </a:ext>
+              </a:extLst>
+            </p:cNvPr>
+            <p:cNvSpPr/>
+            <p:nvPr/>
+          </p:nvSpPr>
+          <p:spPr>
+            <a:xfrm>
+              <a:off x="1311101" y="2460988"/>
+              <a:ext cx="749721" cy="720080"/>
+            </a:xfrm>
+            <a:prstGeom prst="ellipse">
+              <a:avLst/>
+            </a:prstGeom>
+            <a:solidFill>
+              <a:srgbClr val="FFCCFF"/>
+            </a:solidFill>
+            <a:ln/>
+          </p:spPr>
+          <p:style>
+            <a:lnRef idx="1">
+              <a:schemeClr val="accent5"/>
+            </a:lnRef>
+            <a:fillRef idx="2">
+              <a:schemeClr val="accent5"/>
+            </a:fillRef>
+            <a:effectRef idx="1">
+              <a:schemeClr val="accent5"/>
+            </a:effectRef>
+            <a:fontRef idx="minor">
+              <a:schemeClr val="dk1"/>
+            </a:fontRef>
+          </p:style>
+          <p:txBody>
+            <a:bodyPr rtlCol="0" anchor="ctr"/>
+            <a:lstStyle/>
+            <a:p>
+              <a:pPr algn="ctr"/>
+              <a:r>
+                <a:rPr lang="en-GB" sz="1200" dirty="0"/>
+                <a:t> </a:t>
+              </a:r>
+            </a:p>
+          </p:txBody>
+        </p:sp>
+        <p:sp>
+          <p:nvSpPr>
+            <p:cNvPr id="26" name="Rettangolo 39">
+              <a:extLst>
+                <a:ext uri="{FF2B5EF4-FFF2-40B4-BE49-F238E27FC236}">
+                  <a16:creationId xmlns="" xmlns:a16="http://schemas.microsoft.com/office/drawing/2014/main" id="{AAF0ABD1-BB2B-450B-9369-91FF5B4CE129}"/>
+                </a:ext>
+              </a:extLst>
+            </p:cNvPr>
+            <p:cNvSpPr/>
+            <p:nvPr/>
+          </p:nvSpPr>
+          <p:spPr>
+            <a:xfrm>
+              <a:off x="1194666" y="2699711"/>
+              <a:ext cx="281433" cy="211952"/>
+            </a:xfrm>
+            <a:prstGeom prst="rect">
+              <a:avLst/>
+            </a:prstGeom>
+            <a:solidFill>
+              <a:srgbClr val="FFCCFF"/>
+            </a:solidFill>
+            <a:ln/>
+          </p:spPr>
+          <p:style>
+            <a:lnRef idx="1">
+              <a:schemeClr val="accent5"/>
+            </a:lnRef>
+            <a:fillRef idx="2">
+              <a:schemeClr val="accent5"/>
+            </a:fillRef>
+            <a:effectRef idx="1">
+              <a:schemeClr val="accent5"/>
+            </a:effectRef>
+            <a:fontRef idx="minor">
+              <a:schemeClr val="dk1"/>
+            </a:fontRef>
+          </p:style>
+          <p:txBody>
+            <a:bodyPr rtlCol="0" anchor="ctr"/>
+            <a:lstStyle/>
+            <a:p>
+              <a:pPr algn="ctr"/>
+              <a:endParaRPr lang="en-GB" sz="1200"/>
+            </a:p>
+          </p:txBody>
+        </p:sp>
+        <p:sp>
+          <p:nvSpPr>
+            <p:cNvPr id="27" name="Triangolo isoscele 42">
+              <a:extLst>
+                <a:ext uri="{FF2B5EF4-FFF2-40B4-BE49-F238E27FC236}">
+                  <a16:creationId xmlns="" xmlns:a16="http://schemas.microsoft.com/office/drawing/2014/main" id="{34D1AFB1-88AB-4A6C-9824-2CF6DE11BF7C}"/>
+                </a:ext>
+              </a:extLst>
+            </p:cNvPr>
+            <p:cNvSpPr/>
+            <p:nvPr/>
+          </p:nvSpPr>
+          <p:spPr>
+            <a:xfrm rot="16200000">
+              <a:off x="1618539" y="2391356"/>
+              <a:ext cx="86434" cy="139263"/>
+            </a:xfrm>
+            <a:prstGeom prst="triangle">
+              <a:avLst/>
+            </a:prstGeom>
+            <a:solidFill>
+              <a:srgbClr val="FF0000"/>
+            </a:solidFill>
+            <a:ln/>
+          </p:spPr>
+          <p:style>
+            <a:lnRef idx="1">
+              <a:schemeClr val="accent5"/>
+            </a:lnRef>
+            <a:fillRef idx="2">
+              <a:schemeClr val="accent5"/>
+            </a:fillRef>
+            <a:effectRef idx="1">
+              <a:schemeClr val="accent5"/>
+            </a:effectRef>
+            <a:fontRef idx="minor">
+              <a:schemeClr val="dk1"/>
+            </a:fontRef>
+          </p:style>
+          <p:txBody>
+            <a:bodyPr rtlCol="0" anchor="ctr"/>
+            <a:lstStyle/>
+            <a:p>
+              <a:pPr algn="ctr"/>
+              <a:endParaRPr lang="en-GB" sz="1200">
+                <a:solidFill>
+                  <a:schemeClr val="dk1"/>
+                </a:solidFill>
+              </a:endParaRPr>
+            </a:p>
+          </p:txBody>
+        </p:sp>
+      </p:grpSp>
+      <p:cxnSp>
+        <p:nvCxnSpPr>
+          <p:cNvPr id="28" name="Connettore 4 27"/>
+          <p:cNvCxnSpPr>
+            <a:endCxn id="14" idx="0"/>
+          </p:cNvCxnSpPr>
+          <p:nvPr/>
+        </p:nvCxnSpPr>
+        <p:spPr>
+          <a:xfrm rot="10800000" flipV="1">
+            <a:off x="6142888" y="1812309"/>
+            <a:ext cx="1381440" cy="3851"/>
+          </a:xfrm>
+          <a:prstGeom prst="bentConnector3">
+            <a:avLst>
+              <a:gd name="adj1" fmla="val 50000"/>
+            </a:avLst>
+          </a:prstGeom>
+          <a:ln>
+            <a:prstDash val="lgDash"/>
+            <a:tailEnd type="arrow"/>
+          </a:ln>
+        </p:spPr>
+        <p:style>
+          <a:lnRef idx="1">
+            <a:schemeClr val="accent1"/>
+          </a:lnRef>
+          <a:fillRef idx="0">
+            <a:schemeClr val="accent1"/>
+          </a:fillRef>
+          <a:effectRef idx="0">
+            <a:schemeClr val="accent1"/>
+          </a:effectRef>
+          <a:fontRef idx="minor">
+            <a:schemeClr val="tx1"/>
+          </a:fontRef>
+        </p:style>
+      </p:cxnSp>
+      <p:sp>
+        <p:nvSpPr>
+          <p:cNvPr id="31" name="Rettangolo 30"/>
+          <p:cNvSpPr/>
+          <p:nvPr/>
+        </p:nvSpPr>
+        <p:spPr>
+          <a:xfrm>
+            <a:off x="6382445" y="1784984"/>
+            <a:ext cx="777521" cy="369332"/>
+          </a:xfrm>
+          <a:prstGeom prst="rect">
+            <a:avLst/>
+          </a:prstGeom>
+        </p:spPr>
+        <p:txBody>
+          <a:bodyPr wrap="none">
+            <a:spAutoFit/>
+          </a:bodyPr>
+          <a:lstStyle/>
+          <a:p>
+            <a:r>
+              <a:rPr lang="en-GB" dirty="0" smtClean="0"/>
+              <a:t>publish</a:t>
+            </a:r>
+            <a:endParaRPr lang="en-GB" dirty="0"/>
+          </a:p>
+        </p:txBody>
+      </p:sp>
+      <p:sp>
+        <p:nvSpPr>
+          <p:cNvPr id="33" name="Ovale 33">
+            <a:extLst>
+              <a:ext uri="{FF2B5EF4-FFF2-40B4-BE49-F238E27FC236}">
+                <a16:creationId xmlns="" xmlns:a16="http://schemas.microsoft.com/office/drawing/2014/main" id="{A4E6BBEC-1E11-48AC-9881-2BCB8F6CF48A}"/>
+              </a:ext>
+            </a:extLst>
+          </p:cNvPr>
+          <p:cNvSpPr/>
+          <p:nvPr/>
+        </p:nvSpPr>
+        <p:spPr>
+          <a:xfrm>
+            <a:off x="5127666" y="5965195"/>
+            <a:ext cx="595127" cy="519971"/>
+          </a:xfrm>
+          <a:prstGeom prst="ellipse">
+            <a:avLst/>
+          </a:prstGeom>
+          <a:ln/>
+        </p:spPr>
+        <p:style>
+          <a:lnRef idx="1">
+            <a:schemeClr val="accent5"/>
+          </a:lnRef>
+          <a:fillRef idx="2">
+            <a:schemeClr val="accent5"/>
+          </a:fillRef>
+          <a:effectRef idx="1">
+            <a:schemeClr val="accent5"/>
+          </a:effectRef>
+          <a:fontRef idx="minor">
+            <a:schemeClr val="dk1"/>
+          </a:fontRef>
+        </p:style>
+        <p:txBody>
+          <a:bodyPr rtlCol="0" anchor="ctr"/>
+          <a:lstStyle/>
+          <a:p>
+            <a:pPr algn="ctr"/>
+            <a:r>
+              <a:rPr lang="en-GB" sz="1200" dirty="0"/>
+              <a:t> </a:t>
+            </a:r>
+          </a:p>
+        </p:txBody>
+      </p:sp>
+      <p:grpSp>
+        <p:nvGrpSpPr>
+          <p:cNvPr id="34" name="Gruppo 33"/>
+          <p:cNvGrpSpPr/>
+          <p:nvPr/>
+        </p:nvGrpSpPr>
+        <p:grpSpPr>
+          <a:xfrm>
+            <a:off x="3176525" y="3259455"/>
+            <a:ext cx="543053" cy="493108"/>
+            <a:chOff x="4403491" y="4276791"/>
+            <a:chExt cx="749721" cy="720080"/>
+          </a:xfrm>
+        </p:grpSpPr>
+        <p:sp>
+          <p:nvSpPr>
+            <p:cNvPr id="35" name="Ovale 33">
+              <a:extLst>
+                <a:ext uri="{FF2B5EF4-FFF2-40B4-BE49-F238E27FC236}">
+                  <a16:creationId xmlns="" xmlns:a16="http://schemas.microsoft.com/office/drawing/2014/main" id="{A4E6BBEC-1E11-48AC-9881-2BCB8F6CF48A}"/>
+                </a:ext>
+              </a:extLst>
+            </p:cNvPr>
+            <p:cNvSpPr/>
+            <p:nvPr/>
+          </p:nvSpPr>
+          <p:spPr>
+            <a:xfrm>
+              <a:off x="4403491" y="4276791"/>
+              <a:ext cx="749721" cy="720080"/>
+            </a:xfrm>
+            <a:prstGeom prst="ellipse">
+              <a:avLst/>
+            </a:prstGeom>
+            <a:ln/>
+          </p:spPr>
+          <p:style>
+            <a:lnRef idx="1">
+              <a:schemeClr val="accent5"/>
+            </a:lnRef>
+            <a:fillRef idx="2">
+              <a:schemeClr val="accent5"/>
+            </a:fillRef>
+            <a:effectRef idx="1">
+              <a:schemeClr val="accent5"/>
+            </a:effectRef>
+            <a:fontRef idx="minor">
+              <a:schemeClr val="dk1"/>
+            </a:fontRef>
+          </p:style>
+          <p:txBody>
+            <a:bodyPr rtlCol="0" anchor="ctr"/>
+            <a:lstStyle/>
+            <a:p>
+              <a:pPr algn="ctr"/>
+              <a:r>
+                <a:rPr lang="en-GB" sz="1200" dirty="0"/>
+                <a:t> </a:t>
+              </a:r>
+            </a:p>
+          </p:txBody>
+        </p:sp>
+        <p:cxnSp>
+          <p:nvCxnSpPr>
+            <p:cNvPr id="36" name="Connettore 2 126">
+              <a:extLst>
+                <a:ext uri="{FF2B5EF4-FFF2-40B4-BE49-F238E27FC236}">
+                  <a16:creationId xmlns="" xmlns:a16="http://schemas.microsoft.com/office/drawing/2014/main" id="{36CC678F-7232-496B-B9F9-4DE6B53CD494}"/>
+                </a:ext>
+              </a:extLst>
+            </p:cNvPr>
+            <p:cNvCxnSpPr/>
+            <p:nvPr/>
+          </p:nvCxnSpPr>
+          <p:spPr>
+            <a:xfrm flipH="1">
+              <a:off x="4764885" y="4403661"/>
+              <a:ext cx="13466" cy="393101"/>
+            </a:xfrm>
+            <a:prstGeom prst="straightConnector1">
+              <a:avLst/>
+            </a:prstGeom>
+            <a:ln>
+              <a:solidFill>
+                <a:srgbClr val="C00000"/>
+              </a:solidFill>
+              <a:prstDash val="lgDash"/>
+              <a:tailEnd type="arrow"/>
+            </a:ln>
+          </p:spPr>
+          <p:style>
+            <a:lnRef idx="1">
+              <a:schemeClr val="accent1"/>
+            </a:lnRef>
+            <a:fillRef idx="0">
+              <a:schemeClr val="accent1"/>
+            </a:fillRef>
+            <a:effectRef idx="0">
+              <a:schemeClr val="accent1"/>
+            </a:effectRef>
+            <a:fontRef idx="minor">
+              <a:schemeClr val="tx1"/>
+            </a:fontRef>
+          </p:style>
+        </p:cxnSp>
+      </p:grpSp>
+      <p:sp>
+        <p:nvSpPr>
+          <p:cNvPr id="37" name="Rettangolo 36"/>
+          <p:cNvSpPr/>
+          <p:nvPr/>
+        </p:nvSpPr>
+        <p:spPr>
+          <a:xfrm>
+            <a:off x="1769018" y="3159686"/>
+            <a:ext cx="906017" cy="261610"/>
+          </a:xfrm>
+          <a:prstGeom prst="rect">
+            <a:avLst/>
+          </a:prstGeom>
+        </p:spPr>
+        <p:txBody>
+          <a:bodyPr wrap="none">
+            <a:spAutoFit/>
+          </a:bodyPr>
+          <a:lstStyle/>
+          <a:p>
+            <a:r>
+              <a:rPr lang="en-GB" sz="1100" dirty="0" err="1" smtClean="0">
+                <a:latin typeface="Arial" panose="020B0604020202020204" pitchFamily="34" charset="0"/>
+                <a:cs typeface="Arial" panose="020B0604020202020204" pitchFamily="34" charset="0"/>
+              </a:rPr>
+              <a:t>sensorData</a:t>
+            </a:r>
+            <a:endParaRPr lang="en-GB" sz="1100" dirty="0">
+              <a:latin typeface="Arial" panose="020B0604020202020204" pitchFamily="34" charset="0"/>
+              <a:cs typeface="Arial" panose="020B0604020202020204" pitchFamily="34" charset="0"/>
+            </a:endParaRPr>
+          </a:p>
+        </p:txBody>
+      </p:sp>
+      <p:sp>
+        <p:nvSpPr>
+          <p:cNvPr id="38" name="Ovale 37"/>
+          <p:cNvSpPr/>
+          <p:nvPr/>
+        </p:nvSpPr>
+        <p:spPr>
+          <a:xfrm>
+            <a:off x="3145530" y="4229312"/>
+            <a:ext cx="611062" cy="638657"/>
+          </a:xfrm>
+          <a:prstGeom prst="ellipse">
+            <a:avLst/>
+          </a:prstGeom>
+          <a:solidFill>
+            <a:srgbClr val="33CCCC"/>
+          </a:solidFill>
+          <a:ln>
+            <a:solidFill>
+              <a:srgbClr val="1318ED"/>
+            </a:solidFill>
+          </a:ln>
+        </p:spPr>
+        <p:style>
+          <a:lnRef idx="2">
+            <a:schemeClr val="accent4"/>
+          </a:lnRef>
+          <a:fillRef idx="1">
+            <a:schemeClr val="lt1"/>
+          </a:fillRef>
+          <a:effectRef idx="0">
+            <a:schemeClr val="accent4"/>
+          </a:effectRef>
+          <a:fontRef idx="minor">
+            <a:schemeClr val="dk1"/>
+          </a:fontRef>
+        </p:style>
+        <p:txBody>
+          <a:bodyPr rtlCol="0" anchor="ctr"/>
+          <a:lstStyle/>
+          <a:p>
+            <a:pPr algn="ctr"/>
+            <a:r>
+              <a:rPr lang="it-IT" sz="1100" u="sng" dirty="0" smtClean="0"/>
+              <a:t>R</a:t>
+            </a:r>
+            <a:endParaRPr lang="en-GB" sz="1100" u="sng" dirty="0"/>
+          </a:p>
+        </p:txBody>
+      </p:sp>
+      <p:cxnSp>
+        <p:nvCxnSpPr>
+          <p:cNvPr id="39" name="Connettore 2 38"/>
+          <p:cNvCxnSpPr>
+            <a:stCxn id="35" idx="4"/>
+            <a:endCxn id="38" idx="0"/>
+          </p:cNvCxnSpPr>
+          <p:nvPr/>
+        </p:nvCxnSpPr>
+        <p:spPr>
+          <a:xfrm>
+            <a:off x="3448052" y="3752563"/>
+            <a:ext cx="3009" cy="476749"/>
+          </a:xfrm>
+          <a:prstGeom prst="straightConnector1">
+            <a:avLst/>
+          </a:prstGeom>
+          <a:ln>
+            <a:tailEnd type="arrow"/>
+          </a:ln>
+        </p:spPr>
+        <p:style>
+          <a:lnRef idx="1">
+            <a:schemeClr val="accent1"/>
+          </a:lnRef>
+          <a:fillRef idx="0">
+            <a:schemeClr val="accent1"/>
+          </a:fillRef>
+          <a:effectRef idx="0">
+            <a:schemeClr val="accent1"/>
+          </a:effectRef>
+          <a:fontRef idx="minor">
+            <a:schemeClr val="tx1"/>
+          </a:fontRef>
+        </p:style>
+      </p:cxnSp>
+      <p:cxnSp>
+        <p:nvCxnSpPr>
+          <p:cNvPr id="42" name="Connettore 4 41"/>
+          <p:cNvCxnSpPr>
+            <a:stCxn id="35" idx="2"/>
+            <a:endCxn id="6" idx="2"/>
+          </p:cNvCxnSpPr>
+          <p:nvPr/>
+        </p:nvCxnSpPr>
+        <p:spPr>
+          <a:xfrm rot="10800000">
+            <a:off x="2689157" y="2802887"/>
+            <a:ext cx="487368" cy="703122"/>
+          </a:xfrm>
+          <a:prstGeom prst="bentConnector2">
+            <a:avLst/>
+          </a:prstGeom>
+          <a:ln w="28575">
+            <a:solidFill>
+              <a:srgbClr val="00B050"/>
+            </a:solidFill>
+            <a:prstDash val="sysDot"/>
+            <a:tailEnd type="arrow"/>
+          </a:ln>
+        </p:spPr>
+        <p:style>
+          <a:lnRef idx="1">
+            <a:schemeClr val="accent1"/>
+          </a:lnRef>
+          <a:fillRef idx="0">
+            <a:schemeClr val="accent1"/>
+          </a:fillRef>
+          <a:effectRef idx="0">
+            <a:schemeClr val="accent1"/>
+          </a:effectRef>
+          <a:fontRef idx="minor">
+            <a:schemeClr val="tx1"/>
+          </a:fontRef>
+        </p:style>
+      </p:cxnSp>
+      <p:sp>
+        <p:nvSpPr>
+          <p:cNvPr id="53" name="Rettangolo 52"/>
+          <p:cNvSpPr/>
+          <p:nvPr/>
+        </p:nvSpPr>
+        <p:spPr>
+          <a:xfrm>
+            <a:off x="7311526" y="1833979"/>
+            <a:ext cx="1236621" cy="369332"/>
+          </a:xfrm>
+          <a:prstGeom prst="rect">
+            <a:avLst/>
+          </a:prstGeom>
+        </p:spPr>
+        <p:txBody>
+          <a:bodyPr wrap="none">
+            <a:spAutoFit/>
+          </a:bodyPr>
+          <a:lstStyle/>
+          <a:p>
+            <a:r>
+              <a:rPr lang="en-GB" dirty="0" smtClean="0"/>
+              <a:t>‘alien’ entity</a:t>
+            </a:r>
+          </a:p>
+        </p:txBody>
+      </p:sp>
+      <p:sp>
+        <p:nvSpPr>
+          <p:cNvPr id="54" name="Figura a mano libera 53"/>
+          <p:cNvSpPr/>
+          <p:nvPr/>
+        </p:nvSpPr>
+        <p:spPr>
+          <a:xfrm>
+            <a:off x="7627997" y="1482788"/>
+            <a:ext cx="573277" cy="400110"/>
+          </a:xfrm>
+          <a:custGeom>
+            <a:avLst/>
+            <a:gdLst>
+              <a:gd name="connsiteX0" fmla="*/ 168812 w 773723"/>
+              <a:gd name="connsiteY0" fmla="*/ 0 h 604911"/>
+              <a:gd name="connsiteX1" fmla="*/ 168812 w 773723"/>
+              <a:gd name="connsiteY1" fmla="*/ 0 h 604911"/>
+              <a:gd name="connsiteX2" fmla="*/ 28135 w 773723"/>
+              <a:gd name="connsiteY2" fmla="*/ 70339 h 604911"/>
+              <a:gd name="connsiteX3" fmla="*/ 0 w 773723"/>
+              <a:gd name="connsiteY3" fmla="*/ 112542 h 604911"/>
+              <a:gd name="connsiteX4" fmla="*/ 14068 w 773723"/>
+              <a:gd name="connsiteY4" fmla="*/ 492369 h 604911"/>
+              <a:gd name="connsiteX5" fmla="*/ 42203 w 773723"/>
+              <a:gd name="connsiteY5" fmla="*/ 520505 h 604911"/>
+              <a:gd name="connsiteX6" fmla="*/ 168812 w 773723"/>
+              <a:gd name="connsiteY6" fmla="*/ 576776 h 604911"/>
+              <a:gd name="connsiteX7" fmla="*/ 225083 w 773723"/>
+              <a:gd name="connsiteY7" fmla="*/ 604911 h 604911"/>
+              <a:gd name="connsiteX8" fmla="*/ 576775 w 773723"/>
+              <a:gd name="connsiteY8" fmla="*/ 590843 h 604911"/>
+              <a:gd name="connsiteX9" fmla="*/ 633046 w 773723"/>
+              <a:gd name="connsiteY9" fmla="*/ 393896 h 604911"/>
+              <a:gd name="connsiteX10" fmla="*/ 661181 w 773723"/>
+              <a:gd name="connsiteY10" fmla="*/ 365760 h 604911"/>
+              <a:gd name="connsiteX11" fmla="*/ 703385 w 773723"/>
+              <a:gd name="connsiteY11" fmla="*/ 337625 h 604911"/>
+              <a:gd name="connsiteX12" fmla="*/ 759655 w 773723"/>
+              <a:gd name="connsiteY12" fmla="*/ 295422 h 604911"/>
+              <a:gd name="connsiteX13" fmla="*/ 773723 w 773723"/>
+              <a:gd name="connsiteY13" fmla="*/ 253219 h 604911"/>
+              <a:gd name="connsiteX14" fmla="*/ 731520 w 773723"/>
+              <a:gd name="connsiteY14" fmla="*/ 154745 h 604911"/>
+              <a:gd name="connsiteX15" fmla="*/ 661181 w 773723"/>
+              <a:gd name="connsiteY15" fmla="*/ 84406 h 604911"/>
+              <a:gd name="connsiteX16" fmla="*/ 576775 w 773723"/>
+              <a:gd name="connsiteY16" fmla="*/ 28136 h 604911"/>
+              <a:gd name="connsiteX17" fmla="*/ 464234 w 773723"/>
+              <a:gd name="connsiteY17" fmla="*/ 42203 h 604911"/>
+              <a:gd name="connsiteX18" fmla="*/ 436098 w 773723"/>
+              <a:gd name="connsiteY18" fmla="*/ 70339 h 604911"/>
+              <a:gd name="connsiteX19" fmla="*/ 393895 w 773723"/>
+              <a:gd name="connsiteY19" fmla="*/ 84406 h 604911"/>
+              <a:gd name="connsiteX20" fmla="*/ 351692 w 773723"/>
+              <a:gd name="connsiteY20" fmla="*/ 70339 h 604911"/>
+              <a:gd name="connsiteX21" fmla="*/ 267286 w 773723"/>
+              <a:gd name="connsiteY21" fmla="*/ 56271 h 604911"/>
+              <a:gd name="connsiteX22" fmla="*/ 168812 w 773723"/>
+              <a:gd name="connsiteY22" fmla="*/ 0 h 604911"/>
+            </a:gdLst>
+            <a:ahLst/>
+            <a:cxnLst>
+              <a:cxn ang="0">
+                <a:pos x="connsiteX0" y="connsiteY0"/>
+              </a:cxn>
+              <a:cxn ang="0">
+                <a:pos x="connsiteX1" y="connsiteY1"/>
+              </a:cxn>
+              <a:cxn ang="0">
+                <a:pos x="connsiteX2" y="connsiteY2"/>
+              </a:cxn>
+              <a:cxn ang="0">
+                <a:pos x="connsiteX3" y="connsiteY3"/>
+              </a:cxn>
+              <a:cxn ang="0">
+                <a:pos x="connsiteX4" y="connsiteY4"/>
+              </a:cxn>
+              <a:cxn ang="0">
+                <a:pos x="connsiteX5" y="connsiteY5"/>
+              </a:cxn>
+              <a:cxn ang="0">
+                <a:pos x="connsiteX6" y="connsiteY6"/>
+              </a:cxn>
+              <a:cxn ang="0">
+                <a:pos x="connsiteX7" y="connsiteY7"/>
+              </a:cxn>
+              <a:cxn ang="0">
+                <a:pos x="connsiteX8" y="connsiteY8"/>
+              </a:cxn>
+              <a:cxn ang="0">
+                <a:pos x="connsiteX9" y="connsiteY9"/>
+              </a:cxn>
+              <a:cxn ang="0">
+                <a:pos x="connsiteX10" y="connsiteY10"/>
+              </a:cxn>
+              <a:cxn ang="0">
+                <a:pos x="connsiteX11" y="connsiteY11"/>
+              </a:cxn>
+              <a:cxn ang="0">
+                <a:pos x="connsiteX12" y="connsiteY12"/>
+              </a:cxn>
+              <a:cxn ang="0">
+                <a:pos x="connsiteX13" y="connsiteY13"/>
+              </a:cxn>
+              <a:cxn ang="0">
+                <a:pos x="connsiteX14" y="connsiteY14"/>
+              </a:cxn>
+              <a:cxn ang="0">
+                <a:pos x="connsiteX15" y="connsiteY15"/>
+              </a:cxn>
+              <a:cxn ang="0">
+                <a:pos x="connsiteX16" y="connsiteY16"/>
+              </a:cxn>
+              <a:cxn ang="0">
+                <a:pos x="connsiteX17" y="connsiteY17"/>
+              </a:cxn>
+              <a:cxn ang="0">
+                <a:pos x="connsiteX18" y="connsiteY18"/>
+              </a:cxn>
+              <a:cxn ang="0">
+                <a:pos x="connsiteX19" y="connsiteY19"/>
+              </a:cxn>
+              <a:cxn ang="0">
+                <a:pos x="connsiteX20" y="connsiteY20"/>
+              </a:cxn>
+              <a:cxn ang="0">
+                <a:pos x="connsiteX21" y="connsiteY21"/>
+              </a:cxn>
+              <a:cxn ang="0">
+                <a:pos x="connsiteX22" y="connsiteY22"/>
+              </a:cxn>
+            </a:cxnLst>
+            <a:rect l="l" t="t" r="r" b="b"/>
+            <a:pathLst>
+              <a:path w="773723" h="604911">
+                <a:moveTo>
+                  <a:pt x="168812" y="0"/>
+                </a:moveTo>
+                <a:lnTo>
+                  <a:pt x="168812" y="0"/>
+                </a:lnTo>
+                <a:cubicBezTo>
+                  <a:pt x="92586" y="28585"/>
+                  <a:pt x="68468" y="19923"/>
+                  <a:pt x="28135" y="70339"/>
+                </a:cubicBezTo>
+                <a:cubicBezTo>
+                  <a:pt x="17573" y="83541"/>
+                  <a:pt x="9378" y="98474"/>
+                  <a:pt x="0" y="112542"/>
+                </a:cubicBezTo>
+                <a:cubicBezTo>
+                  <a:pt x="4689" y="239151"/>
+                  <a:pt x="1031" y="366346"/>
+                  <a:pt x="14068" y="492369"/>
+                </a:cubicBezTo>
+                <a:cubicBezTo>
+                  <a:pt x="15433" y="505562"/>
+                  <a:pt x="31846" y="512219"/>
+                  <a:pt x="42203" y="520505"/>
+                </a:cubicBezTo>
+                <a:cubicBezTo>
+                  <a:pt x="111164" y="575674"/>
+                  <a:pt x="64716" y="524729"/>
+                  <a:pt x="168812" y="576776"/>
+                </a:cubicBezTo>
+                <a:lnTo>
+                  <a:pt x="225083" y="604911"/>
+                </a:lnTo>
+                <a:cubicBezTo>
+                  <a:pt x="342314" y="600222"/>
+                  <a:pt x="460118" y="603342"/>
+                  <a:pt x="576775" y="590843"/>
+                </a:cubicBezTo>
+                <a:cubicBezTo>
+                  <a:pt x="662467" y="581662"/>
+                  <a:pt x="629241" y="411651"/>
+                  <a:pt x="633046" y="393896"/>
+                </a:cubicBezTo>
+                <a:cubicBezTo>
+                  <a:pt x="635825" y="380927"/>
+                  <a:pt x="650824" y="374045"/>
+                  <a:pt x="661181" y="365760"/>
+                </a:cubicBezTo>
+                <a:cubicBezTo>
+                  <a:pt x="674384" y="355198"/>
+                  <a:pt x="689627" y="347452"/>
+                  <a:pt x="703385" y="337625"/>
+                </a:cubicBezTo>
+                <a:cubicBezTo>
+                  <a:pt x="722464" y="323997"/>
+                  <a:pt x="740898" y="309490"/>
+                  <a:pt x="759655" y="295422"/>
+                </a:cubicBezTo>
+                <a:cubicBezTo>
+                  <a:pt x="764344" y="281354"/>
+                  <a:pt x="773723" y="268048"/>
+                  <a:pt x="773723" y="253219"/>
+                </a:cubicBezTo>
+                <a:cubicBezTo>
+                  <a:pt x="773723" y="217181"/>
+                  <a:pt x="754492" y="180999"/>
+                  <a:pt x="731520" y="154745"/>
+                </a:cubicBezTo>
+                <a:cubicBezTo>
+                  <a:pt x="709685" y="129791"/>
+                  <a:pt x="688770" y="102799"/>
+                  <a:pt x="661181" y="84406"/>
+                </a:cubicBezTo>
+                <a:lnTo>
+                  <a:pt x="576775" y="28136"/>
+                </a:lnTo>
+                <a:cubicBezTo>
+                  <a:pt x="539261" y="32825"/>
+                  <a:pt x="500445" y="31340"/>
+                  <a:pt x="464234" y="42203"/>
+                </a:cubicBezTo>
+                <a:cubicBezTo>
+                  <a:pt x="451530" y="46014"/>
+                  <a:pt x="447471" y="63515"/>
+                  <a:pt x="436098" y="70339"/>
+                </a:cubicBezTo>
+                <a:cubicBezTo>
+                  <a:pt x="423383" y="77968"/>
+                  <a:pt x="407963" y="79717"/>
+                  <a:pt x="393895" y="84406"/>
+                </a:cubicBezTo>
+                <a:cubicBezTo>
+                  <a:pt x="379827" y="79717"/>
+                  <a:pt x="366167" y="73556"/>
+                  <a:pt x="351692" y="70339"/>
+                </a:cubicBezTo>
+                <a:cubicBezTo>
+                  <a:pt x="323848" y="64151"/>
+                  <a:pt x="294346" y="65291"/>
+                  <a:pt x="267286" y="56271"/>
+                </a:cubicBezTo>
+                <a:cubicBezTo>
+                  <a:pt x="167275" y="22934"/>
+                  <a:pt x="185224" y="9378"/>
+                  <a:pt x="168812" y="0"/>
+                </a:cubicBezTo>
+                <a:close/>
+              </a:path>
+            </a:pathLst>
+          </a:custGeom>
+          <a:solidFill>
+            <a:schemeClr val="bg1"/>
+          </a:solidFill>
+        </p:spPr>
+        <p:style>
+          <a:lnRef idx="2">
+            <a:schemeClr val="accent1">
+              <a:shade val="50000"/>
+            </a:schemeClr>
+          </a:lnRef>
+          <a:fillRef idx="1">
+            <a:schemeClr val="accent1"/>
+          </a:fillRef>
+          <a:effectRef idx="0">
+            <a:schemeClr val="accent1"/>
+          </a:effectRef>
+          <a:fontRef idx="minor">
+            <a:schemeClr val="lt1"/>
+          </a:fontRef>
+        </p:style>
+        <p:txBody>
+          <a:bodyPr rtlCol="0" anchor="ctr"/>
+          <a:lstStyle/>
+          <a:p>
+            <a:pPr algn="ctr"/>
+            <a:endParaRPr lang="en-GB"/>
+          </a:p>
+        </p:txBody>
+      </p:sp>
+      <p:cxnSp>
+        <p:nvCxnSpPr>
+          <p:cNvPr id="69" name="Connettore 4 68"/>
+          <p:cNvCxnSpPr>
+            <a:stCxn id="25" idx="4"/>
+            <a:endCxn id="6" idx="1"/>
+          </p:cNvCxnSpPr>
+          <p:nvPr/>
+        </p:nvCxnSpPr>
+        <p:spPr>
+          <a:xfrm rot="16200000" flipH="1">
+            <a:off x="1287018" y="1458266"/>
+            <a:ext cx="1397591" cy="948812"/>
+          </a:xfrm>
+          <a:prstGeom prst="bentConnector2">
+            <a:avLst/>
+          </a:prstGeom>
+          <a:ln>
+            <a:prstDash val="lgDash"/>
+            <a:tailEnd type="arrow"/>
+          </a:ln>
+        </p:spPr>
+        <p:style>
+          <a:lnRef idx="1">
+            <a:schemeClr val="accent1"/>
+          </a:lnRef>
+          <a:fillRef idx="0">
+            <a:schemeClr val="accent1"/>
+          </a:fillRef>
+          <a:effectRef idx="0">
+            <a:schemeClr val="accent1"/>
+          </a:effectRef>
+          <a:fontRef idx="minor">
+            <a:schemeClr val="tx1"/>
+          </a:fontRef>
+        </p:style>
+      </p:cxnSp>
+      <p:cxnSp>
+        <p:nvCxnSpPr>
+          <p:cNvPr id="79" name="Connettore 1 78"/>
+          <p:cNvCxnSpPr/>
+          <p:nvPr/>
+        </p:nvCxnSpPr>
+        <p:spPr>
+          <a:xfrm>
+            <a:off x="768700" y="4016797"/>
+            <a:ext cx="4654226" cy="0"/>
+          </a:xfrm>
+          <a:prstGeom prst="line">
+            <a:avLst/>
+          </a:prstGeom>
+          <a:ln w="28575">
+            <a:solidFill>
+              <a:srgbClr val="1318ED"/>
+            </a:solidFill>
+          </a:ln>
+        </p:spPr>
+        <p:style>
+          <a:lnRef idx="1">
+            <a:schemeClr val="accent1"/>
+          </a:lnRef>
+          <a:fillRef idx="0">
+            <a:schemeClr val="accent1"/>
+          </a:fillRef>
+          <a:effectRef idx="0">
+            <a:schemeClr val="accent1"/>
+          </a:effectRef>
+          <a:fontRef idx="minor">
+            <a:schemeClr val="tx1"/>
+          </a:fontRef>
+        </p:style>
+      </p:cxnSp>
+      <p:cxnSp>
+        <p:nvCxnSpPr>
+          <p:cNvPr id="80" name="Connettore 1 79"/>
+          <p:cNvCxnSpPr/>
+          <p:nvPr/>
+        </p:nvCxnSpPr>
+        <p:spPr>
+          <a:xfrm>
+            <a:off x="822249" y="1429111"/>
+            <a:ext cx="4456543" cy="0"/>
+          </a:xfrm>
+          <a:prstGeom prst="line">
+            <a:avLst/>
+          </a:prstGeom>
+          <a:ln w="28575">
+            <a:solidFill>
+              <a:srgbClr val="1318ED"/>
+            </a:solidFill>
+          </a:ln>
+        </p:spPr>
+        <p:style>
+          <a:lnRef idx="1">
+            <a:schemeClr val="accent1"/>
+          </a:lnRef>
+          <a:fillRef idx="0">
+            <a:schemeClr val="accent1"/>
+          </a:fillRef>
+          <a:effectRef idx="0">
+            <a:schemeClr val="accent1"/>
+          </a:effectRef>
+          <a:fontRef idx="minor">
+            <a:schemeClr val="tx1"/>
+          </a:fontRef>
+        </p:style>
+      </p:cxnSp>
+      <p:sp>
+        <p:nvSpPr>
+          <p:cNvPr id="83" name="Rettangolo 82"/>
+          <p:cNvSpPr/>
+          <p:nvPr/>
+        </p:nvSpPr>
+        <p:spPr>
+          <a:xfrm>
+            <a:off x="1886267" y="689171"/>
+            <a:ext cx="1466427" cy="646331"/>
+          </a:xfrm>
+          <a:prstGeom prst="rect">
+            <a:avLst/>
+          </a:prstGeom>
+        </p:spPr>
+        <p:txBody>
+          <a:bodyPr wrap="none">
+            <a:spAutoFit/>
+          </a:bodyPr>
+          <a:lstStyle/>
+          <a:p>
+            <a:r>
+              <a:rPr lang="en-GB" dirty="0" err="1"/>
+              <a:t>l</a:t>
+            </a:r>
+            <a:r>
+              <a:rPr lang="en-GB" dirty="0" err="1" smtClean="0"/>
+              <a:t>ocalController</a:t>
+            </a:r>
+            <a:endParaRPr lang="en-GB" dirty="0" smtClean="0"/>
+          </a:p>
+          <a:p>
+            <a:r>
+              <a:rPr lang="en-GB" dirty="0" smtClean="0"/>
+              <a:t>(owner)</a:t>
+            </a:r>
+            <a:endParaRPr lang="en-GB" dirty="0"/>
+          </a:p>
+        </p:txBody>
+      </p:sp>
+      <p:cxnSp>
+        <p:nvCxnSpPr>
+          <p:cNvPr id="84" name="Connettore 4 83"/>
+          <p:cNvCxnSpPr>
+            <a:stCxn id="5" idx="1"/>
+            <a:endCxn id="26" idx="2"/>
+          </p:cNvCxnSpPr>
+          <p:nvPr/>
+        </p:nvCxnSpPr>
+        <p:spPr>
+          <a:xfrm rot="16200000" flipV="1">
+            <a:off x="1354549" y="770751"/>
+            <a:ext cx="1280010" cy="1667452"/>
+          </a:xfrm>
+          <a:prstGeom prst="bentConnector3">
+            <a:avLst>
+              <a:gd name="adj1" fmla="val 50000"/>
+            </a:avLst>
+          </a:prstGeom>
+          <a:ln w="28575">
+            <a:solidFill>
+              <a:srgbClr val="00B050"/>
+            </a:solidFill>
+            <a:prstDash val="sysDot"/>
+            <a:tailEnd type="arrow"/>
+          </a:ln>
+        </p:spPr>
+        <p:style>
+          <a:lnRef idx="1">
+            <a:schemeClr val="accent1"/>
+          </a:lnRef>
+          <a:fillRef idx="0">
+            <a:schemeClr val="accent1"/>
+          </a:fillRef>
+          <a:effectRef idx="0">
+            <a:schemeClr val="accent1"/>
+          </a:effectRef>
+          <a:fontRef idx="minor">
+            <a:schemeClr val="tx1"/>
+          </a:fontRef>
+        </p:style>
+      </p:cxnSp>
+      <p:sp>
+        <p:nvSpPr>
+          <p:cNvPr id="88" name="Rettangolo 87"/>
+          <p:cNvSpPr/>
+          <p:nvPr/>
+        </p:nvSpPr>
+        <p:spPr>
+          <a:xfrm>
+            <a:off x="3420748" y="3430863"/>
+            <a:ext cx="2280048" cy="369332"/>
+          </a:xfrm>
+          <a:prstGeom prst="rect">
+            <a:avLst/>
+          </a:prstGeom>
+        </p:spPr>
+        <p:txBody>
+          <a:bodyPr wrap="none">
+            <a:spAutoFit/>
+          </a:bodyPr>
+          <a:lstStyle/>
+          <a:p>
+            <a:r>
+              <a:rPr lang="en-GB" dirty="0" err="1"/>
+              <a:t>virtualRobotSupportApp</a:t>
+            </a:r>
+            <a:endParaRPr lang="en-GB" dirty="0"/>
+          </a:p>
+        </p:txBody>
+      </p:sp>
+      <p:sp>
+        <p:nvSpPr>
+          <p:cNvPr id="89" name="Rettangolo 88"/>
+          <p:cNvSpPr/>
+          <p:nvPr/>
+        </p:nvSpPr>
+        <p:spPr>
+          <a:xfrm>
+            <a:off x="2899685" y="1482788"/>
+            <a:ext cx="906017" cy="430887"/>
+          </a:xfrm>
+          <a:prstGeom prst="rect">
+            <a:avLst/>
+          </a:prstGeom>
+        </p:spPr>
+        <p:txBody>
+          <a:bodyPr wrap="none">
+            <a:spAutoFit/>
+          </a:bodyPr>
+          <a:lstStyle/>
+          <a:p>
+            <a:r>
+              <a:rPr lang="en-GB" sz="1100" dirty="0" err="1" smtClean="0">
+                <a:latin typeface="Arial" panose="020B0604020202020204" pitchFamily="34" charset="0"/>
+                <a:cs typeface="Arial" panose="020B0604020202020204" pitchFamily="34" charset="0"/>
+              </a:rPr>
+              <a:t>sensorData</a:t>
+            </a:r>
+            <a:endParaRPr lang="en-GB" sz="1100" dirty="0" smtClean="0">
+              <a:latin typeface="Arial" panose="020B0604020202020204" pitchFamily="34" charset="0"/>
+              <a:cs typeface="Arial" panose="020B0604020202020204" pitchFamily="34" charset="0"/>
+            </a:endParaRPr>
+          </a:p>
+          <a:p>
+            <a:r>
+              <a:rPr lang="it-IT" sz="1100" dirty="0" err="1" smtClean="0">
+                <a:latin typeface="Arial" panose="020B0604020202020204" pitchFamily="34" charset="0"/>
+                <a:cs typeface="Arial" panose="020B0604020202020204" pitchFamily="34" charset="0"/>
+              </a:rPr>
+              <a:t>propagated</a:t>
+            </a:r>
+            <a:endParaRPr lang="en-GB" sz="1100" dirty="0">
+              <a:latin typeface="Arial" panose="020B0604020202020204" pitchFamily="34" charset="0"/>
+              <a:cs typeface="Arial" panose="020B0604020202020204" pitchFamily="34" charset="0"/>
+            </a:endParaRPr>
+          </a:p>
+        </p:txBody>
+      </p:sp>
+      <p:grpSp>
+        <p:nvGrpSpPr>
+          <p:cNvPr id="109" name="Gruppo 82">
+            <a:extLst>
+              <a:ext uri="{FF2B5EF4-FFF2-40B4-BE49-F238E27FC236}">
+                <a16:creationId xmlns="" xmlns:a16="http://schemas.microsoft.com/office/drawing/2014/main" id="{12D969AC-9EB0-4CF5-9EE5-D0DD7ACA9C72}"/>
+              </a:ext>
+            </a:extLst>
+          </p:cNvPr>
+          <p:cNvGrpSpPr/>
+          <p:nvPr/>
+        </p:nvGrpSpPr>
+        <p:grpSpPr>
+          <a:xfrm>
+            <a:off x="5729081" y="4254116"/>
+            <a:ext cx="866156" cy="763297"/>
+            <a:chOff x="1194666" y="2417771"/>
+            <a:chExt cx="866156" cy="763297"/>
+          </a:xfrm>
+        </p:grpSpPr>
+        <p:sp>
+          <p:nvSpPr>
+            <p:cNvPr id="110" name="Ovale 38">
+              <a:extLst>
+                <a:ext uri="{FF2B5EF4-FFF2-40B4-BE49-F238E27FC236}">
+                  <a16:creationId xmlns="" xmlns:a16="http://schemas.microsoft.com/office/drawing/2014/main" id="{0EB3DE65-C1E4-4AD3-B909-2646317ECA68}"/>
+                </a:ext>
+              </a:extLst>
+            </p:cNvPr>
+            <p:cNvSpPr/>
+            <p:nvPr/>
+          </p:nvSpPr>
+          <p:spPr>
+            <a:xfrm>
+              <a:off x="1311101" y="2460988"/>
+              <a:ext cx="749721" cy="720080"/>
+            </a:xfrm>
+            <a:prstGeom prst="ellipse">
+              <a:avLst/>
+            </a:prstGeom>
+            <a:solidFill>
+              <a:srgbClr val="FFCCFF"/>
+            </a:solidFill>
+            <a:ln/>
+          </p:spPr>
+          <p:style>
+            <a:lnRef idx="1">
+              <a:schemeClr val="accent5"/>
+            </a:lnRef>
+            <a:fillRef idx="2">
+              <a:schemeClr val="accent5"/>
+            </a:fillRef>
+            <a:effectRef idx="1">
+              <a:schemeClr val="accent5"/>
+            </a:effectRef>
+            <a:fontRef idx="minor">
+              <a:schemeClr val="dk1"/>
+            </a:fontRef>
+          </p:style>
+          <p:txBody>
+            <a:bodyPr rtlCol="0" anchor="ctr"/>
+            <a:lstStyle/>
+            <a:p>
+              <a:pPr algn="ctr"/>
+              <a:r>
+                <a:rPr lang="en-GB" sz="1200" dirty="0"/>
+                <a:t> </a:t>
+              </a:r>
+            </a:p>
+          </p:txBody>
+        </p:sp>
+        <p:sp>
+          <p:nvSpPr>
+            <p:cNvPr id="111" name="Rettangolo 39">
+              <a:extLst>
+                <a:ext uri="{FF2B5EF4-FFF2-40B4-BE49-F238E27FC236}">
+                  <a16:creationId xmlns="" xmlns:a16="http://schemas.microsoft.com/office/drawing/2014/main" id="{AAF0ABD1-BB2B-450B-9369-91FF5B4CE129}"/>
+                </a:ext>
+              </a:extLst>
+            </p:cNvPr>
+            <p:cNvSpPr/>
+            <p:nvPr/>
+          </p:nvSpPr>
+          <p:spPr>
+            <a:xfrm>
+              <a:off x="1194666" y="2699711"/>
+              <a:ext cx="281433" cy="211952"/>
+            </a:xfrm>
+            <a:prstGeom prst="rect">
+              <a:avLst/>
+            </a:prstGeom>
+            <a:solidFill>
+              <a:srgbClr val="FFCCFF"/>
+            </a:solidFill>
+            <a:ln/>
+          </p:spPr>
+          <p:style>
+            <a:lnRef idx="1">
+              <a:schemeClr val="accent5"/>
+            </a:lnRef>
+            <a:fillRef idx="2">
+              <a:schemeClr val="accent5"/>
+            </a:fillRef>
+            <a:effectRef idx="1">
+              <a:schemeClr val="accent5"/>
+            </a:effectRef>
+            <a:fontRef idx="minor">
+              <a:schemeClr val="dk1"/>
+            </a:fontRef>
+          </p:style>
+          <p:txBody>
+            <a:bodyPr rtlCol="0" anchor="ctr"/>
+            <a:lstStyle/>
+            <a:p>
+              <a:pPr algn="ctr"/>
+              <a:endParaRPr lang="en-GB" sz="1200"/>
+            </a:p>
+          </p:txBody>
+        </p:sp>
+        <p:sp>
+          <p:nvSpPr>
+            <p:cNvPr id="112" name="Triangolo isoscele 42">
+              <a:extLst>
+                <a:ext uri="{FF2B5EF4-FFF2-40B4-BE49-F238E27FC236}">
+                  <a16:creationId xmlns="" xmlns:a16="http://schemas.microsoft.com/office/drawing/2014/main" id="{34D1AFB1-88AB-4A6C-9824-2CF6DE11BF7C}"/>
+                </a:ext>
+              </a:extLst>
+            </p:cNvPr>
+            <p:cNvSpPr/>
+            <p:nvPr/>
+          </p:nvSpPr>
+          <p:spPr>
+            <a:xfrm rot="16200000">
+              <a:off x="1618539" y="2391356"/>
+              <a:ext cx="86434" cy="139263"/>
+            </a:xfrm>
+            <a:prstGeom prst="triangle">
+              <a:avLst/>
+            </a:prstGeom>
+            <a:solidFill>
+              <a:srgbClr val="FF0000"/>
+            </a:solidFill>
+            <a:ln/>
+          </p:spPr>
+          <p:style>
+            <a:lnRef idx="1">
+              <a:schemeClr val="accent5"/>
+            </a:lnRef>
+            <a:fillRef idx="2">
+              <a:schemeClr val="accent5"/>
+            </a:fillRef>
+            <a:effectRef idx="1">
+              <a:schemeClr val="accent5"/>
+            </a:effectRef>
+            <a:fontRef idx="minor">
+              <a:schemeClr val="dk1"/>
+            </a:fontRef>
+          </p:style>
+          <p:txBody>
+            <a:bodyPr rtlCol="0" anchor="ctr"/>
+            <a:lstStyle/>
+            <a:p>
+              <a:pPr algn="ctr"/>
+              <a:endParaRPr lang="en-GB" sz="1200">
+                <a:solidFill>
+                  <a:schemeClr val="dk1"/>
+                </a:solidFill>
+              </a:endParaRPr>
+            </a:p>
+          </p:txBody>
+        </p:sp>
+      </p:grpSp>
+      <p:sp>
+        <p:nvSpPr>
+          <p:cNvPr id="113" name="Rettangolo 112"/>
+          <p:cNvSpPr/>
+          <p:nvPr/>
+        </p:nvSpPr>
+        <p:spPr>
+          <a:xfrm>
+            <a:off x="6058762" y="3895386"/>
+            <a:ext cx="1678986" cy="369332"/>
+          </a:xfrm>
+          <a:prstGeom prst="rect">
+            <a:avLst/>
+          </a:prstGeom>
+        </p:spPr>
+        <p:txBody>
+          <a:bodyPr wrap="none">
+            <a:spAutoFit/>
+          </a:bodyPr>
+          <a:lstStyle/>
+          <a:p>
+            <a:r>
+              <a:rPr lang="en-GB" dirty="0" err="1" smtClean="0"/>
+              <a:t>remoteController</a:t>
+            </a:r>
+            <a:endParaRPr lang="en-GB" dirty="0" smtClean="0"/>
+          </a:p>
+        </p:txBody>
+      </p:sp>
+      <p:cxnSp>
+        <p:nvCxnSpPr>
+          <p:cNvPr id="114" name="Connettore 4 113"/>
+          <p:cNvCxnSpPr>
+            <a:stCxn id="110" idx="1"/>
+            <a:endCxn id="14" idx="1"/>
+          </p:cNvCxnSpPr>
+          <p:nvPr/>
+        </p:nvCxnSpPr>
+        <p:spPr>
+          <a:xfrm rot="5400000" flipH="1" flipV="1">
+            <a:off x="4848469" y="3293733"/>
+            <a:ext cx="2215895" cy="2213"/>
+          </a:xfrm>
+          <a:prstGeom prst="bentConnector3">
+            <a:avLst>
+              <a:gd name="adj1" fmla="val 50000"/>
+            </a:avLst>
+          </a:prstGeom>
+          <a:ln>
+            <a:prstDash val="lgDash"/>
+            <a:tailEnd type="arrow"/>
+          </a:ln>
+        </p:spPr>
+        <p:style>
+          <a:lnRef idx="1">
+            <a:schemeClr val="accent1"/>
+          </a:lnRef>
+          <a:fillRef idx="0">
+            <a:schemeClr val="accent1"/>
+          </a:fillRef>
+          <a:effectRef idx="0">
+            <a:schemeClr val="accent1"/>
+          </a:effectRef>
+          <a:fontRef idx="minor">
+            <a:schemeClr val="tx1"/>
+          </a:fontRef>
+        </p:style>
+      </p:cxnSp>
+      <p:sp>
+        <p:nvSpPr>
+          <p:cNvPr id="117" name="Rettangolo 116"/>
+          <p:cNvSpPr/>
+          <p:nvPr/>
+        </p:nvSpPr>
+        <p:spPr>
+          <a:xfrm>
+            <a:off x="5955310" y="2386245"/>
+            <a:ext cx="1289135" cy="646331"/>
+          </a:xfrm>
+          <a:prstGeom prst="rect">
+            <a:avLst/>
+          </a:prstGeom>
+        </p:spPr>
+        <p:txBody>
+          <a:bodyPr wrap="none">
+            <a:spAutoFit/>
+          </a:bodyPr>
+          <a:lstStyle/>
+          <a:p>
+            <a:r>
+              <a:rPr lang="en-GB" dirty="0"/>
+              <a:t>p</a:t>
+            </a:r>
+            <a:r>
+              <a:rPr lang="en-GB" dirty="0" smtClean="0"/>
+              <a:t>ublish</a:t>
+            </a:r>
+          </a:p>
+          <a:p>
+            <a:r>
+              <a:rPr lang="it-IT" dirty="0" smtClean="0"/>
+              <a:t>(a </a:t>
+            </a:r>
+            <a:r>
+              <a:rPr lang="it-IT" dirty="0" err="1" smtClean="0"/>
+              <a:t>command</a:t>
+            </a:r>
+            <a:r>
+              <a:rPr lang="it-IT" dirty="0" smtClean="0"/>
+              <a:t>)</a:t>
+            </a:r>
+            <a:endParaRPr lang="en-GB" dirty="0"/>
+          </a:p>
+        </p:txBody>
+      </p:sp>
+      <p:sp>
+        <p:nvSpPr>
+          <p:cNvPr id="129" name="Rettangolo 128"/>
+          <p:cNvSpPr/>
+          <p:nvPr/>
+        </p:nvSpPr>
+        <p:spPr>
+          <a:xfrm>
+            <a:off x="606593" y="2538645"/>
+            <a:ext cx="1008609" cy="646331"/>
+          </a:xfrm>
+          <a:prstGeom prst="rect">
+            <a:avLst/>
+          </a:prstGeom>
+        </p:spPr>
+        <p:txBody>
+          <a:bodyPr wrap="none">
+            <a:spAutoFit/>
+          </a:bodyPr>
+          <a:lstStyle/>
+          <a:p>
+            <a:r>
+              <a:rPr lang="it-IT" dirty="0" err="1" smtClean="0"/>
+              <a:t>command</a:t>
+            </a:r>
+            <a:endParaRPr lang="it-IT" dirty="0"/>
+          </a:p>
+          <a:p>
+            <a:r>
+              <a:rPr lang="it-IT" dirty="0" err="1" smtClean="0"/>
+              <a:t>dispacth</a:t>
+            </a:r>
+            <a:endParaRPr lang="en-GB" dirty="0"/>
+          </a:p>
+        </p:txBody>
+      </p:sp>
+    </p:spTree>
+    <p:extLst>
+      <p:ext uri="{BB962C8B-B14F-4D97-AF65-F5344CB8AC3E}">
+        <p14:creationId xmlns:p14="http://schemas.microsoft.com/office/powerpoint/2010/main" val="1986210590"/>
+      </p:ext>
+    </p:extLst>
+  </p:cSld>
+  <p:clrMapOvr>
+    <a:masterClrMapping/>
+  </p:clrMapOvr>
+</p:sld>
+</file>
+
+<file path=ppt/slides/slide39.xml><?xml version="1.0" encoding="utf-8"?>
 <p:sld xmlns:a="http://schemas.openxmlformats.org/drawingml/2006/main" xmlns:r="http://schemas.openxmlformats.org/officeDocument/2006/relationships" xmlns:p="http://schemas.openxmlformats.org/presentationml/2006/main">
   <p:cSld>
     <p:spTree>
@@ -32139,7 +35011,7 @@
           <a:p>
             <a:fld id="{6F6A5AB3-AF76-4EC9-853D-D4C335162C13}" type="slidenum">
               <a:rPr lang="en-GB" smtClean="0"/>
-              <a:t>37</a:t>
+              <a:t>39</a:t>
             </a:fld>
             <a:endParaRPr lang="en-GB"/>
           </a:p>
@@ -33004,7 +35876,7 @@
 </p:sld>
 </file>
 
-<file path=ppt/slides/slide38.xml><?xml version="1.0" encoding="utf-8"?>
+<file path=ppt/slides/slide4.xml><?xml version="1.0" encoding="utf-8"?>
 <p:sld xmlns:a="http://schemas.openxmlformats.org/drawingml/2006/main" xmlns:r="http://schemas.openxmlformats.org/officeDocument/2006/relationships" xmlns:p="http://schemas.openxmlformats.org/presentationml/2006/main">
   <p:cSld>
     <p:spTree>
@@ -33023,6 +35895,228 @@
       </p:grpSpPr>
       <p:sp>
         <p:nvSpPr>
+          <p:cNvPr id="2" name="Titolo 1"/>
+          <p:cNvSpPr>
+            <a:spLocks noGrp="1"/>
+          </p:cNvSpPr>
+          <p:nvPr>
+            <p:ph type="title"/>
+          </p:nvPr>
+        </p:nvSpPr>
+        <p:spPr/>
+        <p:txBody>
+          <a:bodyPr/>
+          <a:lstStyle/>
+          <a:p>
+            <a:r>
+              <a:rPr lang="it-IT" dirty="0"/>
+              <a:t>INGEGNERE</a:t>
+            </a:r>
+            <a:endParaRPr lang="en-GB" dirty="0"/>
+          </a:p>
+        </p:txBody>
+      </p:sp>
+      <p:sp>
+        <p:nvSpPr>
+          <p:cNvPr id="4" name="Segnaposto piè di pagina 3"/>
+          <p:cNvSpPr>
+            <a:spLocks noGrp="1"/>
+          </p:cNvSpPr>
+          <p:nvPr>
+            <p:ph type="ftr" sz="quarter" idx="11"/>
+          </p:nvPr>
+        </p:nvSpPr>
+        <p:spPr/>
+        <p:txBody>
+          <a:bodyPr/>
+          <a:lstStyle/>
+          <a:p>
+            <a:r>
+              <a:rPr lang="it-IT"/>
+              <a:t>ANatali  - DISI - ISSM2020  Univeristy of Bologna</a:t>
+            </a:r>
+            <a:endParaRPr lang="en-GB"/>
+          </a:p>
+        </p:txBody>
+      </p:sp>
+      <p:sp>
+        <p:nvSpPr>
+          <p:cNvPr id="3" name="Segnaposto contenuto 2"/>
+          <p:cNvSpPr>
+            <a:spLocks noGrp="1"/>
+          </p:cNvSpPr>
+          <p:nvPr>
+            <p:ph sz="quarter" idx="1"/>
+          </p:nvPr>
+        </p:nvSpPr>
+        <p:spPr/>
+        <p:txBody>
+          <a:bodyPr>
+            <a:normAutofit lnSpcReduction="10000"/>
+          </a:bodyPr>
+          <a:lstStyle/>
+          <a:p>
+            <a:r>
+              <a:rPr lang="it-IT" sz="4400" dirty="0"/>
+              <a:t>Realizza </a:t>
+            </a:r>
+            <a:r>
+              <a:rPr lang="it-IT" sz="4400" dirty="0">
+                <a:solidFill>
+                  <a:srgbClr val="C00000"/>
+                </a:solidFill>
+              </a:rPr>
+              <a:t>progetti</a:t>
+            </a:r>
+          </a:p>
+          <a:p>
+            <a:r>
+              <a:rPr lang="it-IT" dirty="0"/>
+              <a:t>Da cui si realizzano </a:t>
+            </a:r>
+            <a:r>
+              <a:rPr lang="it-IT" dirty="0">
+                <a:solidFill>
+                  <a:srgbClr val="0070C0"/>
+                </a:solidFill>
+              </a:rPr>
+              <a:t>prodotti</a:t>
+            </a:r>
+          </a:p>
+          <a:p>
+            <a:r>
+              <a:rPr lang="it-IT" dirty="0"/>
+              <a:t>Partendo da una </a:t>
+            </a:r>
+            <a:r>
+              <a:rPr lang="it-IT" dirty="0">
+                <a:solidFill>
+                  <a:srgbClr val="C00000"/>
+                </a:solidFill>
+              </a:rPr>
+              <a:t>analisi del problema </a:t>
+            </a:r>
+            <a:r>
+              <a:rPr lang="it-IT" dirty="0"/>
+              <a:t>dato</a:t>
+            </a:r>
+          </a:p>
+          <a:p>
+            <a:r>
+              <a:rPr lang="it-IT" dirty="0"/>
+              <a:t>Definito da un insieme di </a:t>
+            </a:r>
+            <a:r>
+              <a:rPr lang="it-IT" dirty="0">
+                <a:solidFill>
+                  <a:srgbClr val="C00000"/>
+                </a:solidFill>
+              </a:rPr>
+              <a:t>requisiti</a:t>
+            </a:r>
+          </a:p>
+          <a:p>
+            <a:pPr marL="0" indent="0">
+              <a:buNone/>
+            </a:pPr>
+            <a:r>
+              <a:rPr lang="it-IT" dirty="0">
+                <a:solidFill>
+                  <a:srgbClr val="0070C0"/>
+                </a:solidFill>
+              </a:rPr>
+              <a:t>PROBLEMA</a:t>
+            </a:r>
+          </a:p>
+          <a:p>
+            <a:pPr marL="0" indent="0">
+              <a:buNone/>
+            </a:pPr>
+            <a:r>
+              <a:rPr lang="it-IT" sz="2400" dirty="0"/>
+              <a:t>Difficoltà che richiede un adattamento o un comportamento particolare, o di cui si impone il superamento.</a:t>
+            </a:r>
+          </a:p>
+          <a:p>
+            <a:pPr marL="0" indent="0">
+              <a:buNone/>
+            </a:pPr>
+            <a:r>
+              <a:rPr lang="it-IT" dirty="0">
+                <a:solidFill>
+                  <a:srgbClr val="0070C0"/>
+                </a:solidFill>
+              </a:rPr>
+              <a:t>PROBLEMATICA</a:t>
+            </a:r>
+          </a:p>
+          <a:p>
+            <a:pPr marL="0" indent="0">
+              <a:buNone/>
+            </a:pPr>
+            <a:r>
+              <a:rPr lang="it-IT" sz="2400" dirty="0"/>
+              <a:t>Complesso dei temi presi in considerazione in rapporto a determinati rami del sapere o a determinati interessi.</a:t>
+            </a:r>
+            <a:endParaRPr lang="en-GB" sz="2400" dirty="0"/>
+          </a:p>
+        </p:txBody>
+      </p:sp>
+      <p:sp>
+        <p:nvSpPr>
+          <p:cNvPr id="5" name="Segnaposto numero diapositiva 4"/>
+          <p:cNvSpPr>
+            <a:spLocks noGrp="1"/>
+          </p:cNvSpPr>
+          <p:nvPr>
+            <p:ph type="sldNum" sz="quarter" idx="12"/>
+          </p:nvPr>
+        </p:nvSpPr>
+        <p:spPr/>
+        <p:txBody>
+          <a:bodyPr/>
+          <a:lstStyle/>
+          <a:p>
+            <a:fld id="{6F6A5AB3-AF76-4EC9-853D-D4C335162C13}" type="slidenum">
+              <a:rPr lang="en-GB" smtClean="0"/>
+              <a:t>4</a:t>
+            </a:fld>
+            <a:endParaRPr lang="en-GB"/>
+          </a:p>
+        </p:txBody>
+      </p:sp>
+    </p:spTree>
+    <p:extLst>
+      <p:ext uri="{BB962C8B-B14F-4D97-AF65-F5344CB8AC3E}">
+        <p14:creationId xmlns:p14="http://schemas.microsoft.com/office/powerpoint/2010/main" val="1922378021"/>
+      </p:ext>
+    </p:extLst>
+  </p:cSld>
+  <p:clrMapOvr>
+    <a:masterClrMapping/>
+  </p:clrMapOvr>
+</p:sld>
+</file>
+
+<file path=ppt/slides/slide40.xml><?xml version="1.0" encoding="utf-8"?>
+<p:sld xmlns:a="http://schemas.openxmlformats.org/drawingml/2006/main" xmlns:r="http://schemas.openxmlformats.org/officeDocument/2006/relationships" xmlns:p="http://schemas.openxmlformats.org/presentationml/2006/main">
+  <p:cSld>
+    <p:spTree>
+      <p:nvGrpSpPr>
+        <p:cNvPr id="1" name=""/>
+        <p:cNvGrpSpPr/>
+        <p:nvPr/>
+      </p:nvGrpSpPr>
+      <p:grpSpPr>
+        <a:xfrm>
+          <a:off x="0" y="0"/>
+          <a:ext cx="0" cy="0"/>
+          <a:chOff x="0" y="0"/>
+          <a:chExt cx="0" cy="0"/>
+        </a:xfrm>
+      </p:grpSpPr>
+      <p:sp>
+        <p:nvSpPr>
           <p:cNvPr id="2" name="Segnaposto piè di pagina 1"/>
           <p:cNvSpPr>
             <a:spLocks noGrp="1"/>
@@ -33061,7 +36155,7 @@
           <a:p>
             <a:fld id="{6F6A5AB3-AF76-4EC9-853D-D4C335162C13}" type="slidenum">
               <a:rPr lang="en-GB" smtClean="0"/>
-              <a:t>38</a:t>
+              <a:t>40</a:t>
             </a:fld>
             <a:endParaRPr lang="en-GB"/>
           </a:p>
@@ -33254,228 +36348,6 @@
       </p:par>
     </p:tnLst>
   </p:timing>
-</p:sld>
-</file>
-
-<file path=ppt/slides/slide4.xml><?xml version="1.0" encoding="utf-8"?>
-<p:sld xmlns:a="http://schemas.openxmlformats.org/drawingml/2006/main" xmlns:r="http://schemas.openxmlformats.org/officeDocument/2006/relationships" xmlns:p="http://schemas.openxmlformats.org/presentationml/2006/main">
-  <p:cSld>
-    <p:spTree>
-      <p:nvGrpSpPr>
-        <p:cNvPr id="1" name=""/>
-        <p:cNvGrpSpPr/>
-        <p:nvPr/>
-      </p:nvGrpSpPr>
-      <p:grpSpPr>
-        <a:xfrm>
-          <a:off x="0" y="0"/>
-          <a:ext cx="0" cy="0"/>
-          <a:chOff x="0" y="0"/>
-          <a:chExt cx="0" cy="0"/>
-        </a:xfrm>
-      </p:grpSpPr>
-      <p:sp>
-        <p:nvSpPr>
-          <p:cNvPr id="2" name="Titolo 1"/>
-          <p:cNvSpPr>
-            <a:spLocks noGrp="1"/>
-          </p:cNvSpPr>
-          <p:nvPr>
-            <p:ph type="title"/>
-          </p:nvPr>
-        </p:nvSpPr>
-        <p:spPr/>
-        <p:txBody>
-          <a:bodyPr/>
-          <a:lstStyle/>
-          <a:p>
-            <a:r>
-              <a:rPr lang="it-IT" dirty="0"/>
-              <a:t>INGEGNERE</a:t>
-            </a:r>
-            <a:endParaRPr lang="en-GB" dirty="0"/>
-          </a:p>
-        </p:txBody>
-      </p:sp>
-      <p:sp>
-        <p:nvSpPr>
-          <p:cNvPr id="4" name="Segnaposto piè di pagina 3"/>
-          <p:cNvSpPr>
-            <a:spLocks noGrp="1"/>
-          </p:cNvSpPr>
-          <p:nvPr>
-            <p:ph type="ftr" sz="quarter" idx="11"/>
-          </p:nvPr>
-        </p:nvSpPr>
-        <p:spPr/>
-        <p:txBody>
-          <a:bodyPr/>
-          <a:lstStyle/>
-          <a:p>
-            <a:r>
-              <a:rPr lang="it-IT"/>
-              <a:t>ANatali  - DISI - ISSM2020  Univeristy of Bologna</a:t>
-            </a:r>
-            <a:endParaRPr lang="en-GB"/>
-          </a:p>
-        </p:txBody>
-      </p:sp>
-      <p:sp>
-        <p:nvSpPr>
-          <p:cNvPr id="3" name="Segnaposto contenuto 2"/>
-          <p:cNvSpPr>
-            <a:spLocks noGrp="1"/>
-          </p:cNvSpPr>
-          <p:nvPr>
-            <p:ph sz="quarter" idx="1"/>
-          </p:nvPr>
-        </p:nvSpPr>
-        <p:spPr/>
-        <p:txBody>
-          <a:bodyPr>
-            <a:normAutofit lnSpcReduction="10000"/>
-          </a:bodyPr>
-          <a:lstStyle/>
-          <a:p>
-            <a:r>
-              <a:rPr lang="it-IT" sz="4400" dirty="0"/>
-              <a:t>Realizza </a:t>
-            </a:r>
-            <a:r>
-              <a:rPr lang="it-IT" sz="4400" dirty="0">
-                <a:solidFill>
-                  <a:srgbClr val="C00000"/>
-                </a:solidFill>
-              </a:rPr>
-              <a:t>progetti</a:t>
-            </a:r>
-          </a:p>
-          <a:p>
-            <a:r>
-              <a:rPr lang="it-IT" dirty="0"/>
-              <a:t>Da cui si realizzano </a:t>
-            </a:r>
-            <a:r>
-              <a:rPr lang="it-IT" dirty="0">
-                <a:solidFill>
-                  <a:srgbClr val="0070C0"/>
-                </a:solidFill>
-              </a:rPr>
-              <a:t>prodotti</a:t>
-            </a:r>
-          </a:p>
-          <a:p>
-            <a:r>
-              <a:rPr lang="it-IT" dirty="0"/>
-              <a:t>Partendo da una </a:t>
-            </a:r>
-            <a:r>
-              <a:rPr lang="it-IT" dirty="0">
-                <a:solidFill>
-                  <a:srgbClr val="C00000"/>
-                </a:solidFill>
-              </a:rPr>
-              <a:t>analisi del problema </a:t>
-            </a:r>
-            <a:r>
-              <a:rPr lang="it-IT" dirty="0"/>
-              <a:t>dato</a:t>
-            </a:r>
-          </a:p>
-          <a:p>
-            <a:r>
-              <a:rPr lang="it-IT" dirty="0"/>
-              <a:t>Definito da un insieme di </a:t>
-            </a:r>
-            <a:r>
-              <a:rPr lang="it-IT" dirty="0">
-                <a:solidFill>
-                  <a:srgbClr val="C00000"/>
-                </a:solidFill>
-              </a:rPr>
-              <a:t>requisiti</a:t>
-            </a:r>
-          </a:p>
-          <a:p>
-            <a:pPr marL="0" indent="0">
-              <a:buNone/>
-            </a:pPr>
-            <a:r>
-              <a:rPr lang="it-IT" dirty="0">
-                <a:solidFill>
-                  <a:srgbClr val="0070C0"/>
-                </a:solidFill>
-              </a:rPr>
-              <a:t>PROBLEMA</a:t>
-            </a:r>
-          </a:p>
-          <a:p>
-            <a:pPr marL="0" indent="0">
-              <a:buNone/>
-            </a:pPr>
-            <a:r>
-              <a:rPr lang="it-IT" sz="2400" dirty="0"/>
-              <a:t>Difficoltà che richiede un adattamento o un comportamento particolare, o di cui si impone il superamento.</a:t>
-            </a:r>
-          </a:p>
-          <a:p>
-            <a:pPr marL="0" indent="0">
-              <a:buNone/>
-            </a:pPr>
-            <a:r>
-              <a:rPr lang="it-IT" dirty="0">
-                <a:solidFill>
-                  <a:srgbClr val="0070C0"/>
-                </a:solidFill>
-              </a:rPr>
-              <a:t>PROBLEMATICA</a:t>
-            </a:r>
-          </a:p>
-          <a:p>
-            <a:pPr marL="0" indent="0">
-              <a:buNone/>
-            </a:pPr>
-            <a:r>
-              <a:rPr lang="it-IT" sz="2400" dirty="0"/>
-              <a:t>Complesso dei temi presi in considerazione in rapporto a determinati rami del sapere o a determinati interessi.</a:t>
-            </a:r>
-            <a:endParaRPr lang="en-GB" sz="2400" dirty="0"/>
-          </a:p>
-        </p:txBody>
-      </p:sp>
-      <p:sp>
-        <p:nvSpPr>
-          <p:cNvPr id="5" name="Segnaposto numero diapositiva 4"/>
-          <p:cNvSpPr>
-            <a:spLocks noGrp="1"/>
-          </p:cNvSpPr>
-          <p:nvPr>
-            <p:ph type="sldNum" sz="quarter" idx="12"/>
-          </p:nvPr>
-        </p:nvSpPr>
-        <p:spPr/>
-        <p:txBody>
-          <a:bodyPr/>
-          <a:lstStyle/>
-          <a:p>
-            <a:fld id="{6F6A5AB3-AF76-4EC9-853D-D4C335162C13}" type="slidenum">
-              <a:rPr lang="en-GB" smtClean="0"/>
-              <a:t>4</a:t>
-            </a:fld>
-            <a:endParaRPr lang="en-GB"/>
-          </a:p>
-        </p:txBody>
-      </p:sp>
-    </p:spTree>
-    <p:extLst>
-      <p:ext uri="{BB962C8B-B14F-4D97-AF65-F5344CB8AC3E}">
-        <p14:creationId xmlns:p14="http://schemas.microsoft.com/office/powerpoint/2010/main" val="1922378021"/>
-      </p:ext>
-    </p:extLst>
-  </p:cSld>
-  <p:clrMapOvr>
-    <a:masterClrMapping/>
-  </p:clrMapOvr>
 </p:sld>
 </file>
 

--- a/it.unibo.issLabStart/userDocs/ISSM2020.pptx
+++ b/it.unibo.issLabStart/userDocs/ISSM2020.pptx
@@ -5,10 +5,10 @@
     <p:sldMasterId id="2147483804" r:id="rId1"/>
   </p:sldMasterIdLst>
   <p:notesMasterIdLst>
-    <p:notesMasterId r:id="rId42"/>
+    <p:notesMasterId r:id="rId43"/>
   </p:notesMasterIdLst>
   <p:handoutMasterIdLst>
-    <p:handoutMasterId r:id="rId43"/>
+    <p:handoutMasterId r:id="rId44"/>
   </p:handoutMasterIdLst>
   <p:sldIdLst>
     <p:sldId id="256" r:id="rId2"/>
@@ -47,10 +47,11 @@
     <p:sldId id="295" r:id="rId35"/>
     <p:sldId id="291" r:id="rId36"/>
     <p:sldId id="293" r:id="rId37"/>
-    <p:sldId id="296" r:id="rId38"/>
-    <p:sldId id="297" r:id="rId39"/>
-    <p:sldId id="281" r:id="rId40"/>
-    <p:sldId id="290" r:id="rId41"/>
+    <p:sldId id="298" r:id="rId38"/>
+    <p:sldId id="296" r:id="rId39"/>
+    <p:sldId id="297" r:id="rId40"/>
+    <p:sldId id="281" r:id="rId41"/>
+    <p:sldId id="290" r:id="rId42"/>
   </p:sldIdLst>
   <p:sldSz cx="9144000" cy="6858000" type="screen4x3"/>
   <p:notesSz cx="6858000" cy="9144000"/>
@@ -872,7 +873,7 @@
           <a:p>
             <a:fld id="{5D547B64-7F69-451B-8351-3B4EE3E72C48}" type="slidenum">
               <a:rPr lang="en-GB" smtClean="0"/>
-              <a:t>40</a:t>
+              <a:t>41</a:t>
             </a:fld>
             <a:endParaRPr lang="en-GB"/>
           </a:p>
@@ -31311,7 +31312,7 @@
         </p:nvSpPr>
         <p:spPr>
           <a:xfrm>
-            <a:off x="3659988" y="4710184"/>
+            <a:off x="3750397" y="4700892"/>
             <a:ext cx="1226618" cy="369332"/>
           </a:xfrm>
           <a:prstGeom prst="rect">
@@ -31349,6 +31350,9 @@
             </a:avLst>
           </a:prstGeom>
           <a:ln>
+            <a:solidFill>
+              <a:srgbClr val="00B050"/>
+            </a:solidFill>
             <a:prstDash val="lgDash"/>
             <a:tailEnd type="arrow"/>
           </a:ln>
@@ -31894,6 +31898,40 @@
             <a:avLst/>
           </a:prstGeom>
           <a:ln>
+            <a:tailEnd type="arrow"/>
+          </a:ln>
+        </p:spPr>
+        <p:style>
+          <a:lnRef idx="1">
+            <a:schemeClr val="accent1"/>
+          </a:lnRef>
+          <a:fillRef idx="0">
+            <a:schemeClr val="accent1"/>
+          </a:fillRef>
+          <a:effectRef idx="0">
+            <a:schemeClr val="accent1"/>
+          </a:effectRef>
+          <a:fontRef idx="minor">
+            <a:schemeClr val="tx1"/>
+          </a:fontRef>
+        </p:style>
+      </p:cxnSp>
+      <p:cxnSp>
+        <p:nvCxnSpPr>
+          <p:cNvPr id="16" name="Connettore 2 15"/>
+          <p:cNvCxnSpPr/>
+          <p:nvPr/>
+        </p:nvCxnSpPr>
+        <p:spPr>
+          <a:xfrm>
+            <a:off x="4813002" y="4843252"/>
+            <a:ext cx="723640" cy="0"/>
+          </a:xfrm>
+          <a:prstGeom prst="straightConnector1">
+            <a:avLst/>
+          </a:prstGeom>
+          <a:ln>
+            <a:prstDash val="lgDash"/>
             <a:tailEnd type="arrow"/>
           </a:ln>
         </p:spPr>
@@ -31944,41 +31982,41 @@
       </p:grpSpPr>
       <p:sp>
         <p:nvSpPr>
-          <p:cNvPr id="10" name="Ovale 33">
-            <a:extLst>
-              <a:ext uri="{FF2B5EF4-FFF2-40B4-BE49-F238E27FC236}">
-                <a16:creationId xmlns="" xmlns:a16="http://schemas.microsoft.com/office/drawing/2014/main" id="{A4E6BBEC-1E11-48AC-9881-2BCB8F6CF48A}"/>
-              </a:ext>
-            </a:extLst>
-          </p:cNvPr>
+          <p:cNvPr id="56" name="Ovale 55"/>
           <p:cNvSpPr/>
           <p:nvPr/>
         </p:nvSpPr>
         <p:spPr>
           <a:xfrm>
-            <a:off x="2689011" y="1420726"/>
-            <a:ext cx="507973" cy="462261"/>
+            <a:off x="3589398" y="4505900"/>
+            <a:ext cx="288032" cy="225757"/>
           </a:xfrm>
           <a:prstGeom prst="ellipse">
             <a:avLst/>
           </a:prstGeom>
           <a:solidFill>
-            <a:srgbClr val="CCFF66"/>
+            <a:schemeClr val="bg1"/>
           </a:solidFill>
-          <a:ln/>
+          <a:ln>
+            <a:solidFill>
+              <a:schemeClr val="bg1"/>
+            </a:solidFill>
+          </a:ln>
         </p:spPr>
         <p:style>
-          <a:lnRef idx="1">
-            <a:schemeClr val="accent5"/>
+          <a:lnRef idx="2">
+            <a:schemeClr val="accent1">
+              <a:shade val="50000"/>
+            </a:schemeClr>
           </a:lnRef>
-          <a:fillRef idx="2">
-            <a:schemeClr val="accent5"/>
+          <a:fillRef idx="1">
+            <a:schemeClr val="accent1"/>
           </a:fillRef>
-          <a:effectRef idx="1">
-            <a:schemeClr val="accent5"/>
+          <a:effectRef idx="0">
+            <a:schemeClr val="accent1"/>
           </a:effectRef>
           <a:fontRef idx="minor">
-            <a:schemeClr val="dk1"/>
+            <a:schemeClr val="lt1"/>
           </a:fontRef>
         </p:style>
         <p:txBody>
@@ -31986,10 +32024,7 @@
           <a:lstStyle/>
           <a:p>
             <a:pPr algn="ctr"/>
-            <a:r>
-              <a:rPr lang="en-GB" sz="1200" dirty="0"/>
-              <a:t> </a:t>
-            </a:r>
+            <a:endParaRPr lang="en-GB"/>
           </a:p>
         </p:txBody>
       </p:sp>
@@ -32041,7 +32076,7 @@
       </p:sp>
       <p:grpSp>
         <p:nvGrpSpPr>
-          <p:cNvPr id="4" name="Gruppo 82">
+          <p:cNvPr id="30" name="Gruppo 82">
             <a:extLst>
               <a:ext uri="{FF2B5EF4-FFF2-40B4-BE49-F238E27FC236}">
                 <a16:creationId xmlns="" xmlns:a16="http://schemas.microsoft.com/office/drawing/2014/main" id="{12D969AC-9EB0-4CF5-9EE5-D0DD7ACA9C72}"/>
@@ -32053,15 +32088,15 @@
         </p:nvGrpSpPr>
         <p:grpSpPr>
           <a:xfrm>
-            <a:off x="1562086" y="926908"/>
-            <a:ext cx="1409184" cy="1234655"/>
+            <a:off x="5574825" y="4349360"/>
+            <a:ext cx="866156" cy="763297"/>
             <a:chOff x="1194666" y="2417771"/>
             <a:chExt cx="866156" cy="763297"/>
           </a:xfrm>
         </p:grpSpPr>
         <p:sp>
           <p:nvSpPr>
-            <p:cNvPr id="5" name="Ovale 38">
+            <p:cNvPr id="31" name="Ovale 38">
               <a:extLst>
                 <a:ext uri="{FF2B5EF4-FFF2-40B4-BE49-F238E27FC236}">
                   <a16:creationId xmlns="" xmlns:a16="http://schemas.microsoft.com/office/drawing/2014/main" id="{0EB3DE65-C1E4-4AD3-B909-2646317ECA68}"/>
@@ -32112,7 +32147,7 @@
         </p:sp>
         <p:sp>
           <p:nvSpPr>
-            <p:cNvPr id="6" name="Rettangolo 39">
+            <p:cNvPr id="32" name="Rettangolo 39">
               <a:extLst>
                 <a:ext uri="{FF2B5EF4-FFF2-40B4-BE49-F238E27FC236}">
                   <a16:creationId xmlns="" xmlns:a16="http://schemas.microsoft.com/office/drawing/2014/main" id="{AAF0ABD1-BB2B-450B-9369-91FF5B4CE129}"/>
@@ -32160,7 +32195,7 @@
         </p:sp>
         <p:sp>
           <p:nvSpPr>
-            <p:cNvPr id="7" name="Triangolo isoscele 42">
+            <p:cNvPr id="33" name="Triangolo isoscele 42">
               <a:extLst>
                 <a:ext uri="{FF2B5EF4-FFF2-40B4-BE49-F238E27FC236}">
                   <a16:creationId xmlns="" xmlns:a16="http://schemas.microsoft.com/office/drawing/2014/main" id="{34D1AFB1-88AB-4A6C-9824-2CF6DE11BF7C}"/>
@@ -32213,13 +32248,13 @@
       </p:grpSp>
       <p:sp>
         <p:nvSpPr>
-          <p:cNvPr id="8" name="Rettangolo 7"/>
+          <p:cNvPr id="34" name="Rettangolo 33"/>
           <p:cNvSpPr/>
           <p:nvPr/>
         </p:nvSpPr>
         <p:spPr>
           <a:xfrm>
-            <a:off x="1912881" y="1150492"/>
+            <a:off x="4688041" y="4929290"/>
             <a:ext cx="1044838" cy="369332"/>
           </a:xfrm>
           <a:prstGeom prst="rect">
@@ -32240,103 +32275,16 @@
           </a:p>
         </p:txBody>
       </p:sp>
-      <p:sp>
-        <p:nvSpPr>
-          <p:cNvPr id="12" name="Rettangolo 11"/>
-          <p:cNvSpPr/>
-          <p:nvPr/>
-        </p:nvSpPr>
-        <p:spPr>
-          <a:xfrm>
-            <a:off x="3196984" y="1328690"/>
-            <a:ext cx="1263616" cy="646331"/>
-          </a:xfrm>
-          <a:prstGeom prst="rect">
-            <a:avLst/>
-          </a:prstGeom>
-        </p:spPr>
-        <p:txBody>
-          <a:bodyPr wrap="none">
-            <a:spAutoFit/>
-          </a:bodyPr>
-          <a:lstStyle/>
-          <a:p>
-            <a:r>
-              <a:rPr lang="en-GB" dirty="0"/>
-              <a:t>e</a:t>
-            </a:r>
-            <a:r>
-              <a:rPr lang="en-GB" dirty="0" smtClean="0"/>
-              <a:t>mbedded</a:t>
-            </a:r>
-          </a:p>
-          <a:p>
-            <a:r>
-              <a:rPr lang="en-GB" dirty="0" err="1" smtClean="0"/>
-              <a:t>mqttSupport</a:t>
-            </a:r>
-            <a:endParaRPr lang="en-GB" dirty="0"/>
-          </a:p>
-        </p:txBody>
-      </p:sp>
-      <p:sp>
-        <p:nvSpPr>
-          <p:cNvPr id="33" name="Ovale 33">
-            <a:extLst>
-              <a:ext uri="{FF2B5EF4-FFF2-40B4-BE49-F238E27FC236}">
-                <a16:creationId xmlns="" xmlns:a16="http://schemas.microsoft.com/office/drawing/2014/main" id="{A4E6BBEC-1E11-48AC-9881-2BCB8F6CF48A}"/>
-              </a:ext>
-            </a:extLst>
-          </p:cNvPr>
-          <p:cNvSpPr/>
-          <p:nvPr/>
-        </p:nvSpPr>
-        <p:spPr>
-          <a:xfrm>
-            <a:off x="5127666" y="5965195"/>
-            <a:ext cx="595127" cy="519971"/>
-          </a:xfrm>
-          <a:prstGeom prst="ellipse">
-            <a:avLst/>
-          </a:prstGeom>
-          <a:ln/>
-        </p:spPr>
-        <p:style>
-          <a:lnRef idx="1">
-            <a:schemeClr val="accent5"/>
-          </a:lnRef>
-          <a:fillRef idx="2">
-            <a:schemeClr val="accent5"/>
-          </a:fillRef>
-          <a:effectRef idx="1">
-            <a:schemeClr val="accent5"/>
-          </a:effectRef>
-          <a:fontRef idx="minor">
-            <a:schemeClr val="dk1"/>
-          </a:fontRef>
-        </p:style>
-        <p:txBody>
-          <a:bodyPr rtlCol="0" anchor="ctr"/>
-          <a:lstStyle/>
-          <a:p>
-            <a:pPr algn="ctr"/>
-            <a:r>
-              <a:rPr lang="en-GB" sz="1200" dirty="0"/>
-              <a:t> </a:t>
-            </a:r>
-          </a:p>
-        </p:txBody>
-      </p:sp>
       <p:grpSp>
         <p:nvGrpSpPr>
-          <p:cNvPr id="34" name="Gruppo 33"/>
+          <p:cNvPr id="38" name="Gruppo 37"/>
           <p:cNvGrpSpPr/>
           <p:nvPr/>
         </p:nvGrpSpPr>
         <p:grpSpPr>
           <a:xfrm>
-            <a:off x="2278392" y="2182360"/>
-            <a:ext cx="543053" cy="493108"/>
+            <a:off x="6453564" y="4350144"/>
+            <a:ext cx="749721" cy="720080"/>
             <a:chOff x="4403491" y="4276791"/>
             <a:chExt cx="749721" cy="720080"/>
           </a:xfrm>
@@ -32441,8 +32389,8 @@
         </p:nvSpPr>
         <p:spPr>
           <a:xfrm>
-            <a:off x="870885" y="2082591"/>
-            <a:ext cx="906017" cy="261610"/>
+            <a:off x="6942519" y="5049987"/>
+            <a:ext cx="1683474" cy="261610"/>
           </a:xfrm>
           <a:prstGeom prst="rect">
             <a:avLst/>
@@ -32459,7 +32407,7 @@
                 <a:latin typeface="Arial" panose="020B0604020202020204" pitchFamily="34" charset="0"/>
                 <a:cs typeface="Arial" panose="020B0604020202020204" pitchFamily="34" charset="0"/>
               </a:rPr>
-              <a:t>sensorData</a:t>
+              <a:t>virtualRobotSupportApp</a:t>
             </a:r>
             <a:endParaRPr lang="en-GB" sz="1100" dirty="0">
               <a:latin typeface="Arial" panose="020B0604020202020204" pitchFamily="34" charset="0"/>
@@ -32470,13 +32418,76 @@
       </p:sp>
       <p:sp>
         <p:nvSpPr>
-          <p:cNvPr id="38" name="Ovale 37"/>
+          <p:cNvPr id="48" name="Rettangolo 47"/>
           <p:cNvSpPr/>
           <p:nvPr/>
         </p:nvSpPr>
         <p:spPr>
           <a:xfrm>
-            <a:off x="2247397" y="3152217"/>
+            <a:off x="4310024" y="4405543"/>
+            <a:ext cx="1226618" cy="369332"/>
+          </a:xfrm>
+          <a:prstGeom prst="rect">
+            <a:avLst/>
+          </a:prstGeom>
+        </p:spPr>
+        <p:txBody>
+          <a:bodyPr wrap="none">
+            <a:spAutoFit/>
+          </a:bodyPr>
+          <a:lstStyle/>
+          <a:p>
+            <a:r>
+              <a:rPr lang="it-IT" dirty="0" smtClean="0"/>
+              <a:t>w | s | h …</a:t>
+            </a:r>
+          </a:p>
+        </p:txBody>
+      </p:sp>
+      <p:cxnSp>
+        <p:nvCxnSpPr>
+          <p:cNvPr id="72" name="Connettore 1 71"/>
+          <p:cNvCxnSpPr/>
+          <p:nvPr/>
+        </p:nvCxnSpPr>
+        <p:spPr>
+          <a:xfrm>
+            <a:off x="4977015" y="5473803"/>
+            <a:ext cx="2807241" cy="0"/>
+          </a:xfrm>
+          <a:prstGeom prst="line">
+            <a:avLst/>
+          </a:prstGeom>
+          <a:ln w="28575">
+            <a:solidFill>
+              <a:srgbClr val="1318ED"/>
+            </a:solidFill>
+          </a:ln>
+        </p:spPr>
+        <p:style>
+          <a:lnRef idx="1">
+            <a:schemeClr val="accent1"/>
+          </a:lnRef>
+          <a:fillRef idx="0">
+            <a:schemeClr val="accent1"/>
+          </a:fillRef>
+          <a:effectRef idx="0">
+            <a:schemeClr val="accent1"/>
+          </a:effectRef>
+          <a:fontRef idx="minor">
+            <a:schemeClr val="tx1"/>
+          </a:fontRef>
+        </p:style>
+      </p:cxnSp>
+      <p:sp>
+        <p:nvSpPr>
+          <p:cNvPr id="73" name="Ovale 72"/>
+          <p:cNvSpPr/>
+          <p:nvPr/>
+        </p:nvSpPr>
+        <p:spPr>
+          <a:xfrm>
+            <a:off x="6533019" y="5626201"/>
             <a:ext cx="611062" cy="638657"/>
           </a:xfrm>
           <a:prstGeom prst="ellipse">
@@ -32520,17 +32531,17 @@
       </p:sp>
       <p:cxnSp>
         <p:nvCxnSpPr>
-          <p:cNvPr id="39" name="Connettore 2 38"/>
+          <p:cNvPr id="76" name="Connettore 2 75"/>
           <p:cNvCxnSpPr>
             <a:stCxn id="35" idx="4"/>
-            <a:endCxn id="38" idx="0"/>
+            <a:endCxn id="73" idx="0"/>
           </p:cNvCxnSpPr>
           <p:nvPr/>
         </p:nvCxnSpPr>
         <p:spPr>
           <a:xfrm>
-            <a:off x="2549919" y="2675468"/>
-            <a:ext cx="3009" cy="476749"/>
+            <a:off x="6828425" y="5070224"/>
+            <a:ext cx="10125" cy="555977"/>
           </a:xfrm>
           <a:prstGeom prst="straightConnector1">
             <a:avLst/>
@@ -32556,26 +32567,20 @@
       </p:cxnSp>
       <p:cxnSp>
         <p:nvCxnSpPr>
-          <p:cNvPr id="42" name="Connettore 4 41"/>
-          <p:cNvCxnSpPr>
-            <a:stCxn id="35" idx="2"/>
-            <a:endCxn id="6" idx="2"/>
-          </p:cNvCxnSpPr>
+          <p:cNvPr id="16" name="Connettore 2 15"/>
+          <p:cNvCxnSpPr/>
           <p:nvPr/>
         </p:nvCxnSpPr>
         <p:spPr>
-          <a:xfrm rot="10800000">
-            <a:off x="1791024" y="1725792"/>
-            <a:ext cx="487368" cy="703122"/>
-          </a:xfrm>
-          <a:prstGeom prst="bentConnector2">
-            <a:avLst/>
-          </a:prstGeom>
-          <a:ln w="28575">
-            <a:solidFill>
-              <a:srgbClr val="00B050"/>
-            </a:solidFill>
-            <a:prstDash val="sysDot"/>
+          <a:xfrm>
+            <a:off x="4813002" y="4843252"/>
+            <a:ext cx="723640" cy="0"/>
+          </a:xfrm>
+          <a:prstGeom prst="straightConnector1">
+            <a:avLst/>
+          </a:prstGeom>
+          <a:ln>
+            <a:prstDash val="lgDash"/>
             <a:tailEnd type="arrow"/>
           </a:ln>
         </p:spPr>
@@ -32594,1341 +32599,16 @@
           </a:fontRef>
         </p:style>
       </p:cxnSp>
-      <p:cxnSp>
-        <p:nvCxnSpPr>
-          <p:cNvPr id="79" name="Connettore 1 78"/>
-          <p:cNvCxnSpPr/>
-          <p:nvPr/>
-        </p:nvCxnSpPr>
-        <p:spPr>
-          <a:xfrm>
-            <a:off x="870885" y="2913842"/>
-            <a:ext cx="3653908" cy="25860"/>
-          </a:xfrm>
-          <a:prstGeom prst="line">
-            <a:avLst/>
-          </a:prstGeom>
-          <a:ln w="28575">
-            <a:solidFill>
-              <a:srgbClr val="1318ED"/>
-            </a:solidFill>
-          </a:ln>
-        </p:spPr>
-        <p:style>
-          <a:lnRef idx="1">
-            <a:schemeClr val="accent1"/>
-          </a:lnRef>
-          <a:fillRef idx="0">
-            <a:schemeClr val="accent1"/>
-          </a:fillRef>
-          <a:effectRef idx="0">
-            <a:schemeClr val="accent1"/>
-          </a:effectRef>
-          <a:fontRef idx="minor">
-            <a:schemeClr val="tx1"/>
-          </a:fontRef>
-        </p:style>
-      </p:cxnSp>
-      <p:sp>
-        <p:nvSpPr>
-          <p:cNvPr id="88" name="Rettangolo 87"/>
+      <p:sp>
+        <p:nvSpPr>
+          <p:cNvPr id="51" name="Figura a mano libera 50"/>
           <p:cNvSpPr/>
           <p:nvPr/>
         </p:nvSpPr>
         <p:spPr>
           <a:xfrm>
-            <a:off x="2522615" y="2353768"/>
-            <a:ext cx="2280048" cy="369332"/>
-          </a:xfrm>
-          <a:prstGeom prst="rect">
-            <a:avLst/>
-          </a:prstGeom>
-        </p:spPr>
-        <p:txBody>
-          <a:bodyPr wrap="none">
-            <a:spAutoFit/>
-          </a:bodyPr>
-          <a:lstStyle/>
-          <a:p>
-            <a:r>
-              <a:rPr lang="en-GB" dirty="0" err="1"/>
-              <a:t>virtualRobotSupportApp</a:t>
-            </a:r>
-            <a:endParaRPr lang="en-GB" dirty="0"/>
-          </a:p>
-        </p:txBody>
-      </p:sp>
-      <p:grpSp>
-        <p:nvGrpSpPr>
-          <p:cNvPr id="134" name="Gruppo 133"/>
-          <p:cNvGrpSpPr/>
-          <p:nvPr/>
-        </p:nvGrpSpPr>
-        <p:grpSpPr>
-          <a:xfrm>
-            <a:off x="4524793" y="255353"/>
-            <a:ext cx="864096" cy="741460"/>
-            <a:chOff x="4524793" y="255353"/>
-            <a:chExt cx="864096" cy="741460"/>
-          </a:xfrm>
-        </p:grpSpPr>
-        <p:sp>
-          <p:nvSpPr>
-            <p:cNvPr id="132" name="Esagono 131"/>
-            <p:cNvSpPr/>
-            <p:nvPr/>
-          </p:nvSpPr>
-          <p:spPr>
-            <a:xfrm>
-              <a:off x="4524793" y="255353"/>
-              <a:ext cx="864096" cy="741460"/>
-            </a:xfrm>
-            <a:prstGeom prst="hexagon">
-              <a:avLst/>
-            </a:prstGeom>
-            <a:solidFill>
-              <a:srgbClr val="FFFF99"/>
-            </a:solidFill>
-          </p:spPr>
-          <p:style>
-            <a:lnRef idx="2">
-              <a:schemeClr val="accent1">
-                <a:shade val="50000"/>
-              </a:schemeClr>
-            </a:lnRef>
-            <a:fillRef idx="1">
-              <a:schemeClr val="accent1"/>
-            </a:fillRef>
-            <a:effectRef idx="0">
-              <a:schemeClr val="accent1"/>
-            </a:effectRef>
-            <a:fontRef idx="minor">
-              <a:schemeClr val="lt1"/>
-            </a:fontRef>
-          </p:style>
-          <p:txBody>
-            <a:bodyPr rtlCol="0" anchor="ctr"/>
-            <a:lstStyle/>
-            <a:p>
-              <a:pPr algn="ctr"/>
-              <a:endParaRPr lang="en-GB"/>
-            </a:p>
-          </p:txBody>
-        </p:sp>
-        <p:sp>
-          <p:nvSpPr>
-            <p:cNvPr id="133" name="CasellaDiTesto 132"/>
-            <p:cNvSpPr txBox="1"/>
-            <p:nvPr/>
-          </p:nvSpPr>
-          <p:spPr>
-            <a:xfrm>
-              <a:off x="4679361" y="410639"/>
-              <a:ext cx="554960" cy="430887"/>
-            </a:xfrm>
-            <a:prstGeom prst="rect">
-              <a:avLst/>
-            </a:prstGeom>
-            <a:noFill/>
-          </p:spPr>
-          <p:txBody>
-            <a:bodyPr wrap="none" rtlCol="0">
-              <a:spAutoFit/>
-            </a:bodyPr>
-            <a:lstStyle/>
-            <a:p>
-              <a:pPr algn="ctr"/>
-              <a:r>
-                <a:rPr lang="it-IT" sz="1100" dirty="0" smtClean="0"/>
-                <a:t>MQTT</a:t>
-              </a:r>
-            </a:p>
-            <a:p>
-              <a:pPr algn="ctr"/>
-              <a:r>
-                <a:rPr lang="it-IT" sz="1100" dirty="0" smtClean="0"/>
-                <a:t>broker</a:t>
-              </a:r>
-              <a:endParaRPr lang="en-GB" sz="1100" dirty="0"/>
-            </a:p>
-          </p:txBody>
-        </p:sp>
-      </p:grpSp>
-    </p:spTree>
-    <p:extLst>
-      <p:ext uri="{BB962C8B-B14F-4D97-AF65-F5344CB8AC3E}">
-        <p14:creationId xmlns:p14="http://schemas.microsoft.com/office/powerpoint/2010/main" val="298085748"/>
-      </p:ext>
-    </p:extLst>
-  </p:cSld>
-  <p:clrMapOvr>
-    <a:masterClrMapping/>
-  </p:clrMapOvr>
-</p:sld>
-</file>
-
-<file path=ppt/slides/slide38.xml><?xml version="1.0" encoding="utf-8"?>
-<p:sld xmlns:a="http://schemas.openxmlformats.org/drawingml/2006/main" xmlns:r="http://schemas.openxmlformats.org/officeDocument/2006/relationships" xmlns:p="http://schemas.openxmlformats.org/presentationml/2006/main">
-  <p:cSld>
-    <p:spTree>
-      <p:nvGrpSpPr>
-        <p:cNvPr id="1" name=""/>
-        <p:cNvGrpSpPr/>
-        <p:nvPr/>
-      </p:nvGrpSpPr>
-      <p:grpSpPr>
-        <a:xfrm>
-          <a:off x="0" y="0"/>
-          <a:ext cx="0" cy="0"/>
-          <a:chOff x="0" y="0"/>
-          <a:chExt cx="0" cy="0"/>
-        </a:xfrm>
-      </p:grpSpPr>
-      <p:sp>
-        <p:nvSpPr>
-          <p:cNvPr id="10" name="Ovale 33">
-            <a:extLst>
-              <a:ext uri="{FF2B5EF4-FFF2-40B4-BE49-F238E27FC236}">
-                <a16:creationId xmlns="" xmlns:a16="http://schemas.microsoft.com/office/drawing/2014/main" id="{A4E6BBEC-1E11-48AC-9881-2BCB8F6CF48A}"/>
-              </a:ext>
-            </a:extLst>
-          </p:cNvPr>
-          <p:cNvSpPr/>
-          <p:nvPr/>
-        </p:nvSpPr>
-        <p:spPr>
-          <a:xfrm>
-            <a:off x="3587144" y="2497821"/>
-            <a:ext cx="507973" cy="462261"/>
-          </a:xfrm>
-          <a:prstGeom prst="ellipse">
-            <a:avLst/>
-          </a:prstGeom>
-          <a:ln/>
-        </p:spPr>
-        <p:style>
-          <a:lnRef idx="1">
-            <a:schemeClr val="accent5"/>
-          </a:lnRef>
-          <a:fillRef idx="2">
-            <a:schemeClr val="accent5"/>
-          </a:fillRef>
-          <a:effectRef idx="1">
-            <a:schemeClr val="accent5"/>
-          </a:effectRef>
-          <a:fontRef idx="minor">
-            <a:schemeClr val="dk1"/>
-          </a:fontRef>
-        </p:style>
-        <p:txBody>
-          <a:bodyPr rtlCol="0" anchor="ctr"/>
-          <a:lstStyle/>
-          <a:p>
-            <a:pPr algn="ctr"/>
-            <a:r>
-              <a:rPr lang="en-GB" sz="1200" dirty="0"/>
-              <a:t> </a:t>
-            </a:r>
-          </a:p>
-        </p:txBody>
-      </p:sp>
-      <p:sp>
-        <p:nvSpPr>
-          <p:cNvPr id="2" name="Segnaposto piè di pagina 1"/>
-          <p:cNvSpPr>
-            <a:spLocks noGrp="1"/>
-          </p:cNvSpPr>
-          <p:nvPr>
-            <p:ph type="ftr" sz="quarter" idx="11"/>
-          </p:nvPr>
-        </p:nvSpPr>
-        <p:spPr/>
-        <p:txBody>
-          <a:bodyPr/>
-          <a:lstStyle/>
-          <a:p>
-            <a:r>
-              <a:rPr lang="it-IT" smtClean="0"/>
-              <a:t>ANatali  - DISI - ISSM2020  Univeristy of Bologna</a:t>
-            </a:r>
-            <a:endParaRPr lang="en-GB"/>
-          </a:p>
-        </p:txBody>
-      </p:sp>
-      <p:sp>
-        <p:nvSpPr>
-          <p:cNvPr id="3" name="Segnaposto numero diapositiva 2"/>
-          <p:cNvSpPr>
-            <a:spLocks noGrp="1"/>
-          </p:cNvSpPr>
-          <p:nvPr>
-            <p:ph type="sldNum" sz="quarter" idx="12"/>
-          </p:nvPr>
-        </p:nvSpPr>
-        <p:spPr/>
-        <p:txBody>
-          <a:bodyPr/>
-          <a:lstStyle/>
-          <a:p>
-            <a:fld id="{6F6A5AB3-AF76-4EC9-853D-D4C335162C13}" type="slidenum">
-              <a:rPr lang="en-GB" smtClean="0"/>
-              <a:t>38</a:t>
-            </a:fld>
-            <a:endParaRPr lang="en-GB"/>
-          </a:p>
-        </p:txBody>
-      </p:sp>
-      <p:grpSp>
-        <p:nvGrpSpPr>
-          <p:cNvPr id="4" name="Gruppo 82">
-            <a:extLst>
-              <a:ext uri="{FF2B5EF4-FFF2-40B4-BE49-F238E27FC236}">
-                <a16:creationId xmlns="" xmlns:a16="http://schemas.microsoft.com/office/drawing/2014/main" id="{12D969AC-9EB0-4CF5-9EE5-D0DD7ACA9C72}"/>
-              </a:ext>
-            </a:extLst>
-          </p:cNvPr>
-          <p:cNvGrpSpPr/>
-          <p:nvPr/>
-        </p:nvGrpSpPr>
-        <p:grpSpPr>
-          <a:xfrm>
-            <a:off x="2460219" y="2004003"/>
-            <a:ext cx="1409184" cy="1234655"/>
-            <a:chOff x="1194666" y="2417771"/>
-            <a:chExt cx="866156" cy="763297"/>
-          </a:xfrm>
-        </p:grpSpPr>
-        <p:sp>
-          <p:nvSpPr>
-            <p:cNvPr id="5" name="Ovale 38">
-              <a:extLst>
-                <a:ext uri="{FF2B5EF4-FFF2-40B4-BE49-F238E27FC236}">
-                  <a16:creationId xmlns="" xmlns:a16="http://schemas.microsoft.com/office/drawing/2014/main" id="{0EB3DE65-C1E4-4AD3-B909-2646317ECA68}"/>
-                </a:ext>
-              </a:extLst>
-            </p:cNvPr>
-            <p:cNvSpPr/>
-            <p:nvPr/>
-          </p:nvSpPr>
-          <p:spPr>
-            <a:xfrm>
-              <a:off x="1311101" y="2460988"/>
-              <a:ext cx="749721" cy="720080"/>
-            </a:xfrm>
-            <a:prstGeom prst="ellipse">
-              <a:avLst/>
-            </a:prstGeom>
-            <a:solidFill>
-              <a:srgbClr val="FFCCFF"/>
-            </a:solidFill>
-            <a:ln/>
-          </p:spPr>
-          <p:style>
-            <a:lnRef idx="1">
-              <a:schemeClr val="accent5"/>
-            </a:lnRef>
-            <a:fillRef idx="2">
-              <a:schemeClr val="accent5"/>
-            </a:fillRef>
-            <a:effectRef idx="1">
-              <a:schemeClr val="accent5"/>
-            </a:effectRef>
-            <a:fontRef idx="minor">
-              <a:schemeClr val="dk1"/>
-            </a:fontRef>
-          </p:style>
-          <p:txBody>
-            <a:bodyPr rtlCol="0" anchor="ctr"/>
-            <a:lstStyle/>
-            <a:p>
-              <a:pPr algn="ctr"/>
-              <a:r>
-                <a:rPr lang="en-GB" sz="1200" dirty="0"/>
-                <a:t> </a:t>
-              </a:r>
-            </a:p>
-          </p:txBody>
-        </p:sp>
-        <p:sp>
-          <p:nvSpPr>
-            <p:cNvPr id="6" name="Rettangolo 39">
-              <a:extLst>
-                <a:ext uri="{FF2B5EF4-FFF2-40B4-BE49-F238E27FC236}">
-                  <a16:creationId xmlns="" xmlns:a16="http://schemas.microsoft.com/office/drawing/2014/main" id="{AAF0ABD1-BB2B-450B-9369-91FF5B4CE129}"/>
-                </a:ext>
-              </a:extLst>
-            </p:cNvPr>
-            <p:cNvSpPr/>
-            <p:nvPr/>
-          </p:nvSpPr>
-          <p:spPr>
-            <a:xfrm>
-              <a:off x="1194666" y="2699711"/>
-              <a:ext cx="281433" cy="211952"/>
-            </a:xfrm>
-            <a:prstGeom prst="rect">
-              <a:avLst/>
-            </a:prstGeom>
-            <a:solidFill>
-              <a:srgbClr val="FFCCFF"/>
-            </a:solidFill>
-            <a:ln/>
-          </p:spPr>
-          <p:style>
-            <a:lnRef idx="1">
-              <a:schemeClr val="accent5"/>
-            </a:lnRef>
-            <a:fillRef idx="2">
-              <a:schemeClr val="accent5"/>
-            </a:fillRef>
-            <a:effectRef idx="1">
-              <a:schemeClr val="accent5"/>
-            </a:effectRef>
-            <a:fontRef idx="minor">
-              <a:schemeClr val="dk1"/>
-            </a:fontRef>
-          </p:style>
-          <p:txBody>
-            <a:bodyPr rtlCol="0" anchor="ctr"/>
-            <a:lstStyle/>
-            <a:p>
-              <a:pPr algn="ctr"/>
-              <a:endParaRPr lang="en-GB" sz="1200"/>
-            </a:p>
-          </p:txBody>
-        </p:sp>
-        <p:sp>
-          <p:nvSpPr>
-            <p:cNvPr id="7" name="Triangolo isoscele 42">
-              <a:extLst>
-                <a:ext uri="{FF2B5EF4-FFF2-40B4-BE49-F238E27FC236}">
-                  <a16:creationId xmlns="" xmlns:a16="http://schemas.microsoft.com/office/drawing/2014/main" id="{34D1AFB1-88AB-4A6C-9824-2CF6DE11BF7C}"/>
-                </a:ext>
-              </a:extLst>
-            </p:cNvPr>
-            <p:cNvSpPr/>
-            <p:nvPr/>
-          </p:nvSpPr>
-          <p:spPr>
-            <a:xfrm rot="16200000">
-              <a:off x="1618539" y="2391356"/>
-              <a:ext cx="86434" cy="139263"/>
-            </a:xfrm>
-            <a:prstGeom prst="triangle">
-              <a:avLst/>
-            </a:prstGeom>
-            <a:solidFill>
-              <a:srgbClr val="FF0000"/>
-            </a:solidFill>
-            <a:ln/>
-          </p:spPr>
-          <p:style>
-            <a:lnRef idx="1">
-              <a:schemeClr val="accent5"/>
-            </a:lnRef>
-            <a:fillRef idx="2">
-              <a:schemeClr val="accent5"/>
-            </a:fillRef>
-            <a:effectRef idx="1">
-              <a:schemeClr val="accent5"/>
-            </a:effectRef>
-            <a:fontRef idx="minor">
-              <a:schemeClr val="dk1"/>
-            </a:fontRef>
-          </p:style>
-          <p:txBody>
-            <a:bodyPr rtlCol="0" anchor="ctr"/>
-            <a:lstStyle/>
-            <a:p>
-              <a:pPr algn="ctr"/>
-              <a:endParaRPr lang="en-GB" sz="1200">
-                <a:solidFill>
-                  <a:schemeClr val="dk1"/>
-                </a:solidFill>
-              </a:endParaRPr>
-            </a:p>
-          </p:txBody>
-        </p:sp>
-      </p:grpSp>
-      <p:sp>
-        <p:nvSpPr>
-          <p:cNvPr id="8" name="Rettangolo 7"/>
-          <p:cNvSpPr/>
-          <p:nvPr/>
-        </p:nvSpPr>
-        <p:spPr>
-          <a:xfrm>
-            <a:off x="2811014" y="2227587"/>
-            <a:ext cx="1044838" cy="369332"/>
-          </a:xfrm>
-          <a:prstGeom prst="rect">
-            <a:avLst/>
-          </a:prstGeom>
-        </p:spPr>
-        <p:txBody>
-          <a:bodyPr wrap="none">
-            <a:spAutoFit/>
-          </a:bodyPr>
-          <a:lstStyle/>
-          <a:p>
-            <a:r>
-              <a:rPr lang="en-GB" dirty="0" err="1" smtClean="0"/>
-              <a:t>basicrobot</a:t>
-            </a:r>
-            <a:endParaRPr lang="en-GB" dirty="0"/>
-          </a:p>
-        </p:txBody>
-      </p:sp>
-      <p:sp>
-        <p:nvSpPr>
-          <p:cNvPr id="12" name="Rettangolo 11"/>
-          <p:cNvSpPr/>
-          <p:nvPr/>
-        </p:nvSpPr>
-        <p:spPr>
-          <a:xfrm>
-            <a:off x="3756592" y="2856054"/>
-            <a:ext cx="1263616" cy="369332"/>
-          </a:xfrm>
-          <a:prstGeom prst="rect">
-            <a:avLst/>
-          </a:prstGeom>
-        </p:spPr>
-        <p:txBody>
-          <a:bodyPr wrap="none">
-            <a:spAutoFit/>
-          </a:bodyPr>
-          <a:lstStyle/>
-          <a:p>
-            <a:r>
-              <a:rPr lang="en-GB" dirty="0" err="1" smtClean="0"/>
-              <a:t>mqttSupport</a:t>
-            </a:r>
-            <a:endParaRPr lang="en-GB" dirty="0"/>
-          </a:p>
-        </p:txBody>
-      </p:sp>
-      <p:sp>
-        <p:nvSpPr>
-          <p:cNvPr id="13" name="Rettangolo 12"/>
-          <p:cNvSpPr/>
-          <p:nvPr/>
-        </p:nvSpPr>
-        <p:spPr>
-          <a:xfrm>
-            <a:off x="4671730" y="752520"/>
-            <a:ext cx="2682145" cy="369332"/>
-          </a:xfrm>
-          <a:prstGeom prst="rect">
-            <a:avLst/>
-          </a:prstGeom>
-          <a:solidFill>
-            <a:srgbClr val="CCFF66"/>
-          </a:solidFill>
-        </p:spPr>
-        <p:style>
-          <a:lnRef idx="1">
-            <a:schemeClr val="accent4"/>
-          </a:lnRef>
-          <a:fillRef idx="2">
-            <a:schemeClr val="accent4"/>
-          </a:fillRef>
-          <a:effectRef idx="1">
-            <a:schemeClr val="accent4"/>
-          </a:effectRef>
-          <a:fontRef idx="minor">
-            <a:schemeClr val="dk1"/>
-          </a:fontRef>
-        </p:style>
-        <p:txBody>
-          <a:bodyPr wrap="none">
-            <a:spAutoFit/>
-          </a:bodyPr>
-          <a:lstStyle/>
-          <a:p>
-            <a:r>
-              <a:rPr lang="en-GB" dirty="0">
-                <a:latin typeface="Arial" panose="020B0604020202020204" pitchFamily="34" charset="0"/>
-                <a:cs typeface="Arial" panose="020B0604020202020204" pitchFamily="34" charset="0"/>
-              </a:rPr>
-              <a:t>"</a:t>
-            </a:r>
-            <a:r>
-              <a:rPr lang="en-GB" b="1" dirty="0" err="1" smtClean="0">
-                <a:solidFill>
-                  <a:srgbClr val="1318ED"/>
-                </a:solidFill>
-                <a:latin typeface="Arial" panose="020B0604020202020204" pitchFamily="34" charset="0"/>
-                <a:cs typeface="Arial" panose="020B0604020202020204" pitchFamily="34" charset="0"/>
-              </a:rPr>
-              <a:t>unibo</a:t>
-            </a:r>
-            <a:r>
-              <a:rPr lang="en-GB" b="1" dirty="0" smtClean="0">
-                <a:solidFill>
-                  <a:srgbClr val="1318ED"/>
-                </a:solidFill>
-                <a:latin typeface="Arial" panose="020B0604020202020204" pitchFamily="34" charset="0"/>
-                <a:cs typeface="Arial" panose="020B0604020202020204" pitchFamily="34" charset="0"/>
-              </a:rPr>
-              <a:t>/</a:t>
-            </a:r>
-            <a:r>
-              <a:rPr lang="en-GB" b="1" dirty="0" err="1" smtClean="0">
-                <a:solidFill>
-                  <a:srgbClr val="1318ED"/>
-                </a:solidFill>
-                <a:latin typeface="Arial" panose="020B0604020202020204" pitchFamily="34" charset="0"/>
-                <a:cs typeface="Arial" panose="020B0604020202020204" pitchFamily="34" charset="0"/>
-              </a:rPr>
-              <a:t>qak</a:t>
-            </a:r>
-            <a:r>
-              <a:rPr lang="en-GB" b="1" dirty="0" smtClean="0">
-                <a:solidFill>
-                  <a:srgbClr val="1318ED"/>
-                </a:solidFill>
-                <a:latin typeface="Arial" panose="020B0604020202020204" pitchFamily="34" charset="0"/>
-                <a:cs typeface="Arial" panose="020B0604020202020204" pitchFamily="34" charset="0"/>
-              </a:rPr>
-              <a:t>/</a:t>
-            </a:r>
-            <a:r>
-              <a:rPr lang="en-GB" b="1" dirty="0" err="1" smtClean="0">
-                <a:solidFill>
-                  <a:srgbClr val="1318ED"/>
-                </a:solidFill>
-                <a:latin typeface="Arial" panose="020B0604020202020204" pitchFamily="34" charset="0"/>
-                <a:cs typeface="Arial" panose="020B0604020202020204" pitchFamily="34" charset="0"/>
-              </a:rPr>
-              <a:t>basicrobot</a:t>
-            </a:r>
-            <a:r>
-              <a:rPr lang="en-GB" dirty="0" smtClean="0">
-                <a:latin typeface="Arial" panose="020B0604020202020204" pitchFamily="34" charset="0"/>
-                <a:cs typeface="Arial" panose="020B0604020202020204" pitchFamily="34" charset="0"/>
-              </a:rPr>
-              <a:t>"</a:t>
-            </a:r>
-            <a:endParaRPr lang="en-GB" dirty="0">
-              <a:latin typeface="Arial" panose="020B0604020202020204" pitchFamily="34" charset="0"/>
-              <a:cs typeface="Arial" panose="020B0604020202020204" pitchFamily="34" charset="0"/>
-            </a:endParaRPr>
-          </a:p>
-        </p:txBody>
-      </p:sp>
-      <p:sp>
-        <p:nvSpPr>
-          <p:cNvPr id="14" name="Esagono 13"/>
-          <p:cNvSpPr/>
-          <p:nvPr/>
-        </p:nvSpPr>
-        <p:spPr>
-          <a:xfrm>
-            <a:off x="5278792" y="1445431"/>
-            <a:ext cx="864096" cy="741460"/>
-          </a:xfrm>
-          <a:prstGeom prst="hexagon">
-            <a:avLst/>
-          </a:prstGeom>
-          <a:solidFill>
-            <a:srgbClr val="FFFF99"/>
-          </a:solidFill>
-        </p:spPr>
-        <p:style>
-          <a:lnRef idx="2">
-            <a:schemeClr val="accent1">
-              <a:shade val="50000"/>
-            </a:schemeClr>
-          </a:lnRef>
-          <a:fillRef idx="1">
-            <a:schemeClr val="accent1"/>
-          </a:fillRef>
-          <a:effectRef idx="0">
-            <a:schemeClr val="accent1"/>
-          </a:effectRef>
-          <a:fontRef idx="minor">
-            <a:schemeClr val="lt1"/>
-          </a:fontRef>
-        </p:style>
-        <p:txBody>
-          <a:bodyPr rtlCol="0" anchor="ctr"/>
-          <a:lstStyle/>
-          <a:p>
-            <a:pPr algn="ctr"/>
-            <a:endParaRPr lang="en-GB"/>
-          </a:p>
-        </p:txBody>
-      </p:sp>
-      <p:sp>
-        <p:nvSpPr>
-          <p:cNvPr id="15" name="CasellaDiTesto 14"/>
-          <p:cNvSpPr txBox="1"/>
-          <p:nvPr/>
-        </p:nvSpPr>
-        <p:spPr>
-          <a:xfrm>
-            <a:off x="5433360" y="1618536"/>
-            <a:ext cx="554960" cy="430887"/>
-          </a:xfrm>
-          <a:prstGeom prst="rect">
-            <a:avLst/>
-          </a:prstGeom>
-          <a:noFill/>
-        </p:spPr>
-        <p:txBody>
-          <a:bodyPr wrap="none" rtlCol="0">
-            <a:spAutoFit/>
-          </a:bodyPr>
-          <a:lstStyle/>
-          <a:p>
-            <a:pPr algn="ctr"/>
-            <a:r>
-              <a:rPr lang="it-IT" sz="1100" dirty="0" smtClean="0"/>
-              <a:t>MQTT</a:t>
-            </a:r>
-          </a:p>
-          <a:p>
-            <a:pPr algn="ctr"/>
-            <a:r>
-              <a:rPr lang="it-IT" sz="1100" dirty="0" smtClean="0"/>
-              <a:t>broker</a:t>
-            </a:r>
-            <a:endParaRPr lang="en-GB" sz="1100" dirty="0"/>
-          </a:p>
-        </p:txBody>
-      </p:sp>
-      <p:cxnSp>
-        <p:nvCxnSpPr>
-          <p:cNvPr id="20" name="Connettore 4 19"/>
-          <p:cNvCxnSpPr>
-            <a:stCxn id="14" idx="2"/>
-          </p:cNvCxnSpPr>
-          <p:nvPr/>
-        </p:nvCxnSpPr>
-        <p:spPr>
-          <a:xfrm rot="5400000">
-            <a:off x="3920097" y="1184891"/>
-            <a:ext cx="542060" cy="2546061"/>
-          </a:xfrm>
-          <a:prstGeom prst="bentConnector2">
-            <a:avLst/>
-          </a:prstGeom>
-          <a:ln>
-            <a:solidFill>
-              <a:srgbClr val="1318ED"/>
-            </a:solidFill>
-            <a:prstDash val="lgDash"/>
-            <a:tailEnd type="arrow"/>
-          </a:ln>
-        </p:spPr>
-        <p:style>
-          <a:lnRef idx="1">
-            <a:schemeClr val="accent1"/>
-          </a:lnRef>
-          <a:fillRef idx="0">
-            <a:schemeClr val="accent1"/>
-          </a:fillRef>
-          <a:effectRef idx="0">
-            <a:schemeClr val="accent1"/>
-          </a:effectRef>
-          <a:fontRef idx="minor">
-            <a:schemeClr val="tx1"/>
-          </a:fontRef>
-        </p:style>
-      </p:cxnSp>
-      <p:grpSp>
-        <p:nvGrpSpPr>
-          <p:cNvPr id="24" name="Gruppo 82">
-            <a:extLst>
-              <a:ext uri="{FF2B5EF4-FFF2-40B4-BE49-F238E27FC236}">
-                <a16:creationId xmlns="" xmlns:a16="http://schemas.microsoft.com/office/drawing/2014/main" id="{12D969AC-9EB0-4CF5-9EE5-D0DD7ACA9C72}"/>
-              </a:ext>
-            </a:extLst>
-          </p:cNvPr>
-          <p:cNvGrpSpPr/>
-          <p:nvPr/>
-        </p:nvGrpSpPr>
-        <p:grpSpPr>
-          <a:xfrm>
-            <a:off x="1020111" y="470580"/>
-            <a:ext cx="866156" cy="763297"/>
-            <a:chOff x="1194666" y="2417771"/>
-            <a:chExt cx="866156" cy="763297"/>
-          </a:xfrm>
-        </p:grpSpPr>
-        <p:sp>
-          <p:nvSpPr>
-            <p:cNvPr id="25" name="Ovale 38">
-              <a:extLst>
-                <a:ext uri="{FF2B5EF4-FFF2-40B4-BE49-F238E27FC236}">
-                  <a16:creationId xmlns="" xmlns:a16="http://schemas.microsoft.com/office/drawing/2014/main" id="{0EB3DE65-C1E4-4AD3-B909-2646317ECA68}"/>
-                </a:ext>
-              </a:extLst>
-            </p:cNvPr>
-            <p:cNvSpPr/>
-            <p:nvPr/>
-          </p:nvSpPr>
-          <p:spPr>
-            <a:xfrm>
-              <a:off x="1311101" y="2460988"/>
-              <a:ext cx="749721" cy="720080"/>
-            </a:xfrm>
-            <a:prstGeom prst="ellipse">
-              <a:avLst/>
-            </a:prstGeom>
-            <a:solidFill>
-              <a:srgbClr val="FFCCFF"/>
-            </a:solidFill>
-            <a:ln/>
-          </p:spPr>
-          <p:style>
-            <a:lnRef idx="1">
-              <a:schemeClr val="accent5"/>
-            </a:lnRef>
-            <a:fillRef idx="2">
-              <a:schemeClr val="accent5"/>
-            </a:fillRef>
-            <a:effectRef idx="1">
-              <a:schemeClr val="accent5"/>
-            </a:effectRef>
-            <a:fontRef idx="minor">
-              <a:schemeClr val="dk1"/>
-            </a:fontRef>
-          </p:style>
-          <p:txBody>
-            <a:bodyPr rtlCol="0" anchor="ctr"/>
-            <a:lstStyle/>
-            <a:p>
-              <a:pPr algn="ctr"/>
-              <a:r>
-                <a:rPr lang="en-GB" sz="1200" dirty="0"/>
-                <a:t> </a:t>
-              </a:r>
-            </a:p>
-          </p:txBody>
-        </p:sp>
-        <p:sp>
-          <p:nvSpPr>
-            <p:cNvPr id="26" name="Rettangolo 39">
-              <a:extLst>
-                <a:ext uri="{FF2B5EF4-FFF2-40B4-BE49-F238E27FC236}">
-                  <a16:creationId xmlns="" xmlns:a16="http://schemas.microsoft.com/office/drawing/2014/main" id="{AAF0ABD1-BB2B-450B-9369-91FF5B4CE129}"/>
-                </a:ext>
-              </a:extLst>
-            </p:cNvPr>
-            <p:cNvSpPr/>
-            <p:nvPr/>
-          </p:nvSpPr>
-          <p:spPr>
-            <a:xfrm>
-              <a:off x="1194666" y="2699711"/>
-              <a:ext cx="281433" cy="211952"/>
-            </a:xfrm>
-            <a:prstGeom prst="rect">
-              <a:avLst/>
-            </a:prstGeom>
-            <a:solidFill>
-              <a:srgbClr val="FFCCFF"/>
-            </a:solidFill>
-            <a:ln/>
-          </p:spPr>
-          <p:style>
-            <a:lnRef idx="1">
-              <a:schemeClr val="accent5"/>
-            </a:lnRef>
-            <a:fillRef idx="2">
-              <a:schemeClr val="accent5"/>
-            </a:fillRef>
-            <a:effectRef idx="1">
-              <a:schemeClr val="accent5"/>
-            </a:effectRef>
-            <a:fontRef idx="minor">
-              <a:schemeClr val="dk1"/>
-            </a:fontRef>
-          </p:style>
-          <p:txBody>
-            <a:bodyPr rtlCol="0" anchor="ctr"/>
-            <a:lstStyle/>
-            <a:p>
-              <a:pPr algn="ctr"/>
-              <a:endParaRPr lang="en-GB" sz="1200"/>
-            </a:p>
-          </p:txBody>
-        </p:sp>
-        <p:sp>
-          <p:nvSpPr>
-            <p:cNvPr id="27" name="Triangolo isoscele 42">
-              <a:extLst>
-                <a:ext uri="{FF2B5EF4-FFF2-40B4-BE49-F238E27FC236}">
-                  <a16:creationId xmlns="" xmlns:a16="http://schemas.microsoft.com/office/drawing/2014/main" id="{34D1AFB1-88AB-4A6C-9824-2CF6DE11BF7C}"/>
-                </a:ext>
-              </a:extLst>
-            </p:cNvPr>
-            <p:cNvSpPr/>
-            <p:nvPr/>
-          </p:nvSpPr>
-          <p:spPr>
-            <a:xfrm rot="16200000">
-              <a:off x="1618539" y="2391356"/>
-              <a:ext cx="86434" cy="139263"/>
-            </a:xfrm>
-            <a:prstGeom prst="triangle">
-              <a:avLst/>
-            </a:prstGeom>
-            <a:solidFill>
-              <a:srgbClr val="FF0000"/>
-            </a:solidFill>
-            <a:ln/>
-          </p:spPr>
-          <p:style>
-            <a:lnRef idx="1">
-              <a:schemeClr val="accent5"/>
-            </a:lnRef>
-            <a:fillRef idx="2">
-              <a:schemeClr val="accent5"/>
-            </a:fillRef>
-            <a:effectRef idx="1">
-              <a:schemeClr val="accent5"/>
-            </a:effectRef>
-            <a:fontRef idx="minor">
-              <a:schemeClr val="dk1"/>
-            </a:fontRef>
-          </p:style>
-          <p:txBody>
-            <a:bodyPr rtlCol="0" anchor="ctr"/>
-            <a:lstStyle/>
-            <a:p>
-              <a:pPr algn="ctr"/>
-              <a:endParaRPr lang="en-GB" sz="1200">
-                <a:solidFill>
-                  <a:schemeClr val="dk1"/>
-                </a:solidFill>
-              </a:endParaRPr>
-            </a:p>
-          </p:txBody>
-        </p:sp>
-      </p:grpSp>
-      <p:cxnSp>
-        <p:nvCxnSpPr>
-          <p:cNvPr id="28" name="Connettore 4 27"/>
-          <p:cNvCxnSpPr>
-            <a:endCxn id="14" idx="0"/>
-          </p:cNvCxnSpPr>
-          <p:nvPr/>
-        </p:nvCxnSpPr>
-        <p:spPr>
-          <a:xfrm rot="10800000" flipV="1">
-            <a:off x="6142888" y="1812309"/>
-            <a:ext cx="1381440" cy="3851"/>
-          </a:xfrm>
-          <a:prstGeom prst="bentConnector3">
-            <a:avLst>
-              <a:gd name="adj1" fmla="val 50000"/>
-            </a:avLst>
-          </a:prstGeom>
-          <a:ln>
-            <a:prstDash val="lgDash"/>
-            <a:tailEnd type="arrow"/>
-          </a:ln>
-        </p:spPr>
-        <p:style>
-          <a:lnRef idx="1">
-            <a:schemeClr val="accent1"/>
-          </a:lnRef>
-          <a:fillRef idx="0">
-            <a:schemeClr val="accent1"/>
-          </a:fillRef>
-          <a:effectRef idx="0">
-            <a:schemeClr val="accent1"/>
-          </a:effectRef>
-          <a:fontRef idx="minor">
-            <a:schemeClr val="tx1"/>
-          </a:fontRef>
-        </p:style>
-      </p:cxnSp>
-      <p:sp>
-        <p:nvSpPr>
-          <p:cNvPr id="31" name="Rettangolo 30"/>
-          <p:cNvSpPr/>
-          <p:nvPr/>
-        </p:nvSpPr>
-        <p:spPr>
-          <a:xfrm>
-            <a:off x="6382445" y="1784984"/>
-            <a:ext cx="777521" cy="369332"/>
-          </a:xfrm>
-          <a:prstGeom prst="rect">
-            <a:avLst/>
-          </a:prstGeom>
-        </p:spPr>
-        <p:txBody>
-          <a:bodyPr wrap="none">
-            <a:spAutoFit/>
-          </a:bodyPr>
-          <a:lstStyle/>
-          <a:p>
-            <a:r>
-              <a:rPr lang="en-GB" dirty="0" smtClean="0"/>
-              <a:t>publish</a:t>
-            </a:r>
-            <a:endParaRPr lang="en-GB" dirty="0"/>
-          </a:p>
-        </p:txBody>
-      </p:sp>
-      <p:sp>
-        <p:nvSpPr>
-          <p:cNvPr id="33" name="Ovale 33">
-            <a:extLst>
-              <a:ext uri="{FF2B5EF4-FFF2-40B4-BE49-F238E27FC236}">
-                <a16:creationId xmlns="" xmlns:a16="http://schemas.microsoft.com/office/drawing/2014/main" id="{A4E6BBEC-1E11-48AC-9881-2BCB8F6CF48A}"/>
-              </a:ext>
-            </a:extLst>
-          </p:cNvPr>
-          <p:cNvSpPr/>
-          <p:nvPr/>
-        </p:nvSpPr>
-        <p:spPr>
-          <a:xfrm>
-            <a:off x="5127666" y="5965195"/>
-            <a:ext cx="595127" cy="519971"/>
-          </a:xfrm>
-          <a:prstGeom prst="ellipse">
-            <a:avLst/>
-          </a:prstGeom>
-          <a:ln/>
-        </p:spPr>
-        <p:style>
-          <a:lnRef idx="1">
-            <a:schemeClr val="accent5"/>
-          </a:lnRef>
-          <a:fillRef idx="2">
-            <a:schemeClr val="accent5"/>
-          </a:fillRef>
-          <a:effectRef idx="1">
-            <a:schemeClr val="accent5"/>
-          </a:effectRef>
-          <a:fontRef idx="minor">
-            <a:schemeClr val="dk1"/>
-          </a:fontRef>
-        </p:style>
-        <p:txBody>
-          <a:bodyPr rtlCol="0" anchor="ctr"/>
-          <a:lstStyle/>
-          <a:p>
-            <a:pPr algn="ctr"/>
-            <a:r>
-              <a:rPr lang="en-GB" sz="1200" dirty="0"/>
-              <a:t> </a:t>
-            </a:r>
-          </a:p>
-        </p:txBody>
-      </p:sp>
-      <p:grpSp>
-        <p:nvGrpSpPr>
-          <p:cNvPr id="34" name="Gruppo 33"/>
-          <p:cNvGrpSpPr/>
-          <p:nvPr/>
-        </p:nvGrpSpPr>
-        <p:grpSpPr>
-          <a:xfrm>
-            <a:off x="3176525" y="3259455"/>
-            <a:ext cx="543053" cy="493108"/>
-            <a:chOff x="4403491" y="4276791"/>
-            <a:chExt cx="749721" cy="720080"/>
-          </a:xfrm>
-        </p:grpSpPr>
-        <p:sp>
-          <p:nvSpPr>
-            <p:cNvPr id="35" name="Ovale 33">
-              <a:extLst>
-                <a:ext uri="{FF2B5EF4-FFF2-40B4-BE49-F238E27FC236}">
-                  <a16:creationId xmlns="" xmlns:a16="http://schemas.microsoft.com/office/drawing/2014/main" id="{A4E6BBEC-1E11-48AC-9881-2BCB8F6CF48A}"/>
-                </a:ext>
-              </a:extLst>
-            </p:cNvPr>
-            <p:cNvSpPr/>
-            <p:nvPr/>
-          </p:nvSpPr>
-          <p:spPr>
-            <a:xfrm>
-              <a:off x="4403491" y="4276791"/>
-              <a:ext cx="749721" cy="720080"/>
-            </a:xfrm>
-            <a:prstGeom prst="ellipse">
-              <a:avLst/>
-            </a:prstGeom>
-            <a:ln/>
-          </p:spPr>
-          <p:style>
-            <a:lnRef idx="1">
-              <a:schemeClr val="accent5"/>
-            </a:lnRef>
-            <a:fillRef idx="2">
-              <a:schemeClr val="accent5"/>
-            </a:fillRef>
-            <a:effectRef idx="1">
-              <a:schemeClr val="accent5"/>
-            </a:effectRef>
-            <a:fontRef idx="minor">
-              <a:schemeClr val="dk1"/>
-            </a:fontRef>
-          </p:style>
-          <p:txBody>
-            <a:bodyPr rtlCol="0" anchor="ctr"/>
-            <a:lstStyle/>
-            <a:p>
-              <a:pPr algn="ctr"/>
-              <a:r>
-                <a:rPr lang="en-GB" sz="1200" dirty="0"/>
-                <a:t> </a:t>
-              </a:r>
-            </a:p>
-          </p:txBody>
-        </p:sp>
-        <p:cxnSp>
-          <p:nvCxnSpPr>
-            <p:cNvPr id="36" name="Connettore 2 126">
-              <a:extLst>
-                <a:ext uri="{FF2B5EF4-FFF2-40B4-BE49-F238E27FC236}">
-                  <a16:creationId xmlns="" xmlns:a16="http://schemas.microsoft.com/office/drawing/2014/main" id="{36CC678F-7232-496B-B9F9-4DE6B53CD494}"/>
-                </a:ext>
-              </a:extLst>
-            </p:cNvPr>
-            <p:cNvCxnSpPr/>
-            <p:nvPr/>
-          </p:nvCxnSpPr>
-          <p:spPr>
-            <a:xfrm flipH="1">
-              <a:off x="4764885" y="4403661"/>
-              <a:ext cx="13466" cy="393101"/>
-            </a:xfrm>
-            <a:prstGeom prst="straightConnector1">
-              <a:avLst/>
-            </a:prstGeom>
-            <a:ln>
-              <a:solidFill>
-                <a:srgbClr val="C00000"/>
-              </a:solidFill>
-              <a:prstDash val="lgDash"/>
-              <a:tailEnd type="arrow"/>
-            </a:ln>
-          </p:spPr>
-          <p:style>
-            <a:lnRef idx="1">
-              <a:schemeClr val="accent1"/>
-            </a:lnRef>
-            <a:fillRef idx="0">
-              <a:schemeClr val="accent1"/>
-            </a:fillRef>
-            <a:effectRef idx="0">
-              <a:schemeClr val="accent1"/>
-            </a:effectRef>
-            <a:fontRef idx="minor">
-              <a:schemeClr val="tx1"/>
-            </a:fontRef>
-          </p:style>
-        </p:cxnSp>
-      </p:grpSp>
-      <p:sp>
-        <p:nvSpPr>
-          <p:cNvPr id="37" name="Rettangolo 36"/>
-          <p:cNvSpPr/>
-          <p:nvPr/>
-        </p:nvSpPr>
-        <p:spPr>
-          <a:xfrm>
-            <a:off x="1769018" y="3159686"/>
-            <a:ext cx="906017" cy="261610"/>
-          </a:xfrm>
-          <a:prstGeom prst="rect">
-            <a:avLst/>
-          </a:prstGeom>
-        </p:spPr>
-        <p:txBody>
-          <a:bodyPr wrap="none">
-            <a:spAutoFit/>
-          </a:bodyPr>
-          <a:lstStyle/>
-          <a:p>
-            <a:r>
-              <a:rPr lang="en-GB" sz="1100" dirty="0" err="1" smtClean="0">
-                <a:latin typeface="Arial" panose="020B0604020202020204" pitchFamily="34" charset="0"/>
-                <a:cs typeface="Arial" panose="020B0604020202020204" pitchFamily="34" charset="0"/>
-              </a:rPr>
-              <a:t>sensorData</a:t>
-            </a:r>
-            <a:endParaRPr lang="en-GB" sz="1100" dirty="0">
-              <a:latin typeface="Arial" panose="020B0604020202020204" pitchFamily="34" charset="0"/>
-              <a:cs typeface="Arial" panose="020B0604020202020204" pitchFamily="34" charset="0"/>
-            </a:endParaRPr>
-          </a:p>
-        </p:txBody>
-      </p:sp>
-      <p:sp>
-        <p:nvSpPr>
-          <p:cNvPr id="38" name="Ovale 37"/>
-          <p:cNvSpPr/>
-          <p:nvPr/>
-        </p:nvSpPr>
-        <p:spPr>
-          <a:xfrm>
-            <a:off x="3145530" y="4229312"/>
-            <a:ext cx="611062" cy="638657"/>
-          </a:xfrm>
-          <a:prstGeom prst="ellipse">
-            <a:avLst/>
-          </a:prstGeom>
-          <a:solidFill>
-            <a:srgbClr val="33CCCC"/>
-          </a:solidFill>
-          <a:ln>
-            <a:solidFill>
-              <a:srgbClr val="1318ED"/>
-            </a:solidFill>
-          </a:ln>
-        </p:spPr>
-        <p:style>
-          <a:lnRef idx="2">
-            <a:schemeClr val="accent4"/>
-          </a:lnRef>
-          <a:fillRef idx="1">
-            <a:schemeClr val="lt1"/>
-          </a:fillRef>
-          <a:effectRef idx="0">
-            <a:schemeClr val="accent4"/>
-          </a:effectRef>
-          <a:fontRef idx="minor">
-            <a:schemeClr val="dk1"/>
-          </a:fontRef>
-        </p:style>
-        <p:txBody>
-          <a:bodyPr rtlCol="0" anchor="ctr"/>
-          <a:lstStyle/>
-          <a:p>
-            <a:pPr algn="ctr"/>
-            <a:r>
-              <a:rPr lang="it-IT" sz="1100" u="sng" dirty="0" smtClean="0"/>
-              <a:t>R</a:t>
-            </a:r>
-            <a:endParaRPr lang="en-GB" sz="1100" u="sng" dirty="0"/>
-          </a:p>
-        </p:txBody>
-      </p:sp>
-      <p:cxnSp>
-        <p:nvCxnSpPr>
-          <p:cNvPr id="39" name="Connettore 2 38"/>
-          <p:cNvCxnSpPr>
-            <a:stCxn id="35" idx="4"/>
-            <a:endCxn id="38" idx="0"/>
-          </p:cNvCxnSpPr>
-          <p:nvPr/>
-        </p:nvCxnSpPr>
-        <p:spPr>
-          <a:xfrm>
-            <a:off x="3448052" y="3752563"/>
-            <a:ext cx="3009" cy="476749"/>
-          </a:xfrm>
-          <a:prstGeom prst="straightConnector1">
-            <a:avLst/>
-          </a:prstGeom>
-          <a:ln>
-            <a:tailEnd type="arrow"/>
-          </a:ln>
-        </p:spPr>
-        <p:style>
-          <a:lnRef idx="1">
-            <a:schemeClr val="accent1"/>
-          </a:lnRef>
-          <a:fillRef idx="0">
-            <a:schemeClr val="accent1"/>
-          </a:fillRef>
-          <a:effectRef idx="0">
-            <a:schemeClr val="accent1"/>
-          </a:effectRef>
-          <a:fontRef idx="minor">
-            <a:schemeClr val="tx1"/>
-          </a:fontRef>
-        </p:style>
-      </p:cxnSp>
-      <p:cxnSp>
-        <p:nvCxnSpPr>
-          <p:cNvPr id="42" name="Connettore 4 41"/>
-          <p:cNvCxnSpPr>
-            <a:stCxn id="35" idx="2"/>
-            <a:endCxn id="6" idx="2"/>
-          </p:cNvCxnSpPr>
-          <p:nvPr/>
-        </p:nvCxnSpPr>
-        <p:spPr>
-          <a:xfrm rot="10800000">
-            <a:off x="2689157" y="2802887"/>
-            <a:ext cx="487368" cy="703122"/>
-          </a:xfrm>
-          <a:prstGeom prst="bentConnector2">
-            <a:avLst/>
-          </a:prstGeom>
-          <a:ln w="28575">
-            <a:solidFill>
-              <a:srgbClr val="00B050"/>
-            </a:solidFill>
-            <a:prstDash val="sysDot"/>
-            <a:tailEnd type="arrow"/>
-          </a:ln>
-        </p:spPr>
-        <p:style>
-          <a:lnRef idx="1">
-            <a:schemeClr val="accent1"/>
-          </a:lnRef>
-          <a:fillRef idx="0">
-            <a:schemeClr val="accent1"/>
-          </a:fillRef>
-          <a:effectRef idx="0">
-            <a:schemeClr val="accent1"/>
-          </a:effectRef>
-          <a:fontRef idx="minor">
-            <a:schemeClr val="tx1"/>
-          </a:fontRef>
-        </p:style>
-      </p:cxnSp>
-      <p:sp>
-        <p:nvSpPr>
-          <p:cNvPr id="53" name="Rettangolo 52"/>
-          <p:cNvSpPr/>
-          <p:nvPr/>
-        </p:nvSpPr>
-        <p:spPr>
-          <a:xfrm>
-            <a:off x="7311526" y="1833979"/>
-            <a:ext cx="1236621" cy="369332"/>
-          </a:xfrm>
-          <a:prstGeom prst="rect">
-            <a:avLst/>
-          </a:prstGeom>
-        </p:spPr>
-        <p:txBody>
-          <a:bodyPr wrap="none">
-            <a:spAutoFit/>
-          </a:bodyPr>
-          <a:lstStyle/>
-          <a:p>
-            <a:r>
-              <a:rPr lang="en-GB" dirty="0" smtClean="0"/>
-              <a:t>‘alien’ entity</a:t>
-            </a:r>
-          </a:p>
-        </p:txBody>
-      </p:sp>
-      <p:sp>
-        <p:nvSpPr>
-          <p:cNvPr id="54" name="Figura a mano libera 53"/>
-          <p:cNvSpPr/>
-          <p:nvPr/>
-        </p:nvSpPr>
-        <p:spPr>
-          <a:xfrm>
-            <a:off x="7627997" y="1482788"/>
-            <a:ext cx="573277" cy="400110"/>
+            <a:off x="3225093" y="4392577"/>
+            <a:ext cx="1050605" cy="678162"/>
           </a:xfrm>
           <a:custGeom>
             <a:avLst/>
@@ -34195,6 +32875,3229 @@
           </a:p>
         </p:txBody>
       </p:sp>
+      <p:sp>
+        <p:nvSpPr>
+          <p:cNvPr id="54" name="CasellaDiTesto 53"/>
+          <p:cNvSpPr txBox="1"/>
+          <p:nvPr/>
+        </p:nvSpPr>
+        <p:spPr>
+          <a:xfrm>
+            <a:off x="3480930" y="4577769"/>
+            <a:ext cx="538930" cy="307777"/>
+          </a:xfrm>
+          <a:prstGeom prst="rect">
+            <a:avLst/>
+          </a:prstGeom>
+          <a:noFill/>
+        </p:spPr>
+        <p:txBody>
+          <a:bodyPr wrap="none" rtlCol="0">
+            <a:spAutoFit/>
+          </a:bodyPr>
+          <a:lstStyle/>
+          <a:p>
+            <a:r>
+              <a:rPr lang="it-IT" sz="1400" dirty="0" err="1" smtClean="0">
+                <a:latin typeface="Calibri" panose="020F0502020204030204" pitchFamily="34" charset="0"/>
+                <a:cs typeface="Calibri" panose="020F0502020204030204" pitchFamily="34" charset="0"/>
+              </a:rPr>
+              <a:t>alien</a:t>
+            </a:r>
+            <a:endParaRPr lang="en-GB" sz="1400" dirty="0"/>
+          </a:p>
+        </p:txBody>
+      </p:sp>
+      <p:cxnSp>
+        <p:nvCxnSpPr>
+          <p:cNvPr id="55" name="Connettore 4 54"/>
+          <p:cNvCxnSpPr>
+            <a:stCxn id="35" idx="0"/>
+            <a:endCxn id="56" idx="0"/>
+          </p:cNvCxnSpPr>
+          <p:nvPr/>
+        </p:nvCxnSpPr>
+        <p:spPr>
+          <a:xfrm rot="16200000" flipH="1" flipV="1">
+            <a:off x="5203042" y="2880516"/>
+            <a:ext cx="155756" cy="3095011"/>
+          </a:xfrm>
+          <a:prstGeom prst="bentConnector3">
+            <a:avLst>
+              <a:gd name="adj1" fmla="val -146768"/>
+            </a:avLst>
+          </a:prstGeom>
+          <a:ln>
+            <a:solidFill>
+              <a:srgbClr val="00B050"/>
+            </a:solidFill>
+            <a:prstDash val="lgDash"/>
+            <a:tailEnd type="arrow"/>
+          </a:ln>
+        </p:spPr>
+        <p:style>
+          <a:lnRef idx="1">
+            <a:schemeClr val="accent1"/>
+          </a:lnRef>
+          <a:fillRef idx="0">
+            <a:schemeClr val="accent1"/>
+          </a:fillRef>
+          <a:effectRef idx="0">
+            <a:schemeClr val="accent1"/>
+          </a:effectRef>
+          <a:fontRef idx="minor">
+            <a:schemeClr val="tx1"/>
+          </a:fontRef>
+        </p:style>
+      </p:cxnSp>
+      <p:sp>
+        <p:nvSpPr>
+          <p:cNvPr id="75" name="Rettangolo 74"/>
+          <p:cNvSpPr/>
+          <p:nvPr/>
+        </p:nvSpPr>
+        <p:spPr>
+          <a:xfrm>
+            <a:off x="4591517" y="3717032"/>
+            <a:ext cx="1524776" cy="369332"/>
+          </a:xfrm>
+          <a:prstGeom prst="rect">
+            <a:avLst/>
+          </a:prstGeom>
+        </p:spPr>
+        <p:txBody>
+          <a:bodyPr wrap="none">
+            <a:spAutoFit/>
+          </a:bodyPr>
+          <a:lstStyle/>
+          <a:p>
+            <a:r>
+              <a:rPr lang="it-IT" dirty="0" err="1"/>
+              <a:t>s</a:t>
+            </a:r>
+            <a:r>
+              <a:rPr lang="it-IT" dirty="0" err="1" smtClean="0"/>
+              <a:t>ensor</a:t>
+            </a:r>
+            <a:r>
+              <a:rPr lang="it-IT" dirty="0" smtClean="0"/>
+              <a:t>/</a:t>
+            </a:r>
+            <a:r>
+              <a:rPr lang="it-IT" dirty="0" err="1" smtClean="0"/>
+              <a:t>collision</a:t>
+            </a:r>
+            <a:endParaRPr lang="en-GB" dirty="0"/>
+          </a:p>
+        </p:txBody>
+      </p:sp>
+    </p:spTree>
+    <p:extLst>
+      <p:ext uri="{BB962C8B-B14F-4D97-AF65-F5344CB8AC3E}">
+        <p14:creationId xmlns:p14="http://schemas.microsoft.com/office/powerpoint/2010/main" val="2041128420"/>
+      </p:ext>
+    </p:extLst>
+  </p:cSld>
+  <p:clrMapOvr>
+    <a:masterClrMapping/>
+  </p:clrMapOvr>
+</p:sld>
+</file>
+
+<file path=ppt/slides/slide38.xml><?xml version="1.0" encoding="utf-8"?>
+<p:sld xmlns:a="http://schemas.openxmlformats.org/drawingml/2006/main" xmlns:r="http://schemas.openxmlformats.org/officeDocument/2006/relationships" xmlns:p="http://schemas.openxmlformats.org/presentationml/2006/main">
+  <p:cSld>
+    <p:spTree>
+      <p:nvGrpSpPr>
+        <p:cNvPr id="1" name=""/>
+        <p:cNvGrpSpPr/>
+        <p:nvPr/>
+      </p:nvGrpSpPr>
+      <p:grpSpPr>
+        <a:xfrm>
+          <a:off x="0" y="0"/>
+          <a:ext cx="0" cy="0"/>
+          <a:chOff x="0" y="0"/>
+          <a:chExt cx="0" cy="0"/>
+        </a:xfrm>
+      </p:grpSpPr>
+      <p:sp>
+        <p:nvSpPr>
+          <p:cNvPr id="10" name="Ovale 33">
+            <a:extLst>
+              <a:ext uri="{FF2B5EF4-FFF2-40B4-BE49-F238E27FC236}">
+                <a16:creationId xmlns="" xmlns:a16="http://schemas.microsoft.com/office/drawing/2014/main" id="{A4E6BBEC-1E11-48AC-9881-2BCB8F6CF48A}"/>
+              </a:ext>
+            </a:extLst>
+          </p:cNvPr>
+          <p:cNvSpPr/>
+          <p:nvPr/>
+        </p:nvSpPr>
+        <p:spPr>
+          <a:xfrm>
+            <a:off x="2689011" y="1420726"/>
+            <a:ext cx="507973" cy="462261"/>
+          </a:xfrm>
+          <a:prstGeom prst="ellipse">
+            <a:avLst/>
+          </a:prstGeom>
+          <a:solidFill>
+            <a:srgbClr val="CCFF66"/>
+          </a:solidFill>
+          <a:ln/>
+        </p:spPr>
+        <p:style>
+          <a:lnRef idx="1">
+            <a:schemeClr val="accent5"/>
+          </a:lnRef>
+          <a:fillRef idx="2">
+            <a:schemeClr val="accent5"/>
+          </a:fillRef>
+          <a:effectRef idx="1">
+            <a:schemeClr val="accent5"/>
+          </a:effectRef>
+          <a:fontRef idx="minor">
+            <a:schemeClr val="dk1"/>
+          </a:fontRef>
+        </p:style>
+        <p:txBody>
+          <a:bodyPr rtlCol="0" anchor="ctr"/>
+          <a:lstStyle/>
+          <a:p>
+            <a:pPr algn="ctr"/>
+            <a:r>
+              <a:rPr lang="en-GB" sz="1200" dirty="0"/>
+              <a:t> </a:t>
+            </a:r>
+          </a:p>
+        </p:txBody>
+      </p:sp>
+      <p:sp>
+        <p:nvSpPr>
+          <p:cNvPr id="2" name="Segnaposto piè di pagina 1"/>
+          <p:cNvSpPr>
+            <a:spLocks noGrp="1"/>
+          </p:cNvSpPr>
+          <p:nvPr>
+            <p:ph type="ftr" sz="quarter" idx="11"/>
+          </p:nvPr>
+        </p:nvSpPr>
+        <p:spPr/>
+        <p:txBody>
+          <a:bodyPr/>
+          <a:lstStyle/>
+          <a:p>
+            <a:r>
+              <a:rPr lang="it-IT" smtClean="0"/>
+              <a:t>ANatali  - DISI - ISSM2020  Univeristy of Bologna</a:t>
+            </a:r>
+            <a:endParaRPr lang="en-GB"/>
+          </a:p>
+        </p:txBody>
+      </p:sp>
+      <p:sp>
+        <p:nvSpPr>
+          <p:cNvPr id="3" name="Segnaposto numero diapositiva 2"/>
+          <p:cNvSpPr>
+            <a:spLocks noGrp="1"/>
+          </p:cNvSpPr>
+          <p:nvPr>
+            <p:ph type="sldNum" sz="quarter" idx="12"/>
+          </p:nvPr>
+        </p:nvSpPr>
+        <p:spPr/>
+        <p:txBody>
+          <a:bodyPr/>
+          <a:lstStyle/>
+          <a:p>
+            <a:fld id="{6F6A5AB3-AF76-4EC9-853D-D4C335162C13}" type="slidenum">
+              <a:rPr lang="en-GB" smtClean="0"/>
+              <a:t>38</a:t>
+            </a:fld>
+            <a:endParaRPr lang="en-GB"/>
+          </a:p>
+        </p:txBody>
+      </p:sp>
+      <p:grpSp>
+        <p:nvGrpSpPr>
+          <p:cNvPr id="4" name="Gruppo 82">
+            <a:extLst>
+              <a:ext uri="{FF2B5EF4-FFF2-40B4-BE49-F238E27FC236}">
+                <a16:creationId xmlns="" xmlns:a16="http://schemas.microsoft.com/office/drawing/2014/main" id="{12D969AC-9EB0-4CF5-9EE5-D0DD7ACA9C72}"/>
+              </a:ext>
+            </a:extLst>
+          </p:cNvPr>
+          <p:cNvGrpSpPr/>
+          <p:nvPr/>
+        </p:nvGrpSpPr>
+        <p:grpSpPr>
+          <a:xfrm>
+            <a:off x="1562086" y="926908"/>
+            <a:ext cx="1409184" cy="1234655"/>
+            <a:chOff x="1194666" y="2417771"/>
+            <a:chExt cx="866156" cy="763297"/>
+          </a:xfrm>
+        </p:grpSpPr>
+        <p:sp>
+          <p:nvSpPr>
+            <p:cNvPr id="5" name="Ovale 38">
+              <a:extLst>
+                <a:ext uri="{FF2B5EF4-FFF2-40B4-BE49-F238E27FC236}">
+                  <a16:creationId xmlns="" xmlns:a16="http://schemas.microsoft.com/office/drawing/2014/main" id="{0EB3DE65-C1E4-4AD3-B909-2646317ECA68}"/>
+                </a:ext>
+              </a:extLst>
+            </p:cNvPr>
+            <p:cNvSpPr/>
+            <p:nvPr/>
+          </p:nvSpPr>
+          <p:spPr>
+            <a:xfrm>
+              <a:off x="1311101" y="2460988"/>
+              <a:ext cx="749721" cy="720080"/>
+            </a:xfrm>
+            <a:prstGeom prst="ellipse">
+              <a:avLst/>
+            </a:prstGeom>
+            <a:solidFill>
+              <a:srgbClr val="FFCCFF"/>
+            </a:solidFill>
+            <a:ln/>
+          </p:spPr>
+          <p:style>
+            <a:lnRef idx="1">
+              <a:schemeClr val="accent5"/>
+            </a:lnRef>
+            <a:fillRef idx="2">
+              <a:schemeClr val="accent5"/>
+            </a:fillRef>
+            <a:effectRef idx="1">
+              <a:schemeClr val="accent5"/>
+            </a:effectRef>
+            <a:fontRef idx="minor">
+              <a:schemeClr val="dk1"/>
+            </a:fontRef>
+          </p:style>
+          <p:txBody>
+            <a:bodyPr rtlCol="0" anchor="ctr"/>
+            <a:lstStyle/>
+            <a:p>
+              <a:pPr algn="ctr"/>
+              <a:r>
+                <a:rPr lang="en-GB" sz="1200" dirty="0"/>
+                <a:t> </a:t>
+              </a:r>
+            </a:p>
+          </p:txBody>
+        </p:sp>
+        <p:sp>
+          <p:nvSpPr>
+            <p:cNvPr id="6" name="Rettangolo 39">
+              <a:extLst>
+                <a:ext uri="{FF2B5EF4-FFF2-40B4-BE49-F238E27FC236}">
+                  <a16:creationId xmlns="" xmlns:a16="http://schemas.microsoft.com/office/drawing/2014/main" id="{AAF0ABD1-BB2B-450B-9369-91FF5B4CE129}"/>
+                </a:ext>
+              </a:extLst>
+            </p:cNvPr>
+            <p:cNvSpPr/>
+            <p:nvPr/>
+          </p:nvSpPr>
+          <p:spPr>
+            <a:xfrm>
+              <a:off x="1194666" y="2699711"/>
+              <a:ext cx="281433" cy="211952"/>
+            </a:xfrm>
+            <a:prstGeom prst="rect">
+              <a:avLst/>
+            </a:prstGeom>
+            <a:solidFill>
+              <a:srgbClr val="FFCCFF"/>
+            </a:solidFill>
+            <a:ln/>
+          </p:spPr>
+          <p:style>
+            <a:lnRef idx="1">
+              <a:schemeClr val="accent5"/>
+            </a:lnRef>
+            <a:fillRef idx="2">
+              <a:schemeClr val="accent5"/>
+            </a:fillRef>
+            <a:effectRef idx="1">
+              <a:schemeClr val="accent5"/>
+            </a:effectRef>
+            <a:fontRef idx="minor">
+              <a:schemeClr val="dk1"/>
+            </a:fontRef>
+          </p:style>
+          <p:txBody>
+            <a:bodyPr rtlCol="0" anchor="ctr"/>
+            <a:lstStyle/>
+            <a:p>
+              <a:pPr algn="ctr"/>
+              <a:endParaRPr lang="en-GB" sz="1200"/>
+            </a:p>
+          </p:txBody>
+        </p:sp>
+        <p:sp>
+          <p:nvSpPr>
+            <p:cNvPr id="7" name="Triangolo isoscele 42">
+              <a:extLst>
+                <a:ext uri="{FF2B5EF4-FFF2-40B4-BE49-F238E27FC236}">
+                  <a16:creationId xmlns="" xmlns:a16="http://schemas.microsoft.com/office/drawing/2014/main" id="{34D1AFB1-88AB-4A6C-9824-2CF6DE11BF7C}"/>
+                </a:ext>
+              </a:extLst>
+            </p:cNvPr>
+            <p:cNvSpPr/>
+            <p:nvPr/>
+          </p:nvSpPr>
+          <p:spPr>
+            <a:xfrm rot="16200000">
+              <a:off x="1618539" y="2391356"/>
+              <a:ext cx="86434" cy="139263"/>
+            </a:xfrm>
+            <a:prstGeom prst="triangle">
+              <a:avLst/>
+            </a:prstGeom>
+            <a:solidFill>
+              <a:srgbClr val="FF0000"/>
+            </a:solidFill>
+            <a:ln/>
+          </p:spPr>
+          <p:style>
+            <a:lnRef idx="1">
+              <a:schemeClr val="accent5"/>
+            </a:lnRef>
+            <a:fillRef idx="2">
+              <a:schemeClr val="accent5"/>
+            </a:fillRef>
+            <a:effectRef idx="1">
+              <a:schemeClr val="accent5"/>
+            </a:effectRef>
+            <a:fontRef idx="minor">
+              <a:schemeClr val="dk1"/>
+            </a:fontRef>
+          </p:style>
+          <p:txBody>
+            <a:bodyPr rtlCol="0" anchor="ctr"/>
+            <a:lstStyle/>
+            <a:p>
+              <a:pPr algn="ctr"/>
+              <a:endParaRPr lang="en-GB" sz="1200">
+                <a:solidFill>
+                  <a:schemeClr val="dk1"/>
+                </a:solidFill>
+              </a:endParaRPr>
+            </a:p>
+          </p:txBody>
+        </p:sp>
+      </p:grpSp>
+      <p:sp>
+        <p:nvSpPr>
+          <p:cNvPr id="8" name="Rettangolo 7"/>
+          <p:cNvSpPr/>
+          <p:nvPr/>
+        </p:nvSpPr>
+        <p:spPr>
+          <a:xfrm>
+            <a:off x="1912881" y="1150492"/>
+            <a:ext cx="1044838" cy="369332"/>
+          </a:xfrm>
+          <a:prstGeom prst="rect">
+            <a:avLst/>
+          </a:prstGeom>
+        </p:spPr>
+        <p:txBody>
+          <a:bodyPr wrap="none">
+            <a:spAutoFit/>
+          </a:bodyPr>
+          <a:lstStyle/>
+          <a:p>
+            <a:r>
+              <a:rPr lang="en-GB" dirty="0" err="1" smtClean="0"/>
+              <a:t>basicrobot</a:t>
+            </a:r>
+            <a:endParaRPr lang="en-GB" dirty="0"/>
+          </a:p>
+        </p:txBody>
+      </p:sp>
+      <p:sp>
+        <p:nvSpPr>
+          <p:cNvPr id="12" name="Rettangolo 11"/>
+          <p:cNvSpPr/>
+          <p:nvPr/>
+        </p:nvSpPr>
+        <p:spPr>
+          <a:xfrm>
+            <a:off x="3196984" y="1328690"/>
+            <a:ext cx="1263616" cy="646331"/>
+          </a:xfrm>
+          <a:prstGeom prst="rect">
+            <a:avLst/>
+          </a:prstGeom>
+        </p:spPr>
+        <p:txBody>
+          <a:bodyPr wrap="none">
+            <a:spAutoFit/>
+          </a:bodyPr>
+          <a:lstStyle/>
+          <a:p>
+            <a:r>
+              <a:rPr lang="en-GB" dirty="0"/>
+              <a:t>e</a:t>
+            </a:r>
+            <a:r>
+              <a:rPr lang="en-GB" dirty="0" smtClean="0"/>
+              <a:t>mbedded</a:t>
+            </a:r>
+          </a:p>
+          <a:p>
+            <a:r>
+              <a:rPr lang="en-GB" dirty="0" err="1" smtClean="0"/>
+              <a:t>mqttSupport</a:t>
+            </a:r>
+            <a:endParaRPr lang="en-GB" dirty="0"/>
+          </a:p>
+        </p:txBody>
+      </p:sp>
+      <p:sp>
+        <p:nvSpPr>
+          <p:cNvPr id="33" name="Ovale 33">
+            <a:extLst>
+              <a:ext uri="{FF2B5EF4-FFF2-40B4-BE49-F238E27FC236}">
+                <a16:creationId xmlns="" xmlns:a16="http://schemas.microsoft.com/office/drawing/2014/main" id="{A4E6BBEC-1E11-48AC-9881-2BCB8F6CF48A}"/>
+              </a:ext>
+            </a:extLst>
+          </p:cNvPr>
+          <p:cNvSpPr/>
+          <p:nvPr/>
+        </p:nvSpPr>
+        <p:spPr>
+          <a:xfrm>
+            <a:off x="8287059" y="255353"/>
+            <a:ext cx="595127" cy="519971"/>
+          </a:xfrm>
+          <a:prstGeom prst="ellipse">
+            <a:avLst/>
+          </a:prstGeom>
+          <a:ln/>
+        </p:spPr>
+        <p:style>
+          <a:lnRef idx="1">
+            <a:schemeClr val="accent5"/>
+          </a:lnRef>
+          <a:fillRef idx="2">
+            <a:schemeClr val="accent5"/>
+          </a:fillRef>
+          <a:effectRef idx="1">
+            <a:schemeClr val="accent5"/>
+          </a:effectRef>
+          <a:fontRef idx="minor">
+            <a:schemeClr val="dk1"/>
+          </a:fontRef>
+        </p:style>
+        <p:txBody>
+          <a:bodyPr rtlCol="0" anchor="ctr"/>
+          <a:lstStyle/>
+          <a:p>
+            <a:pPr algn="ctr"/>
+            <a:r>
+              <a:rPr lang="en-GB" sz="1200" dirty="0"/>
+              <a:t> </a:t>
+            </a:r>
+          </a:p>
+        </p:txBody>
+      </p:sp>
+      <p:grpSp>
+        <p:nvGrpSpPr>
+          <p:cNvPr id="34" name="Gruppo 33"/>
+          <p:cNvGrpSpPr/>
+          <p:nvPr/>
+        </p:nvGrpSpPr>
+        <p:grpSpPr>
+          <a:xfrm>
+            <a:off x="2278392" y="2182360"/>
+            <a:ext cx="543053" cy="493108"/>
+            <a:chOff x="4403491" y="4276791"/>
+            <a:chExt cx="749721" cy="720080"/>
+          </a:xfrm>
+        </p:grpSpPr>
+        <p:sp>
+          <p:nvSpPr>
+            <p:cNvPr id="35" name="Ovale 33">
+              <a:extLst>
+                <a:ext uri="{FF2B5EF4-FFF2-40B4-BE49-F238E27FC236}">
+                  <a16:creationId xmlns="" xmlns:a16="http://schemas.microsoft.com/office/drawing/2014/main" id="{A4E6BBEC-1E11-48AC-9881-2BCB8F6CF48A}"/>
+                </a:ext>
+              </a:extLst>
+            </p:cNvPr>
+            <p:cNvSpPr/>
+            <p:nvPr/>
+          </p:nvSpPr>
+          <p:spPr>
+            <a:xfrm>
+              <a:off x="4403491" y="4276791"/>
+              <a:ext cx="749721" cy="720080"/>
+            </a:xfrm>
+            <a:prstGeom prst="ellipse">
+              <a:avLst/>
+            </a:prstGeom>
+            <a:ln/>
+          </p:spPr>
+          <p:style>
+            <a:lnRef idx="1">
+              <a:schemeClr val="accent5"/>
+            </a:lnRef>
+            <a:fillRef idx="2">
+              <a:schemeClr val="accent5"/>
+            </a:fillRef>
+            <a:effectRef idx="1">
+              <a:schemeClr val="accent5"/>
+            </a:effectRef>
+            <a:fontRef idx="minor">
+              <a:schemeClr val="dk1"/>
+            </a:fontRef>
+          </p:style>
+          <p:txBody>
+            <a:bodyPr rtlCol="0" anchor="ctr"/>
+            <a:lstStyle/>
+            <a:p>
+              <a:pPr algn="ctr"/>
+              <a:r>
+                <a:rPr lang="en-GB" sz="1200" dirty="0"/>
+                <a:t> </a:t>
+              </a:r>
+            </a:p>
+          </p:txBody>
+        </p:sp>
+        <p:cxnSp>
+          <p:nvCxnSpPr>
+            <p:cNvPr id="36" name="Connettore 2 126">
+              <a:extLst>
+                <a:ext uri="{FF2B5EF4-FFF2-40B4-BE49-F238E27FC236}">
+                  <a16:creationId xmlns="" xmlns:a16="http://schemas.microsoft.com/office/drawing/2014/main" id="{36CC678F-7232-496B-B9F9-4DE6B53CD494}"/>
+                </a:ext>
+              </a:extLst>
+            </p:cNvPr>
+            <p:cNvCxnSpPr/>
+            <p:nvPr/>
+          </p:nvCxnSpPr>
+          <p:spPr>
+            <a:xfrm flipH="1">
+              <a:off x="4764885" y="4403661"/>
+              <a:ext cx="13466" cy="393101"/>
+            </a:xfrm>
+            <a:prstGeom prst="straightConnector1">
+              <a:avLst/>
+            </a:prstGeom>
+            <a:ln>
+              <a:solidFill>
+                <a:srgbClr val="C00000"/>
+              </a:solidFill>
+              <a:prstDash val="lgDash"/>
+              <a:tailEnd type="arrow"/>
+            </a:ln>
+          </p:spPr>
+          <p:style>
+            <a:lnRef idx="1">
+              <a:schemeClr val="accent1"/>
+            </a:lnRef>
+            <a:fillRef idx="0">
+              <a:schemeClr val="accent1"/>
+            </a:fillRef>
+            <a:effectRef idx="0">
+              <a:schemeClr val="accent1"/>
+            </a:effectRef>
+            <a:fontRef idx="minor">
+              <a:schemeClr val="tx1"/>
+            </a:fontRef>
+          </p:style>
+        </p:cxnSp>
+      </p:grpSp>
+      <p:sp>
+        <p:nvSpPr>
+          <p:cNvPr id="37" name="Rettangolo 36"/>
+          <p:cNvSpPr/>
+          <p:nvPr/>
+        </p:nvSpPr>
+        <p:spPr>
+          <a:xfrm>
+            <a:off x="870885" y="2082591"/>
+            <a:ext cx="906017" cy="261610"/>
+          </a:xfrm>
+          <a:prstGeom prst="rect">
+            <a:avLst/>
+          </a:prstGeom>
+        </p:spPr>
+        <p:txBody>
+          <a:bodyPr wrap="none">
+            <a:spAutoFit/>
+          </a:bodyPr>
+          <a:lstStyle/>
+          <a:p>
+            <a:r>
+              <a:rPr lang="en-GB" sz="1100" dirty="0" err="1" smtClean="0">
+                <a:latin typeface="Arial" panose="020B0604020202020204" pitchFamily="34" charset="0"/>
+                <a:cs typeface="Arial" panose="020B0604020202020204" pitchFamily="34" charset="0"/>
+              </a:rPr>
+              <a:t>sensorData</a:t>
+            </a:r>
+            <a:endParaRPr lang="en-GB" sz="1100" dirty="0">
+              <a:latin typeface="Arial" panose="020B0604020202020204" pitchFamily="34" charset="0"/>
+              <a:cs typeface="Arial" panose="020B0604020202020204" pitchFamily="34" charset="0"/>
+            </a:endParaRPr>
+          </a:p>
+        </p:txBody>
+      </p:sp>
+      <p:sp>
+        <p:nvSpPr>
+          <p:cNvPr id="38" name="Ovale 37"/>
+          <p:cNvSpPr/>
+          <p:nvPr/>
+        </p:nvSpPr>
+        <p:spPr>
+          <a:xfrm>
+            <a:off x="2247397" y="3152217"/>
+            <a:ext cx="611062" cy="638657"/>
+          </a:xfrm>
+          <a:prstGeom prst="ellipse">
+            <a:avLst/>
+          </a:prstGeom>
+          <a:solidFill>
+            <a:srgbClr val="33CCCC"/>
+          </a:solidFill>
+          <a:ln>
+            <a:solidFill>
+              <a:srgbClr val="1318ED"/>
+            </a:solidFill>
+          </a:ln>
+        </p:spPr>
+        <p:style>
+          <a:lnRef idx="2">
+            <a:schemeClr val="accent4"/>
+          </a:lnRef>
+          <a:fillRef idx="1">
+            <a:schemeClr val="lt1"/>
+          </a:fillRef>
+          <a:effectRef idx="0">
+            <a:schemeClr val="accent4"/>
+          </a:effectRef>
+          <a:fontRef idx="minor">
+            <a:schemeClr val="dk1"/>
+          </a:fontRef>
+        </p:style>
+        <p:txBody>
+          <a:bodyPr rtlCol="0" anchor="ctr"/>
+          <a:lstStyle/>
+          <a:p>
+            <a:pPr algn="ctr"/>
+            <a:r>
+              <a:rPr lang="it-IT" sz="1100" u="sng" dirty="0" smtClean="0"/>
+              <a:t>R</a:t>
+            </a:r>
+            <a:endParaRPr lang="en-GB" sz="1100" u="sng" dirty="0"/>
+          </a:p>
+        </p:txBody>
+      </p:sp>
+      <p:cxnSp>
+        <p:nvCxnSpPr>
+          <p:cNvPr id="39" name="Connettore 2 38"/>
+          <p:cNvCxnSpPr>
+            <a:stCxn id="35" idx="4"/>
+            <a:endCxn id="38" idx="0"/>
+          </p:cNvCxnSpPr>
+          <p:nvPr/>
+        </p:nvCxnSpPr>
+        <p:spPr>
+          <a:xfrm>
+            <a:off x="2549919" y="2675468"/>
+            <a:ext cx="3009" cy="476749"/>
+          </a:xfrm>
+          <a:prstGeom prst="straightConnector1">
+            <a:avLst/>
+          </a:prstGeom>
+          <a:ln>
+            <a:tailEnd type="arrow"/>
+          </a:ln>
+        </p:spPr>
+        <p:style>
+          <a:lnRef idx="1">
+            <a:schemeClr val="accent1"/>
+          </a:lnRef>
+          <a:fillRef idx="0">
+            <a:schemeClr val="accent1"/>
+          </a:fillRef>
+          <a:effectRef idx="0">
+            <a:schemeClr val="accent1"/>
+          </a:effectRef>
+          <a:fontRef idx="minor">
+            <a:schemeClr val="tx1"/>
+          </a:fontRef>
+        </p:style>
+      </p:cxnSp>
+      <p:cxnSp>
+        <p:nvCxnSpPr>
+          <p:cNvPr id="42" name="Connettore 4 41"/>
+          <p:cNvCxnSpPr>
+            <a:stCxn id="35" idx="2"/>
+            <a:endCxn id="6" idx="2"/>
+          </p:cNvCxnSpPr>
+          <p:nvPr/>
+        </p:nvCxnSpPr>
+        <p:spPr>
+          <a:xfrm rot="10800000">
+            <a:off x="1791024" y="1725792"/>
+            <a:ext cx="487368" cy="703122"/>
+          </a:xfrm>
+          <a:prstGeom prst="bentConnector2">
+            <a:avLst/>
+          </a:prstGeom>
+          <a:ln w="28575">
+            <a:solidFill>
+              <a:srgbClr val="00B050"/>
+            </a:solidFill>
+            <a:prstDash val="sysDot"/>
+            <a:tailEnd type="arrow"/>
+          </a:ln>
+        </p:spPr>
+        <p:style>
+          <a:lnRef idx="1">
+            <a:schemeClr val="accent1"/>
+          </a:lnRef>
+          <a:fillRef idx="0">
+            <a:schemeClr val="accent1"/>
+          </a:fillRef>
+          <a:effectRef idx="0">
+            <a:schemeClr val="accent1"/>
+          </a:effectRef>
+          <a:fontRef idx="minor">
+            <a:schemeClr val="tx1"/>
+          </a:fontRef>
+        </p:style>
+      </p:cxnSp>
+      <p:cxnSp>
+        <p:nvCxnSpPr>
+          <p:cNvPr id="79" name="Connettore 1 78"/>
+          <p:cNvCxnSpPr/>
+          <p:nvPr/>
+        </p:nvCxnSpPr>
+        <p:spPr>
+          <a:xfrm>
+            <a:off x="870885" y="2913842"/>
+            <a:ext cx="3653908" cy="25860"/>
+          </a:xfrm>
+          <a:prstGeom prst="line">
+            <a:avLst/>
+          </a:prstGeom>
+          <a:ln w="28575">
+            <a:solidFill>
+              <a:srgbClr val="1318ED"/>
+            </a:solidFill>
+          </a:ln>
+        </p:spPr>
+        <p:style>
+          <a:lnRef idx="1">
+            <a:schemeClr val="accent1"/>
+          </a:lnRef>
+          <a:fillRef idx="0">
+            <a:schemeClr val="accent1"/>
+          </a:fillRef>
+          <a:effectRef idx="0">
+            <a:schemeClr val="accent1"/>
+          </a:effectRef>
+          <a:fontRef idx="minor">
+            <a:schemeClr val="tx1"/>
+          </a:fontRef>
+        </p:style>
+      </p:cxnSp>
+      <p:sp>
+        <p:nvSpPr>
+          <p:cNvPr id="88" name="Rettangolo 87"/>
+          <p:cNvSpPr/>
+          <p:nvPr/>
+        </p:nvSpPr>
+        <p:spPr>
+          <a:xfrm>
+            <a:off x="2522615" y="2353768"/>
+            <a:ext cx="2280048" cy="369332"/>
+          </a:xfrm>
+          <a:prstGeom prst="rect">
+            <a:avLst/>
+          </a:prstGeom>
+        </p:spPr>
+        <p:txBody>
+          <a:bodyPr wrap="none">
+            <a:spAutoFit/>
+          </a:bodyPr>
+          <a:lstStyle/>
+          <a:p>
+            <a:r>
+              <a:rPr lang="en-GB" dirty="0" err="1"/>
+              <a:t>virtualRobotSupportApp</a:t>
+            </a:r>
+            <a:endParaRPr lang="en-GB" dirty="0"/>
+          </a:p>
+        </p:txBody>
+      </p:sp>
+      <p:grpSp>
+        <p:nvGrpSpPr>
+          <p:cNvPr id="134" name="Gruppo 133"/>
+          <p:cNvGrpSpPr/>
+          <p:nvPr/>
+        </p:nvGrpSpPr>
+        <p:grpSpPr>
+          <a:xfrm>
+            <a:off x="4524793" y="255353"/>
+            <a:ext cx="864096" cy="741460"/>
+            <a:chOff x="4524793" y="255353"/>
+            <a:chExt cx="864096" cy="741460"/>
+          </a:xfrm>
+        </p:grpSpPr>
+        <p:sp>
+          <p:nvSpPr>
+            <p:cNvPr id="132" name="Esagono 131"/>
+            <p:cNvSpPr/>
+            <p:nvPr/>
+          </p:nvSpPr>
+          <p:spPr>
+            <a:xfrm>
+              <a:off x="4524793" y="255353"/>
+              <a:ext cx="864096" cy="741460"/>
+            </a:xfrm>
+            <a:prstGeom prst="hexagon">
+              <a:avLst/>
+            </a:prstGeom>
+            <a:solidFill>
+              <a:srgbClr val="FFFF99"/>
+            </a:solidFill>
+          </p:spPr>
+          <p:style>
+            <a:lnRef idx="2">
+              <a:schemeClr val="accent1">
+                <a:shade val="50000"/>
+              </a:schemeClr>
+            </a:lnRef>
+            <a:fillRef idx="1">
+              <a:schemeClr val="accent1"/>
+            </a:fillRef>
+            <a:effectRef idx="0">
+              <a:schemeClr val="accent1"/>
+            </a:effectRef>
+            <a:fontRef idx="minor">
+              <a:schemeClr val="lt1"/>
+            </a:fontRef>
+          </p:style>
+          <p:txBody>
+            <a:bodyPr rtlCol="0" anchor="ctr"/>
+            <a:lstStyle/>
+            <a:p>
+              <a:pPr algn="ctr"/>
+              <a:endParaRPr lang="en-GB"/>
+            </a:p>
+          </p:txBody>
+        </p:sp>
+        <p:sp>
+          <p:nvSpPr>
+            <p:cNvPr id="133" name="CasellaDiTesto 132"/>
+            <p:cNvSpPr txBox="1"/>
+            <p:nvPr/>
+          </p:nvSpPr>
+          <p:spPr>
+            <a:xfrm>
+              <a:off x="4679361" y="410639"/>
+              <a:ext cx="554960" cy="430887"/>
+            </a:xfrm>
+            <a:prstGeom prst="rect">
+              <a:avLst/>
+            </a:prstGeom>
+            <a:noFill/>
+          </p:spPr>
+          <p:txBody>
+            <a:bodyPr wrap="none" rtlCol="0">
+              <a:spAutoFit/>
+            </a:bodyPr>
+            <a:lstStyle/>
+            <a:p>
+              <a:pPr algn="ctr"/>
+              <a:r>
+                <a:rPr lang="it-IT" sz="1100" dirty="0" smtClean="0"/>
+                <a:t>MQTT</a:t>
+              </a:r>
+            </a:p>
+            <a:p>
+              <a:pPr algn="ctr"/>
+              <a:r>
+                <a:rPr lang="it-IT" sz="1100" dirty="0" smtClean="0"/>
+                <a:t>broker</a:t>
+              </a:r>
+              <a:endParaRPr lang="en-GB" sz="1100" dirty="0"/>
+            </a:p>
+          </p:txBody>
+        </p:sp>
+      </p:grpSp>
+      <p:sp>
+        <p:nvSpPr>
+          <p:cNvPr id="135" name="Rettangolo 134"/>
+          <p:cNvSpPr/>
+          <p:nvPr/>
+        </p:nvSpPr>
+        <p:spPr>
+          <a:xfrm>
+            <a:off x="196760" y="1131890"/>
+            <a:ext cx="1226618" cy="369332"/>
+          </a:xfrm>
+          <a:prstGeom prst="rect">
+            <a:avLst/>
+          </a:prstGeom>
+        </p:spPr>
+        <p:txBody>
+          <a:bodyPr wrap="none">
+            <a:spAutoFit/>
+          </a:bodyPr>
+          <a:lstStyle/>
+          <a:p>
+            <a:r>
+              <a:rPr lang="it-IT" dirty="0" smtClean="0"/>
+              <a:t>w | s | h …</a:t>
+            </a:r>
+          </a:p>
+        </p:txBody>
+      </p:sp>
+      <p:cxnSp>
+        <p:nvCxnSpPr>
+          <p:cNvPr id="136" name="Connettore 2 135"/>
+          <p:cNvCxnSpPr/>
+          <p:nvPr/>
+        </p:nvCxnSpPr>
+        <p:spPr>
+          <a:xfrm>
+            <a:off x="810069" y="1546878"/>
+            <a:ext cx="723640" cy="0"/>
+          </a:xfrm>
+          <a:prstGeom prst="straightConnector1">
+            <a:avLst/>
+          </a:prstGeom>
+          <a:ln>
+            <a:prstDash val="lgDash"/>
+            <a:tailEnd type="arrow"/>
+          </a:ln>
+        </p:spPr>
+        <p:style>
+          <a:lnRef idx="1">
+            <a:schemeClr val="accent1"/>
+          </a:lnRef>
+          <a:fillRef idx="0">
+            <a:schemeClr val="accent1"/>
+          </a:fillRef>
+          <a:effectRef idx="0">
+            <a:schemeClr val="accent1"/>
+          </a:effectRef>
+          <a:fontRef idx="minor">
+            <a:schemeClr val="tx1"/>
+          </a:fontRef>
+        </p:style>
+      </p:cxnSp>
+      <p:sp>
+        <p:nvSpPr>
+          <p:cNvPr id="137" name="Ovale 136"/>
+          <p:cNvSpPr/>
+          <p:nvPr/>
+        </p:nvSpPr>
+        <p:spPr>
+          <a:xfrm>
+            <a:off x="5685730" y="3265924"/>
+            <a:ext cx="1122077" cy="648072"/>
+          </a:xfrm>
+          <a:prstGeom prst="ellipse">
+            <a:avLst/>
+          </a:prstGeom>
+          <a:ln>
+            <a:solidFill>
+              <a:srgbClr val="0070C0"/>
+            </a:solidFill>
+          </a:ln>
+        </p:spPr>
+        <p:style>
+          <a:lnRef idx="2">
+            <a:schemeClr val="accent2"/>
+          </a:lnRef>
+          <a:fillRef idx="1">
+            <a:schemeClr val="lt1"/>
+          </a:fillRef>
+          <a:effectRef idx="0">
+            <a:schemeClr val="accent2"/>
+          </a:effectRef>
+          <a:fontRef idx="minor">
+            <a:schemeClr val="dk1"/>
+          </a:fontRef>
+        </p:style>
+        <p:txBody>
+          <a:bodyPr rtlCol="0" anchor="ctr"/>
+          <a:lstStyle/>
+          <a:p>
+            <a:pPr algn="ctr"/>
+            <a:r>
+              <a:rPr lang="it-IT" sz="1400" dirty="0" err="1" smtClean="0"/>
+              <a:t>endwork</a:t>
+            </a:r>
+            <a:endParaRPr lang="en-GB" sz="1400" dirty="0"/>
+          </a:p>
+        </p:txBody>
+      </p:sp>
+      <p:sp>
+        <p:nvSpPr>
+          <p:cNvPr id="138" name="Ovale 137"/>
+          <p:cNvSpPr/>
+          <p:nvPr/>
+        </p:nvSpPr>
+        <p:spPr>
+          <a:xfrm>
+            <a:off x="4377860" y="4369571"/>
+            <a:ext cx="720080" cy="648072"/>
+          </a:xfrm>
+          <a:prstGeom prst="ellipse">
+            <a:avLst/>
+          </a:prstGeom>
+          <a:ln>
+            <a:solidFill>
+              <a:srgbClr val="0070C0"/>
+            </a:solidFill>
+          </a:ln>
+        </p:spPr>
+        <p:style>
+          <a:lnRef idx="2">
+            <a:schemeClr val="accent2"/>
+          </a:lnRef>
+          <a:fillRef idx="1">
+            <a:schemeClr val="lt1"/>
+          </a:fillRef>
+          <a:effectRef idx="0">
+            <a:schemeClr val="accent2"/>
+          </a:effectRef>
+          <a:fontRef idx="minor">
+            <a:schemeClr val="dk1"/>
+          </a:fontRef>
+        </p:style>
+        <p:txBody>
+          <a:bodyPr rtlCol="0" anchor="ctr"/>
+          <a:lstStyle/>
+          <a:p>
+            <a:pPr algn="ctr"/>
+            <a:r>
+              <a:rPr lang="en-GB" sz="1400" dirty="0" err="1"/>
+              <a:t>init</a:t>
+            </a:r>
+            <a:endParaRPr lang="en-GB" sz="1400" dirty="0"/>
+          </a:p>
+        </p:txBody>
+      </p:sp>
+      <p:sp>
+        <p:nvSpPr>
+          <p:cNvPr id="139" name="Ovale 138"/>
+          <p:cNvSpPr/>
+          <p:nvPr/>
+        </p:nvSpPr>
+        <p:spPr>
+          <a:xfrm>
+            <a:off x="4233844" y="4628370"/>
+            <a:ext cx="144016" cy="178684"/>
+          </a:xfrm>
+          <a:prstGeom prst="ellipse">
+            <a:avLst/>
+          </a:prstGeom>
+        </p:spPr>
+        <p:style>
+          <a:lnRef idx="2">
+            <a:schemeClr val="accent1">
+              <a:shade val="50000"/>
+            </a:schemeClr>
+          </a:lnRef>
+          <a:fillRef idx="1">
+            <a:schemeClr val="accent1"/>
+          </a:fillRef>
+          <a:effectRef idx="0">
+            <a:schemeClr val="accent1"/>
+          </a:effectRef>
+          <a:fontRef idx="minor">
+            <a:schemeClr val="lt1"/>
+          </a:fontRef>
+        </p:style>
+        <p:txBody>
+          <a:bodyPr rtlCol="0" anchor="ctr"/>
+          <a:lstStyle/>
+          <a:p>
+            <a:pPr algn="ctr"/>
+            <a:endParaRPr lang="en-GB"/>
+          </a:p>
+        </p:txBody>
+      </p:sp>
+      <p:cxnSp>
+        <p:nvCxnSpPr>
+          <p:cNvPr id="140" name="Connettore 4 139"/>
+          <p:cNvCxnSpPr/>
+          <p:nvPr/>
+        </p:nvCxnSpPr>
+        <p:spPr>
+          <a:xfrm flipV="1">
+            <a:off x="5097940" y="4702298"/>
+            <a:ext cx="586466" cy="4552"/>
+          </a:xfrm>
+          <a:prstGeom prst="bentConnector3">
+            <a:avLst>
+              <a:gd name="adj1" fmla="val 50000"/>
+            </a:avLst>
+          </a:prstGeom>
+          <a:ln>
+            <a:tailEnd type="arrow"/>
+          </a:ln>
+        </p:spPr>
+        <p:style>
+          <a:lnRef idx="1">
+            <a:schemeClr val="accent1"/>
+          </a:lnRef>
+          <a:fillRef idx="0">
+            <a:schemeClr val="accent1"/>
+          </a:fillRef>
+          <a:effectRef idx="0">
+            <a:schemeClr val="accent1"/>
+          </a:effectRef>
+          <a:fontRef idx="minor">
+            <a:schemeClr val="tx1"/>
+          </a:fontRef>
+        </p:style>
+      </p:cxnSp>
+      <p:sp>
+        <p:nvSpPr>
+          <p:cNvPr id="141" name="Rectangle 5">
+            <a:extLst>
+              <a:ext uri="{FF2B5EF4-FFF2-40B4-BE49-F238E27FC236}">
+                <a16:creationId xmlns="" xmlns:a16="http://schemas.microsoft.com/office/drawing/2014/main" id="{9529310F-209D-4FC3-82E8-EEC7E3A85851}"/>
+              </a:ext>
+            </a:extLst>
+          </p:cNvPr>
+          <p:cNvSpPr>
+            <a:spLocks noChangeArrowheads="1"/>
+          </p:cNvSpPr>
+          <p:nvPr/>
+        </p:nvSpPr>
+        <p:spPr bwMode="auto">
+          <a:xfrm>
+            <a:off x="5141721" y="4423988"/>
+            <a:ext cx="471604" cy="307777"/>
+          </a:xfrm>
+          <a:prstGeom prst="rect">
+            <a:avLst/>
+          </a:prstGeom>
+          <a:noFill/>
+        </p:spPr>
+        <p:txBody>
+          <a:bodyPr wrap="none" rtlCol="0">
+            <a:spAutoFit/>
+          </a:bodyPr>
+          <a:lstStyle/>
+          <a:p>
+            <a:r>
+              <a:rPr lang="en-US" altLang="en-US" sz="1400" dirty="0" smtClean="0">
+                <a:latin typeface="Symbol" panose="05050102010706020507" pitchFamily="18" charset="2"/>
+                <a:cs typeface="Arial" panose="020B0604020202020204" pitchFamily="34" charset="0"/>
+              </a:rPr>
+              <a:t>e</a:t>
+            </a:r>
+            <a:r>
+              <a:rPr lang="en-US" altLang="en-US" sz="1400" dirty="0" smtClean="0">
+                <a:latin typeface="Arial" panose="020B0604020202020204" pitchFamily="34" charset="0"/>
+                <a:cs typeface="Arial" panose="020B0604020202020204" pitchFamily="34" charset="0"/>
+              </a:rPr>
+              <a:t>-m</a:t>
+            </a:r>
+            <a:endParaRPr lang="en-US" altLang="en-US" sz="1400" dirty="0">
+              <a:latin typeface="Arial" panose="020B0604020202020204" pitchFamily="34" charset="0"/>
+              <a:cs typeface="Arial" panose="020B0604020202020204" pitchFamily="34" charset="0"/>
+            </a:endParaRPr>
+          </a:p>
+        </p:txBody>
+      </p:sp>
+      <p:sp>
+        <p:nvSpPr>
+          <p:cNvPr id="142" name="Ovale 141"/>
+          <p:cNvSpPr/>
+          <p:nvPr/>
+        </p:nvSpPr>
+        <p:spPr>
+          <a:xfrm>
+            <a:off x="5684405" y="4378262"/>
+            <a:ext cx="1123402" cy="648072"/>
+          </a:xfrm>
+          <a:prstGeom prst="ellipse">
+            <a:avLst/>
+          </a:prstGeom>
+          <a:ln>
+            <a:solidFill>
+              <a:srgbClr val="0070C0"/>
+            </a:solidFill>
+          </a:ln>
+        </p:spPr>
+        <p:style>
+          <a:lnRef idx="2">
+            <a:schemeClr val="accent2"/>
+          </a:lnRef>
+          <a:fillRef idx="1">
+            <a:schemeClr val="lt1"/>
+          </a:fillRef>
+          <a:effectRef idx="0">
+            <a:schemeClr val="accent2"/>
+          </a:effectRef>
+          <a:fontRef idx="minor">
+            <a:schemeClr val="dk1"/>
+          </a:fontRef>
+        </p:style>
+        <p:txBody>
+          <a:bodyPr rtlCol="0" anchor="ctr"/>
+          <a:lstStyle/>
+          <a:p>
+            <a:pPr algn="ctr"/>
+            <a:r>
+              <a:rPr lang="en-GB" sz="1400" dirty="0" err="1"/>
+              <a:t>waitcmd</a:t>
+            </a:r>
+            <a:endParaRPr lang="en-GB" sz="1400" dirty="0"/>
+          </a:p>
+        </p:txBody>
+      </p:sp>
+      <p:cxnSp>
+        <p:nvCxnSpPr>
+          <p:cNvPr id="143" name="Connettore 4 142"/>
+          <p:cNvCxnSpPr>
+            <a:stCxn id="147" idx="4"/>
+            <a:endCxn id="142" idx="3"/>
+          </p:cNvCxnSpPr>
+          <p:nvPr/>
+        </p:nvCxnSpPr>
+        <p:spPr>
+          <a:xfrm rot="5400000" flipH="1">
+            <a:off x="6526128" y="4254222"/>
+            <a:ext cx="830953" cy="2185363"/>
+          </a:xfrm>
+          <a:prstGeom prst="bentConnector3">
+            <a:avLst>
+              <a:gd name="adj1" fmla="val -27511"/>
+            </a:avLst>
+          </a:prstGeom>
+          <a:ln>
+            <a:tailEnd type="arrow"/>
+          </a:ln>
+        </p:spPr>
+        <p:style>
+          <a:lnRef idx="1">
+            <a:schemeClr val="accent1"/>
+          </a:lnRef>
+          <a:fillRef idx="0">
+            <a:schemeClr val="accent1"/>
+          </a:fillRef>
+          <a:effectRef idx="0">
+            <a:schemeClr val="accent1"/>
+          </a:effectRef>
+          <a:fontRef idx="minor">
+            <a:schemeClr val="tx1"/>
+          </a:fontRef>
+        </p:style>
+      </p:cxnSp>
+      <p:sp>
+        <p:nvSpPr>
+          <p:cNvPr id="144" name="Rectangle 5">
+            <a:extLst>
+              <a:ext uri="{FF2B5EF4-FFF2-40B4-BE49-F238E27FC236}">
+                <a16:creationId xmlns="" xmlns:a16="http://schemas.microsoft.com/office/drawing/2014/main" id="{9529310F-209D-4FC3-82E8-EEC7E3A85851}"/>
+              </a:ext>
+            </a:extLst>
+          </p:cNvPr>
+          <p:cNvSpPr>
+            <a:spLocks noChangeArrowheads="1"/>
+          </p:cNvSpPr>
+          <p:nvPr/>
+        </p:nvSpPr>
+        <p:spPr bwMode="auto">
+          <a:xfrm>
+            <a:off x="7251774" y="5734787"/>
+            <a:ext cx="471604" cy="307777"/>
+          </a:xfrm>
+          <a:prstGeom prst="rect">
+            <a:avLst/>
+          </a:prstGeom>
+          <a:noFill/>
+        </p:spPr>
+        <p:txBody>
+          <a:bodyPr wrap="none" rtlCol="0">
+            <a:spAutoFit/>
+          </a:bodyPr>
+          <a:lstStyle/>
+          <a:p>
+            <a:r>
+              <a:rPr lang="en-US" altLang="en-US" sz="1400" dirty="0" smtClean="0">
+                <a:latin typeface="Symbol" panose="05050102010706020507" pitchFamily="18" charset="2"/>
+                <a:cs typeface="Arial" panose="020B0604020202020204" pitchFamily="34" charset="0"/>
+              </a:rPr>
+              <a:t>e</a:t>
+            </a:r>
+            <a:r>
+              <a:rPr lang="en-US" altLang="en-US" sz="1400" dirty="0" smtClean="0">
+                <a:latin typeface="Arial" panose="020B0604020202020204" pitchFamily="34" charset="0"/>
+                <a:cs typeface="Arial" panose="020B0604020202020204" pitchFamily="34" charset="0"/>
+              </a:rPr>
+              <a:t>-m</a:t>
+            </a:r>
+            <a:endParaRPr lang="en-US" altLang="en-US" sz="1400" dirty="0">
+              <a:latin typeface="Arial" panose="020B0604020202020204" pitchFamily="34" charset="0"/>
+              <a:cs typeface="Arial" panose="020B0604020202020204" pitchFamily="34" charset="0"/>
+            </a:endParaRPr>
+          </a:p>
+        </p:txBody>
+      </p:sp>
+      <p:cxnSp>
+        <p:nvCxnSpPr>
+          <p:cNvPr id="145" name="Connettore 4 144"/>
+          <p:cNvCxnSpPr>
+            <a:stCxn id="142" idx="0"/>
+            <a:endCxn id="137" idx="4"/>
+          </p:cNvCxnSpPr>
+          <p:nvPr/>
+        </p:nvCxnSpPr>
+        <p:spPr>
+          <a:xfrm rot="5400000" flipH="1" flipV="1">
+            <a:off x="6014304" y="4145798"/>
+            <a:ext cx="464266" cy="663"/>
+          </a:xfrm>
+          <a:prstGeom prst="bentConnector3">
+            <a:avLst>
+              <a:gd name="adj1" fmla="val 50000"/>
+            </a:avLst>
+          </a:prstGeom>
+          <a:ln>
+            <a:tailEnd type="arrow"/>
+          </a:ln>
+        </p:spPr>
+        <p:style>
+          <a:lnRef idx="1">
+            <a:schemeClr val="accent1"/>
+          </a:lnRef>
+          <a:fillRef idx="0">
+            <a:schemeClr val="accent1"/>
+          </a:fillRef>
+          <a:effectRef idx="0">
+            <a:schemeClr val="accent1"/>
+          </a:effectRef>
+          <a:fontRef idx="minor">
+            <a:schemeClr val="tx1"/>
+          </a:fontRef>
+        </p:style>
+      </p:cxnSp>
+      <p:sp>
+        <p:nvSpPr>
+          <p:cNvPr id="146" name="Rettangolo 145"/>
+          <p:cNvSpPr/>
+          <p:nvPr/>
+        </p:nvSpPr>
+        <p:spPr>
+          <a:xfrm>
+            <a:off x="5637430" y="3828650"/>
+            <a:ext cx="554960" cy="369332"/>
+          </a:xfrm>
+          <a:prstGeom prst="rect">
+            <a:avLst/>
+          </a:prstGeom>
+        </p:spPr>
+        <p:txBody>
+          <a:bodyPr wrap="none">
+            <a:spAutoFit/>
+          </a:bodyPr>
+          <a:lstStyle/>
+          <a:p>
+            <a:r>
+              <a:rPr lang="en-GB" b="1" dirty="0" smtClean="0">
+                <a:solidFill>
+                  <a:srgbClr val="00B0F0"/>
+                </a:solidFill>
+              </a:rPr>
+              <a:t>end</a:t>
+            </a:r>
+            <a:endParaRPr lang="en-GB" b="1" dirty="0">
+              <a:solidFill>
+                <a:srgbClr val="00B0F0"/>
+              </a:solidFill>
+            </a:endParaRPr>
+          </a:p>
+        </p:txBody>
+      </p:sp>
+      <p:sp>
+        <p:nvSpPr>
+          <p:cNvPr id="147" name="Ovale 146"/>
+          <p:cNvSpPr/>
+          <p:nvPr/>
+        </p:nvSpPr>
+        <p:spPr>
+          <a:xfrm>
+            <a:off x="7358629" y="5114307"/>
+            <a:ext cx="1351313" cy="648072"/>
+          </a:xfrm>
+          <a:prstGeom prst="ellipse">
+            <a:avLst/>
+          </a:prstGeom>
+          <a:ln>
+            <a:solidFill>
+              <a:srgbClr val="0070C0"/>
+            </a:solidFill>
+          </a:ln>
+        </p:spPr>
+        <p:style>
+          <a:lnRef idx="2">
+            <a:schemeClr val="accent2"/>
+          </a:lnRef>
+          <a:fillRef idx="1">
+            <a:schemeClr val="lt1"/>
+          </a:fillRef>
+          <a:effectRef idx="0">
+            <a:schemeClr val="accent2"/>
+          </a:effectRef>
+          <a:fontRef idx="minor">
+            <a:schemeClr val="dk1"/>
+          </a:fontRef>
+        </p:style>
+        <p:txBody>
+          <a:bodyPr rtlCol="0" anchor="ctr"/>
+          <a:lstStyle/>
+          <a:p>
+            <a:pPr algn="ctr"/>
+            <a:r>
+              <a:rPr lang="it-IT" dirty="0" err="1" smtClean="0"/>
+              <a:t>execcmd</a:t>
+            </a:r>
+            <a:endParaRPr lang="en-GB" dirty="0"/>
+          </a:p>
+        </p:txBody>
+      </p:sp>
+      <p:cxnSp>
+        <p:nvCxnSpPr>
+          <p:cNvPr id="148" name="Connettore 4 147"/>
+          <p:cNvCxnSpPr>
+            <a:stCxn id="142" idx="4"/>
+            <a:endCxn id="147" idx="2"/>
+          </p:cNvCxnSpPr>
+          <p:nvPr/>
+        </p:nvCxnSpPr>
+        <p:spPr>
+          <a:xfrm rot="16200000" flipH="1">
+            <a:off x="6596363" y="4676076"/>
+            <a:ext cx="412009" cy="1112523"/>
+          </a:xfrm>
+          <a:prstGeom prst="bentConnector2">
+            <a:avLst/>
+          </a:prstGeom>
+          <a:ln>
+            <a:tailEnd type="arrow"/>
+          </a:ln>
+        </p:spPr>
+        <p:style>
+          <a:lnRef idx="1">
+            <a:schemeClr val="accent1"/>
+          </a:lnRef>
+          <a:fillRef idx="0">
+            <a:schemeClr val="accent1"/>
+          </a:fillRef>
+          <a:effectRef idx="0">
+            <a:schemeClr val="accent1"/>
+          </a:effectRef>
+          <a:fontRef idx="minor">
+            <a:schemeClr val="tx1"/>
+          </a:fontRef>
+        </p:style>
+      </p:cxnSp>
+      <p:sp>
+        <p:nvSpPr>
+          <p:cNvPr id="149" name="Rettangolo 148"/>
+          <p:cNvSpPr/>
+          <p:nvPr/>
+        </p:nvSpPr>
+        <p:spPr>
+          <a:xfrm>
+            <a:off x="6636873" y="5092159"/>
+            <a:ext cx="609462" cy="369332"/>
+          </a:xfrm>
+          <a:prstGeom prst="rect">
+            <a:avLst/>
+          </a:prstGeom>
+        </p:spPr>
+        <p:txBody>
+          <a:bodyPr wrap="none">
+            <a:spAutoFit/>
+          </a:bodyPr>
+          <a:lstStyle/>
+          <a:p>
+            <a:r>
+              <a:rPr lang="en-GB" b="1" dirty="0" err="1" smtClean="0">
+                <a:solidFill>
+                  <a:srgbClr val="00B0F0"/>
+                </a:solidFill>
+              </a:rPr>
+              <a:t>cmd</a:t>
+            </a:r>
+            <a:endParaRPr lang="en-GB" b="1" dirty="0">
+              <a:solidFill>
+                <a:srgbClr val="00B0F0"/>
+              </a:solidFill>
+            </a:endParaRPr>
+          </a:p>
+        </p:txBody>
+      </p:sp>
+      <p:sp>
+        <p:nvSpPr>
+          <p:cNvPr id="184" name="Ovale 183"/>
+          <p:cNvSpPr/>
+          <p:nvPr/>
+        </p:nvSpPr>
+        <p:spPr>
+          <a:xfrm>
+            <a:off x="7310532" y="4369571"/>
+            <a:ext cx="1491020" cy="648072"/>
+          </a:xfrm>
+          <a:prstGeom prst="ellipse">
+            <a:avLst/>
+          </a:prstGeom>
+          <a:ln>
+            <a:solidFill>
+              <a:srgbClr val="0070C0"/>
+            </a:solidFill>
+          </a:ln>
+        </p:spPr>
+        <p:style>
+          <a:lnRef idx="2">
+            <a:schemeClr val="accent2"/>
+          </a:lnRef>
+          <a:fillRef idx="1">
+            <a:schemeClr val="lt1"/>
+          </a:fillRef>
+          <a:effectRef idx="0">
+            <a:schemeClr val="accent2"/>
+          </a:effectRef>
+          <a:fontRef idx="minor">
+            <a:schemeClr val="dk1"/>
+          </a:fontRef>
+        </p:style>
+        <p:txBody>
+          <a:bodyPr rtlCol="0" anchor="ctr"/>
+          <a:lstStyle/>
+          <a:p>
+            <a:pPr algn="ctr"/>
+            <a:r>
+              <a:rPr lang="en-GB" sz="1400" dirty="0" err="1"/>
+              <a:t>handlesensor</a:t>
+            </a:r>
+            <a:endParaRPr lang="en-GB" sz="1400" dirty="0"/>
+          </a:p>
+        </p:txBody>
+      </p:sp>
+      <p:cxnSp>
+        <p:nvCxnSpPr>
+          <p:cNvPr id="185" name="Connettore 4 184"/>
+          <p:cNvCxnSpPr>
+            <a:stCxn id="142" idx="6"/>
+            <a:endCxn id="184" idx="2"/>
+          </p:cNvCxnSpPr>
+          <p:nvPr/>
+        </p:nvCxnSpPr>
+        <p:spPr>
+          <a:xfrm flipV="1">
+            <a:off x="6807807" y="4693607"/>
+            <a:ext cx="502725" cy="8691"/>
+          </a:xfrm>
+          <a:prstGeom prst="bentConnector3">
+            <a:avLst>
+              <a:gd name="adj1" fmla="val 50000"/>
+            </a:avLst>
+          </a:prstGeom>
+          <a:ln>
+            <a:tailEnd type="arrow"/>
+          </a:ln>
+        </p:spPr>
+        <p:style>
+          <a:lnRef idx="1">
+            <a:schemeClr val="accent1"/>
+          </a:lnRef>
+          <a:fillRef idx="0">
+            <a:schemeClr val="accent1"/>
+          </a:fillRef>
+          <a:effectRef idx="0">
+            <a:schemeClr val="accent1"/>
+          </a:effectRef>
+          <a:fontRef idx="minor">
+            <a:schemeClr val="tx1"/>
+          </a:fontRef>
+        </p:style>
+      </p:cxnSp>
+      <p:sp>
+        <p:nvSpPr>
+          <p:cNvPr id="190" name="Rettangolo 189"/>
+          <p:cNvSpPr/>
+          <p:nvPr/>
+        </p:nvSpPr>
+        <p:spPr>
+          <a:xfrm>
+            <a:off x="6685152" y="4254689"/>
+            <a:ext cx="811441" cy="369332"/>
+          </a:xfrm>
+          <a:prstGeom prst="rect">
+            <a:avLst/>
+          </a:prstGeom>
+        </p:spPr>
+        <p:txBody>
+          <a:bodyPr wrap="none">
+            <a:spAutoFit/>
+          </a:bodyPr>
+          <a:lstStyle/>
+          <a:p>
+            <a:r>
+              <a:rPr lang="en-GB" b="1" dirty="0" smtClean="0">
+                <a:solidFill>
+                  <a:srgbClr val="00B0F0"/>
+                </a:solidFill>
+              </a:rPr>
+              <a:t>sensor</a:t>
+            </a:r>
+            <a:endParaRPr lang="en-GB" b="1" dirty="0">
+              <a:solidFill>
+                <a:srgbClr val="00B0F0"/>
+              </a:solidFill>
+            </a:endParaRPr>
+          </a:p>
+        </p:txBody>
+      </p:sp>
+      <p:cxnSp>
+        <p:nvCxnSpPr>
+          <p:cNvPr id="192" name="Connettore 4 191"/>
+          <p:cNvCxnSpPr>
+            <a:stCxn id="184" idx="0"/>
+            <a:endCxn id="142" idx="7"/>
+          </p:cNvCxnSpPr>
+          <p:nvPr/>
+        </p:nvCxnSpPr>
+        <p:spPr>
+          <a:xfrm rot="16200000" flipH="1" flipV="1">
+            <a:off x="7297866" y="3714993"/>
+            <a:ext cx="103599" cy="1412753"/>
+          </a:xfrm>
+          <a:prstGeom prst="bentConnector3">
+            <a:avLst>
+              <a:gd name="adj1" fmla="val -220659"/>
+            </a:avLst>
+          </a:prstGeom>
+          <a:ln>
+            <a:tailEnd type="arrow"/>
+          </a:ln>
+        </p:spPr>
+        <p:style>
+          <a:lnRef idx="1">
+            <a:schemeClr val="accent1"/>
+          </a:lnRef>
+          <a:fillRef idx="0">
+            <a:schemeClr val="accent1"/>
+          </a:fillRef>
+          <a:effectRef idx="0">
+            <a:schemeClr val="accent1"/>
+          </a:effectRef>
+          <a:fontRef idx="minor">
+            <a:schemeClr val="tx1"/>
+          </a:fontRef>
+        </p:style>
+      </p:cxnSp>
+      <p:sp>
+        <p:nvSpPr>
+          <p:cNvPr id="195" name="Rectangle 5">
+            <a:extLst>
+              <a:ext uri="{FF2B5EF4-FFF2-40B4-BE49-F238E27FC236}">
+                <a16:creationId xmlns="" xmlns:a16="http://schemas.microsoft.com/office/drawing/2014/main" id="{9529310F-209D-4FC3-82E8-EEC7E3A85851}"/>
+              </a:ext>
+            </a:extLst>
+          </p:cNvPr>
+          <p:cNvSpPr>
+            <a:spLocks noChangeArrowheads="1"/>
+          </p:cNvSpPr>
+          <p:nvPr/>
+        </p:nvSpPr>
+        <p:spPr bwMode="auto">
+          <a:xfrm>
+            <a:off x="7584438" y="3913995"/>
+            <a:ext cx="471604" cy="307777"/>
+          </a:xfrm>
+          <a:prstGeom prst="rect">
+            <a:avLst/>
+          </a:prstGeom>
+          <a:noFill/>
+        </p:spPr>
+        <p:txBody>
+          <a:bodyPr wrap="none" rtlCol="0">
+            <a:spAutoFit/>
+          </a:bodyPr>
+          <a:lstStyle/>
+          <a:p>
+            <a:r>
+              <a:rPr lang="en-US" altLang="en-US" sz="1400" dirty="0" smtClean="0">
+                <a:latin typeface="Symbol" panose="05050102010706020507" pitchFamily="18" charset="2"/>
+                <a:cs typeface="Arial" panose="020B0604020202020204" pitchFamily="34" charset="0"/>
+              </a:rPr>
+              <a:t>e</a:t>
+            </a:r>
+            <a:r>
+              <a:rPr lang="en-US" altLang="en-US" sz="1400" dirty="0" smtClean="0">
+                <a:latin typeface="Arial" panose="020B0604020202020204" pitchFamily="34" charset="0"/>
+                <a:cs typeface="Arial" panose="020B0604020202020204" pitchFamily="34" charset="0"/>
+              </a:rPr>
+              <a:t>-m</a:t>
+            </a:r>
+            <a:endParaRPr lang="en-US" altLang="en-US" sz="1400" dirty="0">
+              <a:latin typeface="Arial" panose="020B0604020202020204" pitchFamily="34" charset="0"/>
+              <a:cs typeface="Arial" panose="020B0604020202020204" pitchFamily="34" charset="0"/>
+            </a:endParaRPr>
+          </a:p>
+        </p:txBody>
+      </p:sp>
+    </p:spTree>
+    <p:extLst>
+      <p:ext uri="{BB962C8B-B14F-4D97-AF65-F5344CB8AC3E}">
+        <p14:creationId xmlns:p14="http://schemas.microsoft.com/office/powerpoint/2010/main" val="298085748"/>
+      </p:ext>
+    </p:extLst>
+  </p:cSld>
+  <p:clrMapOvr>
+    <a:masterClrMapping/>
+  </p:clrMapOvr>
+</p:sld>
+</file>
+
+<file path=ppt/slides/slide39.xml><?xml version="1.0" encoding="utf-8"?>
+<p:sld xmlns:a="http://schemas.openxmlformats.org/drawingml/2006/main" xmlns:r="http://schemas.openxmlformats.org/officeDocument/2006/relationships" xmlns:p="http://schemas.openxmlformats.org/presentationml/2006/main">
+  <p:cSld>
+    <p:spTree>
+      <p:nvGrpSpPr>
+        <p:cNvPr id="1" name=""/>
+        <p:cNvGrpSpPr/>
+        <p:nvPr/>
+      </p:nvGrpSpPr>
+      <p:grpSpPr>
+        <a:xfrm>
+          <a:off x="0" y="0"/>
+          <a:ext cx="0" cy="0"/>
+          <a:chOff x="0" y="0"/>
+          <a:chExt cx="0" cy="0"/>
+        </a:xfrm>
+      </p:grpSpPr>
+      <p:sp>
+        <p:nvSpPr>
+          <p:cNvPr id="10" name="Ovale 33">
+            <a:extLst>
+              <a:ext uri="{FF2B5EF4-FFF2-40B4-BE49-F238E27FC236}">
+                <a16:creationId xmlns="" xmlns:a16="http://schemas.microsoft.com/office/drawing/2014/main" id="{A4E6BBEC-1E11-48AC-9881-2BCB8F6CF48A}"/>
+              </a:ext>
+            </a:extLst>
+          </p:cNvPr>
+          <p:cNvSpPr/>
+          <p:nvPr/>
+        </p:nvSpPr>
+        <p:spPr>
+          <a:xfrm>
+            <a:off x="3587144" y="2497821"/>
+            <a:ext cx="507973" cy="462261"/>
+          </a:xfrm>
+          <a:prstGeom prst="ellipse">
+            <a:avLst/>
+          </a:prstGeom>
+          <a:ln/>
+        </p:spPr>
+        <p:style>
+          <a:lnRef idx="1">
+            <a:schemeClr val="accent5"/>
+          </a:lnRef>
+          <a:fillRef idx="2">
+            <a:schemeClr val="accent5"/>
+          </a:fillRef>
+          <a:effectRef idx="1">
+            <a:schemeClr val="accent5"/>
+          </a:effectRef>
+          <a:fontRef idx="minor">
+            <a:schemeClr val="dk1"/>
+          </a:fontRef>
+        </p:style>
+        <p:txBody>
+          <a:bodyPr rtlCol="0" anchor="ctr"/>
+          <a:lstStyle/>
+          <a:p>
+            <a:pPr algn="ctr"/>
+            <a:r>
+              <a:rPr lang="en-GB" sz="1200" dirty="0"/>
+              <a:t> </a:t>
+            </a:r>
+          </a:p>
+        </p:txBody>
+      </p:sp>
+      <p:sp>
+        <p:nvSpPr>
+          <p:cNvPr id="2" name="Segnaposto piè di pagina 1"/>
+          <p:cNvSpPr>
+            <a:spLocks noGrp="1"/>
+          </p:cNvSpPr>
+          <p:nvPr>
+            <p:ph type="ftr" sz="quarter" idx="11"/>
+          </p:nvPr>
+        </p:nvSpPr>
+        <p:spPr/>
+        <p:txBody>
+          <a:bodyPr/>
+          <a:lstStyle/>
+          <a:p>
+            <a:r>
+              <a:rPr lang="it-IT" smtClean="0"/>
+              <a:t>ANatali  - DISI - ISSM2020  Univeristy of Bologna</a:t>
+            </a:r>
+            <a:endParaRPr lang="en-GB"/>
+          </a:p>
+        </p:txBody>
+      </p:sp>
+      <p:sp>
+        <p:nvSpPr>
+          <p:cNvPr id="3" name="Segnaposto numero diapositiva 2"/>
+          <p:cNvSpPr>
+            <a:spLocks noGrp="1"/>
+          </p:cNvSpPr>
+          <p:nvPr>
+            <p:ph type="sldNum" sz="quarter" idx="12"/>
+          </p:nvPr>
+        </p:nvSpPr>
+        <p:spPr/>
+        <p:txBody>
+          <a:bodyPr/>
+          <a:lstStyle/>
+          <a:p>
+            <a:fld id="{6F6A5AB3-AF76-4EC9-853D-D4C335162C13}" type="slidenum">
+              <a:rPr lang="en-GB" smtClean="0"/>
+              <a:t>39</a:t>
+            </a:fld>
+            <a:endParaRPr lang="en-GB"/>
+          </a:p>
+        </p:txBody>
+      </p:sp>
+      <p:grpSp>
+        <p:nvGrpSpPr>
+          <p:cNvPr id="4" name="Gruppo 82">
+            <a:extLst>
+              <a:ext uri="{FF2B5EF4-FFF2-40B4-BE49-F238E27FC236}">
+                <a16:creationId xmlns="" xmlns:a16="http://schemas.microsoft.com/office/drawing/2014/main" id="{12D969AC-9EB0-4CF5-9EE5-D0DD7ACA9C72}"/>
+              </a:ext>
+            </a:extLst>
+          </p:cNvPr>
+          <p:cNvGrpSpPr/>
+          <p:nvPr/>
+        </p:nvGrpSpPr>
+        <p:grpSpPr>
+          <a:xfrm>
+            <a:off x="2460219" y="2004003"/>
+            <a:ext cx="1409184" cy="1234655"/>
+            <a:chOff x="1194666" y="2417771"/>
+            <a:chExt cx="866156" cy="763297"/>
+          </a:xfrm>
+        </p:grpSpPr>
+        <p:sp>
+          <p:nvSpPr>
+            <p:cNvPr id="5" name="Ovale 38">
+              <a:extLst>
+                <a:ext uri="{FF2B5EF4-FFF2-40B4-BE49-F238E27FC236}">
+                  <a16:creationId xmlns="" xmlns:a16="http://schemas.microsoft.com/office/drawing/2014/main" id="{0EB3DE65-C1E4-4AD3-B909-2646317ECA68}"/>
+                </a:ext>
+              </a:extLst>
+            </p:cNvPr>
+            <p:cNvSpPr/>
+            <p:nvPr/>
+          </p:nvSpPr>
+          <p:spPr>
+            <a:xfrm>
+              <a:off x="1311101" y="2460988"/>
+              <a:ext cx="749721" cy="720080"/>
+            </a:xfrm>
+            <a:prstGeom prst="ellipse">
+              <a:avLst/>
+            </a:prstGeom>
+            <a:solidFill>
+              <a:srgbClr val="FFCCFF"/>
+            </a:solidFill>
+            <a:ln/>
+          </p:spPr>
+          <p:style>
+            <a:lnRef idx="1">
+              <a:schemeClr val="accent5"/>
+            </a:lnRef>
+            <a:fillRef idx="2">
+              <a:schemeClr val="accent5"/>
+            </a:fillRef>
+            <a:effectRef idx="1">
+              <a:schemeClr val="accent5"/>
+            </a:effectRef>
+            <a:fontRef idx="minor">
+              <a:schemeClr val="dk1"/>
+            </a:fontRef>
+          </p:style>
+          <p:txBody>
+            <a:bodyPr rtlCol="0" anchor="ctr"/>
+            <a:lstStyle/>
+            <a:p>
+              <a:pPr algn="ctr"/>
+              <a:r>
+                <a:rPr lang="en-GB" sz="1200" dirty="0"/>
+                <a:t> </a:t>
+              </a:r>
+            </a:p>
+          </p:txBody>
+        </p:sp>
+        <p:sp>
+          <p:nvSpPr>
+            <p:cNvPr id="6" name="Rettangolo 39">
+              <a:extLst>
+                <a:ext uri="{FF2B5EF4-FFF2-40B4-BE49-F238E27FC236}">
+                  <a16:creationId xmlns="" xmlns:a16="http://schemas.microsoft.com/office/drawing/2014/main" id="{AAF0ABD1-BB2B-450B-9369-91FF5B4CE129}"/>
+                </a:ext>
+              </a:extLst>
+            </p:cNvPr>
+            <p:cNvSpPr/>
+            <p:nvPr/>
+          </p:nvSpPr>
+          <p:spPr>
+            <a:xfrm>
+              <a:off x="1194666" y="2699711"/>
+              <a:ext cx="281433" cy="211952"/>
+            </a:xfrm>
+            <a:prstGeom prst="rect">
+              <a:avLst/>
+            </a:prstGeom>
+            <a:solidFill>
+              <a:srgbClr val="FFCCFF"/>
+            </a:solidFill>
+            <a:ln/>
+          </p:spPr>
+          <p:style>
+            <a:lnRef idx="1">
+              <a:schemeClr val="accent5"/>
+            </a:lnRef>
+            <a:fillRef idx="2">
+              <a:schemeClr val="accent5"/>
+            </a:fillRef>
+            <a:effectRef idx="1">
+              <a:schemeClr val="accent5"/>
+            </a:effectRef>
+            <a:fontRef idx="minor">
+              <a:schemeClr val="dk1"/>
+            </a:fontRef>
+          </p:style>
+          <p:txBody>
+            <a:bodyPr rtlCol="0" anchor="ctr"/>
+            <a:lstStyle/>
+            <a:p>
+              <a:pPr algn="ctr"/>
+              <a:endParaRPr lang="en-GB" sz="1200"/>
+            </a:p>
+          </p:txBody>
+        </p:sp>
+        <p:sp>
+          <p:nvSpPr>
+            <p:cNvPr id="7" name="Triangolo isoscele 42">
+              <a:extLst>
+                <a:ext uri="{FF2B5EF4-FFF2-40B4-BE49-F238E27FC236}">
+                  <a16:creationId xmlns="" xmlns:a16="http://schemas.microsoft.com/office/drawing/2014/main" id="{34D1AFB1-88AB-4A6C-9824-2CF6DE11BF7C}"/>
+                </a:ext>
+              </a:extLst>
+            </p:cNvPr>
+            <p:cNvSpPr/>
+            <p:nvPr/>
+          </p:nvSpPr>
+          <p:spPr>
+            <a:xfrm rot="16200000">
+              <a:off x="1618539" y="2391356"/>
+              <a:ext cx="86434" cy="139263"/>
+            </a:xfrm>
+            <a:prstGeom prst="triangle">
+              <a:avLst/>
+            </a:prstGeom>
+            <a:solidFill>
+              <a:srgbClr val="FF0000"/>
+            </a:solidFill>
+            <a:ln/>
+          </p:spPr>
+          <p:style>
+            <a:lnRef idx="1">
+              <a:schemeClr val="accent5"/>
+            </a:lnRef>
+            <a:fillRef idx="2">
+              <a:schemeClr val="accent5"/>
+            </a:fillRef>
+            <a:effectRef idx="1">
+              <a:schemeClr val="accent5"/>
+            </a:effectRef>
+            <a:fontRef idx="minor">
+              <a:schemeClr val="dk1"/>
+            </a:fontRef>
+          </p:style>
+          <p:txBody>
+            <a:bodyPr rtlCol="0" anchor="ctr"/>
+            <a:lstStyle/>
+            <a:p>
+              <a:pPr algn="ctr"/>
+              <a:endParaRPr lang="en-GB" sz="1200">
+                <a:solidFill>
+                  <a:schemeClr val="dk1"/>
+                </a:solidFill>
+              </a:endParaRPr>
+            </a:p>
+          </p:txBody>
+        </p:sp>
+      </p:grpSp>
+      <p:sp>
+        <p:nvSpPr>
+          <p:cNvPr id="8" name="Rettangolo 7"/>
+          <p:cNvSpPr/>
+          <p:nvPr/>
+        </p:nvSpPr>
+        <p:spPr>
+          <a:xfrm>
+            <a:off x="2811014" y="2227587"/>
+            <a:ext cx="1044838" cy="369332"/>
+          </a:xfrm>
+          <a:prstGeom prst="rect">
+            <a:avLst/>
+          </a:prstGeom>
+        </p:spPr>
+        <p:txBody>
+          <a:bodyPr wrap="none">
+            <a:spAutoFit/>
+          </a:bodyPr>
+          <a:lstStyle/>
+          <a:p>
+            <a:r>
+              <a:rPr lang="en-GB" dirty="0" err="1" smtClean="0"/>
+              <a:t>basicrobot</a:t>
+            </a:r>
+            <a:endParaRPr lang="en-GB" dirty="0"/>
+          </a:p>
+        </p:txBody>
+      </p:sp>
+      <p:sp>
+        <p:nvSpPr>
+          <p:cNvPr id="12" name="Rettangolo 11"/>
+          <p:cNvSpPr/>
+          <p:nvPr/>
+        </p:nvSpPr>
+        <p:spPr>
+          <a:xfrm>
+            <a:off x="3756592" y="2856054"/>
+            <a:ext cx="1263616" cy="369332"/>
+          </a:xfrm>
+          <a:prstGeom prst="rect">
+            <a:avLst/>
+          </a:prstGeom>
+        </p:spPr>
+        <p:txBody>
+          <a:bodyPr wrap="none">
+            <a:spAutoFit/>
+          </a:bodyPr>
+          <a:lstStyle/>
+          <a:p>
+            <a:r>
+              <a:rPr lang="en-GB" dirty="0" err="1" smtClean="0"/>
+              <a:t>mqttSupport</a:t>
+            </a:r>
+            <a:endParaRPr lang="en-GB" dirty="0"/>
+          </a:p>
+        </p:txBody>
+      </p:sp>
+      <p:sp>
+        <p:nvSpPr>
+          <p:cNvPr id="13" name="Rettangolo 12"/>
+          <p:cNvSpPr/>
+          <p:nvPr/>
+        </p:nvSpPr>
+        <p:spPr>
+          <a:xfrm>
+            <a:off x="4671730" y="752520"/>
+            <a:ext cx="2682145" cy="369332"/>
+          </a:xfrm>
+          <a:prstGeom prst="rect">
+            <a:avLst/>
+          </a:prstGeom>
+          <a:solidFill>
+            <a:srgbClr val="CCFF66"/>
+          </a:solidFill>
+        </p:spPr>
+        <p:style>
+          <a:lnRef idx="1">
+            <a:schemeClr val="accent4"/>
+          </a:lnRef>
+          <a:fillRef idx="2">
+            <a:schemeClr val="accent4"/>
+          </a:fillRef>
+          <a:effectRef idx="1">
+            <a:schemeClr val="accent4"/>
+          </a:effectRef>
+          <a:fontRef idx="minor">
+            <a:schemeClr val="dk1"/>
+          </a:fontRef>
+        </p:style>
+        <p:txBody>
+          <a:bodyPr wrap="none">
+            <a:spAutoFit/>
+          </a:bodyPr>
+          <a:lstStyle/>
+          <a:p>
+            <a:r>
+              <a:rPr lang="en-GB" dirty="0">
+                <a:latin typeface="Arial" panose="020B0604020202020204" pitchFamily="34" charset="0"/>
+                <a:cs typeface="Arial" panose="020B0604020202020204" pitchFamily="34" charset="0"/>
+              </a:rPr>
+              <a:t>"</a:t>
+            </a:r>
+            <a:r>
+              <a:rPr lang="en-GB" b="1" dirty="0" err="1" smtClean="0">
+                <a:solidFill>
+                  <a:srgbClr val="1318ED"/>
+                </a:solidFill>
+                <a:latin typeface="Arial" panose="020B0604020202020204" pitchFamily="34" charset="0"/>
+                <a:cs typeface="Arial" panose="020B0604020202020204" pitchFamily="34" charset="0"/>
+              </a:rPr>
+              <a:t>unibo</a:t>
+            </a:r>
+            <a:r>
+              <a:rPr lang="en-GB" b="1" dirty="0" smtClean="0">
+                <a:solidFill>
+                  <a:srgbClr val="1318ED"/>
+                </a:solidFill>
+                <a:latin typeface="Arial" panose="020B0604020202020204" pitchFamily="34" charset="0"/>
+                <a:cs typeface="Arial" panose="020B0604020202020204" pitchFamily="34" charset="0"/>
+              </a:rPr>
+              <a:t>/</a:t>
+            </a:r>
+            <a:r>
+              <a:rPr lang="en-GB" b="1" dirty="0" err="1" smtClean="0">
+                <a:solidFill>
+                  <a:srgbClr val="1318ED"/>
+                </a:solidFill>
+                <a:latin typeface="Arial" panose="020B0604020202020204" pitchFamily="34" charset="0"/>
+                <a:cs typeface="Arial" panose="020B0604020202020204" pitchFamily="34" charset="0"/>
+              </a:rPr>
+              <a:t>qak</a:t>
+            </a:r>
+            <a:r>
+              <a:rPr lang="en-GB" b="1" dirty="0" smtClean="0">
+                <a:solidFill>
+                  <a:srgbClr val="1318ED"/>
+                </a:solidFill>
+                <a:latin typeface="Arial" panose="020B0604020202020204" pitchFamily="34" charset="0"/>
+                <a:cs typeface="Arial" panose="020B0604020202020204" pitchFamily="34" charset="0"/>
+              </a:rPr>
+              <a:t>/</a:t>
+            </a:r>
+            <a:r>
+              <a:rPr lang="en-GB" b="1" dirty="0" err="1" smtClean="0">
+                <a:solidFill>
+                  <a:srgbClr val="1318ED"/>
+                </a:solidFill>
+                <a:latin typeface="Arial" panose="020B0604020202020204" pitchFamily="34" charset="0"/>
+                <a:cs typeface="Arial" panose="020B0604020202020204" pitchFamily="34" charset="0"/>
+              </a:rPr>
+              <a:t>basicrobot</a:t>
+            </a:r>
+            <a:r>
+              <a:rPr lang="en-GB" dirty="0" smtClean="0">
+                <a:latin typeface="Arial" panose="020B0604020202020204" pitchFamily="34" charset="0"/>
+                <a:cs typeface="Arial" panose="020B0604020202020204" pitchFamily="34" charset="0"/>
+              </a:rPr>
+              <a:t>"</a:t>
+            </a:r>
+            <a:endParaRPr lang="en-GB" dirty="0">
+              <a:latin typeface="Arial" panose="020B0604020202020204" pitchFamily="34" charset="0"/>
+              <a:cs typeface="Arial" panose="020B0604020202020204" pitchFamily="34" charset="0"/>
+            </a:endParaRPr>
+          </a:p>
+        </p:txBody>
+      </p:sp>
+      <p:sp>
+        <p:nvSpPr>
+          <p:cNvPr id="14" name="Esagono 13"/>
+          <p:cNvSpPr/>
+          <p:nvPr/>
+        </p:nvSpPr>
+        <p:spPr>
+          <a:xfrm>
+            <a:off x="5278792" y="1445431"/>
+            <a:ext cx="864096" cy="741460"/>
+          </a:xfrm>
+          <a:prstGeom prst="hexagon">
+            <a:avLst/>
+          </a:prstGeom>
+          <a:solidFill>
+            <a:srgbClr val="FFFF99"/>
+          </a:solidFill>
+        </p:spPr>
+        <p:style>
+          <a:lnRef idx="2">
+            <a:schemeClr val="accent1">
+              <a:shade val="50000"/>
+            </a:schemeClr>
+          </a:lnRef>
+          <a:fillRef idx="1">
+            <a:schemeClr val="accent1"/>
+          </a:fillRef>
+          <a:effectRef idx="0">
+            <a:schemeClr val="accent1"/>
+          </a:effectRef>
+          <a:fontRef idx="minor">
+            <a:schemeClr val="lt1"/>
+          </a:fontRef>
+        </p:style>
+        <p:txBody>
+          <a:bodyPr rtlCol="0" anchor="ctr"/>
+          <a:lstStyle/>
+          <a:p>
+            <a:pPr algn="ctr"/>
+            <a:endParaRPr lang="en-GB"/>
+          </a:p>
+        </p:txBody>
+      </p:sp>
+      <p:sp>
+        <p:nvSpPr>
+          <p:cNvPr id="15" name="CasellaDiTesto 14"/>
+          <p:cNvSpPr txBox="1"/>
+          <p:nvPr/>
+        </p:nvSpPr>
+        <p:spPr>
+          <a:xfrm>
+            <a:off x="5433360" y="1618536"/>
+            <a:ext cx="554960" cy="430887"/>
+          </a:xfrm>
+          <a:prstGeom prst="rect">
+            <a:avLst/>
+          </a:prstGeom>
+          <a:noFill/>
+        </p:spPr>
+        <p:txBody>
+          <a:bodyPr wrap="none" rtlCol="0">
+            <a:spAutoFit/>
+          </a:bodyPr>
+          <a:lstStyle/>
+          <a:p>
+            <a:pPr algn="ctr"/>
+            <a:r>
+              <a:rPr lang="it-IT" sz="1100" dirty="0" smtClean="0"/>
+              <a:t>MQTT</a:t>
+            </a:r>
+          </a:p>
+          <a:p>
+            <a:pPr algn="ctr"/>
+            <a:r>
+              <a:rPr lang="it-IT" sz="1100" dirty="0" smtClean="0"/>
+              <a:t>broker</a:t>
+            </a:r>
+            <a:endParaRPr lang="en-GB" sz="1100" dirty="0"/>
+          </a:p>
+        </p:txBody>
+      </p:sp>
+      <p:cxnSp>
+        <p:nvCxnSpPr>
+          <p:cNvPr id="20" name="Connettore 4 19"/>
+          <p:cNvCxnSpPr>
+            <a:stCxn id="14" idx="2"/>
+          </p:cNvCxnSpPr>
+          <p:nvPr/>
+        </p:nvCxnSpPr>
+        <p:spPr>
+          <a:xfrm rot="5400000">
+            <a:off x="3920097" y="1184891"/>
+            <a:ext cx="542060" cy="2546061"/>
+          </a:xfrm>
+          <a:prstGeom prst="bentConnector2">
+            <a:avLst/>
+          </a:prstGeom>
+          <a:ln>
+            <a:solidFill>
+              <a:srgbClr val="1318ED"/>
+            </a:solidFill>
+            <a:prstDash val="lgDash"/>
+            <a:tailEnd type="arrow"/>
+          </a:ln>
+        </p:spPr>
+        <p:style>
+          <a:lnRef idx="1">
+            <a:schemeClr val="accent1"/>
+          </a:lnRef>
+          <a:fillRef idx="0">
+            <a:schemeClr val="accent1"/>
+          </a:fillRef>
+          <a:effectRef idx="0">
+            <a:schemeClr val="accent1"/>
+          </a:effectRef>
+          <a:fontRef idx="minor">
+            <a:schemeClr val="tx1"/>
+          </a:fontRef>
+        </p:style>
+      </p:cxnSp>
+      <p:grpSp>
+        <p:nvGrpSpPr>
+          <p:cNvPr id="24" name="Gruppo 82">
+            <a:extLst>
+              <a:ext uri="{FF2B5EF4-FFF2-40B4-BE49-F238E27FC236}">
+                <a16:creationId xmlns="" xmlns:a16="http://schemas.microsoft.com/office/drawing/2014/main" id="{12D969AC-9EB0-4CF5-9EE5-D0DD7ACA9C72}"/>
+              </a:ext>
+            </a:extLst>
+          </p:cNvPr>
+          <p:cNvGrpSpPr/>
+          <p:nvPr/>
+        </p:nvGrpSpPr>
+        <p:grpSpPr>
+          <a:xfrm>
+            <a:off x="1020111" y="470580"/>
+            <a:ext cx="866156" cy="763297"/>
+            <a:chOff x="1194666" y="2417771"/>
+            <a:chExt cx="866156" cy="763297"/>
+          </a:xfrm>
+        </p:grpSpPr>
+        <p:sp>
+          <p:nvSpPr>
+            <p:cNvPr id="25" name="Ovale 38">
+              <a:extLst>
+                <a:ext uri="{FF2B5EF4-FFF2-40B4-BE49-F238E27FC236}">
+                  <a16:creationId xmlns="" xmlns:a16="http://schemas.microsoft.com/office/drawing/2014/main" id="{0EB3DE65-C1E4-4AD3-B909-2646317ECA68}"/>
+                </a:ext>
+              </a:extLst>
+            </p:cNvPr>
+            <p:cNvSpPr/>
+            <p:nvPr/>
+          </p:nvSpPr>
+          <p:spPr>
+            <a:xfrm>
+              <a:off x="1311101" y="2460988"/>
+              <a:ext cx="749721" cy="720080"/>
+            </a:xfrm>
+            <a:prstGeom prst="ellipse">
+              <a:avLst/>
+            </a:prstGeom>
+            <a:solidFill>
+              <a:srgbClr val="FFCCFF"/>
+            </a:solidFill>
+            <a:ln/>
+          </p:spPr>
+          <p:style>
+            <a:lnRef idx="1">
+              <a:schemeClr val="accent5"/>
+            </a:lnRef>
+            <a:fillRef idx="2">
+              <a:schemeClr val="accent5"/>
+            </a:fillRef>
+            <a:effectRef idx="1">
+              <a:schemeClr val="accent5"/>
+            </a:effectRef>
+            <a:fontRef idx="minor">
+              <a:schemeClr val="dk1"/>
+            </a:fontRef>
+          </p:style>
+          <p:txBody>
+            <a:bodyPr rtlCol="0" anchor="ctr"/>
+            <a:lstStyle/>
+            <a:p>
+              <a:pPr algn="ctr"/>
+              <a:r>
+                <a:rPr lang="en-GB" sz="1200" dirty="0"/>
+                <a:t> </a:t>
+              </a:r>
+            </a:p>
+          </p:txBody>
+        </p:sp>
+        <p:sp>
+          <p:nvSpPr>
+            <p:cNvPr id="26" name="Rettangolo 39">
+              <a:extLst>
+                <a:ext uri="{FF2B5EF4-FFF2-40B4-BE49-F238E27FC236}">
+                  <a16:creationId xmlns="" xmlns:a16="http://schemas.microsoft.com/office/drawing/2014/main" id="{AAF0ABD1-BB2B-450B-9369-91FF5B4CE129}"/>
+                </a:ext>
+              </a:extLst>
+            </p:cNvPr>
+            <p:cNvSpPr/>
+            <p:nvPr/>
+          </p:nvSpPr>
+          <p:spPr>
+            <a:xfrm>
+              <a:off x="1194666" y="2699711"/>
+              <a:ext cx="281433" cy="211952"/>
+            </a:xfrm>
+            <a:prstGeom prst="rect">
+              <a:avLst/>
+            </a:prstGeom>
+            <a:solidFill>
+              <a:srgbClr val="FFCCFF"/>
+            </a:solidFill>
+            <a:ln/>
+          </p:spPr>
+          <p:style>
+            <a:lnRef idx="1">
+              <a:schemeClr val="accent5"/>
+            </a:lnRef>
+            <a:fillRef idx="2">
+              <a:schemeClr val="accent5"/>
+            </a:fillRef>
+            <a:effectRef idx="1">
+              <a:schemeClr val="accent5"/>
+            </a:effectRef>
+            <a:fontRef idx="minor">
+              <a:schemeClr val="dk1"/>
+            </a:fontRef>
+          </p:style>
+          <p:txBody>
+            <a:bodyPr rtlCol="0" anchor="ctr"/>
+            <a:lstStyle/>
+            <a:p>
+              <a:pPr algn="ctr"/>
+              <a:endParaRPr lang="en-GB" sz="1200"/>
+            </a:p>
+          </p:txBody>
+        </p:sp>
+        <p:sp>
+          <p:nvSpPr>
+            <p:cNvPr id="27" name="Triangolo isoscele 42">
+              <a:extLst>
+                <a:ext uri="{FF2B5EF4-FFF2-40B4-BE49-F238E27FC236}">
+                  <a16:creationId xmlns="" xmlns:a16="http://schemas.microsoft.com/office/drawing/2014/main" id="{34D1AFB1-88AB-4A6C-9824-2CF6DE11BF7C}"/>
+                </a:ext>
+              </a:extLst>
+            </p:cNvPr>
+            <p:cNvSpPr/>
+            <p:nvPr/>
+          </p:nvSpPr>
+          <p:spPr>
+            <a:xfrm rot="16200000">
+              <a:off x="1618539" y="2391356"/>
+              <a:ext cx="86434" cy="139263"/>
+            </a:xfrm>
+            <a:prstGeom prst="triangle">
+              <a:avLst/>
+            </a:prstGeom>
+            <a:solidFill>
+              <a:srgbClr val="FF0000"/>
+            </a:solidFill>
+            <a:ln/>
+          </p:spPr>
+          <p:style>
+            <a:lnRef idx="1">
+              <a:schemeClr val="accent5"/>
+            </a:lnRef>
+            <a:fillRef idx="2">
+              <a:schemeClr val="accent5"/>
+            </a:fillRef>
+            <a:effectRef idx="1">
+              <a:schemeClr val="accent5"/>
+            </a:effectRef>
+            <a:fontRef idx="minor">
+              <a:schemeClr val="dk1"/>
+            </a:fontRef>
+          </p:style>
+          <p:txBody>
+            <a:bodyPr rtlCol="0" anchor="ctr"/>
+            <a:lstStyle/>
+            <a:p>
+              <a:pPr algn="ctr"/>
+              <a:endParaRPr lang="en-GB" sz="1200">
+                <a:solidFill>
+                  <a:schemeClr val="dk1"/>
+                </a:solidFill>
+              </a:endParaRPr>
+            </a:p>
+          </p:txBody>
+        </p:sp>
+      </p:grpSp>
+      <p:cxnSp>
+        <p:nvCxnSpPr>
+          <p:cNvPr id="28" name="Connettore 4 27"/>
+          <p:cNvCxnSpPr>
+            <a:endCxn id="14" idx="0"/>
+          </p:cNvCxnSpPr>
+          <p:nvPr/>
+        </p:nvCxnSpPr>
+        <p:spPr>
+          <a:xfrm rot="10800000" flipV="1">
+            <a:off x="6142888" y="1812309"/>
+            <a:ext cx="1381440" cy="3851"/>
+          </a:xfrm>
+          <a:prstGeom prst="bentConnector3">
+            <a:avLst>
+              <a:gd name="adj1" fmla="val 50000"/>
+            </a:avLst>
+          </a:prstGeom>
+          <a:ln>
+            <a:prstDash val="lgDash"/>
+            <a:tailEnd type="arrow"/>
+          </a:ln>
+        </p:spPr>
+        <p:style>
+          <a:lnRef idx="1">
+            <a:schemeClr val="accent1"/>
+          </a:lnRef>
+          <a:fillRef idx="0">
+            <a:schemeClr val="accent1"/>
+          </a:fillRef>
+          <a:effectRef idx="0">
+            <a:schemeClr val="accent1"/>
+          </a:effectRef>
+          <a:fontRef idx="minor">
+            <a:schemeClr val="tx1"/>
+          </a:fontRef>
+        </p:style>
+      </p:cxnSp>
+      <p:sp>
+        <p:nvSpPr>
+          <p:cNvPr id="31" name="Rettangolo 30"/>
+          <p:cNvSpPr/>
+          <p:nvPr/>
+        </p:nvSpPr>
+        <p:spPr>
+          <a:xfrm>
+            <a:off x="6382445" y="1784984"/>
+            <a:ext cx="777521" cy="369332"/>
+          </a:xfrm>
+          <a:prstGeom prst="rect">
+            <a:avLst/>
+          </a:prstGeom>
+        </p:spPr>
+        <p:txBody>
+          <a:bodyPr wrap="none">
+            <a:spAutoFit/>
+          </a:bodyPr>
+          <a:lstStyle/>
+          <a:p>
+            <a:r>
+              <a:rPr lang="en-GB" dirty="0" smtClean="0"/>
+              <a:t>publish</a:t>
+            </a:r>
+            <a:endParaRPr lang="en-GB" dirty="0"/>
+          </a:p>
+        </p:txBody>
+      </p:sp>
+      <p:sp>
+        <p:nvSpPr>
+          <p:cNvPr id="33" name="Ovale 33">
+            <a:extLst>
+              <a:ext uri="{FF2B5EF4-FFF2-40B4-BE49-F238E27FC236}">
+                <a16:creationId xmlns="" xmlns:a16="http://schemas.microsoft.com/office/drawing/2014/main" id="{A4E6BBEC-1E11-48AC-9881-2BCB8F6CF48A}"/>
+              </a:ext>
+            </a:extLst>
+          </p:cNvPr>
+          <p:cNvSpPr/>
+          <p:nvPr/>
+        </p:nvSpPr>
+        <p:spPr>
+          <a:xfrm>
+            <a:off x="5127666" y="5965195"/>
+            <a:ext cx="595127" cy="519971"/>
+          </a:xfrm>
+          <a:prstGeom prst="ellipse">
+            <a:avLst/>
+          </a:prstGeom>
+          <a:ln/>
+        </p:spPr>
+        <p:style>
+          <a:lnRef idx="1">
+            <a:schemeClr val="accent5"/>
+          </a:lnRef>
+          <a:fillRef idx="2">
+            <a:schemeClr val="accent5"/>
+          </a:fillRef>
+          <a:effectRef idx="1">
+            <a:schemeClr val="accent5"/>
+          </a:effectRef>
+          <a:fontRef idx="minor">
+            <a:schemeClr val="dk1"/>
+          </a:fontRef>
+        </p:style>
+        <p:txBody>
+          <a:bodyPr rtlCol="0" anchor="ctr"/>
+          <a:lstStyle/>
+          <a:p>
+            <a:pPr algn="ctr"/>
+            <a:r>
+              <a:rPr lang="en-GB" sz="1200" dirty="0"/>
+              <a:t> </a:t>
+            </a:r>
+          </a:p>
+        </p:txBody>
+      </p:sp>
+      <p:grpSp>
+        <p:nvGrpSpPr>
+          <p:cNvPr id="34" name="Gruppo 33"/>
+          <p:cNvGrpSpPr/>
+          <p:nvPr/>
+        </p:nvGrpSpPr>
+        <p:grpSpPr>
+          <a:xfrm>
+            <a:off x="3176525" y="3259455"/>
+            <a:ext cx="543053" cy="493108"/>
+            <a:chOff x="4403491" y="4276791"/>
+            <a:chExt cx="749721" cy="720080"/>
+          </a:xfrm>
+        </p:grpSpPr>
+        <p:sp>
+          <p:nvSpPr>
+            <p:cNvPr id="35" name="Ovale 33">
+              <a:extLst>
+                <a:ext uri="{FF2B5EF4-FFF2-40B4-BE49-F238E27FC236}">
+                  <a16:creationId xmlns="" xmlns:a16="http://schemas.microsoft.com/office/drawing/2014/main" id="{A4E6BBEC-1E11-48AC-9881-2BCB8F6CF48A}"/>
+                </a:ext>
+              </a:extLst>
+            </p:cNvPr>
+            <p:cNvSpPr/>
+            <p:nvPr/>
+          </p:nvSpPr>
+          <p:spPr>
+            <a:xfrm>
+              <a:off x="4403491" y="4276791"/>
+              <a:ext cx="749721" cy="720080"/>
+            </a:xfrm>
+            <a:prstGeom prst="ellipse">
+              <a:avLst/>
+            </a:prstGeom>
+            <a:ln/>
+          </p:spPr>
+          <p:style>
+            <a:lnRef idx="1">
+              <a:schemeClr val="accent5"/>
+            </a:lnRef>
+            <a:fillRef idx="2">
+              <a:schemeClr val="accent5"/>
+            </a:fillRef>
+            <a:effectRef idx="1">
+              <a:schemeClr val="accent5"/>
+            </a:effectRef>
+            <a:fontRef idx="minor">
+              <a:schemeClr val="dk1"/>
+            </a:fontRef>
+          </p:style>
+          <p:txBody>
+            <a:bodyPr rtlCol="0" anchor="ctr"/>
+            <a:lstStyle/>
+            <a:p>
+              <a:pPr algn="ctr"/>
+              <a:r>
+                <a:rPr lang="en-GB" sz="1200" dirty="0"/>
+                <a:t> </a:t>
+              </a:r>
+            </a:p>
+          </p:txBody>
+        </p:sp>
+        <p:cxnSp>
+          <p:nvCxnSpPr>
+            <p:cNvPr id="36" name="Connettore 2 126">
+              <a:extLst>
+                <a:ext uri="{FF2B5EF4-FFF2-40B4-BE49-F238E27FC236}">
+                  <a16:creationId xmlns="" xmlns:a16="http://schemas.microsoft.com/office/drawing/2014/main" id="{36CC678F-7232-496B-B9F9-4DE6B53CD494}"/>
+                </a:ext>
+              </a:extLst>
+            </p:cNvPr>
+            <p:cNvCxnSpPr/>
+            <p:nvPr/>
+          </p:nvCxnSpPr>
+          <p:spPr>
+            <a:xfrm flipH="1">
+              <a:off x="4764885" y="4403661"/>
+              <a:ext cx="13466" cy="393101"/>
+            </a:xfrm>
+            <a:prstGeom prst="straightConnector1">
+              <a:avLst/>
+            </a:prstGeom>
+            <a:ln>
+              <a:solidFill>
+                <a:srgbClr val="C00000"/>
+              </a:solidFill>
+              <a:prstDash val="lgDash"/>
+              <a:tailEnd type="arrow"/>
+            </a:ln>
+          </p:spPr>
+          <p:style>
+            <a:lnRef idx="1">
+              <a:schemeClr val="accent1"/>
+            </a:lnRef>
+            <a:fillRef idx="0">
+              <a:schemeClr val="accent1"/>
+            </a:fillRef>
+            <a:effectRef idx="0">
+              <a:schemeClr val="accent1"/>
+            </a:effectRef>
+            <a:fontRef idx="minor">
+              <a:schemeClr val="tx1"/>
+            </a:fontRef>
+          </p:style>
+        </p:cxnSp>
+      </p:grpSp>
+      <p:sp>
+        <p:nvSpPr>
+          <p:cNvPr id="37" name="Rettangolo 36"/>
+          <p:cNvSpPr/>
+          <p:nvPr/>
+        </p:nvSpPr>
+        <p:spPr>
+          <a:xfrm>
+            <a:off x="1769018" y="3159686"/>
+            <a:ext cx="906017" cy="261610"/>
+          </a:xfrm>
+          <a:prstGeom prst="rect">
+            <a:avLst/>
+          </a:prstGeom>
+        </p:spPr>
+        <p:txBody>
+          <a:bodyPr wrap="none">
+            <a:spAutoFit/>
+          </a:bodyPr>
+          <a:lstStyle/>
+          <a:p>
+            <a:r>
+              <a:rPr lang="en-GB" sz="1100" dirty="0" err="1" smtClean="0">
+                <a:latin typeface="Arial" panose="020B0604020202020204" pitchFamily="34" charset="0"/>
+                <a:cs typeface="Arial" panose="020B0604020202020204" pitchFamily="34" charset="0"/>
+              </a:rPr>
+              <a:t>sensorData</a:t>
+            </a:r>
+            <a:endParaRPr lang="en-GB" sz="1100" dirty="0">
+              <a:latin typeface="Arial" panose="020B0604020202020204" pitchFamily="34" charset="0"/>
+              <a:cs typeface="Arial" panose="020B0604020202020204" pitchFamily="34" charset="0"/>
+            </a:endParaRPr>
+          </a:p>
+        </p:txBody>
+      </p:sp>
+      <p:sp>
+        <p:nvSpPr>
+          <p:cNvPr id="38" name="Ovale 37"/>
+          <p:cNvSpPr/>
+          <p:nvPr/>
+        </p:nvSpPr>
+        <p:spPr>
+          <a:xfrm>
+            <a:off x="3145530" y="4229312"/>
+            <a:ext cx="611062" cy="638657"/>
+          </a:xfrm>
+          <a:prstGeom prst="ellipse">
+            <a:avLst/>
+          </a:prstGeom>
+          <a:solidFill>
+            <a:srgbClr val="33CCCC"/>
+          </a:solidFill>
+          <a:ln>
+            <a:solidFill>
+              <a:srgbClr val="1318ED"/>
+            </a:solidFill>
+          </a:ln>
+        </p:spPr>
+        <p:style>
+          <a:lnRef idx="2">
+            <a:schemeClr val="accent4"/>
+          </a:lnRef>
+          <a:fillRef idx="1">
+            <a:schemeClr val="lt1"/>
+          </a:fillRef>
+          <a:effectRef idx="0">
+            <a:schemeClr val="accent4"/>
+          </a:effectRef>
+          <a:fontRef idx="minor">
+            <a:schemeClr val="dk1"/>
+          </a:fontRef>
+        </p:style>
+        <p:txBody>
+          <a:bodyPr rtlCol="0" anchor="ctr"/>
+          <a:lstStyle/>
+          <a:p>
+            <a:pPr algn="ctr"/>
+            <a:r>
+              <a:rPr lang="it-IT" sz="1100" u="sng" dirty="0" smtClean="0"/>
+              <a:t>R</a:t>
+            </a:r>
+            <a:endParaRPr lang="en-GB" sz="1100" u="sng" dirty="0"/>
+          </a:p>
+        </p:txBody>
+      </p:sp>
+      <p:cxnSp>
+        <p:nvCxnSpPr>
+          <p:cNvPr id="39" name="Connettore 2 38"/>
+          <p:cNvCxnSpPr>
+            <a:stCxn id="35" idx="4"/>
+            <a:endCxn id="38" idx="0"/>
+          </p:cNvCxnSpPr>
+          <p:nvPr/>
+        </p:nvCxnSpPr>
+        <p:spPr>
+          <a:xfrm>
+            <a:off x="3448052" y="3752563"/>
+            <a:ext cx="3009" cy="476749"/>
+          </a:xfrm>
+          <a:prstGeom prst="straightConnector1">
+            <a:avLst/>
+          </a:prstGeom>
+          <a:ln>
+            <a:tailEnd type="arrow"/>
+          </a:ln>
+        </p:spPr>
+        <p:style>
+          <a:lnRef idx="1">
+            <a:schemeClr val="accent1"/>
+          </a:lnRef>
+          <a:fillRef idx="0">
+            <a:schemeClr val="accent1"/>
+          </a:fillRef>
+          <a:effectRef idx="0">
+            <a:schemeClr val="accent1"/>
+          </a:effectRef>
+          <a:fontRef idx="minor">
+            <a:schemeClr val="tx1"/>
+          </a:fontRef>
+        </p:style>
+      </p:cxnSp>
+      <p:cxnSp>
+        <p:nvCxnSpPr>
+          <p:cNvPr id="42" name="Connettore 4 41"/>
+          <p:cNvCxnSpPr>
+            <a:stCxn id="35" idx="2"/>
+            <a:endCxn id="6" idx="2"/>
+          </p:cNvCxnSpPr>
+          <p:nvPr/>
+        </p:nvCxnSpPr>
+        <p:spPr>
+          <a:xfrm rot="10800000">
+            <a:off x="2689157" y="2802887"/>
+            <a:ext cx="487368" cy="703122"/>
+          </a:xfrm>
+          <a:prstGeom prst="bentConnector2">
+            <a:avLst/>
+          </a:prstGeom>
+          <a:ln w="28575">
+            <a:solidFill>
+              <a:srgbClr val="00B050"/>
+            </a:solidFill>
+            <a:prstDash val="sysDot"/>
+            <a:tailEnd type="arrow"/>
+          </a:ln>
+        </p:spPr>
+        <p:style>
+          <a:lnRef idx="1">
+            <a:schemeClr val="accent1"/>
+          </a:lnRef>
+          <a:fillRef idx="0">
+            <a:schemeClr val="accent1"/>
+          </a:fillRef>
+          <a:effectRef idx="0">
+            <a:schemeClr val="accent1"/>
+          </a:effectRef>
+          <a:fontRef idx="minor">
+            <a:schemeClr val="tx1"/>
+          </a:fontRef>
+        </p:style>
+      </p:cxnSp>
+      <p:sp>
+        <p:nvSpPr>
+          <p:cNvPr id="53" name="Rettangolo 52"/>
+          <p:cNvSpPr/>
+          <p:nvPr/>
+        </p:nvSpPr>
+        <p:spPr>
+          <a:xfrm>
+            <a:off x="7311526" y="1833979"/>
+            <a:ext cx="1236621" cy="369332"/>
+          </a:xfrm>
+          <a:prstGeom prst="rect">
+            <a:avLst/>
+          </a:prstGeom>
+        </p:spPr>
+        <p:txBody>
+          <a:bodyPr wrap="none">
+            <a:spAutoFit/>
+          </a:bodyPr>
+          <a:lstStyle/>
+          <a:p>
+            <a:r>
+              <a:rPr lang="en-GB" dirty="0" smtClean="0"/>
+              <a:t>‘alien’ entity</a:t>
+            </a:r>
+          </a:p>
+        </p:txBody>
+      </p:sp>
+      <p:sp>
+        <p:nvSpPr>
+          <p:cNvPr id="54" name="Figura a mano libera 53"/>
+          <p:cNvSpPr/>
+          <p:nvPr/>
+        </p:nvSpPr>
+        <p:spPr>
+          <a:xfrm>
+            <a:off x="7627997" y="1482788"/>
+            <a:ext cx="573277" cy="400110"/>
+          </a:xfrm>
+          <a:custGeom>
+            <a:avLst/>
+            <a:gdLst>
+              <a:gd name="connsiteX0" fmla="*/ 168812 w 773723"/>
+              <a:gd name="connsiteY0" fmla="*/ 0 h 604911"/>
+              <a:gd name="connsiteX1" fmla="*/ 168812 w 773723"/>
+              <a:gd name="connsiteY1" fmla="*/ 0 h 604911"/>
+              <a:gd name="connsiteX2" fmla="*/ 28135 w 773723"/>
+              <a:gd name="connsiteY2" fmla="*/ 70339 h 604911"/>
+              <a:gd name="connsiteX3" fmla="*/ 0 w 773723"/>
+              <a:gd name="connsiteY3" fmla="*/ 112542 h 604911"/>
+              <a:gd name="connsiteX4" fmla="*/ 14068 w 773723"/>
+              <a:gd name="connsiteY4" fmla="*/ 492369 h 604911"/>
+              <a:gd name="connsiteX5" fmla="*/ 42203 w 773723"/>
+              <a:gd name="connsiteY5" fmla="*/ 520505 h 604911"/>
+              <a:gd name="connsiteX6" fmla="*/ 168812 w 773723"/>
+              <a:gd name="connsiteY6" fmla="*/ 576776 h 604911"/>
+              <a:gd name="connsiteX7" fmla="*/ 225083 w 773723"/>
+              <a:gd name="connsiteY7" fmla="*/ 604911 h 604911"/>
+              <a:gd name="connsiteX8" fmla="*/ 576775 w 773723"/>
+              <a:gd name="connsiteY8" fmla="*/ 590843 h 604911"/>
+              <a:gd name="connsiteX9" fmla="*/ 633046 w 773723"/>
+              <a:gd name="connsiteY9" fmla="*/ 393896 h 604911"/>
+              <a:gd name="connsiteX10" fmla="*/ 661181 w 773723"/>
+              <a:gd name="connsiteY10" fmla="*/ 365760 h 604911"/>
+              <a:gd name="connsiteX11" fmla="*/ 703385 w 773723"/>
+              <a:gd name="connsiteY11" fmla="*/ 337625 h 604911"/>
+              <a:gd name="connsiteX12" fmla="*/ 759655 w 773723"/>
+              <a:gd name="connsiteY12" fmla="*/ 295422 h 604911"/>
+              <a:gd name="connsiteX13" fmla="*/ 773723 w 773723"/>
+              <a:gd name="connsiteY13" fmla="*/ 253219 h 604911"/>
+              <a:gd name="connsiteX14" fmla="*/ 731520 w 773723"/>
+              <a:gd name="connsiteY14" fmla="*/ 154745 h 604911"/>
+              <a:gd name="connsiteX15" fmla="*/ 661181 w 773723"/>
+              <a:gd name="connsiteY15" fmla="*/ 84406 h 604911"/>
+              <a:gd name="connsiteX16" fmla="*/ 576775 w 773723"/>
+              <a:gd name="connsiteY16" fmla="*/ 28136 h 604911"/>
+              <a:gd name="connsiteX17" fmla="*/ 464234 w 773723"/>
+              <a:gd name="connsiteY17" fmla="*/ 42203 h 604911"/>
+              <a:gd name="connsiteX18" fmla="*/ 436098 w 773723"/>
+              <a:gd name="connsiteY18" fmla="*/ 70339 h 604911"/>
+              <a:gd name="connsiteX19" fmla="*/ 393895 w 773723"/>
+              <a:gd name="connsiteY19" fmla="*/ 84406 h 604911"/>
+              <a:gd name="connsiteX20" fmla="*/ 351692 w 773723"/>
+              <a:gd name="connsiteY20" fmla="*/ 70339 h 604911"/>
+              <a:gd name="connsiteX21" fmla="*/ 267286 w 773723"/>
+              <a:gd name="connsiteY21" fmla="*/ 56271 h 604911"/>
+              <a:gd name="connsiteX22" fmla="*/ 168812 w 773723"/>
+              <a:gd name="connsiteY22" fmla="*/ 0 h 604911"/>
+            </a:gdLst>
+            <a:ahLst/>
+            <a:cxnLst>
+              <a:cxn ang="0">
+                <a:pos x="connsiteX0" y="connsiteY0"/>
+              </a:cxn>
+              <a:cxn ang="0">
+                <a:pos x="connsiteX1" y="connsiteY1"/>
+              </a:cxn>
+              <a:cxn ang="0">
+                <a:pos x="connsiteX2" y="connsiteY2"/>
+              </a:cxn>
+              <a:cxn ang="0">
+                <a:pos x="connsiteX3" y="connsiteY3"/>
+              </a:cxn>
+              <a:cxn ang="0">
+                <a:pos x="connsiteX4" y="connsiteY4"/>
+              </a:cxn>
+              <a:cxn ang="0">
+                <a:pos x="connsiteX5" y="connsiteY5"/>
+              </a:cxn>
+              <a:cxn ang="0">
+                <a:pos x="connsiteX6" y="connsiteY6"/>
+              </a:cxn>
+              <a:cxn ang="0">
+                <a:pos x="connsiteX7" y="connsiteY7"/>
+              </a:cxn>
+              <a:cxn ang="0">
+                <a:pos x="connsiteX8" y="connsiteY8"/>
+              </a:cxn>
+              <a:cxn ang="0">
+                <a:pos x="connsiteX9" y="connsiteY9"/>
+              </a:cxn>
+              <a:cxn ang="0">
+                <a:pos x="connsiteX10" y="connsiteY10"/>
+              </a:cxn>
+              <a:cxn ang="0">
+                <a:pos x="connsiteX11" y="connsiteY11"/>
+              </a:cxn>
+              <a:cxn ang="0">
+                <a:pos x="connsiteX12" y="connsiteY12"/>
+              </a:cxn>
+              <a:cxn ang="0">
+                <a:pos x="connsiteX13" y="connsiteY13"/>
+              </a:cxn>
+              <a:cxn ang="0">
+                <a:pos x="connsiteX14" y="connsiteY14"/>
+              </a:cxn>
+              <a:cxn ang="0">
+                <a:pos x="connsiteX15" y="connsiteY15"/>
+              </a:cxn>
+              <a:cxn ang="0">
+                <a:pos x="connsiteX16" y="connsiteY16"/>
+              </a:cxn>
+              <a:cxn ang="0">
+                <a:pos x="connsiteX17" y="connsiteY17"/>
+              </a:cxn>
+              <a:cxn ang="0">
+                <a:pos x="connsiteX18" y="connsiteY18"/>
+              </a:cxn>
+              <a:cxn ang="0">
+                <a:pos x="connsiteX19" y="connsiteY19"/>
+              </a:cxn>
+              <a:cxn ang="0">
+                <a:pos x="connsiteX20" y="connsiteY20"/>
+              </a:cxn>
+              <a:cxn ang="0">
+                <a:pos x="connsiteX21" y="connsiteY21"/>
+              </a:cxn>
+              <a:cxn ang="0">
+                <a:pos x="connsiteX22" y="connsiteY22"/>
+              </a:cxn>
+            </a:cxnLst>
+            <a:rect l="l" t="t" r="r" b="b"/>
+            <a:pathLst>
+              <a:path w="773723" h="604911">
+                <a:moveTo>
+                  <a:pt x="168812" y="0"/>
+                </a:moveTo>
+                <a:lnTo>
+                  <a:pt x="168812" y="0"/>
+                </a:lnTo>
+                <a:cubicBezTo>
+                  <a:pt x="92586" y="28585"/>
+                  <a:pt x="68468" y="19923"/>
+                  <a:pt x="28135" y="70339"/>
+                </a:cubicBezTo>
+                <a:cubicBezTo>
+                  <a:pt x="17573" y="83541"/>
+                  <a:pt x="9378" y="98474"/>
+                  <a:pt x="0" y="112542"/>
+                </a:cubicBezTo>
+                <a:cubicBezTo>
+                  <a:pt x="4689" y="239151"/>
+                  <a:pt x="1031" y="366346"/>
+                  <a:pt x="14068" y="492369"/>
+                </a:cubicBezTo>
+                <a:cubicBezTo>
+                  <a:pt x="15433" y="505562"/>
+                  <a:pt x="31846" y="512219"/>
+                  <a:pt x="42203" y="520505"/>
+                </a:cubicBezTo>
+                <a:cubicBezTo>
+                  <a:pt x="111164" y="575674"/>
+                  <a:pt x="64716" y="524729"/>
+                  <a:pt x="168812" y="576776"/>
+                </a:cubicBezTo>
+                <a:lnTo>
+                  <a:pt x="225083" y="604911"/>
+                </a:lnTo>
+                <a:cubicBezTo>
+                  <a:pt x="342314" y="600222"/>
+                  <a:pt x="460118" y="603342"/>
+                  <a:pt x="576775" y="590843"/>
+                </a:cubicBezTo>
+                <a:cubicBezTo>
+                  <a:pt x="662467" y="581662"/>
+                  <a:pt x="629241" y="411651"/>
+                  <a:pt x="633046" y="393896"/>
+                </a:cubicBezTo>
+                <a:cubicBezTo>
+                  <a:pt x="635825" y="380927"/>
+                  <a:pt x="650824" y="374045"/>
+                  <a:pt x="661181" y="365760"/>
+                </a:cubicBezTo>
+                <a:cubicBezTo>
+                  <a:pt x="674384" y="355198"/>
+                  <a:pt x="689627" y="347452"/>
+                  <a:pt x="703385" y="337625"/>
+                </a:cubicBezTo>
+                <a:cubicBezTo>
+                  <a:pt x="722464" y="323997"/>
+                  <a:pt x="740898" y="309490"/>
+                  <a:pt x="759655" y="295422"/>
+                </a:cubicBezTo>
+                <a:cubicBezTo>
+                  <a:pt x="764344" y="281354"/>
+                  <a:pt x="773723" y="268048"/>
+                  <a:pt x="773723" y="253219"/>
+                </a:cubicBezTo>
+                <a:cubicBezTo>
+                  <a:pt x="773723" y="217181"/>
+                  <a:pt x="754492" y="180999"/>
+                  <a:pt x="731520" y="154745"/>
+                </a:cubicBezTo>
+                <a:cubicBezTo>
+                  <a:pt x="709685" y="129791"/>
+                  <a:pt x="688770" y="102799"/>
+                  <a:pt x="661181" y="84406"/>
+                </a:cubicBezTo>
+                <a:lnTo>
+                  <a:pt x="576775" y="28136"/>
+                </a:lnTo>
+                <a:cubicBezTo>
+                  <a:pt x="539261" y="32825"/>
+                  <a:pt x="500445" y="31340"/>
+                  <a:pt x="464234" y="42203"/>
+                </a:cubicBezTo>
+                <a:cubicBezTo>
+                  <a:pt x="451530" y="46014"/>
+                  <a:pt x="447471" y="63515"/>
+                  <a:pt x="436098" y="70339"/>
+                </a:cubicBezTo>
+                <a:cubicBezTo>
+                  <a:pt x="423383" y="77968"/>
+                  <a:pt x="407963" y="79717"/>
+                  <a:pt x="393895" y="84406"/>
+                </a:cubicBezTo>
+                <a:cubicBezTo>
+                  <a:pt x="379827" y="79717"/>
+                  <a:pt x="366167" y="73556"/>
+                  <a:pt x="351692" y="70339"/>
+                </a:cubicBezTo>
+                <a:cubicBezTo>
+                  <a:pt x="323848" y="64151"/>
+                  <a:pt x="294346" y="65291"/>
+                  <a:pt x="267286" y="56271"/>
+                </a:cubicBezTo>
+                <a:cubicBezTo>
+                  <a:pt x="167275" y="22934"/>
+                  <a:pt x="185224" y="9378"/>
+                  <a:pt x="168812" y="0"/>
+                </a:cubicBezTo>
+                <a:close/>
+              </a:path>
+            </a:pathLst>
+          </a:custGeom>
+          <a:solidFill>
+            <a:schemeClr val="bg1"/>
+          </a:solidFill>
+        </p:spPr>
+        <p:style>
+          <a:lnRef idx="2">
+            <a:schemeClr val="accent1">
+              <a:shade val="50000"/>
+            </a:schemeClr>
+          </a:lnRef>
+          <a:fillRef idx="1">
+            <a:schemeClr val="accent1"/>
+          </a:fillRef>
+          <a:effectRef idx="0">
+            <a:schemeClr val="accent1"/>
+          </a:effectRef>
+          <a:fontRef idx="minor">
+            <a:schemeClr val="lt1"/>
+          </a:fontRef>
+        </p:style>
+        <p:txBody>
+          <a:bodyPr rtlCol="0" anchor="ctr"/>
+          <a:lstStyle/>
+          <a:p>
+            <a:pPr algn="ctr"/>
+            <a:endParaRPr lang="en-GB"/>
+          </a:p>
+        </p:txBody>
+      </p:sp>
       <p:cxnSp>
         <p:nvCxnSpPr>
           <p:cNvPr id="69" name="Connettore 4 68"/>
@@ -34797,7 +36700,229 @@
 </p:sld>
 </file>
 
-<file path=ppt/slides/slide39.xml><?xml version="1.0" encoding="utf-8"?>
+<file path=ppt/slides/slide4.xml><?xml version="1.0" encoding="utf-8"?>
+<p:sld xmlns:a="http://schemas.openxmlformats.org/drawingml/2006/main" xmlns:r="http://schemas.openxmlformats.org/officeDocument/2006/relationships" xmlns:p="http://schemas.openxmlformats.org/presentationml/2006/main">
+  <p:cSld>
+    <p:spTree>
+      <p:nvGrpSpPr>
+        <p:cNvPr id="1" name=""/>
+        <p:cNvGrpSpPr/>
+        <p:nvPr/>
+      </p:nvGrpSpPr>
+      <p:grpSpPr>
+        <a:xfrm>
+          <a:off x="0" y="0"/>
+          <a:ext cx="0" cy="0"/>
+          <a:chOff x="0" y="0"/>
+          <a:chExt cx="0" cy="0"/>
+        </a:xfrm>
+      </p:grpSpPr>
+      <p:sp>
+        <p:nvSpPr>
+          <p:cNvPr id="2" name="Titolo 1"/>
+          <p:cNvSpPr>
+            <a:spLocks noGrp="1"/>
+          </p:cNvSpPr>
+          <p:nvPr>
+            <p:ph type="title"/>
+          </p:nvPr>
+        </p:nvSpPr>
+        <p:spPr/>
+        <p:txBody>
+          <a:bodyPr/>
+          <a:lstStyle/>
+          <a:p>
+            <a:r>
+              <a:rPr lang="it-IT" dirty="0"/>
+              <a:t>INGEGNERE</a:t>
+            </a:r>
+            <a:endParaRPr lang="en-GB" dirty="0"/>
+          </a:p>
+        </p:txBody>
+      </p:sp>
+      <p:sp>
+        <p:nvSpPr>
+          <p:cNvPr id="4" name="Segnaposto piè di pagina 3"/>
+          <p:cNvSpPr>
+            <a:spLocks noGrp="1"/>
+          </p:cNvSpPr>
+          <p:nvPr>
+            <p:ph type="ftr" sz="quarter" idx="11"/>
+          </p:nvPr>
+        </p:nvSpPr>
+        <p:spPr/>
+        <p:txBody>
+          <a:bodyPr/>
+          <a:lstStyle/>
+          <a:p>
+            <a:r>
+              <a:rPr lang="it-IT"/>
+              <a:t>ANatali  - DISI - ISSM2020  Univeristy of Bologna</a:t>
+            </a:r>
+            <a:endParaRPr lang="en-GB"/>
+          </a:p>
+        </p:txBody>
+      </p:sp>
+      <p:sp>
+        <p:nvSpPr>
+          <p:cNvPr id="3" name="Segnaposto contenuto 2"/>
+          <p:cNvSpPr>
+            <a:spLocks noGrp="1"/>
+          </p:cNvSpPr>
+          <p:nvPr>
+            <p:ph sz="quarter" idx="1"/>
+          </p:nvPr>
+        </p:nvSpPr>
+        <p:spPr/>
+        <p:txBody>
+          <a:bodyPr>
+            <a:normAutofit lnSpcReduction="10000"/>
+          </a:bodyPr>
+          <a:lstStyle/>
+          <a:p>
+            <a:r>
+              <a:rPr lang="it-IT" sz="4400" dirty="0"/>
+              <a:t>Realizza </a:t>
+            </a:r>
+            <a:r>
+              <a:rPr lang="it-IT" sz="4400" dirty="0">
+                <a:solidFill>
+                  <a:srgbClr val="C00000"/>
+                </a:solidFill>
+              </a:rPr>
+              <a:t>progetti</a:t>
+            </a:r>
+          </a:p>
+          <a:p>
+            <a:r>
+              <a:rPr lang="it-IT" dirty="0"/>
+              <a:t>Da cui si realizzano </a:t>
+            </a:r>
+            <a:r>
+              <a:rPr lang="it-IT" dirty="0">
+                <a:solidFill>
+                  <a:srgbClr val="0070C0"/>
+                </a:solidFill>
+              </a:rPr>
+              <a:t>prodotti</a:t>
+            </a:r>
+          </a:p>
+          <a:p>
+            <a:r>
+              <a:rPr lang="it-IT" dirty="0"/>
+              <a:t>Partendo da una </a:t>
+            </a:r>
+            <a:r>
+              <a:rPr lang="it-IT" dirty="0">
+                <a:solidFill>
+                  <a:srgbClr val="C00000"/>
+                </a:solidFill>
+              </a:rPr>
+              <a:t>analisi del problema </a:t>
+            </a:r>
+            <a:r>
+              <a:rPr lang="it-IT" dirty="0"/>
+              <a:t>dato</a:t>
+            </a:r>
+          </a:p>
+          <a:p>
+            <a:r>
+              <a:rPr lang="it-IT" dirty="0"/>
+              <a:t>Definito da un insieme di </a:t>
+            </a:r>
+            <a:r>
+              <a:rPr lang="it-IT" dirty="0">
+                <a:solidFill>
+                  <a:srgbClr val="C00000"/>
+                </a:solidFill>
+              </a:rPr>
+              <a:t>requisiti</a:t>
+            </a:r>
+          </a:p>
+          <a:p>
+            <a:pPr marL="0" indent="0">
+              <a:buNone/>
+            </a:pPr>
+            <a:r>
+              <a:rPr lang="it-IT" dirty="0">
+                <a:solidFill>
+                  <a:srgbClr val="0070C0"/>
+                </a:solidFill>
+              </a:rPr>
+              <a:t>PROBLEMA</a:t>
+            </a:r>
+          </a:p>
+          <a:p>
+            <a:pPr marL="0" indent="0">
+              <a:buNone/>
+            </a:pPr>
+            <a:r>
+              <a:rPr lang="it-IT" sz="2400" dirty="0"/>
+              <a:t>Difficoltà che richiede un adattamento o un comportamento particolare, o di cui si impone il superamento.</a:t>
+            </a:r>
+          </a:p>
+          <a:p>
+            <a:pPr marL="0" indent="0">
+              <a:buNone/>
+            </a:pPr>
+            <a:r>
+              <a:rPr lang="it-IT" dirty="0">
+                <a:solidFill>
+                  <a:srgbClr val="0070C0"/>
+                </a:solidFill>
+              </a:rPr>
+              <a:t>PROBLEMATICA</a:t>
+            </a:r>
+          </a:p>
+          <a:p>
+            <a:pPr marL="0" indent="0">
+              <a:buNone/>
+            </a:pPr>
+            <a:r>
+              <a:rPr lang="it-IT" sz="2400" dirty="0"/>
+              <a:t>Complesso dei temi presi in considerazione in rapporto a determinati rami del sapere o a determinati interessi.</a:t>
+            </a:r>
+            <a:endParaRPr lang="en-GB" sz="2400" dirty="0"/>
+          </a:p>
+        </p:txBody>
+      </p:sp>
+      <p:sp>
+        <p:nvSpPr>
+          <p:cNvPr id="5" name="Segnaposto numero diapositiva 4"/>
+          <p:cNvSpPr>
+            <a:spLocks noGrp="1"/>
+          </p:cNvSpPr>
+          <p:nvPr>
+            <p:ph type="sldNum" sz="quarter" idx="12"/>
+          </p:nvPr>
+        </p:nvSpPr>
+        <p:spPr/>
+        <p:txBody>
+          <a:bodyPr/>
+          <a:lstStyle/>
+          <a:p>
+            <a:fld id="{6F6A5AB3-AF76-4EC9-853D-D4C335162C13}" type="slidenum">
+              <a:rPr lang="en-GB" smtClean="0"/>
+              <a:t>4</a:t>
+            </a:fld>
+            <a:endParaRPr lang="en-GB"/>
+          </a:p>
+        </p:txBody>
+      </p:sp>
+    </p:spTree>
+    <p:extLst>
+      <p:ext uri="{BB962C8B-B14F-4D97-AF65-F5344CB8AC3E}">
+        <p14:creationId xmlns:p14="http://schemas.microsoft.com/office/powerpoint/2010/main" val="1922378021"/>
+      </p:ext>
+    </p:extLst>
+  </p:cSld>
+  <p:clrMapOvr>
+    <a:masterClrMapping/>
+  </p:clrMapOvr>
+</p:sld>
+</file>
+
+<file path=ppt/slides/slide40.xml><?xml version="1.0" encoding="utf-8"?>
 <p:sld xmlns:a="http://schemas.openxmlformats.org/drawingml/2006/main" xmlns:r="http://schemas.openxmlformats.org/officeDocument/2006/relationships" xmlns:p="http://schemas.openxmlformats.org/presentationml/2006/main">
   <p:cSld>
     <p:spTree>
@@ -35011,7 +37136,7 @@
           <a:p>
             <a:fld id="{6F6A5AB3-AF76-4EC9-853D-D4C335162C13}" type="slidenum">
               <a:rPr lang="en-GB" smtClean="0"/>
-              <a:t>39</a:t>
+              <a:t>40</a:t>
             </a:fld>
             <a:endParaRPr lang="en-GB"/>
           </a:p>
@@ -35876,7 +38001,7 @@
 </p:sld>
 </file>
 
-<file path=ppt/slides/slide4.xml><?xml version="1.0" encoding="utf-8"?>
+<file path=ppt/slides/slide41.xml><?xml version="1.0" encoding="utf-8"?>
 <p:sld xmlns:a="http://schemas.openxmlformats.org/drawingml/2006/main" xmlns:r="http://schemas.openxmlformats.org/officeDocument/2006/relationships" xmlns:p="http://schemas.openxmlformats.org/presentationml/2006/main">
   <p:cSld>
     <p:spTree>
@@ -35895,228 +38020,6 @@
       </p:grpSpPr>
       <p:sp>
         <p:nvSpPr>
-          <p:cNvPr id="2" name="Titolo 1"/>
-          <p:cNvSpPr>
-            <a:spLocks noGrp="1"/>
-          </p:cNvSpPr>
-          <p:nvPr>
-            <p:ph type="title"/>
-          </p:nvPr>
-        </p:nvSpPr>
-        <p:spPr/>
-        <p:txBody>
-          <a:bodyPr/>
-          <a:lstStyle/>
-          <a:p>
-            <a:r>
-              <a:rPr lang="it-IT" dirty="0"/>
-              <a:t>INGEGNERE</a:t>
-            </a:r>
-            <a:endParaRPr lang="en-GB" dirty="0"/>
-          </a:p>
-        </p:txBody>
-      </p:sp>
-      <p:sp>
-        <p:nvSpPr>
-          <p:cNvPr id="4" name="Segnaposto piè di pagina 3"/>
-          <p:cNvSpPr>
-            <a:spLocks noGrp="1"/>
-          </p:cNvSpPr>
-          <p:nvPr>
-            <p:ph type="ftr" sz="quarter" idx="11"/>
-          </p:nvPr>
-        </p:nvSpPr>
-        <p:spPr/>
-        <p:txBody>
-          <a:bodyPr/>
-          <a:lstStyle/>
-          <a:p>
-            <a:r>
-              <a:rPr lang="it-IT"/>
-              <a:t>ANatali  - DISI - ISSM2020  Univeristy of Bologna</a:t>
-            </a:r>
-            <a:endParaRPr lang="en-GB"/>
-          </a:p>
-        </p:txBody>
-      </p:sp>
-      <p:sp>
-        <p:nvSpPr>
-          <p:cNvPr id="3" name="Segnaposto contenuto 2"/>
-          <p:cNvSpPr>
-            <a:spLocks noGrp="1"/>
-          </p:cNvSpPr>
-          <p:nvPr>
-            <p:ph sz="quarter" idx="1"/>
-          </p:nvPr>
-        </p:nvSpPr>
-        <p:spPr/>
-        <p:txBody>
-          <a:bodyPr>
-            <a:normAutofit lnSpcReduction="10000"/>
-          </a:bodyPr>
-          <a:lstStyle/>
-          <a:p>
-            <a:r>
-              <a:rPr lang="it-IT" sz="4400" dirty="0"/>
-              <a:t>Realizza </a:t>
-            </a:r>
-            <a:r>
-              <a:rPr lang="it-IT" sz="4400" dirty="0">
-                <a:solidFill>
-                  <a:srgbClr val="C00000"/>
-                </a:solidFill>
-              </a:rPr>
-              <a:t>progetti</a:t>
-            </a:r>
-          </a:p>
-          <a:p>
-            <a:r>
-              <a:rPr lang="it-IT" dirty="0"/>
-              <a:t>Da cui si realizzano </a:t>
-            </a:r>
-            <a:r>
-              <a:rPr lang="it-IT" dirty="0">
-                <a:solidFill>
-                  <a:srgbClr val="0070C0"/>
-                </a:solidFill>
-              </a:rPr>
-              <a:t>prodotti</a:t>
-            </a:r>
-          </a:p>
-          <a:p>
-            <a:r>
-              <a:rPr lang="it-IT" dirty="0"/>
-              <a:t>Partendo da una </a:t>
-            </a:r>
-            <a:r>
-              <a:rPr lang="it-IT" dirty="0">
-                <a:solidFill>
-                  <a:srgbClr val="C00000"/>
-                </a:solidFill>
-              </a:rPr>
-              <a:t>analisi del problema </a:t>
-            </a:r>
-            <a:r>
-              <a:rPr lang="it-IT" dirty="0"/>
-              <a:t>dato</a:t>
-            </a:r>
-          </a:p>
-          <a:p>
-            <a:r>
-              <a:rPr lang="it-IT" dirty="0"/>
-              <a:t>Definito da un insieme di </a:t>
-            </a:r>
-            <a:r>
-              <a:rPr lang="it-IT" dirty="0">
-                <a:solidFill>
-                  <a:srgbClr val="C00000"/>
-                </a:solidFill>
-              </a:rPr>
-              <a:t>requisiti</a:t>
-            </a:r>
-          </a:p>
-          <a:p>
-            <a:pPr marL="0" indent="0">
-              <a:buNone/>
-            </a:pPr>
-            <a:r>
-              <a:rPr lang="it-IT" dirty="0">
-                <a:solidFill>
-                  <a:srgbClr val="0070C0"/>
-                </a:solidFill>
-              </a:rPr>
-              <a:t>PROBLEMA</a:t>
-            </a:r>
-          </a:p>
-          <a:p>
-            <a:pPr marL="0" indent="0">
-              <a:buNone/>
-            </a:pPr>
-            <a:r>
-              <a:rPr lang="it-IT" sz="2400" dirty="0"/>
-              <a:t>Difficoltà che richiede un adattamento o un comportamento particolare, o di cui si impone il superamento.</a:t>
-            </a:r>
-          </a:p>
-          <a:p>
-            <a:pPr marL="0" indent="0">
-              <a:buNone/>
-            </a:pPr>
-            <a:r>
-              <a:rPr lang="it-IT" dirty="0">
-                <a:solidFill>
-                  <a:srgbClr val="0070C0"/>
-                </a:solidFill>
-              </a:rPr>
-              <a:t>PROBLEMATICA</a:t>
-            </a:r>
-          </a:p>
-          <a:p>
-            <a:pPr marL="0" indent="0">
-              <a:buNone/>
-            </a:pPr>
-            <a:r>
-              <a:rPr lang="it-IT" sz="2400" dirty="0"/>
-              <a:t>Complesso dei temi presi in considerazione in rapporto a determinati rami del sapere o a determinati interessi.</a:t>
-            </a:r>
-            <a:endParaRPr lang="en-GB" sz="2400" dirty="0"/>
-          </a:p>
-        </p:txBody>
-      </p:sp>
-      <p:sp>
-        <p:nvSpPr>
-          <p:cNvPr id="5" name="Segnaposto numero diapositiva 4"/>
-          <p:cNvSpPr>
-            <a:spLocks noGrp="1"/>
-          </p:cNvSpPr>
-          <p:nvPr>
-            <p:ph type="sldNum" sz="quarter" idx="12"/>
-          </p:nvPr>
-        </p:nvSpPr>
-        <p:spPr/>
-        <p:txBody>
-          <a:bodyPr/>
-          <a:lstStyle/>
-          <a:p>
-            <a:fld id="{6F6A5AB3-AF76-4EC9-853D-D4C335162C13}" type="slidenum">
-              <a:rPr lang="en-GB" smtClean="0"/>
-              <a:t>4</a:t>
-            </a:fld>
-            <a:endParaRPr lang="en-GB"/>
-          </a:p>
-        </p:txBody>
-      </p:sp>
-    </p:spTree>
-    <p:extLst>
-      <p:ext uri="{BB962C8B-B14F-4D97-AF65-F5344CB8AC3E}">
-        <p14:creationId xmlns:p14="http://schemas.microsoft.com/office/powerpoint/2010/main" val="1922378021"/>
-      </p:ext>
-    </p:extLst>
-  </p:cSld>
-  <p:clrMapOvr>
-    <a:masterClrMapping/>
-  </p:clrMapOvr>
-</p:sld>
-</file>
-
-<file path=ppt/slides/slide40.xml><?xml version="1.0" encoding="utf-8"?>
-<p:sld xmlns:a="http://schemas.openxmlformats.org/drawingml/2006/main" xmlns:r="http://schemas.openxmlformats.org/officeDocument/2006/relationships" xmlns:p="http://schemas.openxmlformats.org/presentationml/2006/main">
-  <p:cSld>
-    <p:spTree>
-      <p:nvGrpSpPr>
-        <p:cNvPr id="1" name=""/>
-        <p:cNvGrpSpPr/>
-        <p:nvPr/>
-      </p:nvGrpSpPr>
-      <p:grpSpPr>
-        <a:xfrm>
-          <a:off x="0" y="0"/>
-          <a:ext cx="0" cy="0"/>
-          <a:chOff x="0" y="0"/>
-          <a:chExt cx="0" cy="0"/>
-        </a:xfrm>
-      </p:grpSpPr>
-      <p:sp>
-        <p:nvSpPr>
           <p:cNvPr id="2" name="Segnaposto piè di pagina 1"/>
           <p:cNvSpPr>
             <a:spLocks noGrp="1"/>
@@ -36155,7 +38058,7 @@
           <a:p>
             <a:fld id="{6F6A5AB3-AF76-4EC9-853D-D4C335162C13}" type="slidenum">
               <a:rPr lang="en-GB" smtClean="0"/>
-              <a:t>40</a:t>
+              <a:t>41</a:t>
             </a:fld>
             <a:endParaRPr lang="en-GB"/>
           </a:p>

--- a/it.unibo.issLabStart/userDocs/ISSM2020.pptx
+++ b/it.unibo.issLabStart/userDocs/ISSM2020.pptx
@@ -5,10 +5,10 @@
     <p:sldMasterId id="2147483804" r:id="rId1"/>
   </p:sldMasterIdLst>
   <p:notesMasterIdLst>
-    <p:notesMasterId r:id="rId43"/>
+    <p:notesMasterId r:id="rId44"/>
   </p:notesMasterIdLst>
   <p:handoutMasterIdLst>
-    <p:handoutMasterId r:id="rId44"/>
+    <p:handoutMasterId r:id="rId45"/>
   </p:handoutMasterIdLst>
   <p:sldIdLst>
     <p:sldId id="256" r:id="rId2"/>
@@ -49,9 +49,10 @@
     <p:sldId id="293" r:id="rId37"/>
     <p:sldId id="298" r:id="rId38"/>
     <p:sldId id="296" r:id="rId39"/>
-    <p:sldId id="297" r:id="rId40"/>
-    <p:sldId id="281" r:id="rId41"/>
-    <p:sldId id="290" r:id="rId42"/>
+    <p:sldId id="299" r:id="rId40"/>
+    <p:sldId id="297" r:id="rId41"/>
+    <p:sldId id="281" r:id="rId42"/>
+    <p:sldId id="290" r:id="rId43"/>
   </p:sldIdLst>
   <p:sldSz cx="9144000" cy="6858000" type="screen4x3"/>
   <p:notesSz cx="6858000" cy="9144000"/>
@@ -152,7 +153,7 @@
   </p:defaultTextStyle>
   <p:extLst>
     <p:ext uri="{EFAFB233-063F-42B5-8137-9DF3F51BA10A}">
-      <p15:sldGuideLst xmlns="" xmlns:p15="http://schemas.microsoft.com/office/powerpoint/2012/main">
+      <p15:sldGuideLst xmlns:p15="http://schemas.microsoft.com/office/powerpoint/2012/main" xmlns="">
         <p15:guide id="1" orient="horz" pos="2160">
           <p15:clr>
             <a:srgbClr val="A4A3A4"/>
@@ -251,7 +252,7 @@
           <a:p>
             <a:fld id="{87B1E067-8CD6-47D2-8022-8E53E4BB7437}" type="datetimeFigureOut">
               <a:rPr lang="en-GB" smtClean="0"/>
-              <a:t>29/03/2020</a:t>
+              <a:t>31/03/2020</a:t>
             </a:fld>
             <a:endParaRPr lang="en-GB"/>
           </a:p>
@@ -417,7 +418,7 @@
           <a:p>
             <a:fld id="{71BD2418-2684-45EC-AEF4-BE55BBAB5B4F}" type="datetimeFigureOut">
               <a:rPr lang="en-GB" smtClean="0"/>
-              <a:t>29/03/2020</a:t>
+              <a:t>31/03/2020</a:t>
             </a:fld>
             <a:endParaRPr lang="en-GB"/>
           </a:p>
@@ -873,7 +874,7 @@
           <a:p>
             <a:fld id="{5D547B64-7F69-451B-8351-3B4EE3E72C48}" type="slidenum">
               <a:rPr lang="en-GB" smtClean="0"/>
-              <a:t>41</a:t>
+              <a:t>42</a:t>
             </a:fld>
             <a:endParaRPr lang="en-GB"/>
           </a:p>
@@ -1086,7 +1087,7 @@
           <a:p>
             <a:fld id="{69EC26FC-4149-4381-B200-0ACC926D0C10}" type="datetime1">
               <a:rPr lang="en-GB" smtClean="0"/>
-              <a:t>29/03/2020</a:t>
+              <a:t>31/03/2020</a:t>
             </a:fld>
             <a:endParaRPr lang="en-GB"/>
           </a:p>
@@ -1443,7 +1444,7 @@
           <a:p>
             <a:fld id="{77675063-8333-41A8-A131-A42E0F0649C6}" type="datetime1">
               <a:rPr lang="en-GB" smtClean="0"/>
-              <a:t>29/03/2020</a:t>
+              <a:t>31/03/2020</a:t>
             </a:fld>
             <a:endParaRPr lang="en-GB"/>
           </a:p>
@@ -1622,7 +1623,7 @@
           <a:p>
             <a:fld id="{99167A15-39CA-42AA-A3F4-D4AAF34DD1E5}" type="datetime1">
               <a:rPr lang="en-GB" smtClean="0"/>
-              <a:t>29/03/2020</a:t>
+              <a:t>31/03/2020</a:t>
             </a:fld>
             <a:endParaRPr lang="en-GB"/>
           </a:p>
@@ -1739,7 +1740,7 @@
           <a:p>
             <a:fld id="{1A87AFF6-4C91-482D-BDF5-223514DB0B0D}" type="datetime1">
               <a:rPr lang="en-GB" smtClean="0"/>
-              <a:t>29/03/2020</a:t>
+              <a:t>31/03/2020</a:t>
             </a:fld>
             <a:endParaRPr lang="en-GB"/>
           </a:p>
@@ -2101,7 +2102,7 @@
           <a:p>
             <a:fld id="{A945ADE7-28FF-42C7-B167-7DC7A77ED2F3}" type="datetime1">
               <a:rPr lang="en-GB" smtClean="0"/>
-              <a:t>29/03/2020</a:t>
+              <a:t>31/03/2020</a:t>
             </a:fld>
             <a:endParaRPr lang="en-GB"/>
           </a:p>
@@ -2370,7 +2371,7 @@
           <a:p>
             <a:fld id="{092EA350-1E2E-41EE-BD8A-FB0D72F078C3}" type="datetime1">
               <a:rPr lang="en-GB" smtClean="0"/>
-              <a:t>29/03/2020</a:t>
+              <a:t>31/03/2020</a:t>
             </a:fld>
             <a:endParaRPr lang="en-GB"/>
           </a:p>
@@ -2736,7 +2737,7 @@
           <a:p>
             <a:fld id="{F8F1314B-6929-4AD1-B5B4-312DAFF8489C}" type="datetime1">
               <a:rPr lang="en-GB" smtClean="0"/>
-              <a:t>29/03/2020</a:t>
+              <a:t>31/03/2020</a:t>
             </a:fld>
             <a:endParaRPr lang="en-GB"/>
           </a:p>
@@ -2967,7 +2968,7 @@
           <a:p>
             <a:fld id="{CF5B218E-BA98-4F08-AFAD-55E0F9C51274}" type="datetime1">
               <a:rPr lang="en-GB" smtClean="0"/>
-              <a:t>29/03/2020</a:t>
+              <a:t>31/03/2020</a:t>
             </a:fld>
             <a:endParaRPr lang="en-GB"/>
           </a:p>
@@ -3061,7 +3062,7 @@
           <a:p>
             <a:fld id="{8AF6CE76-28A1-4CD7-9645-E1D020974391}" type="datetime1">
               <a:rPr lang="en-GB" smtClean="0"/>
-              <a:t>29/03/2020</a:t>
+              <a:t>31/03/2020</a:t>
             </a:fld>
             <a:endParaRPr lang="en-GB"/>
           </a:p>
@@ -3332,7 +3333,7 @@
           <a:p>
             <a:fld id="{BADBD3C4-D885-44D5-BC36-8CDC16C4E35A}" type="datetime1">
               <a:rPr lang="en-GB" smtClean="0"/>
-              <a:t>29/03/2020</a:t>
+              <a:t>31/03/2020</a:t>
             </a:fld>
             <a:endParaRPr lang="en-GB"/>
           </a:p>
@@ -3564,7 +3565,7 @@
           <a:p>
             <a:fld id="{D0C37988-22DC-4746-8A43-E6C6BF5D65EE}" type="datetime1">
               <a:rPr lang="en-GB" smtClean="0"/>
-              <a:t>29/03/2020</a:t>
+              <a:t>31/03/2020</a:t>
             </a:fld>
             <a:endParaRPr lang="en-GB"/>
           </a:p>
@@ -4067,7 +4068,7 @@
           <a:p>
             <a:fld id="{5A18A74E-3BE8-4B6E-81A4-95A392C53EA5}" type="datetime1">
               <a:rPr lang="en-GB" smtClean="0"/>
-              <a:t>29/03/2020</a:t>
+              <a:t>31/03/2020</a:t>
             </a:fld>
             <a:endParaRPr lang="en-GB"/>
           </a:p>
@@ -11891,7 +11892,7 @@
           <p:cNvPr id="26" name="Ovale 33">
             <a:extLst>
               <a:ext uri="{FF2B5EF4-FFF2-40B4-BE49-F238E27FC236}">
-                <a16:creationId xmlns="" xmlns:a16="http://schemas.microsoft.com/office/drawing/2014/main" id="{EE7E7EAA-6204-4C59-9F31-DF632E43B747}"/>
+                <a16:creationId xmlns:a16="http://schemas.microsoft.com/office/drawing/2014/main" xmlns="" id="{EE7E7EAA-6204-4C59-9F31-DF632E43B747}"/>
               </a:ext>
             </a:extLst>
           </p:cNvPr>
@@ -11939,7 +11940,7 @@
           <p:cNvPr id="28" name="CasellaDiTesto 19">
             <a:extLst>
               <a:ext uri="{FF2B5EF4-FFF2-40B4-BE49-F238E27FC236}">
-                <a16:creationId xmlns="" xmlns:a16="http://schemas.microsoft.com/office/drawing/2014/main" id="{7B23BAA7-7D89-43BE-B88E-D25D840BA294}"/>
+                <a16:creationId xmlns:a16="http://schemas.microsoft.com/office/drawing/2014/main" xmlns="" id="{7B23BAA7-7D89-43BE-B88E-D25D840BA294}"/>
               </a:ext>
             </a:extLst>
           </p:cNvPr>
@@ -11975,7 +11976,7 @@
           <p:cNvPr id="10" name="Rectangle 4">
             <a:extLst>
               <a:ext uri="{FF2B5EF4-FFF2-40B4-BE49-F238E27FC236}">
-                <a16:creationId xmlns="" xmlns:a16="http://schemas.microsoft.com/office/drawing/2014/main" id="{9285CE8F-211F-4A96-BEFB-E42C50887C6A}"/>
+                <a16:creationId xmlns:a16="http://schemas.microsoft.com/office/drawing/2014/main" xmlns="" id="{9285CE8F-211F-4A96-BEFB-E42C50887C6A}"/>
               </a:ext>
             </a:extLst>
           </p:cNvPr>
@@ -12034,7 +12035,7 @@
           <p:cNvPr id="29" name="Connettore 2 126">
             <a:extLst>
               <a:ext uri="{FF2B5EF4-FFF2-40B4-BE49-F238E27FC236}">
-                <a16:creationId xmlns="" xmlns:a16="http://schemas.microsoft.com/office/drawing/2014/main" id="{0AA0E6A2-F525-4C64-9B41-8AAC54C8346D}"/>
+                <a16:creationId xmlns:a16="http://schemas.microsoft.com/office/drawing/2014/main" xmlns="" id="{0AA0E6A2-F525-4C64-9B41-8AAC54C8346D}"/>
               </a:ext>
             </a:extLst>
           </p:cNvPr>
@@ -12077,7 +12078,7 @@
           <p:cNvPr id="30" name="Connettore 2 9">
             <a:extLst>
               <a:ext uri="{FF2B5EF4-FFF2-40B4-BE49-F238E27FC236}">
-                <a16:creationId xmlns="" xmlns:a16="http://schemas.microsoft.com/office/drawing/2014/main" id="{01EF4D93-4E7B-4DFB-AE38-808AA1CF2663}"/>
+                <a16:creationId xmlns:a16="http://schemas.microsoft.com/office/drawing/2014/main" xmlns="" id="{01EF4D93-4E7B-4DFB-AE38-808AA1CF2663}"/>
               </a:ext>
             </a:extLst>
           </p:cNvPr>
@@ -12118,7 +12119,7 @@
           <p:cNvPr id="33" name="Rectangle 5">
             <a:extLst>
               <a:ext uri="{FF2B5EF4-FFF2-40B4-BE49-F238E27FC236}">
-                <a16:creationId xmlns="" xmlns:a16="http://schemas.microsoft.com/office/drawing/2014/main" id="{663699FD-7F2E-4DD1-B4BF-227A041C24B8}"/>
+                <a16:creationId xmlns:a16="http://schemas.microsoft.com/office/drawing/2014/main" xmlns="" id="{663699FD-7F2E-4DD1-B4BF-227A041C24B8}"/>
               </a:ext>
             </a:extLst>
           </p:cNvPr>
@@ -12191,7 +12192,7 @@
           <p:cNvPr id="45" name="Rectangle 5">
             <a:extLst>
               <a:ext uri="{FF2B5EF4-FFF2-40B4-BE49-F238E27FC236}">
-                <a16:creationId xmlns="" xmlns:a16="http://schemas.microsoft.com/office/drawing/2014/main" id="{E24D6CA4-2BC9-4AE1-95CB-AED96FDB9560}"/>
+                <a16:creationId xmlns:a16="http://schemas.microsoft.com/office/drawing/2014/main" xmlns="" id="{E24D6CA4-2BC9-4AE1-95CB-AED96FDB9560}"/>
               </a:ext>
             </a:extLst>
           </p:cNvPr>
@@ -12231,7 +12232,7 @@
           <p:cNvPr id="46" name="Ovale 33">
             <a:extLst>
               <a:ext uri="{FF2B5EF4-FFF2-40B4-BE49-F238E27FC236}">
-                <a16:creationId xmlns="" xmlns:a16="http://schemas.microsoft.com/office/drawing/2014/main" id="{9DB22A3B-B6A7-4E63-A408-51B043370910}"/>
+                <a16:creationId xmlns:a16="http://schemas.microsoft.com/office/drawing/2014/main" xmlns="" id="{9DB22A3B-B6A7-4E63-A408-51B043370910}"/>
               </a:ext>
             </a:extLst>
           </p:cNvPr>
@@ -12279,7 +12280,7 @@
           <p:cNvPr id="48" name="Straight Arrow Connector 47">
             <a:extLst>
               <a:ext uri="{FF2B5EF4-FFF2-40B4-BE49-F238E27FC236}">
-                <a16:creationId xmlns="" xmlns:a16="http://schemas.microsoft.com/office/drawing/2014/main" id="{68E3D2D9-1905-4E34-9DAF-86766AC88CC1}"/>
+                <a16:creationId xmlns:a16="http://schemas.microsoft.com/office/drawing/2014/main" xmlns="" id="{68E3D2D9-1905-4E34-9DAF-86766AC88CC1}"/>
               </a:ext>
             </a:extLst>
           </p:cNvPr>
@@ -12397,7 +12398,7 @@
           <p:cNvPr id="22" name="Gruppo 82">
             <a:extLst>
               <a:ext uri="{FF2B5EF4-FFF2-40B4-BE49-F238E27FC236}">
-                <a16:creationId xmlns="" xmlns:a16="http://schemas.microsoft.com/office/drawing/2014/main" id="{D2ACE5A8-9046-43C9-855F-EC0E0754E6E4}"/>
+                <a16:creationId xmlns:a16="http://schemas.microsoft.com/office/drawing/2014/main" xmlns="" id="{D2ACE5A8-9046-43C9-855F-EC0E0754E6E4}"/>
               </a:ext>
             </a:extLst>
           </p:cNvPr>
@@ -12417,7 +12418,7 @@
             <p:cNvPr id="23" name="Ovale 38">
               <a:extLst>
                 <a:ext uri="{FF2B5EF4-FFF2-40B4-BE49-F238E27FC236}">
-                  <a16:creationId xmlns="" xmlns:a16="http://schemas.microsoft.com/office/drawing/2014/main" id="{A3C33013-DAC5-4DE5-9575-78DF66227DDF}"/>
+                  <a16:creationId xmlns:a16="http://schemas.microsoft.com/office/drawing/2014/main" xmlns="" id="{A3C33013-DAC5-4DE5-9575-78DF66227DDF}"/>
                 </a:ext>
               </a:extLst>
             </p:cNvPr>
@@ -12468,7 +12469,7 @@
             <p:cNvPr id="24" name="Rettangolo 39">
               <a:extLst>
                 <a:ext uri="{FF2B5EF4-FFF2-40B4-BE49-F238E27FC236}">
-                  <a16:creationId xmlns="" xmlns:a16="http://schemas.microsoft.com/office/drawing/2014/main" id="{94A5922D-9265-4A79-9770-BC1C16A107CA}"/>
+                  <a16:creationId xmlns:a16="http://schemas.microsoft.com/office/drawing/2014/main" xmlns="" id="{94A5922D-9265-4A79-9770-BC1C16A107CA}"/>
                 </a:ext>
               </a:extLst>
             </p:cNvPr>
@@ -12516,7 +12517,7 @@
             <p:cNvPr id="25" name="Triangolo isoscele 42">
               <a:extLst>
                 <a:ext uri="{FF2B5EF4-FFF2-40B4-BE49-F238E27FC236}">
-                  <a16:creationId xmlns="" xmlns:a16="http://schemas.microsoft.com/office/drawing/2014/main" id="{A0FD7BD4-A807-4F3B-A3BC-009F1B02A9D4}"/>
+                  <a16:creationId xmlns:a16="http://schemas.microsoft.com/office/drawing/2014/main" xmlns="" id="{A0FD7BD4-A807-4F3B-A3BC-009F1B02A9D4}"/>
                 </a:ext>
               </a:extLst>
             </p:cNvPr>
@@ -12569,7 +12570,7 @@
           <p:cNvPr id="36" name="Rectangle 4">
             <a:extLst>
               <a:ext uri="{FF2B5EF4-FFF2-40B4-BE49-F238E27FC236}">
-                <a16:creationId xmlns="" xmlns:a16="http://schemas.microsoft.com/office/drawing/2014/main" id="{751C612F-85E8-46CD-9D97-711C49FABD7D}"/>
+                <a16:creationId xmlns:a16="http://schemas.microsoft.com/office/drawing/2014/main" xmlns="" id="{751C612F-85E8-46CD-9D97-711C49FABD7D}"/>
               </a:ext>
             </a:extLst>
           </p:cNvPr>
@@ -12616,7 +12617,7 @@
           <p:cNvPr id="38" name="Ovale 33">
             <a:extLst>
               <a:ext uri="{FF2B5EF4-FFF2-40B4-BE49-F238E27FC236}">
-                <a16:creationId xmlns="" xmlns:a16="http://schemas.microsoft.com/office/drawing/2014/main" id="{AE821BAD-5AB7-466B-8291-7E14ADF08024}"/>
+                <a16:creationId xmlns:a16="http://schemas.microsoft.com/office/drawing/2014/main" xmlns="" id="{AE821BAD-5AB7-466B-8291-7E14ADF08024}"/>
               </a:ext>
             </a:extLst>
           </p:cNvPr>
@@ -12664,7 +12665,7 @@
           <p:cNvPr id="39" name="CasellaDiTesto 19">
             <a:extLst>
               <a:ext uri="{FF2B5EF4-FFF2-40B4-BE49-F238E27FC236}">
-                <a16:creationId xmlns="" xmlns:a16="http://schemas.microsoft.com/office/drawing/2014/main" id="{EF542A0F-AE9B-4720-A22D-4000E774217C}"/>
+                <a16:creationId xmlns:a16="http://schemas.microsoft.com/office/drawing/2014/main" xmlns="" id="{EF542A0F-AE9B-4720-A22D-4000E774217C}"/>
               </a:ext>
             </a:extLst>
           </p:cNvPr>
@@ -12700,7 +12701,7 @@
           <p:cNvPr id="40" name="Rectangle 4">
             <a:extLst>
               <a:ext uri="{FF2B5EF4-FFF2-40B4-BE49-F238E27FC236}">
-                <a16:creationId xmlns="" xmlns:a16="http://schemas.microsoft.com/office/drawing/2014/main" id="{DC75D623-1BEE-420F-8F7A-642F64C29300}"/>
+                <a16:creationId xmlns:a16="http://schemas.microsoft.com/office/drawing/2014/main" xmlns="" id="{DC75D623-1BEE-420F-8F7A-642F64C29300}"/>
               </a:ext>
             </a:extLst>
           </p:cNvPr>
@@ -12822,7 +12823,7 @@
           <p:cNvPr id="41" name="Connettore 2 126">
             <a:extLst>
               <a:ext uri="{FF2B5EF4-FFF2-40B4-BE49-F238E27FC236}">
-                <a16:creationId xmlns="" xmlns:a16="http://schemas.microsoft.com/office/drawing/2014/main" id="{B9484729-5BBF-42A0-9532-D074E8F64D0C}"/>
+                <a16:creationId xmlns:a16="http://schemas.microsoft.com/office/drawing/2014/main" xmlns="" id="{B9484729-5BBF-42A0-9532-D074E8F64D0C}"/>
               </a:ext>
             </a:extLst>
           </p:cNvPr>
@@ -12865,7 +12866,7 @@
           <p:cNvPr id="42" name="Connettore 2 9">
             <a:extLst>
               <a:ext uri="{FF2B5EF4-FFF2-40B4-BE49-F238E27FC236}">
-                <a16:creationId xmlns="" xmlns:a16="http://schemas.microsoft.com/office/drawing/2014/main" id="{2227C48D-AA34-4D81-9873-E2E1601CDD36}"/>
+                <a16:creationId xmlns:a16="http://schemas.microsoft.com/office/drawing/2014/main" xmlns="" id="{2227C48D-AA34-4D81-9873-E2E1601CDD36}"/>
               </a:ext>
             </a:extLst>
           </p:cNvPr>
@@ -12908,7 +12909,7 @@
           <p:cNvPr id="43" name="Rectangle 5">
             <a:extLst>
               <a:ext uri="{FF2B5EF4-FFF2-40B4-BE49-F238E27FC236}">
-                <a16:creationId xmlns="" xmlns:a16="http://schemas.microsoft.com/office/drawing/2014/main" id="{FDD84F83-30AC-4BF9-B9FF-5314654605F2}"/>
+                <a16:creationId xmlns:a16="http://schemas.microsoft.com/office/drawing/2014/main" xmlns="" id="{FDD84F83-30AC-4BF9-B9FF-5314654605F2}"/>
               </a:ext>
             </a:extLst>
           </p:cNvPr>
@@ -12969,7 +12970,7 @@
           <p:cNvPr id="52" name="Rectangle 5">
             <a:extLst>
               <a:ext uri="{FF2B5EF4-FFF2-40B4-BE49-F238E27FC236}">
-                <a16:creationId xmlns="" xmlns:a16="http://schemas.microsoft.com/office/drawing/2014/main" id="{9529310F-209D-4FC3-82E8-EEC7E3A85851}"/>
+                <a16:creationId xmlns:a16="http://schemas.microsoft.com/office/drawing/2014/main" xmlns="" id="{9529310F-209D-4FC3-82E8-EEC7E3A85851}"/>
               </a:ext>
             </a:extLst>
           </p:cNvPr>
@@ -13009,7 +13010,7 @@
           <p:cNvPr id="53" name="Ovale 33">
             <a:extLst>
               <a:ext uri="{FF2B5EF4-FFF2-40B4-BE49-F238E27FC236}">
-                <a16:creationId xmlns="" xmlns:a16="http://schemas.microsoft.com/office/drawing/2014/main" id="{435D5F9E-A655-4DD7-851D-B11A8F169495}"/>
+                <a16:creationId xmlns:a16="http://schemas.microsoft.com/office/drawing/2014/main" xmlns="" id="{435D5F9E-A655-4DD7-851D-B11A8F169495}"/>
               </a:ext>
             </a:extLst>
           </p:cNvPr>
@@ -13057,7 +13058,7 @@
           <p:cNvPr id="54" name="Straight Arrow Connector 53">
             <a:extLst>
               <a:ext uri="{FF2B5EF4-FFF2-40B4-BE49-F238E27FC236}">
-                <a16:creationId xmlns="" xmlns:a16="http://schemas.microsoft.com/office/drawing/2014/main" id="{5F862CA7-7927-4E0C-A697-C0E183A98073}"/>
+                <a16:creationId xmlns:a16="http://schemas.microsoft.com/office/drawing/2014/main" xmlns="" id="{5F862CA7-7927-4E0C-A697-C0E183A98073}"/>
               </a:ext>
             </a:extLst>
           </p:cNvPr>
@@ -13098,7 +13099,7 @@
           <p:cNvPr id="57" name="Connector: Elbow 56">
             <a:extLst>
               <a:ext uri="{FF2B5EF4-FFF2-40B4-BE49-F238E27FC236}">
-                <a16:creationId xmlns="" xmlns:a16="http://schemas.microsoft.com/office/drawing/2014/main" id="{CDFFCB79-ECE8-451E-A967-EFE490B3417F}"/>
+                <a16:creationId xmlns:a16="http://schemas.microsoft.com/office/drawing/2014/main" xmlns="" id="{CDFFCB79-ECE8-451E-A967-EFE490B3417F}"/>
               </a:ext>
             </a:extLst>
           </p:cNvPr>
@@ -13144,7 +13145,7 @@
           <p:cNvPr id="60" name="Oval 59">
             <a:extLst>
               <a:ext uri="{FF2B5EF4-FFF2-40B4-BE49-F238E27FC236}">
-                <a16:creationId xmlns="" xmlns:a16="http://schemas.microsoft.com/office/drawing/2014/main" id="{14ACD13F-7496-4B90-AE98-8683062A6B76}"/>
+                <a16:creationId xmlns:a16="http://schemas.microsoft.com/office/drawing/2014/main" xmlns="" id="{14ACD13F-7496-4B90-AE98-8683062A6B76}"/>
               </a:ext>
             </a:extLst>
           </p:cNvPr>
@@ -13198,7 +13199,7 @@
           <p:cNvPr id="35" name="Connettore 2 92">
             <a:extLst>
               <a:ext uri="{FF2B5EF4-FFF2-40B4-BE49-F238E27FC236}">
-                <a16:creationId xmlns="" xmlns:a16="http://schemas.microsoft.com/office/drawing/2014/main" id="{D129B3F1-E984-4808-8DB5-56CC7FF47729}"/>
+                <a16:creationId xmlns:a16="http://schemas.microsoft.com/office/drawing/2014/main" xmlns="" id="{D129B3F1-E984-4808-8DB5-56CC7FF47729}"/>
               </a:ext>
             </a:extLst>
           </p:cNvPr>
@@ -14096,7 +14097,7 @@
           <p:cNvPr id="130" name="Rectangle 5">
             <a:extLst>
               <a:ext uri="{FF2B5EF4-FFF2-40B4-BE49-F238E27FC236}">
-                <a16:creationId xmlns="" xmlns:a16="http://schemas.microsoft.com/office/drawing/2014/main" id="{9529310F-209D-4FC3-82E8-EEC7E3A85851}"/>
+                <a16:creationId xmlns:a16="http://schemas.microsoft.com/office/drawing/2014/main" xmlns="" id="{9529310F-209D-4FC3-82E8-EEC7E3A85851}"/>
               </a:ext>
             </a:extLst>
           </p:cNvPr>
@@ -14143,7 +14144,7 @@
           <p:cNvPr id="46" name="Rectangle 5">
             <a:extLst>
               <a:ext uri="{FF2B5EF4-FFF2-40B4-BE49-F238E27FC236}">
-                <a16:creationId xmlns="" xmlns:a16="http://schemas.microsoft.com/office/drawing/2014/main" id="{0CBD2E55-2030-4802-A4F1-C2953AF08AAB}"/>
+                <a16:creationId xmlns:a16="http://schemas.microsoft.com/office/drawing/2014/main" xmlns="" id="{0CBD2E55-2030-4802-A4F1-C2953AF08AAB}"/>
               </a:ext>
             </a:extLst>
           </p:cNvPr>
@@ -14221,7 +14222,7 @@
           <p:cNvPr id="48" name="Rectangle 5">
             <a:extLst>
               <a:ext uri="{FF2B5EF4-FFF2-40B4-BE49-F238E27FC236}">
-                <a16:creationId xmlns="" xmlns:a16="http://schemas.microsoft.com/office/drawing/2014/main" id="{CF0A08CC-F966-460F-9624-0266DD1496A0}"/>
+                <a16:creationId xmlns:a16="http://schemas.microsoft.com/office/drawing/2014/main" xmlns="" id="{CF0A08CC-F966-460F-9624-0266DD1496A0}"/>
               </a:ext>
             </a:extLst>
           </p:cNvPr>
@@ -14328,7 +14329,7 @@
           <p:cNvPr id="61" name="Rectangle 5">
             <a:extLst>
               <a:ext uri="{FF2B5EF4-FFF2-40B4-BE49-F238E27FC236}">
-                <a16:creationId xmlns="" xmlns:a16="http://schemas.microsoft.com/office/drawing/2014/main" id="{9529310F-209D-4FC3-82E8-EEC7E3A85851}"/>
+                <a16:creationId xmlns:a16="http://schemas.microsoft.com/office/drawing/2014/main" xmlns="" id="{9529310F-209D-4FC3-82E8-EEC7E3A85851}"/>
               </a:ext>
             </a:extLst>
           </p:cNvPr>
@@ -15353,7 +15354,7 @@
           <p:cNvPr id="61" name="Rectangle 5">
             <a:extLst>
               <a:ext uri="{FF2B5EF4-FFF2-40B4-BE49-F238E27FC236}">
-                <a16:creationId xmlns="" xmlns:a16="http://schemas.microsoft.com/office/drawing/2014/main" id="{9529310F-209D-4FC3-82E8-EEC7E3A85851}"/>
+                <a16:creationId xmlns:a16="http://schemas.microsoft.com/office/drawing/2014/main" xmlns="" id="{9529310F-209D-4FC3-82E8-EEC7E3A85851}"/>
               </a:ext>
             </a:extLst>
           </p:cNvPr>
@@ -15554,7 +15555,7 @@
           <p:cNvPr id="19" name="Rectangle: Rounded Corners 18">
             <a:extLst>
               <a:ext uri="{FF2B5EF4-FFF2-40B4-BE49-F238E27FC236}">
-                <a16:creationId xmlns="" xmlns:a16="http://schemas.microsoft.com/office/drawing/2014/main" id="{DE3B0D5F-B032-4ABA-8BA4-86B2ACAE6FE9}"/>
+                <a16:creationId xmlns:a16="http://schemas.microsoft.com/office/drawing/2014/main" xmlns="" id="{DE3B0D5F-B032-4ABA-8BA4-86B2ACAE6FE9}"/>
               </a:ext>
             </a:extLst>
           </p:cNvPr>
@@ -15608,7 +15609,7 @@
           <p:cNvPr id="2" name="Footer Placeholder 1">
             <a:extLst>
               <a:ext uri="{FF2B5EF4-FFF2-40B4-BE49-F238E27FC236}">
-                <a16:creationId xmlns="" xmlns:a16="http://schemas.microsoft.com/office/drawing/2014/main" id="{AD6894C7-DA5F-4138-A519-491DCC0A630F}"/>
+                <a16:creationId xmlns:a16="http://schemas.microsoft.com/office/drawing/2014/main" xmlns="" id="{AD6894C7-DA5F-4138-A519-491DCC0A630F}"/>
               </a:ext>
             </a:extLst>
           </p:cNvPr>
@@ -15637,7 +15638,7 @@
           <p:cNvPr id="3" name="Slide Number Placeholder 2">
             <a:extLst>
               <a:ext uri="{FF2B5EF4-FFF2-40B4-BE49-F238E27FC236}">
-                <a16:creationId xmlns="" xmlns:a16="http://schemas.microsoft.com/office/drawing/2014/main" id="{9F97F589-9197-4852-A296-AC6ABB123CD8}"/>
+                <a16:creationId xmlns:a16="http://schemas.microsoft.com/office/drawing/2014/main" xmlns="" id="{9F97F589-9197-4852-A296-AC6ABB123CD8}"/>
               </a:ext>
             </a:extLst>
           </p:cNvPr>
@@ -15666,7 +15667,7 @@
           <p:cNvPr id="4" name="Gruppo 72">
             <a:extLst>
               <a:ext uri="{FF2B5EF4-FFF2-40B4-BE49-F238E27FC236}">
-                <a16:creationId xmlns="" xmlns:a16="http://schemas.microsoft.com/office/drawing/2014/main" id="{D4DF3349-65AA-401C-A3D6-D0F89B361E36}"/>
+                <a16:creationId xmlns:a16="http://schemas.microsoft.com/office/drawing/2014/main" xmlns="" id="{D4DF3349-65AA-401C-A3D6-D0F89B361E36}"/>
               </a:ext>
             </a:extLst>
           </p:cNvPr>
@@ -15686,7 +15687,7 @@
             <p:cNvPr id="5" name="Figura a mano libera 73">
               <a:extLst>
                 <a:ext uri="{FF2B5EF4-FFF2-40B4-BE49-F238E27FC236}">
-                  <a16:creationId xmlns="" xmlns:a16="http://schemas.microsoft.com/office/drawing/2014/main" id="{5EB43234-5B64-422E-A355-531F36111451}"/>
+                  <a16:creationId xmlns:a16="http://schemas.microsoft.com/office/drawing/2014/main" xmlns="" id="{5EB43234-5B64-422E-A355-531F36111451}"/>
                 </a:ext>
               </a:extLst>
             </p:cNvPr>
@@ -15864,7 +15865,7 @@
             <p:cNvPr id="6" name="Figura a mano libera 74">
               <a:extLst>
                 <a:ext uri="{FF2B5EF4-FFF2-40B4-BE49-F238E27FC236}">
-                  <a16:creationId xmlns="" xmlns:a16="http://schemas.microsoft.com/office/drawing/2014/main" id="{FD6DD544-F526-49EB-9FD3-4E25A9A04502}"/>
+                  <a16:creationId xmlns:a16="http://schemas.microsoft.com/office/drawing/2014/main" xmlns="" id="{FD6DD544-F526-49EB-9FD3-4E25A9A04502}"/>
                 </a:ext>
               </a:extLst>
             </p:cNvPr>
@@ -15944,7 +15945,7 @@
             <p:cNvPr id="7" name="Figura a mano libera 75">
               <a:extLst>
                 <a:ext uri="{FF2B5EF4-FFF2-40B4-BE49-F238E27FC236}">
-                  <a16:creationId xmlns="" xmlns:a16="http://schemas.microsoft.com/office/drawing/2014/main" id="{74474911-83D2-4583-8298-4ACA2D55D0B4}"/>
+                  <a16:creationId xmlns:a16="http://schemas.microsoft.com/office/drawing/2014/main" xmlns="" id="{74474911-83D2-4583-8298-4ACA2D55D0B4}"/>
                 </a:ext>
               </a:extLst>
             </p:cNvPr>
@@ -16025,7 +16026,7 @@
           <p:cNvPr id="8" name="CasellaDiTesto 77">
             <a:extLst>
               <a:ext uri="{FF2B5EF4-FFF2-40B4-BE49-F238E27FC236}">
-                <a16:creationId xmlns="" xmlns:a16="http://schemas.microsoft.com/office/drawing/2014/main" id="{A44277E5-DB00-4094-88D9-A3A76F021088}"/>
+                <a16:creationId xmlns:a16="http://schemas.microsoft.com/office/drawing/2014/main" xmlns="" id="{A44277E5-DB00-4094-88D9-A3A76F021088}"/>
               </a:ext>
             </a:extLst>
           </p:cNvPr>
@@ -16061,7 +16062,7 @@
           <p:cNvPr id="9" name="Gruppo 56">
             <a:extLst>
               <a:ext uri="{FF2B5EF4-FFF2-40B4-BE49-F238E27FC236}">
-                <a16:creationId xmlns="" xmlns:a16="http://schemas.microsoft.com/office/drawing/2014/main" id="{74F6FB65-B2FC-43AB-952F-EB880AD9A766}"/>
+                <a16:creationId xmlns:a16="http://schemas.microsoft.com/office/drawing/2014/main" xmlns="" id="{74F6FB65-B2FC-43AB-952F-EB880AD9A766}"/>
               </a:ext>
             </a:extLst>
           </p:cNvPr>
@@ -16081,7 +16082,7 @@
             <p:cNvPr id="10" name="Freccia a destra 58">
               <a:extLst>
                 <a:ext uri="{FF2B5EF4-FFF2-40B4-BE49-F238E27FC236}">
-                  <a16:creationId xmlns="" xmlns:a16="http://schemas.microsoft.com/office/drawing/2014/main" id="{2874F787-D303-4944-A765-CCDE457EC84E}"/>
+                  <a16:creationId xmlns:a16="http://schemas.microsoft.com/office/drawing/2014/main" xmlns="" id="{2874F787-D303-4944-A765-CCDE457EC84E}"/>
                 </a:ext>
               </a:extLst>
             </p:cNvPr>
@@ -16125,7 +16126,7 @@
             <p:cNvPr id="11" name="Triangolo isoscele 76">
               <a:extLst>
                 <a:ext uri="{FF2B5EF4-FFF2-40B4-BE49-F238E27FC236}">
-                  <a16:creationId xmlns="" xmlns:a16="http://schemas.microsoft.com/office/drawing/2014/main" id="{E916AB63-4782-439B-A9B0-E9AD2E838EB1}"/>
+                  <a16:creationId xmlns:a16="http://schemas.microsoft.com/office/drawing/2014/main" xmlns="" id="{E916AB63-4782-439B-A9B0-E9AD2E838EB1}"/>
                 </a:ext>
               </a:extLst>
             </p:cNvPr>
@@ -16178,7 +16179,7 @@
           <p:cNvPr id="12" name="CasellaDiTesto 80">
             <a:extLst>
               <a:ext uri="{FF2B5EF4-FFF2-40B4-BE49-F238E27FC236}">
-                <a16:creationId xmlns="" xmlns:a16="http://schemas.microsoft.com/office/drawing/2014/main" id="{72B5600D-A098-4BE0-9D29-4E981D471DE0}"/>
+                <a16:creationId xmlns:a16="http://schemas.microsoft.com/office/drawing/2014/main" xmlns="" id="{72B5600D-A098-4BE0-9D29-4E981D471DE0}"/>
               </a:ext>
             </a:extLst>
           </p:cNvPr>
@@ -16214,7 +16215,7 @@
           <p:cNvPr id="13" name="CasellaDiTesto 81">
             <a:extLst>
               <a:ext uri="{FF2B5EF4-FFF2-40B4-BE49-F238E27FC236}">
-                <a16:creationId xmlns="" xmlns:a16="http://schemas.microsoft.com/office/drawing/2014/main" id="{2832473F-CC41-4D67-95E6-8748F15632CD}"/>
+                <a16:creationId xmlns:a16="http://schemas.microsoft.com/office/drawing/2014/main" xmlns="" id="{2832473F-CC41-4D67-95E6-8748F15632CD}"/>
               </a:ext>
             </a:extLst>
           </p:cNvPr>
@@ -16250,7 +16251,7 @@
           <p:cNvPr id="14" name="Gruppo 87">
             <a:extLst>
               <a:ext uri="{FF2B5EF4-FFF2-40B4-BE49-F238E27FC236}">
-                <a16:creationId xmlns="" xmlns:a16="http://schemas.microsoft.com/office/drawing/2014/main" id="{CDDB6DF8-445A-4D3C-9E6E-3D2D9BA565D8}"/>
+                <a16:creationId xmlns:a16="http://schemas.microsoft.com/office/drawing/2014/main" xmlns="" id="{CDDB6DF8-445A-4D3C-9E6E-3D2D9BA565D8}"/>
               </a:ext>
             </a:extLst>
           </p:cNvPr>
@@ -16270,7 +16271,7 @@
             <p:cNvPr id="15" name="Connettore 1 89">
               <a:extLst>
                 <a:ext uri="{FF2B5EF4-FFF2-40B4-BE49-F238E27FC236}">
-                  <a16:creationId xmlns="" xmlns:a16="http://schemas.microsoft.com/office/drawing/2014/main" id="{A504012D-1DBC-427E-92AD-67E4D62B312F}"/>
+                  <a16:creationId xmlns:a16="http://schemas.microsoft.com/office/drawing/2014/main" xmlns="" id="{A504012D-1DBC-427E-92AD-67E4D62B312F}"/>
                 </a:ext>
               </a:extLst>
             </p:cNvPr>
@@ -16309,7 +16310,7 @@
             <p:cNvPr id="16" name="Triangolo isoscele 90">
               <a:extLst>
                 <a:ext uri="{FF2B5EF4-FFF2-40B4-BE49-F238E27FC236}">
-                  <a16:creationId xmlns="" xmlns:a16="http://schemas.microsoft.com/office/drawing/2014/main" id="{AF6509DD-8D3D-4911-B351-E7BF33D0D71A}"/>
+                  <a16:creationId xmlns:a16="http://schemas.microsoft.com/office/drawing/2014/main" xmlns="" id="{AF6509DD-8D3D-4911-B351-E7BF33D0D71A}"/>
                 </a:ext>
               </a:extLst>
             </p:cNvPr>
@@ -16358,7 +16359,7 @@
           <p:cNvPr id="17" name="CasellaDiTesto 91">
             <a:extLst>
               <a:ext uri="{FF2B5EF4-FFF2-40B4-BE49-F238E27FC236}">
-                <a16:creationId xmlns="" xmlns:a16="http://schemas.microsoft.com/office/drawing/2014/main" id="{EAF9BEEA-F8F7-4B16-BF60-8B8EAD064DE5}"/>
+                <a16:creationId xmlns:a16="http://schemas.microsoft.com/office/drawing/2014/main" xmlns="" id="{EAF9BEEA-F8F7-4B16-BF60-8B8EAD064DE5}"/>
               </a:ext>
             </a:extLst>
           </p:cNvPr>
@@ -16394,7 +16395,7 @@
           <p:cNvPr id="18" name="Connettore 2 92">
             <a:extLst>
               <a:ext uri="{FF2B5EF4-FFF2-40B4-BE49-F238E27FC236}">
-                <a16:creationId xmlns="" xmlns:a16="http://schemas.microsoft.com/office/drawing/2014/main" id="{373280F8-F690-4A62-ACB0-582565EF381B}"/>
+                <a16:creationId xmlns:a16="http://schemas.microsoft.com/office/drawing/2014/main" xmlns="" id="{373280F8-F690-4A62-ACB0-582565EF381B}"/>
               </a:ext>
             </a:extLst>
           </p:cNvPr>
@@ -16434,7 +16435,7 @@
           <p:cNvPr id="20" name="Gruppo 82">
             <a:extLst>
               <a:ext uri="{FF2B5EF4-FFF2-40B4-BE49-F238E27FC236}">
-                <a16:creationId xmlns="" xmlns:a16="http://schemas.microsoft.com/office/drawing/2014/main" id="{12D969AC-9EB0-4CF5-9EE5-D0DD7ACA9C72}"/>
+                <a16:creationId xmlns:a16="http://schemas.microsoft.com/office/drawing/2014/main" xmlns="" id="{12D969AC-9EB0-4CF5-9EE5-D0DD7ACA9C72}"/>
               </a:ext>
             </a:extLst>
           </p:cNvPr>
@@ -16454,7 +16455,7 @@
             <p:cNvPr id="21" name="Ovale 38">
               <a:extLst>
                 <a:ext uri="{FF2B5EF4-FFF2-40B4-BE49-F238E27FC236}">
-                  <a16:creationId xmlns="" xmlns:a16="http://schemas.microsoft.com/office/drawing/2014/main" id="{0EB3DE65-C1E4-4AD3-B909-2646317ECA68}"/>
+                  <a16:creationId xmlns:a16="http://schemas.microsoft.com/office/drawing/2014/main" xmlns="" id="{0EB3DE65-C1E4-4AD3-B909-2646317ECA68}"/>
                 </a:ext>
               </a:extLst>
             </p:cNvPr>
@@ -16505,7 +16506,7 @@
             <p:cNvPr id="22" name="Rettangolo 39">
               <a:extLst>
                 <a:ext uri="{FF2B5EF4-FFF2-40B4-BE49-F238E27FC236}">
-                  <a16:creationId xmlns="" xmlns:a16="http://schemas.microsoft.com/office/drawing/2014/main" id="{AAF0ABD1-BB2B-450B-9369-91FF5B4CE129}"/>
+                  <a16:creationId xmlns:a16="http://schemas.microsoft.com/office/drawing/2014/main" xmlns="" id="{AAF0ABD1-BB2B-450B-9369-91FF5B4CE129}"/>
                 </a:ext>
               </a:extLst>
             </p:cNvPr>
@@ -16553,7 +16554,7 @@
             <p:cNvPr id="23" name="Triangolo isoscele 42">
               <a:extLst>
                 <a:ext uri="{FF2B5EF4-FFF2-40B4-BE49-F238E27FC236}">
-                  <a16:creationId xmlns="" xmlns:a16="http://schemas.microsoft.com/office/drawing/2014/main" id="{34D1AFB1-88AB-4A6C-9824-2CF6DE11BF7C}"/>
+                  <a16:creationId xmlns:a16="http://schemas.microsoft.com/office/drawing/2014/main" xmlns="" id="{34D1AFB1-88AB-4A6C-9824-2CF6DE11BF7C}"/>
                 </a:ext>
               </a:extLst>
             </p:cNvPr>
@@ -16606,7 +16607,7 @@
           <p:cNvPr id="24" name="Rectangle 4">
             <a:extLst>
               <a:ext uri="{FF2B5EF4-FFF2-40B4-BE49-F238E27FC236}">
-                <a16:creationId xmlns="" xmlns:a16="http://schemas.microsoft.com/office/drawing/2014/main" id="{FA1CA8BE-B059-415B-B299-7E0D7424128A}"/>
+                <a16:creationId xmlns:a16="http://schemas.microsoft.com/office/drawing/2014/main" xmlns="" id="{FA1CA8BE-B059-415B-B299-7E0D7424128A}"/>
               </a:ext>
             </a:extLst>
           </p:cNvPr>
@@ -16653,7 +16654,7 @@
           <p:cNvPr id="25" name="Ovale 33">
             <a:extLst>
               <a:ext uri="{FF2B5EF4-FFF2-40B4-BE49-F238E27FC236}">
-                <a16:creationId xmlns="" xmlns:a16="http://schemas.microsoft.com/office/drawing/2014/main" id="{A4E6BBEC-1E11-48AC-9881-2BCB8F6CF48A}"/>
+                <a16:creationId xmlns:a16="http://schemas.microsoft.com/office/drawing/2014/main" xmlns="" id="{A4E6BBEC-1E11-48AC-9881-2BCB8F6CF48A}"/>
               </a:ext>
             </a:extLst>
           </p:cNvPr>
@@ -16701,7 +16702,7 @@
           <p:cNvPr id="26" name="CasellaDiTesto 19">
             <a:extLst>
               <a:ext uri="{FF2B5EF4-FFF2-40B4-BE49-F238E27FC236}">
-                <a16:creationId xmlns="" xmlns:a16="http://schemas.microsoft.com/office/drawing/2014/main" id="{11853092-90FB-4FF0-A8A7-8E1E956C1000}"/>
+                <a16:creationId xmlns:a16="http://schemas.microsoft.com/office/drawing/2014/main" xmlns="" id="{11853092-90FB-4FF0-A8A7-8E1E956C1000}"/>
               </a:ext>
             </a:extLst>
           </p:cNvPr>
@@ -16737,7 +16738,7 @@
           <p:cNvPr id="27" name="Rectangle 4">
             <a:extLst>
               <a:ext uri="{FF2B5EF4-FFF2-40B4-BE49-F238E27FC236}">
-                <a16:creationId xmlns="" xmlns:a16="http://schemas.microsoft.com/office/drawing/2014/main" id="{57A31D5F-E223-48B4-A819-ADBF29AA214F}"/>
+                <a16:creationId xmlns:a16="http://schemas.microsoft.com/office/drawing/2014/main" xmlns="" id="{57A31D5F-E223-48B4-A819-ADBF29AA214F}"/>
               </a:ext>
             </a:extLst>
           </p:cNvPr>
@@ -16867,7 +16868,7 @@
           <p:cNvPr id="28" name="Connettore 2 126">
             <a:extLst>
               <a:ext uri="{FF2B5EF4-FFF2-40B4-BE49-F238E27FC236}">
-                <a16:creationId xmlns="" xmlns:a16="http://schemas.microsoft.com/office/drawing/2014/main" id="{36CC678F-7232-496B-B9F9-4DE6B53CD494}"/>
+                <a16:creationId xmlns:a16="http://schemas.microsoft.com/office/drawing/2014/main" xmlns="" id="{36CC678F-7232-496B-B9F9-4DE6B53CD494}"/>
               </a:ext>
             </a:extLst>
           </p:cNvPr>
@@ -16910,7 +16911,7 @@
           <p:cNvPr id="29" name="Connettore 2 9">
             <a:extLst>
               <a:ext uri="{FF2B5EF4-FFF2-40B4-BE49-F238E27FC236}">
-                <a16:creationId xmlns="" xmlns:a16="http://schemas.microsoft.com/office/drawing/2014/main" id="{04DF4836-F901-4EBA-8385-88CA97E6F661}"/>
+                <a16:creationId xmlns:a16="http://schemas.microsoft.com/office/drawing/2014/main" xmlns="" id="{04DF4836-F901-4EBA-8385-88CA97E6F661}"/>
               </a:ext>
             </a:extLst>
           </p:cNvPr>
@@ -16956,7 +16957,7 @@
           <p:cNvPr id="30" name="Rectangle 5">
             <a:extLst>
               <a:ext uri="{FF2B5EF4-FFF2-40B4-BE49-F238E27FC236}">
-                <a16:creationId xmlns="" xmlns:a16="http://schemas.microsoft.com/office/drawing/2014/main" id="{2514E10A-0E65-4430-A48F-330F1F0FD1D1}"/>
+                <a16:creationId xmlns:a16="http://schemas.microsoft.com/office/drawing/2014/main" xmlns="" id="{2514E10A-0E65-4430-A48F-330F1F0FD1D1}"/>
               </a:ext>
             </a:extLst>
           </p:cNvPr>
@@ -17017,7 +17018,7 @@
           <p:cNvPr id="31" name="Rectangle 5">
             <a:extLst>
               <a:ext uri="{FF2B5EF4-FFF2-40B4-BE49-F238E27FC236}">
-                <a16:creationId xmlns="" xmlns:a16="http://schemas.microsoft.com/office/drawing/2014/main" id="{DFDC7F0A-882C-4149-983D-9A958C225794}"/>
+                <a16:creationId xmlns:a16="http://schemas.microsoft.com/office/drawing/2014/main" xmlns="" id="{DFDC7F0A-882C-4149-983D-9A958C225794}"/>
               </a:ext>
             </a:extLst>
           </p:cNvPr>
@@ -17057,7 +17058,7 @@
           <p:cNvPr id="32" name="Ovale 33">
             <a:extLst>
               <a:ext uri="{FF2B5EF4-FFF2-40B4-BE49-F238E27FC236}">
-                <a16:creationId xmlns="" xmlns:a16="http://schemas.microsoft.com/office/drawing/2014/main" id="{3D0173EE-08DD-4F1E-9226-740254360410}"/>
+                <a16:creationId xmlns:a16="http://schemas.microsoft.com/office/drawing/2014/main" xmlns="" id="{3D0173EE-08DD-4F1E-9226-740254360410}"/>
               </a:ext>
             </a:extLst>
           </p:cNvPr>
@@ -17105,7 +17106,7 @@
           <p:cNvPr id="33" name="Straight Arrow Connector 32">
             <a:extLst>
               <a:ext uri="{FF2B5EF4-FFF2-40B4-BE49-F238E27FC236}">
-                <a16:creationId xmlns="" xmlns:a16="http://schemas.microsoft.com/office/drawing/2014/main" id="{F5733152-082A-43F7-B943-085C85850C21}"/>
+                <a16:creationId xmlns:a16="http://schemas.microsoft.com/office/drawing/2014/main" xmlns="" id="{F5733152-082A-43F7-B943-085C85850C21}"/>
               </a:ext>
             </a:extLst>
           </p:cNvPr>
@@ -17146,7 +17147,7 @@
           <p:cNvPr id="34" name="Connector: Elbow 33">
             <a:extLst>
               <a:ext uri="{FF2B5EF4-FFF2-40B4-BE49-F238E27FC236}">
-                <a16:creationId xmlns="" xmlns:a16="http://schemas.microsoft.com/office/drawing/2014/main" id="{6E0866FF-855D-4981-849D-973D1B152AB3}"/>
+                <a16:creationId xmlns:a16="http://schemas.microsoft.com/office/drawing/2014/main" xmlns="" id="{6E0866FF-855D-4981-849D-973D1B152AB3}"/>
               </a:ext>
             </a:extLst>
           </p:cNvPr>
@@ -17192,7 +17193,7 @@
           <p:cNvPr id="35" name="Oval 34">
             <a:extLst>
               <a:ext uri="{FF2B5EF4-FFF2-40B4-BE49-F238E27FC236}">
-                <a16:creationId xmlns="" xmlns:a16="http://schemas.microsoft.com/office/drawing/2014/main" id="{65481011-CBAC-4F9B-821D-2FF28D949DEA}"/>
+                <a16:creationId xmlns:a16="http://schemas.microsoft.com/office/drawing/2014/main" xmlns="" id="{65481011-CBAC-4F9B-821D-2FF28D949DEA}"/>
               </a:ext>
             </a:extLst>
           </p:cNvPr>
@@ -17246,7 +17247,7 @@
           <p:cNvPr id="36" name="Connettore 2 92">
             <a:extLst>
               <a:ext uri="{FF2B5EF4-FFF2-40B4-BE49-F238E27FC236}">
-                <a16:creationId xmlns="" xmlns:a16="http://schemas.microsoft.com/office/drawing/2014/main" id="{6FD6BF04-777C-407D-B010-E858A36FD965}"/>
+                <a16:creationId xmlns:a16="http://schemas.microsoft.com/office/drawing/2014/main" xmlns="" id="{6FD6BF04-777C-407D-B010-E858A36FD965}"/>
               </a:ext>
             </a:extLst>
           </p:cNvPr>
@@ -17286,7 +17287,7 @@
           <p:cNvPr id="38" name="Rectangle 5">
             <a:extLst>
               <a:ext uri="{FF2B5EF4-FFF2-40B4-BE49-F238E27FC236}">
-                <a16:creationId xmlns="" xmlns:a16="http://schemas.microsoft.com/office/drawing/2014/main" id="{EB817455-7F07-4D5C-B180-91ED8A2903CA}"/>
+                <a16:creationId xmlns:a16="http://schemas.microsoft.com/office/drawing/2014/main" xmlns="" id="{EB817455-7F07-4D5C-B180-91ED8A2903CA}"/>
               </a:ext>
             </a:extLst>
           </p:cNvPr>
@@ -17389,7 +17390,7 @@
           <p:cNvPr id="39" name="Rectangle 5">
             <a:extLst>
               <a:ext uri="{FF2B5EF4-FFF2-40B4-BE49-F238E27FC236}">
-                <a16:creationId xmlns="" xmlns:a16="http://schemas.microsoft.com/office/drawing/2014/main" id="{57B70A4C-684C-498F-B66C-2400E2253AFD}"/>
+                <a16:creationId xmlns:a16="http://schemas.microsoft.com/office/drawing/2014/main" xmlns="" id="{57B70A4C-684C-498F-B66C-2400E2253AFD}"/>
               </a:ext>
             </a:extLst>
           </p:cNvPr>
@@ -18935,7 +18936,7 @@
           <p:cNvPr id="125" name="Rectangle 5">
             <a:extLst>
               <a:ext uri="{FF2B5EF4-FFF2-40B4-BE49-F238E27FC236}">
-                <a16:creationId xmlns="" xmlns:a16="http://schemas.microsoft.com/office/drawing/2014/main" id="{9529310F-209D-4FC3-82E8-EEC7E3A85851}"/>
+                <a16:creationId xmlns:a16="http://schemas.microsoft.com/office/drawing/2014/main" xmlns="" id="{9529310F-209D-4FC3-82E8-EEC7E3A85851}"/>
               </a:ext>
             </a:extLst>
           </p:cNvPr>
@@ -18982,7 +18983,7 @@
           <p:cNvPr id="126" name="Rectangle 5">
             <a:extLst>
               <a:ext uri="{FF2B5EF4-FFF2-40B4-BE49-F238E27FC236}">
-                <a16:creationId xmlns="" xmlns:a16="http://schemas.microsoft.com/office/drawing/2014/main" id="{9529310F-209D-4FC3-82E8-EEC7E3A85851}"/>
+                <a16:creationId xmlns:a16="http://schemas.microsoft.com/office/drawing/2014/main" xmlns="" id="{9529310F-209D-4FC3-82E8-EEC7E3A85851}"/>
               </a:ext>
             </a:extLst>
           </p:cNvPr>
@@ -22132,7 +22133,7 @@
           <p:cNvPr id="62" name="Rectangle 5">
             <a:extLst>
               <a:ext uri="{FF2B5EF4-FFF2-40B4-BE49-F238E27FC236}">
-                <a16:creationId xmlns="" xmlns:a16="http://schemas.microsoft.com/office/drawing/2014/main" id="{9529310F-209D-4FC3-82E8-EEC7E3A85851}"/>
+                <a16:creationId xmlns:a16="http://schemas.microsoft.com/office/drawing/2014/main" xmlns="" id="{9529310F-209D-4FC3-82E8-EEC7E3A85851}"/>
               </a:ext>
             </a:extLst>
           </p:cNvPr>
@@ -22514,7 +22515,7 @@
           <p:cNvPr id="101" name="Gruppo 82">
             <a:extLst>
               <a:ext uri="{FF2B5EF4-FFF2-40B4-BE49-F238E27FC236}">
-                <a16:creationId xmlns="" xmlns:a16="http://schemas.microsoft.com/office/drawing/2014/main" id="{12D969AC-9EB0-4CF5-9EE5-D0DD7ACA9C72}"/>
+                <a16:creationId xmlns:a16="http://schemas.microsoft.com/office/drawing/2014/main" xmlns="" id="{12D969AC-9EB0-4CF5-9EE5-D0DD7ACA9C72}"/>
               </a:ext>
             </a:extLst>
           </p:cNvPr>
@@ -22534,7 +22535,7 @@
             <p:cNvPr id="102" name="Ovale 38">
               <a:extLst>
                 <a:ext uri="{FF2B5EF4-FFF2-40B4-BE49-F238E27FC236}">
-                  <a16:creationId xmlns="" xmlns:a16="http://schemas.microsoft.com/office/drawing/2014/main" id="{0EB3DE65-C1E4-4AD3-B909-2646317ECA68}"/>
+                  <a16:creationId xmlns:a16="http://schemas.microsoft.com/office/drawing/2014/main" xmlns="" id="{0EB3DE65-C1E4-4AD3-B909-2646317ECA68}"/>
                 </a:ext>
               </a:extLst>
             </p:cNvPr>
@@ -22585,7 +22586,7 @@
             <p:cNvPr id="103" name="Rettangolo 39">
               <a:extLst>
                 <a:ext uri="{FF2B5EF4-FFF2-40B4-BE49-F238E27FC236}">
-                  <a16:creationId xmlns="" xmlns:a16="http://schemas.microsoft.com/office/drawing/2014/main" id="{AAF0ABD1-BB2B-450B-9369-91FF5B4CE129}"/>
+                  <a16:creationId xmlns:a16="http://schemas.microsoft.com/office/drawing/2014/main" xmlns="" id="{AAF0ABD1-BB2B-450B-9369-91FF5B4CE129}"/>
                 </a:ext>
               </a:extLst>
             </p:cNvPr>
@@ -22633,7 +22634,7 @@
             <p:cNvPr id="108" name="Triangolo isoscele 42">
               <a:extLst>
                 <a:ext uri="{FF2B5EF4-FFF2-40B4-BE49-F238E27FC236}">
-                  <a16:creationId xmlns="" xmlns:a16="http://schemas.microsoft.com/office/drawing/2014/main" id="{34D1AFB1-88AB-4A6C-9824-2CF6DE11BF7C}"/>
+                  <a16:creationId xmlns:a16="http://schemas.microsoft.com/office/drawing/2014/main" xmlns="" id="{34D1AFB1-88AB-4A6C-9824-2CF6DE11BF7C}"/>
                 </a:ext>
               </a:extLst>
             </p:cNvPr>
@@ -22715,7 +22716,7 @@
           <p:cNvPr id="111" name="Gruppo 82">
             <a:extLst>
               <a:ext uri="{FF2B5EF4-FFF2-40B4-BE49-F238E27FC236}">
-                <a16:creationId xmlns="" xmlns:a16="http://schemas.microsoft.com/office/drawing/2014/main" id="{12D969AC-9EB0-4CF5-9EE5-D0DD7ACA9C72}"/>
+                <a16:creationId xmlns:a16="http://schemas.microsoft.com/office/drawing/2014/main" xmlns="" id="{12D969AC-9EB0-4CF5-9EE5-D0DD7ACA9C72}"/>
               </a:ext>
             </a:extLst>
           </p:cNvPr>
@@ -22735,7 +22736,7 @@
             <p:cNvPr id="113" name="Ovale 38">
               <a:extLst>
                 <a:ext uri="{FF2B5EF4-FFF2-40B4-BE49-F238E27FC236}">
-                  <a16:creationId xmlns="" xmlns:a16="http://schemas.microsoft.com/office/drawing/2014/main" id="{0EB3DE65-C1E4-4AD3-B909-2646317ECA68}"/>
+                  <a16:creationId xmlns:a16="http://schemas.microsoft.com/office/drawing/2014/main" xmlns="" id="{0EB3DE65-C1E4-4AD3-B909-2646317ECA68}"/>
                 </a:ext>
               </a:extLst>
             </p:cNvPr>
@@ -22786,7 +22787,7 @@
             <p:cNvPr id="114" name="Rettangolo 39">
               <a:extLst>
                 <a:ext uri="{FF2B5EF4-FFF2-40B4-BE49-F238E27FC236}">
-                  <a16:creationId xmlns="" xmlns:a16="http://schemas.microsoft.com/office/drawing/2014/main" id="{AAF0ABD1-BB2B-450B-9369-91FF5B4CE129}"/>
+                  <a16:creationId xmlns:a16="http://schemas.microsoft.com/office/drawing/2014/main" xmlns="" id="{AAF0ABD1-BB2B-450B-9369-91FF5B4CE129}"/>
                 </a:ext>
               </a:extLst>
             </p:cNvPr>
@@ -22834,7 +22835,7 @@
             <p:cNvPr id="115" name="Triangolo isoscele 42">
               <a:extLst>
                 <a:ext uri="{FF2B5EF4-FFF2-40B4-BE49-F238E27FC236}">
-                  <a16:creationId xmlns="" xmlns:a16="http://schemas.microsoft.com/office/drawing/2014/main" id="{34D1AFB1-88AB-4A6C-9824-2CF6DE11BF7C}"/>
+                  <a16:creationId xmlns:a16="http://schemas.microsoft.com/office/drawing/2014/main" xmlns="" id="{34D1AFB1-88AB-4A6C-9824-2CF6DE11BF7C}"/>
                 </a:ext>
               </a:extLst>
             </p:cNvPr>
@@ -22887,7 +22888,7 @@
           <p:cNvPr id="116" name="Gruppo 82">
             <a:extLst>
               <a:ext uri="{FF2B5EF4-FFF2-40B4-BE49-F238E27FC236}">
-                <a16:creationId xmlns="" xmlns:a16="http://schemas.microsoft.com/office/drawing/2014/main" id="{12D969AC-9EB0-4CF5-9EE5-D0DD7ACA9C72}"/>
+                <a16:creationId xmlns:a16="http://schemas.microsoft.com/office/drawing/2014/main" xmlns="" id="{12D969AC-9EB0-4CF5-9EE5-D0DD7ACA9C72}"/>
               </a:ext>
             </a:extLst>
           </p:cNvPr>
@@ -22907,7 +22908,7 @@
             <p:cNvPr id="118" name="Ovale 38">
               <a:extLst>
                 <a:ext uri="{FF2B5EF4-FFF2-40B4-BE49-F238E27FC236}">
-                  <a16:creationId xmlns="" xmlns:a16="http://schemas.microsoft.com/office/drawing/2014/main" id="{0EB3DE65-C1E4-4AD3-B909-2646317ECA68}"/>
+                  <a16:creationId xmlns:a16="http://schemas.microsoft.com/office/drawing/2014/main" xmlns="" id="{0EB3DE65-C1E4-4AD3-B909-2646317ECA68}"/>
                 </a:ext>
               </a:extLst>
             </p:cNvPr>
@@ -22958,7 +22959,7 @@
             <p:cNvPr id="124" name="Rettangolo 39">
               <a:extLst>
                 <a:ext uri="{FF2B5EF4-FFF2-40B4-BE49-F238E27FC236}">
-                  <a16:creationId xmlns="" xmlns:a16="http://schemas.microsoft.com/office/drawing/2014/main" id="{AAF0ABD1-BB2B-450B-9369-91FF5B4CE129}"/>
+                  <a16:creationId xmlns:a16="http://schemas.microsoft.com/office/drawing/2014/main" xmlns="" id="{AAF0ABD1-BB2B-450B-9369-91FF5B4CE129}"/>
                 </a:ext>
               </a:extLst>
             </p:cNvPr>
@@ -23006,7 +23007,7 @@
             <p:cNvPr id="125" name="Triangolo isoscele 42">
               <a:extLst>
                 <a:ext uri="{FF2B5EF4-FFF2-40B4-BE49-F238E27FC236}">
-                  <a16:creationId xmlns="" xmlns:a16="http://schemas.microsoft.com/office/drawing/2014/main" id="{34D1AFB1-88AB-4A6C-9824-2CF6DE11BF7C}"/>
+                  <a16:creationId xmlns:a16="http://schemas.microsoft.com/office/drawing/2014/main" xmlns="" id="{34D1AFB1-88AB-4A6C-9824-2CF6DE11BF7C}"/>
                 </a:ext>
               </a:extLst>
             </p:cNvPr>
@@ -23203,7 +23204,7 @@
           <p:cNvPr id="136" name="Ovale 33">
             <a:extLst>
               <a:ext uri="{FF2B5EF4-FFF2-40B4-BE49-F238E27FC236}">
-                <a16:creationId xmlns="" xmlns:a16="http://schemas.microsoft.com/office/drawing/2014/main" id="{A4E6BBEC-1E11-48AC-9881-2BCB8F6CF48A}"/>
+                <a16:creationId xmlns:a16="http://schemas.microsoft.com/office/drawing/2014/main" xmlns="" id="{A4E6BBEC-1E11-48AC-9881-2BCB8F6CF48A}"/>
               </a:ext>
             </a:extLst>
           </p:cNvPr>
@@ -23251,7 +23252,7 @@
           <p:cNvPr id="137" name="Connettore 2 126">
             <a:extLst>
               <a:ext uri="{FF2B5EF4-FFF2-40B4-BE49-F238E27FC236}">
-                <a16:creationId xmlns="" xmlns:a16="http://schemas.microsoft.com/office/drawing/2014/main" id="{36CC678F-7232-496B-B9F9-4DE6B53CD494}"/>
+                <a16:creationId xmlns:a16="http://schemas.microsoft.com/office/drawing/2014/main" xmlns="" id="{36CC678F-7232-496B-B9F9-4DE6B53CD494}"/>
               </a:ext>
             </a:extLst>
           </p:cNvPr>
@@ -23294,7 +23295,7 @@
           <p:cNvPr id="138" name="Rectangle 5">
             <a:extLst>
               <a:ext uri="{FF2B5EF4-FFF2-40B4-BE49-F238E27FC236}">
-                <a16:creationId xmlns="" xmlns:a16="http://schemas.microsoft.com/office/drawing/2014/main" id="{DFDC7F0A-882C-4149-983D-9A958C225794}"/>
+                <a16:creationId xmlns:a16="http://schemas.microsoft.com/office/drawing/2014/main" xmlns="" id="{DFDC7F0A-882C-4149-983D-9A958C225794}"/>
               </a:ext>
             </a:extLst>
           </p:cNvPr>
@@ -23334,7 +23335,7 @@
           <p:cNvPr id="139" name="Ovale 33">
             <a:extLst>
               <a:ext uri="{FF2B5EF4-FFF2-40B4-BE49-F238E27FC236}">
-                <a16:creationId xmlns="" xmlns:a16="http://schemas.microsoft.com/office/drawing/2014/main" id="{3D0173EE-08DD-4F1E-9226-740254360410}"/>
+                <a16:creationId xmlns:a16="http://schemas.microsoft.com/office/drawing/2014/main" xmlns="" id="{3D0173EE-08DD-4F1E-9226-740254360410}"/>
               </a:ext>
             </a:extLst>
           </p:cNvPr>
@@ -23382,7 +23383,7 @@
           <p:cNvPr id="140" name="Straight Arrow Connector 32">
             <a:extLst>
               <a:ext uri="{FF2B5EF4-FFF2-40B4-BE49-F238E27FC236}">
-                <a16:creationId xmlns="" xmlns:a16="http://schemas.microsoft.com/office/drawing/2014/main" id="{F5733152-082A-43F7-B943-085C85850C21}"/>
+                <a16:creationId xmlns:a16="http://schemas.microsoft.com/office/drawing/2014/main" xmlns="" id="{F5733152-082A-43F7-B943-085C85850C21}"/>
               </a:ext>
             </a:extLst>
           </p:cNvPr>
@@ -23775,7 +23776,7 @@
           <p:cNvPr id="7" name="Rectangle 5">
             <a:extLst>
               <a:ext uri="{FF2B5EF4-FFF2-40B4-BE49-F238E27FC236}">
-                <a16:creationId xmlns="" xmlns:a16="http://schemas.microsoft.com/office/drawing/2014/main" id="{9529310F-209D-4FC3-82E8-EEC7E3A85851}"/>
+                <a16:creationId xmlns:a16="http://schemas.microsoft.com/office/drawing/2014/main" xmlns="" id="{9529310F-209D-4FC3-82E8-EEC7E3A85851}"/>
               </a:ext>
             </a:extLst>
           </p:cNvPr>
@@ -24052,7 +24053,7 @@
           <p:cNvPr id="16" name="Gruppo 82">
             <a:extLst>
               <a:ext uri="{FF2B5EF4-FFF2-40B4-BE49-F238E27FC236}">
-                <a16:creationId xmlns="" xmlns:a16="http://schemas.microsoft.com/office/drawing/2014/main" id="{12D969AC-9EB0-4CF5-9EE5-D0DD7ACA9C72}"/>
+                <a16:creationId xmlns:a16="http://schemas.microsoft.com/office/drawing/2014/main" xmlns="" id="{12D969AC-9EB0-4CF5-9EE5-D0DD7ACA9C72}"/>
               </a:ext>
             </a:extLst>
           </p:cNvPr>
@@ -24072,7 +24073,7 @@
             <p:cNvPr id="17" name="Ovale 38">
               <a:extLst>
                 <a:ext uri="{FF2B5EF4-FFF2-40B4-BE49-F238E27FC236}">
-                  <a16:creationId xmlns="" xmlns:a16="http://schemas.microsoft.com/office/drawing/2014/main" id="{0EB3DE65-C1E4-4AD3-B909-2646317ECA68}"/>
+                  <a16:creationId xmlns:a16="http://schemas.microsoft.com/office/drawing/2014/main" xmlns="" id="{0EB3DE65-C1E4-4AD3-B909-2646317ECA68}"/>
                 </a:ext>
               </a:extLst>
             </p:cNvPr>
@@ -24123,7 +24124,7 @@
             <p:cNvPr id="18" name="Rettangolo 39">
               <a:extLst>
                 <a:ext uri="{FF2B5EF4-FFF2-40B4-BE49-F238E27FC236}">
-                  <a16:creationId xmlns="" xmlns:a16="http://schemas.microsoft.com/office/drawing/2014/main" id="{AAF0ABD1-BB2B-450B-9369-91FF5B4CE129}"/>
+                  <a16:creationId xmlns:a16="http://schemas.microsoft.com/office/drawing/2014/main" xmlns="" id="{AAF0ABD1-BB2B-450B-9369-91FF5B4CE129}"/>
                 </a:ext>
               </a:extLst>
             </p:cNvPr>
@@ -24171,7 +24172,7 @@
             <p:cNvPr id="19" name="Triangolo isoscele 42">
               <a:extLst>
                 <a:ext uri="{FF2B5EF4-FFF2-40B4-BE49-F238E27FC236}">
-                  <a16:creationId xmlns="" xmlns:a16="http://schemas.microsoft.com/office/drawing/2014/main" id="{34D1AFB1-88AB-4A6C-9824-2CF6DE11BF7C}"/>
+                  <a16:creationId xmlns:a16="http://schemas.microsoft.com/office/drawing/2014/main" xmlns="" id="{34D1AFB1-88AB-4A6C-9824-2CF6DE11BF7C}"/>
                 </a:ext>
               </a:extLst>
             </p:cNvPr>
@@ -24385,7 +24386,7 @@
           <p:cNvPr id="25" name="Rectangle 5">
             <a:extLst>
               <a:ext uri="{FF2B5EF4-FFF2-40B4-BE49-F238E27FC236}">
-                <a16:creationId xmlns="" xmlns:a16="http://schemas.microsoft.com/office/drawing/2014/main" id="{9529310F-209D-4FC3-82E8-EEC7E3A85851}"/>
+                <a16:creationId xmlns:a16="http://schemas.microsoft.com/office/drawing/2014/main" xmlns="" id="{9529310F-209D-4FC3-82E8-EEC7E3A85851}"/>
               </a:ext>
             </a:extLst>
           </p:cNvPr>
@@ -24734,7 +24735,7 @@
           <p:cNvPr id="42" name="Rectangle 5">
             <a:extLst>
               <a:ext uri="{FF2B5EF4-FFF2-40B4-BE49-F238E27FC236}">
-                <a16:creationId xmlns="" xmlns:a16="http://schemas.microsoft.com/office/drawing/2014/main" id="{9529310F-209D-4FC3-82E8-EEC7E3A85851}"/>
+                <a16:creationId xmlns:a16="http://schemas.microsoft.com/office/drawing/2014/main" xmlns="" id="{9529310F-209D-4FC3-82E8-EEC7E3A85851}"/>
               </a:ext>
             </a:extLst>
           </p:cNvPr>
@@ -24941,7 +24942,7 @@
           <p:cNvPr id="50" name="Rectangle 5">
             <a:extLst>
               <a:ext uri="{FF2B5EF4-FFF2-40B4-BE49-F238E27FC236}">
-                <a16:creationId xmlns="" xmlns:a16="http://schemas.microsoft.com/office/drawing/2014/main" id="{9529310F-209D-4FC3-82E8-EEC7E3A85851}"/>
+                <a16:creationId xmlns:a16="http://schemas.microsoft.com/office/drawing/2014/main" xmlns="" id="{9529310F-209D-4FC3-82E8-EEC7E3A85851}"/>
               </a:ext>
             </a:extLst>
           </p:cNvPr>
@@ -25307,7 +25308,7 @@
           <p:cNvPr id="8" name="Rectangle 5">
             <a:extLst>
               <a:ext uri="{FF2B5EF4-FFF2-40B4-BE49-F238E27FC236}">
-                <a16:creationId xmlns="" xmlns:a16="http://schemas.microsoft.com/office/drawing/2014/main" id="{9529310F-209D-4FC3-82E8-EEC7E3A85851}"/>
+                <a16:creationId xmlns:a16="http://schemas.microsoft.com/office/drawing/2014/main" xmlns="" id="{9529310F-209D-4FC3-82E8-EEC7E3A85851}"/>
               </a:ext>
             </a:extLst>
           </p:cNvPr>
@@ -25514,7 +25515,7 @@
           <p:cNvPr id="13" name="Rectangle 5">
             <a:extLst>
               <a:ext uri="{FF2B5EF4-FFF2-40B4-BE49-F238E27FC236}">
-                <a16:creationId xmlns="" xmlns:a16="http://schemas.microsoft.com/office/drawing/2014/main" id="{9529310F-209D-4FC3-82E8-EEC7E3A85851}"/>
+                <a16:creationId xmlns:a16="http://schemas.microsoft.com/office/drawing/2014/main" xmlns="" id="{9529310F-209D-4FC3-82E8-EEC7E3A85851}"/>
               </a:ext>
             </a:extLst>
           </p:cNvPr>
@@ -25861,7 +25862,7 @@
           <p:cNvPr id="45" name="Gruppo 82">
             <a:extLst>
               <a:ext uri="{FF2B5EF4-FFF2-40B4-BE49-F238E27FC236}">
-                <a16:creationId xmlns="" xmlns:a16="http://schemas.microsoft.com/office/drawing/2014/main" id="{12D969AC-9EB0-4CF5-9EE5-D0DD7ACA9C72}"/>
+                <a16:creationId xmlns:a16="http://schemas.microsoft.com/office/drawing/2014/main" xmlns="" id="{12D969AC-9EB0-4CF5-9EE5-D0DD7ACA9C72}"/>
               </a:ext>
             </a:extLst>
           </p:cNvPr>
@@ -25881,7 +25882,7 @@
             <p:cNvPr id="46" name="Ovale 38">
               <a:extLst>
                 <a:ext uri="{FF2B5EF4-FFF2-40B4-BE49-F238E27FC236}">
-                  <a16:creationId xmlns="" xmlns:a16="http://schemas.microsoft.com/office/drawing/2014/main" id="{0EB3DE65-C1E4-4AD3-B909-2646317ECA68}"/>
+                  <a16:creationId xmlns:a16="http://schemas.microsoft.com/office/drawing/2014/main" xmlns="" id="{0EB3DE65-C1E4-4AD3-B909-2646317ECA68}"/>
                 </a:ext>
               </a:extLst>
             </p:cNvPr>
@@ -25932,7 +25933,7 @@
             <p:cNvPr id="47" name="Triangolo isoscele 42">
               <a:extLst>
                 <a:ext uri="{FF2B5EF4-FFF2-40B4-BE49-F238E27FC236}">
-                  <a16:creationId xmlns="" xmlns:a16="http://schemas.microsoft.com/office/drawing/2014/main" id="{34D1AFB1-88AB-4A6C-9824-2CF6DE11BF7C}"/>
+                  <a16:creationId xmlns:a16="http://schemas.microsoft.com/office/drawing/2014/main" xmlns="" id="{34D1AFB1-88AB-4A6C-9824-2CF6DE11BF7C}"/>
                 </a:ext>
               </a:extLst>
             </p:cNvPr>
@@ -26031,7 +26032,7 @@
           <p:cNvPr id="4" name="Gruppo 82">
             <a:extLst>
               <a:ext uri="{FF2B5EF4-FFF2-40B4-BE49-F238E27FC236}">
-                <a16:creationId xmlns="" xmlns:a16="http://schemas.microsoft.com/office/drawing/2014/main" id="{12D969AC-9EB0-4CF5-9EE5-D0DD7ACA9C72}"/>
+                <a16:creationId xmlns:a16="http://schemas.microsoft.com/office/drawing/2014/main" xmlns="" id="{12D969AC-9EB0-4CF5-9EE5-D0DD7ACA9C72}"/>
               </a:ext>
             </a:extLst>
           </p:cNvPr>
@@ -26051,7 +26052,7 @@
             <p:cNvPr id="5" name="Ovale 38">
               <a:extLst>
                 <a:ext uri="{FF2B5EF4-FFF2-40B4-BE49-F238E27FC236}">
-                  <a16:creationId xmlns="" xmlns:a16="http://schemas.microsoft.com/office/drawing/2014/main" id="{0EB3DE65-C1E4-4AD3-B909-2646317ECA68}"/>
+                  <a16:creationId xmlns:a16="http://schemas.microsoft.com/office/drawing/2014/main" xmlns="" id="{0EB3DE65-C1E4-4AD3-B909-2646317ECA68}"/>
                 </a:ext>
               </a:extLst>
             </p:cNvPr>
@@ -26102,7 +26103,7 @@
             <p:cNvPr id="7" name="Triangolo isoscele 42">
               <a:extLst>
                 <a:ext uri="{FF2B5EF4-FFF2-40B4-BE49-F238E27FC236}">
-                  <a16:creationId xmlns="" xmlns:a16="http://schemas.microsoft.com/office/drawing/2014/main" id="{34D1AFB1-88AB-4A6C-9824-2CF6DE11BF7C}"/>
+                  <a16:creationId xmlns:a16="http://schemas.microsoft.com/office/drawing/2014/main" xmlns="" id="{34D1AFB1-88AB-4A6C-9824-2CF6DE11BF7C}"/>
                 </a:ext>
               </a:extLst>
             </p:cNvPr>
@@ -26404,7 +26405,7 @@
           <p:cNvPr id="16" name="Ovale 33">
             <a:extLst>
               <a:ext uri="{FF2B5EF4-FFF2-40B4-BE49-F238E27FC236}">
-                <a16:creationId xmlns="" xmlns:a16="http://schemas.microsoft.com/office/drawing/2014/main" id="{A4E6BBEC-1E11-48AC-9881-2BCB8F6CF48A}"/>
+                <a16:creationId xmlns:a16="http://schemas.microsoft.com/office/drawing/2014/main" xmlns="" id="{A4E6BBEC-1E11-48AC-9881-2BCB8F6CF48A}"/>
               </a:ext>
             </a:extLst>
           </p:cNvPr>
@@ -26452,7 +26453,7 @@
           <p:cNvPr id="17" name="Gruppo 82">
             <a:extLst>
               <a:ext uri="{FF2B5EF4-FFF2-40B4-BE49-F238E27FC236}">
-                <a16:creationId xmlns="" xmlns:a16="http://schemas.microsoft.com/office/drawing/2014/main" id="{12D969AC-9EB0-4CF5-9EE5-D0DD7ACA9C72}"/>
+                <a16:creationId xmlns:a16="http://schemas.microsoft.com/office/drawing/2014/main" xmlns="" id="{12D969AC-9EB0-4CF5-9EE5-D0DD7ACA9C72}"/>
               </a:ext>
             </a:extLst>
           </p:cNvPr>
@@ -26472,7 +26473,7 @@
             <p:cNvPr id="18" name="Ovale 38">
               <a:extLst>
                 <a:ext uri="{FF2B5EF4-FFF2-40B4-BE49-F238E27FC236}">
-                  <a16:creationId xmlns="" xmlns:a16="http://schemas.microsoft.com/office/drawing/2014/main" id="{0EB3DE65-C1E4-4AD3-B909-2646317ECA68}"/>
+                  <a16:creationId xmlns:a16="http://schemas.microsoft.com/office/drawing/2014/main" xmlns="" id="{0EB3DE65-C1E4-4AD3-B909-2646317ECA68}"/>
                 </a:ext>
               </a:extLst>
             </p:cNvPr>
@@ -26523,7 +26524,7 @@
             <p:cNvPr id="19" name="Triangolo isoscele 42">
               <a:extLst>
                 <a:ext uri="{FF2B5EF4-FFF2-40B4-BE49-F238E27FC236}">
-                  <a16:creationId xmlns="" xmlns:a16="http://schemas.microsoft.com/office/drawing/2014/main" id="{34D1AFB1-88AB-4A6C-9824-2CF6DE11BF7C}"/>
+                  <a16:creationId xmlns:a16="http://schemas.microsoft.com/office/drawing/2014/main" xmlns="" id="{34D1AFB1-88AB-4A6C-9824-2CF6DE11BF7C}"/>
                 </a:ext>
               </a:extLst>
             </p:cNvPr>
@@ -26612,7 +26613,7 @@
           <p:cNvPr id="23" name="Gruppo 82">
             <a:extLst>
               <a:ext uri="{FF2B5EF4-FFF2-40B4-BE49-F238E27FC236}">
-                <a16:creationId xmlns="" xmlns:a16="http://schemas.microsoft.com/office/drawing/2014/main" id="{12D969AC-9EB0-4CF5-9EE5-D0DD7ACA9C72}"/>
+                <a16:creationId xmlns:a16="http://schemas.microsoft.com/office/drawing/2014/main" xmlns="" id="{12D969AC-9EB0-4CF5-9EE5-D0DD7ACA9C72}"/>
               </a:ext>
             </a:extLst>
           </p:cNvPr>
@@ -26632,7 +26633,7 @@
             <p:cNvPr id="24" name="Ovale 38">
               <a:extLst>
                 <a:ext uri="{FF2B5EF4-FFF2-40B4-BE49-F238E27FC236}">
-                  <a16:creationId xmlns="" xmlns:a16="http://schemas.microsoft.com/office/drawing/2014/main" id="{0EB3DE65-C1E4-4AD3-B909-2646317ECA68}"/>
+                  <a16:creationId xmlns:a16="http://schemas.microsoft.com/office/drawing/2014/main" xmlns="" id="{0EB3DE65-C1E4-4AD3-B909-2646317ECA68}"/>
                 </a:ext>
               </a:extLst>
             </p:cNvPr>
@@ -26683,7 +26684,7 @@
             <p:cNvPr id="25" name="Triangolo isoscele 42">
               <a:extLst>
                 <a:ext uri="{FF2B5EF4-FFF2-40B4-BE49-F238E27FC236}">
-                  <a16:creationId xmlns="" xmlns:a16="http://schemas.microsoft.com/office/drawing/2014/main" id="{34D1AFB1-88AB-4A6C-9824-2CF6DE11BF7C}"/>
+                  <a16:creationId xmlns:a16="http://schemas.microsoft.com/office/drawing/2014/main" xmlns="" id="{34D1AFB1-88AB-4A6C-9824-2CF6DE11BF7C}"/>
                 </a:ext>
               </a:extLst>
             </p:cNvPr>
@@ -27252,7 +27253,7 @@
           <p:cNvPr id="54" name="Ovale 33">
             <a:extLst>
               <a:ext uri="{FF2B5EF4-FFF2-40B4-BE49-F238E27FC236}">
-                <a16:creationId xmlns="" xmlns:a16="http://schemas.microsoft.com/office/drawing/2014/main" id="{A4E6BBEC-1E11-48AC-9881-2BCB8F6CF48A}"/>
+                <a16:creationId xmlns:a16="http://schemas.microsoft.com/office/drawing/2014/main" xmlns="" id="{A4E6BBEC-1E11-48AC-9881-2BCB8F6CF48A}"/>
               </a:ext>
             </a:extLst>
           </p:cNvPr>
@@ -30138,7 +30139,7 @@
           <p:cNvPr id="4" name="Gruppo 82">
             <a:extLst>
               <a:ext uri="{FF2B5EF4-FFF2-40B4-BE49-F238E27FC236}">
-                <a16:creationId xmlns="" xmlns:a16="http://schemas.microsoft.com/office/drawing/2014/main" id="{12D969AC-9EB0-4CF5-9EE5-D0DD7ACA9C72}"/>
+                <a16:creationId xmlns:a16="http://schemas.microsoft.com/office/drawing/2014/main" xmlns="" id="{12D969AC-9EB0-4CF5-9EE5-D0DD7ACA9C72}"/>
               </a:ext>
             </a:extLst>
           </p:cNvPr>
@@ -30158,7 +30159,7 @@
             <p:cNvPr id="5" name="Ovale 38">
               <a:extLst>
                 <a:ext uri="{FF2B5EF4-FFF2-40B4-BE49-F238E27FC236}">
-                  <a16:creationId xmlns="" xmlns:a16="http://schemas.microsoft.com/office/drawing/2014/main" id="{0EB3DE65-C1E4-4AD3-B909-2646317ECA68}"/>
+                  <a16:creationId xmlns:a16="http://schemas.microsoft.com/office/drawing/2014/main" xmlns="" id="{0EB3DE65-C1E4-4AD3-B909-2646317ECA68}"/>
                 </a:ext>
               </a:extLst>
             </p:cNvPr>
@@ -30209,7 +30210,7 @@
             <p:cNvPr id="6" name="Rettangolo 39">
               <a:extLst>
                 <a:ext uri="{FF2B5EF4-FFF2-40B4-BE49-F238E27FC236}">
-                  <a16:creationId xmlns="" xmlns:a16="http://schemas.microsoft.com/office/drawing/2014/main" id="{AAF0ABD1-BB2B-450B-9369-91FF5B4CE129}"/>
+                  <a16:creationId xmlns:a16="http://schemas.microsoft.com/office/drawing/2014/main" xmlns="" id="{AAF0ABD1-BB2B-450B-9369-91FF5B4CE129}"/>
                 </a:ext>
               </a:extLst>
             </p:cNvPr>
@@ -30257,7 +30258,7 @@
             <p:cNvPr id="7" name="Triangolo isoscele 42">
               <a:extLst>
                 <a:ext uri="{FF2B5EF4-FFF2-40B4-BE49-F238E27FC236}">
-                  <a16:creationId xmlns="" xmlns:a16="http://schemas.microsoft.com/office/drawing/2014/main" id="{34D1AFB1-88AB-4A6C-9824-2CF6DE11BF7C}"/>
+                  <a16:creationId xmlns:a16="http://schemas.microsoft.com/office/drawing/2014/main" xmlns="" id="{34D1AFB1-88AB-4A6C-9824-2CF6DE11BF7C}"/>
                 </a:ext>
               </a:extLst>
             </p:cNvPr>
@@ -30310,7 +30311,7 @@
           <p:cNvPr id="8" name="Gruppo 82">
             <a:extLst>
               <a:ext uri="{FF2B5EF4-FFF2-40B4-BE49-F238E27FC236}">
-                <a16:creationId xmlns="" xmlns:a16="http://schemas.microsoft.com/office/drawing/2014/main" id="{12D969AC-9EB0-4CF5-9EE5-D0DD7ACA9C72}"/>
+                <a16:creationId xmlns:a16="http://schemas.microsoft.com/office/drawing/2014/main" xmlns="" id="{12D969AC-9EB0-4CF5-9EE5-D0DD7ACA9C72}"/>
               </a:ext>
             </a:extLst>
           </p:cNvPr>
@@ -30330,7 +30331,7 @@
             <p:cNvPr id="9" name="Ovale 38">
               <a:extLst>
                 <a:ext uri="{FF2B5EF4-FFF2-40B4-BE49-F238E27FC236}">
-                  <a16:creationId xmlns="" xmlns:a16="http://schemas.microsoft.com/office/drawing/2014/main" id="{0EB3DE65-C1E4-4AD3-B909-2646317ECA68}"/>
+                  <a16:creationId xmlns:a16="http://schemas.microsoft.com/office/drawing/2014/main" xmlns="" id="{0EB3DE65-C1E4-4AD3-B909-2646317ECA68}"/>
                 </a:ext>
               </a:extLst>
             </p:cNvPr>
@@ -30381,7 +30382,7 @@
             <p:cNvPr id="10" name="Rettangolo 39">
               <a:extLst>
                 <a:ext uri="{FF2B5EF4-FFF2-40B4-BE49-F238E27FC236}">
-                  <a16:creationId xmlns="" xmlns:a16="http://schemas.microsoft.com/office/drawing/2014/main" id="{AAF0ABD1-BB2B-450B-9369-91FF5B4CE129}"/>
+                  <a16:creationId xmlns:a16="http://schemas.microsoft.com/office/drawing/2014/main" xmlns="" id="{AAF0ABD1-BB2B-450B-9369-91FF5B4CE129}"/>
                 </a:ext>
               </a:extLst>
             </p:cNvPr>
@@ -30429,7 +30430,7 @@
             <p:cNvPr id="11" name="Triangolo isoscele 42">
               <a:extLst>
                 <a:ext uri="{FF2B5EF4-FFF2-40B4-BE49-F238E27FC236}">
-                  <a16:creationId xmlns="" xmlns:a16="http://schemas.microsoft.com/office/drawing/2014/main" id="{34D1AFB1-88AB-4A6C-9824-2CF6DE11BF7C}"/>
+                  <a16:creationId xmlns:a16="http://schemas.microsoft.com/office/drawing/2014/main" xmlns="" id="{34D1AFB1-88AB-4A6C-9824-2CF6DE11BF7C}"/>
                 </a:ext>
               </a:extLst>
             </p:cNvPr>
@@ -30589,7 +30590,7 @@
           <p:cNvPr id="17" name="Gruppo 82">
             <a:extLst>
               <a:ext uri="{FF2B5EF4-FFF2-40B4-BE49-F238E27FC236}">
-                <a16:creationId xmlns="" xmlns:a16="http://schemas.microsoft.com/office/drawing/2014/main" id="{12D969AC-9EB0-4CF5-9EE5-D0DD7ACA9C72}"/>
+                <a16:creationId xmlns:a16="http://schemas.microsoft.com/office/drawing/2014/main" xmlns="" id="{12D969AC-9EB0-4CF5-9EE5-D0DD7ACA9C72}"/>
               </a:ext>
             </a:extLst>
           </p:cNvPr>
@@ -30609,7 +30610,7 @@
             <p:cNvPr id="18" name="Ovale 38">
               <a:extLst>
                 <a:ext uri="{FF2B5EF4-FFF2-40B4-BE49-F238E27FC236}">
-                  <a16:creationId xmlns="" xmlns:a16="http://schemas.microsoft.com/office/drawing/2014/main" id="{0EB3DE65-C1E4-4AD3-B909-2646317ECA68}"/>
+                  <a16:creationId xmlns:a16="http://schemas.microsoft.com/office/drawing/2014/main" xmlns="" id="{0EB3DE65-C1E4-4AD3-B909-2646317ECA68}"/>
                 </a:ext>
               </a:extLst>
             </p:cNvPr>
@@ -30660,7 +30661,7 @@
             <p:cNvPr id="19" name="Rettangolo 39">
               <a:extLst>
                 <a:ext uri="{FF2B5EF4-FFF2-40B4-BE49-F238E27FC236}">
-                  <a16:creationId xmlns="" xmlns:a16="http://schemas.microsoft.com/office/drawing/2014/main" id="{AAF0ABD1-BB2B-450B-9369-91FF5B4CE129}"/>
+                  <a16:creationId xmlns:a16="http://schemas.microsoft.com/office/drawing/2014/main" xmlns="" id="{AAF0ABD1-BB2B-450B-9369-91FF5B4CE129}"/>
                 </a:ext>
               </a:extLst>
             </p:cNvPr>
@@ -30708,7 +30709,7 @@
             <p:cNvPr id="20" name="Triangolo isoscele 42">
               <a:extLst>
                 <a:ext uri="{FF2B5EF4-FFF2-40B4-BE49-F238E27FC236}">
-                  <a16:creationId xmlns="" xmlns:a16="http://schemas.microsoft.com/office/drawing/2014/main" id="{34D1AFB1-88AB-4A6C-9824-2CF6DE11BF7C}"/>
+                  <a16:creationId xmlns:a16="http://schemas.microsoft.com/office/drawing/2014/main" xmlns="" id="{34D1AFB1-88AB-4A6C-9824-2CF6DE11BF7C}"/>
                 </a:ext>
               </a:extLst>
             </p:cNvPr>
@@ -30894,7 +30895,7 @@
           <p:cNvPr id="30" name="Gruppo 82">
             <a:extLst>
               <a:ext uri="{FF2B5EF4-FFF2-40B4-BE49-F238E27FC236}">
-                <a16:creationId xmlns="" xmlns:a16="http://schemas.microsoft.com/office/drawing/2014/main" id="{12D969AC-9EB0-4CF5-9EE5-D0DD7ACA9C72}"/>
+                <a16:creationId xmlns:a16="http://schemas.microsoft.com/office/drawing/2014/main" xmlns="" id="{12D969AC-9EB0-4CF5-9EE5-D0DD7ACA9C72}"/>
               </a:ext>
             </a:extLst>
           </p:cNvPr>
@@ -30914,7 +30915,7 @@
             <p:cNvPr id="31" name="Ovale 38">
               <a:extLst>
                 <a:ext uri="{FF2B5EF4-FFF2-40B4-BE49-F238E27FC236}">
-                  <a16:creationId xmlns="" xmlns:a16="http://schemas.microsoft.com/office/drawing/2014/main" id="{0EB3DE65-C1E4-4AD3-B909-2646317ECA68}"/>
+                  <a16:creationId xmlns:a16="http://schemas.microsoft.com/office/drawing/2014/main" xmlns="" id="{0EB3DE65-C1E4-4AD3-B909-2646317ECA68}"/>
                 </a:ext>
               </a:extLst>
             </p:cNvPr>
@@ -30965,7 +30966,7 @@
             <p:cNvPr id="32" name="Rettangolo 39">
               <a:extLst>
                 <a:ext uri="{FF2B5EF4-FFF2-40B4-BE49-F238E27FC236}">
-                  <a16:creationId xmlns="" xmlns:a16="http://schemas.microsoft.com/office/drawing/2014/main" id="{AAF0ABD1-BB2B-450B-9369-91FF5B4CE129}"/>
+                  <a16:creationId xmlns:a16="http://schemas.microsoft.com/office/drawing/2014/main" xmlns="" id="{AAF0ABD1-BB2B-450B-9369-91FF5B4CE129}"/>
                 </a:ext>
               </a:extLst>
             </p:cNvPr>
@@ -31013,7 +31014,7 @@
             <p:cNvPr id="33" name="Triangolo isoscele 42">
               <a:extLst>
                 <a:ext uri="{FF2B5EF4-FFF2-40B4-BE49-F238E27FC236}">
-                  <a16:creationId xmlns="" xmlns:a16="http://schemas.microsoft.com/office/drawing/2014/main" id="{34D1AFB1-88AB-4A6C-9824-2CF6DE11BF7C}"/>
+                  <a16:creationId xmlns:a16="http://schemas.microsoft.com/office/drawing/2014/main" xmlns="" id="{34D1AFB1-88AB-4A6C-9824-2CF6DE11BF7C}"/>
                 </a:ext>
               </a:extLst>
             </p:cNvPr>
@@ -31109,7 +31110,7 @@
             <p:cNvPr id="35" name="Ovale 33">
               <a:extLst>
                 <a:ext uri="{FF2B5EF4-FFF2-40B4-BE49-F238E27FC236}">
-                  <a16:creationId xmlns="" xmlns:a16="http://schemas.microsoft.com/office/drawing/2014/main" id="{A4E6BBEC-1E11-48AC-9881-2BCB8F6CF48A}"/>
+                  <a16:creationId xmlns:a16="http://schemas.microsoft.com/office/drawing/2014/main" xmlns="" id="{A4E6BBEC-1E11-48AC-9881-2BCB8F6CF48A}"/>
                 </a:ext>
               </a:extLst>
             </p:cNvPr>
@@ -31157,7 +31158,7 @@
             <p:cNvPr id="36" name="Connettore 2 126">
               <a:extLst>
                 <a:ext uri="{FF2B5EF4-FFF2-40B4-BE49-F238E27FC236}">
-                  <a16:creationId xmlns="" xmlns:a16="http://schemas.microsoft.com/office/drawing/2014/main" id="{36CC678F-7232-496B-B9F9-4DE6B53CD494}"/>
+                  <a16:creationId xmlns:a16="http://schemas.microsoft.com/office/drawing/2014/main" xmlns="" id="{36CC678F-7232-496B-B9F9-4DE6B53CD494}"/>
                 </a:ext>
               </a:extLst>
             </p:cNvPr>
@@ -31988,7 +31989,7 @@
         </p:nvSpPr>
         <p:spPr>
           <a:xfrm>
-            <a:off x="3589398" y="4505900"/>
+            <a:off x="2593021" y="1804643"/>
             <a:ext cx="288032" cy="225757"/>
           </a:xfrm>
           <a:prstGeom prst="ellipse">
@@ -32079,7 +32080,7 @@
           <p:cNvPr id="30" name="Gruppo 82">
             <a:extLst>
               <a:ext uri="{FF2B5EF4-FFF2-40B4-BE49-F238E27FC236}">
-                <a16:creationId xmlns="" xmlns:a16="http://schemas.microsoft.com/office/drawing/2014/main" id="{12D969AC-9EB0-4CF5-9EE5-D0DD7ACA9C72}"/>
+                <a16:creationId xmlns:a16="http://schemas.microsoft.com/office/drawing/2014/main" xmlns="" id="{12D969AC-9EB0-4CF5-9EE5-D0DD7ACA9C72}"/>
               </a:ext>
             </a:extLst>
           </p:cNvPr>
@@ -32088,7 +32089,7 @@
         </p:nvGrpSpPr>
         <p:grpSpPr>
           <a:xfrm>
-            <a:off x="5574825" y="4349360"/>
+            <a:off x="4578448" y="1648103"/>
             <a:ext cx="866156" cy="763297"/>
             <a:chOff x="1194666" y="2417771"/>
             <a:chExt cx="866156" cy="763297"/>
@@ -32099,7 +32100,7 @@
             <p:cNvPr id="31" name="Ovale 38">
               <a:extLst>
                 <a:ext uri="{FF2B5EF4-FFF2-40B4-BE49-F238E27FC236}">
-                  <a16:creationId xmlns="" xmlns:a16="http://schemas.microsoft.com/office/drawing/2014/main" id="{0EB3DE65-C1E4-4AD3-B909-2646317ECA68}"/>
+                  <a16:creationId xmlns:a16="http://schemas.microsoft.com/office/drawing/2014/main" xmlns="" id="{0EB3DE65-C1E4-4AD3-B909-2646317ECA68}"/>
                 </a:ext>
               </a:extLst>
             </p:cNvPr>
@@ -32150,7 +32151,7 @@
             <p:cNvPr id="32" name="Rettangolo 39">
               <a:extLst>
                 <a:ext uri="{FF2